--- a/1st_Seminar(강민수).pptx
+++ b/1st_Seminar(강민수).pptx
@@ -118,6 +118,14 @@
       </a:defRPr>
     </a:lvl9pPr>
   </p:defaultTextStyle>
+  <p:extLst>
+    <p:ext uri="{EFAFB233-063F-42B5-8137-9DF3F51BA10A}">
+      <p15:sldGuideLst xmlns:p15="http://schemas.microsoft.com/office/powerpoint/2012/main"/>
+    </p:ext>
+    <p:ext uri="{2D200454-40CA-4A62-9FC3-DE9A4176ACB9}">
+      <p15:notesGuideLst xmlns:p15="http://schemas.microsoft.com/office/powerpoint/2012/main"/>
+    </p:ext>
+  </p:extLst>
 </p:presentation>
 </file>
 
@@ -203,7 +211,7 @@
           <a:p>
             <a:fld id="{B401493B-0A52-4E9A-A475-D6276A64515A}" type="datetimeFigureOut">
               <a:rPr lang="ko-KR" altLang="en-US" smtClean="0"/>
-              <a:t>2021-01-07</a:t>
+              <a:t>2021-01-08</a:t>
             </a:fld>
             <a:endParaRPr lang="ko-KR" altLang="en-US"/>
           </a:p>
@@ -267,38 +275,37 @@
           <a:p>
             <a:pPr lvl="0"/>
             <a:r>
-              <a:rPr lang="ko-KR" altLang="en-US" smtClean="0"/>
+              <a:rPr lang="ko-KR" altLang="en-US"/>
               <a:t>마스터 텍스트 스타일 편집</a:t>
             </a:r>
           </a:p>
           <a:p>
             <a:pPr lvl="1"/>
             <a:r>
-              <a:rPr lang="ko-KR" altLang="en-US" smtClean="0"/>
+              <a:rPr lang="ko-KR" altLang="en-US"/>
               <a:t>둘째 수준</a:t>
             </a:r>
           </a:p>
           <a:p>
             <a:pPr lvl="2"/>
             <a:r>
-              <a:rPr lang="ko-KR" altLang="en-US" smtClean="0"/>
+              <a:rPr lang="ko-KR" altLang="en-US"/>
               <a:t>셋째 수준</a:t>
             </a:r>
           </a:p>
           <a:p>
             <a:pPr lvl="3"/>
             <a:r>
-              <a:rPr lang="ko-KR" altLang="en-US" smtClean="0"/>
+              <a:rPr lang="ko-KR" altLang="en-US"/>
               <a:t>넷째 수준</a:t>
             </a:r>
           </a:p>
           <a:p>
             <a:pPr lvl="4"/>
             <a:r>
-              <a:rPr lang="ko-KR" altLang="en-US" smtClean="0"/>
+              <a:rPr lang="ko-KR" altLang="en-US"/>
               <a:t>다섯째 수준</a:t>
             </a:r>
-            <a:endParaRPr lang="ko-KR" altLang="en-US"/>
           </a:p>
         </p:txBody>
       </p:sp>
@@ -515,7 +522,7 @@
           </a:lstStyle>
           <a:p>
             <a:r>
-              <a:rPr lang="ko-KR" altLang="en-US" smtClean="0"/>
+              <a:rPr lang="ko-KR" altLang="en-US"/>
               <a:t>마스터 제목 스타일 편집</a:t>
             </a:r>
             <a:endParaRPr lang="en-US" dirty="0"/>
@@ -589,7 +596,7 @@
           </a:lstStyle>
           <a:p>
             <a:r>
-              <a:rPr lang="ko-KR" altLang="en-US" smtClean="0"/>
+              <a:rPr lang="ko-KR" altLang="en-US"/>
               <a:t>클릭하여 마스터 부제목 스타일 편집</a:t>
             </a:r>
             <a:endParaRPr lang="en-US" dirty="0"/>
@@ -614,7 +621,7 @@
             <a:fld id="{B61BEF0D-F0BB-DE4B-95CE-6DB70DBA9567}" type="datetimeFigureOut">
               <a:rPr lang="en-US" smtClean="0"/>
               <a:pPr/>
-              <a:t>1/7/2021</a:t>
+              <a:t>1/8/2021</a:t>
             </a:fld>
             <a:endParaRPr lang="en-US" dirty="0"/>
           </a:p>
@@ -709,7 +716,7 @@
           <a:lstStyle/>
           <a:p>
             <a:r>
-              <a:rPr lang="ko-KR" altLang="en-US" smtClean="0"/>
+              <a:rPr lang="ko-KR" altLang="en-US"/>
               <a:t>마스터 제목 스타일 편집</a:t>
             </a:r>
             <a:endParaRPr lang="en-US"/>
@@ -733,35 +740,35 @@
           <a:p>
             <a:pPr lvl="0"/>
             <a:r>
-              <a:rPr lang="ko-KR" altLang="en-US" smtClean="0"/>
+              <a:rPr lang="ko-KR" altLang="en-US"/>
               <a:t>마스터 텍스트 스타일 편집</a:t>
             </a:r>
           </a:p>
           <a:p>
             <a:pPr lvl="1"/>
             <a:r>
-              <a:rPr lang="ko-KR" altLang="en-US" smtClean="0"/>
+              <a:rPr lang="ko-KR" altLang="en-US"/>
               <a:t>둘째 수준</a:t>
             </a:r>
           </a:p>
           <a:p>
             <a:pPr lvl="2"/>
             <a:r>
-              <a:rPr lang="ko-KR" altLang="en-US" smtClean="0"/>
+              <a:rPr lang="ko-KR" altLang="en-US"/>
               <a:t>셋째 수준</a:t>
             </a:r>
           </a:p>
           <a:p>
             <a:pPr lvl="3"/>
             <a:r>
-              <a:rPr lang="ko-KR" altLang="en-US" smtClean="0"/>
+              <a:rPr lang="ko-KR" altLang="en-US"/>
               <a:t>넷째 수준</a:t>
             </a:r>
           </a:p>
           <a:p>
             <a:pPr lvl="4"/>
             <a:r>
-              <a:rPr lang="ko-KR" altLang="en-US" smtClean="0"/>
+              <a:rPr lang="ko-KR" altLang="en-US"/>
               <a:t>다섯째 수준</a:t>
             </a:r>
             <a:endParaRPr lang="en-US" dirty="0"/>
@@ -786,7 +793,7 @@
             <a:fld id="{B61BEF0D-F0BB-DE4B-95CE-6DB70DBA9567}" type="datetimeFigureOut">
               <a:rPr lang="en-US" smtClean="0"/>
               <a:pPr/>
-              <a:t>1/7/2021</a:t>
+              <a:t>1/8/2021</a:t>
             </a:fld>
             <a:endParaRPr lang="en-US" dirty="0"/>
           </a:p>
@@ -886,7 +893,7 @@
           <a:lstStyle/>
           <a:p>
             <a:r>
-              <a:rPr lang="ko-KR" altLang="en-US" smtClean="0"/>
+              <a:rPr lang="ko-KR" altLang="en-US"/>
               <a:t>마스터 제목 스타일 편집</a:t>
             </a:r>
             <a:endParaRPr lang="en-US"/>
@@ -915,35 +922,35 @@
           <a:p>
             <a:pPr lvl="0"/>
             <a:r>
-              <a:rPr lang="ko-KR" altLang="en-US" smtClean="0"/>
+              <a:rPr lang="ko-KR" altLang="en-US"/>
               <a:t>마스터 텍스트 스타일 편집</a:t>
             </a:r>
           </a:p>
           <a:p>
             <a:pPr lvl="1"/>
             <a:r>
-              <a:rPr lang="ko-KR" altLang="en-US" smtClean="0"/>
+              <a:rPr lang="ko-KR" altLang="en-US"/>
               <a:t>둘째 수준</a:t>
             </a:r>
           </a:p>
           <a:p>
             <a:pPr lvl="2"/>
             <a:r>
-              <a:rPr lang="ko-KR" altLang="en-US" smtClean="0"/>
+              <a:rPr lang="ko-KR" altLang="en-US"/>
               <a:t>셋째 수준</a:t>
             </a:r>
           </a:p>
           <a:p>
             <a:pPr lvl="3"/>
             <a:r>
-              <a:rPr lang="ko-KR" altLang="en-US" smtClean="0"/>
+              <a:rPr lang="ko-KR" altLang="en-US"/>
               <a:t>넷째 수준</a:t>
             </a:r>
           </a:p>
           <a:p>
             <a:pPr lvl="4"/>
             <a:r>
-              <a:rPr lang="ko-KR" altLang="en-US" smtClean="0"/>
+              <a:rPr lang="ko-KR" altLang="en-US"/>
               <a:t>다섯째 수준</a:t>
             </a:r>
             <a:endParaRPr lang="en-US"/>
@@ -968,7 +975,7 @@
             <a:fld id="{B61BEF0D-F0BB-DE4B-95CE-6DB70DBA9567}" type="datetimeFigureOut">
               <a:rPr lang="en-US" smtClean="0"/>
               <a:pPr/>
-              <a:t>1/7/2021</a:t>
+              <a:t>1/8/2021</a:t>
             </a:fld>
             <a:endParaRPr lang="en-US" dirty="0"/>
           </a:p>
@@ -1160,7 +1167,7 @@
           </a:lstStyle>
           <a:p>
             <a:r>
-              <a:rPr lang="ko-KR" altLang="en-US" dirty="0" smtClean="0"/>
+              <a:rPr lang="ko-KR" altLang="en-US" dirty="0"/>
               <a:t>마스터 제목 스타일 편집</a:t>
             </a:r>
             <a:endParaRPr lang="en-US" dirty="0"/>
@@ -1232,7 +1239,7 @@
           </a:lstStyle>
           <a:p>
             <a:r>
-              <a:rPr lang="ko-KR" altLang="en-US" smtClean="0"/>
+              <a:rPr lang="ko-KR" altLang="en-US"/>
               <a:t>클릭하여 마스터 부제목 스타일 편집</a:t>
             </a:r>
             <a:endParaRPr lang="en-US" dirty="0"/>
@@ -1257,7 +1264,7 @@
             <a:fld id="{B61BEF0D-F0BB-DE4B-95CE-6DB70DBA9567}" type="datetimeFigureOut">
               <a:rPr lang="en-US" smtClean="0"/>
               <a:pPr/>
-              <a:t>1/7/2021</a:t>
+              <a:t>1/8/2021</a:t>
             </a:fld>
             <a:endParaRPr lang="en-US" dirty="0"/>
           </a:p>
@@ -1354,13 +1361,6 @@
   <p:clrMapOvr>
     <a:masterClrMapping/>
   </p:clrMapOvr>
-  <p:timing>
-    <p:tnLst>
-      <p:par>
-        <p:cTn id="1" dur="indefinite" restart="never" nodeType="tmRoot"/>
-      </p:par>
-    </p:tnLst>
-  </p:timing>
 </p:sldLayout>
 </file>
 
@@ -1401,7 +1401,7 @@
           </a:lstStyle>
           <a:p>
             <a:r>
-              <a:rPr lang="ko-KR" altLang="en-US" dirty="0" smtClean="0"/>
+              <a:rPr lang="ko-KR" altLang="en-US" dirty="0"/>
               <a:t>마스터 제목 스타일 편집</a:t>
             </a:r>
             <a:endParaRPr lang="en-US" dirty="0"/>
@@ -1451,35 +1451,35 @@
           <a:p>
             <a:pPr lvl="0"/>
             <a:r>
-              <a:rPr lang="ko-KR" altLang="en-US" dirty="0" smtClean="0"/>
+              <a:rPr lang="ko-KR" altLang="en-US" dirty="0"/>
               <a:t>마스터 텍스트 스타일 편집</a:t>
             </a:r>
           </a:p>
           <a:p>
             <a:pPr lvl="1"/>
             <a:r>
-              <a:rPr lang="ko-KR" altLang="en-US" dirty="0" smtClean="0"/>
+              <a:rPr lang="ko-KR" altLang="en-US" dirty="0"/>
               <a:t>둘째 수준</a:t>
             </a:r>
           </a:p>
           <a:p>
             <a:pPr lvl="2"/>
             <a:r>
-              <a:rPr lang="ko-KR" altLang="en-US" dirty="0" smtClean="0"/>
+              <a:rPr lang="ko-KR" altLang="en-US" dirty="0"/>
               <a:t>셋째 수준</a:t>
             </a:r>
           </a:p>
           <a:p>
             <a:pPr lvl="3"/>
             <a:r>
-              <a:rPr lang="ko-KR" altLang="en-US" dirty="0" smtClean="0"/>
+              <a:rPr lang="ko-KR" altLang="en-US" dirty="0"/>
               <a:t>넷째 수준</a:t>
             </a:r>
           </a:p>
           <a:p>
             <a:pPr lvl="4"/>
             <a:r>
-              <a:rPr lang="ko-KR" altLang="en-US" dirty="0" smtClean="0"/>
+              <a:rPr lang="ko-KR" altLang="en-US" dirty="0"/>
               <a:t>다섯째 수준</a:t>
             </a:r>
             <a:endParaRPr lang="en-US" dirty="0"/>
@@ -1504,7 +1504,7 @@
             <a:fld id="{B61BEF0D-F0BB-DE4B-95CE-6DB70DBA9567}" type="datetimeFigureOut">
               <a:rPr lang="en-US" smtClean="0"/>
               <a:pPr/>
-              <a:t>1/7/2021</a:t>
+              <a:t>1/8/2021</a:t>
             </a:fld>
             <a:endParaRPr lang="en-US" dirty="0"/>
           </a:p>
@@ -1563,13 +1563,6 @@
   <p:clrMapOvr>
     <a:masterClrMapping/>
   </p:clrMapOvr>
-  <p:timing>
-    <p:tnLst>
-      <p:par>
-        <p:cTn id="1" dur="indefinite" restart="never" nodeType="tmRoot"/>
-      </p:par>
-    </p:tnLst>
-  </p:timing>
 </p:sldLayout>
 </file>
 
@@ -1711,7 +1704,7 @@
           </a:lstStyle>
           <a:p>
             <a:r>
-              <a:rPr lang="ko-KR" altLang="en-US" smtClean="0"/>
+              <a:rPr lang="ko-KR" altLang="en-US"/>
               <a:t>마스터 제목 스타일 편집</a:t>
             </a:r>
             <a:endParaRPr lang="en-US" dirty="0"/>
@@ -1832,7 +1825,7 @@
           <a:p>
             <a:pPr lvl="0"/>
             <a:r>
-              <a:rPr lang="ko-KR" altLang="en-US" smtClean="0"/>
+              <a:rPr lang="ko-KR" altLang="en-US"/>
               <a:t>마스터 텍스트 스타일 편집</a:t>
             </a:r>
           </a:p>
@@ -1856,7 +1849,7 @@
             <a:fld id="{B61BEF0D-F0BB-DE4B-95CE-6DB70DBA9567}" type="datetimeFigureOut">
               <a:rPr lang="en-US" smtClean="0"/>
               <a:pPr/>
-              <a:t>1/7/2021</a:t>
+              <a:t>1/8/2021</a:t>
             </a:fld>
             <a:endParaRPr lang="en-US" dirty="0"/>
           </a:p>
@@ -1953,13 +1946,6 @@
   <p:clrMapOvr>
     <a:masterClrMapping/>
   </p:clrMapOvr>
-  <p:timing>
-    <p:tnLst>
-      <p:par>
-        <p:cTn id="1" dur="indefinite" restart="never" nodeType="tmRoot"/>
-      </p:par>
-    </p:tnLst>
-  </p:timing>
 </p:sldLayout>
 </file>
 
@@ -2001,7 +1987,7 @@
           <a:lstStyle/>
           <a:p>
             <a:r>
-              <a:rPr lang="ko-KR" altLang="en-US" smtClean="0"/>
+              <a:rPr lang="ko-KR" altLang="en-US"/>
               <a:t>마스터 제목 스타일 편집</a:t>
             </a:r>
             <a:endParaRPr lang="en-US" dirty="0"/>
@@ -2030,35 +2016,35 @@
           <a:p>
             <a:pPr lvl="0"/>
             <a:r>
-              <a:rPr lang="ko-KR" altLang="en-US" smtClean="0"/>
+              <a:rPr lang="ko-KR" altLang="en-US"/>
               <a:t>마스터 텍스트 스타일 편집</a:t>
             </a:r>
           </a:p>
           <a:p>
             <a:pPr lvl="1"/>
             <a:r>
-              <a:rPr lang="ko-KR" altLang="en-US" smtClean="0"/>
+              <a:rPr lang="ko-KR" altLang="en-US"/>
               <a:t>둘째 수준</a:t>
             </a:r>
           </a:p>
           <a:p>
             <a:pPr lvl="2"/>
             <a:r>
-              <a:rPr lang="ko-KR" altLang="en-US" smtClean="0"/>
+              <a:rPr lang="ko-KR" altLang="en-US"/>
               <a:t>셋째 수준</a:t>
             </a:r>
           </a:p>
           <a:p>
             <a:pPr lvl="3"/>
             <a:r>
-              <a:rPr lang="ko-KR" altLang="en-US" smtClean="0"/>
+              <a:rPr lang="ko-KR" altLang="en-US"/>
               <a:t>넷째 수준</a:t>
             </a:r>
           </a:p>
           <a:p>
             <a:pPr lvl="4"/>
             <a:r>
-              <a:rPr lang="ko-KR" altLang="en-US" smtClean="0"/>
+              <a:rPr lang="ko-KR" altLang="en-US"/>
               <a:t>다섯째 수준</a:t>
             </a:r>
             <a:endParaRPr lang="en-US" dirty="0"/>
@@ -2087,35 +2073,35 @@
           <a:p>
             <a:pPr lvl="0"/>
             <a:r>
-              <a:rPr lang="ko-KR" altLang="en-US" smtClean="0"/>
+              <a:rPr lang="ko-KR" altLang="en-US"/>
               <a:t>마스터 텍스트 스타일 편집</a:t>
             </a:r>
           </a:p>
           <a:p>
             <a:pPr lvl="1"/>
             <a:r>
-              <a:rPr lang="ko-KR" altLang="en-US" smtClean="0"/>
+              <a:rPr lang="ko-KR" altLang="en-US"/>
               <a:t>둘째 수준</a:t>
             </a:r>
           </a:p>
           <a:p>
             <a:pPr lvl="2"/>
             <a:r>
-              <a:rPr lang="ko-KR" altLang="en-US" smtClean="0"/>
+              <a:rPr lang="ko-KR" altLang="en-US"/>
               <a:t>셋째 수준</a:t>
             </a:r>
           </a:p>
           <a:p>
             <a:pPr lvl="3"/>
             <a:r>
-              <a:rPr lang="ko-KR" altLang="en-US" smtClean="0"/>
+              <a:rPr lang="ko-KR" altLang="en-US"/>
               <a:t>넷째 수준</a:t>
             </a:r>
           </a:p>
           <a:p>
             <a:pPr lvl="4"/>
             <a:r>
-              <a:rPr lang="ko-KR" altLang="en-US" smtClean="0"/>
+              <a:rPr lang="ko-KR" altLang="en-US"/>
               <a:t>다섯째 수준</a:t>
             </a:r>
             <a:endParaRPr lang="en-US" dirty="0"/>
@@ -2140,7 +2126,7 @@
             <a:fld id="{B61BEF0D-F0BB-DE4B-95CE-6DB70DBA9567}" type="datetimeFigureOut">
               <a:rPr lang="en-US" smtClean="0"/>
               <a:pPr/>
-              <a:t>1/7/2021</a:t>
+              <a:t>1/8/2021</a:t>
             </a:fld>
             <a:endParaRPr lang="en-US" dirty="0"/>
           </a:p>
@@ -2240,7 +2226,7 @@
           <a:lstStyle/>
           <a:p>
             <a:r>
-              <a:rPr lang="ko-KR" altLang="en-US" smtClean="0"/>
+              <a:rPr lang="ko-KR" altLang="en-US"/>
               <a:t>마스터 제목 스타일 편집</a:t>
             </a:r>
             <a:endParaRPr lang="en-US" dirty="0"/>
@@ -2312,7 +2298,7 @@
           <a:p>
             <a:pPr lvl="0"/>
             <a:r>
-              <a:rPr lang="ko-KR" altLang="en-US" smtClean="0"/>
+              <a:rPr lang="ko-KR" altLang="en-US"/>
               <a:t>마스터 텍스트 스타일 편집</a:t>
             </a:r>
           </a:p>
@@ -2340,35 +2326,35 @@
           <a:p>
             <a:pPr lvl="0"/>
             <a:r>
-              <a:rPr lang="ko-KR" altLang="en-US" smtClean="0"/>
+              <a:rPr lang="ko-KR" altLang="en-US"/>
               <a:t>마스터 텍스트 스타일 편집</a:t>
             </a:r>
           </a:p>
           <a:p>
             <a:pPr lvl="1"/>
             <a:r>
-              <a:rPr lang="ko-KR" altLang="en-US" smtClean="0"/>
+              <a:rPr lang="ko-KR" altLang="en-US"/>
               <a:t>둘째 수준</a:t>
             </a:r>
           </a:p>
           <a:p>
             <a:pPr lvl="2"/>
             <a:r>
-              <a:rPr lang="ko-KR" altLang="en-US" smtClean="0"/>
+              <a:rPr lang="ko-KR" altLang="en-US"/>
               <a:t>셋째 수준</a:t>
             </a:r>
           </a:p>
           <a:p>
             <a:pPr lvl="3"/>
             <a:r>
-              <a:rPr lang="ko-KR" altLang="en-US" smtClean="0"/>
+              <a:rPr lang="ko-KR" altLang="en-US"/>
               <a:t>넷째 수준</a:t>
             </a:r>
           </a:p>
           <a:p>
             <a:pPr lvl="4"/>
             <a:r>
-              <a:rPr lang="ko-KR" altLang="en-US" smtClean="0"/>
+              <a:rPr lang="ko-KR" altLang="en-US"/>
               <a:t>다섯째 수준</a:t>
             </a:r>
             <a:endParaRPr lang="en-US" dirty="0"/>
@@ -2440,7 +2426,7 @@
           <a:p>
             <a:pPr lvl="0"/>
             <a:r>
-              <a:rPr lang="ko-KR" altLang="en-US" smtClean="0"/>
+              <a:rPr lang="ko-KR" altLang="en-US"/>
               <a:t>마스터 텍스트 스타일 편집</a:t>
             </a:r>
           </a:p>
@@ -2468,35 +2454,35 @@
           <a:p>
             <a:pPr lvl="0"/>
             <a:r>
-              <a:rPr lang="ko-KR" altLang="en-US" smtClean="0"/>
+              <a:rPr lang="ko-KR" altLang="en-US"/>
               <a:t>마스터 텍스트 스타일 편집</a:t>
             </a:r>
           </a:p>
           <a:p>
             <a:pPr lvl="1"/>
             <a:r>
-              <a:rPr lang="ko-KR" altLang="en-US" smtClean="0"/>
+              <a:rPr lang="ko-KR" altLang="en-US"/>
               <a:t>둘째 수준</a:t>
             </a:r>
           </a:p>
           <a:p>
             <a:pPr lvl="2"/>
             <a:r>
-              <a:rPr lang="ko-KR" altLang="en-US" smtClean="0"/>
+              <a:rPr lang="ko-KR" altLang="en-US"/>
               <a:t>셋째 수준</a:t>
             </a:r>
           </a:p>
           <a:p>
             <a:pPr lvl="3"/>
             <a:r>
-              <a:rPr lang="ko-KR" altLang="en-US" smtClean="0"/>
+              <a:rPr lang="ko-KR" altLang="en-US"/>
               <a:t>넷째 수준</a:t>
             </a:r>
           </a:p>
           <a:p>
             <a:pPr lvl="4"/>
             <a:r>
-              <a:rPr lang="ko-KR" altLang="en-US" smtClean="0"/>
+              <a:rPr lang="ko-KR" altLang="en-US"/>
               <a:t>다섯째 수준</a:t>
             </a:r>
             <a:endParaRPr lang="en-US" dirty="0"/>
@@ -2521,7 +2507,7 @@
             <a:fld id="{B61BEF0D-F0BB-DE4B-95CE-6DB70DBA9567}" type="datetimeFigureOut">
               <a:rPr lang="en-US" smtClean="0"/>
               <a:pPr/>
-              <a:t>1/7/2021</a:t>
+              <a:t>1/8/2021</a:t>
             </a:fld>
             <a:endParaRPr lang="en-US" dirty="0"/>
           </a:p>
@@ -2616,7 +2602,7 @@
           <a:lstStyle/>
           <a:p>
             <a:r>
-              <a:rPr lang="ko-KR" altLang="en-US" smtClean="0"/>
+              <a:rPr lang="ko-KR" altLang="en-US"/>
               <a:t>마스터 제목 스타일 편집</a:t>
             </a:r>
             <a:endParaRPr lang="en-US" dirty="0"/>
@@ -2641,7 +2627,7 @@
             <a:fld id="{B61BEF0D-F0BB-DE4B-95CE-6DB70DBA9567}" type="datetimeFigureOut">
               <a:rPr lang="en-US" smtClean="0"/>
               <a:pPr/>
-              <a:t>1/7/2021</a:t>
+              <a:t>1/8/2021</a:t>
             </a:fld>
             <a:endParaRPr lang="en-US" dirty="0"/>
           </a:p>
@@ -2814,7 +2800,7 @@
             <a:fld id="{B61BEF0D-F0BB-DE4B-95CE-6DB70DBA9567}" type="datetimeFigureOut">
               <a:rPr lang="en-US" smtClean="0"/>
               <a:pPr/>
-              <a:t>1/7/2021</a:t>
+              <a:t>1/8/2021</a:t>
             </a:fld>
             <a:endParaRPr lang="en-US" dirty="0"/>
           </a:p>
@@ -3008,7 +2994,7 @@
           </a:lstStyle>
           <a:p>
             <a:r>
-              <a:rPr lang="ko-KR" altLang="en-US" smtClean="0"/>
+              <a:rPr lang="ko-KR" altLang="en-US"/>
               <a:t>마스터 제목 스타일 편집</a:t>
             </a:r>
             <a:endParaRPr lang="en-US" dirty="0"/>
@@ -3037,35 +3023,35 @@
           <a:p>
             <a:pPr lvl="0"/>
             <a:r>
-              <a:rPr lang="ko-KR" altLang="en-US" smtClean="0"/>
+              <a:rPr lang="ko-KR" altLang="en-US"/>
               <a:t>마스터 텍스트 스타일 편집</a:t>
             </a:r>
           </a:p>
           <a:p>
             <a:pPr lvl="1"/>
             <a:r>
-              <a:rPr lang="ko-KR" altLang="en-US" smtClean="0"/>
+              <a:rPr lang="ko-KR" altLang="en-US"/>
               <a:t>둘째 수준</a:t>
             </a:r>
           </a:p>
           <a:p>
             <a:pPr lvl="2"/>
             <a:r>
-              <a:rPr lang="ko-KR" altLang="en-US" smtClean="0"/>
+              <a:rPr lang="ko-KR" altLang="en-US"/>
               <a:t>셋째 수준</a:t>
             </a:r>
           </a:p>
           <a:p>
             <a:pPr lvl="3"/>
             <a:r>
-              <a:rPr lang="ko-KR" altLang="en-US" smtClean="0"/>
+              <a:rPr lang="ko-KR" altLang="en-US"/>
               <a:t>넷째 수준</a:t>
             </a:r>
           </a:p>
           <a:p>
             <a:pPr lvl="4"/>
             <a:r>
-              <a:rPr lang="ko-KR" altLang="en-US" smtClean="0"/>
+              <a:rPr lang="ko-KR" altLang="en-US"/>
               <a:t>다섯째 수준</a:t>
             </a:r>
             <a:endParaRPr lang="en-US" dirty="0"/>
@@ -3137,7 +3123,7 @@
           <a:p>
             <a:pPr lvl="0"/>
             <a:r>
-              <a:rPr lang="ko-KR" altLang="en-US" smtClean="0"/>
+              <a:rPr lang="ko-KR" altLang="en-US"/>
               <a:t>마스터 텍스트 스타일 편집</a:t>
             </a:r>
           </a:p>
@@ -3170,7 +3156,7 @@
             <a:fld id="{B61BEF0D-F0BB-DE4B-95CE-6DB70DBA9567}" type="datetimeFigureOut">
               <a:rPr lang="en-US" smtClean="0"/>
               <a:pPr/>
-              <a:t>1/7/2021</a:t>
+              <a:t>1/8/2021</a:t>
             </a:fld>
             <a:endParaRPr lang="en-US" dirty="0"/>
           </a:p>
@@ -3286,7 +3272,7 @@
           <a:lstStyle/>
           <a:p>
             <a:r>
-              <a:rPr lang="ko-KR" altLang="en-US" smtClean="0"/>
+              <a:rPr lang="ko-KR" altLang="en-US"/>
               <a:t>마스터 제목 스타일 편집</a:t>
             </a:r>
             <a:endParaRPr lang="en-US" dirty="0"/>
@@ -3310,35 +3296,35 @@
           <a:p>
             <a:pPr lvl="0"/>
             <a:r>
-              <a:rPr lang="ko-KR" altLang="en-US" smtClean="0"/>
+              <a:rPr lang="ko-KR" altLang="en-US"/>
               <a:t>마스터 텍스트 스타일 편집</a:t>
             </a:r>
           </a:p>
           <a:p>
             <a:pPr lvl="1"/>
             <a:r>
-              <a:rPr lang="ko-KR" altLang="en-US" smtClean="0"/>
+              <a:rPr lang="ko-KR" altLang="en-US"/>
               <a:t>둘째 수준</a:t>
             </a:r>
           </a:p>
           <a:p>
             <a:pPr lvl="2"/>
             <a:r>
-              <a:rPr lang="ko-KR" altLang="en-US" smtClean="0"/>
+              <a:rPr lang="ko-KR" altLang="en-US"/>
               <a:t>셋째 수준</a:t>
             </a:r>
           </a:p>
           <a:p>
             <a:pPr lvl="3"/>
             <a:r>
-              <a:rPr lang="ko-KR" altLang="en-US" smtClean="0"/>
+              <a:rPr lang="ko-KR" altLang="en-US"/>
               <a:t>넷째 수준</a:t>
             </a:r>
           </a:p>
           <a:p>
             <a:pPr lvl="4"/>
             <a:r>
-              <a:rPr lang="ko-KR" altLang="en-US" smtClean="0"/>
+              <a:rPr lang="ko-KR" altLang="en-US"/>
               <a:t>다섯째 수준</a:t>
             </a:r>
             <a:endParaRPr lang="en-US" dirty="0"/>
@@ -3363,7 +3349,7 @@
             <a:fld id="{B61BEF0D-F0BB-DE4B-95CE-6DB70DBA9567}" type="datetimeFigureOut">
               <a:rPr lang="en-US" smtClean="0"/>
               <a:pPr/>
-              <a:t>1/7/2021</a:t>
+              <a:t>1/8/2021</a:t>
             </a:fld>
             <a:endParaRPr lang="en-US" dirty="0"/>
           </a:p>
@@ -3549,7 +3535,7 @@
           </a:lstStyle>
           <a:p>
             <a:r>
-              <a:rPr lang="ko-KR" altLang="en-US" smtClean="0"/>
+              <a:rPr lang="ko-KR" altLang="en-US"/>
               <a:t>마스터 제목 스타일 편집</a:t>
             </a:r>
             <a:endParaRPr lang="en-US" dirty="0"/>
@@ -3624,7 +3610,7 @@
           </a:lstStyle>
           <a:p>
             <a:r>
-              <a:rPr lang="ko-KR" altLang="en-US" smtClean="0"/>
+              <a:rPr lang="ko-KR" altLang="en-US"/>
               <a:t>그림을 추가하려면 아이콘을 클릭하십시오</a:t>
             </a:r>
             <a:endParaRPr lang="en-US" dirty="0"/>
@@ -3702,7 +3688,7 @@
           <a:p>
             <a:pPr lvl="0"/>
             <a:r>
-              <a:rPr lang="ko-KR" altLang="en-US" smtClean="0"/>
+              <a:rPr lang="ko-KR" altLang="en-US"/>
               <a:t>마스터 텍스트 스타일 편집</a:t>
             </a:r>
           </a:p>
@@ -3726,7 +3712,7 @@
             <a:fld id="{B61BEF0D-F0BB-DE4B-95CE-6DB70DBA9567}" type="datetimeFigureOut">
               <a:rPr lang="en-US" smtClean="0"/>
               <a:pPr/>
-              <a:t>1/7/2021</a:t>
+              <a:t>1/8/2021</a:t>
             </a:fld>
             <a:endParaRPr lang="en-US" dirty="0"/>
           </a:p>
@@ -3821,7 +3807,7 @@
           <a:lstStyle/>
           <a:p>
             <a:r>
-              <a:rPr lang="ko-KR" altLang="en-US" smtClean="0"/>
+              <a:rPr lang="ko-KR" altLang="en-US"/>
               <a:t>마스터 제목 스타일 편집</a:t>
             </a:r>
             <a:endParaRPr lang="en-US" dirty="0"/>
@@ -3845,35 +3831,35 @@
           <a:p>
             <a:pPr lvl="0"/>
             <a:r>
-              <a:rPr lang="ko-KR" altLang="en-US" smtClean="0"/>
+              <a:rPr lang="ko-KR" altLang="en-US"/>
               <a:t>마스터 텍스트 스타일 편집</a:t>
             </a:r>
           </a:p>
           <a:p>
             <a:pPr lvl="1"/>
             <a:r>
-              <a:rPr lang="ko-KR" altLang="en-US" smtClean="0"/>
+              <a:rPr lang="ko-KR" altLang="en-US"/>
               <a:t>둘째 수준</a:t>
             </a:r>
           </a:p>
           <a:p>
             <a:pPr lvl="2"/>
             <a:r>
-              <a:rPr lang="ko-KR" altLang="en-US" smtClean="0"/>
+              <a:rPr lang="ko-KR" altLang="en-US"/>
               <a:t>셋째 수준</a:t>
             </a:r>
           </a:p>
           <a:p>
             <a:pPr lvl="3"/>
             <a:r>
-              <a:rPr lang="ko-KR" altLang="en-US" smtClean="0"/>
+              <a:rPr lang="ko-KR" altLang="en-US"/>
               <a:t>넷째 수준</a:t>
             </a:r>
           </a:p>
           <a:p>
             <a:pPr lvl="4"/>
             <a:r>
-              <a:rPr lang="ko-KR" altLang="en-US" smtClean="0"/>
+              <a:rPr lang="ko-KR" altLang="en-US"/>
               <a:t>다섯째 수준</a:t>
             </a:r>
             <a:endParaRPr lang="en-US" dirty="0"/>
@@ -3898,7 +3884,7 @@
             <a:fld id="{B61BEF0D-F0BB-DE4B-95CE-6DB70DBA9567}" type="datetimeFigureOut">
               <a:rPr lang="en-US" smtClean="0"/>
               <a:pPr/>
-              <a:t>1/7/2021</a:t>
+              <a:t>1/8/2021</a:t>
             </a:fld>
             <a:endParaRPr lang="en-US" dirty="0"/>
           </a:p>
@@ -4074,7 +4060,7 @@
           <a:lstStyle/>
           <a:p>
             <a:r>
-              <a:rPr lang="ko-KR" altLang="en-US" smtClean="0"/>
+              <a:rPr lang="ko-KR" altLang="en-US"/>
               <a:t>마스터 제목 스타일 편집</a:t>
             </a:r>
             <a:endParaRPr lang="en-US" dirty="0"/>
@@ -4103,35 +4089,35 @@
           <a:p>
             <a:pPr lvl="0"/>
             <a:r>
-              <a:rPr lang="ko-KR" altLang="en-US" smtClean="0"/>
+              <a:rPr lang="ko-KR" altLang="en-US"/>
               <a:t>마스터 텍스트 스타일 편집</a:t>
             </a:r>
           </a:p>
           <a:p>
             <a:pPr lvl="1"/>
             <a:r>
-              <a:rPr lang="ko-KR" altLang="en-US" smtClean="0"/>
+              <a:rPr lang="ko-KR" altLang="en-US"/>
               <a:t>둘째 수준</a:t>
             </a:r>
           </a:p>
           <a:p>
             <a:pPr lvl="2"/>
             <a:r>
-              <a:rPr lang="ko-KR" altLang="en-US" smtClean="0"/>
+              <a:rPr lang="ko-KR" altLang="en-US"/>
               <a:t>셋째 수준</a:t>
             </a:r>
           </a:p>
           <a:p>
             <a:pPr lvl="3"/>
             <a:r>
-              <a:rPr lang="ko-KR" altLang="en-US" smtClean="0"/>
+              <a:rPr lang="ko-KR" altLang="en-US"/>
               <a:t>넷째 수준</a:t>
             </a:r>
           </a:p>
           <a:p>
             <a:pPr lvl="4"/>
             <a:r>
-              <a:rPr lang="ko-KR" altLang="en-US" smtClean="0"/>
+              <a:rPr lang="ko-KR" altLang="en-US"/>
               <a:t>다섯째 수준</a:t>
             </a:r>
             <a:endParaRPr lang="en-US" dirty="0"/>
@@ -4156,7 +4142,7 @@
             <a:fld id="{B61BEF0D-F0BB-DE4B-95CE-6DB70DBA9567}" type="datetimeFigureOut">
               <a:rPr lang="en-US" smtClean="0"/>
               <a:pPr/>
-              <a:t>1/7/2021</a:t>
+              <a:t>1/8/2021</a:t>
             </a:fld>
             <a:endParaRPr lang="en-US" dirty="0"/>
           </a:p>
@@ -4262,7 +4248,7 @@
           </a:lstStyle>
           <a:p>
             <a:r>
-              <a:rPr lang="ko-KR" altLang="en-US" smtClean="0"/>
+              <a:rPr lang="ko-KR" altLang="en-US"/>
               <a:t>마스터 제목 스타일 편집</a:t>
             </a:r>
             <a:endParaRPr lang="en-US" dirty="0"/>
@@ -4385,7 +4371,7 @@
           <a:p>
             <a:pPr lvl="0"/>
             <a:r>
-              <a:rPr lang="ko-KR" altLang="en-US" smtClean="0"/>
+              <a:rPr lang="ko-KR" altLang="en-US"/>
               <a:t>마스터 텍스트 스타일 편집</a:t>
             </a:r>
           </a:p>
@@ -4409,7 +4395,7 @@
             <a:fld id="{B61BEF0D-F0BB-DE4B-95CE-6DB70DBA9567}" type="datetimeFigureOut">
               <a:rPr lang="en-US" smtClean="0"/>
               <a:pPr/>
-              <a:t>1/7/2021</a:t>
+              <a:t>1/8/2021</a:t>
             </a:fld>
             <a:endParaRPr lang="en-US" dirty="0"/>
           </a:p>
@@ -4504,7 +4490,7 @@
           <a:lstStyle/>
           <a:p>
             <a:r>
-              <a:rPr lang="ko-KR" altLang="en-US" smtClean="0"/>
+              <a:rPr lang="ko-KR" altLang="en-US"/>
               <a:t>마스터 제목 스타일 편집</a:t>
             </a:r>
             <a:endParaRPr lang="en-US" dirty="0"/>
@@ -4533,35 +4519,35 @@
           <a:p>
             <a:pPr lvl="0"/>
             <a:r>
-              <a:rPr lang="ko-KR" altLang="en-US" smtClean="0"/>
+              <a:rPr lang="ko-KR" altLang="en-US"/>
               <a:t>마스터 텍스트 스타일 편집</a:t>
             </a:r>
           </a:p>
           <a:p>
             <a:pPr lvl="1"/>
             <a:r>
-              <a:rPr lang="ko-KR" altLang="en-US" smtClean="0"/>
+              <a:rPr lang="ko-KR" altLang="en-US"/>
               <a:t>둘째 수준</a:t>
             </a:r>
           </a:p>
           <a:p>
             <a:pPr lvl="2"/>
             <a:r>
-              <a:rPr lang="ko-KR" altLang="en-US" smtClean="0"/>
+              <a:rPr lang="ko-KR" altLang="en-US"/>
               <a:t>셋째 수준</a:t>
             </a:r>
           </a:p>
           <a:p>
             <a:pPr lvl="3"/>
             <a:r>
-              <a:rPr lang="ko-KR" altLang="en-US" smtClean="0"/>
+              <a:rPr lang="ko-KR" altLang="en-US"/>
               <a:t>넷째 수준</a:t>
             </a:r>
           </a:p>
           <a:p>
             <a:pPr lvl="4"/>
             <a:r>
-              <a:rPr lang="ko-KR" altLang="en-US" smtClean="0"/>
+              <a:rPr lang="ko-KR" altLang="en-US"/>
               <a:t>다섯째 수준</a:t>
             </a:r>
             <a:endParaRPr lang="en-US" dirty="0"/>
@@ -4590,35 +4576,35 @@
           <a:p>
             <a:pPr lvl="0"/>
             <a:r>
-              <a:rPr lang="ko-KR" altLang="en-US" smtClean="0"/>
+              <a:rPr lang="ko-KR" altLang="en-US"/>
               <a:t>마스터 텍스트 스타일 편집</a:t>
             </a:r>
           </a:p>
           <a:p>
             <a:pPr lvl="1"/>
             <a:r>
-              <a:rPr lang="ko-KR" altLang="en-US" smtClean="0"/>
+              <a:rPr lang="ko-KR" altLang="en-US"/>
               <a:t>둘째 수준</a:t>
             </a:r>
           </a:p>
           <a:p>
             <a:pPr lvl="2"/>
             <a:r>
-              <a:rPr lang="ko-KR" altLang="en-US" smtClean="0"/>
+              <a:rPr lang="ko-KR" altLang="en-US"/>
               <a:t>셋째 수준</a:t>
             </a:r>
           </a:p>
           <a:p>
             <a:pPr lvl="3"/>
             <a:r>
-              <a:rPr lang="ko-KR" altLang="en-US" smtClean="0"/>
+              <a:rPr lang="ko-KR" altLang="en-US"/>
               <a:t>넷째 수준</a:t>
             </a:r>
           </a:p>
           <a:p>
             <a:pPr lvl="4"/>
             <a:r>
-              <a:rPr lang="ko-KR" altLang="en-US" smtClean="0"/>
+              <a:rPr lang="ko-KR" altLang="en-US"/>
               <a:t>다섯째 수준</a:t>
             </a:r>
             <a:endParaRPr lang="en-US" dirty="0"/>
@@ -4643,7 +4629,7 @@
             <a:fld id="{B61BEF0D-F0BB-DE4B-95CE-6DB70DBA9567}" type="datetimeFigureOut">
               <a:rPr lang="en-US" smtClean="0"/>
               <a:pPr/>
-              <a:t>1/7/2021</a:t>
+              <a:t>1/8/2021</a:t>
             </a:fld>
             <a:endParaRPr lang="en-US" dirty="0"/>
           </a:p>
@@ -4786,7 +4772,7 @@
           <a:p>
             <a:pPr lvl="0"/>
             <a:r>
-              <a:rPr lang="ko-KR" altLang="en-US" smtClean="0"/>
+              <a:rPr lang="ko-KR" altLang="en-US"/>
               <a:t>마스터 텍스트 스타일 편집</a:t>
             </a:r>
           </a:p>
@@ -4814,35 +4800,35 @@
           <a:p>
             <a:pPr lvl="0"/>
             <a:r>
-              <a:rPr lang="ko-KR" altLang="en-US" smtClean="0"/>
+              <a:rPr lang="ko-KR" altLang="en-US"/>
               <a:t>마스터 텍스트 스타일 편집</a:t>
             </a:r>
           </a:p>
           <a:p>
             <a:pPr lvl="1"/>
             <a:r>
-              <a:rPr lang="ko-KR" altLang="en-US" smtClean="0"/>
+              <a:rPr lang="ko-KR" altLang="en-US"/>
               <a:t>둘째 수준</a:t>
             </a:r>
           </a:p>
           <a:p>
             <a:pPr lvl="2"/>
             <a:r>
-              <a:rPr lang="ko-KR" altLang="en-US" smtClean="0"/>
+              <a:rPr lang="ko-KR" altLang="en-US"/>
               <a:t>셋째 수준</a:t>
             </a:r>
           </a:p>
           <a:p>
             <a:pPr lvl="3"/>
             <a:r>
-              <a:rPr lang="ko-KR" altLang="en-US" smtClean="0"/>
+              <a:rPr lang="ko-KR" altLang="en-US"/>
               <a:t>넷째 수준</a:t>
             </a:r>
           </a:p>
           <a:p>
             <a:pPr lvl="4"/>
             <a:r>
-              <a:rPr lang="ko-KR" altLang="en-US" smtClean="0"/>
+              <a:rPr lang="ko-KR" altLang="en-US"/>
               <a:t>다섯째 수준</a:t>
             </a:r>
             <a:endParaRPr lang="en-US" dirty="0"/>
@@ -4911,7 +4897,7 @@
           <a:p>
             <a:pPr lvl="0"/>
             <a:r>
-              <a:rPr lang="ko-KR" altLang="en-US" smtClean="0"/>
+              <a:rPr lang="ko-KR" altLang="en-US"/>
               <a:t>마스터 텍스트 스타일 편집</a:t>
             </a:r>
           </a:p>
@@ -4939,35 +4925,35 @@
           <a:p>
             <a:pPr lvl="0"/>
             <a:r>
-              <a:rPr lang="ko-KR" altLang="en-US" smtClean="0"/>
+              <a:rPr lang="ko-KR" altLang="en-US"/>
               <a:t>마스터 텍스트 스타일 편집</a:t>
             </a:r>
           </a:p>
           <a:p>
             <a:pPr lvl="1"/>
             <a:r>
-              <a:rPr lang="ko-KR" altLang="en-US" smtClean="0"/>
+              <a:rPr lang="ko-KR" altLang="en-US"/>
               <a:t>둘째 수준</a:t>
             </a:r>
           </a:p>
           <a:p>
             <a:pPr lvl="2"/>
             <a:r>
-              <a:rPr lang="ko-KR" altLang="en-US" smtClean="0"/>
+              <a:rPr lang="ko-KR" altLang="en-US"/>
               <a:t>셋째 수준</a:t>
             </a:r>
           </a:p>
           <a:p>
             <a:pPr lvl="3"/>
             <a:r>
-              <a:rPr lang="ko-KR" altLang="en-US" smtClean="0"/>
+              <a:rPr lang="ko-KR" altLang="en-US"/>
               <a:t>넷째 수준</a:t>
             </a:r>
           </a:p>
           <a:p>
             <a:pPr lvl="4"/>
             <a:r>
-              <a:rPr lang="ko-KR" altLang="en-US" smtClean="0"/>
+              <a:rPr lang="ko-KR" altLang="en-US"/>
               <a:t>다섯째 수준</a:t>
             </a:r>
             <a:endParaRPr lang="en-US"/>
@@ -4992,7 +4978,7 @@
             <a:fld id="{B61BEF0D-F0BB-DE4B-95CE-6DB70DBA9567}" type="datetimeFigureOut">
               <a:rPr lang="en-US" smtClean="0"/>
               <a:pPr/>
-              <a:t>1/7/2021</a:t>
+              <a:t>1/8/2021</a:t>
             </a:fld>
             <a:endParaRPr lang="en-US" dirty="0"/>
           </a:p>
@@ -5057,7 +5043,7 @@
           <a:lstStyle/>
           <a:p>
             <a:r>
-              <a:rPr lang="ko-KR" altLang="en-US" smtClean="0"/>
+              <a:rPr lang="ko-KR" altLang="en-US"/>
               <a:t>마스터 제목 스타일 편집</a:t>
             </a:r>
             <a:endParaRPr lang="en-US" dirty="0"/>
@@ -5112,7 +5098,7 @@
             <a:fld id="{B61BEF0D-F0BB-DE4B-95CE-6DB70DBA9567}" type="datetimeFigureOut">
               <a:rPr lang="en-US" smtClean="0"/>
               <a:pPr/>
-              <a:t>1/7/2021</a:t>
+              <a:t>1/8/2021</a:t>
             </a:fld>
             <a:endParaRPr lang="en-US" dirty="0"/>
           </a:p>
@@ -5177,7 +5163,7 @@
           <a:lstStyle/>
           <a:p>
             <a:r>
-              <a:rPr lang="ko-KR" altLang="en-US" smtClean="0"/>
+              <a:rPr lang="ko-KR" altLang="en-US"/>
               <a:t>마스터 제목 스타일 편집</a:t>
             </a:r>
             <a:endParaRPr lang="en-US"/>
@@ -5232,7 +5218,7 @@
             <a:fld id="{B61BEF0D-F0BB-DE4B-95CE-6DB70DBA9567}" type="datetimeFigureOut">
               <a:rPr lang="en-US" smtClean="0"/>
               <a:pPr/>
-              <a:t>1/7/2021</a:t>
+              <a:t>1/8/2021</a:t>
             </a:fld>
             <a:endParaRPr lang="en-US" dirty="0"/>
           </a:p>
@@ -5338,7 +5324,7 @@
           </a:lstStyle>
           <a:p>
             <a:r>
-              <a:rPr lang="ko-KR" altLang="en-US" smtClean="0"/>
+              <a:rPr lang="ko-KR" altLang="en-US"/>
               <a:t>마스터 제목 스타일 편집</a:t>
             </a:r>
             <a:endParaRPr lang="en-US" dirty="0"/>
@@ -5395,35 +5381,35 @@
           <a:p>
             <a:pPr lvl="0"/>
             <a:r>
-              <a:rPr lang="ko-KR" altLang="en-US" smtClean="0"/>
+              <a:rPr lang="ko-KR" altLang="en-US"/>
               <a:t>마스터 텍스트 스타일 편집</a:t>
             </a:r>
           </a:p>
           <a:p>
             <a:pPr lvl="1"/>
             <a:r>
-              <a:rPr lang="ko-KR" altLang="en-US" smtClean="0"/>
+              <a:rPr lang="ko-KR" altLang="en-US"/>
               <a:t>둘째 수준</a:t>
             </a:r>
           </a:p>
           <a:p>
             <a:pPr lvl="2"/>
             <a:r>
-              <a:rPr lang="ko-KR" altLang="en-US" smtClean="0"/>
+              <a:rPr lang="ko-KR" altLang="en-US"/>
               <a:t>셋째 수준</a:t>
             </a:r>
           </a:p>
           <a:p>
             <a:pPr lvl="3"/>
             <a:r>
-              <a:rPr lang="ko-KR" altLang="en-US" smtClean="0"/>
+              <a:rPr lang="ko-KR" altLang="en-US"/>
               <a:t>넷째 수준</a:t>
             </a:r>
           </a:p>
           <a:p>
             <a:pPr lvl="4"/>
             <a:r>
-              <a:rPr lang="ko-KR" altLang="en-US" smtClean="0"/>
+              <a:rPr lang="ko-KR" altLang="en-US"/>
               <a:t>다섯째 수준</a:t>
             </a:r>
             <a:endParaRPr lang="en-US" dirty="0"/>
@@ -5494,7 +5480,7 @@
           <a:p>
             <a:pPr lvl="0"/>
             <a:r>
-              <a:rPr lang="ko-KR" altLang="en-US" smtClean="0"/>
+              <a:rPr lang="ko-KR" altLang="en-US"/>
               <a:t>마스터 텍스트 스타일 편집</a:t>
             </a:r>
           </a:p>
@@ -5518,7 +5504,7 @@
             <a:fld id="{B61BEF0D-F0BB-DE4B-95CE-6DB70DBA9567}" type="datetimeFigureOut">
               <a:rPr lang="en-US" smtClean="0"/>
               <a:pPr/>
-              <a:t>1/7/2021</a:t>
+              <a:t>1/8/2021</a:t>
             </a:fld>
             <a:endParaRPr lang="en-US" dirty="0"/>
           </a:p>
@@ -5624,7 +5610,7 @@
           </a:lstStyle>
           <a:p>
             <a:r>
-              <a:rPr lang="ko-KR" altLang="en-US" smtClean="0"/>
+              <a:rPr lang="ko-KR" altLang="en-US"/>
               <a:t>마스터 제목 스타일 편집</a:t>
             </a:r>
             <a:endParaRPr lang="en-US" dirty="0"/>
@@ -5689,7 +5675,7 @@
           </a:lstStyle>
           <a:p>
             <a:r>
-              <a:rPr lang="ko-KR" altLang="en-US" smtClean="0"/>
+              <a:rPr lang="ko-KR" altLang="en-US"/>
               <a:t>그림을 추가하려면 아이콘을 클릭하십시오</a:t>
             </a:r>
             <a:endParaRPr lang="en-US" dirty="0"/>
@@ -5760,7 +5746,7 @@
           <a:p>
             <a:pPr lvl="0"/>
             <a:r>
-              <a:rPr lang="ko-KR" altLang="en-US" smtClean="0"/>
+              <a:rPr lang="ko-KR" altLang="en-US"/>
               <a:t>마스터 텍스트 스타일 편집</a:t>
             </a:r>
           </a:p>
@@ -5784,7 +5770,7 @@
             <a:fld id="{B61BEF0D-F0BB-DE4B-95CE-6DB70DBA9567}" type="datetimeFigureOut">
               <a:rPr lang="en-US" smtClean="0"/>
               <a:pPr/>
-              <a:t>1/7/2021</a:t>
+              <a:t>1/8/2021</a:t>
             </a:fld>
             <a:endParaRPr lang="en-US" dirty="0"/>
           </a:p>
@@ -5894,7 +5880,7 @@
           <a:lstStyle/>
           <a:p>
             <a:r>
-              <a:rPr lang="ko-KR" altLang="en-US" smtClean="0"/>
+              <a:rPr lang="ko-KR" altLang="en-US"/>
               <a:t>마스터 제목 스타일 편집</a:t>
             </a:r>
             <a:endParaRPr lang="en-US" dirty="0"/>
@@ -5928,35 +5914,35 @@
           <a:p>
             <a:pPr lvl="0"/>
             <a:r>
-              <a:rPr lang="ko-KR" altLang="en-US" smtClean="0"/>
+              <a:rPr lang="ko-KR" altLang="en-US"/>
               <a:t>마스터 텍스트 스타일 편집</a:t>
             </a:r>
           </a:p>
           <a:p>
             <a:pPr lvl="1"/>
             <a:r>
-              <a:rPr lang="ko-KR" altLang="en-US" smtClean="0"/>
+              <a:rPr lang="ko-KR" altLang="en-US"/>
               <a:t>둘째 수준</a:t>
             </a:r>
           </a:p>
           <a:p>
             <a:pPr lvl="2"/>
             <a:r>
-              <a:rPr lang="ko-KR" altLang="en-US" smtClean="0"/>
+              <a:rPr lang="ko-KR" altLang="en-US"/>
               <a:t>셋째 수준</a:t>
             </a:r>
           </a:p>
           <a:p>
             <a:pPr lvl="3"/>
             <a:r>
-              <a:rPr lang="ko-KR" altLang="en-US" smtClean="0"/>
+              <a:rPr lang="ko-KR" altLang="en-US"/>
               <a:t>넷째 수준</a:t>
             </a:r>
           </a:p>
           <a:p>
             <a:pPr lvl="4"/>
             <a:r>
-              <a:rPr lang="ko-KR" altLang="en-US" smtClean="0"/>
+              <a:rPr lang="ko-KR" altLang="en-US"/>
               <a:t>다섯째 수준</a:t>
             </a:r>
             <a:endParaRPr lang="en-US" dirty="0"/>
@@ -6000,7 +5986,7 @@
             <a:fld id="{B61BEF0D-F0BB-DE4B-95CE-6DB70DBA9567}" type="datetimeFigureOut">
               <a:rPr lang="en-US" smtClean="0"/>
               <a:pPr/>
-              <a:t>1/7/2021</a:t>
+              <a:t>1/8/2021</a:t>
             </a:fld>
             <a:endParaRPr lang="en-US" dirty="0"/>
           </a:p>
@@ -6502,7 +6488,7 @@
           <a:lstStyle/>
           <a:p>
             <a:r>
-              <a:rPr lang="ko-KR" altLang="en-US" smtClean="0"/>
+              <a:rPr lang="ko-KR" altLang="en-US"/>
               <a:t>마스터 제목 스타일 편집</a:t>
             </a:r>
             <a:endParaRPr lang="en-US" dirty="0"/>
@@ -6536,35 +6522,35 @@
           <a:p>
             <a:pPr lvl="0"/>
             <a:r>
-              <a:rPr lang="ko-KR" altLang="en-US" smtClean="0"/>
+              <a:rPr lang="ko-KR" altLang="en-US"/>
               <a:t>마스터 텍스트 스타일 편집</a:t>
             </a:r>
           </a:p>
           <a:p>
             <a:pPr lvl="1"/>
             <a:r>
-              <a:rPr lang="ko-KR" altLang="en-US" smtClean="0"/>
+              <a:rPr lang="ko-KR" altLang="en-US"/>
               <a:t>둘째 수준</a:t>
             </a:r>
           </a:p>
           <a:p>
             <a:pPr lvl="2"/>
             <a:r>
-              <a:rPr lang="ko-KR" altLang="en-US" smtClean="0"/>
+              <a:rPr lang="ko-KR" altLang="en-US"/>
               <a:t>셋째 수준</a:t>
             </a:r>
           </a:p>
           <a:p>
             <a:pPr lvl="3"/>
             <a:r>
-              <a:rPr lang="ko-KR" altLang="en-US" smtClean="0"/>
+              <a:rPr lang="ko-KR" altLang="en-US"/>
               <a:t>넷째 수준</a:t>
             </a:r>
           </a:p>
           <a:p>
             <a:pPr lvl="4"/>
             <a:r>
-              <a:rPr lang="ko-KR" altLang="en-US" smtClean="0"/>
+              <a:rPr lang="ko-KR" altLang="en-US"/>
               <a:t>다섯째 수준</a:t>
             </a:r>
             <a:endParaRPr lang="en-US" dirty="0"/>
@@ -6605,7 +6591,7 @@
             <a:fld id="{B61BEF0D-F0BB-DE4B-95CE-6DB70DBA9567}" type="datetimeFigureOut">
               <a:rPr lang="en-US" smtClean="0"/>
               <a:pPr/>
-              <a:t>1/7/2021</a:t>
+              <a:t>1/8/2021</a:t>
             </a:fld>
             <a:endParaRPr lang="en-US" dirty="0"/>
           </a:p>
@@ -7178,13 +7164,6 @@
   <p:clrMapOvr>
     <a:masterClrMapping/>
   </p:clrMapOvr>
-  <p:timing>
-    <p:tnLst>
-      <p:par>
-        <p:cTn id="1" dur="indefinite" restart="never" nodeType="tmRoot"/>
-      </p:par>
-    </p:tnLst>
-  </p:timing>
 </p:sld>
 </file>
 
@@ -7264,7 +7243,7 @@
               </a:lnSpc>
             </a:pPr>
             <a:r>
-              <a:rPr lang="en-US" altLang="ko-KR" dirty="0" smtClean="0"/>
+              <a:rPr lang="en-US" altLang="ko-KR" dirty="0"/>
               <a:t>Reward</a:t>
             </a:r>
           </a:p>
@@ -7276,22 +7255,18 @@
             </a:pPr>
             <a:r>
               <a:rPr lang="en-US" altLang="ko-KR" dirty="0"/>
-              <a:t> </a:t>
-            </a:r>
-            <a:r>
-              <a:rPr lang="en-US" altLang="ko-KR" dirty="0" smtClean="0"/>
-              <a:t>phase1_duration*0.1: phase1</a:t>
-            </a:r>
-            <a:r>
-              <a:rPr lang="ko-KR" altLang="en-US" dirty="0" smtClean="0"/>
+              <a:t> phase1_duration*0.1: phase1</a:t>
+            </a:r>
+            <a:r>
+              <a:rPr lang="ko-KR" altLang="en-US" dirty="0"/>
               <a:t>의 </a:t>
             </a:r>
             <a:r>
-              <a:rPr lang="en-US" altLang="ko-KR" dirty="0" smtClean="0"/>
+              <a:rPr lang="en-US" altLang="ko-KR" dirty="0"/>
               <a:t>duration</a:t>
             </a:r>
             <a:r>
-              <a:rPr lang="ko-KR" altLang="en-US" dirty="0" smtClean="0"/>
+              <a:rPr lang="ko-KR" altLang="en-US" dirty="0"/>
               <a:t>에 가점 부여</a:t>
             </a:r>
             <a:endParaRPr lang="en-US" altLang="ko-KR" dirty="0"/>
@@ -7303,58 +7278,87 @@
               </a:lnSpc>
             </a:pPr>
             <a:r>
-              <a:rPr lang="ko-KR" altLang="en-US" dirty="0" smtClean="0"/>
+              <a:rPr lang="ko-KR" altLang="en-US" dirty="0"/>
               <a:t>공통 주기 동안의 </a:t>
             </a:r>
             <a:r>
-              <a:rPr lang="en-US" altLang="ko-KR" dirty="0" smtClean="0"/>
+              <a:rPr lang="en-US" altLang="ko-KR" dirty="0"/>
               <a:t>‘B2B1’ edge</a:t>
             </a:r>
             <a:r>
-              <a:rPr lang="ko-KR" altLang="en-US" dirty="0" smtClean="0"/>
+              <a:rPr lang="ko-KR" altLang="en-US" dirty="0"/>
               <a:t>와 </a:t>
             </a:r>
             <a:r>
-              <a:rPr lang="en-US" altLang="ko-KR" dirty="0" smtClean="0"/>
+              <a:rPr lang="en-US" altLang="ko-KR" dirty="0"/>
               <a:t>‘B1B0’ edge </a:t>
             </a:r>
             <a:r>
-              <a:rPr lang="ko-KR" altLang="en-US" dirty="0" smtClean="0"/>
+              <a:rPr lang="ko-KR" altLang="en-US" dirty="0"/>
               <a:t>차량 수 </a:t>
             </a:r>
-            <a:r>
-              <a:rPr lang="en-US" altLang="ko-KR" dirty="0" smtClean="0"/>
-              <a:t/>
-            </a:r>
             <a:br>
-              <a:rPr lang="en-US" altLang="ko-KR" dirty="0" smtClean="0"/>
+              <a:rPr lang="en-US" altLang="ko-KR" dirty="0"/>
             </a:br>
             <a:r>
-              <a:rPr lang="en-US" altLang="ko-KR" dirty="0" smtClean="0"/>
+              <a:rPr lang="en-US" altLang="ko-KR" dirty="0"/>
               <a:t>-&gt; ‘B2B1’</a:t>
             </a:r>
             <a:r>
-              <a:rPr lang="ko-KR" altLang="en-US" dirty="0" smtClean="0"/>
+              <a:rPr lang="ko-KR" altLang="en-US" dirty="0"/>
               <a:t>에서의 차량 수는 </a:t>
             </a:r>
             <a:r>
-              <a:rPr lang="en-US" altLang="ko-KR" dirty="0" smtClean="0"/>
+              <a:rPr lang="en-US" altLang="ko-KR" dirty="0"/>
               <a:t>penalty</a:t>
             </a:r>
             <a:br>
-              <a:rPr lang="en-US" altLang="ko-KR" dirty="0" smtClean="0"/>
+              <a:rPr lang="en-US" altLang="ko-KR" dirty="0"/>
             </a:br>
             <a:r>
-              <a:rPr lang="en-US" altLang="ko-KR" dirty="0" smtClean="0"/>
+              <a:rPr lang="en-US" altLang="ko-KR" dirty="0"/>
               <a:t>-&gt; ‘B1B0’</a:t>
             </a:r>
             <a:r>
-              <a:rPr lang="ko-KR" altLang="en-US" dirty="0" smtClean="0"/>
+              <a:rPr lang="ko-KR" altLang="en-US" dirty="0"/>
               <a:t>에서의 차량 수는 </a:t>
             </a:r>
             <a:r>
-              <a:rPr lang="en-US" altLang="ko-KR" dirty="0" smtClean="0"/>
+              <a:rPr lang="en-US" altLang="ko-KR" dirty="0"/>
               <a:t>reward</a:t>
+            </a:r>
+            <a:br>
+              <a:rPr lang="en-US" altLang="ko-KR" dirty="0"/>
+            </a:br>
+            <a:r>
+              <a:rPr lang="en-US" altLang="ko-KR" dirty="0">
+                <a:sym typeface="Wingdings" panose="05000000000000000000" pitchFamily="2" charset="2"/>
+              </a:rPr>
+              <a:t> Pressure Light</a:t>
+            </a:r>
+            <a:r>
+              <a:rPr lang="ko-KR" altLang="en-US" dirty="0">
+                <a:sym typeface="Wingdings" panose="05000000000000000000" pitchFamily="2" charset="2"/>
+              </a:rPr>
+              <a:t>의 </a:t>
+            </a:r>
+            <a:r>
+              <a:rPr lang="en-US" altLang="ko-KR" dirty="0">
+                <a:sym typeface="Wingdings" panose="05000000000000000000" pitchFamily="2" charset="2"/>
+              </a:rPr>
+              <a:t>Pressure </a:t>
+            </a:r>
+            <a:r>
+              <a:rPr lang="ko-KR" altLang="en-US" dirty="0">
+                <a:sym typeface="Wingdings" panose="05000000000000000000" pitchFamily="2" charset="2"/>
+              </a:rPr>
+              <a:t>논문에서 </a:t>
+            </a:r>
+            <a:r>
+              <a:rPr lang="en-US" altLang="ko-KR" dirty="0">
+                <a:sym typeface="Wingdings" panose="05000000000000000000" pitchFamily="2" charset="2"/>
+              </a:rPr>
+              <a:t>outflow-inflow</a:t>
             </a:r>
             <a:endParaRPr lang="ko-KR" altLang="en-US" dirty="0"/>
           </a:p>
@@ -7407,7 +7411,7 @@
           <a:lstStyle/>
           <a:p>
             <a:r>
-              <a:rPr lang="en-US" altLang="ko-KR" sz="2000" b="1" dirty="0" smtClean="0">
+              <a:rPr lang="en-US" altLang="ko-KR" sz="2000" b="1" dirty="0">
                 <a:solidFill>
                   <a:srgbClr val="FF0000"/>
                 </a:solidFill>
@@ -7445,7 +7449,7 @@
           <a:lstStyle/>
           <a:p>
             <a:r>
-              <a:rPr lang="en-US" altLang="ko-KR" sz="2000" b="1" dirty="0" smtClean="0">
+              <a:rPr lang="en-US" altLang="ko-KR" sz="2000" b="1" dirty="0">
                 <a:solidFill>
                   <a:srgbClr val="00B050"/>
                 </a:solidFill>
@@ -7566,13 +7570,6 @@
   <p:clrMapOvr>
     <a:masterClrMapping/>
   </p:clrMapOvr>
-  <p:timing>
-    <p:tnLst>
-      <p:par>
-        <p:cTn id="1" dur="indefinite" restart="never" nodeType="tmRoot"/>
-      </p:par>
-    </p:tnLst>
-  </p:timing>
 </p:sld>
 </file>
 
@@ -7609,16 +7606,12 @@
           <a:lstStyle/>
           <a:p>
             <a:r>
-              <a:rPr lang="en-US" altLang="ko-KR" dirty="0" smtClean="0"/>
+              <a:rPr lang="en-US" altLang="ko-KR" dirty="0"/>
               <a:t>Training </a:t>
             </a:r>
             <a:r>
-              <a:rPr lang="ko-KR" altLang="en-US" dirty="0" smtClean="0"/>
-              <a:t>구성 방식 </a:t>
-            </a:r>
-            <a:r>
               <a:rPr lang="ko-KR" altLang="en-US" dirty="0"/>
-              <a:t>제안</a:t>
+              <a:t>구성 방식 제안</a:t>
             </a:r>
           </a:p>
         </p:txBody>
@@ -7644,33 +7637,33 @@
               </a:lnSpc>
             </a:pPr>
             <a:r>
-              <a:rPr lang="ko-KR" altLang="en-US" dirty="0" smtClean="0"/>
+              <a:rPr lang="ko-KR" altLang="en-US" dirty="0"/>
               <a:t>매 </a:t>
             </a:r>
             <a:r>
-              <a:rPr lang="en-US" altLang="ko-KR" dirty="0" smtClean="0"/>
+              <a:rPr lang="en-US" altLang="ko-KR" dirty="0"/>
               <a:t>epoch</a:t>
             </a:r>
             <a:r>
-              <a:rPr lang="ko-KR" altLang="en-US" dirty="0" smtClean="0"/>
+              <a:rPr lang="ko-KR" altLang="en-US" dirty="0"/>
               <a:t>당 </a:t>
             </a:r>
             <a:r>
-              <a:rPr lang="en-US" altLang="ko-KR" dirty="0" smtClean="0"/>
+              <a:rPr lang="en-US" altLang="ko-KR" dirty="0"/>
               <a:t>Learning Start Time</a:t>
             </a:r>
             <a:br>
-              <a:rPr lang="en-US" altLang="ko-KR" dirty="0" smtClean="0"/>
+              <a:rPr lang="en-US" altLang="ko-KR" dirty="0"/>
             </a:br>
             <a:r>
-              <a:rPr lang="en-US" altLang="ko-KR" dirty="0" smtClean="0"/>
+              <a:rPr lang="en-US" altLang="ko-KR" dirty="0"/>
               <a:t>- </a:t>
             </a:r>
             <a:r>
-              <a:rPr lang="ko-KR" altLang="en-US" dirty="0" smtClean="0"/>
+              <a:rPr lang="ko-KR" altLang="en-US" dirty="0"/>
               <a:t>시작하자 마자 차량이 자리잡기 전의 데이터는 일반적이지 않음</a:t>
             </a:r>
-            <a:endParaRPr lang="en-US" altLang="ko-KR" dirty="0" smtClean="0"/>
+            <a:endParaRPr lang="en-US" altLang="ko-KR" dirty="0"/>
           </a:p>
           <a:p>
             <a:pPr>
@@ -7679,96 +7672,96 @@
               </a:lnSpc>
             </a:pPr>
             <a:r>
-              <a:rPr lang="en-US" altLang="ko-KR" dirty="0" smtClean="0"/>
+              <a:rPr lang="en-US" altLang="ko-KR" dirty="0"/>
               <a:t>Learning Start Epoch </a:t>
             </a:r>
             <a:r>
-              <a:rPr lang="ko-KR" altLang="en-US" dirty="0" smtClean="0"/>
+              <a:rPr lang="ko-KR" altLang="en-US" dirty="0"/>
               <a:t>지정 </a:t>
             </a:r>
             <a:r>
-              <a:rPr lang="en-US" altLang="ko-KR" dirty="0" smtClean="0"/>
+              <a:rPr lang="en-US" altLang="ko-KR" dirty="0"/>
               <a:t>(</a:t>
             </a:r>
             <a:r>
-              <a:rPr lang="ko-KR" altLang="en-US" dirty="0" smtClean="0"/>
+              <a:rPr lang="ko-KR" altLang="en-US" dirty="0"/>
               <a:t>현재 </a:t>
             </a:r>
             <a:r>
-              <a:rPr lang="en-US" altLang="ko-KR" dirty="0" smtClean="0"/>
+              <a:rPr lang="en-US" altLang="ko-KR" dirty="0"/>
               <a:t>1epoch</a:t>
             </a:r>
             <a:r>
-              <a:rPr lang="ko-KR" altLang="en-US" dirty="0" smtClean="0"/>
+              <a:rPr lang="ko-KR" altLang="en-US" dirty="0"/>
               <a:t>당 </a:t>
             </a:r>
             <a:r>
-              <a:rPr lang="en-US" altLang="ko-KR" dirty="0" smtClean="0"/>
+              <a:rPr lang="en-US" altLang="ko-KR" dirty="0"/>
               <a:t>90</a:t>
             </a:r>
             <a:r>
-              <a:rPr lang="ko-KR" altLang="en-US" dirty="0" smtClean="0"/>
+              <a:rPr lang="ko-KR" altLang="en-US" dirty="0"/>
               <a:t>개 </a:t>
             </a:r>
             <a:r>
-              <a:rPr lang="en-US" altLang="ko-KR" dirty="0" smtClean="0"/>
+              <a:rPr lang="en-US" altLang="ko-KR" dirty="0"/>
               <a:t>state</a:t>
             </a:r>
             <a:r>
-              <a:rPr lang="ko-KR" altLang="en-US" dirty="0" smtClean="0"/>
+              <a:rPr lang="ko-KR" altLang="en-US" dirty="0"/>
               <a:t>가 </a:t>
             </a:r>
             <a:r>
-              <a:rPr lang="en-US" altLang="ko-KR" dirty="0" smtClean="0"/>
+              <a:rPr lang="en-US" altLang="ko-KR" dirty="0"/>
               <a:t>replay</a:t>
             </a:r>
             <a:r>
-              <a:rPr lang="ko-KR" altLang="en-US" dirty="0" smtClean="0"/>
+              <a:rPr lang="ko-KR" altLang="en-US" dirty="0"/>
               <a:t>에 저장</a:t>
             </a:r>
             <a:r>
-              <a:rPr lang="en-US" altLang="ko-KR" dirty="0" smtClean="0"/>
+              <a:rPr lang="en-US" altLang="ko-KR" dirty="0"/>
               <a:t>) </a:t>
             </a:r>
             <a:br>
-              <a:rPr lang="en-US" altLang="ko-KR" dirty="0" smtClean="0"/>
+              <a:rPr lang="en-US" altLang="ko-KR" dirty="0"/>
             </a:br>
             <a:r>
-              <a:rPr lang="ko-KR" altLang="en-US" dirty="0" smtClean="0"/>
+              <a:rPr lang="ko-KR" altLang="en-US" dirty="0"/>
               <a:t>現 </a:t>
             </a:r>
             <a:r>
-              <a:rPr lang="en-US" altLang="ko-KR" dirty="0" smtClean="0"/>
+              <a:rPr lang="en-US" altLang="ko-KR" dirty="0"/>
               <a:t>replay: 40 </a:t>
             </a:r>
             <a:r>
-              <a:rPr lang="ko-KR" altLang="en-US" dirty="0" smtClean="0"/>
+              <a:rPr lang="ko-KR" altLang="en-US" dirty="0"/>
               <a:t>부터 </a:t>
             </a:r>
             <a:r>
-              <a:rPr lang="en-US" altLang="ko-KR" dirty="0" smtClean="0"/>
+              <a:rPr lang="en-US" altLang="ko-KR" dirty="0"/>
               <a:t>target update </a:t>
             </a:r>
             <a:r>
-              <a:rPr lang="en-US" altLang="ko-KR" dirty="0" smtClean="0">
+              <a:rPr lang="en-US" altLang="ko-KR" dirty="0">
                 <a:sym typeface="Wingdings" panose="05000000000000000000" pitchFamily="2" charset="2"/>
               </a:rPr>
               <a:t> </a:t>
             </a:r>
             <a:r>
-              <a:rPr lang="ko-KR" altLang="en-US" dirty="0" smtClean="0">
+              <a:rPr lang="ko-KR" altLang="en-US" dirty="0">
                 <a:sym typeface="Wingdings" panose="05000000000000000000" pitchFamily="2" charset="2"/>
               </a:rPr>
               <a:t>초반 학습의 </a:t>
             </a:r>
             <a:r>
-              <a:rPr lang="en-US" altLang="ko-KR" dirty="0" smtClean="0">
+              <a:rPr lang="en-US" altLang="ko-KR" dirty="0">
                 <a:sym typeface="Wingdings" panose="05000000000000000000" pitchFamily="2" charset="2"/>
               </a:rPr>
               <a:t>Correlation </a:t>
             </a:r>
             <a:r>
-              <a:rPr lang="ko-KR" altLang="en-US" dirty="0" smtClean="0">
+              <a:rPr lang="ko-KR" altLang="en-US" dirty="0">
                 <a:sym typeface="Wingdings" panose="05000000000000000000" pitchFamily="2" charset="2"/>
               </a:rPr>
               <a:t>높음</a:t>
@@ -7784,37 +7777,37 @@
               </a:lnSpc>
             </a:pPr>
             <a:r>
-              <a:rPr lang="en-US" altLang="ko-KR" dirty="0" smtClean="0">
+              <a:rPr lang="en-US" altLang="ko-KR" dirty="0">
                 <a:sym typeface="Wingdings" panose="05000000000000000000" pitchFamily="2" charset="2"/>
               </a:rPr>
               <a:t> Learning Start </a:t>
             </a:r>
             <a:r>
-              <a:rPr lang="ko-KR" altLang="en-US" dirty="0" smtClean="0">
+              <a:rPr lang="ko-KR" altLang="en-US" dirty="0">
                 <a:sym typeface="Wingdings" panose="05000000000000000000" pitchFamily="2" charset="2"/>
               </a:rPr>
               <a:t>하는</a:t>
             </a:r>
             <a:r>
-              <a:rPr lang="en-US" altLang="ko-KR" dirty="0" smtClean="0">
+              <a:rPr lang="en-US" altLang="ko-KR" dirty="0">
                 <a:sym typeface="Wingdings" panose="05000000000000000000" pitchFamily="2" charset="2"/>
               </a:rPr>
               <a:t> Epoch</a:t>
             </a:r>
             <a:r>
-              <a:rPr lang="ko-KR" altLang="en-US" dirty="0" smtClean="0">
+              <a:rPr lang="ko-KR" altLang="en-US" dirty="0">
                 <a:sym typeface="Wingdings" panose="05000000000000000000" pitchFamily="2" charset="2"/>
               </a:rPr>
               <a:t>를</a:t>
             </a:r>
             <a:r>
-              <a:rPr lang="en-US" altLang="ko-KR" dirty="0" smtClean="0">
+              <a:rPr lang="en-US" altLang="ko-KR" dirty="0">
                 <a:sym typeface="Wingdings" panose="05000000000000000000" pitchFamily="2" charset="2"/>
               </a:rPr>
               <a:t> 4</a:t>
             </a:r>
             <a:r>
-              <a:rPr lang="ko-KR" altLang="en-US" dirty="0" smtClean="0">
+              <a:rPr lang="ko-KR" altLang="en-US" dirty="0">
                 <a:sym typeface="Wingdings" panose="05000000000000000000" pitchFamily="2" charset="2"/>
               </a:rPr>
               <a:t>이상</a:t>
@@ -7830,25 +7823,25 @@
               </a:lnSpc>
             </a:pPr>
             <a:r>
-              <a:rPr lang="en-US" altLang="ko-KR" dirty="0" smtClean="0">
+              <a:rPr lang="en-US" altLang="ko-KR" dirty="0">
                 <a:sym typeface="Wingdings" panose="05000000000000000000" pitchFamily="2" charset="2"/>
               </a:rPr>
               <a:t> time step</a:t>
             </a:r>
             <a:r>
-              <a:rPr lang="ko-KR" altLang="en-US" dirty="0" smtClean="0">
+              <a:rPr lang="ko-KR" altLang="en-US" dirty="0">
                 <a:sym typeface="Wingdings" panose="05000000000000000000" pitchFamily="2" charset="2"/>
               </a:rPr>
               <a:t>을 세분화 </a:t>
             </a:r>
             <a:r>
-              <a:rPr lang="en-US" altLang="ko-KR" dirty="0" smtClean="0">
+              <a:rPr lang="en-US" altLang="ko-KR" dirty="0">
                 <a:sym typeface="Wingdings" panose="05000000000000000000" pitchFamily="2" charset="2"/>
               </a:rPr>
               <a:t>Action </a:t>
             </a:r>
             <a:r>
-              <a:rPr lang="ko-KR" altLang="en-US" dirty="0" smtClean="0">
+              <a:rPr lang="ko-KR" altLang="en-US" dirty="0">
                 <a:sym typeface="Wingdings" panose="05000000000000000000" pitchFamily="2" charset="2"/>
               </a:rPr>
               <a:t>형태 변화 필요</a:t>
@@ -7864,43 +7857,43 @@
               </a:lnSpc>
             </a:pPr>
             <a:r>
-              <a:rPr lang="en-US" altLang="ko-KR" dirty="0" smtClean="0">
+              <a:rPr lang="en-US" altLang="ko-KR" dirty="0">
                 <a:sym typeface="Wingdings" panose="05000000000000000000" pitchFamily="2" charset="2"/>
               </a:rPr>
               <a:t> Epoch </a:t>
             </a:r>
             <a:r>
-              <a:rPr lang="ko-KR" altLang="en-US" dirty="0" smtClean="0">
+              <a:rPr lang="ko-KR" altLang="en-US" dirty="0">
                 <a:sym typeface="Wingdings" panose="05000000000000000000" pitchFamily="2" charset="2"/>
               </a:rPr>
               <a:t>길이 길게 </a:t>
             </a:r>
             <a:r>
-              <a:rPr lang="en-US" altLang="ko-KR" dirty="0" smtClean="0">
+              <a:rPr lang="en-US" altLang="ko-KR" dirty="0">
                 <a:sym typeface="Wingdings" panose="05000000000000000000" pitchFamily="2" charset="2"/>
               </a:rPr>
               <a:t>(</a:t>
             </a:r>
             <a:r>
-              <a:rPr lang="ko-KR" altLang="en-US" dirty="0" smtClean="0">
+              <a:rPr lang="ko-KR" altLang="en-US" dirty="0">
                 <a:sym typeface="Wingdings" panose="05000000000000000000" pitchFamily="2" charset="2"/>
               </a:rPr>
               <a:t>現</a:t>
             </a:r>
             <a:r>
-              <a:rPr lang="en-US" altLang="ko-KR" dirty="0" smtClean="0">
+              <a:rPr lang="en-US" altLang="ko-KR" dirty="0">
                 <a:sym typeface="Wingdings" panose="05000000000000000000" pitchFamily="2" charset="2"/>
               </a:rPr>
               <a:t>:10000s/epoch -&gt; 27000s/epoch</a:t>
             </a:r>
             <a:r>
-              <a:rPr lang="ko-KR" altLang="en-US" dirty="0" smtClean="0">
+              <a:rPr lang="ko-KR" altLang="en-US" dirty="0">
                 <a:sym typeface="Wingdings" panose="05000000000000000000" pitchFamily="2" charset="2"/>
               </a:rPr>
               <a:t>이상</a:t>
             </a:r>
             <a:r>
-              <a:rPr lang="en-US" altLang="ko-KR" dirty="0" smtClean="0">
+              <a:rPr lang="en-US" altLang="ko-KR" dirty="0">
                 <a:sym typeface="Wingdings" panose="05000000000000000000" pitchFamily="2" charset="2"/>
               </a:rPr>
               <a:t>)</a:t>
@@ -7926,13 +7919,6 @@
   <p:clrMapOvr>
     <a:masterClrMapping/>
   </p:clrMapOvr>
-  <p:timing>
-    <p:tnLst>
-      <p:par>
-        <p:cTn id="1" dur="indefinite" restart="never" nodeType="tmRoot"/>
-      </p:par>
-    </p:tnLst>
-  </p:timing>
 </p:sld>
 </file>
 
@@ -7969,10 +7955,9 @@
           <a:lstStyle/>
           <a:p>
             <a:r>
-              <a:rPr lang="ko-KR" altLang="en-US" dirty="0" smtClean="0"/>
+              <a:rPr lang="ko-KR" altLang="en-US" dirty="0"/>
               <a:t>목표</a:t>
             </a:r>
-            <a:endParaRPr lang="ko-KR" altLang="en-US" dirty="0"/>
           </a:p>
         </p:txBody>
       </p:sp>
@@ -7997,49 +7982,45 @@
               </a:rPr>
               <a:t>교통 공학 공부</a:t>
             </a:r>
-            <a:endParaRPr lang="en-US" altLang="ko-KR" dirty="0" smtClean="0"/>
-          </a:p>
-          <a:p>
-            <a:r>
-              <a:rPr lang="en-US" altLang="ko-KR" dirty="0" smtClean="0"/>
+            <a:endParaRPr lang="en-US" altLang="ko-KR" dirty="0"/>
+          </a:p>
+          <a:p>
+            <a:r>
+              <a:rPr lang="en-US" altLang="ko-KR" dirty="0"/>
               <a:t>SUMO Network </a:t>
             </a:r>
             <a:r>
-              <a:rPr lang="ko-KR" altLang="en-US" dirty="0" smtClean="0"/>
+              <a:rPr lang="ko-KR" altLang="en-US" dirty="0"/>
               <a:t>제작</a:t>
             </a:r>
-            <a:r>
-              <a:rPr lang="en-US" altLang="ko-KR" dirty="0" smtClean="0"/>
-              <a:t/>
-            </a:r>
             <a:br>
-              <a:rPr lang="en-US" altLang="ko-KR" dirty="0" smtClean="0"/>
+              <a:rPr lang="en-US" altLang="ko-KR" dirty="0"/>
             </a:br>
             <a:r>
-              <a:rPr lang="en-US" altLang="ko-KR" dirty="0" smtClean="0">
+              <a:rPr lang="en-US" altLang="ko-KR" dirty="0">
                 <a:sym typeface="Wingdings" panose="05000000000000000000" pitchFamily="2" charset="2"/>
               </a:rPr>
               <a:t></a:t>
             </a:r>
             <a:r>
-              <a:rPr lang="en-US" altLang="ko-KR" dirty="0" err="1" smtClean="0">
+              <a:rPr lang="en-US" altLang="ko-KR" dirty="0" err="1">
                 <a:sym typeface="Wingdings" panose="05000000000000000000" pitchFamily="2" charset="2"/>
               </a:rPr>
               <a:t>TraCI</a:t>
             </a:r>
             <a:r>
-              <a:rPr lang="en-US" altLang="ko-KR" dirty="0" smtClean="0">
+              <a:rPr lang="en-US" altLang="ko-KR" dirty="0">
                 <a:sym typeface="Wingdings" panose="05000000000000000000" pitchFamily="2" charset="2"/>
               </a:rPr>
               <a:t> </a:t>
             </a:r>
             <a:r>
-              <a:rPr lang="ko-KR" altLang="en-US" dirty="0" smtClean="0">
+              <a:rPr lang="ko-KR" altLang="en-US" dirty="0">
                 <a:sym typeface="Wingdings" panose="05000000000000000000" pitchFamily="2" charset="2"/>
               </a:rPr>
               <a:t>함수</a:t>
             </a:r>
-            <a:endParaRPr lang="en-US" altLang="ko-KR" dirty="0" smtClean="0">
+            <a:endParaRPr lang="en-US" altLang="ko-KR" dirty="0">
               <a:sym typeface="Wingdings" panose="05000000000000000000" pitchFamily="2" charset="2"/>
             </a:endParaRPr>
           </a:p>
@@ -8050,32 +8031,28 @@
             </a:r>
             <a:r>
               <a:rPr lang="ko-KR" altLang="en-US" dirty="0"/>
-              <a:t>종류 </a:t>
-            </a:r>
-            <a:r>
-              <a:rPr lang="ko-KR" altLang="en-US" dirty="0" smtClean="0"/>
-              <a:t>판별</a:t>
-            </a:r>
-            <a:endParaRPr lang="en-US" altLang="ko-KR" dirty="0" smtClean="0"/>
-          </a:p>
-          <a:p>
-            <a:r>
-              <a:rPr lang="ko-KR" altLang="en-US" dirty="0" err="1" smtClean="0"/>
+              <a:t>종류 판별</a:t>
+            </a:r>
+            <a:endParaRPr lang="en-US" altLang="ko-KR" dirty="0"/>
+          </a:p>
+          <a:p>
+            <a:r>
+              <a:rPr lang="ko-KR" altLang="en-US" dirty="0" err="1"/>
               <a:t>강화학습</a:t>
             </a:r>
             <a:r>
-              <a:rPr lang="ko-KR" altLang="en-US" dirty="0" smtClean="0"/>
+              <a:rPr lang="ko-KR" altLang="en-US" dirty="0"/>
               <a:t> 내용 파악</a:t>
             </a:r>
-            <a:endParaRPr lang="en-US" altLang="ko-KR" dirty="0" smtClean="0"/>
-          </a:p>
-          <a:p>
-            <a:r>
-              <a:rPr lang="ko-KR" altLang="en-US" dirty="0" smtClean="0"/>
+            <a:endParaRPr lang="en-US" altLang="ko-KR" dirty="0"/>
+          </a:p>
+          <a:p>
+            <a:r>
+              <a:rPr lang="ko-KR" altLang="en-US" dirty="0"/>
               <a:t>논문 </a:t>
             </a:r>
             <a:r>
-              <a:rPr lang="en-US" altLang="ko-KR" dirty="0" smtClean="0"/>
+              <a:rPr lang="en-US" altLang="ko-KR" dirty="0"/>
               <a:t>Review</a:t>
             </a:r>
           </a:p>
@@ -8091,13 +8068,6 @@
   <p:clrMapOvr>
     <a:masterClrMapping/>
   </p:clrMapOvr>
-  <p:timing>
-    <p:tnLst>
-      <p:par>
-        <p:cTn id="1" dur="indefinite" restart="never" nodeType="tmRoot"/>
-      </p:par>
-    </p:tnLst>
-  </p:timing>
 </p:sld>
 </file>
 
@@ -8134,7 +8104,7 @@
           <a:lstStyle/>
           <a:p>
             <a:r>
-              <a:rPr lang="en-US" altLang="ko-KR" dirty="0" smtClean="0"/>
+              <a:rPr lang="en-US" altLang="ko-KR" dirty="0"/>
               <a:t>TOD</a:t>
             </a:r>
             <a:endParaRPr lang="ko-KR" altLang="en-US" dirty="0"/>
@@ -8170,13 +8140,6 @@
   <p:clrMapOvr>
     <a:masterClrMapping/>
   </p:clrMapOvr>
-  <p:timing>
-    <p:tnLst>
-      <p:par>
-        <p:cTn id="1" dur="indefinite" restart="never" nodeType="tmRoot"/>
-      </p:par>
-    </p:tnLst>
-  </p:timing>
 </p:sld>
 </file>
 
@@ -8213,14 +8176,13 @@
           <a:lstStyle/>
           <a:p>
             <a:r>
-              <a:rPr lang="en-US" altLang="ko-KR" dirty="0" smtClean="0"/>
+              <a:rPr lang="en-US" altLang="ko-KR" dirty="0"/>
               <a:t>SUMO Network </a:t>
             </a:r>
             <a:r>
-              <a:rPr lang="ko-KR" altLang="en-US" dirty="0" smtClean="0"/>
+              <a:rPr lang="ko-KR" altLang="en-US" dirty="0"/>
               <a:t>제작</a:t>
             </a:r>
-            <a:endParaRPr lang="ko-KR" altLang="en-US" dirty="0"/>
           </a:p>
         </p:txBody>
       </p:sp>
@@ -8284,13 +8246,6 @@
   <p:clrMapOvr>
     <a:masterClrMapping/>
   </p:clrMapOvr>
-  <p:timing>
-    <p:tnLst>
-      <p:par>
-        <p:cTn id="1" dur="indefinite" restart="never" nodeType="tmRoot"/>
-      </p:par>
-    </p:tnLst>
-  </p:timing>
 </p:sld>
 </file>
 
@@ -8327,7 +8282,7 @@
           <a:lstStyle/>
           <a:p>
             <a:r>
-              <a:rPr lang="en-US" altLang="ko-KR" dirty="0" err="1" smtClean="0"/>
+              <a:rPr lang="en-US" altLang="ko-KR" dirty="0" err="1"/>
               <a:t>TraCI</a:t>
             </a:r>
             <a:endParaRPr lang="ko-KR" altLang="en-US" dirty="0"/>
@@ -8350,95 +8305,87 @@
           <a:lstStyle/>
           <a:p>
             <a:r>
-              <a:rPr lang="en-US" altLang="ko-KR" dirty="0" smtClean="0"/>
+              <a:rPr lang="en-US" altLang="ko-KR" dirty="0"/>
               <a:t>Additional file </a:t>
             </a:r>
             <a:r>
-              <a:rPr lang="ko-KR" altLang="en-US" dirty="0" smtClean="0"/>
+              <a:rPr lang="ko-KR" altLang="en-US" dirty="0"/>
               <a:t>을 이용하여 </a:t>
             </a:r>
             <a:r>
-              <a:rPr lang="en-US" altLang="ko-KR" dirty="0" smtClean="0"/>
+              <a:rPr lang="en-US" altLang="ko-KR" dirty="0"/>
               <a:t>Traffic Light</a:t>
             </a:r>
             <a:r>
-              <a:rPr lang="ko-KR" altLang="en-US" dirty="0" smtClean="0"/>
+              <a:rPr lang="ko-KR" altLang="en-US" dirty="0"/>
               <a:t>를 조절</a:t>
             </a:r>
-            <a:r>
-              <a:rPr lang="en-US" altLang="ko-KR" dirty="0" smtClean="0"/>
-              <a:t/>
-            </a:r>
             <a:br>
-              <a:rPr lang="en-US" altLang="ko-KR" dirty="0" smtClean="0"/>
+              <a:rPr lang="en-US" altLang="ko-KR" dirty="0"/>
             </a:br>
             <a:r>
-              <a:rPr lang="en-US" altLang="ko-KR" dirty="0" smtClean="0"/>
+              <a:rPr lang="en-US" altLang="ko-KR" dirty="0"/>
               <a:t>-.add.xml format </a:t>
             </a:r>
             <a:r>
-              <a:rPr lang="ko-KR" altLang="en-US" dirty="0" smtClean="0"/>
+              <a:rPr lang="ko-KR" altLang="en-US" dirty="0"/>
               <a:t>사용</a:t>
             </a:r>
-            <a:endParaRPr lang="en-US" altLang="ko-KR" dirty="0" smtClean="0"/>
-          </a:p>
-          <a:p>
-            <a:r>
-              <a:rPr lang="en-US" altLang="ko-KR" dirty="0" smtClean="0"/>
+            <a:endParaRPr lang="en-US" altLang="ko-KR" dirty="0"/>
+          </a:p>
+          <a:p>
+            <a:r>
+              <a:rPr lang="en-US" altLang="ko-KR" dirty="0"/>
               <a:t>Phase Setting</a:t>
             </a:r>
             <a:br>
-              <a:rPr lang="en-US" altLang="ko-KR" dirty="0" smtClean="0"/>
+              <a:rPr lang="en-US" altLang="ko-KR" dirty="0"/>
             </a:br>
             <a:r>
-              <a:rPr lang="en-US" altLang="ko-KR" dirty="0" smtClean="0"/>
+              <a:rPr lang="en-US" altLang="ko-KR" dirty="0"/>
               <a:t>- </a:t>
             </a:r>
             <a:r>
-              <a:rPr lang="en-US" altLang="ko-KR" dirty="0" err="1" smtClean="0"/>
+              <a:rPr lang="en-US" altLang="ko-KR" dirty="0" err="1"/>
               <a:t>setPhase</a:t>
             </a:r>
             <a:r>
               <a:rPr lang="en-US" altLang="ko-KR" dirty="0"/>
-              <a:t> </a:t>
-            </a:r>
-            <a:r>
-              <a:rPr lang="en-US" altLang="ko-KR" dirty="0" smtClean="0"/>
-              <a:t>function</a:t>
-            </a:r>
-          </a:p>
-          <a:p>
-            <a:r>
-              <a:rPr lang="en-US" altLang="ko-KR" dirty="0" smtClean="0"/>
+              <a:t> function</a:t>
+            </a:r>
+          </a:p>
+          <a:p>
+            <a:r>
+              <a:rPr lang="en-US" altLang="ko-KR" dirty="0"/>
               <a:t>Duration Setting</a:t>
             </a:r>
             <a:br>
-              <a:rPr lang="en-US" altLang="ko-KR" dirty="0" smtClean="0"/>
+              <a:rPr lang="en-US" altLang="ko-KR" dirty="0"/>
             </a:br>
             <a:r>
-              <a:rPr lang="en-US" altLang="ko-KR" dirty="0" smtClean="0"/>
+              <a:rPr lang="en-US" altLang="ko-KR" dirty="0"/>
               <a:t>- </a:t>
             </a:r>
             <a:r>
-              <a:rPr lang="en-US" altLang="ko-KR" dirty="0" err="1" smtClean="0"/>
+              <a:rPr lang="en-US" altLang="ko-KR" dirty="0" err="1"/>
               <a:t>setPhaseDuration</a:t>
             </a:r>
-            <a:endParaRPr lang="en-US" altLang="ko-KR" dirty="0" smtClean="0"/>
-          </a:p>
-          <a:p>
-            <a:r>
-              <a:rPr lang="en-US" altLang="ko-KR" dirty="0" smtClean="0"/>
+            <a:endParaRPr lang="en-US" altLang="ko-KR" dirty="0"/>
+          </a:p>
+          <a:p>
+            <a:r>
+              <a:rPr lang="en-US" altLang="ko-KR" dirty="0"/>
               <a:t>Complete Program Setting: Static signal Plan</a:t>
             </a:r>
             <a:br>
-              <a:rPr lang="en-US" altLang="ko-KR" dirty="0" smtClean="0"/>
+              <a:rPr lang="en-US" altLang="ko-KR" dirty="0"/>
             </a:br>
             <a:r>
-              <a:rPr lang="en-US" altLang="ko-KR" dirty="0" smtClean="0"/>
+              <a:rPr lang="en-US" altLang="ko-KR" dirty="0"/>
               <a:t>- </a:t>
             </a:r>
             <a:r>
-              <a:rPr lang="en-US" altLang="ko-KR" dirty="0" err="1" smtClean="0"/>
+              <a:rPr lang="en-US" altLang="ko-KR" dirty="0" err="1"/>
               <a:t>setProgramLogic</a:t>
             </a:r>
             <a:endParaRPr lang="ko-KR" altLang="en-US" dirty="0"/>
@@ -8455,13 +8402,6 @@
   <p:clrMapOvr>
     <a:masterClrMapping/>
   </p:clrMapOvr>
-  <p:timing>
-    <p:tnLst>
-      <p:par>
-        <p:cTn id="1" dur="indefinite" restart="never" nodeType="tmRoot"/>
-      </p:par>
-    </p:tnLst>
-  </p:timing>
 </p:sld>
 </file>
 
@@ -8498,7 +8438,7 @@
           <a:lstStyle/>
           <a:p>
             <a:r>
-              <a:rPr lang="en-US" altLang="ko-KR" dirty="0" smtClean="0"/>
+              <a:rPr lang="en-US" altLang="ko-KR" dirty="0"/>
               <a:t>Defining New TLS-Programs</a:t>
             </a:r>
             <a:endParaRPr lang="ko-KR" altLang="en-US" dirty="0"/>
@@ -8521,133 +8461,125 @@
           <a:lstStyle/>
           <a:p>
             <a:r>
-              <a:rPr lang="en-US" altLang="ko-KR" dirty="0" smtClean="0"/>
+              <a:rPr lang="en-US" altLang="ko-KR" dirty="0"/>
               <a:t>Additional file</a:t>
             </a:r>
             <a:r>
-              <a:rPr lang="ko-KR" altLang="en-US" dirty="0" smtClean="0"/>
+              <a:rPr lang="ko-KR" altLang="en-US" dirty="0"/>
               <a:t>을 사용</a:t>
             </a:r>
-            <a:r>
-              <a:rPr lang="en-US" altLang="ko-KR" dirty="0" smtClean="0"/>
-              <a:t/>
-            </a:r>
             <a:br>
-              <a:rPr lang="en-US" altLang="ko-KR" dirty="0" smtClean="0"/>
+              <a:rPr lang="en-US" altLang="ko-KR" dirty="0"/>
             </a:br>
             <a:r>
-              <a:rPr lang="en-US" altLang="ko-KR" dirty="0" smtClean="0">
+              <a:rPr lang="en-US" altLang="ko-KR" dirty="0">
                 <a:sym typeface="Wingdings" panose="05000000000000000000" pitchFamily="2" charset="2"/>
               </a:rPr>
               <a:t></a:t>
             </a:r>
             <a:r>
-              <a:rPr lang="ko-KR" altLang="en-US" dirty="0" smtClean="0"/>
+              <a:rPr lang="ko-KR" altLang="en-US" dirty="0"/>
               <a:t> </a:t>
             </a:r>
             <a:r>
-              <a:rPr lang="en-US" altLang="ko-KR" dirty="0" err="1" smtClean="0"/>
+              <a:rPr lang="en-US" altLang="ko-KR" dirty="0" err="1"/>
               <a:t>tlLogic</a:t>
             </a:r>
             <a:r>
-              <a:rPr lang="en-US" altLang="ko-KR" dirty="0" smtClean="0"/>
+              <a:rPr lang="en-US" altLang="ko-KR" dirty="0"/>
               <a:t> id</a:t>
             </a:r>
             <a:r>
-              <a:rPr lang="ko-KR" altLang="en-US" dirty="0" smtClean="0"/>
+              <a:rPr lang="ko-KR" altLang="en-US" dirty="0"/>
               <a:t>를 부여하여 사용함</a:t>
             </a:r>
             <a:r>
-              <a:rPr lang="en-US" altLang="ko-KR" dirty="0" smtClean="0"/>
+              <a:rPr lang="en-US" altLang="ko-KR" dirty="0"/>
               <a:t>(.nod.xml</a:t>
             </a:r>
             <a:r>
-              <a:rPr lang="ko-KR" altLang="en-US" dirty="0" smtClean="0"/>
+              <a:rPr lang="ko-KR" altLang="en-US" dirty="0"/>
               <a:t>에서 부여한 </a:t>
             </a:r>
             <a:r>
-              <a:rPr lang="en-US" altLang="ko-KR" dirty="0" smtClean="0"/>
+              <a:rPr lang="en-US" altLang="ko-KR" dirty="0"/>
               <a:t>id</a:t>
             </a:r>
             <a:r>
-              <a:rPr lang="ko-KR" altLang="en-US" dirty="0" smtClean="0"/>
+              <a:rPr lang="ko-KR" altLang="en-US" dirty="0"/>
               <a:t>와 동일할 때</a:t>
             </a:r>
             <a:r>
-              <a:rPr lang="en-US" altLang="ko-KR" dirty="0" smtClean="0"/>
+              <a:rPr lang="en-US" altLang="ko-KR" dirty="0"/>
               <a:t>, </a:t>
             </a:r>
             <a:r>
-              <a:rPr lang="ko-KR" altLang="en-US" dirty="0" smtClean="0"/>
+              <a:rPr lang="ko-KR" altLang="en-US" dirty="0"/>
               <a:t>동작함</a:t>
             </a:r>
             <a:r>
-              <a:rPr lang="en-US" altLang="ko-KR" dirty="0" smtClean="0"/>
+              <a:rPr lang="en-US" altLang="ko-KR" dirty="0"/>
               <a:t>)</a:t>
             </a:r>
           </a:p>
           <a:p>
             <a:r>
-              <a:rPr lang="en-US" altLang="ko-KR" dirty="0" smtClean="0"/>
+              <a:rPr lang="en-US" altLang="ko-KR" dirty="0"/>
               <a:t>Program ID</a:t>
             </a:r>
             <a:r>
-              <a:rPr lang="ko-KR" altLang="en-US" dirty="0" smtClean="0"/>
+              <a:rPr lang="ko-KR" altLang="en-US" dirty="0"/>
               <a:t>는 </a:t>
             </a:r>
             <a:r>
-              <a:rPr lang="en-US" altLang="ko-KR" dirty="0" smtClean="0"/>
+              <a:rPr lang="en-US" altLang="ko-KR" dirty="0"/>
               <a:t>‘off’</a:t>
             </a:r>
             <a:r>
               <a:rPr lang="ko-KR" altLang="en-US" dirty="0"/>
-              <a:t>를</a:t>
-            </a:r>
-            <a:r>
-              <a:rPr lang="ko-KR" altLang="en-US" dirty="0" smtClean="0"/>
-              <a:t> 제외하고 부여</a:t>
-            </a:r>
-            <a:endParaRPr lang="en-US" altLang="ko-KR" dirty="0" smtClean="0"/>
-          </a:p>
-          <a:p>
-            <a:r>
-              <a:rPr lang="ko-KR" altLang="en-US" dirty="0" smtClean="0"/>
+              <a:t>를 제외하고 부여</a:t>
+            </a:r>
+            <a:endParaRPr lang="en-US" altLang="ko-KR" dirty="0"/>
+          </a:p>
+          <a:p>
+            <a:r>
+              <a:rPr lang="ko-KR" altLang="en-US" dirty="0"/>
               <a:t>아래 </a:t>
             </a:r>
             <a:r>
-              <a:rPr lang="en-US" altLang="ko-KR" dirty="0" smtClean="0"/>
+              <a:rPr lang="en-US" altLang="ko-KR" dirty="0"/>
               <a:t>Character</a:t>
             </a:r>
             <a:r>
-              <a:rPr lang="ko-KR" altLang="en-US" dirty="0" smtClean="0"/>
+              <a:rPr lang="ko-KR" altLang="en-US" dirty="0"/>
               <a:t>는 소문자는 </a:t>
             </a:r>
             <a:r>
-              <a:rPr lang="en-US" altLang="ko-KR" dirty="0" smtClean="0"/>
+              <a:rPr lang="en-US" altLang="ko-KR" dirty="0"/>
               <a:t>decelerate </a:t>
             </a:r>
             <a:r>
-              <a:rPr lang="ko-KR" altLang="en-US" dirty="0" smtClean="0"/>
+              <a:rPr lang="ko-KR" altLang="en-US" dirty="0"/>
               <a:t>함을 의미</a:t>
             </a:r>
             <a:r>
-              <a:rPr lang="en-US" altLang="ko-KR" dirty="0" smtClean="0"/>
+              <a:rPr lang="en-US" altLang="ko-KR" dirty="0"/>
               <a:t>(set</a:t>
             </a:r>
             <a:r>
-              <a:rPr lang="ko-KR" altLang="en-US" dirty="0" smtClean="0"/>
+              <a:rPr lang="ko-KR" altLang="en-US" dirty="0"/>
               <a:t>할 때</a:t>
             </a:r>
             <a:r>
-              <a:rPr lang="en-US" altLang="ko-KR" dirty="0" smtClean="0"/>
+              <a:rPr lang="en-US" altLang="ko-KR" dirty="0"/>
               <a:t>, </a:t>
             </a:r>
             <a:r>
-              <a:rPr lang="ko-KR" altLang="en-US" dirty="0" smtClean="0"/>
+              <a:rPr lang="ko-KR" altLang="en-US" dirty="0"/>
               <a:t>기준</a:t>
             </a:r>
             <a:r>
-              <a:rPr lang="en-US" altLang="ko-KR" dirty="0" smtClean="0"/>
+              <a:rPr lang="en-US" altLang="ko-KR" dirty="0"/>
               <a:t>)</a:t>
             </a:r>
             <a:endParaRPr lang="ko-KR" altLang="en-US" dirty="0"/>
@@ -8718,10 +8650,9 @@
                     <a:p>
                       <a:pPr latinLnBrk="1"/>
                       <a:r>
-                        <a:rPr lang="ko-KR" altLang="en-US" sz="1200" dirty="0" smtClean="0"/>
+                        <a:rPr lang="ko-KR" altLang="en-US" sz="1200" dirty="0"/>
                         <a:t>설명</a:t>
                       </a:r>
-                      <a:endParaRPr lang="ko-KR" altLang="en-US" sz="1200" dirty="0"/>
                     </a:p>
                   </a:txBody>
                   <a:tcPr/>
@@ -8740,27 +8671,27 @@
                     <a:p>
                       <a:pPr latinLnBrk="1"/>
                       <a:r>
-                        <a:rPr lang="en-US" altLang="ko-KR" sz="1200" dirty="0" smtClean="0"/>
+                        <a:rPr lang="en-US" altLang="ko-KR" sz="1200" dirty="0"/>
                         <a:t>Red Light,</a:t>
                       </a:r>
                       <a:r>
-                        <a:rPr lang="en-US" altLang="ko-KR" sz="1200" baseline="0" dirty="0" smtClean="0"/>
+                        <a:rPr lang="en-US" altLang="ko-KR" sz="1200" baseline="0" dirty="0"/>
                         <a:t> </a:t>
                       </a:r>
                       <a:r>
-                        <a:rPr lang="ko-KR" altLang="en-US" sz="1200" baseline="0" dirty="0" smtClean="0"/>
+                        <a:rPr lang="ko-KR" altLang="en-US" sz="1200" baseline="0" dirty="0"/>
                         <a:t>이 신호일 때</a:t>
                       </a:r>
                       <a:r>
-                        <a:rPr lang="en-US" altLang="ko-KR" sz="1200" baseline="0" dirty="0" smtClean="0"/>
+                        <a:rPr lang="en-US" altLang="ko-KR" sz="1200" baseline="0" dirty="0"/>
                         <a:t>, junction</a:t>
                       </a:r>
                       <a:r>
-                        <a:rPr lang="ko-KR" altLang="en-US" sz="1200" baseline="0" dirty="0" smtClean="0"/>
+                        <a:rPr lang="ko-KR" altLang="en-US" sz="1200" baseline="0" dirty="0"/>
                         <a:t>에서 차량이 정지하면</a:t>
                       </a:r>
                       <a:r>
-                        <a:rPr lang="en-US" altLang="ko-KR" sz="1200" baseline="0" dirty="0" smtClean="0"/>
+                        <a:rPr lang="en-US" altLang="ko-KR" sz="1200" baseline="0" dirty="0"/>
                         <a:t> Teleport</a:t>
                       </a:r>
                       <a:endParaRPr lang="ko-KR" altLang="en-US" sz="1200" dirty="0"/>
@@ -8782,35 +8713,35 @@
                     <a:p>
                       <a:pPr latinLnBrk="1"/>
                       <a:r>
-                        <a:rPr lang="en-US" altLang="ko-KR" sz="1200" dirty="0" smtClean="0"/>
+                        <a:rPr lang="en-US" altLang="ko-KR" sz="1200" dirty="0"/>
                         <a:t>Yellow Light,</a:t>
                       </a:r>
                       <a:r>
-                        <a:rPr lang="en-US" altLang="ko-KR" sz="1200" baseline="0" dirty="0" smtClean="0"/>
+                        <a:rPr lang="en-US" altLang="ko-KR" sz="1200" baseline="0" dirty="0"/>
                         <a:t> </a:t>
                       </a:r>
                       <a:r>
-                        <a:rPr lang="ko-KR" altLang="en-US" sz="1200" baseline="0" dirty="0" smtClean="0"/>
+                        <a:rPr lang="ko-KR" altLang="en-US" sz="1200" baseline="0" dirty="0"/>
                         <a:t>차량이 </a:t>
                       </a:r>
                       <a:r>
-                        <a:rPr lang="en-US" altLang="ko-KR" sz="1200" baseline="0" dirty="0" smtClean="0"/>
+                        <a:rPr lang="en-US" altLang="ko-KR" sz="1200" baseline="0" dirty="0"/>
                         <a:t>Junction</a:t>
                       </a:r>
                       <a:r>
-                        <a:rPr lang="ko-KR" altLang="en-US" sz="1200" baseline="0" dirty="0" smtClean="0"/>
+                        <a:rPr lang="ko-KR" altLang="en-US" sz="1200" baseline="0" dirty="0"/>
                         <a:t>에서 멀면 </a:t>
                       </a:r>
                       <a:r>
-                        <a:rPr lang="en-US" altLang="ko-KR" sz="1200" baseline="0" dirty="0" smtClean="0"/>
+                        <a:rPr lang="en-US" altLang="ko-KR" sz="1200" baseline="0" dirty="0"/>
                         <a:t>deceleration, </a:t>
                       </a:r>
                       <a:r>
-                        <a:rPr lang="ko-KR" altLang="en-US" sz="1200" baseline="0" dirty="0" smtClean="0"/>
+                        <a:rPr lang="ko-KR" altLang="en-US" sz="1200" baseline="0" dirty="0"/>
                         <a:t>아니면 </a:t>
                       </a:r>
                       <a:r>
-                        <a:rPr lang="en-US" altLang="ko-KR" sz="1200" baseline="0" dirty="0" smtClean="0"/>
+                        <a:rPr lang="en-US" altLang="ko-KR" sz="1200" baseline="0" dirty="0"/>
                         <a:t>pass</a:t>
                       </a:r>
                       <a:endParaRPr lang="ko-KR" altLang="en-US" sz="1200" dirty="0"/>
@@ -8832,35 +8763,35 @@
                     <a:p>
                       <a:pPr latinLnBrk="1"/>
                       <a:r>
-                        <a:rPr lang="en-US" altLang="ko-KR" sz="1200" dirty="0" smtClean="0"/>
+                        <a:rPr lang="en-US" altLang="ko-KR" sz="1200" dirty="0"/>
                         <a:t>Green</a:t>
                       </a:r>
                       <a:r>
-                        <a:rPr lang="en-US" altLang="ko-KR" sz="1200" baseline="0" dirty="0" smtClean="0"/>
+                        <a:rPr lang="en-US" altLang="ko-KR" sz="1200" baseline="0" dirty="0"/>
                         <a:t> Light with no priority, </a:t>
                       </a:r>
                       <a:r>
-                        <a:rPr lang="ko-KR" altLang="en-US" sz="1200" baseline="0" dirty="0" smtClean="0"/>
+                        <a:rPr lang="ko-KR" altLang="en-US" sz="1200" baseline="0" dirty="0"/>
                         <a:t>비 보호 녹색 신호</a:t>
                       </a:r>
                       <a:r>
-                        <a:rPr lang="en-US" altLang="ko-KR" sz="1200" baseline="0" dirty="0" smtClean="0"/>
+                        <a:rPr lang="en-US" altLang="ko-KR" sz="1200" baseline="0" dirty="0"/>
                         <a:t>, </a:t>
                       </a:r>
                       <a:r>
-                        <a:rPr lang="ko-KR" altLang="en-US" sz="1200" baseline="0" dirty="0" smtClean="0"/>
+                        <a:rPr lang="ko-KR" altLang="en-US" sz="1200" baseline="0" dirty="0"/>
                         <a:t>먼저 온 </a:t>
                       </a:r>
                       <a:r>
-                        <a:rPr lang="en-US" altLang="ko-KR" sz="1200" baseline="0" dirty="0" smtClean="0"/>
+                        <a:rPr lang="en-US" altLang="ko-KR" sz="1200" baseline="0" dirty="0"/>
                         <a:t>priority signal </a:t>
                       </a:r>
                       <a:r>
-                        <a:rPr lang="ko-KR" altLang="en-US" sz="1200" baseline="0" dirty="0" smtClean="0"/>
+                        <a:rPr lang="ko-KR" altLang="en-US" sz="1200" baseline="0" dirty="0"/>
                         <a:t>수신 차량이 있는 경우 </a:t>
                       </a:r>
                       <a:r>
-                        <a:rPr lang="en-US" altLang="ko-KR" sz="1200" baseline="0" dirty="0" smtClean="0"/>
+                        <a:rPr lang="en-US" altLang="ko-KR" sz="1200" baseline="0" dirty="0"/>
                         <a:t>deceleration</a:t>
                       </a:r>
                       <a:endParaRPr lang="ko-KR" altLang="en-US" sz="1200" dirty="0"/>
@@ -8882,23 +8813,23 @@
                     <a:p>
                       <a:pPr latinLnBrk="1"/>
                       <a:r>
-                        <a:rPr lang="en-US" altLang="ko-KR" sz="1200" dirty="0" smtClean="0"/>
+                        <a:rPr lang="en-US" altLang="ko-KR" sz="1200" dirty="0"/>
                         <a:t>Green Light</a:t>
                       </a:r>
                       <a:r>
-                        <a:rPr lang="en-US" altLang="ko-KR" sz="1200" baseline="0" dirty="0" smtClean="0"/>
+                        <a:rPr lang="en-US" altLang="ko-KR" sz="1200" baseline="0" dirty="0"/>
                         <a:t> with priority, junction</a:t>
                       </a:r>
                       <a:r>
-                        <a:rPr lang="ko-KR" altLang="en-US" sz="1200" baseline="0" dirty="0" smtClean="0"/>
+                        <a:rPr lang="ko-KR" altLang="en-US" sz="1200" baseline="0" dirty="0"/>
                         <a:t>을 우선 </a:t>
                       </a:r>
                       <a:r>
-                        <a:rPr lang="en-US" altLang="ko-KR" sz="1200" baseline="0" dirty="0" smtClean="0"/>
+                        <a:rPr lang="en-US" altLang="ko-KR" sz="1200" baseline="0" dirty="0"/>
                         <a:t>pass</a:t>
                       </a:r>
                       <a:r>
-                        <a:rPr lang="ko-KR" altLang="en-US" sz="1200" baseline="0" dirty="0" smtClean="0"/>
+                        <a:rPr lang="ko-KR" altLang="en-US" sz="1200" baseline="0" dirty="0"/>
                         <a:t>하는 신호</a:t>
                       </a:r>
                       <a:endParaRPr lang="ko-KR" altLang="en-US" sz="1200" dirty="0"/>
@@ -8920,39 +8851,39 @@
                     <a:p>
                       <a:pPr latinLnBrk="1"/>
                       <a:r>
-                        <a:rPr lang="en-US" altLang="ko-KR" sz="1200" dirty="0" smtClean="0"/>
+                        <a:rPr lang="en-US" altLang="ko-KR" sz="1200" dirty="0"/>
                         <a:t>Green</a:t>
                       </a:r>
                       <a:r>
-                        <a:rPr lang="en-US" altLang="ko-KR" sz="1200" baseline="0" dirty="0" smtClean="0"/>
+                        <a:rPr lang="en-US" altLang="ko-KR" sz="1200" baseline="0" dirty="0"/>
                         <a:t> Right-turn arrow, junction type ‘</a:t>
                       </a:r>
                       <a:r>
-                        <a:rPr lang="en-US" altLang="ko-KR" sz="1200" baseline="0" dirty="0" err="1" smtClean="0"/>
+                        <a:rPr lang="en-US" altLang="ko-KR" sz="1200" baseline="0" dirty="0" err="1"/>
                         <a:t>traffic_light_right_on_red</a:t>
                       </a:r>
                       <a:r>
-                        <a:rPr lang="en-US" altLang="ko-KR" sz="1200" baseline="0" dirty="0" smtClean="0"/>
+                        <a:rPr lang="en-US" altLang="ko-KR" sz="1200" baseline="0" dirty="0"/>
                         <a:t>’</a:t>
                       </a:r>
                       <a:r>
-                        <a:rPr lang="ko-KR" altLang="en-US" sz="1200" baseline="0" dirty="0" smtClean="0"/>
+                        <a:rPr lang="ko-KR" altLang="en-US" sz="1200" baseline="0" dirty="0"/>
                         <a:t>에서만 생성되며</a:t>
                       </a:r>
                       <a:r>
-                        <a:rPr lang="en-US" altLang="ko-KR" sz="1200" baseline="0" dirty="0" smtClean="0"/>
+                        <a:rPr lang="en-US" altLang="ko-KR" sz="1200" baseline="0" dirty="0"/>
                         <a:t>, priority</a:t>
                       </a:r>
                       <a:r>
-                        <a:rPr lang="ko-KR" altLang="en-US" sz="1200" baseline="0" dirty="0" smtClean="0"/>
+                        <a:rPr lang="ko-KR" altLang="en-US" sz="1200" baseline="0" dirty="0"/>
                         <a:t>가 </a:t>
                       </a:r>
                       <a:r>
-                        <a:rPr lang="ko-KR" altLang="en-US" sz="1200" baseline="0" dirty="0" err="1" smtClean="0"/>
+                        <a:rPr lang="ko-KR" altLang="en-US" sz="1200" baseline="0" dirty="0" err="1"/>
                         <a:t>대향</a:t>
                       </a:r>
                       <a:r>
-                        <a:rPr lang="ko-KR" altLang="en-US" sz="1200" baseline="0" dirty="0" smtClean="0"/>
+                        <a:rPr lang="ko-KR" altLang="en-US" sz="1200" baseline="0" dirty="0"/>
                         <a:t> 방향 차량이 갖는 경우 정지</a:t>
                       </a:r>
                       <a:endParaRPr lang="ko-KR" altLang="en-US" sz="1200" dirty="0"/>
@@ -8974,39 +8905,39 @@
                     <a:p>
                       <a:pPr latinLnBrk="1"/>
                       <a:r>
-                        <a:rPr lang="en-US" altLang="ko-KR" sz="1200" dirty="0" err="1" smtClean="0"/>
+                        <a:rPr lang="en-US" altLang="ko-KR" sz="1200" dirty="0" err="1"/>
                         <a:t>Red+yellow</a:t>
                       </a:r>
                       <a:r>
-                        <a:rPr lang="en-US" altLang="ko-KR" sz="1200" dirty="0" smtClean="0"/>
+                        <a:rPr lang="en-US" altLang="ko-KR" sz="1200" dirty="0"/>
                         <a:t>,</a:t>
                       </a:r>
                       <a:r>
-                        <a:rPr lang="en-US" altLang="ko-KR" sz="1200" baseline="0" dirty="0" smtClean="0"/>
+                        <a:rPr lang="en-US" altLang="ko-KR" sz="1200" baseline="0" dirty="0"/>
                         <a:t> Red</a:t>
                       </a:r>
                       <a:r>
-                        <a:rPr lang="ko-KR" altLang="en-US" sz="1200" baseline="0" dirty="0" smtClean="0"/>
+                        <a:rPr lang="ko-KR" altLang="en-US" sz="1200" baseline="0" dirty="0"/>
                         <a:t>에서 </a:t>
                       </a:r>
                       <a:r>
-                        <a:rPr lang="en-US" altLang="ko-KR" sz="1200" baseline="0" dirty="0" smtClean="0"/>
+                        <a:rPr lang="en-US" altLang="ko-KR" sz="1200" baseline="0" dirty="0"/>
                         <a:t>Green</a:t>
                       </a:r>
                       <a:r>
-                        <a:rPr lang="ko-KR" altLang="en-US" sz="1200" baseline="0" dirty="0" smtClean="0"/>
+                        <a:rPr lang="ko-KR" altLang="en-US" sz="1200" baseline="0" dirty="0"/>
                         <a:t>으로 바뀌기 전의 노란색 신호</a:t>
                       </a:r>
                       <a:r>
-                        <a:rPr lang="en-US" altLang="ko-KR" sz="1200" baseline="0" dirty="0" smtClean="0"/>
+                        <a:rPr lang="en-US" altLang="ko-KR" sz="1200" baseline="0" dirty="0"/>
                         <a:t>, </a:t>
                       </a:r>
                       <a:r>
-                        <a:rPr lang="ko-KR" altLang="en-US" sz="1200" baseline="0" dirty="0" smtClean="0"/>
+                        <a:rPr lang="ko-KR" altLang="en-US" sz="1200" baseline="0" dirty="0"/>
                         <a:t>차량이 </a:t>
                       </a:r>
                       <a:r>
-                        <a:rPr lang="ko-KR" altLang="en-US" sz="1200" baseline="0" dirty="0" err="1" smtClean="0"/>
+                        <a:rPr lang="ko-KR" altLang="en-US" sz="1200" baseline="0" dirty="0" err="1"/>
                         <a:t>출발안함</a:t>
                       </a:r>
                       <a:endParaRPr lang="ko-KR" altLang="en-US" sz="1200" dirty="0"/>
@@ -9028,10 +8959,9 @@
                     <a:p>
                       <a:pPr latinLnBrk="1"/>
                       <a:r>
-                        <a:rPr lang="ko-KR" altLang="en-US" sz="1200" dirty="0" smtClean="0"/>
+                        <a:rPr lang="ko-KR" altLang="en-US" sz="1200" dirty="0"/>
                         <a:t>깜박이면 차량이 양보해야함을 의미하는 신호</a:t>
                       </a:r>
-                      <a:endParaRPr lang="ko-KR" altLang="en-US" sz="1200" dirty="0"/>
                     </a:p>
                   </a:txBody>
                   <a:tcPr/>
@@ -9050,10 +8980,9 @@
                     <a:p>
                       <a:pPr latinLnBrk="1"/>
                       <a:r>
-                        <a:rPr lang="ko-KR" altLang="en-US" sz="1200" dirty="0" smtClean="0"/>
+                        <a:rPr lang="ko-KR" altLang="en-US" sz="1200" dirty="0"/>
                         <a:t>차량에게 통행권이 있는 신호</a:t>
                       </a:r>
-                      <a:endParaRPr lang="ko-KR" altLang="en-US" sz="1200" dirty="0"/>
                     </a:p>
                   </a:txBody>
                   <a:tcPr/>
@@ -9278,13 +9207,6 @@
   <p:clrMapOvr>
     <a:masterClrMapping/>
   </p:clrMapOvr>
-  <p:timing>
-    <p:tnLst>
-      <p:par>
-        <p:cTn id="1" dur="indefinite" restart="never" nodeType="tmRoot"/>
-      </p:par>
-    </p:tnLst>
-  </p:timing>
 </p:sld>
 </file>
 
@@ -9344,120 +9266,103 @@
           <a:lstStyle/>
           <a:p>
             <a:r>
-              <a:rPr lang="en-US" altLang="ko-KR" dirty="0" smtClean="0"/>
+              <a:rPr lang="en-US" altLang="ko-KR" dirty="0"/>
               <a:t>TLS state </a:t>
             </a:r>
             <a:r>
-              <a:rPr lang="ko-KR" altLang="en-US" dirty="0" smtClean="0"/>
+              <a:rPr lang="ko-KR" altLang="en-US" dirty="0"/>
               <a:t>부여 방식</a:t>
             </a:r>
-            <a:r>
-              <a:rPr lang="en-US" altLang="ko-KR" dirty="0" smtClean="0"/>
-              <a:t/>
-            </a:r>
             <a:br>
-              <a:rPr lang="en-US" altLang="ko-KR" dirty="0" smtClean="0"/>
+              <a:rPr lang="en-US" altLang="ko-KR" dirty="0"/>
             </a:br>
             <a:r>
-              <a:rPr lang="en-US" altLang="ko-KR" dirty="0" smtClean="0"/>
+              <a:rPr lang="en-US" altLang="ko-KR" dirty="0"/>
               <a:t>- </a:t>
             </a:r>
             <a:r>
-              <a:rPr lang="ko-KR" altLang="en-US" dirty="0" smtClean="0"/>
+              <a:rPr lang="ko-KR" altLang="en-US" dirty="0"/>
               <a:t>순서대로 부여하되</a:t>
             </a:r>
             <a:r>
-              <a:rPr lang="en-US" altLang="ko-KR" dirty="0" smtClean="0"/>
+              <a:rPr lang="en-US" altLang="ko-KR" dirty="0"/>
               <a:t>, lane</a:t>
             </a:r>
             <a:r>
-              <a:rPr lang="ko-KR" altLang="en-US" dirty="0" smtClean="0"/>
+              <a:rPr lang="ko-KR" altLang="en-US" dirty="0"/>
               <a:t>의 방향 별로 부여</a:t>
             </a:r>
-            <a:r>
-              <a:rPr lang="en-US" altLang="ko-KR" dirty="0" smtClean="0"/>
-              <a:t/>
-            </a:r>
             <a:br>
-              <a:rPr lang="en-US" altLang="ko-KR" dirty="0" smtClean="0"/>
+              <a:rPr lang="en-US" altLang="ko-KR" dirty="0"/>
             </a:br>
             <a:r>
-              <a:rPr lang="en-US" altLang="ko-KR" dirty="0" smtClean="0"/>
+              <a:rPr lang="en-US" altLang="ko-KR" dirty="0"/>
               <a:t>- 0</a:t>
             </a:r>
             <a:r>
-              <a:rPr lang="ko-KR" altLang="en-US" dirty="0" smtClean="0"/>
+              <a:rPr lang="ko-KR" altLang="en-US" dirty="0"/>
               <a:t>번에서 총 </a:t>
             </a:r>
             <a:r>
-              <a:rPr lang="en-US" altLang="ko-KR" dirty="0" smtClean="0"/>
+              <a:rPr lang="en-US" altLang="ko-KR" dirty="0"/>
               <a:t>7</a:t>
             </a:r>
             <a:r>
-              <a:rPr lang="ko-KR" altLang="en-US" dirty="0" smtClean="0"/>
+              <a:rPr lang="ko-KR" altLang="en-US" dirty="0"/>
               <a:t>가지 </a:t>
             </a:r>
             <a:r>
-              <a:rPr lang="en-US" altLang="ko-KR" dirty="0" smtClean="0"/>
+              <a:rPr lang="en-US" altLang="ko-KR" dirty="0"/>
               <a:t>state</a:t>
             </a:r>
             <a:r>
-              <a:rPr lang="ko-KR" altLang="en-US" dirty="0" smtClean="0"/>
+              <a:rPr lang="ko-KR" altLang="en-US" dirty="0"/>
               <a:t>가 존재</a:t>
             </a:r>
-            <a:endParaRPr lang="en-US" altLang="ko-KR" dirty="0" smtClean="0"/>
-          </a:p>
-          <a:p>
             <a:endParaRPr lang="en-US" altLang="ko-KR" dirty="0"/>
           </a:p>
           <a:p>
-            <a:r>
-              <a:rPr lang="en-US" altLang="ko-KR" dirty="0" smtClean="0"/>
+            <a:endParaRPr lang="en-US" altLang="ko-KR" dirty="0"/>
+          </a:p>
+          <a:p>
+            <a:r>
+              <a:rPr lang="en-US" altLang="ko-KR" dirty="0"/>
               <a:t>Junction </a:t>
             </a:r>
             <a:r>
-              <a:rPr lang="ko-KR" altLang="en-US" dirty="0" smtClean="0"/>
+              <a:rPr lang="ko-KR" altLang="en-US" dirty="0"/>
               <a:t>형태 </a:t>
             </a:r>
             <a:r>
-              <a:rPr lang="ko-KR" altLang="en-US" dirty="0" err="1" smtClean="0"/>
+              <a:rPr lang="ko-KR" altLang="en-US" dirty="0" err="1"/>
               <a:t>설정시</a:t>
             </a:r>
             <a:r>
               <a:rPr lang="ko-KR" altLang="en-US" dirty="0"/>
-              <a:t> </a:t>
-            </a:r>
-            <a:r>
-              <a:rPr lang="ko-KR" altLang="en-US" dirty="0" smtClean="0"/>
-              <a:t>개수 조절 가능</a:t>
-            </a:r>
-            <a:r>
-              <a:rPr lang="en-US" altLang="ko-KR" dirty="0" smtClean="0"/>
-              <a:t/>
+              <a:t> 개수 조절 가능</a:t>
             </a:r>
             <a:br>
-              <a:rPr lang="en-US" altLang="ko-KR" dirty="0" smtClean="0"/>
+              <a:rPr lang="en-US" altLang="ko-KR" dirty="0"/>
             </a:br>
-            <a:endParaRPr lang="en-US" altLang="ko-KR" dirty="0" smtClean="0"/>
-          </a:p>
-          <a:p>
-            <a:r>
-              <a:rPr lang="en-US" altLang="ko-KR" dirty="0" smtClean="0"/>
+            <a:endParaRPr lang="en-US" altLang="ko-KR" dirty="0"/>
+          </a:p>
+          <a:p>
+            <a:r>
+              <a:rPr lang="en-US" altLang="ko-KR" dirty="0"/>
               <a:t>Connection </a:t>
             </a:r>
             <a:r>
-              <a:rPr lang="ko-KR" altLang="en-US" dirty="0" smtClean="0"/>
+              <a:rPr lang="ko-KR" altLang="en-US" dirty="0"/>
               <a:t>설정으로 </a:t>
             </a:r>
             <a:r>
-              <a:rPr lang="en-US" altLang="ko-KR" dirty="0" smtClean="0"/>
+              <a:rPr lang="en-US" altLang="ko-KR" dirty="0"/>
               <a:t>Merge </a:t>
             </a:r>
             <a:r>
-              <a:rPr lang="ko-KR" altLang="en-US" dirty="0" smtClean="0"/>
+              <a:rPr lang="ko-KR" altLang="en-US" dirty="0"/>
               <a:t>형태 조절 가능</a:t>
             </a:r>
-            <a:endParaRPr lang="ko-KR" altLang="en-US" dirty="0"/>
           </a:p>
         </p:txBody>
       </p:sp>
@@ -9521,7 +9426,7 @@
             <a:lstStyle/>
             <a:p>
               <a:r>
-                <a:rPr lang="en-US" altLang="ko-KR" sz="3600" b="1" dirty="0" smtClean="0">
+                <a:rPr lang="en-US" altLang="ko-KR" sz="3600" b="1" dirty="0">
                   <a:solidFill>
                     <a:srgbClr val="FFFF00"/>
                   </a:solidFill>
@@ -9597,7 +9502,7 @@
             <a:lstStyle/>
             <a:p>
               <a:r>
-                <a:rPr lang="en-US" altLang="ko-KR" sz="3600" b="1" dirty="0" smtClean="0">
+                <a:rPr lang="en-US" altLang="ko-KR" sz="3600" b="1" dirty="0">
                   <a:solidFill>
                     <a:srgbClr val="FFFF00"/>
                   </a:solidFill>
@@ -9635,7 +9540,7 @@
             <a:lstStyle/>
             <a:p>
               <a:r>
-                <a:rPr lang="en-US" altLang="ko-KR" sz="3600" b="1" dirty="0" smtClean="0">
+                <a:rPr lang="en-US" altLang="ko-KR" sz="3600" b="1" dirty="0">
                   <a:solidFill>
                     <a:srgbClr val="FFFF00"/>
                   </a:solidFill>
@@ -9661,13 +9566,6 @@
   <p:clrMapOvr>
     <a:masterClrMapping/>
   </p:clrMapOvr>
-  <p:timing>
-    <p:tnLst>
-      <p:par>
-        <p:cTn id="1" dur="indefinite" restart="never" nodeType="tmRoot"/>
-      </p:par>
-    </p:tnLst>
-  </p:timing>
 </p:sld>
 </file>
 
@@ -9704,7 +9602,7 @@
           <a:lstStyle/>
           <a:p>
             <a:r>
-              <a:rPr lang="en-US" altLang="ko-KR" dirty="0" smtClean="0"/>
+              <a:rPr lang="en-US" altLang="ko-KR" dirty="0"/>
               <a:t>Traffic State, Action</a:t>
             </a:r>
             <a:endParaRPr lang="ko-KR" altLang="en-US" dirty="0"/>
@@ -9732,204 +9630,180 @@
           <a:lstStyle/>
           <a:p>
             <a:r>
-              <a:rPr lang="en-US" altLang="ko-KR" dirty="0" smtClean="0"/>
+              <a:rPr lang="en-US" altLang="ko-KR" dirty="0"/>
               <a:t>Traffic Lights Value Retrieval</a:t>
             </a:r>
             <a:br>
-              <a:rPr lang="en-US" altLang="ko-KR" dirty="0" smtClean="0"/>
+              <a:rPr lang="en-US" altLang="ko-KR" dirty="0"/>
             </a:br>
             <a:r>
-              <a:rPr lang="en-US" altLang="ko-KR" dirty="0" smtClean="0"/>
+              <a:rPr lang="en-US" altLang="ko-KR" dirty="0"/>
               <a:t>- ID list: </a:t>
             </a:r>
             <a:r>
-              <a:rPr lang="en-US" altLang="ko-KR" dirty="0" err="1" smtClean="0"/>
+              <a:rPr lang="en-US" altLang="ko-KR" dirty="0" err="1"/>
               <a:t>getIDList</a:t>
             </a:r>
-            <a:r>
-              <a:rPr lang="en-US" altLang="ko-KR" dirty="0" smtClean="0"/>
-              <a:t/>
-            </a:r>
             <a:br>
-              <a:rPr lang="en-US" altLang="ko-KR" dirty="0" smtClean="0"/>
+              <a:rPr lang="en-US" altLang="ko-KR" dirty="0"/>
             </a:br>
             <a:r>
-              <a:rPr lang="en-US" altLang="ko-KR" dirty="0" smtClean="0"/>
+              <a:rPr lang="en-US" altLang="ko-KR" dirty="0"/>
               <a:t>- State: </a:t>
             </a:r>
             <a:r>
-              <a:rPr lang="en-US" altLang="ko-KR" dirty="0" err="1" smtClean="0"/>
+              <a:rPr lang="en-US" altLang="ko-KR" dirty="0" err="1"/>
               <a:t>getRedYellowGreenState</a:t>
             </a:r>
-            <a:r>
-              <a:rPr lang="en-US" altLang="ko-KR" dirty="0" smtClean="0"/>
-              <a:t/>
-            </a:r>
             <a:br>
-              <a:rPr lang="en-US" altLang="ko-KR" dirty="0" smtClean="0"/>
+              <a:rPr lang="en-US" altLang="ko-KR" dirty="0"/>
             </a:br>
             <a:r>
-              <a:rPr lang="en-US" altLang="ko-KR" dirty="0" smtClean="0"/>
+              <a:rPr lang="en-US" altLang="ko-KR" dirty="0"/>
               <a:t>- Phase duration: </a:t>
             </a:r>
             <a:r>
-              <a:rPr lang="en-US" altLang="ko-KR" dirty="0" err="1" smtClean="0"/>
+              <a:rPr lang="en-US" altLang="ko-KR" dirty="0" err="1"/>
               <a:t>getPhaseDuration</a:t>
             </a:r>
             <a:r>
-              <a:rPr lang="en-US" altLang="ko-KR" dirty="0" smtClean="0"/>
+              <a:rPr lang="en-US" altLang="ko-KR" dirty="0"/>
               <a:t>,</a:t>
             </a:r>
             <a:br>
-              <a:rPr lang="en-US" altLang="ko-KR" dirty="0" smtClean="0"/>
+              <a:rPr lang="en-US" altLang="ko-KR" dirty="0"/>
             </a:br>
             <a:r>
-              <a:rPr lang="en-US" altLang="ko-KR" dirty="0" smtClean="0"/>
+              <a:rPr lang="en-US" altLang="ko-KR" dirty="0"/>
               <a:t>- Current phase: </a:t>
             </a:r>
             <a:r>
-              <a:rPr lang="en-US" altLang="ko-KR" dirty="0" err="1" smtClean="0"/>
+              <a:rPr lang="en-US" altLang="ko-KR" dirty="0" err="1"/>
               <a:t>getPhase</a:t>
             </a:r>
             <a:r>
-              <a:rPr lang="en-US" altLang="ko-KR" dirty="0" smtClean="0"/>
+              <a:rPr lang="en-US" altLang="ko-KR" dirty="0"/>
               <a:t> </a:t>
             </a:r>
             <a:r>
-              <a:rPr lang="ko-KR" altLang="en-US" dirty="0" smtClean="0"/>
+              <a:rPr lang="ko-KR" altLang="en-US" dirty="0"/>
               <a:t>함수</a:t>
             </a:r>
             <a:r>
-              <a:rPr lang="en-US" altLang="ko-KR" dirty="0" smtClean="0"/>
+              <a:rPr lang="en-US" altLang="ko-KR" dirty="0"/>
               <a:t>, </a:t>
             </a:r>
             <a:r>
-              <a:rPr lang="ko-KR" altLang="en-US" dirty="0" smtClean="0"/>
+              <a:rPr lang="ko-KR" altLang="en-US" dirty="0"/>
               <a:t>현재 </a:t>
             </a:r>
             <a:r>
-              <a:rPr lang="en-US" altLang="ko-KR" dirty="0" smtClean="0"/>
+              <a:rPr lang="en-US" altLang="ko-KR" dirty="0"/>
               <a:t>phase</a:t>
             </a:r>
             <a:r>
-              <a:rPr lang="ko-KR" altLang="en-US" dirty="0" smtClean="0"/>
+              <a:rPr lang="ko-KR" altLang="en-US" dirty="0"/>
               <a:t>의 </a:t>
             </a:r>
             <a:r>
-              <a:rPr lang="en-US" altLang="ko-KR" dirty="0" smtClean="0"/>
+              <a:rPr lang="en-US" altLang="ko-KR" dirty="0"/>
               <a:t>index</a:t>
             </a:r>
             <a:br>
-              <a:rPr lang="en-US" altLang="ko-KR" dirty="0" smtClean="0"/>
+              <a:rPr lang="en-US" altLang="ko-KR" dirty="0"/>
             </a:br>
             <a:r>
-              <a:rPr lang="en-US" altLang="ko-KR" dirty="0" smtClean="0"/>
+              <a:rPr lang="en-US" altLang="ko-KR" dirty="0"/>
               <a:t>- Complete program definition: </a:t>
             </a:r>
             <a:r>
-              <a:rPr lang="en-US" altLang="ko-KR" dirty="0" err="1" smtClean="0"/>
+              <a:rPr lang="en-US" altLang="ko-KR" dirty="0" err="1"/>
               <a:t>getCompleteRedYellowGreenDefinition</a:t>
             </a:r>
             <a:r>
-              <a:rPr lang="en-US" altLang="ko-KR" dirty="0" smtClean="0"/>
+              <a:rPr lang="en-US" altLang="ko-KR" dirty="0"/>
               <a:t>, TL </a:t>
             </a:r>
             <a:r>
-              <a:rPr lang="ko-KR" altLang="en-US" dirty="0" smtClean="0"/>
+              <a:rPr lang="ko-KR" altLang="en-US" dirty="0"/>
               <a:t>프로그램 받아오기</a:t>
             </a:r>
-            <a:endParaRPr lang="en-US" altLang="ko-KR" dirty="0" smtClean="0"/>
-          </a:p>
-          <a:p>
-            <a:r>
-              <a:rPr lang="en-US" altLang="ko-KR" dirty="0" smtClean="0"/>
+            <a:endParaRPr lang="en-US" altLang="ko-KR" dirty="0"/>
+          </a:p>
+          <a:p>
+            <a:r>
+              <a:rPr lang="en-US" altLang="ko-KR" dirty="0"/>
               <a:t>Change Traffic Lights State</a:t>
             </a:r>
-            <a:r>
-              <a:rPr lang="en-US" altLang="ko-KR" dirty="0"/>
-              <a:t/>
-            </a:r>
             <a:br>
               <a:rPr lang="en-US" altLang="ko-KR" dirty="0"/>
             </a:br>
             <a:r>
-              <a:rPr lang="en-US" altLang="ko-KR" dirty="0" smtClean="0"/>
+              <a:rPr lang="en-US" altLang="ko-KR" dirty="0"/>
               <a:t>- Change state: </a:t>
             </a:r>
             <a:r>
-              <a:rPr lang="en-US" altLang="ko-KR" dirty="0" err="1" smtClean="0"/>
+              <a:rPr lang="en-US" altLang="ko-KR" dirty="0" err="1"/>
               <a:t>setRedYellowGreenState</a:t>
             </a:r>
-            <a:r>
-              <a:rPr lang="en-US" altLang="ko-KR" dirty="0" smtClean="0"/>
-              <a:t/>
-            </a:r>
             <a:br>
-              <a:rPr lang="en-US" altLang="ko-KR" dirty="0" smtClean="0"/>
+              <a:rPr lang="en-US" altLang="ko-KR" dirty="0"/>
             </a:br>
             <a:r>
-              <a:rPr lang="en-US" altLang="ko-KR" dirty="0" smtClean="0"/>
+              <a:rPr lang="en-US" altLang="ko-KR" dirty="0"/>
               <a:t>- Change phase duration: </a:t>
             </a:r>
             <a:r>
-              <a:rPr lang="en-US" altLang="ko-KR" dirty="0" err="1" smtClean="0"/>
+              <a:rPr lang="en-US" altLang="ko-KR" dirty="0" err="1"/>
               <a:t>setPhaseDuration</a:t>
             </a:r>
-            <a:r>
-              <a:rPr lang="en-US" altLang="ko-KR" dirty="0" smtClean="0"/>
-              <a:t/>
-            </a:r>
             <a:br>
-              <a:rPr lang="en-US" altLang="ko-KR" dirty="0" smtClean="0"/>
+              <a:rPr lang="en-US" altLang="ko-KR" dirty="0"/>
             </a:br>
             <a:r>
-              <a:rPr lang="en-US" altLang="ko-KR" dirty="0" smtClean="0"/>
+              <a:rPr lang="en-US" altLang="ko-KR" dirty="0"/>
               <a:t>- Complete program definition: </a:t>
             </a:r>
             <a:r>
-              <a:rPr lang="en-US" altLang="ko-KR" dirty="0" err="1" smtClean="0"/>
+              <a:rPr lang="en-US" altLang="ko-KR" dirty="0" err="1"/>
               <a:t>setCompleteRedYellowGreenDefinition</a:t>
             </a:r>
             <a:r>
-              <a:rPr lang="en-US" altLang="ko-KR" dirty="0" smtClean="0"/>
+              <a:rPr lang="en-US" altLang="ko-KR" dirty="0"/>
               <a:t>, </a:t>
             </a:r>
             <a:r>
-              <a:rPr lang="ko-KR" altLang="en-US" dirty="0" smtClean="0"/>
+              <a:rPr lang="ko-KR" altLang="en-US" dirty="0"/>
               <a:t>새로운</a:t>
             </a:r>
             <a:r>
-              <a:rPr lang="en-US" altLang="ko-KR" dirty="0" smtClean="0"/>
+              <a:rPr lang="en-US" altLang="ko-KR" dirty="0"/>
               <a:t>TL</a:t>
             </a:r>
             <a:r>
-              <a:rPr lang="ko-KR" altLang="en-US" dirty="0" smtClean="0"/>
+              <a:rPr lang="ko-KR" altLang="en-US" dirty="0"/>
               <a:t> 프로그램 삽입</a:t>
             </a:r>
-            <a:r>
-              <a:rPr lang="en-US" altLang="ko-KR" dirty="0" smtClean="0"/>
-              <a:t/>
-            </a:r>
             <a:br>
-              <a:rPr lang="en-US" altLang="ko-KR" dirty="0" smtClean="0"/>
+              <a:rPr lang="en-US" altLang="ko-KR" dirty="0"/>
             </a:br>
             <a:r>
-              <a:rPr lang="en-US" altLang="ko-KR" dirty="0" smtClean="0"/>
+              <a:rPr lang="en-US" altLang="ko-KR" dirty="0"/>
               <a:t>- Change program logic: </a:t>
             </a:r>
             <a:r>
-              <a:rPr lang="en-US" altLang="ko-KR" dirty="0" err="1" smtClean="0"/>
+              <a:rPr lang="en-US" altLang="ko-KR" dirty="0" err="1"/>
               <a:t>setProgramLogic</a:t>
             </a:r>
             <a:r>
-              <a:rPr lang="en-US" altLang="ko-KR" dirty="0" smtClean="0"/>
+              <a:rPr lang="en-US" altLang="ko-KR" dirty="0"/>
               <a:t> : logic </a:t>
             </a:r>
             <a:r>
-              <a:rPr lang="ko-KR" altLang="en-US" dirty="0" smtClean="0"/>
+              <a:rPr lang="ko-KR" altLang="en-US" dirty="0"/>
               <a:t>삽입</a:t>
             </a:r>
-            <a:endParaRPr lang="en-US" altLang="ko-KR" dirty="0" smtClean="0"/>
+            <a:endParaRPr lang="en-US" altLang="ko-KR" dirty="0"/>
           </a:p>
         </p:txBody>
       </p:sp>
@@ -9943,13 +9817,6 @@
   <p:clrMapOvr>
     <a:masterClrMapping/>
   </p:clrMapOvr>
-  <p:timing>
-    <p:tnLst>
-      <p:par>
-        <p:cTn id="1" dur="indefinite" restart="never" nodeType="tmRoot"/>
-      </p:par>
-    </p:tnLst>
-  </p:timing>
 </p:sld>
 </file>
 
@@ -9986,26 +9853,25 @@
           <a:lstStyle/>
           <a:p>
             <a:r>
-              <a:rPr lang="ko-KR" altLang="en-US" dirty="0" smtClean="0"/>
+              <a:rPr lang="ko-KR" altLang="en-US" dirty="0"/>
               <a:t>현재 </a:t>
             </a:r>
             <a:r>
-              <a:rPr lang="en-US" altLang="ko-KR" dirty="0" smtClean="0"/>
+              <a:rPr lang="en-US" altLang="ko-KR" dirty="0"/>
               <a:t>State</a:t>
             </a:r>
             <a:r>
-              <a:rPr lang="ko-KR" altLang="en-US" dirty="0" smtClean="0"/>
+              <a:rPr lang="ko-KR" altLang="en-US" dirty="0"/>
               <a:t>와 </a:t>
             </a:r>
             <a:r>
-              <a:rPr lang="en-US" altLang="ko-KR" dirty="0" smtClean="0"/>
+              <a:rPr lang="en-US" altLang="ko-KR" dirty="0"/>
               <a:t>Action, Reward </a:t>
             </a:r>
             <a:r>
-              <a:rPr lang="ko-KR" altLang="en-US" dirty="0" smtClean="0"/>
+              <a:rPr lang="ko-KR" altLang="en-US" dirty="0"/>
               <a:t>구성 방식</a:t>
             </a:r>
-            <a:endParaRPr lang="ko-KR" altLang="en-US" dirty="0"/>
           </a:p>
         </p:txBody>
       </p:sp>
@@ -10019,192 +9885,203 @@
             <p:ph idx="1"/>
           </p:nvPr>
         </p:nvSpPr>
-        <p:spPr/>
+        <p:spPr>
+          <a:xfrm>
+            <a:off x="1097280" y="1845734"/>
+            <a:ext cx="10756364" cy="4023360"/>
+          </a:xfrm>
+        </p:spPr>
         <p:txBody>
           <a:bodyPr/>
           <a:lstStyle/>
           <a:p>
             <a:r>
-              <a:rPr lang="ko-KR" altLang="en-US" dirty="0" smtClean="0"/>
+              <a:rPr lang="ko-KR" altLang="en-US" dirty="0"/>
               <a:t>공통 주기</a:t>
             </a:r>
             <a:r>
-              <a:rPr lang="en-US" altLang="ko-KR" dirty="0" smtClean="0"/>
+              <a:rPr lang="en-US" altLang="ko-KR" dirty="0"/>
               <a:t>: 90s (time step: 90</a:t>
             </a:r>
             <a:r>
-              <a:rPr lang="ko-KR" altLang="en-US" dirty="0" smtClean="0"/>
+              <a:rPr lang="ko-KR" altLang="en-US" dirty="0"/>
               <a:t>초</a:t>
             </a:r>
             <a:r>
-              <a:rPr lang="en-US" altLang="ko-KR" dirty="0" smtClean="0"/>
+              <a:rPr lang="en-US" altLang="ko-KR" dirty="0"/>
               <a:t>)</a:t>
             </a:r>
             <a:br>
-              <a:rPr lang="en-US" altLang="ko-KR" dirty="0" smtClean="0"/>
+              <a:rPr lang="en-US" altLang="ko-KR" dirty="0"/>
             </a:br>
             <a:r>
-              <a:rPr lang="en-US" altLang="ko-KR" dirty="0" smtClean="0"/>
+              <a:rPr lang="en-US" altLang="ko-KR" dirty="0"/>
               <a:t>- simulation Step: 1s</a:t>
             </a:r>
             <a:br>
-              <a:rPr lang="en-US" altLang="ko-KR" dirty="0" smtClean="0"/>
+              <a:rPr lang="en-US" altLang="ko-KR" dirty="0"/>
             </a:br>
             <a:r>
-              <a:rPr lang="en-US" altLang="ko-KR" dirty="0" smtClean="0"/>
+              <a:rPr lang="en-US" altLang="ko-KR" dirty="0"/>
               <a:t>- target update</a:t>
             </a:r>
             <a:r>
-              <a:rPr lang="ko-KR" altLang="en-US" dirty="0" smtClean="0"/>
+              <a:rPr lang="ko-KR" altLang="en-US" dirty="0"/>
               <a:t>주기</a:t>
             </a:r>
             <a:r>
-              <a:rPr lang="en-US" altLang="ko-KR" dirty="0" smtClean="0"/>
+              <a:rPr lang="en-US" altLang="ko-KR" dirty="0"/>
               <a:t>: </a:t>
             </a:r>
             <a:r>
-              <a:rPr lang="ko-KR" altLang="en-US" dirty="0" smtClean="0"/>
+              <a:rPr lang="ko-KR" altLang="en-US" dirty="0"/>
               <a:t>매 </a:t>
             </a:r>
             <a:r>
-              <a:rPr lang="en-US" altLang="ko-KR" dirty="0" smtClean="0"/>
+              <a:rPr lang="en-US" altLang="ko-KR" dirty="0"/>
               <a:t>10 time step(900s)</a:t>
             </a:r>
+          </a:p>
+          <a:p>
+            <a:r>
+              <a:rPr lang="en-US" altLang="ko-KR" dirty="0"/>
+              <a:t>State</a:t>
+            </a:r>
+          </a:p>
+          <a:p>
+            <a:pPr lvl="1"/>
+            <a:r>
+              <a:rPr lang="en-US" altLang="ko-KR" dirty="0"/>
+              <a:t>Junction B1, B2</a:t>
+            </a:r>
+            <a:r>
+              <a:rPr lang="ko-KR" altLang="en-US" dirty="0"/>
+              <a:t>의 </a:t>
+            </a:r>
+            <a:r>
+              <a:rPr lang="en-US" altLang="ko-KR" dirty="0"/>
+              <a:t>lane</a:t>
+            </a:r>
+            <a:r>
+              <a:rPr lang="ko-KR" altLang="en-US" dirty="0"/>
+              <a:t>별 정지한 차량의 수와 총 차량의 수 </a:t>
+            </a:r>
+            <a:r>
+              <a:rPr lang="en-US" altLang="ko-KR" dirty="0"/>
+              <a:t>(B1: 30lanes, B2:28lanes) </a:t>
+            </a:r>
+            <a:r>
+              <a:rPr lang="en-US" altLang="ko-KR" dirty="0">
+                <a:sym typeface="Wingdings" panose="05000000000000000000" pitchFamily="2" charset="2"/>
+              </a:rPr>
+              <a:t> Pressure Light</a:t>
+            </a:r>
             <a:endParaRPr lang="en-US" altLang="ko-KR" dirty="0"/>
           </a:p>
           <a:p>
-            <a:r>
-              <a:rPr lang="en-US" altLang="ko-KR" dirty="0" smtClean="0"/>
-              <a:t>State</a:t>
-            </a:r>
-          </a:p>
-          <a:p>
             <a:pPr lvl="1"/>
             <a:r>
-              <a:rPr lang="en-US" altLang="ko-KR" dirty="0" smtClean="0"/>
-              <a:t>Junction B1, B2</a:t>
-            </a:r>
-            <a:r>
-              <a:rPr lang="ko-KR" altLang="en-US" dirty="0" smtClean="0"/>
+              <a:rPr lang="en-US" altLang="ko-KR" dirty="0" err="1"/>
+              <a:t>lightMatrix</a:t>
+            </a:r>
+            <a:r>
+              <a:rPr lang="en-US" altLang="ko-KR" dirty="0"/>
+              <a:t>: B1</a:t>
+            </a:r>
+            <a:r>
+              <a:rPr lang="ko-KR" altLang="en-US" dirty="0"/>
+              <a:t>과 </a:t>
+            </a:r>
+            <a:r>
+              <a:rPr lang="en-US" altLang="ko-KR" dirty="0"/>
+              <a:t>B2</a:t>
+            </a:r>
+            <a:r>
+              <a:rPr lang="ko-KR" altLang="en-US" dirty="0"/>
               <a:t>의 </a:t>
             </a:r>
             <a:r>
-              <a:rPr lang="en-US" altLang="ko-KR" dirty="0" smtClean="0"/>
-              <a:t>lane</a:t>
-            </a:r>
-            <a:r>
-              <a:rPr lang="ko-KR" altLang="en-US" dirty="0" smtClean="0"/>
-              <a:t>별 정지한 차량의 수와 총 차량의 수 </a:t>
-            </a:r>
-            <a:r>
-              <a:rPr lang="en-US" altLang="ko-KR" dirty="0" smtClean="0"/>
-              <a:t>(B1: 30lanes, B2:28lanes)</a:t>
-            </a:r>
-          </a:p>
-          <a:p>
-            <a:pPr lvl="1"/>
-            <a:r>
-              <a:rPr lang="en-US" altLang="ko-KR" dirty="0" err="1" smtClean="0"/>
-              <a:t>lightMatrix</a:t>
-            </a:r>
-            <a:r>
-              <a:rPr lang="en-US" altLang="ko-KR" dirty="0" smtClean="0"/>
-              <a:t>: B1</a:t>
-            </a:r>
-            <a:r>
-              <a:rPr lang="ko-KR" altLang="en-US" dirty="0" smtClean="0"/>
-              <a:t>과 </a:t>
-            </a:r>
-            <a:r>
-              <a:rPr lang="en-US" altLang="ko-KR" dirty="0" smtClean="0"/>
-              <a:t>B2</a:t>
-            </a:r>
-            <a:r>
-              <a:rPr lang="ko-KR" altLang="en-US" dirty="0" smtClean="0"/>
-              <a:t>의 </a:t>
-            </a:r>
-            <a:r>
-              <a:rPr lang="en-US" altLang="ko-KR" dirty="0" smtClean="0"/>
+              <a:rPr lang="en-US" altLang="ko-KR" dirty="0"/>
               <a:t>phase (3</a:t>
             </a:r>
             <a:r>
-              <a:rPr lang="ko-KR" altLang="en-US" dirty="0" smtClean="0"/>
+              <a:rPr lang="ko-KR" altLang="en-US" dirty="0"/>
               <a:t>초 </a:t>
             </a:r>
             <a:r>
-              <a:rPr lang="en-US" altLang="ko-KR" dirty="0" smtClean="0"/>
+              <a:rPr lang="en-US" altLang="ko-KR" dirty="0"/>
               <a:t>duration</a:t>
             </a:r>
             <a:r>
-              <a:rPr lang="ko-KR" altLang="en-US" dirty="0" smtClean="0"/>
+              <a:rPr lang="ko-KR" altLang="en-US" dirty="0"/>
               <a:t>을 가진 </a:t>
             </a:r>
             <a:r>
-              <a:rPr lang="en-US" altLang="ko-KR" dirty="0" smtClean="0"/>
+              <a:rPr lang="en-US" altLang="ko-KR" dirty="0"/>
               <a:t>phase data</a:t>
             </a:r>
             <a:r>
-              <a:rPr lang="ko-KR" altLang="en-US" dirty="0" smtClean="0"/>
+              <a:rPr lang="ko-KR" altLang="en-US" dirty="0"/>
               <a:t>가 </a:t>
             </a:r>
             <a:r>
-              <a:rPr lang="en-US" altLang="ko-KR" dirty="0" smtClean="0"/>
+              <a:rPr lang="en-US" altLang="ko-KR" dirty="0"/>
               <a:t>state</a:t>
             </a:r>
             <a:r>
-              <a:rPr lang="ko-KR" altLang="en-US" dirty="0" smtClean="0"/>
+              <a:rPr lang="ko-KR" altLang="en-US" dirty="0"/>
               <a:t>로 존재하지 않음</a:t>
             </a:r>
             <a:r>
-              <a:rPr lang="en-US" altLang="ko-KR" dirty="0" smtClean="0"/>
+              <a:rPr lang="en-US" altLang="ko-KR" dirty="0"/>
               <a:t>)</a:t>
             </a:r>
           </a:p>
           <a:p>
             <a:r>
-              <a:rPr lang="en-US" altLang="ko-KR" dirty="0" smtClean="0"/>
+              <a:rPr lang="en-US" altLang="ko-KR" dirty="0"/>
               <a:t>Action </a:t>
             </a:r>
             <a:br>
-              <a:rPr lang="en-US" altLang="ko-KR" dirty="0" smtClean="0"/>
+              <a:rPr lang="en-US" altLang="ko-KR" dirty="0"/>
             </a:br>
             <a:r>
-              <a:rPr lang="en-US" altLang="ko-KR" dirty="0" smtClean="0"/>
+              <a:rPr lang="en-US" altLang="ko-KR" dirty="0"/>
               <a:t>- Junction B2</a:t>
             </a:r>
             <a:r>
-              <a:rPr lang="ko-KR" altLang="en-US" dirty="0" smtClean="0"/>
+              <a:rPr lang="ko-KR" altLang="en-US" dirty="0"/>
               <a:t>가 </a:t>
             </a:r>
             <a:r>
-              <a:rPr lang="en-US" altLang="ko-KR" dirty="0" smtClean="0"/>
+              <a:rPr lang="en-US" altLang="ko-KR" dirty="0"/>
               <a:t>Agent </a:t>
             </a:r>
             <a:r>
-              <a:rPr lang="en-US" altLang="ko-KR" dirty="0" smtClean="0">
+              <a:rPr lang="en-US" altLang="ko-KR" dirty="0">
                 <a:sym typeface="Wingdings" panose="05000000000000000000" pitchFamily="2" charset="2"/>
               </a:rPr>
               <a:t> B2</a:t>
             </a:r>
             <a:r>
-              <a:rPr lang="ko-KR" altLang="en-US" dirty="0" smtClean="0">
+              <a:rPr lang="ko-KR" altLang="en-US" dirty="0">
                 <a:sym typeface="Wingdings" panose="05000000000000000000" pitchFamily="2" charset="2"/>
               </a:rPr>
               <a:t>의 </a:t>
             </a:r>
             <a:r>
-              <a:rPr lang="en-US" altLang="ko-KR" dirty="0" smtClean="0">
+              <a:rPr lang="en-US" altLang="ko-KR" dirty="0">
                 <a:sym typeface="Wingdings" panose="05000000000000000000" pitchFamily="2" charset="2"/>
               </a:rPr>
               <a:t>Phase Duration </a:t>
             </a:r>
             <a:r>
-              <a:rPr lang="ko-KR" altLang="en-US" dirty="0" smtClean="0">
+              <a:rPr lang="ko-KR" altLang="en-US" dirty="0">
                 <a:sym typeface="Wingdings" panose="05000000000000000000" pitchFamily="2" charset="2"/>
               </a:rPr>
               <a:t>조정</a:t>
             </a:r>
-            <a:endParaRPr lang="en-US" altLang="ko-KR" dirty="0" smtClean="0"/>
+            <a:endParaRPr lang="en-US" altLang="ko-KR" dirty="0"/>
           </a:p>
           <a:p>
             <a:pPr lvl="1"/>
@@ -10218,11 +10095,7 @@
             </a:r>
             <a:r>
               <a:rPr lang="en-US" altLang="ko-KR" dirty="0"/>
-              <a:t> </a:t>
-            </a:r>
-            <a:r>
-              <a:rPr lang="en-US" altLang="ko-KR" dirty="0" smtClean="0"/>
-              <a:t>(Min: 20s, Max: 64s, yellow light:6s)</a:t>
+              <a:t> (Min: 20s, Max: 64s, yellow light:6s)</a:t>
             </a:r>
           </a:p>
           <a:p>
@@ -10235,7 +10108,7 @@
               <a:rPr lang="en-US" altLang="ko-KR" dirty="0" err="1"/>
               <a:t>GGGGGggrrrrrrrrGGGGGggrrrrrrrr</a:t>
             </a:r>
-            <a:endParaRPr lang="en-US" altLang="ko-KR" dirty="0" smtClean="0"/>
+            <a:endParaRPr lang="en-US" altLang="ko-KR" dirty="0"/>
           </a:p>
         </p:txBody>
       </p:sp>
@@ -10249,13 +10122,6 @@
   <p:clrMapOvr>
     <a:masterClrMapping/>
   </p:clrMapOvr>
-  <p:timing>
-    <p:tnLst>
-      <p:par>
-        <p:cTn id="1" dur="indefinite" restart="never" nodeType="tmRoot"/>
-      </p:par>
-    </p:tnLst>
-  </p:timing>
 </p:sld>
 </file>
 

--- a/1st_Seminar(강민수).pptx
+++ b/1st_Seminar(강민수).pptx
@@ -3,10 +3,10 @@
 <p:presentation xmlns:a="http://schemas.openxmlformats.org/drawingml/2006/main" xmlns:r="http://schemas.openxmlformats.org/officeDocument/2006/relationships" xmlns:p="http://schemas.openxmlformats.org/presentationml/2006/main" autoCompressPictures="0">
   <p:sldMasterIdLst>
     <p:sldMasterId id="2147483708" r:id="rId1"/>
-    <p:sldMasterId id="2147483720" r:id="rId2"/>
+    <p:sldMasterId id="2147483744" r:id="rId2"/>
   </p:sldMasterIdLst>
   <p:notesMasterIdLst>
-    <p:notesMasterId r:id="rId14"/>
+    <p:notesMasterId r:id="rId27"/>
   </p:notesMasterIdLst>
   <p:sldIdLst>
     <p:sldId id="256" r:id="rId3"/>
@@ -20,6 +20,19 @@
     <p:sldId id="264" r:id="rId11"/>
     <p:sldId id="265" r:id="rId12"/>
     <p:sldId id="266" r:id="rId13"/>
+    <p:sldId id="273" r:id="rId14"/>
+    <p:sldId id="268" r:id="rId15"/>
+    <p:sldId id="274" r:id="rId16"/>
+    <p:sldId id="275" r:id="rId17"/>
+    <p:sldId id="276" r:id="rId18"/>
+    <p:sldId id="269" r:id="rId19"/>
+    <p:sldId id="277" r:id="rId20"/>
+    <p:sldId id="278" r:id="rId21"/>
+    <p:sldId id="279" r:id="rId22"/>
+    <p:sldId id="280" r:id="rId23"/>
+    <p:sldId id="270" r:id="rId24"/>
+    <p:sldId id="271" r:id="rId25"/>
+    <p:sldId id="272" r:id="rId26"/>
   </p:sldIdLst>
   <p:sldSz cx="12192000" cy="6858000"/>
   <p:notesSz cx="6858000" cy="9144000"/>
@@ -211,7 +224,7 @@
           <a:p>
             <a:fld id="{B401493B-0A52-4E9A-A475-D6276A64515A}" type="datetimeFigureOut">
               <a:rPr lang="ko-KR" altLang="en-US" smtClean="0"/>
-              <a:t>2021-01-08</a:t>
+              <a:t>2021-01-11</a:t>
             </a:fld>
             <a:endParaRPr lang="ko-KR" altLang="en-US"/>
           </a:p>
@@ -621,7 +634,7 @@
             <a:fld id="{B61BEF0D-F0BB-DE4B-95CE-6DB70DBA9567}" type="datetimeFigureOut">
               <a:rPr lang="en-US" smtClean="0"/>
               <a:pPr/>
-              <a:t>1/8/2021</a:t>
+              <a:t>1/11/2021</a:t>
             </a:fld>
             <a:endParaRPr lang="en-US" dirty="0"/>
           </a:p>
@@ -793,7 +806,7 @@
             <a:fld id="{B61BEF0D-F0BB-DE4B-95CE-6DB70DBA9567}" type="datetimeFigureOut">
               <a:rPr lang="en-US" smtClean="0"/>
               <a:pPr/>
-              <a:t>1/8/2021</a:t>
+              <a:t>1/11/2021</a:t>
             </a:fld>
             <a:endParaRPr lang="en-US" dirty="0"/>
           </a:p>
@@ -975,7 +988,7 @@
             <a:fld id="{B61BEF0D-F0BB-DE4B-95CE-6DB70DBA9567}" type="datetimeFigureOut">
               <a:rPr lang="en-US" smtClean="0"/>
               <a:pPr/>
-              <a:t>1/8/2021</a:t>
+              <a:t>1/11/2021</a:t>
             </a:fld>
             <a:endParaRPr lang="en-US" dirty="0"/>
           </a:p>
@@ -1155,7 +1168,7 @@
               <a:lnSpc>
                 <a:spcPct val="85000"/>
               </a:lnSpc>
-              <a:defRPr sz="5400" spc="-50" baseline="0">
+              <a:defRPr sz="8000" spc="-50" baseline="0">
                 <a:solidFill>
                   <a:schemeClr val="tx1">
                     <a:lumMod val="85000"/>
@@ -1167,7 +1180,7 @@
           </a:lstStyle>
           <a:p>
             <a:r>
-              <a:rPr lang="ko-KR" altLang="en-US" dirty="0"/>
+              <a:rPr lang="ko-KR" altLang="en-US" smtClean="0"/>
               <a:t>마스터 제목 스타일 편집</a:t>
             </a:r>
             <a:endParaRPr lang="en-US" dirty="0"/>
@@ -1239,7 +1252,7 @@
           </a:lstStyle>
           <a:p>
             <a:r>
-              <a:rPr lang="ko-KR" altLang="en-US"/>
+              <a:rPr lang="ko-KR" altLang="en-US" smtClean="0"/>
               <a:t>클릭하여 마스터 부제목 스타일 편집</a:t>
             </a:r>
             <a:endParaRPr lang="en-US" dirty="0"/>
@@ -1264,7 +1277,7 @@
             <a:fld id="{B61BEF0D-F0BB-DE4B-95CE-6DB70DBA9567}" type="datetimeFigureOut">
               <a:rPr lang="en-US" smtClean="0"/>
               <a:pPr/>
-              <a:t>1/8/2021</a:t>
+              <a:t>1/11/2021</a:t>
             </a:fld>
             <a:endParaRPr lang="en-US" dirty="0"/>
           </a:p>
@@ -1354,7 +1367,7 @@
     </p:spTree>
     <p:extLst>
       <p:ext uri="{BB962C8B-B14F-4D97-AF65-F5344CB8AC3E}">
-        <p14:creationId xmlns:p14="http://schemas.microsoft.com/office/powerpoint/2010/main" val="436167587"/>
+        <p14:creationId xmlns:p14="http://schemas.microsoft.com/office/powerpoint/2010/main" val="70776072"/>
       </p:ext>
     </p:extLst>
   </p:cSld>
@@ -1396,12 +1409,12 @@
           <a:bodyPr/>
           <a:lstStyle>
             <a:lvl1pPr marL="0">
-              <a:defRPr sz="4000"/>
+              <a:defRPr/>
             </a:lvl1pPr>
           </a:lstStyle>
           <a:p>
             <a:r>
-              <a:rPr lang="ko-KR" altLang="en-US" dirty="0"/>
+              <a:rPr lang="ko-KR" altLang="en-US" smtClean="0"/>
               <a:t>마스터 제목 스타일 편집</a:t>
             </a:r>
             <a:endParaRPr lang="en-US" dirty="0"/>
@@ -1415,71 +1428,71 @@
             <a:spLocks noGrp="1"/>
           </p:cNvSpPr>
           <p:nvPr>
-            <p:ph idx="1"/>
+            <p:ph idx="1" hasCustomPrompt="1"/>
           </p:nvPr>
         </p:nvSpPr>
         <p:spPr/>
         <p:txBody>
           <a:bodyPr/>
           <a:lstStyle>
-            <a:lvl1pPr marL="457200" indent="-457200">
-              <a:buFont typeface="+mj-lt"/>
-              <a:buAutoNum type="arabicPeriod"/>
+            <a:lvl1pPr marL="91440" indent="-91440">
+              <a:buFont typeface="Wingdings" panose="05000000000000000000" pitchFamily="2" charset="2"/>
+              <a:buChar char="§"/>
               <a:defRPr/>
             </a:lvl1pPr>
             <a:lvl2pPr marL="544068" indent="-342900">
               <a:buFont typeface="+mj-lt"/>
-              <a:buAutoNum type="arabicParenR"/>
+              <a:buAutoNum type="arabicPeriod"/>
               <a:defRPr/>
             </a:lvl2pPr>
             <a:lvl3pPr marL="726948" indent="-342900">
-              <a:buFont typeface="+mj-ea"/>
-              <a:buAutoNum type="circleNumDbPlain"/>
+              <a:buFont typeface="+mj-lt"/>
+              <a:buAutoNum type="arabicParenR"/>
               <a:defRPr/>
             </a:lvl3pPr>
-            <a:lvl4pPr marL="909828" indent="-342900">
+            <a:lvl4pPr marL="749808" indent="-182880">
               <a:buFont typeface="Arial" panose="020B0604020202020204" pitchFamily="34" charset="0"/>
               <a:buChar char="•"/>
               <a:defRPr/>
             </a:lvl4pPr>
             <a:lvl5pPr marL="932688" indent="-182880">
               <a:buFont typeface="Wingdings" panose="05000000000000000000" pitchFamily="2" charset="2"/>
-              <a:buChar char="ü"/>
+              <a:buChar char="Ø"/>
               <a:defRPr/>
             </a:lvl5pPr>
           </a:lstStyle>
           <a:p>
             <a:pPr lvl="0"/>
             <a:r>
-              <a:rPr lang="ko-KR" altLang="en-US" dirty="0"/>
-              <a:t>마스터 텍스트 스타일 편집</a:t>
+              <a:rPr lang="ko-KR" altLang="en-US" dirty="0" smtClean="0"/>
+              <a:t> 마스터 텍스트 스타일 편집</a:t>
             </a:r>
           </a:p>
           <a:p>
             <a:pPr lvl="1"/>
             <a:r>
-              <a:rPr lang="ko-KR" altLang="en-US" dirty="0"/>
+              <a:rPr lang="ko-KR" altLang="en-US" dirty="0" smtClean="0"/>
               <a:t>둘째 수준</a:t>
             </a:r>
           </a:p>
           <a:p>
             <a:pPr lvl="2"/>
             <a:r>
-              <a:rPr lang="ko-KR" altLang="en-US" dirty="0"/>
+              <a:rPr lang="ko-KR" altLang="en-US" dirty="0" smtClean="0"/>
               <a:t>셋째 수준</a:t>
             </a:r>
           </a:p>
           <a:p>
             <a:pPr lvl="3"/>
             <a:r>
-              <a:rPr lang="ko-KR" altLang="en-US" dirty="0"/>
+              <a:rPr lang="ko-KR" altLang="en-US" dirty="0" smtClean="0"/>
               <a:t>넷째 수준</a:t>
             </a:r>
           </a:p>
           <a:p>
             <a:pPr lvl="4"/>
             <a:r>
-              <a:rPr lang="ko-KR" altLang="en-US" dirty="0"/>
+              <a:rPr lang="ko-KR" altLang="en-US" dirty="0" smtClean="0"/>
               <a:t>다섯째 수준</a:t>
             </a:r>
             <a:endParaRPr lang="en-US" dirty="0"/>
@@ -1504,7 +1517,7 @@
             <a:fld id="{B61BEF0D-F0BB-DE4B-95CE-6DB70DBA9567}" type="datetimeFigureOut">
               <a:rPr lang="en-US" smtClean="0"/>
               <a:pPr/>
-              <a:t>1/8/2021</a:t>
+              <a:t>1/11/2021</a:t>
             </a:fld>
             <a:endParaRPr lang="en-US" dirty="0"/>
           </a:p>
@@ -1556,13 +1569,20 @@
     </p:spTree>
     <p:extLst>
       <p:ext uri="{BB962C8B-B14F-4D97-AF65-F5344CB8AC3E}">
-        <p14:creationId xmlns:p14="http://schemas.microsoft.com/office/powerpoint/2010/main" val="1451452566"/>
+        <p14:creationId xmlns:p14="http://schemas.microsoft.com/office/powerpoint/2010/main" val="568497389"/>
       </p:ext>
     </p:extLst>
   </p:cSld>
   <p:clrMapOvr>
     <a:masterClrMapping/>
   </p:clrMapOvr>
+  <p:timing>
+    <p:tnLst>
+      <p:par>
+        <p:cTn id="1" dur="indefinite" restart="never" nodeType="tmRoot"/>
+      </p:par>
+    </p:tnLst>
+  </p:timing>
 </p:sldLayout>
 </file>
 
@@ -1704,7 +1724,7 @@
           </a:lstStyle>
           <a:p>
             <a:r>
-              <a:rPr lang="ko-KR" altLang="en-US"/>
+              <a:rPr lang="ko-KR" altLang="en-US" smtClean="0"/>
               <a:t>마스터 제목 스타일 편집</a:t>
             </a:r>
             <a:endParaRPr lang="en-US" dirty="0"/>
@@ -1825,7 +1845,7 @@
           <a:p>
             <a:pPr lvl="0"/>
             <a:r>
-              <a:rPr lang="ko-KR" altLang="en-US"/>
+              <a:rPr lang="ko-KR" altLang="en-US" smtClean="0"/>
               <a:t>마스터 텍스트 스타일 편집</a:t>
             </a:r>
           </a:p>
@@ -1849,7 +1869,7 @@
             <a:fld id="{B61BEF0D-F0BB-DE4B-95CE-6DB70DBA9567}" type="datetimeFigureOut">
               <a:rPr lang="en-US" smtClean="0"/>
               <a:pPr/>
-              <a:t>1/8/2021</a:t>
+              <a:t>1/11/2021</a:t>
             </a:fld>
             <a:endParaRPr lang="en-US" dirty="0"/>
           </a:p>
@@ -1939,7 +1959,7 @@
     </p:spTree>
     <p:extLst>
       <p:ext uri="{BB962C8B-B14F-4D97-AF65-F5344CB8AC3E}">
-        <p14:creationId xmlns:p14="http://schemas.microsoft.com/office/powerpoint/2010/main" val="1772112480"/>
+        <p14:creationId xmlns:p14="http://schemas.microsoft.com/office/powerpoint/2010/main" val="765463831"/>
       </p:ext>
     </p:extLst>
   </p:cSld>
@@ -1987,7 +2007,7 @@
           <a:lstStyle/>
           <a:p>
             <a:r>
-              <a:rPr lang="ko-KR" altLang="en-US"/>
+              <a:rPr lang="ko-KR" altLang="en-US" smtClean="0"/>
               <a:t>마스터 제목 스타일 편집</a:t>
             </a:r>
             <a:endParaRPr lang="en-US" dirty="0"/>
@@ -2016,35 +2036,35 @@
           <a:p>
             <a:pPr lvl="0"/>
             <a:r>
-              <a:rPr lang="ko-KR" altLang="en-US"/>
+              <a:rPr lang="ko-KR" altLang="en-US" smtClean="0"/>
               <a:t>마스터 텍스트 스타일 편집</a:t>
             </a:r>
           </a:p>
           <a:p>
             <a:pPr lvl="1"/>
             <a:r>
-              <a:rPr lang="ko-KR" altLang="en-US"/>
+              <a:rPr lang="ko-KR" altLang="en-US" smtClean="0"/>
               <a:t>둘째 수준</a:t>
             </a:r>
           </a:p>
           <a:p>
             <a:pPr lvl="2"/>
             <a:r>
-              <a:rPr lang="ko-KR" altLang="en-US"/>
+              <a:rPr lang="ko-KR" altLang="en-US" smtClean="0"/>
               <a:t>셋째 수준</a:t>
             </a:r>
           </a:p>
           <a:p>
             <a:pPr lvl="3"/>
             <a:r>
-              <a:rPr lang="ko-KR" altLang="en-US"/>
+              <a:rPr lang="ko-KR" altLang="en-US" smtClean="0"/>
               <a:t>넷째 수준</a:t>
             </a:r>
           </a:p>
           <a:p>
             <a:pPr lvl="4"/>
             <a:r>
-              <a:rPr lang="ko-KR" altLang="en-US"/>
+              <a:rPr lang="ko-KR" altLang="en-US" smtClean="0"/>
               <a:t>다섯째 수준</a:t>
             </a:r>
             <a:endParaRPr lang="en-US" dirty="0"/>
@@ -2073,35 +2093,35 @@
           <a:p>
             <a:pPr lvl="0"/>
             <a:r>
-              <a:rPr lang="ko-KR" altLang="en-US"/>
+              <a:rPr lang="ko-KR" altLang="en-US" smtClean="0"/>
               <a:t>마스터 텍스트 스타일 편집</a:t>
             </a:r>
           </a:p>
           <a:p>
             <a:pPr lvl="1"/>
             <a:r>
-              <a:rPr lang="ko-KR" altLang="en-US"/>
+              <a:rPr lang="ko-KR" altLang="en-US" smtClean="0"/>
               <a:t>둘째 수준</a:t>
             </a:r>
           </a:p>
           <a:p>
             <a:pPr lvl="2"/>
             <a:r>
-              <a:rPr lang="ko-KR" altLang="en-US"/>
+              <a:rPr lang="ko-KR" altLang="en-US" smtClean="0"/>
               <a:t>셋째 수준</a:t>
             </a:r>
           </a:p>
           <a:p>
             <a:pPr lvl="3"/>
             <a:r>
-              <a:rPr lang="ko-KR" altLang="en-US"/>
+              <a:rPr lang="ko-KR" altLang="en-US" smtClean="0"/>
               <a:t>넷째 수준</a:t>
             </a:r>
           </a:p>
           <a:p>
             <a:pPr lvl="4"/>
             <a:r>
-              <a:rPr lang="ko-KR" altLang="en-US"/>
+              <a:rPr lang="ko-KR" altLang="en-US" smtClean="0"/>
               <a:t>다섯째 수준</a:t>
             </a:r>
             <a:endParaRPr lang="en-US" dirty="0"/>
@@ -2126,7 +2146,7 @@
             <a:fld id="{B61BEF0D-F0BB-DE4B-95CE-6DB70DBA9567}" type="datetimeFigureOut">
               <a:rPr lang="en-US" smtClean="0"/>
               <a:pPr/>
-              <a:t>1/8/2021</a:t>
+              <a:t>1/11/2021</a:t>
             </a:fld>
             <a:endParaRPr lang="en-US" dirty="0"/>
           </a:p>
@@ -2178,7 +2198,7 @@
     </p:spTree>
     <p:extLst>
       <p:ext uri="{BB962C8B-B14F-4D97-AF65-F5344CB8AC3E}">
-        <p14:creationId xmlns:p14="http://schemas.microsoft.com/office/powerpoint/2010/main" val="1178415595"/>
+        <p14:creationId xmlns:p14="http://schemas.microsoft.com/office/powerpoint/2010/main" val="146217383"/>
       </p:ext>
     </p:extLst>
   </p:cSld>
@@ -2226,7 +2246,7 @@
           <a:lstStyle/>
           <a:p>
             <a:r>
-              <a:rPr lang="ko-KR" altLang="en-US"/>
+              <a:rPr lang="ko-KR" altLang="en-US" smtClean="0"/>
               <a:t>마스터 제목 스타일 편집</a:t>
             </a:r>
             <a:endParaRPr lang="en-US" dirty="0"/>
@@ -2298,7 +2318,7 @@
           <a:p>
             <a:pPr lvl="0"/>
             <a:r>
-              <a:rPr lang="ko-KR" altLang="en-US"/>
+              <a:rPr lang="ko-KR" altLang="en-US" smtClean="0"/>
               <a:t>마스터 텍스트 스타일 편집</a:t>
             </a:r>
           </a:p>
@@ -2326,35 +2346,35 @@
           <a:p>
             <a:pPr lvl="0"/>
             <a:r>
-              <a:rPr lang="ko-KR" altLang="en-US"/>
+              <a:rPr lang="ko-KR" altLang="en-US" smtClean="0"/>
               <a:t>마스터 텍스트 스타일 편집</a:t>
             </a:r>
           </a:p>
           <a:p>
             <a:pPr lvl="1"/>
             <a:r>
-              <a:rPr lang="ko-KR" altLang="en-US"/>
+              <a:rPr lang="ko-KR" altLang="en-US" smtClean="0"/>
               <a:t>둘째 수준</a:t>
             </a:r>
           </a:p>
           <a:p>
             <a:pPr lvl="2"/>
             <a:r>
-              <a:rPr lang="ko-KR" altLang="en-US"/>
+              <a:rPr lang="ko-KR" altLang="en-US" smtClean="0"/>
               <a:t>셋째 수준</a:t>
             </a:r>
           </a:p>
           <a:p>
             <a:pPr lvl="3"/>
             <a:r>
-              <a:rPr lang="ko-KR" altLang="en-US"/>
+              <a:rPr lang="ko-KR" altLang="en-US" smtClean="0"/>
               <a:t>넷째 수준</a:t>
             </a:r>
           </a:p>
           <a:p>
             <a:pPr lvl="4"/>
             <a:r>
-              <a:rPr lang="ko-KR" altLang="en-US"/>
+              <a:rPr lang="ko-KR" altLang="en-US" smtClean="0"/>
               <a:t>다섯째 수준</a:t>
             </a:r>
             <a:endParaRPr lang="en-US" dirty="0"/>
@@ -2426,7 +2446,7 @@
           <a:p>
             <a:pPr lvl="0"/>
             <a:r>
-              <a:rPr lang="ko-KR" altLang="en-US"/>
+              <a:rPr lang="ko-KR" altLang="en-US" smtClean="0"/>
               <a:t>마스터 텍스트 스타일 편집</a:t>
             </a:r>
           </a:p>
@@ -2454,35 +2474,35 @@
           <a:p>
             <a:pPr lvl="0"/>
             <a:r>
-              <a:rPr lang="ko-KR" altLang="en-US"/>
+              <a:rPr lang="ko-KR" altLang="en-US" smtClean="0"/>
               <a:t>마스터 텍스트 스타일 편집</a:t>
             </a:r>
           </a:p>
           <a:p>
             <a:pPr lvl="1"/>
             <a:r>
-              <a:rPr lang="ko-KR" altLang="en-US"/>
+              <a:rPr lang="ko-KR" altLang="en-US" smtClean="0"/>
               <a:t>둘째 수준</a:t>
             </a:r>
           </a:p>
           <a:p>
             <a:pPr lvl="2"/>
             <a:r>
-              <a:rPr lang="ko-KR" altLang="en-US"/>
+              <a:rPr lang="ko-KR" altLang="en-US" smtClean="0"/>
               <a:t>셋째 수준</a:t>
             </a:r>
           </a:p>
           <a:p>
             <a:pPr lvl="3"/>
             <a:r>
-              <a:rPr lang="ko-KR" altLang="en-US"/>
+              <a:rPr lang="ko-KR" altLang="en-US" smtClean="0"/>
               <a:t>넷째 수준</a:t>
             </a:r>
           </a:p>
           <a:p>
             <a:pPr lvl="4"/>
             <a:r>
-              <a:rPr lang="ko-KR" altLang="en-US"/>
+              <a:rPr lang="ko-KR" altLang="en-US" smtClean="0"/>
               <a:t>다섯째 수준</a:t>
             </a:r>
             <a:endParaRPr lang="en-US" dirty="0"/>
@@ -2507,7 +2527,7 @@
             <a:fld id="{B61BEF0D-F0BB-DE4B-95CE-6DB70DBA9567}" type="datetimeFigureOut">
               <a:rPr lang="en-US" smtClean="0"/>
               <a:pPr/>
-              <a:t>1/8/2021</a:t>
+              <a:t>1/11/2021</a:t>
             </a:fld>
             <a:endParaRPr lang="en-US" dirty="0"/>
           </a:p>
@@ -2559,7 +2579,7 @@
     </p:spTree>
     <p:extLst>
       <p:ext uri="{BB962C8B-B14F-4D97-AF65-F5344CB8AC3E}">
-        <p14:creationId xmlns:p14="http://schemas.microsoft.com/office/powerpoint/2010/main" val="1746657718"/>
+        <p14:creationId xmlns:p14="http://schemas.microsoft.com/office/powerpoint/2010/main" val="1217535738"/>
       </p:ext>
     </p:extLst>
   </p:cSld>
@@ -2602,7 +2622,7 @@
           <a:lstStyle/>
           <a:p>
             <a:r>
-              <a:rPr lang="ko-KR" altLang="en-US"/>
+              <a:rPr lang="ko-KR" altLang="en-US" smtClean="0"/>
               <a:t>마스터 제목 스타일 편집</a:t>
             </a:r>
             <a:endParaRPr lang="en-US" dirty="0"/>
@@ -2627,7 +2647,7 @@
             <a:fld id="{B61BEF0D-F0BB-DE4B-95CE-6DB70DBA9567}" type="datetimeFigureOut">
               <a:rPr lang="en-US" smtClean="0"/>
               <a:pPr/>
-              <a:t>1/8/2021</a:t>
+              <a:t>1/11/2021</a:t>
             </a:fld>
             <a:endParaRPr lang="en-US" dirty="0"/>
           </a:p>
@@ -2679,7 +2699,7 @@
     </p:spTree>
     <p:extLst>
       <p:ext uri="{BB962C8B-B14F-4D97-AF65-F5344CB8AC3E}">
-        <p14:creationId xmlns:p14="http://schemas.microsoft.com/office/powerpoint/2010/main" val="4078050240"/>
+        <p14:creationId xmlns:p14="http://schemas.microsoft.com/office/powerpoint/2010/main" val="838852106"/>
       </p:ext>
     </p:extLst>
   </p:cSld>
@@ -2800,7 +2820,7 @@
             <a:fld id="{B61BEF0D-F0BB-DE4B-95CE-6DB70DBA9567}" type="datetimeFigureOut">
               <a:rPr lang="en-US" smtClean="0"/>
               <a:pPr/>
-              <a:t>1/8/2021</a:t>
+              <a:t>1/11/2021</a:t>
             </a:fld>
             <a:endParaRPr lang="en-US" dirty="0"/>
           </a:p>
@@ -2860,7 +2880,7 @@
     </p:spTree>
     <p:extLst>
       <p:ext uri="{BB962C8B-B14F-4D97-AF65-F5344CB8AC3E}">
-        <p14:creationId xmlns:p14="http://schemas.microsoft.com/office/powerpoint/2010/main" val="1463527147"/>
+        <p14:creationId xmlns:p14="http://schemas.microsoft.com/office/powerpoint/2010/main" val="1917519724"/>
       </p:ext>
     </p:extLst>
   </p:cSld>
@@ -2994,7 +3014,7 @@
           </a:lstStyle>
           <a:p>
             <a:r>
-              <a:rPr lang="ko-KR" altLang="en-US"/>
+              <a:rPr lang="ko-KR" altLang="en-US" smtClean="0"/>
               <a:t>마스터 제목 스타일 편집</a:t>
             </a:r>
             <a:endParaRPr lang="en-US" dirty="0"/>
@@ -3023,35 +3043,35 @@
           <a:p>
             <a:pPr lvl="0"/>
             <a:r>
-              <a:rPr lang="ko-KR" altLang="en-US"/>
+              <a:rPr lang="ko-KR" altLang="en-US" smtClean="0"/>
               <a:t>마스터 텍스트 스타일 편집</a:t>
             </a:r>
           </a:p>
           <a:p>
             <a:pPr lvl="1"/>
             <a:r>
-              <a:rPr lang="ko-KR" altLang="en-US"/>
+              <a:rPr lang="ko-KR" altLang="en-US" smtClean="0"/>
               <a:t>둘째 수준</a:t>
             </a:r>
           </a:p>
           <a:p>
             <a:pPr lvl="2"/>
             <a:r>
-              <a:rPr lang="ko-KR" altLang="en-US"/>
+              <a:rPr lang="ko-KR" altLang="en-US" smtClean="0"/>
               <a:t>셋째 수준</a:t>
             </a:r>
           </a:p>
           <a:p>
             <a:pPr lvl="3"/>
             <a:r>
-              <a:rPr lang="ko-KR" altLang="en-US"/>
+              <a:rPr lang="ko-KR" altLang="en-US" smtClean="0"/>
               <a:t>넷째 수준</a:t>
             </a:r>
           </a:p>
           <a:p>
             <a:pPr lvl="4"/>
             <a:r>
-              <a:rPr lang="ko-KR" altLang="en-US"/>
+              <a:rPr lang="ko-KR" altLang="en-US" smtClean="0"/>
               <a:t>다섯째 수준</a:t>
             </a:r>
             <a:endParaRPr lang="en-US" dirty="0"/>
@@ -3123,7 +3143,7 @@
           <a:p>
             <a:pPr lvl="0"/>
             <a:r>
-              <a:rPr lang="ko-KR" altLang="en-US"/>
+              <a:rPr lang="ko-KR" altLang="en-US" smtClean="0"/>
               <a:t>마스터 텍스트 스타일 편집</a:t>
             </a:r>
           </a:p>
@@ -3156,7 +3176,7 @@
             <a:fld id="{B61BEF0D-F0BB-DE4B-95CE-6DB70DBA9567}" type="datetimeFigureOut">
               <a:rPr lang="en-US" smtClean="0"/>
               <a:pPr/>
-              <a:t>1/8/2021</a:t>
+              <a:t>1/11/2021</a:t>
             </a:fld>
             <a:endParaRPr lang="en-US" dirty="0"/>
           </a:p>
@@ -3229,7 +3249,7 @@
     </p:spTree>
     <p:extLst>
       <p:ext uri="{BB962C8B-B14F-4D97-AF65-F5344CB8AC3E}">
-        <p14:creationId xmlns:p14="http://schemas.microsoft.com/office/powerpoint/2010/main" val="1641080297"/>
+        <p14:creationId xmlns:p14="http://schemas.microsoft.com/office/powerpoint/2010/main" val="996279130"/>
       </p:ext>
     </p:extLst>
   </p:cSld>
@@ -3349,7 +3369,7 @@
             <a:fld id="{B61BEF0D-F0BB-DE4B-95CE-6DB70DBA9567}" type="datetimeFigureOut">
               <a:rPr lang="en-US" smtClean="0"/>
               <a:pPr/>
-              <a:t>1/8/2021</a:t>
+              <a:t>1/11/2021</a:t>
             </a:fld>
             <a:endParaRPr lang="en-US" dirty="0"/>
           </a:p>
@@ -3535,7 +3555,7 @@
           </a:lstStyle>
           <a:p>
             <a:r>
-              <a:rPr lang="ko-KR" altLang="en-US"/>
+              <a:rPr lang="ko-KR" altLang="en-US" smtClean="0"/>
               <a:t>마스터 제목 스타일 편집</a:t>
             </a:r>
             <a:endParaRPr lang="en-US" dirty="0"/>
@@ -3610,7 +3630,7 @@
           </a:lstStyle>
           <a:p>
             <a:r>
-              <a:rPr lang="ko-KR" altLang="en-US"/>
+              <a:rPr lang="ko-KR" altLang="en-US" smtClean="0"/>
               <a:t>그림을 추가하려면 아이콘을 클릭하십시오</a:t>
             </a:r>
             <a:endParaRPr lang="en-US" dirty="0"/>
@@ -3688,7 +3708,7 @@
           <a:p>
             <a:pPr lvl="0"/>
             <a:r>
-              <a:rPr lang="ko-KR" altLang="en-US"/>
+              <a:rPr lang="ko-KR" altLang="en-US" smtClean="0"/>
               <a:t>마스터 텍스트 스타일 편집</a:t>
             </a:r>
           </a:p>
@@ -3712,7 +3732,7 @@
             <a:fld id="{B61BEF0D-F0BB-DE4B-95CE-6DB70DBA9567}" type="datetimeFigureOut">
               <a:rPr lang="en-US" smtClean="0"/>
               <a:pPr/>
-              <a:t>1/8/2021</a:t>
+              <a:t>1/11/2021</a:t>
             </a:fld>
             <a:endParaRPr lang="en-US" dirty="0"/>
           </a:p>
@@ -3764,7 +3784,7 @@
     </p:spTree>
     <p:extLst>
       <p:ext uri="{BB962C8B-B14F-4D97-AF65-F5344CB8AC3E}">
-        <p14:creationId xmlns:p14="http://schemas.microsoft.com/office/powerpoint/2010/main" val="4068001741"/>
+        <p14:creationId xmlns:p14="http://schemas.microsoft.com/office/powerpoint/2010/main" val="1469477671"/>
       </p:ext>
     </p:extLst>
   </p:cSld>
@@ -3807,7 +3827,7 @@
           <a:lstStyle/>
           <a:p>
             <a:r>
-              <a:rPr lang="ko-KR" altLang="en-US"/>
+              <a:rPr lang="ko-KR" altLang="en-US" smtClean="0"/>
               <a:t>마스터 제목 스타일 편집</a:t>
             </a:r>
             <a:endParaRPr lang="en-US" dirty="0"/>
@@ -3831,35 +3851,35 @@
           <a:p>
             <a:pPr lvl="0"/>
             <a:r>
-              <a:rPr lang="ko-KR" altLang="en-US"/>
+              <a:rPr lang="ko-KR" altLang="en-US" smtClean="0"/>
               <a:t>마스터 텍스트 스타일 편집</a:t>
             </a:r>
           </a:p>
           <a:p>
             <a:pPr lvl="1"/>
             <a:r>
-              <a:rPr lang="ko-KR" altLang="en-US"/>
+              <a:rPr lang="ko-KR" altLang="en-US" smtClean="0"/>
               <a:t>둘째 수준</a:t>
             </a:r>
           </a:p>
           <a:p>
             <a:pPr lvl="2"/>
             <a:r>
-              <a:rPr lang="ko-KR" altLang="en-US"/>
+              <a:rPr lang="ko-KR" altLang="en-US" smtClean="0"/>
               <a:t>셋째 수준</a:t>
             </a:r>
           </a:p>
           <a:p>
             <a:pPr lvl="3"/>
             <a:r>
-              <a:rPr lang="ko-KR" altLang="en-US"/>
+              <a:rPr lang="ko-KR" altLang="en-US" smtClean="0"/>
               <a:t>넷째 수준</a:t>
             </a:r>
           </a:p>
           <a:p>
             <a:pPr lvl="4"/>
             <a:r>
-              <a:rPr lang="ko-KR" altLang="en-US"/>
+              <a:rPr lang="ko-KR" altLang="en-US" smtClean="0"/>
               <a:t>다섯째 수준</a:t>
             </a:r>
             <a:endParaRPr lang="en-US" dirty="0"/>
@@ -3884,7 +3904,7 @@
             <a:fld id="{B61BEF0D-F0BB-DE4B-95CE-6DB70DBA9567}" type="datetimeFigureOut">
               <a:rPr lang="en-US" smtClean="0"/>
               <a:pPr/>
-              <a:t>1/8/2021</a:t>
+              <a:t>1/11/2021</a:t>
             </a:fld>
             <a:endParaRPr lang="en-US" dirty="0"/>
           </a:p>
@@ -3936,7 +3956,7 @@
     </p:spTree>
     <p:extLst>
       <p:ext uri="{BB962C8B-B14F-4D97-AF65-F5344CB8AC3E}">
-        <p14:creationId xmlns:p14="http://schemas.microsoft.com/office/powerpoint/2010/main" val="2173402148"/>
+        <p14:creationId xmlns:p14="http://schemas.microsoft.com/office/powerpoint/2010/main" val="3626516046"/>
       </p:ext>
     </p:extLst>
   </p:cSld>
@@ -4060,7 +4080,7 @@
           <a:lstStyle/>
           <a:p>
             <a:r>
-              <a:rPr lang="ko-KR" altLang="en-US"/>
+              <a:rPr lang="ko-KR" altLang="en-US" smtClean="0"/>
               <a:t>마스터 제목 스타일 편집</a:t>
             </a:r>
             <a:endParaRPr lang="en-US" dirty="0"/>
@@ -4089,35 +4109,35 @@
           <a:p>
             <a:pPr lvl="0"/>
             <a:r>
-              <a:rPr lang="ko-KR" altLang="en-US"/>
+              <a:rPr lang="ko-KR" altLang="en-US" smtClean="0"/>
               <a:t>마스터 텍스트 스타일 편집</a:t>
             </a:r>
           </a:p>
           <a:p>
             <a:pPr lvl="1"/>
             <a:r>
-              <a:rPr lang="ko-KR" altLang="en-US"/>
+              <a:rPr lang="ko-KR" altLang="en-US" smtClean="0"/>
               <a:t>둘째 수준</a:t>
             </a:r>
           </a:p>
           <a:p>
             <a:pPr lvl="2"/>
             <a:r>
-              <a:rPr lang="ko-KR" altLang="en-US"/>
+              <a:rPr lang="ko-KR" altLang="en-US" smtClean="0"/>
               <a:t>셋째 수준</a:t>
             </a:r>
           </a:p>
           <a:p>
             <a:pPr lvl="3"/>
             <a:r>
-              <a:rPr lang="ko-KR" altLang="en-US"/>
+              <a:rPr lang="ko-KR" altLang="en-US" smtClean="0"/>
               <a:t>넷째 수준</a:t>
             </a:r>
           </a:p>
           <a:p>
             <a:pPr lvl="4"/>
             <a:r>
-              <a:rPr lang="ko-KR" altLang="en-US"/>
+              <a:rPr lang="ko-KR" altLang="en-US" smtClean="0"/>
               <a:t>다섯째 수준</a:t>
             </a:r>
             <a:endParaRPr lang="en-US" dirty="0"/>
@@ -4142,7 +4162,7 @@
             <a:fld id="{B61BEF0D-F0BB-DE4B-95CE-6DB70DBA9567}" type="datetimeFigureOut">
               <a:rPr lang="en-US" smtClean="0"/>
               <a:pPr/>
-              <a:t>1/8/2021</a:t>
+              <a:t>1/11/2021</a:t>
             </a:fld>
             <a:endParaRPr lang="en-US" dirty="0"/>
           </a:p>
@@ -4194,7 +4214,7 @@
     </p:spTree>
     <p:extLst>
       <p:ext uri="{BB962C8B-B14F-4D97-AF65-F5344CB8AC3E}">
-        <p14:creationId xmlns:p14="http://schemas.microsoft.com/office/powerpoint/2010/main" val="3935363637"/>
+        <p14:creationId xmlns:p14="http://schemas.microsoft.com/office/powerpoint/2010/main" val="3281720884"/>
       </p:ext>
     </p:extLst>
   </p:cSld>
@@ -4395,7 +4415,7 @@
             <a:fld id="{B61BEF0D-F0BB-DE4B-95CE-6DB70DBA9567}" type="datetimeFigureOut">
               <a:rPr lang="en-US" smtClean="0"/>
               <a:pPr/>
-              <a:t>1/8/2021</a:t>
+              <a:t>1/11/2021</a:t>
             </a:fld>
             <a:endParaRPr lang="en-US" dirty="0"/>
           </a:p>
@@ -4629,7 +4649,7 @@
             <a:fld id="{B61BEF0D-F0BB-DE4B-95CE-6DB70DBA9567}" type="datetimeFigureOut">
               <a:rPr lang="en-US" smtClean="0"/>
               <a:pPr/>
-              <a:t>1/8/2021</a:t>
+              <a:t>1/11/2021</a:t>
             </a:fld>
             <a:endParaRPr lang="en-US" dirty="0"/>
           </a:p>
@@ -4978,7 +4998,7 @@
             <a:fld id="{B61BEF0D-F0BB-DE4B-95CE-6DB70DBA9567}" type="datetimeFigureOut">
               <a:rPr lang="en-US" smtClean="0"/>
               <a:pPr/>
-              <a:t>1/8/2021</a:t>
+              <a:t>1/11/2021</a:t>
             </a:fld>
             <a:endParaRPr lang="en-US" dirty="0"/>
           </a:p>
@@ -5098,7 +5118,7 @@
             <a:fld id="{B61BEF0D-F0BB-DE4B-95CE-6DB70DBA9567}" type="datetimeFigureOut">
               <a:rPr lang="en-US" smtClean="0"/>
               <a:pPr/>
-              <a:t>1/8/2021</a:t>
+              <a:t>1/11/2021</a:t>
             </a:fld>
             <a:endParaRPr lang="en-US" dirty="0"/>
           </a:p>
@@ -5218,7 +5238,7 @@
             <a:fld id="{B61BEF0D-F0BB-DE4B-95CE-6DB70DBA9567}" type="datetimeFigureOut">
               <a:rPr lang="en-US" smtClean="0"/>
               <a:pPr/>
-              <a:t>1/8/2021</a:t>
+              <a:t>1/11/2021</a:t>
             </a:fld>
             <a:endParaRPr lang="en-US" dirty="0"/>
           </a:p>
@@ -5504,7 +5524,7 @@
             <a:fld id="{B61BEF0D-F0BB-DE4B-95CE-6DB70DBA9567}" type="datetimeFigureOut">
               <a:rPr lang="en-US" smtClean="0"/>
               <a:pPr/>
-              <a:t>1/8/2021</a:t>
+              <a:t>1/11/2021</a:t>
             </a:fld>
             <a:endParaRPr lang="en-US" dirty="0"/>
           </a:p>
@@ -5770,7 +5790,7 @@
             <a:fld id="{B61BEF0D-F0BB-DE4B-95CE-6DB70DBA9567}" type="datetimeFigureOut">
               <a:rPr lang="en-US" smtClean="0"/>
               <a:pPr/>
-              <a:t>1/8/2021</a:t>
+              <a:t>1/11/2021</a:t>
             </a:fld>
             <a:endParaRPr lang="en-US" dirty="0"/>
           </a:p>
@@ -5986,7 +6006,7 @@
             <a:fld id="{B61BEF0D-F0BB-DE4B-95CE-6DB70DBA9567}" type="datetimeFigureOut">
               <a:rPr lang="en-US" smtClean="0"/>
               <a:pPr/>
-              <a:t>1/8/2021</a:t>
+              <a:t>1/11/2021</a:t>
             </a:fld>
             <a:endParaRPr lang="en-US" dirty="0"/>
           </a:p>
@@ -6488,7 +6508,7 @@
           <a:lstStyle/>
           <a:p>
             <a:r>
-              <a:rPr lang="ko-KR" altLang="en-US"/>
+              <a:rPr lang="ko-KR" altLang="en-US" smtClean="0"/>
               <a:t>마스터 제목 스타일 편집</a:t>
             </a:r>
             <a:endParaRPr lang="en-US" dirty="0"/>
@@ -6522,35 +6542,35 @@
           <a:p>
             <a:pPr lvl="0"/>
             <a:r>
-              <a:rPr lang="ko-KR" altLang="en-US"/>
+              <a:rPr lang="ko-KR" altLang="en-US" smtClean="0"/>
               <a:t>마스터 텍스트 스타일 편집</a:t>
             </a:r>
           </a:p>
           <a:p>
             <a:pPr lvl="1"/>
             <a:r>
-              <a:rPr lang="ko-KR" altLang="en-US"/>
+              <a:rPr lang="ko-KR" altLang="en-US" smtClean="0"/>
               <a:t>둘째 수준</a:t>
             </a:r>
           </a:p>
           <a:p>
             <a:pPr lvl="2"/>
             <a:r>
-              <a:rPr lang="ko-KR" altLang="en-US"/>
+              <a:rPr lang="ko-KR" altLang="en-US" smtClean="0"/>
               <a:t>셋째 수준</a:t>
             </a:r>
           </a:p>
           <a:p>
             <a:pPr lvl="3"/>
             <a:r>
-              <a:rPr lang="ko-KR" altLang="en-US"/>
+              <a:rPr lang="ko-KR" altLang="en-US" smtClean="0"/>
               <a:t>넷째 수준</a:t>
             </a:r>
           </a:p>
           <a:p>
             <a:pPr lvl="4"/>
             <a:r>
-              <a:rPr lang="ko-KR" altLang="en-US"/>
+              <a:rPr lang="ko-KR" altLang="en-US" smtClean="0"/>
               <a:t>다섯째 수준</a:t>
             </a:r>
             <a:endParaRPr lang="en-US" dirty="0"/>
@@ -6591,7 +6611,7 @@
             <a:fld id="{B61BEF0D-F0BB-DE4B-95CE-6DB70DBA9567}" type="datetimeFigureOut">
               <a:rPr lang="en-US" smtClean="0"/>
               <a:pPr/>
-              <a:t>1/8/2021</a:t>
+              <a:t>1/11/2021</a:t>
             </a:fld>
             <a:endParaRPr lang="en-US" dirty="0"/>
           </a:p>
@@ -6713,23 +6733,23 @@
     </p:spTree>
     <p:extLst>
       <p:ext uri="{BB962C8B-B14F-4D97-AF65-F5344CB8AC3E}">
-        <p14:creationId xmlns:p14="http://schemas.microsoft.com/office/powerpoint/2010/main" val="1669189398"/>
+        <p14:creationId xmlns:p14="http://schemas.microsoft.com/office/powerpoint/2010/main" val="3002995131"/>
       </p:ext>
     </p:extLst>
   </p:cSld>
   <p:clrMap bg1="lt1" tx1="dk1" bg2="lt2" tx2="dk2" accent1="accent1" accent2="accent2" accent3="accent3" accent4="accent4" accent5="accent5" accent6="accent6" hlink="hlink" folHlink="folHlink"/>
   <p:sldLayoutIdLst>
-    <p:sldLayoutId id="2147483721" r:id="rId1"/>
-    <p:sldLayoutId id="2147483722" r:id="rId2"/>
-    <p:sldLayoutId id="2147483723" r:id="rId3"/>
-    <p:sldLayoutId id="2147483724" r:id="rId4"/>
-    <p:sldLayoutId id="2147483725" r:id="rId5"/>
-    <p:sldLayoutId id="2147483726" r:id="rId6"/>
-    <p:sldLayoutId id="2147483727" r:id="rId7"/>
-    <p:sldLayoutId id="2147483728" r:id="rId8"/>
-    <p:sldLayoutId id="2147483729" r:id="rId9"/>
-    <p:sldLayoutId id="2147483730" r:id="rId10"/>
-    <p:sldLayoutId id="2147483731" r:id="rId11"/>
+    <p:sldLayoutId id="2147483745" r:id="rId1"/>
+    <p:sldLayoutId id="2147483746" r:id="rId2"/>
+    <p:sldLayoutId id="2147483747" r:id="rId3"/>
+    <p:sldLayoutId id="2147483748" r:id="rId4"/>
+    <p:sldLayoutId id="2147483749" r:id="rId5"/>
+    <p:sldLayoutId id="2147483750" r:id="rId6"/>
+    <p:sldLayoutId id="2147483751" r:id="rId7"/>
+    <p:sldLayoutId id="2147483752" r:id="rId8"/>
+    <p:sldLayoutId id="2147483753" r:id="rId9"/>
+    <p:sldLayoutId id="2147483754" r:id="rId10"/>
+    <p:sldLayoutId id="2147483755" r:id="rId11"/>
   </p:sldLayoutIdLst>
   <p:txStyles>
     <p:titleStyle>
@@ -7297,6 +7317,10 @@
               <a:rPr lang="ko-KR" altLang="en-US" dirty="0"/>
               <a:t>차량 수 </a:t>
             </a:r>
+            <a:r>
+              <a:rPr lang="en-US" altLang="ko-KR" dirty="0"/>
+              <a:t/>
+            </a:r>
             <a:br>
               <a:rPr lang="en-US" altLang="ko-KR" dirty="0"/>
             </a:br>
@@ -7570,6 +7594,13 @@
   <p:clrMapOvr>
     <a:masterClrMapping/>
   </p:clrMapOvr>
+  <p:timing>
+    <p:tnLst>
+      <p:par>
+        <p:cTn id="1" dur="indefinite" restart="never" nodeType="tmRoot"/>
+      </p:par>
+    </p:tnLst>
+  </p:timing>
 </p:sld>
 </file>
 
@@ -7919,6 +7950,1567 @@
   <p:clrMapOvr>
     <a:masterClrMapping/>
   </p:clrMapOvr>
+  <p:timing>
+    <p:tnLst>
+      <p:par>
+        <p:cTn id="1" dur="indefinite" restart="never" nodeType="tmRoot"/>
+      </p:par>
+    </p:tnLst>
+  </p:timing>
+</p:sld>
+</file>
+
+<file path=ppt/slides/slide12.xml><?xml version="1.0" encoding="utf-8"?>
+<p:sld xmlns:a="http://schemas.openxmlformats.org/drawingml/2006/main" xmlns:r="http://schemas.openxmlformats.org/officeDocument/2006/relationships" xmlns:p="http://schemas.openxmlformats.org/presentationml/2006/main">
+  <p:cSld>
+    <p:spTree>
+      <p:nvGrpSpPr>
+        <p:cNvPr id="1" name=""/>
+        <p:cNvGrpSpPr/>
+        <p:nvPr/>
+      </p:nvGrpSpPr>
+      <p:grpSpPr>
+        <a:xfrm>
+          <a:off x="0" y="0"/>
+          <a:ext cx="0" cy="0"/>
+          <a:chOff x="0" y="0"/>
+          <a:chExt cx="0" cy="0"/>
+        </a:xfrm>
+      </p:grpSpPr>
+      <p:sp>
+        <p:nvSpPr>
+          <p:cNvPr id="6" name="제목 5"/>
+          <p:cNvSpPr>
+            <a:spLocks noGrp="1"/>
+          </p:cNvSpPr>
+          <p:nvPr>
+            <p:ph type="ctrTitle"/>
+          </p:nvPr>
+        </p:nvSpPr>
+        <p:spPr/>
+        <p:txBody>
+          <a:bodyPr>
+            <a:normAutofit/>
+          </a:bodyPr>
+          <a:lstStyle/>
+          <a:p>
+            <a:r>
+              <a:rPr lang="en-US" altLang="ko-KR" sz="2400" b="1" dirty="0" smtClean="0"/>
+              <a:t>Toward A Thousand Lights:</a:t>
+            </a:r>
+            <a:r>
+              <a:rPr lang="en-US" altLang="ko-KR" sz="2400" dirty="0" smtClean="0"/>
+              <a:t/>
+            </a:r>
+            <a:br>
+              <a:rPr lang="en-US" altLang="ko-KR" sz="2400" dirty="0" smtClean="0"/>
+            </a:br>
+            <a:r>
+              <a:rPr lang="en-US" altLang="ko-KR" sz="2400" dirty="0" smtClean="0"/>
+              <a:t>Decentralized Deep Reinforcement Learning for Large-scale Traffic Signal Control</a:t>
+            </a:r>
+            <a:endParaRPr lang="ko-KR" altLang="en-US" sz="2400" dirty="0"/>
+          </a:p>
+        </p:txBody>
+      </p:sp>
+      <p:sp>
+        <p:nvSpPr>
+          <p:cNvPr id="7" name="부제목 6"/>
+          <p:cNvSpPr>
+            <a:spLocks noGrp="1"/>
+          </p:cNvSpPr>
+          <p:nvPr>
+            <p:ph type="subTitle" idx="1"/>
+          </p:nvPr>
+        </p:nvSpPr>
+        <p:spPr/>
+        <p:txBody>
+          <a:bodyPr/>
+          <a:lstStyle/>
+          <a:p>
+            <a:endParaRPr lang="ko-KR" altLang="en-US" dirty="0"/>
+          </a:p>
+        </p:txBody>
+      </p:sp>
+    </p:spTree>
+    <p:extLst>
+      <p:ext uri="{BB962C8B-B14F-4D97-AF65-F5344CB8AC3E}">
+        <p14:creationId xmlns:p14="http://schemas.microsoft.com/office/powerpoint/2010/main" val="2644164681"/>
+      </p:ext>
+    </p:extLst>
+  </p:cSld>
+  <p:clrMapOvr>
+    <a:masterClrMapping/>
+  </p:clrMapOvr>
+  <p:timing>
+    <p:tnLst>
+      <p:par>
+        <p:cTn id="1" dur="indefinite" restart="never" nodeType="tmRoot"/>
+      </p:par>
+    </p:tnLst>
+  </p:timing>
+</p:sld>
+</file>
+
+<file path=ppt/slides/slide13.xml><?xml version="1.0" encoding="utf-8"?>
+<p:sld xmlns:a="http://schemas.openxmlformats.org/drawingml/2006/main" xmlns:r="http://schemas.openxmlformats.org/officeDocument/2006/relationships" xmlns:p="http://schemas.openxmlformats.org/presentationml/2006/main">
+  <p:cSld>
+    <p:spTree>
+      <p:nvGrpSpPr>
+        <p:cNvPr id="1" name=""/>
+        <p:cNvGrpSpPr/>
+        <p:nvPr/>
+      </p:nvGrpSpPr>
+      <p:grpSpPr>
+        <a:xfrm>
+          <a:off x="0" y="0"/>
+          <a:ext cx="0" cy="0"/>
+          <a:chOff x="0" y="0"/>
+          <a:chExt cx="0" cy="0"/>
+        </a:xfrm>
+      </p:grpSpPr>
+      <p:sp>
+        <p:nvSpPr>
+          <p:cNvPr id="2" name="제목 1"/>
+          <p:cNvSpPr>
+            <a:spLocks noGrp="1"/>
+          </p:cNvSpPr>
+          <p:nvPr>
+            <p:ph type="title"/>
+          </p:nvPr>
+        </p:nvSpPr>
+        <p:spPr/>
+        <p:txBody>
+          <a:bodyPr/>
+          <a:lstStyle/>
+          <a:p>
+            <a:r>
+              <a:rPr lang="en-US" altLang="ko-KR" dirty="0" smtClean="0"/>
+              <a:t>Motivation</a:t>
+            </a:r>
+            <a:endParaRPr lang="ko-KR" altLang="en-US" dirty="0"/>
+          </a:p>
+        </p:txBody>
+      </p:sp>
+      <p:sp>
+        <p:nvSpPr>
+          <p:cNvPr id="3" name="내용 개체 틀 2"/>
+          <p:cNvSpPr>
+            <a:spLocks noGrp="1"/>
+          </p:cNvSpPr>
+          <p:nvPr>
+            <p:ph idx="1"/>
+          </p:nvPr>
+        </p:nvSpPr>
+        <p:spPr/>
+        <p:txBody>
+          <a:bodyPr/>
+          <a:lstStyle/>
+          <a:p>
+            <a:r>
+              <a:rPr lang="en-US" altLang="ko-KR" dirty="0" smtClean="0"/>
+              <a:t> Traffic congestion</a:t>
+            </a:r>
+            <a:endParaRPr lang="en-US" altLang="ko-KR" dirty="0"/>
+          </a:p>
+          <a:p>
+            <a:pPr lvl="1"/>
+            <a:r>
+              <a:rPr lang="en-US" altLang="ko-KR" dirty="0" smtClean="0"/>
+              <a:t>Led by rapid urbanization</a:t>
+            </a:r>
+          </a:p>
+          <a:p>
+            <a:pPr lvl="1"/>
+            <a:r>
+              <a:rPr lang="en-US" altLang="ko-KR" dirty="0" smtClean="0"/>
+              <a:t>Increase harmful emissions (contributes 23% of total CO2 emission) </a:t>
+            </a:r>
+            <a:r>
+              <a:rPr lang="en-US" altLang="ko-KR" dirty="0" smtClean="0">
+                <a:sym typeface="Wingdings" panose="05000000000000000000" pitchFamily="2" charset="2"/>
+              </a:rPr>
+              <a:t> </a:t>
+            </a:r>
+            <a:r>
+              <a:rPr lang="ko-KR" altLang="en-US" dirty="0" smtClean="0">
+                <a:sym typeface="Wingdings" panose="05000000000000000000" pitchFamily="2" charset="2"/>
+              </a:rPr>
+              <a:t>그 중에서 </a:t>
+            </a:r>
+            <a:r>
+              <a:rPr lang="en-US" altLang="ko-KR" dirty="0" smtClean="0">
+                <a:sym typeface="Wingdings" panose="05000000000000000000" pitchFamily="2" charset="2"/>
+              </a:rPr>
+              <a:t>traffic</a:t>
+            </a:r>
+            <a:r>
+              <a:rPr lang="ko-KR" altLang="en-US" dirty="0" smtClean="0">
+                <a:sym typeface="Wingdings" panose="05000000000000000000" pitchFamily="2" charset="2"/>
+              </a:rPr>
+              <a:t>에 의해 차지하는 양이 </a:t>
+            </a:r>
+            <a:r>
+              <a:rPr lang="en-US" altLang="ko-KR" dirty="0" smtClean="0">
+                <a:sym typeface="Wingdings" panose="05000000000000000000" pitchFamily="2" charset="2"/>
+              </a:rPr>
+              <a:t>40% </a:t>
+            </a:r>
+            <a:br>
+              <a:rPr lang="en-US" altLang="ko-KR" dirty="0" smtClean="0">
+                <a:sym typeface="Wingdings" panose="05000000000000000000" pitchFamily="2" charset="2"/>
+              </a:rPr>
+            </a:br>
+            <a:r>
+              <a:rPr lang="en-US" altLang="ko-KR" dirty="0" smtClean="0">
+                <a:sym typeface="Wingdings" panose="05000000000000000000" pitchFamily="2" charset="2"/>
+              </a:rPr>
+              <a:t> Trend: applying RL method for traffic signal control</a:t>
+            </a:r>
+            <a:r>
+              <a:rPr lang="en-US" altLang="ko-KR" dirty="0" smtClean="0"/>
+              <a:t/>
+            </a:r>
+            <a:br>
+              <a:rPr lang="en-US" altLang="ko-KR" dirty="0" smtClean="0"/>
+            </a:br>
+            <a:endParaRPr lang="en-US" altLang="ko-KR" dirty="0">
+              <a:sym typeface="Wingdings" panose="05000000000000000000" pitchFamily="2" charset="2"/>
+            </a:endParaRPr>
+          </a:p>
+          <a:p>
+            <a:r>
+              <a:rPr lang="en-US" altLang="ko-KR" dirty="0" smtClean="0"/>
+              <a:t> Traditional transportation approaches</a:t>
+            </a:r>
+          </a:p>
+          <a:p>
+            <a:pPr lvl="1"/>
+            <a:r>
+              <a:rPr lang="en-US" altLang="ko-KR" dirty="0" smtClean="0"/>
+              <a:t>Pre-timed control</a:t>
+            </a:r>
+          </a:p>
+          <a:p>
+            <a:pPr lvl="1"/>
+            <a:r>
+              <a:rPr lang="en-US" altLang="ko-KR" dirty="0" smtClean="0"/>
+              <a:t>Actuated control</a:t>
+            </a:r>
+          </a:p>
+          <a:p>
+            <a:pPr lvl="1"/>
+            <a:r>
+              <a:rPr lang="en-US" altLang="ko-KR" dirty="0" smtClean="0"/>
+              <a:t>Adaptive control</a:t>
+            </a:r>
+          </a:p>
+          <a:p>
+            <a:pPr lvl="1"/>
+            <a:r>
+              <a:rPr lang="en-US" altLang="ko-KR" dirty="0" smtClean="0"/>
+              <a:t>Optimization-based control</a:t>
+            </a:r>
+            <a:br>
+              <a:rPr lang="en-US" altLang="ko-KR" dirty="0" smtClean="0"/>
+            </a:br>
+            <a:r>
+              <a:rPr lang="en-US" altLang="ko-KR" dirty="0" smtClean="0">
+                <a:sym typeface="Wingdings" panose="05000000000000000000" pitchFamily="2" charset="2"/>
+              </a:rPr>
+              <a:t> Given</a:t>
+            </a:r>
+            <a:r>
+              <a:rPr lang="ko-KR" altLang="en-US" dirty="0" smtClean="0">
+                <a:sym typeface="Wingdings" panose="05000000000000000000" pitchFamily="2" charset="2"/>
+              </a:rPr>
+              <a:t> </a:t>
+            </a:r>
+            <a:r>
+              <a:rPr lang="en-US" altLang="ko-KR" dirty="0" smtClean="0">
+                <a:sym typeface="Wingdings" panose="05000000000000000000" pitchFamily="2" charset="2"/>
+              </a:rPr>
+              <a:t>traffic model</a:t>
+            </a:r>
+            <a:r>
+              <a:rPr lang="ko-KR" altLang="en-US" dirty="0">
+                <a:sym typeface="Wingdings" panose="05000000000000000000" pitchFamily="2" charset="2"/>
+              </a:rPr>
+              <a:t> </a:t>
+            </a:r>
+            <a:r>
+              <a:rPr lang="en-US" altLang="ko-KR" dirty="0" smtClean="0">
+                <a:sym typeface="Wingdings" panose="05000000000000000000" pitchFamily="2" charset="2"/>
+              </a:rPr>
+              <a:t>and</a:t>
+            </a:r>
+            <a:r>
+              <a:rPr lang="ko-KR" altLang="en-US" dirty="0" smtClean="0">
+                <a:sym typeface="Wingdings" panose="05000000000000000000" pitchFamily="2" charset="2"/>
+              </a:rPr>
+              <a:t> </a:t>
+            </a:r>
+            <a:r>
+              <a:rPr lang="en-US" altLang="ko-KR" dirty="0" smtClean="0">
+                <a:sym typeface="Wingdings" panose="05000000000000000000" pitchFamily="2" charset="2"/>
+              </a:rPr>
+              <a:t>pre-defined rule</a:t>
+            </a:r>
+            <a:br>
+              <a:rPr lang="en-US" altLang="ko-KR" dirty="0" smtClean="0">
+                <a:sym typeface="Wingdings" panose="05000000000000000000" pitchFamily="2" charset="2"/>
+              </a:rPr>
+            </a:br>
+            <a:r>
+              <a:rPr lang="en-US" altLang="ko-KR" dirty="0" smtClean="0">
+                <a:sym typeface="Wingdings" panose="05000000000000000000" pitchFamily="2" charset="2"/>
+              </a:rPr>
+              <a:t> Fail to adjust to dynamic traffic</a:t>
+            </a:r>
+            <a:endParaRPr lang="ko-KR" altLang="en-US" dirty="0"/>
+          </a:p>
+        </p:txBody>
+      </p:sp>
+    </p:spTree>
+    <p:extLst>
+      <p:ext uri="{BB962C8B-B14F-4D97-AF65-F5344CB8AC3E}">
+        <p14:creationId xmlns:p14="http://schemas.microsoft.com/office/powerpoint/2010/main" val="3384391829"/>
+      </p:ext>
+    </p:extLst>
+  </p:cSld>
+  <p:clrMapOvr>
+    <a:masterClrMapping/>
+  </p:clrMapOvr>
+  <p:timing>
+    <p:tnLst>
+      <p:par>
+        <p:cTn id="1" dur="indefinite" restart="never" nodeType="tmRoot"/>
+      </p:par>
+    </p:tnLst>
+  </p:timing>
+</p:sld>
+</file>
+
+<file path=ppt/slides/slide14.xml><?xml version="1.0" encoding="utf-8"?>
+<p:sld xmlns:a="http://schemas.openxmlformats.org/drawingml/2006/main" xmlns:r="http://schemas.openxmlformats.org/officeDocument/2006/relationships" xmlns:p="http://schemas.openxmlformats.org/presentationml/2006/main">
+  <p:cSld>
+    <p:spTree>
+      <p:nvGrpSpPr>
+        <p:cNvPr id="1" name=""/>
+        <p:cNvGrpSpPr/>
+        <p:nvPr/>
+      </p:nvGrpSpPr>
+      <p:grpSpPr>
+        <a:xfrm>
+          <a:off x="0" y="0"/>
+          <a:ext cx="0" cy="0"/>
+          <a:chOff x="0" y="0"/>
+          <a:chExt cx="0" cy="0"/>
+        </a:xfrm>
+      </p:grpSpPr>
+      <p:sp>
+        <p:nvSpPr>
+          <p:cNvPr id="2" name="제목 1"/>
+          <p:cNvSpPr>
+            <a:spLocks noGrp="1"/>
+          </p:cNvSpPr>
+          <p:nvPr>
+            <p:ph type="title"/>
+          </p:nvPr>
+        </p:nvSpPr>
+        <p:spPr/>
+        <p:txBody>
+          <a:bodyPr/>
+          <a:lstStyle/>
+          <a:p>
+            <a:r>
+              <a:rPr lang="en-US" altLang="ko-KR" dirty="0" smtClean="0"/>
+              <a:t>Motivation</a:t>
+            </a:r>
+            <a:endParaRPr lang="ko-KR" altLang="en-US" dirty="0"/>
+          </a:p>
+        </p:txBody>
+      </p:sp>
+      <p:sp>
+        <p:nvSpPr>
+          <p:cNvPr id="3" name="내용 개체 틀 2"/>
+          <p:cNvSpPr>
+            <a:spLocks noGrp="1"/>
+          </p:cNvSpPr>
+          <p:nvPr>
+            <p:ph idx="1"/>
+          </p:nvPr>
+        </p:nvSpPr>
+        <p:spPr/>
+        <p:txBody>
+          <a:bodyPr/>
+          <a:lstStyle/>
+          <a:p>
+            <a:r>
+              <a:rPr lang="en-US" altLang="ko-KR" dirty="0" smtClean="0">
+                <a:sym typeface="Wingdings" panose="05000000000000000000" pitchFamily="2" charset="2"/>
+              </a:rPr>
+              <a:t> Challenge</a:t>
+            </a:r>
+            <a:endParaRPr lang="en-US" altLang="ko-KR" dirty="0">
+              <a:sym typeface="Wingdings" panose="05000000000000000000" pitchFamily="2" charset="2"/>
+            </a:endParaRPr>
+          </a:p>
+          <a:p>
+            <a:pPr lvl="1"/>
+            <a:r>
+              <a:rPr lang="en-US" altLang="ko-KR" dirty="0">
+                <a:sym typeface="Wingdings" panose="05000000000000000000" pitchFamily="2" charset="2"/>
+              </a:rPr>
+              <a:t>To control and coordinate traffic lights in large-scale urban network</a:t>
+            </a:r>
+            <a:br>
+              <a:rPr lang="en-US" altLang="ko-KR" dirty="0">
+                <a:sym typeface="Wingdings" panose="05000000000000000000" pitchFamily="2" charset="2"/>
+              </a:rPr>
+            </a:br>
+            <a:r>
+              <a:rPr lang="en-US" altLang="ko-KR" dirty="0">
+                <a:sym typeface="Wingdings" panose="05000000000000000000" pitchFamily="2" charset="2"/>
+              </a:rPr>
+              <a:t> Highly correlated due to densely </a:t>
+            </a:r>
+            <a:r>
+              <a:rPr lang="en-US" altLang="ko-KR" dirty="0" smtClean="0">
+                <a:sym typeface="Wingdings" panose="05000000000000000000" pitchFamily="2" charset="2"/>
+              </a:rPr>
+              <a:t>connected</a:t>
+            </a:r>
+          </a:p>
+          <a:p>
+            <a:pPr lvl="1"/>
+            <a:r>
+              <a:rPr lang="en-US" altLang="ko-KR" dirty="0" smtClean="0">
+                <a:sym typeface="Wingdings" panose="05000000000000000000" pitchFamily="2" charset="2"/>
+              </a:rPr>
+              <a:t>Traditional Method is not well adjusted when the traffic is dynamic</a:t>
+            </a:r>
+            <a:endParaRPr lang="en-US" altLang="ko-KR" b="1" dirty="0" smtClean="0">
+              <a:sym typeface="Wingdings" panose="05000000000000000000" pitchFamily="2" charset="2"/>
+            </a:endParaRPr>
+          </a:p>
+          <a:p>
+            <a:pPr lvl="1"/>
+            <a:endParaRPr lang="en-US" altLang="ko-KR" dirty="0">
+              <a:sym typeface="Wingdings" panose="05000000000000000000" pitchFamily="2" charset="2"/>
+            </a:endParaRPr>
+          </a:p>
+          <a:p>
+            <a:r>
+              <a:rPr lang="en-US" altLang="ko-KR" dirty="0" smtClean="0">
+                <a:sym typeface="Wingdings" panose="05000000000000000000" pitchFamily="2" charset="2"/>
+              </a:rPr>
+              <a:t> 3 Key Issues to handle the challenge by RL method</a:t>
+            </a:r>
+          </a:p>
+          <a:p>
+            <a:pPr lvl="1"/>
+            <a:r>
+              <a:rPr lang="en-US" altLang="ko-KR" dirty="0" smtClean="0">
+                <a:sym typeface="Wingdings" panose="05000000000000000000" pitchFamily="2" charset="2"/>
+              </a:rPr>
+              <a:t>Scalability: learn effectively on a large scale, and the global optimization goal simultaneously</a:t>
+            </a:r>
+          </a:p>
+          <a:p>
+            <a:pPr lvl="1"/>
+            <a:r>
+              <a:rPr lang="en-US" altLang="ko-KR" dirty="0" smtClean="0">
+                <a:sym typeface="Wingdings" panose="05000000000000000000" pitchFamily="2" charset="2"/>
+              </a:rPr>
+              <a:t>Coordination: Optimizing signal timing for TL jointly when in close proximity</a:t>
+            </a:r>
+          </a:p>
+          <a:p>
+            <a:pPr lvl="1"/>
+            <a:r>
+              <a:rPr lang="en-US" altLang="ko-KR" dirty="0" smtClean="0">
+                <a:sym typeface="Wingdings" panose="05000000000000000000" pitchFamily="2" charset="2"/>
+              </a:rPr>
+              <a:t>Data feasibility: Not use the data that are hard to occur when learning by the RL-based method </a:t>
+            </a:r>
+            <a:endParaRPr lang="en-US" altLang="ko-KR" dirty="0">
+              <a:sym typeface="Wingdings" panose="05000000000000000000" pitchFamily="2" charset="2"/>
+            </a:endParaRPr>
+          </a:p>
+        </p:txBody>
+      </p:sp>
+    </p:spTree>
+    <p:extLst>
+      <p:ext uri="{BB962C8B-B14F-4D97-AF65-F5344CB8AC3E}">
+        <p14:creationId xmlns:p14="http://schemas.microsoft.com/office/powerpoint/2010/main" val="926466884"/>
+      </p:ext>
+    </p:extLst>
+  </p:cSld>
+  <p:clrMapOvr>
+    <a:masterClrMapping/>
+  </p:clrMapOvr>
+  <p:timing>
+    <p:tnLst>
+      <p:par>
+        <p:cTn id="1" dur="indefinite" restart="never" nodeType="tmRoot"/>
+      </p:par>
+    </p:tnLst>
+  </p:timing>
+</p:sld>
+</file>
+
+<file path=ppt/slides/slide15.xml><?xml version="1.0" encoding="utf-8"?>
+<p:sld xmlns:a="http://schemas.openxmlformats.org/drawingml/2006/main" xmlns:r="http://schemas.openxmlformats.org/officeDocument/2006/relationships" xmlns:p="http://schemas.openxmlformats.org/presentationml/2006/main">
+  <p:cSld>
+    <p:spTree>
+      <p:nvGrpSpPr>
+        <p:cNvPr id="1" name=""/>
+        <p:cNvGrpSpPr/>
+        <p:nvPr/>
+      </p:nvGrpSpPr>
+      <p:grpSpPr>
+        <a:xfrm>
+          <a:off x="0" y="0"/>
+          <a:ext cx="0" cy="0"/>
+          <a:chOff x="0" y="0"/>
+          <a:chExt cx="0" cy="0"/>
+        </a:xfrm>
+      </p:grpSpPr>
+      <p:sp>
+        <p:nvSpPr>
+          <p:cNvPr id="2" name="제목 1"/>
+          <p:cNvSpPr>
+            <a:spLocks noGrp="1"/>
+          </p:cNvSpPr>
+          <p:nvPr>
+            <p:ph type="title"/>
+          </p:nvPr>
+        </p:nvSpPr>
+        <p:spPr>
+          <a:xfrm>
+            <a:off x="1097280" y="252170"/>
+            <a:ext cx="10058400" cy="1450757"/>
+          </a:xfrm>
+        </p:spPr>
+        <p:txBody>
+          <a:bodyPr/>
+          <a:lstStyle/>
+          <a:p>
+            <a:r>
+              <a:rPr lang="en-US" altLang="ko-KR" dirty="0" smtClean="0"/>
+              <a:t>Related work</a:t>
+            </a:r>
+            <a:endParaRPr lang="ko-KR" altLang="en-US" dirty="0"/>
+          </a:p>
+        </p:txBody>
+      </p:sp>
+      <p:sp>
+        <p:nvSpPr>
+          <p:cNvPr id="3" name="내용 개체 틀 2"/>
+          <p:cNvSpPr>
+            <a:spLocks noGrp="1"/>
+          </p:cNvSpPr>
+          <p:nvPr>
+            <p:ph idx="1"/>
+          </p:nvPr>
+        </p:nvSpPr>
+        <p:spPr/>
+        <p:txBody>
+          <a:bodyPr/>
+          <a:lstStyle/>
+          <a:p>
+            <a:r>
+              <a:rPr lang="en-US" altLang="ko-KR" dirty="0" smtClean="0"/>
+              <a:t> Conventional Transportation </a:t>
+            </a:r>
+            <a:r>
+              <a:rPr lang="en-US" altLang="ko-KR" dirty="0"/>
+              <a:t>M</a:t>
+            </a:r>
+            <a:r>
+              <a:rPr lang="en-US" altLang="ko-KR" dirty="0" smtClean="0"/>
+              <a:t>ethods for multi-intersection control</a:t>
+            </a:r>
+          </a:p>
+          <a:p>
+            <a:pPr lvl="1"/>
+            <a:r>
+              <a:rPr lang="en-US" altLang="ko-KR" dirty="0" smtClean="0"/>
+              <a:t>Same cycle length</a:t>
+            </a:r>
+          </a:p>
+          <a:p>
+            <a:pPr lvl="1"/>
+            <a:r>
+              <a:rPr lang="en-US" altLang="ko-KR" dirty="0" smtClean="0"/>
+              <a:t>Facilitated traffic of selected movement: modifying the offset between consecutive intersection</a:t>
+            </a:r>
+            <a:r>
+              <a:rPr lang="en-US" altLang="ko-KR" dirty="0"/>
+              <a:t/>
+            </a:r>
+            <a:br>
+              <a:rPr lang="en-US" altLang="ko-KR" dirty="0"/>
+            </a:br>
+            <a:r>
+              <a:rPr lang="en-US" altLang="ko-KR" dirty="0" smtClean="0"/>
+              <a:t/>
+            </a:r>
+            <a:br>
+              <a:rPr lang="en-US" altLang="ko-KR" dirty="0" smtClean="0"/>
+            </a:br>
+            <a:r>
+              <a:rPr lang="en-US" altLang="ko-KR" dirty="0" smtClean="0">
+                <a:sym typeface="Wingdings" panose="05000000000000000000" pitchFamily="2" charset="2"/>
+              </a:rPr>
+              <a:t> Problem of this approach</a:t>
+            </a:r>
+          </a:p>
+          <a:p>
+            <a:pPr lvl="4"/>
+            <a:r>
+              <a:rPr lang="en-US" altLang="ko-KR" dirty="0">
+                <a:sym typeface="Wingdings" panose="05000000000000000000" pitchFamily="2" charset="2"/>
+              </a:rPr>
+              <a:t> </a:t>
+            </a:r>
+            <a:r>
+              <a:rPr lang="en-US" altLang="ko-KR" dirty="0" smtClean="0">
+                <a:sym typeface="Wingdings" panose="05000000000000000000" pitchFamily="2" charset="2"/>
+              </a:rPr>
+              <a:t>Few network are only uniform for simple approach (Small grid network -&gt; fixed offset achieve coordination)</a:t>
+            </a:r>
+          </a:p>
+          <a:p>
+            <a:pPr lvl="4"/>
+            <a:r>
+              <a:rPr lang="en-US" altLang="ko-KR" dirty="0">
+                <a:sym typeface="Wingdings" panose="05000000000000000000" pitchFamily="2" charset="2"/>
+              </a:rPr>
+              <a:t> </a:t>
+            </a:r>
+            <a:r>
+              <a:rPr lang="en-US" altLang="ko-KR" dirty="0" smtClean="0">
+                <a:sym typeface="Wingdings" panose="05000000000000000000" pitchFamily="2" charset="2"/>
+              </a:rPr>
+              <a:t>Difficult to provide a global optimization</a:t>
+            </a:r>
+            <a:endParaRPr lang="en-US" altLang="ko-KR" dirty="0" smtClean="0"/>
+          </a:p>
+        </p:txBody>
+      </p:sp>
+      <p:pic>
+        <p:nvPicPr>
+          <p:cNvPr id="12" name="그림 11"/>
+          <p:cNvPicPr>
+            <a:picLocks noChangeAspect="1"/>
+          </p:cNvPicPr>
+          <p:nvPr/>
+        </p:nvPicPr>
+        <p:blipFill>
+          <a:blip r:embed="rId2"/>
+          <a:stretch>
+            <a:fillRect/>
+          </a:stretch>
+        </p:blipFill>
+        <p:spPr>
+          <a:xfrm>
+            <a:off x="2892560" y="4150982"/>
+            <a:ext cx="6113707" cy="2163167"/>
+          </a:xfrm>
+          <a:prstGeom prst="rect">
+            <a:avLst/>
+          </a:prstGeom>
+        </p:spPr>
+      </p:pic>
+      <p:sp>
+        <p:nvSpPr>
+          <p:cNvPr id="13" name="타원 12"/>
+          <p:cNvSpPr/>
+          <p:nvPr/>
+        </p:nvSpPr>
+        <p:spPr>
+          <a:xfrm>
+            <a:off x="3324744" y="4946940"/>
+            <a:ext cx="627455" cy="589195"/>
+          </a:xfrm>
+          <a:prstGeom prst="ellipse">
+            <a:avLst/>
+          </a:prstGeom>
+          <a:noFill/>
+          <a:ln>
+            <a:solidFill>
+              <a:srgbClr val="FF0000"/>
+            </a:solidFill>
+          </a:ln>
+        </p:spPr>
+        <p:style>
+          <a:lnRef idx="2">
+            <a:schemeClr val="accent1">
+              <a:shade val="50000"/>
+            </a:schemeClr>
+          </a:lnRef>
+          <a:fillRef idx="1">
+            <a:schemeClr val="accent1"/>
+          </a:fillRef>
+          <a:effectRef idx="0">
+            <a:schemeClr val="accent1"/>
+          </a:effectRef>
+          <a:fontRef idx="minor">
+            <a:schemeClr val="lt1"/>
+          </a:fontRef>
+        </p:style>
+        <p:txBody>
+          <a:bodyPr rtlCol="0" anchor="ctr"/>
+          <a:lstStyle/>
+          <a:p>
+            <a:pPr algn="ctr"/>
+            <a:endParaRPr lang="ko-KR" altLang="en-US"/>
+          </a:p>
+        </p:txBody>
+      </p:sp>
+      <p:cxnSp>
+        <p:nvCxnSpPr>
+          <p:cNvPr id="15" name="직선 화살표 연결선 14"/>
+          <p:cNvCxnSpPr>
+            <a:endCxn id="13" idx="1"/>
+          </p:cNvCxnSpPr>
+          <p:nvPr/>
+        </p:nvCxnSpPr>
+        <p:spPr>
+          <a:xfrm>
+            <a:off x="2616944" y="4518437"/>
+            <a:ext cx="799689" cy="514789"/>
+          </a:xfrm>
+          <a:prstGeom prst="straightConnector1">
+            <a:avLst/>
+          </a:prstGeom>
+          <a:ln>
+            <a:solidFill>
+              <a:srgbClr val="FF0000"/>
+            </a:solidFill>
+            <a:tailEnd type="triangle"/>
+          </a:ln>
+        </p:spPr>
+        <p:style>
+          <a:lnRef idx="1">
+            <a:schemeClr val="accent2"/>
+          </a:lnRef>
+          <a:fillRef idx="0">
+            <a:schemeClr val="accent2"/>
+          </a:fillRef>
+          <a:effectRef idx="0">
+            <a:schemeClr val="accent2"/>
+          </a:effectRef>
+          <a:fontRef idx="minor">
+            <a:schemeClr val="tx1"/>
+          </a:fontRef>
+        </p:style>
+      </p:cxnSp>
+      <p:sp>
+        <p:nvSpPr>
+          <p:cNvPr id="16" name="TextBox 15"/>
+          <p:cNvSpPr txBox="1"/>
+          <p:nvPr/>
+        </p:nvSpPr>
+        <p:spPr>
+          <a:xfrm>
+            <a:off x="1199116" y="4165183"/>
+            <a:ext cx="1764524" cy="369332"/>
+          </a:xfrm>
+          <a:prstGeom prst="rect">
+            <a:avLst/>
+          </a:prstGeom>
+          <a:noFill/>
+        </p:spPr>
+        <p:txBody>
+          <a:bodyPr wrap="square" rtlCol="0">
+            <a:spAutoFit/>
+          </a:bodyPr>
+          <a:lstStyle/>
+          <a:p>
+            <a:r>
+              <a:rPr lang="en-US" altLang="ko-KR" b="1" dirty="0" smtClean="0">
+                <a:solidFill>
+                  <a:srgbClr val="FF0000"/>
+                </a:solidFill>
+              </a:rPr>
+              <a:t>Start from here</a:t>
+            </a:r>
+            <a:endParaRPr lang="ko-KR" altLang="en-US" b="1" dirty="0">
+              <a:solidFill>
+                <a:srgbClr val="FF0000"/>
+              </a:solidFill>
+            </a:endParaRPr>
+          </a:p>
+        </p:txBody>
+      </p:sp>
+      <p:sp>
+        <p:nvSpPr>
+          <p:cNvPr id="17" name="타원 16"/>
+          <p:cNvSpPr/>
+          <p:nvPr/>
+        </p:nvSpPr>
+        <p:spPr>
+          <a:xfrm>
+            <a:off x="7203611" y="4946940"/>
+            <a:ext cx="627455" cy="589195"/>
+          </a:xfrm>
+          <a:prstGeom prst="ellipse">
+            <a:avLst/>
+          </a:prstGeom>
+          <a:noFill/>
+          <a:ln>
+            <a:solidFill>
+              <a:srgbClr val="FF0000"/>
+            </a:solidFill>
+          </a:ln>
+        </p:spPr>
+        <p:style>
+          <a:lnRef idx="2">
+            <a:schemeClr val="accent1">
+              <a:shade val="50000"/>
+            </a:schemeClr>
+          </a:lnRef>
+          <a:fillRef idx="1">
+            <a:schemeClr val="accent1"/>
+          </a:fillRef>
+          <a:effectRef idx="0">
+            <a:schemeClr val="accent1"/>
+          </a:effectRef>
+          <a:fontRef idx="minor">
+            <a:schemeClr val="lt1"/>
+          </a:fontRef>
+        </p:style>
+        <p:txBody>
+          <a:bodyPr rtlCol="0" anchor="ctr"/>
+          <a:lstStyle/>
+          <a:p>
+            <a:pPr algn="ctr"/>
+            <a:endParaRPr lang="ko-KR" altLang="en-US"/>
+          </a:p>
+        </p:txBody>
+      </p:sp>
+      <p:cxnSp>
+        <p:nvCxnSpPr>
+          <p:cNvPr id="18" name="직선 화살표 연결선 17"/>
+          <p:cNvCxnSpPr>
+            <a:endCxn id="17" idx="7"/>
+          </p:cNvCxnSpPr>
+          <p:nvPr/>
+        </p:nvCxnSpPr>
+        <p:spPr>
+          <a:xfrm flipH="1">
+            <a:off x="7739177" y="4654506"/>
+            <a:ext cx="1060488" cy="378720"/>
+          </a:xfrm>
+          <a:prstGeom prst="straightConnector1">
+            <a:avLst/>
+          </a:prstGeom>
+          <a:ln>
+            <a:solidFill>
+              <a:srgbClr val="FF0000"/>
+            </a:solidFill>
+            <a:tailEnd type="triangle"/>
+          </a:ln>
+        </p:spPr>
+        <p:style>
+          <a:lnRef idx="1">
+            <a:schemeClr val="accent2"/>
+          </a:lnRef>
+          <a:fillRef idx="0">
+            <a:schemeClr val="accent2"/>
+          </a:fillRef>
+          <a:effectRef idx="0">
+            <a:schemeClr val="accent2"/>
+          </a:effectRef>
+          <a:fontRef idx="minor">
+            <a:schemeClr val="tx1"/>
+          </a:fontRef>
+        </p:style>
+      </p:cxnSp>
+      <p:sp>
+        <p:nvSpPr>
+          <p:cNvPr id="19" name="TextBox 18"/>
+          <p:cNvSpPr txBox="1"/>
+          <p:nvPr/>
+        </p:nvSpPr>
+        <p:spPr>
+          <a:xfrm>
+            <a:off x="8390419" y="4008175"/>
+            <a:ext cx="2578682" cy="646331"/>
+          </a:xfrm>
+          <a:prstGeom prst="rect">
+            <a:avLst/>
+          </a:prstGeom>
+          <a:noFill/>
+        </p:spPr>
+        <p:txBody>
+          <a:bodyPr wrap="square" rtlCol="0">
+            <a:spAutoFit/>
+          </a:bodyPr>
+          <a:lstStyle/>
+          <a:p>
+            <a:r>
+              <a:rPr lang="en-US" altLang="ko-KR" b="1" dirty="0" smtClean="0">
+                <a:solidFill>
+                  <a:srgbClr val="FF0000"/>
+                </a:solidFill>
+              </a:rPr>
+              <a:t>When arrive this point, turn on the green light</a:t>
+            </a:r>
+            <a:endParaRPr lang="ko-KR" altLang="en-US" b="1" dirty="0">
+              <a:solidFill>
+                <a:srgbClr val="FF0000"/>
+              </a:solidFill>
+            </a:endParaRPr>
+          </a:p>
+        </p:txBody>
+      </p:sp>
+    </p:spTree>
+    <p:extLst>
+      <p:ext uri="{BB962C8B-B14F-4D97-AF65-F5344CB8AC3E}">
+        <p14:creationId xmlns:p14="http://schemas.microsoft.com/office/powerpoint/2010/main" val="3659920307"/>
+      </p:ext>
+    </p:extLst>
+  </p:cSld>
+  <p:clrMapOvr>
+    <a:masterClrMapping/>
+  </p:clrMapOvr>
+  <p:timing>
+    <p:tnLst>
+      <p:par>
+        <p:cTn id="1" dur="indefinite" restart="never" nodeType="tmRoot"/>
+      </p:par>
+    </p:tnLst>
+  </p:timing>
+</p:sld>
+</file>
+
+<file path=ppt/slides/slide16.xml><?xml version="1.0" encoding="utf-8"?>
+<p:sld xmlns:a="http://schemas.openxmlformats.org/drawingml/2006/main" xmlns:r="http://schemas.openxmlformats.org/officeDocument/2006/relationships" xmlns:p="http://schemas.openxmlformats.org/presentationml/2006/main">
+  <p:cSld>
+    <p:spTree>
+      <p:nvGrpSpPr>
+        <p:cNvPr id="1" name=""/>
+        <p:cNvGrpSpPr/>
+        <p:nvPr/>
+      </p:nvGrpSpPr>
+      <p:grpSpPr>
+        <a:xfrm>
+          <a:off x="0" y="0"/>
+          <a:ext cx="0" cy="0"/>
+          <a:chOff x="0" y="0"/>
+          <a:chExt cx="0" cy="0"/>
+        </a:xfrm>
+      </p:grpSpPr>
+      <p:sp>
+        <p:nvSpPr>
+          <p:cNvPr id="2" name="제목 1"/>
+          <p:cNvSpPr>
+            <a:spLocks noGrp="1"/>
+          </p:cNvSpPr>
+          <p:nvPr>
+            <p:ph type="title"/>
+          </p:nvPr>
+        </p:nvSpPr>
+        <p:spPr/>
+        <p:txBody>
+          <a:bodyPr/>
+          <a:lstStyle/>
+          <a:p>
+            <a:r>
+              <a:rPr lang="en-US" altLang="ko-KR" dirty="0" smtClean="0"/>
+              <a:t>Related work</a:t>
+            </a:r>
+            <a:endParaRPr lang="ko-KR" altLang="en-US" dirty="0"/>
+          </a:p>
+        </p:txBody>
+      </p:sp>
+      <p:sp>
+        <p:nvSpPr>
+          <p:cNvPr id="3" name="내용 개체 틀 2"/>
+          <p:cNvSpPr>
+            <a:spLocks noGrp="1"/>
+          </p:cNvSpPr>
+          <p:nvPr>
+            <p:ph idx="1"/>
+          </p:nvPr>
+        </p:nvSpPr>
+        <p:spPr/>
+        <p:txBody>
+          <a:bodyPr/>
+          <a:lstStyle/>
+          <a:p>
+            <a:r>
+              <a:rPr lang="en-US" altLang="ko-KR" dirty="0" smtClean="0"/>
+              <a:t> Max Pressure : optimization-based method</a:t>
+            </a:r>
+          </a:p>
+          <a:p>
+            <a:pPr lvl="1"/>
+            <a:r>
+              <a:rPr lang="en-US" altLang="ko-KR" dirty="0" smtClean="0"/>
+              <a:t>Providing global optimization through coordination</a:t>
+            </a:r>
+          </a:p>
+          <a:p>
+            <a:pPr lvl="1"/>
+            <a:r>
+              <a:rPr lang="en-US" altLang="ko-KR" dirty="0" smtClean="0"/>
+              <a:t>Developed to optimize the global vehicle travel time, throughput and # of stops at intersections</a:t>
+            </a:r>
+            <a:br>
+              <a:rPr lang="en-US" altLang="ko-KR" dirty="0" smtClean="0"/>
+            </a:br>
+            <a:r>
+              <a:rPr lang="en-US" altLang="ko-KR" dirty="0" smtClean="0"/>
+              <a:t/>
+            </a:r>
+            <a:br>
+              <a:rPr lang="en-US" altLang="ko-KR" dirty="0" smtClean="0"/>
+            </a:br>
+            <a:r>
+              <a:rPr lang="en-US" altLang="ko-KR" dirty="0" smtClean="0">
+                <a:sym typeface="Wingdings" panose="05000000000000000000" pitchFamily="2" charset="2"/>
+              </a:rPr>
+              <a:t> Challenges</a:t>
+            </a:r>
+          </a:p>
+          <a:p>
+            <a:pPr lvl="4"/>
+            <a:r>
+              <a:rPr lang="en-US" altLang="ko-KR" dirty="0">
+                <a:sym typeface="Wingdings" panose="05000000000000000000" pitchFamily="2" charset="2"/>
+              </a:rPr>
+              <a:t> </a:t>
+            </a:r>
+            <a:r>
+              <a:rPr lang="en-US" altLang="ko-KR" dirty="0" smtClean="0">
+                <a:sym typeface="Wingdings" panose="05000000000000000000" pitchFamily="2" charset="2"/>
+              </a:rPr>
+              <a:t>Still rely on assumptions of simple traffic condition, HARD to apply to real world</a:t>
+            </a:r>
+          </a:p>
+          <a:p>
+            <a:r>
+              <a:rPr lang="en-US" altLang="ko-KR" dirty="0">
+                <a:sym typeface="Wingdings" panose="05000000000000000000" pitchFamily="2" charset="2"/>
+              </a:rPr>
+              <a:t> </a:t>
+            </a:r>
+            <a:r>
+              <a:rPr lang="en-US" altLang="ko-KR" dirty="0" smtClean="0">
+                <a:sym typeface="Wingdings" panose="05000000000000000000" pitchFamily="2" charset="2"/>
+              </a:rPr>
+              <a:t>RL-based single-intersection methods</a:t>
+            </a:r>
+          </a:p>
+          <a:p>
+            <a:pPr lvl="1"/>
+            <a:r>
+              <a:rPr lang="en-US" altLang="ko-KR" dirty="0" smtClean="0">
+                <a:sym typeface="Wingdings" panose="05000000000000000000" pitchFamily="2" charset="2"/>
+              </a:rPr>
+              <a:t>Outstanding performance over conventional transportation methods</a:t>
+            </a:r>
+          </a:p>
+          <a:p>
+            <a:pPr lvl="1"/>
+            <a:r>
+              <a:rPr lang="en-US" altLang="ko-KR" dirty="0" smtClean="0">
+                <a:sym typeface="Wingdings" panose="05000000000000000000" pitchFamily="2" charset="2"/>
+              </a:rPr>
+              <a:t>For satisfying scalability,  Advance to ‘RL-based multi-intersection methods’</a:t>
+            </a:r>
+            <a:endParaRPr lang="en-US" altLang="ko-KR" dirty="0" smtClean="0"/>
+          </a:p>
+        </p:txBody>
+      </p:sp>
+    </p:spTree>
+    <p:extLst>
+      <p:ext uri="{BB962C8B-B14F-4D97-AF65-F5344CB8AC3E}">
+        <p14:creationId xmlns:p14="http://schemas.microsoft.com/office/powerpoint/2010/main" val="3516416667"/>
+      </p:ext>
+    </p:extLst>
+  </p:cSld>
+  <p:clrMapOvr>
+    <a:masterClrMapping/>
+  </p:clrMapOvr>
+  <p:timing>
+    <p:tnLst>
+      <p:par>
+        <p:cTn id="1" dur="indefinite" restart="never" nodeType="tmRoot"/>
+      </p:par>
+    </p:tnLst>
+  </p:timing>
+</p:sld>
+</file>
+
+<file path=ppt/slides/slide17.xml><?xml version="1.0" encoding="utf-8"?>
+<p:sld xmlns:a="http://schemas.openxmlformats.org/drawingml/2006/main" xmlns:r="http://schemas.openxmlformats.org/officeDocument/2006/relationships" xmlns:p="http://schemas.openxmlformats.org/presentationml/2006/main">
+  <p:cSld>
+    <p:spTree>
+      <p:nvGrpSpPr>
+        <p:cNvPr id="1" name=""/>
+        <p:cNvGrpSpPr/>
+        <p:nvPr/>
+      </p:nvGrpSpPr>
+      <p:grpSpPr>
+        <a:xfrm>
+          <a:off x="0" y="0"/>
+          <a:ext cx="0" cy="0"/>
+          <a:chOff x="0" y="0"/>
+          <a:chExt cx="0" cy="0"/>
+        </a:xfrm>
+      </p:grpSpPr>
+      <p:sp>
+        <p:nvSpPr>
+          <p:cNvPr id="2" name="제목 1"/>
+          <p:cNvSpPr>
+            <a:spLocks noGrp="1"/>
+          </p:cNvSpPr>
+          <p:nvPr>
+            <p:ph type="title"/>
+          </p:nvPr>
+        </p:nvSpPr>
+        <p:spPr/>
+        <p:txBody>
+          <a:bodyPr/>
+          <a:lstStyle/>
+          <a:p>
+            <a:r>
+              <a:rPr lang="en-US" altLang="ko-KR" dirty="0" smtClean="0"/>
+              <a:t>Related work</a:t>
+            </a:r>
+            <a:endParaRPr lang="ko-KR" altLang="en-US" dirty="0"/>
+          </a:p>
+        </p:txBody>
+      </p:sp>
+      <p:sp>
+        <p:nvSpPr>
+          <p:cNvPr id="3" name="내용 개체 틀 2"/>
+          <p:cNvSpPr>
+            <a:spLocks noGrp="1"/>
+          </p:cNvSpPr>
+          <p:nvPr>
+            <p:ph idx="1"/>
+          </p:nvPr>
+        </p:nvSpPr>
+        <p:spPr/>
+        <p:txBody>
+          <a:bodyPr/>
+          <a:lstStyle/>
+          <a:p>
+            <a:r>
+              <a:rPr lang="en-US" altLang="ko-KR" dirty="0" smtClean="0"/>
+              <a:t> Reinforcement Learning(RL) based multi-intersection methods</a:t>
+            </a:r>
+          </a:p>
+          <a:p>
+            <a:pPr lvl="1"/>
+            <a:r>
+              <a:rPr lang="en-US" altLang="ko-KR" dirty="0" smtClean="0"/>
+              <a:t>Treat all the intersection </a:t>
+            </a:r>
+            <a:r>
+              <a:rPr lang="en-US" altLang="ko-KR" dirty="0" err="1" smtClean="0"/>
+              <a:t>isolately</a:t>
+            </a:r>
+            <a:r>
+              <a:rPr lang="en-US" altLang="ko-KR" dirty="0" smtClean="0"/>
+              <a:t> and apply individual traffic signal control</a:t>
+            </a:r>
+          </a:p>
+          <a:p>
+            <a:pPr lvl="2"/>
+            <a:r>
+              <a:rPr lang="en-US" altLang="ko-KR" dirty="0" smtClean="0"/>
+              <a:t>Scale-up easily</a:t>
+            </a:r>
+          </a:p>
+          <a:p>
+            <a:pPr lvl="2"/>
+            <a:r>
+              <a:rPr lang="en-US" altLang="ko-KR" dirty="0" smtClean="0"/>
+              <a:t>Cannot coordinate with neighbors, achieve their own goals</a:t>
+            </a:r>
+          </a:p>
+          <a:p>
+            <a:pPr lvl="1"/>
+            <a:r>
+              <a:rPr lang="en-US" altLang="ko-KR" dirty="0" smtClean="0"/>
+              <a:t>Centralized optimization over multiple coordinated agents</a:t>
+            </a:r>
+          </a:p>
+          <a:p>
+            <a:pPr lvl="2"/>
+            <a:r>
+              <a:rPr lang="en-US" altLang="ko-KR" dirty="0" smtClean="0"/>
+              <a:t>Achieve coordination with neighbor intersections</a:t>
+            </a:r>
+          </a:p>
+          <a:p>
+            <a:pPr lvl="2"/>
+            <a:r>
+              <a:rPr lang="en-US" altLang="ko-KR" dirty="0" smtClean="0"/>
+              <a:t>Network scale expands, optimization is infeasible due to large joint action space</a:t>
+            </a:r>
+          </a:p>
+          <a:p>
+            <a:pPr lvl="2"/>
+            <a:endParaRPr lang="en-US" altLang="ko-KR" dirty="0"/>
+          </a:p>
+          <a:p>
+            <a:pPr marL="0" indent="0">
+              <a:buNone/>
+            </a:pPr>
+            <a:r>
+              <a:rPr lang="en-US" altLang="ko-KR" dirty="0" smtClean="0">
+                <a:sym typeface="Wingdings" panose="05000000000000000000" pitchFamily="2" charset="2"/>
+              </a:rPr>
+              <a:t> Trade-off between scalability and coordination</a:t>
+            </a:r>
+            <a:endParaRPr lang="en-US" altLang="ko-KR" dirty="0" smtClean="0"/>
+          </a:p>
+        </p:txBody>
+      </p:sp>
+    </p:spTree>
+    <p:extLst>
+      <p:ext uri="{BB962C8B-B14F-4D97-AF65-F5344CB8AC3E}">
+        <p14:creationId xmlns:p14="http://schemas.microsoft.com/office/powerpoint/2010/main" val="3965086745"/>
+      </p:ext>
+    </p:extLst>
+  </p:cSld>
+  <p:clrMapOvr>
+    <a:masterClrMapping/>
+  </p:clrMapOvr>
+  <p:timing>
+    <p:tnLst>
+      <p:par>
+        <p:cTn id="1" dur="indefinite" restart="never" nodeType="tmRoot"/>
+      </p:par>
+    </p:tnLst>
+  </p:timing>
+</p:sld>
+</file>
+
+<file path=ppt/slides/slide18.xml><?xml version="1.0" encoding="utf-8"?>
+<p:sld xmlns:a="http://schemas.openxmlformats.org/drawingml/2006/main" xmlns:r="http://schemas.openxmlformats.org/officeDocument/2006/relationships" xmlns:p="http://schemas.openxmlformats.org/presentationml/2006/main">
+  <p:cSld>
+    <p:spTree>
+      <p:nvGrpSpPr>
+        <p:cNvPr id="1" name=""/>
+        <p:cNvGrpSpPr/>
+        <p:nvPr/>
+      </p:nvGrpSpPr>
+      <p:grpSpPr>
+        <a:xfrm>
+          <a:off x="0" y="0"/>
+          <a:ext cx="0" cy="0"/>
+          <a:chOff x="0" y="0"/>
+          <a:chExt cx="0" cy="0"/>
+        </a:xfrm>
+      </p:grpSpPr>
+      <p:sp>
+        <p:nvSpPr>
+          <p:cNvPr id="2" name="제목 1"/>
+          <p:cNvSpPr>
+            <a:spLocks noGrp="1"/>
+          </p:cNvSpPr>
+          <p:nvPr>
+            <p:ph type="title"/>
+          </p:nvPr>
+        </p:nvSpPr>
+        <p:spPr/>
+        <p:txBody>
+          <a:bodyPr/>
+          <a:lstStyle/>
+          <a:p>
+            <a:r>
+              <a:rPr lang="en-US" altLang="ko-KR" dirty="0" smtClean="0"/>
+              <a:t>Related work</a:t>
+            </a:r>
+            <a:endParaRPr lang="ko-KR" altLang="en-US" dirty="0"/>
+          </a:p>
+        </p:txBody>
+      </p:sp>
+      <p:sp>
+        <p:nvSpPr>
+          <p:cNvPr id="3" name="내용 개체 틀 2"/>
+          <p:cNvSpPr>
+            <a:spLocks noGrp="1"/>
+          </p:cNvSpPr>
+          <p:nvPr>
+            <p:ph idx="1"/>
+          </p:nvPr>
+        </p:nvSpPr>
+        <p:spPr/>
+        <p:txBody>
+          <a:bodyPr/>
+          <a:lstStyle/>
+          <a:p>
+            <a:r>
+              <a:rPr lang="en-US" altLang="ko-KR" dirty="0" smtClean="0"/>
+              <a:t> Decentralized Approach based on RL</a:t>
+            </a:r>
+          </a:p>
+          <a:p>
+            <a:pPr lvl="1"/>
+            <a:r>
+              <a:rPr lang="en-US" altLang="ko-KR" dirty="0" smtClean="0"/>
+              <a:t>Considering both scalability and coordination</a:t>
+            </a:r>
+          </a:p>
+          <a:p>
+            <a:pPr lvl="1"/>
+            <a:endParaRPr lang="en-US" altLang="ko-KR" dirty="0"/>
+          </a:p>
+          <a:p>
+            <a:r>
+              <a:rPr lang="en-US" altLang="ko-KR" dirty="0" smtClean="0"/>
+              <a:t> Issues that are hard to apply RL in large-scale network</a:t>
+            </a:r>
+          </a:p>
+          <a:p>
+            <a:pPr lvl="1"/>
+            <a:r>
+              <a:rPr lang="en-US" altLang="ko-KR" dirty="0" err="1" smtClean="0"/>
+              <a:t>Uni</a:t>
+            </a:r>
+            <a:r>
+              <a:rPr lang="en-US" altLang="ko-KR" dirty="0" smtClean="0"/>
+              <a:t>-intersection related reward system</a:t>
+            </a:r>
+          </a:p>
+          <a:p>
+            <a:pPr lvl="1"/>
+            <a:r>
+              <a:rPr lang="en-US" altLang="ko-KR" dirty="0" smtClean="0"/>
+              <a:t>Few reward design for direct coordination</a:t>
+            </a:r>
+          </a:p>
+          <a:p>
+            <a:pPr lvl="1"/>
+            <a:r>
+              <a:rPr lang="en-US" altLang="ko-KR" dirty="0" smtClean="0"/>
+              <a:t>Current RL method includes infeasible features in the states</a:t>
+            </a:r>
+          </a:p>
+          <a:p>
+            <a:pPr lvl="2"/>
+            <a:endParaRPr lang="ko-KR" altLang="en-US" dirty="0"/>
+          </a:p>
+        </p:txBody>
+      </p:sp>
+    </p:spTree>
+    <p:extLst>
+      <p:ext uri="{BB962C8B-B14F-4D97-AF65-F5344CB8AC3E}">
+        <p14:creationId xmlns:p14="http://schemas.microsoft.com/office/powerpoint/2010/main" val="981731544"/>
+      </p:ext>
+    </p:extLst>
+  </p:cSld>
+  <p:clrMapOvr>
+    <a:masterClrMapping/>
+  </p:clrMapOvr>
+  <p:timing>
+    <p:tnLst>
+      <p:par>
+        <p:cTn id="1" dur="indefinite" restart="never" nodeType="tmRoot"/>
+      </p:par>
+    </p:tnLst>
+  </p:timing>
+</p:sld>
+</file>
+
+<file path=ppt/slides/slide19.xml><?xml version="1.0" encoding="utf-8"?>
+<p:sld xmlns:a="http://schemas.openxmlformats.org/drawingml/2006/main" xmlns:r="http://schemas.openxmlformats.org/officeDocument/2006/relationships" xmlns:p="http://schemas.openxmlformats.org/presentationml/2006/main">
+  <p:cSld>
+    <p:spTree>
+      <p:nvGrpSpPr>
+        <p:cNvPr id="1" name=""/>
+        <p:cNvGrpSpPr/>
+        <p:nvPr/>
+      </p:nvGrpSpPr>
+      <p:grpSpPr>
+        <a:xfrm>
+          <a:off x="0" y="0"/>
+          <a:ext cx="0" cy="0"/>
+          <a:chOff x="0" y="0"/>
+          <a:chExt cx="0" cy="0"/>
+        </a:xfrm>
+      </p:grpSpPr>
+      <p:sp>
+        <p:nvSpPr>
+          <p:cNvPr id="2" name="제목 1"/>
+          <p:cNvSpPr>
+            <a:spLocks noGrp="1"/>
+          </p:cNvSpPr>
+          <p:nvPr>
+            <p:ph type="title"/>
+          </p:nvPr>
+        </p:nvSpPr>
+        <p:spPr/>
+        <p:txBody>
+          <a:bodyPr/>
+          <a:lstStyle/>
+          <a:p>
+            <a:r>
+              <a:rPr lang="en-US" altLang="ko-KR" dirty="0" smtClean="0"/>
+              <a:t>Approach</a:t>
+            </a:r>
+            <a:endParaRPr lang="ko-KR" altLang="en-US" dirty="0"/>
+          </a:p>
+        </p:txBody>
+      </p:sp>
+      <p:sp>
+        <p:nvSpPr>
+          <p:cNvPr id="3" name="내용 개체 틀 2"/>
+          <p:cNvSpPr>
+            <a:spLocks noGrp="1"/>
+          </p:cNvSpPr>
+          <p:nvPr>
+            <p:ph idx="1"/>
+          </p:nvPr>
+        </p:nvSpPr>
+        <p:spPr/>
+        <p:txBody>
+          <a:bodyPr/>
+          <a:lstStyle/>
+          <a:p>
+            <a:r>
+              <a:rPr lang="en-US" altLang="ko-KR" dirty="0" smtClean="0"/>
+              <a:t> </a:t>
+            </a:r>
+            <a:r>
+              <a:rPr lang="en-US" altLang="ko-KR" dirty="0" err="1" smtClean="0"/>
+              <a:t>MPLight</a:t>
+            </a:r>
+            <a:endParaRPr lang="en-US" altLang="ko-KR" dirty="0" smtClean="0"/>
+          </a:p>
+          <a:p>
+            <a:pPr lvl="1"/>
+            <a:r>
+              <a:rPr lang="en-US" altLang="ko-KR" dirty="0" smtClean="0"/>
+              <a:t>Utilizing simple features that are feasible in the real world &lt;- overcome infeasibility</a:t>
+            </a:r>
+          </a:p>
+          <a:p>
+            <a:pPr lvl="1"/>
+            <a:r>
+              <a:rPr lang="en-US" altLang="ko-KR" dirty="0" smtClean="0">
+                <a:sym typeface="Wingdings" panose="05000000000000000000" pitchFamily="2" charset="2"/>
+              </a:rPr>
+              <a:t>Sharing parameters of intersections &lt;- overcome scalability</a:t>
+            </a:r>
+          </a:p>
+          <a:p>
+            <a:pPr lvl="2"/>
+            <a:r>
+              <a:rPr lang="en-US" altLang="ko-KR" dirty="0" smtClean="0">
+                <a:sym typeface="Wingdings" panose="05000000000000000000" pitchFamily="2" charset="2"/>
+              </a:rPr>
+              <a:t>Not sharing all the parameters naively  inferior performance because of having different structures each</a:t>
+            </a:r>
+          </a:p>
+          <a:p>
+            <a:pPr lvl="2"/>
+            <a:r>
+              <a:rPr lang="en-US" altLang="ko-KR" dirty="0" smtClean="0">
+                <a:sym typeface="Wingdings" panose="05000000000000000000" pitchFamily="2" charset="2"/>
+              </a:rPr>
+              <a:t>Not applying the control of large flow to the system with little traffic</a:t>
+            </a:r>
+            <a:br>
+              <a:rPr lang="en-US" altLang="ko-KR" dirty="0" smtClean="0">
+                <a:sym typeface="Wingdings" panose="05000000000000000000" pitchFamily="2" charset="2"/>
+              </a:rPr>
+            </a:br>
+            <a:r>
+              <a:rPr lang="en-US" altLang="ko-KR" dirty="0" smtClean="0">
+                <a:sym typeface="Wingdings" panose="05000000000000000000" pitchFamily="2" charset="2"/>
+              </a:rPr>
+              <a:t>- Following similar control logic and enhancing the speed of learning by sharing their learned knowledge </a:t>
+            </a:r>
+            <a:br>
+              <a:rPr lang="en-US" altLang="ko-KR" dirty="0" smtClean="0">
+                <a:sym typeface="Wingdings" panose="05000000000000000000" pitchFamily="2" charset="2"/>
+              </a:rPr>
+            </a:br>
+            <a:r>
+              <a:rPr lang="en-US" altLang="ko-KR" dirty="0" smtClean="0">
+                <a:sym typeface="Wingdings" panose="05000000000000000000" pitchFamily="2" charset="2"/>
+              </a:rPr>
+              <a:t>- base model, ‘FRAP’</a:t>
+            </a:r>
+          </a:p>
+          <a:p>
+            <a:pPr lvl="1"/>
+            <a:r>
+              <a:rPr lang="en-US" altLang="ko-KR" dirty="0"/>
+              <a:t>Integrating the concept of “pressure” into reward design for </a:t>
+            </a:r>
+            <a:r>
+              <a:rPr lang="en-US" altLang="ko-KR" dirty="0" smtClean="0"/>
+              <a:t>coordination</a:t>
+            </a:r>
+          </a:p>
+          <a:p>
+            <a:pPr lvl="2"/>
+            <a:r>
+              <a:rPr lang="en-US" altLang="ko-KR" dirty="0" smtClean="0"/>
+              <a:t>Derived from ‘max pressure theory’, aimed at the global throughput in the area</a:t>
+            </a:r>
+          </a:p>
+          <a:p>
+            <a:pPr lvl="2"/>
+            <a:r>
+              <a:rPr lang="en-US" altLang="ko-KR" dirty="0" smtClean="0"/>
+              <a:t>Balancing the distribution of vehicle by minimizing the pressure and maximizing the throughput </a:t>
+            </a:r>
+            <a:br>
+              <a:rPr lang="en-US" altLang="ko-KR" dirty="0" smtClean="0"/>
+            </a:br>
+            <a:r>
+              <a:rPr lang="en-US" altLang="ko-KR" dirty="0" smtClean="0"/>
+              <a:t/>
+            </a:r>
+            <a:br>
+              <a:rPr lang="en-US" altLang="ko-KR" dirty="0" smtClean="0"/>
+            </a:br>
+            <a:r>
+              <a:rPr lang="en-US" altLang="ko-KR" dirty="0" smtClean="0"/>
+              <a:t>- pressure: discrepancy of the number of vehicles inflow and outflow</a:t>
+            </a:r>
+            <a:r>
+              <a:rPr lang="en-US" altLang="ko-KR" dirty="0"/>
+              <a:t/>
+            </a:r>
+            <a:br>
+              <a:rPr lang="en-US" altLang="ko-KR" dirty="0"/>
+            </a:br>
+            <a:endParaRPr lang="ko-KR" altLang="en-US" dirty="0"/>
+          </a:p>
+        </p:txBody>
+      </p:sp>
+    </p:spTree>
+    <p:extLst>
+      <p:ext uri="{BB962C8B-B14F-4D97-AF65-F5344CB8AC3E}">
+        <p14:creationId xmlns:p14="http://schemas.microsoft.com/office/powerpoint/2010/main" val="3727605026"/>
+      </p:ext>
+    </p:extLst>
+  </p:cSld>
+  <p:clrMapOvr>
+    <a:masterClrMapping/>
+  </p:clrMapOvr>
+  <p:timing>
+    <p:tnLst>
+      <p:par>
+        <p:cTn id="1" dur="indefinite" restart="never" nodeType="tmRoot"/>
+      </p:par>
+    </p:tnLst>
+  </p:timing>
 </p:sld>
 </file>
 
@@ -7993,6 +9585,10 @@
               <a:rPr lang="ko-KR" altLang="en-US" dirty="0"/>
               <a:t>제작</a:t>
             </a:r>
+            <a:r>
+              <a:rPr lang="en-US" altLang="ko-KR" dirty="0"/>
+              <a:t/>
+            </a:r>
             <a:br>
               <a:rPr lang="en-US" altLang="ko-KR" dirty="0"/>
             </a:br>
@@ -8062,6 +9658,957 @@
     <p:extLst>
       <p:ext uri="{BB962C8B-B14F-4D97-AF65-F5344CB8AC3E}">
         <p14:creationId xmlns:p14="http://schemas.microsoft.com/office/powerpoint/2010/main" val="3740832334"/>
+      </p:ext>
+    </p:extLst>
+  </p:cSld>
+  <p:clrMapOvr>
+    <a:masterClrMapping/>
+  </p:clrMapOvr>
+</p:sld>
+</file>
+
+<file path=ppt/slides/slide20.xml><?xml version="1.0" encoding="utf-8"?>
+<p:sld xmlns:a="http://schemas.openxmlformats.org/drawingml/2006/main" xmlns:r="http://schemas.openxmlformats.org/officeDocument/2006/relationships" xmlns:p="http://schemas.openxmlformats.org/presentationml/2006/main">
+  <p:cSld>
+    <p:spTree>
+      <p:nvGrpSpPr>
+        <p:cNvPr id="1" name=""/>
+        <p:cNvGrpSpPr/>
+        <p:nvPr/>
+      </p:nvGrpSpPr>
+      <p:grpSpPr>
+        <a:xfrm>
+          <a:off x="0" y="0"/>
+          <a:ext cx="0" cy="0"/>
+          <a:chOff x="0" y="0"/>
+          <a:chExt cx="0" cy="0"/>
+        </a:xfrm>
+      </p:grpSpPr>
+      <p:sp>
+        <p:nvSpPr>
+          <p:cNvPr id="2" name="제목 1"/>
+          <p:cNvSpPr>
+            <a:spLocks noGrp="1"/>
+          </p:cNvSpPr>
+          <p:nvPr>
+            <p:ph type="title"/>
+          </p:nvPr>
+        </p:nvSpPr>
+        <p:spPr/>
+        <p:txBody>
+          <a:bodyPr/>
+          <a:lstStyle/>
+          <a:p>
+            <a:r>
+              <a:rPr lang="en-US" altLang="ko-KR" dirty="0" smtClean="0"/>
+              <a:t>Approach: DQN Agent</a:t>
+            </a:r>
+            <a:endParaRPr lang="ko-KR" altLang="en-US" dirty="0"/>
+          </a:p>
+        </p:txBody>
+      </p:sp>
+      <mc:AlternateContent xmlns:mc="http://schemas.openxmlformats.org/markup-compatibility/2006">
+        <mc:Choice xmlns:a14="http://schemas.microsoft.com/office/drawing/2010/main" Requires="a14">
+          <p:sp>
+            <p:nvSpPr>
+              <p:cNvPr id="3" name="내용 개체 틀 2"/>
+              <p:cNvSpPr>
+                <a:spLocks noGrp="1"/>
+              </p:cNvSpPr>
+              <p:nvPr>
+                <p:ph idx="1"/>
+              </p:nvPr>
+            </p:nvSpPr>
+            <p:spPr>
+              <a:xfrm>
+                <a:off x="1097280" y="1845734"/>
+                <a:ext cx="5827674" cy="4023360"/>
+              </a:xfrm>
+            </p:spPr>
+            <p:txBody>
+              <a:bodyPr/>
+              <a:lstStyle/>
+              <a:p>
+                <a:r>
+                  <a:rPr lang="en-US" altLang="ko-KR" dirty="0" smtClean="0"/>
+                  <a:t>  Reinforcement Learning Structure(Deep Q-Network)</a:t>
+                </a:r>
+              </a:p>
+              <a:p>
+                <a:pPr lvl="1"/>
+                <a:r>
+                  <a:rPr lang="en-US" altLang="ko-KR" dirty="0" smtClean="0"/>
+                  <a:t>Observation</a:t>
+                </a:r>
+              </a:p>
+              <a:p>
+                <a:pPr lvl="2"/>
+                <a:r>
+                  <a:rPr lang="en-US" altLang="ko-KR" dirty="0" smtClean="0"/>
+                  <a:t>Current phase </a:t>
+                </a:r>
+                <a14:m>
+                  <m:oMath xmlns:m="http://schemas.openxmlformats.org/officeDocument/2006/math">
+                    <m:r>
+                      <a:rPr lang="en-US" altLang="ko-KR" b="0" i="1" smtClean="0">
+                        <a:latin typeface="Cambria Math" panose="02040503050406030204" pitchFamily="18" charset="0"/>
+                      </a:rPr>
+                      <m:t>𝑝</m:t>
+                    </m:r>
+                  </m:oMath>
+                </a14:m>
+                <a:r>
+                  <a:rPr lang="ko-KR" altLang="en-US" dirty="0" smtClean="0"/>
+                  <a:t> </a:t>
+                </a:r>
+                <a:endParaRPr lang="en-US" altLang="ko-KR" dirty="0" smtClean="0"/>
+              </a:p>
+              <a:p>
+                <a:pPr lvl="2"/>
+                <a:r>
+                  <a:rPr lang="en-US" altLang="ko-KR" dirty="0" smtClean="0"/>
+                  <a:t>Pressure of the 12 traffic movements</a:t>
+                </a:r>
+                <a:br>
+                  <a:rPr lang="en-US" altLang="ko-KR" dirty="0" smtClean="0"/>
+                </a:br>
+                <a:r>
+                  <a:rPr lang="en-US" altLang="ko-KR" dirty="0" smtClean="0"/>
+                  <a:t>- fewer movements </a:t>
+                </a:r>
+                <a:r>
+                  <a:rPr lang="en-US" altLang="ko-KR" dirty="0" smtClean="0">
+                    <a:sym typeface="Wingdings" panose="05000000000000000000" pitchFamily="2" charset="2"/>
+                  </a:rPr>
+                  <a:t>-&gt; zero-padded</a:t>
+                </a:r>
+              </a:p>
+              <a:p>
+                <a:pPr lvl="1"/>
+                <a:r>
+                  <a:rPr lang="en-US" altLang="ko-KR" dirty="0" smtClean="0">
+                    <a:sym typeface="Wingdings" panose="05000000000000000000" pitchFamily="2" charset="2"/>
+                  </a:rPr>
+                  <a:t>Action</a:t>
+                </a:r>
+              </a:p>
+              <a:p>
+                <a:pPr lvl="2"/>
+                <a:r>
+                  <a:rPr lang="en-US" altLang="ko-KR" dirty="0" smtClean="0">
+                    <a:sym typeface="Wingdings" panose="05000000000000000000" pitchFamily="2" charset="2"/>
+                  </a:rPr>
+                  <a:t>Choose phase </a:t>
+                </a:r>
+                <a14:m>
+                  <m:oMath xmlns:m="http://schemas.openxmlformats.org/officeDocument/2006/math">
+                    <m:r>
+                      <a:rPr lang="en-US" altLang="ko-KR" b="0" i="1" smtClean="0">
+                        <a:latin typeface="Cambria Math" panose="02040503050406030204" pitchFamily="18" charset="0"/>
+                        <a:sym typeface="Wingdings" panose="05000000000000000000" pitchFamily="2" charset="2"/>
+                      </a:rPr>
+                      <m:t>𝑝</m:t>
+                    </m:r>
+                  </m:oMath>
+                </a14:m>
+                <a:r>
+                  <a:rPr lang="ko-KR" altLang="en-US" dirty="0" smtClean="0"/>
+                  <a:t> </a:t>
+                </a:r>
+                <a:r>
+                  <a:rPr lang="en-US" altLang="ko-KR" dirty="0" smtClean="0"/>
+                  <a:t>among the 8 candidate phases</a:t>
+                </a:r>
+                <a:r>
+                  <a:rPr lang="en-US" altLang="ko-KR" dirty="0"/>
+                  <a:t/>
+                </a:r>
+                <a:br>
+                  <a:rPr lang="en-US" altLang="ko-KR" dirty="0"/>
+                </a:br>
+                <a:r>
+                  <a:rPr lang="en-US" altLang="ko-KR" dirty="0" smtClean="0">
+                    <a:sym typeface="Wingdings" panose="05000000000000000000" pitchFamily="2" charset="2"/>
+                  </a:rPr>
+                  <a:t> Not choosing all the phase</a:t>
+                </a:r>
+              </a:p>
+              <a:p>
+                <a:pPr lvl="1"/>
+                <a:r>
+                  <a:rPr lang="en-US" altLang="ko-KR" dirty="0" smtClean="0">
+                    <a:sym typeface="Wingdings" panose="05000000000000000000" pitchFamily="2" charset="2"/>
+                  </a:rPr>
+                  <a:t>Reward</a:t>
+                </a:r>
+              </a:p>
+              <a:p>
+                <a:pPr lvl="2"/>
+                <a:r>
+                  <a:rPr lang="en-US" altLang="ko-KR" dirty="0" smtClean="0">
+                    <a:sym typeface="Wingdings" panose="05000000000000000000" pitchFamily="2" charset="2"/>
+                  </a:rPr>
+                  <a:t>Difference between the sum of queueing vehicles inflows and</a:t>
+                </a:r>
+                <a:br>
+                  <a:rPr lang="en-US" altLang="ko-KR" dirty="0" smtClean="0">
+                    <a:sym typeface="Wingdings" panose="05000000000000000000" pitchFamily="2" charset="2"/>
+                  </a:rPr>
+                </a:br>
+                <a:r>
+                  <a:rPr lang="en-US" altLang="ko-KR" dirty="0" smtClean="0">
+                    <a:sym typeface="Wingdings" panose="05000000000000000000" pitchFamily="2" charset="2"/>
+                  </a:rPr>
+                  <a:t>the sum of queueing vehicles outflow</a:t>
+                </a:r>
+                <a:br>
+                  <a:rPr lang="en-US" altLang="ko-KR" dirty="0" smtClean="0">
+                    <a:sym typeface="Wingdings" panose="05000000000000000000" pitchFamily="2" charset="2"/>
+                  </a:rPr>
+                </a:br>
+                <a:r>
+                  <a:rPr lang="en-US" altLang="ko-KR" dirty="0" smtClean="0">
+                    <a:sym typeface="Wingdings" panose="05000000000000000000" pitchFamily="2" charset="2"/>
+                  </a:rPr>
+                  <a:t> by maximizing the reward, agent will try to stabilizing </a:t>
+                </a:r>
+                <a:endParaRPr lang="en-US" altLang="ko-KR" dirty="0" smtClean="0"/>
+              </a:p>
+            </p:txBody>
+          </p:sp>
+        </mc:Choice>
+        <mc:Fallback>
+          <p:sp>
+            <p:nvSpPr>
+              <p:cNvPr id="3" name="내용 개체 틀 2"/>
+              <p:cNvSpPr>
+                <a:spLocks noGrp="1" noRot="1" noChangeAspect="1" noMove="1" noResize="1" noEditPoints="1" noAdjustHandles="1" noChangeArrowheads="1" noChangeShapeType="1" noTextEdit="1"/>
+              </p:cNvSpPr>
+              <p:nvPr>
+                <p:ph idx="1"/>
+              </p:nvPr>
+            </p:nvSpPr>
+            <p:spPr>
+              <a:xfrm>
+                <a:off x="1097280" y="1845734"/>
+                <a:ext cx="5827674" cy="4023360"/>
+              </a:xfrm>
+              <a:blipFill>
+                <a:blip r:embed="rId2"/>
+                <a:stretch>
+                  <a:fillRect l="-2510" t="-1667"/>
+                </a:stretch>
+              </a:blipFill>
+            </p:spPr>
+            <p:txBody>
+              <a:bodyPr/>
+              <a:lstStyle/>
+              <a:p>
+                <a:r>
+                  <a:rPr lang="ko-KR" altLang="en-US">
+                    <a:noFill/>
+                  </a:rPr>
+                  <a:t> </a:t>
+                </a:r>
+              </a:p>
+            </p:txBody>
+          </p:sp>
+        </mc:Fallback>
+      </mc:AlternateContent>
+      <p:pic>
+        <p:nvPicPr>
+          <p:cNvPr id="4" name="그림 3"/>
+          <p:cNvPicPr>
+            <a:picLocks noChangeAspect="1"/>
+          </p:cNvPicPr>
+          <p:nvPr/>
+        </p:nvPicPr>
+        <p:blipFill>
+          <a:blip r:embed="rId3"/>
+          <a:stretch>
+            <a:fillRect/>
+          </a:stretch>
+        </p:blipFill>
+        <p:spPr>
+          <a:xfrm>
+            <a:off x="6254411" y="2497001"/>
+            <a:ext cx="5134176" cy="2669105"/>
+          </a:xfrm>
+          <a:prstGeom prst="rect">
+            <a:avLst/>
+          </a:prstGeom>
+        </p:spPr>
+      </p:pic>
+      <p:cxnSp>
+        <p:nvCxnSpPr>
+          <p:cNvPr id="6" name="직선 화살표 연결선 5"/>
+          <p:cNvCxnSpPr>
+            <a:endCxn id="13" idx="2"/>
+          </p:cNvCxnSpPr>
+          <p:nvPr/>
+        </p:nvCxnSpPr>
+        <p:spPr>
+          <a:xfrm flipH="1" flipV="1">
+            <a:off x="7602145" y="4445744"/>
+            <a:ext cx="887619" cy="820099"/>
+          </a:xfrm>
+          <a:prstGeom prst="straightConnector1">
+            <a:avLst/>
+          </a:prstGeom>
+          <a:ln>
+            <a:solidFill>
+              <a:srgbClr val="FF0000"/>
+            </a:solidFill>
+            <a:tailEnd type="triangle"/>
+          </a:ln>
+        </p:spPr>
+        <p:style>
+          <a:lnRef idx="1">
+            <a:schemeClr val="accent2"/>
+          </a:lnRef>
+          <a:fillRef idx="0">
+            <a:schemeClr val="accent2"/>
+          </a:fillRef>
+          <a:effectRef idx="0">
+            <a:schemeClr val="accent2"/>
+          </a:effectRef>
+          <a:fontRef idx="minor">
+            <a:schemeClr val="tx1"/>
+          </a:fontRef>
+        </p:style>
+      </p:cxnSp>
+      <p:sp>
+        <p:nvSpPr>
+          <p:cNvPr id="7" name="TextBox 6"/>
+          <p:cNvSpPr txBox="1"/>
+          <p:nvPr/>
+        </p:nvSpPr>
+        <p:spPr>
+          <a:xfrm>
+            <a:off x="8414841" y="5220293"/>
+            <a:ext cx="813316" cy="369332"/>
+          </a:xfrm>
+          <a:prstGeom prst="rect">
+            <a:avLst/>
+          </a:prstGeom>
+          <a:noFill/>
+        </p:spPr>
+        <p:txBody>
+          <a:bodyPr wrap="square" rtlCol="0">
+            <a:spAutoFit/>
+          </a:bodyPr>
+          <a:lstStyle/>
+          <a:p>
+            <a:r>
+              <a:rPr lang="en-US" altLang="ko-KR" b="1" dirty="0" smtClean="0">
+                <a:solidFill>
+                  <a:srgbClr val="FF0000"/>
+                </a:solidFill>
+              </a:rPr>
+              <a:t>Agent</a:t>
+            </a:r>
+            <a:endParaRPr lang="ko-KR" altLang="en-US" b="1" dirty="0">
+              <a:solidFill>
+                <a:srgbClr val="FF0000"/>
+              </a:solidFill>
+            </a:endParaRPr>
+          </a:p>
+        </p:txBody>
+      </p:sp>
+      <p:sp>
+        <p:nvSpPr>
+          <p:cNvPr id="13" name="직사각형 12"/>
+          <p:cNvSpPr/>
+          <p:nvPr/>
+        </p:nvSpPr>
+        <p:spPr>
+          <a:xfrm>
+            <a:off x="6836956" y="2777633"/>
+            <a:ext cx="1530377" cy="1668111"/>
+          </a:xfrm>
+          <a:prstGeom prst="rect">
+            <a:avLst/>
+          </a:prstGeom>
+          <a:noFill/>
+          <a:ln>
+            <a:solidFill>
+              <a:srgbClr val="FF0000"/>
+            </a:solidFill>
+          </a:ln>
+        </p:spPr>
+        <p:style>
+          <a:lnRef idx="2">
+            <a:schemeClr val="accent1">
+              <a:shade val="50000"/>
+            </a:schemeClr>
+          </a:lnRef>
+          <a:fillRef idx="1">
+            <a:schemeClr val="accent1"/>
+          </a:fillRef>
+          <a:effectRef idx="0">
+            <a:schemeClr val="accent1"/>
+          </a:effectRef>
+          <a:fontRef idx="minor">
+            <a:schemeClr val="lt1"/>
+          </a:fontRef>
+        </p:style>
+        <p:txBody>
+          <a:bodyPr rtlCol="0" anchor="ctr"/>
+          <a:lstStyle/>
+          <a:p>
+            <a:pPr algn="ctr"/>
+            <a:endParaRPr lang="ko-KR" altLang="en-US"/>
+          </a:p>
+        </p:txBody>
+      </p:sp>
+      <mc:AlternateContent xmlns:mc="http://schemas.openxmlformats.org/markup-compatibility/2006">
+        <mc:Choice xmlns:a14="http://schemas.microsoft.com/office/drawing/2010/main" Requires="a14">
+          <p:sp>
+            <p:nvSpPr>
+              <p:cNvPr id="16" name="TextBox 15"/>
+              <p:cNvSpPr txBox="1"/>
+              <p:nvPr/>
+            </p:nvSpPr>
+            <p:spPr>
+              <a:xfrm>
+                <a:off x="1823766" y="5220293"/>
+                <a:ext cx="4399218" cy="246221"/>
+              </a:xfrm>
+              <a:prstGeom prst="rect">
+                <a:avLst/>
+              </a:prstGeom>
+              <a:noFill/>
+            </p:spPr>
+            <p:txBody>
+              <a:bodyPr wrap="none" lIns="0" tIns="0" rIns="0" bIns="0" rtlCol="0">
+                <a:spAutoFit/>
+              </a:bodyPr>
+              <a:lstStyle/>
+              <a:p>
+                <a14:m>
+                  <m:oMathPara xmlns:m="http://schemas.openxmlformats.org/officeDocument/2006/math">
+                    <m:oMathParaPr>
+                      <m:jc m:val="centerGroup"/>
+                    </m:oMathParaPr>
+                    <m:oMath xmlns:m="http://schemas.openxmlformats.org/officeDocument/2006/math">
+                      <m:sSub>
+                        <m:sSubPr>
+                          <m:ctrlPr>
+                            <a:rPr lang="en-US" altLang="ko-KR" sz="1600" b="0" i="1" smtClean="0">
+                              <a:latin typeface="Cambria Math" panose="02040503050406030204" pitchFamily="18" charset="0"/>
+                            </a:rPr>
+                          </m:ctrlPr>
+                        </m:sSubPr>
+                        <m:e>
+                          <m:r>
+                            <a:rPr lang="en-US" altLang="ko-KR" sz="1600" b="0" i="1" smtClean="0">
+                              <a:latin typeface="Cambria Math" panose="02040503050406030204" pitchFamily="18" charset="0"/>
+                            </a:rPr>
+                            <m:t>𝑟</m:t>
+                          </m:r>
+                        </m:e>
+                        <m:sub>
+                          <m:r>
+                            <a:rPr lang="en-US" altLang="ko-KR" sz="1600" b="0" i="1" smtClean="0">
+                              <a:latin typeface="Cambria Math" panose="02040503050406030204" pitchFamily="18" charset="0"/>
+                            </a:rPr>
+                            <m:t>𝑖</m:t>
+                          </m:r>
+                        </m:sub>
+                      </m:sSub>
+                      <m:r>
+                        <a:rPr lang="en-US" altLang="ko-KR" sz="1600" b="0" i="1" smtClean="0">
+                          <a:latin typeface="Cambria Math" panose="02040503050406030204" pitchFamily="18" charset="0"/>
+                        </a:rPr>
+                        <m:t>=−</m:t>
+                      </m:r>
+                      <m:sSub>
+                        <m:sSubPr>
+                          <m:ctrlPr>
+                            <a:rPr lang="en-US" altLang="ko-KR" sz="1600" b="0" i="1" smtClean="0">
+                              <a:latin typeface="Cambria Math" panose="02040503050406030204" pitchFamily="18" charset="0"/>
+                            </a:rPr>
+                          </m:ctrlPr>
+                        </m:sSubPr>
+                        <m:e>
+                          <m:r>
+                            <a:rPr lang="en-US" altLang="ko-KR" sz="1600" b="0" i="1" smtClean="0">
+                              <a:latin typeface="Cambria Math" panose="02040503050406030204" pitchFamily="18" charset="0"/>
+                            </a:rPr>
+                            <m:t>𝑃</m:t>
+                          </m:r>
+                        </m:e>
+                        <m:sub>
+                          <m:r>
+                            <a:rPr lang="en-US" altLang="ko-KR" sz="1600" b="0" i="1" smtClean="0">
+                              <a:latin typeface="Cambria Math" panose="02040503050406030204" pitchFamily="18" charset="0"/>
+                            </a:rPr>
+                            <m:t>𝑖</m:t>
+                          </m:r>
+                        </m:sub>
+                      </m:sSub>
+                      <m:r>
+                        <a:rPr lang="en-US" altLang="ko-KR" sz="1600" b="0" i="1" smtClean="0">
+                          <a:latin typeface="Cambria Math" panose="02040503050406030204" pitchFamily="18" charset="0"/>
+                        </a:rPr>
+                        <m:t>,  </m:t>
+                      </m:r>
+                      <m:sSub>
+                        <m:sSubPr>
+                          <m:ctrlPr>
+                            <a:rPr lang="en-US" altLang="ko-KR" sz="1600" b="0" i="1" smtClean="0">
+                              <a:latin typeface="Cambria Math" panose="02040503050406030204" pitchFamily="18" charset="0"/>
+                            </a:rPr>
+                          </m:ctrlPr>
+                        </m:sSubPr>
+                        <m:e>
+                          <m:r>
+                            <a:rPr lang="en-US" altLang="ko-KR" sz="1600" b="0" i="1" smtClean="0">
+                              <a:latin typeface="Cambria Math" panose="02040503050406030204" pitchFamily="18" charset="0"/>
+                            </a:rPr>
+                            <m:t>𝑃</m:t>
+                          </m:r>
+                        </m:e>
+                        <m:sub>
+                          <m:r>
+                            <a:rPr lang="en-US" altLang="ko-KR" sz="1600" b="0" i="1" smtClean="0">
+                              <a:latin typeface="Cambria Math" panose="02040503050406030204" pitchFamily="18" charset="0"/>
+                            </a:rPr>
+                            <m:t>𝑖</m:t>
+                          </m:r>
+                        </m:sub>
+                      </m:sSub>
+                      <m:r>
+                        <a:rPr lang="en-US" altLang="ko-KR" sz="1600" b="0" i="1" smtClean="0">
+                          <a:latin typeface="Cambria Math" panose="02040503050406030204" pitchFamily="18" charset="0"/>
+                        </a:rPr>
+                        <m:t> </m:t>
+                      </m:r>
+                      <m:r>
+                        <a:rPr lang="en-US" altLang="ko-KR" sz="1600" b="0" i="1" smtClean="0">
+                          <a:latin typeface="Cambria Math" panose="02040503050406030204" pitchFamily="18" charset="0"/>
+                        </a:rPr>
+                        <m:t>𝑖𝑠</m:t>
+                      </m:r>
+                      <m:r>
+                        <a:rPr lang="en-US" altLang="ko-KR" sz="1600" b="0" i="1" smtClean="0">
+                          <a:latin typeface="Cambria Math" panose="02040503050406030204" pitchFamily="18" charset="0"/>
+                        </a:rPr>
+                        <m:t> </m:t>
+                      </m:r>
+                      <m:r>
+                        <a:rPr lang="en-US" altLang="ko-KR" sz="1600" b="0" i="1" smtClean="0">
+                          <a:latin typeface="Cambria Math" panose="02040503050406030204" pitchFamily="18" charset="0"/>
+                        </a:rPr>
+                        <m:t>𝑡h𝑒</m:t>
+                      </m:r>
+                      <m:r>
+                        <a:rPr lang="en-US" altLang="ko-KR" sz="1600" b="0" i="1" smtClean="0">
+                          <a:latin typeface="Cambria Math" panose="02040503050406030204" pitchFamily="18" charset="0"/>
+                        </a:rPr>
+                        <m:t> </m:t>
+                      </m:r>
+                      <m:r>
+                        <a:rPr lang="en-US" altLang="ko-KR" sz="1600" b="0" i="1" smtClean="0">
+                          <a:latin typeface="Cambria Math" panose="02040503050406030204" pitchFamily="18" charset="0"/>
+                        </a:rPr>
+                        <m:t>𝑝𝑟𝑒𝑠𝑠𝑢𝑟𝑒</m:t>
+                      </m:r>
+                      <m:r>
+                        <a:rPr lang="en-US" altLang="ko-KR" sz="1600" b="0" i="1" smtClean="0">
+                          <a:latin typeface="Cambria Math" panose="02040503050406030204" pitchFamily="18" charset="0"/>
+                        </a:rPr>
+                        <m:t> </m:t>
+                      </m:r>
+                      <m:r>
+                        <a:rPr lang="en-US" altLang="ko-KR" sz="1600" b="0" i="1" smtClean="0">
+                          <a:latin typeface="Cambria Math" panose="02040503050406030204" pitchFamily="18" charset="0"/>
+                        </a:rPr>
+                        <m:t>𝑜𝑓</m:t>
+                      </m:r>
+                      <m:r>
+                        <a:rPr lang="en-US" altLang="ko-KR" sz="1600" b="0" i="1" smtClean="0">
+                          <a:latin typeface="Cambria Math" panose="02040503050406030204" pitchFamily="18" charset="0"/>
+                        </a:rPr>
+                        <m:t> </m:t>
+                      </m:r>
+                      <m:r>
+                        <a:rPr lang="en-US" altLang="ko-KR" sz="1600" b="0" i="1" smtClean="0">
+                          <a:latin typeface="Cambria Math" panose="02040503050406030204" pitchFamily="18" charset="0"/>
+                        </a:rPr>
+                        <m:t>𝑖𝑛𝑡𝑒𝑟𝑠𝑒𝑐𝑡𝑖𝑜𝑛</m:t>
+                      </m:r>
+                      <m:r>
+                        <a:rPr lang="en-US" altLang="ko-KR" sz="1600" b="0" i="1" smtClean="0">
+                          <a:latin typeface="Cambria Math" panose="02040503050406030204" pitchFamily="18" charset="0"/>
+                        </a:rPr>
+                        <m:t> </m:t>
+                      </m:r>
+                      <m:r>
+                        <a:rPr lang="en-US" altLang="ko-KR" sz="1600" b="0" i="1" smtClean="0">
+                          <a:latin typeface="Cambria Math" panose="02040503050406030204" pitchFamily="18" charset="0"/>
+                        </a:rPr>
+                        <m:t>𝑖</m:t>
+                      </m:r>
+                    </m:oMath>
+                  </m:oMathPara>
+                </a14:m>
+                <a:endParaRPr lang="ko-KR" altLang="en-US" sz="1600" dirty="0"/>
+              </a:p>
+            </p:txBody>
+          </p:sp>
+        </mc:Choice>
+        <mc:Fallback>
+          <p:sp>
+            <p:nvSpPr>
+              <p:cNvPr id="16" name="TextBox 15"/>
+              <p:cNvSpPr txBox="1">
+                <a:spLocks noRot="1" noChangeAspect="1" noMove="1" noResize="1" noEditPoints="1" noAdjustHandles="1" noChangeArrowheads="1" noChangeShapeType="1" noTextEdit="1"/>
+              </p:cNvSpPr>
+              <p:nvPr/>
+            </p:nvSpPr>
+            <p:spPr>
+              <a:xfrm>
+                <a:off x="1823766" y="5220293"/>
+                <a:ext cx="4399218" cy="246221"/>
+              </a:xfrm>
+              <a:prstGeom prst="rect">
+                <a:avLst/>
+              </a:prstGeom>
+              <a:blipFill>
+                <a:blip r:embed="rId4"/>
+                <a:stretch>
+                  <a:fillRect l="-139" r="-416" b="-31707"/>
+                </a:stretch>
+              </a:blipFill>
+            </p:spPr>
+            <p:txBody>
+              <a:bodyPr/>
+              <a:lstStyle/>
+              <a:p>
+                <a:r>
+                  <a:rPr lang="ko-KR" altLang="en-US">
+                    <a:noFill/>
+                  </a:rPr>
+                  <a:t> </a:t>
+                </a:r>
+              </a:p>
+            </p:txBody>
+          </p:sp>
+        </mc:Fallback>
+      </mc:AlternateContent>
+    </p:spTree>
+    <p:extLst>
+      <p:ext uri="{BB962C8B-B14F-4D97-AF65-F5344CB8AC3E}">
+        <p14:creationId xmlns:p14="http://schemas.microsoft.com/office/powerpoint/2010/main" val="1306872571"/>
+      </p:ext>
+    </p:extLst>
+  </p:cSld>
+  <p:clrMapOvr>
+    <a:masterClrMapping/>
+  </p:clrMapOvr>
+  <p:timing>
+    <p:tnLst>
+      <p:par>
+        <p:cTn id="1" dur="indefinite" restart="never" nodeType="tmRoot"/>
+      </p:par>
+    </p:tnLst>
+  </p:timing>
+</p:sld>
+</file>
+
+<file path=ppt/slides/slide21.xml><?xml version="1.0" encoding="utf-8"?>
+<p:sld xmlns:a="http://schemas.openxmlformats.org/drawingml/2006/main" xmlns:r="http://schemas.openxmlformats.org/officeDocument/2006/relationships" xmlns:p="http://schemas.openxmlformats.org/presentationml/2006/main">
+  <p:cSld>
+    <p:spTree>
+      <p:nvGrpSpPr>
+        <p:cNvPr id="1" name=""/>
+        <p:cNvGrpSpPr/>
+        <p:nvPr/>
+      </p:nvGrpSpPr>
+      <p:grpSpPr>
+        <a:xfrm>
+          <a:off x="0" y="0"/>
+          <a:ext cx="0" cy="0"/>
+          <a:chOff x="0" y="0"/>
+          <a:chExt cx="0" cy="0"/>
+        </a:xfrm>
+      </p:grpSpPr>
+      <p:sp>
+        <p:nvSpPr>
+          <p:cNvPr id="2" name="제목 1"/>
+          <p:cNvSpPr>
+            <a:spLocks noGrp="1"/>
+          </p:cNvSpPr>
+          <p:nvPr>
+            <p:ph type="title"/>
+          </p:nvPr>
+        </p:nvSpPr>
+        <p:spPr/>
+        <p:txBody>
+          <a:bodyPr/>
+          <a:lstStyle/>
+          <a:p>
+            <a:endParaRPr lang="ko-KR" altLang="en-US" dirty="0"/>
+          </a:p>
+        </p:txBody>
+      </p:sp>
+      <p:sp>
+        <p:nvSpPr>
+          <p:cNvPr id="3" name="내용 개체 틀 2"/>
+          <p:cNvSpPr>
+            <a:spLocks noGrp="1"/>
+          </p:cNvSpPr>
+          <p:nvPr>
+            <p:ph idx="1"/>
+          </p:nvPr>
+        </p:nvSpPr>
+        <p:spPr/>
+        <p:txBody>
+          <a:bodyPr/>
+          <a:lstStyle/>
+          <a:p>
+            <a:endParaRPr lang="ko-KR" altLang="en-US"/>
+          </a:p>
+        </p:txBody>
+      </p:sp>
+    </p:spTree>
+    <p:extLst>
+      <p:ext uri="{BB962C8B-B14F-4D97-AF65-F5344CB8AC3E}">
+        <p14:creationId xmlns:p14="http://schemas.microsoft.com/office/powerpoint/2010/main" val="197467838"/>
+      </p:ext>
+    </p:extLst>
+  </p:cSld>
+  <p:clrMapOvr>
+    <a:masterClrMapping/>
+  </p:clrMapOvr>
+  <p:timing>
+    <p:tnLst>
+      <p:par>
+        <p:cTn id="1" dur="indefinite" restart="never" nodeType="tmRoot"/>
+      </p:par>
+    </p:tnLst>
+  </p:timing>
+</p:sld>
+</file>
+
+<file path=ppt/slides/slide22.xml><?xml version="1.0" encoding="utf-8"?>
+<p:sld xmlns:a="http://schemas.openxmlformats.org/drawingml/2006/main" xmlns:r="http://schemas.openxmlformats.org/officeDocument/2006/relationships" xmlns:p="http://schemas.openxmlformats.org/presentationml/2006/main">
+  <p:cSld>
+    <p:spTree>
+      <p:nvGrpSpPr>
+        <p:cNvPr id="1" name=""/>
+        <p:cNvGrpSpPr/>
+        <p:nvPr/>
+      </p:nvGrpSpPr>
+      <p:grpSpPr>
+        <a:xfrm>
+          <a:off x="0" y="0"/>
+          <a:ext cx="0" cy="0"/>
+          <a:chOff x="0" y="0"/>
+          <a:chExt cx="0" cy="0"/>
+        </a:xfrm>
+      </p:grpSpPr>
+      <p:sp>
+        <p:nvSpPr>
+          <p:cNvPr id="2" name="제목 1"/>
+          <p:cNvSpPr>
+            <a:spLocks noGrp="1"/>
+          </p:cNvSpPr>
+          <p:nvPr>
+            <p:ph type="title"/>
+          </p:nvPr>
+        </p:nvSpPr>
+        <p:spPr/>
+        <p:txBody>
+          <a:bodyPr/>
+          <a:lstStyle/>
+          <a:p>
+            <a:r>
+              <a:rPr lang="en-US" altLang="ko-KR" dirty="0" smtClean="0"/>
+              <a:t>Result</a:t>
+            </a:r>
+            <a:endParaRPr lang="ko-KR" altLang="en-US" dirty="0"/>
+          </a:p>
+        </p:txBody>
+      </p:sp>
+      <p:sp>
+        <p:nvSpPr>
+          <p:cNvPr id="3" name="내용 개체 틀 2"/>
+          <p:cNvSpPr>
+            <a:spLocks noGrp="1"/>
+          </p:cNvSpPr>
+          <p:nvPr>
+            <p:ph idx="1"/>
+          </p:nvPr>
+        </p:nvSpPr>
+        <p:spPr/>
+        <p:txBody>
+          <a:bodyPr/>
+          <a:lstStyle/>
+          <a:p>
+            <a:endParaRPr lang="ko-KR" altLang="en-US" dirty="0"/>
+          </a:p>
+        </p:txBody>
+      </p:sp>
+    </p:spTree>
+    <p:extLst>
+      <p:ext uri="{BB962C8B-B14F-4D97-AF65-F5344CB8AC3E}">
+        <p14:creationId xmlns:p14="http://schemas.microsoft.com/office/powerpoint/2010/main" val="2293835521"/>
+      </p:ext>
+    </p:extLst>
+  </p:cSld>
+  <p:clrMapOvr>
+    <a:masterClrMapping/>
+  </p:clrMapOvr>
+  <p:timing>
+    <p:tnLst>
+      <p:par>
+        <p:cTn id="1" dur="indefinite" restart="never" nodeType="tmRoot"/>
+      </p:par>
+    </p:tnLst>
+  </p:timing>
+</p:sld>
+</file>
+
+<file path=ppt/slides/slide23.xml><?xml version="1.0" encoding="utf-8"?>
+<p:sld xmlns:a="http://schemas.openxmlformats.org/drawingml/2006/main" xmlns:r="http://schemas.openxmlformats.org/officeDocument/2006/relationships" xmlns:p="http://schemas.openxmlformats.org/presentationml/2006/main">
+  <p:cSld>
+    <p:spTree>
+      <p:nvGrpSpPr>
+        <p:cNvPr id="1" name=""/>
+        <p:cNvGrpSpPr/>
+        <p:nvPr/>
+      </p:nvGrpSpPr>
+      <p:grpSpPr>
+        <a:xfrm>
+          <a:off x="0" y="0"/>
+          <a:ext cx="0" cy="0"/>
+          <a:chOff x="0" y="0"/>
+          <a:chExt cx="0" cy="0"/>
+        </a:xfrm>
+      </p:grpSpPr>
+      <p:sp>
+        <p:nvSpPr>
+          <p:cNvPr id="2" name="제목 1"/>
+          <p:cNvSpPr>
+            <a:spLocks noGrp="1"/>
+          </p:cNvSpPr>
+          <p:nvPr>
+            <p:ph type="title"/>
+          </p:nvPr>
+        </p:nvSpPr>
+        <p:spPr/>
+        <p:txBody>
+          <a:bodyPr/>
+          <a:lstStyle/>
+          <a:p>
+            <a:r>
+              <a:rPr lang="en-US" altLang="ko-KR" dirty="0" smtClean="0"/>
+              <a:t>Comment</a:t>
+            </a:r>
+            <a:endParaRPr lang="ko-KR" altLang="en-US" dirty="0"/>
+          </a:p>
+        </p:txBody>
+      </p:sp>
+      <p:sp>
+        <p:nvSpPr>
+          <p:cNvPr id="3" name="내용 개체 틀 2"/>
+          <p:cNvSpPr>
+            <a:spLocks noGrp="1"/>
+          </p:cNvSpPr>
+          <p:nvPr>
+            <p:ph idx="1"/>
+          </p:nvPr>
+        </p:nvSpPr>
+        <p:spPr/>
+        <p:txBody>
+          <a:bodyPr/>
+          <a:lstStyle/>
+          <a:p>
+            <a:endParaRPr lang="ko-KR" altLang="en-US"/>
+          </a:p>
+        </p:txBody>
+      </p:sp>
+    </p:spTree>
+    <p:extLst>
+      <p:ext uri="{BB962C8B-B14F-4D97-AF65-F5344CB8AC3E}">
+        <p14:creationId xmlns:p14="http://schemas.microsoft.com/office/powerpoint/2010/main" val="2088717915"/>
+      </p:ext>
+    </p:extLst>
+  </p:cSld>
+  <p:clrMapOvr>
+    <a:masterClrMapping/>
+  </p:clrMapOvr>
+  <p:timing>
+    <p:tnLst>
+      <p:par>
+        <p:cTn id="1" dur="indefinite" restart="never" nodeType="tmRoot"/>
+      </p:par>
+    </p:tnLst>
+  </p:timing>
+</p:sld>
+</file>
+
+<file path=ppt/slides/slide24.xml><?xml version="1.0" encoding="utf-8"?>
+<p:sld xmlns:a="http://schemas.openxmlformats.org/drawingml/2006/main" xmlns:r="http://schemas.openxmlformats.org/officeDocument/2006/relationships" xmlns:p="http://schemas.openxmlformats.org/presentationml/2006/main">
+  <p:cSld>
+    <p:spTree>
+      <p:nvGrpSpPr>
+        <p:cNvPr id="1" name=""/>
+        <p:cNvGrpSpPr/>
+        <p:nvPr/>
+      </p:nvGrpSpPr>
+      <p:grpSpPr>
+        <a:xfrm>
+          <a:off x="0" y="0"/>
+          <a:ext cx="0" cy="0"/>
+          <a:chOff x="0" y="0"/>
+          <a:chExt cx="0" cy="0"/>
+        </a:xfrm>
+      </p:grpSpPr>
+      <p:sp>
+        <p:nvSpPr>
+          <p:cNvPr id="2" name="제목 1"/>
+          <p:cNvSpPr>
+            <a:spLocks noGrp="1"/>
+          </p:cNvSpPr>
+          <p:nvPr>
+            <p:ph type="title"/>
+          </p:nvPr>
+        </p:nvSpPr>
+        <p:spPr/>
+        <p:txBody>
+          <a:bodyPr/>
+          <a:lstStyle/>
+          <a:p>
+            <a:endParaRPr lang="ko-KR" altLang="en-US"/>
+          </a:p>
+        </p:txBody>
+      </p:sp>
+      <p:sp>
+        <p:nvSpPr>
+          <p:cNvPr id="3" name="내용 개체 틀 2"/>
+          <p:cNvSpPr>
+            <a:spLocks noGrp="1"/>
+          </p:cNvSpPr>
+          <p:nvPr>
+            <p:ph idx="1"/>
+          </p:nvPr>
+        </p:nvSpPr>
+        <p:spPr/>
+        <p:txBody>
+          <a:bodyPr/>
+          <a:lstStyle/>
+          <a:p>
+            <a:endParaRPr lang="ko-KR" altLang="en-US"/>
+          </a:p>
+        </p:txBody>
+      </p:sp>
+    </p:spTree>
+    <p:extLst>
+      <p:ext uri="{BB962C8B-B14F-4D97-AF65-F5344CB8AC3E}">
+        <p14:creationId xmlns:p14="http://schemas.microsoft.com/office/powerpoint/2010/main" val="2316143761"/>
       </p:ext>
     </p:extLst>
   </p:cSld>
@@ -8204,7 +10751,7 @@
         </p:blipFill>
         <p:spPr>
           <a:xfrm>
-            <a:off x="6227293" y="1876264"/>
+            <a:off x="3409953" y="1846263"/>
             <a:ext cx="5432420" cy="4022725"/>
           </a:xfrm>
           <a:prstGeom prst="rect">
@@ -8320,6 +10867,10 @@
               <a:rPr lang="ko-KR" altLang="en-US" dirty="0"/>
               <a:t>를 조절</a:t>
             </a:r>
+            <a:r>
+              <a:rPr lang="en-US" altLang="ko-KR" dirty="0"/>
+              <a:t/>
+            </a:r>
             <a:br>
               <a:rPr lang="en-US" altLang="ko-KR" dirty="0"/>
             </a:br>
@@ -8467,6 +11018,10 @@
             <a:r>
               <a:rPr lang="ko-KR" altLang="en-US" dirty="0"/>
               <a:t>을 사용</a:t>
+            </a:r>
+            <a:r>
+              <a:rPr lang="en-US" altLang="ko-KR" dirty="0"/>
+              <a:t/>
             </a:r>
             <a:br>
               <a:rPr lang="en-US" altLang="ko-KR" dirty="0"/>
@@ -9273,6 +11828,10 @@
               <a:rPr lang="ko-KR" altLang="en-US" dirty="0"/>
               <a:t>부여 방식</a:t>
             </a:r>
+            <a:r>
+              <a:rPr lang="en-US" altLang="ko-KR" dirty="0"/>
+              <a:t/>
+            </a:r>
             <a:br>
               <a:rPr lang="en-US" altLang="ko-KR" dirty="0"/>
             </a:br>
@@ -9292,6 +11851,10 @@
               <a:rPr lang="ko-KR" altLang="en-US" dirty="0"/>
               <a:t>의 방향 별로 부여</a:t>
             </a:r>
+            <a:r>
+              <a:rPr lang="en-US" altLang="ko-KR" dirty="0"/>
+              <a:t/>
+            </a:r>
             <a:br>
               <a:rPr lang="en-US" altLang="ko-KR" dirty="0"/>
             </a:br>
@@ -9340,6 +11903,10 @@
             <a:r>
               <a:rPr lang="ko-KR" altLang="en-US" dirty="0"/>
               <a:t> 개수 조절 가능</a:t>
+            </a:r>
+            <a:r>
+              <a:rPr lang="en-US" altLang="ko-KR" dirty="0"/>
+              <a:t/>
             </a:r>
             <a:br>
               <a:rPr lang="en-US" altLang="ko-KR" dirty="0"/>
@@ -9644,6 +12211,10 @@
               <a:rPr lang="en-US" altLang="ko-KR" dirty="0" err="1"/>
               <a:t>getIDList</a:t>
             </a:r>
+            <a:r>
+              <a:rPr lang="en-US" altLang="ko-KR" dirty="0"/>
+              <a:t/>
+            </a:r>
             <a:br>
               <a:rPr lang="en-US" altLang="ko-KR" dirty="0"/>
             </a:br>
@@ -9655,6 +12226,10 @@
               <a:rPr lang="en-US" altLang="ko-KR" dirty="0" err="1"/>
               <a:t>getRedYellowGreenState</a:t>
             </a:r>
+            <a:r>
+              <a:rPr lang="en-US" altLang="ko-KR" dirty="0"/>
+              <a:t/>
+            </a:r>
             <a:br>
               <a:rPr lang="en-US" altLang="ko-KR" dirty="0"/>
             </a:br>
@@ -9746,6 +12321,10 @@
               <a:rPr lang="en-US" altLang="ko-KR" dirty="0" err="1"/>
               <a:t>setRedYellowGreenState</a:t>
             </a:r>
+            <a:r>
+              <a:rPr lang="en-US" altLang="ko-KR" dirty="0"/>
+              <a:t/>
+            </a:r>
             <a:br>
               <a:rPr lang="en-US" altLang="ko-KR" dirty="0"/>
             </a:br>
@@ -9757,6 +12336,10 @@
               <a:rPr lang="en-US" altLang="ko-KR" dirty="0" err="1"/>
               <a:t>setPhaseDuration</a:t>
             </a:r>
+            <a:r>
+              <a:rPr lang="en-US" altLang="ko-KR" dirty="0"/>
+              <a:t/>
+            </a:r>
             <a:br>
               <a:rPr lang="en-US" altLang="ko-KR" dirty="0"/>
             </a:br>
@@ -9783,6 +12366,10 @@
             <a:r>
               <a:rPr lang="ko-KR" altLang="en-US" dirty="0"/>
               <a:t> 프로그램 삽입</a:t>
+            </a:r>
+            <a:r>
+              <a:rPr lang="en-US" altLang="ko-KR" dirty="0"/>
+              <a:t/>
             </a:r>
             <a:br>
               <a:rPr lang="en-US" altLang="ko-KR" dirty="0"/>

--- a/1st_Seminar(강민수).pptx
+++ b/1st_Seminar(강민수).pptx
@@ -6,7 +6,7 @@
     <p:sldMasterId id="2147483744" r:id="rId2"/>
   </p:sldMasterIdLst>
   <p:notesMasterIdLst>
-    <p:notesMasterId r:id="rId27"/>
+    <p:notesMasterId r:id="rId30"/>
   </p:notesMasterIdLst>
   <p:sldIdLst>
     <p:sldId id="256" r:id="rId3"/>
@@ -20,19 +20,22 @@
     <p:sldId id="264" r:id="rId11"/>
     <p:sldId id="265" r:id="rId12"/>
     <p:sldId id="266" r:id="rId13"/>
-    <p:sldId id="273" r:id="rId14"/>
-    <p:sldId id="268" r:id="rId15"/>
-    <p:sldId id="274" r:id="rId16"/>
-    <p:sldId id="275" r:id="rId17"/>
-    <p:sldId id="276" r:id="rId18"/>
-    <p:sldId id="269" r:id="rId19"/>
-    <p:sldId id="277" r:id="rId20"/>
-    <p:sldId id="278" r:id="rId21"/>
-    <p:sldId id="279" r:id="rId22"/>
-    <p:sldId id="280" r:id="rId23"/>
-    <p:sldId id="270" r:id="rId24"/>
-    <p:sldId id="271" r:id="rId25"/>
-    <p:sldId id="272" r:id="rId26"/>
+    <p:sldId id="282" r:id="rId14"/>
+    <p:sldId id="273" r:id="rId15"/>
+    <p:sldId id="268" r:id="rId16"/>
+    <p:sldId id="274" r:id="rId17"/>
+    <p:sldId id="275" r:id="rId18"/>
+    <p:sldId id="276" r:id="rId19"/>
+    <p:sldId id="269" r:id="rId20"/>
+    <p:sldId id="277" r:id="rId21"/>
+    <p:sldId id="278" r:id="rId22"/>
+    <p:sldId id="279" r:id="rId23"/>
+    <p:sldId id="281" r:id="rId24"/>
+    <p:sldId id="283" r:id="rId25"/>
+    <p:sldId id="280" r:id="rId26"/>
+    <p:sldId id="270" r:id="rId27"/>
+    <p:sldId id="271" r:id="rId28"/>
+    <p:sldId id="272" r:id="rId29"/>
   </p:sldIdLst>
   <p:sldSz cx="12192000" cy="6858000"/>
   <p:notesSz cx="6858000" cy="9144000"/>
@@ -7170,7 +7173,7 @@
           <a:bodyPr/>
           <a:lstStyle/>
           <a:p>
-            <a:endParaRPr lang="ko-KR" altLang="en-US"/>
+            <a:endParaRPr lang="ko-KR" altLang="en-US" dirty="0"/>
           </a:p>
         </p:txBody>
       </p:sp>
@@ -7659,7 +7662,9 @@
         </p:nvSpPr>
         <p:spPr/>
         <p:txBody>
-          <a:bodyPr/>
+          <a:bodyPr>
+            <a:normAutofit/>
+          </a:bodyPr>
           <a:lstStyle/>
           <a:p>
             <a:pPr>
@@ -7924,11 +7929,57 @@
               <a:t>이상</a:t>
             </a:r>
             <a:r>
+              <a:rPr lang="en-US" altLang="ko-KR" dirty="0" smtClean="0">
+                <a:sym typeface="Wingdings" panose="05000000000000000000" pitchFamily="2" charset="2"/>
+              </a:rPr>
+              <a:t>)</a:t>
+            </a:r>
+          </a:p>
+          <a:p>
+            <a:pPr>
+              <a:lnSpc>
+                <a:spcPct val="120000"/>
+              </a:lnSpc>
+            </a:pPr>
+            <a:r>
               <a:rPr lang="en-US" altLang="ko-KR" dirty="0">
                 <a:sym typeface="Wingdings" panose="05000000000000000000" pitchFamily="2" charset="2"/>
               </a:rPr>
+              <a:t> </a:t>
+            </a:r>
+            <a:r>
+              <a:rPr lang="en-US" altLang="ko-KR" dirty="0" smtClean="0">
+                <a:sym typeface="Wingdings" panose="05000000000000000000" pitchFamily="2" charset="2"/>
+              </a:rPr>
+              <a:t>Learning </a:t>
+            </a:r>
+            <a:r>
+              <a:rPr lang="ko-KR" altLang="en-US" dirty="0" smtClean="0">
+                <a:sym typeface="Wingdings" panose="05000000000000000000" pitchFamily="2" charset="2"/>
+              </a:rPr>
+              <a:t>에서 </a:t>
+            </a:r>
+            <a:r>
+              <a:rPr lang="en-US" altLang="ko-KR" dirty="0" smtClean="0">
+                <a:sym typeface="Wingdings" panose="05000000000000000000" pitchFamily="2" charset="2"/>
+              </a:rPr>
+              <a:t>augmentation(</a:t>
+            </a:r>
+            <a:r>
+              <a:rPr lang="ko-KR" altLang="en-US" dirty="0" smtClean="0">
+                <a:sym typeface="Wingdings" panose="05000000000000000000" pitchFamily="2" charset="2"/>
+              </a:rPr>
+              <a:t>각 교차로에 대해서</a:t>
+            </a:r>
+            <a:r>
+              <a:rPr lang="en-US" altLang="ko-KR" dirty="0" smtClean="0">
+                <a:sym typeface="Wingdings" panose="05000000000000000000" pitchFamily="2" charset="2"/>
+              </a:rPr>
               <a:t>)</a:t>
             </a:r>
+            <a:endParaRPr lang="en-US" altLang="ko-KR" dirty="0">
+              <a:sym typeface="Wingdings" panose="05000000000000000000" pitchFamily="2" charset="2"/>
+            </a:endParaRPr>
           </a:p>
           <a:p>
             <a:pPr>
@@ -7979,48 +8030,38 @@
       </p:grpSpPr>
       <p:sp>
         <p:nvSpPr>
-          <p:cNvPr id="6" name="제목 5"/>
-          <p:cNvSpPr>
-            <a:spLocks noGrp="1"/>
-          </p:cNvSpPr>
-          <p:nvPr>
-            <p:ph type="ctrTitle"/>
+          <p:cNvPr id="2" name="제목 1"/>
+          <p:cNvSpPr>
+            <a:spLocks noGrp="1"/>
+          </p:cNvSpPr>
+          <p:nvPr>
+            <p:ph type="title"/>
           </p:nvPr>
         </p:nvSpPr>
         <p:spPr/>
         <p:txBody>
-          <a:bodyPr>
-            <a:normAutofit/>
-          </a:bodyPr>
-          <a:lstStyle/>
-          <a:p>
-            <a:r>
-              <a:rPr lang="en-US" altLang="ko-KR" sz="2400" b="1" dirty="0" smtClean="0"/>
-              <a:t>Toward A Thousand Lights:</a:t>
-            </a:r>
-            <a:r>
-              <a:rPr lang="en-US" altLang="ko-KR" sz="2400" dirty="0" smtClean="0"/>
-              <a:t/>
-            </a:r>
-            <a:br>
-              <a:rPr lang="en-US" altLang="ko-KR" sz="2400" dirty="0" smtClean="0"/>
-            </a:br>
-            <a:r>
-              <a:rPr lang="en-US" altLang="ko-KR" sz="2400" dirty="0" smtClean="0"/>
-              <a:t>Decentralized Deep Reinforcement Learning for Large-scale Traffic Signal Control</a:t>
-            </a:r>
-            <a:endParaRPr lang="ko-KR" altLang="en-US" sz="2400" dirty="0"/>
-          </a:p>
-        </p:txBody>
-      </p:sp>
-      <p:sp>
-        <p:nvSpPr>
-          <p:cNvPr id="7" name="부제목 6"/>
-          <p:cNvSpPr>
-            <a:spLocks noGrp="1"/>
-          </p:cNvSpPr>
-          <p:nvPr>
-            <p:ph type="subTitle" idx="1"/>
+          <a:bodyPr/>
+          <a:lstStyle/>
+          <a:p>
+            <a:r>
+              <a:rPr lang="en-US" altLang="ko-KR" dirty="0"/>
+              <a:t>Training </a:t>
+            </a:r>
+            <a:r>
+              <a:rPr lang="ko-KR" altLang="en-US" dirty="0"/>
+              <a:t>구성 방식 제안</a:t>
+            </a:r>
+          </a:p>
+        </p:txBody>
+      </p:sp>
+      <p:sp>
+        <p:nvSpPr>
+          <p:cNvPr id="3" name="내용 개체 틀 2"/>
+          <p:cNvSpPr>
+            <a:spLocks noGrp="1"/>
+          </p:cNvSpPr>
+          <p:nvPr>
+            <p:ph idx="1"/>
           </p:nvPr>
         </p:nvSpPr>
         <p:spPr/>
@@ -8028,6 +8069,155 @@
           <a:bodyPr/>
           <a:lstStyle/>
           <a:p>
+            <a:r>
+              <a:rPr lang="en-US" altLang="ko-KR" dirty="0" smtClean="0"/>
+              <a:t> </a:t>
+            </a:r>
+            <a:r>
+              <a:rPr lang="ko-KR" altLang="en-US" dirty="0" smtClean="0"/>
+              <a:t>차량 진입로를 줄이는 대신에 차량의 </a:t>
+            </a:r>
+            <a:r>
+              <a:rPr lang="en-US" altLang="ko-KR" dirty="0" smtClean="0"/>
+              <a:t>Random</a:t>
+            </a:r>
+            <a:r>
+              <a:rPr lang="ko-KR" altLang="en-US" dirty="0" smtClean="0"/>
+              <a:t>성을 주는 </a:t>
+            </a:r>
+            <a:r>
+              <a:rPr lang="en-US" altLang="ko-KR" dirty="0" smtClean="0"/>
+              <a:t>IDM controller</a:t>
+            </a:r>
+            <a:r>
+              <a:rPr lang="ko-KR" altLang="en-US" dirty="0" smtClean="0"/>
+              <a:t>와 가속도 분산 갖게 해서 차이를 줌</a:t>
+            </a:r>
+            <a:endParaRPr lang="en-US" altLang="ko-KR" dirty="0" smtClean="0"/>
+          </a:p>
+          <a:p>
+            <a:r>
+              <a:rPr lang="en-US" altLang="ko-KR" dirty="0"/>
+              <a:t> </a:t>
+            </a:r>
+            <a:r>
+              <a:rPr lang="en-US" altLang="ko-KR" dirty="0" smtClean="0"/>
+              <a:t>phase</a:t>
+            </a:r>
+            <a:r>
+              <a:rPr lang="ko-KR" altLang="en-US" dirty="0" smtClean="0"/>
+              <a:t>를 변화하는 </a:t>
+            </a:r>
+            <a:r>
+              <a:rPr lang="en-US" altLang="ko-KR" dirty="0" smtClean="0"/>
+              <a:t>action</a:t>
+            </a:r>
+            <a:r>
+              <a:rPr lang="ko-KR" altLang="en-US" dirty="0" smtClean="0"/>
+              <a:t>이 아닌 </a:t>
+            </a:r>
+            <a:r>
+              <a:rPr lang="en-US" altLang="ko-KR" dirty="0" smtClean="0"/>
+              <a:t>phase</a:t>
+            </a:r>
+            <a:r>
+              <a:rPr lang="ko-KR" altLang="en-US" dirty="0" smtClean="0"/>
+              <a:t>를 선택하게 하고 최소 시간은 </a:t>
+            </a:r>
+            <a:r>
+              <a:rPr lang="en-US" altLang="ko-KR" dirty="0" smtClean="0"/>
+              <a:t>20</a:t>
+            </a:r>
+            <a:r>
+              <a:rPr lang="ko-KR" altLang="en-US" dirty="0" smtClean="0"/>
+              <a:t>초로 하되</a:t>
+            </a:r>
+            <a:r>
+              <a:rPr lang="en-US" altLang="ko-KR" dirty="0" smtClean="0"/>
+              <a:t>, </a:t>
+            </a:r>
+            <a:r>
+              <a:rPr lang="ko-KR" altLang="en-US" dirty="0" smtClean="0"/>
+              <a:t>최대 이상에서는 엄청난 </a:t>
+            </a:r>
+            <a:r>
+              <a:rPr lang="en-US" altLang="ko-KR" dirty="0" smtClean="0"/>
+              <a:t>penalty</a:t>
+            </a:r>
+            <a:r>
+              <a:rPr lang="ko-KR" altLang="en-US" dirty="0" smtClean="0"/>
+              <a:t>를 </a:t>
+            </a:r>
+            <a:r>
+              <a:rPr lang="ko-KR" altLang="en-US" dirty="0" err="1" smtClean="0"/>
+              <a:t>준다던지</a:t>
+            </a:r>
+            <a:r>
+              <a:rPr lang="ko-KR" altLang="en-US" dirty="0" smtClean="0"/>
+              <a:t> 하는 식으로 운용</a:t>
+            </a:r>
+            <a:endParaRPr lang="en-US" altLang="ko-KR" dirty="0" smtClean="0"/>
+          </a:p>
+          <a:p>
+            <a:r>
+              <a:rPr lang="en-US" altLang="ko-KR" dirty="0" smtClean="0"/>
+              <a:t> phase</a:t>
+            </a:r>
+            <a:r>
+              <a:rPr lang="ko-KR" altLang="en-US" dirty="0"/>
+              <a:t> </a:t>
+            </a:r>
+            <a:r>
+              <a:rPr lang="ko-KR" altLang="en-US" dirty="0" smtClean="0"/>
+              <a:t>종류 수를 현재 </a:t>
+            </a:r>
+            <a:r>
+              <a:rPr lang="en-US" altLang="ko-KR" dirty="0" smtClean="0"/>
+              <a:t>8</a:t>
+            </a:r>
+            <a:r>
+              <a:rPr lang="ko-KR" altLang="en-US" dirty="0" smtClean="0"/>
+              <a:t>개 </a:t>
+            </a:r>
+            <a:r>
+              <a:rPr lang="en-US" altLang="ko-KR" dirty="0" smtClean="0"/>
+              <a:t>(</a:t>
+            </a:r>
+            <a:r>
+              <a:rPr lang="ko-KR" altLang="en-US" dirty="0" smtClean="0"/>
+              <a:t>논문상</a:t>
+            </a:r>
+            <a:r>
+              <a:rPr lang="en-US" altLang="ko-KR" dirty="0" smtClean="0"/>
+              <a:t>)</a:t>
+            </a:r>
+            <a:r>
+              <a:rPr lang="ko-KR" altLang="en-US" dirty="0" smtClean="0"/>
+              <a:t>에서 </a:t>
+            </a:r>
+            <a:r>
+              <a:rPr lang="en-US" altLang="ko-KR" dirty="0" smtClean="0"/>
+              <a:t>6</a:t>
+            </a:r>
+            <a:r>
+              <a:rPr lang="ko-KR" altLang="en-US" dirty="0" smtClean="0"/>
+              <a:t>개 내지는 </a:t>
+            </a:r>
+            <a:r>
+              <a:rPr lang="en-US" altLang="ko-KR" dirty="0" smtClean="0"/>
+              <a:t>4</a:t>
+            </a:r>
+            <a:r>
+              <a:rPr lang="ko-KR" altLang="en-US" dirty="0" smtClean="0"/>
+              <a:t>개로 줄임</a:t>
+            </a:r>
+            <a:endParaRPr lang="en-US" altLang="ko-KR" dirty="0" smtClean="0"/>
+          </a:p>
+          <a:p>
+            <a:r>
+              <a:rPr lang="en-US" altLang="ko-KR" dirty="0"/>
+              <a:t> </a:t>
+            </a:r>
             <a:endParaRPr lang="ko-KR" altLang="en-US" dirty="0"/>
           </a:p>
         </p:txBody>
@@ -8035,20 +8225,13 @@
     </p:spTree>
     <p:extLst>
       <p:ext uri="{BB962C8B-B14F-4D97-AF65-F5344CB8AC3E}">
-        <p14:creationId xmlns:p14="http://schemas.microsoft.com/office/powerpoint/2010/main" val="2644164681"/>
+        <p14:creationId xmlns:p14="http://schemas.microsoft.com/office/powerpoint/2010/main" val="214645791"/>
       </p:ext>
     </p:extLst>
   </p:cSld>
   <p:clrMapOvr>
     <a:masterClrMapping/>
   </p:clrMapOvr>
-  <p:timing>
-    <p:tnLst>
-      <p:par>
-        <p:cTn id="1" dur="indefinite" restart="never" nodeType="tmRoot"/>
-      </p:par>
-    </p:tnLst>
-  </p:timing>
 </p:sld>
 </file>
 
@@ -8071,202 +8254,55 @@
       </p:grpSpPr>
       <p:sp>
         <p:nvSpPr>
-          <p:cNvPr id="2" name="제목 1"/>
-          <p:cNvSpPr>
-            <a:spLocks noGrp="1"/>
-          </p:cNvSpPr>
-          <p:nvPr>
-            <p:ph type="title"/>
+          <p:cNvPr id="6" name="제목 5"/>
+          <p:cNvSpPr>
+            <a:spLocks noGrp="1"/>
+          </p:cNvSpPr>
+          <p:nvPr>
+            <p:ph type="ctrTitle"/>
           </p:nvPr>
         </p:nvSpPr>
         <p:spPr/>
         <p:txBody>
+          <a:bodyPr>
+            <a:normAutofit/>
+          </a:bodyPr>
+          <a:lstStyle/>
+          <a:p>
+            <a:r>
+              <a:rPr lang="en-US" altLang="ko-KR" sz="2400" b="1" dirty="0" smtClean="0"/>
+              <a:t>Toward A Thousand Lights:</a:t>
+            </a:r>
+            <a:r>
+              <a:rPr lang="en-US" altLang="ko-KR" sz="2400" dirty="0" smtClean="0"/>
+              <a:t/>
+            </a:r>
+            <a:br>
+              <a:rPr lang="en-US" altLang="ko-KR" sz="2400" dirty="0" smtClean="0"/>
+            </a:br>
+            <a:r>
+              <a:rPr lang="en-US" altLang="ko-KR" sz="2400" dirty="0" smtClean="0"/>
+              <a:t>Decentralized Deep Reinforcement Learning for Large-scale Traffic Signal Control</a:t>
+            </a:r>
+            <a:endParaRPr lang="ko-KR" altLang="en-US" sz="2400" dirty="0"/>
+          </a:p>
+        </p:txBody>
+      </p:sp>
+      <p:sp>
+        <p:nvSpPr>
+          <p:cNvPr id="7" name="부제목 6"/>
+          <p:cNvSpPr>
+            <a:spLocks noGrp="1"/>
+          </p:cNvSpPr>
+          <p:nvPr>
+            <p:ph type="subTitle" idx="1"/>
+          </p:nvPr>
+        </p:nvSpPr>
+        <p:spPr/>
+        <p:txBody>
           <a:bodyPr/>
           <a:lstStyle/>
           <a:p>
-            <a:r>
-              <a:rPr lang="en-US" altLang="ko-KR" dirty="0" smtClean="0"/>
-              <a:t>Motivation</a:t>
-            </a:r>
-            <a:endParaRPr lang="ko-KR" altLang="en-US" dirty="0"/>
-          </a:p>
-        </p:txBody>
-      </p:sp>
-      <p:sp>
-        <p:nvSpPr>
-          <p:cNvPr id="3" name="내용 개체 틀 2"/>
-          <p:cNvSpPr>
-            <a:spLocks noGrp="1"/>
-          </p:cNvSpPr>
-          <p:nvPr>
-            <p:ph idx="1"/>
-          </p:nvPr>
-        </p:nvSpPr>
-        <p:spPr/>
-        <p:txBody>
-          <a:bodyPr/>
-          <a:lstStyle/>
-          <a:p>
-            <a:r>
-              <a:rPr lang="en-US" altLang="ko-KR" dirty="0" smtClean="0"/>
-              <a:t> Traffic congestion</a:t>
-            </a:r>
-            <a:endParaRPr lang="en-US" altLang="ko-KR" dirty="0"/>
-          </a:p>
-          <a:p>
-            <a:pPr lvl="1"/>
-            <a:r>
-              <a:rPr lang="en-US" altLang="ko-KR" dirty="0" smtClean="0"/>
-              <a:t>Led by rapid urbanization</a:t>
-            </a:r>
-          </a:p>
-          <a:p>
-            <a:pPr lvl="1"/>
-            <a:r>
-              <a:rPr lang="en-US" altLang="ko-KR" dirty="0" smtClean="0"/>
-              <a:t>Increase harmful emissions (contributes 23% of total CO2 emission) </a:t>
-            </a:r>
-            <a:r>
-              <a:rPr lang="en-US" altLang="ko-KR" dirty="0" smtClean="0">
-                <a:sym typeface="Wingdings" panose="05000000000000000000" pitchFamily="2" charset="2"/>
-              </a:rPr>
-              <a:t> </a:t>
-            </a:r>
-            <a:r>
-              <a:rPr lang="ko-KR" altLang="en-US" dirty="0" smtClean="0">
-                <a:sym typeface="Wingdings" panose="05000000000000000000" pitchFamily="2" charset="2"/>
-              </a:rPr>
-              <a:t>그 중에서 </a:t>
-            </a:r>
-            <a:r>
-              <a:rPr lang="en-US" altLang="ko-KR" dirty="0" smtClean="0">
-                <a:sym typeface="Wingdings" panose="05000000000000000000" pitchFamily="2" charset="2"/>
-              </a:rPr>
-              <a:t>traffic</a:t>
-            </a:r>
-            <a:r>
-              <a:rPr lang="ko-KR" altLang="en-US" dirty="0" smtClean="0">
-                <a:sym typeface="Wingdings" panose="05000000000000000000" pitchFamily="2" charset="2"/>
-              </a:rPr>
-              <a:t>에 의해 차지하는 양이 </a:t>
-            </a:r>
-            <a:r>
-              <a:rPr lang="en-US" altLang="ko-KR" dirty="0" smtClean="0">
-                <a:sym typeface="Wingdings" panose="05000000000000000000" pitchFamily="2" charset="2"/>
-              </a:rPr>
-              <a:t>40% </a:t>
-            </a:r>
-            <a:br>
-              <a:rPr lang="en-US" altLang="ko-KR" dirty="0" smtClean="0">
-                <a:sym typeface="Wingdings" panose="05000000000000000000" pitchFamily="2" charset="2"/>
-              </a:rPr>
-            </a:br>
-            <a:r>
-              <a:rPr lang="en-US" altLang="ko-KR" dirty="0" smtClean="0">
-                <a:sym typeface="Wingdings" panose="05000000000000000000" pitchFamily="2" charset="2"/>
-              </a:rPr>
-              <a:t> Trend: applying RL method for traffic signal control</a:t>
-            </a:r>
-            <a:r>
-              <a:rPr lang="en-US" altLang="ko-KR" dirty="0" smtClean="0"/>
-              <a:t/>
-            </a:r>
-            <a:br>
-              <a:rPr lang="en-US" altLang="ko-KR" dirty="0" smtClean="0"/>
-            </a:br>
-            <a:endParaRPr lang="en-US" altLang="ko-KR" dirty="0">
-              <a:sym typeface="Wingdings" panose="05000000000000000000" pitchFamily="2" charset="2"/>
-            </a:endParaRPr>
-          </a:p>
-          <a:p>
-            <a:r>
-              <a:rPr lang="en-US" altLang="ko-KR" dirty="0" smtClean="0"/>
-              <a:t> Traditional transportation approaches</a:t>
-            </a:r>
-          </a:p>
-          <a:p>
-            <a:pPr lvl="1"/>
-            <a:r>
-              <a:rPr lang="en-US" altLang="ko-KR" dirty="0" smtClean="0"/>
-              <a:t>Pre-timed control</a:t>
-            </a:r>
-          </a:p>
-          <a:p>
-            <a:pPr lvl="1"/>
-            <a:r>
-              <a:rPr lang="en-US" altLang="ko-KR" dirty="0" smtClean="0"/>
-              <a:t>Actuated control</a:t>
-            </a:r>
-          </a:p>
-          <a:p>
-            <a:pPr lvl="1"/>
-            <a:r>
-              <a:rPr lang="en-US" altLang="ko-KR" dirty="0" smtClean="0"/>
-              <a:t>Adaptive control</a:t>
-            </a:r>
-          </a:p>
-          <a:p>
-            <a:pPr lvl="1"/>
-            <a:r>
-              <a:rPr lang="en-US" altLang="ko-KR" dirty="0" smtClean="0"/>
-              <a:t>Optimization-based control</a:t>
-            </a:r>
-            <a:br>
-              <a:rPr lang="en-US" altLang="ko-KR" dirty="0" smtClean="0"/>
-            </a:br>
-            <a:r>
-              <a:rPr lang="en-US" altLang="ko-KR" dirty="0" smtClean="0">
-                <a:sym typeface="Wingdings" panose="05000000000000000000" pitchFamily="2" charset="2"/>
-              </a:rPr>
-              <a:t> Given</a:t>
-            </a:r>
-            <a:r>
-              <a:rPr lang="ko-KR" altLang="en-US" dirty="0" smtClean="0">
-                <a:sym typeface="Wingdings" panose="05000000000000000000" pitchFamily="2" charset="2"/>
-              </a:rPr>
-              <a:t> </a:t>
-            </a:r>
-            <a:r>
-              <a:rPr lang="en-US" altLang="ko-KR" dirty="0" smtClean="0">
-                <a:sym typeface="Wingdings" panose="05000000000000000000" pitchFamily="2" charset="2"/>
-              </a:rPr>
-              <a:t>traffic model</a:t>
-            </a:r>
-            <a:r>
-              <a:rPr lang="ko-KR" altLang="en-US" dirty="0">
-                <a:sym typeface="Wingdings" panose="05000000000000000000" pitchFamily="2" charset="2"/>
-              </a:rPr>
-              <a:t> </a:t>
-            </a:r>
-            <a:r>
-              <a:rPr lang="en-US" altLang="ko-KR" dirty="0" smtClean="0">
-                <a:sym typeface="Wingdings" panose="05000000000000000000" pitchFamily="2" charset="2"/>
-              </a:rPr>
-              <a:t>and</a:t>
-            </a:r>
-            <a:r>
-              <a:rPr lang="ko-KR" altLang="en-US" dirty="0" smtClean="0">
-                <a:sym typeface="Wingdings" panose="05000000000000000000" pitchFamily="2" charset="2"/>
-              </a:rPr>
-              <a:t> </a:t>
-            </a:r>
-            <a:r>
-              <a:rPr lang="en-US" altLang="ko-KR" dirty="0" smtClean="0">
-                <a:sym typeface="Wingdings" panose="05000000000000000000" pitchFamily="2" charset="2"/>
-              </a:rPr>
-              <a:t>pre-defined rule</a:t>
-            </a:r>
-            <a:br>
-              <a:rPr lang="en-US" altLang="ko-KR" dirty="0" smtClean="0">
-                <a:sym typeface="Wingdings" panose="05000000000000000000" pitchFamily="2" charset="2"/>
-              </a:rPr>
-            </a:br>
-            <a:r>
-              <a:rPr lang="en-US" altLang="ko-KR" dirty="0" smtClean="0">
-                <a:sym typeface="Wingdings" panose="05000000000000000000" pitchFamily="2" charset="2"/>
-              </a:rPr>
-              <a:t> Fail to adjust to dynamic traffic</a:t>
-            </a:r>
             <a:endParaRPr lang="ko-KR" altLang="en-US" dirty="0"/>
           </a:p>
         </p:txBody>
@@ -8274,7 +8310,7 @@
     </p:spTree>
     <p:extLst>
       <p:ext uri="{BB962C8B-B14F-4D97-AF65-F5344CB8AC3E}">
-        <p14:creationId xmlns:p14="http://schemas.microsoft.com/office/powerpoint/2010/main" val="3384391829"/>
+        <p14:creationId xmlns:p14="http://schemas.microsoft.com/office/powerpoint/2010/main" val="2644164681"/>
       </p:ext>
     </p:extLst>
   </p:cSld>
@@ -8347,6 +8383,245 @@
           <a:lstStyle/>
           <a:p>
             <a:r>
+              <a:rPr lang="en-US" altLang="ko-KR" dirty="0" smtClean="0"/>
+              <a:t> Traffic congestion</a:t>
+            </a:r>
+            <a:endParaRPr lang="en-US" altLang="ko-KR" dirty="0"/>
+          </a:p>
+          <a:p>
+            <a:pPr lvl="1"/>
+            <a:r>
+              <a:rPr lang="en-US" altLang="ko-KR" dirty="0" smtClean="0"/>
+              <a:t>Led by rapid urbanization</a:t>
+            </a:r>
+          </a:p>
+          <a:p>
+            <a:pPr lvl="1"/>
+            <a:r>
+              <a:rPr lang="en-US" altLang="ko-KR" dirty="0" smtClean="0"/>
+              <a:t>Increase harmful emissions (contributes 23% of total CO2 emission) </a:t>
+            </a:r>
+            <a:r>
+              <a:rPr lang="en-US" altLang="ko-KR" dirty="0" smtClean="0">
+                <a:sym typeface="Wingdings" panose="05000000000000000000" pitchFamily="2" charset="2"/>
+              </a:rPr>
+              <a:t> </a:t>
+            </a:r>
+            <a:r>
+              <a:rPr lang="ko-KR" altLang="en-US" dirty="0" smtClean="0">
+                <a:sym typeface="Wingdings" panose="05000000000000000000" pitchFamily="2" charset="2"/>
+              </a:rPr>
+              <a:t>그 중에서 </a:t>
+            </a:r>
+            <a:r>
+              <a:rPr lang="en-US" altLang="ko-KR" dirty="0" smtClean="0">
+                <a:sym typeface="Wingdings" panose="05000000000000000000" pitchFamily="2" charset="2"/>
+              </a:rPr>
+              <a:t>traffic</a:t>
+            </a:r>
+            <a:r>
+              <a:rPr lang="ko-KR" altLang="en-US" dirty="0" smtClean="0">
+                <a:sym typeface="Wingdings" panose="05000000000000000000" pitchFamily="2" charset="2"/>
+              </a:rPr>
+              <a:t>에 의해 차지하는 양이 </a:t>
+            </a:r>
+            <a:r>
+              <a:rPr lang="en-US" altLang="ko-KR" dirty="0" smtClean="0">
+                <a:sym typeface="Wingdings" panose="05000000000000000000" pitchFamily="2" charset="2"/>
+              </a:rPr>
+              <a:t>40% </a:t>
+            </a:r>
+            <a:br>
+              <a:rPr lang="en-US" altLang="ko-KR" dirty="0" smtClean="0">
+                <a:sym typeface="Wingdings" panose="05000000000000000000" pitchFamily="2" charset="2"/>
+              </a:rPr>
+            </a:br>
+            <a:r>
+              <a:rPr lang="en-US" altLang="ko-KR" dirty="0" smtClean="0">
+                <a:sym typeface="Wingdings" panose="05000000000000000000" pitchFamily="2" charset="2"/>
+              </a:rPr>
+              <a:t> Trend: applying RL method for traffic signal control</a:t>
+            </a:r>
+            <a:r>
+              <a:rPr lang="en-US" altLang="ko-KR" dirty="0" smtClean="0"/>
+              <a:t/>
+            </a:r>
+            <a:br>
+              <a:rPr lang="en-US" altLang="ko-KR" dirty="0" smtClean="0"/>
+            </a:br>
+            <a:endParaRPr lang="en-US" altLang="ko-KR" dirty="0">
+              <a:sym typeface="Wingdings" panose="05000000000000000000" pitchFamily="2" charset="2"/>
+            </a:endParaRPr>
+          </a:p>
+          <a:p>
+            <a:r>
+              <a:rPr lang="en-US" altLang="ko-KR" dirty="0" smtClean="0"/>
+              <a:t> Traditional transportation approaches</a:t>
+            </a:r>
+          </a:p>
+          <a:p>
+            <a:pPr lvl="1"/>
+            <a:r>
+              <a:rPr lang="en-US" altLang="ko-KR" dirty="0" smtClean="0"/>
+              <a:t>Pre-timed control</a:t>
+            </a:r>
+          </a:p>
+          <a:p>
+            <a:pPr lvl="1"/>
+            <a:r>
+              <a:rPr lang="en-US" altLang="ko-KR" dirty="0" smtClean="0"/>
+              <a:t>Actuated control</a:t>
+            </a:r>
+          </a:p>
+          <a:p>
+            <a:pPr lvl="1"/>
+            <a:r>
+              <a:rPr lang="en-US" altLang="ko-KR" dirty="0" smtClean="0"/>
+              <a:t>Adaptive control</a:t>
+            </a:r>
+          </a:p>
+          <a:p>
+            <a:pPr lvl="1"/>
+            <a:r>
+              <a:rPr lang="en-US" altLang="ko-KR" dirty="0" smtClean="0"/>
+              <a:t>Optimization-based control</a:t>
+            </a:r>
+            <a:br>
+              <a:rPr lang="en-US" altLang="ko-KR" dirty="0" smtClean="0"/>
+            </a:br>
+            <a:r>
+              <a:rPr lang="en-US" altLang="ko-KR" dirty="0" smtClean="0">
+                <a:sym typeface="Wingdings" panose="05000000000000000000" pitchFamily="2" charset="2"/>
+              </a:rPr>
+              <a:t> Given</a:t>
+            </a:r>
+            <a:r>
+              <a:rPr lang="ko-KR" altLang="en-US" dirty="0" smtClean="0">
+                <a:sym typeface="Wingdings" panose="05000000000000000000" pitchFamily="2" charset="2"/>
+              </a:rPr>
+              <a:t> </a:t>
+            </a:r>
+            <a:r>
+              <a:rPr lang="en-US" altLang="ko-KR" dirty="0" smtClean="0">
+                <a:sym typeface="Wingdings" panose="05000000000000000000" pitchFamily="2" charset="2"/>
+              </a:rPr>
+              <a:t>traffic model</a:t>
+            </a:r>
+            <a:r>
+              <a:rPr lang="ko-KR" altLang="en-US" dirty="0">
+                <a:sym typeface="Wingdings" panose="05000000000000000000" pitchFamily="2" charset="2"/>
+              </a:rPr>
+              <a:t> </a:t>
+            </a:r>
+            <a:r>
+              <a:rPr lang="en-US" altLang="ko-KR" dirty="0" smtClean="0">
+                <a:sym typeface="Wingdings" panose="05000000000000000000" pitchFamily="2" charset="2"/>
+              </a:rPr>
+              <a:t>and</a:t>
+            </a:r>
+            <a:r>
+              <a:rPr lang="ko-KR" altLang="en-US" dirty="0" smtClean="0">
+                <a:sym typeface="Wingdings" panose="05000000000000000000" pitchFamily="2" charset="2"/>
+              </a:rPr>
+              <a:t> </a:t>
+            </a:r>
+            <a:r>
+              <a:rPr lang="en-US" altLang="ko-KR" dirty="0" smtClean="0">
+                <a:sym typeface="Wingdings" panose="05000000000000000000" pitchFamily="2" charset="2"/>
+              </a:rPr>
+              <a:t>pre-defined rule</a:t>
+            </a:r>
+            <a:br>
+              <a:rPr lang="en-US" altLang="ko-KR" dirty="0" smtClean="0">
+                <a:sym typeface="Wingdings" panose="05000000000000000000" pitchFamily="2" charset="2"/>
+              </a:rPr>
+            </a:br>
+            <a:r>
+              <a:rPr lang="en-US" altLang="ko-KR" dirty="0" smtClean="0">
+                <a:sym typeface="Wingdings" panose="05000000000000000000" pitchFamily="2" charset="2"/>
+              </a:rPr>
+              <a:t> Fail to adjust to dynamic traffic</a:t>
+            </a:r>
+            <a:endParaRPr lang="ko-KR" altLang="en-US" dirty="0"/>
+          </a:p>
+        </p:txBody>
+      </p:sp>
+    </p:spTree>
+    <p:extLst>
+      <p:ext uri="{BB962C8B-B14F-4D97-AF65-F5344CB8AC3E}">
+        <p14:creationId xmlns:p14="http://schemas.microsoft.com/office/powerpoint/2010/main" val="3384391829"/>
+      </p:ext>
+    </p:extLst>
+  </p:cSld>
+  <p:clrMapOvr>
+    <a:masterClrMapping/>
+  </p:clrMapOvr>
+  <p:timing>
+    <p:tnLst>
+      <p:par>
+        <p:cTn id="1" dur="indefinite" restart="never" nodeType="tmRoot"/>
+      </p:par>
+    </p:tnLst>
+  </p:timing>
+</p:sld>
+</file>
+
+<file path=ppt/slides/slide15.xml><?xml version="1.0" encoding="utf-8"?>
+<p:sld xmlns:a="http://schemas.openxmlformats.org/drawingml/2006/main" xmlns:r="http://schemas.openxmlformats.org/officeDocument/2006/relationships" xmlns:p="http://schemas.openxmlformats.org/presentationml/2006/main">
+  <p:cSld>
+    <p:spTree>
+      <p:nvGrpSpPr>
+        <p:cNvPr id="1" name=""/>
+        <p:cNvGrpSpPr/>
+        <p:nvPr/>
+      </p:nvGrpSpPr>
+      <p:grpSpPr>
+        <a:xfrm>
+          <a:off x="0" y="0"/>
+          <a:ext cx="0" cy="0"/>
+          <a:chOff x="0" y="0"/>
+          <a:chExt cx="0" cy="0"/>
+        </a:xfrm>
+      </p:grpSpPr>
+      <p:sp>
+        <p:nvSpPr>
+          <p:cNvPr id="2" name="제목 1"/>
+          <p:cNvSpPr>
+            <a:spLocks noGrp="1"/>
+          </p:cNvSpPr>
+          <p:nvPr>
+            <p:ph type="title"/>
+          </p:nvPr>
+        </p:nvSpPr>
+        <p:spPr/>
+        <p:txBody>
+          <a:bodyPr/>
+          <a:lstStyle/>
+          <a:p>
+            <a:r>
+              <a:rPr lang="en-US" altLang="ko-KR" dirty="0" smtClean="0"/>
+              <a:t>Motivation</a:t>
+            </a:r>
+            <a:endParaRPr lang="ko-KR" altLang="en-US" dirty="0"/>
+          </a:p>
+        </p:txBody>
+      </p:sp>
+      <p:sp>
+        <p:nvSpPr>
+          <p:cNvPr id="3" name="내용 개체 틀 2"/>
+          <p:cNvSpPr>
+            <a:spLocks noGrp="1"/>
+          </p:cNvSpPr>
+          <p:nvPr>
+            <p:ph idx="1"/>
+          </p:nvPr>
+        </p:nvSpPr>
+        <p:spPr/>
+        <p:txBody>
+          <a:bodyPr/>
+          <a:lstStyle/>
+          <a:p>
+            <a:r>
               <a:rPr lang="en-US" altLang="ko-KR" dirty="0" smtClean="0">
                 <a:sym typeface="Wingdings" panose="05000000000000000000" pitchFamily="2" charset="2"/>
               </a:rPr>
@@ -8460,7 +8735,7 @@
 </p:sld>
 </file>
 
-<file path=ppt/slides/slide15.xml><?xml version="1.0" encoding="utf-8"?>
+<file path=ppt/slides/slide16.xml><?xml version="1.0" encoding="utf-8"?>
 <p:sld xmlns:a="http://schemas.openxmlformats.org/drawingml/2006/main" xmlns:r="http://schemas.openxmlformats.org/officeDocument/2006/relationships" xmlns:p="http://schemas.openxmlformats.org/presentationml/2006/main">
   <p:cSld>
     <p:spTree>
@@ -8888,166 +9163,6 @@
 </p:sld>
 </file>
 
-<file path=ppt/slides/slide16.xml><?xml version="1.0" encoding="utf-8"?>
-<p:sld xmlns:a="http://schemas.openxmlformats.org/drawingml/2006/main" xmlns:r="http://schemas.openxmlformats.org/officeDocument/2006/relationships" xmlns:p="http://schemas.openxmlformats.org/presentationml/2006/main">
-  <p:cSld>
-    <p:spTree>
-      <p:nvGrpSpPr>
-        <p:cNvPr id="1" name=""/>
-        <p:cNvGrpSpPr/>
-        <p:nvPr/>
-      </p:nvGrpSpPr>
-      <p:grpSpPr>
-        <a:xfrm>
-          <a:off x="0" y="0"/>
-          <a:ext cx="0" cy="0"/>
-          <a:chOff x="0" y="0"/>
-          <a:chExt cx="0" cy="0"/>
-        </a:xfrm>
-      </p:grpSpPr>
-      <p:sp>
-        <p:nvSpPr>
-          <p:cNvPr id="2" name="제목 1"/>
-          <p:cNvSpPr>
-            <a:spLocks noGrp="1"/>
-          </p:cNvSpPr>
-          <p:nvPr>
-            <p:ph type="title"/>
-          </p:nvPr>
-        </p:nvSpPr>
-        <p:spPr/>
-        <p:txBody>
-          <a:bodyPr/>
-          <a:lstStyle/>
-          <a:p>
-            <a:r>
-              <a:rPr lang="en-US" altLang="ko-KR" dirty="0" smtClean="0"/>
-              <a:t>Related work</a:t>
-            </a:r>
-            <a:endParaRPr lang="ko-KR" altLang="en-US" dirty="0"/>
-          </a:p>
-        </p:txBody>
-      </p:sp>
-      <p:sp>
-        <p:nvSpPr>
-          <p:cNvPr id="3" name="내용 개체 틀 2"/>
-          <p:cNvSpPr>
-            <a:spLocks noGrp="1"/>
-          </p:cNvSpPr>
-          <p:nvPr>
-            <p:ph idx="1"/>
-          </p:nvPr>
-        </p:nvSpPr>
-        <p:spPr/>
-        <p:txBody>
-          <a:bodyPr/>
-          <a:lstStyle/>
-          <a:p>
-            <a:r>
-              <a:rPr lang="en-US" altLang="ko-KR" dirty="0" smtClean="0"/>
-              <a:t> Max Pressure : optimization-based method</a:t>
-            </a:r>
-          </a:p>
-          <a:p>
-            <a:pPr lvl="1"/>
-            <a:r>
-              <a:rPr lang="en-US" altLang="ko-KR" dirty="0" smtClean="0"/>
-              <a:t>Providing global optimization through coordination</a:t>
-            </a:r>
-          </a:p>
-          <a:p>
-            <a:pPr lvl="1"/>
-            <a:r>
-              <a:rPr lang="en-US" altLang="ko-KR" dirty="0" smtClean="0"/>
-              <a:t>Developed to optimize the global vehicle travel time, throughput and # of stops at intersections</a:t>
-            </a:r>
-            <a:br>
-              <a:rPr lang="en-US" altLang="ko-KR" dirty="0" smtClean="0"/>
-            </a:br>
-            <a:r>
-              <a:rPr lang="en-US" altLang="ko-KR" dirty="0" smtClean="0"/>
-              <a:t/>
-            </a:r>
-            <a:br>
-              <a:rPr lang="en-US" altLang="ko-KR" dirty="0" smtClean="0"/>
-            </a:br>
-            <a:r>
-              <a:rPr lang="en-US" altLang="ko-KR" dirty="0" smtClean="0">
-                <a:sym typeface="Wingdings" panose="05000000000000000000" pitchFamily="2" charset="2"/>
-              </a:rPr>
-              <a:t> Challenges</a:t>
-            </a:r>
-          </a:p>
-          <a:p>
-            <a:pPr lvl="4"/>
-            <a:r>
-              <a:rPr lang="en-US" altLang="ko-KR" dirty="0">
-                <a:sym typeface="Wingdings" panose="05000000000000000000" pitchFamily="2" charset="2"/>
-              </a:rPr>
-              <a:t> </a:t>
-            </a:r>
-            <a:r>
-              <a:rPr lang="en-US" altLang="ko-KR" dirty="0" smtClean="0">
-                <a:sym typeface="Wingdings" panose="05000000000000000000" pitchFamily="2" charset="2"/>
-              </a:rPr>
-              <a:t>Still rely on assumptions of simple traffic condition, HARD to apply to real world</a:t>
-            </a:r>
-          </a:p>
-          <a:p>
-            <a:r>
-              <a:rPr lang="en-US" altLang="ko-KR" dirty="0">
-                <a:sym typeface="Wingdings" panose="05000000000000000000" pitchFamily="2" charset="2"/>
-              </a:rPr>
-              <a:t> </a:t>
-            </a:r>
-            <a:r>
-              <a:rPr lang="en-US" altLang="ko-KR" dirty="0" smtClean="0">
-                <a:sym typeface="Wingdings" panose="05000000000000000000" pitchFamily="2" charset="2"/>
-              </a:rPr>
-              <a:t>RL-based single-intersection methods</a:t>
-            </a:r>
-          </a:p>
-          <a:p>
-            <a:pPr lvl="1"/>
-            <a:r>
-              <a:rPr lang="en-US" altLang="ko-KR" dirty="0" smtClean="0">
-                <a:sym typeface="Wingdings" panose="05000000000000000000" pitchFamily="2" charset="2"/>
-              </a:rPr>
-              <a:t>Outstanding performance over conventional transportation methods</a:t>
-            </a:r>
-          </a:p>
-          <a:p>
-            <a:pPr lvl="1"/>
-            <a:r>
-              <a:rPr lang="en-US" altLang="ko-KR" dirty="0" smtClean="0">
-                <a:sym typeface="Wingdings" panose="05000000000000000000" pitchFamily="2" charset="2"/>
-              </a:rPr>
-              <a:t>For satisfying scalability,  Advance to ‘RL-based multi-intersection methods’</a:t>
-            </a:r>
-            <a:endParaRPr lang="en-US" altLang="ko-KR" dirty="0" smtClean="0"/>
-          </a:p>
-        </p:txBody>
-      </p:sp>
-    </p:spTree>
-    <p:extLst>
-      <p:ext uri="{BB962C8B-B14F-4D97-AF65-F5344CB8AC3E}">
-        <p14:creationId xmlns:p14="http://schemas.microsoft.com/office/powerpoint/2010/main" val="3516416667"/>
-      </p:ext>
-    </p:extLst>
-  </p:cSld>
-  <p:clrMapOvr>
-    <a:masterClrMapping/>
-  </p:clrMapOvr>
-  <p:timing>
-    <p:tnLst>
-      <p:par>
-        <p:cTn id="1" dur="indefinite" restart="never" nodeType="tmRoot"/>
-      </p:par>
-    </p:tnLst>
-  </p:timing>
-</p:sld>
-</file>
-
 <file path=ppt/slides/slide17.xml><?xml version="1.0" encoding="utf-8"?>
 <p:sld xmlns:a="http://schemas.openxmlformats.org/drawingml/2006/main" xmlns:r="http://schemas.openxmlformats.org/officeDocument/2006/relationships" xmlns:p="http://schemas.openxmlformats.org/presentationml/2006/main">
   <p:cSld>
@@ -9105,72 +9220,84 @@
           <a:p>
             <a:r>
               <a:rPr lang="en-US" altLang="ko-KR" dirty="0" smtClean="0"/>
-              <a:t> Reinforcement Learning(RL) based multi-intersection methods</a:t>
+              <a:t> Max Pressure : optimization-based method</a:t>
             </a:r>
           </a:p>
           <a:p>
             <a:pPr lvl="1"/>
             <a:r>
               <a:rPr lang="en-US" altLang="ko-KR" dirty="0" smtClean="0"/>
-              <a:t>Treat all the intersection </a:t>
-            </a:r>
-            <a:r>
-              <a:rPr lang="en-US" altLang="ko-KR" dirty="0" err="1" smtClean="0"/>
-              <a:t>isolately</a:t>
-            </a:r>
+              <a:t>Providing global optimization through coordination</a:t>
+            </a:r>
+          </a:p>
+          <a:p>
+            <a:pPr lvl="1"/>
             <a:r>
               <a:rPr lang="en-US" altLang="ko-KR" dirty="0" smtClean="0"/>
-              <a:t> and apply individual traffic signal control</a:t>
-            </a:r>
-          </a:p>
-          <a:p>
-            <a:pPr lvl="2"/>
-            <a:r>
+              <a:t>Developed to optimize the global vehicle travel time, throughput and # of stops at intersections</a:t>
+            </a:r>
+            <a:br>
               <a:rPr lang="en-US" altLang="ko-KR" dirty="0" smtClean="0"/>
-              <a:t>Scale-up easily</a:t>
-            </a:r>
-          </a:p>
-          <a:p>
-            <a:pPr lvl="2"/>
+            </a:br>
             <a:r>
               <a:rPr lang="en-US" altLang="ko-KR" dirty="0" smtClean="0"/>
-              <a:t>Cannot coordinate with neighbors, achieve their own goals</a:t>
-            </a:r>
-          </a:p>
-          <a:p>
-            <a:pPr lvl="1"/>
-            <a:r>
+              <a:t/>
+            </a:r>
+            <a:br>
               <a:rPr lang="en-US" altLang="ko-KR" dirty="0" smtClean="0"/>
-              <a:t>Centralized optimization over multiple coordinated agents</a:t>
-            </a:r>
-          </a:p>
-          <a:p>
-            <a:pPr lvl="2"/>
-            <a:r>
-              <a:rPr lang="en-US" altLang="ko-KR" dirty="0" smtClean="0"/>
-              <a:t>Achieve coordination with neighbor intersections</a:t>
-            </a:r>
-          </a:p>
-          <a:p>
-            <a:pPr lvl="2"/>
-            <a:r>
-              <a:rPr lang="en-US" altLang="ko-KR" dirty="0" smtClean="0"/>
-              <a:t>Network scale expands, optimization is infeasible due to large joint action space</a:t>
-            </a:r>
-          </a:p>
-          <a:p>
-            <a:pPr lvl="2"/>
-            <a:endParaRPr lang="en-US" altLang="ko-KR" dirty="0"/>
-          </a:p>
-          <a:p>
-            <a:pPr marL="0" indent="0">
-              <a:buNone/>
-            </a:pPr>
+            </a:br>
             <a:r>
               <a:rPr lang="en-US" altLang="ko-KR" dirty="0" smtClean="0">
                 <a:sym typeface="Wingdings" panose="05000000000000000000" pitchFamily="2" charset="2"/>
               </a:rPr>
-              <a:t> Trade-off between scalability and coordination</a:t>
+              <a:t> Challenges</a:t>
+            </a:r>
+          </a:p>
+          <a:p>
+            <a:pPr lvl="4"/>
+            <a:r>
+              <a:rPr lang="en-US" altLang="ko-KR" dirty="0">
+                <a:sym typeface="Wingdings" panose="05000000000000000000" pitchFamily="2" charset="2"/>
+              </a:rPr>
+              <a:t> </a:t>
+            </a:r>
+            <a:r>
+              <a:rPr lang="en-US" altLang="ko-KR" dirty="0" smtClean="0">
+                <a:sym typeface="Wingdings" panose="05000000000000000000" pitchFamily="2" charset="2"/>
+              </a:rPr>
+              <a:t>Still rely on assumptions of simple traffic condition, HARD to apply to real world</a:t>
+            </a:r>
+          </a:p>
+          <a:p>
+            <a:r>
+              <a:rPr lang="en-US" altLang="ko-KR" dirty="0">
+                <a:sym typeface="Wingdings" panose="05000000000000000000" pitchFamily="2" charset="2"/>
+              </a:rPr>
+              <a:t> </a:t>
+            </a:r>
+            <a:r>
+              <a:rPr lang="en-US" altLang="ko-KR" dirty="0" smtClean="0">
+                <a:sym typeface="Wingdings" panose="05000000000000000000" pitchFamily="2" charset="2"/>
+              </a:rPr>
+              <a:t>RL-based single-intersection methods</a:t>
+            </a:r>
+          </a:p>
+          <a:p>
+            <a:pPr lvl="1"/>
+            <a:r>
+              <a:rPr lang="en-US" altLang="ko-KR" dirty="0" smtClean="0">
+                <a:sym typeface="Wingdings" panose="05000000000000000000" pitchFamily="2" charset="2"/>
+              </a:rPr>
+              <a:t>Outstanding performance over conventional transportation methods</a:t>
+            </a:r>
+          </a:p>
+          <a:p>
+            <a:pPr lvl="1"/>
+            <a:r>
+              <a:rPr lang="en-US" altLang="ko-KR" dirty="0" smtClean="0">
+                <a:sym typeface="Wingdings" panose="05000000000000000000" pitchFamily="2" charset="2"/>
+              </a:rPr>
+              <a:t>For satisfying scalability,  Advance to ‘RL-based multi-intersection methods’</a:t>
             </a:r>
             <a:endParaRPr lang="en-US" altLang="ko-KR" dirty="0" smtClean="0"/>
           </a:p>
@@ -9179,7 +9306,7 @@
     </p:spTree>
     <p:extLst>
       <p:ext uri="{BB962C8B-B14F-4D97-AF65-F5344CB8AC3E}">
-        <p14:creationId xmlns:p14="http://schemas.microsoft.com/office/powerpoint/2010/main" val="3965086745"/>
+        <p14:creationId xmlns:p14="http://schemas.microsoft.com/office/powerpoint/2010/main" val="3516416667"/>
       </p:ext>
     </p:extLst>
   </p:cSld>
@@ -9253,61 +9380,81 @@
           <a:p>
             <a:r>
               <a:rPr lang="en-US" altLang="ko-KR" dirty="0" smtClean="0"/>
-              <a:t> Decentralized Approach based on RL</a:t>
+              <a:t> Reinforcement Learning(RL) based multi-intersection methods</a:t>
             </a:r>
           </a:p>
           <a:p>
             <a:pPr lvl="1"/>
             <a:r>
               <a:rPr lang="en-US" altLang="ko-KR" dirty="0" smtClean="0"/>
-              <a:t>Considering both scalability and coordination</a:t>
+              <a:t>Treat all the intersection </a:t>
+            </a:r>
+            <a:r>
+              <a:rPr lang="en-US" altLang="ko-KR" dirty="0" err="1" smtClean="0"/>
+              <a:t>isolately</a:t>
+            </a:r>
+            <a:r>
+              <a:rPr lang="en-US" altLang="ko-KR" dirty="0" smtClean="0"/>
+              <a:t> and apply individual traffic signal control</a:t>
+            </a:r>
+          </a:p>
+          <a:p>
+            <a:pPr lvl="2"/>
+            <a:r>
+              <a:rPr lang="en-US" altLang="ko-KR" dirty="0" smtClean="0"/>
+              <a:t>Scale-up easily</a:t>
+            </a:r>
+          </a:p>
+          <a:p>
+            <a:pPr lvl="2"/>
+            <a:r>
+              <a:rPr lang="en-US" altLang="ko-KR" dirty="0" smtClean="0"/>
+              <a:t>Cannot coordinate with neighbors, achieve their own goals</a:t>
             </a:r>
           </a:p>
           <a:p>
             <a:pPr lvl="1"/>
+            <a:r>
+              <a:rPr lang="en-US" altLang="ko-KR" dirty="0" smtClean="0"/>
+              <a:t>Centralized optimization over multiple coordinated agents</a:t>
+            </a:r>
+          </a:p>
+          <a:p>
+            <a:pPr lvl="2"/>
+            <a:r>
+              <a:rPr lang="en-US" altLang="ko-KR" dirty="0" smtClean="0"/>
+              <a:t>Achieve coordination with neighbor intersections</a:t>
+            </a:r>
+          </a:p>
+          <a:p>
+            <a:pPr lvl="2"/>
+            <a:r>
+              <a:rPr lang="en-US" altLang="ko-KR" dirty="0" smtClean="0"/>
+              <a:t>Network scale expands, optimization is infeasible due to large joint action space</a:t>
+            </a:r>
+          </a:p>
+          <a:p>
+            <a:pPr lvl="2"/>
             <a:endParaRPr lang="en-US" altLang="ko-KR" dirty="0"/>
           </a:p>
           <a:p>
-            <a:r>
-              <a:rPr lang="en-US" altLang="ko-KR" dirty="0" smtClean="0"/>
-              <a:t> Issues that are hard to apply RL in large-scale network</a:t>
-            </a:r>
-          </a:p>
-          <a:p>
-            <a:pPr lvl="1"/>
-            <a:r>
-              <a:rPr lang="en-US" altLang="ko-KR" dirty="0" err="1" smtClean="0"/>
-              <a:t>Uni</a:t>
-            </a:r>
-            <a:r>
-              <a:rPr lang="en-US" altLang="ko-KR" dirty="0" smtClean="0"/>
-              <a:t>-intersection related reward system</a:t>
-            </a:r>
-          </a:p>
-          <a:p>
-            <a:pPr lvl="1"/>
-            <a:r>
-              <a:rPr lang="en-US" altLang="ko-KR" dirty="0" smtClean="0"/>
-              <a:t>Few reward design for direct coordination</a:t>
-            </a:r>
-          </a:p>
-          <a:p>
-            <a:pPr lvl="1"/>
-            <a:r>
-              <a:rPr lang="en-US" altLang="ko-KR" dirty="0" smtClean="0"/>
-              <a:t>Current RL method includes infeasible features in the states</a:t>
-            </a:r>
-          </a:p>
-          <a:p>
-            <a:pPr lvl="2"/>
-            <a:endParaRPr lang="ko-KR" altLang="en-US" dirty="0"/>
+            <a:pPr marL="0" indent="0">
+              <a:buNone/>
+            </a:pPr>
+            <a:r>
+              <a:rPr lang="en-US" altLang="ko-KR" dirty="0" smtClean="0">
+                <a:sym typeface="Wingdings" panose="05000000000000000000" pitchFamily="2" charset="2"/>
+              </a:rPr>
+              <a:t> Trade-off between scalability and coordination</a:t>
+            </a:r>
+            <a:endParaRPr lang="en-US" altLang="ko-KR" dirty="0" smtClean="0"/>
           </a:p>
         </p:txBody>
       </p:sp>
     </p:spTree>
     <p:extLst>
       <p:ext uri="{BB962C8B-B14F-4D97-AF65-F5344CB8AC3E}">
-        <p14:creationId xmlns:p14="http://schemas.microsoft.com/office/powerpoint/2010/main" val="981731544"/>
+        <p14:creationId xmlns:p14="http://schemas.microsoft.com/office/powerpoint/2010/main" val="3965086745"/>
       </p:ext>
     </p:extLst>
   </p:cSld>
@@ -9358,7 +9505,7 @@
           <a:p>
             <a:r>
               <a:rPr lang="en-US" altLang="ko-KR" dirty="0" smtClean="0"/>
-              <a:t>Approach</a:t>
+              <a:t>Related work</a:t>
             </a:r>
             <a:endParaRPr lang="ko-KR" altLang="en-US" dirty="0"/>
           </a:p>
@@ -9381,115 +9528,53 @@
           <a:p>
             <a:r>
               <a:rPr lang="en-US" altLang="ko-KR" dirty="0" smtClean="0"/>
-              <a:t> </a:t>
-            </a:r>
+              <a:t> Decentralized Approach based on RL</a:t>
+            </a:r>
+          </a:p>
+          <a:p>
+            <a:pPr lvl="1"/>
+            <a:r>
+              <a:rPr lang="en-US" altLang="ko-KR" dirty="0" smtClean="0"/>
+              <a:t>Considering both scalability and coordination</a:t>
+            </a:r>
+          </a:p>
+          <a:p>
+            <a:pPr lvl="1"/>
+            <a:endParaRPr lang="en-US" altLang="ko-KR" dirty="0"/>
+          </a:p>
+          <a:p>
+            <a:r>
+              <a:rPr lang="en-US" altLang="ko-KR" dirty="0" smtClean="0"/>
+              <a:t> Issues that are hard to apply RL in large-scale network</a:t>
+            </a:r>
+          </a:p>
+          <a:p>
+            <a:pPr lvl="1"/>
             <a:r>
               <a:rPr lang="en-US" altLang="ko-KR" dirty="0" err="1" smtClean="0"/>
-              <a:t>MPLight</a:t>
-            </a:r>
-            <a:endParaRPr lang="en-US" altLang="ko-KR" dirty="0" smtClean="0"/>
+              <a:t>Uni</a:t>
+            </a:r>
+            <a:r>
+              <a:rPr lang="en-US" altLang="ko-KR" dirty="0" smtClean="0"/>
+              <a:t>-intersection related reward system</a:t>
+            </a:r>
           </a:p>
           <a:p>
             <a:pPr lvl="1"/>
             <a:r>
               <a:rPr lang="en-US" altLang="ko-KR" dirty="0" smtClean="0"/>
-              <a:t>Utilizing simple features that are feasible in the real world &lt;- overcome infeasibility</a:t>
+              <a:t>Few reward design for direct coordination</a:t>
             </a:r>
           </a:p>
           <a:p>
             <a:pPr lvl="1"/>
             <a:r>
-              <a:rPr lang="en-US" altLang="ko-KR" dirty="0" smtClean="0">
-                <a:sym typeface="Wingdings" panose="05000000000000000000" pitchFamily="2" charset="2"/>
-              </a:rPr>
-              <a:t>Sharing parameters of intersections &lt;- overcome scalability</a:t>
+              <a:rPr lang="en-US" altLang="ko-KR" dirty="0" smtClean="0"/>
+              <a:t>Current RL method includes infeasible features in the states</a:t>
             </a:r>
           </a:p>
           <a:p>
             <a:pPr lvl="2"/>
-            <a:r>
-              <a:rPr lang="en-US" altLang="ko-KR" dirty="0" smtClean="0">
-                <a:sym typeface="Wingdings" panose="05000000000000000000" pitchFamily="2" charset="2"/>
-              </a:rPr>
-              <a:t>Not sharing all the parameters naively  inferior performance because of having different structures each</a:t>
-            </a:r>
-          </a:p>
-          <a:p>
-            <a:pPr lvl="2"/>
-            <a:r>
-              <a:rPr lang="en-US" altLang="ko-KR" dirty="0" smtClean="0">
-                <a:sym typeface="Wingdings" panose="05000000000000000000" pitchFamily="2" charset="2"/>
-              </a:rPr>
-              <a:t>Not applying the control of large flow to the system with little traffic</a:t>
-            </a:r>
-            <a:br>
-              <a:rPr lang="en-US" altLang="ko-KR" dirty="0" smtClean="0">
-                <a:sym typeface="Wingdings" panose="05000000000000000000" pitchFamily="2" charset="2"/>
-              </a:rPr>
-            </a:br>
-            <a:r>
-              <a:rPr lang="en-US" altLang="ko-KR" dirty="0" smtClean="0">
-                <a:sym typeface="Wingdings" panose="05000000000000000000" pitchFamily="2" charset="2"/>
-              </a:rPr>
-              <a:t>- Following similar control logic and enhancing the speed of learning by sharing their learned knowledge </a:t>
-            </a:r>
-            <a:br>
-              <a:rPr lang="en-US" altLang="ko-KR" dirty="0" smtClean="0">
-                <a:sym typeface="Wingdings" panose="05000000000000000000" pitchFamily="2" charset="2"/>
-              </a:rPr>
-            </a:br>
-            <a:r>
-              <a:rPr lang="en-US" altLang="ko-KR" dirty="0" smtClean="0">
-                <a:sym typeface="Wingdings" panose="05000000000000000000" pitchFamily="2" charset="2"/>
-              </a:rPr>
-              <a:t>- base model, ‘FRAP’</a:t>
-            </a:r>
-          </a:p>
-          <a:p>
-            <a:pPr lvl="1"/>
-            <a:r>
-              <a:rPr lang="en-US" altLang="ko-KR" dirty="0"/>
-              <a:t>Integrating the concept of “pressure” into reward design for </a:t>
-            </a:r>
-            <a:r>
-              <a:rPr lang="en-US" altLang="ko-KR" dirty="0" smtClean="0"/>
-              <a:t>coordination</a:t>
-            </a:r>
-          </a:p>
-          <a:p>
-            <a:pPr lvl="2"/>
-            <a:r>
-              <a:rPr lang="en-US" altLang="ko-KR" dirty="0" smtClean="0"/>
-              <a:t>Derived from ‘max pressure theory’, aimed at the global throughput in the area</a:t>
-            </a:r>
-          </a:p>
-          <a:p>
-            <a:pPr lvl="2"/>
-            <a:r>
-              <a:rPr lang="en-US" altLang="ko-KR" dirty="0" smtClean="0"/>
-              <a:t>Balancing the distribution of vehicle by minimizing the pressure and maximizing the throughput </a:t>
-            </a:r>
-            <a:br>
-              <a:rPr lang="en-US" altLang="ko-KR" dirty="0" smtClean="0"/>
-            </a:br>
-            <a:r>
-              <a:rPr lang="en-US" altLang="ko-KR" dirty="0" smtClean="0"/>
-              <a:t/>
-            </a:r>
-            <a:br>
-              <a:rPr lang="en-US" altLang="ko-KR" dirty="0" smtClean="0"/>
-            </a:br>
-            <a:r>
-              <a:rPr lang="en-US" altLang="ko-KR" dirty="0" smtClean="0"/>
-              <a:t>- pressure: discrepancy of the number of vehicles inflow and outflow</a:t>
-            </a:r>
-            <a:r>
-              <a:rPr lang="en-US" altLang="ko-KR" dirty="0"/>
-              <a:t/>
-            </a:r>
-            <a:br>
-              <a:rPr lang="en-US" altLang="ko-KR" dirty="0"/>
-            </a:br>
             <a:endParaRPr lang="ko-KR" altLang="en-US" dirty="0"/>
           </a:p>
         </p:txBody>
@@ -9497,7 +9582,7 @@
     </p:spTree>
     <p:extLst>
       <p:ext uri="{BB962C8B-B14F-4D97-AF65-F5344CB8AC3E}">
-        <p14:creationId xmlns:p14="http://schemas.microsoft.com/office/powerpoint/2010/main" val="3727605026"/>
+        <p14:creationId xmlns:p14="http://schemas.microsoft.com/office/powerpoint/2010/main" val="981731544"/>
       </p:ext>
     </p:extLst>
   </p:cSld>
@@ -9668,6 +9753,228 @@
 </file>
 
 <file path=ppt/slides/slide20.xml><?xml version="1.0" encoding="utf-8"?>
+<p:sld xmlns:a="http://schemas.openxmlformats.org/drawingml/2006/main" xmlns:r="http://schemas.openxmlformats.org/officeDocument/2006/relationships" xmlns:p="http://schemas.openxmlformats.org/presentationml/2006/main">
+  <p:cSld>
+    <p:spTree>
+      <p:nvGrpSpPr>
+        <p:cNvPr id="1" name=""/>
+        <p:cNvGrpSpPr/>
+        <p:nvPr/>
+      </p:nvGrpSpPr>
+      <p:grpSpPr>
+        <a:xfrm>
+          <a:off x="0" y="0"/>
+          <a:ext cx="0" cy="0"/>
+          <a:chOff x="0" y="0"/>
+          <a:chExt cx="0" cy="0"/>
+        </a:xfrm>
+      </p:grpSpPr>
+      <p:sp>
+        <p:nvSpPr>
+          <p:cNvPr id="2" name="제목 1"/>
+          <p:cNvSpPr>
+            <a:spLocks noGrp="1"/>
+          </p:cNvSpPr>
+          <p:nvPr>
+            <p:ph type="title"/>
+          </p:nvPr>
+        </p:nvSpPr>
+        <p:spPr/>
+        <p:txBody>
+          <a:bodyPr/>
+          <a:lstStyle/>
+          <a:p>
+            <a:r>
+              <a:rPr lang="en-US" altLang="ko-KR" dirty="0" smtClean="0"/>
+              <a:t>Approach</a:t>
+            </a:r>
+            <a:endParaRPr lang="ko-KR" altLang="en-US" dirty="0"/>
+          </a:p>
+        </p:txBody>
+      </p:sp>
+      <p:sp>
+        <p:nvSpPr>
+          <p:cNvPr id="3" name="내용 개체 틀 2"/>
+          <p:cNvSpPr>
+            <a:spLocks noGrp="1"/>
+          </p:cNvSpPr>
+          <p:nvPr>
+            <p:ph idx="1"/>
+          </p:nvPr>
+        </p:nvSpPr>
+        <p:spPr/>
+        <p:txBody>
+          <a:bodyPr/>
+          <a:lstStyle/>
+          <a:p>
+            <a:r>
+              <a:rPr lang="en-US" altLang="ko-KR" dirty="0" smtClean="0"/>
+              <a:t> </a:t>
+            </a:r>
+            <a:r>
+              <a:rPr lang="en-US" altLang="ko-KR" dirty="0" err="1" smtClean="0"/>
+              <a:t>MPLight</a:t>
+            </a:r>
+            <a:endParaRPr lang="en-US" altLang="ko-KR" dirty="0" smtClean="0"/>
+          </a:p>
+          <a:p>
+            <a:pPr lvl="1"/>
+            <a:r>
+              <a:rPr lang="en-US" altLang="ko-KR" dirty="0" smtClean="0"/>
+              <a:t>Utilizing simple features that are feasible in the real world &lt;- overcome infeasibility</a:t>
+            </a:r>
+          </a:p>
+          <a:p>
+            <a:pPr lvl="1"/>
+            <a:r>
+              <a:rPr lang="en-US" altLang="ko-KR" dirty="0" smtClean="0">
+                <a:sym typeface="Wingdings" panose="05000000000000000000" pitchFamily="2" charset="2"/>
+              </a:rPr>
+              <a:t>Sharing parameters of intersections &lt;- overcome scalability</a:t>
+            </a:r>
+          </a:p>
+          <a:p>
+            <a:pPr lvl="2"/>
+            <a:r>
+              <a:rPr lang="en-US" altLang="ko-KR" dirty="0" smtClean="0">
+                <a:sym typeface="Wingdings" panose="05000000000000000000" pitchFamily="2" charset="2"/>
+              </a:rPr>
+              <a:t>Not sharing all the parameters naively  inferior performance because of having different structures each</a:t>
+            </a:r>
+          </a:p>
+          <a:p>
+            <a:pPr lvl="2"/>
+            <a:r>
+              <a:rPr lang="en-US" altLang="ko-KR" dirty="0" smtClean="0">
+                <a:sym typeface="Wingdings" panose="05000000000000000000" pitchFamily="2" charset="2"/>
+              </a:rPr>
+              <a:t>Not applying the control of large flow to the system with little traffic</a:t>
+            </a:r>
+            <a:br>
+              <a:rPr lang="en-US" altLang="ko-KR" dirty="0" smtClean="0">
+                <a:sym typeface="Wingdings" panose="05000000000000000000" pitchFamily="2" charset="2"/>
+              </a:rPr>
+            </a:br>
+            <a:r>
+              <a:rPr lang="en-US" altLang="ko-KR" dirty="0" smtClean="0">
+                <a:sym typeface="Wingdings" panose="05000000000000000000" pitchFamily="2" charset="2"/>
+              </a:rPr>
+              <a:t>- Following similar control logic and enhancing the speed of learning by sharing their learned knowledge </a:t>
+            </a:r>
+            <a:br>
+              <a:rPr lang="en-US" altLang="ko-KR" dirty="0" smtClean="0">
+                <a:sym typeface="Wingdings" panose="05000000000000000000" pitchFamily="2" charset="2"/>
+              </a:rPr>
+            </a:br>
+            <a:r>
+              <a:rPr lang="en-US" altLang="ko-KR" dirty="0" smtClean="0">
+                <a:sym typeface="Wingdings" panose="05000000000000000000" pitchFamily="2" charset="2"/>
+              </a:rPr>
+              <a:t>- base model, ‘FRAP’</a:t>
+            </a:r>
+          </a:p>
+          <a:p>
+            <a:pPr lvl="1"/>
+            <a:r>
+              <a:rPr lang="en-US" altLang="ko-KR" dirty="0"/>
+              <a:t>Integrating the concept of “pressure” into reward design for </a:t>
+            </a:r>
+            <a:r>
+              <a:rPr lang="en-US" altLang="ko-KR" dirty="0" smtClean="0"/>
+              <a:t>coordination</a:t>
+            </a:r>
+          </a:p>
+          <a:p>
+            <a:pPr lvl="2"/>
+            <a:r>
+              <a:rPr lang="en-US" altLang="ko-KR" dirty="0" smtClean="0"/>
+              <a:t>Derived from ‘max </a:t>
+            </a:r>
+            <a:r>
+              <a:rPr lang="en-US" altLang="ko-KR" dirty="0" smtClean="0"/>
+              <a:t>pressure control </a:t>
+            </a:r>
+            <a:r>
+              <a:rPr lang="en-US" altLang="ko-KR" dirty="0" smtClean="0"/>
+              <a:t>theory’, aimed at the global throughput in the area</a:t>
+            </a:r>
+          </a:p>
+          <a:p>
+            <a:pPr lvl="2"/>
+            <a:r>
+              <a:rPr lang="en-US" altLang="ko-KR" dirty="0" smtClean="0"/>
+              <a:t>Balancing the distribution of vehicle by minimizing the pressure and maximizing the throughput </a:t>
+            </a:r>
+            <a:br>
+              <a:rPr lang="en-US" altLang="ko-KR" dirty="0" smtClean="0"/>
+            </a:br>
+            <a:r>
+              <a:rPr lang="en-US" altLang="ko-KR" dirty="0" smtClean="0"/>
+              <a:t/>
+            </a:r>
+            <a:br>
+              <a:rPr lang="en-US" altLang="ko-KR" dirty="0" smtClean="0"/>
+            </a:br>
+            <a:r>
+              <a:rPr lang="en-US" altLang="ko-KR" dirty="0" smtClean="0"/>
+              <a:t>- pressure: discrepancy of the number of vehicles inflow and outflow</a:t>
+            </a:r>
+            <a:r>
+              <a:rPr lang="en-US" altLang="ko-KR" dirty="0"/>
+              <a:t/>
+            </a:r>
+            <a:br>
+              <a:rPr lang="en-US" altLang="ko-KR" dirty="0"/>
+            </a:br>
+            <a:endParaRPr lang="ko-KR" altLang="en-US" dirty="0"/>
+          </a:p>
+        </p:txBody>
+      </p:sp>
+      <p:pic>
+        <p:nvPicPr>
+          <p:cNvPr id="4" name="그림 3"/>
+          <p:cNvPicPr>
+            <a:picLocks noChangeAspect="1"/>
+          </p:cNvPicPr>
+          <p:nvPr/>
+        </p:nvPicPr>
+        <p:blipFill>
+          <a:blip r:embed="rId2"/>
+          <a:stretch>
+            <a:fillRect/>
+          </a:stretch>
+        </p:blipFill>
+        <p:spPr>
+          <a:xfrm>
+            <a:off x="8885592" y="3814463"/>
+            <a:ext cx="2885947" cy="1117848"/>
+          </a:xfrm>
+          <a:prstGeom prst="rect">
+            <a:avLst/>
+          </a:prstGeom>
+        </p:spPr>
+      </p:pic>
+    </p:spTree>
+    <p:extLst>
+      <p:ext uri="{BB962C8B-B14F-4D97-AF65-F5344CB8AC3E}">
+        <p14:creationId xmlns:p14="http://schemas.microsoft.com/office/powerpoint/2010/main" val="3727605026"/>
+      </p:ext>
+    </p:extLst>
+  </p:cSld>
+  <p:clrMapOvr>
+    <a:masterClrMapping/>
+  </p:clrMapOvr>
+  <p:timing>
+    <p:tnLst>
+      <p:par>
+        <p:cTn id="1" dur="indefinite" restart="never" nodeType="tmRoot"/>
+      </p:par>
+    </p:tnLst>
+  </p:timing>
+</p:sld>
+</file>
+
+<file path=ppt/slides/slide21.xml><?xml version="1.0" encoding="utf-8"?>
 <p:sld xmlns:a="http://schemas.openxmlformats.org/drawingml/2006/main" xmlns:r="http://schemas.openxmlformats.org/officeDocument/2006/relationships" xmlns:p="http://schemas.openxmlformats.org/presentationml/2006/main">
   <p:cSld>
     <p:spTree>
@@ -9789,8 +10096,11 @@
                   <a:rPr lang="en-US" altLang="ko-KR" dirty="0" smtClean="0">
                     <a:sym typeface="Wingdings" panose="05000000000000000000" pitchFamily="2" charset="2"/>
                   </a:rPr>
-                  <a:t>Action</a:t>
+                  <a:t>Action(every 10s)</a:t>
                 </a:r>
+                <a:endParaRPr lang="en-US" altLang="ko-KR" dirty="0" smtClean="0">
+                  <a:sym typeface="Wingdings" panose="05000000000000000000" pitchFamily="2" charset="2"/>
+                </a:endParaRPr>
               </a:p>
               <a:p>
                 <a:pPr lvl="2"/>
@@ -9830,8 +10140,26 @@
                   <a:rPr lang="en-US" altLang="ko-KR" dirty="0" smtClean="0">
                     <a:sym typeface="Wingdings" panose="05000000000000000000" pitchFamily="2" charset="2"/>
                   </a:rPr>
-                  <a:t> Not choosing all the phase</a:t>
+                  <a:t> Not choosing all the </a:t>
                 </a:r>
+                <a:r>
+                  <a:rPr lang="en-US" altLang="ko-KR" dirty="0" smtClean="0">
+                    <a:sym typeface="Wingdings" panose="05000000000000000000" pitchFamily="2" charset="2"/>
+                  </a:rPr>
+                  <a:t>phase</a:t>
+                </a:r>
+              </a:p>
+              <a:p>
+                <a:pPr lvl="2"/>
+                <a:r>
+                  <a:rPr lang="en-US" altLang="ko-KR" dirty="0" smtClean="0">
+                    <a:sym typeface="Wingdings" panose="05000000000000000000" pitchFamily="2" charset="2"/>
+                  </a:rPr>
+                  <a:t>Select the phase based on Max Pressure Control Law</a:t>
+                </a:r>
+                <a:endParaRPr lang="en-US" altLang="ko-KR" dirty="0" smtClean="0">
+                  <a:sym typeface="Wingdings" panose="05000000000000000000" pitchFamily="2" charset="2"/>
+                </a:endParaRPr>
               </a:p>
               <a:p>
                 <a:pPr lvl="1"/>
@@ -9949,8 +10277,8 @@
         </p:nvCxnSpPr>
         <p:spPr>
           <a:xfrm flipH="1" flipV="1">
-            <a:off x="7602145" y="4445744"/>
-            <a:ext cx="887619" cy="820099"/>
+            <a:off x="7609797" y="4445744"/>
+            <a:ext cx="879968" cy="820100"/>
           </a:xfrm>
           <a:prstGeom prst="straightConnector1">
             <a:avLst/>
@@ -9986,7 +10314,7 @@
         <p:spPr>
           <a:xfrm>
             <a:off x="8414841" y="5220293"/>
-            <a:ext cx="813316" cy="369332"/>
+            <a:ext cx="1356613" cy="369332"/>
           </a:xfrm>
           <a:prstGeom prst="rect">
             <a:avLst/>
@@ -10005,7 +10333,7 @@
                   <a:srgbClr val="FF0000"/>
                 </a:solidFill>
               </a:rPr>
-              <a:t>Agent</a:t>
+              <a:t>Super Agent</a:t>
             </a:r>
             <a:endParaRPr lang="ko-KR" altLang="en-US" b="1" dirty="0">
               <a:solidFill>
@@ -10024,7 +10352,7 @@
         <p:spPr>
           <a:xfrm>
             <a:off x="6836956" y="2777633"/>
-            <a:ext cx="1530377" cy="1668111"/>
+            <a:ext cx="1545682" cy="1668111"/>
           </a:xfrm>
           <a:prstGeom prst="rect">
             <a:avLst/>
@@ -10071,7 +10399,7 @@
             </p:nvSpPr>
             <p:spPr>
               <a:xfrm>
-                <a:off x="1823766" y="5220293"/>
+                <a:off x="1811508" y="5466514"/>
                 <a:ext cx="4399218" cy="246221"/>
               </a:xfrm>
               <a:prstGeom prst="rect">
@@ -10085,6 +10413,7 @@
               </a:bodyPr>
               <a:lstStyle/>
               <a:p>
+                <a:pPr/>
                 <a14:m>
                   <m:oMathPara xmlns:m="http://schemas.openxmlformats.org/officeDocument/2006/math">
                     <m:oMathParaPr>
@@ -10269,7 +10598,7 @@
             </p:nvSpPr>
             <p:spPr>
               <a:xfrm>
-                <a:off x="1823766" y="5220293"/>
+                <a:off x="1811508" y="5466514"/>
                 <a:ext cx="4399218" cy="246221"/>
               </a:xfrm>
               <a:prstGeom prst="rect">
@@ -10278,7 +10607,7 @@
               <a:blipFill>
                 <a:blip r:embed="rId4"/>
                 <a:stretch>
-                  <a:fillRect l="-139" r="-416" b="-31707"/>
+                  <a:fillRect l="-139" r="-416" b="-32500"/>
                 </a:stretch>
               </a:blipFill>
             </p:spPr>
@@ -10297,85 +10626,219 @@
           </p:sp>
         </mc:Fallback>
       </mc:AlternateContent>
+      <p:sp>
+        <p:nvSpPr>
+          <p:cNvPr id="8" name="모서리가 둥근 직사각형 7"/>
+          <p:cNvSpPr/>
+          <p:nvPr/>
+        </p:nvSpPr>
+        <p:spPr>
+          <a:xfrm>
+            <a:off x="8317598" y="3007190"/>
+            <a:ext cx="1591590" cy="566239"/>
+          </a:xfrm>
+          <a:prstGeom prst="roundRect">
+            <a:avLst/>
+          </a:prstGeom>
+          <a:noFill/>
+          <a:ln>
+            <a:solidFill>
+              <a:srgbClr val="00B050"/>
+            </a:solidFill>
+          </a:ln>
+        </p:spPr>
+        <p:style>
+          <a:lnRef idx="2">
+            <a:schemeClr val="accent1">
+              <a:shade val="50000"/>
+            </a:schemeClr>
+          </a:lnRef>
+          <a:fillRef idx="1">
+            <a:schemeClr val="accent1"/>
+          </a:fillRef>
+          <a:effectRef idx="0">
+            <a:schemeClr val="accent1"/>
+          </a:effectRef>
+          <a:fontRef idx="minor">
+            <a:schemeClr val="lt1"/>
+          </a:fontRef>
+        </p:style>
+        <p:txBody>
+          <a:bodyPr rtlCol="0" anchor="ctr"/>
+          <a:lstStyle/>
+          <a:p>
+            <a:pPr algn="ctr"/>
+            <a:endParaRPr lang="ko-KR" altLang="en-US"/>
+          </a:p>
+        </p:txBody>
+      </p:sp>
+      <p:sp>
+        <p:nvSpPr>
+          <p:cNvPr id="11" name="모서리가 둥근 직사각형 10"/>
+          <p:cNvSpPr/>
+          <p:nvPr/>
+        </p:nvSpPr>
+        <p:spPr>
+          <a:xfrm>
+            <a:off x="8334815" y="3956566"/>
+            <a:ext cx="1574373" cy="718735"/>
+          </a:xfrm>
+          <a:prstGeom prst="roundRect">
+            <a:avLst/>
+          </a:prstGeom>
+          <a:noFill/>
+          <a:ln>
+            <a:solidFill>
+              <a:srgbClr val="00B050"/>
+            </a:solidFill>
+          </a:ln>
+        </p:spPr>
+        <p:style>
+          <a:lnRef idx="2">
+            <a:schemeClr val="accent1">
+              <a:shade val="50000"/>
+            </a:schemeClr>
+          </a:lnRef>
+          <a:fillRef idx="1">
+            <a:schemeClr val="accent1"/>
+          </a:fillRef>
+          <a:effectRef idx="0">
+            <a:schemeClr val="accent1"/>
+          </a:effectRef>
+          <a:fontRef idx="minor">
+            <a:schemeClr val="lt1"/>
+          </a:fontRef>
+        </p:style>
+        <p:txBody>
+          <a:bodyPr rtlCol="0" anchor="ctr"/>
+          <a:lstStyle/>
+          <a:p>
+            <a:pPr algn="ctr"/>
+            <a:endParaRPr lang="ko-KR" altLang="en-US"/>
+          </a:p>
+        </p:txBody>
+      </p:sp>
+      <p:cxnSp>
+        <p:nvCxnSpPr>
+          <p:cNvPr id="12" name="직선 화살표 연결선 11"/>
+          <p:cNvCxnSpPr>
+            <a:endCxn id="8" idx="3"/>
+          </p:cNvCxnSpPr>
+          <p:nvPr/>
+        </p:nvCxnSpPr>
+        <p:spPr>
+          <a:xfrm flipH="1">
+            <a:off x="9909188" y="2524447"/>
+            <a:ext cx="739699" cy="765863"/>
+          </a:xfrm>
+          <a:prstGeom prst="straightConnector1">
+            <a:avLst/>
+          </a:prstGeom>
+          <a:ln>
+            <a:solidFill>
+              <a:srgbClr val="00B050"/>
+            </a:solidFill>
+            <a:tailEnd type="triangle"/>
+          </a:ln>
+        </p:spPr>
+        <p:style>
+          <a:lnRef idx="1">
+            <a:schemeClr val="accent2"/>
+          </a:lnRef>
+          <a:fillRef idx="0">
+            <a:schemeClr val="accent2"/>
+          </a:fillRef>
+          <a:effectRef idx="0">
+            <a:schemeClr val="accent2"/>
+          </a:effectRef>
+          <a:fontRef idx="minor">
+            <a:schemeClr val="tx1"/>
+          </a:fontRef>
+        </p:style>
+      </p:cxnSp>
+      <p:cxnSp>
+        <p:nvCxnSpPr>
+          <p:cNvPr id="15" name="직선 화살표 연결선 14"/>
+          <p:cNvCxnSpPr>
+            <a:endCxn id="11" idx="3"/>
+          </p:cNvCxnSpPr>
+          <p:nvPr/>
+        </p:nvCxnSpPr>
+        <p:spPr>
+          <a:xfrm flipH="1">
+            <a:off x="9909188" y="2524447"/>
+            <a:ext cx="739699" cy="1791487"/>
+          </a:xfrm>
+          <a:prstGeom prst="straightConnector1">
+            <a:avLst/>
+          </a:prstGeom>
+          <a:ln>
+            <a:solidFill>
+              <a:srgbClr val="00B050"/>
+            </a:solidFill>
+            <a:tailEnd type="triangle"/>
+          </a:ln>
+        </p:spPr>
+        <p:style>
+          <a:lnRef idx="1">
+            <a:schemeClr val="accent2"/>
+          </a:lnRef>
+          <a:fillRef idx="0">
+            <a:schemeClr val="accent2"/>
+          </a:fillRef>
+          <a:effectRef idx="0">
+            <a:schemeClr val="accent2"/>
+          </a:effectRef>
+          <a:fontRef idx="minor">
+            <a:schemeClr val="tx1"/>
+          </a:fontRef>
+        </p:style>
+      </p:cxnSp>
+      <p:sp>
+        <p:nvSpPr>
+          <p:cNvPr id="18" name="TextBox 17"/>
+          <p:cNvSpPr txBox="1"/>
+          <p:nvPr/>
+        </p:nvSpPr>
+        <p:spPr>
+          <a:xfrm>
+            <a:off x="10216733" y="2155115"/>
+            <a:ext cx="864307" cy="369332"/>
+          </a:xfrm>
+          <a:prstGeom prst="rect">
+            <a:avLst/>
+          </a:prstGeom>
+          <a:noFill/>
+          <a:ln>
+            <a:noFill/>
+          </a:ln>
+        </p:spPr>
+        <p:txBody>
+          <a:bodyPr wrap="square" rtlCol="0">
+            <a:spAutoFit/>
+          </a:bodyPr>
+          <a:lstStyle/>
+          <a:p>
+            <a:r>
+              <a:rPr lang="en-US" altLang="ko-KR" b="1" dirty="0" smtClean="0">
+                <a:solidFill>
+                  <a:srgbClr val="00B050"/>
+                </a:solidFill>
+              </a:rPr>
+              <a:t>Agents</a:t>
+            </a:r>
+            <a:endParaRPr lang="ko-KR" altLang="en-US" b="1" dirty="0">
+              <a:solidFill>
+                <a:srgbClr val="00B050"/>
+              </a:solidFill>
+            </a:endParaRPr>
+          </a:p>
+        </p:txBody>
+      </p:sp>
     </p:spTree>
     <p:extLst>
       <p:ext uri="{BB962C8B-B14F-4D97-AF65-F5344CB8AC3E}">
         <p14:creationId xmlns:p14="http://schemas.microsoft.com/office/powerpoint/2010/main" val="1306872571"/>
-      </p:ext>
-    </p:extLst>
-  </p:cSld>
-  <p:clrMapOvr>
-    <a:masterClrMapping/>
-  </p:clrMapOvr>
-  <p:timing>
-    <p:tnLst>
-      <p:par>
-        <p:cTn id="1" dur="indefinite" restart="never" nodeType="tmRoot"/>
-      </p:par>
-    </p:tnLst>
-  </p:timing>
-</p:sld>
-</file>
-
-<file path=ppt/slides/slide21.xml><?xml version="1.0" encoding="utf-8"?>
-<p:sld xmlns:a="http://schemas.openxmlformats.org/drawingml/2006/main" xmlns:r="http://schemas.openxmlformats.org/officeDocument/2006/relationships" xmlns:p="http://schemas.openxmlformats.org/presentationml/2006/main">
-  <p:cSld>
-    <p:spTree>
-      <p:nvGrpSpPr>
-        <p:cNvPr id="1" name=""/>
-        <p:cNvGrpSpPr/>
-        <p:nvPr/>
-      </p:nvGrpSpPr>
-      <p:grpSpPr>
-        <a:xfrm>
-          <a:off x="0" y="0"/>
-          <a:ext cx="0" cy="0"/>
-          <a:chOff x="0" y="0"/>
-          <a:chExt cx="0" cy="0"/>
-        </a:xfrm>
-      </p:grpSpPr>
-      <p:sp>
-        <p:nvSpPr>
-          <p:cNvPr id="2" name="제목 1"/>
-          <p:cNvSpPr>
-            <a:spLocks noGrp="1"/>
-          </p:cNvSpPr>
-          <p:nvPr>
-            <p:ph type="title"/>
-          </p:nvPr>
-        </p:nvSpPr>
-        <p:spPr/>
-        <p:txBody>
-          <a:bodyPr/>
-          <a:lstStyle/>
-          <a:p>
-            <a:endParaRPr lang="ko-KR" altLang="en-US" dirty="0"/>
-          </a:p>
-        </p:txBody>
-      </p:sp>
-      <p:sp>
-        <p:nvSpPr>
-          <p:cNvPr id="3" name="내용 개체 틀 2"/>
-          <p:cNvSpPr>
-            <a:spLocks noGrp="1"/>
-          </p:cNvSpPr>
-          <p:nvPr>
-            <p:ph idx="1"/>
-          </p:nvPr>
-        </p:nvSpPr>
-        <p:spPr/>
-        <p:txBody>
-          <a:bodyPr/>
-          <a:lstStyle/>
-          <a:p>
-            <a:endParaRPr lang="ko-KR" altLang="en-US"/>
-          </a:p>
-        </p:txBody>
-      </p:sp>
-    </p:spTree>
-    <p:extLst>
-      <p:ext uri="{BB962C8B-B14F-4D97-AF65-F5344CB8AC3E}">
-        <p14:creationId xmlns:p14="http://schemas.microsoft.com/office/powerpoint/2010/main" val="197467838"/>
       </p:ext>
     </p:extLst>
   </p:cSld>
@@ -10425,6 +10888,509 @@
           <a:lstStyle/>
           <a:p>
             <a:r>
+              <a:rPr lang="en-US" altLang="ko-KR" dirty="0"/>
+              <a:t>Approach: DQN </a:t>
+            </a:r>
+            <a:r>
+              <a:rPr lang="en-US" altLang="ko-KR" dirty="0" smtClean="0"/>
+              <a:t>Agent &amp; Setting</a:t>
+            </a:r>
+            <a:endParaRPr lang="ko-KR" altLang="en-US" dirty="0"/>
+          </a:p>
+        </p:txBody>
+      </p:sp>
+      <mc:AlternateContent xmlns:mc="http://schemas.openxmlformats.org/markup-compatibility/2006">
+        <mc:Choice xmlns:a14="http://schemas.microsoft.com/office/drawing/2010/main" Requires="a14">
+          <p:sp>
+            <p:nvSpPr>
+              <p:cNvPr id="3" name="내용 개체 틀 2"/>
+              <p:cNvSpPr>
+                <a:spLocks noGrp="1"/>
+              </p:cNvSpPr>
+              <p:nvPr>
+                <p:ph idx="1"/>
+              </p:nvPr>
+            </p:nvSpPr>
+            <p:spPr/>
+            <p:txBody>
+              <a:bodyPr/>
+              <a:lstStyle/>
+              <a:p>
+                <a:r>
+                  <a:rPr lang="en-US" altLang="ko-KR" dirty="0" smtClean="0"/>
+                  <a:t> Parameter Sharing</a:t>
+                </a:r>
+              </a:p>
+              <a:p>
+                <a:pPr lvl="1"/>
+                <a:r>
+                  <a:rPr lang="en-US" altLang="ko-KR" dirty="0"/>
+                  <a:t> </a:t>
+                </a:r>
+                <a:r>
+                  <a:rPr lang="en-US" altLang="ko-KR" dirty="0" smtClean="0"/>
+                  <a:t>All parameters shared among all the agents </a:t>
+                </a:r>
+                <a:br>
+                  <a:rPr lang="en-US" altLang="ko-KR" dirty="0" smtClean="0"/>
+                </a:br>
+                <a:r>
+                  <a:rPr lang="en-US" altLang="ko-KR" dirty="0" smtClean="0">
+                    <a:sym typeface="Wingdings" panose="05000000000000000000" pitchFamily="2" charset="2"/>
+                  </a:rPr>
+                  <a:t> One intersection can get data from all the other intersections’ experience replay</a:t>
+                </a:r>
+              </a:p>
+              <a:p>
+                <a:r>
+                  <a:rPr lang="en-US" altLang="ko-KR" dirty="0" smtClean="0"/>
+                  <a:t> Setting (Synthetic data on a 4x4 network)</a:t>
+                </a:r>
+              </a:p>
+              <a:p>
+                <a:pPr lvl="1"/>
+                <a:r>
+                  <a:rPr lang="en-US" altLang="ko-KR" dirty="0" smtClean="0"/>
+                  <a:t>After the designated phase, 3s yellow signal</a:t>
+                </a:r>
+                <a:br>
+                  <a:rPr lang="en-US" altLang="ko-KR" dirty="0" smtClean="0"/>
+                </a:br>
+                <a:r>
+                  <a:rPr lang="en-US" altLang="ko-KR" dirty="0" smtClean="0"/>
+                  <a:t>and 2s all red time are followed</a:t>
+                </a:r>
+              </a:p>
+              <a:p>
+                <a:pPr lvl="1"/>
+                <a:r>
+                  <a:rPr lang="en-US" altLang="ko-KR" dirty="0" smtClean="0"/>
+                  <a:t>Bi-directional and dynamic flows</a:t>
+                </a:r>
+                <a:br>
+                  <a:rPr lang="en-US" altLang="ko-KR" dirty="0" smtClean="0"/>
+                </a:br>
+                <a:r>
+                  <a:rPr lang="en-US" altLang="ko-KR" dirty="0" smtClean="0"/>
+                  <a:t>- Flat(</a:t>
+                </a:r>
+                <a14:m>
+                  <m:oMath xmlns:m="http://schemas.openxmlformats.org/officeDocument/2006/math">
+                    <m:r>
+                      <a:rPr lang="ko-KR" altLang="en-US" i="1" smtClean="0">
+                        <a:latin typeface="Cambria Math" panose="02040503050406030204" pitchFamily="18" charset="0"/>
+                      </a:rPr>
+                      <m:t>𝜎</m:t>
+                    </m:r>
+                  </m:oMath>
+                </a14:m>
+                <a:r>
+                  <a:rPr lang="en-US" altLang="ko-KR" dirty="0" smtClean="0"/>
+                  <a:t>=0.6)</a:t>
+                </a:r>
+                <a:br>
+                  <a:rPr lang="en-US" altLang="ko-KR" dirty="0" smtClean="0"/>
+                </a:br>
+                <a:r>
+                  <a:rPr lang="en-US" altLang="ko-KR" dirty="0" smtClean="0"/>
+                  <a:t>- Peak(</a:t>
+                </a:r>
+                <a14:m>
+                  <m:oMath xmlns:m="http://schemas.openxmlformats.org/officeDocument/2006/math">
+                    <m:r>
+                      <a:rPr lang="ko-KR" altLang="en-US" i="1">
+                        <a:latin typeface="Cambria Math" panose="02040503050406030204" pitchFamily="18" charset="0"/>
+                      </a:rPr>
+                      <m:t>𝜎</m:t>
+                    </m:r>
+                  </m:oMath>
+                </a14:m>
+                <a:r>
+                  <a:rPr lang="en-US" altLang="ko-KR" dirty="0" smtClean="0"/>
+                  <a:t>=0.3)</a:t>
+                </a:r>
+              </a:p>
+              <a:p>
+                <a:pPr lvl="1"/>
+                <a:r>
+                  <a:rPr lang="en-US" altLang="ko-KR" dirty="0" smtClean="0"/>
+                  <a:t>Turning Ratio</a:t>
+                </a:r>
+                <a:br>
+                  <a:rPr lang="en-US" altLang="ko-KR" dirty="0" smtClean="0"/>
+                </a:br>
+                <a:r>
+                  <a:rPr lang="en-US" altLang="ko-KR" dirty="0" smtClean="0"/>
+                  <a:t>- 60% Straight, 30% Right, 10% Left &lt;-real world</a:t>
+                </a:r>
+              </a:p>
+            </p:txBody>
+          </p:sp>
+        </mc:Choice>
+        <mc:Fallback>
+          <p:sp>
+            <p:nvSpPr>
+              <p:cNvPr id="3" name="내용 개체 틀 2"/>
+              <p:cNvSpPr>
+                <a:spLocks noGrp="1" noRot="1" noChangeAspect="1" noMove="1" noResize="1" noEditPoints="1" noAdjustHandles="1" noChangeArrowheads="1" noChangeShapeType="1" noTextEdit="1"/>
+              </p:cNvSpPr>
+              <p:nvPr>
+                <p:ph idx="1"/>
+              </p:nvPr>
+            </p:nvSpPr>
+            <p:spPr>
+              <a:blipFill>
+                <a:blip r:embed="rId2"/>
+                <a:stretch>
+                  <a:fillRect l="-1455" t="-1667"/>
+                </a:stretch>
+              </a:blipFill>
+            </p:spPr>
+            <p:txBody>
+              <a:bodyPr/>
+              <a:lstStyle/>
+              <a:p>
+                <a:r>
+                  <a:rPr lang="ko-KR" altLang="en-US">
+                    <a:noFill/>
+                  </a:rPr>
+                  <a:t> </a:t>
+                </a:r>
+              </a:p>
+            </p:txBody>
+          </p:sp>
+        </mc:Fallback>
+      </mc:AlternateContent>
+      <p:pic>
+        <p:nvPicPr>
+          <p:cNvPr id="4" name="그림 3"/>
+          <p:cNvPicPr>
+            <a:picLocks noChangeAspect="1"/>
+          </p:cNvPicPr>
+          <p:nvPr/>
+        </p:nvPicPr>
+        <p:blipFill>
+          <a:blip r:embed="rId3"/>
+          <a:stretch>
+            <a:fillRect/>
+          </a:stretch>
+        </p:blipFill>
+        <p:spPr>
+          <a:xfrm>
+            <a:off x="6118064" y="3054570"/>
+            <a:ext cx="5037616" cy="2814524"/>
+          </a:xfrm>
+          <a:prstGeom prst="rect">
+            <a:avLst/>
+          </a:prstGeom>
+        </p:spPr>
+      </p:pic>
+    </p:spTree>
+    <p:extLst>
+      <p:ext uri="{BB962C8B-B14F-4D97-AF65-F5344CB8AC3E}">
+        <p14:creationId xmlns:p14="http://schemas.microsoft.com/office/powerpoint/2010/main" val="1728974158"/>
+      </p:ext>
+    </p:extLst>
+  </p:cSld>
+  <p:clrMapOvr>
+    <a:masterClrMapping/>
+  </p:clrMapOvr>
+</p:sld>
+</file>
+
+<file path=ppt/slides/slide23.xml><?xml version="1.0" encoding="utf-8"?>
+<p:sld xmlns:a="http://schemas.openxmlformats.org/drawingml/2006/main" xmlns:r="http://schemas.openxmlformats.org/officeDocument/2006/relationships" xmlns:p="http://schemas.openxmlformats.org/presentationml/2006/main">
+  <p:cSld>
+    <p:spTree>
+      <p:nvGrpSpPr>
+        <p:cNvPr id="1" name=""/>
+        <p:cNvGrpSpPr/>
+        <p:nvPr/>
+      </p:nvGrpSpPr>
+      <p:grpSpPr>
+        <a:xfrm>
+          <a:off x="0" y="0"/>
+          <a:ext cx="0" cy="0"/>
+          <a:chOff x="0" y="0"/>
+          <a:chExt cx="0" cy="0"/>
+        </a:xfrm>
+      </p:grpSpPr>
+      <p:sp>
+        <p:nvSpPr>
+          <p:cNvPr id="2" name="제목 1"/>
+          <p:cNvSpPr>
+            <a:spLocks noGrp="1"/>
+          </p:cNvSpPr>
+          <p:nvPr>
+            <p:ph type="title"/>
+          </p:nvPr>
+        </p:nvSpPr>
+        <p:spPr/>
+        <p:txBody>
+          <a:bodyPr/>
+          <a:lstStyle/>
+          <a:p>
+            <a:r>
+              <a:rPr lang="en-US" altLang="ko-KR" dirty="0"/>
+              <a:t>Approach: DQN Agent &amp; Setting</a:t>
+            </a:r>
+            <a:endParaRPr lang="ko-KR" altLang="en-US" dirty="0"/>
+          </a:p>
+        </p:txBody>
+      </p:sp>
+      <p:sp>
+        <p:nvSpPr>
+          <p:cNvPr id="3" name="내용 개체 틀 2"/>
+          <p:cNvSpPr>
+            <a:spLocks noGrp="1"/>
+          </p:cNvSpPr>
+          <p:nvPr>
+            <p:ph idx="1"/>
+          </p:nvPr>
+        </p:nvSpPr>
+        <p:spPr/>
+        <p:txBody>
+          <a:bodyPr/>
+          <a:lstStyle/>
+          <a:p>
+            <a:r>
+              <a:rPr lang="en-US" altLang="ko-KR" dirty="0" smtClean="0"/>
+              <a:t> Setting (Real-world data)</a:t>
+            </a:r>
+          </a:p>
+          <a:p>
+            <a:pPr lvl="1"/>
+            <a:r>
+              <a:rPr lang="en-US" altLang="ko-KR" dirty="0" smtClean="0"/>
+              <a:t>Road network of Manhattan, multiplied volume of taxi data</a:t>
+            </a:r>
+          </a:p>
+          <a:p>
+            <a:pPr lvl="1"/>
+            <a:r>
+              <a:rPr lang="en-US" altLang="ko-KR" dirty="0" smtClean="0"/>
+              <a:t>2510 traffic lights</a:t>
+            </a:r>
+          </a:p>
+          <a:p>
+            <a:r>
+              <a:rPr lang="en-US" altLang="ko-KR" dirty="0"/>
+              <a:t> </a:t>
+            </a:r>
+            <a:r>
+              <a:rPr lang="en-US" altLang="ko-KR" dirty="0" smtClean="0"/>
+              <a:t>Evaluation Metrics</a:t>
+            </a:r>
+          </a:p>
+          <a:p>
+            <a:pPr lvl="1"/>
+            <a:r>
+              <a:rPr lang="en-US" altLang="ko-KR" dirty="0" smtClean="0"/>
+              <a:t>Travel time: Average travel time of all vehicles in the system</a:t>
+            </a:r>
+            <a:br>
+              <a:rPr lang="en-US" altLang="ko-KR" dirty="0" smtClean="0"/>
+            </a:br>
+            <a:r>
+              <a:rPr lang="en-US" altLang="ko-KR" dirty="0" smtClean="0"/>
+              <a:t>- To evaluate the performance of the signal control method in transportation</a:t>
+            </a:r>
+          </a:p>
+          <a:p>
+            <a:pPr lvl="1"/>
+            <a:r>
+              <a:rPr lang="en-US" altLang="ko-KR" dirty="0" smtClean="0"/>
+              <a:t>Throughput: the number of trips completed</a:t>
+            </a:r>
+            <a:br>
+              <a:rPr lang="en-US" altLang="ko-KR" dirty="0" smtClean="0"/>
+            </a:br>
+            <a:r>
+              <a:rPr lang="en-US" altLang="ko-KR" dirty="0" smtClean="0"/>
+              <a:t>- If the throughput is high, indicates better control strategy</a:t>
+            </a:r>
+          </a:p>
+          <a:p>
+            <a:pPr lvl="1"/>
+            <a:endParaRPr lang="ko-KR" altLang="en-US" dirty="0"/>
+          </a:p>
+        </p:txBody>
+      </p:sp>
+    </p:spTree>
+    <p:extLst>
+      <p:ext uri="{BB962C8B-B14F-4D97-AF65-F5344CB8AC3E}">
+        <p14:creationId xmlns:p14="http://schemas.microsoft.com/office/powerpoint/2010/main" val="4171711452"/>
+      </p:ext>
+    </p:extLst>
+  </p:cSld>
+  <p:clrMapOvr>
+    <a:masterClrMapping/>
+  </p:clrMapOvr>
+</p:sld>
+</file>
+
+<file path=ppt/slides/slide24.xml><?xml version="1.0" encoding="utf-8"?>
+<p:sld xmlns:a="http://schemas.openxmlformats.org/drawingml/2006/main" xmlns:r="http://schemas.openxmlformats.org/officeDocument/2006/relationships" xmlns:p="http://schemas.openxmlformats.org/presentationml/2006/main">
+  <p:cSld>
+    <p:spTree>
+      <p:nvGrpSpPr>
+        <p:cNvPr id="1" name=""/>
+        <p:cNvGrpSpPr/>
+        <p:nvPr/>
+      </p:nvGrpSpPr>
+      <p:grpSpPr>
+        <a:xfrm>
+          <a:off x="0" y="0"/>
+          <a:ext cx="0" cy="0"/>
+          <a:chOff x="0" y="0"/>
+          <a:chExt cx="0" cy="0"/>
+        </a:xfrm>
+      </p:grpSpPr>
+      <p:sp>
+        <p:nvSpPr>
+          <p:cNvPr id="2" name="제목 1"/>
+          <p:cNvSpPr>
+            <a:spLocks noGrp="1"/>
+          </p:cNvSpPr>
+          <p:nvPr>
+            <p:ph type="title"/>
+          </p:nvPr>
+        </p:nvSpPr>
+        <p:spPr/>
+        <p:txBody>
+          <a:bodyPr/>
+          <a:lstStyle/>
+          <a:p>
+            <a:r>
+              <a:rPr lang="en-US" altLang="ko-KR" dirty="0" smtClean="0"/>
+              <a:t>Approach: FRAP</a:t>
+            </a:r>
+            <a:endParaRPr lang="ko-KR" altLang="en-US" dirty="0"/>
+          </a:p>
+        </p:txBody>
+      </p:sp>
+      <p:sp>
+        <p:nvSpPr>
+          <p:cNvPr id="3" name="내용 개체 틀 2"/>
+          <p:cNvSpPr>
+            <a:spLocks noGrp="1"/>
+          </p:cNvSpPr>
+          <p:nvPr>
+            <p:ph idx="1"/>
+          </p:nvPr>
+        </p:nvSpPr>
+        <p:spPr/>
+        <p:txBody>
+          <a:bodyPr/>
+          <a:lstStyle/>
+          <a:p>
+            <a:r>
+              <a:rPr lang="en-US" altLang="ko-KR" dirty="0" smtClean="0"/>
+              <a:t> FRAP architecture(base model)</a:t>
+            </a:r>
+          </a:p>
+          <a:p>
+            <a:pPr lvl="1"/>
+            <a:r>
+              <a:rPr lang="en-US" altLang="ko-KR" dirty="0" smtClean="0"/>
+              <a:t>Flipping and Rotation and considers All phase Configuration</a:t>
+            </a:r>
+          </a:p>
+          <a:p>
+            <a:pPr lvl="1"/>
+            <a:r>
+              <a:rPr lang="en-US" altLang="ko-KR" dirty="0" smtClean="0"/>
+              <a:t>Focus on the relation between different traffic movement</a:t>
+            </a:r>
+          </a:p>
+          <a:p>
+            <a:pPr lvl="2"/>
+            <a:r>
+              <a:rPr lang="en-US" altLang="ko-KR" dirty="0" smtClean="0"/>
+              <a:t>Reduction of exploration space by rotating and flipping</a:t>
+            </a:r>
+          </a:p>
+          <a:p>
+            <a:pPr lvl="2"/>
+            <a:r>
+              <a:rPr lang="en-US" altLang="ko-KR" dirty="0" smtClean="0"/>
+              <a:t>Current model need 8phases experience to learn in the same state</a:t>
+            </a:r>
+            <a:br>
+              <a:rPr lang="en-US" altLang="ko-KR" dirty="0" smtClean="0"/>
+            </a:br>
+            <a:r>
+              <a:rPr lang="en-US" altLang="ko-KR" dirty="0" smtClean="0">
+                <a:sym typeface="Wingdings" panose="05000000000000000000" pitchFamily="2" charset="2"/>
+              </a:rPr>
+              <a:t> By rotating, Reduces needed experience in </a:t>
+            </a:r>
+            <a:r>
+              <a:rPr lang="en-US" altLang="ko-KR" smtClean="0">
+                <a:sym typeface="Wingdings" panose="05000000000000000000" pitchFamily="2" charset="2"/>
+              </a:rPr>
+              <a:t>¼ scale</a:t>
+            </a:r>
+          </a:p>
+          <a:p>
+            <a:pPr lvl="2"/>
+            <a:endParaRPr lang="ko-KR" altLang="en-US" dirty="0"/>
+          </a:p>
+        </p:txBody>
+      </p:sp>
+    </p:spTree>
+    <p:extLst>
+      <p:ext uri="{BB962C8B-B14F-4D97-AF65-F5344CB8AC3E}">
+        <p14:creationId xmlns:p14="http://schemas.microsoft.com/office/powerpoint/2010/main" val="197467838"/>
+      </p:ext>
+    </p:extLst>
+  </p:cSld>
+  <p:clrMapOvr>
+    <a:masterClrMapping/>
+  </p:clrMapOvr>
+  <p:timing>
+    <p:tnLst>
+      <p:par>
+        <p:cTn id="1" dur="indefinite" restart="never" nodeType="tmRoot"/>
+      </p:par>
+    </p:tnLst>
+  </p:timing>
+</p:sld>
+</file>
+
+<file path=ppt/slides/slide25.xml><?xml version="1.0" encoding="utf-8"?>
+<p:sld xmlns:a="http://schemas.openxmlformats.org/drawingml/2006/main" xmlns:r="http://schemas.openxmlformats.org/officeDocument/2006/relationships" xmlns:p="http://schemas.openxmlformats.org/presentationml/2006/main">
+  <p:cSld>
+    <p:spTree>
+      <p:nvGrpSpPr>
+        <p:cNvPr id="1" name=""/>
+        <p:cNvGrpSpPr/>
+        <p:nvPr/>
+      </p:nvGrpSpPr>
+      <p:grpSpPr>
+        <a:xfrm>
+          <a:off x="0" y="0"/>
+          <a:ext cx="0" cy="0"/>
+          <a:chOff x="0" y="0"/>
+          <a:chExt cx="0" cy="0"/>
+        </a:xfrm>
+      </p:grpSpPr>
+      <p:sp>
+        <p:nvSpPr>
+          <p:cNvPr id="2" name="제목 1"/>
+          <p:cNvSpPr>
+            <a:spLocks noGrp="1"/>
+          </p:cNvSpPr>
+          <p:nvPr>
+            <p:ph type="title"/>
+          </p:nvPr>
+        </p:nvSpPr>
+        <p:spPr/>
+        <p:txBody>
+          <a:bodyPr/>
+          <a:lstStyle/>
+          <a:p>
+            <a:r>
               <a:rPr lang="en-US" altLang="ko-KR" dirty="0" smtClean="0"/>
               <a:t>Result</a:t>
             </a:r>
@@ -10471,7 +11437,7 @@
 </p:sld>
 </file>
 
-<file path=ppt/slides/slide23.xml><?xml version="1.0" encoding="utf-8"?>
+<file path=ppt/slides/slide26.xml><?xml version="1.0" encoding="utf-8"?>
 <p:sld xmlns:a="http://schemas.openxmlformats.org/drawingml/2006/main" xmlns:r="http://schemas.openxmlformats.org/officeDocument/2006/relationships" xmlns:p="http://schemas.openxmlformats.org/presentationml/2006/main">
   <p:cSld>
     <p:spTree>
@@ -10526,7 +11492,31 @@
           <a:bodyPr/>
           <a:lstStyle/>
           <a:p>
-            <a:endParaRPr lang="ko-KR" altLang="en-US"/>
+            <a:r>
+              <a:rPr lang="en-US" altLang="ko-KR" dirty="0" smtClean="0"/>
+              <a:t> </a:t>
+            </a:r>
+            <a:r>
+              <a:rPr lang="ko-KR" altLang="en-US" dirty="0" smtClean="0"/>
+              <a:t>네비게이션 시스템이 복잡</a:t>
+            </a:r>
+            <a:r>
+              <a:rPr lang="en-US" altLang="ko-KR" dirty="0" smtClean="0"/>
+              <a:t>? Why </a:t>
+            </a:r>
+            <a:r>
+              <a:rPr lang="ko-KR" altLang="en-US" dirty="0" smtClean="0"/>
+              <a:t>애들이 차량이 많은 쪽위주로 </a:t>
+            </a:r>
+            <a:r>
+              <a:rPr lang="ko-KR" altLang="en-US" dirty="0" err="1" smtClean="0"/>
+              <a:t>열어주다보면</a:t>
+            </a:r>
+            <a:r>
+              <a:rPr lang="ko-KR" altLang="en-US" dirty="0" smtClean="0"/>
+              <a:t> 분명 개인 입장에서 기다리는 시간이 길 것으로 판단</a:t>
+            </a:r>
+            <a:endParaRPr lang="ko-KR" altLang="en-US" dirty="0"/>
           </a:p>
         </p:txBody>
       </p:sp>
@@ -10550,7 +11540,7 @@
 </p:sld>
 </file>
 
-<file path=ppt/slides/slide24.xml><?xml version="1.0" encoding="utf-8"?>
+<file path=ppt/slides/slide27.xml><?xml version="1.0" encoding="utf-8"?>
 <p:sld xmlns:a="http://schemas.openxmlformats.org/drawingml/2006/main" xmlns:r="http://schemas.openxmlformats.org/officeDocument/2006/relationships" xmlns:p="http://schemas.openxmlformats.org/presentationml/2006/main">
   <p:cSld>
     <p:spTree>

--- a/1st_Seminar(강민수).pptx
+++ b/1st_Seminar(강민수).pptx
@@ -6,7 +6,7 @@
     <p:sldMasterId id="2147483744" r:id="rId2"/>
   </p:sldMasterIdLst>
   <p:notesMasterIdLst>
-    <p:notesMasterId r:id="rId30"/>
+    <p:notesMasterId r:id="rId31"/>
   </p:notesMasterIdLst>
   <p:sldIdLst>
     <p:sldId id="256" r:id="rId3"/>
@@ -33,9 +33,10 @@
     <p:sldId id="281" r:id="rId24"/>
     <p:sldId id="283" r:id="rId25"/>
     <p:sldId id="280" r:id="rId26"/>
-    <p:sldId id="270" r:id="rId27"/>
-    <p:sldId id="271" r:id="rId28"/>
-    <p:sldId id="272" r:id="rId29"/>
+    <p:sldId id="284" r:id="rId27"/>
+    <p:sldId id="270" r:id="rId28"/>
+    <p:sldId id="271" r:id="rId29"/>
+    <p:sldId id="272" r:id="rId30"/>
   </p:sldIdLst>
   <p:sldSz cx="12192000" cy="6858000"/>
   <p:notesSz cx="6858000" cy="9144000"/>
@@ -1183,7 +1184,7 @@
           </a:lstStyle>
           <a:p>
             <a:r>
-              <a:rPr lang="ko-KR" altLang="en-US" smtClean="0"/>
+              <a:rPr lang="ko-KR" altLang="en-US"/>
               <a:t>마스터 제목 스타일 편집</a:t>
             </a:r>
             <a:endParaRPr lang="en-US" dirty="0"/>
@@ -1255,7 +1256,7 @@
           </a:lstStyle>
           <a:p>
             <a:r>
-              <a:rPr lang="ko-KR" altLang="en-US" smtClean="0"/>
+              <a:rPr lang="ko-KR" altLang="en-US"/>
               <a:t>클릭하여 마스터 부제목 스타일 편집</a:t>
             </a:r>
             <a:endParaRPr lang="en-US" dirty="0"/>
@@ -1417,7 +1418,7 @@
           </a:lstStyle>
           <a:p>
             <a:r>
-              <a:rPr lang="ko-KR" altLang="en-US" smtClean="0"/>
+              <a:rPr lang="ko-KR" altLang="en-US"/>
               <a:t>마스터 제목 스타일 편집</a:t>
             </a:r>
             <a:endParaRPr lang="en-US" dirty="0"/>
@@ -1467,35 +1468,35 @@
           <a:p>
             <a:pPr lvl="0"/>
             <a:r>
-              <a:rPr lang="ko-KR" altLang="en-US" dirty="0" smtClean="0"/>
+              <a:rPr lang="ko-KR" altLang="en-US" dirty="0"/>
               <a:t> 마스터 텍스트 스타일 편집</a:t>
             </a:r>
           </a:p>
           <a:p>
             <a:pPr lvl="1"/>
             <a:r>
-              <a:rPr lang="ko-KR" altLang="en-US" dirty="0" smtClean="0"/>
+              <a:rPr lang="ko-KR" altLang="en-US" dirty="0"/>
               <a:t>둘째 수준</a:t>
             </a:r>
           </a:p>
           <a:p>
             <a:pPr lvl="2"/>
             <a:r>
-              <a:rPr lang="ko-KR" altLang="en-US" dirty="0" smtClean="0"/>
+              <a:rPr lang="ko-KR" altLang="en-US" dirty="0"/>
               <a:t>셋째 수준</a:t>
             </a:r>
           </a:p>
           <a:p>
             <a:pPr lvl="3"/>
             <a:r>
-              <a:rPr lang="ko-KR" altLang="en-US" dirty="0" smtClean="0"/>
+              <a:rPr lang="ko-KR" altLang="en-US" dirty="0"/>
               <a:t>넷째 수준</a:t>
             </a:r>
           </a:p>
           <a:p>
             <a:pPr lvl="4"/>
             <a:r>
-              <a:rPr lang="ko-KR" altLang="en-US" dirty="0" smtClean="0"/>
+              <a:rPr lang="ko-KR" altLang="en-US" dirty="0"/>
               <a:t>다섯째 수준</a:t>
             </a:r>
             <a:endParaRPr lang="en-US" dirty="0"/>
@@ -1579,13 +1580,6 @@
   <p:clrMapOvr>
     <a:masterClrMapping/>
   </p:clrMapOvr>
-  <p:timing>
-    <p:tnLst>
-      <p:par>
-        <p:cTn id="1" dur="indefinite" restart="never" nodeType="tmRoot"/>
-      </p:par>
-    </p:tnLst>
-  </p:timing>
 </p:sldLayout>
 </file>
 
@@ -1727,7 +1721,7 @@
           </a:lstStyle>
           <a:p>
             <a:r>
-              <a:rPr lang="ko-KR" altLang="en-US" smtClean="0"/>
+              <a:rPr lang="ko-KR" altLang="en-US"/>
               <a:t>마스터 제목 스타일 편집</a:t>
             </a:r>
             <a:endParaRPr lang="en-US" dirty="0"/>
@@ -1848,7 +1842,7 @@
           <a:p>
             <a:pPr lvl="0"/>
             <a:r>
-              <a:rPr lang="ko-KR" altLang="en-US" smtClean="0"/>
+              <a:rPr lang="ko-KR" altLang="en-US"/>
               <a:t>마스터 텍스트 스타일 편집</a:t>
             </a:r>
           </a:p>
@@ -2010,7 +2004,7 @@
           <a:lstStyle/>
           <a:p>
             <a:r>
-              <a:rPr lang="ko-KR" altLang="en-US" smtClean="0"/>
+              <a:rPr lang="ko-KR" altLang="en-US"/>
               <a:t>마스터 제목 스타일 편집</a:t>
             </a:r>
             <a:endParaRPr lang="en-US" dirty="0"/>
@@ -2039,35 +2033,35 @@
           <a:p>
             <a:pPr lvl="0"/>
             <a:r>
-              <a:rPr lang="ko-KR" altLang="en-US" smtClean="0"/>
+              <a:rPr lang="ko-KR" altLang="en-US"/>
               <a:t>마스터 텍스트 스타일 편집</a:t>
             </a:r>
           </a:p>
           <a:p>
             <a:pPr lvl="1"/>
             <a:r>
-              <a:rPr lang="ko-KR" altLang="en-US" smtClean="0"/>
+              <a:rPr lang="ko-KR" altLang="en-US"/>
               <a:t>둘째 수준</a:t>
             </a:r>
           </a:p>
           <a:p>
             <a:pPr lvl="2"/>
             <a:r>
-              <a:rPr lang="ko-KR" altLang="en-US" smtClean="0"/>
+              <a:rPr lang="ko-KR" altLang="en-US"/>
               <a:t>셋째 수준</a:t>
             </a:r>
           </a:p>
           <a:p>
             <a:pPr lvl="3"/>
             <a:r>
-              <a:rPr lang="ko-KR" altLang="en-US" smtClean="0"/>
+              <a:rPr lang="ko-KR" altLang="en-US"/>
               <a:t>넷째 수준</a:t>
             </a:r>
           </a:p>
           <a:p>
             <a:pPr lvl="4"/>
             <a:r>
-              <a:rPr lang="ko-KR" altLang="en-US" smtClean="0"/>
+              <a:rPr lang="ko-KR" altLang="en-US"/>
               <a:t>다섯째 수준</a:t>
             </a:r>
             <a:endParaRPr lang="en-US" dirty="0"/>
@@ -2096,35 +2090,35 @@
           <a:p>
             <a:pPr lvl="0"/>
             <a:r>
-              <a:rPr lang="ko-KR" altLang="en-US" smtClean="0"/>
+              <a:rPr lang="ko-KR" altLang="en-US"/>
               <a:t>마스터 텍스트 스타일 편집</a:t>
             </a:r>
           </a:p>
           <a:p>
             <a:pPr lvl="1"/>
             <a:r>
-              <a:rPr lang="ko-KR" altLang="en-US" smtClean="0"/>
+              <a:rPr lang="ko-KR" altLang="en-US"/>
               <a:t>둘째 수준</a:t>
             </a:r>
           </a:p>
           <a:p>
             <a:pPr lvl="2"/>
             <a:r>
-              <a:rPr lang="ko-KR" altLang="en-US" smtClean="0"/>
+              <a:rPr lang="ko-KR" altLang="en-US"/>
               <a:t>셋째 수준</a:t>
             </a:r>
           </a:p>
           <a:p>
             <a:pPr lvl="3"/>
             <a:r>
-              <a:rPr lang="ko-KR" altLang="en-US" smtClean="0"/>
+              <a:rPr lang="ko-KR" altLang="en-US"/>
               <a:t>넷째 수준</a:t>
             </a:r>
           </a:p>
           <a:p>
             <a:pPr lvl="4"/>
             <a:r>
-              <a:rPr lang="ko-KR" altLang="en-US" smtClean="0"/>
+              <a:rPr lang="ko-KR" altLang="en-US"/>
               <a:t>다섯째 수준</a:t>
             </a:r>
             <a:endParaRPr lang="en-US" dirty="0"/>
@@ -2249,7 +2243,7 @@
           <a:lstStyle/>
           <a:p>
             <a:r>
-              <a:rPr lang="ko-KR" altLang="en-US" smtClean="0"/>
+              <a:rPr lang="ko-KR" altLang="en-US"/>
               <a:t>마스터 제목 스타일 편집</a:t>
             </a:r>
             <a:endParaRPr lang="en-US" dirty="0"/>
@@ -2321,7 +2315,7 @@
           <a:p>
             <a:pPr lvl="0"/>
             <a:r>
-              <a:rPr lang="ko-KR" altLang="en-US" smtClean="0"/>
+              <a:rPr lang="ko-KR" altLang="en-US"/>
               <a:t>마스터 텍스트 스타일 편집</a:t>
             </a:r>
           </a:p>
@@ -2349,35 +2343,35 @@
           <a:p>
             <a:pPr lvl="0"/>
             <a:r>
-              <a:rPr lang="ko-KR" altLang="en-US" smtClean="0"/>
+              <a:rPr lang="ko-KR" altLang="en-US"/>
               <a:t>마스터 텍스트 스타일 편집</a:t>
             </a:r>
           </a:p>
           <a:p>
             <a:pPr lvl="1"/>
             <a:r>
-              <a:rPr lang="ko-KR" altLang="en-US" smtClean="0"/>
+              <a:rPr lang="ko-KR" altLang="en-US"/>
               <a:t>둘째 수준</a:t>
             </a:r>
           </a:p>
           <a:p>
             <a:pPr lvl="2"/>
             <a:r>
-              <a:rPr lang="ko-KR" altLang="en-US" smtClean="0"/>
+              <a:rPr lang="ko-KR" altLang="en-US"/>
               <a:t>셋째 수준</a:t>
             </a:r>
           </a:p>
           <a:p>
             <a:pPr lvl="3"/>
             <a:r>
-              <a:rPr lang="ko-KR" altLang="en-US" smtClean="0"/>
+              <a:rPr lang="ko-KR" altLang="en-US"/>
               <a:t>넷째 수준</a:t>
             </a:r>
           </a:p>
           <a:p>
             <a:pPr lvl="4"/>
             <a:r>
-              <a:rPr lang="ko-KR" altLang="en-US" smtClean="0"/>
+              <a:rPr lang="ko-KR" altLang="en-US"/>
               <a:t>다섯째 수준</a:t>
             </a:r>
             <a:endParaRPr lang="en-US" dirty="0"/>
@@ -2449,7 +2443,7 @@
           <a:p>
             <a:pPr lvl="0"/>
             <a:r>
-              <a:rPr lang="ko-KR" altLang="en-US" smtClean="0"/>
+              <a:rPr lang="ko-KR" altLang="en-US"/>
               <a:t>마스터 텍스트 스타일 편집</a:t>
             </a:r>
           </a:p>
@@ -2477,35 +2471,35 @@
           <a:p>
             <a:pPr lvl="0"/>
             <a:r>
-              <a:rPr lang="ko-KR" altLang="en-US" smtClean="0"/>
+              <a:rPr lang="ko-KR" altLang="en-US"/>
               <a:t>마스터 텍스트 스타일 편집</a:t>
             </a:r>
           </a:p>
           <a:p>
             <a:pPr lvl="1"/>
             <a:r>
-              <a:rPr lang="ko-KR" altLang="en-US" smtClean="0"/>
+              <a:rPr lang="ko-KR" altLang="en-US"/>
               <a:t>둘째 수준</a:t>
             </a:r>
           </a:p>
           <a:p>
             <a:pPr lvl="2"/>
             <a:r>
-              <a:rPr lang="ko-KR" altLang="en-US" smtClean="0"/>
+              <a:rPr lang="ko-KR" altLang="en-US"/>
               <a:t>셋째 수준</a:t>
             </a:r>
           </a:p>
           <a:p>
             <a:pPr lvl="3"/>
             <a:r>
-              <a:rPr lang="ko-KR" altLang="en-US" smtClean="0"/>
+              <a:rPr lang="ko-KR" altLang="en-US"/>
               <a:t>넷째 수준</a:t>
             </a:r>
           </a:p>
           <a:p>
             <a:pPr lvl="4"/>
             <a:r>
-              <a:rPr lang="ko-KR" altLang="en-US" smtClean="0"/>
+              <a:rPr lang="ko-KR" altLang="en-US"/>
               <a:t>다섯째 수준</a:t>
             </a:r>
             <a:endParaRPr lang="en-US" dirty="0"/>
@@ -2625,7 +2619,7 @@
           <a:lstStyle/>
           <a:p>
             <a:r>
-              <a:rPr lang="ko-KR" altLang="en-US" smtClean="0"/>
+              <a:rPr lang="ko-KR" altLang="en-US"/>
               <a:t>마스터 제목 스타일 편집</a:t>
             </a:r>
             <a:endParaRPr lang="en-US" dirty="0"/>
@@ -3017,7 +3011,7 @@
           </a:lstStyle>
           <a:p>
             <a:r>
-              <a:rPr lang="ko-KR" altLang="en-US" smtClean="0"/>
+              <a:rPr lang="ko-KR" altLang="en-US"/>
               <a:t>마스터 제목 스타일 편집</a:t>
             </a:r>
             <a:endParaRPr lang="en-US" dirty="0"/>
@@ -3046,35 +3040,35 @@
           <a:p>
             <a:pPr lvl="0"/>
             <a:r>
-              <a:rPr lang="ko-KR" altLang="en-US" smtClean="0"/>
+              <a:rPr lang="ko-KR" altLang="en-US"/>
               <a:t>마스터 텍스트 스타일 편집</a:t>
             </a:r>
           </a:p>
           <a:p>
             <a:pPr lvl="1"/>
             <a:r>
-              <a:rPr lang="ko-KR" altLang="en-US" smtClean="0"/>
+              <a:rPr lang="ko-KR" altLang="en-US"/>
               <a:t>둘째 수준</a:t>
             </a:r>
           </a:p>
           <a:p>
             <a:pPr lvl="2"/>
             <a:r>
-              <a:rPr lang="ko-KR" altLang="en-US" smtClean="0"/>
+              <a:rPr lang="ko-KR" altLang="en-US"/>
               <a:t>셋째 수준</a:t>
             </a:r>
           </a:p>
           <a:p>
             <a:pPr lvl="3"/>
             <a:r>
-              <a:rPr lang="ko-KR" altLang="en-US" smtClean="0"/>
+              <a:rPr lang="ko-KR" altLang="en-US"/>
               <a:t>넷째 수준</a:t>
             </a:r>
           </a:p>
           <a:p>
             <a:pPr lvl="4"/>
             <a:r>
-              <a:rPr lang="ko-KR" altLang="en-US" smtClean="0"/>
+              <a:rPr lang="ko-KR" altLang="en-US"/>
               <a:t>다섯째 수준</a:t>
             </a:r>
             <a:endParaRPr lang="en-US" dirty="0"/>
@@ -3146,7 +3140,7 @@
           <a:p>
             <a:pPr lvl="0"/>
             <a:r>
-              <a:rPr lang="ko-KR" altLang="en-US" smtClean="0"/>
+              <a:rPr lang="ko-KR" altLang="en-US"/>
               <a:t>마스터 텍스트 스타일 편집</a:t>
             </a:r>
           </a:p>
@@ -3558,7 +3552,7 @@
           </a:lstStyle>
           <a:p>
             <a:r>
-              <a:rPr lang="ko-KR" altLang="en-US" smtClean="0"/>
+              <a:rPr lang="ko-KR" altLang="en-US"/>
               <a:t>마스터 제목 스타일 편집</a:t>
             </a:r>
             <a:endParaRPr lang="en-US" dirty="0"/>
@@ -3633,7 +3627,7 @@
           </a:lstStyle>
           <a:p>
             <a:r>
-              <a:rPr lang="ko-KR" altLang="en-US" smtClean="0"/>
+              <a:rPr lang="ko-KR" altLang="en-US"/>
               <a:t>그림을 추가하려면 아이콘을 클릭하십시오</a:t>
             </a:r>
             <a:endParaRPr lang="en-US" dirty="0"/>
@@ -3711,7 +3705,7 @@
           <a:p>
             <a:pPr lvl="0"/>
             <a:r>
-              <a:rPr lang="ko-KR" altLang="en-US" smtClean="0"/>
+              <a:rPr lang="ko-KR" altLang="en-US"/>
               <a:t>마스터 텍스트 스타일 편집</a:t>
             </a:r>
           </a:p>
@@ -3830,7 +3824,7 @@
           <a:lstStyle/>
           <a:p>
             <a:r>
-              <a:rPr lang="ko-KR" altLang="en-US" smtClean="0"/>
+              <a:rPr lang="ko-KR" altLang="en-US"/>
               <a:t>마스터 제목 스타일 편집</a:t>
             </a:r>
             <a:endParaRPr lang="en-US" dirty="0"/>
@@ -3854,35 +3848,35 @@
           <a:p>
             <a:pPr lvl="0"/>
             <a:r>
-              <a:rPr lang="ko-KR" altLang="en-US" smtClean="0"/>
+              <a:rPr lang="ko-KR" altLang="en-US"/>
               <a:t>마스터 텍스트 스타일 편집</a:t>
             </a:r>
           </a:p>
           <a:p>
             <a:pPr lvl="1"/>
             <a:r>
-              <a:rPr lang="ko-KR" altLang="en-US" smtClean="0"/>
+              <a:rPr lang="ko-KR" altLang="en-US"/>
               <a:t>둘째 수준</a:t>
             </a:r>
           </a:p>
           <a:p>
             <a:pPr lvl="2"/>
             <a:r>
-              <a:rPr lang="ko-KR" altLang="en-US" smtClean="0"/>
+              <a:rPr lang="ko-KR" altLang="en-US"/>
               <a:t>셋째 수준</a:t>
             </a:r>
           </a:p>
           <a:p>
             <a:pPr lvl="3"/>
             <a:r>
-              <a:rPr lang="ko-KR" altLang="en-US" smtClean="0"/>
+              <a:rPr lang="ko-KR" altLang="en-US"/>
               <a:t>넷째 수준</a:t>
             </a:r>
           </a:p>
           <a:p>
             <a:pPr lvl="4"/>
             <a:r>
-              <a:rPr lang="ko-KR" altLang="en-US" smtClean="0"/>
+              <a:rPr lang="ko-KR" altLang="en-US"/>
               <a:t>다섯째 수준</a:t>
             </a:r>
             <a:endParaRPr lang="en-US" dirty="0"/>
@@ -4083,7 +4077,7 @@
           <a:lstStyle/>
           <a:p>
             <a:r>
-              <a:rPr lang="ko-KR" altLang="en-US" smtClean="0"/>
+              <a:rPr lang="ko-KR" altLang="en-US"/>
               <a:t>마스터 제목 스타일 편집</a:t>
             </a:r>
             <a:endParaRPr lang="en-US" dirty="0"/>
@@ -4112,35 +4106,35 @@
           <a:p>
             <a:pPr lvl="0"/>
             <a:r>
-              <a:rPr lang="ko-KR" altLang="en-US" smtClean="0"/>
+              <a:rPr lang="ko-KR" altLang="en-US"/>
               <a:t>마스터 텍스트 스타일 편집</a:t>
             </a:r>
           </a:p>
           <a:p>
             <a:pPr lvl="1"/>
             <a:r>
-              <a:rPr lang="ko-KR" altLang="en-US" smtClean="0"/>
+              <a:rPr lang="ko-KR" altLang="en-US"/>
               <a:t>둘째 수준</a:t>
             </a:r>
           </a:p>
           <a:p>
             <a:pPr lvl="2"/>
             <a:r>
-              <a:rPr lang="ko-KR" altLang="en-US" smtClean="0"/>
+              <a:rPr lang="ko-KR" altLang="en-US"/>
               <a:t>셋째 수준</a:t>
             </a:r>
           </a:p>
           <a:p>
             <a:pPr lvl="3"/>
             <a:r>
-              <a:rPr lang="ko-KR" altLang="en-US" smtClean="0"/>
+              <a:rPr lang="ko-KR" altLang="en-US"/>
               <a:t>넷째 수준</a:t>
             </a:r>
           </a:p>
           <a:p>
             <a:pPr lvl="4"/>
             <a:r>
-              <a:rPr lang="ko-KR" altLang="en-US" smtClean="0"/>
+              <a:rPr lang="ko-KR" altLang="en-US"/>
               <a:t>다섯째 수준</a:t>
             </a:r>
             <a:endParaRPr lang="en-US" dirty="0"/>
@@ -6511,7 +6505,7 @@
           <a:lstStyle/>
           <a:p>
             <a:r>
-              <a:rPr lang="ko-KR" altLang="en-US" smtClean="0"/>
+              <a:rPr lang="ko-KR" altLang="en-US"/>
               <a:t>마스터 제목 스타일 편집</a:t>
             </a:r>
             <a:endParaRPr lang="en-US" dirty="0"/>
@@ -6545,35 +6539,35 @@
           <a:p>
             <a:pPr lvl="0"/>
             <a:r>
-              <a:rPr lang="ko-KR" altLang="en-US" smtClean="0"/>
+              <a:rPr lang="ko-KR" altLang="en-US"/>
               <a:t>마스터 텍스트 스타일 편집</a:t>
             </a:r>
           </a:p>
           <a:p>
             <a:pPr lvl="1"/>
             <a:r>
-              <a:rPr lang="ko-KR" altLang="en-US" smtClean="0"/>
+              <a:rPr lang="ko-KR" altLang="en-US"/>
               <a:t>둘째 수준</a:t>
             </a:r>
           </a:p>
           <a:p>
             <a:pPr lvl="2"/>
             <a:r>
-              <a:rPr lang="ko-KR" altLang="en-US" smtClean="0"/>
+              <a:rPr lang="ko-KR" altLang="en-US"/>
               <a:t>셋째 수준</a:t>
             </a:r>
           </a:p>
           <a:p>
             <a:pPr lvl="3"/>
             <a:r>
-              <a:rPr lang="ko-KR" altLang="en-US" smtClean="0"/>
+              <a:rPr lang="ko-KR" altLang="en-US"/>
               <a:t>넷째 수준</a:t>
             </a:r>
           </a:p>
           <a:p>
             <a:pPr lvl="4"/>
             <a:r>
-              <a:rPr lang="ko-KR" altLang="en-US" smtClean="0"/>
+              <a:rPr lang="ko-KR" altLang="en-US"/>
               <a:t>다섯째 수준</a:t>
             </a:r>
             <a:endParaRPr lang="en-US" dirty="0"/>
@@ -7320,10 +7314,6 @@
               <a:rPr lang="ko-KR" altLang="en-US" dirty="0"/>
               <a:t>차량 수 </a:t>
             </a:r>
-            <a:r>
-              <a:rPr lang="en-US" altLang="ko-KR" dirty="0"/>
-              <a:t/>
-            </a:r>
             <a:br>
               <a:rPr lang="en-US" altLang="ko-KR" dirty="0"/>
             </a:br>
@@ -7597,13 +7587,6 @@
   <p:clrMapOvr>
     <a:masterClrMapping/>
   </p:clrMapOvr>
-  <p:timing>
-    <p:tnLst>
-      <p:par>
-        <p:cTn id="1" dur="indefinite" restart="never" nodeType="tmRoot"/>
-      </p:par>
-    </p:tnLst>
-  </p:timing>
 </p:sld>
 </file>
 
@@ -7929,7 +7912,7 @@
               <a:t>이상</a:t>
             </a:r>
             <a:r>
-              <a:rPr lang="en-US" altLang="ko-KR" dirty="0" smtClean="0">
+              <a:rPr lang="en-US" altLang="ko-KR" dirty="0">
                 <a:sym typeface="Wingdings" panose="05000000000000000000" pitchFamily="2" charset="2"/>
               </a:rPr>
               <a:t>)</a:t>
@@ -7945,41 +7928,32 @@
               <a:rPr lang="en-US" altLang="ko-KR" dirty="0">
                 <a:sym typeface="Wingdings" panose="05000000000000000000" pitchFamily="2" charset="2"/>
               </a:rPr>
-              <a:t> </a:t>
-            </a:r>
-            <a:r>
-              <a:rPr lang="en-US" altLang="ko-KR" dirty="0" smtClean="0">
-                <a:sym typeface="Wingdings" panose="05000000000000000000" pitchFamily="2" charset="2"/>
-              </a:rPr>
-              <a:t>Learning </a:t>
-            </a:r>
-            <a:r>
-              <a:rPr lang="ko-KR" altLang="en-US" dirty="0" smtClean="0">
+              <a:t> Learning </a:t>
+            </a:r>
+            <a:r>
+              <a:rPr lang="ko-KR" altLang="en-US" dirty="0">
                 <a:sym typeface="Wingdings" panose="05000000000000000000" pitchFamily="2" charset="2"/>
               </a:rPr>
               <a:t>에서 </a:t>
             </a:r>
             <a:r>
-              <a:rPr lang="en-US" altLang="ko-KR" dirty="0" smtClean="0">
+              <a:rPr lang="en-US" altLang="ko-KR" dirty="0">
                 <a:sym typeface="Wingdings" panose="05000000000000000000" pitchFamily="2" charset="2"/>
               </a:rPr>
               <a:t>augmentation(</a:t>
             </a:r>
             <a:r>
-              <a:rPr lang="ko-KR" altLang="en-US" dirty="0" smtClean="0">
+              <a:rPr lang="ko-KR" altLang="en-US" dirty="0">
                 <a:sym typeface="Wingdings" panose="05000000000000000000" pitchFamily="2" charset="2"/>
               </a:rPr>
               <a:t>각 교차로에 대해서</a:t>
             </a:r>
             <a:r>
-              <a:rPr lang="en-US" altLang="ko-KR" dirty="0" smtClean="0">
+              <a:rPr lang="en-US" altLang="ko-KR" dirty="0">
                 <a:sym typeface="Wingdings" panose="05000000000000000000" pitchFamily="2" charset="2"/>
               </a:rPr>
               <a:t>)</a:t>
             </a:r>
-            <a:endParaRPr lang="en-US" altLang="ko-KR" dirty="0">
-              <a:sym typeface="Wingdings" panose="05000000000000000000" pitchFamily="2" charset="2"/>
-            </a:endParaRPr>
           </a:p>
           <a:p>
             <a:pPr>
@@ -8001,13 +7975,6 @@
   <p:clrMapOvr>
     <a:masterClrMapping/>
   </p:clrMapOvr>
-  <p:timing>
-    <p:tnLst>
-      <p:par>
-        <p:cTn id="1" dur="indefinite" restart="never" nodeType="tmRoot"/>
-      </p:par>
-    </p:tnLst>
-  </p:timing>
 </p:sld>
 </file>
 
@@ -8070,148 +8037,140 @@
           <a:lstStyle/>
           <a:p>
             <a:r>
-              <a:rPr lang="en-US" altLang="ko-KR" dirty="0" smtClean="0"/>
+              <a:rPr lang="en-US" altLang="ko-KR" dirty="0"/>
               <a:t> </a:t>
             </a:r>
             <a:r>
-              <a:rPr lang="ko-KR" altLang="en-US" dirty="0" smtClean="0"/>
+              <a:rPr lang="ko-KR" altLang="en-US" dirty="0"/>
               <a:t>차량 진입로를 줄이는 대신에 차량의 </a:t>
             </a:r>
             <a:r>
-              <a:rPr lang="en-US" altLang="ko-KR" dirty="0" smtClean="0"/>
+              <a:rPr lang="en-US" altLang="ko-KR" dirty="0"/>
               <a:t>Random</a:t>
             </a:r>
             <a:r>
-              <a:rPr lang="ko-KR" altLang="en-US" dirty="0" smtClean="0"/>
+              <a:rPr lang="ko-KR" altLang="en-US" dirty="0"/>
               <a:t>성을 주는 </a:t>
             </a:r>
             <a:r>
-              <a:rPr lang="en-US" altLang="ko-KR" dirty="0" smtClean="0"/>
+              <a:rPr lang="en-US" altLang="ko-KR" dirty="0"/>
               <a:t>IDM controller</a:t>
             </a:r>
             <a:r>
-              <a:rPr lang="ko-KR" altLang="en-US" dirty="0" smtClean="0"/>
+              <a:rPr lang="ko-KR" altLang="en-US" dirty="0"/>
               <a:t>와 가속도 분산 갖게 해서 차이를 줌</a:t>
             </a:r>
-            <a:endParaRPr lang="en-US" altLang="ko-KR" dirty="0" smtClean="0"/>
-          </a:p>
-          <a:p>
-            <a:r>
-              <a:rPr lang="en-US" altLang="ko-KR" dirty="0"/>
-              <a:t> </a:t>
-            </a:r>
-            <a:r>
-              <a:rPr lang="en-US" altLang="ko-KR" dirty="0" smtClean="0"/>
+            <a:endParaRPr lang="en-US" altLang="ko-KR" dirty="0"/>
+          </a:p>
+          <a:p>
+            <a:r>
+              <a:rPr lang="en-US" altLang="ko-KR" dirty="0"/>
+              <a:t> phase</a:t>
+            </a:r>
+            <a:r>
+              <a:rPr lang="ko-KR" altLang="en-US" dirty="0"/>
+              <a:t>를 변화하는 </a:t>
+            </a:r>
+            <a:r>
+              <a:rPr lang="en-US" altLang="ko-KR" dirty="0"/>
+              <a:t>action</a:t>
+            </a:r>
+            <a:r>
+              <a:rPr lang="ko-KR" altLang="en-US" dirty="0"/>
+              <a:t>이 아닌 </a:t>
+            </a:r>
+            <a:r>
+              <a:rPr lang="en-US" altLang="ko-KR" dirty="0"/>
               <a:t>phase</a:t>
             </a:r>
             <a:r>
-              <a:rPr lang="ko-KR" altLang="en-US" dirty="0" smtClean="0"/>
-              <a:t>를 변화하는 </a:t>
-            </a:r>
-            <a:r>
-              <a:rPr lang="en-US" altLang="ko-KR" dirty="0" smtClean="0"/>
-              <a:t>action</a:t>
-            </a:r>
-            <a:r>
-              <a:rPr lang="ko-KR" altLang="en-US" dirty="0" smtClean="0"/>
-              <a:t>이 아닌 </a:t>
-            </a:r>
-            <a:r>
-              <a:rPr lang="en-US" altLang="ko-KR" dirty="0" smtClean="0"/>
-              <a:t>phase</a:t>
-            </a:r>
-            <a:r>
-              <a:rPr lang="ko-KR" altLang="en-US" dirty="0" smtClean="0"/>
+              <a:rPr lang="ko-KR" altLang="en-US" dirty="0"/>
               <a:t>를 선택하게 하고 최소 시간은 </a:t>
             </a:r>
             <a:r>
-              <a:rPr lang="en-US" altLang="ko-KR" dirty="0" smtClean="0"/>
+              <a:rPr lang="en-US" altLang="ko-KR" dirty="0"/>
               <a:t>20</a:t>
             </a:r>
             <a:r>
-              <a:rPr lang="ko-KR" altLang="en-US" dirty="0" smtClean="0"/>
+              <a:rPr lang="ko-KR" altLang="en-US" dirty="0"/>
               <a:t>초로 하되</a:t>
             </a:r>
             <a:r>
-              <a:rPr lang="en-US" altLang="ko-KR" dirty="0" smtClean="0"/>
+              <a:rPr lang="en-US" altLang="ko-KR" dirty="0"/>
               <a:t>, </a:t>
             </a:r>
             <a:r>
-              <a:rPr lang="ko-KR" altLang="en-US" dirty="0" smtClean="0"/>
+              <a:rPr lang="ko-KR" altLang="en-US" dirty="0"/>
               <a:t>최대 이상에서는 엄청난 </a:t>
             </a:r>
             <a:r>
-              <a:rPr lang="en-US" altLang="ko-KR" dirty="0" smtClean="0"/>
+              <a:rPr lang="en-US" altLang="ko-KR" dirty="0"/>
               <a:t>penalty</a:t>
             </a:r>
             <a:r>
-              <a:rPr lang="ko-KR" altLang="en-US" dirty="0" smtClean="0"/>
+              <a:rPr lang="ko-KR" altLang="en-US" dirty="0"/>
               <a:t>를 </a:t>
             </a:r>
             <a:r>
-              <a:rPr lang="ko-KR" altLang="en-US" dirty="0" err="1" smtClean="0"/>
+              <a:rPr lang="ko-KR" altLang="en-US" dirty="0" err="1"/>
               <a:t>준다던지</a:t>
             </a:r>
             <a:r>
-              <a:rPr lang="ko-KR" altLang="en-US" dirty="0" smtClean="0"/>
+              <a:rPr lang="ko-KR" altLang="en-US" dirty="0"/>
               <a:t> 하는 식으로 운용</a:t>
             </a:r>
-            <a:endParaRPr lang="en-US" altLang="ko-KR" dirty="0" smtClean="0"/>
-          </a:p>
-          <a:p>
-            <a:r>
-              <a:rPr lang="en-US" altLang="ko-KR" dirty="0" smtClean="0"/>
+            <a:endParaRPr lang="en-US" altLang="ko-KR" dirty="0"/>
+          </a:p>
+          <a:p>
+            <a:r>
+              <a:rPr lang="en-US" altLang="ko-KR" dirty="0"/>
               <a:t> phase</a:t>
             </a:r>
             <a:r>
               <a:rPr lang="ko-KR" altLang="en-US" dirty="0"/>
-              <a:t> </a:t>
-            </a:r>
-            <a:r>
-              <a:rPr lang="ko-KR" altLang="en-US" dirty="0" smtClean="0"/>
-              <a:t>종류 수를 현재 </a:t>
-            </a:r>
-            <a:r>
-              <a:rPr lang="en-US" altLang="ko-KR" dirty="0" smtClean="0"/>
+              <a:t> 종류 수를 현재 </a:t>
+            </a:r>
+            <a:r>
+              <a:rPr lang="en-US" altLang="ko-KR" dirty="0"/>
               <a:t>8</a:t>
             </a:r>
             <a:r>
-              <a:rPr lang="ko-KR" altLang="en-US" dirty="0" smtClean="0"/>
+              <a:rPr lang="ko-KR" altLang="en-US" dirty="0"/>
               <a:t>개 </a:t>
             </a:r>
             <a:r>
-              <a:rPr lang="en-US" altLang="ko-KR" dirty="0" smtClean="0"/>
+              <a:rPr lang="en-US" altLang="ko-KR" dirty="0"/>
               <a:t>(</a:t>
             </a:r>
             <a:r>
-              <a:rPr lang="ko-KR" altLang="en-US" dirty="0" smtClean="0"/>
+              <a:rPr lang="ko-KR" altLang="en-US" dirty="0"/>
               <a:t>논문상</a:t>
             </a:r>
             <a:r>
-              <a:rPr lang="en-US" altLang="ko-KR" dirty="0" smtClean="0"/>
+              <a:rPr lang="en-US" altLang="ko-KR" dirty="0"/>
               <a:t>)</a:t>
             </a:r>
             <a:r>
-              <a:rPr lang="ko-KR" altLang="en-US" dirty="0" smtClean="0"/>
+              <a:rPr lang="ko-KR" altLang="en-US" dirty="0"/>
               <a:t>에서 </a:t>
             </a:r>
             <a:r>
-              <a:rPr lang="en-US" altLang="ko-KR" dirty="0" smtClean="0"/>
+              <a:rPr lang="en-US" altLang="ko-KR" dirty="0"/>
               <a:t>6</a:t>
             </a:r>
             <a:r>
-              <a:rPr lang="ko-KR" altLang="en-US" dirty="0" smtClean="0"/>
+              <a:rPr lang="ko-KR" altLang="en-US" dirty="0"/>
               <a:t>개 내지는 </a:t>
             </a:r>
             <a:r>
-              <a:rPr lang="en-US" altLang="ko-KR" dirty="0" smtClean="0"/>
+              <a:rPr lang="en-US" altLang="ko-KR" dirty="0"/>
               <a:t>4</a:t>
             </a:r>
             <a:r>
-              <a:rPr lang="ko-KR" altLang="en-US" dirty="0" smtClean="0"/>
+              <a:rPr lang="ko-KR" altLang="en-US" dirty="0"/>
               <a:t>개로 줄임</a:t>
             </a:r>
-            <a:endParaRPr lang="en-US" altLang="ko-KR" dirty="0" smtClean="0"/>
+            <a:endParaRPr lang="en-US" altLang="ko-KR" dirty="0"/>
           </a:p>
           <a:p>
             <a:r>
@@ -8270,18 +8229,14 @@
           <a:lstStyle/>
           <a:p>
             <a:r>
-              <a:rPr lang="en-US" altLang="ko-KR" sz="2400" b="1" dirty="0" smtClean="0"/>
+              <a:rPr lang="en-US" altLang="ko-KR" sz="2400" b="1" dirty="0"/>
               <a:t>Toward A Thousand Lights:</a:t>
             </a:r>
-            <a:r>
-              <a:rPr lang="en-US" altLang="ko-KR" sz="2400" dirty="0" smtClean="0"/>
-              <a:t/>
-            </a:r>
             <a:br>
-              <a:rPr lang="en-US" altLang="ko-KR" sz="2400" dirty="0" smtClean="0"/>
+              <a:rPr lang="en-US" altLang="ko-KR" sz="2400" dirty="0"/>
             </a:br>
             <a:r>
-              <a:rPr lang="en-US" altLang="ko-KR" sz="2400" dirty="0" smtClean="0"/>
+              <a:rPr lang="en-US" altLang="ko-KR" sz="2400" dirty="0"/>
               <a:t>Decentralized Deep Reinforcement Learning for Large-scale Traffic Signal Control</a:t>
             </a:r>
             <a:endParaRPr lang="ko-KR" altLang="en-US" sz="2400" dirty="0"/>
@@ -8317,13 +8272,6 @@
   <p:clrMapOvr>
     <a:masterClrMapping/>
   </p:clrMapOvr>
-  <p:timing>
-    <p:tnLst>
-      <p:par>
-        <p:cTn id="1" dur="indefinite" restart="never" nodeType="tmRoot"/>
-      </p:par>
-    </p:tnLst>
-  </p:timing>
 </p:sld>
 </file>
 
@@ -8360,7 +8308,7 @@
           <a:lstStyle/>
           <a:p>
             <a:r>
-              <a:rPr lang="en-US" altLang="ko-KR" dirty="0" smtClean="0"/>
+              <a:rPr lang="en-US" altLang="ko-KR" dirty="0"/>
               <a:t>Motivation</a:t>
             </a:r>
             <a:endParaRPr lang="ko-KR" altLang="en-US" dirty="0"/>
@@ -8379,75 +8327,72 @@
         </p:nvSpPr>
         <p:spPr/>
         <p:txBody>
-          <a:bodyPr/>
-          <a:lstStyle/>
-          <a:p>
-            <a:r>
-              <a:rPr lang="en-US" altLang="ko-KR" dirty="0" smtClean="0"/>
+          <a:bodyPr>
+            <a:normAutofit/>
+          </a:bodyPr>
+          <a:lstStyle/>
+          <a:p>
+            <a:r>
+              <a:rPr lang="en-US" altLang="ko-KR" dirty="0"/>
               <a:t> Traffic congestion</a:t>
             </a:r>
-            <a:endParaRPr lang="en-US" altLang="ko-KR" dirty="0"/>
           </a:p>
           <a:p>
             <a:pPr lvl="1"/>
             <a:r>
-              <a:rPr lang="en-US" altLang="ko-KR" dirty="0" smtClean="0"/>
+              <a:rPr lang="en-US" altLang="ko-KR" dirty="0"/>
               <a:t>Led by rapid urbanization</a:t>
             </a:r>
           </a:p>
           <a:p>
             <a:pPr lvl="1"/>
             <a:r>
-              <a:rPr lang="en-US" altLang="ko-KR" dirty="0" smtClean="0"/>
+              <a:rPr lang="en-US" altLang="ko-KR" dirty="0"/>
               <a:t>Increase harmful emissions (contributes 23% of total CO2 emission) </a:t>
             </a:r>
             <a:r>
-              <a:rPr lang="en-US" altLang="ko-KR" dirty="0" smtClean="0">
+              <a:rPr lang="en-US" altLang="ko-KR" dirty="0">
                 <a:sym typeface="Wingdings" panose="05000000000000000000" pitchFamily="2" charset="2"/>
               </a:rPr>
               <a:t> </a:t>
             </a:r>
             <a:r>
-              <a:rPr lang="ko-KR" altLang="en-US" dirty="0" smtClean="0">
+              <a:rPr lang="ko-KR" altLang="en-US" dirty="0">
                 <a:sym typeface="Wingdings" panose="05000000000000000000" pitchFamily="2" charset="2"/>
               </a:rPr>
               <a:t>그 중에서 </a:t>
             </a:r>
             <a:r>
-              <a:rPr lang="en-US" altLang="ko-KR" dirty="0" smtClean="0">
+              <a:rPr lang="en-US" altLang="ko-KR" dirty="0">
                 <a:sym typeface="Wingdings" panose="05000000000000000000" pitchFamily="2" charset="2"/>
               </a:rPr>
               <a:t>traffic</a:t>
             </a:r>
             <a:r>
-              <a:rPr lang="ko-KR" altLang="en-US" dirty="0" smtClean="0">
+              <a:rPr lang="ko-KR" altLang="en-US" dirty="0">
                 <a:sym typeface="Wingdings" panose="05000000000000000000" pitchFamily="2" charset="2"/>
               </a:rPr>
               <a:t>에 의해 차지하는 양이 </a:t>
             </a:r>
             <a:r>
-              <a:rPr lang="en-US" altLang="ko-KR" dirty="0" smtClean="0">
+              <a:rPr lang="en-US" altLang="ko-KR" dirty="0">
                 <a:sym typeface="Wingdings" panose="05000000000000000000" pitchFamily="2" charset="2"/>
               </a:rPr>
               <a:t>40% </a:t>
             </a:r>
             <a:br>
-              <a:rPr lang="en-US" altLang="ko-KR" dirty="0" smtClean="0">
+              <a:rPr lang="en-US" altLang="ko-KR" dirty="0">
                 <a:sym typeface="Wingdings" panose="05000000000000000000" pitchFamily="2" charset="2"/>
               </a:rPr>
             </a:br>
             <a:r>
-              <a:rPr lang="en-US" altLang="ko-KR" dirty="0" smtClean="0">
+              <a:rPr lang="en-US" altLang="ko-KR" dirty="0">
                 <a:sym typeface="Wingdings" panose="05000000000000000000" pitchFamily="2" charset="2"/>
               </a:rPr>
               <a:t> Trend: applying RL method for traffic signal control</a:t>
             </a:r>
-            <a:r>
-              <a:rPr lang="en-US" altLang="ko-KR" dirty="0" smtClean="0"/>
-              <a:t/>
-            </a:r>
             <a:br>
-              <a:rPr lang="en-US" altLang="ko-KR" dirty="0" smtClean="0"/>
+              <a:rPr lang="en-US" altLang="ko-KR" dirty="0"/>
             </a:br>
             <a:endParaRPr lang="en-US" altLang="ko-KR" dirty="0">
               <a:sym typeface="Wingdings" panose="05000000000000000000" pitchFamily="2" charset="2"/>
@@ -8455,57 +8400,45 @@
           </a:p>
           <a:p>
             <a:r>
-              <a:rPr lang="en-US" altLang="ko-KR" dirty="0" smtClean="0"/>
+              <a:rPr lang="en-US" altLang="ko-KR" dirty="0"/>
               <a:t> Traditional transportation approaches</a:t>
             </a:r>
           </a:p>
           <a:p>
             <a:pPr lvl="1"/>
             <a:r>
-              <a:rPr lang="en-US" altLang="ko-KR" dirty="0" smtClean="0"/>
-              <a:t>Pre-timed control</a:t>
+              <a:rPr lang="en-US" altLang="ko-KR" dirty="0"/>
+              <a:t>Pre-timed control: Deciding traffic signal plan that change according to the real-time data</a:t>
             </a:r>
           </a:p>
           <a:p>
             <a:pPr lvl="1"/>
             <a:r>
-              <a:rPr lang="en-US" altLang="ko-KR" dirty="0" smtClean="0"/>
-              <a:t>Actuated control</a:t>
+              <a:rPr lang="en-US" altLang="ko-KR" dirty="0"/>
+              <a:t>Actuated control: Pre-defined rules and real-time data-based method that is affected by queue length</a:t>
             </a:r>
           </a:p>
           <a:p>
             <a:pPr lvl="1"/>
             <a:r>
-              <a:rPr lang="en-US" altLang="ko-KR" dirty="0" smtClean="0"/>
-              <a:t>Adaptive control</a:t>
+              <a:rPr lang="en-US" altLang="ko-KR" dirty="0"/>
+              <a:t>Adaptive control: current traffic situation(deciding a best signal plan for current situation from sensors)</a:t>
             </a:r>
           </a:p>
           <a:p>
             <a:pPr lvl="1"/>
             <a:r>
-              <a:rPr lang="en-US" altLang="ko-KR" dirty="0" smtClean="0"/>
-              <a:t>Optimization-based control</a:t>
+              <a:rPr lang="en-US" altLang="ko-KR" dirty="0"/>
+              <a:t>Optimization-based control: Relying less human knowledge and deciding the plans by observed data</a:t>
             </a:r>
             <a:br>
-              <a:rPr lang="en-US" altLang="ko-KR" dirty="0" smtClean="0"/>
+              <a:rPr lang="en-US" altLang="ko-KR" dirty="0"/>
             </a:br>
             <a:r>
-              <a:rPr lang="en-US" altLang="ko-KR" dirty="0" smtClean="0">
+              <a:rPr lang="en-US" altLang="ko-KR" dirty="0">
                 <a:sym typeface="Wingdings" panose="05000000000000000000" pitchFamily="2" charset="2"/>
               </a:rPr>
               <a:t> Given</a:t>
-            </a:r>
-            <a:r>
-              <a:rPr lang="ko-KR" altLang="en-US" dirty="0" smtClean="0">
-                <a:sym typeface="Wingdings" panose="05000000000000000000" pitchFamily="2" charset="2"/>
-              </a:rPr>
-              <a:t> </a:t>
-            </a:r>
-            <a:r>
-              <a:rPr lang="en-US" altLang="ko-KR" dirty="0" smtClean="0">
-                <a:sym typeface="Wingdings" panose="05000000000000000000" pitchFamily="2" charset="2"/>
-              </a:rPr>
-              <a:t>traffic model</a:t>
             </a:r>
             <a:r>
               <a:rPr lang="ko-KR" altLang="en-US" dirty="0">
@@ -8514,30 +8447,42 @@
               <a:t> </a:t>
             </a:r>
             <a:r>
-              <a:rPr lang="en-US" altLang="ko-KR" dirty="0" smtClean="0">
+              <a:rPr lang="en-US" altLang="ko-KR" dirty="0">
+                <a:sym typeface="Wingdings" panose="05000000000000000000" pitchFamily="2" charset="2"/>
+              </a:rPr>
+              <a:t>traffic model</a:t>
+            </a:r>
+            <a:r>
+              <a:rPr lang="ko-KR" altLang="en-US" dirty="0">
+                <a:sym typeface="Wingdings" panose="05000000000000000000" pitchFamily="2" charset="2"/>
+              </a:rPr>
+              <a:t> </a:t>
+            </a:r>
+            <a:r>
+              <a:rPr lang="en-US" altLang="ko-KR" dirty="0">
                 <a:sym typeface="Wingdings" panose="05000000000000000000" pitchFamily="2" charset="2"/>
               </a:rPr>
               <a:t>and</a:t>
             </a:r>
             <a:r>
-              <a:rPr lang="ko-KR" altLang="en-US" dirty="0" smtClean="0">
+              <a:rPr lang="ko-KR" altLang="en-US" dirty="0">
                 <a:sym typeface="Wingdings" panose="05000000000000000000" pitchFamily="2" charset="2"/>
               </a:rPr>
               <a:t> </a:t>
             </a:r>
             <a:r>
-              <a:rPr lang="en-US" altLang="ko-KR" dirty="0" smtClean="0">
+              <a:rPr lang="en-US" altLang="ko-KR" dirty="0">
                 <a:sym typeface="Wingdings" panose="05000000000000000000" pitchFamily="2" charset="2"/>
               </a:rPr>
               <a:t>pre-defined rule</a:t>
             </a:r>
             <a:br>
-              <a:rPr lang="en-US" altLang="ko-KR" dirty="0" smtClean="0">
+              <a:rPr lang="en-US" altLang="ko-KR" dirty="0">
                 <a:sym typeface="Wingdings" panose="05000000000000000000" pitchFamily="2" charset="2"/>
               </a:rPr>
             </a:br>
             <a:r>
-              <a:rPr lang="en-US" altLang="ko-KR" dirty="0" smtClean="0">
+              <a:rPr lang="en-US" altLang="ko-KR" dirty="0">
                 <a:sym typeface="Wingdings" panose="05000000000000000000" pitchFamily="2" charset="2"/>
               </a:rPr>
               <a:t> Fail to adjust to dynamic traffic</a:t>
@@ -8556,13 +8501,6 @@
   <p:clrMapOvr>
     <a:masterClrMapping/>
   </p:clrMapOvr>
-  <p:timing>
-    <p:tnLst>
-      <p:par>
-        <p:cTn id="1" dur="indefinite" restart="never" nodeType="tmRoot"/>
-      </p:par>
-    </p:tnLst>
-  </p:timing>
 </p:sld>
 </file>
 
@@ -8599,7 +8537,7 @@
           <a:lstStyle/>
           <a:p>
             <a:r>
-              <a:rPr lang="en-US" altLang="ko-KR" dirty="0" smtClean="0"/>
+              <a:rPr lang="en-US" altLang="ko-KR" dirty="0"/>
               <a:t>Motivation</a:t>
             </a:r>
             <a:endParaRPr lang="ko-KR" altLang="en-US" dirty="0"/>
@@ -8622,14 +8560,11 @@
           <a:lstStyle/>
           <a:p>
             <a:r>
-              <a:rPr lang="en-US" altLang="ko-KR" dirty="0" smtClean="0">
+              <a:rPr lang="en-US" altLang="ko-KR" dirty="0">
                 <a:sym typeface="Wingdings" panose="05000000000000000000" pitchFamily="2" charset="2"/>
               </a:rPr>
               <a:t> Challenge</a:t>
             </a:r>
-            <a:endParaRPr lang="en-US" altLang="ko-KR" dirty="0">
-              <a:sym typeface="Wingdings" panose="05000000000000000000" pitchFamily="2" charset="2"/>
-            </a:endParaRPr>
           </a:p>
           <a:p>
             <a:pPr lvl="1"/>
@@ -8648,24 +8583,18 @@
               <a:rPr lang="en-US" altLang="ko-KR" dirty="0">
                 <a:sym typeface="Wingdings" panose="05000000000000000000" pitchFamily="2" charset="2"/>
               </a:rPr>
-              <a:t> Highly correlated due to densely </a:t>
-            </a:r>
-            <a:r>
-              <a:rPr lang="en-US" altLang="ko-KR" dirty="0" smtClean="0">
-                <a:sym typeface="Wingdings" panose="05000000000000000000" pitchFamily="2" charset="2"/>
-              </a:rPr>
-              <a:t>connected</a:t>
+              <a:t> Highly correlated due to densely connected</a:t>
             </a:r>
           </a:p>
           <a:p>
             <a:pPr lvl="1"/>
             <a:r>
-              <a:rPr lang="en-US" altLang="ko-KR" dirty="0" smtClean="0">
+              <a:rPr lang="en-US" altLang="ko-KR" dirty="0">
                 <a:sym typeface="Wingdings" panose="05000000000000000000" pitchFamily="2" charset="2"/>
               </a:rPr>
               <a:t>Traditional Method is not well adjusted when the traffic is dynamic</a:t>
             </a:r>
-            <a:endParaRPr lang="en-US" altLang="ko-KR" b="1" dirty="0" smtClean="0">
+            <a:endParaRPr lang="en-US" altLang="ko-KR" b="1" dirty="0">
               <a:sym typeface="Wingdings" panose="05000000000000000000" pitchFamily="2" charset="2"/>
             </a:endParaRPr>
           </a:p>
@@ -8677,7 +8606,7 @@
           </a:p>
           <a:p>
             <a:r>
-              <a:rPr lang="en-US" altLang="ko-KR" dirty="0" smtClean="0">
+              <a:rPr lang="en-US" altLang="ko-KR" dirty="0">
                 <a:sym typeface="Wingdings" panose="05000000000000000000" pitchFamily="2" charset="2"/>
               </a:rPr>
               <a:t> 3 Key Issues to handle the challenge by RL method</a:t>
@@ -8686,7 +8615,7 @@
           <a:p>
             <a:pPr lvl="1"/>
             <a:r>
-              <a:rPr lang="en-US" altLang="ko-KR" dirty="0" smtClean="0">
+              <a:rPr lang="en-US" altLang="ko-KR" dirty="0">
                 <a:sym typeface="Wingdings" panose="05000000000000000000" pitchFamily="2" charset="2"/>
               </a:rPr>
               <a:t>Scalability: learn effectively on a large scale, and the global optimization goal simultaneously</a:t>
@@ -8695,7 +8624,7 @@
           <a:p>
             <a:pPr lvl="1"/>
             <a:r>
-              <a:rPr lang="en-US" altLang="ko-KR" dirty="0" smtClean="0">
+              <a:rPr lang="en-US" altLang="ko-KR" dirty="0">
                 <a:sym typeface="Wingdings" panose="05000000000000000000" pitchFamily="2" charset="2"/>
               </a:rPr>
               <a:t>Coordination: Optimizing signal timing for TL jointly when in close proximity</a:t>
@@ -8704,14 +8633,11 @@
           <a:p>
             <a:pPr lvl="1"/>
             <a:r>
-              <a:rPr lang="en-US" altLang="ko-KR" dirty="0" smtClean="0">
+              <a:rPr lang="en-US" altLang="ko-KR" dirty="0">
                 <a:sym typeface="Wingdings" panose="05000000000000000000" pitchFamily="2" charset="2"/>
               </a:rPr>
               <a:t>Data feasibility: Not use the data that are hard to occur when learning by the RL-based method </a:t>
             </a:r>
-            <a:endParaRPr lang="en-US" altLang="ko-KR" dirty="0">
-              <a:sym typeface="Wingdings" panose="05000000000000000000" pitchFamily="2" charset="2"/>
-            </a:endParaRPr>
           </a:p>
         </p:txBody>
       </p:sp>
@@ -8725,13 +8651,6 @@
   <p:clrMapOvr>
     <a:masterClrMapping/>
   </p:clrMapOvr>
-  <p:timing>
-    <p:tnLst>
-      <p:par>
-        <p:cTn id="1" dur="indefinite" restart="never" nodeType="tmRoot"/>
-      </p:par>
-    </p:tnLst>
-  </p:timing>
 </p:sld>
 </file>
 
@@ -8773,7 +8692,7 @@
           <a:lstStyle/>
           <a:p>
             <a:r>
-              <a:rPr lang="en-US" altLang="ko-KR" dirty="0" smtClean="0"/>
+              <a:rPr lang="en-US" altLang="ko-KR" dirty="0"/>
               <a:t>Related work</a:t>
             </a:r>
             <a:endParaRPr lang="ko-KR" altLang="en-US" dirty="0"/>
@@ -8796,47 +8715,31 @@
           <a:lstStyle/>
           <a:p>
             <a:r>
-              <a:rPr lang="en-US" altLang="ko-KR" dirty="0" smtClean="0"/>
-              <a:t> Conventional Transportation </a:t>
-            </a:r>
-            <a:r>
-              <a:rPr lang="en-US" altLang="ko-KR" dirty="0"/>
-              <a:t>M</a:t>
-            </a:r>
-            <a:r>
-              <a:rPr lang="en-US" altLang="ko-KR" dirty="0" smtClean="0"/>
-              <a:t>ethods for multi-intersection control</a:t>
+              <a:rPr lang="en-US" altLang="ko-KR" dirty="0"/>
+              <a:t> Conventional Transportation Methods for multi-intersection control</a:t>
             </a:r>
           </a:p>
           <a:p>
             <a:pPr lvl="1"/>
             <a:r>
-              <a:rPr lang="en-US" altLang="ko-KR" dirty="0" smtClean="0"/>
+              <a:rPr lang="en-US" altLang="ko-KR" dirty="0"/>
               <a:t>Same cycle length</a:t>
             </a:r>
           </a:p>
           <a:p>
             <a:pPr lvl="1"/>
             <a:r>
-              <a:rPr lang="en-US" altLang="ko-KR" dirty="0" smtClean="0"/>
+              <a:rPr lang="en-US" altLang="ko-KR" dirty="0"/>
               <a:t>Facilitated traffic of selected movement: modifying the offset between consecutive intersection</a:t>
             </a:r>
-            <a:r>
-              <a:rPr lang="en-US" altLang="ko-KR" dirty="0"/>
-              <a:t/>
-            </a:r>
             <a:br>
               <a:rPr lang="en-US" altLang="ko-KR" dirty="0"/>
             </a:br>
-            <a:r>
-              <a:rPr lang="en-US" altLang="ko-KR" dirty="0" smtClean="0"/>
-              <a:t/>
-            </a:r>
             <a:br>
-              <a:rPr lang="en-US" altLang="ko-KR" dirty="0" smtClean="0"/>
+              <a:rPr lang="en-US" altLang="ko-KR" dirty="0"/>
             </a:br>
             <a:r>
-              <a:rPr lang="en-US" altLang="ko-KR" dirty="0" smtClean="0">
+              <a:rPr lang="en-US" altLang="ko-KR" dirty="0">
                 <a:sym typeface="Wingdings" panose="05000000000000000000" pitchFamily="2" charset="2"/>
               </a:rPr>
               <a:t> Problem of this approach</a:t>
@@ -8848,13 +8751,7 @@
               <a:rPr lang="en-US" altLang="ko-KR" dirty="0">
                 <a:sym typeface="Wingdings" panose="05000000000000000000" pitchFamily="2" charset="2"/>
               </a:rPr>
-              <a:t> </a:t>
-            </a:r>
-            <a:r>
-              <a:rPr lang="en-US" altLang="ko-KR" dirty="0" smtClean="0">
-                <a:sym typeface="Wingdings" panose="05000000000000000000" pitchFamily="2" charset="2"/>
-              </a:rPr>
-              <a:t>Few network are only uniform for simple approach (Small grid network -&gt; fixed offset achieve coordination)</a:t>
+              <a:t> Few network are only uniform for simple approach (Small grid network -&gt; fixed offset achieve coordination)</a:t>
             </a:r>
           </a:p>
           <a:p>
@@ -8863,15 +8760,9 @@
               <a:rPr lang="en-US" altLang="ko-KR" dirty="0">
                 <a:sym typeface="Wingdings" panose="05000000000000000000" pitchFamily="2" charset="2"/>
               </a:rPr>
-              <a:t> </a:t>
-            </a:r>
-            <a:r>
-              <a:rPr lang="en-US" altLang="ko-KR" dirty="0" smtClean="0">
-                <a:sym typeface="Wingdings" panose="05000000000000000000" pitchFamily="2" charset="2"/>
-              </a:rPr>
-              <a:t>Difficult to provide a global optimization</a:t>
-            </a:r>
-            <a:endParaRPr lang="en-US" altLang="ko-KR" dirty="0" smtClean="0"/>
+              <a:t> Difficult to provide a global optimization</a:t>
+            </a:r>
+            <a:endParaRPr lang="en-US" altLang="ko-KR" dirty="0"/>
           </a:p>
         </p:txBody>
       </p:sp>
@@ -9006,7 +8897,7 @@
           <a:lstStyle/>
           <a:p>
             <a:r>
-              <a:rPr lang="en-US" altLang="ko-KR" b="1" dirty="0" smtClean="0">
+              <a:rPr lang="en-US" altLang="ko-KR" b="1" dirty="0">
                 <a:solidFill>
                   <a:srgbClr val="FF0000"/>
                 </a:solidFill>
@@ -9128,7 +9019,7 @@
           <a:lstStyle/>
           <a:p>
             <a:r>
-              <a:rPr lang="en-US" altLang="ko-KR" b="1" dirty="0" smtClean="0">
+              <a:rPr lang="en-US" altLang="ko-KR" b="1" dirty="0">
                 <a:solidFill>
                   <a:srgbClr val="FF0000"/>
                 </a:solidFill>
@@ -9153,13 +9044,6 @@
   <p:clrMapOvr>
     <a:masterClrMapping/>
   </p:clrMapOvr>
-  <p:timing>
-    <p:tnLst>
-      <p:par>
-        <p:cTn id="1" dur="indefinite" restart="never" nodeType="tmRoot"/>
-      </p:par>
-    </p:tnLst>
-  </p:timing>
 </p:sld>
 </file>
 
@@ -9196,7 +9080,7 @@
           <a:lstStyle/>
           <a:p>
             <a:r>
-              <a:rPr lang="en-US" altLang="ko-KR" dirty="0" smtClean="0"/>
+              <a:rPr lang="en-US" altLang="ko-KR" dirty="0"/>
               <a:t>Related work</a:t>
             </a:r>
             <a:endParaRPr lang="ko-KR" altLang="en-US" dirty="0"/>
@@ -9219,35 +9103,31 @@
           <a:lstStyle/>
           <a:p>
             <a:r>
-              <a:rPr lang="en-US" altLang="ko-KR" dirty="0" smtClean="0"/>
+              <a:rPr lang="en-US" altLang="ko-KR" dirty="0"/>
               <a:t> Max Pressure : optimization-based method</a:t>
             </a:r>
           </a:p>
           <a:p>
             <a:pPr lvl="1"/>
             <a:r>
-              <a:rPr lang="en-US" altLang="ko-KR" dirty="0" smtClean="0"/>
+              <a:rPr lang="en-US" altLang="ko-KR" dirty="0"/>
               <a:t>Providing global optimization through coordination</a:t>
             </a:r>
           </a:p>
           <a:p>
             <a:pPr lvl="1"/>
             <a:r>
-              <a:rPr lang="en-US" altLang="ko-KR" dirty="0" smtClean="0"/>
+              <a:rPr lang="en-US" altLang="ko-KR" dirty="0"/>
               <a:t>Developed to optimize the global vehicle travel time, throughput and # of stops at intersections</a:t>
             </a:r>
             <a:br>
-              <a:rPr lang="en-US" altLang="ko-KR" dirty="0" smtClean="0"/>
+              <a:rPr lang="en-US" altLang="ko-KR" dirty="0"/>
             </a:br>
-            <a:r>
-              <a:rPr lang="en-US" altLang="ko-KR" dirty="0" smtClean="0"/>
-              <a:t/>
-            </a:r>
             <a:br>
-              <a:rPr lang="en-US" altLang="ko-KR" dirty="0" smtClean="0"/>
+              <a:rPr lang="en-US" altLang="ko-KR" dirty="0"/>
             </a:br>
             <a:r>
-              <a:rPr lang="en-US" altLang="ko-KR" dirty="0" smtClean="0">
+              <a:rPr lang="en-US" altLang="ko-KR" dirty="0">
                 <a:sym typeface="Wingdings" panose="05000000000000000000" pitchFamily="2" charset="2"/>
               </a:rPr>
               <a:t> Challenges</a:t>
@@ -9259,13 +9139,7 @@
               <a:rPr lang="en-US" altLang="ko-KR" dirty="0">
                 <a:sym typeface="Wingdings" panose="05000000000000000000" pitchFamily="2" charset="2"/>
               </a:rPr>
-              <a:t> </a:t>
-            </a:r>
-            <a:r>
-              <a:rPr lang="en-US" altLang="ko-KR" dirty="0" smtClean="0">
-                <a:sym typeface="Wingdings" panose="05000000000000000000" pitchFamily="2" charset="2"/>
-              </a:rPr>
-              <a:t>Still rely on assumptions of simple traffic condition, HARD to apply to real world</a:t>
+              <a:t> Still rely on assumptions of simple traffic condition, HARD to apply to real world</a:t>
             </a:r>
           </a:p>
           <a:p>
@@ -9273,19 +9147,13 @@
               <a:rPr lang="en-US" altLang="ko-KR" dirty="0">
                 <a:sym typeface="Wingdings" panose="05000000000000000000" pitchFamily="2" charset="2"/>
               </a:rPr>
-              <a:t> </a:t>
-            </a:r>
-            <a:r>
-              <a:rPr lang="en-US" altLang="ko-KR" dirty="0" smtClean="0">
-                <a:sym typeface="Wingdings" panose="05000000000000000000" pitchFamily="2" charset="2"/>
-              </a:rPr>
-              <a:t>RL-based single-intersection methods</a:t>
+              <a:t> RL-based single-intersection methods</a:t>
             </a:r>
           </a:p>
           <a:p>
             <a:pPr lvl="1"/>
             <a:r>
-              <a:rPr lang="en-US" altLang="ko-KR" dirty="0" smtClean="0">
+              <a:rPr lang="en-US" altLang="ko-KR" dirty="0">
                 <a:sym typeface="Wingdings" panose="05000000000000000000" pitchFamily="2" charset="2"/>
               </a:rPr>
               <a:t>Outstanding performance over conventional transportation methods</a:t>
@@ -9294,12 +9162,12 @@
           <a:p>
             <a:pPr lvl="1"/>
             <a:r>
-              <a:rPr lang="en-US" altLang="ko-KR" dirty="0" smtClean="0">
+              <a:rPr lang="en-US" altLang="ko-KR" dirty="0">
                 <a:sym typeface="Wingdings" panose="05000000000000000000" pitchFamily="2" charset="2"/>
               </a:rPr>
               <a:t>For satisfying scalability,  Advance to ‘RL-based multi-intersection methods’</a:t>
             </a:r>
-            <a:endParaRPr lang="en-US" altLang="ko-KR" dirty="0" smtClean="0"/>
+            <a:endParaRPr lang="en-US" altLang="ko-KR" dirty="0"/>
           </a:p>
         </p:txBody>
       </p:sp>
@@ -9313,13 +9181,6 @@
   <p:clrMapOvr>
     <a:masterClrMapping/>
   </p:clrMapOvr>
-  <p:timing>
-    <p:tnLst>
-      <p:par>
-        <p:cTn id="1" dur="indefinite" restart="never" nodeType="tmRoot"/>
-      </p:par>
-    </p:tnLst>
-  </p:timing>
 </p:sld>
 </file>
 
@@ -9356,7 +9217,7 @@
           <a:lstStyle/>
           <a:p>
             <a:r>
-              <a:rPr lang="en-US" altLang="ko-KR" dirty="0" smtClean="0"/>
+              <a:rPr lang="en-US" altLang="ko-KR" dirty="0"/>
               <a:t>Related work</a:t>
             </a:r>
             <a:endParaRPr lang="ko-KR" altLang="en-US" dirty="0"/>
@@ -9379,57 +9240,49 @@
           <a:lstStyle/>
           <a:p>
             <a:r>
-              <a:rPr lang="en-US" altLang="ko-KR" dirty="0" smtClean="0"/>
+              <a:rPr lang="en-US" altLang="ko-KR" dirty="0"/>
               <a:t> Reinforcement Learning(RL) based multi-intersection methods</a:t>
             </a:r>
           </a:p>
           <a:p>
             <a:pPr lvl="1"/>
             <a:r>
-              <a:rPr lang="en-US" altLang="ko-KR" dirty="0" smtClean="0"/>
-              <a:t>Treat all the intersection </a:t>
-            </a:r>
-            <a:r>
-              <a:rPr lang="en-US" altLang="ko-KR" dirty="0" err="1" smtClean="0"/>
-              <a:t>isolately</a:t>
-            </a:r>
-            <a:r>
-              <a:rPr lang="en-US" altLang="ko-KR" dirty="0" smtClean="0"/>
-              <a:t> and apply individual traffic signal control</a:t>
+              <a:rPr lang="en-US" altLang="ko-KR" dirty="0"/>
+              <a:t>Treat all the intersection separately and apply individual traffic signal control</a:t>
             </a:r>
           </a:p>
           <a:p>
             <a:pPr lvl="2"/>
             <a:r>
-              <a:rPr lang="en-US" altLang="ko-KR" dirty="0" smtClean="0"/>
+              <a:rPr lang="en-US" altLang="ko-KR" dirty="0"/>
               <a:t>Scale-up easily</a:t>
             </a:r>
           </a:p>
           <a:p>
             <a:pPr lvl="2"/>
             <a:r>
-              <a:rPr lang="en-US" altLang="ko-KR" dirty="0" smtClean="0"/>
+              <a:rPr lang="en-US" altLang="ko-KR" dirty="0"/>
               <a:t>Cannot coordinate with neighbors, achieve their own goals</a:t>
             </a:r>
           </a:p>
           <a:p>
             <a:pPr lvl="1"/>
             <a:r>
-              <a:rPr lang="en-US" altLang="ko-KR" dirty="0" smtClean="0"/>
+              <a:rPr lang="en-US" altLang="ko-KR" dirty="0"/>
               <a:t>Centralized optimization over multiple coordinated agents</a:t>
             </a:r>
           </a:p>
           <a:p>
             <a:pPr lvl="2"/>
             <a:r>
-              <a:rPr lang="en-US" altLang="ko-KR" dirty="0" smtClean="0"/>
+              <a:rPr lang="en-US" altLang="ko-KR" dirty="0"/>
               <a:t>Achieve coordination with neighbor intersections</a:t>
             </a:r>
           </a:p>
           <a:p>
             <a:pPr lvl="2"/>
             <a:r>
-              <a:rPr lang="en-US" altLang="ko-KR" dirty="0" smtClean="0"/>
+              <a:rPr lang="en-US" altLang="ko-KR" dirty="0"/>
               <a:t>Network scale expands, optimization is infeasible due to large joint action space</a:t>
             </a:r>
           </a:p>
@@ -9442,12 +9295,12 @@
               <a:buNone/>
             </a:pPr>
             <a:r>
-              <a:rPr lang="en-US" altLang="ko-KR" dirty="0" smtClean="0">
+              <a:rPr lang="en-US" altLang="ko-KR" dirty="0">
                 <a:sym typeface="Wingdings" panose="05000000000000000000" pitchFamily="2" charset="2"/>
               </a:rPr>
               <a:t> Trade-off between scalability and coordination</a:t>
             </a:r>
-            <a:endParaRPr lang="en-US" altLang="ko-KR" dirty="0" smtClean="0"/>
+            <a:endParaRPr lang="en-US" altLang="ko-KR" dirty="0"/>
           </a:p>
         </p:txBody>
       </p:sp>
@@ -9461,13 +9314,6 @@
   <p:clrMapOvr>
     <a:masterClrMapping/>
   </p:clrMapOvr>
-  <p:timing>
-    <p:tnLst>
-      <p:par>
-        <p:cTn id="1" dur="indefinite" restart="never" nodeType="tmRoot"/>
-      </p:par>
-    </p:tnLst>
-  </p:timing>
 </p:sld>
 </file>
 
@@ -9504,7 +9350,7 @@
           <a:lstStyle/>
           <a:p>
             <a:r>
-              <a:rPr lang="en-US" altLang="ko-KR" dirty="0" smtClean="0"/>
+              <a:rPr lang="en-US" altLang="ko-KR" dirty="0"/>
               <a:t>Related work</a:t>
             </a:r>
             <a:endParaRPr lang="ko-KR" altLang="en-US" dirty="0"/>
@@ -9527,14 +9373,14 @@
           <a:lstStyle/>
           <a:p>
             <a:r>
-              <a:rPr lang="en-US" altLang="ko-KR" dirty="0" smtClean="0"/>
+              <a:rPr lang="en-US" altLang="ko-KR" dirty="0"/>
               <a:t> Decentralized Approach based on RL</a:t>
             </a:r>
           </a:p>
           <a:p>
             <a:pPr lvl="1"/>
             <a:r>
-              <a:rPr lang="en-US" altLang="ko-KR" dirty="0" smtClean="0"/>
+              <a:rPr lang="en-US" altLang="ko-KR" dirty="0"/>
               <a:t>Considering both scalability and coordination</a:t>
             </a:r>
           </a:p>
@@ -9544,32 +9390,32 @@
           </a:p>
           <a:p>
             <a:r>
-              <a:rPr lang="en-US" altLang="ko-KR" dirty="0" smtClean="0"/>
+              <a:rPr lang="en-US" altLang="ko-KR" dirty="0"/>
               <a:t> Issues that are hard to apply RL in large-scale network</a:t>
             </a:r>
           </a:p>
           <a:p>
             <a:pPr lvl="1"/>
             <a:r>
-              <a:rPr lang="en-US" altLang="ko-KR" dirty="0" err="1" smtClean="0"/>
+              <a:rPr lang="en-US" altLang="ko-KR" dirty="0" err="1"/>
               <a:t>Uni</a:t>
             </a:r>
             <a:r>
-              <a:rPr lang="en-US" altLang="ko-KR" dirty="0" smtClean="0"/>
+              <a:rPr lang="en-US" altLang="ko-KR" dirty="0"/>
               <a:t>-intersection related reward system</a:t>
             </a:r>
           </a:p>
           <a:p>
             <a:pPr lvl="1"/>
             <a:r>
-              <a:rPr lang="en-US" altLang="ko-KR" dirty="0" smtClean="0"/>
+              <a:rPr lang="en-US" altLang="ko-KR" dirty="0"/>
               <a:t>Few reward design for direct coordination</a:t>
             </a:r>
           </a:p>
           <a:p>
             <a:pPr lvl="1"/>
             <a:r>
-              <a:rPr lang="en-US" altLang="ko-KR" dirty="0" smtClean="0"/>
+              <a:rPr lang="en-US" altLang="ko-KR" dirty="0"/>
               <a:t>Current RL method includes infeasible features in the states</a:t>
             </a:r>
           </a:p>
@@ -9589,13 +9435,6 @@
   <p:clrMapOvr>
     <a:masterClrMapping/>
   </p:clrMapOvr>
-  <p:timing>
-    <p:tnLst>
-      <p:par>
-        <p:cTn id="1" dur="indefinite" restart="never" nodeType="tmRoot"/>
-      </p:par>
-    </p:tnLst>
-  </p:timing>
 </p:sld>
 </file>
 
@@ -9669,10 +9508,6 @@
             <a:r>
               <a:rPr lang="ko-KR" altLang="en-US" dirty="0"/>
               <a:t>제작</a:t>
-            </a:r>
-            <a:r>
-              <a:rPr lang="en-US" altLang="ko-KR" dirty="0"/>
-              <a:t/>
             </a:r>
             <a:br>
               <a:rPr lang="en-US" altLang="ko-KR" dirty="0"/>
@@ -9785,7 +9620,7 @@
           <a:lstStyle/>
           <a:p>
             <a:r>
-              <a:rPr lang="en-US" altLang="ko-KR" dirty="0" smtClean="0"/>
+              <a:rPr lang="en-US" altLang="ko-KR" dirty="0"/>
               <a:t>Approach</a:t>
             </a:r>
             <a:endParaRPr lang="ko-KR" altLang="en-US" dirty="0"/>
@@ -9808,26 +9643,26 @@
           <a:lstStyle/>
           <a:p>
             <a:r>
-              <a:rPr lang="en-US" altLang="ko-KR" dirty="0" smtClean="0"/>
+              <a:rPr lang="en-US" altLang="ko-KR" dirty="0"/>
               <a:t> </a:t>
             </a:r>
             <a:r>
-              <a:rPr lang="en-US" altLang="ko-KR" dirty="0" err="1" smtClean="0"/>
+              <a:rPr lang="en-US" altLang="ko-KR" dirty="0" err="1"/>
               <a:t>MPLight</a:t>
             </a:r>
-            <a:endParaRPr lang="en-US" altLang="ko-KR" dirty="0" smtClean="0"/>
+            <a:endParaRPr lang="en-US" altLang="ko-KR" dirty="0"/>
           </a:p>
           <a:p>
             <a:pPr lvl="1"/>
             <a:r>
-              <a:rPr lang="en-US" altLang="ko-KR" dirty="0" smtClean="0"/>
+              <a:rPr lang="en-US" altLang="ko-KR" dirty="0"/>
               <a:t>Utilizing simple features that are feasible in the real world &lt;- overcome infeasibility</a:t>
             </a:r>
           </a:p>
           <a:p>
             <a:pPr lvl="1"/>
             <a:r>
-              <a:rPr lang="en-US" altLang="ko-KR" dirty="0" smtClean="0">
+              <a:rPr lang="en-US" altLang="ko-KR" dirty="0">
                 <a:sym typeface="Wingdings" panose="05000000000000000000" pitchFamily="2" charset="2"/>
               </a:rPr>
               <a:t>Sharing parameters of intersections &lt;- overcome scalability</a:t>
@@ -9836,7 +9671,7 @@
           <a:p>
             <a:pPr lvl="2"/>
             <a:r>
-              <a:rPr lang="en-US" altLang="ko-KR" dirty="0" smtClean="0">
+              <a:rPr lang="en-US" altLang="ko-KR" dirty="0">
                 <a:sym typeface="Wingdings" panose="05000000000000000000" pitchFamily="2" charset="2"/>
               </a:rPr>
               <a:t>Not sharing all the parameters naively  inferior performance because of having different structures each</a:t>
@@ -9845,29 +9680,29 @@
           <a:p>
             <a:pPr lvl="2"/>
             <a:r>
-              <a:rPr lang="en-US" altLang="ko-KR" dirty="0" smtClean="0">
+              <a:rPr lang="en-US" altLang="ko-KR" dirty="0">
                 <a:sym typeface="Wingdings" panose="05000000000000000000" pitchFamily="2" charset="2"/>
               </a:rPr>
               <a:t>Not applying the control of large flow to the system with little traffic</a:t>
             </a:r>
             <a:br>
-              <a:rPr lang="en-US" altLang="ko-KR" dirty="0" smtClean="0">
+              <a:rPr lang="en-US" altLang="ko-KR" dirty="0">
                 <a:sym typeface="Wingdings" panose="05000000000000000000" pitchFamily="2" charset="2"/>
               </a:rPr>
             </a:br>
             <a:r>
-              <a:rPr lang="en-US" altLang="ko-KR" dirty="0" smtClean="0">
+              <a:rPr lang="en-US" altLang="ko-KR" dirty="0">
                 <a:sym typeface="Wingdings" panose="05000000000000000000" pitchFamily="2" charset="2"/>
               </a:rPr>
               <a:t>- Following similar control logic and enhancing the speed of learning by sharing their learned knowledge </a:t>
             </a:r>
             <a:br>
-              <a:rPr lang="en-US" altLang="ko-KR" dirty="0" smtClean="0">
+              <a:rPr lang="en-US" altLang="ko-KR" dirty="0">
                 <a:sym typeface="Wingdings" panose="05000000000000000000" pitchFamily="2" charset="2"/>
               </a:rPr>
             </a:br>
             <a:r>
-              <a:rPr lang="en-US" altLang="ko-KR" dirty="0" smtClean="0">
+              <a:rPr lang="en-US" altLang="ko-KR" dirty="0">
                 <a:sym typeface="Wingdings" panose="05000000000000000000" pitchFamily="2" charset="2"/>
               </a:rPr>
               <a:t>- base model, ‘FRAP’</a:t>
@@ -9877,51 +9712,31 @@
             <a:pPr lvl="1"/>
             <a:r>
               <a:rPr lang="en-US" altLang="ko-KR" dirty="0"/>
-              <a:t>Integrating the concept of “pressure” into reward design for </a:t>
-            </a:r>
-            <a:r>
-              <a:rPr lang="en-US" altLang="ko-KR" dirty="0" smtClean="0"/>
-              <a:t>coordination</a:t>
+              <a:t>Integrating the concept of “pressure” into reward design for coordination</a:t>
             </a:r>
           </a:p>
           <a:p>
             <a:pPr lvl="2"/>
             <a:r>
-              <a:rPr lang="en-US" altLang="ko-KR" dirty="0" smtClean="0"/>
-              <a:t>Derived from ‘max </a:t>
-            </a:r>
-            <a:r>
-              <a:rPr lang="en-US" altLang="ko-KR" dirty="0" smtClean="0"/>
-              <a:t>pressure control </a:t>
-            </a:r>
-            <a:r>
-              <a:rPr lang="en-US" altLang="ko-KR" dirty="0" smtClean="0"/>
-              <a:t>theory’, aimed at the global throughput in the area</a:t>
+              <a:rPr lang="en-US" altLang="ko-KR" dirty="0"/>
+              <a:t>Derived from ‘max pressure control theory’, aimed at the global throughput in the area</a:t>
             </a:r>
           </a:p>
           <a:p>
             <a:pPr lvl="2"/>
             <a:r>
-              <a:rPr lang="en-US" altLang="ko-KR" dirty="0" smtClean="0"/>
+              <a:rPr lang="en-US" altLang="ko-KR" dirty="0"/>
               <a:t>Balancing the distribution of vehicle by minimizing the pressure and maximizing the throughput </a:t>
             </a:r>
             <a:br>
-              <a:rPr lang="en-US" altLang="ko-KR" dirty="0" smtClean="0"/>
+              <a:rPr lang="en-US" altLang="ko-KR" dirty="0"/>
             </a:br>
-            <a:r>
-              <a:rPr lang="en-US" altLang="ko-KR" dirty="0" smtClean="0"/>
-              <a:t/>
-            </a:r>
             <a:br>
-              <a:rPr lang="en-US" altLang="ko-KR" dirty="0" smtClean="0"/>
+              <a:rPr lang="en-US" altLang="ko-KR" dirty="0"/>
             </a:br>
             <a:r>
-              <a:rPr lang="en-US" altLang="ko-KR" dirty="0" smtClean="0"/>
+              <a:rPr lang="en-US" altLang="ko-KR" dirty="0"/>
               <a:t>- pressure: discrepancy of the number of vehicles inflow and outflow</a:t>
-            </a:r>
-            <a:r>
-              <a:rPr lang="en-US" altLang="ko-KR" dirty="0"/>
-              <a:t/>
             </a:r>
             <a:br>
               <a:rPr lang="en-US" altLang="ko-KR" dirty="0"/>
@@ -9964,13 +9779,6 @@
   <p:clrMapOvr>
     <a:masterClrMapping/>
   </p:clrMapOvr>
-  <p:timing>
-    <p:tnLst>
-      <p:par>
-        <p:cTn id="1" dur="indefinite" restart="never" nodeType="tmRoot"/>
-      </p:par>
-    </p:tnLst>
-  </p:timing>
 </p:sld>
 </file>
 
@@ -10007,15 +9815,15 @@
           <a:lstStyle/>
           <a:p>
             <a:r>
-              <a:rPr lang="en-US" altLang="ko-KR" dirty="0" smtClean="0"/>
+              <a:rPr lang="en-US" altLang="ko-KR" dirty="0"/>
               <a:t>Approach: DQN Agent</a:t>
             </a:r>
             <a:endParaRPr lang="ko-KR" altLang="en-US" dirty="0"/>
           </a:p>
         </p:txBody>
       </p:sp>
-      <mc:AlternateContent xmlns:mc="http://schemas.openxmlformats.org/markup-compatibility/2006">
-        <mc:Choice xmlns:a14="http://schemas.microsoft.com/office/drawing/2010/main" Requires="a14">
+      <mc:AlternateContent xmlns:mc="http://schemas.openxmlformats.org/markup-compatibility/2006" xmlns:a14="http://schemas.microsoft.com/office/drawing/2010/main">
+        <mc:Choice Requires="a14">
           <p:sp>
             <p:nvSpPr>
               <p:cNvPr id="3" name="내용 개체 틀 2"/>
@@ -10037,21 +9845,21 @@
               <a:lstStyle/>
               <a:p>
                 <a:r>
-                  <a:rPr lang="en-US" altLang="ko-KR" dirty="0" smtClean="0"/>
+                  <a:rPr lang="en-US" altLang="ko-KR" dirty="0"/>
                   <a:t>  Reinforcement Learning Structure(Deep Q-Network)</a:t>
                 </a:r>
               </a:p>
               <a:p>
                 <a:pPr lvl="1"/>
                 <a:r>
-                  <a:rPr lang="en-US" altLang="ko-KR" dirty="0" smtClean="0"/>
+                  <a:rPr lang="en-US" altLang="ko-KR" dirty="0"/>
                   <a:t>Observation</a:t>
                 </a:r>
               </a:p>
               <a:p>
                 <a:pPr lvl="2"/>
                 <a:r>
-                  <a:rPr lang="en-US" altLang="ko-KR" dirty="0" smtClean="0"/>
+                  <a:rPr lang="en-US" altLang="ko-KR" dirty="0"/>
                   <a:t>Current phase </a:t>
                 </a:r>
                 <a14:m>
@@ -10065,26 +9873,26 @@
                   </m:oMath>
                 </a14:m>
                 <a:r>
-                  <a:rPr lang="ko-KR" altLang="en-US" dirty="0" smtClean="0"/>
+                  <a:rPr lang="ko-KR" altLang="en-US" dirty="0"/>
                   <a:t> </a:t>
                 </a:r>
-                <a:endParaRPr lang="en-US" altLang="ko-KR" dirty="0" smtClean="0"/>
+                <a:endParaRPr lang="en-US" altLang="ko-KR" dirty="0"/>
               </a:p>
               <a:p>
                 <a:pPr lvl="2"/>
                 <a:r>
-                  <a:rPr lang="en-US" altLang="ko-KR" dirty="0" smtClean="0"/>
+                  <a:rPr lang="en-US" altLang="ko-KR" dirty="0"/>
                   <a:t>Pressure of the 12 traffic movements</a:t>
                 </a:r>
                 <a:br>
-                  <a:rPr lang="en-US" altLang="ko-KR" dirty="0" smtClean="0"/>
+                  <a:rPr lang="en-US" altLang="ko-KR" dirty="0"/>
                 </a:br>
                 <a:r>
-                  <a:rPr lang="en-US" altLang="ko-KR" dirty="0" smtClean="0"/>
+                  <a:rPr lang="en-US" altLang="ko-KR" dirty="0"/>
                   <a:t>- fewer movements </a:t>
                 </a:r>
                 <a:r>
-                  <a:rPr lang="en-US" altLang="ko-KR" dirty="0" smtClean="0">
+                  <a:rPr lang="en-US" altLang="ko-KR" dirty="0">
                     <a:sym typeface="Wingdings" panose="05000000000000000000" pitchFamily="2" charset="2"/>
                   </a:rPr>
                   <a:t>-&gt; zero-padded</a:t>
@@ -10093,19 +9901,16 @@
               <a:p>
                 <a:pPr lvl="1"/>
                 <a:r>
-                  <a:rPr lang="en-US" altLang="ko-KR" dirty="0" smtClean="0">
+                  <a:rPr lang="en-US" altLang="ko-KR" dirty="0">
                     <a:sym typeface="Wingdings" panose="05000000000000000000" pitchFamily="2" charset="2"/>
                   </a:rPr>
                   <a:t>Action(every 10s)</a:t>
                 </a:r>
-                <a:endParaRPr lang="en-US" altLang="ko-KR" dirty="0" smtClean="0">
-                  <a:sym typeface="Wingdings" panose="05000000000000000000" pitchFamily="2" charset="2"/>
-                </a:endParaRPr>
               </a:p>
               <a:p>
                 <a:pPr lvl="2"/>
                 <a:r>
-                  <a:rPr lang="en-US" altLang="ko-KR" dirty="0" smtClean="0">
+                  <a:rPr lang="en-US" altLang="ko-KR" dirty="0">
                     <a:sym typeface="Wingdings" panose="05000000000000000000" pitchFamily="2" charset="2"/>
                   </a:rPr>
                   <a:t>Choose phase </a:t>
@@ -10122,49 +9927,36 @@
                   </m:oMath>
                 </a14:m>
                 <a:r>
-                  <a:rPr lang="ko-KR" altLang="en-US" dirty="0" smtClean="0"/>
+                  <a:rPr lang="ko-KR" altLang="en-US" dirty="0"/>
                   <a:t> </a:t>
                 </a:r>
                 <a:r>
-                  <a:rPr lang="en-US" altLang="ko-KR" dirty="0" smtClean="0"/>
+                  <a:rPr lang="en-US" altLang="ko-KR" dirty="0"/>
                   <a:t>among the 8 candidate phases</a:t>
-                </a:r>
-                <a:r>
-                  <a:rPr lang="en-US" altLang="ko-KR" dirty="0"/>
-                  <a:t/>
                 </a:r>
                 <a:br>
                   <a:rPr lang="en-US" altLang="ko-KR" dirty="0"/>
                 </a:br>
                 <a:r>
-                  <a:rPr lang="en-US" altLang="ko-KR" dirty="0" smtClean="0">
+                  <a:rPr lang="en-US" altLang="ko-KR" dirty="0">
                     <a:sym typeface="Wingdings" panose="05000000000000000000" pitchFamily="2" charset="2"/>
                   </a:rPr>
-                  <a:t> Not choosing all the </a:t>
-                </a:r>
-                <a:r>
-                  <a:rPr lang="en-US" altLang="ko-KR" dirty="0" smtClean="0">
-                    <a:sym typeface="Wingdings" panose="05000000000000000000" pitchFamily="2" charset="2"/>
-                  </a:rPr>
-                  <a:t>phase</a:t>
+                  <a:t> Not choosing all the phase</a:t>
                 </a:r>
               </a:p>
               <a:p>
                 <a:pPr lvl="2"/>
                 <a:r>
-                  <a:rPr lang="en-US" altLang="ko-KR" dirty="0" smtClean="0">
+                  <a:rPr lang="en-US" altLang="ko-KR" dirty="0">
                     <a:sym typeface="Wingdings" panose="05000000000000000000" pitchFamily="2" charset="2"/>
                   </a:rPr>
                   <a:t>Select the phase based on Max Pressure Control Law</a:t>
                 </a:r>
-                <a:endParaRPr lang="en-US" altLang="ko-KR" dirty="0" smtClean="0">
-                  <a:sym typeface="Wingdings" panose="05000000000000000000" pitchFamily="2" charset="2"/>
-                </a:endParaRPr>
               </a:p>
               <a:p>
                 <a:pPr lvl="1"/>
                 <a:r>
-                  <a:rPr lang="en-US" altLang="ko-KR" dirty="0" smtClean="0">
+                  <a:rPr lang="en-US" altLang="ko-KR" dirty="0">
                     <a:sym typeface="Wingdings" panose="05000000000000000000" pitchFamily="2" charset="2"/>
                   </a:rPr>
                   <a:t>Reward</a:t>
@@ -10173,39 +9965,39 @@
               <a:p>
                 <a:pPr lvl="2"/>
                 <a:r>
-                  <a:rPr lang="en-US" altLang="ko-KR" dirty="0" smtClean="0">
+                  <a:rPr lang="en-US" altLang="ko-KR" dirty="0">
                     <a:sym typeface="Wingdings" panose="05000000000000000000" pitchFamily="2" charset="2"/>
                   </a:rPr>
                   <a:t>Difference between the sum of queueing vehicles inflows and</a:t>
                 </a:r>
                 <a:br>
-                  <a:rPr lang="en-US" altLang="ko-KR" dirty="0" smtClean="0">
+                  <a:rPr lang="en-US" altLang="ko-KR" dirty="0">
                     <a:sym typeface="Wingdings" panose="05000000000000000000" pitchFamily="2" charset="2"/>
                   </a:rPr>
                 </a:br>
                 <a:r>
-                  <a:rPr lang="en-US" altLang="ko-KR" dirty="0" smtClean="0">
+                  <a:rPr lang="en-US" altLang="ko-KR" dirty="0">
                     <a:sym typeface="Wingdings" panose="05000000000000000000" pitchFamily="2" charset="2"/>
                   </a:rPr>
                   <a:t>the sum of queueing vehicles outflow</a:t>
                 </a:r>
                 <a:br>
-                  <a:rPr lang="en-US" altLang="ko-KR" dirty="0" smtClean="0">
+                  <a:rPr lang="en-US" altLang="ko-KR" dirty="0">
                     <a:sym typeface="Wingdings" panose="05000000000000000000" pitchFamily="2" charset="2"/>
                   </a:rPr>
                 </a:br>
                 <a:r>
-                  <a:rPr lang="en-US" altLang="ko-KR" dirty="0" smtClean="0">
+                  <a:rPr lang="en-US" altLang="ko-KR" dirty="0">
                     <a:sym typeface="Wingdings" panose="05000000000000000000" pitchFamily="2" charset="2"/>
                   </a:rPr>
                   <a:t> by maximizing the reward, agent will try to stabilizing </a:t>
                 </a:r>
-                <a:endParaRPr lang="en-US" altLang="ko-KR" dirty="0" smtClean="0"/>
+                <a:endParaRPr lang="en-US" altLang="ko-KR" dirty="0"/>
               </a:p>
             </p:txBody>
           </p:sp>
         </mc:Choice>
-        <mc:Fallback>
+        <mc:Fallback xmlns="">
           <p:sp>
             <p:nvSpPr>
               <p:cNvPr id="3" name="내용 개체 틀 2"/>
@@ -10328,7 +10120,7 @@
           <a:lstStyle/>
           <a:p>
             <a:r>
-              <a:rPr lang="en-US" altLang="ko-KR" b="1" dirty="0" smtClean="0">
+              <a:rPr lang="en-US" altLang="ko-KR" b="1" dirty="0">
                 <a:solidFill>
                   <a:srgbClr val="FF0000"/>
                 </a:solidFill>
@@ -10389,8 +10181,8 @@
           </a:p>
         </p:txBody>
       </p:sp>
-      <mc:AlternateContent xmlns:mc="http://schemas.openxmlformats.org/markup-compatibility/2006">
-        <mc:Choice xmlns:a14="http://schemas.microsoft.com/office/drawing/2010/main" Requires="a14">
+      <mc:AlternateContent xmlns:mc="http://schemas.openxmlformats.org/markup-compatibility/2006" xmlns:a14="http://schemas.microsoft.com/office/drawing/2010/main">
+        <mc:Choice Requires="a14">
           <p:sp>
             <p:nvSpPr>
               <p:cNvPr id="16" name="TextBox 15"/>
@@ -10587,7 +10379,7 @@
             </p:txBody>
           </p:sp>
         </mc:Choice>
-        <mc:Fallback>
+        <mc:Fallback xmlns="">
           <p:sp>
             <p:nvSpPr>
               <p:cNvPr id="16" name="TextBox 15"/>
@@ -10820,7 +10612,7 @@
           <a:lstStyle/>
           <a:p>
             <a:r>
-              <a:rPr lang="en-US" altLang="ko-KR" b="1" dirty="0" smtClean="0">
+              <a:rPr lang="en-US" altLang="ko-KR" b="1" dirty="0">
                 <a:solidFill>
                   <a:srgbClr val="00B050"/>
                 </a:solidFill>
@@ -10845,13 +10637,6 @@
   <p:clrMapOvr>
     <a:masterClrMapping/>
   </p:clrMapOvr>
-  <p:timing>
-    <p:tnLst>
-      <p:par>
-        <p:cTn id="1" dur="indefinite" restart="never" nodeType="tmRoot"/>
-      </p:par>
-    </p:tnLst>
-  </p:timing>
 </p:sld>
 </file>
 
@@ -10889,18 +10674,14 @@
           <a:p>
             <a:r>
               <a:rPr lang="en-US" altLang="ko-KR" dirty="0"/>
-              <a:t>Approach: DQN </a:t>
-            </a:r>
-            <a:r>
-              <a:rPr lang="en-US" altLang="ko-KR" dirty="0" smtClean="0"/>
-              <a:t>Agent &amp; Setting</a:t>
+              <a:t>Approach: DQN Agent &amp; Setting</a:t>
             </a:r>
             <a:endParaRPr lang="ko-KR" altLang="en-US" dirty="0"/>
           </a:p>
         </p:txBody>
       </p:sp>
-      <mc:AlternateContent xmlns:mc="http://schemas.openxmlformats.org/markup-compatibility/2006">
-        <mc:Choice xmlns:a14="http://schemas.microsoft.com/office/drawing/2010/main" Requires="a14">
+      <mc:AlternateContent xmlns:mc="http://schemas.openxmlformats.org/markup-compatibility/2006" xmlns:a14="http://schemas.microsoft.com/office/drawing/2010/main">
+        <mc:Choice Requires="a14">
           <p:sp>
             <p:nvSpPr>
               <p:cNvPr id="3" name="내용 개체 틀 2"/>
@@ -10917,7 +10698,7 @@
               <a:lstStyle/>
               <a:p>
                 <a:r>
-                  <a:rPr lang="en-US" altLang="ko-KR" dirty="0" smtClean="0"/>
+                  <a:rPr lang="en-US" altLang="ko-KR" dirty="0"/>
                   <a:t> Parameter Sharing</a:t>
                 </a:r>
               </a:p>
@@ -10925,17 +10706,13 @@
                 <a:pPr lvl="1"/>
                 <a:r>
                   <a:rPr lang="en-US" altLang="ko-KR" dirty="0"/>
-                  <a:t> </a:t>
-                </a:r>
-                <a:r>
-                  <a:rPr lang="en-US" altLang="ko-KR" dirty="0" smtClean="0"/>
-                  <a:t>All parameters shared among all the agents </a:t>
+                  <a:t> All parameters shared among all the agents </a:t>
                 </a:r>
                 <a:br>
-                  <a:rPr lang="en-US" altLang="ko-KR" dirty="0" smtClean="0"/>
+                  <a:rPr lang="en-US" altLang="ko-KR" dirty="0"/>
                 </a:br>
                 <a:r>
-                  <a:rPr lang="en-US" altLang="ko-KR" dirty="0" smtClean="0">
+                  <a:rPr lang="en-US" altLang="ko-KR" dirty="0">
                     <a:sym typeface="Wingdings" panose="05000000000000000000" pitchFamily="2" charset="2"/>
                   </a:rPr>
                   <a:t> One intersection can get data from all the other intersections’ experience replay</a:t>
@@ -10943,35 +10720,35 @@
               </a:p>
               <a:p>
                 <a:r>
-                  <a:rPr lang="en-US" altLang="ko-KR" dirty="0" smtClean="0"/>
+                  <a:rPr lang="en-US" altLang="ko-KR" dirty="0"/>
                   <a:t> Setting (Synthetic data on a 4x4 network)</a:t>
                 </a:r>
               </a:p>
               <a:p>
                 <a:pPr lvl="1"/>
                 <a:r>
-                  <a:rPr lang="en-US" altLang="ko-KR" dirty="0" smtClean="0"/>
+                  <a:rPr lang="en-US" altLang="ko-KR" dirty="0"/>
                   <a:t>After the designated phase, 3s yellow signal</a:t>
                 </a:r>
                 <a:br>
-                  <a:rPr lang="en-US" altLang="ko-KR" dirty="0" smtClean="0"/>
+                  <a:rPr lang="en-US" altLang="ko-KR" dirty="0"/>
                 </a:br>
                 <a:r>
-                  <a:rPr lang="en-US" altLang="ko-KR" dirty="0" smtClean="0"/>
+                  <a:rPr lang="en-US" altLang="ko-KR" dirty="0"/>
                   <a:t>and 2s all red time are followed</a:t>
                 </a:r>
               </a:p>
               <a:p>
                 <a:pPr lvl="1"/>
                 <a:r>
-                  <a:rPr lang="en-US" altLang="ko-KR" dirty="0" smtClean="0"/>
+                  <a:rPr lang="en-US" altLang="ko-KR" dirty="0"/>
                   <a:t>Bi-directional and dynamic flows</a:t>
                 </a:r>
                 <a:br>
-                  <a:rPr lang="en-US" altLang="ko-KR" dirty="0" smtClean="0"/>
+                  <a:rPr lang="en-US" altLang="ko-KR" dirty="0"/>
                 </a:br>
                 <a:r>
-                  <a:rPr lang="en-US" altLang="ko-KR" dirty="0" smtClean="0"/>
+                  <a:rPr lang="en-US" altLang="ko-KR" dirty="0"/>
                   <a:t>- Flat(</a:t>
                 </a:r>
                 <a14:m>
@@ -10985,14 +10762,14 @@
                   </m:oMath>
                 </a14:m>
                 <a:r>
-                  <a:rPr lang="en-US" altLang="ko-KR" dirty="0" smtClean="0"/>
+                  <a:rPr lang="en-US" altLang="ko-KR" dirty="0"/>
                   <a:t>=0.6)</a:t>
                 </a:r>
                 <a:br>
-                  <a:rPr lang="en-US" altLang="ko-KR" dirty="0" smtClean="0"/>
+                  <a:rPr lang="en-US" altLang="ko-KR" dirty="0"/>
                 </a:br>
                 <a:r>
-                  <a:rPr lang="en-US" altLang="ko-KR" dirty="0" smtClean="0"/>
+                  <a:rPr lang="en-US" altLang="ko-KR" dirty="0"/>
                   <a:t>- Peak(</a:t>
                 </a:r>
                 <a14:m>
@@ -11006,28 +10783,28 @@
                   </m:oMath>
                 </a14:m>
                 <a:r>
-                  <a:rPr lang="en-US" altLang="ko-KR" dirty="0" smtClean="0"/>
+                  <a:rPr lang="en-US" altLang="ko-KR" dirty="0"/>
                   <a:t>=0.3)</a:t>
                 </a:r>
               </a:p>
               <a:p>
                 <a:pPr lvl="1"/>
                 <a:r>
-                  <a:rPr lang="en-US" altLang="ko-KR" dirty="0" smtClean="0"/>
+                  <a:rPr lang="en-US" altLang="ko-KR" dirty="0"/>
                   <a:t>Turning Ratio</a:t>
                 </a:r>
                 <a:br>
-                  <a:rPr lang="en-US" altLang="ko-KR" dirty="0" smtClean="0"/>
+                  <a:rPr lang="en-US" altLang="ko-KR" dirty="0"/>
                 </a:br>
                 <a:r>
-                  <a:rPr lang="en-US" altLang="ko-KR" dirty="0" smtClean="0"/>
+                  <a:rPr lang="en-US" altLang="ko-KR" dirty="0"/>
                   <a:t>- 60% Straight, 30% Right, 10% Left &lt;-real world</a:t>
                 </a:r>
               </a:p>
             </p:txBody>
           </p:sp>
         </mc:Choice>
-        <mc:Fallback>
+        <mc:Fallback xmlns="">
           <p:sp>
             <p:nvSpPr>
               <p:cNvPr id="3" name="내용 개체 틀 2"/>
@@ -11154,59 +10931,55 @@
           <a:lstStyle/>
           <a:p>
             <a:r>
-              <a:rPr lang="en-US" altLang="ko-KR" dirty="0" smtClean="0"/>
+              <a:rPr lang="en-US" altLang="ko-KR" dirty="0"/>
               <a:t> Setting (Real-world data)</a:t>
             </a:r>
           </a:p>
           <a:p>
             <a:pPr lvl="1"/>
             <a:r>
-              <a:rPr lang="en-US" altLang="ko-KR" dirty="0" smtClean="0"/>
+              <a:rPr lang="en-US" altLang="ko-KR" dirty="0"/>
               <a:t>Road network of Manhattan, multiplied volume of taxi data</a:t>
             </a:r>
           </a:p>
           <a:p>
             <a:pPr lvl="1"/>
             <a:r>
-              <a:rPr lang="en-US" altLang="ko-KR" dirty="0" smtClean="0"/>
+              <a:rPr lang="en-US" altLang="ko-KR" dirty="0"/>
               <a:t>2510 traffic lights</a:t>
             </a:r>
           </a:p>
           <a:p>
             <a:r>
               <a:rPr lang="en-US" altLang="ko-KR" dirty="0"/>
-              <a:t> </a:t>
-            </a:r>
-            <a:r>
-              <a:rPr lang="en-US" altLang="ko-KR" dirty="0" smtClean="0"/>
-              <a:t>Evaluation Metrics</a:t>
+              <a:t> Evaluation Metrics</a:t>
             </a:r>
           </a:p>
           <a:p>
             <a:pPr lvl="1"/>
             <a:r>
-              <a:rPr lang="en-US" altLang="ko-KR" dirty="0" smtClean="0"/>
+              <a:rPr lang="en-US" altLang="ko-KR" dirty="0"/>
               <a:t>Travel time: Average travel time of all vehicles in the system</a:t>
             </a:r>
             <a:br>
-              <a:rPr lang="en-US" altLang="ko-KR" dirty="0" smtClean="0"/>
+              <a:rPr lang="en-US" altLang="ko-KR" dirty="0"/>
             </a:br>
             <a:r>
-              <a:rPr lang="en-US" altLang="ko-KR" dirty="0" smtClean="0"/>
+              <a:rPr lang="en-US" altLang="ko-KR" dirty="0"/>
               <a:t>- To evaluate the performance of the signal control method in transportation</a:t>
             </a:r>
           </a:p>
           <a:p>
             <a:pPr lvl="1"/>
             <a:r>
-              <a:rPr lang="en-US" altLang="ko-KR" dirty="0" smtClean="0"/>
+              <a:rPr lang="en-US" altLang="ko-KR" dirty="0"/>
               <a:t>Throughput: the number of trips completed</a:t>
             </a:r>
             <a:br>
-              <a:rPr lang="en-US" altLang="ko-KR" dirty="0" smtClean="0"/>
+              <a:rPr lang="en-US" altLang="ko-KR" dirty="0"/>
             </a:br>
             <a:r>
-              <a:rPr lang="en-US" altLang="ko-KR" dirty="0" smtClean="0"/>
+              <a:rPr lang="en-US" altLang="ko-KR" dirty="0"/>
               <a:t>- If the throughput is high, indicates better control strategy</a:t>
             </a:r>
           </a:p>
@@ -11246,6 +11019,334 @@
           <a:chExt cx="0" cy="0"/>
         </a:xfrm>
       </p:grpSpPr>
+      <p:pic>
+        <p:nvPicPr>
+          <p:cNvPr id="5" name="그림 4">
+            <a:extLst>
+              <a:ext uri="{FF2B5EF4-FFF2-40B4-BE49-F238E27FC236}">
+                <a16:creationId xmlns:a16="http://schemas.microsoft.com/office/drawing/2014/main" id="{EE57C236-51DB-42A1-86EA-43B56154F400}"/>
+              </a:ext>
+            </a:extLst>
+          </p:cNvPr>
+          <p:cNvPicPr>
+            <a:picLocks noChangeAspect="1"/>
+          </p:cNvPicPr>
+          <p:nvPr/>
+        </p:nvPicPr>
+        <p:blipFill>
+          <a:blip r:embed="rId2"/>
+          <a:stretch>
+            <a:fillRect/>
+          </a:stretch>
+        </p:blipFill>
+        <p:spPr>
+          <a:xfrm>
+            <a:off x="7414100" y="1795556"/>
+            <a:ext cx="4708438" cy="2364994"/>
+          </a:xfrm>
+          <a:prstGeom prst="rect">
+            <a:avLst/>
+          </a:prstGeom>
+        </p:spPr>
+      </p:pic>
+      <p:sp>
+        <p:nvSpPr>
+          <p:cNvPr id="10" name="타원 9">
+            <a:extLst>
+              <a:ext uri="{FF2B5EF4-FFF2-40B4-BE49-F238E27FC236}">
+                <a16:creationId xmlns:a16="http://schemas.microsoft.com/office/drawing/2014/main" id="{4B3EBE08-D0A8-4BB7-BCEE-8E114DF2373D}"/>
+              </a:ext>
+            </a:extLst>
+          </p:cNvPr>
+          <p:cNvSpPr/>
+          <p:nvPr/>
+        </p:nvSpPr>
+        <p:spPr>
+          <a:xfrm>
+            <a:off x="8380601" y="2055459"/>
+            <a:ext cx="377505" cy="402671"/>
+          </a:xfrm>
+          <a:prstGeom prst="ellipse">
+            <a:avLst/>
+          </a:prstGeom>
+          <a:noFill/>
+          <a:ln>
+            <a:solidFill>
+              <a:srgbClr val="FF0000"/>
+            </a:solidFill>
+          </a:ln>
+        </p:spPr>
+        <p:style>
+          <a:lnRef idx="2">
+            <a:schemeClr val="accent1">
+              <a:shade val="50000"/>
+            </a:schemeClr>
+          </a:lnRef>
+          <a:fillRef idx="1">
+            <a:schemeClr val="accent1"/>
+          </a:fillRef>
+          <a:effectRef idx="0">
+            <a:schemeClr val="accent1"/>
+          </a:effectRef>
+          <a:fontRef idx="minor">
+            <a:schemeClr val="lt1"/>
+          </a:fontRef>
+        </p:style>
+        <p:txBody>
+          <a:bodyPr rtlCol="0" anchor="ctr"/>
+          <a:lstStyle/>
+          <a:p>
+            <a:pPr algn="ctr"/>
+            <a:endParaRPr lang="ko-KR" altLang="en-US"/>
+          </a:p>
+        </p:txBody>
+      </p:sp>
+      <p:sp>
+        <p:nvSpPr>
+          <p:cNvPr id="11" name="타원 10">
+            <a:extLst>
+              <a:ext uri="{FF2B5EF4-FFF2-40B4-BE49-F238E27FC236}">
+                <a16:creationId xmlns:a16="http://schemas.microsoft.com/office/drawing/2014/main" id="{F38ED06C-6979-44A4-89BB-CEE0B3720658}"/>
+              </a:ext>
+            </a:extLst>
+          </p:cNvPr>
+          <p:cNvSpPr/>
+          <p:nvPr/>
+        </p:nvSpPr>
+        <p:spPr>
+          <a:xfrm>
+            <a:off x="9631902" y="2273489"/>
+            <a:ext cx="377505" cy="402671"/>
+          </a:xfrm>
+          <a:prstGeom prst="ellipse">
+            <a:avLst/>
+          </a:prstGeom>
+          <a:noFill/>
+          <a:ln>
+            <a:solidFill>
+              <a:srgbClr val="FF0000"/>
+            </a:solidFill>
+          </a:ln>
+        </p:spPr>
+        <p:style>
+          <a:lnRef idx="2">
+            <a:schemeClr val="accent1">
+              <a:shade val="50000"/>
+            </a:schemeClr>
+          </a:lnRef>
+          <a:fillRef idx="1">
+            <a:schemeClr val="accent1"/>
+          </a:fillRef>
+          <a:effectRef idx="0">
+            <a:schemeClr val="accent1"/>
+          </a:effectRef>
+          <a:fontRef idx="minor">
+            <a:schemeClr val="lt1"/>
+          </a:fontRef>
+        </p:style>
+        <p:txBody>
+          <a:bodyPr rtlCol="0" anchor="ctr"/>
+          <a:lstStyle/>
+          <a:p>
+            <a:pPr algn="ctr"/>
+            <a:endParaRPr lang="ko-KR" altLang="en-US"/>
+          </a:p>
+        </p:txBody>
+      </p:sp>
+      <p:cxnSp>
+        <p:nvCxnSpPr>
+          <p:cNvPr id="17" name="직선 화살표 연결선 16">
+            <a:extLst>
+              <a:ext uri="{FF2B5EF4-FFF2-40B4-BE49-F238E27FC236}">
+                <a16:creationId xmlns:a16="http://schemas.microsoft.com/office/drawing/2014/main" id="{39391B64-3215-4E4E-B5E0-41DC5D0CD15D}"/>
+              </a:ext>
+            </a:extLst>
+          </p:cNvPr>
+          <p:cNvCxnSpPr>
+            <a:stCxn id="10" idx="7"/>
+            <a:endCxn id="11" idx="2"/>
+          </p:cNvCxnSpPr>
+          <p:nvPr/>
+        </p:nvCxnSpPr>
+        <p:spPr>
+          <a:xfrm>
+            <a:off x="8702822" y="2114429"/>
+            <a:ext cx="929080" cy="360396"/>
+          </a:xfrm>
+          <a:prstGeom prst="straightConnector1">
+            <a:avLst/>
+          </a:prstGeom>
+          <a:ln>
+            <a:solidFill>
+              <a:srgbClr val="FF0000"/>
+            </a:solidFill>
+            <a:tailEnd type="triangle"/>
+          </a:ln>
+        </p:spPr>
+        <p:style>
+          <a:lnRef idx="1">
+            <a:schemeClr val="accent1"/>
+          </a:lnRef>
+          <a:fillRef idx="0">
+            <a:schemeClr val="accent1"/>
+          </a:fillRef>
+          <a:effectRef idx="0">
+            <a:schemeClr val="accent1"/>
+          </a:effectRef>
+          <a:fontRef idx="minor">
+            <a:schemeClr val="tx1"/>
+          </a:fontRef>
+        </p:style>
+      </p:cxnSp>
+      <p:sp>
+        <p:nvSpPr>
+          <p:cNvPr id="22" name="타원 21">
+            <a:extLst>
+              <a:ext uri="{FF2B5EF4-FFF2-40B4-BE49-F238E27FC236}">
+                <a16:creationId xmlns:a16="http://schemas.microsoft.com/office/drawing/2014/main" id="{83E5C489-A7E4-4DFD-B90D-64C9E72C088C}"/>
+              </a:ext>
+            </a:extLst>
+          </p:cNvPr>
+          <p:cNvSpPr/>
+          <p:nvPr/>
+        </p:nvSpPr>
+        <p:spPr>
+          <a:xfrm>
+            <a:off x="8738391" y="2273488"/>
+            <a:ext cx="377505" cy="402671"/>
+          </a:xfrm>
+          <a:prstGeom prst="ellipse">
+            <a:avLst/>
+          </a:prstGeom>
+          <a:noFill/>
+          <a:ln>
+            <a:solidFill>
+              <a:srgbClr val="0070C0"/>
+            </a:solidFill>
+          </a:ln>
+        </p:spPr>
+        <p:style>
+          <a:lnRef idx="2">
+            <a:schemeClr val="accent1">
+              <a:shade val="50000"/>
+            </a:schemeClr>
+          </a:lnRef>
+          <a:fillRef idx="1">
+            <a:schemeClr val="accent1"/>
+          </a:fillRef>
+          <a:effectRef idx="0">
+            <a:schemeClr val="accent1"/>
+          </a:effectRef>
+          <a:fontRef idx="minor">
+            <a:schemeClr val="lt1"/>
+          </a:fontRef>
+        </p:style>
+        <p:txBody>
+          <a:bodyPr rtlCol="0" anchor="ctr"/>
+          <a:lstStyle/>
+          <a:p>
+            <a:pPr algn="ctr"/>
+            <a:endParaRPr lang="ko-KR" altLang="en-US"/>
+          </a:p>
+        </p:txBody>
+      </p:sp>
+      <p:cxnSp>
+        <p:nvCxnSpPr>
+          <p:cNvPr id="23" name="직선 화살표 연결선 22">
+            <a:extLst>
+              <a:ext uri="{FF2B5EF4-FFF2-40B4-BE49-F238E27FC236}">
+                <a16:creationId xmlns:a16="http://schemas.microsoft.com/office/drawing/2014/main" id="{38989AF0-92B2-422E-BEDD-9FF2B6F58BE2}"/>
+              </a:ext>
+            </a:extLst>
+          </p:cNvPr>
+          <p:cNvCxnSpPr>
+            <a:cxnSpLocks/>
+            <a:endCxn id="22" idx="2"/>
+          </p:cNvCxnSpPr>
+          <p:nvPr/>
+        </p:nvCxnSpPr>
+        <p:spPr>
+          <a:xfrm flipV="1">
+            <a:off x="8514069" y="2474824"/>
+            <a:ext cx="224322" cy="946004"/>
+          </a:xfrm>
+          <a:prstGeom prst="straightConnector1">
+            <a:avLst/>
+          </a:prstGeom>
+          <a:ln>
+            <a:solidFill>
+              <a:srgbClr val="0070C0"/>
+            </a:solidFill>
+            <a:tailEnd type="triangle"/>
+          </a:ln>
+        </p:spPr>
+        <p:style>
+          <a:lnRef idx="1">
+            <a:schemeClr val="accent1"/>
+          </a:lnRef>
+          <a:fillRef idx="0">
+            <a:schemeClr val="accent1"/>
+          </a:fillRef>
+          <a:effectRef idx="0">
+            <a:schemeClr val="accent1"/>
+          </a:effectRef>
+          <a:fontRef idx="minor">
+            <a:schemeClr val="tx1"/>
+          </a:fontRef>
+        </p:style>
+      </p:cxnSp>
+      <p:sp>
+        <p:nvSpPr>
+          <p:cNvPr id="25" name="타원 24">
+            <a:extLst>
+              <a:ext uri="{FF2B5EF4-FFF2-40B4-BE49-F238E27FC236}">
+                <a16:creationId xmlns:a16="http://schemas.microsoft.com/office/drawing/2014/main" id="{73DA1B69-02B7-4DB8-B169-F28493E384A9}"/>
+              </a:ext>
+            </a:extLst>
+          </p:cNvPr>
+          <p:cNvSpPr/>
+          <p:nvPr/>
+        </p:nvSpPr>
+        <p:spPr>
+          <a:xfrm>
+            <a:off x="8191848" y="3361858"/>
+            <a:ext cx="377505" cy="402671"/>
+          </a:xfrm>
+          <a:prstGeom prst="ellipse">
+            <a:avLst/>
+          </a:prstGeom>
+          <a:noFill/>
+          <a:ln>
+            <a:solidFill>
+              <a:srgbClr val="0070C0"/>
+            </a:solidFill>
+          </a:ln>
+        </p:spPr>
+        <p:style>
+          <a:lnRef idx="2">
+            <a:schemeClr val="accent1">
+              <a:shade val="50000"/>
+            </a:schemeClr>
+          </a:lnRef>
+          <a:fillRef idx="1">
+            <a:schemeClr val="accent1"/>
+          </a:fillRef>
+          <a:effectRef idx="0">
+            <a:schemeClr val="accent1"/>
+          </a:effectRef>
+          <a:fontRef idx="minor">
+            <a:schemeClr val="lt1"/>
+          </a:fontRef>
+        </p:style>
+        <p:txBody>
+          <a:bodyPr rtlCol="0" anchor="ctr"/>
+          <a:lstStyle/>
+          <a:p>
+            <a:pPr algn="ctr"/>
+            <a:endParaRPr lang="ko-KR" altLang="en-US"/>
+          </a:p>
+        </p:txBody>
+      </p:sp>
       <p:sp>
         <p:nvSpPr>
           <p:cNvPr id="2" name="제목 1"/>
@@ -11262,7 +11363,7 @@
           <a:lstStyle/>
           <a:p>
             <a:r>
-              <a:rPr lang="en-US" altLang="ko-KR" dirty="0" smtClean="0"/>
+              <a:rPr lang="en-US" altLang="ko-KR" dirty="0"/>
               <a:t>Approach: FRAP</a:t>
             </a:r>
             <a:endParaRPr lang="ko-KR" altLang="en-US" dirty="0"/>
@@ -11285,51 +11386,117 @@
           <a:lstStyle/>
           <a:p>
             <a:r>
-              <a:rPr lang="en-US" altLang="ko-KR" dirty="0" smtClean="0"/>
+              <a:rPr lang="en-US" altLang="ko-KR" dirty="0"/>
               <a:t> FRAP architecture(base model)</a:t>
             </a:r>
           </a:p>
           <a:p>
             <a:pPr lvl="1"/>
             <a:r>
-              <a:rPr lang="en-US" altLang="ko-KR" dirty="0" smtClean="0"/>
+              <a:rPr lang="en-US" altLang="ko-KR" dirty="0"/>
               <a:t>Flipping and Rotation and considers All phase Configuration</a:t>
             </a:r>
           </a:p>
           <a:p>
             <a:pPr lvl="1"/>
             <a:r>
-              <a:rPr lang="en-US" altLang="ko-KR" dirty="0" smtClean="0"/>
+              <a:rPr lang="en-US" altLang="ko-KR" dirty="0"/>
               <a:t>Focus on the relation between different traffic movement</a:t>
             </a:r>
           </a:p>
           <a:p>
             <a:pPr lvl="2"/>
             <a:r>
-              <a:rPr lang="en-US" altLang="ko-KR" dirty="0" smtClean="0"/>
+              <a:rPr lang="en-US" altLang="ko-KR" dirty="0"/>
               <a:t>Reduction of exploration space by rotating and flipping</a:t>
             </a:r>
           </a:p>
           <a:p>
             <a:pPr lvl="2"/>
             <a:r>
-              <a:rPr lang="en-US" altLang="ko-KR" dirty="0" smtClean="0"/>
+              <a:rPr lang="en-US" altLang="ko-KR" dirty="0"/>
               <a:t>Current model need 8phases experience to learn in the same state</a:t>
             </a:r>
             <a:br>
-              <a:rPr lang="en-US" altLang="ko-KR" dirty="0" smtClean="0"/>
+              <a:rPr lang="en-US" altLang="ko-KR" dirty="0"/>
             </a:br>
             <a:r>
-              <a:rPr lang="en-US" altLang="ko-KR" dirty="0" smtClean="0">
+              <a:rPr lang="en-US" altLang="ko-KR" dirty="0">
                 <a:sym typeface="Wingdings" panose="05000000000000000000" pitchFamily="2" charset="2"/>
               </a:rPr>
-              <a:t> By rotating, Reduces needed experience in </a:t>
-            </a:r>
-            <a:r>
-              <a:rPr lang="en-US" altLang="ko-KR" smtClean="0">
+              <a:t> By rotating, Reduces needed experience in ¼ scale</a:t>
+            </a:r>
+          </a:p>
+          <a:p>
+            <a:pPr lvl="1"/>
+            <a:r>
+              <a:rPr lang="en-US" altLang="ko-KR" dirty="0">
                 <a:sym typeface="Wingdings" panose="05000000000000000000" pitchFamily="2" charset="2"/>
               </a:rPr>
-              <a:t>¼ scale</a:t>
+              <a:t>Adapting different intersection structure easily by two principles</a:t>
+            </a:r>
+          </a:p>
+          <a:p>
+            <a:pPr lvl="2"/>
+            <a:r>
+              <a:rPr lang="en-US" altLang="ko-KR" dirty="0">
+                <a:sym typeface="Wingdings" panose="05000000000000000000" pitchFamily="2" charset="2"/>
+              </a:rPr>
+              <a:t>Principles of competition</a:t>
+            </a:r>
+          </a:p>
+          <a:p>
+            <a:pPr lvl="2"/>
+            <a:r>
+              <a:rPr lang="en-US" altLang="ko-KR" dirty="0">
+                <a:sym typeface="Wingdings" panose="05000000000000000000" pitchFamily="2" charset="2"/>
+              </a:rPr>
+              <a:t>Principles </a:t>
+            </a:r>
+            <a:r>
+              <a:rPr lang="en-US" altLang="ko-KR">
+                <a:sym typeface="Wingdings" panose="05000000000000000000" pitchFamily="2" charset="2"/>
+              </a:rPr>
+              <a:t>of invariance</a:t>
+            </a:r>
+            <a:endParaRPr lang="en-US" altLang="ko-KR" dirty="0">
+              <a:sym typeface="Wingdings" panose="05000000000000000000" pitchFamily="2" charset="2"/>
+            </a:endParaRPr>
+          </a:p>
+          <a:p>
+            <a:pPr lvl="1"/>
+            <a:r>
+              <a:rPr lang="en-US" altLang="ko-KR" dirty="0">
+                <a:sym typeface="Wingdings" panose="05000000000000000000" pitchFamily="2" charset="2"/>
+              </a:rPr>
+              <a:t>Prediction of phase score into tree stages</a:t>
+            </a:r>
+          </a:p>
+          <a:p>
+            <a:pPr lvl="2"/>
+            <a:r>
+              <a:rPr lang="en-US" altLang="ko-KR" dirty="0">
+                <a:sym typeface="Wingdings" panose="05000000000000000000" pitchFamily="2" charset="2"/>
+              </a:rPr>
+              <a:t>Phase demand modeling</a:t>
+            </a:r>
+          </a:p>
+          <a:p>
+            <a:pPr lvl="2"/>
+            <a:r>
+              <a:rPr lang="en-US" altLang="ko-KR" dirty="0">
+                <a:sym typeface="Wingdings" panose="05000000000000000000" pitchFamily="2" charset="2"/>
+              </a:rPr>
+              <a:t>Phase pair representation</a:t>
+            </a:r>
+          </a:p>
+          <a:p>
+            <a:pPr lvl="2"/>
+            <a:r>
+              <a:rPr lang="en-US" altLang="ko-KR" dirty="0">
+                <a:sym typeface="Wingdings" panose="05000000000000000000" pitchFamily="2" charset="2"/>
+              </a:rPr>
+              <a:t>Phase pair competition</a:t>
             </a:r>
           </a:p>
           <a:p>
@@ -11348,13 +11515,6 @@
   <p:clrMapOvr>
     <a:masterClrMapping/>
   </p:clrMapOvr>
-  <p:timing>
-    <p:tnLst>
-      <p:par>
-        <p:cTn id="1" dur="indefinite" restart="never" nodeType="tmRoot"/>
-      </p:par>
-    </p:tnLst>
-  </p:timing>
 </p:sld>
 </file>
 
@@ -11377,7 +11537,13 @@
       </p:grpSpPr>
       <p:sp>
         <p:nvSpPr>
-          <p:cNvPr id="2" name="제목 1"/>
+          <p:cNvPr id="2" name="제목 1">
+            <a:extLst>
+              <a:ext uri="{FF2B5EF4-FFF2-40B4-BE49-F238E27FC236}">
+                <a16:creationId xmlns:a16="http://schemas.microsoft.com/office/drawing/2014/main" id="{A0F20248-30C2-4336-97F2-92788820B030}"/>
+              </a:ext>
+            </a:extLst>
+          </p:cNvPr>
           <p:cNvSpPr>
             <a:spLocks noGrp="1"/>
           </p:cNvSpPr>
@@ -11390,50 +11556,223 @@
           <a:bodyPr/>
           <a:lstStyle/>
           <a:p>
-            <a:r>
-              <a:rPr lang="en-US" altLang="ko-KR" dirty="0" smtClean="0"/>
-              <a:t>Result</a:t>
-            </a:r>
+            <a:endParaRPr lang="ko-KR" altLang="en-US"/>
+          </a:p>
+        </p:txBody>
+      </p:sp>
+      <p:sp>
+        <p:nvSpPr>
+          <p:cNvPr id="3" name="내용 개체 틀 2">
+            <a:extLst>
+              <a:ext uri="{FF2B5EF4-FFF2-40B4-BE49-F238E27FC236}">
+                <a16:creationId xmlns:a16="http://schemas.microsoft.com/office/drawing/2014/main" id="{68F8FDCE-B465-4A7B-954C-35E7067D9D7A}"/>
+              </a:ext>
+            </a:extLst>
+          </p:cNvPr>
+          <p:cNvSpPr>
+            <a:spLocks noGrp="1"/>
+          </p:cNvSpPr>
+          <p:nvPr>
+            <p:ph idx="1"/>
+          </p:nvPr>
+        </p:nvSpPr>
+        <p:spPr/>
+        <p:txBody>
+          <a:bodyPr/>
+          <a:lstStyle/>
+          <a:p>
             <a:endParaRPr lang="ko-KR" altLang="en-US" dirty="0"/>
           </a:p>
         </p:txBody>
       </p:sp>
-      <p:sp>
-        <p:nvSpPr>
-          <p:cNvPr id="3" name="내용 개체 틀 2"/>
-          <p:cNvSpPr>
-            <a:spLocks noGrp="1"/>
-          </p:cNvSpPr>
-          <p:nvPr>
-            <p:ph idx="1"/>
-          </p:nvPr>
-        </p:nvSpPr>
-        <p:spPr/>
-        <p:txBody>
-          <a:bodyPr/>
-          <a:lstStyle/>
-          <a:p>
-            <a:endParaRPr lang="ko-KR" altLang="en-US" dirty="0"/>
+      <p:pic>
+        <p:nvPicPr>
+          <p:cNvPr id="4" name="그림 3">
+            <a:extLst>
+              <a:ext uri="{FF2B5EF4-FFF2-40B4-BE49-F238E27FC236}">
+                <a16:creationId xmlns:a16="http://schemas.microsoft.com/office/drawing/2014/main" id="{C9B6518B-8EC3-4B8C-96BB-87F5161AE31C}"/>
+              </a:ext>
+            </a:extLst>
+          </p:cNvPr>
+          <p:cNvPicPr>
+            <a:picLocks noChangeAspect="1"/>
+          </p:cNvPicPr>
+          <p:nvPr/>
+        </p:nvPicPr>
+        <p:blipFill>
+          <a:blip r:embed="rId2"/>
+          <a:stretch>
+            <a:fillRect/>
+          </a:stretch>
+        </p:blipFill>
+        <p:spPr>
+          <a:xfrm>
+            <a:off x="1388658" y="3606943"/>
+            <a:ext cx="8330268" cy="2526870"/>
+          </a:xfrm>
+          <a:prstGeom prst="rect">
+            <a:avLst/>
+          </a:prstGeom>
+        </p:spPr>
+      </p:pic>
+      <p:sp>
+        <p:nvSpPr>
+          <p:cNvPr id="5" name="사각형: 둥근 모서리 4">
+            <a:extLst>
+              <a:ext uri="{FF2B5EF4-FFF2-40B4-BE49-F238E27FC236}">
+                <a16:creationId xmlns:a16="http://schemas.microsoft.com/office/drawing/2014/main" id="{FC0722F5-0588-4A73-8AC1-7C95D9CDC85F}"/>
+              </a:ext>
+            </a:extLst>
+          </p:cNvPr>
+          <p:cNvSpPr/>
+          <p:nvPr/>
+        </p:nvSpPr>
+        <p:spPr>
+          <a:xfrm>
+            <a:off x="1388658" y="3606943"/>
+            <a:ext cx="1832714" cy="1099281"/>
+          </a:xfrm>
+          <a:prstGeom prst="roundRect">
+            <a:avLst/>
+          </a:prstGeom>
+          <a:noFill/>
+          <a:ln>
+            <a:solidFill>
+              <a:srgbClr val="00B050"/>
+            </a:solidFill>
+          </a:ln>
+        </p:spPr>
+        <p:style>
+          <a:lnRef idx="2">
+            <a:schemeClr val="accent1">
+              <a:shade val="50000"/>
+            </a:schemeClr>
+          </a:lnRef>
+          <a:fillRef idx="1">
+            <a:schemeClr val="accent1"/>
+          </a:fillRef>
+          <a:effectRef idx="0">
+            <a:schemeClr val="accent1"/>
+          </a:effectRef>
+          <a:fontRef idx="minor">
+            <a:schemeClr val="lt1"/>
+          </a:fontRef>
+        </p:style>
+        <p:txBody>
+          <a:bodyPr rtlCol="0" anchor="ctr"/>
+          <a:lstStyle/>
+          <a:p>
+            <a:pPr algn="ctr"/>
+            <a:endParaRPr lang="ko-KR" altLang="en-US"/>
+          </a:p>
+        </p:txBody>
+      </p:sp>
+      <p:sp>
+        <p:nvSpPr>
+          <p:cNvPr id="6" name="사각형: 둥근 모서리 5">
+            <a:extLst>
+              <a:ext uri="{FF2B5EF4-FFF2-40B4-BE49-F238E27FC236}">
+                <a16:creationId xmlns:a16="http://schemas.microsoft.com/office/drawing/2014/main" id="{4358E5C1-5E86-4384-A0E5-A8F09516ABE9}"/>
+              </a:ext>
+            </a:extLst>
+          </p:cNvPr>
+          <p:cNvSpPr/>
+          <p:nvPr/>
+        </p:nvSpPr>
+        <p:spPr>
+          <a:xfrm>
+            <a:off x="1388658" y="4769813"/>
+            <a:ext cx="1832714" cy="1099281"/>
+          </a:xfrm>
+          <a:prstGeom prst="roundRect">
+            <a:avLst/>
+          </a:prstGeom>
+          <a:noFill/>
+          <a:ln>
+            <a:solidFill>
+              <a:srgbClr val="00B050"/>
+            </a:solidFill>
+          </a:ln>
+        </p:spPr>
+        <p:style>
+          <a:lnRef idx="2">
+            <a:schemeClr val="accent1">
+              <a:shade val="50000"/>
+            </a:schemeClr>
+          </a:lnRef>
+          <a:fillRef idx="1">
+            <a:schemeClr val="accent1"/>
+          </a:fillRef>
+          <a:effectRef idx="0">
+            <a:schemeClr val="accent1"/>
+          </a:effectRef>
+          <a:fontRef idx="minor">
+            <a:schemeClr val="lt1"/>
+          </a:fontRef>
+        </p:style>
+        <p:txBody>
+          <a:bodyPr rtlCol="0" anchor="ctr"/>
+          <a:lstStyle/>
+          <a:p>
+            <a:pPr algn="ctr"/>
+            <a:endParaRPr lang="ko-KR" altLang="en-US"/>
+          </a:p>
+        </p:txBody>
+      </p:sp>
+      <p:sp>
+        <p:nvSpPr>
+          <p:cNvPr id="7" name="TextBox 6">
+            <a:extLst>
+              <a:ext uri="{FF2B5EF4-FFF2-40B4-BE49-F238E27FC236}">
+                <a16:creationId xmlns:a16="http://schemas.microsoft.com/office/drawing/2014/main" id="{5251DA2C-339C-47B5-BD1A-ECD09DB75061}"/>
+              </a:ext>
+            </a:extLst>
+          </p:cNvPr>
+          <p:cNvSpPr txBox="1"/>
+          <p:nvPr/>
+        </p:nvSpPr>
+        <p:spPr>
+          <a:xfrm>
+            <a:off x="201336" y="4444614"/>
+            <a:ext cx="1409350" cy="523220"/>
+          </a:xfrm>
+          <a:prstGeom prst="rect">
+            <a:avLst/>
+          </a:prstGeom>
+          <a:noFill/>
+        </p:spPr>
+        <p:txBody>
+          <a:bodyPr wrap="square" rtlCol="0">
+            <a:spAutoFit/>
+          </a:bodyPr>
+          <a:lstStyle/>
+          <a:p>
+            <a:r>
+              <a:rPr lang="en-US" altLang="ko-KR" sz="1400" b="1" dirty="0">
+                <a:solidFill>
+                  <a:srgbClr val="00B050"/>
+                </a:solidFill>
+              </a:rPr>
+              <a:t>Competing Phase Demand</a:t>
+            </a:r>
+            <a:endParaRPr lang="ko-KR" altLang="en-US" sz="1400" b="1" dirty="0">
+              <a:solidFill>
+                <a:srgbClr val="00B050"/>
+              </a:solidFill>
+            </a:endParaRPr>
           </a:p>
         </p:txBody>
       </p:sp>
     </p:spTree>
     <p:extLst>
       <p:ext uri="{BB962C8B-B14F-4D97-AF65-F5344CB8AC3E}">
-        <p14:creationId xmlns:p14="http://schemas.microsoft.com/office/powerpoint/2010/main" val="2293835521"/>
+        <p14:creationId xmlns:p14="http://schemas.microsoft.com/office/powerpoint/2010/main" val="1508481543"/>
       </p:ext>
     </p:extLst>
   </p:cSld>
   <p:clrMapOvr>
     <a:masterClrMapping/>
   </p:clrMapOvr>
-  <p:timing>
-    <p:tnLst>
-      <p:par>
-        <p:cTn id="1" dur="indefinite" restart="never" nodeType="tmRoot"/>
-      </p:par>
-    </p:tnLst>
-  </p:timing>
 </p:sld>
 </file>
 
@@ -11470,7 +11809,79 @@
           <a:lstStyle/>
           <a:p>
             <a:r>
-              <a:rPr lang="en-US" altLang="ko-KR" dirty="0" smtClean="0"/>
+              <a:rPr lang="en-US" altLang="ko-KR" dirty="0"/>
+              <a:t>Result</a:t>
+            </a:r>
+            <a:endParaRPr lang="ko-KR" altLang="en-US" dirty="0"/>
+          </a:p>
+        </p:txBody>
+      </p:sp>
+      <p:sp>
+        <p:nvSpPr>
+          <p:cNvPr id="3" name="내용 개체 틀 2"/>
+          <p:cNvSpPr>
+            <a:spLocks noGrp="1"/>
+          </p:cNvSpPr>
+          <p:nvPr>
+            <p:ph idx="1"/>
+          </p:nvPr>
+        </p:nvSpPr>
+        <p:spPr/>
+        <p:txBody>
+          <a:bodyPr/>
+          <a:lstStyle/>
+          <a:p>
+            <a:endParaRPr lang="ko-KR" altLang="en-US" dirty="0"/>
+          </a:p>
+        </p:txBody>
+      </p:sp>
+    </p:spTree>
+    <p:extLst>
+      <p:ext uri="{BB962C8B-B14F-4D97-AF65-F5344CB8AC3E}">
+        <p14:creationId xmlns:p14="http://schemas.microsoft.com/office/powerpoint/2010/main" val="2293835521"/>
+      </p:ext>
+    </p:extLst>
+  </p:cSld>
+  <p:clrMapOvr>
+    <a:masterClrMapping/>
+  </p:clrMapOvr>
+</p:sld>
+</file>
+
+<file path=ppt/slides/slide27.xml><?xml version="1.0" encoding="utf-8"?>
+<p:sld xmlns:a="http://schemas.openxmlformats.org/drawingml/2006/main" xmlns:r="http://schemas.openxmlformats.org/officeDocument/2006/relationships" xmlns:p="http://schemas.openxmlformats.org/presentationml/2006/main">
+  <p:cSld>
+    <p:spTree>
+      <p:nvGrpSpPr>
+        <p:cNvPr id="1" name=""/>
+        <p:cNvGrpSpPr/>
+        <p:nvPr/>
+      </p:nvGrpSpPr>
+      <p:grpSpPr>
+        <a:xfrm>
+          <a:off x="0" y="0"/>
+          <a:ext cx="0" cy="0"/>
+          <a:chOff x="0" y="0"/>
+          <a:chExt cx="0" cy="0"/>
+        </a:xfrm>
+      </p:grpSpPr>
+      <p:sp>
+        <p:nvSpPr>
+          <p:cNvPr id="2" name="제목 1"/>
+          <p:cNvSpPr>
+            <a:spLocks noGrp="1"/>
+          </p:cNvSpPr>
+          <p:nvPr>
+            <p:ph type="title"/>
+          </p:nvPr>
+        </p:nvSpPr>
+        <p:spPr/>
+        <p:txBody>
+          <a:bodyPr/>
+          <a:lstStyle/>
+          <a:p>
+            <a:r>
+              <a:rPr lang="en-US" altLang="ko-KR" dirty="0"/>
               <a:t>Comment</a:t>
             </a:r>
             <a:endParaRPr lang="ko-KR" altLang="en-US" dirty="0"/>
@@ -11493,30 +11904,29 @@
           <a:lstStyle/>
           <a:p>
             <a:r>
-              <a:rPr lang="en-US" altLang="ko-KR" dirty="0" smtClean="0"/>
+              <a:rPr lang="en-US" altLang="ko-KR" dirty="0"/>
               <a:t> </a:t>
             </a:r>
             <a:r>
-              <a:rPr lang="ko-KR" altLang="en-US" dirty="0" smtClean="0"/>
+              <a:rPr lang="ko-KR" altLang="en-US" dirty="0"/>
               <a:t>네비게이션 시스템이 복잡</a:t>
             </a:r>
             <a:r>
-              <a:rPr lang="en-US" altLang="ko-KR" dirty="0" smtClean="0"/>
+              <a:rPr lang="en-US" altLang="ko-KR" dirty="0"/>
               <a:t>? Why </a:t>
             </a:r>
             <a:r>
-              <a:rPr lang="ko-KR" altLang="en-US" dirty="0" smtClean="0"/>
+              <a:rPr lang="ko-KR" altLang="en-US" dirty="0"/>
               <a:t>애들이 차량이 많은 쪽위주로 </a:t>
             </a:r>
             <a:r>
-              <a:rPr lang="ko-KR" altLang="en-US" dirty="0" err="1" smtClean="0"/>
+              <a:rPr lang="ko-KR" altLang="en-US" dirty="0" err="1"/>
               <a:t>열어주다보면</a:t>
             </a:r>
             <a:r>
-              <a:rPr lang="ko-KR" altLang="en-US" dirty="0" smtClean="0"/>
+              <a:rPr lang="ko-KR" altLang="en-US" dirty="0"/>
               <a:t> 분명 개인 입장에서 기다리는 시간이 길 것으로 판단</a:t>
             </a:r>
-            <a:endParaRPr lang="ko-KR" altLang="en-US" dirty="0"/>
           </a:p>
         </p:txBody>
       </p:sp>
@@ -11530,17 +11940,10 @@
   <p:clrMapOvr>
     <a:masterClrMapping/>
   </p:clrMapOvr>
-  <p:timing>
-    <p:tnLst>
-      <p:par>
-        <p:cTn id="1" dur="indefinite" restart="never" nodeType="tmRoot"/>
-      </p:par>
-    </p:tnLst>
-  </p:timing>
 </p:sld>
 </file>
 
-<file path=ppt/slides/slide27.xml><?xml version="1.0" encoding="utf-8"?>
+<file path=ppt/slides/slide28.xml><?xml version="1.0" encoding="utf-8"?>
 <p:sld xmlns:a="http://schemas.openxmlformats.org/drawingml/2006/main" xmlns:r="http://schemas.openxmlformats.org/officeDocument/2006/relationships" xmlns:p="http://schemas.openxmlformats.org/presentationml/2006/main">
   <p:cSld>
     <p:spTree>
@@ -11857,10 +12260,6 @@
               <a:rPr lang="ko-KR" altLang="en-US" dirty="0"/>
               <a:t>를 조절</a:t>
             </a:r>
-            <a:r>
-              <a:rPr lang="en-US" altLang="ko-KR" dirty="0"/>
-              <a:t/>
-            </a:r>
             <a:br>
               <a:rPr lang="en-US" altLang="ko-KR" dirty="0"/>
             </a:br>
@@ -12008,10 +12407,6 @@
             <a:r>
               <a:rPr lang="ko-KR" altLang="en-US" dirty="0"/>
               <a:t>을 사용</a:t>
-            </a:r>
-            <a:r>
-              <a:rPr lang="en-US" altLang="ko-KR" dirty="0"/>
-              <a:t/>
             </a:r>
             <a:br>
               <a:rPr lang="en-US" altLang="ko-KR" dirty="0"/>
@@ -12818,10 +13213,6 @@
               <a:rPr lang="ko-KR" altLang="en-US" dirty="0"/>
               <a:t>부여 방식</a:t>
             </a:r>
-            <a:r>
-              <a:rPr lang="en-US" altLang="ko-KR" dirty="0"/>
-              <a:t/>
-            </a:r>
             <a:br>
               <a:rPr lang="en-US" altLang="ko-KR" dirty="0"/>
             </a:br>
@@ -12841,10 +13232,6 @@
               <a:rPr lang="ko-KR" altLang="en-US" dirty="0"/>
               <a:t>의 방향 별로 부여</a:t>
             </a:r>
-            <a:r>
-              <a:rPr lang="en-US" altLang="ko-KR" dirty="0"/>
-              <a:t/>
-            </a:r>
             <a:br>
               <a:rPr lang="en-US" altLang="ko-KR" dirty="0"/>
             </a:br>
@@ -12893,10 +13280,6 @@
             <a:r>
               <a:rPr lang="ko-KR" altLang="en-US" dirty="0"/>
               <a:t> 개수 조절 가능</a:t>
-            </a:r>
-            <a:r>
-              <a:rPr lang="en-US" altLang="ko-KR" dirty="0"/>
-              <a:t/>
             </a:r>
             <a:br>
               <a:rPr lang="en-US" altLang="ko-KR" dirty="0"/>
@@ -13201,10 +13584,6 @@
               <a:rPr lang="en-US" altLang="ko-KR" dirty="0" err="1"/>
               <a:t>getIDList</a:t>
             </a:r>
-            <a:r>
-              <a:rPr lang="en-US" altLang="ko-KR" dirty="0"/>
-              <a:t/>
-            </a:r>
             <a:br>
               <a:rPr lang="en-US" altLang="ko-KR" dirty="0"/>
             </a:br>
@@ -13216,10 +13595,6 @@
               <a:rPr lang="en-US" altLang="ko-KR" dirty="0" err="1"/>
               <a:t>getRedYellowGreenState</a:t>
             </a:r>
-            <a:r>
-              <a:rPr lang="en-US" altLang="ko-KR" dirty="0"/>
-              <a:t/>
-            </a:r>
             <a:br>
               <a:rPr lang="en-US" altLang="ko-KR" dirty="0"/>
             </a:br>
@@ -13311,10 +13686,6 @@
               <a:rPr lang="en-US" altLang="ko-KR" dirty="0" err="1"/>
               <a:t>setRedYellowGreenState</a:t>
             </a:r>
-            <a:r>
-              <a:rPr lang="en-US" altLang="ko-KR" dirty="0"/>
-              <a:t/>
-            </a:r>
             <a:br>
               <a:rPr lang="en-US" altLang="ko-KR" dirty="0"/>
             </a:br>
@@ -13326,10 +13697,6 @@
               <a:rPr lang="en-US" altLang="ko-KR" dirty="0" err="1"/>
               <a:t>setPhaseDuration</a:t>
             </a:r>
-            <a:r>
-              <a:rPr lang="en-US" altLang="ko-KR" dirty="0"/>
-              <a:t/>
-            </a:r>
             <a:br>
               <a:rPr lang="en-US" altLang="ko-KR" dirty="0"/>
             </a:br>
@@ -13356,10 +13723,6 @@
             <a:r>
               <a:rPr lang="ko-KR" altLang="en-US" dirty="0"/>
               <a:t> 프로그램 삽입</a:t>
-            </a:r>
-            <a:r>
-              <a:rPr lang="en-US" altLang="ko-KR" dirty="0"/>
-              <a:t/>
             </a:r>
             <a:br>
               <a:rPr lang="en-US" altLang="ko-KR" dirty="0"/>

--- a/1st_Seminar(강민수).pptx
+++ b/1st_Seminar(강민수).pptx
@@ -6,22 +6,22 @@
     <p:sldMasterId id="2147483744" r:id="rId2"/>
   </p:sldMasterIdLst>
   <p:notesMasterIdLst>
-    <p:notesMasterId r:id="rId31"/>
+    <p:notesMasterId r:id="rId38"/>
   </p:notesMasterIdLst>
   <p:sldIdLst>
     <p:sldId id="256" r:id="rId3"/>
     <p:sldId id="258" r:id="rId4"/>
     <p:sldId id="267" r:id="rId5"/>
-    <p:sldId id="259" r:id="rId6"/>
-    <p:sldId id="260" r:id="rId7"/>
-    <p:sldId id="261" r:id="rId8"/>
-    <p:sldId id="262" r:id="rId9"/>
-    <p:sldId id="263" r:id="rId10"/>
-    <p:sldId id="264" r:id="rId11"/>
-    <p:sldId id="265" r:id="rId12"/>
-    <p:sldId id="266" r:id="rId13"/>
-    <p:sldId id="282" r:id="rId14"/>
-    <p:sldId id="273" r:id="rId15"/>
+    <p:sldId id="288" r:id="rId6"/>
+    <p:sldId id="289" r:id="rId7"/>
+    <p:sldId id="259" r:id="rId8"/>
+    <p:sldId id="260" r:id="rId9"/>
+    <p:sldId id="261" r:id="rId10"/>
+    <p:sldId id="262" r:id="rId11"/>
+    <p:sldId id="263" r:id="rId12"/>
+    <p:sldId id="290" r:id="rId13"/>
+    <p:sldId id="273" r:id="rId14"/>
+    <p:sldId id="287" r:id="rId15"/>
     <p:sldId id="268" r:id="rId16"/>
     <p:sldId id="274" r:id="rId17"/>
     <p:sldId id="275" r:id="rId18"/>
@@ -29,14 +29,21 @@
     <p:sldId id="269" r:id="rId20"/>
     <p:sldId id="277" r:id="rId21"/>
     <p:sldId id="278" r:id="rId22"/>
-    <p:sldId id="279" r:id="rId23"/>
-    <p:sldId id="281" r:id="rId24"/>
-    <p:sldId id="283" r:id="rId25"/>
-    <p:sldId id="280" r:id="rId26"/>
-    <p:sldId id="284" r:id="rId27"/>
-    <p:sldId id="270" r:id="rId28"/>
-    <p:sldId id="271" r:id="rId29"/>
-    <p:sldId id="272" r:id="rId30"/>
+    <p:sldId id="280" r:id="rId23"/>
+    <p:sldId id="284" r:id="rId24"/>
+    <p:sldId id="291" r:id="rId25"/>
+    <p:sldId id="279" r:id="rId26"/>
+    <p:sldId id="281" r:id="rId27"/>
+    <p:sldId id="283" r:id="rId28"/>
+    <p:sldId id="285" r:id="rId29"/>
+    <p:sldId id="270" r:id="rId30"/>
+    <p:sldId id="286" r:id="rId31"/>
+    <p:sldId id="264" r:id="rId32"/>
+    <p:sldId id="265" r:id="rId33"/>
+    <p:sldId id="266" r:id="rId34"/>
+    <p:sldId id="282" r:id="rId35"/>
+    <p:sldId id="271" r:id="rId36"/>
+    <p:sldId id="272" r:id="rId37"/>
   </p:sldIdLst>
   <p:sldSz cx="12192000" cy="6858000"/>
   <p:notesSz cx="6858000" cy="9144000"/>
@@ -228,7 +235,7 @@
           <a:p>
             <a:fld id="{B401493B-0A52-4E9A-A475-D6276A64515A}" type="datetimeFigureOut">
               <a:rPr lang="ko-KR" altLang="en-US" smtClean="0"/>
-              <a:t>2021-01-11</a:t>
+              <a:t>2021-01-12</a:t>
             </a:fld>
             <a:endParaRPr lang="ko-KR" altLang="en-US"/>
           </a:p>
@@ -638,7 +645,7 @@
             <a:fld id="{B61BEF0D-F0BB-DE4B-95CE-6DB70DBA9567}" type="datetimeFigureOut">
               <a:rPr lang="en-US" smtClean="0"/>
               <a:pPr/>
-              <a:t>1/11/2021</a:t>
+              <a:t>1/12/2021</a:t>
             </a:fld>
             <a:endParaRPr lang="en-US" dirty="0"/>
           </a:p>
@@ -810,7 +817,7 @@
             <a:fld id="{B61BEF0D-F0BB-DE4B-95CE-6DB70DBA9567}" type="datetimeFigureOut">
               <a:rPr lang="en-US" smtClean="0"/>
               <a:pPr/>
-              <a:t>1/11/2021</a:t>
+              <a:t>1/12/2021</a:t>
             </a:fld>
             <a:endParaRPr lang="en-US" dirty="0"/>
           </a:p>
@@ -992,7 +999,7 @@
             <a:fld id="{B61BEF0D-F0BB-DE4B-95CE-6DB70DBA9567}" type="datetimeFigureOut">
               <a:rPr lang="en-US" smtClean="0"/>
               <a:pPr/>
-              <a:t>1/11/2021</a:t>
+              <a:t>1/12/2021</a:t>
             </a:fld>
             <a:endParaRPr lang="en-US" dirty="0"/>
           </a:p>
@@ -1281,7 +1288,7 @@
             <a:fld id="{B61BEF0D-F0BB-DE4B-95CE-6DB70DBA9567}" type="datetimeFigureOut">
               <a:rPr lang="en-US" smtClean="0"/>
               <a:pPr/>
-              <a:t>1/11/2021</a:t>
+              <a:t>1/12/2021</a:t>
             </a:fld>
             <a:endParaRPr lang="en-US" dirty="0"/>
           </a:p>
@@ -1521,7 +1528,7 @@
             <a:fld id="{B61BEF0D-F0BB-DE4B-95CE-6DB70DBA9567}" type="datetimeFigureOut">
               <a:rPr lang="en-US" smtClean="0"/>
               <a:pPr/>
-              <a:t>1/11/2021</a:t>
+              <a:t>1/12/2021</a:t>
             </a:fld>
             <a:endParaRPr lang="en-US" dirty="0"/>
           </a:p>
@@ -1866,7 +1873,7 @@
             <a:fld id="{B61BEF0D-F0BB-DE4B-95CE-6DB70DBA9567}" type="datetimeFigureOut">
               <a:rPr lang="en-US" smtClean="0"/>
               <a:pPr/>
-              <a:t>1/11/2021</a:t>
+              <a:t>1/12/2021</a:t>
             </a:fld>
             <a:endParaRPr lang="en-US" dirty="0"/>
           </a:p>
@@ -2143,7 +2150,7 @@
             <a:fld id="{B61BEF0D-F0BB-DE4B-95CE-6DB70DBA9567}" type="datetimeFigureOut">
               <a:rPr lang="en-US" smtClean="0"/>
               <a:pPr/>
-              <a:t>1/11/2021</a:t>
+              <a:t>1/12/2021</a:t>
             </a:fld>
             <a:endParaRPr lang="en-US" dirty="0"/>
           </a:p>
@@ -2524,7 +2531,7 @@
             <a:fld id="{B61BEF0D-F0BB-DE4B-95CE-6DB70DBA9567}" type="datetimeFigureOut">
               <a:rPr lang="en-US" smtClean="0"/>
               <a:pPr/>
-              <a:t>1/11/2021</a:t>
+              <a:t>1/12/2021</a:t>
             </a:fld>
             <a:endParaRPr lang="en-US" dirty="0"/>
           </a:p>
@@ -2644,7 +2651,7 @@
             <a:fld id="{B61BEF0D-F0BB-DE4B-95CE-6DB70DBA9567}" type="datetimeFigureOut">
               <a:rPr lang="en-US" smtClean="0"/>
               <a:pPr/>
-              <a:t>1/11/2021</a:t>
+              <a:t>1/12/2021</a:t>
             </a:fld>
             <a:endParaRPr lang="en-US" dirty="0"/>
           </a:p>
@@ -2817,7 +2824,7 @@
             <a:fld id="{B61BEF0D-F0BB-DE4B-95CE-6DB70DBA9567}" type="datetimeFigureOut">
               <a:rPr lang="en-US" smtClean="0"/>
               <a:pPr/>
-              <a:t>1/11/2021</a:t>
+              <a:t>1/12/2021</a:t>
             </a:fld>
             <a:endParaRPr lang="en-US" dirty="0"/>
           </a:p>
@@ -3173,7 +3180,7 @@
             <a:fld id="{B61BEF0D-F0BB-DE4B-95CE-6DB70DBA9567}" type="datetimeFigureOut">
               <a:rPr lang="en-US" smtClean="0"/>
               <a:pPr/>
-              <a:t>1/11/2021</a:t>
+              <a:t>1/12/2021</a:t>
             </a:fld>
             <a:endParaRPr lang="en-US" dirty="0"/>
           </a:p>
@@ -3366,7 +3373,7 @@
             <a:fld id="{B61BEF0D-F0BB-DE4B-95CE-6DB70DBA9567}" type="datetimeFigureOut">
               <a:rPr lang="en-US" smtClean="0"/>
               <a:pPr/>
-              <a:t>1/11/2021</a:t>
+              <a:t>1/12/2021</a:t>
             </a:fld>
             <a:endParaRPr lang="en-US" dirty="0"/>
           </a:p>
@@ -3729,7 +3736,7 @@
             <a:fld id="{B61BEF0D-F0BB-DE4B-95CE-6DB70DBA9567}" type="datetimeFigureOut">
               <a:rPr lang="en-US" smtClean="0"/>
               <a:pPr/>
-              <a:t>1/11/2021</a:t>
+              <a:t>1/12/2021</a:t>
             </a:fld>
             <a:endParaRPr lang="en-US" dirty="0"/>
           </a:p>
@@ -3901,7 +3908,7 @@
             <a:fld id="{B61BEF0D-F0BB-DE4B-95CE-6DB70DBA9567}" type="datetimeFigureOut">
               <a:rPr lang="en-US" smtClean="0"/>
               <a:pPr/>
-              <a:t>1/11/2021</a:t>
+              <a:t>1/12/2021</a:t>
             </a:fld>
             <a:endParaRPr lang="en-US" dirty="0"/>
           </a:p>
@@ -4159,7 +4166,7 @@
             <a:fld id="{B61BEF0D-F0BB-DE4B-95CE-6DB70DBA9567}" type="datetimeFigureOut">
               <a:rPr lang="en-US" smtClean="0"/>
               <a:pPr/>
-              <a:t>1/11/2021</a:t>
+              <a:t>1/12/2021</a:t>
             </a:fld>
             <a:endParaRPr lang="en-US" dirty="0"/>
           </a:p>
@@ -4412,7 +4419,7 @@
             <a:fld id="{B61BEF0D-F0BB-DE4B-95CE-6DB70DBA9567}" type="datetimeFigureOut">
               <a:rPr lang="en-US" smtClean="0"/>
               <a:pPr/>
-              <a:t>1/11/2021</a:t>
+              <a:t>1/12/2021</a:t>
             </a:fld>
             <a:endParaRPr lang="en-US" dirty="0"/>
           </a:p>
@@ -4646,7 +4653,7 @@
             <a:fld id="{B61BEF0D-F0BB-DE4B-95CE-6DB70DBA9567}" type="datetimeFigureOut">
               <a:rPr lang="en-US" smtClean="0"/>
               <a:pPr/>
-              <a:t>1/11/2021</a:t>
+              <a:t>1/12/2021</a:t>
             </a:fld>
             <a:endParaRPr lang="en-US" dirty="0"/>
           </a:p>
@@ -4995,7 +5002,7 @@
             <a:fld id="{B61BEF0D-F0BB-DE4B-95CE-6DB70DBA9567}" type="datetimeFigureOut">
               <a:rPr lang="en-US" smtClean="0"/>
               <a:pPr/>
-              <a:t>1/11/2021</a:t>
+              <a:t>1/12/2021</a:t>
             </a:fld>
             <a:endParaRPr lang="en-US" dirty="0"/>
           </a:p>
@@ -5115,7 +5122,7 @@
             <a:fld id="{B61BEF0D-F0BB-DE4B-95CE-6DB70DBA9567}" type="datetimeFigureOut">
               <a:rPr lang="en-US" smtClean="0"/>
               <a:pPr/>
-              <a:t>1/11/2021</a:t>
+              <a:t>1/12/2021</a:t>
             </a:fld>
             <a:endParaRPr lang="en-US" dirty="0"/>
           </a:p>
@@ -5235,7 +5242,7 @@
             <a:fld id="{B61BEF0D-F0BB-DE4B-95CE-6DB70DBA9567}" type="datetimeFigureOut">
               <a:rPr lang="en-US" smtClean="0"/>
               <a:pPr/>
-              <a:t>1/11/2021</a:t>
+              <a:t>1/12/2021</a:t>
             </a:fld>
             <a:endParaRPr lang="en-US" dirty="0"/>
           </a:p>
@@ -5521,7 +5528,7 @@
             <a:fld id="{B61BEF0D-F0BB-DE4B-95CE-6DB70DBA9567}" type="datetimeFigureOut">
               <a:rPr lang="en-US" smtClean="0"/>
               <a:pPr/>
-              <a:t>1/11/2021</a:t>
+              <a:t>1/12/2021</a:t>
             </a:fld>
             <a:endParaRPr lang="en-US" dirty="0"/>
           </a:p>
@@ -5787,7 +5794,7 @@
             <a:fld id="{B61BEF0D-F0BB-DE4B-95CE-6DB70DBA9567}" type="datetimeFigureOut">
               <a:rPr lang="en-US" smtClean="0"/>
               <a:pPr/>
-              <a:t>1/11/2021</a:t>
+              <a:t>1/12/2021</a:t>
             </a:fld>
             <a:endParaRPr lang="en-US" dirty="0"/>
           </a:p>
@@ -6003,7 +6010,7 @@
             <a:fld id="{B61BEF0D-F0BB-DE4B-95CE-6DB70DBA9567}" type="datetimeFigureOut">
               <a:rPr lang="en-US" smtClean="0"/>
               <a:pPr/>
-              <a:t>1/11/2021</a:t>
+              <a:t>1/12/2021</a:t>
             </a:fld>
             <a:endParaRPr lang="en-US" dirty="0"/>
           </a:p>
@@ -6608,7 +6615,7 @@
             <a:fld id="{B61BEF0D-F0BB-DE4B-95CE-6DB70DBA9567}" type="datetimeFigureOut">
               <a:rPr lang="en-US" smtClean="0"/>
               <a:pPr/>
-              <a:t>1/11/2021</a:t>
+              <a:t>1/12/2021</a:t>
             </a:fld>
             <a:endParaRPr lang="en-US" dirty="0"/>
           </a:p>
@@ -7148,6 +7155,10 @@
           <a:bodyPr/>
           <a:lstStyle/>
           <a:p>
+            <a:r>
+              <a:rPr lang="ko-KR" altLang="en-US" dirty="0" smtClean="0"/>
+              <a:t>사전 발표</a:t>
+            </a:r>
             <a:endParaRPr lang="ko-KR" altLang="en-US" dirty="0"/>
           </a:p>
         </p:txBody>
@@ -7167,6 +7178,10 @@
           <a:bodyPr/>
           <a:lstStyle/>
           <a:p>
+            <a:r>
+              <a:rPr lang="ko-KR" altLang="en-US" dirty="0" smtClean="0"/>
+              <a:t>강민수</a:t>
+            </a:r>
             <a:endParaRPr lang="ko-KR" altLang="en-US" dirty="0"/>
           </a:p>
         </p:txBody>
@@ -7217,62 +7232,112 @@
           <a:lstStyle/>
           <a:p>
             <a:r>
+              <a:rPr lang="en-US" altLang="ko-KR" dirty="0"/>
+              <a:t>Traffic State, Action</a:t>
+            </a:r>
+            <a:endParaRPr lang="ko-KR" altLang="en-US" dirty="0"/>
+          </a:p>
+        </p:txBody>
+      </p:sp>
+      <p:sp>
+        <p:nvSpPr>
+          <p:cNvPr id="3" name="내용 개체 틀 2"/>
+          <p:cNvSpPr>
+            <a:spLocks noGrp="1"/>
+          </p:cNvSpPr>
+          <p:nvPr>
+            <p:ph idx="1"/>
+          </p:nvPr>
+        </p:nvSpPr>
+        <p:spPr>
+          <a:xfrm>
+            <a:off x="1097279" y="1845734"/>
+            <a:ext cx="10487179" cy="4023360"/>
+          </a:xfrm>
+        </p:spPr>
+        <p:txBody>
+          <a:bodyPr/>
+          <a:lstStyle/>
+          <a:p>
+            <a:r>
+              <a:rPr lang="en-US" altLang="ko-KR" dirty="0"/>
+              <a:t>Traffic Lights Value Retrieval</a:t>
+            </a:r>
+            <a:br>
+              <a:rPr lang="en-US" altLang="ko-KR" dirty="0"/>
+            </a:br>
+            <a:r>
+              <a:rPr lang="en-US" altLang="ko-KR" dirty="0"/>
+              <a:t>- ID list: </a:t>
+            </a:r>
+            <a:r>
+              <a:rPr lang="en-US" altLang="ko-KR" dirty="0" err="1"/>
+              <a:t>getIDList</a:t>
+            </a:r>
+            <a:r>
+              <a:rPr lang="en-US" altLang="ko-KR" dirty="0"/>
+              <a:t/>
+            </a:r>
+            <a:br>
+              <a:rPr lang="en-US" altLang="ko-KR" dirty="0"/>
+            </a:br>
+            <a:r>
+              <a:rPr lang="en-US" altLang="ko-KR" dirty="0"/>
+              <a:t>- State: </a:t>
+            </a:r>
+            <a:r>
+              <a:rPr lang="en-US" altLang="ko-KR" dirty="0" err="1"/>
+              <a:t>getRedYellowGreenState</a:t>
+            </a:r>
+            <a:r>
+              <a:rPr lang="en-US" altLang="ko-KR" dirty="0"/>
+              <a:t/>
+            </a:r>
+            <a:br>
+              <a:rPr lang="en-US" altLang="ko-KR" dirty="0"/>
+            </a:br>
+            <a:r>
+              <a:rPr lang="en-US" altLang="ko-KR" dirty="0"/>
+              <a:t>- Phase duration: </a:t>
+            </a:r>
+            <a:r>
+              <a:rPr lang="en-US" altLang="ko-KR" dirty="0" err="1"/>
+              <a:t>getPhaseDuration</a:t>
+            </a:r>
+            <a:r>
+              <a:rPr lang="en-US" altLang="ko-KR" dirty="0"/>
+              <a:t>,</a:t>
+            </a:r>
+            <a:br>
+              <a:rPr lang="en-US" altLang="ko-KR" dirty="0"/>
+            </a:br>
+            <a:r>
+              <a:rPr lang="en-US" altLang="ko-KR" dirty="0"/>
+              <a:t>- Current phase: </a:t>
+            </a:r>
+            <a:r>
+              <a:rPr lang="en-US" altLang="ko-KR" dirty="0" err="1"/>
+              <a:t>getPhase</a:t>
+            </a:r>
+            <a:r>
+              <a:rPr lang="en-US" altLang="ko-KR" dirty="0"/>
+              <a:t> </a:t>
+            </a:r>
+            <a:r>
+              <a:rPr lang="ko-KR" altLang="en-US" dirty="0"/>
+              <a:t>함수</a:t>
+            </a:r>
+            <a:r>
+              <a:rPr lang="en-US" altLang="ko-KR" dirty="0"/>
+              <a:t>, </a:t>
+            </a:r>
+            <a:r>
               <a:rPr lang="ko-KR" altLang="en-US" dirty="0"/>
               <a:t>현재 </a:t>
             </a:r>
             <a:r>
               <a:rPr lang="en-US" altLang="ko-KR" dirty="0"/>
-              <a:t>State</a:t>
-            </a:r>
-            <a:r>
-              <a:rPr lang="ko-KR" altLang="en-US" dirty="0"/>
-              <a:t>와 </a:t>
-            </a:r>
-            <a:r>
-              <a:rPr lang="en-US" altLang="ko-KR" dirty="0"/>
-              <a:t>Action, Reward </a:t>
-            </a:r>
-            <a:r>
-              <a:rPr lang="ko-KR" altLang="en-US" dirty="0"/>
-              <a:t>구성 방식</a:t>
-            </a:r>
-          </a:p>
-        </p:txBody>
-      </p:sp>
-      <p:sp>
-        <p:nvSpPr>
-          <p:cNvPr id="3" name="내용 개체 틀 2"/>
-          <p:cNvSpPr>
-            <a:spLocks noGrp="1"/>
-          </p:cNvSpPr>
-          <p:nvPr>
-            <p:ph idx="1"/>
-          </p:nvPr>
-        </p:nvSpPr>
-        <p:spPr/>
-        <p:txBody>
-          <a:bodyPr/>
-          <a:lstStyle/>
-          <a:p>
-            <a:pPr>
-              <a:lnSpc>
-                <a:spcPct val="120000"/>
-              </a:lnSpc>
-            </a:pPr>
-            <a:r>
-              <a:rPr lang="en-US" altLang="ko-KR" dirty="0"/>
-              <a:t>Reward</a:t>
-            </a:r>
-          </a:p>
-          <a:p>
-            <a:pPr lvl="1">
-              <a:lnSpc>
-                <a:spcPct val="120000"/>
-              </a:lnSpc>
-            </a:pPr>
-            <a:r>
-              <a:rPr lang="en-US" altLang="ko-KR" dirty="0"/>
-              <a:t> phase1_duration*0.1: phase1</a:t>
+              <a:t>phase</a:t>
             </a:r>
             <a:r>
               <a:rPr lang="ko-KR" altLang="en-US" dirty="0"/>
@@ -7280,307 +7345,122 @@
             </a:r>
             <a:r>
               <a:rPr lang="en-US" altLang="ko-KR" dirty="0"/>
-              <a:t>duration</a:t>
+              <a:t>index</a:t>
+            </a:r>
+            <a:br>
+              <a:rPr lang="en-US" altLang="ko-KR" dirty="0"/>
+            </a:br>
+            <a:r>
+              <a:rPr lang="en-US" altLang="ko-KR" dirty="0"/>
+              <a:t>- Complete program definition: </a:t>
+            </a:r>
+            <a:r>
+              <a:rPr lang="en-US" altLang="ko-KR" dirty="0" err="1"/>
+              <a:t>getCompleteRedYellowGreenDefinition</a:t>
+            </a:r>
+            <a:r>
+              <a:rPr lang="en-US" altLang="ko-KR" dirty="0"/>
+              <a:t>, TL </a:t>
             </a:r>
             <a:r>
               <a:rPr lang="ko-KR" altLang="en-US" dirty="0"/>
-              <a:t>에 가점 부여</a:t>
+              <a:t>프로그램 받아오기</a:t>
             </a:r>
             <a:endParaRPr lang="en-US" altLang="ko-KR" dirty="0"/>
           </a:p>
           <a:p>
-            <a:pPr lvl="1">
-              <a:lnSpc>
-                <a:spcPct val="120000"/>
-              </a:lnSpc>
-            </a:pPr>
+            <a:r>
+              <a:rPr lang="en-US" altLang="ko-KR" dirty="0"/>
+              <a:t>Change Traffic Lights State</a:t>
+            </a:r>
+            <a:br>
+              <a:rPr lang="en-US" altLang="ko-KR" dirty="0"/>
+            </a:br>
+            <a:r>
+              <a:rPr lang="en-US" altLang="ko-KR" dirty="0"/>
+              <a:t>- Change state: </a:t>
+            </a:r>
+            <a:r>
+              <a:rPr lang="en-US" altLang="ko-KR" dirty="0" err="1"/>
+              <a:t>setRedYellowGreenState</a:t>
+            </a:r>
+            <a:r>
+              <a:rPr lang="en-US" altLang="ko-KR" dirty="0"/>
+              <a:t/>
+            </a:r>
+            <a:br>
+              <a:rPr lang="en-US" altLang="ko-KR" dirty="0"/>
+            </a:br>
+            <a:r>
+              <a:rPr lang="en-US" altLang="ko-KR" dirty="0"/>
+              <a:t>- Change phase duration: </a:t>
+            </a:r>
+            <a:r>
+              <a:rPr lang="en-US" altLang="ko-KR" dirty="0" err="1"/>
+              <a:t>setPhaseDuration</a:t>
+            </a:r>
+            <a:r>
+              <a:rPr lang="en-US" altLang="ko-KR" dirty="0"/>
+              <a:t/>
+            </a:r>
+            <a:br>
+              <a:rPr lang="en-US" altLang="ko-KR" dirty="0"/>
+            </a:br>
+            <a:r>
+              <a:rPr lang="en-US" altLang="ko-KR" dirty="0"/>
+              <a:t>- Complete program definition: </a:t>
+            </a:r>
+            <a:r>
+              <a:rPr lang="en-US" altLang="ko-KR" dirty="0" err="1"/>
+              <a:t>setCompleteRedYellowGreenDefinition</a:t>
+            </a:r>
+            <a:r>
+              <a:rPr lang="en-US" altLang="ko-KR" dirty="0"/>
+              <a:t>, </a:t>
+            </a:r>
             <a:r>
               <a:rPr lang="ko-KR" altLang="en-US" dirty="0"/>
-              <a:t>공통 주기 동안의 </a:t>
-            </a:r>
-            <a:r>
-              <a:rPr lang="en-US" altLang="ko-KR" dirty="0"/>
-              <a:t>‘B2B1’ edge</a:t>
+              <a:t>새로운</a:t>
+            </a:r>
+            <a:r>
+              <a:rPr lang="en-US" altLang="ko-KR" dirty="0"/>
+              <a:t>TL</a:t>
             </a:r>
             <a:r>
               <a:rPr lang="ko-KR" altLang="en-US" dirty="0"/>
-              <a:t>와 </a:t>
-            </a:r>
-            <a:r>
-              <a:rPr lang="en-US" altLang="ko-KR" dirty="0"/>
-              <a:t>‘B1B0’ edge </a:t>
+              <a:t> 프로그램 삽입</a:t>
+            </a:r>
+            <a:r>
+              <a:rPr lang="en-US" altLang="ko-KR" dirty="0"/>
+              <a:t/>
+            </a:r>
+            <a:br>
+              <a:rPr lang="en-US" altLang="ko-KR" dirty="0"/>
+            </a:br>
+            <a:r>
+              <a:rPr lang="en-US" altLang="ko-KR" dirty="0"/>
+              <a:t>- Change program logic: </a:t>
+            </a:r>
+            <a:r>
+              <a:rPr lang="en-US" altLang="ko-KR" dirty="0" err="1"/>
+              <a:t>setProgramLogic</a:t>
+            </a:r>
+            <a:r>
+              <a:rPr lang="en-US" altLang="ko-KR" dirty="0"/>
+              <a:t> : logic </a:t>
             </a:r>
             <a:r>
               <a:rPr lang="ko-KR" altLang="en-US" dirty="0"/>
-              <a:t>차량 수 </a:t>
-            </a:r>
-            <a:br>
-              <a:rPr lang="en-US" altLang="ko-KR" dirty="0"/>
-            </a:br>
-            <a:r>
-              <a:rPr lang="en-US" altLang="ko-KR" dirty="0"/>
-              <a:t>-&gt; ‘B2B1’</a:t>
-            </a:r>
-            <a:r>
-              <a:rPr lang="ko-KR" altLang="en-US" dirty="0"/>
-              <a:t>에서의 차량 수는 </a:t>
-            </a:r>
-            <a:r>
-              <a:rPr lang="en-US" altLang="ko-KR" dirty="0"/>
-              <a:t>penalty</a:t>
-            </a:r>
-            <a:br>
-              <a:rPr lang="en-US" altLang="ko-KR" dirty="0"/>
-            </a:br>
-            <a:r>
-              <a:rPr lang="en-US" altLang="ko-KR" dirty="0"/>
-              <a:t>-&gt; ‘B1B0’</a:t>
-            </a:r>
-            <a:r>
-              <a:rPr lang="ko-KR" altLang="en-US" dirty="0"/>
-              <a:t>에서의 차량 수는 </a:t>
-            </a:r>
-            <a:r>
-              <a:rPr lang="en-US" altLang="ko-KR" dirty="0"/>
-              <a:t>reward</a:t>
-            </a:r>
-            <a:br>
-              <a:rPr lang="en-US" altLang="ko-KR" dirty="0"/>
-            </a:br>
-            <a:r>
-              <a:rPr lang="en-US" altLang="ko-KR" dirty="0">
-                <a:sym typeface="Wingdings" panose="05000000000000000000" pitchFamily="2" charset="2"/>
-              </a:rPr>
-              <a:t> Pressure Light</a:t>
-            </a:r>
-            <a:r>
-              <a:rPr lang="ko-KR" altLang="en-US" dirty="0">
-                <a:sym typeface="Wingdings" panose="05000000000000000000" pitchFamily="2" charset="2"/>
-              </a:rPr>
-              <a:t>의 </a:t>
-            </a:r>
-            <a:r>
-              <a:rPr lang="en-US" altLang="ko-KR" dirty="0">
-                <a:sym typeface="Wingdings" panose="05000000000000000000" pitchFamily="2" charset="2"/>
-              </a:rPr>
-              <a:t>Pressure </a:t>
-            </a:r>
-            <a:r>
-              <a:rPr lang="ko-KR" altLang="en-US" dirty="0">
-                <a:sym typeface="Wingdings" panose="05000000000000000000" pitchFamily="2" charset="2"/>
-              </a:rPr>
-              <a:t>논문에서 </a:t>
-            </a:r>
-            <a:r>
-              <a:rPr lang="en-US" altLang="ko-KR" dirty="0">
-                <a:sym typeface="Wingdings" panose="05000000000000000000" pitchFamily="2" charset="2"/>
-              </a:rPr>
-              <a:t>outflow-inflow</a:t>
-            </a:r>
-            <a:endParaRPr lang="ko-KR" altLang="en-US" dirty="0"/>
-          </a:p>
-        </p:txBody>
-      </p:sp>
-      <p:pic>
-        <p:nvPicPr>
-          <p:cNvPr id="4" name="그림 3"/>
-          <p:cNvPicPr>
-            <a:picLocks noChangeAspect="1"/>
-          </p:cNvPicPr>
-          <p:nvPr/>
-        </p:nvPicPr>
-        <p:blipFill>
-          <a:blip r:embed="rId2"/>
-          <a:stretch>
-            <a:fillRect/>
-          </a:stretch>
-        </p:blipFill>
-        <p:spPr>
-          <a:xfrm>
-            <a:off x="6948520" y="1846538"/>
-            <a:ext cx="4567564" cy="4333956"/>
-          </a:xfrm>
-          <a:prstGeom prst="rect">
-            <a:avLst/>
-          </a:prstGeom>
-        </p:spPr>
-      </p:pic>
-      <p:sp>
-        <p:nvSpPr>
-          <p:cNvPr id="5" name="TextBox 4"/>
-          <p:cNvSpPr txBox="1"/>
-          <p:nvPr/>
-        </p:nvSpPr>
-        <p:spPr>
-          <a:xfrm>
-            <a:off x="8448591" y="3216293"/>
-            <a:ext cx="783711" cy="400110"/>
-          </a:xfrm>
-          <a:prstGeom prst="rect">
-            <a:avLst/>
-          </a:prstGeom>
-          <a:noFill/>
-        </p:spPr>
-        <p:txBody>
-          <a:bodyPr wrap="square" rtlCol="0">
-            <a:spAutoFit/>
-          </a:bodyPr>
-          <a:lstStyle/>
-          <a:p>
-            <a:r>
-              <a:rPr lang="en-US" altLang="ko-KR" sz="2000" b="1" dirty="0">
-                <a:solidFill>
-                  <a:srgbClr val="FF0000"/>
-                </a:solidFill>
-              </a:rPr>
-              <a:t>B2B1</a:t>
-            </a:r>
-            <a:endParaRPr lang="ko-KR" altLang="en-US" sz="2000" b="1" dirty="0">
-              <a:solidFill>
-                <a:srgbClr val="FF0000"/>
-              </a:solidFill>
-            </a:endParaRPr>
-          </a:p>
-        </p:txBody>
-      </p:sp>
-      <p:sp>
-        <p:nvSpPr>
-          <p:cNvPr id="6" name="TextBox 5"/>
-          <p:cNvSpPr txBox="1"/>
-          <p:nvPr/>
-        </p:nvSpPr>
-        <p:spPr>
-          <a:xfrm>
-            <a:off x="8448590" y="4342638"/>
-            <a:ext cx="783711" cy="400110"/>
-          </a:xfrm>
-          <a:prstGeom prst="rect">
-            <a:avLst/>
-          </a:prstGeom>
-          <a:noFill/>
-        </p:spPr>
-        <p:txBody>
-          <a:bodyPr wrap="square" rtlCol="0">
-            <a:spAutoFit/>
-          </a:bodyPr>
-          <a:lstStyle/>
-          <a:p>
-            <a:r>
-              <a:rPr lang="en-US" altLang="ko-KR" sz="2000" b="1" dirty="0">
-                <a:solidFill>
-                  <a:srgbClr val="00B050"/>
-                </a:solidFill>
-              </a:rPr>
-              <a:t>B1B0</a:t>
-            </a:r>
-            <a:endParaRPr lang="ko-KR" altLang="en-US" sz="2000" b="1" dirty="0">
-              <a:solidFill>
-                <a:srgbClr val="00B050"/>
-              </a:solidFill>
-            </a:endParaRPr>
-          </a:p>
-        </p:txBody>
-      </p:sp>
-      <p:sp>
-        <p:nvSpPr>
-          <p:cNvPr id="7" name="아래쪽 화살표 6"/>
-          <p:cNvSpPr/>
-          <p:nvPr/>
-        </p:nvSpPr>
-        <p:spPr>
-          <a:xfrm>
-            <a:off x="9151652" y="3068405"/>
-            <a:ext cx="149212" cy="749885"/>
-          </a:xfrm>
-          <a:prstGeom prst="downArrow">
-            <a:avLst/>
-          </a:prstGeom>
-          <a:solidFill>
-            <a:srgbClr val="FF0000"/>
-          </a:solidFill>
-          <a:ln>
-            <a:noFill/>
-          </a:ln>
-        </p:spPr>
-        <p:style>
-          <a:lnRef idx="2">
-            <a:schemeClr val="accent1">
-              <a:shade val="50000"/>
-            </a:schemeClr>
-          </a:lnRef>
-          <a:fillRef idx="1">
-            <a:schemeClr val="accent1"/>
-          </a:fillRef>
-          <a:effectRef idx="0">
-            <a:schemeClr val="accent1"/>
-          </a:effectRef>
-          <a:fontRef idx="minor">
-            <a:schemeClr val="lt1"/>
-          </a:fontRef>
-        </p:style>
-        <p:txBody>
-          <a:bodyPr rtlCol="0" anchor="ctr"/>
-          <a:lstStyle/>
-          <a:p>
-            <a:pPr algn="ctr"/>
-            <a:endParaRPr lang="ko-KR" altLang="en-US">
-              <a:solidFill>
-                <a:srgbClr val="FF0000"/>
-              </a:solidFill>
-            </a:endParaRPr>
-          </a:p>
-        </p:txBody>
-      </p:sp>
-      <p:sp>
-        <p:nvSpPr>
-          <p:cNvPr id="8" name="아래쪽 화살표 7"/>
-          <p:cNvSpPr/>
-          <p:nvPr/>
-        </p:nvSpPr>
-        <p:spPr>
-          <a:xfrm>
-            <a:off x="9151652" y="4093806"/>
-            <a:ext cx="149212" cy="749885"/>
-          </a:xfrm>
-          <a:prstGeom prst="downArrow">
-            <a:avLst/>
-          </a:prstGeom>
-          <a:solidFill>
-            <a:srgbClr val="00B050"/>
-          </a:solidFill>
-          <a:ln>
-            <a:noFill/>
-          </a:ln>
-        </p:spPr>
-        <p:style>
-          <a:lnRef idx="2">
-            <a:schemeClr val="accent1">
-              <a:shade val="50000"/>
-            </a:schemeClr>
-          </a:lnRef>
-          <a:fillRef idx="1">
-            <a:schemeClr val="accent1"/>
-          </a:fillRef>
-          <a:effectRef idx="0">
-            <a:schemeClr val="accent1"/>
-          </a:effectRef>
-          <a:fontRef idx="minor">
-            <a:schemeClr val="lt1"/>
-          </a:fontRef>
-        </p:style>
-        <p:txBody>
-          <a:bodyPr rtlCol="0" anchor="ctr"/>
-          <a:lstStyle/>
-          <a:p>
-            <a:pPr algn="ctr"/>
-            <a:endParaRPr lang="ko-KR" altLang="en-US"/>
+              <a:t>삽입</a:t>
+            </a:r>
+            <a:endParaRPr lang="en-US" altLang="ko-KR" dirty="0"/>
           </a:p>
         </p:txBody>
       </p:sp>
     </p:spTree>
     <p:extLst>
       <p:ext uri="{BB962C8B-B14F-4D97-AF65-F5344CB8AC3E}">
-        <p14:creationId xmlns:p14="http://schemas.microsoft.com/office/powerpoint/2010/main" val="245406092"/>
+        <p14:creationId xmlns:p14="http://schemas.microsoft.com/office/powerpoint/2010/main" val="2738297341"/>
       </p:ext>
     </p:extLst>
   </p:cSld>
@@ -7623,13 +7503,10 @@
           <a:lstStyle/>
           <a:p>
             <a:r>
-              <a:rPr lang="en-US" altLang="ko-KR" dirty="0"/>
-              <a:t>Training </a:t>
-            </a:r>
-            <a:r>
-              <a:rPr lang="ko-KR" altLang="en-US" dirty="0"/>
-              <a:t>구성 방식 제안</a:t>
-            </a:r>
+              <a:rPr lang="en-US" altLang="ko-KR" dirty="0" smtClean="0"/>
+              <a:t>Traffic Observation Data</a:t>
+            </a:r>
+            <a:endParaRPr lang="ko-KR" altLang="en-US" dirty="0"/>
           </a:p>
         </p:txBody>
       </p:sp>
@@ -7645,330 +7522,208 @@
         </p:nvSpPr>
         <p:spPr/>
         <p:txBody>
-          <a:bodyPr>
-            <a:normAutofit/>
-          </a:bodyPr>
-          <a:lstStyle/>
-          <a:p>
-            <a:pPr>
-              <a:lnSpc>
-                <a:spcPct val="120000"/>
-              </a:lnSpc>
-            </a:pPr>
-            <a:r>
-              <a:rPr lang="ko-KR" altLang="en-US" dirty="0"/>
-              <a:t>매 </a:t>
-            </a:r>
-            <a:r>
-              <a:rPr lang="en-US" altLang="ko-KR" dirty="0"/>
-              <a:t>epoch</a:t>
-            </a:r>
-            <a:r>
-              <a:rPr lang="ko-KR" altLang="en-US" dirty="0"/>
-              <a:t>당 </a:t>
-            </a:r>
-            <a:r>
-              <a:rPr lang="en-US" altLang="ko-KR" dirty="0"/>
-              <a:t>Learning Start Time</a:t>
-            </a:r>
-            <a:br>
-              <a:rPr lang="en-US" altLang="ko-KR" dirty="0"/>
-            </a:br>
-            <a:r>
-              <a:rPr lang="en-US" altLang="ko-KR" dirty="0"/>
-              <a:t>- </a:t>
-            </a:r>
-            <a:r>
-              <a:rPr lang="ko-KR" altLang="en-US" dirty="0"/>
-              <a:t>시작하자 마자 차량이 자리잡기 전의 데이터는 일반적이지 않음</a:t>
+          <a:bodyPr/>
+          <a:lstStyle/>
+          <a:p>
+            <a:r>
+              <a:rPr lang="en-US" altLang="ko-KR" dirty="0" smtClean="0"/>
+              <a:t> Induction Loops detector (</a:t>
+            </a:r>
+            <a:r>
+              <a:rPr lang="en-US" altLang="ko-KR" dirty="0" err="1" smtClean="0"/>
+              <a:t>TraCI</a:t>
+            </a:r>
+            <a:r>
+              <a:rPr lang="en-US" altLang="ko-KR" dirty="0" smtClean="0"/>
+              <a:t>)</a:t>
+            </a:r>
+          </a:p>
+          <a:p>
+            <a:pPr lvl="1"/>
+            <a:r>
+              <a:rPr lang="en-US" altLang="ko-KR" dirty="0" smtClean="0"/>
+              <a:t>Induction Loop value </a:t>
+            </a:r>
+            <a:r>
+              <a:rPr lang="en-US" altLang="ko-KR" dirty="0"/>
+              <a:t>r</a:t>
+            </a:r>
+            <a:r>
+              <a:rPr lang="en-US" altLang="ko-KR" dirty="0" smtClean="0"/>
+              <a:t>etrieval</a:t>
+            </a:r>
+          </a:p>
+          <a:p>
+            <a:pPr lvl="2"/>
+            <a:r>
+              <a:rPr lang="en-US" altLang="ko-KR" dirty="0" smtClean="0"/>
+              <a:t>ID List: </a:t>
+            </a:r>
+            <a:r>
+              <a:rPr lang="en-US" altLang="ko-KR" dirty="0" err="1" smtClean="0"/>
+              <a:t>getIDList</a:t>
+            </a:r>
+            <a:endParaRPr lang="en-US" altLang="ko-KR" dirty="0" smtClean="0"/>
+          </a:p>
+          <a:p>
+            <a:pPr lvl="2"/>
+            <a:r>
+              <a:rPr lang="en-US" altLang="ko-KR" dirty="0" smtClean="0"/>
+              <a:t># Visiting Vehicle: </a:t>
+            </a:r>
+            <a:r>
+              <a:rPr lang="en-US" altLang="ko-KR" dirty="0" err="1" smtClean="0"/>
+              <a:t>getLastStepVehicleNumber</a:t>
+            </a:r>
+            <a:endParaRPr lang="en-US" altLang="ko-KR" dirty="0" smtClean="0"/>
+          </a:p>
+          <a:p>
+            <a:pPr lvl="2"/>
+            <a:r>
+              <a:rPr lang="en-US" altLang="ko-KR" dirty="0" smtClean="0"/>
+              <a:t>Percentage of time that was occupied: </a:t>
+            </a:r>
+            <a:r>
+              <a:rPr lang="en-US" altLang="ko-KR" dirty="0" err="1" smtClean="0"/>
+              <a:t>getLastStepOccupancy</a:t>
+            </a:r>
+            <a:endParaRPr lang="en-US" altLang="ko-KR" dirty="0" smtClean="0"/>
+          </a:p>
+          <a:p>
+            <a:r>
+              <a:rPr lang="en-US" altLang="ko-KR" dirty="0"/>
+              <a:t> </a:t>
+            </a:r>
+            <a:r>
+              <a:rPr lang="en-US" altLang="ko-KR" dirty="0" smtClean="0"/>
+              <a:t>Lane Area detector (</a:t>
+            </a:r>
+            <a:r>
+              <a:rPr lang="en-US" altLang="ko-KR" dirty="0" err="1" smtClean="0"/>
+              <a:t>TraCI</a:t>
+            </a:r>
+            <a:r>
+              <a:rPr lang="en-US" altLang="ko-KR" dirty="0" smtClean="0"/>
+              <a:t>)</a:t>
+            </a:r>
+          </a:p>
+          <a:p>
+            <a:pPr lvl="1"/>
+            <a:r>
+              <a:rPr lang="en-US" altLang="ko-KR" dirty="0" smtClean="0"/>
+              <a:t>Lane Area </a:t>
+            </a:r>
+            <a:r>
+              <a:rPr lang="en-US" altLang="ko-KR" dirty="0"/>
+              <a:t>d</a:t>
+            </a:r>
+            <a:r>
+              <a:rPr lang="en-US" altLang="ko-KR" dirty="0" smtClean="0"/>
+              <a:t>etector </a:t>
+            </a:r>
+            <a:r>
+              <a:rPr lang="en-US" altLang="ko-KR" dirty="0"/>
+              <a:t>v</a:t>
+            </a:r>
+            <a:r>
+              <a:rPr lang="en-US" altLang="ko-KR" dirty="0" smtClean="0"/>
+              <a:t>alue retrieval</a:t>
+            </a:r>
+          </a:p>
+          <a:p>
+            <a:pPr lvl="2"/>
+            <a:r>
+              <a:rPr lang="en-US" altLang="ko-KR" dirty="0" smtClean="0"/>
+              <a:t>ID List: </a:t>
+            </a:r>
+            <a:r>
+              <a:rPr lang="en-US" altLang="ko-KR" dirty="0" err="1" smtClean="0"/>
+              <a:t>getIDList</a:t>
+            </a:r>
+            <a:endParaRPr lang="en-US" altLang="ko-KR" dirty="0" smtClean="0"/>
+          </a:p>
+          <a:p>
+            <a:pPr lvl="2"/>
+            <a:r>
+              <a:rPr lang="en-US" altLang="ko-KR" dirty="0"/>
+              <a:t># Visiting Vehicle: </a:t>
+            </a:r>
+            <a:r>
+              <a:rPr lang="en-US" altLang="ko-KR" dirty="0" err="1"/>
+              <a:t>getLastStepVehicleNumber</a:t>
             </a:r>
             <a:endParaRPr lang="en-US" altLang="ko-KR" dirty="0"/>
           </a:p>
           <a:p>
-            <a:pPr>
-              <a:lnSpc>
-                <a:spcPct val="120000"/>
-              </a:lnSpc>
-            </a:pPr>
-            <a:r>
-              <a:rPr lang="en-US" altLang="ko-KR" dirty="0"/>
-              <a:t>Learning Start Epoch </a:t>
-            </a:r>
-            <a:r>
-              <a:rPr lang="ko-KR" altLang="en-US" dirty="0"/>
-              <a:t>지정 </a:t>
-            </a:r>
-            <a:r>
-              <a:rPr lang="en-US" altLang="ko-KR" dirty="0"/>
-              <a:t>(</a:t>
-            </a:r>
-            <a:r>
-              <a:rPr lang="ko-KR" altLang="en-US" dirty="0"/>
-              <a:t>현재 </a:t>
-            </a:r>
-            <a:r>
-              <a:rPr lang="en-US" altLang="ko-KR" dirty="0"/>
-              <a:t>1epoch</a:t>
-            </a:r>
-            <a:r>
-              <a:rPr lang="ko-KR" altLang="en-US" dirty="0"/>
-              <a:t>당 </a:t>
-            </a:r>
-            <a:r>
-              <a:rPr lang="en-US" altLang="ko-KR" dirty="0"/>
-              <a:t>90</a:t>
-            </a:r>
-            <a:r>
-              <a:rPr lang="ko-KR" altLang="en-US" dirty="0"/>
-              <a:t>개 </a:t>
-            </a:r>
-            <a:r>
-              <a:rPr lang="en-US" altLang="ko-KR" dirty="0"/>
-              <a:t>state</a:t>
-            </a:r>
-            <a:r>
-              <a:rPr lang="ko-KR" altLang="en-US" dirty="0"/>
-              <a:t>가 </a:t>
-            </a:r>
-            <a:r>
-              <a:rPr lang="en-US" altLang="ko-KR" dirty="0"/>
-              <a:t>replay</a:t>
-            </a:r>
-            <a:r>
-              <a:rPr lang="ko-KR" altLang="en-US" dirty="0"/>
-              <a:t>에 저장</a:t>
-            </a:r>
-            <a:r>
-              <a:rPr lang="en-US" altLang="ko-KR" dirty="0"/>
-              <a:t>) </a:t>
-            </a:r>
-            <a:br>
-              <a:rPr lang="en-US" altLang="ko-KR" dirty="0"/>
-            </a:br>
-            <a:r>
-              <a:rPr lang="ko-KR" altLang="en-US" dirty="0"/>
-              <a:t>現 </a:t>
-            </a:r>
-            <a:r>
-              <a:rPr lang="en-US" altLang="ko-KR" dirty="0"/>
-              <a:t>replay: 40 </a:t>
-            </a:r>
-            <a:r>
-              <a:rPr lang="ko-KR" altLang="en-US" dirty="0"/>
-              <a:t>부터 </a:t>
-            </a:r>
-            <a:r>
-              <a:rPr lang="en-US" altLang="ko-KR" dirty="0"/>
-              <a:t>target update </a:t>
-            </a:r>
-            <a:r>
-              <a:rPr lang="en-US" altLang="ko-KR" dirty="0">
-                <a:sym typeface="Wingdings" panose="05000000000000000000" pitchFamily="2" charset="2"/>
-              </a:rPr>
-              <a:t> </a:t>
-            </a:r>
-            <a:r>
-              <a:rPr lang="ko-KR" altLang="en-US" dirty="0">
-                <a:sym typeface="Wingdings" panose="05000000000000000000" pitchFamily="2" charset="2"/>
-              </a:rPr>
-              <a:t>초반 학습의 </a:t>
-            </a:r>
-            <a:r>
-              <a:rPr lang="en-US" altLang="ko-KR" dirty="0">
-                <a:sym typeface="Wingdings" panose="05000000000000000000" pitchFamily="2" charset="2"/>
-              </a:rPr>
-              <a:t>Correlation </a:t>
-            </a:r>
-            <a:r>
-              <a:rPr lang="ko-KR" altLang="en-US" dirty="0">
-                <a:sym typeface="Wingdings" panose="05000000000000000000" pitchFamily="2" charset="2"/>
-              </a:rPr>
-              <a:t>높음</a:t>
-            </a:r>
-            <a:endParaRPr lang="en-US" altLang="ko-KR" dirty="0">
-              <a:sym typeface="Wingdings" panose="05000000000000000000" pitchFamily="2" charset="2"/>
-            </a:endParaRPr>
-          </a:p>
-          <a:p>
-            <a:pPr lvl="1">
-              <a:lnSpc>
-                <a:spcPct val="120000"/>
-              </a:lnSpc>
-            </a:pPr>
-            <a:r>
-              <a:rPr lang="en-US" altLang="ko-KR" dirty="0">
-                <a:sym typeface="Wingdings" panose="05000000000000000000" pitchFamily="2" charset="2"/>
-              </a:rPr>
-              <a:t> Learning Start </a:t>
-            </a:r>
-            <a:r>
-              <a:rPr lang="ko-KR" altLang="en-US" dirty="0">
-                <a:sym typeface="Wingdings" panose="05000000000000000000" pitchFamily="2" charset="2"/>
-              </a:rPr>
-              <a:t>하는</a:t>
-            </a:r>
-            <a:r>
-              <a:rPr lang="en-US" altLang="ko-KR" dirty="0">
-                <a:sym typeface="Wingdings" panose="05000000000000000000" pitchFamily="2" charset="2"/>
-              </a:rPr>
-              <a:t> Epoch</a:t>
-            </a:r>
-            <a:r>
-              <a:rPr lang="ko-KR" altLang="en-US" dirty="0">
-                <a:sym typeface="Wingdings" panose="05000000000000000000" pitchFamily="2" charset="2"/>
-              </a:rPr>
-              <a:t>를</a:t>
-            </a:r>
-            <a:r>
-              <a:rPr lang="en-US" altLang="ko-KR" dirty="0">
-                <a:sym typeface="Wingdings" panose="05000000000000000000" pitchFamily="2" charset="2"/>
-              </a:rPr>
-              <a:t> 4</a:t>
-            </a:r>
-            <a:r>
-              <a:rPr lang="ko-KR" altLang="en-US" dirty="0">
-                <a:sym typeface="Wingdings" panose="05000000000000000000" pitchFamily="2" charset="2"/>
-              </a:rPr>
-              <a:t>이상</a:t>
-            </a:r>
-            <a:endParaRPr lang="en-US" altLang="ko-KR" dirty="0">
-              <a:sym typeface="Wingdings" panose="05000000000000000000" pitchFamily="2" charset="2"/>
-            </a:endParaRPr>
-          </a:p>
-          <a:p>
-            <a:pPr lvl="1">
-              <a:lnSpc>
-                <a:spcPct val="120000"/>
-              </a:lnSpc>
-            </a:pPr>
-            <a:r>
-              <a:rPr lang="en-US" altLang="ko-KR" dirty="0">
-                <a:sym typeface="Wingdings" panose="05000000000000000000" pitchFamily="2" charset="2"/>
-              </a:rPr>
-              <a:t> time step</a:t>
-            </a:r>
-            <a:r>
-              <a:rPr lang="ko-KR" altLang="en-US" dirty="0">
-                <a:sym typeface="Wingdings" panose="05000000000000000000" pitchFamily="2" charset="2"/>
-              </a:rPr>
-              <a:t>을 세분화 </a:t>
-            </a:r>
-            <a:r>
-              <a:rPr lang="en-US" altLang="ko-KR" dirty="0">
-                <a:sym typeface="Wingdings" panose="05000000000000000000" pitchFamily="2" charset="2"/>
-              </a:rPr>
-              <a:t>Action </a:t>
-            </a:r>
-            <a:r>
-              <a:rPr lang="ko-KR" altLang="en-US" dirty="0">
-                <a:sym typeface="Wingdings" panose="05000000000000000000" pitchFamily="2" charset="2"/>
-              </a:rPr>
-              <a:t>형태 변화 필요</a:t>
-            </a:r>
-            <a:endParaRPr lang="en-US" altLang="ko-KR" dirty="0">
-              <a:sym typeface="Wingdings" panose="05000000000000000000" pitchFamily="2" charset="2"/>
-            </a:endParaRPr>
-          </a:p>
-          <a:p>
-            <a:pPr lvl="1">
-              <a:lnSpc>
-                <a:spcPct val="120000"/>
-              </a:lnSpc>
-            </a:pPr>
-            <a:r>
-              <a:rPr lang="en-US" altLang="ko-KR" dirty="0">
-                <a:sym typeface="Wingdings" panose="05000000000000000000" pitchFamily="2" charset="2"/>
-              </a:rPr>
-              <a:t> Epoch </a:t>
-            </a:r>
-            <a:r>
-              <a:rPr lang="ko-KR" altLang="en-US" dirty="0">
-                <a:sym typeface="Wingdings" panose="05000000000000000000" pitchFamily="2" charset="2"/>
-              </a:rPr>
-              <a:t>길이 길게 </a:t>
-            </a:r>
-            <a:r>
-              <a:rPr lang="en-US" altLang="ko-KR" dirty="0">
-                <a:sym typeface="Wingdings" panose="05000000000000000000" pitchFamily="2" charset="2"/>
-              </a:rPr>
-              <a:t>(</a:t>
-            </a:r>
-            <a:r>
-              <a:rPr lang="ko-KR" altLang="en-US" dirty="0">
-                <a:sym typeface="Wingdings" panose="05000000000000000000" pitchFamily="2" charset="2"/>
-              </a:rPr>
-              <a:t>現</a:t>
-            </a:r>
-            <a:r>
-              <a:rPr lang="en-US" altLang="ko-KR" dirty="0">
-                <a:sym typeface="Wingdings" panose="05000000000000000000" pitchFamily="2" charset="2"/>
-              </a:rPr>
-              <a:t>:10000s/epoch -&gt; 27000s/epoch</a:t>
-            </a:r>
-            <a:r>
-              <a:rPr lang="ko-KR" altLang="en-US" dirty="0">
-                <a:sym typeface="Wingdings" panose="05000000000000000000" pitchFamily="2" charset="2"/>
-              </a:rPr>
-              <a:t>이상</a:t>
-            </a:r>
-            <a:r>
-              <a:rPr lang="en-US" altLang="ko-KR" dirty="0">
-                <a:sym typeface="Wingdings" panose="05000000000000000000" pitchFamily="2" charset="2"/>
-              </a:rPr>
-              <a:t>)</a:t>
-            </a:r>
-          </a:p>
-          <a:p>
-            <a:pPr>
-              <a:lnSpc>
-                <a:spcPct val="120000"/>
-              </a:lnSpc>
-            </a:pPr>
-            <a:r>
-              <a:rPr lang="en-US" altLang="ko-KR" dirty="0">
-                <a:sym typeface="Wingdings" panose="05000000000000000000" pitchFamily="2" charset="2"/>
-              </a:rPr>
-              <a:t> Learning </a:t>
-            </a:r>
-            <a:r>
-              <a:rPr lang="ko-KR" altLang="en-US" dirty="0">
-                <a:sym typeface="Wingdings" panose="05000000000000000000" pitchFamily="2" charset="2"/>
-              </a:rPr>
-              <a:t>에서 </a:t>
-            </a:r>
-            <a:r>
-              <a:rPr lang="en-US" altLang="ko-KR" dirty="0">
-                <a:sym typeface="Wingdings" panose="05000000000000000000" pitchFamily="2" charset="2"/>
-              </a:rPr>
-              <a:t>augmentation(</a:t>
-            </a:r>
-            <a:r>
-              <a:rPr lang="ko-KR" altLang="en-US" dirty="0">
-                <a:sym typeface="Wingdings" panose="05000000000000000000" pitchFamily="2" charset="2"/>
-              </a:rPr>
-              <a:t>각 교차로에 대해서</a:t>
-            </a:r>
-            <a:r>
-              <a:rPr lang="en-US" altLang="ko-KR" dirty="0">
-                <a:sym typeface="Wingdings" panose="05000000000000000000" pitchFamily="2" charset="2"/>
-              </a:rPr>
-              <a:t>)</a:t>
-            </a:r>
-          </a:p>
-          <a:p>
-            <a:pPr>
-              <a:lnSpc>
-                <a:spcPct val="120000"/>
-              </a:lnSpc>
-            </a:pPr>
+            <a:pPr lvl="2"/>
+            <a:r>
+              <a:rPr lang="en-US" altLang="ko-KR" dirty="0"/>
+              <a:t>Percentage of time that was occupied: </a:t>
+            </a:r>
+            <a:r>
+              <a:rPr lang="en-US" altLang="ko-KR" dirty="0" err="1"/>
+              <a:t>getLastStepOccupancy</a:t>
+            </a:r>
+            <a:endParaRPr lang="en-US" altLang="ko-KR" dirty="0"/>
+          </a:p>
+          <a:p>
+            <a:pPr lvl="2"/>
             <a:endParaRPr lang="ko-KR" altLang="en-US" dirty="0"/>
           </a:p>
         </p:txBody>
       </p:sp>
+      <p:pic>
+        <p:nvPicPr>
+          <p:cNvPr id="4" name="그림 3"/>
+          <p:cNvPicPr>
+            <a:picLocks noChangeAspect="1"/>
+          </p:cNvPicPr>
+          <p:nvPr/>
+        </p:nvPicPr>
+        <p:blipFill>
+          <a:blip r:embed="rId2"/>
+          <a:stretch>
+            <a:fillRect/>
+          </a:stretch>
+        </p:blipFill>
+        <p:spPr>
+          <a:xfrm>
+            <a:off x="6841621" y="3729950"/>
+            <a:ext cx="4940554" cy="1149409"/>
+          </a:xfrm>
+          <a:prstGeom prst="rect">
+            <a:avLst/>
+          </a:prstGeom>
+        </p:spPr>
+      </p:pic>
+      <p:pic>
+        <p:nvPicPr>
+          <p:cNvPr id="5" name="그림 4"/>
+          <p:cNvPicPr>
+            <a:picLocks noChangeAspect="1"/>
+          </p:cNvPicPr>
+          <p:nvPr/>
+        </p:nvPicPr>
+        <p:blipFill>
+          <a:blip r:embed="rId3"/>
+          <a:stretch>
+            <a:fillRect/>
+          </a:stretch>
+        </p:blipFill>
+        <p:spPr>
+          <a:xfrm>
+            <a:off x="5749365" y="2082956"/>
+            <a:ext cx="6032810" cy="704886"/>
+          </a:xfrm>
+          <a:prstGeom prst="rect">
+            <a:avLst/>
+          </a:prstGeom>
+        </p:spPr>
+      </p:pic>
     </p:spTree>
     <p:extLst>
       <p:ext uri="{BB962C8B-B14F-4D97-AF65-F5344CB8AC3E}">
-        <p14:creationId xmlns:p14="http://schemas.microsoft.com/office/powerpoint/2010/main" val="1873075976"/>
+        <p14:creationId xmlns:p14="http://schemas.microsoft.com/office/powerpoint/2010/main" val="3196876027"/>
       </p:ext>
     </p:extLst>
   </p:cSld>
@@ -7997,194 +7752,83 @@
       </p:grpSpPr>
       <p:sp>
         <p:nvSpPr>
-          <p:cNvPr id="2" name="제목 1"/>
-          <p:cNvSpPr>
-            <a:spLocks noGrp="1"/>
-          </p:cNvSpPr>
-          <p:nvPr>
-            <p:ph type="title"/>
+          <p:cNvPr id="6" name="제목 5"/>
+          <p:cNvSpPr>
+            <a:spLocks noGrp="1"/>
+          </p:cNvSpPr>
+          <p:nvPr>
+            <p:ph type="ctrTitle"/>
           </p:nvPr>
         </p:nvSpPr>
         <p:spPr/>
         <p:txBody>
-          <a:bodyPr/>
-          <a:lstStyle/>
-          <a:p>
-            <a:r>
-              <a:rPr lang="en-US" altLang="ko-KR" dirty="0"/>
-              <a:t>Training </a:t>
-            </a:r>
-            <a:r>
-              <a:rPr lang="ko-KR" altLang="en-US" dirty="0"/>
-              <a:t>구성 방식 제안</a:t>
-            </a:r>
-          </a:p>
-        </p:txBody>
-      </p:sp>
-      <p:sp>
-        <p:nvSpPr>
-          <p:cNvPr id="3" name="내용 개체 틀 2"/>
-          <p:cNvSpPr>
-            <a:spLocks noGrp="1"/>
-          </p:cNvSpPr>
-          <p:nvPr>
-            <p:ph idx="1"/>
+          <a:bodyPr>
+            <a:normAutofit/>
+          </a:bodyPr>
+          <a:lstStyle/>
+          <a:p>
+            <a:r>
+              <a:rPr lang="en-US" altLang="ko-KR" sz="2400" b="1" dirty="0"/>
+              <a:t>Toward A Thousand Lights:</a:t>
+            </a:r>
+            <a:r>
+              <a:rPr lang="en-US" altLang="ko-KR" sz="2400" dirty="0"/>
+              <a:t/>
+            </a:r>
+            <a:br>
+              <a:rPr lang="en-US" altLang="ko-KR" sz="2400" dirty="0"/>
+            </a:br>
+            <a:r>
+              <a:rPr lang="en-US" altLang="ko-KR" sz="2400" dirty="0"/>
+              <a:t>Decentralized Deep Reinforcement Learning for Large-scale Traffic Signal Control</a:t>
+            </a:r>
+            <a:endParaRPr lang="ko-KR" altLang="en-US" sz="2400" dirty="0"/>
+          </a:p>
+        </p:txBody>
+      </p:sp>
+      <p:sp>
+        <p:nvSpPr>
+          <p:cNvPr id="7" name="부제목 6"/>
+          <p:cNvSpPr>
+            <a:spLocks noGrp="1"/>
+          </p:cNvSpPr>
+          <p:nvPr>
+            <p:ph type="subTitle" idx="1"/>
           </p:nvPr>
         </p:nvSpPr>
         <p:spPr/>
         <p:txBody>
-          <a:bodyPr/>
-          <a:lstStyle/>
-          <a:p>
-            <a:r>
-              <a:rPr lang="en-US" altLang="ko-KR" dirty="0"/>
-              <a:t> </a:t>
-            </a:r>
-            <a:r>
-              <a:rPr lang="ko-KR" altLang="en-US" dirty="0"/>
-              <a:t>차량 진입로를 줄이는 대신에 차량의 </a:t>
-            </a:r>
-            <a:r>
-              <a:rPr lang="en-US" altLang="ko-KR" dirty="0"/>
-              <a:t>Random</a:t>
-            </a:r>
-            <a:r>
-              <a:rPr lang="ko-KR" altLang="en-US" dirty="0"/>
-              <a:t>성을 주는 </a:t>
-            </a:r>
-            <a:r>
-              <a:rPr lang="en-US" altLang="ko-KR" dirty="0"/>
-              <a:t>IDM controller</a:t>
-            </a:r>
-            <a:r>
-              <a:rPr lang="ko-KR" altLang="en-US" dirty="0"/>
-              <a:t>와 가속도 분산 갖게 해서 차이를 줌</a:t>
-            </a:r>
-            <a:endParaRPr lang="en-US" altLang="ko-KR" dirty="0"/>
-          </a:p>
-          <a:p>
-            <a:r>
-              <a:rPr lang="en-US" altLang="ko-KR" dirty="0"/>
-              <a:t> phase</a:t>
-            </a:r>
-            <a:r>
-              <a:rPr lang="ko-KR" altLang="en-US" dirty="0"/>
-              <a:t>를 변화하는 </a:t>
-            </a:r>
-            <a:r>
-              <a:rPr lang="en-US" altLang="ko-KR" dirty="0"/>
-              <a:t>action</a:t>
-            </a:r>
-            <a:r>
-              <a:rPr lang="ko-KR" altLang="en-US" dirty="0"/>
-              <a:t>이 아닌 </a:t>
-            </a:r>
-            <a:r>
-              <a:rPr lang="en-US" altLang="ko-KR" dirty="0"/>
-              <a:t>phase</a:t>
-            </a:r>
-            <a:r>
-              <a:rPr lang="ko-KR" altLang="en-US" dirty="0"/>
-              <a:t>를 선택하게 하고 최소 시간은 </a:t>
-            </a:r>
-            <a:r>
-              <a:rPr lang="en-US" altLang="ko-KR" dirty="0"/>
-              <a:t>20</a:t>
-            </a:r>
-            <a:r>
-              <a:rPr lang="ko-KR" altLang="en-US" dirty="0"/>
-              <a:t>초로 하되</a:t>
-            </a:r>
-            <a:r>
-              <a:rPr lang="en-US" altLang="ko-KR" dirty="0"/>
-              <a:t>, </a:t>
-            </a:r>
-            <a:r>
-              <a:rPr lang="ko-KR" altLang="en-US" dirty="0"/>
-              <a:t>최대 이상에서는 엄청난 </a:t>
-            </a:r>
-            <a:r>
-              <a:rPr lang="en-US" altLang="ko-KR" dirty="0"/>
-              <a:t>penalty</a:t>
-            </a:r>
-            <a:r>
-              <a:rPr lang="ko-KR" altLang="en-US" dirty="0"/>
-              <a:t>를 </a:t>
-            </a:r>
-            <a:r>
-              <a:rPr lang="ko-KR" altLang="en-US" dirty="0" err="1"/>
-              <a:t>준다던지</a:t>
-            </a:r>
-            <a:r>
-              <a:rPr lang="ko-KR" altLang="en-US" dirty="0"/>
-              <a:t> 하는 식으로 운용</a:t>
-            </a:r>
-            <a:endParaRPr lang="en-US" altLang="ko-KR" dirty="0"/>
-          </a:p>
-          <a:p>
-            <a:r>
-              <a:rPr lang="en-US" altLang="ko-KR" dirty="0"/>
-              <a:t> phase</a:t>
-            </a:r>
-            <a:r>
-              <a:rPr lang="ko-KR" altLang="en-US" dirty="0"/>
-              <a:t> 종류 수를 현재 </a:t>
-            </a:r>
-            <a:r>
-              <a:rPr lang="en-US" altLang="ko-KR" dirty="0"/>
-              <a:t>8</a:t>
-            </a:r>
-            <a:r>
-              <a:rPr lang="ko-KR" altLang="en-US" dirty="0"/>
-              <a:t>개 </a:t>
-            </a:r>
-            <a:r>
-              <a:rPr lang="en-US" altLang="ko-KR" dirty="0"/>
-              <a:t>(</a:t>
-            </a:r>
-            <a:r>
-              <a:rPr lang="ko-KR" altLang="en-US" dirty="0"/>
-              <a:t>논문상</a:t>
-            </a:r>
-            <a:r>
-              <a:rPr lang="en-US" altLang="ko-KR" dirty="0"/>
-              <a:t>)</a:t>
-            </a:r>
-            <a:r>
-              <a:rPr lang="ko-KR" altLang="en-US" dirty="0"/>
-              <a:t>에서 </a:t>
-            </a:r>
-            <a:r>
-              <a:rPr lang="en-US" altLang="ko-KR" dirty="0"/>
-              <a:t>6</a:t>
-            </a:r>
-            <a:r>
-              <a:rPr lang="ko-KR" altLang="en-US" dirty="0"/>
-              <a:t>개 내지는 </a:t>
-            </a:r>
-            <a:r>
-              <a:rPr lang="en-US" altLang="ko-KR" dirty="0"/>
-              <a:t>4</a:t>
-            </a:r>
-            <a:r>
-              <a:rPr lang="ko-KR" altLang="en-US" dirty="0"/>
-              <a:t>개로 줄임</a:t>
-            </a:r>
-            <a:endParaRPr lang="en-US" altLang="ko-KR" dirty="0"/>
-          </a:p>
-          <a:p>
-            <a:r>
-              <a:rPr lang="en-US" altLang="ko-KR" dirty="0"/>
-              <a:t> </a:t>
-            </a:r>
-            <a:endParaRPr lang="ko-KR" altLang="en-US" dirty="0"/>
+          <a:bodyPr>
+            <a:normAutofit/>
+          </a:bodyPr>
+          <a:lstStyle/>
+          <a:p>
+            <a:pPr algn="r"/>
+            <a:r>
+              <a:rPr lang="en-US" altLang="ko-KR" sz="1600" spc="0" dirty="0" smtClean="0">
+                <a:latin typeface="+mj-ea"/>
+                <a:ea typeface="+mj-ea"/>
+              </a:rPr>
+              <a:t>ETRI </a:t>
+            </a:r>
+            <a:r>
+              <a:rPr lang="ko-KR" altLang="en-US" sz="1600" spc="0" dirty="0" smtClean="0">
+                <a:latin typeface="+mj-ea"/>
+                <a:ea typeface="+mj-ea"/>
+              </a:rPr>
+              <a:t>연수생 강민수</a:t>
+            </a:r>
+            <a:endParaRPr lang="ko-KR" altLang="en-US" sz="1600" spc="0" dirty="0">
+              <a:latin typeface="+mj-ea"/>
+              <a:ea typeface="+mj-ea"/>
+            </a:endParaRPr>
           </a:p>
         </p:txBody>
       </p:sp>
     </p:spTree>
     <p:extLst>
       <p:ext uri="{BB962C8B-B14F-4D97-AF65-F5344CB8AC3E}">
-        <p14:creationId xmlns:p14="http://schemas.microsoft.com/office/powerpoint/2010/main" val="214645791"/>
+        <p14:creationId xmlns:p14="http://schemas.microsoft.com/office/powerpoint/2010/main" val="2644164681"/>
       </p:ext>
     </p:extLst>
   </p:cSld>
@@ -8213,12 +7857,35 @@
       </p:grpSpPr>
       <p:sp>
         <p:nvSpPr>
-          <p:cNvPr id="6" name="제목 5"/>
-          <p:cNvSpPr>
-            <a:spLocks noGrp="1"/>
-          </p:cNvSpPr>
-          <p:nvPr>
-            <p:ph type="ctrTitle"/>
+          <p:cNvPr id="2" name="제목 1"/>
+          <p:cNvSpPr>
+            <a:spLocks noGrp="1"/>
+          </p:cNvSpPr>
+          <p:nvPr>
+            <p:ph type="title"/>
+          </p:nvPr>
+        </p:nvSpPr>
+        <p:spPr/>
+        <p:txBody>
+          <a:bodyPr/>
+          <a:lstStyle/>
+          <a:p>
+            <a:r>
+              <a:rPr lang="en-US" altLang="ko-KR" dirty="0" smtClean="0"/>
+              <a:t>Contents</a:t>
+            </a:r>
+            <a:endParaRPr lang="ko-KR" altLang="en-US" dirty="0"/>
+          </a:p>
+        </p:txBody>
+      </p:sp>
+      <p:sp>
+        <p:nvSpPr>
+          <p:cNvPr id="3" name="내용 개체 틀 2"/>
+          <p:cNvSpPr>
+            <a:spLocks noGrp="1"/>
+          </p:cNvSpPr>
+          <p:nvPr>
+            <p:ph idx="1"/>
           </p:nvPr>
         </p:nvSpPr>
         <p:spPr/>
@@ -8229,43 +7896,123 @@
           <a:lstStyle/>
           <a:p>
             <a:r>
-              <a:rPr lang="en-US" altLang="ko-KR" sz="2400" b="1" dirty="0"/>
-              <a:t>Toward A Thousand Lights:</a:t>
+              <a:rPr lang="en-US" altLang="ko-KR" dirty="0" smtClean="0"/>
+              <a:t>Motivation</a:t>
+            </a:r>
+            <a:r>
+              <a:rPr lang="en-US" altLang="ko-KR" dirty="0" smtClean="0"/>
+              <a:t/>
             </a:r>
             <a:br>
-              <a:rPr lang="en-US" altLang="ko-KR" sz="2400" dirty="0"/>
+              <a:rPr lang="en-US" altLang="ko-KR" dirty="0" smtClean="0"/>
             </a:br>
             <a:r>
-              <a:rPr lang="en-US" altLang="ko-KR" sz="2400" dirty="0"/>
-              <a:t>Decentralized Deep Reinforcement Learning for Large-scale Traffic Signal Control</a:t>
-            </a:r>
-            <a:endParaRPr lang="ko-KR" altLang="en-US" sz="2400" dirty="0"/>
-          </a:p>
-        </p:txBody>
-      </p:sp>
-      <p:sp>
-        <p:nvSpPr>
-          <p:cNvPr id="7" name="부제목 6"/>
-          <p:cNvSpPr>
-            <a:spLocks noGrp="1"/>
-          </p:cNvSpPr>
-          <p:nvPr>
-            <p:ph type="subTitle" idx="1"/>
-          </p:nvPr>
-        </p:nvSpPr>
-        <p:spPr/>
-        <p:txBody>
-          <a:bodyPr/>
-          <a:lstStyle/>
-          <a:p>
-            <a:endParaRPr lang="ko-KR" altLang="en-US" dirty="0"/>
+              <a:rPr lang="en-US" altLang="ko-KR" sz="1800" dirty="0" smtClean="0"/>
+              <a:t>- Reinforcement Learning</a:t>
+            </a:r>
+            <a:r>
+              <a:rPr lang="ko-KR" altLang="en-US" sz="1800" dirty="0" smtClean="0"/>
+              <a:t>을 </a:t>
+            </a:r>
+            <a:r>
+              <a:rPr lang="en-US" altLang="ko-KR" sz="1800" dirty="0" smtClean="0"/>
+              <a:t>Traffic System</a:t>
+            </a:r>
+            <a:r>
+              <a:rPr lang="ko-KR" altLang="en-US" sz="1800" dirty="0" smtClean="0"/>
+              <a:t>에 적용하기 위해 필요한 조건</a:t>
+            </a:r>
+            <a:r>
+              <a:rPr lang="en-US" altLang="ko-KR" sz="1800" dirty="0" smtClean="0"/>
+              <a:t/>
+            </a:r>
+            <a:br>
+              <a:rPr lang="en-US" altLang="ko-KR" sz="1800" dirty="0" smtClean="0"/>
+            </a:br>
+            <a:r>
+              <a:rPr lang="en-US" altLang="ko-KR" sz="1800" dirty="0" smtClean="0"/>
+              <a:t>- </a:t>
+            </a:r>
+            <a:r>
+              <a:rPr lang="ko-KR" altLang="en-US" sz="1800" dirty="0" smtClean="0"/>
+              <a:t>지금까지 적용이 어려웠던 이유</a:t>
+            </a:r>
+            <a:endParaRPr lang="en-US" altLang="ko-KR" dirty="0" smtClean="0"/>
+          </a:p>
+          <a:p>
+            <a:r>
+              <a:rPr lang="en-US" altLang="ko-KR" dirty="0"/>
+              <a:t> </a:t>
+            </a:r>
+            <a:r>
+              <a:rPr lang="en-US" altLang="ko-KR" dirty="0" smtClean="0"/>
+              <a:t>Related Work</a:t>
+            </a:r>
+            <a:br>
+              <a:rPr lang="en-US" altLang="ko-KR" dirty="0" smtClean="0"/>
+            </a:br>
+            <a:r>
+              <a:rPr lang="en-US" altLang="ko-KR" sz="1800" dirty="0" smtClean="0"/>
+              <a:t>- Conventional Transportation Method and Max pressure control</a:t>
+            </a:r>
+            <a:br>
+              <a:rPr lang="en-US" altLang="ko-KR" sz="1800" dirty="0" smtClean="0"/>
+            </a:br>
+            <a:r>
+              <a:rPr lang="en-US" altLang="ko-KR" sz="1800" dirty="0" smtClean="0"/>
+              <a:t>- RL- based approach and their challenge</a:t>
+            </a:r>
+          </a:p>
+          <a:p>
+            <a:r>
+              <a:rPr lang="en-US" altLang="ko-KR" dirty="0"/>
+              <a:t> </a:t>
+            </a:r>
+            <a:r>
+              <a:rPr lang="en-US" altLang="ko-KR" dirty="0" smtClean="0"/>
+              <a:t>Approach</a:t>
+            </a:r>
+            <a:br>
+              <a:rPr lang="en-US" altLang="ko-KR" dirty="0" smtClean="0"/>
+            </a:br>
+            <a:r>
+              <a:rPr lang="en-US" altLang="ko-KR" sz="1800" dirty="0" smtClean="0"/>
+              <a:t>- Super agent based multi-intersection method with FRAP model</a:t>
+            </a:r>
+          </a:p>
+          <a:p>
+            <a:r>
+              <a:rPr lang="en-US" altLang="ko-KR" dirty="0"/>
+              <a:t> </a:t>
+            </a:r>
+            <a:r>
+              <a:rPr lang="en-US" altLang="ko-KR" dirty="0" smtClean="0"/>
+              <a:t>Result</a:t>
+            </a:r>
+          </a:p>
+          <a:p>
+            <a:r>
+              <a:rPr lang="en-US" altLang="ko-KR" dirty="0"/>
+              <a:t> </a:t>
+            </a:r>
+            <a:r>
+              <a:rPr lang="en-US" altLang="ko-KR" dirty="0" smtClean="0"/>
+              <a:t>Comment</a:t>
+            </a:r>
+            <a:br>
+              <a:rPr lang="en-US" altLang="ko-KR" dirty="0" smtClean="0"/>
+            </a:br>
+            <a:r>
+              <a:rPr lang="en-US" altLang="ko-KR" dirty="0" smtClean="0"/>
+              <a:t>- Improvement proposal</a:t>
+            </a:r>
           </a:p>
         </p:txBody>
       </p:sp>
     </p:spTree>
     <p:extLst>
       <p:ext uri="{BB962C8B-B14F-4D97-AF65-F5344CB8AC3E}">
-        <p14:creationId xmlns:p14="http://schemas.microsoft.com/office/powerpoint/2010/main" val="2644164681"/>
+        <p14:creationId xmlns:p14="http://schemas.microsoft.com/office/powerpoint/2010/main" val="4284404741"/>
       </p:ext>
     </p:extLst>
   </p:cSld>
@@ -8325,10 +8072,15 @@
             <p:ph idx="1"/>
           </p:nvPr>
         </p:nvSpPr>
-        <p:spPr/>
+        <p:spPr>
+          <a:xfrm>
+            <a:off x="1097280" y="1845734"/>
+            <a:ext cx="6512388" cy="4353588"/>
+          </a:xfrm>
+        </p:spPr>
         <p:txBody>
           <a:bodyPr>
-            <a:normAutofit/>
+            <a:normAutofit fontScale="92500" lnSpcReduction="10000"/>
           </a:bodyPr>
           <a:lstStyle/>
           <a:p>
@@ -8347,38 +8099,18 @@
           <a:p>
             <a:pPr lvl="1"/>
             <a:r>
-              <a:rPr lang="en-US" altLang="ko-KR" dirty="0"/>
-              <a:t>Increase harmful emissions (contributes 23% of total CO2 emission) </a:t>
+              <a:rPr lang="en-US" altLang="ko-KR" dirty="0" smtClean="0"/>
+              <a:t>Increase emission gas </a:t>
+            </a:r>
+            <a:r>
+              <a:rPr lang="en-US" altLang="ko-KR" dirty="0"/>
+              <a:t>(contributes 23% of total CO2 emission) </a:t>
             </a:r>
             <a:r>
               <a:rPr lang="en-US" altLang="ko-KR" dirty="0">
                 <a:sym typeface="Wingdings" panose="05000000000000000000" pitchFamily="2" charset="2"/>
               </a:rPr>
-              <a:t> </a:t>
-            </a:r>
-            <a:r>
-              <a:rPr lang="ko-KR" altLang="en-US" dirty="0">
-                <a:sym typeface="Wingdings" panose="05000000000000000000" pitchFamily="2" charset="2"/>
-              </a:rPr>
-              <a:t>그 중에서 </a:t>
-            </a:r>
-            <a:r>
-              <a:rPr lang="en-US" altLang="ko-KR" dirty="0">
-                <a:sym typeface="Wingdings" panose="05000000000000000000" pitchFamily="2" charset="2"/>
-              </a:rPr>
-              <a:t>traffic</a:t>
-            </a:r>
-            <a:r>
-              <a:rPr lang="ko-KR" altLang="en-US" dirty="0">
-                <a:sym typeface="Wingdings" panose="05000000000000000000" pitchFamily="2" charset="2"/>
-              </a:rPr>
-              <a:t>에 의해 차지하는 양이 </a:t>
-            </a:r>
-            <a:r>
-              <a:rPr lang="en-US" altLang="ko-KR" dirty="0">
-                <a:sym typeface="Wingdings" panose="05000000000000000000" pitchFamily="2" charset="2"/>
-              </a:rPr>
-              <a:t>40% </a:t>
+              <a:t/>
             </a:r>
             <a:br>
               <a:rPr lang="en-US" altLang="ko-KR" dirty="0">
@@ -8386,10 +8118,31 @@
               </a:rPr>
             </a:br>
             <a:r>
+              <a:rPr lang="en-US" altLang="ko-KR" dirty="0" smtClean="0">
+                <a:sym typeface="Wingdings" panose="05000000000000000000" pitchFamily="2" charset="2"/>
+              </a:rPr>
+              <a:t>40% of total vehicle emissions generated by traffic system</a:t>
+            </a:r>
+            <a:r>
               <a:rPr lang="en-US" altLang="ko-KR" dirty="0">
                 <a:sym typeface="Wingdings" panose="05000000000000000000" pitchFamily="2" charset="2"/>
               </a:rPr>
+              <a:t/>
+            </a:r>
+            <a:br>
+              <a:rPr lang="en-US" altLang="ko-KR" dirty="0">
+                <a:sym typeface="Wingdings" panose="05000000000000000000" pitchFamily="2" charset="2"/>
+              </a:rPr>
+            </a:br>
+            <a:r>
+              <a:rPr lang="en-US" altLang="ko-KR" dirty="0">
+                <a:sym typeface="Wingdings" panose="05000000000000000000" pitchFamily="2" charset="2"/>
+              </a:rPr>
               <a:t> Trend: applying RL method for traffic signal control</a:t>
+            </a:r>
+            <a:r>
+              <a:rPr lang="en-US" altLang="ko-KR" dirty="0"/>
+              <a:t/>
             </a:r>
             <a:br>
               <a:rPr lang="en-US" altLang="ko-KR" dirty="0"/>
@@ -8408,7 +8161,22 @@
             <a:pPr lvl="1"/>
             <a:r>
               <a:rPr lang="en-US" altLang="ko-KR" dirty="0"/>
-              <a:t>Pre-timed control: Deciding traffic signal plan that change according to the real-time data</a:t>
+              <a:t>Pre-timed control: Deciding traffic signal plan that change </a:t>
+            </a:r>
+            <a:r>
+              <a:rPr lang="en-US" altLang="ko-KR" dirty="0" smtClean="0"/>
+              <a:t/>
+            </a:r>
+            <a:br>
+              <a:rPr lang="en-US" altLang="ko-KR" dirty="0" smtClean="0"/>
+            </a:br>
+            <a:r>
+              <a:rPr lang="en-US" altLang="ko-KR" dirty="0" smtClean="0"/>
+              <a:t>according </a:t>
+            </a:r>
+            <a:r>
+              <a:rPr lang="en-US" altLang="ko-KR" dirty="0"/>
+              <a:t>to the real-time data</a:t>
             </a:r>
           </a:p>
           <a:p>
@@ -8491,6 +8259,36 @@
           </a:p>
         </p:txBody>
       </p:sp>
+      <p:pic>
+        <p:nvPicPr>
+          <p:cNvPr id="4" name="그림 3"/>
+          <p:cNvPicPr>
+            <a:picLocks noChangeAspect="1"/>
+          </p:cNvPicPr>
+          <p:nvPr/>
+        </p:nvPicPr>
+        <p:blipFill>
+          <a:blip r:embed="rId2">
+            <a:extLst>
+              <a:ext uri="{28A0092B-C50C-407E-A947-70E740481C1C}">
+                <a14:useLocalDpi xmlns:a14="http://schemas.microsoft.com/office/drawing/2010/main" val="0"/>
+              </a:ext>
+            </a:extLst>
+          </a:blip>
+          <a:stretch>
+            <a:fillRect/>
+          </a:stretch>
+        </p:blipFill>
+        <p:spPr>
+          <a:xfrm>
+            <a:off x="8053952" y="2564856"/>
+            <a:ext cx="3895241" cy="2915344"/>
+          </a:xfrm>
+          <a:prstGeom prst="rect">
+            <a:avLst/>
+          </a:prstGeom>
+        </p:spPr>
+      </p:pic>
     </p:spTree>
     <p:extLst>
       <p:ext uri="{BB962C8B-B14F-4D97-AF65-F5344CB8AC3E}">
@@ -8735,6 +8533,10 @@
             <a:br>
               <a:rPr lang="en-US" altLang="ko-KR" dirty="0"/>
             </a:br>
+            <a:r>
+              <a:rPr lang="en-US" altLang="ko-KR" dirty="0"/>
+              <a:t/>
+            </a:r>
             <a:br>
               <a:rPr lang="en-US" altLang="ko-KR" dirty="0"/>
             </a:br>
@@ -9097,7 +8899,12 @@
             <p:ph idx="1"/>
           </p:nvPr>
         </p:nvSpPr>
-        <p:spPr/>
+        <p:spPr>
+          <a:xfrm>
+            <a:off x="1097280" y="1845734"/>
+            <a:ext cx="6853351" cy="4023360"/>
+          </a:xfrm>
+        </p:spPr>
         <p:txBody>
           <a:bodyPr/>
           <a:lstStyle/>
@@ -9123,6 +8930,10 @@
             <a:br>
               <a:rPr lang="en-US" altLang="ko-KR" dirty="0"/>
             </a:br>
+            <a:r>
+              <a:rPr lang="en-US" altLang="ko-KR" dirty="0"/>
+              <a:t/>
+            </a:r>
             <a:br>
               <a:rPr lang="en-US" altLang="ko-KR" dirty="0"/>
             </a:br>
@@ -9165,9 +8976,267 @@
               <a:rPr lang="en-US" altLang="ko-KR" dirty="0">
                 <a:sym typeface="Wingdings" panose="05000000000000000000" pitchFamily="2" charset="2"/>
               </a:rPr>
-              <a:t>For satisfying scalability,  Advance to ‘RL-based multi-intersection methods’</a:t>
+              <a:t>For satisfying scalability,  Advance to ‘RL-based multi-intersection </a:t>
+            </a:r>
+            <a:r>
+              <a:rPr lang="en-US" altLang="ko-KR" dirty="0" smtClean="0">
+                <a:sym typeface="Wingdings" panose="05000000000000000000" pitchFamily="2" charset="2"/>
+              </a:rPr>
+              <a:t>methods’</a:t>
             </a:r>
             <a:endParaRPr lang="en-US" altLang="ko-KR" dirty="0"/>
+          </a:p>
+        </p:txBody>
+      </p:sp>
+      <p:pic>
+        <p:nvPicPr>
+          <p:cNvPr id="4" name="그림 3"/>
+          <p:cNvPicPr>
+            <a:picLocks noChangeAspect="1"/>
+          </p:cNvPicPr>
+          <p:nvPr/>
+        </p:nvPicPr>
+        <p:blipFill>
+          <a:blip r:embed="rId2"/>
+          <a:stretch>
+            <a:fillRect/>
+          </a:stretch>
+        </p:blipFill>
+        <p:spPr>
+          <a:xfrm>
+            <a:off x="8038660" y="1845734"/>
+            <a:ext cx="4054570" cy="2402356"/>
+          </a:xfrm>
+          <a:prstGeom prst="rect">
+            <a:avLst/>
+          </a:prstGeom>
+        </p:spPr>
+      </p:pic>
+      <p:sp>
+        <p:nvSpPr>
+          <p:cNvPr id="9" name="위로 구부러진 화살표 8"/>
+          <p:cNvSpPr/>
+          <p:nvPr/>
+        </p:nvSpPr>
+        <p:spPr>
+          <a:xfrm>
+            <a:off x="8978168" y="4248090"/>
+            <a:ext cx="2177512" cy="627681"/>
+          </a:xfrm>
+          <a:prstGeom prst="curvedUpArrow">
+            <a:avLst>
+              <a:gd name="adj1" fmla="val 25000"/>
+              <a:gd name="adj2" fmla="val 62445"/>
+              <a:gd name="adj3" fmla="val 25000"/>
+            </a:avLst>
+          </a:prstGeom>
+          <a:solidFill>
+            <a:srgbClr val="FF0000"/>
+          </a:solidFill>
+          <a:ln>
+            <a:solidFill>
+              <a:srgbClr val="FF0000"/>
+            </a:solidFill>
+          </a:ln>
+        </p:spPr>
+        <p:style>
+          <a:lnRef idx="2">
+            <a:schemeClr val="accent1">
+              <a:shade val="50000"/>
+            </a:schemeClr>
+          </a:lnRef>
+          <a:fillRef idx="1">
+            <a:schemeClr val="accent1"/>
+          </a:fillRef>
+          <a:effectRef idx="0">
+            <a:schemeClr val="accent1"/>
+          </a:effectRef>
+          <a:fontRef idx="minor">
+            <a:schemeClr val="lt1"/>
+          </a:fontRef>
+        </p:style>
+        <p:txBody>
+          <a:bodyPr rtlCol="0" anchor="ctr"/>
+          <a:lstStyle/>
+          <a:p>
+            <a:pPr algn="ctr"/>
+            <a:endParaRPr lang="ko-KR" altLang="en-US">
+              <a:solidFill>
+                <a:schemeClr val="tx1"/>
+              </a:solidFill>
+            </a:endParaRPr>
+          </a:p>
+        </p:txBody>
+      </p:sp>
+      <p:sp>
+        <p:nvSpPr>
+          <p:cNvPr id="10" name="TextBox 9"/>
+          <p:cNvSpPr txBox="1"/>
+          <p:nvPr/>
+        </p:nvSpPr>
+        <p:spPr>
+          <a:xfrm>
+            <a:off x="8589629" y="4875771"/>
+            <a:ext cx="2952632" cy="369332"/>
+          </a:xfrm>
+          <a:prstGeom prst="rect">
+            <a:avLst/>
+          </a:prstGeom>
+          <a:noFill/>
+        </p:spPr>
+        <p:txBody>
+          <a:bodyPr wrap="square" rtlCol="0">
+            <a:spAutoFit/>
+          </a:bodyPr>
+          <a:lstStyle/>
+          <a:p>
+            <a:pPr algn="ctr"/>
+            <a:r>
+              <a:rPr lang="en-US" altLang="ko-KR" b="1" dirty="0" smtClean="0">
+                <a:solidFill>
+                  <a:srgbClr val="FF0000"/>
+                </a:solidFill>
+              </a:rPr>
+              <a:t>Change from N</a:t>
+            </a:r>
+            <a:r>
+              <a:rPr lang="en-US" altLang="ko-KR" b="1" dirty="0" smtClean="0">
+                <a:solidFill>
+                  <a:srgbClr val="FF0000"/>
+                </a:solidFill>
+                <a:sym typeface="Wingdings" panose="05000000000000000000" pitchFamily="2" charset="2"/>
+              </a:rPr>
+              <a:t>S to EW</a:t>
+            </a:r>
+            <a:endParaRPr lang="ko-KR" altLang="en-US" b="1" dirty="0">
+              <a:solidFill>
+                <a:srgbClr val="FF0000"/>
+              </a:solidFill>
+            </a:endParaRPr>
+          </a:p>
+        </p:txBody>
+      </p:sp>
+      <p:sp>
+        <p:nvSpPr>
+          <p:cNvPr id="11" name="직사각형 10"/>
+          <p:cNvSpPr/>
+          <p:nvPr/>
+        </p:nvSpPr>
+        <p:spPr>
+          <a:xfrm>
+            <a:off x="8415408" y="6012217"/>
+            <a:ext cx="3761094" cy="307777"/>
+          </a:xfrm>
+          <a:prstGeom prst="rect">
+            <a:avLst/>
+          </a:prstGeom>
+        </p:spPr>
+        <p:txBody>
+          <a:bodyPr wrap="none">
+            <a:spAutoFit/>
+          </a:bodyPr>
+          <a:lstStyle/>
+          <a:p>
+            <a:r>
+              <a:rPr lang="ko-KR" altLang="en-US" sz="1400" dirty="0" err="1">
+                <a:solidFill>
+                  <a:schemeClr val="bg1">
+                    <a:lumMod val="75000"/>
+                  </a:schemeClr>
+                </a:solidFill>
+              </a:rPr>
+              <a:t>MaxPressure</a:t>
+            </a:r>
+            <a:r>
+              <a:rPr lang="ko-KR" altLang="en-US" sz="1400" dirty="0">
+                <a:solidFill>
+                  <a:schemeClr val="bg1">
+                    <a:lumMod val="75000"/>
+                  </a:schemeClr>
+                </a:solidFill>
+              </a:rPr>
+              <a:t> (</a:t>
+            </a:r>
+            <a:r>
+              <a:rPr lang="ko-KR" altLang="en-US" sz="1400" dirty="0" err="1">
+                <a:solidFill>
+                  <a:schemeClr val="bg1">
+                    <a:lumMod val="75000"/>
+                  </a:schemeClr>
+                </a:solidFill>
+              </a:rPr>
+              <a:t>Varaiya</a:t>
+            </a:r>
+            <a:r>
+              <a:rPr lang="ko-KR" altLang="en-US" sz="1400" dirty="0">
+                <a:solidFill>
+                  <a:schemeClr val="bg1">
+                    <a:lumMod val="75000"/>
+                  </a:schemeClr>
+                </a:solidFill>
+              </a:rPr>
+              <a:t> 2013; </a:t>
+            </a:r>
+            <a:r>
+              <a:rPr lang="ko-KR" altLang="en-US" sz="1400" dirty="0" err="1">
+                <a:solidFill>
+                  <a:schemeClr val="bg1">
+                    <a:lumMod val="75000"/>
+                  </a:schemeClr>
+                </a:solidFill>
+              </a:rPr>
+              <a:t>Kouvelas</a:t>
+            </a:r>
+            <a:r>
+              <a:rPr lang="ko-KR" altLang="en-US" sz="1400" dirty="0">
+                <a:solidFill>
+                  <a:schemeClr val="bg1">
+                    <a:lumMod val="75000"/>
+                  </a:schemeClr>
+                </a:solidFill>
+              </a:rPr>
+              <a:t> </a:t>
+            </a:r>
+            <a:r>
+              <a:rPr lang="ko-KR" altLang="en-US" sz="1400" dirty="0" err="1">
+                <a:solidFill>
+                  <a:schemeClr val="bg1">
+                    <a:lumMod val="75000"/>
+                  </a:schemeClr>
+                </a:solidFill>
+              </a:rPr>
+              <a:t>et</a:t>
+            </a:r>
+            <a:r>
+              <a:rPr lang="ko-KR" altLang="en-US" sz="1400" dirty="0">
+                <a:solidFill>
+                  <a:schemeClr val="bg1">
+                    <a:lumMod val="75000"/>
+                  </a:schemeClr>
+                </a:solidFill>
+              </a:rPr>
+              <a:t> </a:t>
+            </a:r>
+            <a:r>
+              <a:rPr lang="ko-KR" altLang="en-US" sz="1400" dirty="0" err="1">
+                <a:solidFill>
+                  <a:schemeClr val="bg1">
+                    <a:lumMod val="75000"/>
+                  </a:schemeClr>
+                </a:solidFill>
+              </a:rPr>
+              <a:t>al</a:t>
+            </a:r>
+            <a:r>
+              <a:rPr lang="ko-KR" altLang="en-US" sz="1400" dirty="0">
+                <a:solidFill>
+                  <a:schemeClr val="bg1">
+                    <a:lumMod val="75000"/>
+                  </a:schemeClr>
+                </a:solidFill>
+              </a:rPr>
+              <a:t>. 2014)</a:t>
+            </a:r>
           </a:p>
         </p:txBody>
       </p:sp>
@@ -9262,8 +9331,20 @@
             <a:pPr lvl="2"/>
             <a:r>
               <a:rPr lang="en-US" altLang="ko-KR" dirty="0"/>
-              <a:t>Cannot coordinate with neighbors, achieve their own goals</a:t>
-            </a:r>
+              <a:t>Cannot coordinate with neighbors, achieve their own </a:t>
+            </a:r>
+            <a:r>
+              <a:rPr lang="en-US" altLang="ko-KR" dirty="0" smtClean="0"/>
+              <a:t>goals</a:t>
+            </a:r>
+          </a:p>
+          <a:p>
+            <a:pPr lvl="2"/>
+            <a:endParaRPr lang="en-US" altLang="ko-KR" dirty="0" smtClean="0"/>
+          </a:p>
+          <a:p>
+            <a:pPr lvl="2"/>
+            <a:endParaRPr lang="en-US" altLang="ko-KR" dirty="0"/>
           </a:p>
           <a:p>
             <a:pPr lvl="1"/>
@@ -9301,6 +9382,534 @@
               <a:t> Trade-off between scalability and coordination</a:t>
             </a:r>
             <a:endParaRPr lang="en-US" altLang="ko-KR" dirty="0"/>
+          </a:p>
+        </p:txBody>
+      </p:sp>
+      <p:grpSp>
+        <p:nvGrpSpPr>
+          <p:cNvPr id="4" name="그룹 3"/>
+          <p:cNvGrpSpPr/>
+          <p:nvPr/>
+        </p:nvGrpSpPr>
+        <p:grpSpPr>
+          <a:xfrm>
+            <a:off x="9009756" y="1892340"/>
+            <a:ext cx="2448141" cy="999641"/>
+            <a:chOff x="9009756" y="1892340"/>
+            <a:chExt cx="2448141" cy="999641"/>
+          </a:xfrm>
+        </p:grpSpPr>
+        <p:pic>
+          <p:nvPicPr>
+            <p:cNvPr id="2050" name="Picture 2" descr="http://bair.berkeley.edu/static/blog/rllib/img1.png"/>
+            <p:cNvPicPr>
+              <a:picLocks noChangeAspect="1" noChangeArrowheads="1"/>
+            </p:cNvPicPr>
+            <p:nvPr/>
+          </p:nvPicPr>
+          <p:blipFill rotWithShape="1">
+            <a:blip r:embed="rId2">
+              <a:extLst>
+                <a:ext uri="{28A0092B-C50C-407E-A947-70E740481C1C}">
+                  <a14:useLocalDpi xmlns:a14="http://schemas.microsoft.com/office/drawing/2010/main" val="0"/>
+                </a:ext>
+              </a:extLst>
+            </a:blip>
+            <a:srcRect t="28627" r="75087" b="38644"/>
+            <a:stretch/>
+          </p:blipFill>
+          <p:spPr bwMode="auto">
+            <a:xfrm>
+              <a:off x="9009756" y="1892340"/>
+              <a:ext cx="1990941" cy="542441"/>
+            </a:xfrm>
+            <a:prstGeom prst="rect">
+              <a:avLst/>
+            </a:prstGeom>
+            <a:noFill/>
+            <a:extLst>
+              <a:ext uri="{909E8E84-426E-40DD-AFC4-6F175D3DCCD1}">
+                <a14:hiddenFill xmlns:a14="http://schemas.microsoft.com/office/drawing/2010/main">
+                  <a:solidFill>
+                    <a:srgbClr val="FFFFFF"/>
+                  </a:solidFill>
+                </a14:hiddenFill>
+              </a:ext>
+            </a:extLst>
+          </p:spPr>
+        </p:pic>
+        <p:pic>
+          <p:nvPicPr>
+            <p:cNvPr id="5" name="Picture 2" descr="http://bair.berkeley.edu/static/blog/rllib/img1.png"/>
+            <p:cNvPicPr>
+              <a:picLocks noChangeAspect="1" noChangeArrowheads="1"/>
+            </p:cNvPicPr>
+            <p:nvPr/>
+          </p:nvPicPr>
+          <p:blipFill rotWithShape="1">
+            <a:blip r:embed="rId2">
+              <a:extLst>
+                <a:ext uri="{28A0092B-C50C-407E-A947-70E740481C1C}">
+                  <a14:useLocalDpi xmlns:a14="http://schemas.microsoft.com/office/drawing/2010/main" val="0"/>
+                </a:ext>
+              </a:extLst>
+            </a:blip>
+            <a:srcRect t="28627" r="75087" b="38644"/>
+            <a:stretch/>
+          </p:blipFill>
+          <p:spPr bwMode="auto">
+            <a:xfrm>
+              <a:off x="9162156" y="2044740"/>
+              <a:ext cx="1990941" cy="542441"/>
+            </a:xfrm>
+            <a:prstGeom prst="rect">
+              <a:avLst/>
+            </a:prstGeom>
+            <a:noFill/>
+            <a:extLst>
+              <a:ext uri="{909E8E84-426E-40DD-AFC4-6F175D3DCCD1}">
+                <a14:hiddenFill xmlns:a14="http://schemas.microsoft.com/office/drawing/2010/main">
+                  <a:solidFill>
+                    <a:srgbClr val="FFFFFF"/>
+                  </a:solidFill>
+                </a14:hiddenFill>
+              </a:ext>
+            </a:extLst>
+          </p:spPr>
+        </p:pic>
+        <p:pic>
+          <p:nvPicPr>
+            <p:cNvPr id="6" name="Picture 2" descr="http://bair.berkeley.edu/static/blog/rllib/img1.png"/>
+            <p:cNvPicPr>
+              <a:picLocks noChangeAspect="1" noChangeArrowheads="1"/>
+            </p:cNvPicPr>
+            <p:nvPr/>
+          </p:nvPicPr>
+          <p:blipFill rotWithShape="1">
+            <a:blip r:embed="rId2">
+              <a:extLst>
+                <a:ext uri="{28A0092B-C50C-407E-A947-70E740481C1C}">
+                  <a14:useLocalDpi xmlns:a14="http://schemas.microsoft.com/office/drawing/2010/main" val="0"/>
+                </a:ext>
+              </a:extLst>
+            </a:blip>
+            <a:srcRect t="28627" r="75087" b="38644"/>
+            <a:stretch/>
+          </p:blipFill>
+          <p:spPr bwMode="auto">
+            <a:xfrm>
+              <a:off x="9314556" y="2197140"/>
+              <a:ext cx="1990941" cy="542441"/>
+            </a:xfrm>
+            <a:prstGeom prst="rect">
+              <a:avLst/>
+            </a:prstGeom>
+            <a:noFill/>
+            <a:extLst>
+              <a:ext uri="{909E8E84-426E-40DD-AFC4-6F175D3DCCD1}">
+                <a14:hiddenFill xmlns:a14="http://schemas.microsoft.com/office/drawing/2010/main">
+                  <a:solidFill>
+                    <a:srgbClr val="FFFFFF"/>
+                  </a:solidFill>
+                </a14:hiddenFill>
+              </a:ext>
+            </a:extLst>
+          </p:spPr>
+        </p:pic>
+        <p:pic>
+          <p:nvPicPr>
+            <p:cNvPr id="7" name="Picture 2" descr="http://bair.berkeley.edu/static/blog/rllib/img1.png"/>
+            <p:cNvPicPr>
+              <a:picLocks noChangeAspect="1" noChangeArrowheads="1"/>
+            </p:cNvPicPr>
+            <p:nvPr/>
+          </p:nvPicPr>
+          <p:blipFill rotWithShape="1">
+            <a:blip r:embed="rId2">
+              <a:extLst>
+                <a:ext uri="{28A0092B-C50C-407E-A947-70E740481C1C}">
+                  <a14:useLocalDpi xmlns:a14="http://schemas.microsoft.com/office/drawing/2010/main" val="0"/>
+                </a:ext>
+              </a:extLst>
+            </a:blip>
+            <a:srcRect t="28627" r="75087" b="38644"/>
+            <a:stretch/>
+          </p:blipFill>
+          <p:spPr bwMode="auto">
+            <a:xfrm>
+              <a:off x="9466956" y="2349540"/>
+              <a:ext cx="1990941" cy="542441"/>
+            </a:xfrm>
+            <a:prstGeom prst="rect">
+              <a:avLst/>
+            </a:prstGeom>
+            <a:noFill/>
+            <a:extLst>
+              <a:ext uri="{909E8E84-426E-40DD-AFC4-6F175D3DCCD1}">
+                <a14:hiddenFill xmlns:a14="http://schemas.microsoft.com/office/drawing/2010/main">
+                  <a:solidFill>
+                    <a:srgbClr val="FFFFFF"/>
+                  </a:solidFill>
+                </a14:hiddenFill>
+              </a:ext>
+            </a:extLst>
+          </p:spPr>
+        </p:pic>
+      </p:grpSp>
+      <p:pic>
+        <p:nvPicPr>
+          <p:cNvPr id="9" name="Picture 2" descr="http://bair.berkeley.edu/static/blog/rllib/img1.png"/>
+          <p:cNvPicPr>
+            <a:picLocks noChangeAspect="1" noChangeArrowheads="1"/>
+          </p:cNvPicPr>
+          <p:nvPr/>
+        </p:nvPicPr>
+        <p:blipFill rotWithShape="1">
+          <a:blip r:embed="rId2">
+            <a:extLst>
+              <a:ext uri="{28A0092B-C50C-407E-A947-70E740481C1C}">
+                <a14:useLocalDpi xmlns:a14="http://schemas.microsoft.com/office/drawing/2010/main" val="0"/>
+              </a:ext>
+            </a:extLst>
+          </a:blip>
+          <a:srcRect l="69524" t="-680" r="-655" b="18390"/>
+          <a:stretch/>
+        </p:blipFill>
+        <p:spPr bwMode="auto">
+          <a:xfrm>
+            <a:off x="8818869" y="3341314"/>
+            <a:ext cx="2487919" cy="1363852"/>
+          </a:xfrm>
+          <a:prstGeom prst="rect">
+            <a:avLst/>
+          </a:prstGeom>
+          <a:noFill/>
+          <a:extLst>
+            <a:ext uri="{909E8E84-426E-40DD-AFC4-6F175D3DCCD1}">
+              <a14:hiddenFill xmlns:a14="http://schemas.microsoft.com/office/drawing/2010/main">
+                <a:solidFill>
+                  <a:srgbClr val="FFFFFF"/>
+                </a:solidFill>
+              </a14:hiddenFill>
+            </a:ext>
+          </a:extLst>
+        </p:spPr>
+      </p:pic>
+      <p:sp>
+        <p:nvSpPr>
+          <p:cNvPr id="10" name="직사각형 9"/>
+          <p:cNvSpPr/>
+          <p:nvPr/>
+        </p:nvSpPr>
+        <p:spPr>
+          <a:xfrm>
+            <a:off x="8527721" y="2786187"/>
+            <a:ext cx="3259810" cy="276999"/>
+          </a:xfrm>
+          <a:prstGeom prst="rect">
+            <a:avLst/>
+          </a:prstGeom>
+        </p:spPr>
+        <p:txBody>
+          <a:bodyPr wrap="square">
+            <a:spAutoFit/>
+          </a:bodyPr>
+          <a:lstStyle/>
+          <a:p>
+            <a:r>
+              <a:rPr lang="ko-KR" altLang="en-US" sz="1200" dirty="0" err="1" smtClean="0">
+                <a:solidFill>
+                  <a:schemeClr val="bg1">
+                    <a:lumMod val="75000"/>
+                  </a:schemeClr>
+                </a:solidFill>
+              </a:rPr>
+              <a:t>Intellilight</a:t>
+            </a:r>
+            <a:r>
+              <a:rPr lang="en-US" altLang="ko-KR" sz="1200" dirty="0" smtClean="0">
+                <a:solidFill>
+                  <a:schemeClr val="bg1">
+                    <a:lumMod val="75000"/>
+                  </a:schemeClr>
+                </a:solidFill>
+              </a:rPr>
+              <a:t>, </a:t>
+            </a:r>
+            <a:r>
+              <a:rPr lang="ko-KR" altLang="en-US" sz="1200" dirty="0" smtClean="0">
+                <a:solidFill>
+                  <a:schemeClr val="bg1">
+                    <a:lumMod val="75000"/>
+                  </a:schemeClr>
+                </a:solidFill>
+              </a:rPr>
+              <a:t>Wei,</a:t>
+            </a:r>
+            <a:r>
+              <a:rPr lang="ko-KR" altLang="en-US" sz="1200" dirty="0" err="1" smtClean="0">
+                <a:solidFill>
+                  <a:schemeClr val="bg1">
+                    <a:lumMod val="75000"/>
+                  </a:schemeClr>
+                </a:solidFill>
+              </a:rPr>
+              <a:t>H</a:t>
+            </a:r>
+            <a:r>
+              <a:rPr lang="ko-KR" altLang="en-US" sz="1200" dirty="0">
+                <a:solidFill>
+                  <a:schemeClr val="bg1">
+                    <a:lumMod val="75000"/>
+                  </a:schemeClr>
+                </a:solidFill>
+              </a:rPr>
+              <a:t>.;Zheng,</a:t>
+            </a:r>
+            <a:r>
+              <a:rPr lang="ko-KR" altLang="en-US" sz="1200" dirty="0" err="1">
+                <a:solidFill>
+                  <a:schemeClr val="bg1">
+                    <a:lumMod val="75000"/>
+                  </a:schemeClr>
+                </a:solidFill>
+              </a:rPr>
+              <a:t>G</a:t>
+            </a:r>
+            <a:r>
+              <a:rPr lang="ko-KR" altLang="en-US" sz="1200" dirty="0">
+                <a:solidFill>
+                  <a:schemeClr val="bg1">
+                    <a:lumMod val="75000"/>
+                  </a:schemeClr>
+                </a:solidFill>
+              </a:rPr>
+              <a:t>.;Yao,</a:t>
+            </a:r>
+            <a:r>
+              <a:rPr lang="ko-KR" altLang="en-US" sz="1200" dirty="0" err="1">
+                <a:solidFill>
+                  <a:schemeClr val="bg1">
+                    <a:lumMod val="75000"/>
+                  </a:schemeClr>
+                </a:solidFill>
+              </a:rPr>
+              <a:t>H</a:t>
+            </a:r>
+            <a:r>
+              <a:rPr lang="ko-KR" altLang="en-US" sz="1200" dirty="0">
+                <a:solidFill>
+                  <a:schemeClr val="bg1">
+                    <a:lumMod val="75000"/>
+                  </a:schemeClr>
+                </a:solidFill>
+              </a:rPr>
+              <a:t>.;</a:t>
+            </a:r>
+            <a:r>
+              <a:rPr lang="ko-KR" altLang="en-US" sz="1200" dirty="0" err="1">
+                <a:solidFill>
+                  <a:schemeClr val="bg1">
+                    <a:lumMod val="75000"/>
+                  </a:schemeClr>
+                </a:solidFill>
+              </a:rPr>
+              <a:t>andLi,Z</a:t>
+            </a:r>
+            <a:r>
+              <a:rPr lang="ko-KR" altLang="en-US" sz="1200" dirty="0">
+                <a:solidFill>
+                  <a:schemeClr val="bg1">
+                    <a:lumMod val="75000"/>
+                  </a:schemeClr>
+                </a:solidFill>
+              </a:rPr>
+              <a:t>. 2018. </a:t>
+            </a:r>
+          </a:p>
+        </p:txBody>
+      </p:sp>
+      <p:sp>
+        <p:nvSpPr>
+          <p:cNvPr id="11" name="직사각형 10"/>
+          <p:cNvSpPr/>
+          <p:nvPr/>
+        </p:nvSpPr>
+        <p:spPr>
+          <a:xfrm>
+            <a:off x="8527721" y="4657724"/>
+            <a:ext cx="2523641" cy="261610"/>
+          </a:xfrm>
+          <a:prstGeom prst="rect">
+            <a:avLst/>
+          </a:prstGeom>
+        </p:spPr>
+        <p:txBody>
+          <a:bodyPr wrap="square">
+            <a:spAutoFit/>
+          </a:bodyPr>
+          <a:lstStyle/>
+          <a:p>
+            <a:r>
+              <a:rPr lang="ko-KR" altLang="en-US" sz="1100" dirty="0" err="1" smtClean="0">
+                <a:solidFill>
+                  <a:schemeClr val="bg1">
+                    <a:lumMod val="75000"/>
+                  </a:schemeClr>
+                </a:solidFill>
+              </a:rPr>
+              <a:t>Colight</a:t>
+            </a:r>
+            <a:r>
+              <a:rPr lang="en-US" altLang="ko-KR" sz="1100" dirty="0" smtClean="0">
+                <a:solidFill>
+                  <a:schemeClr val="bg1">
+                    <a:lumMod val="75000"/>
+                  </a:schemeClr>
+                </a:solidFill>
+              </a:rPr>
+              <a:t>, </a:t>
+            </a:r>
+            <a:r>
+              <a:rPr lang="ko-KR" altLang="en-US" sz="1100" dirty="0" err="1" smtClean="0">
+                <a:solidFill>
+                  <a:schemeClr val="bg1">
+                    <a:lumMod val="75000"/>
+                  </a:schemeClr>
+                </a:solidFill>
+              </a:rPr>
+              <a:t>Wei</a:t>
+            </a:r>
+            <a:r>
+              <a:rPr lang="ko-KR" altLang="en-US" sz="1100" dirty="0">
+                <a:solidFill>
+                  <a:schemeClr val="bg1">
+                    <a:lumMod val="75000"/>
+                  </a:schemeClr>
+                </a:solidFill>
+              </a:rPr>
+              <a:t>, </a:t>
+            </a:r>
+            <a:r>
+              <a:rPr lang="ko-KR" altLang="en-US" sz="1100" dirty="0" err="1">
+                <a:solidFill>
+                  <a:schemeClr val="bg1">
+                    <a:lumMod val="75000"/>
+                  </a:schemeClr>
+                </a:solidFill>
+              </a:rPr>
+              <a:t>H</a:t>
+            </a:r>
+            <a:r>
+              <a:rPr lang="ko-KR" altLang="en-US" sz="1100" dirty="0">
+                <a:solidFill>
+                  <a:schemeClr val="bg1">
+                    <a:lumMod val="75000"/>
+                  </a:schemeClr>
+                </a:solidFill>
+              </a:rPr>
+              <a:t>.; </a:t>
+            </a:r>
+            <a:r>
+              <a:rPr lang="ko-KR" altLang="en-US" sz="1100" dirty="0" err="1">
+                <a:solidFill>
+                  <a:schemeClr val="bg1">
+                    <a:lumMod val="75000"/>
+                  </a:schemeClr>
+                </a:solidFill>
+              </a:rPr>
+              <a:t>Xu</a:t>
+            </a:r>
+            <a:r>
+              <a:rPr lang="ko-KR" altLang="en-US" sz="1100" dirty="0">
+                <a:solidFill>
+                  <a:schemeClr val="bg1">
+                    <a:lumMod val="75000"/>
+                  </a:schemeClr>
+                </a:solidFill>
+              </a:rPr>
+              <a:t>, </a:t>
+            </a:r>
+            <a:r>
+              <a:rPr lang="ko-KR" altLang="en-US" sz="1100" dirty="0" err="1">
+                <a:solidFill>
+                  <a:schemeClr val="bg1">
+                    <a:lumMod val="75000"/>
+                  </a:schemeClr>
+                </a:solidFill>
+              </a:rPr>
+              <a:t>N</a:t>
+            </a:r>
+            <a:r>
+              <a:rPr lang="ko-KR" altLang="en-US" sz="1100" dirty="0">
+                <a:solidFill>
+                  <a:schemeClr val="bg1">
+                    <a:lumMod val="75000"/>
+                  </a:schemeClr>
+                </a:solidFill>
+              </a:rPr>
+              <a:t>.; </a:t>
+            </a:r>
+            <a:r>
+              <a:rPr lang="ko-KR" altLang="en-US" sz="1100" dirty="0" smtClean="0">
+                <a:solidFill>
+                  <a:schemeClr val="bg1">
+                    <a:lumMod val="75000"/>
+                  </a:schemeClr>
+                </a:solidFill>
+              </a:rPr>
+              <a:t>and </a:t>
+            </a:r>
+            <a:r>
+              <a:rPr lang="ko-KR" altLang="en-US" sz="1100" dirty="0" err="1" smtClean="0">
+                <a:solidFill>
+                  <a:schemeClr val="bg1">
+                    <a:lumMod val="75000"/>
+                  </a:schemeClr>
+                </a:solidFill>
+              </a:rPr>
+              <a:t>Li</a:t>
+            </a:r>
+            <a:r>
+              <a:rPr lang="ko-KR" altLang="en-US" sz="1100" dirty="0" smtClean="0">
+                <a:solidFill>
+                  <a:schemeClr val="bg1">
+                    <a:lumMod val="75000"/>
+                  </a:schemeClr>
+                </a:solidFill>
+              </a:rPr>
+              <a:t>, </a:t>
+            </a:r>
+            <a:r>
+              <a:rPr lang="ko-KR" altLang="en-US" sz="1100" dirty="0" err="1" smtClean="0">
+                <a:solidFill>
+                  <a:schemeClr val="bg1">
+                    <a:lumMod val="75000"/>
+                  </a:schemeClr>
+                </a:solidFill>
+              </a:rPr>
+              <a:t>Z</a:t>
+            </a:r>
+            <a:r>
+              <a:rPr lang="ko-KR" altLang="en-US" sz="1100" dirty="0" smtClean="0">
+                <a:solidFill>
+                  <a:schemeClr val="bg1">
+                    <a:lumMod val="75000"/>
+                  </a:schemeClr>
+                </a:solidFill>
+              </a:rPr>
+              <a:t>. 2019b</a:t>
+            </a:r>
+            <a:r>
+              <a:rPr lang="ko-KR" altLang="en-US" sz="1100" dirty="0">
+                <a:solidFill>
+                  <a:schemeClr val="bg1">
+                    <a:lumMod val="75000"/>
+                  </a:schemeClr>
+                </a:solidFill>
+              </a:rPr>
+              <a:t>. </a:t>
+            </a:r>
           </a:p>
         </p:txBody>
       </p:sp>
@@ -9381,7 +9990,22 @@
             <a:pPr lvl="1"/>
             <a:r>
               <a:rPr lang="en-US" altLang="ko-KR" dirty="0"/>
-              <a:t>Considering both scalability and coordination</a:t>
+              <a:t>Considering both scalability and </a:t>
+            </a:r>
+            <a:r>
+              <a:rPr lang="en-US" altLang="ko-KR" dirty="0" smtClean="0"/>
+              <a:t>coordination</a:t>
+            </a:r>
+          </a:p>
+          <a:p>
+            <a:pPr lvl="1"/>
+            <a:r>
+              <a:rPr lang="en-US" altLang="ko-KR" dirty="0" smtClean="0"/>
+              <a:t>Super agent </a:t>
+            </a:r>
+            <a:r>
+              <a:rPr lang="en-US" altLang="ko-KR" dirty="0" smtClean="0"/>
+              <a:t>network</a:t>
             </a:r>
           </a:p>
           <a:p>
@@ -9389,6 +10013,10 @@
             <a:endParaRPr lang="en-US" altLang="ko-KR" dirty="0"/>
           </a:p>
           <a:p>
+            <a:pPr lvl="1"/>
+            <a:endParaRPr lang="en-US" altLang="ko-KR" dirty="0"/>
+          </a:p>
+          <a:p>
             <a:r>
               <a:rPr lang="en-US" altLang="ko-KR" dirty="0"/>
               <a:t> Issues that are hard to apply RL in large-scale network</a:t>
@@ -9425,6 +10053,45 @@
           </a:p>
         </p:txBody>
       </p:sp>
+      <p:pic>
+        <p:nvPicPr>
+          <p:cNvPr id="1026" name="Picture 2" descr="https://ml2blogpost.s3.ap-northeast-2.amazonaws.com/imgs_taemin/image.png"/>
+          <p:cNvPicPr>
+            <a:picLocks noChangeAspect="1" noChangeArrowheads="1"/>
+          </p:cNvPicPr>
+          <p:nvPr/>
+        </p:nvPicPr>
+        <p:blipFill rotWithShape="1">
+          <a:blip r:embed="rId2">
+            <a:extLst>
+              <a:ext uri="{28A0092B-C50C-407E-A947-70E740481C1C}">
+                <a14:useLocalDpi xmlns:a14="http://schemas.microsoft.com/office/drawing/2010/main" val="0"/>
+              </a:ext>
+            </a:extLst>
+          </a:blip>
+          <a:srcRect l="25797" r="30374" b="21344"/>
+          <a:stretch/>
+        </p:blipFill>
+        <p:spPr bwMode="auto">
+          <a:xfrm>
+            <a:off x="7369444" y="1845734"/>
+            <a:ext cx="3502617" cy="1303607"/>
+          </a:xfrm>
+          <a:prstGeom prst="rect">
+            <a:avLst/>
+          </a:prstGeom>
+          <a:noFill/>
+          <a:extLst>
+            <a:ext uri="{909E8E84-426E-40DD-AFC4-6F175D3DCCD1}">
+              <a14:hiddenFill xmlns:a14="http://schemas.microsoft.com/office/drawing/2010/main">
+                <a:solidFill>
+                  <a:srgbClr val="FFFFFF"/>
+                </a:solidFill>
+              </a14:hiddenFill>
+            </a:ext>
+          </a:extLst>
+        </p:spPr>
+      </p:pic>
     </p:spTree>
     <p:extLst>
       <p:ext uri="{BB962C8B-B14F-4D97-AF65-F5344CB8AC3E}">
@@ -9496,19 +10163,39 @@
               <a:rPr lang="ko-KR" altLang="en-US" dirty="0">
                 <a:sym typeface="Wingdings" panose="05000000000000000000" pitchFamily="2" charset="2"/>
               </a:rPr>
-              <a:t>교통 공학 공부</a:t>
+              <a:t>교통 공학 </a:t>
+            </a:r>
+            <a:r>
+              <a:rPr lang="ko-KR" altLang="en-US" dirty="0" smtClean="0">
+                <a:sym typeface="Wingdings" panose="05000000000000000000" pitchFamily="2" charset="2"/>
+              </a:rPr>
+              <a:t>용어 </a:t>
+            </a:r>
+            <a:r>
+              <a:rPr lang="ko-KR" altLang="en-US" dirty="0" smtClean="0">
+                <a:sym typeface="Wingdings" panose="05000000000000000000" pitchFamily="2" charset="2"/>
+              </a:rPr>
+              <a:t>정리 및 학습 </a:t>
             </a:r>
             <a:endParaRPr lang="en-US" altLang="ko-KR" dirty="0"/>
           </a:p>
           <a:p>
             <a:r>
-              <a:rPr lang="en-US" altLang="ko-KR" dirty="0"/>
-              <a:t>SUMO Network </a:t>
+              <a:rPr lang="en-US" altLang="ko-KR" dirty="0" smtClean="0"/>
+              <a:t> SUMO </a:t>
+            </a:r>
+            <a:r>
+              <a:rPr lang="en-US" altLang="ko-KR" dirty="0"/>
+              <a:t>Network </a:t>
             </a:r>
             <a:r>
               <a:rPr lang="ko-KR" altLang="en-US" dirty="0"/>
               <a:t>제작</a:t>
             </a:r>
+            <a:r>
+              <a:rPr lang="en-US" altLang="ko-KR" dirty="0"/>
+              <a:t/>
+            </a:r>
             <a:br>
               <a:rPr lang="en-US" altLang="ko-KR" dirty="0"/>
             </a:br>
@@ -9531,46 +10218,67 @@
               <a:t> </a:t>
             </a:r>
             <a:r>
-              <a:rPr lang="ko-KR" altLang="en-US" dirty="0">
+              <a:rPr lang="ko-KR" altLang="en-US" dirty="0" smtClean="0">
                 <a:sym typeface="Wingdings" panose="05000000000000000000" pitchFamily="2" charset="2"/>
               </a:rPr>
               <a:t>함수</a:t>
             </a:r>
-            <a:endParaRPr lang="en-US" altLang="ko-KR" dirty="0">
-              <a:sym typeface="Wingdings" panose="05000000000000000000" pitchFamily="2" charset="2"/>
-            </a:endParaRPr>
-          </a:p>
-          <a:p>
-            <a:r>
-              <a:rPr lang="en-US" altLang="ko-KR" dirty="0"/>
-              <a:t>State, Reward, Action </a:t>
+            <a:endParaRPr lang="en-US" altLang="ko-KR" dirty="0"/>
+          </a:p>
+          <a:p>
+            <a:r>
+              <a:rPr lang="ko-KR" altLang="en-US" dirty="0" smtClean="0"/>
+              <a:t> </a:t>
+            </a:r>
+            <a:r>
+              <a:rPr lang="ko-KR" altLang="en-US" dirty="0" err="1" smtClean="0"/>
+              <a:t>강화학습</a:t>
+            </a:r>
+            <a:r>
+              <a:rPr lang="ko-KR" altLang="en-US" dirty="0" smtClean="0"/>
+              <a:t> </a:t>
+            </a:r>
+            <a:r>
+              <a:rPr lang="ko-KR" altLang="en-US" dirty="0"/>
+              <a:t>내용 파악</a:t>
+            </a:r>
+            <a:endParaRPr lang="en-US" altLang="ko-KR" dirty="0"/>
+          </a:p>
+          <a:p>
+            <a:r>
+              <a:rPr lang="ko-KR" altLang="en-US" dirty="0" smtClean="0"/>
+              <a:t> 논문 </a:t>
+            </a:r>
+            <a:r>
+              <a:rPr lang="en-US" altLang="ko-KR" dirty="0" smtClean="0"/>
+              <a:t>Review</a:t>
+            </a:r>
+          </a:p>
+          <a:p>
+            <a:r>
+              <a:rPr lang="en-US" altLang="ko-KR" dirty="0" smtClean="0"/>
+              <a:t> State</a:t>
+            </a:r>
+            <a:r>
+              <a:rPr lang="en-US" altLang="ko-KR" dirty="0"/>
+              <a:t>, Reward, Action </a:t>
             </a:r>
             <a:r>
               <a:rPr lang="ko-KR" altLang="en-US" dirty="0"/>
               <a:t>종류 판별</a:t>
             </a:r>
+            <a:endParaRPr lang="en-US" altLang="ko-KR" dirty="0" smtClean="0"/>
+          </a:p>
+          <a:p>
+            <a:r>
+              <a:rPr lang="en-US" altLang="ko-KR" dirty="0"/>
+              <a:t> </a:t>
+            </a:r>
+            <a:r>
+              <a:rPr lang="ko-KR" altLang="en-US" dirty="0" smtClean="0"/>
+              <a:t>개선점</a:t>
+            </a:r>
             <a:endParaRPr lang="en-US" altLang="ko-KR" dirty="0"/>
-          </a:p>
-          <a:p>
-            <a:r>
-              <a:rPr lang="ko-KR" altLang="en-US" dirty="0" err="1"/>
-              <a:t>강화학습</a:t>
-            </a:r>
-            <a:r>
-              <a:rPr lang="ko-KR" altLang="en-US" dirty="0"/>
-              <a:t> 내용 파악</a:t>
-            </a:r>
-            <a:endParaRPr lang="en-US" altLang="ko-KR" dirty="0"/>
-          </a:p>
-          <a:p>
-            <a:r>
-              <a:rPr lang="ko-KR" altLang="en-US" dirty="0"/>
-              <a:t>논문 </a:t>
-            </a:r>
-            <a:r>
-              <a:rPr lang="en-US" altLang="ko-KR" dirty="0"/>
-              <a:t>Review</a:t>
-            </a:r>
           </a:p>
         </p:txBody>
       </p:sp>
@@ -9731,6 +10439,10 @@
             <a:br>
               <a:rPr lang="en-US" altLang="ko-KR" dirty="0"/>
             </a:br>
+            <a:r>
+              <a:rPr lang="en-US" altLang="ko-KR" dirty="0"/>
+              <a:t/>
+            </a:r>
             <a:br>
               <a:rPr lang="en-US" altLang="ko-KR" dirty="0"/>
             </a:br>
@@ -9741,6 +10453,22 @@
             <a:br>
               <a:rPr lang="en-US" altLang="ko-KR" dirty="0"/>
             </a:br>
+            <a:endParaRPr lang="en-US" altLang="ko-KR" dirty="0"/>
+          </a:p>
+          <a:p>
+            <a:pPr lvl="1"/>
+            <a:r>
+              <a:rPr lang="en-US" altLang="ko-KR" dirty="0" smtClean="0"/>
+              <a:t>Decentralized </a:t>
+            </a:r>
+            <a:r>
+              <a:rPr lang="en-US" altLang="ko-KR" dirty="0"/>
+              <a:t>a</a:t>
+            </a:r>
+            <a:r>
+              <a:rPr lang="en-US" altLang="ko-KR" dirty="0" smtClean="0"/>
+              <a:t>gent(Super agent) based on Deep Q-Network &lt;- overcome coordination</a:t>
+            </a:r>
             <a:endParaRPr lang="ko-KR" altLang="en-US" dirty="0"/>
           </a:p>
         </p:txBody>
@@ -9799,6 +10527,334 @@
           <a:chExt cx="0" cy="0"/>
         </a:xfrm>
       </p:grpSpPr>
+      <p:pic>
+        <p:nvPicPr>
+          <p:cNvPr id="5" name="그림 4">
+            <a:extLst>
+              <a:ext uri="{FF2B5EF4-FFF2-40B4-BE49-F238E27FC236}">
+                <a16:creationId xmlns:a16="http://schemas.microsoft.com/office/drawing/2014/main" id="{EE57C236-51DB-42A1-86EA-43B56154F400}"/>
+              </a:ext>
+            </a:extLst>
+          </p:cNvPr>
+          <p:cNvPicPr>
+            <a:picLocks noChangeAspect="1"/>
+          </p:cNvPicPr>
+          <p:nvPr/>
+        </p:nvPicPr>
+        <p:blipFill>
+          <a:blip r:embed="rId2"/>
+          <a:stretch>
+            <a:fillRect/>
+          </a:stretch>
+        </p:blipFill>
+        <p:spPr>
+          <a:xfrm>
+            <a:off x="7414100" y="1795556"/>
+            <a:ext cx="4708438" cy="2364994"/>
+          </a:xfrm>
+          <a:prstGeom prst="rect">
+            <a:avLst/>
+          </a:prstGeom>
+        </p:spPr>
+      </p:pic>
+      <p:sp>
+        <p:nvSpPr>
+          <p:cNvPr id="10" name="타원 9">
+            <a:extLst>
+              <a:ext uri="{FF2B5EF4-FFF2-40B4-BE49-F238E27FC236}">
+                <a16:creationId xmlns:a16="http://schemas.microsoft.com/office/drawing/2014/main" id="{4B3EBE08-D0A8-4BB7-BCEE-8E114DF2373D}"/>
+              </a:ext>
+            </a:extLst>
+          </p:cNvPr>
+          <p:cNvSpPr/>
+          <p:nvPr/>
+        </p:nvSpPr>
+        <p:spPr>
+          <a:xfrm>
+            <a:off x="8380601" y="2055459"/>
+            <a:ext cx="377505" cy="402671"/>
+          </a:xfrm>
+          <a:prstGeom prst="ellipse">
+            <a:avLst/>
+          </a:prstGeom>
+          <a:noFill/>
+          <a:ln>
+            <a:solidFill>
+              <a:srgbClr val="FF0000"/>
+            </a:solidFill>
+          </a:ln>
+        </p:spPr>
+        <p:style>
+          <a:lnRef idx="2">
+            <a:schemeClr val="accent1">
+              <a:shade val="50000"/>
+            </a:schemeClr>
+          </a:lnRef>
+          <a:fillRef idx="1">
+            <a:schemeClr val="accent1"/>
+          </a:fillRef>
+          <a:effectRef idx="0">
+            <a:schemeClr val="accent1"/>
+          </a:effectRef>
+          <a:fontRef idx="minor">
+            <a:schemeClr val="lt1"/>
+          </a:fontRef>
+        </p:style>
+        <p:txBody>
+          <a:bodyPr rtlCol="0" anchor="ctr"/>
+          <a:lstStyle/>
+          <a:p>
+            <a:pPr algn="ctr"/>
+            <a:endParaRPr lang="ko-KR" altLang="en-US"/>
+          </a:p>
+        </p:txBody>
+      </p:sp>
+      <p:sp>
+        <p:nvSpPr>
+          <p:cNvPr id="11" name="타원 10">
+            <a:extLst>
+              <a:ext uri="{FF2B5EF4-FFF2-40B4-BE49-F238E27FC236}">
+                <a16:creationId xmlns:a16="http://schemas.microsoft.com/office/drawing/2014/main" id="{F38ED06C-6979-44A4-89BB-CEE0B3720658}"/>
+              </a:ext>
+            </a:extLst>
+          </p:cNvPr>
+          <p:cNvSpPr/>
+          <p:nvPr/>
+        </p:nvSpPr>
+        <p:spPr>
+          <a:xfrm>
+            <a:off x="9631902" y="2273489"/>
+            <a:ext cx="377505" cy="402671"/>
+          </a:xfrm>
+          <a:prstGeom prst="ellipse">
+            <a:avLst/>
+          </a:prstGeom>
+          <a:noFill/>
+          <a:ln>
+            <a:solidFill>
+              <a:srgbClr val="FF0000"/>
+            </a:solidFill>
+          </a:ln>
+        </p:spPr>
+        <p:style>
+          <a:lnRef idx="2">
+            <a:schemeClr val="accent1">
+              <a:shade val="50000"/>
+            </a:schemeClr>
+          </a:lnRef>
+          <a:fillRef idx="1">
+            <a:schemeClr val="accent1"/>
+          </a:fillRef>
+          <a:effectRef idx="0">
+            <a:schemeClr val="accent1"/>
+          </a:effectRef>
+          <a:fontRef idx="minor">
+            <a:schemeClr val="lt1"/>
+          </a:fontRef>
+        </p:style>
+        <p:txBody>
+          <a:bodyPr rtlCol="0" anchor="ctr"/>
+          <a:lstStyle/>
+          <a:p>
+            <a:pPr algn="ctr"/>
+            <a:endParaRPr lang="ko-KR" altLang="en-US"/>
+          </a:p>
+        </p:txBody>
+      </p:sp>
+      <p:cxnSp>
+        <p:nvCxnSpPr>
+          <p:cNvPr id="17" name="직선 화살표 연결선 16">
+            <a:extLst>
+              <a:ext uri="{FF2B5EF4-FFF2-40B4-BE49-F238E27FC236}">
+                <a16:creationId xmlns:a16="http://schemas.microsoft.com/office/drawing/2014/main" id="{39391B64-3215-4E4E-B5E0-41DC5D0CD15D}"/>
+              </a:ext>
+            </a:extLst>
+          </p:cNvPr>
+          <p:cNvCxnSpPr>
+            <a:stCxn id="10" idx="7"/>
+            <a:endCxn id="11" idx="2"/>
+          </p:cNvCxnSpPr>
+          <p:nvPr/>
+        </p:nvCxnSpPr>
+        <p:spPr>
+          <a:xfrm>
+            <a:off x="8702822" y="2114429"/>
+            <a:ext cx="929080" cy="360396"/>
+          </a:xfrm>
+          <a:prstGeom prst="straightConnector1">
+            <a:avLst/>
+          </a:prstGeom>
+          <a:ln>
+            <a:solidFill>
+              <a:srgbClr val="FF0000"/>
+            </a:solidFill>
+            <a:tailEnd type="triangle"/>
+          </a:ln>
+        </p:spPr>
+        <p:style>
+          <a:lnRef idx="1">
+            <a:schemeClr val="accent1"/>
+          </a:lnRef>
+          <a:fillRef idx="0">
+            <a:schemeClr val="accent1"/>
+          </a:fillRef>
+          <a:effectRef idx="0">
+            <a:schemeClr val="accent1"/>
+          </a:effectRef>
+          <a:fontRef idx="minor">
+            <a:schemeClr val="tx1"/>
+          </a:fontRef>
+        </p:style>
+      </p:cxnSp>
+      <p:sp>
+        <p:nvSpPr>
+          <p:cNvPr id="22" name="타원 21">
+            <a:extLst>
+              <a:ext uri="{FF2B5EF4-FFF2-40B4-BE49-F238E27FC236}">
+                <a16:creationId xmlns:a16="http://schemas.microsoft.com/office/drawing/2014/main" id="{83E5C489-A7E4-4DFD-B90D-64C9E72C088C}"/>
+              </a:ext>
+            </a:extLst>
+          </p:cNvPr>
+          <p:cNvSpPr/>
+          <p:nvPr/>
+        </p:nvSpPr>
+        <p:spPr>
+          <a:xfrm>
+            <a:off x="8738391" y="2273488"/>
+            <a:ext cx="377505" cy="402671"/>
+          </a:xfrm>
+          <a:prstGeom prst="ellipse">
+            <a:avLst/>
+          </a:prstGeom>
+          <a:noFill/>
+          <a:ln>
+            <a:solidFill>
+              <a:srgbClr val="0070C0"/>
+            </a:solidFill>
+          </a:ln>
+        </p:spPr>
+        <p:style>
+          <a:lnRef idx="2">
+            <a:schemeClr val="accent1">
+              <a:shade val="50000"/>
+            </a:schemeClr>
+          </a:lnRef>
+          <a:fillRef idx="1">
+            <a:schemeClr val="accent1"/>
+          </a:fillRef>
+          <a:effectRef idx="0">
+            <a:schemeClr val="accent1"/>
+          </a:effectRef>
+          <a:fontRef idx="minor">
+            <a:schemeClr val="lt1"/>
+          </a:fontRef>
+        </p:style>
+        <p:txBody>
+          <a:bodyPr rtlCol="0" anchor="ctr"/>
+          <a:lstStyle/>
+          <a:p>
+            <a:pPr algn="ctr"/>
+            <a:endParaRPr lang="ko-KR" altLang="en-US"/>
+          </a:p>
+        </p:txBody>
+      </p:sp>
+      <p:cxnSp>
+        <p:nvCxnSpPr>
+          <p:cNvPr id="23" name="직선 화살표 연결선 22">
+            <a:extLst>
+              <a:ext uri="{FF2B5EF4-FFF2-40B4-BE49-F238E27FC236}">
+                <a16:creationId xmlns:a16="http://schemas.microsoft.com/office/drawing/2014/main" id="{38989AF0-92B2-422E-BEDD-9FF2B6F58BE2}"/>
+              </a:ext>
+            </a:extLst>
+          </p:cNvPr>
+          <p:cNvCxnSpPr>
+            <a:cxnSpLocks/>
+            <a:endCxn id="22" idx="2"/>
+          </p:cNvCxnSpPr>
+          <p:nvPr/>
+        </p:nvCxnSpPr>
+        <p:spPr>
+          <a:xfrm flipV="1">
+            <a:off x="8514069" y="2474824"/>
+            <a:ext cx="224322" cy="946004"/>
+          </a:xfrm>
+          <a:prstGeom prst="straightConnector1">
+            <a:avLst/>
+          </a:prstGeom>
+          <a:ln>
+            <a:solidFill>
+              <a:srgbClr val="0070C0"/>
+            </a:solidFill>
+            <a:tailEnd type="triangle"/>
+          </a:ln>
+        </p:spPr>
+        <p:style>
+          <a:lnRef idx="1">
+            <a:schemeClr val="accent1"/>
+          </a:lnRef>
+          <a:fillRef idx="0">
+            <a:schemeClr val="accent1"/>
+          </a:fillRef>
+          <a:effectRef idx="0">
+            <a:schemeClr val="accent1"/>
+          </a:effectRef>
+          <a:fontRef idx="minor">
+            <a:schemeClr val="tx1"/>
+          </a:fontRef>
+        </p:style>
+      </p:cxnSp>
+      <p:sp>
+        <p:nvSpPr>
+          <p:cNvPr id="25" name="타원 24">
+            <a:extLst>
+              <a:ext uri="{FF2B5EF4-FFF2-40B4-BE49-F238E27FC236}">
+                <a16:creationId xmlns:a16="http://schemas.microsoft.com/office/drawing/2014/main" id="{73DA1B69-02B7-4DB8-B169-F28493E384A9}"/>
+              </a:ext>
+            </a:extLst>
+          </p:cNvPr>
+          <p:cNvSpPr/>
+          <p:nvPr/>
+        </p:nvSpPr>
+        <p:spPr>
+          <a:xfrm>
+            <a:off x="8191848" y="3361858"/>
+            <a:ext cx="377505" cy="402671"/>
+          </a:xfrm>
+          <a:prstGeom prst="ellipse">
+            <a:avLst/>
+          </a:prstGeom>
+          <a:noFill/>
+          <a:ln>
+            <a:solidFill>
+              <a:srgbClr val="0070C0"/>
+            </a:solidFill>
+          </a:ln>
+        </p:spPr>
+        <p:style>
+          <a:lnRef idx="2">
+            <a:schemeClr val="accent1">
+              <a:shade val="50000"/>
+            </a:schemeClr>
+          </a:lnRef>
+          <a:fillRef idx="1">
+            <a:schemeClr val="accent1"/>
+          </a:fillRef>
+          <a:effectRef idx="0">
+            <a:schemeClr val="accent1"/>
+          </a:effectRef>
+          <a:fontRef idx="minor">
+            <a:schemeClr val="lt1"/>
+          </a:fontRef>
+        </p:style>
+        <p:txBody>
+          <a:bodyPr rtlCol="0" anchor="ctr"/>
+          <a:lstStyle/>
+          <a:p>
+            <a:pPr algn="ctr"/>
+            <a:endParaRPr lang="ko-KR" altLang="en-US"/>
+          </a:p>
+        </p:txBody>
+      </p:sp>
       <p:sp>
         <p:nvSpPr>
           <p:cNvPr id="2" name="제목 1"/>
@@ -9816,7 +10872,246 @@
           <a:p>
             <a:r>
               <a:rPr lang="en-US" altLang="ko-KR" dirty="0"/>
-              <a:t>Approach: DQN Agent</a:t>
+              <a:t>Approach: FRAP</a:t>
+            </a:r>
+            <a:endParaRPr lang="ko-KR" altLang="en-US" dirty="0"/>
+          </a:p>
+        </p:txBody>
+      </p:sp>
+      <p:sp>
+        <p:nvSpPr>
+          <p:cNvPr id="3" name="내용 개체 틀 2"/>
+          <p:cNvSpPr>
+            <a:spLocks noGrp="1"/>
+          </p:cNvSpPr>
+          <p:nvPr>
+            <p:ph idx="1"/>
+          </p:nvPr>
+        </p:nvSpPr>
+        <p:spPr/>
+        <p:txBody>
+          <a:bodyPr/>
+          <a:lstStyle/>
+          <a:p>
+            <a:r>
+              <a:rPr lang="en-US" altLang="ko-KR" dirty="0"/>
+              <a:t> FRAP architecture(base model)</a:t>
+            </a:r>
+          </a:p>
+          <a:p>
+            <a:pPr lvl="1"/>
+            <a:r>
+              <a:rPr lang="en-US" altLang="ko-KR" dirty="0"/>
+              <a:t>Flipping and Rotation and considers All phase Configuration</a:t>
+            </a:r>
+          </a:p>
+          <a:p>
+            <a:pPr lvl="1"/>
+            <a:r>
+              <a:rPr lang="en-US" altLang="ko-KR" dirty="0"/>
+              <a:t>Focus on the relation between different traffic movement</a:t>
+            </a:r>
+          </a:p>
+          <a:p>
+            <a:pPr lvl="2"/>
+            <a:r>
+              <a:rPr lang="en-US" altLang="ko-KR" dirty="0"/>
+              <a:t>Reduction of exploration space by rotating and flipping</a:t>
+            </a:r>
+          </a:p>
+          <a:p>
+            <a:pPr lvl="2"/>
+            <a:r>
+              <a:rPr lang="en-US" altLang="ko-KR" dirty="0"/>
+              <a:t>Current model need 8phases experience to learn in the same state</a:t>
+            </a:r>
+            <a:br>
+              <a:rPr lang="en-US" altLang="ko-KR" dirty="0"/>
+            </a:br>
+            <a:r>
+              <a:rPr lang="en-US" altLang="ko-KR" dirty="0">
+                <a:sym typeface="Wingdings" panose="05000000000000000000" pitchFamily="2" charset="2"/>
+              </a:rPr>
+              <a:t> By </a:t>
+            </a:r>
+            <a:r>
+              <a:rPr lang="en-US" altLang="ko-KR" dirty="0" smtClean="0">
+                <a:sym typeface="Wingdings" panose="05000000000000000000" pitchFamily="2" charset="2"/>
+              </a:rPr>
+              <a:t>rotating and flipping, </a:t>
+            </a:r>
+            <a:r>
+              <a:rPr lang="en-US" altLang="ko-KR" dirty="0">
+                <a:sym typeface="Wingdings" panose="05000000000000000000" pitchFamily="2" charset="2"/>
+              </a:rPr>
+              <a:t>Reduces needed experience in ¼ scale</a:t>
+            </a:r>
+          </a:p>
+          <a:p>
+            <a:pPr lvl="1"/>
+            <a:r>
+              <a:rPr lang="en-US" altLang="ko-KR" dirty="0">
+                <a:sym typeface="Wingdings" panose="05000000000000000000" pitchFamily="2" charset="2"/>
+              </a:rPr>
+              <a:t>Adapting different intersection structure easily by two principles</a:t>
+            </a:r>
+          </a:p>
+          <a:p>
+            <a:pPr lvl="2"/>
+            <a:r>
+              <a:rPr lang="en-US" altLang="ko-KR" dirty="0">
+                <a:sym typeface="Wingdings" panose="05000000000000000000" pitchFamily="2" charset="2"/>
+              </a:rPr>
+              <a:t>Principles of </a:t>
+            </a:r>
+            <a:r>
+              <a:rPr lang="en-US" altLang="ko-KR" dirty="0" smtClean="0">
+                <a:sym typeface="Wingdings" panose="05000000000000000000" pitchFamily="2" charset="2"/>
+              </a:rPr>
+              <a:t>competition: Larger traffic indicates higher demand for ‘</a:t>
+            </a:r>
+            <a:r>
+              <a:rPr lang="en-US" altLang="ko-KR" dirty="0" smtClean="0">
+                <a:sym typeface="Wingdings" panose="05000000000000000000" pitchFamily="2" charset="2"/>
+              </a:rPr>
+              <a:t>green’</a:t>
+            </a:r>
+            <a:endParaRPr lang="en-US" altLang="ko-KR" dirty="0">
+              <a:sym typeface="Wingdings" panose="05000000000000000000" pitchFamily="2" charset="2"/>
+            </a:endParaRPr>
+          </a:p>
+          <a:p>
+            <a:pPr lvl="2"/>
+            <a:r>
+              <a:rPr lang="en-US" altLang="ko-KR" dirty="0">
+                <a:sym typeface="Wingdings" panose="05000000000000000000" pitchFamily="2" charset="2"/>
+              </a:rPr>
+              <a:t>Principles of </a:t>
+            </a:r>
+            <a:r>
+              <a:rPr lang="en-US" altLang="ko-KR" dirty="0" smtClean="0">
+                <a:sym typeface="Wingdings" panose="05000000000000000000" pitchFamily="2" charset="2"/>
+              </a:rPr>
+              <a:t>invariance: signal control should be invariant to symmetries such as </a:t>
+            </a:r>
+            <a:r>
+              <a:rPr lang="en-US" altLang="ko-KR" dirty="0" smtClean="0">
+                <a:sym typeface="Wingdings" panose="05000000000000000000" pitchFamily="2" charset="2"/>
+              </a:rPr>
+              <a:t>rotating </a:t>
+            </a:r>
+            <a:r>
+              <a:rPr lang="en-US" altLang="ko-KR" dirty="0" smtClean="0">
+                <a:sym typeface="Wingdings" panose="05000000000000000000" pitchFamily="2" charset="2"/>
+              </a:rPr>
+              <a:t>and </a:t>
+            </a:r>
+            <a:r>
+              <a:rPr lang="en-US" altLang="ko-KR" dirty="0" smtClean="0">
+                <a:sym typeface="Wingdings" panose="05000000000000000000" pitchFamily="2" charset="2"/>
+              </a:rPr>
+              <a:t>flipping</a:t>
+            </a:r>
+            <a:endParaRPr lang="en-US" altLang="ko-KR" dirty="0">
+              <a:sym typeface="Wingdings" panose="05000000000000000000" pitchFamily="2" charset="2"/>
+            </a:endParaRPr>
+          </a:p>
+          <a:p>
+            <a:pPr lvl="1"/>
+            <a:r>
+              <a:rPr lang="en-US" altLang="ko-KR" dirty="0" smtClean="0">
+                <a:sym typeface="Wingdings" panose="05000000000000000000" pitchFamily="2" charset="2"/>
+              </a:rPr>
+              <a:t>Prediction of phase score into tree stages</a:t>
+            </a:r>
+          </a:p>
+          <a:p>
+            <a:pPr lvl="2"/>
+            <a:r>
+              <a:rPr lang="en-US" altLang="ko-KR" dirty="0" smtClean="0">
+                <a:sym typeface="Wingdings" panose="05000000000000000000" pitchFamily="2" charset="2"/>
+              </a:rPr>
+              <a:t>Phase demand modeling</a:t>
+            </a:r>
+          </a:p>
+          <a:p>
+            <a:pPr lvl="2"/>
+            <a:r>
+              <a:rPr lang="en-US" altLang="ko-KR" dirty="0" smtClean="0">
+                <a:sym typeface="Wingdings" panose="05000000000000000000" pitchFamily="2" charset="2"/>
+              </a:rPr>
+              <a:t>Phase pair representation</a:t>
+            </a:r>
+          </a:p>
+          <a:p>
+            <a:pPr lvl="2"/>
+            <a:r>
+              <a:rPr lang="en-US" altLang="ko-KR" dirty="0" smtClean="0">
+                <a:sym typeface="Wingdings" panose="05000000000000000000" pitchFamily="2" charset="2"/>
+              </a:rPr>
+              <a:t>Phase pair competition</a:t>
+            </a:r>
+          </a:p>
+          <a:p>
+            <a:pPr lvl="2"/>
+            <a:endParaRPr lang="ko-KR" altLang="en-US" dirty="0"/>
+          </a:p>
+        </p:txBody>
+      </p:sp>
+    </p:spTree>
+    <p:extLst>
+      <p:ext uri="{BB962C8B-B14F-4D97-AF65-F5344CB8AC3E}">
+        <p14:creationId xmlns:p14="http://schemas.microsoft.com/office/powerpoint/2010/main" val="197467838"/>
+      </p:ext>
+    </p:extLst>
+  </p:cSld>
+  <p:clrMapOvr>
+    <a:masterClrMapping/>
+  </p:clrMapOvr>
+</p:sld>
+</file>
+
+<file path=ppt/slides/slide22.xml><?xml version="1.0" encoding="utf-8"?>
+<p:sld xmlns:a="http://schemas.openxmlformats.org/drawingml/2006/main" xmlns:r="http://schemas.openxmlformats.org/officeDocument/2006/relationships" xmlns:p="http://schemas.openxmlformats.org/presentationml/2006/main">
+  <p:cSld>
+    <p:spTree>
+      <p:nvGrpSpPr>
+        <p:cNvPr id="1" name=""/>
+        <p:cNvGrpSpPr/>
+        <p:nvPr/>
+      </p:nvGrpSpPr>
+      <p:grpSpPr>
+        <a:xfrm>
+          <a:off x="0" y="0"/>
+          <a:ext cx="0" cy="0"/>
+          <a:chOff x="0" y="0"/>
+          <a:chExt cx="0" cy="0"/>
+        </a:xfrm>
+      </p:grpSpPr>
+      <p:sp>
+        <p:nvSpPr>
+          <p:cNvPr id="2" name="제목 1">
+            <a:extLst>
+              <a:ext uri="{FF2B5EF4-FFF2-40B4-BE49-F238E27FC236}">
+                <a16:creationId xmlns:a16="http://schemas.microsoft.com/office/drawing/2014/main" id="{A0F20248-30C2-4336-97F2-92788820B030}"/>
+              </a:ext>
+            </a:extLst>
+          </p:cNvPr>
+          <p:cNvSpPr>
+            <a:spLocks noGrp="1"/>
+          </p:cNvSpPr>
+          <p:nvPr>
+            <p:ph type="title"/>
+          </p:nvPr>
+        </p:nvSpPr>
+        <p:spPr/>
+        <p:txBody>
+          <a:bodyPr/>
+          <a:lstStyle/>
+          <a:p>
+            <a:r>
+              <a:rPr lang="en-US" altLang="ko-KR" dirty="0" smtClean="0"/>
+              <a:t>Approach: FRAP</a:t>
             </a:r>
             <a:endParaRPr lang="ko-KR" altLang="en-US" dirty="0"/>
           </a:p>
@@ -9824,6 +11119,1360 @@
       </p:sp>
       <mc:AlternateContent xmlns:mc="http://schemas.openxmlformats.org/markup-compatibility/2006" xmlns:a14="http://schemas.microsoft.com/office/drawing/2010/main">
         <mc:Choice Requires="a14">
+          <p:sp>
+            <p:nvSpPr>
+              <p:cNvPr id="3" name="내용 개체 틀 2">
+                <a:extLst>
+                  <a:ext uri="{FF2B5EF4-FFF2-40B4-BE49-F238E27FC236}">
+                    <a16:creationId xmlns:a16="http://schemas.microsoft.com/office/drawing/2014/main" id="{68F8FDCE-B465-4A7B-954C-35E7067D9D7A}"/>
+                  </a:ext>
+                </a:extLst>
+              </p:cNvPr>
+              <p:cNvSpPr>
+                <a:spLocks noGrp="1"/>
+              </p:cNvSpPr>
+              <p:nvPr>
+                <p:ph idx="1"/>
+              </p:nvPr>
+            </p:nvSpPr>
+            <p:spPr/>
+            <p:txBody>
+              <a:bodyPr/>
+              <a:lstStyle/>
+              <a:p>
+                <a:r>
+                  <a:rPr lang="en-US" altLang="ko-KR" dirty="0" smtClean="0"/>
+                  <a:t> FRAP Network (Prediction of phase score into three stages)</a:t>
+                </a:r>
+              </a:p>
+              <a:p>
+                <a:pPr lvl="1"/>
+                <a:r>
+                  <a:rPr lang="en-US" altLang="ko-KR" dirty="0" smtClean="0"/>
+                  <a:t>Phase demand modeling: features from both current phase and # of vehicles through 2 fc-layers </a:t>
+                </a:r>
+              </a:p>
+              <a:p>
+                <a:pPr lvl="1"/>
+                <a:r>
+                  <a:rPr lang="en-US" altLang="ko-KR" dirty="0" smtClean="0"/>
+                  <a:t>Phase pair representation: the score of a phase depends on its competition with the other phase</a:t>
+                </a:r>
+              </a:p>
+              <a:p>
+                <a:pPr lvl="1"/>
+                <a:r>
+                  <a:rPr lang="en-US" altLang="ko-KR" dirty="0" smtClean="0"/>
+                  <a:t>Phase pair competition: predicted score of a phase </a:t>
+                </a:r>
+                <a14:m>
+                  <m:oMath xmlns:m="http://schemas.openxmlformats.org/officeDocument/2006/math">
+                    <m:r>
+                      <a:rPr lang="en-US" altLang="ko-KR" i="1" dirty="0" smtClean="0">
+                        <a:latin typeface="Cambria Math" panose="02040503050406030204" pitchFamily="18" charset="0"/>
+                      </a:rPr>
+                      <m:t>𝑝</m:t>
+                    </m:r>
+                  </m:oMath>
+                </a14:m>
+                <a:r>
+                  <a:rPr lang="en-US" altLang="ko-KR" dirty="0" smtClean="0"/>
+                  <a:t> over all its opponents</a:t>
+                </a:r>
+                <a:endParaRPr lang="ko-KR" altLang="en-US" dirty="0"/>
+              </a:p>
+            </p:txBody>
+          </p:sp>
+        </mc:Choice>
+        <mc:Fallback xmlns="">
+          <p:sp>
+            <p:nvSpPr>
+              <p:cNvPr id="3" name="내용 개체 틀 2">
+                <a:extLst>
+                  <a:ext uri="{FF2B5EF4-FFF2-40B4-BE49-F238E27FC236}">
+                    <a16:creationId xmlns:a16="http://schemas.microsoft.com/office/drawing/2014/main" id="{68F8FDCE-B465-4A7B-954C-35E7067D9D7A}"/>
+                  </a:ext>
+                </a:extLst>
+              </p:cNvPr>
+              <p:cNvSpPr>
+                <a:spLocks noGrp="1" noRot="1" noChangeAspect="1" noMove="1" noResize="1" noEditPoints="1" noAdjustHandles="1" noChangeArrowheads="1" noChangeShapeType="1" noTextEdit="1"/>
+              </p:cNvSpPr>
+              <p:nvPr>
+                <p:ph idx="1"/>
+              </p:nvPr>
+            </p:nvSpPr>
+            <p:spPr>
+              <a:blipFill>
+                <a:blip r:embed="rId2"/>
+                <a:stretch>
+                  <a:fillRect l="-1455" t="-1667"/>
+                </a:stretch>
+              </a:blipFill>
+            </p:spPr>
+            <p:txBody>
+              <a:bodyPr/>
+              <a:lstStyle/>
+              <a:p>
+                <a:r>
+                  <a:rPr lang="ko-KR" altLang="en-US">
+                    <a:noFill/>
+                  </a:rPr>
+                  <a:t> </a:t>
+                </a:r>
+              </a:p>
+            </p:txBody>
+          </p:sp>
+        </mc:Fallback>
+      </mc:AlternateContent>
+      <p:pic>
+        <p:nvPicPr>
+          <p:cNvPr id="4" name="그림 3">
+            <a:extLst>
+              <a:ext uri="{FF2B5EF4-FFF2-40B4-BE49-F238E27FC236}">
+                <a16:creationId xmlns:a16="http://schemas.microsoft.com/office/drawing/2014/main" id="{C9B6518B-8EC3-4B8C-96BB-87F5161AE31C}"/>
+              </a:ext>
+            </a:extLst>
+          </p:cNvPr>
+          <p:cNvPicPr>
+            <a:picLocks noChangeAspect="1"/>
+          </p:cNvPicPr>
+          <p:nvPr/>
+        </p:nvPicPr>
+        <p:blipFill>
+          <a:blip r:embed="rId3"/>
+          <a:stretch>
+            <a:fillRect/>
+          </a:stretch>
+        </p:blipFill>
+        <p:spPr>
+          <a:xfrm>
+            <a:off x="2528786" y="3606943"/>
+            <a:ext cx="8330268" cy="2526870"/>
+          </a:xfrm>
+          <a:prstGeom prst="rect">
+            <a:avLst/>
+          </a:prstGeom>
+        </p:spPr>
+      </p:pic>
+      <p:sp>
+        <p:nvSpPr>
+          <p:cNvPr id="5" name="사각형: 둥근 모서리 4">
+            <a:extLst>
+              <a:ext uri="{FF2B5EF4-FFF2-40B4-BE49-F238E27FC236}">
+                <a16:creationId xmlns:a16="http://schemas.microsoft.com/office/drawing/2014/main" id="{FC0722F5-0588-4A73-8AC1-7C95D9CDC85F}"/>
+              </a:ext>
+            </a:extLst>
+          </p:cNvPr>
+          <p:cNvSpPr/>
+          <p:nvPr/>
+        </p:nvSpPr>
+        <p:spPr>
+          <a:xfrm>
+            <a:off x="2528786" y="3606943"/>
+            <a:ext cx="1832714" cy="1099281"/>
+          </a:xfrm>
+          <a:prstGeom prst="roundRect">
+            <a:avLst/>
+          </a:prstGeom>
+          <a:noFill/>
+          <a:ln>
+            <a:solidFill>
+              <a:srgbClr val="00B050"/>
+            </a:solidFill>
+          </a:ln>
+        </p:spPr>
+        <p:style>
+          <a:lnRef idx="2">
+            <a:schemeClr val="accent1">
+              <a:shade val="50000"/>
+            </a:schemeClr>
+          </a:lnRef>
+          <a:fillRef idx="1">
+            <a:schemeClr val="accent1"/>
+          </a:fillRef>
+          <a:effectRef idx="0">
+            <a:schemeClr val="accent1"/>
+          </a:effectRef>
+          <a:fontRef idx="minor">
+            <a:schemeClr val="lt1"/>
+          </a:fontRef>
+        </p:style>
+        <p:txBody>
+          <a:bodyPr rtlCol="0" anchor="ctr"/>
+          <a:lstStyle/>
+          <a:p>
+            <a:pPr algn="ctr"/>
+            <a:endParaRPr lang="ko-KR" altLang="en-US"/>
+          </a:p>
+        </p:txBody>
+      </p:sp>
+      <p:sp>
+        <p:nvSpPr>
+          <p:cNvPr id="6" name="사각형: 둥근 모서리 5">
+            <a:extLst>
+              <a:ext uri="{FF2B5EF4-FFF2-40B4-BE49-F238E27FC236}">
+                <a16:creationId xmlns:a16="http://schemas.microsoft.com/office/drawing/2014/main" id="{4358E5C1-5E86-4384-A0E5-A8F09516ABE9}"/>
+              </a:ext>
+            </a:extLst>
+          </p:cNvPr>
+          <p:cNvSpPr/>
+          <p:nvPr/>
+        </p:nvSpPr>
+        <p:spPr>
+          <a:xfrm>
+            <a:off x="2528786" y="4769813"/>
+            <a:ext cx="1832714" cy="1099281"/>
+          </a:xfrm>
+          <a:prstGeom prst="roundRect">
+            <a:avLst/>
+          </a:prstGeom>
+          <a:noFill/>
+          <a:ln>
+            <a:solidFill>
+              <a:srgbClr val="00B050"/>
+            </a:solidFill>
+          </a:ln>
+        </p:spPr>
+        <p:style>
+          <a:lnRef idx="2">
+            <a:schemeClr val="accent1">
+              <a:shade val="50000"/>
+            </a:schemeClr>
+          </a:lnRef>
+          <a:fillRef idx="1">
+            <a:schemeClr val="accent1"/>
+          </a:fillRef>
+          <a:effectRef idx="0">
+            <a:schemeClr val="accent1"/>
+          </a:effectRef>
+          <a:fontRef idx="minor">
+            <a:schemeClr val="lt1"/>
+          </a:fontRef>
+        </p:style>
+        <p:txBody>
+          <a:bodyPr rtlCol="0" anchor="ctr"/>
+          <a:lstStyle/>
+          <a:p>
+            <a:pPr algn="ctr"/>
+            <a:endParaRPr lang="ko-KR" altLang="en-US"/>
+          </a:p>
+        </p:txBody>
+      </p:sp>
+      <p:sp>
+        <p:nvSpPr>
+          <p:cNvPr id="7" name="TextBox 6">
+            <a:extLst>
+              <a:ext uri="{FF2B5EF4-FFF2-40B4-BE49-F238E27FC236}">
+                <a16:creationId xmlns:a16="http://schemas.microsoft.com/office/drawing/2014/main" id="{5251DA2C-339C-47B5-BD1A-ECD09DB75061}"/>
+              </a:ext>
+            </a:extLst>
+          </p:cNvPr>
+          <p:cNvSpPr txBox="1"/>
+          <p:nvPr/>
+        </p:nvSpPr>
+        <p:spPr>
+          <a:xfrm>
+            <a:off x="1341464" y="4444614"/>
+            <a:ext cx="1409350" cy="523220"/>
+          </a:xfrm>
+          <a:prstGeom prst="rect">
+            <a:avLst/>
+          </a:prstGeom>
+          <a:noFill/>
+        </p:spPr>
+        <p:txBody>
+          <a:bodyPr wrap="square" rtlCol="0">
+            <a:spAutoFit/>
+          </a:bodyPr>
+          <a:lstStyle/>
+          <a:p>
+            <a:r>
+              <a:rPr lang="en-US" altLang="ko-KR" sz="1400" b="1" dirty="0">
+                <a:solidFill>
+                  <a:srgbClr val="00B050"/>
+                </a:solidFill>
+              </a:rPr>
+              <a:t>Competing Phase Demand</a:t>
+            </a:r>
+            <a:endParaRPr lang="ko-KR" altLang="en-US" sz="1400" b="1" dirty="0">
+              <a:solidFill>
+                <a:srgbClr val="00B050"/>
+              </a:solidFill>
+            </a:endParaRPr>
+          </a:p>
+        </p:txBody>
+      </p:sp>
+      <p:sp>
+        <p:nvSpPr>
+          <p:cNvPr id="8" name="타원 7"/>
+          <p:cNvSpPr/>
+          <p:nvPr/>
+        </p:nvSpPr>
+        <p:spPr>
+          <a:xfrm>
+            <a:off x="3382015" y="3790460"/>
+            <a:ext cx="126256" cy="133907"/>
+          </a:xfrm>
+          <a:prstGeom prst="ellipse">
+            <a:avLst/>
+          </a:prstGeom>
+          <a:noFill/>
+          <a:ln>
+            <a:solidFill>
+              <a:srgbClr val="FF0000"/>
+            </a:solidFill>
+          </a:ln>
+        </p:spPr>
+        <p:style>
+          <a:lnRef idx="2">
+            <a:schemeClr val="accent1">
+              <a:shade val="50000"/>
+            </a:schemeClr>
+          </a:lnRef>
+          <a:fillRef idx="1">
+            <a:schemeClr val="accent1"/>
+          </a:fillRef>
+          <a:effectRef idx="0">
+            <a:schemeClr val="accent1"/>
+          </a:effectRef>
+          <a:fontRef idx="minor">
+            <a:schemeClr val="lt1"/>
+          </a:fontRef>
+        </p:style>
+        <p:txBody>
+          <a:bodyPr rtlCol="0" anchor="ctr"/>
+          <a:lstStyle/>
+          <a:p>
+            <a:pPr algn="ctr"/>
+            <a:endParaRPr lang="ko-KR" altLang="en-US"/>
+          </a:p>
+        </p:txBody>
+      </p:sp>
+      <p:sp>
+        <p:nvSpPr>
+          <p:cNvPr id="9" name="타원 8"/>
+          <p:cNvSpPr/>
+          <p:nvPr/>
+        </p:nvSpPr>
+        <p:spPr>
+          <a:xfrm>
+            <a:off x="3382015" y="4048138"/>
+            <a:ext cx="126256" cy="133907"/>
+          </a:xfrm>
+          <a:prstGeom prst="ellipse">
+            <a:avLst/>
+          </a:prstGeom>
+          <a:noFill/>
+          <a:ln>
+            <a:solidFill>
+              <a:srgbClr val="FF0000"/>
+            </a:solidFill>
+          </a:ln>
+        </p:spPr>
+        <p:style>
+          <a:lnRef idx="2">
+            <a:schemeClr val="accent1">
+              <a:shade val="50000"/>
+            </a:schemeClr>
+          </a:lnRef>
+          <a:fillRef idx="1">
+            <a:schemeClr val="accent1"/>
+          </a:fillRef>
+          <a:effectRef idx="0">
+            <a:schemeClr val="accent1"/>
+          </a:effectRef>
+          <a:fontRef idx="minor">
+            <a:schemeClr val="lt1"/>
+          </a:fontRef>
+        </p:style>
+        <p:txBody>
+          <a:bodyPr rtlCol="0" anchor="ctr"/>
+          <a:lstStyle/>
+          <a:p>
+            <a:pPr algn="ctr"/>
+            <a:endParaRPr lang="ko-KR" altLang="en-US"/>
+          </a:p>
+        </p:txBody>
+      </p:sp>
+      <p:sp>
+        <p:nvSpPr>
+          <p:cNvPr id="10" name="타원 9"/>
+          <p:cNvSpPr/>
+          <p:nvPr/>
+        </p:nvSpPr>
+        <p:spPr>
+          <a:xfrm>
+            <a:off x="3827852" y="4020858"/>
+            <a:ext cx="126256" cy="133907"/>
+          </a:xfrm>
+          <a:prstGeom prst="ellipse">
+            <a:avLst/>
+          </a:prstGeom>
+          <a:noFill/>
+          <a:ln>
+            <a:solidFill>
+              <a:srgbClr val="FF0000"/>
+            </a:solidFill>
+          </a:ln>
+        </p:spPr>
+        <p:style>
+          <a:lnRef idx="2">
+            <a:schemeClr val="accent1">
+              <a:shade val="50000"/>
+            </a:schemeClr>
+          </a:lnRef>
+          <a:fillRef idx="1">
+            <a:schemeClr val="accent1"/>
+          </a:fillRef>
+          <a:effectRef idx="0">
+            <a:schemeClr val="accent1"/>
+          </a:effectRef>
+          <a:fontRef idx="minor">
+            <a:schemeClr val="lt1"/>
+          </a:fontRef>
+        </p:style>
+        <p:txBody>
+          <a:bodyPr rtlCol="0" anchor="ctr"/>
+          <a:lstStyle/>
+          <a:p>
+            <a:pPr algn="ctr"/>
+            <a:endParaRPr lang="ko-KR" altLang="en-US"/>
+          </a:p>
+        </p:txBody>
+      </p:sp>
+      <p:sp>
+        <p:nvSpPr>
+          <p:cNvPr id="11" name="TextBox 10"/>
+          <p:cNvSpPr txBox="1"/>
+          <p:nvPr/>
+        </p:nvSpPr>
+        <p:spPr>
+          <a:xfrm>
+            <a:off x="1434354" y="3450050"/>
+            <a:ext cx="956744" cy="276999"/>
+          </a:xfrm>
+          <a:prstGeom prst="rect">
+            <a:avLst/>
+          </a:prstGeom>
+          <a:noFill/>
+        </p:spPr>
+        <p:txBody>
+          <a:bodyPr wrap="square" rtlCol="0">
+            <a:spAutoFit/>
+          </a:bodyPr>
+          <a:lstStyle/>
+          <a:p>
+            <a:pPr algn="r"/>
+            <a:r>
+              <a:rPr lang="en-US" altLang="ko-KR" sz="1200" dirty="0" smtClean="0">
+                <a:solidFill>
+                  <a:srgbClr val="FF0000"/>
+                </a:solidFill>
+              </a:rPr>
+              <a:t># of vehicles</a:t>
+            </a:r>
+            <a:endParaRPr lang="ko-KR" altLang="en-US" sz="1200" dirty="0">
+              <a:solidFill>
+                <a:srgbClr val="FF0000"/>
+              </a:solidFill>
+            </a:endParaRPr>
+          </a:p>
+        </p:txBody>
+      </p:sp>
+      <p:sp>
+        <p:nvSpPr>
+          <p:cNvPr id="12" name="TextBox 11"/>
+          <p:cNvSpPr txBox="1"/>
+          <p:nvPr/>
+        </p:nvSpPr>
+        <p:spPr>
+          <a:xfrm>
+            <a:off x="1270210" y="3680883"/>
+            <a:ext cx="1120888" cy="276999"/>
+          </a:xfrm>
+          <a:prstGeom prst="rect">
+            <a:avLst/>
+          </a:prstGeom>
+          <a:noFill/>
+        </p:spPr>
+        <p:txBody>
+          <a:bodyPr wrap="square" rtlCol="0">
+            <a:spAutoFit/>
+          </a:bodyPr>
+          <a:lstStyle/>
+          <a:p>
+            <a:pPr algn="r"/>
+            <a:r>
+              <a:rPr lang="en-US" altLang="ko-KR" sz="1200" dirty="0" smtClean="0">
+                <a:solidFill>
+                  <a:srgbClr val="FF0000"/>
+                </a:solidFill>
+              </a:rPr>
+              <a:t>Current phase</a:t>
+            </a:r>
+            <a:endParaRPr lang="ko-KR" altLang="en-US" sz="1200" dirty="0">
+              <a:solidFill>
+                <a:srgbClr val="FF0000"/>
+              </a:solidFill>
+            </a:endParaRPr>
+          </a:p>
+        </p:txBody>
+      </p:sp>
+      <p:cxnSp>
+        <p:nvCxnSpPr>
+          <p:cNvPr id="14" name="직선 화살표 연결선 13"/>
+          <p:cNvCxnSpPr>
+            <a:stCxn id="12" idx="3"/>
+            <a:endCxn id="9" idx="2"/>
+          </p:cNvCxnSpPr>
+          <p:nvPr/>
+        </p:nvCxnSpPr>
+        <p:spPr>
+          <a:xfrm>
+            <a:off x="2391098" y="3819383"/>
+            <a:ext cx="990917" cy="295709"/>
+          </a:xfrm>
+          <a:prstGeom prst="straightConnector1">
+            <a:avLst/>
+          </a:prstGeom>
+          <a:ln>
+            <a:solidFill>
+              <a:srgbClr val="FF0000"/>
+            </a:solidFill>
+            <a:tailEnd type="triangle"/>
+          </a:ln>
+        </p:spPr>
+        <p:style>
+          <a:lnRef idx="1">
+            <a:schemeClr val="accent1"/>
+          </a:lnRef>
+          <a:fillRef idx="0">
+            <a:schemeClr val="accent1"/>
+          </a:fillRef>
+          <a:effectRef idx="0">
+            <a:schemeClr val="accent1"/>
+          </a:effectRef>
+          <a:fontRef idx="minor">
+            <a:schemeClr val="tx1"/>
+          </a:fontRef>
+        </p:style>
+      </p:cxnSp>
+      <p:cxnSp>
+        <p:nvCxnSpPr>
+          <p:cNvPr id="15" name="직선 화살표 연결선 14"/>
+          <p:cNvCxnSpPr>
+            <a:stCxn id="11" idx="3"/>
+            <a:endCxn id="8" idx="2"/>
+          </p:cNvCxnSpPr>
+          <p:nvPr/>
+        </p:nvCxnSpPr>
+        <p:spPr>
+          <a:xfrm>
+            <a:off x="2391098" y="3588550"/>
+            <a:ext cx="990917" cy="268864"/>
+          </a:xfrm>
+          <a:prstGeom prst="straightConnector1">
+            <a:avLst/>
+          </a:prstGeom>
+          <a:ln>
+            <a:solidFill>
+              <a:srgbClr val="FF0000"/>
+            </a:solidFill>
+            <a:tailEnd type="triangle"/>
+          </a:ln>
+        </p:spPr>
+        <p:style>
+          <a:lnRef idx="1">
+            <a:schemeClr val="accent1"/>
+          </a:lnRef>
+          <a:fillRef idx="0">
+            <a:schemeClr val="accent1"/>
+          </a:fillRef>
+          <a:effectRef idx="0">
+            <a:schemeClr val="accent1"/>
+          </a:effectRef>
+          <a:fontRef idx="minor">
+            <a:schemeClr val="tx1"/>
+          </a:fontRef>
+        </p:style>
+      </p:cxnSp>
+      <p:sp>
+        <p:nvSpPr>
+          <p:cNvPr id="28" name="TextBox 27"/>
+          <p:cNvSpPr txBox="1"/>
+          <p:nvPr/>
+        </p:nvSpPr>
+        <p:spPr>
+          <a:xfrm>
+            <a:off x="4487246" y="3716423"/>
+            <a:ext cx="1120888" cy="276999"/>
+          </a:xfrm>
+          <a:prstGeom prst="rect">
+            <a:avLst/>
+          </a:prstGeom>
+          <a:noFill/>
+        </p:spPr>
+        <p:txBody>
+          <a:bodyPr wrap="square" rtlCol="0">
+            <a:spAutoFit/>
+          </a:bodyPr>
+          <a:lstStyle/>
+          <a:p>
+            <a:r>
+              <a:rPr lang="en-US" altLang="ko-KR" sz="1200" dirty="0" smtClean="0">
+                <a:solidFill>
+                  <a:srgbClr val="FF0000"/>
+                </a:solidFill>
+              </a:rPr>
+              <a:t>Phase demand</a:t>
+            </a:r>
+            <a:endParaRPr lang="ko-KR" altLang="en-US" sz="1200" dirty="0">
+              <a:solidFill>
+                <a:srgbClr val="FF0000"/>
+              </a:solidFill>
+            </a:endParaRPr>
+          </a:p>
+        </p:txBody>
+      </p:sp>
+      <p:cxnSp>
+        <p:nvCxnSpPr>
+          <p:cNvPr id="29" name="직선 화살표 연결선 28"/>
+          <p:cNvCxnSpPr>
+            <a:stCxn id="28" idx="1"/>
+            <a:endCxn id="10" idx="6"/>
+          </p:cNvCxnSpPr>
+          <p:nvPr/>
+        </p:nvCxnSpPr>
+        <p:spPr>
+          <a:xfrm flipH="1">
+            <a:off x="3954108" y="3854923"/>
+            <a:ext cx="533138" cy="232889"/>
+          </a:xfrm>
+          <a:prstGeom prst="straightConnector1">
+            <a:avLst/>
+          </a:prstGeom>
+          <a:ln>
+            <a:solidFill>
+              <a:srgbClr val="FF0000"/>
+            </a:solidFill>
+            <a:tailEnd type="triangle"/>
+          </a:ln>
+        </p:spPr>
+        <p:style>
+          <a:lnRef idx="1">
+            <a:schemeClr val="accent1"/>
+          </a:lnRef>
+          <a:fillRef idx="0">
+            <a:schemeClr val="accent1"/>
+          </a:fillRef>
+          <a:effectRef idx="0">
+            <a:schemeClr val="accent1"/>
+          </a:effectRef>
+          <a:fontRef idx="minor">
+            <a:schemeClr val="tx1"/>
+          </a:fontRef>
+        </p:style>
+      </p:cxnSp>
+    </p:spTree>
+    <p:extLst>
+      <p:ext uri="{BB962C8B-B14F-4D97-AF65-F5344CB8AC3E}">
+        <p14:creationId xmlns:p14="http://schemas.microsoft.com/office/powerpoint/2010/main" val="1508481543"/>
+      </p:ext>
+    </p:extLst>
+  </p:cSld>
+  <p:clrMapOvr>
+    <a:masterClrMapping/>
+  </p:clrMapOvr>
+</p:sld>
+</file>
+
+<file path=ppt/slides/slide23.xml><?xml version="1.0" encoding="utf-8"?>
+<p:sld xmlns:a="http://schemas.openxmlformats.org/drawingml/2006/main" xmlns:r="http://schemas.openxmlformats.org/officeDocument/2006/relationships" xmlns:p="http://schemas.openxmlformats.org/presentationml/2006/main">
+  <p:cSld>
+    <p:spTree>
+      <p:nvGrpSpPr>
+        <p:cNvPr id="1" name=""/>
+        <p:cNvGrpSpPr/>
+        <p:nvPr/>
+      </p:nvGrpSpPr>
+      <p:grpSpPr>
+        <a:xfrm>
+          <a:off x="0" y="0"/>
+          <a:ext cx="0" cy="0"/>
+          <a:chOff x="0" y="0"/>
+          <a:chExt cx="0" cy="0"/>
+        </a:xfrm>
+      </p:grpSpPr>
+      <p:sp>
+        <p:nvSpPr>
+          <p:cNvPr id="2" name="제목 1"/>
+          <p:cNvSpPr>
+            <a:spLocks noGrp="1"/>
+          </p:cNvSpPr>
+          <p:nvPr>
+            <p:ph type="title"/>
+          </p:nvPr>
+        </p:nvSpPr>
+        <p:spPr/>
+        <p:txBody>
+          <a:bodyPr/>
+          <a:lstStyle/>
+          <a:p>
+            <a:r>
+              <a:rPr lang="en-US" altLang="ko-KR" dirty="0" smtClean="0"/>
+              <a:t>Approach: DQN</a:t>
+            </a:r>
+            <a:endParaRPr lang="ko-KR" altLang="en-US" dirty="0"/>
+          </a:p>
+        </p:txBody>
+      </p:sp>
+      <mc:AlternateContent xmlns:mc="http://schemas.openxmlformats.org/markup-compatibility/2006">
+        <mc:Choice xmlns:a14="http://schemas.microsoft.com/office/drawing/2010/main" Requires="a14">
+          <p:sp>
+            <p:nvSpPr>
+              <p:cNvPr id="3" name="내용 개체 틀 2"/>
+              <p:cNvSpPr>
+                <a:spLocks noGrp="1"/>
+              </p:cNvSpPr>
+              <p:nvPr>
+                <p:ph idx="1"/>
+              </p:nvPr>
+            </p:nvSpPr>
+            <p:spPr/>
+            <p:txBody>
+              <a:bodyPr/>
+              <a:lstStyle/>
+              <a:p>
+                <a:r>
+                  <a:rPr lang="en-US" altLang="ko-KR" dirty="0" smtClean="0"/>
+                  <a:t> Deep Q-Network</a:t>
+                </a:r>
+              </a:p>
+              <a:p>
+                <a:pPr lvl="1"/>
+                <a:r>
+                  <a:rPr lang="en-US" altLang="ko-KR" dirty="0" smtClean="0"/>
+                  <a:t>Value-based learning(Q learning), Epsilon-greedy</a:t>
+                </a:r>
+              </a:p>
+              <a:p>
+                <a:pPr lvl="1"/>
+                <a:r>
+                  <a:rPr lang="en-US" altLang="ko-KR" dirty="0" smtClean="0"/>
+                  <a:t>Loss function that compare fixed target Q and approximated local Q </a:t>
+                </a:r>
+                <a:br>
+                  <a:rPr lang="en-US" altLang="ko-KR" dirty="0" smtClean="0"/>
+                </a:br>
+                <a14:m>
+                  <m:oMath xmlns:m="http://schemas.openxmlformats.org/officeDocument/2006/math">
+                    <m:r>
+                      <a:rPr lang="en-US" altLang="ko-KR" b="0" i="1" smtClean="0">
+                        <a:latin typeface="Cambria Math" panose="02040503050406030204" pitchFamily="18" charset="0"/>
+                      </a:rPr>
+                      <m:t>𝐿</m:t>
+                    </m:r>
+                    <m:r>
+                      <a:rPr lang="en-US" altLang="ko-KR" b="0" i="1" smtClean="0">
+                        <a:latin typeface="Cambria Math" panose="02040503050406030204" pitchFamily="18" charset="0"/>
+                      </a:rPr>
+                      <m:t>=</m:t>
+                    </m:r>
+                    <m:sSup>
+                      <m:sSupPr>
+                        <m:ctrlPr>
+                          <a:rPr lang="en-US" altLang="ko-KR" b="0" i="1" smtClean="0">
+                            <a:latin typeface="Cambria Math" panose="02040503050406030204" pitchFamily="18" charset="0"/>
+                          </a:rPr>
+                        </m:ctrlPr>
+                      </m:sSupPr>
+                      <m:e>
+                        <m:d>
+                          <m:dPr>
+                            <m:ctrlPr>
+                              <a:rPr lang="en-US" altLang="ko-KR" b="0" i="1" smtClean="0">
+                                <a:latin typeface="Cambria Math" panose="02040503050406030204" pitchFamily="18" charset="0"/>
+                              </a:rPr>
+                            </m:ctrlPr>
+                          </m:dPr>
+                          <m:e>
+                            <m:r>
+                              <a:rPr lang="en-US" altLang="ko-KR" b="0" i="1" smtClean="0">
+                                <a:latin typeface="Cambria Math" panose="02040503050406030204" pitchFamily="18" charset="0"/>
+                              </a:rPr>
+                              <m:t>𝑄</m:t>
+                            </m:r>
+                            <m:d>
+                              <m:dPr>
+                                <m:ctrlPr>
+                                  <a:rPr lang="en-US" altLang="ko-KR" b="0" i="1" smtClean="0">
+                                    <a:latin typeface="Cambria Math" panose="02040503050406030204" pitchFamily="18" charset="0"/>
+                                  </a:rPr>
+                                </m:ctrlPr>
+                              </m:dPr>
+                              <m:e>
+                                <m:r>
+                                  <a:rPr lang="en-US" altLang="ko-KR" b="0" i="1" smtClean="0">
+                                    <a:latin typeface="Cambria Math" panose="02040503050406030204" pitchFamily="18" charset="0"/>
+                                  </a:rPr>
+                                  <m:t>𝑠</m:t>
+                                </m:r>
+                                <m:r>
+                                  <a:rPr lang="en-US" altLang="ko-KR" b="0" i="1" smtClean="0">
+                                    <a:latin typeface="Cambria Math" panose="02040503050406030204" pitchFamily="18" charset="0"/>
+                                  </a:rPr>
+                                  <m:t>,</m:t>
+                                </m:r>
+                                <m:r>
+                                  <a:rPr lang="en-US" altLang="ko-KR" b="0" i="1" smtClean="0">
+                                    <a:latin typeface="Cambria Math" panose="02040503050406030204" pitchFamily="18" charset="0"/>
+                                  </a:rPr>
+                                  <m:t>𝑎</m:t>
+                                </m:r>
+                                <m:r>
+                                  <a:rPr lang="en-US" altLang="ko-KR" b="0" i="1" smtClean="0">
+                                    <a:latin typeface="Cambria Math" panose="02040503050406030204" pitchFamily="18" charset="0"/>
+                                  </a:rPr>
+                                  <m:t>;</m:t>
+                                </m:r>
+                                <m:r>
+                                  <a:rPr lang="ko-KR" altLang="en-US" b="0" i="1" smtClean="0">
+                                    <a:latin typeface="Cambria Math" panose="02040503050406030204" pitchFamily="18" charset="0"/>
+                                  </a:rPr>
+                                  <m:t>𝜃</m:t>
+                                </m:r>
+                              </m:e>
+                            </m:d>
+                            <m:r>
+                              <a:rPr lang="en-US" altLang="ko-KR" b="0" i="1" smtClean="0">
+                                <a:latin typeface="Cambria Math" panose="02040503050406030204" pitchFamily="18" charset="0"/>
+                              </a:rPr>
+                              <m:t>−(</m:t>
+                            </m:r>
+                            <m:r>
+                              <a:rPr lang="en-US" altLang="ko-KR" b="0" i="1" smtClean="0">
+                                <a:latin typeface="Cambria Math" panose="02040503050406030204" pitchFamily="18" charset="0"/>
+                              </a:rPr>
+                              <m:t>𝑟</m:t>
+                            </m:r>
+                            <m:r>
+                              <a:rPr lang="en-US" altLang="ko-KR" b="0" i="1" smtClean="0">
+                                <a:latin typeface="Cambria Math" panose="02040503050406030204" pitchFamily="18" charset="0"/>
+                              </a:rPr>
+                              <m:t>+</m:t>
+                            </m:r>
+                            <m:func>
+                              <m:funcPr>
+                                <m:ctrlPr>
+                                  <a:rPr lang="en-US" altLang="ko-KR" b="0" i="1" smtClean="0">
+                                    <a:latin typeface="Cambria Math" panose="02040503050406030204" pitchFamily="18" charset="0"/>
+                                  </a:rPr>
+                                </m:ctrlPr>
+                              </m:funcPr>
+                              <m:fName>
+                                <m:r>
+                                  <a:rPr lang="en-US" altLang="ko-KR" b="0" i="1" smtClean="0">
+                                    <a:latin typeface="Cambria Math" panose="02040503050406030204" pitchFamily="18" charset="0"/>
+                                  </a:rPr>
+                                  <m:t>𝑚𝑎</m:t>
+                                </m:r>
+                                <m:sSubSup>
+                                  <m:sSubSupPr>
+                                    <m:ctrlPr>
+                                      <a:rPr lang="en-US" altLang="ko-KR" b="0" i="1" smtClean="0">
+                                        <a:latin typeface="Cambria Math" panose="02040503050406030204" pitchFamily="18" charset="0"/>
+                                      </a:rPr>
+                                    </m:ctrlPr>
+                                  </m:sSubSupPr>
+                                  <m:e>
+                                    <m:r>
+                                      <a:rPr lang="en-US" altLang="ko-KR" b="0" i="1" smtClean="0">
+                                        <a:latin typeface="Cambria Math" panose="02040503050406030204" pitchFamily="18" charset="0"/>
+                                      </a:rPr>
+                                      <m:t>𝑎</m:t>
+                                    </m:r>
+                                  </m:e>
+                                  <m:sub>
+                                    <m:r>
+                                      <a:rPr lang="en-US" altLang="ko-KR" b="0" i="1" smtClean="0">
+                                        <a:latin typeface="Cambria Math" panose="02040503050406030204" pitchFamily="18" charset="0"/>
+                                      </a:rPr>
+                                      <m:t>𝑄</m:t>
+                                    </m:r>
+                                    <m:d>
+                                      <m:dPr>
+                                        <m:ctrlPr>
+                                          <a:rPr lang="en-US" altLang="ko-KR" b="0" i="1" smtClean="0">
+                                            <a:latin typeface="Cambria Math" panose="02040503050406030204" pitchFamily="18" charset="0"/>
+                                          </a:rPr>
+                                        </m:ctrlPr>
+                                      </m:dPr>
+                                      <m:e>
+                                        <m:sSup>
+                                          <m:sSupPr>
+                                            <m:ctrlPr>
+                                              <a:rPr lang="en-US" altLang="ko-KR" b="0" i="1" smtClean="0">
+                                                <a:latin typeface="Cambria Math" panose="02040503050406030204" pitchFamily="18" charset="0"/>
+                                              </a:rPr>
+                                            </m:ctrlPr>
+                                          </m:sSupPr>
+                                          <m:e>
+                                            <m:r>
+                                              <a:rPr lang="en-US" altLang="ko-KR" b="0" i="1" smtClean="0">
+                                                <a:latin typeface="Cambria Math" panose="02040503050406030204" pitchFamily="18" charset="0"/>
+                                              </a:rPr>
+                                              <m:t>𝑠</m:t>
+                                            </m:r>
+                                          </m:e>
+                                          <m:sup>
+                                            <m:r>
+                                              <a:rPr lang="en-US" altLang="ko-KR" b="0" i="1" smtClean="0">
+                                                <a:latin typeface="Cambria Math" panose="02040503050406030204" pitchFamily="18" charset="0"/>
+                                              </a:rPr>
+                                              <m:t>′</m:t>
+                                            </m:r>
+                                          </m:sup>
+                                        </m:sSup>
+                                        <m:r>
+                                          <a:rPr lang="en-US" altLang="ko-KR" b="0" i="1" smtClean="0">
+                                            <a:latin typeface="Cambria Math" panose="02040503050406030204" pitchFamily="18" charset="0"/>
+                                          </a:rPr>
+                                          <m:t>,</m:t>
+                                        </m:r>
+                                        <m:sSup>
+                                          <m:sSupPr>
+                                            <m:ctrlPr>
+                                              <a:rPr lang="en-US" altLang="ko-KR" b="0" i="1" smtClean="0">
+                                                <a:latin typeface="Cambria Math" panose="02040503050406030204" pitchFamily="18" charset="0"/>
+                                              </a:rPr>
+                                            </m:ctrlPr>
+                                          </m:sSupPr>
+                                          <m:e>
+                                            <m:r>
+                                              <a:rPr lang="en-US" altLang="ko-KR" b="0" i="1" smtClean="0">
+                                                <a:latin typeface="Cambria Math" panose="02040503050406030204" pitchFamily="18" charset="0"/>
+                                              </a:rPr>
+                                              <m:t>𝑎</m:t>
+                                            </m:r>
+                                          </m:e>
+                                          <m:sup>
+                                            <m:r>
+                                              <a:rPr lang="en-US" altLang="ko-KR" b="0" i="1" smtClean="0">
+                                                <a:latin typeface="Cambria Math" panose="02040503050406030204" pitchFamily="18" charset="0"/>
+                                              </a:rPr>
+                                              <m:t>′</m:t>
+                                            </m:r>
+                                          </m:sup>
+                                        </m:sSup>
+                                      </m:e>
+                                    </m:d>
+                                  </m:sub>
+                                  <m:sup>
+                                    <m:r>
+                                      <a:rPr lang="en-US" altLang="ko-KR" b="0" i="1" smtClean="0">
+                                        <a:latin typeface="Cambria Math" panose="02040503050406030204" pitchFamily="18" charset="0"/>
+                                      </a:rPr>
+                                      <m:t>′</m:t>
+                                    </m:r>
+                                  </m:sup>
+                                </m:sSubSup>
+                              </m:fName>
+                              <m:e>
+                                <m:r>
+                                  <a:rPr lang="en-US" altLang="ko-KR" b="0" i="1" smtClean="0">
+                                    <a:latin typeface="Cambria Math" panose="02040503050406030204" pitchFamily="18" charset="0"/>
+                                  </a:rPr>
+                                  <m:t>𝑄</m:t>
+                                </m:r>
+                                <m:d>
+                                  <m:dPr>
+                                    <m:ctrlPr>
+                                      <a:rPr lang="en-US" altLang="ko-KR" b="0" i="1" smtClean="0">
+                                        <a:latin typeface="Cambria Math" panose="02040503050406030204" pitchFamily="18" charset="0"/>
+                                      </a:rPr>
+                                    </m:ctrlPr>
+                                  </m:dPr>
+                                  <m:e>
+                                    <m:sSup>
+                                      <m:sSupPr>
+                                        <m:ctrlPr>
+                                          <a:rPr lang="en-US" altLang="ko-KR" b="0" i="1" smtClean="0">
+                                            <a:latin typeface="Cambria Math" panose="02040503050406030204" pitchFamily="18" charset="0"/>
+                                          </a:rPr>
+                                        </m:ctrlPr>
+                                      </m:sSupPr>
+                                      <m:e>
+                                        <m:r>
+                                          <a:rPr lang="en-US" altLang="ko-KR" b="0" i="1" smtClean="0">
+                                            <a:latin typeface="Cambria Math" panose="02040503050406030204" pitchFamily="18" charset="0"/>
+                                          </a:rPr>
+                                          <m:t>𝑠</m:t>
+                                        </m:r>
+                                      </m:e>
+                                      <m:sup>
+                                        <m:r>
+                                          <a:rPr lang="en-US" altLang="ko-KR" b="0" i="1" smtClean="0">
+                                            <a:latin typeface="Cambria Math" panose="02040503050406030204" pitchFamily="18" charset="0"/>
+                                          </a:rPr>
+                                          <m:t>′</m:t>
+                                        </m:r>
+                                      </m:sup>
+                                    </m:sSup>
+                                    <m:r>
+                                      <a:rPr lang="en-US" altLang="ko-KR" b="0" i="1" smtClean="0">
+                                        <a:latin typeface="Cambria Math" panose="02040503050406030204" pitchFamily="18" charset="0"/>
+                                      </a:rPr>
+                                      <m:t>,</m:t>
+                                    </m:r>
+                                    <m:sSup>
+                                      <m:sSupPr>
+                                        <m:ctrlPr>
+                                          <a:rPr lang="en-US" altLang="ko-KR" b="0" i="1" smtClean="0">
+                                            <a:latin typeface="Cambria Math" panose="02040503050406030204" pitchFamily="18" charset="0"/>
+                                          </a:rPr>
+                                        </m:ctrlPr>
+                                      </m:sSupPr>
+                                      <m:e>
+                                        <m:r>
+                                          <a:rPr lang="en-US" altLang="ko-KR" b="0" i="1" smtClean="0">
+                                            <a:latin typeface="Cambria Math" panose="02040503050406030204" pitchFamily="18" charset="0"/>
+                                          </a:rPr>
+                                          <m:t>𝑎</m:t>
+                                        </m:r>
+                                      </m:e>
+                                      <m:sup>
+                                        <m:r>
+                                          <a:rPr lang="en-US" altLang="ko-KR" b="0" i="1" smtClean="0">
+                                            <a:latin typeface="Cambria Math" panose="02040503050406030204" pitchFamily="18" charset="0"/>
+                                          </a:rPr>
+                                          <m:t>′</m:t>
+                                        </m:r>
+                                      </m:sup>
+                                    </m:sSup>
+                                  </m:e>
+                                </m:d>
+                              </m:e>
+                            </m:func>
+                            <m:r>
+                              <a:rPr lang="en-US" altLang="ko-KR" b="0" i="1" smtClean="0">
+                                <a:latin typeface="Cambria Math" panose="02040503050406030204" pitchFamily="18" charset="0"/>
+                              </a:rPr>
+                              <m:t>)</m:t>
+                            </m:r>
+                          </m:e>
+                        </m:d>
+                      </m:e>
+                      <m:sup>
+                        <m:r>
+                          <a:rPr lang="en-US" altLang="ko-KR" b="0" i="1" smtClean="0">
+                            <a:latin typeface="Cambria Math" panose="02040503050406030204" pitchFamily="18" charset="0"/>
+                          </a:rPr>
+                          <m:t>2</m:t>
+                        </m:r>
+                      </m:sup>
+                    </m:sSup>
+                  </m:oMath>
+                </a14:m>
+                <a:endParaRPr lang="en-US" altLang="ko-KR" b="0" dirty="0" smtClean="0"/>
+              </a:p>
+              <a:p>
+                <a:pPr lvl="1"/>
+                <a:r>
+                  <a:rPr lang="en-US" altLang="ko-KR" dirty="0" smtClean="0"/>
+                  <a:t>Soft update the target Q network(</a:t>
+                </a:r>
+                <a14:m>
+                  <m:oMath xmlns:m="http://schemas.openxmlformats.org/officeDocument/2006/math">
+                    <m:r>
+                      <a:rPr lang="en-US" altLang="ko-KR" i="1">
+                        <a:latin typeface="Cambria Math" panose="02040503050406030204" pitchFamily="18" charset="0"/>
+                      </a:rPr>
+                      <m:t>𝑟</m:t>
+                    </m:r>
+                    <m:r>
+                      <a:rPr lang="en-US" altLang="ko-KR" i="1">
+                        <a:latin typeface="Cambria Math" panose="02040503050406030204" pitchFamily="18" charset="0"/>
+                      </a:rPr>
+                      <m:t>+</m:t>
+                    </m:r>
+                    <m:func>
+                      <m:funcPr>
+                        <m:ctrlPr>
+                          <a:rPr lang="en-US" altLang="ko-KR" i="1">
+                            <a:latin typeface="Cambria Math" panose="02040503050406030204" pitchFamily="18" charset="0"/>
+                          </a:rPr>
+                        </m:ctrlPr>
+                      </m:funcPr>
+                      <m:fName>
+                        <m:r>
+                          <a:rPr lang="en-US" altLang="ko-KR" i="1">
+                            <a:latin typeface="Cambria Math" panose="02040503050406030204" pitchFamily="18" charset="0"/>
+                          </a:rPr>
+                          <m:t>𝑚𝑎</m:t>
+                        </m:r>
+                        <m:sSub>
+                          <m:sSubPr>
+                            <m:ctrlPr>
+                              <a:rPr lang="en-US" altLang="ko-KR" i="1">
+                                <a:latin typeface="Cambria Math" panose="02040503050406030204" pitchFamily="18" charset="0"/>
+                              </a:rPr>
+                            </m:ctrlPr>
+                          </m:sSubPr>
+                          <m:e>
+                            <m:r>
+                              <a:rPr lang="en-US" altLang="ko-KR" i="1">
+                                <a:latin typeface="Cambria Math" panose="02040503050406030204" pitchFamily="18" charset="0"/>
+                              </a:rPr>
+                              <m:t>𝑥</m:t>
+                            </m:r>
+                          </m:e>
+                          <m:sub>
+                            <m:r>
+                              <a:rPr lang="en-US" altLang="ko-KR" i="1">
+                                <a:latin typeface="Cambria Math" panose="02040503050406030204" pitchFamily="18" charset="0"/>
+                              </a:rPr>
+                              <m:t>𝑎</m:t>
+                            </m:r>
+                            <m:r>
+                              <a:rPr lang="en-US" altLang="ko-KR" i="1">
+                                <a:latin typeface="Cambria Math" panose="02040503050406030204" pitchFamily="18" charset="0"/>
+                              </a:rPr>
+                              <m:t>′</m:t>
+                            </m:r>
+                          </m:sub>
+                        </m:sSub>
+                      </m:fName>
+                      <m:e>
+                        <m:r>
+                          <a:rPr lang="en-US" altLang="ko-KR" i="1">
+                            <a:latin typeface="Cambria Math" panose="02040503050406030204" pitchFamily="18" charset="0"/>
+                          </a:rPr>
+                          <m:t>𝑄</m:t>
+                        </m:r>
+                        <m:d>
+                          <m:dPr>
+                            <m:ctrlPr>
+                              <a:rPr lang="en-US" altLang="ko-KR" i="1">
+                                <a:latin typeface="Cambria Math" panose="02040503050406030204" pitchFamily="18" charset="0"/>
+                              </a:rPr>
+                            </m:ctrlPr>
+                          </m:dPr>
+                          <m:e>
+                            <m:sSup>
+                              <m:sSupPr>
+                                <m:ctrlPr>
+                                  <a:rPr lang="en-US" altLang="ko-KR" i="1">
+                                    <a:latin typeface="Cambria Math" panose="02040503050406030204" pitchFamily="18" charset="0"/>
+                                  </a:rPr>
+                                </m:ctrlPr>
+                              </m:sSupPr>
+                              <m:e>
+                                <m:r>
+                                  <a:rPr lang="en-US" altLang="ko-KR" i="1">
+                                    <a:latin typeface="Cambria Math" panose="02040503050406030204" pitchFamily="18" charset="0"/>
+                                  </a:rPr>
+                                  <m:t>𝑠</m:t>
+                                </m:r>
+                              </m:e>
+                              <m:sup>
+                                <m:r>
+                                  <a:rPr lang="en-US" altLang="ko-KR" i="1">
+                                    <a:latin typeface="Cambria Math" panose="02040503050406030204" pitchFamily="18" charset="0"/>
+                                  </a:rPr>
+                                  <m:t>′</m:t>
+                                </m:r>
+                              </m:sup>
+                            </m:sSup>
+                            <m:r>
+                              <a:rPr lang="en-US" altLang="ko-KR" i="1">
+                                <a:latin typeface="Cambria Math" panose="02040503050406030204" pitchFamily="18" charset="0"/>
+                              </a:rPr>
+                              <m:t>,</m:t>
+                            </m:r>
+                            <m:sSup>
+                              <m:sSupPr>
+                                <m:ctrlPr>
+                                  <a:rPr lang="en-US" altLang="ko-KR" i="1">
+                                    <a:latin typeface="Cambria Math" panose="02040503050406030204" pitchFamily="18" charset="0"/>
+                                  </a:rPr>
+                                </m:ctrlPr>
+                              </m:sSupPr>
+                              <m:e>
+                                <m:r>
+                                  <a:rPr lang="en-US" altLang="ko-KR" i="1">
+                                    <a:latin typeface="Cambria Math" panose="02040503050406030204" pitchFamily="18" charset="0"/>
+                                  </a:rPr>
+                                  <m:t>𝑎</m:t>
+                                </m:r>
+                              </m:e>
+                              <m:sup>
+                                <m:r>
+                                  <a:rPr lang="en-US" altLang="ko-KR" i="1">
+                                    <a:latin typeface="Cambria Math" panose="02040503050406030204" pitchFamily="18" charset="0"/>
+                                  </a:rPr>
+                                  <m:t>′</m:t>
+                                </m:r>
+                              </m:sup>
+                            </m:sSup>
+                          </m:e>
+                        </m:d>
+                      </m:e>
+                    </m:func>
+                  </m:oMath>
+                </a14:m>
+                <a:r>
+                  <a:rPr lang="en-US" altLang="ko-KR" dirty="0" smtClean="0"/>
+                  <a:t>) periodically</a:t>
+                </a:r>
+              </a:p>
+              <a:p>
+                <a:pPr lvl="1"/>
+                <a:r>
+                  <a:rPr lang="en-US" altLang="ko-KR" dirty="0" smtClean="0"/>
+                  <a:t>Use experience replay for updating Q</a:t>
+                </a:r>
+                <a:br>
+                  <a:rPr lang="en-US" altLang="ko-KR" dirty="0" smtClean="0"/>
+                </a:br>
+                <a:r>
+                  <a:rPr lang="en-US" altLang="ko-KR" dirty="0" smtClean="0"/>
+                  <a:t>- Using on-policy make the data highly correlated </a:t>
+                </a:r>
+                <a:r>
+                  <a:rPr lang="en-US" altLang="ko-KR" dirty="0" smtClean="0">
+                    <a:sym typeface="Wingdings" panose="05000000000000000000" pitchFamily="2" charset="2"/>
+                  </a:rPr>
+                  <a:t> by using</a:t>
+                </a:r>
+                <a:r>
+                  <a:rPr lang="en-US" altLang="ko-KR" dirty="0" smtClean="0"/>
+                  <a:t> replay, uniformly random sample</a:t>
+                </a:r>
+                <a:br>
+                  <a:rPr lang="en-US" altLang="ko-KR" dirty="0" smtClean="0"/>
+                </a:br>
+                <a:r>
+                  <a:rPr lang="en-US" altLang="ko-KR" dirty="0" smtClean="0"/>
+                  <a:t>- Disadvantage: using much memory during the learning</a:t>
+                </a:r>
+                <a:endParaRPr lang="ko-KR" altLang="en-US" dirty="0"/>
+              </a:p>
+            </p:txBody>
+          </p:sp>
+        </mc:Choice>
+        <mc:Fallback>
+          <p:sp>
+            <p:nvSpPr>
+              <p:cNvPr id="3" name="내용 개체 틀 2"/>
+              <p:cNvSpPr>
+                <a:spLocks noGrp="1" noRot="1" noChangeAspect="1" noMove="1" noResize="1" noEditPoints="1" noAdjustHandles="1" noChangeArrowheads="1" noChangeShapeType="1" noTextEdit="1"/>
+              </p:cNvSpPr>
+              <p:nvPr>
+                <p:ph idx="1"/>
+              </p:nvPr>
+            </p:nvSpPr>
+            <p:spPr>
+              <a:blipFill>
+                <a:blip r:embed="rId2"/>
+                <a:stretch>
+                  <a:fillRect l="-1455" t="-1667"/>
+                </a:stretch>
+              </a:blipFill>
+            </p:spPr>
+            <p:txBody>
+              <a:bodyPr/>
+              <a:lstStyle/>
+              <a:p>
+                <a:r>
+                  <a:rPr lang="ko-KR" altLang="en-US">
+                    <a:noFill/>
+                  </a:rPr>
+                  <a:t> </a:t>
+                </a:r>
+              </a:p>
+            </p:txBody>
+          </p:sp>
+        </mc:Fallback>
+      </mc:AlternateContent>
+      <p:pic>
+        <p:nvPicPr>
+          <p:cNvPr id="4" name="그림 3"/>
+          <p:cNvPicPr>
+            <a:picLocks noChangeAspect="1"/>
+          </p:cNvPicPr>
+          <p:nvPr/>
+        </p:nvPicPr>
+        <p:blipFill>
+          <a:blip r:embed="rId3"/>
+          <a:stretch>
+            <a:fillRect/>
+          </a:stretch>
+        </p:blipFill>
+        <p:spPr>
+          <a:xfrm>
+            <a:off x="1343118" y="4399951"/>
+            <a:ext cx="4987940" cy="1751772"/>
+          </a:xfrm>
+          <a:prstGeom prst="rect">
+            <a:avLst/>
+          </a:prstGeom>
+        </p:spPr>
+      </p:pic>
+    </p:spTree>
+    <p:extLst>
+      <p:ext uri="{BB962C8B-B14F-4D97-AF65-F5344CB8AC3E}">
+        <p14:creationId xmlns:p14="http://schemas.microsoft.com/office/powerpoint/2010/main" val="1932025303"/>
+      </p:ext>
+    </p:extLst>
+  </p:cSld>
+  <p:clrMapOvr>
+    <a:masterClrMapping/>
+  </p:clrMapOvr>
+</p:sld>
+</file>
+
+<file path=ppt/slides/slide24.xml><?xml version="1.0" encoding="utf-8"?>
+<p:sld xmlns:a="http://schemas.openxmlformats.org/drawingml/2006/main" xmlns:r="http://schemas.openxmlformats.org/officeDocument/2006/relationships" xmlns:p="http://schemas.openxmlformats.org/presentationml/2006/main">
+  <p:cSld>
+    <p:spTree>
+      <p:nvGrpSpPr>
+        <p:cNvPr id="1" name=""/>
+        <p:cNvGrpSpPr/>
+        <p:nvPr/>
+      </p:nvGrpSpPr>
+      <p:grpSpPr>
+        <a:xfrm>
+          <a:off x="0" y="0"/>
+          <a:ext cx="0" cy="0"/>
+          <a:chOff x="0" y="0"/>
+          <a:chExt cx="0" cy="0"/>
+        </a:xfrm>
+      </p:grpSpPr>
+      <p:sp>
+        <p:nvSpPr>
+          <p:cNvPr id="2" name="제목 1"/>
+          <p:cNvSpPr>
+            <a:spLocks noGrp="1"/>
+          </p:cNvSpPr>
+          <p:nvPr>
+            <p:ph type="title"/>
+          </p:nvPr>
+        </p:nvSpPr>
+        <p:spPr/>
+        <p:txBody>
+          <a:bodyPr/>
+          <a:lstStyle/>
+          <a:p>
+            <a:r>
+              <a:rPr lang="en-US" altLang="ko-KR" dirty="0"/>
+              <a:t>Approach: DQN Agent</a:t>
+            </a:r>
+            <a:endParaRPr lang="ko-KR" altLang="en-US" dirty="0"/>
+          </a:p>
+        </p:txBody>
+      </p:sp>
+      <mc:AlternateContent xmlns:mc="http://schemas.openxmlformats.org/markup-compatibility/2006">
+        <mc:Choice xmlns:a14="http://schemas.microsoft.com/office/drawing/2010/main" Requires="a14">
           <p:sp>
             <p:nvSpPr>
               <p:cNvPr id="3" name="내용 개체 틀 2"/>
@@ -9950,8 +12599,17 @@
                   <a:rPr lang="en-US" altLang="ko-KR" dirty="0">
                     <a:sym typeface="Wingdings" panose="05000000000000000000" pitchFamily="2" charset="2"/>
                   </a:rPr>
-                  <a:t>Select the phase based on Max Pressure Control Law</a:t>
+                  <a:t>Select the phase based on Max Pressure Control </a:t>
                 </a:r>
+                <a:r>
+                  <a:rPr lang="en-US" altLang="ko-KR" dirty="0" smtClean="0">
+                    <a:sym typeface="Wingdings" panose="05000000000000000000" pitchFamily="2" charset="2"/>
+                  </a:rPr>
+                  <a:t>Law(FRAP)</a:t>
+                </a:r>
+                <a:endParaRPr lang="en-US" altLang="ko-KR" dirty="0">
+                  <a:sym typeface="Wingdings" panose="05000000000000000000" pitchFamily="2" charset="2"/>
+                </a:endParaRPr>
               </a:p>
               <a:p>
                 <a:pPr lvl="1"/>
@@ -9997,7 +12655,7 @@
             </p:txBody>
           </p:sp>
         </mc:Choice>
-        <mc:Fallback xmlns="">
+        <mc:Fallback>
           <p:sp>
             <p:nvSpPr>
               <p:cNvPr id="3" name="내용 개체 틀 2"/>
@@ -10640,7 +13298,7 @@
 </p:sld>
 </file>
 
-<file path=ppt/slides/slide22.xml><?xml version="1.0" encoding="utf-8"?>
+<file path=ppt/slides/slide25.xml><?xml version="1.0" encoding="utf-8"?>
 <p:sld xmlns:a="http://schemas.openxmlformats.org/drawingml/2006/main" xmlns:r="http://schemas.openxmlformats.org/officeDocument/2006/relationships" xmlns:p="http://schemas.openxmlformats.org/presentationml/2006/main">
   <p:cSld>
     <p:spTree>
@@ -10707,6 +13365,14 @@
                 <a:r>
                   <a:rPr lang="en-US" altLang="ko-KR" dirty="0"/>
                   <a:t> All parameters shared among all the agents </a:t>
+                </a:r>
+                <a:r>
+                  <a:rPr lang="en-US" altLang="ko-KR" dirty="0" smtClean="0"/>
+                  <a:t>(Observation data sharing)</a:t>
+                </a:r>
+                <a:r>
+                  <a:rPr lang="en-US" altLang="ko-KR" dirty="0"/>
+                  <a:t/>
                 </a:r>
                 <a:br>
                   <a:rPr lang="en-US" altLang="ko-KR" dirty="0"/>
@@ -10875,907 +13541,6 @@
 </p:sld>
 </file>
 
-<file path=ppt/slides/slide23.xml><?xml version="1.0" encoding="utf-8"?>
-<p:sld xmlns:a="http://schemas.openxmlformats.org/drawingml/2006/main" xmlns:r="http://schemas.openxmlformats.org/officeDocument/2006/relationships" xmlns:p="http://schemas.openxmlformats.org/presentationml/2006/main">
-  <p:cSld>
-    <p:spTree>
-      <p:nvGrpSpPr>
-        <p:cNvPr id="1" name=""/>
-        <p:cNvGrpSpPr/>
-        <p:nvPr/>
-      </p:nvGrpSpPr>
-      <p:grpSpPr>
-        <a:xfrm>
-          <a:off x="0" y="0"/>
-          <a:ext cx="0" cy="0"/>
-          <a:chOff x="0" y="0"/>
-          <a:chExt cx="0" cy="0"/>
-        </a:xfrm>
-      </p:grpSpPr>
-      <p:sp>
-        <p:nvSpPr>
-          <p:cNvPr id="2" name="제목 1"/>
-          <p:cNvSpPr>
-            <a:spLocks noGrp="1"/>
-          </p:cNvSpPr>
-          <p:nvPr>
-            <p:ph type="title"/>
-          </p:nvPr>
-        </p:nvSpPr>
-        <p:spPr/>
-        <p:txBody>
-          <a:bodyPr/>
-          <a:lstStyle/>
-          <a:p>
-            <a:r>
-              <a:rPr lang="en-US" altLang="ko-KR" dirty="0"/>
-              <a:t>Approach: DQN Agent &amp; Setting</a:t>
-            </a:r>
-            <a:endParaRPr lang="ko-KR" altLang="en-US" dirty="0"/>
-          </a:p>
-        </p:txBody>
-      </p:sp>
-      <p:sp>
-        <p:nvSpPr>
-          <p:cNvPr id="3" name="내용 개체 틀 2"/>
-          <p:cNvSpPr>
-            <a:spLocks noGrp="1"/>
-          </p:cNvSpPr>
-          <p:nvPr>
-            <p:ph idx="1"/>
-          </p:nvPr>
-        </p:nvSpPr>
-        <p:spPr/>
-        <p:txBody>
-          <a:bodyPr/>
-          <a:lstStyle/>
-          <a:p>
-            <a:r>
-              <a:rPr lang="en-US" altLang="ko-KR" dirty="0"/>
-              <a:t> Setting (Real-world data)</a:t>
-            </a:r>
-          </a:p>
-          <a:p>
-            <a:pPr lvl="1"/>
-            <a:r>
-              <a:rPr lang="en-US" altLang="ko-KR" dirty="0"/>
-              <a:t>Road network of Manhattan, multiplied volume of taxi data</a:t>
-            </a:r>
-          </a:p>
-          <a:p>
-            <a:pPr lvl="1"/>
-            <a:r>
-              <a:rPr lang="en-US" altLang="ko-KR" dirty="0"/>
-              <a:t>2510 traffic lights</a:t>
-            </a:r>
-          </a:p>
-          <a:p>
-            <a:r>
-              <a:rPr lang="en-US" altLang="ko-KR" dirty="0"/>
-              <a:t> Evaluation Metrics</a:t>
-            </a:r>
-          </a:p>
-          <a:p>
-            <a:pPr lvl="1"/>
-            <a:r>
-              <a:rPr lang="en-US" altLang="ko-KR" dirty="0"/>
-              <a:t>Travel time: Average travel time of all vehicles in the system</a:t>
-            </a:r>
-            <a:br>
-              <a:rPr lang="en-US" altLang="ko-KR" dirty="0"/>
-            </a:br>
-            <a:r>
-              <a:rPr lang="en-US" altLang="ko-KR" dirty="0"/>
-              <a:t>- To evaluate the performance of the signal control method in transportation</a:t>
-            </a:r>
-          </a:p>
-          <a:p>
-            <a:pPr lvl="1"/>
-            <a:r>
-              <a:rPr lang="en-US" altLang="ko-KR" dirty="0"/>
-              <a:t>Throughput: the number of trips completed</a:t>
-            </a:r>
-            <a:br>
-              <a:rPr lang="en-US" altLang="ko-KR" dirty="0"/>
-            </a:br>
-            <a:r>
-              <a:rPr lang="en-US" altLang="ko-KR" dirty="0"/>
-              <a:t>- If the throughput is high, indicates better control strategy</a:t>
-            </a:r>
-          </a:p>
-          <a:p>
-            <a:pPr lvl="1"/>
-            <a:endParaRPr lang="ko-KR" altLang="en-US" dirty="0"/>
-          </a:p>
-        </p:txBody>
-      </p:sp>
-    </p:spTree>
-    <p:extLst>
-      <p:ext uri="{BB962C8B-B14F-4D97-AF65-F5344CB8AC3E}">
-        <p14:creationId xmlns:p14="http://schemas.microsoft.com/office/powerpoint/2010/main" val="4171711452"/>
-      </p:ext>
-    </p:extLst>
-  </p:cSld>
-  <p:clrMapOvr>
-    <a:masterClrMapping/>
-  </p:clrMapOvr>
-</p:sld>
-</file>
-
-<file path=ppt/slides/slide24.xml><?xml version="1.0" encoding="utf-8"?>
-<p:sld xmlns:a="http://schemas.openxmlformats.org/drawingml/2006/main" xmlns:r="http://schemas.openxmlformats.org/officeDocument/2006/relationships" xmlns:p="http://schemas.openxmlformats.org/presentationml/2006/main">
-  <p:cSld>
-    <p:spTree>
-      <p:nvGrpSpPr>
-        <p:cNvPr id="1" name=""/>
-        <p:cNvGrpSpPr/>
-        <p:nvPr/>
-      </p:nvGrpSpPr>
-      <p:grpSpPr>
-        <a:xfrm>
-          <a:off x="0" y="0"/>
-          <a:ext cx="0" cy="0"/>
-          <a:chOff x="0" y="0"/>
-          <a:chExt cx="0" cy="0"/>
-        </a:xfrm>
-      </p:grpSpPr>
-      <p:pic>
-        <p:nvPicPr>
-          <p:cNvPr id="5" name="그림 4">
-            <a:extLst>
-              <a:ext uri="{FF2B5EF4-FFF2-40B4-BE49-F238E27FC236}">
-                <a16:creationId xmlns:a16="http://schemas.microsoft.com/office/drawing/2014/main" id="{EE57C236-51DB-42A1-86EA-43B56154F400}"/>
-              </a:ext>
-            </a:extLst>
-          </p:cNvPr>
-          <p:cNvPicPr>
-            <a:picLocks noChangeAspect="1"/>
-          </p:cNvPicPr>
-          <p:nvPr/>
-        </p:nvPicPr>
-        <p:blipFill>
-          <a:blip r:embed="rId2"/>
-          <a:stretch>
-            <a:fillRect/>
-          </a:stretch>
-        </p:blipFill>
-        <p:spPr>
-          <a:xfrm>
-            <a:off x="7414100" y="1795556"/>
-            <a:ext cx="4708438" cy="2364994"/>
-          </a:xfrm>
-          <a:prstGeom prst="rect">
-            <a:avLst/>
-          </a:prstGeom>
-        </p:spPr>
-      </p:pic>
-      <p:sp>
-        <p:nvSpPr>
-          <p:cNvPr id="10" name="타원 9">
-            <a:extLst>
-              <a:ext uri="{FF2B5EF4-FFF2-40B4-BE49-F238E27FC236}">
-                <a16:creationId xmlns:a16="http://schemas.microsoft.com/office/drawing/2014/main" id="{4B3EBE08-D0A8-4BB7-BCEE-8E114DF2373D}"/>
-              </a:ext>
-            </a:extLst>
-          </p:cNvPr>
-          <p:cNvSpPr/>
-          <p:nvPr/>
-        </p:nvSpPr>
-        <p:spPr>
-          <a:xfrm>
-            <a:off x="8380601" y="2055459"/>
-            <a:ext cx="377505" cy="402671"/>
-          </a:xfrm>
-          <a:prstGeom prst="ellipse">
-            <a:avLst/>
-          </a:prstGeom>
-          <a:noFill/>
-          <a:ln>
-            <a:solidFill>
-              <a:srgbClr val="FF0000"/>
-            </a:solidFill>
-          </a:ln>
-        </p:spPr>
-        <p:style>
-          <a:lnRef idx="2">
-            <a:schemeClr val="accent1">
-              <a:shade val="50000"/>
-            </a:schemeClr>
-          </a:lnRef>
-          <a:fillRef idx="1">
-            <a:schemeClr val="accent1"/>
-          </a:fillRef>
-          <a:effectRef idx="0">
-            <a:schemeClr val="accent1"/>
-          </a:effectRef>
-          <a:fontRef idx="minor">
-            <a:schemeClr val="lt1"/>
-          </a:fontRef>
-        </p:style>
-        <p:txBody>
-          <a:bodyPr rtlCol="0" anchor="ctr"/>
-          <a:lstStyle/>
-          <a:p>
-            <a:pPr algn="ctr"/>
-            <a:endParaRPr lang="ko-KR" altLang="en-US"/>
-          </a:p>
-        </p:txBody>
-      </p:sp>
-      <p:sp>
-        <p:nvSpPr>
-          <p:cNvPr id="11" name="타원 10">
-            <a:extLst>
-              <a:ext uri="{FF2B5EF4-FFF2-40B4-BE49-F238E27FC236}">
-                <a16:creationId xmlns:a16="http://schemas.microsoft.com/office/drawing/2014/main" id="{F38ED06C-6979-44A4-89BB-CEE0B3720658}"/>
-              </a:ext>
-            </a:extLst>
-          </p:cNvPr>
-          <p:cNvSpPr/>
-          <p:nvPr/>
-        </p:nvSpPr>
-        <p:spPr>
-          <a:xfrm>
-            <a:off x="9631902" y="2273489"/>
-            <a:ext cx="377505" cy="402671"/>
-          </a:xfrm>
-          <a:prstGeom prst="ellipse">
-            <a:avLst/>
-          </a:prstGeom>
-          <a:noFill/>
-          <a:ln>
-            <a:solidFill>
-              <a:srgbClr val="FF0000"/>
-            </a:solidFill>
-          </a:ln>
-        </p:spPr>
-        <p:style>
-          <a:lnRef idx="2">
-            <a:schemeClr val="accent1">
-              <a:shade val="50000"/>
-            </a:schemeClr>
-          </a:lnRef>
-          <a:fillRef idx="1">
-            <a:schemeClr val="accent1"/>
-          </a:fillRef>
-          <a:effectRef idx="0">
-            <a:schemeClr val="accent1"/>
-          </a:effectRef>
-          <a:fontRef idx="minor">
-            <a:schemeClr val="lt1"/>
-          </a:fontRef>
-        </p:style>
-        <p:txBody>
-          <a:bodyPr rtlCol="0" anchor="ctr"/>
-          <a:lstStyle/>
-          <a:p>
-            <a:pPr algn="ctr"/>
-            <a:endParaRPr lang="ko-KR" altLang="en-US"/>
-          </a:p>
-        </p:txBody>
-      </p:sp>
-      <p:cxnSp>
-        <p:nvCxnSpPr>
-          <p:cNvPr id="17" name="직선 화살표 연결선 16">
-            <a:extLst>
-              <a:ext uri="{FF2B5EF4-FFF2-40B4-BE49-F238E27FC236}">
-                <a16:creationId xmlns:a16="http://schemas.microsoft.com/office/drawing/2014/main" id="{39391B64-3215-4E4E-B5E0-41DC5D0CD15D}"/>
-              </a:ext>
-            </a:extLst>
-          </p:cNvPr>
-          <p:cNvCxnSpPr>
-            <a:stCxn id="10" idx="7"/>
-            <a:endCxn id="11" idx="2"/>
-          </p:cNvCxnSpPr>
-          <p:nvPr/>
-        </p:nvCxnSpPr>
-        <p:spPr>
-          <a:xfrm>
-            <a:off x="8702822" y="2114429"/>
-            <a:ext cx="929080" cy="360396"/>
-          </a:xfrm>
-          <a:prstGeom prst="straightConnector1">
-            <a:avLst/>
-          </a:prstGeom>
-          <a:ln>
-            <a:solidFill>
-              <a:srgbClr val="FF0000"/>
-            </a:solidFill>
-            <a:tailEnd type="triangle"/>
-          </a:ln>
-        </p:spPr>
-        <p:style>
-          <a:lnRef idx="1">
-            <a:schemeClr val="accent1"/>
-          </a:lnRef>
-          <a:fillRef idx="0">
-            <a:schemeClr val="accent1"/>
-          </a:fillRef>
-          <a:effectRef idx="0">
-            <a:schemeClr val="accent1"/>
-          </a:effectRef>
-          <a:fontRef idx="minor">
-            <a:schemeClr val="tx1"/>
-          </a:fontRef>
-        </p:style>
-      </p:cxnSp>
-      <p:sp>
-        <p:nvSpPr>
-          <p:cNvPr id="22" name="타원 21">
-            <a:extLst>
-              <a:ext uri="{FF2B5EF4-FFF2-40B4-BE49-F238E27FC236}">
-                <a16:creationId xmlns:a16="http://schemas.microsoft.com/office/drawing/2014/main" id="{83E5C489-A7E4-4DFD-B90D-64C9E72C088C}"/>
-              </a:ext>
-            </a:extLst>
-          </p:cNvPr>
-          <p:cNvSpPr/>
-          <p:nvPr/>
-        </p:nvSpPr>
-        <p:spPr>
-          <a:xfrm>
-            <a:off x="8738391" y="2273488"/>
-            <a:ext cx="377505" cy="402671"/>
-          </a:xfrm>
-          <a:prstGeom prst="ellipse">
-            <a:avLst/>
-          </a:prstGeom>
-          <a:noFill/>
-          <a:ln>
-            <a:solidFill>
-              <a:srgbClr val="0070C0"/>
-            </a:solidFill>
-          </a:ln>
-        </p:spPr>
-        <p:style>
-          <a:lnRef idx="2">
-            <a:schemeClr val="accent1">
-              <a:shade val="50000"/>
-            </a:schemeClr>
-          </a:lnRef>
-          <a:fillRef idx="1">
-            <a:schemeClr val="accent1"/>
-          </a:fillRef>
-          <a:effectRef idx="0">
-            <a:schemeClr val="accent1"/>
-          </a:effectRef>
-          <a:fontRef idx="minor">
-            <a:schemeClr val="lt1"/>
-          </a:fontRef>
-        </p:style>
-        <p:txBody>
-          <a:bodyPr rtlCol="0" anchor="ctr"/>
-          <a:lstStyle/>
-          <a:p>
-            <a:pPr algn="ctr"/>
-            <a:endParaRPr lang="ko-KR" altLang="en-US"/>
-          </a:p>
-        </p:txBody>
-      </p:sp>
-      <p:cxnSp>
-        <p:nvCxnSpPr>
-          <p:cNvPr id="23" name="직선 화살표 연결선 22">
-            <a:extLst>
-              <a:ext uri="{FF2B5EF4-FFF2-40B4-BE49-F238E27FC236}">
-                <a16:creationId xmlns:a16="http://schemas.microsoft.com/office/drawing/2014/main" id="{38989AF0-92B2-422E-BEDD-9FF2B6F58BE2}"/>
-              </a:ext>
-            </a:extLst>
-          </p:cNvPr>
-          <p:cNvCxnSpPr>
-            <a:cxnSpLocks/>
-            <a:endCxn id="22" idx="2"/>
-          </p:cNvCxnSpPr>
-          <p:nvPr/>
-        </p:nvCxnSpPr>
-        <p:spPr>
-          <a:xfrm flipV="1">
-            <a:off x="8514069" y="2474824"/>
-            <a:ext cx="224322" cy="946004"/>
-          </a:xfrm>
-          <a:prstGeom prst="straightConnector1">
-            <a:avLst/>
-          </a:prstGeom>
-          <a:ln>
-            <a:solidFill>
-              <a:srgbClr val="0070C0"/>
-            </a:solidFill>
-            <a:tailEnd type="triangle"/>
-          </a:ln>
-        </p:spPr>
-        <p:style>
-          <a:lnRef idx="1">
-            <a:schemeClr val="accent1"/>
-          </a:lnRef>
-          <a:fillRef idx="0">
-            <a:schemeClr val="accent1"/>
-          </a:fillRef>
-          <a:effectRef idx="0">
-            <a:schemeClr val="accent1"/>
-          </a:effectRef>
-          <a:fontRef idx="minor">
-            <a:schemeClr val="tx1"/>
-          </a:fontRef>
-        </p:style>
-      </p:cxnSp>
-      <p:sp>
-        <p:nvSpPr>
-          <p:cNvPr id="25" name="타원 24">
-            <a:extLst>
-              <a:ext uri="{FF2B5EF4-FFF2-40B4-BE49-F238E27FC236}">
-                <a16:creationId xmlns:a16="http://schemas.microsoft.com/office/drawing/2014/main" id="{73DA1B69-02B7-4DB8-B169-F28493E384A9}"/>
-              </a:ext>
-            </a:extLst>
-          </p:cNvPr>
-          <p:cNvSpPr/>
-          <p:nvPr/>
-        </p:nvSpPr>
-        <p:spPr>
-          <a:xfrm>
-            <a:off x="8191848" y="3361858"/>
-            <a:ext cx="377505" cy="402671"/>
-          </a:xfrm>
-          <a:prstGeom prst="ellipse">
-            <a:avLst/>
-          </a:prstGeom>
-          <a:noFill/>
-          <a:ln>
-            <a:solidFill>
-              <a:srgbClr val="0070C0"/>
-            </a:solidFill>
-          </a:ln>
-        </p:spPr>
-        <p:style>
-          <a:lnRef idx="2">
-            <a:schemeClr val="accent1">
-              <a:shade val="50000"/>
-            </a:schemeClr>
-          </a:lnRef>
-          <a:fillRef idx="1">
-            <a:schemeClr val="accent1"/>
-          </a:fillRef>
-          <a:effectRef idx="0">
-            <a:schemeClr val="accent1"/>
-          </a:effectRef>
-          <a:fontRef idx="minor">
-            <a:schemeClr val="lt1"/>
-          </a:fontRef>
-        </p:style>
-        <p:txBody>
-          <a:bodyPr rtlCol="0" anchor="ctr"/>
-          <a:lstStyle/>
-          <a:p>
-            <a:pPr algn="ctr"/>
-            <a:endParaRPr lang="ko-KR" altLang="en-US"/>
-          </a:p>
-        </p:txBody>
-      </p:sp>
-      <p:sp>
-        <p:nvSpPr>
-          <p:cNvPr id="2" name="제목 1"/>
-          <p:cNvSpPr>
-            <a:spLocks noGrp="1"/>
-          </p:cNvSpPr>
-          <p:nvPr>
-            <p:ph type="title"/>
-          </p:nvPr>
-        </p:nvSpPr>
-        <p:spPr/>
-        <p:txBody>
-          <a:bodyPr/>
-          <a:lstStyle/>
-          <a:p>
-            <a:r>
-              <a:rPr lang="en-US" altLang="ko-KR" dirty="0"/>
-              <a:t>Approach: FRAP</a:t>
-            </a:r>
-            <a:endParaRPr lang="ko-KR" altLang="en-US" dirty="0"/>
-          </a:p>
-        </p:txBody>
-      </p:sp>
-      <p:sp>
-        <p:nvSpPr>
-          <p:cNvPr id="3" name="내용 개체 틀 2"/>
-          <p:cNvSpPr>
-            <a:spLocks noGrp="1"/>
-          </p:cNvSpPr>
-          <p:nvPr>
-            <p:ph idx="1"/>
-          </p:nvPr>
-        </p:nvSpPr>
-        <p:spPr/>
-        <p:txBody>
-          <a:bodyPr/>
-          <a:lstStyle/>
-          <a:p>
-            <a:r>
-              <a:rPr lang="en-US" altLang="ko-KR" dirty="0"/>
-              <a:t> FRAP architecture(base model)</a:t>
-            </a:r>
-          </a:p>
-          <a:p>
-            <a:pPr lvl="1"/>
-            <a:r>
-              <a:rPr lang="en-US" altLang="ko-KR" dirty="0"/>
-              <a:t>Flipping and Rotation and considers All phase Configuration</a:t>
-            </a:r>
-          </a:p>
-          <a:p>
-            <a:pPr lvl="1"/>
-            <a:r>
-              <a:rPr lang="en-US" altLang="ko-KR" dirty="0"/>
-              <a:t>Focus on the relation between different traffic movement</a:t>
-            </a:r>
-          </a:p>
-          <a:p>
-            <a:pPr lvl="2"/>
-            <a:r>
-              <a:rPr lang="en-US" altLang="ko-KR" dirty="0"/>
-              <a:t>Reduction of exploration space by rotating and flipping</a:t>
-            </a:r>
-          </a:p>
-          <a:p>
-            <a:pPr lvl="2"/>
-            <a:r>
-              <a:rPr lang="en-US" altLang="ko-KR" dirty="0"/>
-              <a:t>Current model need 8phases experience to learn in the same state</a:t>
-            </a:r>
-            <a:br>
-              <a:rPr lang="en-US" altLang="ko-KR" dirty="0"/>
-            </a:br>
-            <a:r>
-              <a:rPr lang="en-US" altLang="ko-KR" dirty="0">
-                <a:sym typeface="Wingdings" panose="05000000000000000000" pitchFamily="2" charset="2"/>
-              </a:rPr>
-              <a:t> By rotating, Reduces needed experience in ¼ scale</a:t>
-            </a:r>
-          </a:p>
-          <a:p>
-            <a:pPr lvl="1"/>
-            <a:r>
-              <a:rPr lang="en-US" altLang="ko-KR" dirty="0">
-                <a:sym typeface="Wingdings" panose="05000000000000000000" pitchFamily="2" charset="2"/>
-              </a:rPr>
-              <a:t>Adapting different intersection structure easily by two principles</a:t>
-            </a:r>
-          </a:p>
-          <a:p>
-            <a:pPr lvl="2"/>
-            <a:r>
-              <a:rPr lang="en-US" altLang="ko-KR" dirty="0">
-                <a:sym typeface="Wingdings" panose="05000000000000000000" pitchFamily="2" charset="2"/>
-              </a:rPr>
-              <a:t>Principles of competition</a:t>
-            </a:r>
-          </a:p>
-          <a:p>
-            <a:pPr lvl="2"/>
-            <a:r>
-              <a:rPr lang="en-US" altLang="ko-KR" dirty="0">
-                <a:sym typeface="Wingdings" panose="05000000000000000000" pitchFamily="2" charset="2"/>
-              </a:rPr>
-              <a:t>Principles </a:t>
-            </a:r>
-            <a:r>
-              <a:rPr lang="en-US" altLang="ko-KR">
-                <a:sym typeface="Wingdings" panose="05000000000000000000" pitchFamily="2" charset="2"/>
-              </a:rPr>
-              <a:t>of invariance</a:t>
-            </a:r>
-            <a:endParaRPr lang="en-US" altLang="ko-KR" dirty="0">
-              <a:sym typeface="Wingdings" panose="05000000000000000000" pitchFamily="2" charset="2"/>
-            </a:endParaRPr>
-          </a:p>
-          <a:p>
-            <a:pPr lvl="1"/>
-            <a:r>
-              <a:rPr lang="en-US" altLang="ko-KR" dirty="0">
-                <a:sym typeface="Wingdings" panose="05000000000000000000" pitchFamily="2" charset="2"/>
-              </a:rPr>
-              <a:t>Prediction of phase score into tree stages</a:t>
-            </a:r>
-          </a:p>
-          <a:p>
-            <a:pPr lvl="2"/>
-            <a:r>
-              <a:rPr lang="en-US" altLang="ko-KR" dirty="0">
-                <a:sym typeface="Wingdings" panose="05000000000000000000" pitchFamily="2" charset="2"/>
-              </a:rPr>
-              <a:t>Phase demand modeling</a:t>
-            </a:r>
-          </a:p>
-          <a:p>
-            <a:pPr lvl="2"/>
-            <a:r>
-              <a:rPr lang="en-US" altLang="ko-KR" dirty="0">
-                <a:sym typeface="Wingdings" panose="05000000000000000000" pitchFamily="2" charset="2"/>
-              </a:rPr>
-              <a:t>Phase pair representation</a:t>
-            </a:r>
-          </a:p>
-          <a:p>
-            <a:pPr lvl="2"/>
-            <a:r>
-              <a:rPr lang="en-US" altLang="ko-KR" dirty="0">
-                <a:sym typeface="Wingdings" panose="05000000000000000000" pitchFamily="2" charset="2"/>
-              </a:rPr>
-              <a:t>Phase pair competition</a:t>
-            </a:r>
-          </a:p>
-          <a:p>
-            <a:pPr lvl="2"/>
-            <a:endParaRPr lang="ko-KR" altLang="en-US" dirty="0"/>
-          </a:p>
-        </p:txBody>
-      </p:sp>
-    </p:spTree>
-    <p:extLst>
-      <p:ext uri="{BB962C8B-B14F-4D97-AF65-F5344CB8AC3E}">
-        <p14:creationId xmlns:p14="http://schemas.microsoft.com/office/powerpoint/2010/main" val="197467838"/>
-      </p:ext>
-    </p:extLst>
-  </p:cSld>
-  <p:clrMapOvr>
-    <a:masterClrMapping/>
-  </p:clrMapOvr>
-</p:sld>
-</file>
-
-<file path=ppt/slides/slide25.xml><?xml version="1.0" encoding="utf-8"?>
-<p:sld xmlns:a="http://schemas.openxmlformats.org/drawingml/2006/main" xmlns:r="http://schemas.openxmlformats.org/officeDocument/2006/relationships" xmlns:p="http://schemas.openxmlformats.org/presentationml/2006/main">
-  <p:cSld>
-    <p:spTree>
-      <p:nvGrpSpPr>
-        <p:cNvPr id="1" name=""/>
-        <p:cNvGrpSpPr/>
-        <p:nvPr/>
-      </p:nvGrpSpPr>
-      <p:grpSpPr>
-        <a:xfrm>
-          <a:off x="0" y="0"/>
-          <a:ext cx="0" cy="0"/>
-          <a:chOff x="0" y="0"/>
-          <a:chExt cx="0" cy="0"/>
-        </a:xfrm>
-      </p:grpSpPr>
-      <p:sp>
-        <p:nvSpPr>
-          <p:cNvPr id="2" name="제목 1">
-            <a:extLst>
-              <a:ext uri="{FF2B5EF4-FFF2-40B4-BE49-F238E27FC236}">
-                <a16:creationId xmlns:a16="http://schemas.microsoft.com/office/drawing/2014/main" id="{A0F20248-30C2-4336-97F2-92788820B030}"/>
-              </a:ext>
-            </a:extLst>
-          </p:cNvPr>
-          <p:cNvSpPr>
-            <a:spLocks noGrp="1"/>
-          </p:cNvSpPr>
-          <p:nvPr>
-            <p:ph type="title"/>
-          </p:nvPr>
-        </p:nvSpPr>
-        <p:spPr/>
-        <p:txBody>
-          <a:bodyPr/>
-          <a:lstStyle/>
-          <a:p>
-            <a:endParaRPr lang="ko-KR" altLang="en-US"/>
-          </a:p>
-        </p:txBody>
-      </p:sp>
-      <p:sp>
-        <p:nvSpPr>
-          <p:cNvPr id="3" name="내용 개체 틀 2">
-            <a:extLst>
-              <a:ext uri="{FF2B5EF4-FFF2-40B4-BE49-F238E27FC236}">
-                <a16:creationId xmlns:a16="http://schemas.microsoft.com/office/drawing/2014/main" id="{68F8FDCE-B465-4A7B-954C-35E7067D9D7A}"/>
-              </a:ext>
-            </a:extLst>
-          </p:cNvPr>
-          <p:cNvSpPr>
-            <a:spLocks noGrp="1"/>
-          </p:cNvSpPr>
-          <p:nvPr>
-            <p:ph idx="1"/>
-          </p:nvPr>
-        </p:nvSpPr>
-        <p:spPr/>
-        <p:txBody>
-          <a:bodyPr/>
-          <a:lstStyle/>
-          <a:p>
-            <a:endParaRPr lang="ko-KR" altLang="en-US" dirty="0"/>
-          </a:p>
-        </p:txBody>
-      </p:sp>
-      <p:pic>
-        <p:nvPicPr>
-          <p:cNvPr id="4" name="그림 3">
-            <a:extLst>
-              <a:ext uri="{FF2B5EF4-FFF2-40B4-BE49-F238E27FC236}">
-                <a16:creationId xmlns:a16="http://schemas.microsoft.com/office/drawing/2014/main" id="{C9B6518B-8EC3-4B8C-96BB-87F5161AE31C}"/>
-              </a:ext>
-            </a:extLst>
-          </p:cNvPr>
-          <p:cNvPicPr>
-            <a:picLocks noChangeAspect="1"/>
-          </p:cNvPicPr>
-          <p:nvPr/>
-        </p:nvPicPr>
-        <p:blipFill>
-          <a:blip r:embed="rId2"/>
-          <a:stretch>
-            <a:fillRect/>
-          </a:stretch>
-        </p:blipFill>
-        <p:spPr>
-          <a:xfrm>
-            <a:off x="1388658" y="3606943"/>
-            <a:ext cx="8330268" cy="2526870"/>
-          </a:xfrm>
-          <a:prstGeom prst="rect">
-            <a:avLst/>
-          </a:prstGeom>
-        </p:spPr>
-      </p:pic>
-      <p:sp>
-        <p:nvSpPr>
-          <p:cNvPr id="5" name="사각형: 둥근 모서리 4">
-            <a:extLst>
-              <a:ext uri="{FF2B5EF4-FFF2-40B4-BE49-F238E27FC236}">
-                <a16:creationId xmlns:a16="http://schemas.microsoft.com/office/drawing/2014/main" id="{FC0722F5-0588-4A73-8AC1-7C95D9CDC85F}"/>
-              </a:ext>
-            </a:extLst>
-          </p:cNvPr>
-          <p:cNvSpPr/>
-          <p:nvPr/>
-        </p:nvSpPr>
-        <p:spPr>
-          <a:xfrm>
-            <a:off x="1388658" y="3606943"/>
-            <a:ext cx="1832714" cy="1099281"/>
-          </a:xfrm>
-          <a:prstGeom prst="roundRect">
-            <a:avLst/>
-          </a:prstGeom>
-          <a:noFill/>
-          <a:ln>
-            <a:solidFill>
-              <a:srgbClr val="00B050"/>
-            </a:solidFill>
-          </a:ln>
-        </p:spPr>
-        <p:style>
-          <a:lnRef idx="2">
-            <a:schemeClr val="accent1">
-              <a:shade val="50000"/>
-            </a:schemeClr>
-          </a:lnRef>
-          <a:fillRef idx="1">
-            <a:schemeClr val="accent1"/>
-          </a:fillRef>
-          <a:effectRef idx="0">
-            <a:schemeClr val="accent1"/>
-          </a:effectRef>
-          <a:fontRef idx="minor">
-            <a:schemeClr val="lt1"/>
-          </a:fontRef>
-        </p:style>
-        <p:txBody>
-          <a:bodyPr rtlCol="0" anchor="ctr"/>
-          <a:lstStyle/>
-          <a:p>
-            <a:pPr algn="ctr"/>
-            <a:endParaRPr lang="ko-KR" altLang="en-US"/>
-          </a:p>
-        </p:txBody>
-      </p:sp>
-      <p:sp>
-        <p:nvSpPr>
-          <p:cNvPr id="6" name="사각형: 둥근 모서리 5">
-            <a:extLst>
-              <a:ext uri="{FF2B5EF4-FFF2-40B4-BE49-F238E27FC236}">
-                <a16:creationId xmlns:a16="http://schemas.microsoft.com/office/drawing/2014/main" id="{4358E5C1-5E86-4384-A0E5-A8F09516ABE9}"/>
-              </a:ext>
-            </a:extLst>
-          </p:cNvPr>
-          <p:cNvSpPr/>
-          <p:nvPr/>
-        </p:nvSpPr>
-        <p:spPr>
-          <a:xfrm>
-            <a:off x="1388658" y="4769813"/>
-            <a:ext cx="1832714" cy="1099281"/>
-          </a:xfrm>
-          <a:prstGeom prst="roundRect">
-            <a:avLst/>
-          </a:prstGeom>
-          <a:noFill/>
-          <a:ln>
-            <a:solidFill>
-              <a:srgbClr val="00B050"/>
-            </a:solidFill>
-          </a:ln>
-        </p:spPr>
-        <p:style>
-          <a:lnRef idx="2">
-            <a:schemeClr val="accent1">
-              <a:shade val="50000"/>
-            </a:schemeClr>
-          </a:lnRef>
-          <a:fillRef idx="1">
-            <a:schemeClr val="accent1"/>
-          </a:fillRef>
-          <a:effectRef idx="0">
-            <a:schemeClr val="accent1"/>
-          </a:effectRef>
-          <a:fontRef idx="minor">
-            <a:schemeClr val="lt1"/>
-          </a:fontRef>
-        </p:style>
-        <p:txBody>
-          <a:bodyPr rtlCol="0" anchor="ctr"/>
-          <a:lstStyle/>
-          <a:p>
-            <a:pPr algn="ctr"/>
-            <a:endParaRPr lang="ko-KR" altLang="en-US"/>
-          </a:p>
-        </p:txBody>
-      </p:sp>
-      <p:sp>
-        <p:nvSpPr>
-          <p:cNvPr id="7" name="TextBox 6">
-            <a:extLst>
-              <a:ext uri="{FF2B5EF4-FFF2-40B4-BE49-F238E27FC236}">
-                <a16:creationId xmlns:a16="http://schemas.microsoft.com/office/drawing/2014/main" id="{5251DA2C-339C-47B5-BD1A-ECD09DB75061}"/>
-              </a:ext>
-            </a:extLst>
-          </p:cNvPr>
-          <p:cNvSpPr txBox="1"/>
-          <p:nvPr/>
-        </p:nvSpPr>
-        <p:spPr>
-          <a:xfrm>
-            <a:off x="201336" y="4444614"/>
-            <a:ext cx="1409350" cy="523220"/>
-          </a:xfrm>
-          <a:prstGeom prst="rect">
-            <a:avLst/>
-          </a:prstGeom>
-          <a:noFill/>
-        </p:spPr>
-        <p:txBody>
-          <a:bodyPr wrap="square" rtlCol="0">
-            <a:spAutoFit/>
-          </a:bodyPr>
-          <a:lstStyle/>
-          <a:p>
-            <a:r>
-              <a:rPr lang="en-US" altLang="ko-KR" sz="1400" b="1" dirty="0">
-                <a:solidFill>
-                  <a:srgbClr val="00B050"/>
-                </a:solidFill>
-              </a:rPr>
-              <a:t>Competing Phase Demand</a:t>
-            </a:r>
-            <a:endParaRPr lang="ko-KR" altLang="en-US" sz="1400" b="1" dirty="0">
-              <a:solidFill>
-                <a:srgbClr val="00B050"/>
-              </a:solidFill>
-            </a:endParaRPr>
-          </a:p>
-        </p:txBody>
-      </p:sp>
-    </p:spTree>
-    <p:extLst>
-      <p:ext uri="{BB962C8B-B14F-4D97-AF65-F5344CB8AC3E}">
-        <p14:creationId xmlns:p14="http://schemas.microsoft.com/office/powerpoint/2010/main" val="1508481543"/>
-      </p:ext>
-    </p:extLst>
-  </p:cSld>
-  <p:clrMapOvr>
-    <a:masterClrMapping/>
-  </p:clrMapOvr>
-</p:sld>
-</file>
-
 <file path=ppt/slides/slide26.xml><?xml version="1.0" encoding="utf-8"?>
 <p:sld xmlns:a="http://schemas.openxmlformats.org/drawingml/2006/main" xmlns:r="http://schemas.openxmlformats.org/officeDocument/2006/relationships" xmlns:p="http://schemas.openxmlformats.org/presentationml/2006/main">
   <p:cSld>
@@ -11810,7 +13575,7 @@
           <a:p>
             <a:r>
               <a:rPr lang="en-US" altLang="ko-KR" dirty="0"/>
-              <a:t>Result</a:t>
+              <a:t>Approach: DQN Agent &amp; Setting</a:t>
             </a:r>
             <a:endParaRPr lang="ko-KR" altLang="en-US" dirty="0"/>
           </a:p>
@@ -11831,6 +13596,61 @@
           <a:bodyPr/>
           <a:lstStyle/>
           <a:p>
+            <a:r>
+              <a:rPr lang="en-US" altLang="ko-KR" dirty="0"/>
+              <a:t> Setting (Real-world data)</a:t>
+            </a:r>
+          </a:p>
+          <a:p>
+            <a:pPr lvl="1"/>
+            <a:r>
+              <a:rPr lang="en-US" altLang="ko-KR" dirty="0"/>
+              <a:t>Road network of Manhattan, multiplied volume of taxi data</a:t>
+            </a:r>
+          </a:p>
+          <a:p>
+            <a:pPr lvl="1"/>
+            <a:r>
+              <a:rPr lang="en-US" altLang="ko-KR" dirty="0"/>
+              <a:t>2510 traffic lights</a:t>
+            </a:r>
+          </a:p>
+          <a:p>
+            <a:r>
+              <a:rPr lang="en-US" altLang="ko-KR" dirty="0"/>
+              <a:t> Evaluation Metrics</a:t>
+            </a:r>
+          </a:p>
+          <a:p>
+            <a:pPr lvl="1"/>
+            <a:r>
+              <a:rPr lang="en-US" altLang="ko-KR" dirty="0"/>
+              <a:t>Travel time: Average travel time of all vehicles in the system</a:t>
+            </a:r>
+            <a:br>
+              <a:rPr lang="en-US" altLang="ko-KR" dirty="0"/>
+            </a:br>
+            <a:r>
+              <a:rPr lang="en-US" altLang="ko-KR" dirty="0"/>
+              <a:t>- To evaluate the performance of the signal control method in transportation</a:t>
+            </a:r>
+          </a:p>
+          <a:p>
+            <a:pPr lvl="1"/>
+            <a:r>
+              <a:rPr lang="en-US" altLang="ko-KR" dirty="0"/>
+              <a:t>Throughput: the number of trips completed</a:t>
+            </a:r>
+            <a:br>
+              <a:rPr lang="en-US" altLang="ko-KR" dirty="0"/>
+            </a:br>
+            <a:r>
+              <a:rPr lang="en-US" altLang="ko-KR" dirty="0"/>
+              <a:t>- If the throughput is high, indicates better control strategy</a:t>
+            </a:r>
+          </a:p>
+          <a:p>
+            <a:pPr lvl="1"/>
             <a:endParaRPr lang="ko-KR" altLang="en-US" dirty="0"/>
           </a:p>
         </p:txBody>
@@ -11838,7 +13658,7 @@
     </p:spTree>
     <p:extLst>
       <p:ext uri="{BB962C8B-B14F-4D97-AF65-F5344CB8AC3E}">
-        <p14:creationId xmlns:p14="http://schemas.microsoft.com/office/powerpoint/2010/main" val="2293835521"/>
+        <p14:creationId xmlns:p14="http://schemas.microsoft.com/office/powerpoint/2010/main" val="4171711452"/>
       </p:ext>
     </p:extLst>
   </p:cSld>
@@ -11881,8 +13701,8 @@
           <a:lstStyle/>
           <a:p>
             <a:r>
-              <a:rPr lang="en-US" altLang="ko-KR" dirty="0"/>
-              <a:t>Comment</a:t>
+              <a:rPr lang="en-US" altLang="ko-KR" dirty="0" smtClean="0"/>
+              <a:t>Result</a:t>
             </a:r>
             <a:endParaRPr lang="ko-KR" altLang="en-US" dirty="0"/>
           </a:p>
@@ -11904,36 +13724,266 @@
           <a:lstStyle/>
           <a:p>
             <a:r>
-              <a:rPr lang="en-US" altLang="ko-KR" dirty="0"/>
+              <a:rPr lang="en-US" altLang="ko-KR" dirty="0" smtClean="0"/>
+              <a:t> Performance Comparison</a:t>
+            </a:r>
+          </a:p>
+          <a:p>
+            <a:pPr lvl="1"/>
+            <a:r>
+              <a:rPr lang="en-US" altLang="ko-KR" dirty="0" smtClean="0"/>
+              <a:t>Travel time is reduced 19.20% in </a:t>
+            </a:r>
+            <a:r>
+              <a:rPr lang="en-US" altLang="ko-KR" dirty="0" err="1" smtClean="0"/>
+              <a:t>MPLight</a:t>
+            </a:r>
+            <a:r>
+              <a:rPr lang="en-US" altLang="ko-KR" dirty="0" smtClean="0"/>
+              <a:t> over all other methods (second best time, config3)</a:t>
+            </a:r>
+          </a:p>
+          <a:p>
+            <a:pPr lvl="1"/>
+            <a:r>
+              <a:rPr lang="en-US" altLang="ko-KR" dirty="0" smtClean="0"/>
+              <a:t>Throughput is increased 3% in </a:t>
+            </a:r>
+            <a:r>
+              <a:rPr lang="en-US" altLang="ko-KR" dirty="0" err="1" smtClean="0"/>
+              <a:t>MPLight</a:t>
+            </a:r>
+            <a:r>
+              <a:rPr lang="en-US" altLang="ko-KR" dirty="0" smtClean="0"/>
+              <a:t> over all other methods (second best time, config3)</a:t>
+            </a:r>
+            <a:endParaRPr lang="en-US" altLang="ko-KR" dirty="0"/>
+          </a:p>
+          <a:p>
+            <a:r>
+              <a:rPr lang="en-US" altLang="ko-KR" dirty="0" smtClean="0"/>
               <a:t> </a:t>
             </a:r>
             <a:r>
-              <a:rPr lang="ko-KR" altLang="en-US" dirty="0"/>
-              <a:t>네비게이션 시스템이 복잡</a:t>
-            </a:r>
-            <a:r>
-              <a:rPr lang="en-US" altLang="ko-KR" dirty="0"/>
-              <a:t>? Why </a:t>
-            </a:r>
-            <a:r>
-              <a:rPr lang="ko-KR" altLang="en-US" dirty="0"/>
-              <a:t>애들이 차량이 많은 쪽위주로 </a:t>
-            </a:r>
-            <a:r>
-              <a:rPr lang="ko-KR" altLang="en-US" dirty="0" err="1"/>
-              <a:t>열어주다보면</a:t>
-            </a:r>
-            <a:r>
-              <a:rPr lang="ko-KR" altLang="en-US" dirty="0"/>
-              <a:t> 분명 개인 입장에서 기다리는 시간이 길 것으로 판단</a:t>
-            </a:r>
+              <a:rPr lang="en-US" altLang="ko-KR" dirty="0" smtClean="0"/>
+              <a:t>Best performance compared to other RL method and Pressure control system</a:t>
+            </a:r>
+            <a:endParaRPr lang="en-US" altLang="ko-KR" dirty="0" smtClean="0"/>
+          </a:p>
+        </p:txBody>
+      </p:sp>
+      <p:pic>
+        <p:nvPicPr>
+          <p:cNvPr id="4" name="그림 3"/>
+          <p:cNvPicPr>
+            <a:picLocks noChangeAspect="1"/>
+          </p:cNvPicPr>
+          <p:nvPr/>
+        </p:nvPicPr>
+        <p:blipFill>
+          <a:blip r:embed="rId2"/>
+          <a:stretch>
+            <a:fillRect/>
+          </a:stretch>
+        </p:blipFill>
+        <p:spPr>
+          <a:xfrm>
+            <a:off x="1618374" y="3301802"/>
+            <a:ext cx="8176036" cy="2567292"/>
+          </a:xfrm>
+          <a:prstGeom prst="rect">
+            <a:avLst/>
+          </a:prstGeom>
+        </p:spPr>
+      </p:pic>
+      <p:sp>
+        <p:nvSpPr>
+          <p:cNvPr id="5" name="모서리가 둥근 직사각형 4"/>
+          <p:cNvSpPr/>
+          <p:nvPr/>
+        </p:nvSpPr>
+        <p:spPr>
+          <a:xfrm>
+            <a:off x="8283163" y="5298932"/>
+            <a:ext cx="413201" cy="172167"/>
+          </a:xfrm>
+          <a:prstGeom prst="roundRect">
+            <a:avLst/>
+          </a:prstGeom>
+          <a:noFill/>
+          <a:ln>
+            <a:solidFill>
+              <a:srgbClr val="FF0000"/>
+            </a:solidFill>
+          </a:ln>
+        </p:spPr>
+        <p:style>
+          <a:lnRef idx="2">
+            <a:schemeClr val="accent1">
+              <a:shade val="50000"/>
+            </a:schemeClr>
+          </a:lnRef>
+          <a:fillRef idx="1">
+            <a:schemeClr val="accent1"/>
+          </a:fillRef>
+          <a:effectRef idx="0">
+            <a:schemeClr val="accent1"/>
+          </a:effectRef>
+          <a:fontRef idx="minor">
+            <a:schemeClr val="lt1"/>
+          </a:fontRef>
+        </p:style>
+        <p:txBody>
+          <a:bodyPr rtlCol="0" anchor="ctr"/>
+          <a:lstStyle/>
+          <a:p>
+            <a:pPr algn="ctr"/>
+            <a:endParaRPr lang="ko-KR" altLang="en-US"/>
+          </a:p>
+        </p:txBody>
+      </p:sp>
+      <p:sp>
+        <p:nvSpPr>
+          <p:cNvPr id="6" name="모서리가 둥근 직사각형 5"/>
+          <p:cNvSpPr/>
+          <p:nvPr/>
+        </p:nvSpPr>
+        <p:spPr>
+          <a:xfrm>
+            <a:off x="8283163" y="5573759"/>
+            <a:ext cx="413201" cy="172167"/>
+          </a:xfrm>
+          <a:prstGeom prst="roundRect">
+            <a:avLst/>
+          </a:prstGeom>
+          <a:noFill/>
+          <a:ln>
+            <a:solidFill>
+              <a:srgbClr val="FF0000"/>
+            </a:solidFill>
+          </a:ln>
+        </p:spPr>
+        <p:style>
+          <a:lnRef idx="2">
+            <a:schemeClr val="accent1">
+              <a:shade val="50000"/>
+            </a:schemeClr>
+          </a:lnRef>
+          <a:fillRef idx="1">
+            <a:schemeClr val="accent1"/>
+          </a:fillRef>
+          <a:effectRef idx="0">
+            <a:schemeClr val="accent1"/>
+          </a:effectRef>
+          <a:fontRef idx="minor">
+            <a:schemeClr val="lt1"/>
+          </a:fontRef>
+        </p:style>
+        <p:txBody>
+          <a:bodyPr rtlCol="0" anchor="ctr"/>
+          <a:lstStyle/>
+          <a:p>
+            <a:pPr algn="ctr"/>
+            <a:endParaRPr lang="ko-KR" altLang="en-US"/>
+          </a:p>
+        </p:txBody>
+      </p:sp>
+      <p:sp>
+        <p:nvSpPr>
+          <p:cNvPr id="7" name="모서리가 둥근 직사각형 6"/>
+          <p:cNvSpPr/>
+          <p:nvPr/>
+        </p:nvSpPr>
+        <p:spPr>
+          <a:xfrm>
+            <a:off x="4812407" y="5080210"/>
+            <a:ext cx="536262" cy="172167"/>
+          </a:xfrm>
+          <a:prstGeom prst="roundRect">
+            <a:avLst/>
+          </a:prstGeom>
+          <a:noFill/>
+          <a:ln>
+            <a:solidFill>
+              <a:srgbClr val="FF0000"/>
+            </a:solidFill>
+          </a:ln>
+        </p:spPr>
+        <p:style>
+          <a:lnRef idx="2">
+            <a:schemeClr val="accent1">
+              <a:shade val="50000"/>
+            </a:schemeClr>
+          </a:lnRef>
+          <a:fillRef idx="1">
+            <a:schemeClr val="accent1"/>
+          </a:fillRef>
+          <a:effectRef idx="0">
+            <a:schemeClr val="accent1"/>
+          </a:effectRef>
+          <a:fontRef idx="minor">
+            <a:schemeClr val="lt1"/>
+          </a:fontRef>
+        </p:style>
+        <p:txBody>
+          <a:bodyPr rtlCol="0" anchor="ctr"/>
+          <a:lstStyle/>
+          <a:p>
+            <a:pPr algn="ctr"/>
+            <a:endParaRPr lang="ko-KR" altLang="en-US"/>
+          </a:p>
+        </p:txBody>
+      </p:sp>
+      <p:sp>
+        <p:nvSpPr>
+          <p:cNvPr id="8" name="모서리가 둥근 직사각형 7"/>
+          <p:cNvSpPr/>
+          <p:nvPr/>
+        </p:nvSpPr>
+        <p:spPr>
+          <a:xfrm>
+            <a:off x="4812407" y="5565467"/>
+            <a:ext cx="536262" cy="207879"/>
+          </a:xfrm>
+          <a:prstGeom prst="roundRect">
+            <a:avLst/>
+          </a:prstGeom>
+          <a:noFill/>
+          <a:ln>
+            <a:solidFill>
+              <a:srgbClr val="FF0000"/>
+            </a:solidFill>
+          </a:ln>
+        </p:spPr>
+        <p:style>
+          <a:lnRef idx="2">
+            <a:schemeClr val="accent1">
+              <a:shade val="50000"/>
+            </a:schemeClr>
+          </a:lnRef>
+          <a:fillRef idx="1">
+            <a:schemeClr val="accent1"/>
+          </a:fillRef>
+          <a:effectRef idx="0">
+            <a:schemeClr val="accent1"/>
+          </a:effectRef>
+          <a:fontRef idx="minor">
+            <a:schemeClr val="lt1"/>
+          </a:fontRef>
+        </p:style>
+        <p:txBody>
+          <a:bodyPr rtlCol="0" anchor="ctr"/>
+          <a:lstStyle/>
+          <a:p>
+            <a:pPr algn="ctr"/>
+            <a:endParaRPr lang="ko-KR" altLang="en-US"/>
           </a:p>
         </p:txBody>
       </p:sp>
     </p:spTree>
     <p:extLst>
       <p:ext uri="{BB962C8B-B14F-4D97-AF65-F5344CB8AC3E}">
-        <p14:creationId xmlns:p14="http://schemas.microsoft.com/office/powerpoint/2010/main" val="2088717915"/>
+        <p14:creationId xmlns:p14="http://schemas.microsoft.com/office/powerpoint/2010/main" val="730477723"/>
       </p:ext>
     </p:extLst>
   </p:cSld>
@@ -11975,7 +14025,11 @@
           <a:bodyPr/>
           <a:lstStyle/>
           <a:p>
-            <a:endParaRPr lang="ko-KR" altLang="en-US"/>
+            <a:r>
+              <a:rPr lang="en-US" altLang="ko-KR" dirty="0"/>
+              <a:t>Result</a:t>
+            </a:r>
+            <a:endParaRPr lang="ko-KR" altLang="en-US" dirty="0"/>
           </a:p>
         </p:txBody>
       </p:sp>
@@ -11994,14 +14048,247 @@
           <a:bodyPr/>
           <a:lstStyle/>
           <a:p>
-            <a:endParaRPr lang="ko-KR" altLang="en-US"/>
-          </a:p>
-        </p:txBody>
-      </p:sp>
+            <a:r>
+              <a:rPr lang="en-US" altLang="ko-KR" dirty="0" smtClean="0"/>
+              <a:t> Scalability Analysis</a:t>
+            </a:r>
+          </a:p>
+          <a:p>
+            <a:pPr lvl="1"/>
+            <a:r>
+              <a:rPr lang="en-US" altLang="ko-KR" dirty="0" smtClean="0"/>
+              <a:t>Evaluate the method with other baselines under Manhattan, 2500 signalized intersection</a:t>
+            </a:r>
+          </a:p>
+          <a:p>
+            <a:pPr lvl="1"/>
+            <a:r>
+              <a:rPr lang="en-US" altLang="ko-KR" dirty="0" smtClean="0"/>
+              <a:t>Compared to other methods, </a:t>
+            </a:r>
+            <a:r>
+              <a:rPr lang="en-US" altLang="ko-KR" dirty="0" err="1" smtClean="0"/>
+              <a:t>MPLight</a:t>
+            </a:r>
+            <a:r>
+              <a:rPr lang="en-US" altLang="ko-KR" dirty="0" smtClean="0"/>
+              <a:t> handle traffic signal more effectively and efficiently</a:t>
+            </a:r>
+          </a:p>
+          <a:p>
+            <a:r>
+              <a:rPr lang="en-US" altLang="ko-KR" dirty="0" smtClean="0"/>
+              <a:t> Impact of Pressure-based Design</a:t>
+            </a:r>
+          </a:p>
+          <a:p>
+            <a:pPr lvl="1"/>
+            <a:r>
+              <a:rPr lang="en-US" altLang="ko-KR" dirty="0" smtClean="0"/>
+              <a:t>Evaluate the performance of RL-based method with and without ‘pressure’.</a:t>
+            </a:r>
+          </a:p>
+        </p:txBody>
+      </p:sp>
+      <p:pic>
+        <p:nvPicPr>
+          <p:cNvPr id="5" name="그림 4"/>
+          <p:cNvPicPr>
+            <a:picLocks noChangeAspect="1"/>
+          </p:cNvPicPr>
+          <p:nvPr/>
+        </p:nvPicPr>
+        <p:blipFill>
+          <a:blip r:embed="rId2"/>
+          <a:stretch>
+            <a:fillRect/>
+          </a:stretch>
+        </p:blipFill>
+        <p:spPr>
+          <a:xfrm>
+            <a:off x="1330919" y="3642296"/>
+            <a:ext cx="3570692" cy="2667264"/>
+          </a:xfrm>
+          <a:prstGeom prst="rect">
+            <a:avLst/>
+          </a:prstGeom>
+        </p:spPr>
+      </p:pic>
+      <p:pic>
+        <p:nvPicPr>
+          <p:cNvPr id="6" name="그림 5"/>
+          <p:cNvPicPr>
+            <a:picLocks noChangeAspect="1"/>
+          </p:cNvPicPr>
+          <p:nvPr/>
+        </p:nvPicPr>
+        <p:blipFill>
+          <a:blip r:embed="rId3"/>
+          <a:stretch>
+            <a:fillRect/>
+          </a:stretch>
+        </p:blipFill>
+        <p:spPr>
+          <a:xfrm>
+            <a:off x="5753885" y="3642296"/>
+            <a:ext cx="3344203" cy="1893126"/>
+          </a:xfrm>
+          <a:prstGeom prst="rect">
+            <a:avLst/>
+          </a:prstGeom>
+        </p:spPr>
+      </p:pic>
     </p:spTree>
     <p:extLst>
       <p:ext uri="{BB962C8B-B14F-4D97-AF65-F5344CB8AC3E}">
-        <p14:creationId xmlns:p14="http://schemas.microsoft.com/office/powerpoint/2010/main" val="2316143761"/>
+        <p14:creationId xmlns:p14="http://schemas.microsoft.com/office/powerpoint/2010/main" val="2293835521"/>
+      </p:ext>
+    </p:extLst>
+  </p:cSld>
+  <p:clrMapOvr>
+    <a:masterClrMapping/>
+  </p:clrMapOvr>
+</p:sld>
+</file>
+
+<file path=ppt/slides/slide29.xml><?xml version="1.0" encoding="utf-8"?>
+<p:sld xmlns:a="http://schemas.openxmlformats.org/drawingml/2006/main" xmlns:r="http://schemas.openxmlformats.org/officeDocument/2006/relationships" xmlns:p="http://schemas.openxmlformats.org/presentationml/2006/main">
+  <p:cSld>
+    <p:spTree>
+      <p:nvGrpSpPr>
+        <p:cNvPr id="1" name=""/>
+        <p:cNvGrpSpPr/>
+        <p:nvPr/>
+      </p:nvGrpSpPr>
+      <p:grpSpPr>
+        <a:xfrm>
+          <a:off x="0" y="0"/>
+          <a:ext cx="0" cy="0"/>
+          <a:chOff x="0" y="0"/>
+          <a:chExt cx="0" cy="0"/>
+        </a:xfrm>
+      </p:grpSpPr>
+      <p:sp>
+        <p:nvSpPr>
+          <p:cNvPr id="2" name="제목 1"/>
+          <p:cNvSpPr>
+            <a:spLocks noGrp="1"/>
+          </p:cNvSpPr>
+          <p:nvPr>
+            <p:ph type="title"/>
+          </p:nvPr>
+        </p:nvSpPr>
+        <p:spPr/>
+        <p:txBody>
+          <a:bodyPr/>
+          <a:lstStyle/>
+          <a:p>
+            <a:r>
+              <a:rPr lang="en-US" altLang="ko-KR" dirty="0" smtClean="0"/>
+              <a:t>Result &amp; Conclusion</a:t>
+            </a:r>
+            <a:endParaRPr lang="ko-KR" altLang="en-US" dirty="0"/>
+          </a:p>
+        </p:txBody>
+      </p:sp>
+      <p:sp>
+        <p:nvSpPr>
+          <p:cNvPr id="3" name="내용 개체 틀 2"/>
+          <p:cNvSpPr>
+            <a:spLocks noGrp="1"/>
+          </p:cNvSpPr>
+          <p:nvPr>
+            <p:ph idx="1"/>
+          </p:nvPr>
+        </p:nvSpPr>
+        <p:spPr/>
+        <p:txBody>
+          <a:bodyPr/>
+          <a:lstStyle/>
+          <a:p>
+            <a:r>
+              <a:rPr lang="en-US" altLang="ko-KR" dirty="0" smtClean="0"/>
+              <a:t> Impact of Parameter Sharing (Super Agent)</a:t>
+            </a:r>
+          </a:p>
+          <a:p>
+            <a:pPr lvl="1"/>
+            <a:r>
+              <a:rPr lang="en-US" altLang="ko-KR" dirty="0" smtClean="0"/>
+              <a:t>Parameter sharing enables our model to converge faster</a:t>
+            </a:r>
+            <a:br>
+              <a:rPr lang="en-US" altLang="ko-KR" dirty="0" smtClean="0"/>
+            </a:br>
+            <a:r>
+              <a:rPr lang="en-US" altLang="ko-KR" dirty="0" smtClean="0">
+                <a:sym typeface="Wingdings" panose="05000000000000000000" pitchFamily="2" charset="2"/>
+              </a:rPr>
+              <a:t> Effectiveness of parameter sharing </a:t>
+            </a:r>
+          </a:p>
+          <a:p>
+            <a:pPr lvl="1"/>
+            <a:endParaRPr lang="en-US" altLang="ko-KR" dirty="0">
+              <a:sym typeface="Wingdings" panose="05000000000000000000" pitchFamily="2" charset="2"/>
+            </a:endParaRPr>
+          </a:p>
+          <a:p>
+            <a:pPr marL="201168" lvl="1" indent="0">
+              <a:buNone/>
+            </a:pPr>
+            <a:endParaRPr lang="en-US" altLang="ko-KR" dirty="0">
+              <a:sym typeface="Wingdings" panose="05000000000000000000" pitchFamily="2" charset="2"/>
+            </a:endParaRPr>
+          </a:p>
+          <a:p>
+            <a:r>
+              <a:rPr lang="en-US" altLang="ko-KR" dirty="0" smtClean="0">
+                <a:sym typeface="Wingdings" panose="05000000000000000000" pitchFamily="2" charset="2"/>
+              </a:rPr>
+              <a:t> Conclusion</a:t>
+            </a:r>
+          </a:p>
+          <a:p>
+            <a:pPr lvl="1"/>
+            <a:r>
+              <a:rPr lang="en-US" altLang="ko-KR" dirty="0" smtClean="0">
+                <a:sym typeface="Wingdings" panose="05000000000000000000" pitchFamily="2" charset="2"/>
+              </a:rPr>
+              <a:t>Need more elaborate design for coordination and cooperation among neighboring intersection</a:t>
+            </a:r>
+            <a:endParaRPr lang="ko-KR" altLang="en-US" dirty="0"/>
+          </a:p>
+        </p:txBody>
+      </p:sp>
+      <p:pic>
+        <p:nvPicPr>
+          <p:cNvPr id="4" name="그림 3"/>
+          <p:cNvPicPr>
+            <a:picLocks noChangeAspect="1"/>
+          </p:cNvPicPr>
+          <p:nvPr/>
+        </p:nvPicPr>
+        <p:blipFill>
+          <a:blip r:embed="rId2"/>
+          <a:stretch>
+            <a:fillRect/>
+          </a:stretch>
+        </p:blipFill>
+        <p:spPr>
+          <a:xfrm>
+            <a:off x="7697898" y="1953921"/>
+            <a:ext cx="2861698" cy="1229362"/>
+          </a:xfrm>
+          <a:prstGeom prst="rect">
+            <a:avLst/>
+          </a:prstGeom>
+        </p:spPr>
+      </p:pic>
+    </p:spTree>
+    <p:extLst>
+      <p:ext uri="{BB962C8B-B14F-4D97-AF65-F5344CB8AC3E}">
+        <p14:creationId xmlns:p14="http://schemas.microsoft.com/office/powerpoint/2010/main" val="1950302648"/>
       </p:ext>
     </p:extLst>
   </p:cSld>
@@ -12044,8 +14331,8 @@
           <a:lstStyle/>
           <a:p>
             <a:r>
-              <a:rPr lang="en-US" altLang="ko-KR" dirty="0"/>
-              <a:t>TOD</a:t>
+              <a:rPr lang="en-US" altLang="ko-KR" dirty="0" smtClean="0"/>
+              <a:t>Preliminary</a:t>
             </a:r>
             <a:endParaRPr lang="ko-KR" altLang="en-US" dirty="0"/>
           </a:p>
@@ -12066,14 +14353,1834 @@
           <a:bodyPr/>
           <a:lstStyle/>
           <a:p>
-            <a:endParaRPr lang="ko-KR" altLang="en-US"/>
-          </a:p>
-        </p:txBody>
-      </p:sp>
+            <a:r>
+              <a:rPr lang="en-US" altLang="ko-KR" dirty="0" smtClean="0"/>
+              <a:t> TOD Control (Time of Day), Pre-time, Fix time</a:t>
+            </a:r>
+          </a:p>
+          <a:p>
+            <a:pPr lvl="1"/>
+            <a:r>
+              <a:rPr lang="en-US" altLang="ko-KR" dirty="0" smtClean="0"/>
+              <a:t>1</a:t>
+            </a:r>
+            <a:r>
+              <a:rPr lang="ko-KR" altLang="en-US" dirty="0" smtClean="0"/>
+              <a:t>일 시간대 별로 사용자가 입력한 신호 시간에 따라 매일 반복하여 신호를 제어하는 것</a:t>
+            </a:r>
+            <a:endParaRPr lang="en-US" altLang="ko-KR" dirty="0" smtClean="0"/>
+          </a:p>
+          <a:p>
+            <a:pPr lvl="1"/>
+            <a:r>
+              <a:rPr lang="ko-KR" altLang="en-US" dirty="0" smtClean="0"/>
+              <a:t>장점</a:t>
+            </a:r>
+            <a:r>
+              <a:rPr lang="en-US" altLang="ko-KR" dirty="0" smtClean="0"/>
+              <a:t> </a:t>
+            </a:r>
+          </a:p>
+          <a:p>
+            <a:pPr lvl="2"/>
+            <a:r>
+              <a:rPr lang="ko-KR" altLang="en-US" dirty="0" smtClean="0"/>
+              <a:t>안정된 도로에서 효율이 높고</a:t>
+            </a:r>
+            <a:r>
+              <a:rPr lang="en-US" altLang="ko-KR" dirty="0" smtClean="0"/>
+              <a:t>, </a:t>
+            </a:r>
+            <a:r>
+              <a:rPr lang="ko-KR" altLang="en-US" dirty="0" smtClean="0"/>
+              <a:t>요일 별 혹은 일 별 교통 </a:t>
+            </a:r>
+            <a:r>
+              <a:rPr lang="ko-KR" altLang="en-US" dirty="0" err="1" smtClean="0"/>
+              <a:t>변동량이</a:t>
+            </a:r>
+            <a:r>
+              <a:rPr lang="ko-KR" altLang="en-US" dirty="0" smtClean="0"/>
+              <a:t> 적으면 효율적</a:t>
+            </a:r>
+            <a:endParaRPr lang="en-US" altLang="ko-KR" dirty="0" smtClean="0"/>
+          </a:p>
+          <a:p>
+            <a:pPr lvl="1"/>
+            <a:r>
+              <a:rPr lang="ko-KR" altLang="en-US" dirty="0" smtClean="0"/>
+              <a:t>단점</a:t>
+            </a:r>
+            <a:endParaRPr lang="en-US" altLang="ko-KR" dirty="0" smtClean="0"/>
+          </a:p>
+          <a:p>
+            <a:pPr lvl="2"/>
+            <a:r>
+              <a:rPr lang="ko-KR" altLang="en-US" dirty="0" smtClean="0"/>
+              <a:t>복잡한 도로에서 효율이 낮음</a:t>
+            </a:r>
+            <a:endParaRPr lang="en-US" altLang="ko-KR" dirty="0" smtClean="0"/>
+          </a:p>
+          <a:p>
+            <a:pPr lvl="2"/>
+            <a:r>
+              <a:rPr lang="ko-KR" altLang="en-US" dirty="0" smtClean="0"/>
+              <a:t>사용자의 사전 조사 및 검증이 필요</a:t>
+            </a:r>
+            <a:endParaRPr lang="en-US" altLang="ko-KR" dirty="0" smtClean="0"/>
+          </a:p>
+          <a:p>
+            <a:pPr lvl="1"/>
+            <a:endParaRPr lang="en-US" altLang="ko-KR" dirty="0"/>
+          </a:p>
+          <a:p>
+            <a:pPr lvl="1"/>
+            <a:r>
+              <a:rPr lang="ko-KR" altLang="en-US" dirty="0" smtClean="0"/>
+              <a:t>적합 주기</a:t>
+            </a:r>
+            <a:r>
+              <a:rPr lang="en-US" altLang="ko-KR" dirty="0" smtClean="0"/>
+              <a:t>, </a:t>
+            </a:r>
+            <a:r>
+              <a:rPr lang="ko-KR" altLang="en-US" dirty="0" smtClean="0"/>
+              <a:t>녹색 시간</a:t>
+            </a:r>
+            <a:r>
+              <a:rPr lang="en-US" altLang="ko-KR" dirty="0" smtClean="0"/>
+              <a:t>, Offset</a:t>
+            </a:r>
+            <a:r>
+              <a:rPr lang="ko-KR" altLang="en-US" dirty="0" smtClean="0"/>
+              <a:t>을 준비한 후 설정된 신호 시간으로 운영</a:t>
+            </a:r>
+            <a:endParaRPr lang="en-US" altLang="ko-KR" dirty="0" smtClean="0"/>
+          </a:p>
+          <a:p>
+            <a:pPr lvl="1"/>
+            <a:r>
+              <a:rPr lang="ko-KR" altLang="en-US" dirty="0" smtClean="0"/>
+              <a:t>가로 축</a:t>
+            </a:r>
+            <a:r>
+              <a:rPr lang="en-US" altLang="ko-KR" dirty="0" smtClean="0"/>
+              <a:t>, </a:t>
+            </a:r>
+            <a:r>
+              <a:rPr lang="ko-KR" altLang="en-US" dirty="0" smtClean="0"/>
+              <a:t>지역 별로 유사 교통 패턴을 갖는 경우 </a:t>
+            </a:r>
+            <a:r>
+              <a:rPr lang="en-US" altLang="ko-KR" dirty="0" smtClean="0"/>
+              <a:t>‘</a:t>
+            </a:r>
+            <a:r>
+              <a:rPr lang="ko-KR" altLang="en-US" dirty="0" smtClean="0"/>
+              <a:t>교차로 </a:t>
+            </a:r>
+            <a:r>
+              <a:rPr lang="en-US" altLang="ko-KR" dirty="0" smtClean="0"/>
+              <a:t>group’ </a:t>
+            </a:r>
+            <a:r>
+              <a:rPr lang="ko-KR" altLang="en-US" dirty="0" smtClean="0"/>
+              <a:t>편성</a:t>
+            </a:r>
+            <a:endParaRPr lang="en-US" altLang="ko-KR" dirty="0" smtClean="0"/>
+          </a:p>
+          <a:p>
+            <a:pPr lvl="1"/>
+            <a:endParaRPr lang="ko-KR" altLang="en-US" dirty="0"/>
+          </a:p>
+        </p:txBody>
+      </p:sp>
+      <mc:AlternateContent xmlns:mc="http://schemas.openxmlformats.org/markup-compatibility/2006" xmlns:a14="http://schemas.microsoft.com/office/drawing/2010/main">
+        <mc:Choice Requires="a14">
+          <p:sp>
+            <p:nvSpPr>
+              <p:cNvPr id="4" name="TextBox 3"/>
+              <p:cNvSpPr txBox="1"/>
+              <p:nvPr/>
+            </p:nvSpPr>
+            <p:spPr>
+              <a:xfrm>
+                <a:off x="1301858" y="5091193"/>
+                <a:ext cx="3975315" cy="716928"/>
+              </a:xfrm>
+              <a:prstGeom prst="rect">
+                <a:avLst/>
+              </a:prstGeom>
+              <a:noFill/>
+            </p:spPr>
+            <p:txBody>
+              <a:bodyPr wrap="square" rtlCol="0">
+                <a:spAutoFit/>
+              </a:bodyPr>
+              <a:lstStyle/>
+              <a:p>
+                <a:pPr/>
+                <a14:m>
+                  <m:oMathPara xmlns:m="http://schemas.openxmlformats.org/officeDocument/2006/math">
+                    <m:oMathParaPr>
+                      <m:jc m:val="centerGroup"/>
+                    </m:oMathParaPr>
+                    <m:oMath xmlns:m="http://schemas.openxmlformats.org/officeDocument/2006/math">
+                      <m:r>
+                        <a:rPr lang="en-US" altLang="ko-KR" i="1" dirty="0" smtClean="0">
+                          <a:latin typeface="Cambria Math" panose="02040503050406030204" pitchFamily="18" charset="0"/>
+                        </a:rPr>
+                        <m:t>𝑂𝑓𝑓𝑠𝑒𝑡</m:t>
+                      </m:r>
+                      <m:r>
+                        <a:rPr lang="en-US" altLang="ko-KR" i="1" dirty="0" smtClean="0">
+                          <a:latin typeface="Cambria Math" panose="02040503050406030204" pitchFamily="18" charset="0"/>
+                        </a:rPr>
+                        <m:t>=</m:t>
+                      </m:r>
+                      <m:f>
+                        <m:fPr>
+                          <m:ctrlPr>
+                            <a:rPr lang="en-US" altLang="ko-KR" i="1" dirty="0" smtClean="0">
+                              <a:latin typeface="Cambria Math" panose="02040503050406030204" pitchFamily="18" charset="0"/>
+                            </a:rPr>
+                          </m:ctrlPr>
+                        </m:fPr>
+                        <m:num>
+                          <m:r>
+                            <a:rPr lang="en-US" altLang="ko-KR" b="0" i="1" dirty="0" smtClean="0">
+                              <a:latin typeface="Cambria Math" panose="02040503050406030204" pitchFamily="18" charset="0"/>
+                            </a:rPr>
+                            <m:t>(</m:t>
+                          </m:r>
+                          <m:r>
+                            <a:rPr lang="ko-KR" altLang="en-US" i="1" dirty="0">
+                              <a:latin typeface="Cambria Math" panose="02040503050406030204" pitchFamily="18" charset="0"/>
+                            </a:rPr>
+                            <m:t>교</m:t>
+                          </m:r>
+                          <m:r>
+                            <a:rPr lang="ko-KR" altLang="en-US" i="1" dirty="0" smtClean="0">
+                              <a:latin typeface="Cambria Math" panose="02040503050406030204" pitchFamily="18" charset="0"/>
+                            </a:rPr>
+                            <m:t>차</m:t>
+                          </m:r>
+                          <m:r>
+                            <a:rPr lang="ko-KR" altLang="en-US" i="1" dirty="0">
+                              <a:latin typeface="Cambria Math" panose="02040503050406030204" pitchFamily="18" charset="0"/>
+                            </a:rPr>
+                            <m:t>로</m:t>
+                          </m:r>
+                          <m:r>
+                            <a:rPr lang="en-US" altLang="ko-KR" b="0" i="1" dirty="0" smtClean="0">
+                              <a:latin typeface="Cambria Math" panose="02040503050406030204" pitchFamily="18" charset="0"/>
+                            </a:rPr>
+                            <m:t> </m:t>
+                          </m:r>
+                          <m:r>
+                            <a:rPr lang="ko-KR" altLang="en-US" i="1" dirty="0" err="1" smtClean="0">
+                              <a:latin typeface="Cambria Math" panose="02040503050406030204" pitchFamily="18" charset="0"/>
+                            </a:rPr>
+                            <m:t>양끝</m:t>
+                          </m:r>
+                          <m:r>
+                            <a:rPr lang="en-US" altLang="ko-KR" b="0" i="1" dirty="0" smtClean="0">
+                              <a:latin typeface="Cambria Math" panose="02040503050406030204" pitchFamily="18" charset="0"/>
+                            </a:rPr>
+                            <m:t> </m:t>
+                          </m:r>
+                          <m:r>
+                            <a:rPr lang="ko-KR" altLang="en-US" i="1" dirty="0" err="1">
+                              <a:latin typeface="Cambria Math" panose="02040503050406030204" pitchFamily="18" charset="0"/>
+                            </a:rPr>
+                            <m:t>간</m:t>
+                          </m:r>
+                          <m:r>
+                            <a:rPr lang="en-US" altLang="ko-KR" b="0" i="1" dirty="0" smtClean="0">
+                              <a:latin typeface="Cambria Math" panose="02040503050406030204" pitchFamily="18" charset="0"/>
+                            </a:rPr>
+                            <m:t> </m:t>
+                          </m:r>
+                          <m:r>
+                            <a:rPr lang="ko-KR" altLang="en-US" i="1" dirty="0" err="1" smtClean="0">
+                              <a:latin typeface="Cambria Math" panose="02040503050406030204" pitchFamily="18" charset="0"/>
+                            </a:rPr>
+                            <m:t>거리</m:t>
+                          </m:r>
+                          <m:r>
+                            <a:rPr lang="en-US" altLang="ko-KR" b="0" i="1" dirty="0" smtClean="0">
+                              <a:latin typeface="Cambria Math" panose="02040503050406030204" pitchFamily="18" charset="0"/>
+                            </a:rPr>
+                            <m:t>)</m:t>
+                          </m:r>
+                        </m:num>
+                        <m:den>
+                          <m:r>
+                            <a:rPr lang="en-US" altLang="ko-KR" b="0" i="1" dirty="0" smtClean="0">
+                              <a:latin typeface="Cambria Math" panose="02040503050406030204" pitchFamily="18" charset="0"/>
+                            </a:rPr>
+                            <m:t>(</m:t>
+                          </m:r>
+                          <m:r>
+                            <a:rPr lang="ko-KR" altLang="en-US" i="1" dirty="0">
+                              <a:latin typeface="Cambria Math" panose="02040503050406030204" pitchFamily="18" charset="0"/>
+                            </a:rPr>
+                            <m:t>주행차량속도</m:t>
+                          </m:r>
+                          <m:r>
+                            <a:rPr lang="en-US" altLang="ko-KR" b="0" i="1" dirty="0" smtClean="0">
+                              <a:latin typeface="Cambria Math" panose="02040503050406030204" pitchFamily="18" charset="0"/>
+                            </a:rPr>
+                            <m:t>)</m:t>
+                          </m:r>
+                        </m:den>
+                      </m:f>
+                    </m:oMath>
+                  </m:oMathPara>
+                </a14:m>
+                <a:endParaRPr lang="ko-KR" altLang="en-US" dirty="0"/>
+              </a:p>
+            </p:txBody>
+          </p:sp>
+        </mc:Choice>
+        <mc:Fallback xmlns="">
+          <p:sp>
+            <p:nvSpPr>
+              <p:cNvPr id="4" name="TextBox 3"/>
+              <p:cNvSpPr txBox="1">
+                <a:spLocks noRot="1" noChangeAspect="1" noMove="1" noResize="1" noEditPoints="1" noAdjustHandles="1" noChangeArrowheads="1" noChangeShapeType="1" noTextEdit="1"/>
+              </p:cNvSpPr>
+              <p:nvPr/>
+            </p:nvSpPr>
+            <p:spPr>
+              <a:xfrm>
+                <a:off x="1301858" y="5091193"/>
+                <a:ext cx="3975315" cy="716928"/>
+              </a:xfrm>
+              <a:prstGeom prst="rect">
+                <a:avLst/>
+              </a:prstGeom>
+              <a:blipFill>
+                <a:blip r:embed="rId2"/>
+                <a:stretch>
+                  <a:fillRect/>
+                </a:stretch>
+              </a:blipFill>
+            </p:spPr>
+            <p:txBody>
+              <a:bodyPr/>
+              <a:lstStyle/>
+              <a:p>
+                <a:r>
+                  <a:rPr lang="ko-KR" altLang="en-US">
+                    <a:noFill/>
+                  </a:rPr>
+                  <a:t> </a:t>
+                </a:r>
+              </a:p>
+            </p:txBody>
+          </p:sp>
+        </mc:Fallback>
+      </mc:AlternateContent>
     </p:spTree>
     <p:extLst>
       <p:ext uri="{BB962C8B-B14F-4D97-AF65-F5344CB8AC3E}">
         <p14:creationId xmlns:p14="http://schemas.microsoft.com/office/powerpoint/2010/main" val="642848603"/>
+      </p:ext>
+    </p:extLst>
+  </p:cSld>
+  <p:clrMapOvr>
+    <a:masterClrMapping/>
+  </p:clrMapOvr>
+</p:sld>
+</file>
+
+<file path=ppt/slides/slide30.xml><?xml version="1.0" encoding="utf-8"?>
+<p:sld xmlns:a="http://schemas.openxmlformats.org/drawingml/2006/main" xmlns:r="http://schemas.openxmlformats.org/officeDocument/2006/relationships" xmlns:p="http://schemas.openxmlformats.org/presentationml/2006/main">
+  <p:cSld>
+    <p:spTree>
+      <p:nvGrpSpPr>
+        <p:cNvPr id="1" name=""/>
+        <p:cNvGrpSpPr/>
+        <p:nvPr/>
+      </p:nvGrpSpPr>
+      <p:grpSpPr>
+        <a:xfrm>
+          <a:off x="0" y="0"/>
+          <a:ext cx="0" cy="0"/>
+          <a:chOff x="0" y="0"/>
+          <a:chExt cx="0" cy="0"/>
+        </a:xfrm>
+      </p:grpSpPr>
+      <p:sp>
+        <p:nvSpPr>
+          <p:cNvPr id="2" name="제목 1"/>
+          <p:cNvSpPr>
+            <a:spLocks noGrp="1"/>
+          </p:cNvSpPr>
+          <p:nvPr>
+            <p:ph type="title"/>
+          </p:nvPr>
+        </p:nvSpPr>
+        <p:spPr/>
+        <p:txBody>
+          <a:bodyPr/>
+          <a:lstStyle/>
+          <a:p>
+            <a:r>
+              <a:rPr lang="ko-KR" altLang="en-US" dirty="0"/>
+              <a:t>현재 </a:t>
+            </a:r>
+            <a:r>
+              <a:rPr lang="en-US" altLang="ko-KR" dirty="0"/>
+              <a:t>State</a:t>
+            </a:r>
+            <a:r>
+              <a:rPr lang="ko-KR" altLang="en-US" dirty="0"/>
+              <a:t>와 </a:t>
+            </a:r>
+            <a:r>
+              <a:rPr lang="en-US" altLang="ko-KR" dirty="0"/>
+              <a:t>Action, Reward </a:t>
+            </a:r>
+            <a:r>
+              <a:rPr lang="ko-KR" altLang="en-US" dirty="0"/>
+              <a:t>구성 방식</a:t>
+            </a:r>
+          </a:p>
+        </p:txBody>
+      </p:sp>
+      <p:sp>
+        <p:nvSpPr>
+          <p:cNvPr id="3" name="내용 개체 틀 2"/>
+          <p:cNvSpPr>
+            <a:spLocks noGrp="1"/>
+          </p:cNvSpPr>
+          <p:nvPr>
+            <p:ph idx="1"/>
+          </p:nvPr>
+        </p:nvSpPr>
+        <p:spPr>
+          <a:xfrm>
+            <a:off x="1097280" y="1845734"/>
+            <a:ext cx="10756364" cy="4023360"/>
+          </a:xfrm>
+        </p:spPr>
+        <p:txBody>
+          <a:bodyPr/>
+          <a:lstStyle/>
+          <a:p>
+            <a:r>
+              <a:rPr lang="ko-KR" altLang="en-US" dirty="0" smtClean="0"/>
+              <a:t> 공통 </a:t>
+            </a:r>
+            <a:r>
+              <a:rPr lang="ko-KR" altLang="en-US" dirty="0"/>
+              <a:t>주기</a:t>
+            </a:r>
+            <a:r>
+              <a:rPr lang="en-US" altLang="ko-KR" dirty="0"/>
+              <a:t>: 90s (time step: 90</a:t>
+            </a:r>
+            <a:r>
+              <a:rPr lang="ko-KR" altLang="en-US" dirty="0"/>
+              <a:t>초</a:t>
+            </a:r>
+            <a:r>
+              <a:rPr lang="en-US" altLang="ko-KR" dirty="0"/>
+              <a:t>)</a:t>
+            </a:r>
+            <a:br>
+              <a:rPr lang="en-US" altLang="ko-KR" dirty="0"/>
+            </a:br>
+            <a:r>
+              <a:rPr lang="en-US" altLang="ko-KR" dirty="0"/>
+              <a:t>- simulation Step: 1s</a:t>
+            </a:r>
+            <a:br>
+              <a:rPr lang="en-US" altLang="ko-KR" dirty="0"/>
+            </a:br>
+            <a:r>
+              <a:rPr lang="en-US" altLang="ko-KR" dirty="0"/>
+              <a:t>- target update</a:t>
+            </a:r>
+            <a:r>
+              <a:rPr lang="ko-KR" altLang="en-US" dirty="0"/>
+              <a:t>주기</a:t>
+            </a:r>
+            <a:r>
+              <a:rPr lang="en-US" altLang="ko-KR" dirty="0"/>
+              <a:t>: </a:t>
+            </a:r>
+            <a:r>
+              <a:rPr lang="ko-KR" altLang="en-US" dirty="0"/>
+              <a:t>매 </a:t>
+            </a:r>
+            <a:r>
+              <a:rPr lang="en-US" altLang="ko-KR" dirty="0"/>
+              <a:t>10 time step(900s)</a:t>
+            </a:r>
+          </a:p>
+          <a:p>
+            <a:r>
+              <a:rPr lang="en-US" altLang="ko-KR" dirty="0" smtClean="0"/>
+              <a:t> State</a:t>
+            </a:r>
+            <a:endParaRPr lang="en-US" altLang="ko-KR" dirty="0"/>
+          </a:p>
+          <a:p>
+            <a:pPr lvl="1"/>
+            <a:r>
+              <a:rPr lang="en-US" altLang="ko-KR" dirty="0"/>
+              <a:t>Junction B1, B2</a:t>
+            </a:r>
+            <a:r>
+              <a:rPr lang="ko-KR" altLang="en-US" dirty="0"/>
+              <a:t>의 </a:t>
+            </a:r>
+            <a:r>
+              <a:rPr lang="en-US" altLang="ko-KR" dirty="0"/>
+              <a:t>lane</a:t>
+            </a:r>
+            <a:r>
+              <a:rPr lang="ko-KR" altLang="en-US" dirty="0"/>
+              <a:t>별 정지한 차량의 수와 총 차량의 수 </a:t>
+            </a:r>
+            <a:r>
+              <a:rPr lang="en-US" altLang="ko-KR" dirty="0"/>
+              <a:t>(B1: 30lanes, B2:28lanes) </a:t>
+            </a:r>
+            <a:r>
+              <a:rPr lang="en-US" altLang="ko-KR" dirty="0">
+                <a:sym typeface="Wingdings" panose="05000000000000000000" pitchFamily="2" charset="2"/>
+              </a:rPr>
+              <a:t> Pressure Light</a:t>
+            </a:r>
+            <a:endParaRPr lang="en-US" altLang="ko-KR" dirty="0"/>
+          </a:p>
+          <a:p>
+            <a:pPr lvl="1"/>
+            <a:r>
+              <a:rPr lang="en-US" altLang="ko-KR" dirty="0" err="1"/>
+              <a:t>lightMatrix</a:t>
+            </a:r>
+            <a:r>
+              <a:rPr lang="en-US" altLang="ko-KR" dirty="0"/>
+              <a:t>: B1</a:t>
+            </a:r>
+            <a:r>
+              <a:rPr lang="ko-KR" altLang="en-US" dirty="0"/>
+              <a:t>과 </a:t>
+            </a:r>
+            <a:r>
+              <a:rPr lang="en-US" altLang="ko-KR" dirty="0"/>
+              <a:t>B2</a:t>
+            </a:r>
+            <a:r>
+              <a:rPr lang="ko-KR" altLang="en-US" dirty="0"/>
+              <a:t>의 </a:t>
+            </a:r>
+            <a:r>
+              <a:rPr lang="en-US" altLang="ko-KR" dirty="0"/>
+              <a:t>phase (3</a:t>
+            </a:r>
+            <a:r>
+              <a:rPr lang="ko-KR" altLang="en-US" dirty="0"/>
+              <a:t>초 </a:t>
+            </a:r>
+            <a:r>
+              <a:rPr lang="en-US" altLang="ko-KR" dirty="0"/>
+              <a:t>duration</a:t>
+            </a:r>
+            <a:r>
+              <a:rPr lang="ko-KR" altLang="en-US" dirty="0"/>
+              <a:t>을 가진 </a:t>
+            </a:r>
+            <a:r>
+              <a:rPr lang="en-US" altLang="ko-KR" dirty="0"/>
+              <a:t>phase data</a:t>
+            </a:r>
+            <a:r>
+              <a:rPr lang="ko-KR" altLang="en-US" dirty="0"/>
+              <a:t>가 </a:t>
+            </a:r>
+            <a:r>
+              <a:rPr lang="en-US" altLang="ko-KR" dirty="0"/>
+              <a:t>state</a:t>
+            </a:r>
+            <a:r>
+              <a:rPr lang="ko-KR" altLang="en-US" dirty="0"/>
+              <a:t>로 존재하지 않음</a:t>
+            </a:r>
+            <a:r>
+              <a:rPr lang="en-US" altLang="ko-KR" dirty="0"/>
+              <a:t>)</a:t>
+            </a:r>
+          </a:p>
+          <a:p>
+            <a:r>
+              <a:rPr lang="en-US" altLang="ko-KR" dirty="0" smtClean="0"/>
+              <a:t> Action </a:t>
+            </a:r>
+            <a:r>
+              <a:rPr lang="en-US" altLang="ko-KR" dirty="0"/>
+              <a:t/>
+            </a:r>
+            <a:br>
+              <a:rPr lang="en-US" altLang="ko-KR" dirty="0"/>
+            </a:br>
+            <a:r>
+              <a:rPr lang="en-US" altLang="ko-KR" dirty="0"/>
+              <a:t>- Junction B2</a:t>
+            </a:r>
+            <a:r>
+              <a:rPr lang="ko-KR" altLang="en-US" dirty="0"/>
+              <a:t>가 </a:t>
+            </a:r>
+            <a:r>
+              <a:rPr lang="en-US" altLang="ko-KR" dirty="0"/>
+              <a:t>Agent </a:t>
+            </a:r>
+            <a:r>
+              <a:rPr lang="en-US" altLang="ko-KR" dirty="0">
+                <a:sym typeface="Wingdings" panose="05000000000000000000" pitchFamily="2" charset="2"/>
+              </a:rPr>
+              <a:t> B2</a:t>
+            </a:r>
+            <a:r>
+              <a:rPr lang="ko-KR" altLang="en-US" dirty="0">
+                <a:sym typeface="Wingdings" panose="05000000000000000000" pitchFamily="2" charset="2"/>
+              </a:rPr>
+              <a:t>의 </a:t>
+            </a:r>
+            <a:r>
+              <a:rPr lang="en-US" altLang="ko-KR" dirty="0">
+                <a:sym typeface="Wingdings" panose="05000000000000000000" pitchFamily="2" charset="2"/>
+              </a:rPr>
+              <a:t>Phase Duration </a:t>
+            </a:r>
+            <a:r>
+              <a:rPr lang="ko-KR" altLang="en-US" dirty="0">
+                <a:sym typeface="Wingdings" panose="05000000000000000000" pitchFamily="2" charset="2"/>
+              </a:rPr>
+              <a:t>조정</a:t>
+            </a:r>
+            <a:endParaRPr lang="en-US" altLang="ko-KR" dirty="0"/>
+          </a:p>
+          <a:p>
+            <a:pPr lvl="1"/>
+            <a:r>
+              <a:rPr lang="en-US" altLang="ko-KR" dirty="0"/>
+              <a:t>phase1_duration: </a:t>
+            </a:r>
+            <a:r>
+              <a:rPr lang="en-US" altLang="ko-KR" dirty="0" err="1"/>
+              <a:t>GGGGGggrrrrrrrGGGGGggrrrrrrr</a:t>
+            </a:r>
+            <a:r>
+              <a:rPr lang="en-US" altLang="ko-KR" dirty="0"/>
+              <a:t> (Min: 20s, Max: 64s, yellow light:6s)</a:t>
+            </a:r>
+          </a:p>
+          <a:p>
+            <a:pPr lvl="1"/>
+            <a:r>
+              <a:rPr lang="en-US" altLang="ko-KR" dirty="0"/>
+              <a:t>phase2_duration: </a:t>
+            </a:r>
+            <a:r>
+              <a:rPr lang="en-US" altLang="ko-KR" dirty="0" err="1"/>
+              <a:t>GGGGGggrrrrrrrrGGGGGggrrrrrrrr</a:t>
+            </a:r>
+            <a:endParaRPr lang="en-US" altLang="ko-KR" dirty="0"/>
+          </a:p>
+        </p:txBody>
+      </p:sp>
+    </p:spTree>
+    <p:extLst>
+      <p:ext uri="{BB962C8B-B14F-4D97-AF65-F5344CB8AC3E}">
+        <p14:creationId xmlns:p14="http://schemas.microsoft.com/office/powerpoint/2010/main" val="677275479"/>
+      </p:ext>
+    </p:extLst>
+  </p:cSld>
+  <p:clrMapOvr>
+    <a:masterClrMapping/>
+  </p:clrMapOvr>
+</p:sld>
+</file>
+
+<file path=ppt/slides/slide31.xml><?xml version="1.0" encoding="utf-8"?>
+<p:sld xmlns:a="http://schemas.openxmlformats.org/drawingml/2006/main" xmlns:r="http://schemas.openxmlformats.org/officeDocument/2006/relationships" xmlns:p="http://schemas.openxmlformats.org/presentationml/2006/main">
+  <p:cSld>
+    <p:spTree>
+      <p:nvGrpSpPr>
+        <p:cNvPr id="1" name=""/>
+        <p:cNvGrpSpPr/>
+        <p:nvPr/>
+      </p:nvGrpSpPr>
+      <p:grpSpPr>
+        <a:xfrm>
+          <a:off x="0" y="0"/>
+          <a:ext cx="0" cy="0"/>
+          <a:chOff x="0" y="0"/>
+          <a:chExt cx="0" cy="0"/>
+        </a:xfrm>
+      </p:grpSpPr>
+      <p:sp>
+        <p:nvSpPr>
+          <p:cNvPr id="2" name="제목 1"/>
+          <p:cNvSpPr>
+            <a:spLocks noGrp="1"/>
+          </p:cNvSpPr>
+          <p:nvPr>
+            <p:ph type="title"/>
+          </p:nvPr>
+        </p:nvSpPr>
+        <p:spPr/>
+        <p:txBody>
+          <a:bodyPr/>
+          <a:lstStyle/>
+          <a:p>
+            <a:r>
+              <a:rPr lang="ko-KR" altLang="en-US" dirty="0"/>
+              <a:t>현재 </a:t>
+            </a:r>
+            <a:r>
+              <a:rPr lang="en-US" altLang="ko-KR" dirty="0"/>
+              <a:t>State</a:t>
+            </a:r>
+            <a:r>
+              <a:rPr lang="ko-KR" altLang="en-US" dirty="0"/>
+              <a:t>와 </a:t>
+            </a:r>
+            <a:r>
+              <a:rPr lang="en-US" altLang="ko-KR" dirty="0"/>
+              <a:t>Action, Reward </a:t>
+            </a:r>
+            <a:r>
+              <a:rPr lang="ko-KR" altLang="en-US" dirty="0"/>
+              <a:t>구성 방식</a:t>
+            </a:r>
+          </a:p>
+        </p:txBody>
+      </p:sp>
+      <p:sp>
+        <p:nvSpPr>
+          <p:cNvPr id="3" name="내용 개체 틀 2"/>
+          <p:cNvSpPr>
+            <a:spLocks noGrp="1"/>
+          </p:cNvSpPr>
+          <p:nvPr>
+            <p:ph idx="1"/>
+          </p:nvPr>
+        </p:nvSpPr>
+        <p:spPr/>
+        <p:txBody>
+          <a:bodyPr/>
+          <a:lstStyle/>
+          <a:p>
+            <a:pPr>
+              <a:lnSpc>
+                <a:spcPct val="120000"/>
+              </a:lnSpc>
+            </a:pPr>
+            <a:r>
+              <a:rPr lang="en-US" altLang="ko-KR" dirty="0"/>
+              <a:t>Reward</a:t>
+            </a:r>
+          </a:p>
+          <a:p>
+            <a:pPr lvl="1">
+              <a:lnSpc>
+                <a:spcPct val="120000"/>
+              </a:lnSpc>
+            </a:pPr>
+            <a:r>
+              <a:rPr lang="en-US" altLang="ko-KR" dirty="0"/>
+              <a:t> phase1_duration*0.1: phase1</a:t>
+            </a:r>
+            <a:r>
+              <a:rPr lang="ko-KR" altLang="en-US" dirty="0"/>
+              <a:t>의 </a:t>
+            </a:r>
+            <a:r>
+              <a:rPr lang="en-US" altLang="ko-KR" dirty="0"/>
+              <a:t>duration</a:t>
+            </a:r>
+            <a:r>
+              <a:rPr lang="ko-KR" altLang="en-US" dirty="0"/>
+              <a:t>에 가점 부여</a:t>
+            </a:r>
+            <a:endParaRPr lang="en-US" altLang="ko-KR" dirty="0"/>
+          </a:p>
+          <a:p>
+            <a:pPr lvl="1">
+              <a:lnSpc>
+                <a:spcPct val="120000"/>
+              </a:lnSpc>
+            </a:pPr>
+            <a:r>
+              <a:rPr lang="ko-KR" altLang="en-US" dirty="0"/>
+              <a:t>공통 주기 동안의 </a:t>
+            </a:r>
+            <a:r>
+              <a:rPr lang="en-US" altLang="ko-KR" dirty="0"/>
+              <a:t>‘B2B1’ edge</a:t>
+            </a:r>
+            <a:r>
+              <a:rPr lang="ko-KR" altLang="en-US" dirty="0"/>
+              <a:t>와 </a:t>
+            </a:r>
+            <a:r>
+              <a:rPr lang="en-US" altLang="ko-KR" dirty="0"/>
+              <a:t>‘B1B0’ edge </a:t>
+            </a:r>
+            <a:r>
+              <a:rPr lang="ko-KR" altLang="en-US" dirty="0"/>
+              <a:t>차량 수 </a:t>
+            </a:r>
+            <a:r>
+              <a:rPr lang="en-US" altLang="ko-KR" dirty="0"/>
+              <a:t/>
+            </a:r>
+            <a:br>
+              <a:rPr lang="en-US" altLang="ko-KR" dirty="0"/>
+            </a:br>
+            <a:r>
+              <a:rPr lang="en-US" altLang="ko-KR" dirty="0"/>
+              <a:t>-&gt; ‘B2B1’</a:t>
+            </a:r>
+            <a:r>
+              <a:rPr lang="ko-KR" altLang="en-US" dirty="0"/>
+              <a:t>에서의 차량 수는 </a:t>
+            </a:r>
+            <a:r>
+              <a:rPr lang="en-US" altLang="ko-KR" dirty="0"/>
+              <a:t>penalty</a:t>
+            </a:r>
+            <a:br>
+              <a:rPr lang="en-US" altLang="ko-KR" dirty="0"/>
+            </a:br>
+            <a:r>
+              <a:rPr lang="en-US" altLang="ko-KR" dirty="0"/>
+              <a:t>-&gt; ‘B1B0’</a:t>
+            </a:r>
+            <a:r>
+              <a:rPr lang="ko-KR" altLang="en-US" dirty="0"/>
+              <a:t>에서의 차량 수는 </a:t>
+            </a:r>
+            <a:r>
+              <a:rPr lang="en-US" altLang="ko-KR" dirty="0"/>
+              <a:t>reward</a:t>
+            </a:r>
+            <a:br>
+              <a:rPr lang="en-US" altLang="ko-KR" dirty="0"/>
+            </a:br>
+            <a:r>
+              <a:rPr lang="en-US" altLang="ko-KR" dirty="0">
+                <a:sym typeface="Wingdings" panose="05000000000000000000" pitchFamily="2" charset="2"/>
+              </a:rPr>
+              <a:t> Pressure Light</a:t>
+            </a:r>
+            <a:r>
+              <a:rPr lang="ko-KR" altLang="en-US" dirty="0">
+                <a:sym typeface="Wingdings" panose="05000000000000000000" pitchFamily="2" charset="2"/>
+              </a:rPr>
+              <a:t>의 </a:t>
+            </a:r>
+            <a:r>
+              <a:rPr lang="en-US" altLang="ko-KR" dirty="0">
+                <a:sym typeface="Wingdings" panose="05000000000000000000" pitchFamily="2" charset="2"/>
+              </a:rPr>
+              <a:t>Pressure </a:t>
+            </a:r>
+            <a:r>
+              <a:rPr lang="ko-KR" altLang="en-US" dirty="0">
+                <a:sym typeface="Wingdings" panose="05000000000000000000" pitchFamily="2" charset="2"/>
+              </a:rPr>
+              <a:t>논문에서 </a:t>
+            </a:r>
+            <a:r>
+              <a:rPr lang="en-US" altLang="ko-KR" dirty="0">
+                <a:sym typeface="Wingdings" panose="05000000000000000000" pitchFamily="2" charset="2"/>
+              </a:rPr>
+              <a:t>outflow-inflow</a:t>
+            </a:r>
+            <a:endParaRPr lang="ko-KR" altLang="en-US" dirty="0"/>
+          </a:p>
+        </p:txBody>
+      </p:sp>
+      <p:pic>
+        <p:nvPicPr>
+          <p:cNvPr id="4" name="그림 3"/>
+          <p:cNvPicPr>
+            <a:picLocks noChangeAspect="1"/>
+          </p:cNvPicPr>
+          <p:nvPr/>
+        </p:nvPicPr>
+        <p:blipFill>
+          <a:blip r:embed="rId2"/>
+          <a:stretch>
+            <a:fillRect/>
+          </a:stretch>
+        </p:blipFill>
+        <p:spPr>
+          <a:xfrm>
+            <a:off x="6948520" y="1846538"/>
+            <a:ext cx="4567564" cy="4333956"/>
+          </a:xfrm>
+          <a:prstGeom prst="rect">
+            <a:avLst/>
+          </a:prstGeom>
+        </p:spPr>
+      </p:pic>
+      <p:sp>
+        <p:nvSpPr>
+          <p:cNvPr id="5" name="TextBox 4"/>
+          <p:cNvSpPr txBox="1"/>
+          <p:nvPr/>
+        </p:nvSpPr>
+        <p:spPr>
+          <a:xfrm>
+            <a:off x="8448591" y="3216293"/>
+            <a:ext cx="783711" cy="400110"/>
+          </a:xfrm>
+          <a:prstGeom prst="rect">
+            <a:avLst/>
+          </a:prstGeom>
+          <a:noFill/>
+        </p:spPr>
+        <p:txBody>
+          <a:bodyPr wrap="square" rtlCol="0">
+            <a:spAutoFit/>
+          </a:bodyPr>
+          <a:lstStyle/>
+          <a:p>
+            <a:r>
+              <a:rPr lang="en-US" altLang="ko-KR" sz="2000" b="1" dirty="0">
+                <a:solidFill>
+                  <a:srgbClr val="FF0000"/>
+                </a:solidFill>
+              </a:rPr>
+              <a:t>B2B1</a:t>
+            </a:r>
+            <a:endParaRPr lang="ko-KR" altLang="en-US" sz="2000" b="1" dirty="0">
+              <a:solidFill>
+                <a:srgbClr val="FF0000"/>
+              </a:solidFill>
+            </a:endParaRPr>
+          </a:p>
+        </p:txBody>
+      </p:sp>
+      <p:sp>
+        <p:nvSpPr>
+          <p:cNvPr id="6" name="TextBox 5"/>
+          <p:cNvSpPr txBox="1"/>
+          <p:nvPr/>
+        </p:nvSpPr>
+        <p:spPr>
+          <a:xfrm>
+            <a:off x="8448590" y="4342638"/>
+            <a:ext cx="783711" cy="400110"/>
+          </a:xfrm>
+          <a:prstGeom prst="rect">
+            <a:avLst/>
+          </a:prstGeom>
+          <a:noFill/>
+        </p:spPr>
+        <p:txBody>
+          <a:bodyPr wrap="square" rtlCol="0">
+            <a:spAutoFit/>
+          </a:bodyPr>
+          <a:lstStyle/>
+          <a:p>
+            <a:r>
+              <a:rPr lang="en-US" altLang="ko-KR" sz="2000" b="1" dirty="0">
+                <a:solidFill>
+                  <a:srgbClr val="00B050"/>
+                </a:solidFill>
+              </a:rPr>
+              <a:t>B1B0</a:t>
+            </a:r>
+            <a:endParaRPr lang="ko-KR" altLang="en-US" sz="2000" b="1" dirty="0">
+              <a:solidFill>
+                <a:srgbClr val="00B050"/>
+              </a:solidFill>
+            </a:endParaRPr>
+          </a:p>
+        </p:txBody>
+      </p:sp>
+      <p:sp>
+        <p:nvSpPr>
+          <p:cNvPr id="7" name="아래쪽 화살표 6"/>
+          <p:cNvSpPr/>
+          <p:nvPr/>
+        </p:nvSpPr>
+        <p:spPr>
+          <a:xfrm>
+            <a:off x="9151652" y="3068405"/>
+            <a:ext cx="149212" cy="749885"/>
+          </a:xfrm>
+          <a:prstGeom prst="downArrow">
+            <a:avLst/>
+          </a:prstGeom>
+          <a:solidFill>
+            <a:srgbClr val="FF0000"/>
+          </a:solidFill>
+          <a:ln>
+            <a:noFill/>
+          </a:ln>
+        </p:spPr>
+        <p:style>
+          <a:lnRef idx="2">
+            <a:schemeClr val="accent1">
+              <a:shade val="50000"/>
+            </a:schemeClr>
+          </a:lnRef>
+          <a:fillRef idx="1">
+            <a:schemeClr val="accent1"/>
+          </a:fillRef>
+          <a:effectRef idx="0">
+            <a:schemeClr val="accent1"/>
+          </a:effectRef>
+          <a:fontRef idx="minor">
+            <a:schemeClr val="lt1"/>
+          </a:fontRef>
+        </p:style>
+        <p:txBody>
+          <a:bodyPr rtlCol="0" anchor="ctr"/>
+          <a:lstStyle/>
+          <a:p>
+            <a:pPr algn="ctr"/>
+            <a:endParaRPr lang="ko-KR" altLang="en-US">
+              <a:solidFill>
+                <a:srgbClr val="FF0000"/>
+              </a:solidFill>
+            </a:endParaRPr>
+          </a:p>
+        </p:txBody>
+      </p:sp>
+      <p:sp>
+        <p:nvSpPr>
+          <p:cNvPr id="8" name="아래쪽 화살표 7"/>
+          <p:cNvSpPr/>
+          <p:nvPr/>
+        </p:nvSpPr>
+        <p:spPr>
+          <a:xfrm>
+            <a:off x="9151652" y="4093806"/>
+            <a:ext cx="149212" cy="749885"/>
+          </a:xfrm>
+          <a:prstGeom prst="downArrow">
+            <a:avLst/>
+          </a:prstGeom>
+          <a:solidFill>
+            <a:srgbClr val="00B050"/>
+          </a:solidFill>
+          <a:ln>
+            <a:noFill/>
+          </a:ln>
+        </p:spPr>
+        <p:style>
+          <a:lnRef idx="2">
+            <a:schemeClr val="accent1">
+              <a:shade val="50000"/>
+            </a:schemeClr>
+          </a:lnRef>
+          <a:fillRef idx="1">
+            <a:schemeClr val="accent1"/>
+          </a:fillRef>
+          <a:effectRef idx="0">
+            <a:schemeClr val="accent1"/>
+          </a:effectRef>
+          <a:fontRef idx="minor">
+            <a:schemeClr val="lt1"/>
+          </a:fontRef>
+        </p:style>
+        <p:txBody>
+          <a:bodyPr rtlCol="0" anchor="ctr"/>
+          <a:lstStyle/>
+          <a:p>
+            <a:pPr algn="ctr"/>
+            <a:endParaRPr lang="ko-KR" altLang="en-US"/>
+          </a:p>
+        </p:txBody>
+      </p:sp>
+    </p:spTree>
+    <p:extLst>
+      <p:ext uri="{BB962C8B-B14F-4D97-AF65-F5344CB8AC3E}">
+        <p14:creationId xmlns:p14="http://schemas.microsoft.com/office/powerpoint/2010/main" val="245406092"/>
+      </p:ext>
+    </p:extLst>
+  </p:cSld>
+  <p:clrMapOvr>
+    <a:masterClrMapping/>
+  </p:clrMapOvr>
+</p:sld>
+</file>
+
+<file path=ppt/slides/slide32.xml><?xml version="1.0" encoding="utf-8"?>
+<p:sld xmlns:a="http://schemas.openxmlformats.org/drawingml/2006/main" xmlns:r="http://schemas.openxmlformats.org/officeDocument/2006/relationships" xmlns:p="http://schemas.openxmlformats.org/presentationml/2006/main">
+  <p:cSld>
+    <p:spTree>
+      <p:nvGrpSpPr>
+        <p:cNvPr id="1" name=""/>
+        <p:cNvGrpSpPr/>
+        <p:nvPr/>
+      </p:nvGrpSpPr>
+      <p:grpSpPr>
+        <a:xfrm>
+          <a:off x="0" y="0"/>
+          <a:ext cx="0" cy="0"/>
+          <a:chOff x="0" y="0"/>
+          <a:chExt cx="0" cy="0"/>
+        </a:xfrm>
+      </p:grpSpPr>
+      <p:sp>
+        <p:nvSpPr>
+          <p:cNvPr id="2" name="제목 1"/>
+          <p:cNvSpPr>
+            <a:spLocks noGrp="1"/>
+          </p:cNvSpPr>
+          <p:nvPr>
+            <p:ph type="title"/>
+          </p:nvPr>
+        </p:nvSpPr>
+        <p:spPr/>
+        <p:txBody>
+          <a:bodyPr/>
+          <a:lstStyle/>
+          <a:p>
+            <a:r>
+              <a:rPr lang="en-US" altLang="ko-KR" dirty="0"/>
+              <a:t>Training </a:t>
+            </a:r>
+            <a:r>
+              <a:rPr lang="ko-KR" altLang="en-US" dirty="0"/>
+              <a:t>구성 방식 제안</a:t>
+            </a:r>
+          </a:p>
+        </p:txBody>
+      </p:sp>
+      <p:sp>
+        <p:nvSpPr>
+          <p:cNvPr id="3" name="내용 개체 틀 2"/>
+          <p:cNvSpPr>
+            <a:spLocks noGrp="1"/>
+          </p:cNvSpPr>
+          <p:nvPr>
+            <p:ph idx="1"/>
+          </p:nvPr>
+        </p:nvSpPr>
+        <p:spPr/>
+        <p:txBody>
+          <a:bodyPr>
+            <a:normAutofit/>
+          </a:bodyPr>
+          <a:lstStyle/>
+          <a:p>
+            <a:pPr>
+              <a:lnSpc>
+                <a:spcPct val="120000"/>
+              </a:lnSpc>
+            </a:pPr>
+            <a:r>
+              <a:rPr lang="ko-KR" altLang="en-US" dirty="0" smtClean="0"/>
+              <a:t> 매 </a:t>
+            </a:r>
+            <a:r>
+              <a:rPr lang="en-US" altLang="ko-KR" dirty="0"/>
+              <a:t>epoch</a:t>
+            </a:r>
+            <a:r>
+              <a:rPr lang="ko-KR" altLang="en-US" dirty="0"/>
+              <a:t>당 </a:t>
+            </a:r>
+            <a:r>
+              <a:rPr lang="en-US" altLang="ko-KR" dirty="0"/>
+              <a:t>Learning Start Time</a:t>
+            </a:r>
+            <a:br>
+              <a:rPr lang="en-US" altLang="ko-KR" dirty="0"/>
+            </a:br>
+            <a:r>
+              <a:rPr lang="en-US" altLang="ko-KR" dirty="0"/>
+              <a:t>- </a:t>
+            </a:r>
+            <a:r>
+              <a:rPr lang="ko-KR" altLang="en-US" dirty="0"/>
+              <a:t>시작하자 마자 차량이 자리잡기 전의 데이터는 일반적이지 않음</a:t>
+            </a:r>
+            <a:endParaRPr lang="en-US" altLang="ko-KR" dirty="0"/>
+          </a:p>
+          <a:p>
+            <a:pPr>
+              <a:lnSpc>
+                <a:spcPct val="120000"/>
+              </a:lnSpc>
+            </a:pPr>
+            <a:r>
+              <a:rPr lang="en-US" altLang="ko-KR" dirty="0" smtClean="0"/>
+              <a:t> Learning </a:t>
+            </a:r>
+            <a:r>
+              <a:rPr lang="en-US" altLang="ko-KR" dirty="0"/>
+              <a:t>Start Epoch </a:t>
+            </a:r>
+            <a:r>
+              <a:rPr lang="ko-KR" altLang="en-US" dirty="0"/>
+              <a:t>지정 </a:t>
+            </a:r>
+            <a:r>
+              <a:rPr lang="en-US" altLang="ko-KR" dirty="0"/>
+              <a:t>(</a:t>
+            </a:r>
+            <a:r>
+              <a:rPr lang="ko-KR" altLang="en-US" dirty="0"/>
+              <a:t>현재 </a:t>
+            </a:r>
+            <a:r>
+              <a:rPr lang="en-US" altLang="ko-KR" dirty="0"/>
+              <a:t>1epoch</a:t>
+            </a:r>
+            <a:r>
+              <a:rPr lang="ko-KR" altLang="en-US" dirty="0"/>
+              <a:t>당 </a:t>
+            </a:r>
+            <a:r>
+              <a:rPr lang="en-US" altLang="ko-KR" dirty="0"/>
+              <a:t>90</a:t>
+            </a:r>
+            <a:r>
+              <a:rPr lang="ko-KR" altLang="en-US" dirty="0"/>
+              <a:t>개 </a:t>
+            </a:r>
+            <a:r>
+              <a:rPr lang="en-US" altLang="ko-KR" dirty="0"/>
+              <a:t>state</a:t>
+            </a:r>
+            <a:r>
+              <a:rPr lang="ko-KR" altLang="en-US" dirty="0"/>
+              <a:t>가 </a:t>
+            </a:r>
+            <a:r>
+              <a:rPr lang="en-US" altLang="ko-KR" dirty="0"/>
+              <a:t>replay</a:t>
+            </a:r>
+            <a:r>
+              <a:rPr lang="ko-KR" altLang="en-US" dirty="0"/>
+              <a:t>에 저장</a:t>
+            </a:r>
+            <a:r>
+              <a:rPr lang="en-US" altLang="ko-KR" dirty="0"/>
+              <a:t>) </a:t>
+            </a:r>
+            <a:br>
+              <a:rPr lang="en-US" altLang="ko-KR" dirty="0"/>
+            </a:br>
+            <a:r>
+              <a:rPr lang="ko-KR" altLang="en-US" dirty="0"/>
+              <a:t>現 </a:t>
+            </a:r>
+            <a:r>
+              <a:rPr lang="en-US" altLang="ko-KR" dirty="0"/>
+              <a:t>replay: 40 </a:t>
+            </a:r>
+            <a:r>
+              <a:rPr lang="ko-KR" altLang="en-US" dirty="0"/>
+              <a:t>부터 </a:t>
+            </a:r>
+            <a:r>
+              <a:rPr lang="en-US" altLang="ko-KR" dirty="0"/>
+              <a:t>target update </a:t>
+            </a:r>
+            <a:r>
+              <a:rPr lang="en-US" altLang="ko-KR" dirty="0">
+                <a:sym typeface="Wingdings" panose="05000000000000000000" pitchFamily="2" charset="2"/>
+              </a:rPr>
+              <a:t> </a:t>
+            </a:r>
+            <a:r>
+              <a:rPr lang="ko-KR" altLang="en-US" dirty="0">
+                <a:sym typeface="Wingdings" panose="05000000000000000000" pitchFamily="2" charset="2"/>
+              </a:rPr>
+              <a:t>초반 학습의 </a:t>
+            </a:r>
+            <a:r>
+              <a:rPr lang="en-US" altLang="ko-KR" dirty="0">
+                <a:sym typeface="Wingdings" panose="05000000000000000000" pitchFamily="2" charset="2"/>
+              </a:rPr>
+              <a:t>Correlation </a:t>
+            </a:r>
+            <a:r>
+              <a:rPr lang="ko-KR" altLang="en-US" dirty="0">
+                <a:sym typeface="Wingdings" panose="05000000000000000000" pitchFamily="2" charset="2"/>
+              </a:rPr>
+              <a:t>높음</a:t>
+            </a:r>
+            <a:endParaRPr lang="en-US" altLang="ko-KR" dirty="0">
+              <a:sym typeface="Wingdings" panose="05000000000000000000" pitchFamily="2" charset="2"/>
+            </a:endParaRPr>
+          </a:p>
+          <a:p>
+            <a:pPr lvl="1">
+              <a:lnSpc>
+                <a:spcPct val="120000"/>
+              </a:lnSpc>
+            </a:pPr>
+            <a:r>
+              <a:rPr lang="en-US" altLang="ko-KR" dirty="0">
+                <a:sym typeface="Wingdings" panose="05000000000000000000" pitchFamily="2" charset="2"/>
+              </a:rPr>
+              <a:t> Learning Start </a:t>
+            </a:r>
+            <a:r>
+              <a:rPr lang="ko-KR" altLang="en-US" dirty="0">
+                <a:sym typeface="Wingdings" panose="05000000000000000000" pitchFamily="2" charset="2"/>
+              </a:rPr>
+              <a:t>하는</a:t>
+            </a:r>
+            <a:r>
+              <a:rPr lang="en-US" altLang="ko-KR" dirty="0">
+                <a:sym typeface="Wingdings" panose="05000000000000000000" pitchFamily="2" charset="2"/>
+              </a:rPr>
+              <a:t> Epoch</a:t>
+            </a:r>
+            <a:r>
+              <a:rPr lang="ko-KR" altLang="en-US" dirty="0">
+                <a:sym typeface="Wingdings" panose="05000000000000000000" pitchFamily="2" charset="2"/>
+              </a:rPr>
+              <a:t>를</a:t>
+            </a:r>
+            <a:r>
+              <a:rPr lang="en-US" altLang="ko-KR" dirty="0">
+                <a:sym typeface="Wingdings" panose="05000000000000000000" pitchFamily="2" charset="2"/>
+              </a:rPr>
+              <a:t> 4</a:t>
+            </a:r>
+            <a:r>
+              <a:rPr lang="ko-KR" altLang="en-US" dirty="0">
+                <a:sym typeface="Wingdings" panose="05000000000000000000" pitchFamily="2" charset="2"/>
+              </a:rPr>
+              <a:t>이상</a:t>
+            </a:r>
+            <a:endParaRPr lang="en-US" altLang="ko-KR" dirty="0">
+              <a:sym typeface="Wingdings" panose="05000000000000000000" pitchFamily="2" charset="2"/>
+            </a:endParaRPr>
+          </a:p>
+          <a:p>
+            <a:pPr lvl="1">
+              <a:lnSpc>
+                <a:spcPct val="120000"/>
+              </a:lnSpc>
+            </a:pPr>
+            <a:r>
+              <a:rPr lang="en-US" altLang="ko-KR" dirty="0">
+                <a:sym typeface="Wingdings" panose="05000000000000000000" pitchFamily="2" charset="2"/>
+              </a:rPr>
+              <a:t> time step</a:t>
+            </a:r>
+            <a:r>
+              <a:rPr lang="ko-KR" altLang="en-US" dirty="0">
+                <a:sym typeface="Wingdings" panose="05000000000000000000" pitchFamily="2" charset="2"/>
+              </a:rPr>
+              <a:t>을 세분화 </a:t>
+            </a:r>
+            <a:r>
+              <a:rPr lang="en-US" altLang="ko-KR" dirty="0">
+                <a:sym typeface="Wingdings" panose="05000000000000000000" pitchFamily="2" charset="2"/>
+              </a:rPr>
+              <a:t>Action </a:t>
+            </a:r>
+            <a:r>
+              <a:rPr lang="ko-KR" altLang="en-US" dirty="0">
+                <a:sym typeface="Wingdings" panose="05000000000000000000" pitchFamily="2" charset="2"/>
+              </a:rPr>
+              <a:t>형태 변화 필요</a:t>
+            </a:r>
+            <a:endParaRPr lang="en-US" altLang="ko-KR" dirty="0">
+              <a:sym typeface="Wingdings" panose="05000000000000000000" pitchFamily="2" charset="2"/>
+            </a:endParaRPr>
+          </a:p>
+          <a:p>
+            <a:pPr lvl="1">
+              <a:lnSpc>
+                <a:spcPct val="120000"/>
+              </a:lnSpc>
+            </a:pPr>
+            <a:r>
+              <a:rPr lang="en-US" altLang="ko-KR" dirty="0">
+                <a:sym typeface="Wingdings" panose="05000000000000000000" pitchFamily="2" charset="2"/>
+              </a:rPr>
+              <a:t> Epoch </a:t>
+            </a:r>
+            <a:r>
+              <a:rPr lang="ko-KR" altLang="en-US" dirty="0">
+                <a:sym typeface="Wingdings" panose="05000000000000000000" pitchFamily="2" charset="2"/>
+              </a:rPr>
+              <a:t>길이 길게 </a:t>
+            </a:r>
+            <a:r>
+              <a:rPr lang="en-US" altLang="ko-KR" dirty="0">
+                <a:sym typeface="Wingdings" panose="05000000000000000000" pitchFamily="2" charset="2"/>
+              </a:rPr>
+              <a:t>(</a:t>
+            </a:r>
+            <a:r>
+              <a:rPr lang="ko-KR" altLang="en-US" dirty="0">
+                <a:sym typeface="Wingdings" panose="05000000000000000000" pitchFamily="2" charset="2"/>
+              </a:rPr>
+              <a:t>現</a:t>
+            </a:r>
+            <a:r>
+              <a:rPr lang="en-US" altLang="ko-KR" dirty="0">
+                <a:sym typeface="Wingdings" panose="05000000000000000000" pitchFamily="2" charset="2"/>
+              </a:rPr>
+              <a:t>:10000s/epoch -&gt; 27000s/epoch</a:t>
+            </a:r>
+            <a:r>
+              <a:rPr lang="ko-KR" altLang="en-US" dirty="0">
+                <a:sym typeface="Wingdings" panose="05000000000000000000" pitchFamily="2" charset="2"/>
+              </a:rPr>
+              <a:t>이상</a:t>
+            </a:r>
+            <a:r>
+              <a:rPr lang="en-US" altLang="ko-KR" dirty="0">
+                <a:sym typeface="Wingdings" panose="05000000000000000000" pitchFamily="2" charset="2"/>
+              </a:rPr>
+              <a:t>)</a:t>
+            </a:r>
+          </a:p>
+          <a:p>
+            <a:pPr>
+              <a:lnSpc>
+                <a:spcPct val="120000"/>
+              </a:lnSpc>
+            </a:pPr>
+            <a:r>
+              <a:rPr lang="en-US" altLang="ko-KR" dirty="0">
+                <a:sym typeface="Wingdings" panose="05000000000000000000" pitchFamily="2" charset="2"/>
+              </a:rPr>
+              <a:t> Learning </a:t>
+            </a:r>
+            <a:r>
+              <a:rPr lang="ko-KR" altLang="en-US" dirty="0">
+                <a:sym typeface="Wingdings" panose="05000000000000000000" pitchFamily="2" charset="2"/>
+              </a:rPr>
+              <a:t>에서 </a:t>
+            </a:r>
+            <a:r>
+              <a:rPr lang="en-US" altLang="ko-KR" dirty="0">
+                <a:sym typeface="Wingdings" panose="05000000000000000000" pitchFamily="2" charset="2"/>
+              </a:rPr>
+              <a:t>augmentation(</a:t>
+            </a:r>
+            <a:r>
+              <a:rPr lang="ko-KR" altLang="en-US" dirty="0">
+                <a:sym typeface="Wingdings" panose="05000000000000000000" pitchFamily="2" charset="2"/>
+              </a:rPr>
+              <a:t>각 교차로에 대해서</a:t>
+            </a:r>
+            <a:r>
+              <a:rPr lang="en-US" altLang="ko-KR" dirty="0">
+                <a:sym typeface="Wingdings" panose="05000000000000000000" pitchFamily="2" charset="2"/>
+              </a:rPr>
+              <a:t>)</a:t>
+            </a:r>
+          </a:p>
+          <a:p>
+            <a:pPr>
+              <a:lnSpc>
+                <a:spcPct val="120000"/>
+              </a:lnSpc>
+            </a:pPr>
+            <a:endParaRPr lang="ko-KR" altLang="en-US" dirty="0"/>
+          </a:p>
+        </p:txBody>
+      </p:sp>
+    </p:spTree>
+    <p:extLst>
+      <p:ext uri="{BB962C8B-B14F-4D97-AF65-F5344CB8AC3E}">
+        <p14:creationId xmlns:p14="http://schemas.microsoft.com/office/powerpoint/2010/main" val="1873075976"/>
+      </p:ext>
+    </p:extLst>
+  </p:cSld>
+  <p:clrMapOvr>
+    <a:masterClrMapping/>
+  </p:clrMapOvr>
+</p:sld>
+</file>
+
+<file path=ppt/slides/slide33.xml><?xml version="1.0" encoding="utf-8"?>
+<p:sld xmlns:a="http://schemas.openxmlformats.org/drawingml/2006/main" xmlns:r="http://schemas.openxmlformats.org/officeDocument/2006/relationships" xmlns:p="http://schemas.openxmlformats.org/presentationml/2006/main">
+  <p:cSld>
+    <p:spTree>
+      <p:nvGrpSpPr>
+        <p:cNvPr id="1" name=""/>
+        <p:cNvGrpSpPr/>
+        <p:nvPr/>
+      </p:nvGrpSpPr>
+      <p:grpSpPr>
+        <a:xfrm>
+          <a:off x="0" y="0"/>
+          <a:ext cx="0" cy="0"/>
+          <a:chOff x="0" y="0"/>
+          <a:chExt cx="0" cy="0"/>
+        </a:xfrm>
+      </p:grpSpPr>
+      <p:sp>
+        <p:nvSpPr>
+          <p:cNvPr id="2" name="제목 1"/>
+          <p:cNvSpPr>
+            <a:spLocks noGrp="1"/>
+          </p:cNvSpPr>
+          <p:nvPr>
+            <p:ph type="title"/>
+          </p:nvPr>
+        </p:nvSpPr>
+        <p:spPr/>
+        <p:txBody>
+          <a:bodyPr/>
+          <a:lstStyle/>
+          <a:p>
+            <a:r>
+              <a:rPr lang="en-US" altLang="ko-KR" dirty="0"/>
+              <a:t>Training </a:t>
+            </a:r>
+            <a:r>
+              <a:rPr lang="ko-KR" altLang="en-US" dirty="0"/>
+              <a:t>구성 방식 제안</a:t>
+            </a:r>
+          </a:p>
+        </p:txBody>
+      </p:sp>
+      <p:sp>
+        <p:nvSpPr>
+          <p:cNvPr id="3" name="내용 개체 틀 2"/>
+          <p:cNvSpPr>
+            <a:spLocks noGrp="1"/>
+          </p:cNvSpPr>
+          <p:nvPr>
+            <p:ph idx="1"/>
+          </p:nvPr>
+        </p:nvSpPr>
+        <p:spPr/>
+        <p:txBody>
+          <a:bodyPr/>
+          <a:lstStyle/>
+          <a:p>
+            <a:r>
+              <a:rPr lang="en-US" altLang="ko-KR" dirty="0"/>
+              <a:t> </a:t>
+            </a:r>
+            <a:r>
+              <a:rPr lang="ko-KR" altLang="en-US" dirty="0"/>
+              <a:t>차량 진입로를 줄이는 대신에 차량의 </a:t>
+            </a:r>
+            <a:r>
+              <a:rPr lang="en-US" altLang="ko-KR" dirty="0"/>
+              <a:t>Random</a:t>
+            </a:r>
+            <a:r>
+              <a:rPr lang="ko-KR" altLang="en-US" dirty="0"/>
+              <a:t>성을 주는 </a:t>
+            </a:r>
+            <a:r>
+              <a:rPr lang="en-US" altLang="ko-KR" dirty="0"/>
+              <a:t>IDM controller</a:t>
+            </a:r>
+            <a:r>
+              <a:rPr lang="ko-KR" altLang="en-US" dirty="0"/>
+              <a:t>와 가속도 분산 갖게 해서 차이를 줌</a:t>
+            </a:r>
+            <a:endParaRPr lang="en-US" altLang="ko-KR" dirty="0"/>
+          </a:p>
+          <a:p>
+            <a:r>
+              <a:rPr lang="en-US" altLang="ko-KR" dirty="0"/>
+              <a:t> phase</a:t>
+            </a:r>
+            <a:r>
+              <a:rPr lang="ko-KR" altLang="en-US" dirty="0"/>
+              <a:t>를 변화하는 </a:t>
+            </a:r>
+            <a:r>
+              <a:rPr lang="en-US" altLang="ko-KR" dirty="0"/>
+              <a:t>action</a:t>
+            </a:r>
+            <a:r>
+              <a:rPr lang="ko-KR" altLang="en-US" dirty="0"/>
+              <a:t>이 아닌 </a:t>
+            </a:r>
+            <a:r>
+              <a:rPr lang="en-US" altLang="ko-KR" dirty="0"/>
+              <a:t>phase</a:t>
+            </a:r>
+            <a:r>
+              <a:rPr lang="ko-KR" altLang="en-US" dirty="0"/>
+              <a:t>를 선택하게 하고 최소 시간은 </a:t>
+            </a:r>
+            <a:r>
+              <a:rPr lang="en-US" altLang="ko-KR" dirty="0"/>
+              <a:t>20</a:t>
+            </a:r>
+            <a:r>
+              <a:rPr lang="ko-KR" altLang="en-US" dirty="0"/>
+              <a:t>초로 하되</a:t>
+            </a:r>
+            <a:r>
+              <a:rPr lang="en-US" altLang="ko-KR" dirty="0"/>
+              <a:t>, </a:t>
+            </a:r>
+            <a:r>
+              <a:rPr lang="ko-KR" altLang="en-US" dirty="0"/>
+              <a:t>최대 이상에서는 엄청난 </a:t>
+            </a:r>
+            <a:r>
+              <a:rPr lang="en-US" altLang="ko-KR" dirty="0"/>
+              <a:t>penalty</a:t>
+            </a:r>
+            <a:r>
+              <a:rPr lang="ko-KR" altLang="en-US" dirty="0"/>
+              <a:t>를 </a:t>
+            </a:r>
+            <a:r>
+              <a:rPr lang="ko-KR" altLang="en-US" dirty="0" err="1"/>
+              <a:t>준다던지</a:t>
+            </a:r>
+            <a:r>
+              <a:rPr lang="ko-KR" altLang="en-US" dirty="0"/>
+              <a:t> 하는 식으로 운용</a:t>
+            </a:r>
+            <a:endParaRPr lang="en-US" altLang="ko-KR" dirty="0"/>
+          </a:p>
+          <a:p>
+            <a:r>
+              <a:rPr lang="en-US" altLang="ko-KR" dirty="0"/>
+              <a:t> phase</a:t>
+            </a:r>
+            <a:r>
+              <a:rPr lang="ko-KR" altLang="en-US" dirty="0"/>
+              <a:t> 종류 수를 현재 </a:t>
+            </a:r>
+            <a:r>
+              <a:rPr lang="en-US" altLang="ko-KR" dirty="0"/>
+              <a:t>8</a:t>
+            </a:r>
+            <a:r>
+              <a:rPr lang="ko-KR" altLang="en-US" dirty="0"/>
+              <a:t>개 </a:t>
+            </a:r>
+            <a:r>
+              <a:rPr lang="en-US" altLang="ko-KR" dirty="0"/>
+              <a:t>(</a:t>
+            </a:r>
+            <a:r>
+              <a:rPr lang="ko-KR" altLang="en-US" dirty="0"/>
+              <a:t>논문상</a:t>
+            </a:r>
+            <a:r>
+              <a:rPr lang="en-US" altLang="ko-KR" dirty="0"/>
+              <a:t>)</a:t>
+            </a:r>
+            <a:r>
+              <a:rPr lang="ko-KR" altLang="en-US" dirty="0"/>
+              <a:t>에서 </a:t>
+            </a:r>
+            <a:r>
+              <a:rPr lang="en-US" altLang="ko-KR" dirty="0"/>
+              <a:t>6</a:t>
+            </a:r>
+            <a:r>
+              <a:rPr lang="ko-KR" altLang="en-US" dirty="0"/>
+              <a:t>개 내지는 </a:t>
+            </a:r>
+            <a:r>
+              <a:rPr lang="en-US" altLang="ko-KR" dirty="0"/>
+              <a:t>4</a:t>
+            </a:r>
+            <a:r>
+              <a:rPr lang="ko-KR" altLang="en-US" dirty="0"/>
+              <a:t>개로 줄임</a:t>
+            </a:r>
+            <a:endParaRPr lang="en-US" altLang="ko-KR" dirty="0"/>
+          </a:p>
+          <a:p>
+            <a:r>
+              <a:rPr lang="en-US" altLang="ko-KR" dirty="0"/>
+              <a:t> </a:t>
+            </a:r>
+            <a:endParaRPr lang="ko-KR" altLang="en-US" dirty="0"/>
+          </a:p>
+        </p:txBody>
+      </p:sp>
+    </p:spTree>
+    <p:extLst>
+      <p:ext uri="{BB962C8B-B14F-4D97-AF65-F5344CB8AC3E}">
+        <p14:creationId xmlns:p14="http://schemas.microsoft.com/office/powerpoint/2010/main" val="214645791"/>
+      </p:ext>
+    </p:extLst>
+  </p:cSld>
+  <p:clrMapOvr>
+    <a:masterClrMapping/>
+  </p:clrMapOvr>
+</p:sld>
+</file>
+
+<file path=ppt/slides/slide34.xml><?xml version="1.0" encoding="utf-8"?>
+<p:sld xmlns:a="http://schemas.openxmlformats.org/drawingml/2006/main" xmlns:r="http://schemas.openxmlformats.org/officeDocument/2006/relationships" xmlns:p="http://schemas.openxmlformats.org/presentationml/2006/main">
+  <p:cSld>
+    <p:spTree>
+      <p:nvGrpSpPr>
+        <p:cNvPr id="1" name=""/>
+        <p:cNvGrpSpPr/>
+        <p:nvPr/>
+      </p:nvGrpSpPr>
+      <p:grpSpPr>
+        <a:xfrm>
+          <a:off x="0" y="0"/>
+          <a:ext cx="0" cy="0"/>
+          <a:chOff x="0" y="0"/>
+          <a:chExt cx="0" cy="0"/>
+        </a:xfrm>
+      </p:grpSpPr>
+      <p:sp>
+        <p:nvSpPr>
+          <p:cNvPr id="2" name="제목 1"/>
+          <p:cNvSpPr>
+            <a:spLocks noGrp="1"/>
+          </p:cNvSpPr>
+          <p:nvPr>
+            <p:ph type="title"/>
+          </p:nvPr>
+        </p:nvSpPr>
+        <p:spPr/>
+        <p:txBody>
+          <a:bodyPr/>
+          <a:lstStyle/>
+          <a:p>
+            <a:r>
+              <a:rPr lang="en-US" altLang="ko-KR" dirty="0"/>
+              <a:t>Comment</a:t>
+            </a:r>
+            <a:endParaRPr lang="ko-KR" altLang="en-US" dirty="0"/>
+          </a:p>
+        </p:txBody>
+      </p:sp>
+      <p:sp>
+        <p:nvSpPr>
+          <p:cNvPr id="3" name="내용 개체 틀 2"/>
+          <p:cNvSpPr>
+            <a:spLocks noGrp="1"/>
+          </p:cNvSpPr>
+          <p:nvPr>
+            <p:ph idx="1"/>
+          </p:nvPr>
+        </p:nvSpPr>
+        <p:spPr/>
+        <p:txBody>
+          <a:bodyPr/>
+          <a:lstStyle/>
+          <a:p>
+            <a:r>
+              <a:rPr lang="en-US" altLang="ko-KR" dirty="0"/>
+              <a:t> </a:t>
+            </a:r>
+            <a:r>
+              <a:rPr lang="ko-KR" altLang="en-US" dirty="0"/>
+              <a:t>네비게이션 시스템이 복잡</a:t>
+            </a:r>
+            <a:r>
+              <a:rPr lang="en-US" altLang="ko-KR" dirty="0"/>
+              <a:t>? Why </a:t>
+            </a:r>
+            <a:r>
+              <a:rPr lang="ko-KR" altLang="en-US" dirty="0"/>
+              <a:t>애들이 차량이 많은 쪽위주로 </a:t>
+            </a:r>
+            <a:r>
+              <a:rPr lang="ko-KR" altLang="en-US" dirty="0" err="1"/>
+              <a:t>열어주다보면</a:t>
+            </a:r>
+            <a:r>
+              <a:rPr lang="ko-KR" altLang="en-US" dirty="0"/>
+              <a:t> 분명 개인 입장에서 기다리는 시간이 길 것으로 판단</a:t>
+            </a:r>
+          </a:p>
+        </p:txBody>
+      </p:sp>
+    </p:spTree>
+    <p:extLst>
+      <p:ext uri="{BB962C8B-B14F-4D97-AF65-F5344CB8AC3E}">
+        <p14:creationId xmlns:p14="http://schemas.microsoft.com/office/powerpoint/2010/main" val="2088717915"/>
+      </p:ext>
+    </p:extLst>
+  </p:cSld>
+  <p:clrMapOvr>
+    <a:masterClrMapping/>
+  </p:clrMapOvr>
+</p:sld>
+</file>
+
+<file path=ppt/slides/slide35.xml><?xml version="1.0" encoding="utf-8"?>
+<p:sld xmlns:a="http://schemas.openxmlformats.org/drawingml/2006/main" xmlns:r="http://schemas.openxmlformats.org/officeDocument/2006/relationships" xmlns:p="http://schemas.openxmlformats.org/presentationml/2006/main">
+  <p:cSld>
+    <p:spTree>
+      <p:nvGrpSpPr>
+        <p:cNvPr id="1" name=""/>
+        <p:cNvGrpSpPr/>
+        <p:nvPr/>
+      </p:nvGrpSpPr>
+      <p:grpSpPr>
+        <a:xfrm>
+          <a:off x="0" y="0"/>
+          <a:ext cx="0" cy="0"/>
+          <a:chOff x="0" y="0"/>
+          <a:chExt cx="0" cy="0"/>
+        </a:xfrm>
+      </p:grpSpPr>
+      <p:sp>
+        <p:nvSpPr>
+          <p:cNvPr id="2" name="제목 1"/>
+          <p:cNvSpPr>
+            <a:spLocks noGrp="1"/>
+          </p:cNvSpPr>
+          <p:nvPr>
+            <p:ph type="title"/>
+          </p:nvPr>
+        </p:nvSpPr>
+        <p:spPr/>
+        <p:txBody>
+          <a:bodyPr/>
+          <a:lstStyle/>
+          <a:p>
+            <a:endParaRPr lang="ko-KR" altLang="en-US"/>
+          </a:p>
+        </p:txBody>
+      </p:sp>
+      <p:sp>
+        <p:nvSpPr>
+          <p:cNvPr id="3" name="내용 개체 틀 2"/>
+          <p:cNvSpPr>
+            <a:spLocks noGrp="1"/>
+          </p:cNvSpPr>
+          <p:nvPr>
+            <p:ph idx="1"/>
+          </p:nvPr>
+        </p:nvSpPr>
+        <p:spPr/>
+        <p:txBody>
+          <a:bodyPr/>
+          <a:lstStyle/>
+          <a:p>
+            <a:endParaRPr lang="ko-KR" altLang="en-US"/>
+          </a:p>
+        </p:txBody>
+      </p:sp>
+    </p:spTree>
+    <p:extLst>
+      <p:ext uri="{BB962C8B-B14F-4D97-AF65-F5344CB8AC3E}">
+        <p14:creationId xmlns:p14="http://schemas.microsoft.com/office/powerpoint/2010/main" val="2316143761"/>
       </p:ext>
     </p:extLst>
   </p:cSld>
@@ -12117,6 +16224,726 @@
           <a:p>
             <a:r>
               <a:rPr lang="en-US" altLang="ko-KR" dirty="0"/>
+              <a:t>Preliminary</a:t>
+            </a:r>
+            <a:endParaRPr lang="ko-KR" altLang="en-US" dirty="0"/>
+          </a:p>
+        </p:txBody>
+      </p:sp>
+      <p:sp>
+        <p:nvSpPr>
+          <p:cNvPr id="3" name="내용 개체 틀 2"/>
+          <p:cNvSpPr>
+            <a:spLocks noGrp="1"/>
+          </p:cNvSpPr>
+          <p:nvPr>
+            <p:ph idx="1"/>
+          </p:nvPr>
+        </p:nvSpPr>
+        <p:spPr>
+          <a:xfrm>
+            <a:off x="1097280" y="1845734"/>
+            <a:ext cx="10058400" cy="4413506"/>
+          </a:xfrm>
+        </p:spPr>
+        <p:txBody>
+          <a:bodyPr>
+            <a:normAutofit fontScale="85000" lnSpcReduction="20000"/>
+          </a:bodyPr>
+          <a:lstStyle/>
+          <a:p>
+            <a:pPr>
+              <a:lnSpc>
+                <a:spcPct val="110000"/>
+              </a:lnSpc>
+            </a:pPr>
+            <a:r>
+              <a:rPr lang="en-US" altLang="ko-KR" dirty="0" smtClean="0"/>
+              <a:t> Considering factors when constructing traffic system</a:t>
+            </a:r>
+          </a:p>
+          <a:p>
+            <a:pPr lvl="1">
+              <a:lnSpc>
+                <a:spcPct val="110000"/>
+              </a:lnSpc>
+            </a:pPr>
+            <a:r>
+              <a:rPr lang="ko-KR" altLang="en-US" dirty="0" smtClean="0"/>
+              <a:t>신호 </a:t>
+            </a:r>
+            <a:r>
+              <a:rPr lang="ko-KR" altLang="en-US" dirty="0" err="1" smtClean="0"/>
+              <a:t>교차로간</a:t>
+            </a:r>
+            <a:r>
+              <a:rPr lang="ko-KR" altLang="en-US" dirty="0" smtClean="0"/>
+              <a:t> 거리</a:t>
+            </a:r>
+            <a:endParaRPr lang="en-US" altLang="ko-KR" dirty="0" smtClean="0"/>
+          </a:p>
+          <a:p>
+            <a:pPr lvl="2">
+              <a:lnSpc>
+                <a:spcPct val="110000"/>
+              </a:lnSpc>
+            </a:pPr>
+            <a:r>
+              <a:rPr lang="ko-KR" altLang="en-US" dirty="0" smtClean="0"/>
+              <a:t>짧을 수록 연동 시스템의 구축 필요성</a:t>
+            </a:r>
+            <a:r>
+              <a:rPr lang="en-US" altLang="ko-KR" dirty="0"/>
+              <a:t> </a:t>
+            </a:r>
+            <a:r>
+              <a:rPr lang="ko-KR" altLang="en-US" dirty="0" smtClean="0"/>
+              <a:t>높음</a:t>
+            </a:r>
+            <a:endParaRPr lang="en-US" altLang="ko-KR" dirty="0" smtClean="0"/>
+          </a:p>
+          <a:p>
+            <a:pPr lvl="2">
+              <a:lnSpc>
+                <a:spcPct val="110000"/>
+              </a:lnSpc>
+            </a:pPr>
+            <a:r>
+              <a:rPr lang="ko-KR" altLang="en-US" dirty="0" smtClean="0"/>
+              <a:t>멀면 분산효과가 커서 필요성이 낮음</a:t>
+            </a:r>
+            <a:r>
+              <a:rPr lang="en-US" altLang="ko-KR" dirty="0" smtClean="0"/>
+              <a:t/>
+            </a:r>
+            <a:br>
+              <a:rPr lang="en-US" altLang="ko-KR" dirty="0" smtClean="0"/>
+            </a:br>
+            <a:endParaRPr lang="en-US" altLang="ko-KR" dirty="0" smtClean="0"/>
+          </a:p>
+          <a:p>
+            <a:pPr lvl="1">
+              <a:lnSpc>
+                <a:spcPct val="110000"/>
+              </a:lnSpc>
+            </a:pPr>
+            <a:r>
+              <a:rPr lang="ko-KR" altLang="en-US" dirty="0" smtClean="0"/>
+              <a:t>도로 운영</a:t>
+            </a:r>
+            <a:endParaRPr lang="en-US" altLang="ko-KR" dirty="0"/>
+          </a:p>
+          <a:p>
+            <a:pPr lvl="2">
+              <a:lnSpc>
+                <a:spcPct val="110000"/>
+              </a:lnSpc>
+            </a:pPr>
+            <a:r>
+              <a:rPr lang="ko-KR" altLang="en-US" dirty="0" smtClean="0"/>
+              <a:t>일방 통행</a:t>
+            </a:r>
+            <a:r>
+              <a:rPr lang="en-US" altLang="ko-KR" dirty="0" smtClean="0"/>
+              <a:t>, </a:t>
+            </a:r>
+            <a:r>
+              <a:rPr lang="ko-KR" altLang="en-US" dirty="0" smtClean="0"/>
+              <a:t>양방 통행 </a:t>
+            </a:r>
+            <a:r>
+              <a:rPr lang="en-US" altLang="ko-KR" dirty="0" smtClean="0">
+                <a:sym typeface="Wingdings" panose="05000000000000000000" pitchFamily="2" charset="2"/>
+              </a:rPr>
+              <a:t> </a:t>
+            </a:r>
+            <a:r>
+              <a:rPr lang="ko-KR" altLang="en-US" dirty="0" smtClean="0">
+                <a:sym typeface="Wingdings" panose="05000000000000000000" pitchFamily="2" charset="2"/>
+              </a:rPr>
+              <a:t>양방이 운영하기 어려움</a:t>
+            </a:r>
+            <a:r>
+              <a:rPr lang="en-US" altLang="ko-KR" dirty="0" smtClean="0">
+                <a:sym typeface="Wingdings" panose="05000000000000000000" pitchFamily="2" charset="2"/>
+              </a:rPr>
+              <a:t>, </a:t>
+            </a:r>
+            <a:r>
+              <a:rPr lang="ko-KR" altLang="en-US" dirty="0" smtClean="0">
+                <a:sym typeface="Wingdings" panose="05000000000000000000" pitchFamily="2" charset="2"/>
+              </a:rPr>
+              <a:t>공통적으로 신호등이 없는 횡단보도는 문제임</a:t>
+            </a:r>
+            <a:r>
+              <a:rPr lang="en-US" altLang="ko-KR" dirty="0" smtClean="0">
+                <a:sym typeface="Wingdings" panose="05000000000000000000" pitchFamily="2" charset="2"/>
+              </a:rPr>
+              <a:t>(offset </a:t>
+            </a:r>
+            <a:r>
+              <a:rPr lang="ko-KR" altLang="en-US" dirty="0" smtClean="0">
+                <a:sym typeface="Wingdings" panose="05000000000000000000" pitchFamily="2" charset="2"/>
+              </a:rPr>
+              <a:t>설정 문제</a:t>
+            </a:r>
+            <a:r>
+              <a:rPr lang="en-US" altLang="ko-KR" dirty="0" smtClean="0">
+                <a:sym typeface="Wingdings" panose="05000000000000000000" pitchFamily="2" charset="2"/>
+              </a:rPr>
+              <a:t>)</a:t>
+            </a:r>
+            <a:br>
+              <a:rPr lang="en-US" altLang="ko-KR" dirty="0" smtClean="0">
+                <a:sym typeface="Wingdings" panose="05000000000000000000" pitchFamily="2" charset="2"/>
+              </a:rPr>
+            </a:br>
+            <a:endParaRPr lang="en-US" altLang="ko-KR" dirty="0" smtClean="0">
+              <a:sym typeface="Wingdings" panose="05000000000000000000" pitchFamily="2" charset="2"/>
+            </a:endParaRPr>
+          </a:p>
+          <a:p>
+            <a:pPr lvl="1">
+              <a:lnSpc>
+                <a:spcPct val="110000"/>
+              </a:lnSpc>
+            </a:pPr>
+            <a:r>
+              <a:rPr lang="ko-KR" altLang="en-US" dirty="0" err="1" smtClean="0">
+                <a:sym typeface="Wingdings" panose="05000000000000000000" pitchFamily="2" charset="2"/>
+              </a:rPr>
+              <a:t>접근로의</a:t>
+            </a:r>
+            <a:r>
+              <a:rPr lang="ko-KR" altLang="en-US" dirty="0" smtClean="0">
+                <a:sym typeface="Wingdings" panose="05000000000000000000" pitchFamily="2" charset="2"/>
+              </a:rPr>
+              <a:t> 상태</a:t>
+            </a:r>
+            <a:endParaRPr lang="en-US" altLang="ko-KR" dirty="0" smtClean="0">
+              <a:sym typeface="Wingdings" panose="05000000000000000000" pitchFamily="2" charset="2"/>
+            </a:endParaRPr>
+          </a:p>
+          <a:p>
+            <a:pPr lvl="2">
+              <a:lnSpc>
+                <a:spcPct val="110000"/>
+              </a:lnSpc>
+            </a:pPr>
+            <a:r>
+              <a:rPr lang="ko-KR" altLang="en-US" dirty="0" smtClean="0">
+                <a:sym typeface="Wingdings" panose="05000000000000000000" pitchFamily="2" charset="2"/>
+              </a:rPr>
+              <a:t>이상적인 경우</a:t>
+            </a:r>
+            <a:r>
+              <a:rPr lang="en-US" altLang="ko-KR" dirty="0" smtClean="0">
+                <a:sym typeface="Wingdings" panose="05000000000000000000" pitchFamily="2" charset="2"/>
+              </a:rPr>
+              <a:t>: </a:t>
+            </a:r>
+            <a:r>
+              <a:rPr lang="ko-KR" altLang="en-US" dirty="0" err="1" smtClean="0">
+                <a:sym typeface="Wingdings" panose="05000000000000000000" pitchFamily="2" charset="2"/>
+              </a:rPr>
+              <a:t>교차로간</a:t>
+            </a:r>
+            <a:r>
+              <a:rPr lang="ko-KR" altLang="en-US" dirty="0" smtClean="0">
+                <a:sym typeface="Wingdings" panose="05000000000000000000" pitchFamily="2" charset="2"/>
+              </a:rPr>
+              <a:t> 거리와 주행속도만으로 </a:t>
+            </a:r>
+            <a:r>
+              <a:rPr lang="en-US" altLang="ko-KR" dirty="0" smtClean="0">
+                <a:sym typeface="Wingdings" panose="05000000000000000000" pitchFamily="2" charset="2"/>
+              </a:rPr>
+              <a:t>offset decision </a:t>
+            </a:r>
+            <a:r>
+              <a:rPr lang="ko-KR" altLang="en-US" dirty="0" smtClean="0">
+                <a:sym typeface="Wingdings" panose="05000000000000000000" pitchFamily="2" charset="2"/>
+              </a:rPr>
+              <a:t>가능</a:t>
+            </a:r>
+            <a:endParaRPr lang="en-US" altLang="ko-KR" dirty="0" smtClean="0">
+              <a:sym typeface="Wingdings" panose="05000000000000000000" pitchFamily="2" charset="2"/>
+            </a:endParaRPr>
+          </a:p>
+          <a:p>
+            <a:pPr lvl="2">
+              <a:lnSpc>
+                <a:spcPct val="110000"/>
+              </a:lnSpc>
+            </a:pPr>
+            <a:r>
+              <a:rPr lang="ko-KR" altLang="en-US" dirty="0" smtClean="0">
+                <a:sym typeface="Wingdings" panose="05000000000000000000" pitchFamily="2" charset="2"/>
+              </a:rPr>
+              <a:t>현실적인 경우</a:t>
+            </a:r>
+            <a:r>
+              <a:rPr lang="en-US" altLang="ko-KR" dirty="0" smtClean="0">
+                <a:sym typeface="Wingdings" panose="05000000000000000000" pitchFamily="2" charset="2"/>
+              </a:rPr>
+              <a:t>: </a:t>
+            </a:r>
+            <a:r>
+              <a:rPr lang="ko-KR" altLang="en-US" dirty="0" smtClean="0">
+                <a:sym typeface="Wingdings" panose="05000000000000000000" pitchFamily="2" charset="2"/>
+              </a:rPr>
+              <a:t>불법 </a:t>
+            </a:r>
+            <a:r>
+              <a:rPr lang="ko-KR" altLang="en-US" dirty="0" err="1" smtClean="0">
+                <a:sym typeface="Wingdings" panose="05000000000000000000" pitchFamily="2" charset="2"/>
+              </a:rPr>
+              <a:t>주정차</a:t>
+            </a:r>
+            <a:r>
+              <a:rPr lang="en-US" altLang="ko-KR" dirty="0" smtClean="0">
+                <a:sym typeface="Wingdings" panose="05000000000000000000" pitchFamily="2" charset="2"/>
+              </a:rPr>
+              <a:t>, </a:t>
+            </a:r>
+            <a:r>
+              <a:rPr lang="ko-KR" altLang="en-US" dirty="0" smtClean="0">
+                <a:sym typeface="Wingdings" panose="05000000000000000000" pitchFamily="2" charset="2"/>
+              </a:rPr>
+              <a:t>중간 유입 차량</a:t>
+            </a:r>
+            <a:r>
+              <a:rPr lang="en-US" altLang="ko-KR" dirty="0" smtClean="0">
+                <a:sym typeface="Wingdings" panose="05000000000000000000" pitchFamily="2" charset="2"/>
+              </a:rPr>
+              <a:t>, outflow </a:t>
+            </a:r>
+            <a:r>
+              <a:rPr lang="ko-KR" altLang="en-US" dirty="0" smtClean="0">
+                <a:sym typeface="Wingdings" panose="05000000000000000000" pitchFamily="2" charset="2"/>
+              </a:rPr>
+              <a:t>차량 모두 고려해야 함</a:t>
+            </a:r>
+            <a:r>
+              <a:rPr lang="en-US" altLang="ko-KR" dirty="0" smtClean="0">
+                <a:sym typeface="Wingdings" panose="05000000000000000000" pitchFamily="2" charset="2"/>
+              </a:rPr>
+              <a:t/>
+            </a:r>
+            <a:br>
+              <a:rPr lang="en-US" altLang="ko-KR" dirty="0" smtClean="0">
+                <a:sym typeface="Wingdings" panose="05000000000000000000" pitchFamily="2" charset="2"/>
+              </a:rPr>
+            </a:br>
+            <a:endParaRPr lang="en-US" altLang="ko-KR" dirty="0" smtClean="0">
+              <a:sym typeface="Wingdings" panose="05000000000000000000" pitchFamily="2" charset="2"/>
+            </a:endParaRPr>
+          </a:p>
+          <a:p>
+            <a:pPr lvl="1">
+              <a:lnSpc>
+                <a:spcPct val="110000"/>
+              </a:lnSpc>
+            </a:pPr>
+            <a:r>
+              <a:rPr lang="ko-KR" altLang="en-US" dirty="0" smtClean="0">
+                <a:sym typeface="Wingdings" panose="05000000000000000000" pitchFamily="2" charset="2"/>
+              </a:rPr>
+              <a:t>차량의 도착 특성</a:t>
+            </a:r>
+            <a:endParaRPr lang="en-US" altLang="ko-KR" dirty="0" smtClean="0">
+              <a:sym typeface="Wingdings" panose="05000000000000000000" pitchFamily="2" charset="2"/>
+            </a:endParaRPr>
+          </a:p>
+          <a:p>
+            <a:pPr lvl="2">
+              <a:lnSpc>
+                <a:spcPct val="110000"/>
+              </a:lnSpc>
+            </a:pPr>
+            <a:r>
+              <a:rPr lang="ko-KR" altLang="en-US" dirty="0" err="1" smtClean="0">
+                <a:sym typeface="Wingdings" panose="05000000000000000000" pitchFamily="2" charset="2"/>
+              </a:rPr>
+              <a:t>도착율이</a:t>
+            </a:r>
+            <a:r>
+              <a:rPr lang="ko-KR" altLang="en-US" dirty="0" smtClean="0">
+                <a:sym typeface="Wingdings" panose="05000000000000000000" pitchFamily="2" charset="2"/>
+              </a:rPr>
+              <a:t> 일정한 경우</a:t>
+            </a:r>
+            <a:r>
+              <a:rPr lang="en-US" altLang="ko-KR" dirty="0" smtClean="0">
+                <a:sym typeface="Wingdings" panose="05000000000000000000" pitchFamily="2" charset="2"/>
+              </a:rPr>
+              <a:t>, </a:t>
+            </a:r>
+            <a:r>
+              <a:rPr lang="ko-KR" altLang="en-US" dirty="0" smtClean="0">
+                <a:sym typeface="Wingdings" panose="05000000000000000000" pitchFamily="2" charset="2"/>
+              </a:rPr>
+              <a:t>연동 필요가 없음</a:t>
+            </a:r>
+            <a:r>
+              <a:rPr lang="en-US" altLang="ko-KR" dirty="0" smtClean="0">
+                <a:sym typeface="Wingdings" panose="05000000000000000000" pitchFamily="2" charset="2"/>
+              </a:rPr>
+              <a:t/>
+            </a:r>
+            <a:br>
+              <a:rPr lang="en-US" altLang="ko-KR" dirty="0" smtClean="0">
+                <a:sym typeface="Wingdings" panose="05000000000000000000" pitchFamily="2" charset="2"/>
+              </a:rPr>
+            </a:br>
+            <a:endParaRPr lang="en-US" altLang="ko-KR" dirty="0" smtClean="0">
+              <a:sym typeface="Wingdings" panose="05000000000000000000" pitchFamily="2" charset="2"/>
+            </a:endParaRPr>
+          </a:p>
+          <a:p>
+            <a:pPr lvl="1">
+              <a:lnSpc>
+                <a:spcPct val="110000"/>
+              </a:lnSpc>
+            </a:pPr>
+            <a:r>
+              <a:rPr lang="ko-KR" altLang="en-US" dirty="0" smtClean="0">
+                <a:sym typeface="Wingdings" panose="05000000000000000000" pitchFamily="2" charset="2"/>
+              </a:rPr>
+              <a:t>시간에 따른 교통량 변화</a:t>
+            </a:r>
+            <a:endParaRPr lang="en-US" altLang="ko-KR" dirty="0" smtClean="0">
+              <a:sym typeface="Wingdings" panose="05000000000000000000" pitchFamily="2" charset="2"/>
+            </a:endParaRPr>
+          </a:p>
+          <a:p>
+            <a:pPr lvl="2">
+              <a:lnSpc>
+                <a:spcPct val="110000"/>
+              </a:lnSpc>
+            </a:pPr>
+            <a:r>
+              <a:rPr lang="ko-KR" altLang="en-US" dirty="0" err="1" smtClean="0">
+                <a:sym typeface="Wingdings" panose="05000000000000000000" pitchFamily="2" charset="2"/>
+              </a:rPr>
+              <a:t>첨두</a:t>
+            </a:r>
+            <a:r>
+              <a:rPr lang="ko-KR" altLang="en-US" dirty="0" smtClean="0">
+                <a:sym typeface="Wingdings" panose="05000000000000000000" pitchFamily="2" charset="2"/>
+              </a:rPr>
+              <a:t> 시간대</a:t>
+            </a:r>
+            <a:r>
+              <a:rPr lang="en-US" altLang="ko-KR" dirty="0" smtClean="0">
+                <a:sym typeface="Wingdings" panose="05000000000000000000" pitchFamily="2" charset="2"/>
+              </a:rPr>
+              <a:t>: </a:t>
+            </a:r>
+            <a:r>
+              <a:rPr lang="ko-KR" altLang="en-US" dirty="0" smtClean="0">
+                <a:sym typeface="Wingdings" panose="05000000000000000000" pitchFamily="2" charset="2"/>
+              </a:rPr>
+              <a:t>연동 시스템의 구축보다 </a:t>
+            </a:r>
+            <a:r>
+              <a:rPr lang="ko-KR" altLang="en-US" dirty="0" err="1" smtClean="0">
+                <a:sym typeface="Wingdings" panose="05000000000000000000" pitchFamily="2" charset="2"/>
+              </a:rPr>
+              <a:t>통과용량</a:t>
+            </a:r>
+            <a:r>
+              <a:rPr lang="ko-KR" altLang="en-US" dirty="0" smtClean="0">
+                <a:sym typeface="Wingdings" panose="05000000000000000000" pitchFamily="2" charset="2"/>
+              </a:rPr>
+              <a:t> 극대화</a:t>
+            </a:r>
+            <a:endParaRPr lang="en-US" altLang="ko-KR" dirty="0" smtClean="0">
+              <a:sym typeface="Wingdings" panose="05000000000000000000" pitchFamily="2" charset="2"/>
+            </a:endParaRPr>
+          </a:p>
+          <a:p>
+            <a:pPr lvl="2">
+              <a:lnSpc>
+                <a:spcPct val="110000"/>
+              </a:lnSpc>
+            </a:pPr>
+            <a:r>
+              <a:rPr lang="ko-KR" altLang="en-US" dirty="0" smtClean="0">
+                <a:sym typeface="Wingdings" panose="05000000000000000000" pitchFamily="2" charset="2"/>
+              </a:rPr>
+              <a:t>비 </a:t>
+            </a:r>
+            <a:r>
+              <a:rPr lang="ko-KR" altLang="en-US" dirty="0" err="1" smtClean="0">
+                <a:sym typeface="Wingdings" panose="05000000000000000000" pitchFamily="2" charset="2"/>
+              </a:rPr>
+              <a:t>첨두</a:t>
+            </a:r>
+            <a:r>
+              <a:rPr lang="ko-KR" altLang="en-US" dirty="0" smtClean="0">
+                <a:sym typeface="Wingdings" panose="05000000000000000000" pitchFamily="2" charset="2"/>
+              </a:rPr>
+              <a:t> 시간대</a:t>
+            </a:r>
+            <a:r>
+              <a:rPr lang="en-US" altLang="ko-KR" dirty="0" smtClean="0">
+                <a:sym typeface="Wingdings" panose="05000000000000000000" pitchFamily="2" charset="2"/>
+              </a:rPr>
+              <a:t>: </a:t>
+            </a:r>
+            <a:r>
+              <a:rPr lang="ko-KR" altLang="en-US" dirty="0" smtClean="0">
+                <a:sym typeface="Wingdings" panose="05000000000000000000" pitchFamily="2" charset="2"/>
+              </a:rPr>
+              <a:t>두 교차로 사이에 유입되는 간선도로가 없을 때</a:t>
+            </a:r>
+            <a:endParaRPr lang="ko-KR" altLang="en-US" dirty="0"/>
+          </a:p>
+        </p:txBody>
+      </p:sp>
+    </p:spTree>
+    <p:extLst>
+      <p:ext uri="{BB962C8B-B14F-4D97-AF65-F5344CB8AC3E}">
+        <p14:creationId xmlns:p14="http://schemas.microsoft.com/office/powerpoint/2010/main" val="1630567643"/>
+      </p:ext>
+    </p:extLst>
+  </p:cSld>
+  <p:clrMapOvr>
+    <a:masterClrMapping/>
+  </p:clrMapOvr>
+</p:sld>
+</file>
+
+<file path=ppt/slides/slide5.xml><?xml version="1.0" encoding="utf-8"?>
+<p:sld xmlns:a="http://schemas.openxmlformats.org/drawingml/2006/main" xmlns:r="http://schemas.openxmlformats.org/officeDocument/2006/relationships" xmlns:p="http://schemas.openxmlformats.org/presentationml/2006/main">
+  <p:cSld>
+    <p:spTree>
+      <p:nvGrpSpPr>
+        <p:cNvPr id="1" name=""/>
+        <p:cNvGrpSpPr/>
+        <p:nvPr/>
+      </p:nvGrpSpPr>
+      <p:grpSpPr>
+        <a:xfrm>
+          <a:off x="0" y="0"/>
+          <a:ext cx="0" cy="0"/>
+          <a:chOff x="0" y="0"/>
+          <a:chExt cx="0" cy="0"/>
+        </a:xfrm>
+      </p:grpSpPr>
+      <p:sp>
+        <p:nvSpPr>
+          <p:cNvPr id="2" name="제목 1"/>
+          <p:cNvSpPr>
+            <a:spLocks noGrp="1"/>
+          </p:cNvSpPr>
+          <p:nvPr>
+            <p:ph type="title"/>
+          </p:nvPr>
+        </p:nvSpPr>
+        <p:spPr/>
+        <p:txBody>
+          <a:bodyPr/>
+          <a:lstStyle/>
+          <a:p>
+            <a:r>
+              <a:rPr lang="en-US" altLang="ko-KR" dirty="0" smtClean="0"/>
+              <a:t>Preliminary</a:t>
+            </a:r>
+            <a:endParaRPr lang="ko-KR" altLang="en-US" dirty="0"/>
+          </a:p>
+        </p:txBody>
+      </p:sp>
+      <p:sp>
+        <p:nvSpPr>
+          <p:cNvPr id="3" name="내용 개체 틀 2"/>
+          <p:cNvSpPr>
+            <a:spLocks noGrp="1"/>
+          </p:cNvSpPr>
+          <p:nvPr>
+            <p:ph idx="1"/>
+          </p:nvPr>
+        </p:nvSpPr>
+        <p:spPr/>
+        <p:txBody>
+          <a:bodyPr/>
+          <a:lstStyle/>
+          <a:p>
+            <a:r>
+              <a:rPr lang="en-US" altLang="ko-KR" dirty="0" smtClean="0"/>
+              <a:t> Spill back </a:t>
+            </a:r>
+          </a:p>
+          <a:p>
+            <a:pPr lvl="1"/>
+            <a:r>
+              <a:rPr lang="ko-KR" altLang="en-US" dirty="0" smtClean="0"/>
+              <a:t>신호교차로에서 </a:t>
+            </a:r>
+            <a:r>
+              <a:rPr lang="ko-KR" altLang="en-US" dirty="0" err="1" smtClean="0"/>
+              <a:t>꼬리물기</a:t>
+            </a:r>
+            <a:r>
+              <a:rPr lang="en-US" altLang="ko-KR" dirty="0" smtClean="0"/>
+              <a:t>, </a:t>
+            </a:r>
+            <a:r>
+              <a:rPr lang="ko-KR" altLang="en-US" dirty="0" smtClean="0"/>
+              <a:t>교통량 과다 등이 원인이 되어 </a:t>
+            </a:r>
+            <a:r>
+              <a:rPr lang="en-US" altLang="ko-KR" dirty="0" smtClean="0"/>
+              <a:t>inflow intersection</a:t>
+            </a:r>
+            <a:r>
+              <a:rPr lang="ko-KR" altLang="en-US" dirty="0" smtClean="0"/>
+              <a:t>까지 차량이 넘쳐나서 원활한 통행을 방해하는 현상</a:t>
+            </a:r>
+            <a:endParaRPr lang="en-US" altLang="ko-KR" dirty="0" smtClean="0"/>
+          </a:p>
+          <a:p>
+            <a:r>
+              <a:rPr lang="en-US" altLang="ko-KR" dirty="0" smtClean="0"/>
+              <a:t> Signal Phase</a:t>
+            </a:r>
+          </a:p>
+          <a:p>
+            <a:pPr lvl="1"/>
+            <a:r>
+              <a:rPr lang="en-US" altLang="ko-KR" dirty="0" smtClean="0"/>
+              <a:t>Signal set in intersection (n lane-&gt;n*4 signal set length)</a:t>
+            </a:r>
+          </a:p>
+          <a:p>
+            <a:pPr lvl="1"/>
+            <a:r>
+              <a:rPr lang="ko-KR" altLang="en-US" dirty="0" smtClean="0"/>
+              <a:t>보통 </a:t>
+            </a:r>
+            <a:r>
+              <a:rPr lang="en-US" altLang="ko-KR" dirty="0" smtClean="0"/>
+              <a:t>8</a:t>
+            </a:r>
+            <a:r>
+              <a:rPr lang="ko-KR" altLang="en-US" dirty="0" smtClean="0"/>
+              <a:t>개의 </a:t>
+            </a:r>
+            <a:r>
+              <a:rPr lang="en-US" altLang="ko-KR" dirty="0" smtClean="0"/>
+              <a:t>Signal phase</a:t>
+            </a:r>
+            <a:r>
+              <a:rPr lang="ko-KR" altLang="en-US" dirty="0" smtClean="0"/>
+              <a:t>를 가짐 </a:t>
+            </a:r>
+            <a:r>
+              <a:rPr lang="en-US" altLang="ko-KR" dirty="0" smtClean="0"/>
+              <a:t>(Combined with movement signal)</a:t>
+            </a:r>
+          </a:p>
+          <a:p>
+            <a:pPr lvl="1"/>
+            <a:r>
+              <a:rPr lang="en-US" altLang="ko-KR" dirty="0" smtClean="0"/>
+              <a:t>Isolated intersection</a:t>
+            </a:r>
+            <a:r>
+              <a:rPr lang="ko-KR" altLang="en-US" dirty="0" smtClean="0"/>
+              <a:t>에서는 </a:t>
+            </a:r>
+            <a:r>
+              <a:rPr lang="en-US" altLang="ko-KR" dirty="0" smtClean="0"/>
+              <a:t>paired-signal phases</a:t>
+            </a:r>
+            <a:r>
+              <a:rPr lang="ko-KR" altLang="en-US" dirty="0" smtClean="0"/>
+              <a:t>를 주로 사용</a:t>
+            </a:r>
+            <a:endParaRPr lang="en-US" altLang="ko-KR" dirty="0" smtClean="0"/>
+          </a:p>
+          <a:p>
+            <a:pPr lvl="1"/>
+            <a:r>
+              <a:rPr lang="en-US" altLang="ko-KR" dirty="0" smtClean="0"/>
+              <a:t>Multi-grouped intersection</a:t>
+            </a:r>
+            <a:r>
+              <a:rPr lang="ko-KR" altLang="en-US" dirty="0" smtClean="0"/>
+              <a:t>에서는 </a:t>
+            </a:r>
+            <a:r>
+              <a:rPr lang="en-US" altLang="ko-KR" dirty="0" smtClean="0"/>
+              <a:t>single-signal phase </a:t>
+            </a:r>
+            <a:r>
+              <a:rPr lang="ko-KR" altLang="en-US" dirty="0" smtClean="0"/>
+              <a:t>사용하여 </a:t>
+            </a:r>
+            <a:r>
+              <a:rPr lang="en-US" altLang="ko-KR" dirty="0" smtClean="0"/>
+              <a:t>spill back</a:t>
+            </a:r>
+            <a:r>
+              <a:rPr lang="ko-KR" altLang="en-US" dirty="0"/>
+              <a:t> </a:t>
+            </a:r>
+            <a:r>
+              <a:rPr lang="ko-KR" altLang="en-US" dirty="0" smtClean="0"/>
+              <a:t>예방</a:t>
+            </a:r>
+            <a:endParaRPr lang="en-US" altLang="ko-KR" dirty="0" smtClean="0"/>
+          </a:p>
+        </p:txBody>
+      </p:sp>
+    </p:spTree>
+    <p:extLst>
+      <p:ext uri="{BB962C8B-B14F-4D97-AF65-F5344CB8AC3E}">
+        <p14:creationId xmlns:p14="http://schemas.microsoft.com/office/powerpoint/2010/main" val="1328411795"/>
+      </p:ext>
+    </p:extLst>
+  </p:cSld>
+  <p:clrMapOvr>
+    <a:masterClrMapping/>
+  </p:clrMapOvr>
+</p:sld>
+</file>
+
+<file path=ppt/slides/slide6.xml><?xml version="1.0" encoding="utf-8"?>
+<p:sld xmlns:a="http://schemas.openxmlformats.org/drawingml/2006/main" xmlns:r="http://schemas.openxmlformats.org/officeDocument/2006/relationships" xmlns:p="http://schemas.openxmlformats.org/presentationml/2006/main">
+  <p:cSld>
+    <p:spTree>
+      <p:nvGrpSpPr>
+        <p:cNvPr id="1" name=""/>
+        <p:cNvGrpSpPr/>
+        <p:nvPr/>
+      </p:nvGrpSpPr>
+      <p:grpSpPr>
+        <a:xfrm>
+          <a:off x="0" y="0"/>
+          <a:ext cx="0" cy="0"/>
+          <a:chOff x="0" y="0"/>
+          <a:chExt cx="0" cy="0"/>
+        </a:xfrm>
+      </p:grpSpPr>
+      <p:sp>
+        <p:nvSpPr>
+          <p:cNvPr id="2" name="제목 1"/>
+          <p:cNvSpPr>
+            <a:spLocks noGrp="1"/>
+          </p:cNvSpPr>
+          <p:nvPr>
+            <p:ph type="title"/>
+          </p:nvPr>
+        </p:nvSpPr>
+        <p:spPr/>
+        <p:txBody>
+          <a:bodyPr/>
+          <a:lstStyle/>
+          <a:p>
+            <a:r>
+              <a:rPr lang="en-US" altLang="ko-KR" dirty="0"/>
               <a:t>SUMO Network </a:t>
             </a:r>
             <a:r>
@@ -12144,7 +16971,7 @@
         </p:blipFill>
         <p:spPr>
           <a:xfrm>
-            <a:off x="3409953" y="1846263"/>
+            <a:off x="5657208" y="1837085"/>
             <a:ext cx="5432420" cy="4022725"/>
           </a:xfrm>
           <a:prstGeom prst="rect">
@@ -12176,6 +17003,68 @@
           </a:prstGeom>
         </p:spPr>
       </p:pic>
+      <p:sp>
+        <p:nvSpPr>
+          <p:cNvPr id="3" name="TextBox 2"/>
+          <p:cNvSpPr txBox="1"/>
+          <p:nvPr/>
+        </p:nvSpPr>
+        <p:spPr>
+          <a:xfrm>
+            <a:off x="2585680" y="5959536"/>
+            <a:ext cx="1932214" cy="370075"/>
+          </a:xfrm>
+          <a:prstGeom prst="rect">
+            <a:avLst/>
+          </a:prstGeom>
+          <a:noFill/>
+        </p:spPr>
+        <p:txBody>
+          <a:bodyPr wrap="square" rtlCol="0">
+            <a:spAutoFit/>
+          </a:bodyPr>
+          <a:lstStyle/>
+          <a:p>
+            <a:pPr algn="ctr"/>
+            <a:r>
+              <a:rPr lang="en-US" altLang="ko-KR" dirty="0" smtClean="0"/>
+              <a:t>2x2 grid</a:t>
+            </a:r>
+            <a:endParaRPr lang="ko-KR" altLang="en-US" dirty="0"/>
+          </a:p>
+        </p:txBody>
+      </p:sp>
+      <p:sp>
+        <p:nvSpPr>
+          <p:cNvPr id="6" name="TextBox 5"/>
+          <p:cNvSpPr txBox="1"/>
+          <p:nvPr/>
+        </p:nvSpPr>
+        <p:spPr>
+          <a:xfrm>
+            <a:off x="7407311" y="5898051"/>
+            <a:ext cx="1932214" cy="370075"/>
+          </a:xfrm>
+          <a:prstGeom prst="rect">
+            <a:avLst/>
+          </a:prstGeom>
+          <a:noFill/>
+        </p:spPr>
+        <p:txBody>
+          <a:bodyPr wrap="square" rtlCol="0">
+            <a:spAutoFit/>
+          </a:bodyPr>
+          <a:lstStyle/>
+          <a:p>
+            <a:pPr algn="ctr"/>
+            <a:r>
+              <a:rPr lang="en-US" altLang="ko-KR" dirty="0" smtClean="0"/>
+              <a:t>3x3 grid</a:t>
+            </a:r>
+            <a:endParaRPr lang="ko-KR" altLang="en-US" dirty="0"/>
+          </a:p>
+        </p:txBody>
+      </p:sp>
     </p:spTree>
     <p:extLst>
       <p:ext uri="{BB962C8B-B14F-4D97-AF65-F5344CB8AC3E}">
@@ -12189,7 +17078,7 @@
 </p:sld>
 </file>
 
-<file path=ppt/slides/slide5.xml><?xml version="1.0" encoding="utf-8"?>
+<file path=ppt/slides/slide7.xml><?xml version="1.0" encoding="utf-8"?>
 <p:sld xmlns:a="http://schemas.openxmlformats.org/drawingml/2006/main" xmlns:r="http://schemas.openxmlformats.org/officeDocument/2006/relationships" xmlns:p="http://schemas.openxmlformats.org/presentationml/2006/main">
   <p:cSld>
     <p:spTree>
@@ -12260,6 +17149,10 @@
               <a:rPr lang="ko-KR" altLang="en-US" dirty="0"/>
               <a:t>를 조절</a:t>
             </a:r>
+            <a:r>
+              <a:rPr lang="en-US" altLang="ko-KR" dirty="0"/>
+              <a:t/>
+            </a:r>
             <a:br>
               <a:rPr lang="en-US" altLang="ko-KR" dirty="0"/>
             </a:br>
@@ -12345,7 +17238,7 @@
 </p:sld>
 </file>
 
-<file path=ppt/slides/slide6.xml><?xml version="1.0" encoding="utf-8"?>
+<file path=ppt/slides/slide8.xml><?xml version="1.0" encoding="utf-8"?>
 <p:sld xmlns:a="http://schemas.openxmlformats.org/drawingml/2006/main" xmlns:r="http://schemas.openxmlformats.org/officeDocument/2006/relationships" xmlns:p="http://schemas.openxmlformats.org/presentationml/2006/main">
   <p:cSld>
     <p:spTree>
@@ -12407,6 +17300,10 @@
             <a:r>
               <a:rPr lang="ko-KR" altLang="en-US" dirty="0"/>
               <a:t>을 사용</a:t>
+            </a:r>
+            <a:r>
+              <a:rPr lang="en-US" altLang="ko-KR" dirty="0"/>
+              <a:t/>
             </a:r>
             <a:br>
               <a:rPr lang="en-US" altLang="ko-KR" dirty="0"/>
@@ -13150,7 +18047,7 @@
 </p:sld>
 </file>
 
-<file path=ppt/slides/slide7.xml><?xml version="1.0" encoding="utf-8"?>
+<file path=ppt/slides/slide9.xml><?xml version="1.0" encoding="utf-8"?>
 <p:sld xmlns:a="http://schemas.openxmlformats.org/drawingml/2006/main" xmlns:r="http://schemas.openxmlformats.org/officeDocument/2006/relationships" xmlns:p="http://schemas.openxmlformats.org/presentationml/2006/main">
   <p:cSld>
     <p:spTree>
@@ -13213,6 +18110,10 @@
               <a:rPr lang="ko-KR" altLang="en-US" dirty="0"/>
               <a:t>부여 방식</a:t>
             </a:r>
+            <a:r>
+              <a:rPr lang="en-US" altLang="ko-KR" dirty="0"/>
+              <a:t/>
+            </a:r>
             <a:br>
               <a:rPr lang="en-US" altLang="ko-KR" dirty="0"/>
             </a:br>
@@ -13232,6 +18133,10 @@
               <a:rPr lang="ko-KR" altLang="en-US" dirty="0"/>
               <a:t>의 방향 별로 부여</a:t>
             </a:r>
+            <a:r>
+              <a:rPr lang="en-US" altLang="ko-KR" dirty="0"/>
+              <a:t/>
+            </a:r>
             <a:br>
               <a:rPr lang="en-US" altLang="ko-KR" dirty="0"/>
             </a:br>
@@ -13280,6 +18185,10 @@
             <a:r>
               <a:rPr lang="ko-KR" altLang="en-US" dirty="0"/>
               <a:t> 개수 조절 가능</a:t>
+            </a:r>
+            <a:r>
+              <a:rPr lang="en-US" altLang="ko-KR" dirty="0"/>
+              <a:t/>
             </a:r>
             <a:br>
               <a:rPr lang="en-US" altLang="ko-KR" dirty="0"/>
@@ -13500,562 +18409,6 @@
     <p:extLst>
       <p:ext uri="{BB962C8B-B14F-4D97-AF65-F5344CB8AC3E}">
         <p14:creationId xmlns:p14="http://schemas.microsoft.com/office/powerpoint/2010/main" val="2494905478"/>
-      </p:ext>
-    </p:extLst>
-  </p:cSld>
-  <p:clrMapOvr>
-    <a:masterClrMapping/>
-  </p:clrMapOvr>
-</p:sld>
-</file>
-
-<file path=ppt/slides/slide8.xml><?xml version="1.0" encoding="utf-8"?>
-<p:sld xmlns:a="http://schemas.openxmlformats.org/drawingml/2006/main" xmlns:r="http://schemas.openxmlformats.org/officeDocument/2006/relationships" xmlns:p="http://schemas.openxmlformats.org/presentationml/2006/main">
-  <p:cSld>
-    <p:spTree>
-      <p:nvGrpSpPr>
-        <p:cNvPr id="1" name=""/>
-        <p:cNvGrpSpPr/>
-        <p:nvPr/>
-      </p:nvGrpSpPr>
-      <p:grpSpPr>
-        <a:xfrm>
-          <a:off x="0" y="0"/>
-          <a:ext cx="0" cy="0"/>
-          <a:chOff x="0" y="0"/>
-          <a:chExt cx="0" cy="0"/>
-        </a:xfrm>
-      </p:grpSpPr>
-      <p:sp>
-        <p:nvSpPr>
-          <p:cNvPr id="2" name="제목 1"/>
-          <p:cNvSpPr>
-            <a:spLocks noGrp="1"/>
-          </p:cNvSpPr>
-          <p:nvPr>
-            <p:ph type="title"/>
-          </p:nvPr>
-        </p:nvSpPr>
-        <p:spPr/>
-        <p:txBody>
-          <a:bodyPr/>
-          <a:lstStyle/>
-          <a:p>
-            <a:r>
-              <a:rPr lang="en-US" altLang="ko-KR" dirty="0"/>
-              <a:t>Traffic State, Action</a:t>
-            </a:r>
-            <a:endParaRPr lang="ko-KR" altLang="en-US" dirty="0"/>
-          </a:p>
-        </p:txBody>
-      </p:sp>
-      <p:sp>
-        <p:nvSpPr>
-          <p:cNvPr id="3" name="내용 개체 틀 2"/>
-          <p:cNvSpPr>
-            <a:spLocks noGrp="1"/>
-          </p:cNvSpPr>
-          <p:nvPr>
-            <p:ph idx="1"/>
-          </p:nvPr>
-        </p:nvSpPr>
-        <p:spPr>
-          <a:xfrm>
-            <a:off x="1097279" y="1845734"/>
-            <a:ext cx="10487179" cy="4023360"/>
-          </a:xfrm>
-        </p:spPr>
-        <p:txBody>
-          <a:bodyPr/>
-          <a:lstStyle/>
-          <a:p>
-            <a:r>
-              <a:rPr lang="en-US" altLang="ko-KR" dirty="0"/>
-              <a:t>Traffic Lights Value Retrieval</a:t>
-            </a:r>
-            <a:br>
-              <a:rPr lang="en-US" altLang="ko-KR" dirty="0"/>
-            </a:br>
-            <a:r>
-              <a:rPr lang="en-US" altLang="ko-KR" dirty="0"/>
-              <a:t>- ID list: </a:t>
-            </a:r>
-            <a:r>
-              <a:rPr lang="en-US" altLang="ko-KR" dirty="0" err="1"/>
-              <a:t>getIDList</a:t>
-            </a:r>
-            <a:br>
-              <a:rPr lang="en-US" altLang="ko-KR" dirty="0"/>
-            </a:br>
-            <a:r>
-              <a:rPr lang="en-US" altLang="ko-KR" dirty="0"/>
-              <a:t>- State: </a:t>
-            </a:r>
-            <a:r>
-              <a:rPr lang="en-US" altLang="ko-KR" dirty="0" err="1"/>
-              <a:t>getRedYellowGreenState</a:t>
-            </a:r>
-            <a:br>
-              <a:rPr lang="en-US" altLang="ko-KR" dirty="0"/>
-            </a:br>
-            <a:r>
-              <a:rPr lang="en-US" altLang="ko-KR" dirty="0"/>
-              <a:t>- Phase duration: </a:t>
-            </a:r>
-            <a:r>
-              <a:rPr lang="en-US" altLang="ko-KR" dirty="0" err="1"/>
-              <a:t>getPhaseDuration</a:t>
-            </a:r>
-            <a:r>
-              <a:rPr lang="en-US" altLang="ko-KR" dirty="0"/>
-              <a:t>,</a:t>
-            </a:r>
-            <a:br>
-              <a:rPr lang="en-US" altLang="ko-KR" dirty="0"/>
-            </a:br>
-            <a:r>
-              <a:rPr lang="en-US" altLang="ko-KR" dirty="0"/>
-              <a:t>- Current phase: </a:t>
-            </a:r>
-            <a:r>
-              <a:rPr lang="en-US" altLang="ko-KR" dirty="0" err="1"/>
-              <a:t>getPhase</a:t>
-            </a:r>
-            <a:r>
-              <a:rPr lang="en-US" altLang="ko-KR" dirty="0"/>
-              <a:t> </a:t>
-            </a:r>
-            <a:r>
-              <a:rPr lang="ko-KR" altLang="en-US" dirty="0"/>
-              <a:t>함수</a:t>
-            </a:r>
-            <a:r>
-              <a:rPr lang="en-US" altLang="ko-KR" dirty="0"/>
-              <a:t>, </a:t>
-            </a:r>
-            <a:r>
-              <a:rPr lang="ko-KR" altLang="en-US" dirty="0"/>
-              <a:t>현재 </a:t>
-            </a:r>
-            <a:r>
-              <a:rPr lang="en-US" altLang="ko-KR" dirty="0"/>
-              <a:t>phase</a:t>
-            </a:r>
-            <a:r>
-              <a:rPr lang="ko-KR" altLang="en-US" dirty="0"/>
-              <a:t>의 </a:t>
-            </a:r>
-            <a:r>
-              <a:rPr lang="en-US" altLang="ko-KR" dirty="0"/>
-              <a:t>index</a:t>
-            </a:r>
-            <a:br>
-              <a:rPr lang="en-US" altLang="ko-KR" dirty="0"/>
-            </a:br>
-            <a:r>
-              <a:rPr lang="en-US" altLang="ko-KR" dirty="0"/>
-              <a:t>- Complete program definition: </a:t>
-            </a:r>
-            <a:r>
-              <a:rPr lang="en-US" altLang="ko-KR" dirty="0" err="1"/>
-              <a:t>getCompleteRedYellowGreenDefinition</a:t>
-            </a:r>
-            <a:r>
-              <a:rPr lang="en-US" altLang="ko-KR" dirty="0"/>
-              <a:t>, TL </a:t>
-            </a:r>
-            <a:r>
-              <a:rPr lang="ko-KR" altLang="en-US" dirty="0"/>
-              <a:t>프로그램 받아오기</a:t>
-            </a:r>
-            <a:endParaRPr lang="en-US" altLang="ko-KR" dirty="0"/>
-          </a:p>
-          <a:p>
-            <a:r>
-              <a:rPr lang="en-US" altLang="ko-KR" dirty="0"/>
-              <a:t>Change Traffic Lights State</a:t>
-            </a:r>
-            <a:br>
-              <a:rPr lang="en-US" altLang="ko-KR" dirty="0"/>
-            </a:br>
-            <a:r>
-              <a:rPr lang="en-US" altLang="ko-KR" dirty="0"/>
-              <a:t>- Change state: </a:t>
-            </a:r>
-            <a:r>
-              <a:rPr lang="en-US" altLang="ko-KR" dirty="0" err="1"/>
-              <a:t>setRedYellowGreenState</a:t>
-            </a:r>
-            <a:br>
-              <a:rPr lang="en-US" altLang="ko-KR" dirty="0"/>
-            </a:br>
-            <a:r>
-              <a:rPr lang="en-US" altLang="ko-KR" dirty="0"/>
-              <a:t>- Change phase duration: </a:t>
-            </a:r>
-            <a:r>
-              <a:rPr lang="en-US" altLang="ko-KR" dirty="0" err="1"/>
-              <a:t>setPhaseDuration</a:t>
-            </a:r>
-            <a:br>
-              <a:rPr lang="en-US" altLang="ko-KR" dirty="0"/>
-            </a:br>
-            <a:r>
-              <a:rPr lang="en-US" altLang="ko-KR" dirty="0"/>
-              <a:t>- Complete program definition: </a:t>
-            </a:r>
-            <a:r>
-              <a:rPr lang="en-US" altLang="ko-KR" dirty="0" err="1"/>
-              <a:t>setCompleteRedYellowGreenDefinition</a:t>
-            </a:r>
-            <a:r>
-              <a:rPr lang="en-US" altLang="ko-KR" dirty="0"/>
-              <a:t>, </a:t>
-            </a:r>
-            <a:r>
-              <a:rPr lang="ko-KR" altLang="en-US" dirty="0"/>
-              <a:t>새로운</a:t>
-            </a:r>
-            <a:r>
-              <a:rPr lang="en-US" altLang="ko-KR" dirty="0"/>
-              <a:t>TL</a:t>
-            </a:r>
-            <a:r>
-              <a:rPr lang="ko-KR" altLang="en-US" dirty="0"/>
-              <a:t> 프로그램 삽입</a:t>
-            </a:r>
-            <a:br>
-              <a:rPr lang="en-US" altLang="ko-KR" dirty="0"/>
-            </a:br>
-            <a:r>
-              <a:rPr lang="en-US" altLang="ko-KR" dirty="0"/>
-              <a:t>- Change program logic: </a:t>
-            </a:r>
-            <a:r>
-              <a:rPr lang="en-US" altLang="ko-KR" dirty="0" err="1"/>
-              <a:t>setProgramLogic</a:t>
-            </a:r>
-            <a:r>
-              <a:rPr lang="en-US" altLang="ko-KR" dirty="0"/>
-              <a:t> : logic </a:t>
-            </a:r>
-            <a:r>
-              <a:rPr lang="ko-KR" altLang="en-US" dirty="0"/>
-              <a:t>삽입</a:t>
-            </a:r>
-            <a:endParaRPr lang="en-US" altLang="ko-KR" dirty="0"/>
-          </a:p>
-        </p:txBody>
-      </p:sp>
-    </p:spTree>
-    <p:extLst>
-      <p:ext uri="{BB962C8B-B14F-4D97-AF65-F5344CB8AC3E}">
-        <p14:creationId xmlns:p14="http://schemas.microsoft.com/office/powerpoint/2010/main" val="2738297341"/>
-      </p:ext>
-    </p:extLst>
-  </p:cSld>
-  <p:clrMapOvr>
-    <a:masterClrMapping/>
-  </p:clrMapOvr>
-</p:sld>
-</file>
-
-<file path=ppt/slides/slide9.xml><?xml version="1.0" encoding="utf-8"?>
-<p:sld xmlns:a="http://schemas.openxmlformats.org/drawingml/2006/main" xmlns:r="http://schemas.openxmlformats.org/officeDocument/2006/relationships" xmlns:p="http://schemas.openxmlformats.org/presentationml/2006/main">
-  <p:cSld>
-    <p:spTree>
-      <p:nvGrpSpPr>
-        <p:cNvPr id="1" name=""/>
-        <p:cNvGrpSpPr/>
-        <p:nvPr/>
-      </p:nvGrpSpPr>
-      <p:grpSpPr>
-        <a:xfrm>
-          <a:off x="0" y="0"/>
-          <a:ext cx="0" cy="0"/>
-          <a:chOff x="0" y="0"/>
-          <a:chExt cx="0" cy="0"/>
-        </a:xfrm>
-      </p:grpSpPr>
-      <p:sp>
-        <p:nvSpPr>
-          <p:cNvPr id="2" name="제목 1"/>
-          <p:cNvSpPr>
-            <a:spLocks noGrp="1"/>
-          </p:cNvSpPr>
-          <p:nvPr>
-            <p:ph type="title"/>
-          </p:nvPr>
-        </p:nvSpPr>
-        <p:spPr/>
-        <p:txBody>
-          <a:bodyPr/>
-          <a:lstStyle/>
-          <a:p>
-            <a:r>
-              <a:rPr lang="ko-KR" altLang="en-US" dirty="0"/>
-              <a:t>현재 </a:t>
-            </a:r>
-            <a:r>
-              <a:rPr lang="en-US" altLang="ko-KR" dirty="0"/>
-              <a:t>State</a:t>
-            </a:r>
-            <a:r>
-              <a:rPr lang="ko-KR" altLang="en-US" dirty="0"/>
-              <a:t>와 </a:t>
-            </a:r>
-            <a:r>
-              <a:rPr lang="en-US" altLang="ko-KR" dirty="0"/>
-              <a:t>Action, Reward </a:t>
-            </a:r>
-            <a:r>
-              <a:rPr lang="ko-KR" altLang="en-US" dirty="0"/>
-              <a:t>구성 방식</a:t>
-            </a:r>
-          </a:p>
-        </p:txBody>
-      </p:sp>
-      <p:sp>
-        <p:nvSpPr>
-          <p:cNvPr id="3" name="내용 개체 틀 2"/>
-          <p:cNvSpPr>
-            <a:spLocks noGrp="1"/>
-          </p:cNvSpPr>
-          <p:nvPr>
-            <p:ph idx="1"/>
-          </p:nvPr>
-        </p:nvSpPr>
-        <p:spPr>
-          <a:xfrm>
-            <a:off x="1097280" y="1845734"/>
-            <a:ext cx="10756364" cy="4023360"/>
-          </a:xfrm>
-        </p:spPr>
-        <p:txBody>
-          <a:bodyPr/>
-          <a:lstStyle/>
-          <a:p>
-            <a:r>
-              <a:rPr lang="ko-KR" altLang="en-US" dirty="0"/>
-              <a:t>공통 주기</a:t>
-            </a:r>
-            <a:r>
-              <a:rPr lang="en-US" altLang="ko-KR" dirty="0"/>
-              <a:t>: 90s (time step: 90</a:t>
-            </a:r>
-            <a:r>
-              <a:rPr lang="ko-KR" altLang="en-US" dirty="0"/>
-              <a:t>초</a:t>
-            </a:r>
-            <a:r>
-              <a:rPr lang="en-US" altLang="ko-KR" dirty="0"/>
-              <a:t>)</a:t>
-            </a:r>
-            <a:br>
-              <a:rPr lang="en-US" altLang="ko-KR" dirty="0"/>
-            </a:br>
-            <a:r>
-              <a:rPr lang="en-US" altLang="ko-KR" dirty="0"/>
-              <a:t>- simulation Step: 1s</a:t>
-            </a:r>
-            <a:br>
-              <a:rPr lang="en-US" altLang="ko-KR" dirty="0"/>
-            </a:br>
-            <a:r>
-              <a:rPr lang="en-US" altLang="ko-KR" dirty="0"/>
-              <a:t>- target update</a:t>
-            </a:r>
-            <a:r>
-              <a:rPr lang="ko-KR" altLang="en-US" dirty="0"/>
-              <a:t>주기</a:t>
-            </a:r>
-            <a:r>
-              <a:rPr lang="en-US" altLang="ko-KR" dirty="0"/>
-              <a:t>: </a:t>
-            </a:r>
-            <a:r>
-              <a:rPr lang="ko-KR" altLang="en-US" dirty="0"/>
-              <a:t>매 </a:t>
-            </a:r>
-            <a:r>
-              <a:rPr lang="en-US" altLang="ko-KR" dirty="0"/>
-              <a:t>10 time step(900s)</a:t>
-            </a:r>
-          </a:p>
-          <a:p>
-            <a:r>
-              <a:rPr lang="en-US" altLang="ko-KR" dirty="0"/>
-              <a:t>State</a:t>
-            </a:r>
-          </a:p>
-          <a:p>
-            <a:pPr lvl="1"/>
-            <a:r>
-              <a:rPr lang="en-US" altLang="ko-KR" dirty="0"/>
-              <a:t>Junction B1, B2</a:t>
-            </a:r>
-            <a:r>
-              <a:rPr lang="ko-KR" altLang="en-US" dirty="0"/>
-              <a:t>의 </a:t>
-            </a:r>
-            <a:r>
-              <a:rPr lang="en-US" altLang="ko-KR" dirty="0"/>
-              <a:t>lane</a:t>
-            </a:r>
-            <a:r>
-              <a:rPr lang="ko-KR" altLang="en-US" dirty="0"/>
-              <a:t>별 정지한 차량의 수와 총 차량의 수 </a:t>
-            </a:r>
-            <a:r>
-              <a:rPr lang="en-US" altLang="ko-KR" dirty="0"/>
-              <a:t>(B1: 30lanes, B2:28lanes) </a:t>
-            </a:r>
-            <a:r>
-              <a:rPr lang="en-US" altLang="ko-KR" dirty="0">
-                <a:sym typeface="Wingdings" panose="05000000000000000000" pitchFamily="2" charset="2"/>
-              </a:rPr>
-              <a:t> Pressure Light</a:t>
-            </a:r>
-            <a:endParaRPr lang="en-US" altLang="ko-KR" dirty="0"/>
-          </a:p>
-          <a:p>
-            <a:pPr lvl="1"/>
-            <a:r>
-              <a:rPr lang="en-US" altLang="ko-KR" dirty="0" err="1"/>
-              <a:t>lightMatrix</a:t>
-            </a:r>
-            <a:r>
-              <a:rPr lang="en-US" altLang="ko-KR" dirty="0"/>
-              <a:t>: B1</a:t>
-            </a:r>
-            <a:r>
-              <a:rPr lang="ko-KR" altLang="en-US" dirty="0"/>
-              <a:t>과 </a:t>
-            </a:r>
-            <a:r>
-              <a:rPr lang="en-US" altLang="ko-KR" dirty="0"/>
-              <a:t>B2</a:t>
-            </a:r>
-            <a:r>
-              <a:rPr lang="ko-KR" altLang="en-US" dirty="0"/>
-              <a:t>의 </a:t>
-            </a:r>
-            <a:r>
-              <a:rPr lang="en-US" altLang="ko-KR" dirty="0"/>
-              <a:t>phase (3</a:t>
-            </a:r>
-            <a:r>
-              <a:rPr lang="ko-KR" altLang="en-US" dirty="0"/>
-              <a:t>초 </a:t>
-            </a:r>
-            <a:r>
-              <a:rPr lang="en-US" altLang="ko-KR" dirty="0"/>
-              <a:t>duration</a:t>
-            </a:r>
-            <a:r>
-              <a:rPr lang="ko-KR" altLang="en-US" dirty="0"/>
-              <a:t>을 가진 </a:t>
-            </a:r>
-            <a:r>
-              <a:rPr lang="en-US" altLang="ko-KR" dirty="0"/>
-              <a:t>phase data</a:t>
-            </a:r>
-            <a:r>
-              <a:rPr lang="ko-KR" altLang="en-US" dirty="0"/>
-              <a:t>가 </a:t>
-            </a:r>
-            <a:r>
-              <a:rPr lang="en-US" altLang="ko-KR" dirty="0"/>
-              <a:t>state</a:t>
-            </a:r>
-            <a:r>
-              <a:rPr lang="ko-KR" altLang="en-US" dirty="0"/>
-              <a:t>로 존재하지 않음</a:t>
-            </a:r>
-            <a:r>
-              <a:rPr lang="en-US" altLang="ko-KR" dirty="0"/>
-              <a:t>)</a:t>
-            </a:r>
-          </a:p>
-          <a:p>
-            <a:r>
-              <a:rPr lang="en-US" altLang="ko-KR" dirty="0"/>
-              <a:t>Action </a:t>
-            </a:r>
-            <a:br>
-              <a:rPr lang="en-US" altLang="ko-KR" dirty="0"/>
-            </a:br>
-            <a:r>
-              <a:rPr lang="en-US" altLang="ko-KR" dirty="0"/>
-              <a:t>- Junction B2</a:t>
-            </a:r>
-            <a:r>
-              <a:rPr lang="ko-KR" altLang="en-US" dirty="0"/>
-              <a:t>가 </a:t>
-            </a:r>
-            <a:r>
-              <a:rPr lang="en-US" altLang="ko-KR" dirty="0"/>
-              <a:t>Agent </a:t>
-            </a:r>
-            <a:r>
-              <a:rPr lang="en-US" altLang="ko-KR" dirty="0">
-                <a:sym typeface="Wingdings" panose="05000000000000000000" pitchFamily="2" charset="2"/>
-              </a:rPr>
-              <a:t> B2</a:t>
-            </a:r>
-            <a:r>
-              <a:rPr lang="ko-KR" altLang="en-US" dirty="0">
-                <a:sym typeface="Wingdings" panose="05000000000000000000" pitchFamily="2" charset="2"/>
-              </a:rPr>
-              <a:t>의 </a:t>
-            </a:r>
-            <a:r>
-              <a:rPr lang="en-US" altLang="ko-KR" dirty="0">
-                <a:sym typeface="Wingdings" panose="05000000000000000000" pitchFamily="2" charset="2"/>
-              </a:rPr>
-              <a:t>Phase Duration </a:t>
-            </a:r>
-            <a:r>
-              <a:rPr lang="ko-KR" altLang="en-US" dirty="0">
-                <a:sym typeface="Wingdings" panose="05000000000000000000" pitchFamily="2" charset="2"/>
-              </a:rPr>
-              <a:t>조정</a:t>
-            </a:r>
-            <a:endParaRPr lang="en-US" altLang="ko-KR" dirty="0"/>
-          </a:p>
-          <a:p>
-            <a:pPr lvl="1"/>
-            <a:r>
-              <a:rPr lang="en-US" altLang="ko-KR" dirty="0"/>
-              <a:t>phase1_duration: </a:t>
-            </a:r>
-            <a:r>
-              <a:rPr lang="en-US" altLang="ko-KR" dirty="0" err="1"/>
-              <a:t>GGGGGggrrrrrrrGGGGGggrrrrrrr</a:t>
-            </a:r>
-            <a:r>
-              <a:rPr lang="en-US" altLang="ko-KR" dirty="0"/>
-              <a:t> (Min: 20s, Max: 64s, yellow light:6s)</a:t>
-            </a:r>
-          </a:p>
-          <a:p>
-            <a:pPr lvl="1"/>
-            <a:r>
-              <a:rPr lang="en-US" altLang="ko-KR" dirty="0"/>
-              <a:t>phase2_duration: </a:t>
-            </a:r>
-            <a:r>
-              <a:rPr lang="en-US" altLang="ko-KR" dirty="0" err="1"/>
-              <a:t>GGGGGggrrrrrrrrGGGGGggrrrrrrrr</a:t>
-            </a:r>
-            <a:endParaRPr lang="en-US" altLang="ko-KR" dirty="0"/>
-          </a:p>
-        </p:txBody>
-      </p:sp>
-    </p:spTree>
-    <p:extLst>
-      <p:ext uri="{BB962C8B-B14F-4D97-AF65-F5344CB8AC3E}">
-        <p14:creationId xmlns:p14="http://schemas.microsoft.com/office/powerpoint/2010/main" val="677275479"/>
       </p:ext>
     </p:extLst>
   </p:cSld>

--- a/1st_Seminar(강민수).pptx
+++ b/1st_Seminar(강민수).pptx
@@ -38,12 +38,12 @@
     <p:sldId id="285" r:id="rId29"/>
     <p:sldId id="270" r:id="rId30"/>
     <p:sldId id="286" r:id="rId31"/>
-    <p:sldId id="264" r:id="rId32"/>
-    <p:sldId id="265" r:id="rId33"/>
-    <p:sldId id="266" r:id="rId34"/>
-    <p:sldId id="282" r:id="rId35"/>
-    <p:sldId id="271" r:id="rId36"/>
-    <p:sldId id="272" r:id="rId37"/>
+    <p:sldId id="292" r:id="rId32"/>
+    <p:sldId id="264" r:id="rId33"/>
+    <p:sldId id="265" r:id="rId34"/>
+    <p:sldId id="266" r:id="rId35"/>
+    <p:sldId id="282" r:id="rId36"/>
+    <p:sldId id="271" r:id="rId37"/>
   </p:sldIdLst>
   <p:sldSz cx="12192000" cy="6858000"/>
   <p:notesSz cx="6858000" cy="9144000"/>
@@ -7156,10 +7156,9 @@
           <a:lstStyle/>
           <a:p>
             <a:r>
-              <a:rPr lang="ko-KR" altLang="en-US" dirty="0" smtClean="0"/>
+              <a:rPr lang="ko-KR" altLang="en-US" dirty="0"/>
               <a:t>사전 발표</a:t>
             </a:r>
-            <a:endParaRPr lang="ko-KR" altLang="en-US" dirty="0"/>
           </a:p>
         </p:txBody>
       </p:sp>
@@ -7179,10 +7178,9 @@
           <a:lstStyle/>
           <a:p>
             <a:r>
-              <a:rPr lang="ko-KR" altLang="en-US" dirty="0" smtClean="0"/>
+              <a:rPr lang="ko-KR" altLang="en-US" dirty="0"/>
               <a:t>강민수</a:t>
             </a:r>
-            <a:endParaRPr lang="ko-KR" altLang="en-US" dirty="0"/>
           </a:p>
         </p:txBody>
       </p:sp>
@@ -7274,10 +7272,6 @@
               <a:rPr lang="en-US" altLang="ko-KR" dirty="0" err="1"/>
               <a:t>getIDList</a:t>
             </a:r>
-            <a:r>
-              <a:rPr lang="en-US" altLang="ko-KR" dirty="0"/>
-              <a:t/>
-            </a:r>
             <a:br>
               <a:rPr lang="en-US" altLang="ko-KR" dirty="0"/>
             </a:br>
@@ -7289,10 +7283,6 @@
               <a:rPr lang="en-US" altLang="ko-KR" dirty="0" err="1"/>
               <a:t>getRedYellowGreenState</a:t>
             </a:r>
-            <a:r>
-              <a:rPr lang="en-US" altLang="ko-KR" dirty="0"/>
-              <a:t/>
-            </a:r>
             <a:br>
               <a:rPr lang="en-US" altLang="ko-KR" dirty="0"/>
             </a:br>
@@ -7384,10 +7374,6 @@
               <a:rPr lang="en-US" altLang="ko-KR" dirty="0" err="1"/>
               <a:t>setRedYellowGreenState</a:t>
             </a:r>
-            <a:r>
-              <a:rPr lang="en-US" altLang="ko-KR" dirty="0"/>
-              <a:t/>
-            </a:r>
             <a:br>
               <a:rPr lang="en-US" altLang="ko-KR" dirty="0"/>
             </a:br>
@@ -7399,10 +7385,6 @@
               <a:rPr lang="en-US" altLang="ko-KR" dirty="0" err="1"/>
               <a:t>setPhaseDuration</a:t>
             </a:r>
-            <a:r>
-              <a:rPr lang="en-US" altLang="ko-KR" dirty="0"/>
-              <a:t/>
-            </a:r>
             <a:br>
               <a:rPr lang="en-US" altLang="ko-KR" dirty="0"/>
             </a:br>
@@ -7429,10 +7411,6 @@
             <a:r>
               <a:rPr lang="ko-KR" altLang="en-US" dirty="0"/>
               <a:t> 프로그램 삽입</a:t>
-            </a:r>
-            <a:r>
-              <a:rPr lang="en-US" altLang="ko-KR" dirty="0"/>
-              <a:t/>
             </a:r>
             <a:br>
               <a:rPr lang="en-US" altLang="ko-KR" dirty="0"/>
@@ -7503,7 +7481,7 @@
           <a:lstStyle/>
           <a:p>
             <a:r>
-              <a:rPr lang="en-US" altLang="ko-KR" dirty="0" smtClean="0"/>
+              <a:rPr lang="en-US" altLang="ko-KR" dirty="0"/>
               <a:t>Traffic Observation Data</a:t>
             </a:r>
             <a:endParaRPr lang="ko-KR" altLang="en-US" dirty="0"/>
@@ -7526,121 +7504,93 @@
           <a:lstStyle/>
           <a:p>
             <a:r>
-              <a:rPr lang="en-US" altLang="ko-KR" dirty="0" smtClean="0"/>
+              <a:rPr lang="en-US" altLang="ko-KR" dirty="0"/>
               <a:t> Induction Loops detector (</a:t>
             </a:r>
             <a:r>
-              <a:rPr lang="en-US" altLang="ko-KR" dirty="0" err="1" smtClean="0"/>
+              <a:rPr lang="en-US" altLang="ko-KR" dirty="0" err="1"/>
               <a:t>TraCI</a:t>
             </a:r>
             <a:r>
-              <a:rPr lang="en-US" altLang="ko-KR" dirty="0" smtClean="0"/>
+              <a:rPr lang="en-US" altLang="ko-KR" dirty="0"/>
               <a:t>)</a:t>
             </a:r>
           </a:p>
           <a:p>
             <a:pPr lvl="1"/>
             <a:r>
-              <a:rPr lang="en-US" altLang="ko-KR" dirty="0" smtClean="0"/>
-              <a:t>Induction Loop value </a:t>
-            </a:r>
-            <a:r>
-              <a:rPr lang="en-US" altLang="ko-KR" dirty="0"/>
-              <a:t>r</a:t>
-            </a:r>
-            <a:r>
-              <a:rPr lang="en-US" altLang="ko-KR" dirty="0" smtClean="0"/>
-              <a:t>etrieval</a:t>
+              <a:rPr lang="en-US" altLang="ko-KR" dirty="0"/>
+              <a:t>Induction Loop value retrieval</a:t>
             </a:r>
           </a:p>
           <a:p>
             <a:pPr lvl="2"/>
             <a:r>
-              <a:rPr lang="en-US" altLang="ko-KR" dirty="0" smtClean="0"/>
+              <a:rPr lang="en-US" altLang="ko-KR" dirty="0"/>
               <a:t>ID List: </a:t>
             </a:r>
             <a:r>
-              <a:rPr lang="en-US" altLang="ko-KR" dirty="0" err="1" smtClean="0"/>
+              <a:rPr lang="en-US" altLang="ko-KR" dirty="0" err="1"/>
               <a:t>getIDList</a:t>
             </a:r>
-            <a:endParaRPr lang="en-US" altLang="ko-KR" dirty="0" smtClean="0"/>
+            <a:endParaRPr lang="en-US" altLang="ko-KR" dirty="0"/>
           </a:p>
           <a:p>
             <a:pPr lvl="2"/>
             <a:r>
-              <a:rPr lang="en-US" altLang="ko-KR" dirty="0" smtClean="0"/>
+              <a:rPr lang="en-US" altLang="ko-KR" dirty="0"/>
               <a:t># Visiting Vehicle: </a:t>
             </a:r>
             <a:r>
-              <a:rPr lang="en-US" altLang="ko-KR" dirty="0" err="1" smtClean="0"/>
+              <a:rPr lang="en-US" altLang="ko-KR" dirty="0" err="1"/>
               <a:t>getLastStepVehicleNumber</a:t>
             </a:r>
-            <a:endParaRPr lang="en-US" altLang="ko-KR" dirty="0" smtClean="0"/>
+            <a:endParaRPr lang="en-US" altLang="ko-KR" dirty="0"/>
           </a:p>
           <a:p>
             <a:pPr lvl="2"/>
             <a:r>
-              <a:rPr lang="en-US" altLang="ko-KR" dirty="0" smtClean="0"/>
+              <a:rPr lang="en-US" altLang="ko-KR" dirty="0"/>
               <a:t>Percentage of time that was occupied: </a:t>
             </a:r>
             <a:r>
-              <a:rPr lang="en-US" altLang="ko-KR" dirty="0" err="1" smtClean="0"/>
+              <a:rPr lang="en-US" altLang="ko-KR" dirty="0" err="1"/>
               <a:t>getLastStepOccupancy</a:t>
             </a:r>
-            <a:endParaRPr lang="en-US" altLang="ko-KR" dirty="0" smtClean="0"/>
-          </a:p>
-          <a:p>
-            <a:r>
-              <a:rPr lang="en-US" altLang="ko-KR" dirty="0"/>
-              <a:t> </a:t>
-            </a:r>
-            <a:r>
-              <a:rPr lang="en-US" altLang="ko-KR" dirty="0" smtClean="0"/>
-              <a:t>Lane Area detector (</a:t>
-            </a:r>
-            <a:r>
-              <a:rPr lang="en-US" altLang="ko-KR" dirty="0" err="1" smtClean="0"/>
+            <a:endParaRPr lang="en-US" altLang="ko-KR" dirty="0"/>
+          </a:p>
+          <a:p>
+            <a:r>
+              <a:rPr lang="en-US" altLang="ko-KR" dirty="0"/>
+              <a:t> Lane Area detector (</a:t>
+            </a:r>
+            <a:r>
+              <a:rPr lang="en-US" altLang="ko-KR" dirty="0" err="1"/>
               <a:t>TraCI</a:t>
             </a:r>
             <a:r>
-              <a:rPr lang="en-US" altLang="ko-KR" dirty="0" smtClean="0"/>
+              <a:rPr lang="en-US" altLang="ko-KR" dirty="0"/>
               <a:t>)</a:t>
             </a:r>
           </a:p>
           <a:p>
             <a:pPr lvl="1"/>
             <a:r>
-              <a:rPr lang="en-US" altLang="ko-KR" dirty="0" smtClean="0"/>
-              <a:t>Lane Area </a:t>
-            </a:r>
-            <a:r>
-              <a:rPr lang="en-US" altLang="ko-KR" dirty="0"/>
-              <a:t>d</a:t>
-            </a:r>
-            <a:r>
-              <a:rPr lang="en-US" altLang="ko-KR" dirty="0" smtClean="0"/>
-              <a:t>etector </a:t>
-            </a:r>
-            <a:r>
-              <a:rPr lang="en-US" altLang="ko-KR" dirty="0"/>
-              <a:t>v</a:t>
-            </a:r>
-            <a:r>
-              <a:rPr lang="en-US" altLang="ko-KR" dirty="0" smtClean="0"/>
-              <a:t>alue retrieval</a:t>
+              <a:rPr lang="en-US" altLang="ko-KR" dirty="0"/>
+              <a:t>Lane Area detector value retrieval</a:t>
             </a:r>
           </a:p>
           <a:p>
             <a:pPr lvl="2"/>
             <a:r>
-              <a:rPr lang="en-US" altLang="ko-KR" dirty="0" smtClean="0"/>
+              <a:rPr lang="en-US" altLang="ko-KR" dirty="0"/>
               <a:t>ID List: </a:t>
             </a:r>
             <a:r>
-              <a:rPr lang="en-US" altLang="ko-KR" dirty="0" err="1" smtClean="0"/>
+              <a:rPr lang="en-US" altLang="ko-KR" dirty="0" err="1"/>
               <a:t>getIDList</a:t>
             </a:r>
-            <a:endParaRPr lang="en-US" altLang="ko-KR" dirty="0" smtClean="0"/>
+            <a:endParaRPr lang="en-US" altLang="ko-KR" dirty="0"/>
           </a:p>
           <a:p>
             <a:pPr lvl="2"/>
@@ -7771,10 +7721,6 @@
               <a:rPr lang="en-US" altLang="ko-KR" sz="2400" b="1" dirty="0"/>
               <a:t>Toward A Thousand Lights:</a:t>
             </a:r>
-            <a:r>
-              <a:rPr lang="en-US" altLang="ko-KR" sz="2400" dirty="0"/>
-              <a:t/>
-            </a:r>
             <a:br>
               <a:rPr lang="en-US" altLang="ko-KR" sz="2400" dirty="0"/>
             </a:br>
@@ -7805,23 +7751,19 @@
           <a:p>
             <a:pPr algn="r"/>
             <a:r>
-              <a:rPr lang="en-US" altLang="ko-KR" sz="1600" spc="0" dirty="0" smtClean="0">
+              <a:rPr lang="en-US" altLang="ko-KR" sz="1600" spc="0" dirty="0">
                 <a:latin typeface="+mj-ea"/>
                 <a:ea typeface="+mj-ea"/>
               </a:rPr>
               <a:t>ETRI </a:t>
             </a:r>
             <a:r>
-              <a:rPr lang="ko-KR" altLang="en-US" sz="1600" spc="0" dirty="0" smtClean="0">
+              <a:rPr lang="ko-KR" altLang="en-US" sz="1600" spc="0" dirty="0">
                 <a:latin typeface="+mj-ea"/>
                 <a:ea typeface="+mj-ea"/>
               </a:rPr>
               <a:t>연수생 강민수</a:t>
             </a:r>
-            <a:endParaRPr lang="ko-KR" altLang="en-US" sz="1600" spc="0" dirty="0">
-              <a:latin typeface="+mj-ea"/>
-              <a:ea typeface="+mj-ea"/>
-            </a:endParaRPr>
           </a:p>
         </p:txBody>
       </p:sp>
@@ -7871,7 +7813,7 @@
           <a:lstStyle/>
           <a:p>
             <a:r>
-              <a:rPr lang="en-US" altLang="ko-KR" dirty="0" smtClean="0"/>
+              <a:rPr lang="en-US" altLang="ko-KR" dirty="0"/>
               <a:t>Contents</a:t>
             </a:r>
             <a:endParaRPr lang="ko-KR" altLang="en-US" dirty="0"/>
@@ -7896,114 +7838,90 @@
           <a:lstStyle/>
           <a:p>
             <a:r>
-              <a:rPr lang="en-US" altLang="ko-KR" dirty="0" smtClean="0"/>
+              <a:rPr lang="en-US" altLang="ko-KR" dirty="0"/>
               <a:t>Motivation</a:t>
             </a:r>
-            <a:r>
-              <a:rPr lang="en-US" altLang="ko-KR" dirty="0" smtClean="0"/>
-              <a:t/>
-            </a:r>
             <a:br>
-              <a:rPr lang="en-US" altLang="ko-KR" dirty="0" smtClean="0"/>
+              <a:rPr lang="en-US" altLang="ko-KR" dirty="0"/>
             </a:br>
             <a:r>
-              <a:rPr lang="en-US" altLang="ko-KR" sz="1800" dirty="0" smtClean="0"/>
+              <a:rPr lang="en-US" altLang="ko-KR" sz="1800" dirty="0"/>
               <a:t>- Reinforcement Learning</a:t>
             </a:r>
             <a:r>
-              <a:rPr lang="ko-KR" altLang="en-US" sz="1800" dirty="0" smtClean="0"/>
+              <a:rPr lang="ko-KR" altLang="en-US" sz="1800" dirty="0"/>
               <a:t>을 </a:t>
             </a:r>
             <a:r>
-              <a:rPr lang="en-US" altLang="ko-KR" sz="1800" dirty="0" smtClean="0"/>
+              <a:rPr lang="en-US" altLang="ko-KR" sz="1800" dirty="0"/>
               <a:t>Traffic System</a:t>
             </a:r>
             <a:r>
-              <a:rPr lang="ko-KR" altLang="en-US" sz="1800" dirty="0" smtClean="0"/>
+              <a:rPr lang="ko-KR" altLang="en-US" sz="1800" dirty="0"/>
               <a:t>에 적용하기 위해 필요한 조건</a:t>
             </a:r>
-            <a:r>
-              <a:rPr lang="en-US" altLang="ko-KR" sz="1800" dirty="0" smtClean="0"/>
-              <a:t/>
-            </a:r>
             <a:br>
-              <a:rPr lang="en-US" altLang="ko-KR" sz="1800" dirty="0" smtClean="0"/>
+              <a:rPr lang="en-US" altLang="ko-KR" sz="1800" dirty="0"/>
             </a:br>
             <a:r>
-              <a:rPr lang="en-US" altLang="ko-KR" sz="1800" dirty="0" smtClean="0"/>
+              <a:rPr lang="en-US" altLang="ko-KR" sz="1800" dirty="0"/>
               <a:t>- </a:t>
             </a:r>
             <a:r>
-              <a:rPr lang="ko-KR" altLang="en-US" sz="1800" dirty="0" smtClean="0"/>
+              <a:rPr lang="ko-KR" altLang="en-US" sz="1800" dirty="0"/>
               <a:t>지금까지 적용이 어려웠던 이유</a:t>
             </a:r>
-            <a:endParaRPr lang="en-US" altLang="ko-KR" dirty="0" smtClean="0"/>
-          </a:p>
-          <a:p>
-            <a:r>
-              <a:rPr lang="en-US" altLang="ko-KR" dirty="0"/>
-              <a:t> </a:t>
-            </a:r>
-            <a:r>
-              <a:rPr lang="en-US" altLang="ko-KR" dirty="0" smtClean="0"/>
-              <a:t>Related Work</a:t>
+            <a:endParaRPr lang="en-US" altLang="ko-KR" dirty="0"/>
+          </a:p>
+          <a:p>
+            <a:r>
+              <a:rPr lang="en-US" altLang="ko-KR" dirty="0"/>
+              <a:t> Related Work</a:t>
             </a:r>
             <a:br>
-              <a:rPr lang="en-US" altLang="ko-KR" dirty="0" smtClean="0"/>
+              <a:rPr lang="en-US" altLang="ko-KR" dirty="0"/>
             </a:br>
             <a:r>
-              <a:rPr lang="en-US" altLang="ko-KR" sz="1800" dirty="0" smtClean="0"/>
+              <a:rPr lang="en-US" altLang="ko-KR" sz="1800" dirty="0"/>
               <a:t>- Conventional Transportation Method and Max pressure control</a:t>
             </a:r>
             <a:br>
-              <a:rPr lang="en-US" altLang="ko-KR" sz="1800" dirty="0" smtClean="0"/>
+              <a:rPr lang="en-US" altLang="ko-KR" sz="1800" dirty="0"/>
             </a:br>
             <a:r>
-              <a:rPr lang="en-US" altLang="ko-KR" sz="1800" dirty="0" smtClean="0"/>
+              <a:rPr lang="en-US" altLang="ko-KR" sz="1800" dirty="0"/>
               <a:t>- RL- based approach and their challenge</a:t>
             </a:r>
           </a:p>
           <a:p>
             <a:r>
               <a:rPr lang="en-US" altLang="ko-KR" dirty="0"/>
-              <a:t> </a:t>
-            </a:r>
-            <a:r>
-              <a:rPr lang="en-US" altLang="ko-KR" dirty="0" smtClean="0"/>
-              <a:t>Approach</a:t>
+              <a:t> Approach</a:t>
             </a:r>
             <a:br>
-              <a:rPr lang="en-US" altLang="ko-KR" dirty="0" smtClean="0"/>
+              <a:rPr lang="en-US" altLang="ko-KR" dirty="0"/>
             </a:br>
             <a:r>
-              <a:rPr lang="en-US" altLang="ko-KR" sz="1800" dirty="0" smtClean="0"/>
+              <a:rPr lang="en-US" altLang="ko-KR" sz="1800" dirty="0"/>
               <a:t>- Super agent based multi-intersection method with FRAP model</a:t>
             </a:r>
           </a:p>
           <a:p>
             <a:r>
               <a:rPr lang="en-US" altLang="ko-KR" dirty="0"/>
-              <a:t> </a:t>
-            </a:r>
-            <a:r>
-              <a:rPr lang="en-US" altLang="ko-KR" dirty="0" smtClean="0"/>
-              <a:t>Result</a:t>
-            </a:r>
-          </a:p>
-          <a:p>
-            <a:r>
-              <a:rPr lang="en-US" altLang="ko-KR" dirty="0"/>
-              <a:t> </a:t>
-            </a:r>
-            <a:r>
-              <a:rPr lang="en-US" altLang="ko-KR" dirty="0" smtClean="0"/>
-              <a:t>Comment</a:t>
+              <a:t> Result</a:t>
+            </a:r>
+          </a:p>
+          <a:p>
+            <a:r>
+              <a:rPr lang="en-US" altLang="ko-KR" dirty="0"/>
+              <a:t> Comment</a:t>
             </a:r>
             <a:br>
-              <a:rPr lang="en-US" altLang="ko-KR" dirty="0" smtClean="0"/>
+              <a:rPr lang="en-US" altLang="ko-KR" dirty="0"/>
             </a:br>
             <a:r>
-              <a:rPr lang="en-US" altLang="ko-KR" dirty="0" smtClean="0"/>
+              <a:rPr lang="en-US" altLang="ko-KR" dirty="0"/>
               <a:t>- Improvement proposal</a:t>
             </a:r>
           </a:p>
@@ -8099,18 +8017,8 @@
           <a:p>
             <a:pPr lvl="1"/>
             <a:r>
-              <a:rPr lang="en-US" altLang="ko-KR" dirty="0" smtClean="0"/>
-              <a:t>Increase emission gas </a:t>
-            </a:r>
-            <a:r>
-              <a:rPr lang="en-US" altLang="ko-KR" dirty="0"/>
-              <a:t>(contributes 23% of total CO2 emission) </a:t>
-            </a:r>
-            <a:r>
-              <a:rPr lang="en-US" altLang="ko-KR" dirty="0">
-                <a:sym typeface="Wingdings" panose="05000000000000000000" pitchFamily="2" charset="2"/>
-              </a:rPr>
-              <a:t/>
+              <a:rPr lang="en-US" altLang="ko-KR" dirty="0"/>
+              <a:t>Increase emission gas (contributes 23% of total CO2 emission) </a:t>
             </a:r>
             <a:br>
               <a:rPr lang="en-US" altLang="ko-KR" dirty="0">
@@ -8118,16 +8026,10 @@
               </a:rPr>
             </a:br>
             <a:r>
-              <a:rPr lang="en-US" altLang="ko-KR" dirty="0" smtClean="0">
+              <a:rPr lang="en-US" altLang="ko-KR" dirty="0">
                 <a:sym typeface="Wingdings" panose="05000000000000000000" pitchFamily="2" charset="2"/>
               </a:rPr>
               <a:t>40% of total vehicle emissions generated by traffic system</a:t>
-            </a:r>
-            <a:r>
-              <a:rPr lang="en-US" altLang="ko-KR" dirty="0">
-                <a:sym typeface="Wingdings" panose="05000000000000000000" pitchFamily="2" charset="2"/>
-              </a:rPr>
-              <a:t/>
             </a:r>
             <a:br>
               <a:rPr lang="en-US" altLang="ko-KR" dirty="0">
@@ -8140,10 +8042,6 @@
               </a:rPr>
               <a:t> Trend: applying RL method for traffic signal control</a:t>
             </a:r>
-            <a:r>
-              <a:rPr lang="en-US" altLang="ko-KR" dirty="0"/>
-              <a:t/>
-            </a:r>
             <a:br>
               <a:rPr lang="en-US" altLang="ko-KR" dirty="0"/>
             </a:br>
@@ -8163,20 +8061,12 @@
               <a:rPr lang="en-US" altLang="ko-KR" dirty="0"/>
               <a:t>Pre-timed control: Deciding traffic signal plan that change </a:t>
             </a:r>
-            <a:r>
-              <a:rPr lang="en-US" altLang="ko-KR" dirty="0" smtClean="0"/>
-              <a:t/>
-            </a:r>
             <a:br>
-              <a:rPr lang="en-US" altLang="ko-KR" dirty="0" smtClean="0"/>
+              <a:rPr lang="en-US" altLang="ko-KR" dirty="0"/>
             </a:br>
             <a:r>
-              <a:rPr lang="en-US" altLang="ko-KR" dirty="0" smtClean="0"/>
-              <a:t>according </a:t>
-            </a:r>
-            <a:r>
-              <a:rPr lang="en-US" altLang="ko-KR" dirty="0"/>
-              <a:t>to the real-time data</a:t>
+              <a:rPr lang="en-US" altLang="ko-KR" dirty="0"/>
+              <a:t>according to the real-time data</a:t>
             </a:r>
           </a:p>
           <a:p>
@@ -8425,7 +8315,7 @@
               <a:rPr lang="en-US" altLang="ko-KR" dirty="0">
                 <a:sym typeface="Wingdings" panose="05000000000000000000" pitchFamily="2" charset="2"/>
               </a:rPr>
-              <a:t>Coordination: Optimizing signal timing for TL jointly when in close proximity</a:t>
+              <a:t>Coordination: Optimizing signal timing for TL jointly when in proximity</a:t>
             </a:r>
           </a:p>
           <a:p>
@@ -8533,10 +8423,6 @@
             <a:br>
               <a:rPr lang="en-US" altLang="ko-KR" dirty="0"/>
             </a:br>
-            <a:r>
-              <a:rPr lang="en-US" altLang="ko-KR" dirty="0"/>
-              <a:t/>
-            </a:r>
             <a:br>
               <a:rPr lang="en-US" altLang="ko-KR" dirty="0"/>
             </a:br>
@@ -8930,10 +8816,6 @@
             <a:br>
               <a:rPr lang="en-US" altLang="ko-KR" dirty="0"/>
             </a:br>
-            <a:r>
-              <a:rPr lang="en-US" altLang="ko-KR" dirty="0"/>
-              <a:t/>
-            </a:r>
             <a:br>
               <a:rPr lang="en-US" altLang="ko-KR" dirty="0"/>
             </a:br>
@@ -8976,13 +8858,7 @@
               <a:rPr lang="en-US" altLang="ko-KR" dirty="0">
                 <a:sym typeface="Wingdings" panose="05000000000000000000" pitchFamily="2" charset="2"/>
               </a:rPr>
-              <a:t>For satisfying scalability,  Advance to ‘RL-based multi-intersection </a:t>
-            </a:r>
-            <a:r>
-              <a:rPr lang="en-US" altLang="ko-KR" dirty="0" smtClean="0">
-                <a:sym typeface="Wingdings" panose="05000000000000000000" pitchFamily="2" charset="2"/>
-              </a:rPr>
-              <a:t>methods’</a:t>
+              <a:t>For satisfying scalability,  Advance to ‘RL-based multi-intersection methods’</a:t>
             </a:r>
             <a:endParaRPr lang="en-US" altLang="ko-KR" dirty="0"/>
           </a:p>
@@ -9092,7 +8968,7 @@
           <a:p>
             <a:pPr algn="ctr"/>
             <a:r>
-              <a:rPr lang="en-US" altLang="ko-KR" b="1" dirty="0" smtClean="0">
+              <a:rPr lang="en-US" altLang="ko-KR" b="1" dirty="0">
                 <a:solidFill>
                   <a:srgbClr val="FF0000"/>
                 </a:solidFill>
@@ -9100,7 +8976,7 @@
               <a:t>Change from N</a:t>
             </a:r>
             <a:r>
-              <a:rPr lang="en-US" altLang="ko-KR" b="1" dirty="0" smtClean="0">
+              <a:rPr lang="en-US" altLang="ko-KR" b="1" dirty="0">
                 <a:solidFill>
                   <a:srgbClr val="FF0000"/>
                 </a:solidFill>
@@ -9331,16 +9207,12 @@
             <a:pPr lvl="2"/>
             <a:r>
               <a:rPr lang="en-US" altLang="ko-KR" dirty="0"/>
-              <a:t>Cannot coordinate with neighbors, achieve their own </a:t>
-            </a:r>
-            <a:r>
-              <a:rPr lang="en-US" altLang="ko-KR" dirty="0" smtClean="0"/>
-              <a:t>goals</a:t>
+              <a:t>Cannot coordinate with neighbors, achieve their own goals</a:t>
             </a:r>
           </a:p>
           <a:p>
             <a:pPr lvl="2"/>
-            <a:endParaRPr lang="en-US" altLang="ko-KR" dirty="0" smtClean="0"/>
+            <a:endParaRPr lang="en-US" altLang="ko-KR" dirty="0"/>
           </a:p>
           <a:p>
             <a:pPr lvl="2"/>
@@ -9617,7 +9489,7 @@
           <a:lstStyle/>
           <a:p>
             <a:r>
-              <a:rPr lang="ko-KR" altLang="en-US" sz="1200" dirty="0" err="1" smtClean="0">
+              <a:rPr lang="ko-KR" altLang="en-US" sz="1200" dirty="0" err="1">
                 <a:solidFill>
                   <a:schemeClr val="bg1">
                     <a:lumMod val="75000"/>
@@ -9627,7 +9499,7 @@
               <a:t>Intellilight</a:t>
             </a:r>
             <a:r>
-              <a:rPr lang="en-US" altLang="ko-KR" sz="1200" dirty="0" smtClean="0">
+              <a:rPr lang="en-US" altLang="ko-KR" sz="1200" dirty="0">
                 <a:solidFill>
                   <a:schemeClr val="bg1">
                     <a:lumMod val="75000"/>
@@ -9637,7 +9509,7 @@
               <a:t>, </a:t>
             </a:r>
             <a:r>
-              <a:rPr lang="ko-KR" altLang="en-US" sz="1200" dirty="0" smtClean="0">
+              <a:rPr lang="ko-KR" altLang="en-US" sz="1200" dirty="0">
                 <a:solidFill>
                   <a:schemeClr val="bg1">
                     <a:lumMod val="75000"/>
@@ -9647,7 +9519,7 @@
               <a:t>Wei,</a:t>
             </a:r>
             <a:r>
-              <a:rPr lang="ko-KR" altLang="en-US" sz="1200" dirty="0" err="1" smtClean="0">
+              <a:rPr lang="ko-KR" altLang="en-US" sz="1200" dirty="0" err="1">
                 <a:solidFill>
                   <a:schemeClr val="bg1">
                     <a:lumMod val="75000"/>
@@ -9751,7 +9623,7 @@
           <a:lstStyle/>
           <a:p>
             <a:r>
-              <a:rPr lang="ko-KR" altLang="en-US" sz="1100" dirty="0" err="1" smtClean="0">
+              <a:rPr lang="ko-KR" altLang="en-US" sz="1100" dirty="0" err="1">
                 <a:solidFill>
                   <a:schemeClr val="bg1">
                     <a:lumMod val="75000"/>
@@ -9761,7 +9633,7 @@
               <a:t>Colight</a:t>
             </a:r>
             <a:r>
-              <a:rPr lang="en-US" altLang="ko-KR" sz="1100" dirty="0" smtClean="0">
+              <a:rPr lang="en-US" altLang="ko-KR" sz="1100" dirty="0">
                 <a:solidFill>
                   <a:schemeClr val="bg1">
                     <a:lumMod val="75000"/>
@@ -9771,7 +9643,7 @@
               <a:t>, </a:t>
             </a:r>
             <a:r>
-              <a:rPr lang="ko-KR" altLang="en-US" sz="1100" dirty="0" err="1" smtClean="0">
+              <a:rPr lang="ko-KR" altLang="en-US" sz="1100" dirty="0" err="1">
                 <a:solidFill>
                   <a:schemeClr val="bg1">
                     <a:lumMod val="75000"/>
@@ -9848,20 +9720,10 @@
                   </a:schemeClr>
                 </a:solidFill>
               </a:rPr>
-              <a:t>.; </a:t>
-            </a:r>
-            <a:r>
-              <a:rPr lang="ko-KR" altLang="en-US" sz="1100" dirty="0" smtClean="0">
-                <a:solidFill>
-                  <a:schemeClr val="bg1">
-                    <a:lumMod val="75000"/>
-                  </a:schemeClr>
-                </a:solidFill>
-              </a:rPr>
-              <a:t>and </a:t>
-            </a:r>
-            <a:r>
-              <a:rPr lang="ko-KR" altLang="en-US" sz="1100" dirty="0" err="1" smtClean="0">
+              <a:t>.; and </a:t>
+            </a:r>
+            <a:r>
+              <a:rPr lang="ko-KR" altLang="en-US" sz="1100" dirty="0" err="1">
                 <a:solidFill>
                   <a:schemeClr val="bg1">
                     <a:lumMod val="75000"/>
@@ -9871,7 +9733,7 @@
               <a:t>Li</a:t>
             </a:r>
             <a:r>
-              <a:rPr lang="ko-KR" altLang="en-US" sz="1100" dirty="0" smtClean="0">
+              <a:rPr lang="ko-KR" altLang="en-US" sz="1100" dirty="0">
                 <a:solidFill>
                   <a:schemeClr val="bg1">
                     <a:lumMod val="75000"/>
@@ -9881,7 +9743,7 @@
               <a:t>, </a:t>
             </a:r>
             <a:r>
-              <a:rPr lang="ko-KR" altLang="en-US" sz="1100" dirty="0" err="1" smtClean="0">
+              <a:rPr lang="ko-KR" altLang="en-US" sz="1100" dirty="0" err="1">
                 <a:solidFill>
                   <a:schemeClr val="bg1">
                     <a:lumMod val="75000"/>
@@ -9891,16 +9753,6 @@
               <a:t>Z</a:t>
             </a:r>
             <a:r>
-              <a:rPr lang="ko-KR" altLang="en-US" sz="1100" dirty="0" smtClean="0">
-                <a:solidFill>
-                  <a:schemeClr val="bg1">
-                    <a:lumMod val="75000"/>
-                  </a:schemeClr>
-                </a:solidFill>
-              </a:rPr>
-              <a:t>. 2019b</a:t>
-            </a:r>
-            <a:r>
               <a:rPr lang="ko-KR" altLang="en-US" sz="1100" dirty="0">
                 <a:solidFill>
                   <a:schemeClr val="bg1">
@@ -9908,7 +9760,7 @@
                   </a:schemeClr>
                 </a:solidFill>
               </a:rPr>
-              <a:t>. </a:t>
+              <a:t>. 2019b. </a:t>
             </a:r>
           </a:p>
         </p:txBody>
@@ -9990,22 +9842,14 @@
             <a:pPr lvl="1"/>
             <a:r>
               <a:rPr lang="en-US" altLang="ko-KR" dirty="0"/>
-              <a:t>Considering both scalability and </a:t>
-            </a:r>
-            <a:r>
-              <a:rPr lang="en-US" altLang="ko-KR" dirty="0" smtClean="0"/>
-              <a:t>coordination</a:t>
+              <a:t>Considering both scalability and coordination</a:t>
             </a:r>
           </a:p>
           <a:p>
             <a:pPr lvl="1"/>
             <a:r>
-              <a:rPr lang="en-US" altLang="ko-KR" dirty="0" smtClean="0"/>
-              <a:t>Super agent </a:t>
-            </a:r>
-            <a:r>
-              <a:rPr lang="en-US" altLang="ko-KR" dirty="0" smtClean="0"/>
-              <a:t>network</a:t>
+              <a:rPr lang="en-US" altLang="ko-KR" dirty="0"/>
+              <a:t>Super agent network</a:t>
             </a:r>
           </a:p>
           <a:p>
@@ -10163,38 +10007,18 @@
               <a:rPr lang="ko-KR" altLang="en-US" dirty="0">
                 <a:sym typeface="Wingdings" panose="05000000000000000000" pitchFamily="2" charset="2"/>
               </a:rPr>
-              <a:t>교통 공학 </a:t>
-            </a:r>
-            <a:r>
-              <a:rPr lang="ko-KR" altLang="en-US" dirty="0" smtClean="0">
-                <a:sym typeface="Wingdings" panose="05000000000000000000" pitchFamily="2" charset="2"/>
-              </a:rPr>
-              <a:t>용어 </a:t>
-            </a:r>
-            <a:r>
-              <a:rPr lang="ko-KR" altLang="en-US" dirty="0" smtClean="0">
-                <a:sym typeface="Wingdings" panose="05000000000000000000" pitchFamily="2" charset="2"/>
-              </a:rPr>
-              <a:t>정리 및 학습 </a:t>
+              <a:t>교통 공학 용어 정리 및 학습 </a:t>
             </a:r>
             <a:endParaRPr lang="en-US" altLang="ko-KR" dirty="0"/>
           </a:p>
           <a:p>
             <a:r>
-              <a:rPr lang="en-US" altLang="ko-KR" dirty="0" smtClean="0"/>
-              <a:t> SUMO </a:t>
-            </a:r>
-            <a:r>
-              <a:rPr lang="en-US" altLang="ko-KR" dirty="0"/>
-              <a:t>Network </a:t>
+              <a:rPr lang="en-US" altLang="ko-KR" dirty="0"/>
+              <a:t> SUMO Network </a:t>
             </a:r>
             <a:r>
               <a:rPr lang="ko-KR" altLang="en-US" dirty="0"/>
               <a:t>제작</a:t>
-            </a:r>
-            <a:r>
-              <a:rPr lang="en-US" altLang="ko-KR" dirty="0"/>
-              <a:t/>
             </a:r>
             <a:br>
               <a:rPr lang="en-US" altLang="ko-KR" dirty="0"/>
@@ -10218,7 +10042,7 @@
               <a:t> </a:t>
             </a:r>
             <a:r>
-              <a:rPr lang="ko-KR" altLang="en-US" dirty="0" smtClean="0">
+              <a:rPr lang="ko-KR" altLang="en-US" dirty="0">
                 <a:sym typeface="Wingdings" panose="05000000000000000000" pitchFamily="2" charset="2"/>
               </a:rPr>
               <a:t>함수</a:t>
@@ -10227,47 +10051,39 @@
           </a:p>
           <a:p>
             <a:r>
-              <a:rPr lang="ko-KR" altLang="en-US" dirty="0" smtClean="0"/>
+              <a:rPr lang="ko-KR" altLang="en-US" dirty="0"/>
               <a:t> </a:t>
             </a:r>
             <a:r>
-              <a:rPr lang="ko-KR" altLang="en-US" dirty="0" err="1" smtClean="0"/>
+              <a:rPr lang="ko-KR" altLang="en-US" dirty="0" err="1"/>
               <a:t>강화학습</a:t>
             </a:r>
             <a:r>
-              <a:rPr lang="ko-KR" altLang="en-US" dirty="0" smtClean="0"/>
-              <a:t> </a:t>
-            </a:r>
-            <a:r>
               <a:rPr lang="ko-KR" altLang="en-US" dirty="0"/>
-              <a:t>내용 파악</a:t>
+              <a:t> 내용 파악</a:t>
             </a:r>
             <a:endParaRPr lang="en-US" altLang="ko-KR" dirty="0"/>
           </a:p>
           <a:p>
             <a:r>
-              <a:rPr lang="ko-KR" altLang="en-US" dirty="0" smtClean="0"/>
+              <a:rPr lang="ko-KR" altLang="en-US" dirty="0"/>
               <a:t> 논문 </a:t>
             </a:r>
             <a:r>
-              <a:rPr lang="en-US" altLang="ko-KR" dirty="0" smtClean="0"/>
+              <a:rPr lang="en-US" altLang="ko-KR" dirty="0"/>
               <a:t>Review</a:t>
             </a:r>
           </a:p>
           <a:p>
             <a:r>
-              <a:rPr lang="en-US" altLang="ko-KR" dirty="0" smtClean="0"/>
-              <a:t> State</a:t>
-            </a:r>
-            <a:r>
-              <a:rPr lang="en-US" altLang="ko-KR" dirty="0"/>
-              <a:t>, Reward, Action </a:t>
+              <a:rPr lang="en-US" altLang="ko-KR" dirty="0"/>
+              <a:t> State, Reward, Action </a:t>
             </a:r>
             <a:r>
               <a:rPr lang="ko-KR" altLang="en-US" dirty="0"/>
               <a:t>종류 판별</a:t>
             </a:r>
-            <a:endParaRPr lang="en-US" altLang="ko-KR" dirty="0" smtClean="0"/>
+            <a:endParaRPr lang="en-US" altLang="ko-KR" dirty="0"/>
           </a:p>
           <a:p>
             <a:r>
@@ -10275,7 +10091,7 @@
               <a:t> </a:t>
             </a:r>
             <a:r>
-              <a:rPr lang="ko-KR" altLang="en-US" dirty="0" smtClean="0"/>
+              <a:rPr lang="ko-KR" altLang="en-US" dirty="0"/>
               <a:t>개선점</a:t>
             </a:r>
             <a:endParaRPr lang="en-US" altLang="ko-KR" dirty="0"/>
@@ -10439,10 +10255,6 @@
             <a:br>
               <a:rPr lang="en-US" altLang="ko-KR" dirty="0"/>
             </a:br>
-            <a:r>
-              <a:rPr lang="en-US" altLang="ko-KR" dirty="0"/>
-              <a:t/>
-            </a:r>
             <a:br>
               <a:rPr lang="en-US" altLang="ko-KR" dirty="0"/>
             </a:br>
@@ -10458,16 +10270,8 @@
           <a:p>
             <a:pPr lvl="1"/>
             <a:r>
-              <a:rPr lang="en-US" altLang="ko-KR" dirty="0" smtClean="0"/>
-              <a:t>Decentralized </a:t>
-            </a:r>
-            <a:r>
-              <a:rPr lang="en-US" altLang="ko-KR" dirty="0"/>
-              <a:t>a</a:t>
-            </a:r>
-            <a:r>
-              <a:rPr lang="en-US" altLang="ko-KR" dirty="0" smtClean="0"/>
-              <a:t>gent(Super agent) based on Deep Q-Network &lt;- overcome coordination</a:t>
+              <a:rPr lang="en-US" altLang="ko-KR" dirty="0"/>
+              <a:t>Decentralized agent(Super agent) based on Deep Q-Network &lt;- overcome coordination</a:t>
             </a:r>
             <a:endParaRPr lang="ko-KR" altLang="en-US" dirty="0"/>
           </a:p>
@@ -10932,19 +10736,7 @@
               <a:rPr lang="en-US" altLang="ko-KR" dirty="0">
                 <a:sym typeface="Wingdings" panose="05000000000000000000" pitchFamily="2" charset="2"/>
               </a:rPr>
-              <a:t> By </a:t>
-            </a:r>
-            <a:r>
-              <a:rPr lang="en-US" altLang="ko-KR" dirty="0" smtClean="0">
-                <a:sym typeface="Wingdings" panose="05000000000000000000" pitchFamily="2" charset="2"/>
-              </a:rPr>
-              <a:t>rotating and flipping, </a:t>
-            </a:r>
-            <a:r>
-              <a:rPr lang="en-US" altLang="ko-KR" dirty="0">
-                <a:sym typeface="Wingdings" panose="05000000000000000000" pitchFamily="2" charset="2"/>
-              </a:rPr>
-              <a:t>Reduces needed experience in ¼ scale</a:t>
+              <a:t> By rotating and flipping, Reduces needed experience in ¼ scale</a:t>
             </a:r>
           </a:p>
           <a:p>
@@ -10962,23 +10754,8 @@
               <a:rPr lang="en-US" altLang="ko-KR" dirty="0">
                 <a:sym typeface="Wingdings" panose="05000000000000000000" pitchFamily="2" charset="2"/>
               </a:rPr>
-              <a:t>Principles of </a:t>
-            </a:r>
-            <a:r>
-              <a:rPr lang="en-US" altLang="ko-KR" dirty="0" smtClean="0">
-                <a:sym typeface="Wingdings" panose="05000000000000000000" pitchFamily="2" charset="2"/>
-              </a:rPr>
-              <a:t>competition: Larger traffic indicates higher demand for ‘</a:t>
-            </a:r>
-            <a:r>
-              <a:rPr lang="en-US" altLang="ko-KR" dirty="0" smtClean="0">
-                <a:sym typeface="Wingdings" panose="05000000000000000000" pitchFamily="2" charset="2"/>
-              </a:rPr>
-              <a:t>green’</a:t>
-            </a:r>
-            <a:endParaRPr lang="en-US" altLang="ko-KR" dirty="0">
-              <a:sym typeface="Wingdings" panose="05000000000000000000" pitchFamily="2" charset="2"/>
-            </a:endParaRPr>
+              <a:t>Principles of competition: Larger traffic indicates higher demand for ‘green’</a:t>
+            </a:r>
           </a:p>
           <a:p>
             <a:pPr lvl="2"/>
@@ -10986,40 +10763,13 @@
               <a:rPr lang="en-US" altLang="ko-KR" dirty="0">
                 <a:sym typeface="Wingdings" panose="05000000000000000000" pitchFamily="2" charset="2"/>
               </a:rPr>
-              <a:t>Principles of </a:t>
-            </a:r>
-            <a:r>
-              <a:rPr lang="en-US" altLang="ko-KR" dirty="0" smtClean="0">
-                <a:sym typeface="Wingdings" panose="05000000000000000000" pitchFamily="2" charset="2"/>
-              </a:rPr>
-              <a:t>invariance: signal control should be invariant to symmetries such as </a:t>
-            </a:r>
-            <a:r>
-              <a:rPr lang="en-US" altLang="ko-KR" dirty="0" smtClean="0">
-                <a:sym typeface="Wingdings" panose="05000000000000000000" pitchFamily="2" charset="2"/>
-              </a:rPr>
-              <a:t>rotating </a:t>
-            </a:r>
-            <a:r>
-              <a:rPr lang="en-US" altLang="ko-KR" dirty="0" smtClean="0">
-                <a:sym typeface="Wingdings" panose="05000000000000000000" pitchFamily="2" charset="2"/>
-              </a:rPr>
-              <a:t>and </a:t>
-            </a:r>
-            <a:r>
-              <a:rPr lang="en-US" altLang="ko-KR" dirty="0" smtClean="0">
-                <a:sym typeface="Wingdings" panose="05000000000000000000" pitchFamily="2" charset="2"/>
-              </a:rPr>
-              <a:t>flipping</a:t>
-            </a:r>
-            <a:endParaRPr lang="en-US" altLang="ko-KR" dirty="0">
-              <a:sym typeface="Wingdings" panose="05000000000000000000" pitchFamily="2" charset="2"/>
-            </a:endParaRPr>
+              <a:t>Principles of invariance: signal control should be invariant to symmetries such as rotating and flipping</a:t>
+            </a:r>
           </a:p>
           <a:p>
             <a:pPr lvl="1"/>
             <a:r>
-              <a:rPr lang="en-US" altLang="ko-KR" dirty="0" smtClean="0">
+              <a:rPr lang="en-US" altLang="ko-KR" dirty="0">
                 <a:sym typeface="Wingdings" panose="05000000000000000000" pitchFamily="2" charset="2"/>
               </a:rPr>
               <a:t>Prediction of phase score into tree stages</a:t>
@@ -11028,7 +10778,7 @@
           <a:p>
             <a:pPr lvl="2"/>
             <a:r>
-              <a:rPr lang="en-US" altLang="ko-KR" dirty="0" smtClean="0">
+              <a:rPr lang="en-US" altLang="ko-KR" dirty="0">
                 <a:sym typeface="Wingdings" panose="05000000000000000000" pitchFamily="2" charset="2"/>
               </a:rPr>
               <a:t>Phase demand modeling</a:t>
@@ -11037,7 +10787,7 @@
           <a:p>
             <a:pPr lvl="2"/>
             <a:r>
-              <a:rPr lang="en-US" altLang="ko-KR" dirty="0" smtClean="0">
+              <a:rPr lang="en-US" altLang="ko-KR" dirty="0">
                 <a:sym typeface="Wingdings" panose="05000000000000000000" pitchFamily="2" charset="2"/>
               </a:rPr>
               <a:t>Phase pair representation</a:t>
@@ -11046,7 +10796,7 @@
           <a:p>
             <a:pPr lvl="2"/>
             <a:r>
-              <a:rPr lang="en-US" altLang="ko-KR" dirty="0" smtClean="0">
+              <a:rPr lang="en-US" altLang="ko-KR" dirty="0">
                 <a:sym typeface="Wingdings" panose="05000000000000000000" pitchFamily="2" charset="2"/>
               </a:rPr>
               <a:t>Phase pair competition</a:t>
@@ -11088,6 +10838,36 @@
           <a:chExt cx="0" cy="0"/>
         </a:xfrm>
       </p:grpSpPr>
+      <p:pic>
+        <p:nvPicPr>
+          <p:cNvPr id="16" name="그림 15">
+            <a:extLst>
+              <a:ext uri="{FF2B5EF4-FFF2-40B4-BE49-F238E27FC236}">
+                <a16:creationId xmlns:a16="http://schemas.microsoft.com/office/drawing/2014/main" id="{4ED6D56B-65FB-4389-B07B-243CDE4A9722}"/>
+              </a:ext>
+            </a:extLst>
+          </p:cNvPr>
+          <p:cNvPicPr>
+            <a:picLocks noChangeAspect="1"/>
+          </p:cNvPicPr>
+          <p:nvPr/>
+        </p:nvPicPr>
+        <p:blipFill>
+          <a:blip r:embed="rId2"/>
+          <a:stretch>
+            <a:fillRect/>
+          </a:stretch>
+        </p:blipFill>
+        <p:spPr>
+          <a:xfrm>
+            <a:off x="9362680" y="3050425"/>
+            <a:ext cx="2829320" cy="3181794"/>
+          </a:xfrm>
+          <a:prstGeom prst="rect">
+            <a:avLst/>
+          </a:prstGeom>
+        </p:spPr>
+      </p:pic>
       <p:sp>
         <p:nvSpPr>
           <p:cNvPr id="2" name="제목 1">
@@ -11110,7 +10890,7 @@
           <a:lstStyle/>
           <a:p>
             <a:r>
-              <a:rPr lang="en-US" altLang="ko-KR" dirty="0" smtClean="0"/>
+              <a:rPr lang="en-US" altLang="ko-KR" dirty="0"/>
               <a:t>Approach: FRAP</a:t>
             </a:r>
             <a:endParaRPr lang="ko-KR" altLang="en-US" dirty="0"/>
@@ -11141,28 +10921,28 @@
               <a:lstStyle/>
               <a:p>
                 <a:r>
-                  <a:rPr lang="en-US" altLang="ko-KR" dirty="0" smtClean="0"/>
+                  <a:rPr lang="en-US" altLang="ko-KR" dirty="0"/>
                   <a:t> FRAP Network (Prediction of phase score into three stages)</a:t>
                 </a:r>
               </a:p>
               <a:p>
                 <a:pPr lvl="1"/>
                 <a:r>
-                  <a:rPr lang="en-US" altLang="ko-KR" dirty="0" smtClean="0"/>
+                  <a:rPr lang="en-US" altLang="ko-KR" dirty="0"/>
                   <a:t>Phase demand modeling: features from both current phase and # of vehicles through 2 fc-layers </a:t>
                 </a:r>
               </a:p>
               <a:p>
                 <a:pPr lvl="1"/>
                 <a:r>
-                  <a:rPr lang="en-US" altLang="ko-KR" dirty="0" smtClean="0"/>
+                  <a:rPr lang="en-US" altLang="ko-KR" dirty="0"/>
                   <a:t>Phase pair representation: the score of a phase depends on its competition with the other phase</a:t>
                 </a:r>
               </a:p>
               <a:p>
                 <a:pPr lvl="1"/>
                 <a:r>
-                  <a:rPr lang="en-US" altLang="ko-KR" dirty="0" smtClean="0"/>
+                  <a:rPr lang="en-US" altLang="ko-KR" dirty="0"/>
                   <a:t>Phase pair competition: predicted score of a phase </a:t>
                 </a:r>
                 <a14:m>
@@ -11176,7 +10956,7 @@
                   </m:oMath>
                 </a14:m>
                 <a:r>
-                  <a:rPr lang="en-US" altLang="ko-KR" dirty="0" smtClean="0"/>
+                  <a:rPr lang="en-US" altLang="ko-KR" dirty="0"/>
                   <a:t> over all its opponents</a:t>
                 </a:r>
                 <a:endParaRPr lang="ko-KR" altLang="en-US" dirty="0"/>
@@ -11203,7 +10983,7 @@
             </p:nvSpPr>
             <p:spPr>
               <a:blipFill>
-                <a:blip r:embed="rId2"/>
+                <a:blip r:embed="rId3"/>
                 <a:stretch>
                   <a:fillRect l="-1455" t="-1667"/>
                 </a:stretch>
@@ -11238,16 +11018,15 @@
           </p:cNvPicPr>
           <p:nvPr/>
         </p:nvPicPr>
-        <p:blipFill>
-          <a:blip r:embed="rId3"/>
-          <a:stretch>
-            <a:fillRect/>
-          </a:stretch>
+        <p:blipFill rotWithShape="1">
+          <a:blip r:embed="rId4"/>
+          <a:srcRect r="1423"/>
+          <a:stretch/>
         </p:blipFill>
         <p:spPr>
           <a:xfrm>
-            <a:off x="2528786" y="3606943"/>
-            <a:ext cx="8330268" cy="2526870"/>
+            <a:off x="1226434" y="3606943"/>
+            <a:ext cx="8211747" cy="2526870"/>
           </a:xfrm>
           <a:prstGeom prst="rect">
             <a:avLst/>
@@ -11268,7 +11047,7 @@
         </p:nvSpPr>
         <p:spPr>
           <a:xfrm>
-            <a:off x="2528786" y="3606943"/>
+            <a:off x="1226434" y="3606943"/>
             <a:ext cx="1832714" cy="1099281"/>
           </a:xfrm>
           <a:prstGeom prst="roundRect">
@@ -11320,7 +11099,7 @@
         </p:nvSpPr>
         <p:spPr>
           <a:xfrm>
-            <a:off x="2528786" y="4769813"/>
+            <a:off x="1226434" y="4769813"/>
             <a:ext cx="1832714" cy="1099281"/>
           </a:xfrm>
           <a:prstGeom prst="roundRect">
@@ -11372,8 +11151,8 @@
         </p:nvSpPr>
         <p:spPr>
           <a:xfrm>
-            <a:off x="1341464" y="4444614"/>
-            <a:ext cx="1409350" cy="523220"/>
+            <a:off x="25166" y="4444614"/>
+            <a:ext cx="1372961" cy="523220"/>
           </a:xfrm>
           <a:prstGeom prst="rect">
             <a:avLst/>
@@ -11410,7 +11189,7 @@
         </p:nvSpPr>
         <p:spPr>
           <a:xfrm>
-            <a:off x="3382015" y="3790460"/>
+            <a:off x="2079663" y="3790460"/>
             <a:ext cx="126256" cy="133907"/>
           </a:xfrm>
           <a:prstGeom prst="ellipse">
@@ -11456,7 +11235,7 @@
         </p:nvSpPr>
         <p:spPr>
           <a:xfrm>
-            <a:off x="3382015" y="4048138"/>
+            <a:off x="2079663" y="4048138"/>
             <a:ext cx="126256" cy="133907"/>
           </a:xfrm>
           <a:prstGeom prst="ellipse">
@@ -11502,7 +11281,7 @@
         </p:nvSpPr>
         <p:spPr>
           <a:xfrm>
-            <a:off x="3827852" y="4020858"/>
+            <a:off x="2525500" y="4020858"/>
             <a:ext cx="126256" cy="133907"/>
           </a:xfrm>
           <a:prstGeom prst="ellipse">
@@ -11548,7 +11327,7 @@
         </p:nvSpPr>
         <p:spPr>
           <a:xfrm>
-            <a:off x="1434354" y="3450050"/>
+            <a:off x="132002" y="3450050"/>
             <a:ext cx="956744" cy="276999"/>
           </a:xfrm>
           <a:prstGeom prst="rect">
@@ -11564,7 +11343,7 @@
           <a:p>
             <a:pPr algn="r"/>
             <a:r>
-              <a:rPr lang="en-US" altLang="ko-KR" sz="1200" dirty="0" smtClean="0">
+              <a:rPr lang="en-US" altLang="ko-KR" sz="1200" dirty="0">
                 <a:solidFill>
                   <a:srgbClr val="FF0000"/>
                 </a:solidFill>
@@ -11587,8 +11366,8 @@
         </p:nvSpPr>
         <p:spPr>
           <a:xfrm>
-            <a:off x="1270210" y="3680883"/>
-            <a:ext cx="1120888" cy="276999"/>
+            <a:off x="0" y="3680883"/>
+            <a:ext cx="1088746" cy="276999"/>
           </a:xfrm>
           <a:prstGeom prst="rect">
             <a:avLst/>
@@ -11603,7 +11382,7 @@
           <a:p>
             <a:pPr algn="r"/>
             <a:r>
-              <a:rPr lang="en-US" altLang="ko-KR" sz="1200" dirty="0" smtClean="0">
+              <a:rPr lang="en-US" altLang="ko-KR" sz="1200" dirty="0">
                 <a:solidFill>
                   <a:srgbClr val="FF0000"/>
                 </a:solidFill>
@@ -11622,6 +11401,7 @@
         <p:nvCxnSpPr>
           <p:cNvPr id="14" name="직선 화살표 연결선 13"/>
           <p:cNvCxnSpPr>
+            <a:cxnSpLocks/>
             <a:stCxn id="12" idx="3"/>
             <a:endCxn id="9" idx="2"/>
           </p:cNvCxnSpPr>
@@ -11629,7 +11409,7 @@
         </p:nvCxnSpPr>
         <p:spPr>
           <a:xfrm>
-            <a:off x="2391098" y="3819383"/>
+            <a:off x="1088746" y="3819383"/>
             <a:ext cx="990917" cy="295709"/>
           </a:xfrm>
           <a:prstGeom prst="straightConnector1">
@@ -11668,7 +11448,7 @@
         </p:nvCxnSpPr>
         <p:spPr>
           <a:xfrm>
-            <a:off x="2391098" y="3588550"/>
+            <a:off x="1088746" y="3588550"/>
             <a:ext cx="990917" cy="268864"/>
           </a:xfrm>
           <a:prstGeom prst="straightConnector1">
@@ -11704,7 +11484,7 @@
         </p:nvSpPr>
         <p:spPr>
           <a:xfrm>
-            <a:off x="4487246" y="3716423"/>
+            <a:off x="3184894" y="3716423"/>
             <a:ext cx="1120888" cy="276999"/>
           </a:xfrm>
           <a:prstGeom prst="rect">
@@ -11719,7 +11499,7 @@
           <a:lstStyle/>
           <a:p>
             <a:r>
-              <a:rPr lang="en-US" altLang="ko-KR" sz="1200" dirty="0" smtClean="0">
+              <a:rPr lang="en-US" altLang="ko-KR" sz="1200" dirty="0">
                 <a:solidFill>
                   <a:srgbClr val="FF0000"/>
                 </a:solidFill>
@@ -11745,7 +11525,7 @@
         </p:nvCxnSpPr>
         <p:spPr>
           <a:xfrm flipH="1">
-            <a:off x="3954108" y="3854923"/>
+            <a:off x="2651756" y="3854923"/>
             <a:ext cx="533138" cy="232889"/>
           </a:xfrm>
           <a:prstGeom prst="straightConnector1">
@@ -11819,15 +11599,15 @@
           <a:lstStyle/>
           <a:p>
             <a:r>
-              <a:rPr lang="en-US" altLang="ko-KR" dirty="0" smtClean="0"/>
+              <a:rPr lang="en-US" altLang="ko-KR" dirty="0"/>
               <a:t>Approach: DQN</a:t>
             </a:r>
             <a:endParaRPr lang="ko-KR" altLang="en-US" dirty="0"/>
           </a:p>
         </p:txBody>
       </p:sp>
-      <mc:AlternateContent xmlns:mc="http://schemas.openxmlformats.org/markup-compatibility/2006">
-        <mc:Choice xmlns:a14="http://schemas.microsoft.com/office/drawing/2010/main" Requires="a14">
+      <mc:AlternateContent xmlns:mc="http://schemas.openxmlformats.org/markup-compatibility/2006" xmlns:a14="http://schemas.microsoft.com/office/drawing/2010/main">
+        <mc:Choice Requires="a14">
           <p:sp>
             <p:nvSpPr>
               <p:cNvPr id="3" name="내용 개체 틀 2"/>
@@ -11844,25 +11624,25 @@
               <a:lstStyle/>
               <a:p>
                 <a:r>
-                  <a:rPr lang="en-US" altLang="ko-KR" dirty="0" smtClean="0"/>
+                  <a:rPr lang="en-US" altLang="ko-KR" dirty="0"/>
                   <a:t> Deep Q-Network</a:t>
                 </a:r>
               </a:p>
               <a:p>
                 <a:pPr lvl="1"/>
                 <a:r>
-                  <a:rPr lang="en-US" altLang="ko-KR" dirty="0" smtClean="0"/>
+                  <a:rPr lang="en-US" altLang="ko-KR" dirty="0"/>
                   <a:t>Value-based learning(Q learning), Epsilon-greedy</a:t>
                 </a:r>
               </a:p>
               <a:p>
                 <a:pPr lvl="1"/>
                 <a:r>
-                  <a:rPr lang="en-US" altLang="ko-KR" dirty="0" smtClean="0"/>
+                  <a:rPr lang="en-US" altLang="ko-KR" dirty="0"/>
                   <a:t>Loss function that compare fixed target Q and approximated local Q </a:t>
                 </a:r>
                 <a:br>
-                  <a:rPr lang="en-US" altLang="ko-KR" dirty="0" smtClean="0"/>
+                  <a:rPr lang="en-US" altLang="ko-KR" dirty="0"/>
                 </a:br>
                 <a14:m>
                   <m:oMath xmlns:m="http://schemas.openxmlformats.org/officeDocument/2006/math">
@@ -12173,12 +11953,12 @@
                     </m:sSup>
                   </m:oMath>
                 </a14:m>
-                <a:endParaRPr lang="en-US" altLang="ko-KR" b="0" dirty="0" smtClean="0"/>
+                <a:endParaRPr lang="en-US" altLang="ko-KR" b="0" dirty="0"/>
               </a:p>
               <a:p>
                 <a:pPr lvl="1"/>
                 <a:r>
-                  <a:rPr lang="en-US" altLang="ko-KR" dirty="0" smtClean="0"/>
+                  <a:rPr lang="en-US" altLang="ko-KR" dirty="0"/>
                   <a:t>Soft update the target Q network(</a:t>
                 </a:r>
                 <a14:m>
@@ -12321,38 +12101,38 @@
                   </m:oMath>
                 </a14:m>
                 <a:r>
-                  <a:rPr lang="en-US" altLang="ko-KR" dirty="0" smtClean="0"/>
+                  <a:rPr lang="en-US" altLang="ko-KR" dirty="0"/>
                   <a:t>) periodically</a:t>
                 </a:r>
               </a:p>
               <a:p>
                 <a:pPr lvl="1"/>
                 <a:r>
-                  <a:rPr lang="en-US" altLang="ko-KR" dirty="0" smtClean="0"/>
+                  <a:rPr lang="en-US" altLang="ko-KR" dirty="0"/>
                   <a:t>Use experience replay for updating Q</a:t>
                 </a:r>
                 <a:br>
-                  <a:rPr lang="en-US" altLang="ko-KR" dirty="0" smtClean="0"/>
+                  <a:rPr lang="en-US" altLang="ko-KR" dirty="0"/>
                 </a:br>
                 <a:r>
-                  <a:rPr lang="en-US" altLang="ko-KR" dirty="0" smtClean="0"/>
+                  <a:rPr lang="en-US" altLang="ko-KR" dirty="0"/>
                   <a:t>- Using on-policy make the data highly correlated </a:t>
                 </a:r>
                 <a:r>
-                  <a:rPr lang="en-US" altLang="ko-KR" dirty="0" smtClean="0">
+                  <a:rPr lang="en-US" altLang="ko-KR" dirty="0">
                     <a:sym typeface="Wingdings" panose="05000000000000000000" pitchFamily="2" charset="2"/>
                   </a:rPr>
                   <a:t> by using</a:t>
                 </a:r>
                 <a:r>
-                  <a:rPr lang="en-US" altLang="ko-KR" dirty="0" smtClean="0"/>
+                  <a:rPr lang="en-US" altLang="ko-KR" dirty="0"/>
                   <a:t> replay, uniformly random sample</a:t>
                 </a:r>
                 <a:br>
-                  <a:rPr lang="en-US" altLang="ko-KR" dirty="0" smtClean="0"/>
+                  <a:rPr lang="en-US" altLang="ko-KR" dirty="0"/>
                 </a:br>
                 <a:r>
-                  <a:rPr lang="en-US" altLang="ko-KR" dirty="0" smtClean="0"/>
+                  <a:rPr lang="en-US" altLang="ko-KR" dirty="0"/>
                   <a:t>- Disadvantage: using much memory during the learning</a:t>
                 </a:r>
                 <a:endParaRPr lang="ko-KR" altLang="en-US" dirty="0"/>
@@ -12360,7 +12140,7 @@
             </p:txBody>
           </p:sp>
         </mc:Choice>
-        <mc:Fallback>
+        <mc:Fallback xmlns="">
           <p:sp>
             <p:nvSpPr>
               <p:cNvPr id="3" name="내용 개체 틀 2"/>
@@ -12471,8 +12251,8 @@
           </a:p>
         </p:txBody>
       </p:sp>
-      <mc:AlternateContent xmlns:mc="http://schemas.openxmlformats.org/markup-compatibility/2006">
-        <mc:Choice xmlns:a14="http://schemas.microsoft.com/office/drawing/2010/main" Requires="a14">
+      <mc:AlternateContent xmlns:mc="http://schemas.openxmlformats.org/markup-compatibility/2006" xmlns:a14="http://schemas.microsoft.com/office/drawing/2010/main">
+        <mc:Choice Requires="a14">
           <p:sp>
             <p:nvSpPr>
               <p:cNvPr id="3" name="내용 개체 틀 2"/>
@@ -12599,17 +12379,8 @@
                   <a:rPr lang="en-US" altLang="ko-KR" dirty="0">
                     <a:sym typeface="Wingdings" panose="05000000000000000000" pitchFamily="2" charset="2"/>
                   </a:rPr>
-                  <a:t>Select the phase based on Max Pressure Control </a:t>
+                  <a:t>Select the phase based on Max Pressure Control Law(FRAP)</a:t>
                 </a:r>
-                <a:r>
-                  <a:rPr lang="en-US" altLang="ko-KR" dirty="0" smtClean="0">
-                    <a:sym typeface="Wingdings" panose="05000000000000000000" pitchFamily="2" charset="2"/>
-                  </a:rPr>
-                  <a:t>Law(FRAP)</a:t>
-                </a:r>
-                <a:endParaRPr lang="en-US" altLang="ko-KR" dirty="0">
-                  <a:sym typeface="Wingdings" panose="05000000000000000000" pitchFamily="2" charset="2"/>
-                </a:endParaRPr>
               </a:p>
               <a:p>
                 <a:pPr lvl="1"/>
@@ -12655,7 +12426,7 @@
             </p:txBody>
           </p:sp>
         </mc:Choice>
-        <mc:Fallback>
+        <mc:Fallback xmlns="">
           <p:sp>
             <p:nvSpPr>
               <p:cNvPr id="3" name="내용 개체 틀 2"/>
@@ -13364,15 +13135,7 @@
                 <a:pPr lvl="1"/>
                 <a:r>
                   <a:rPr lang="en-US" altLang="ko-KR" dirty="0"/>
-                  <a:t> All parameters shared among all the agents </a:t>
-                </a:r>
-                <a:r>
-                  <a:rPr lang="en-US" altLang="ko-KR" dirty="0" smtClean="0"/>
-                  <a:t>(Observation data sharing)</a:t>
-                </a:r>
-                <a:r>
-                  <a:rPr lang="en-US" altLang="ko-KR" dirty="0"/>
-                  <a:t/>
+                  <a:t> All parameters shared among all the agents (Observation data sharing)</a:t>
                 </a:r>
                 <a:br>
                   <a:rPr lang="en-US" altLang="ko-KR" dirty="0"/>
@@ -13639,7 +13402,7 @@
             <a:pPr lvl="1"/>
             <a:r>
               <a:rPr lang="en-US" altLang="ko-KR" dirty="0"/>
-              <a:t>Throughput: the number of trips completed</a:t>
+              <a:t>Throughput: the number of completed  trips</a:t>
             </a:r>
             <a:br>
               <a:rPr lang="en-US" altLang="ko-KR" dirty="0"/>
@@ -13685,96 +13448,15 @@
           <a:chExt cx="0" cy="0"/>
         </a:xfrm>
       </p:grpSpPr>
-      <p:sp>
-        <p:nvSpPr>
-          <p:cNvPr id="2" name="제목 1"/>
-          <p:cNvSpPr>
-            <a:spLocks noGrp="1"/>
-          </p:cNvSpPr>
-          <p:nvPr>
-            <p:ph type="title"/>
-          </p:nvPr>
-        </p:nvSpPr>
-        <p:spPr/>
-        <p:txBody>
-          <a:bodyPr/>
-          <a:lstStyle/>
-          <a:p>
-            <a:r>
-              <a:rPr lang="en-US" altLang="ko-KR" dirty="0" smtClean="0"/>
-              <a:t>Result</a:t>
-            </a:r>
-            <a:endParaRPr lang="ko-KR" altLang="en-US" dirty="0"/>
-          </a:p>
-        </p:txBody>
-      </p:sp>
-      <p:sp>
-        <p:nvSpPr>
-          <p:cNvPr id="3" name="내용 개체 틀 2"/>
-          <p:cNvSpPr>
-            <a:spLocks noGrp="1"/>
-          </p:cNvSpPr>
-          <p:nvPr>
-            <p:ph idx="1"/>
-          </p:nvPr>
-        </p:nvSpPr>
-        <p:spPr/>
-        <p:txBody>
-          <a:bodyPr/>
-          <a:lstStyle/>
-          <a:p>
-            <a:r>
-              <a:rPr lang="en-US" altLang="ko-KR" dirty="0" smtClean="0"/>
-              <a:t> Performance Comparison</a:t>
-            </a:r>
-          </a:p>
-          <a:p>
-            <a:pPr lvl="1"/>
-            <a:r>
-              <a:rPr lang="en-US" altLang="ko-KR" dirty="0" smtClean="0"/>
-              <a:t>Travel time is reduced 19.20% in </a:t>
-            </a:r>
-            <a:r>
-              <a:rPr lang="en-US" altLang="ko-KR" dirty="0" err="1" smtClean="0"/>
-              <a:t>MPLight</a:t>
-            </a:r>
-            <a:r>
-              <a:rPr lang="en-US" altLang="ko-KR" dirty="0" smtClean="0"/>
-              <a:t> over all other methods (second best time, config3)</a:t>
-            </a:r>
-          </a:p>
-          <a:p>
-            <a:pPr lvl="1"/>
-            <a:r>
-              <a:rPr lang="en-US" altLang="ko-KR" dirty="0" smtClean="0"/>
-              <a:t>Throughput is increased 3% in </a:t>
-            </a:r>
-            <a:r>
-              <a:rPr lang="en-US" altLang="ko-KR" dirty="0" err="1" smtClean="0"/>
-              <a:t>MPLight</a:t>
-            </a:r>
-            <a:r>
-              <a:rPr lang="en-US" altLang="ko-KR" dirty="0" smtClean="0"/>
-              <a:t> over all other methods (second best time, config3)</a:t>
-            </a:r>
-            <a:endParaRPr lang="en-US" altLang="ko-KR" dirty="0"/>
-          </a:p>
-          <a:p>
-            <a:r>
-              <a:rPr lang="en-US" altLang="ko-KR" dirty="0" smtClean="0"/>
-              <a:t> </a:t>
-            </a:r>
-            <a:r>
-              <a:rPr lang="en-US" altLang="ko-KR" dirty="0" smtClean="0"/>
-              <a:t>Best performance compared to other RL method and Pressure control system</a:t>
-            </a:r>
-            <a:endParaRPr lang="en-US" altLang="ko-KR" dirty="0" smtClean="0"/>
-          </a:p>
-        </p:txBody>
-      </p:sp>
       <p:pic>
         <p:nvPicPr>
-          <p:cNvPr id="4" name="그림 3"/>
+          <p:cNvPr id="10" name="그림 9">
+            <a:extLst>
+              <a:ext uri="{FF2B5EF4-FFF2-40B4-BE49-F238E27FC236}">
+                <a16:creationId xmlns:a16="http://schemas.microsoft.com/office/drawing/2014/main" id="{4ECEA085-F68B-4761-819B-1685364EF7DF}"/>
+              </a:ext>
+            </a:extLst>
+          </p:cNvPr>
           <p:cNvPicPr>
             <a:picLocks noChangeAspect="1"/>
           </p:cNvPicPr>
@@ -13788,7 +13470,112 @@
         </p:blipFill>
         <p:spPr>
           <a:xfrm>
-            <a:off x="1618374" y="3301802"/>
+            <a:off x="51288" y="3735820"/>
+            <a:ext cx="4014952" cy="1924022"/>
+          </a:xfrm>
+          <a:prstGeom prst="rect">
+            <a:avLst/>
+          </a:prstGeom>
+        </p:spPr>
+      </p:pic>
+      <p:sp>
+        <p:nvSpPr>
+          <p:cNvPr id="2" name="제목 1"/>
+          <p:cNvSpPr>
+            <a:spLocks noGrp="1"/>
+          </p:cNvSpPr>
+          <p:nvPr>
+            <p:ph type="title"/>
+          </p:nvPr>
+        </p:nvSpPr>
+        <p:spPr/>
+        <p:txBody>
+          <a:bodyPr/>
+          <a:lstStyle/>
+          <a:p>
+            <a:r>
+              <a:rPr lang="en-US" altLang="ko-KR" dirty="0"/>
+              <a:t>Result</a:t>
+            </a:r>
+            <a:endParaRPr lang="ko-KR" altLang="en-US" dirty="0"/>
+          </a:p>
+        </p:txBody>
+      </p:sp>
+      <p:sp>
+        <p:nvSpPr>
+          <p:cNvPr id="3" name="내용 개체 틀 2"/>
+          <p:cNvSpPr>
+            <a:spLocks noGrp="1"/>
+          </p:cNvSpPr>
+          <p:nvPr>
+            <p:ph idx="1"/>
+          </p:nvPr>
+        </p:nvSpPr>
+        <p:spPr/>
+        <p:txBody>
+          <a:bodyPr/>
+          <a:lstStyle/>
+          <a:p>
+            <a:r>
+              <a:rPr lang="en-US" altLang="ko-KR" dirty="0"/>
+              <a:t> Performance Comparison</a:t>
+            </a:r>
+          </a:p>
+          <a:p>
+            <a:pPr lvl="1"/>
+            <a:r>
+              <a:rPr lang="en-US" altLang="ko-KR" dirty="0"/>
+              <a:t>Travel time is reduced 19.20% in </a:t>
+            </a:r>
+            <a:r>
+              <a:rPr lang="en-US" altLang="ko-KR" dirty="0" err="1"/>
+              <a:t>MPLight</a:t>
+            </a:r>
+            <a:r>
+              <a:rPr lang="en-US" altLang="ko-KR" dirty="0"/>
+              <a:t> over all other methods (second best time, config3)</a:t>
+            </a:r>
+          </a:p>
+          <a:p>
+            <a:pPr lvl="1"/>
+            <a:r>
+              <a:rPr lang="en-US" altLang="ko-KR" dirty="0"/>
+              <a:t>Throughput is increased 3% in </a:t>
+            </a:r>
+            <a:r>
+              <a:rPr lang="en-US" altLang="ko-KR" dirty="0" err="1"/>
+              <a:t>MPLight</a:t>
+            </a:r>
+            <a:r>
+              <a:rPr lang="en-US" altLang="ko-KR" dirty="0"/>
+              <a:t> over all other methods (second best time, config3)</a:t>
+            </a:r>
+          </a:p>
+          <a:p>
+            <a:r>
+              <a:rPr lang="en-US" altLang="ko-KR" dirty="0"/>
+              <a:t> Best performance compared to other RL method and Pressure control system(4x4)</a:t>
+            </a:r>
+          </a:p>
+        </p:txBody>
+      </p:sp>
+      <p:pic>
+        <p:nvPicPr>
+          <p:cNvPr id="4" name="그림 3"/>
+          <p:cNvPicPr>
+            <a:picLocks noChangeAspect="1"/>
+          </p:cNvPicPr>
+          <p:nvPr/>
+        </p:nvPicPr>
+        <p:blipFill>
+          <a:blip r:embed="rId3"/>
+          <a:stretch>
+            <a:fillRect/>
+          </a:stretch>
+        </p:blipFill>
+        <p:spPr>
+          <a:xfrm>
+            <a:off x="3864269" y="3301802"/>
             <a:ext cx="8176036" cy="2567292"/>
           </a:xfrm>
           <a:prstGeom prst="rect">
@@ -13804,7 +13591,7 @@
         </p:nvSpPr>
         <p:spPr>
           <a:xfrm>
-            <a:off x="8283163" y="5298932"/>
+            <a:off x="10545100" y="5298932"/>
             <a:ext cx="413201" cy="172167"/>
           </a:xfrm>
           <a:prstGeom prst="roundRect">
@@ -13850,7 +13637,7 @@
         </p:nvSpPr>
         <p:spPr>
           <a:xfrm>
-            <a:off x="8283163" y="5573759"/>
+            <a:off x="10545100" y="5573759"/>
             <a:ext cx="413201" cy="172167"/>
           </a:xfrm>
           <a:prstGeom prst="roundRect">
@@ -13896,7 +13683,7 @@
         </p:nvSpPr>
         <p:spPr>
           <a:xfrm>
-            <a:off x="4812407" y="5080210"/>
+            <a:off x="7074344" y="5080210"/>
             <a:ext cx="536262" cy="172167"/>
           </a:xfrm>
           <a:prstGeom prst="roundRect">
@@ -13942,7 +13729,7 @@
         </p:nvSpPr>
         <p:spPr>
           <a:xfrm>
-            <a:off x="4812407" y="5565467"/>
+            <a:off x="7074344" y="5565467"/>
             <a:ext cx="536262" cy="207879"/>
           </a:xfrm>
           <a:prstGeom prst="roundRect">
@@ -14049,42 +13836,42 @@
           <a:lstStyle/>
           <a:p>
             <a:r>
-              <a:rPr lang="en-US" altLang="ko-KR" dirty="0" smtClean="0"/>
+              <a:rPr lang="en-US" altLang="ko-KR" dirty="0"/>
               <a:t> Scalability Analysis</a:t>
             </a:r>
           </a:p>
           <a:p>
             <a:pPr lvl="1"/>
             <a:r>
-              <a:rPr lang="en-US" altLang="ko-KR" dirty="0" smtClean="0"/>
+              <a:rPr lang="en-US" altLang="ko-KR" dirty="0"/>
               <a:t>Evaluate the method with other baselines under Manhattan, 2500 signalized intersection</a:t>
             </a:r>
           </a:p>
           <a:p>
             <a:pPr lvl="1"/>
             <a:r>
-              <a:rPr lang="en-US" altLang="ko-KR" dirty="0" smtClean="0"/>
+              <a:rPr lang="en-US" altLang="ko-KR" dirty="0"/>
               <a:t>Compared to other methods, </a:t>
             </a:r>
             <a:r>
-              <a:rPr lang="en-US" altLang="ko-KR" dirty="0" err="1" smtClean="0"/>
+              <a:rPr lang="en-US" altLang="ko-KR" dirty="0" err="1"/>
               <a:t>MPLight</a:t>
             </a:r>
             <a:r>
-              <a:rPr lang="en-US" altLang="ko-KR" dirty="0" smtClean="0"/>
+              <a:rPr lang="en-US" altLang="ko-KR" dirty="0"/>
               <a:t> handle traffic signal more effectively and efficiently</a:t>
             </a:r>
           </a:p>
           <a:p>
             <a:r>
-              <a:rPr lang="en-US" altLang="ko-KR" dirty="0" smtClean="0"/>
-              <a:t> Impact of Pressure-based Design</a:t>
+              <a:rPr lang="en-US" altLang="ko-KR" dirty="0"/>
+              <a:t> Impact of Pressure-based Design(Manhattan)</a:t>
             </a:r>
           </a:p>
           <a:p>
             <a:pPr lvl="1"/>
             <a:r>
-              <a:rPr lang="en-US" altLang="ko-KR" dirty="0" smtClean="0"/>
+              <a:rPr lang="en-US" altLang="ko-KR" dirty="0"/>
               <a:t>Evaluate the performance of RL-based method with and without ‘pressure’.</a:t>
             </a:r>
           </a:p>
@@ -14184,7 +13971,7 @@
           <a:lstStyle/>
           <a:p>
             <a:r>
-              <a:rPr lang="en-US" altLang="ko-KR" dirty="0" smtClean="0"/>
+              <a:rPr lang="en-US" altLang="ko-KR" dirty="0"/>
               <a:t>Result &amp; Conclusion</a:t>
             </a:r>
             <a:endParaRPr lang="ko-KR" altLang="en-US" dirty="0"/>
@@ -14207,21 +13994,21 @@
           <a:lstStyle/>
           <a:p>
             <a:r>
-              <a:rPr lang="en-US" altLang="ko-KR" dirty="0" smtClean="0"/>
+              <a:rPr lang="en-US" altLang="ko-KR" dirty="0"/>
               <a:t> Impact of Parameter Sharing (Super Agent)</a:t>
             </a:r>
           </a:p>
           <a:p>
             <a:pPr lvl="1"/>
             <a:r>
-              <a:rPr lang="en-US" altLang="ko-KR" dirty="0" smtClean="0"/>
+              <a:rPr lang="en-US" altLang="ko-KR" dirty="0"/>
               <a:t>Parameter sharing enables our model to converge faster</a:t>
             </a:r>
             <a:br>
-              <a:rPr lang="en-US" altLang="ko-KR" dirty="0" smtClean="0"/>
+              <a:rPr lang="en-US" altLang="ko-KR" dirty="0"/>
             </a:br>
             <a:r>
-              <a:rPr lang="en-US" altLang="ko-KR" dirty="0" smtClean="0">
+              <a:rPr lang="en-US" altLang="ko-KR" dirty="0">
                 <a:sym typeface="Wingdings" panose="05000000000000000000" pitchFamily="2" charset="2"/>
               </a:rPr>
               <a:t> Effectiveness of parameter sharing </a:t>
@@ -14243,7 +14030,7 @@
           </a:p>
           <a:p>
             <a:r>
-              <a:rPr lang="en-US" altLang="ko-KR" dirty="0" smtClean="0">
+              <a:rPr lang="en-US" altLang="ko-KR" dirty="0">
                 <a:sym typeface="Wingdings" panose="05000000000000000000" pitchFamily="2" charset="2"/>
               </a:rPr>
               <a:t> Conclusion</a:t>
@@ -14252,10 +14039,38 @@
           <a:p>
             <a:pPr lvl="1"/>
             <a:r>
-              <a:rPr lang="en-US" altLang="ko-KR" dirty="0" smtClean="0">
+              <a:rPr lang="en-US" altLang="ko-KR" dirty="0">
                 <a:sym typeface="Wingdings" panose="05000000000000000000" pitchFamily="2" charset="2"/>
               </a:rPr>
               <a:t>Need more elaborate design for coordination and cooperation among neighboring intersection</a:t>
+            </a:r>
+            <a:br>
+              <a:rPr lang="en-US" altLang="ko-KR" dirty="0">
+                <a:sym typeface="Wingdings" panose="05000000000000000000" pitchFamily="2" charset="2"/>
+              </a:rPr>
+            </a:br>
+            <a:r>
+              <a:rPr lang="en-US" altLang="ko-KR" dirty="0">
+                <a:sym typeface="Wingdings" panose="05000000000000000000" pitchFamily="2" charset="2"/>
+              </a:rPr>
+              <a:t> </a:t>
+            </a:r>
+            <a:r>
+              <a:rPr lang="en-US" altLang="ko-KR" dirty="0" err="1">
+                <a:sym typeface="Wingdings" panose="05000000000000000000" pitchFamily="2" charset="2"/>
+              </a:rPr>
+              <a:t>MetaLight</a:t>
+            </a:r>
+            <a:br>
+              <a:rPr lang="en-US" altLang="ko-KR" dirty="0">
+                <a:sym typeface="Wingdings" panose="05000000000000000000" pitchFamily="2" charset="2"/>
+              </a:rPr>
+            </a:br>
+            <a:r>
+              <a:rPr lang="en-US" altLang="ko-KR" dirty="0">
+                <a:sym typeface="Wingdings" panose="05000000000000000000" pitchFamily="2" charset="2"/>
+              </a:rPr>
+              <a:t> Multi-agent learning</a:t>
             </a:r>
             <a:endParaRPr lang="ko-KR" altLang="en-US" dirty="0"/>
           </a:p>
@@ -14331,7 +14146,7 @@
           <a:lstStyle/>
           <a:p>
             <a:r>
-              <a:rPr lang="en-US" altLang="ko-KR" dirty="0" smtClean="0"/>
+              <a:rPr lang="en-US" altLang="ko-KR" dirty="0"/>
               <a:t>Preliminary</a:t>
             </a:r>
             <a:endParaRPr lang="ko-KR" altLang="en-US" dirty="0"/>
@@ -14354,80 +14169,80 @@
           <a:lstStyle/>
           <a:p>
             <a:r>
-              <a:rPr lang="en-US" altLang="ko-KR" dirty="0" smtClean="0"/>
+              <a:rPr lang="en-US" altLang="ko-KR" dirty="0"/>
               <a:t> TOD Control (Time of Day), Pre-time, Fix time</a:t>
             </a:r>
           </a:p>
           <a:p>
             <a:pPr lvl="1"/>
             <a:r>
-              <a:rPr lang="en-US" altLang="ko-KR" dirty="0" smtClean="0"/>
+              <a:rPr lang="en-US" altLang="ko-KR" dirty="0"/>
               <a:t>1</a:t>
             </a:r>
             <a:r>
-              <a:rPr lang="ko-KR" altLang="en-US" dirty="0" smtClean="0"/>
+              <a:rPr lang="ko-KR" altLang="en-US" dirty="0"/>
               <a:t>일 시간대 별로 사용자가 입력한 신호 시간에 따라 매일 반복하여 신호를 제어하는 것</a:t>
             </a:r>
-            <a:endParaRPr lang="en-US" altLang="ko-KR" dirty="0" smtClean="0"/>
+            <a:endParaRPr lang="en-US" altLang="ko-KR" dirty="0"/>
           </a:p>
           <a:p>
             <a:pPr lvl="1"/>
             <a:r>
-              <a:rPr lang="ko-KR" altLang="en-US" dirty="0" smtClean="0"/>
+              <a:rPr lang="ko-KR" altLang="en-US" dirty="0"/>
               <a:t>장점</a:t>
             </a:r>
             <a:r>
-              <a:rPr lang="en-US" altLang="ko-KR" dirty="0" smtClean="0"/>
+              <a:rPr lang="en-US" altLang="ko-KR" dirty="0"/>
               <a:t> </a:t>
             </a:r>
           </a:p>
           <a:p>
             <a:pPr lvl="2"/>
             <a:r>
-              <a:rPr lang="ko-KR" altLang="en-US" dirty="0" smtClean="0"/>
+              <a:rPr lang="ko-KR" altLang="en-US" dirty="0"/>
               <a:t>안정된 도로에서 효율이 높고</a:t>
             </a:r>
             <a:r>
-              <a:rPr lang="en-US" altLang="ko-KR" dirty="0" smtClean="0"/>
+              <a:rPr lang="en-US" altLang="ko-KR" dirty="0"/>
               <a:t>, </a:t>
             </a:r>
             <a:r>
-              <a:rPr lang="ko-KR" altLang="en-US" dirty="0" smtClean="0"/>
+              <a:rPr lang="ko-KR" altLang="en-US" dirty="0"/>
               <a:t>요일 별 혹은 일 별 교통 </a:t>
             </a:r>
             <a:r>
-              <a:rPr lang="ko-KR" altLang="en-US" dirty="0" err="1" smtClean="0"/>
+              <a:rPr lang="ko-KR" altLang="en-US" dirty="0" err="1"/>
               <a:t>변동량이</a:t>
             </a:r>
             <a:r>
-              <a:rPr lang="ko-KR" altLang="en-US" dirty="0" smtClean="0"/>
+              <a:rPr lang="ko-KR" altLang="en-US" dirty="0"/>
               <a:t> 적으면 효율적</a:t>
             </a:r>
-            <a:endParaRPr lang="en-US" altLang="ko-KR" dirty="0" smtClean="0"/>
+            <a:endParaRPr lang="en-US" altLang="ko-KR" dirty="0"/>
           </a:p>
           <a:p>
             <a:pPr lvl="1"/>
             <a:r>
-              <a:rPr lang="ko-KR" altLang="en-US" dirty="0" smtClean="0"/>
+              <a:rPr lang="ko-KR" altLang="en-US" dirty="0"/>
               <a:t>단점</a:t>
             </a:r>
-            <a:endParaRPr lang="en-US" altLang="ko-KR" dirty="0" smtClean="0"/>
+            <a:endParaRPr lang="en-US" altLang="ko-KR" dirty="0"/>
           </a:p>
           <a:p>
             <a:pPr lvl="2"/>
             <a:r>
-              <a:rPr lang="ko-KR" altLang="en-US" dirty="0" smtClean="0"/>
+              <a:rPr lang="ko-KR" altLang="en-US" dirty="0"/>
               <a:t>복잡한 도로에서 효율이 낮음</a:t>
             </a:r>
-            <a:endParaRPr lang="en-US" altLang="ko-KR" dirty="0" smtClean="0"/>
+            <a:endParaRPr lang="en-US" altLang="ko-KR" dirty="0"/>
           </a:p>
           <a:p>
             <a:pPr lvl="2"/>
             <a:r>
-              <a:rPr lang="ko-KR" altLang="en-US" dirty="0" smtClean="0"/>
+              <a:rPr lang="ko-KR" altLang="en-US" dirty="0"/>
               <a:t>사용자의 사전 조사 및 검증이 필요</a:t>
             </a:r>
-            <a:endParaRPr lang="en-US" altLang="ko-KR" dirty="0" smtClean="0"/>
+            <a:endParaRPr lang="en-US" altLang="ko-KR" dirty="0"/>
           </a:p>
           <a:p>
             <a:pPr lvl="1"/>
@@ -14436,58 +14251,58 @@
           <a:p>
             <a:pPr lvl="1"/>
             <a:r>
-              <a:rPr lang="ko-KR" altLang="en-US" dirty="0" smtClean="0"/>
+              <a:rPr lang="ko-KR" altLang="en-US" dirty="0"/>
               <a:t>적합 주기</a:t>
             </a:r>
             <a:r>
-              <a:rPr lang="en-US" altLang="ko-KR" dirty="0" smtClean="0"/>
+              <a:rPr lang="en-US" altLang="ko-KR" dirty="0"/>
               <a:t>, </a:t>
             </a:r>
             <a:r>
-              <a:rPr lang="ko-KR" altLang="en-US" dirty="0" smtClean="0"/>
+              <a:rPr lang="ko-KR" altLang="en-US" dirty="0"/>
               <a:t>녹색 시간</a:t>
             </a:r>
             <a:r>
-              <a:rPr lang="en-US" altLang="ko-KR" dirty="0" smtClean="0"/>
+              <a:rPr lang="en-US" altLang="ko-KR" dirty="0"/>
               <a:t>, Offset</a:t>
             </a:r>
             <a:r>
-              <a:rPr lang="ko-KR" altLang="en-US" dirty="0" smtClean="0"/>
+              <a:rPr lang="ko-KR" altLang="en-US" dirty="0"/>
               <a:t>을 준비한 후 설정된 신호 시간으로 운영</a:t>
             </a:r>
-            <a:endParaRPr lang="en-US" altLang="ko-KR" dirty="0" smtClean="0"/>
+            <a:endParaRPr lang="en-US" altLang="ko-KR" dirty="0"/>
           </a:p>
           <a:p>
             <a:pPr lvl="1"/>
             <a:r>
-              <a:rPr lang="ko-KR" altLang="en-US" dirty="0" smtClean="0"/>
+              <a:rPr lang="ko-KR" altLang="en-US" dirty="0"/>
               <a:t>가로 축</a:t>
             </a:r>
             <a:r>
-              <a:rPr lang="en-US" altLang="ko-KR" dirty="0" smtClean="0"/>
+              <a:rPr lang="en-US" altLang="ko-KR" dirty="0"/>
               <a:t>, </a:t>
             </a:r>
             <a:r>
-              <a:rPr lang="ko-KR" altLang="en-US" dirty="0" smtClean="0"/>
+              <a:rPr lang="ko-KR" altLang="en-US" dirty="0"/>
               <a:t>지역 별로 유사 교통 패턴을 갖는 경우 </a:t>
             </a:r>
             <a:r>
-              <a:rPr lang="en-US" altLang="ko-KR" dirty="0" smtClean="0"/>
+              <a:rPr lang="en-US" altLang="ko-KR" dirty="0"/>
               <a:t>‘</a:t>
             </a:r>
             <a:r>
-              <a:rPr lang="ko-KR" altLang="en-US" dirty="0" smtClean="0"/>
+              <a:rPr lang="ko-KR" altLang="en-US" dirty="0"/>
               <a:t>교차로 </a:t>
             </a:r>
             <a:r>
-              <a:rPr lang="en-US" altLang="ko-KR" dirty="0" smtClean="0"/>
+              <a:rPr lang="en-US" altLang="ko-KR" dirty="0"/>
               <a:t>group’ </a:t>
             </a:r>
             <a:r>
-              <a:rPr lang="ko-KR" altLang="en-US" dirty="0" smtClean="0"/>
+              <a:rPr lang="ko-KR" altLang="en-US" dirty="0"/>
               <a:t>편성</a:t>
             </a:r>
-            <a:endParaRPr lang="en-US" altLang="ko-KR" dirty="0" smtClean="0"/>
+            <a:endParaRPr lang="en-US" altLang="ko-KR" dirty="0"/>
           </a:p>
           <a:p>
             <a:pPr lvl="1"/>
@@ -14714,7 +14529,13 @@
       </p:grpSpPr>
       <p:sp>
         <p:nvSpPr>
-          <p:cNvPr id="2" name="제목 1"/>
+          <p:cNvPr id="2" name="제목 1">
+            <a:extLst>
+              <a:ext uri="{FF2B5EF4-FFF2-40B4-BE49-F238E27FC236}">
+                <a16:creationId xmlns:a16="http://schemas.microsoft.com/office/drawing/2014/main" id="{6AD560DC-09DC-4AA5-BDEE-80C5DB922B59}"/>
+              </a:ext>
+            </a:extLst>
+          </p:cNvPr>
           <p:cNvSpPr>
             <a:spLocks noGrp="1"/>
           </p:cNvSpPr>
@@ -14728,278 +14549,60 @@
           <a:lstStyle/>
           <a:p>
             <a:r>
+              <a:rPr lang="en-US" altLang="ko-KR" dirty="0"/>
+              <a:t>Comment</a:t>
+            </a:r>
+            <a:endParaRPr lang="ko-KR" altLang="en-US" dirty="0"/>
+          </a:p>
+        </p:txBody>
+      </p:sp>
+      <p:sp>
+        <p:nvSpPr>
+          <p:cNvPr id="3" name="내용 개체 틀 2">
+            <a:extLst>
+              <a:ext uri="{FF2B5EF4-FFF2-40B4-BE49-F238E27FC236}">
+                <a16:creationId xmlns:a16="http://schemas.microsoft.com/office/drawing/2014/main" id="{13E599D9-0AD1-4600-A03A-61887E617F21}"/>
+              </a:ext>
+            </a:extLst>
+          </p:cNvPr>
+          <p:cNvSpPr>
+            <a:spLocks noGrp="1"/>
+          </p:cNvSpPr>
+          <p:nvPr>
+            <p:ph idx="1"/>
+          </p:nvPr>
+        </p:nvSpPr>
+        <p:spPr/>
+        <p:txBody>
+          <a:bodyPr/>
+          <a:lstStyle/>
+          <a:p>
+            <a:r>
+              <a:rPr lang="en-US" altLang="ko-KR" dirty="0"/>
+              <a:t> Improvement Proposal</a:t>
+            </a:r>
+          </a:p>
+          <a:p>
+            <a:pPr lvl="1"/>
+            <a:r>
               <a:rPr lang="ko-KR" altLang="en-US" dirty="0"/>
-              <a:t>현재 </a:t>
-            </a:r>
-            <a:r>
-              <a:rPr lang="en-US" altLang="ko-KR" dirty="0"/>
-              <a:t>State</a:t>
-            </a:r>
+              <a:t>기존의 실험 구성</a:t>
+            </a:r>
+            <a:endParaRPr lang="en-US" altLang="ko-KR" dirty="0"/>
+          </a:p>
+          <a:p>
+            <a:pPr lvl="1"/>
             <a:r>
               <a:rPr lang="ko-KR" altLang="en-US" dirty="0"/>
-              <a:t>와 </a:t>
-            </a:r>
-            <a:r>
-              <a:rPr lang="en-US" altLang="ko-KR" dirty="0"/>
-              <a:t>Action, Reward </a:t>
-            </a:r>
-            <a:r>
-              <a:rPr lang="ko-KR" altLang="en-US" dirty="0"/>
-              <a:t>구성 방식</a:t>
-            </a:r>
-          </a:p>
-        </p:txBody>
-      </p:sp>
-      <p:sp>
-        <p:nvSpPr>
-          <p:cNvPr id="3" name="내용 개체 틀 2"/>
-          <p:cNvSpPr>
-            <a:spLocks noGrp="1"/>
-          </p:cNvSpPr>
-          <p:nvPr>
-            <p:ph idx="1"/>
-          </p:nvPr>
-        </p:nvSpPr>
-        <p:spPr>
-          <a:xfrm>
-            <a:off x="1097280" y="1845734"/>
-            <a:ext cx="10756364" cy="4023360"/>
-          </a:xfrm>
-        </p:spPr>
-        <p:txBody>
-          <a:bodyPr/>
-          <a:lstStyle/>
-          <a:p>
-            <a:r>
-              <a:rPr lang="ko-KR" altLang="en-US" dirty="0" smtClean="0"/>
-              <a:t> 공통 </a:t>
-            </a:r>
-            <a:r>
-              <a:rPr lang="ko-KR" altLang="en-US" dirty="0"/>
-              <a:t>주기</a:t>
-            </a:r>
-            <a:r>
-              <a:rPr lang="en-US" altLang="ko-KR" dirty="0"/>
-              <a:t>: 90s (time step: 90</a:t>
-            </a:r>
-            <a:r>
-              <a:rPr lang="ko-KR" altLang="en-US" dirty="0"/>
-              <a:t>초</a:t>
-            </a:r>
-            <a:r>
-              <a:rPr lang="en-US" altLang="ko-KR" dirty="0"/>
-              <a:t>)</a:t>
-            </a:r>
-            <a:br>
-              <a:rPr lang="en-US" altLang="ko-KR" dirty="0"/>
-            </a:br>
-            <a:r>
-              <a:rPr lang="en-US" altLang="ko-KR" dirty="0"/>
-              <a:t>- simulation Step: 1s</a:t>
-            </a:r>
-            <a:br>
-              <a:rPr lang="en-US" altLang="ko-KR" dirty="0"/>
-            </a:br>
-            <a:r>
-              <a:rPr lang="en-US" altLang="ko-KR" dirty="0"/>
-              <a:t>- target update</a:t>
-            </a:r>
-            <a:r>
-              <a:rPr lang="ko-KR" altLang="en-US" dirty="0"/>
-              <a:t>주기</a:t>
-            </a:r>
-            <a:r>
-              <a:rPr lang="en-US" altLang="ko-KR" dirty="0"/>
-              <a:t>: </a:t>
-            </a:r>
-            <a:r>
-              <a:rPr lang="ko-KR" altLang="en-US" dirty="0"/>
-              <a:t>매 </a:t>
-            </a:r>
-            <a:r>
-              <a:rPr lang="en-US" altLang="ko-KR" dirty="0"/>
-              <a:t>10 time step(900s)</a:t>
-            </a:r>
-          </a:p>
-          <a:p>
-            <a:r>
-              <a:rPr lang="en-US" altLang="ko-KR" dirty="0" smtClean="0"/>
-              <a:t> State</a:t>
-            </a:r>
-            <a:endParaRPr lang="en-US" altLang="ko-KR" dirty="0"/>
-          </a:p>
-          <a:p>
-            <a:pPr lvl="1"/>
-            <a:r>
-              <a:rPr lang="en-US" altLang="ko-KR" dirty="0"/>
-              <a:t>Junction B1, B2</a:t>
-            </a:r>
-            <a:r>
-              <a:rPr lang="ko-KR" altLang="en-US" dirty="0"/>
-              <a:t>의 </a:t>
-            </a:r>
-            <a:r>
-              <a:rPr lang="en-US" altLang="ko-KR" dirty="0"/>
-              <a:t>lane</a:t>
-            </a:r>
-            <a:r>
-              <a:rPr lang="ko-KR" altLang="en-US" dirty="0"/>
-              <a:t>별 정지한 차량의 수와 총 차량의 수 </a:t>
-            </a:r>
-            <a:r>
-              <a:rPr lang="en-US" altLang="ko-KR" dirty="0"/>
-              <a:t>(B1: 30lanes, B2:28lanes) </a:t>
-            </a:r>
-            <a:r>
-              <a:rPr lang="en-US" altLang="ko-KR" dirty="0">
-                <a:sym typeface="Wingdings" panose="05000000000000000000" pitchFamily="2" charset="2"/>
-              </a:rPr>
-              <a:t> Pressure Light</a:t>
-            </a:r>
-            <a:endParaRPr lang="en-US" altLang="ko-KR" dirty="0"/>
-          </a:p>
-          <a:p>
-            <a:pPr lvl="1"/>
-            <a:r>
-              <a:rPr lang="en-US" altLang="ko-KR" dirty="0" err="1"/>
-              <a:t>lightMatrix</a:t>
-            </a:r>
-            <a:r>
-              <a:rPr lang="en-US" altLang="ko-KR" dirty="0"/>
-              <a:t>: B1</a:t>
-            </a:r>
-            <a:r>
-              <a:rPr lang="ko-KR" altLang="en-US" dirty="0"/>
-              <a:t>과 </a:t>
-            </a:r>
-            <a:r>
-              <a:rPr lang="en-US" altLang="ko-KR" dirty="0"/>
-              <a:t>B2</a:t>
-            </a:r>
-            <a:r>
-              <a:rPr lang="ko-KR" altLang="en-US" dirty="0"/>
-              <a:t>의 </a:t>
-            </a:r>
-            <a:r>
-              <a:rPr lang="en-US" altLang="ko-KR" dirty="0"/>
-              <a:t>phase (3</a:t>
-            </a:r>
-            <a:r>
-              <a:rPr lang="ko-KR" altLang="en-US" dirty="0"/>
-              <a:t>초 </a:t>
-            </a:r>
-            <a:r>
-              <a:rPr lang="en-US" altLang="ko-KR" dirty="0"/>
-              <a:t>duration</a:t>
-            </a:r>
-            <a:r>
-              <a:rPr lang="ko-KR" altLang="en-US" dirty="0"/>
-              <a:t>을 가진 </a:t>
-            </a:r>
-            <a:r>
-              <a:rPr lang="en-US" altLang="ko-KR" dirty="0"/>
-              <a:t>phase data</a:t>
-            </a:r>
-            <a:r>
-              <a:rPr lang="ko-KR" altLang="en-US" dirty="0"/>
-              <a:t>가 </a:t>
-            </a:r>
-            <a:r>
-              <a:rPr lang="en-US" altLang="ko-KR" dirty="0"/>
-              <a:t>state</a:t>
-            </a:r>
-            <a:r>
-              <a:rPr lang="ko-KR" altLang="en-US" dirty="0"/>
-              <a:t>로 존재하지 않음</a:t>
-            </a:r>
-            <a:r>
-              <a:rPr lang="en-US" altLang="ko-KR" dirty="0"/>
-              <a:t>)</a:t>
-            </a:r>
-          </a:p>
-          <a:p>
-            <a:r>
-              <a:rPr lang="en-US" altLang="ko-KR" dirty="0" smtClean="0"/>
-              <a:t> Action </a:t>
-            </a:r>
-            <a:r>
-              <a:rPr lang="en-US" altLang="ko-KR" dirty="0"/>
-              <a:t/>
-            </a:r>
-            <a:br>
-              <a:rPr lang="en-US" altLang="ko-KR" dirty="0"/>
-            </a:br>
-            <a:r>
-              <a:rPr lang="en-US" altLang="ko-KR" dirty="0"/>
-              <a:t>- Junction B2</a:t>
-            </a:r>
-            <a:r>
-              <a:rPr lang="ko-KR" altLang="en-US" dirty="0"/>
-              <a:t>가 </a:t>
-            </a:r>
-            <a:r>
-              <a:rPr lang="en-US" altLang="ko-KR" dirty="0"/>
-              <a:t>Agent </a:t>
-            </a:r>
-            <a:r>
-              <a:rPr lang="en-US" altLang="ko-KR" dirty="0">
-                <a:sym typeface="Wingdings" panose="05000000000000000000" pitchFamily="2" charset="2"/>
-              </a:rPr>
-              <a:t> B2</a:t>
-            </a:r>
-            <a:r>
-              <a:rPr lang="ko-KR" altLang="en-US" dirty="0">
-                <a:sym typeface="Wingdings" panose="05000000000000000000" pitchFamily="2" charset="2"/>
-              </a:rPr>
-              <a:t>의 </a:t>
-            </a:r>
-            <a:r>
-              <a:rPr lang="en-US" altLang="ko-KR" dirty="0">
-                <a:sym typeface="Wingdings" panose="05000000000000000000" pitchFamily="2" charset="2"/>
-              </a:rPr>
-              <a:t>Phase Duration </a:t>
-            </a:r>
-            <a:r>
-              <a:rPr lang="ko-KR" altLang="en-US" dirty="0">
-                <a:sym typeface="Wingdings" panose="05000000000000000000" pitchFamily="2" charset="2"/>
-              </a:rPr>
-              <a:t>조정</a:t>
-            </a:r>
-            <a:endParaRPr lang="en-US" altLang="ko-KR" dirty="0"/>
-          </a:p>
-          <a:p>
-            <a:pPr lvl="1"/>
-            <a:r>
-              <a:rPr lang="en-US" altLang="ko-KR" dirty="0"/>
-              <a:t>phase1_duration: </a:t>
-            </a:r>
-            <a:r>
-              <a:rPr lang="en-US" altLang="ko-KR" dirty="0" err="1"/>
-              <a:t>GGGGGggrrrrrrrGGGGGggrrrrrrr</a:t>
-            </a:r>
-            <a:r>
-              <a:rPr lang="en-US" altLang="ko-KR" dirty="0"/>
-              <a:t> (Min: 20s, Max: 64s, yellow light:6s)</a:t>
-            </a:r>
-          </a:p>
-          <a:p>
-            <a:pPr lvl="1"/>
-            <a:r>
-              <a:rPr lang="en-US" altLang="ko-KR" dirty="0"/>
-              <a:t>phase2_duration: </a:t>
-            </a:r>
-            <a:r>
-              <a:rPr lang="en-US" altLang="ko-KR" dirty="0" err="1"/>
-              <a:t>GGGGGggrrrrrrrrGGGGGggrrrrrrrr</a:t>
-            </a:r>
-            <a:endParaRPr lang="en-US" altLang="ko-KR" dirty="0"/>
+              <a:t>논문과의 비교와 개선 </a:t>
+            </a:r>
           </a:p>
         </p:txBody>
       </p:sp>
     </p:spTree>
     <p:extLst>
       <p:ext uri="{BB962C8B-B14F-4D97-AF65-F5344CB8AC3E}">
-        <p14:creationId xmlns:p14="http://schemas.microsoft.com/office/powerpoint/2010/main" val="677275479"/>
+        <p14:creationId xmlns:p14="http://schemas.microsoft.com/office/powerpoint/2010/main" val="3180526755"/>
       </p:ext>
     </p:extLst>
   </p:cSld>
@@ -15074,6 +14677,311 @@
             <p:ph idx="1"/>
           </p:nvPr>
         </p:nvSpPr>
+        <p:spPr>
+          <a:xfrm>
+            <a:off x="1097280" y="1845734"/>
+            <a:ext cx="10756364" cy="4023360"/>
+          </a:xfrm>
+        </p:spPr>
+        <p:txBody>
+          <a:bodyPr/>
+          <a:lstStyle/>
+          <a:p>
+            <a:r>
+              <a:rPr lang="ko-KR" altLang="en-US" dirty="0"/>
+              <a:t> 공통 주기</a:t>
+            </a:r>
+            <a:r>
+              <a:rPr lang="en-US" altLang="ko-KR" dirty="0"/>
+              <a:t>: 90s (time step: 90</a:t>
+            </a:r>
+            <a:r>
+              <a:rPr lang="ko-KR" altLang="en-US" dirty="0"/>
+              <a:t>초</a:t>
+            </a:r>
+            <a:r>
+              <a:rPr lang="en-US" altLang="ko-KR" dirty="0"/>
+              <a:t>)</a:t>
+            </a:r>
+            <a:br>
+              <a:rPr lang="en-US" altLang="ko-KR" dirty="0"/>
+            </a:br>
+            <a:r>
+              <a:rPr lang="en-US" altLang="ko-KR" dirty="0"/>
+              <a:t>- simulation Step: 1s</a:t>
+            </a:r>
+            <a:br>
+              <a:rPr lang="en-US" altLang="ko-KR" dirty="0"/>
+            </a:br>
+            <a:r>
+              <a:rPr lang="en-US" altLang="ko-KR" dirty="0"/>
+              <a:t>- target update</a:t>
+            </a:r>
+            <a:r>
+              <a:rPr lang="ko-KR" altLang="en-US" dirty="0"/>
+              <a:t>주기</a:t>
+            </a:r>
+            <a:r>
+              <a:rPr lang="en-US" altLang="ko-KR" dirty="0"/>
+              <a:t>: </a:t>
+            </a:r>
+            <a:r>
+              <a:rPr lang="ko-KR" altLang="en-US" dirty="0"/>
+              <a:t>매 </a:t>
+            </a:r>
+            <a:r>
+              <a:rPr lang="en-US" altLang="ko-KR" dirty="0"/>
+              <a:t>10 time step(900s)</a:t>
+            </a:r>
+          </a:p>
+          <a:p>
+            <a:r>
+              <a:rPr lang="en-US" altLang="ko-KR" dirty="0"/>
+              <a:t> State</a:t>
+            </a:r>
+          </a:p>
+          <a:p>
+            <a:pPr lvl="1"/>
+            <a:r>
+              <a:rPr lang="en-US" altLang="ko-KR" dirty="0"/>
+              <a:t>Junction B1, B2</a:t>
+            </a:r>
+            <a:r>
+              <a:rPr lang="ko-KR" altLang="en-US" dirty="0"/>
+              <a:t>의 </a:t>
+            </a:r>
+            <a:r>
+              <a:rPr lang="en-US" altLang="ko-KR" dirty="0"/>
+              <a:t>lane</a:t>
+            </a:r>
+            <a:r>
+              <a:rPr lang="ko-KR" altLang="en-US" dirty="0"/>
+              <a:t>별 정지한 차량의 수와 총 차량의 수 </a:t>
+            </a:r>
+            <a:r>
+              <a:rPr lang="en-US" altLang="ko-KR" dirty="0"/>
+              <a:t>(B1: 30lanes, B2:28lanes) </a:t>
+            </a:r>
+            <a:r>
+              <a:rPr lang="en-US" altLang="ko-KR" dirty="0">
+                <a:sym typeface="Wingdings" panose="05000000000000000000" pitchFamily="2" charset="2"/>
+              </a:rPr>
+              <a:t> Pressure Light</a:t>
+            </a:r>
+            <a:endParaRPr lang="en-US" altLang="ko-KR" dirty="0"/>
+          </a:p>
+          <a:p>
+            <a:pPr lvl="1"/>
+            <a:r>
+              <a:rPr lang="en-US" altLang="ko-KR" dirty="0" err="1"/>
+              <a:t>lightMatrix</a:t>
+            </a:r>
+            <a:r>
+              <a:rPr lang="en-US" altLang="ko-KR" dirty="0"/>
+              <a:t>: B1</a:t>
+            </a:r>
+            <a:r>
+              <a:rPr lang="ko-KR" altLang="en-US" dirty="0"/>
+              <a:t>과 </a:t>
+            </a:r>
+            <a:r>
+              <a:rPr lang="en-US" altLang="ko-KR" dirty="0"/>
+              <a:t>B2</a:t>
+            </a:r>
+            <a:r>
+              <a:rPr lang="ko-KR" altLang="en-US" dirty="0"/>
+              <a:t>의 </a:t>
+            </a:r>
+            <a:r>
+              <a:rPr lang="en-US" altLang="ko-KR" dirty="0"/>
+              <a:t>phase (3</a:t>
+            </a:r>
+            <a:r>
+              <a:rPr lang="ko-KR" altLang="en-US" dirty="0"/>
+              <a:t>초 </a:t>
+            </a:r>
+            <a:r>
+              <a:rPr lang="en-US" altLang="ko-KR" dirty="0"/>
+              <a:t>duration</a:t>
+            </a:r>
+            <a:r>
+              <a:rPr lang="ko-KR" altLang="en-US" dirty="0"/>
+              <a:t>을 가진 </a:t>
+            </a:r>
+            <a:r>
+              <a:rPr lang="en-US" altLang="ko-KR" dirty="0"/>
+              <a:t>phase data</a:t>
+            </a:r>
+            <a:r>
+              <a:rPr lang="ko-KR" altLang="en-US" dirty="0"/>
+              <a:t>가 </a:t>
+            </a:r>
+            <a:r>
+              <a:rPr lang="en-US" altLang="ko-KR" dirty="0"/>
+              <a:t>state</a:t>
+            </a:r>
+            <a:r>
+              <a:rPr lang="ko-KR" altLang="en-US" dirty="0"/>
+              <a:t>로 존재하지 않음</a:t>
+            </a:r>
+            <a:r>
+              <a:rPr lang="en-US" altLang="ko-KR" dirty="0"/>
+              <a:t>)</a:t>
+            </a:r>
+          </a:p>
+          <a:p>
+            <a:r>
+              <a:rPr lang="en-US" altLang="ko-KR" dirty="0"/>
+              <a:t> Action </a:t>
+            </a:r>
+            <a:br>
+              <a:rPr lang="en-US" altLang="ko-KR" dirty="0"/>
+            </a:br>
+            <a:r>
+              <a:rPr lang="en-US" altLang="ko-KR" dirty="0"/>
+              <a:t>- Junction B2</a:t>
+            </a:r>
+            <a:r>
+              <a:rPr lang="ko-KR" altLang="en-US" dirty="0"/>
+              <a:t>가 </a:t>
+            </a:r>
+            <a:r>
+              <a:rPr lang="en-US" altLang="ko-KR" dirty="0"/>
+              <a:t>Agent </a:t>
+            </a:r>
+            <a:r>
+              <a:rPr lang="en-US" altLang="ko-KR" dirty="0">
+                <a:sym typeface="Wingdings" panose="05000000000000000000" pitchFamily="2" charset="2"/>
+              </a:rPr>
+              <a:t> B2</a:t>
+            </a:r>
+            <a:r>
+              <a:rPr lang="ko-KR" altLang="en-US" dirty="0">
+                <a:sym typeface="Wingdings" panose="05000000000000000000" pitchFamily="2" charset="2"/>
+              </a:rPr>
+              <a:t>의 </a:t>
+            </a:r>
+            <a:r>
+              <a:rPr lang="en-US" altLang="ko-KR" dirty="0">
+                <a:sym typeface="Wingdings" panose="05000000000000000000" pitchFamily="2" charset="2"/>
+              </a:rPr>
+              <a:t>Phase Duration </a:t>
+            </a:r>
+            <a:r>
+              <a:rPr lang="ko-KR" altLang="en-US" dirty="0">
+                <a:sym typeface="Wingdings" panose="05000000000000000000" pitchFamily="2" charset="2"/>
+              </a:rPr>
+              <a:t>조정</a:t>
+            </a:r>
+            <a:endParaRPr lang="en-US" altLang="ko-KR" dirty="0"/>
+          </a:p>
+          <a:p>
+            <a:pPr lvl="1"/>
+            <a:r>
+              <a:rPr lang="en-US" altLang="ko-KR" dirty="0"/>
+              <a:t>phase1_duration: </a:t>
+            </a:r>
+            <a:r>
+              <a:rPr lang="en-US" altLang="ko-KR" dirty="0" err="1"/>
+              <a:t>GGGGGggrrrrrrrGGGGGggrrrrrrr</a:t>
+            </a:r>
+            <a:r>
+              <a:rPr lang="en-US" altLang="ko-KR" dirty="0"/>
+              <a:t> (Min: 20s, Max: 64s, yellow light:6s)</a:t>
+            </a:r>
+          </a:p>
+          <a:p>
+            <a:pPr lvl="1"/>
+            <a:r>
+              <a:rPr lang="en-US" altLang="ko-KR" dirty="0"/>
+              <a:t>phase2_duration: </a:t>
+            </a:r>
+            <a:r>
+              <a:rPr lang="en-US" altLang="ko-KR" dirty="0" err="1"/>
+              <a:t>GGGGGggrrrrrrrrGGGGGggrrrrrrrr</a:t>
+            </a:r>
+            <a:endParaRPr lang="en-US" altLang="ko-KR" dirty="0"/>
+          </a:p>
+        </p:txBody>
+      </p:sp>
+    </p:spTree>
+    <p:extLst>
+      <p:ext uri="{BB962C8B-B14F-4D97-AF65-F5344CB8AC3E}">
+        <p14:creationId xmlns:p14="http://schemas.microsoft.com/office/powerpoint/2010/main" val="677275479"/>
+      </p:ext>
+    </p:extLst>
+  </p:cSld>
+  <p:clrMapOvr>
+    <a:masterClrMapping/>
+  </p:clrMapOvr>
+</p:sld>
+</file>
+
+<file path=ppt/slides/slide32.xml><?xml version="1.0" encoding="utf-8"?>
+<p:sld xmlns:a="http://schemas.openxmlformats.org/drawingml/2006/main" xmlns:r="http://schemas.openxmlformats.org/officeDocument/2006/relationships" xmlns:p="http://schemas.openxmlformats.org/presentationml/2006/main">
+  <p:cSld>
+    <p:spTree>
+      <p:nvGrpSpPr>
+        <p:cNvPr id="1" name=""/>
+        <p:cNvGrpSpPr/>
+        <p:nvPr/>
+      </p:nvGrpSpPr>
+      <p:grpSpPr>
+        <a:xfrm>
+          <a:off x="0" y="0"/>
+          <a:ext cx="0" cy="0"/>
+          <a:chOff x="0" y="0"/>
+          <a:chExt cx="0" cy="0"/>
+        </a:xfrm>
+      </p:grpSpPr>
+      <p:sp>
+        <p:nvSpPr>
+          <p:cNvPr id="2" name="제목 1"/>
+          <p:cNvSpPr>
+            <a:spLocks noGrp="1"/>
+          </p:cNvSpPr>
+          <p:nvPr>
+            <p:ph type="title"/>
+          </p:nvPr>
+        </p:nvSpPr>
+        <p:spPr/>
+        <p:txBody>
+          <a:bodyPr/>
+          <a:lstStyle/>
+          <a:p>
+            <a:r>
+              <a:rPr lang="ko-KR" altLang="en-US" dirty="0"/>
+              <a:t>현재 </a:t>
+            </a:r>
+            <a:r>
+              <a:rPr lang="en-US" altLang="ko-KR" dirty="0"/>
+              <a:t>State</a:t>
+            </a:r>
+            <a:r>
+              <a:rPr lang="ko-KR" altLang="en-US" dirty="0"/>
+              <a:t>와 </a:t>
+            </a:r>
+            <a:r>
+              <a:rPr lang="en-US" altLang="ko-KR" dirty="0"/>
+              <a:t>Action, Reward </a:t>
+            </a:r>
+            <a:r>
+              <a:rPr lang="ko-KR" altLang="en-US" dirty="0"/>
+              <a:t>구성 방식</a:t>
+            </a:r>
+          </a:p>
+        </p:txBody>
+      </p:sp>
+      <p:sp>
+        <p:nvSpPr>
+          <p:cNvPr id="3" name="내용 개체 틀 2"/>
+          <p:cNvSpPr>
+            <a:spLocks noGrp="1"/>
+          </p:cNvSpPr>
+          <p:nvPr>
+            <p:ph idx="1"/>
+          </p:nvPr>
+        </p:nvSpPr>
         <p:spPr/>
         <p:txBody>
           <a:bodyPr/>
@@ -15138,10 +15046,6 @@
             <a:r>
               <a:rPr lang="ko-KR" altLang="en-US" dirty="0"/>
               <a:t>차량 수 </a:t>
-            </a:r>
-            <a:r>
-              <a:rPr lang="en-US" altLang="ko-KR" dirty="0"/>
-              <a:t/>
             </a:r>
             <a:br>
               <a:rPr lang="en-US" altLang="ko-KR" dirty="0"/>
@@ -15419,398 +15323,6 @@
 </p:sld>
 </file>
 
-<file path=ppt/slides/slide32.xml><?xml version="1.0" encoding="utf-8"?>
-<p:sld xmlns:a="http://schemas.openxmlformats.org/drawingml/2006/main" xmlns:r="http://schemas.openxmlformats.org/officeDocument/2006/relationships" xmlns:p="http://schemas.openxmlformats.org/presentationml/2006/main">
-  <p:cSld>
-    <p:spTree>
-      <p:nvGrpSpPr>
-        <p:cNvPr id="1" name=""/>
-        <p:cNvGrpSpPr/>
-        <p:nvPr/>
-      </p:nvGrpSpPr>
-      <p:grpSpPr>
-        <a:xfrm>
-          <a:off x="0" y="0"/>
-          <a:ext cx="0" cy="0"/>
-          <a:chOff x="0" y="0"/>
-          <a:chExt cx="0" cy="0"/>
-        </a:xfrm>
-      </p:grpSpPr>
-      <p:sp>
-        <p:nvSpPr>
-          <p:cNvPr id="2" name="제목 1"/>
-          <p:cNvSpPr>
-            <a:spLocks noGrp="1"/>
-          </p:cNvSpPr>
-          <p:nvPr>
-            <p:ph type="title"/>
-          </p:nvPr>
-        </p:nvSpPr>
-        <p:spPr/>
-        <p:txBody>
-          <a:bodyPr/>
-          <a:lstStyle/>
-          <a:p>
-            <a:r>
-              <a:rPr lang="en-US" altLang="ko-KR" dirty="0"/>
-              <a:t>Training </a:t>
-            </a:r>
-            <a:r>
-              <a:rPr lang="ko-KR" altLang="en-US" dirty="0"/>
-              <a:t>구성 방식 제안</a:t>
-            </a:r>
-          </a:p>
-        </p:txBody>
-      </p:sp>
-      <p:sp>
-        <p:nvSpPr>
-          <p:cNvPr id="3" name="내용 개체 틀 2"/>
-          <p:cNvSpPr>
-            <a:spLocks noGrp="1"/>
-          </p:cNvSpPr>
-          <p:nvPr>
-            <p:ph idx="1"/>
-          </p:nvPr>
-        </p:nvSpPr>
-        <p:spPr/>
-        <p:txBody>
-          <a:bodyPr>
-            <a:normAutofit/>
-          </a:bodyPr>
-          <a:lstStyle/>
-          <a:p>
-            <a:pPr>
-              <a:lnSpc>
-                <a:spcPct val="120000"/>
-              </a:lnSpc>
-            </a:pPr>
-            <a:r>
-              <a:rPr lang="ko-KR" altLang="en-US" dirty="0" smtClean="0"/>
-              <a:t> 매 </a:t>
-            </a:r>
-            <a:r>
-              <a:rPr lang="en-US" altLang="ko-KR" dirty="0"/>
-              <a:t>epoch</a:t>
-            </a:r>
-            <a:r>
-              <a:rPr lang="ko-KR" altLang="en-US" dirty="0"/>
-              <a:t>당 </a:t>
-            </a:r>
-            <a:r>
-              <a:rPr lang="en-US" altLang="ko-KR" dirty="0"/>
-              <a:t>Learning Start Time</a:t>
-            </a:r>
-            <a:br>
-              <a:rPr lang="en-US" altLang="ko-KR" dirty="0"/>
-            </a:br>
-            <a:r>
-              <a:rPr lang="en-US" altLang="ko-KR" dirty="0"/>
-              <a:t>- </a:t>
-            </a:r>
-            <a:r>
-              <a:rPr lang="ko-KR" altLang="en-US" dirty="0"/>
-              <a:t>시작하자 마자 차량이 자리잡기 전의 데이터는 일반적이지 않음</a:t>
-            </a:r>
-            <a:endParaRPr lang="en-US" altLang="ko-KR" dirty="0"/>
-          </a:p>
-          <a:p>
-            <a:pPr>
-              <a:lnSpc>
-                <a:spcPct val="120000"/>
-              </a:lnSpc>
-            </a:pPr>
-            <a:r>
-              <a:rPr lang="en-US" altLang="ko-KR" dirty="0" smtClean="0"/>
-              <a:t> Learning </a:t>
-            </a:r>
-            <a:r>
-              <a:rPr lang="en-US" altLang="ko-KR" dirty="0"/>
-              <a:t>Start Epoch </a:t>
-            </a:r>
-            <a:r>
-              <a:rPr lang="ko-KR" altLang="en-US" dirty="0"/>
-              <a:t>지정 </a:t>
-            </a:r>
-            <a:r>
-              <a:rPr lang="en-US" altLang="ko-KR" dirty="0"/>
-              <a:t>(</a:t>
-            </a:r>
-            <a:r>
-              <a:rPr lang="ko-KR" altLang="en-US" dirty="0"/>
-              <a:t>현재 </a:t>
-            </a:r>
-            <a:r>
-              <a:rPr lang="en-US" altLang="ko-KR" dirty="0"/>
-              <a:t>1epoch</a:t>
-            </a:r>
-            <a:r>
-              <a:rPr lang="ko-KR" altLang="en-US" dirty="0"/>
-              <a:t>당 </a:t>
-            </a:r>
-            <a:r>
-              <a:rPr lang="en-US" altLang="ko-KR" dirty="0"/>
-              <a:t>90</a:t>
-            </a:r>
-            <a:r>
-              <a:rPr lang="ko-KR" altLang="en-US" dirty="0"/>
-              <a:t>개 </a:t>
-            </a:r>
-            <a:r>
-              <a:rPr lang="en-US" altLang="ko-KR" dirty="0"/>
-              <a:t>state</a:t>
-            </a:r>
-            <a:r>
-              <a:rPr lang="ko-KR" altLang="en-US" dirty="0"/>
-              <a:t>가 </a:t>
-            </a:r>
-            <a:r>
-              <a:rPr lang="en-US" altLang="ko-KR" dirty="0"/>
-              <a:t>replay</a:t>
-            </a:r>
-            <a:r>
-              <a:rPr lang="ko-KR" altLang="en-US" dirty="0"/>
-              <a:t>에 저장</a:t>
-            </a:r>
-            <a:r>
-              <a:rPr lang="en-US" altLang="ko-KR" dirty="0"/>
-              <a:t>) </a:t>
-            </a:r>
-            <a:br>
-              <a:rPr lang="en-US" altLang="ko-KR" dirty="0"/>
-            </a:br>
-            <a:r>
-              <a:rPr lang="ko-KR" altLang="en-US" dirty="0"/>
-              <a:t>現 </a:t>
-            </a:r>
-            <a:r>
-              <a:rPr lang="en-US" altLang="ko-KR" dirty="0"/>
-              <a:t>replay: 40 </a:t>
-            </a:r>
-            <a:r>
-              <a:rPr lang="ko-KR" altLang="en-US" dirty="0"/>
-              <a:t>부터 </a:t>
-            </a:r>
-            <a:r>
-              <a:rPr lang="en-US" altLang="ko-KR" dirty="0"/>
-              <a:t>target update </a:t>
-            </a:r>
-            <a:r>
-              <a:rPr lang="en-US" altLang="ko-KR" dirty="0">
-                <a:sym typeface="Wingdings" panose="05000000000000000000" pitchFamily="2" charset="2"/>
-              </a:rPr>
-              <a:t> </a:t>
-            </a:r>
-            <a:r>
-              <a:rPr lang="ko-KR" altLang="en-US" dirty="0">
-                <a:sym typeface="Wingdings" panose="05000000000000000000" pitchFamily="2" charset="2"/>
-              </a:rPr>
-              <a:t>초반 학습의 </a:t>
-            </a:r>
-            <a:r>
-              <a:rPr lang="en-US" altLang="ko-KR" dirty="0">
-                <a:sym typeface="Wingdings" panose="05000000000000000000" pitchFamily="2" charset="2"/>
-              </a:rPr>
-              <a:t>Correlation </a:t>
-            </a:r>
-            <a:r>
-              <a:rPr lang="ko-KR" altLang="en-US" dirty="0">
-                <a:sym typeface="Wingdings" panose="05000000000000000000" pitchFamily="2" charset="2"/>
-              </a:rPr>
-              <a:t>높음</a:t>
-            </a:r>
-            <a:endParaRPr lang="en-US" altLang="ko-KR" dirty="0">
-              <a:sym typeface="Wingdings" panose="05000000000000000000" pitchFamily="2" charset="2"/>
-            </a:endParaRPr>
-          </a:p>
-          <a:p>
-            <a:pPr lvl="1">
-              <a:lnSpc>
-                <a:spcPct val="120000"/>
-              </a:lnSpc>
-            </a:pPr>
-            <a:r>
-              <a:rPr lang="en-US" altLang="ko-KR" dirty="0">
-                <a:sym typeface="Wingdings" panose="05000000000000000000" pitchFamily="2" charset="2"/>
-              </a:rPr>
-              <a:t> Learning Start </a:t>
-            </a:r>
-            <a:r>
-              <a:rPr lang="ko-KR" altLang="en-US" dirty="0">
-                <a:sym typeface="Wingdings" panose="05000000000000000000" pitchFamily="2" charset="2"/>
-              </a:rPr>
-              <a:t>하는</a:t>
-            </a:r>
-            <a:r>
-              <a:rPr lang="en-US" altLang="ko-KR" dirty="0">
-                <a:sym typeface="Wingdings" panose="05000000000000000000" pitchFamily="2" charset="2"/>
-              </a:rPr>
-              <a:t> Epoch</a:t>
-            </a:r>
-            <a:r>
-              <a:rPr lang="ko-KR" altLang="en-US" dirty="0">
-                <a:sym typeface="Wingdings" panose="05000000000000000000" pitchFamily="2" charset="2"/>
-              </a:rPr>
-              <a:t>를</a:t>
-            </a:r>
-            <a:r>
-              <a:rPr lang="en-US" altLang="ko-KR" dirty="0">
-                <a:sym typeface="Wingdings" panose="05000000000000000000" pitchFamily="2" charset="2"/>
-              </a:rPr>
-              <a:t> 4</a:t>
-            </a:r>
-            <a:r>
-              <a:rPr lang="ko-KR" altLang="en-US" dirty="0">
-                <a:sym typeface="Wingdings" panose="05000000000000000000" pitchFamily="2" charset="2"/>
-              </a:rPr>
-              <a:t>이상</a:t>
-            </a:r>
-            <a:endParaRPr lang="en-US" altLang="ko-KR" dirty="0">
-              <a:sym typeface="Wingdings" panose="05000000000000000000" pitchFamily="2" charset="2"/>
-            </a:endParaRPr>
-          </a:p>
-          <a:p>
-            <a:pPr lvl="1">
-              <a:lnSpc>
-                <a:spcPct val="120000"/>
-              </a:lnSpc>
-            </a:pPr>
-            <a:r>
-              <a:rPr lang="en-US" altLang="ko-KR" dirty="0">
-                <a:sym typeface="Wingdings" panose="05000000000000000000" pitchFamily="2" charset="2"/>
-              </a:rPr>
-              <a:t> time step</a:t>
-            </a:r>
-            <a:r>
-              <a:rPr lang="ko-KR" altLang="en-US" dirty="0">
-                <a:sym typeface="Wingdings" panose="05000000000000000000" pitchFamily="2" charset="2"/>
-              </a:rPr>
-              <a:t>을 세분화 </a:t>
-            </a:r>
-            <a:r>
-              <a:rPr lang="en-US" altLang="ko-KR" dirty="0">
-                <a:sym typeface="Wingdings" panose="05000000000000000000" pitchFamily="2" charset="2"/>
-              </a:rPr>
-              <a:t>Action </a:t>
-            </a:r>
-            <a:r>
-              <a:rPr lang="ko-KR" altLang="en-US" dirty="0">
-                <a:sym typeface="Wingdings" panose="05000000000000000000" pitchFamily="2" charset="2"/>
-              </a:rPr>
-              <a:t>형태 변화 필요</a:t>
-            </a:r>
-            <a:endParaRPr lang="en-US" altLang="ko-KR" dirty="0">
-              <a:sym typeface="Wingdings" panose="05000000000000000000" pitchFamily="2" charset="2"/>
-            </a:endParaRPr>
-          </a:p>
-          <a:p>
-            <a:pPr lvl="1">
-              <a:lnSpc>
-                <a:spcPct val="120000"/>
-              </a:lnSpc>
-            </a:pPr>
-            <a:r>
-              <a:rPr lang="en-US" altLang="ko-KR" dirty="0">
-                <a:sym typeface="Wingdings" panose="05000000000000000000" pitchFamily="2" charset="2"/>
-              </a:rPr>
-              <a:t> Epoch </a:t>
-            </a:r>
-            <a:r>
-              <a:rPr lang="ko-KR" altLang="en-US" dirty="0">
-                <a:sym typeface="Wingdings" panose="05000000000000000000" pitchFamily="2" charset="2"/>
-              </a:rPr>
-              <a:t>길이 길게 </a:t>
-            </a:r>
-            <a:r>
-              <a:rPr lang="en-US" altLang="ko-KR" dirty="0">
-                <a:sym typeface="Wingdings" panose="05000000000000000000" pitchFamily="2" charset="2"/>
-              </a:rPr>
-              <a:t>(</a:t>
-            </a:r>
-            <a:r>
-              <a:rPr lang="ko-KR" altLang="en-US" dirty="0">
-                <a:sym typeface="Wingdings" panose="05000000000000000000" pitchFamily="2" charset="2"/>
-              </a:rPr>
-              <a:t>現</a:t>
-            </a:r>
-            <a:r>
-              <a:rPr lang="en-US" altLang="ko-KR" dirty="0">
-                <a:sym typeface="Wingdings" panose="05000000000000000000" pitchFamily="2" charset="2"/>
-              </a:rPr>
-              <a:t>:10000s/epoch -&gt; 27000s/epoch</a:t>
-            </a:r>
-            <a:r>
-              <a:rPr lang="ko-KR" altLang="en-US" dirty="0">
-                <a:sym typeface="Wingdings" panose="05000000000000000000" pitchFamily="2" charset="2"/>
-              </a:rPr>
-              <a:t>이상</a:t>
-            </a:r>
-            <a:r>
-              <a:rPr lang="en-US" altLang="ko-KR" dirty="0">
-                <a:sym typeface="Wingdings" panose="05000000000000000000" pitchFamily="2" charset="2"/>
-              </a:rPr>
-              <a:t>)</a:t>
-            </a:r>
-          </a:p>
-          <a:p>
-            <a:pPr>
-              <a:lnSpc>
-                <a:spcPct val="120000"/>
-              </a:lnSpc>
-            </a:pPr>
-            <a:r>
-              <a:rPr lang="en-US" altLang="ko-KR" dirty="0">
-                <a:sym typeface="Wingdings" panose="05000000000000000000" pitchFamily="2" charset="2"/>
-              </a:rPr>
-              <a:t> Learning </a:t>
-            </a:r>
-            <a:r>
-              <a:rPr lang="ko-KR" altLang="en-US" dirty="0">
-                <a:sym typeface="Wingdings" panose="05000000000000000000" pitchFamily="2" charset="2"/>
-              </a:rPr>
-              <a:t>에서 </a:t>
-            </a:r>
-            <a:r>
-              <a:rPr lang="en-US" altLang="ko-KR" dirty="0">
-                <a:sym typeface="Wingdings" panose="05000000000000000000" pitchFamily="2" charset="2"/>
-              </a:rPr>
-              <a:t>augmentation(</a:t>
-            </a:r>
-            <a:r>
-              <a:rPr lang="ko-KR" altLang="en-US" dirty="0">
-                <a:sym typeface="Wingdings" panose="05000000000000000000" pitchFamily="2" charset="2"/>
-              </a:rPr>
-              <a:t>각 교차로에 대해서</a:t>
-            </a:r>
-            <a:r>
-              <a:rPr lang="en-US" altLang="ko-KR" dirty="0">
-                <a:sym typeface="Wingdings" panose="05000000000000000000" pitchFamily="2" charset="2"/>
-              </a:rPr>
-              <a:t>)</a:t>
-            </a:r>
-          </a:p>
-          <a:p>
-            <a:pPr>
-              <a:lnSpc>
-                <a:spcPct val="120000"/>
-              </a:lnSpc>
-            </a:pPr>
-            <a:endParaRPr lang="ko-KR" altLang="en-US" dirty="0"/>
-          </a:p>
-        </p:txBody>
-      </p:sp>
-    </p:spTree>
-    <p:extLst>
-      <p:ext uri="{BB962C8B-B14F-4D97-AF65-F5344CB8AC3E}">
-        <p14:creationId xmlns:p14="http://schemas.microsoft.com/office/powerpoint/2010/main" val="1873075976"/>
-      </p:ext>
-    </p:extLst>
-  </p:cSld>
-  <p:clrMapOvr>
-    <a:masterClrMapping/>
-  </p:clrMapOvr>
-</p:sld>
-</file>
-
 <file path=ppt/slides/slide33.xml><?xml version="1.0" encoding="utf-8"?>
 <p:sld xmlns:a="http://schemas.openxmlformats.org/drawingml/2006/main" xmlns:r="http://schemas.openxmlformats.org/officeDocument/2006/relationships" xmlns:p="http://schemas.openxmlformats.org/presentationml/2006/main">
   <p:cSld>
@@ -15866,106 +15378,82 @@
         </p:nvSpPr>
         <p:spPr/>
         <p:txBody>
-          <a:bodyPr/>
-          <a:lstStyle/>
-          <a:p>
-            <a:r>
-              <a:rPr lang="en-US" altLang="ko-KR" dirty="0"/>
-              <a:t> </a:t>
-            </a:r>
+          <a:bodyPr>
+            <a:normAutofit/>
+          </a:bodyPr>
+          <a:lstStyle/>
+          <a:p>
+            <a:pPr>
+              <a:lnSpc>
+                <a:spcPct val="120000"/>
+              </a:lnSpc>
+            </a:pPr>
             <a:r>
               <a:rPr lang="ko-KR" altLang="en-US" dirty="0"/>
-              <a:t>차량 진입로를 줄이는 대신에 차량의 </a:t>
-            </a:r>
-            <a:r>
-              <a:rPr lang="en-US" altLang="ko-KR" dirty="0"/>
-              <a:t>Random</a:t>
+              <a:t> 매 </a:t>
+            </a:r>
+            <a:r>
+              <a:rPr lang="en-US" altLang="ko-KR" dirty="0"/>
+              <a:t>epoch</a:t>
             </a:r>
             <a:r>
               <a:rPr lang="ko-KR" altLang="en-US" dirty="0"/>
-              <a:t>성을 주는 </a:t>
-            </a:r>
-            <a:r>
-              <a:rPr lang="en-US" altLang="ko-KR" dirty="0"/>
-              <a:t>IDM controller</a:t>
+              <a:t>당 </a:t>
+            </a:r>
+            <a:r>
+              <a:rPr lang="en-US" altLang="ko-KR" dirty="0"/>
+              <a:t>Learning Start Time </a:t>
             </a:r>
             <a:r>
               <a:rPr lang="ko-KR" altLang="en-US" dirty="0"/>
-              <a:t>와 가속도 분산 갖게 해서 차이를 줌</a:t>
+              <a:t>뒤로</a:t>
+            </a:r>
+            <a:br>
+              <a:rPr lang="en-US" altLang="ko-KR" dirty="0"/>
+            </a:br>
+            <a:r>
+              <a:rPr lang="en-US" altLang="ko-KR" dirty="0"/>
+              <a:t>- </a:t>
+            </a:r>
+            <a:r>
+              <a:rPr lang="ko-KR" altLang="en-US" dirty="0"/>
+              <a:t>시작하자 마자 차량이 자리잡기 전의 데이터는 일반적이지 않음</a:t>
             </a:r>
             <a:endParaRPr lang="en-US" altLang="ko-KR" dirty="0"/>
           </a:p>
           <a:p>
-            <a:r>
-              <a:rPr lang="en-US" altLang="ko-KR" dirty="0"/>
-              <a:t> phase</a:t>
+            <a:pPr>
+              <a:lnSpc>
+                <a:spcPct val="120000"/>
+              </a:lnSpc>
+            </a:pPr>
+            <a:r>
+              <a:rPr lang="en-US" altLang="ko-KR" dirty="0"/>
+              <a:t> Learning Start Epoch </a:t>
             </a:r>
             <a:r>
               <a:rPr lang="ko-KR" altLang="en-US" dirty="0"/>
-              <a:t>를 변화하는 </a:t>
-            </a:r>
-            <a:r>
-              <a:rPr lang="en-US" altLang="ko-KR" dirty="0"/>
-              <a:t>action</a:t>
+              <a:t>지정 </a:t>
+            </a:r>
+            <a:r>
+              <a:rPr lang="en-US" altLang="ko-KR" dirty="0"/>
+              <a:t>(</a:t>
             </a:r>
             <a:r>
               <a:rPr lang="ko-KR" altLang="en-US" dirty="0"/>
-              <a:t>이 아닌 </a:t>
-            </a:r>
-            <a:r>
-              <a:rPr lang="en-US" altLang="ko-KR" dirty="0"/>
-              <a:t>phase</a:t>
+              <a:t>현재 </a:t>
+            </a:r>
+            <a:r>
+              <a:rPr lang="en-US" altLang="ko-KR" dirty="0"/>
+              <a:t>1epoch</a:t>
             </a:r>
             <a:r>
               <a:rPr lang="ko-KR" altLang="en-US" dirty="0"/>
-              <a:t>를 선택하게 하고 최소 시간은 </a:t>
-            </a:r>
-            <a:r>
-              <a:rPr lang="en-US" altLang="ko-KR" dirty="0"/>
-              <a:t>20</a:t>
-            </a:r>
-            <a:r>
-              <a:rPr lang="ko-KR" altLang="en-US" dirty="0"/>
-              <a:t>초로 하되</a:t>
-            </a:r>
-            <a:r>
-              <a:rPr lang="en-US" altLang="ko-KR" dirty="0"/>
-              <a:t>, </a:t>
-            </a:r>
-            <a:r>
-              <a:rPr lang="ko-KR" altLang="en-US" dirty="0"/>
-              <a:t>최대 이상에서는 엄청난 </a:t>
-            </a:r>
-            <a:r>
-              <a:rPr lang="en-US" altLang="ko-KR" dirty="0"/>
-              <a:t>penalty</a:t>
-            </a:r>
-            <a:r>
-              <a:rPr lang="ko-KR" altLang="en-US" dirty="0"/>
-              <a:t>를 </a:t>
-            </a:r>
-            <a:r>
-              <a:rPr lang="ko-KR" altLang="en-US" dirty="0" err="1"/>
-              <a:t>준다던지</a:t>
-            </a:r>
-            <a:r>
-              <a:rPr lang="ko-KR" altLang="en-US" dirty="0"/>
-              <a:t> 하는 식으로 운용</a:t>
-            </a:r>
-            <a:endParaRPr lang="en-US" altLang="ko-KR" dirty="0"/>
-          </a:p>
-          <a:p>
-            <a:r>
-              <a:rPr lang="en-US" altLang="ko-KR" dirty="0"/>
-              <a:t> phase</a:t>
-            </a:r>
-            <a:r>
-              <a:rPr lang="ko-KR" altLang="en-US" dirty="0"/>
-              <a:t> 종류 수를 현재 </a:t>
-            </a:r>
-            <a:r>
-              <a:rPr lang="en-US" altLang="ko-KR" dirty="0"/>
-              <a:t>8</a:t>
+              <a:t>당 </a:t>
+            </a:r>
+            <a:r>
+              <a:rPr lang="en-US" altLang="ko-KR" dirty="0"/>
+              <a:t>90</a:t>
             </a:r>
             <a:r>
               <a:rPr lang="ko-KR" altLang="en-US" dirty="0"/>
@@ -15973,43 +15461,243 @@
             </a:r>
             <a:r>
               <a:rPr lang="en-US" altLang="ko-KR" dirty="0"/>
+              <a:t>state</a:t>
+            </a:r>
+            <a:r>
+              <a:rPr lang="ko-KR" altLang="en-US" dirty="0"/>
+              <a:t>가 </a:t>
+            </a:r>
+            <a:r>
+              <a:rPr lang="en-US" altLang="ko-KR" dirty="0"/>
+              <a:t>replay</a:t>
+            </a:r>
+            <a:r>
+              <a:rPr lang="ko-KR" altLang="en-US" dirty="0"/>
+              <a:t>에 저장</a:t>
+            </a:r>
+            <a:r>
+              <a:rPr lang="en-US" altLang="ko-KR" dirty="0"/>
+              <a:t>) </a:t>
+            </a:r>
+            <a:br>
+              <a:rPr lang="en-US" altLang="ko-KR" dirty="0"/>
+            </a:br>
+            <a:r>
+              <a:rPr lang="ko-KR" altLang="en-US" dirty="0"/>
+              <a:t>現 </a:t>
+            </a:r>
+            <a:r>
+              <a:rPr lang="en-US" altLang="ko-KR" dirty="0"/>
+              <a:t>replay: 40 </a:t>
+            </a:r>
+            <a:r>
+              <a:rPr lang="ko-KR" altLang="en-US" dirty="0"/>
+              <a:t>부터 </a:t>
+            </a:r>
+            <a:r>
+              <a:rPr lang="en-US" altLang="ko-KR" dirty="0"/>
+              <a:t>target update </a:t>
+            </a:r>
+            <a:r>
+              <a:rPr lang="en-US" altLang="ko-KR" dirty="0">
+                <a:sym typeface="Wingdings" panose="05000000000000000000" pitchFamily="2" charset="2"/>
+              </a:rPr>
+              <a:t> </a:t>
+            </a:r>
+            <a:r>
+              <a:rPr lang="ko-KR" altLang="en-US" dirty="0">
+                <a:sym typeface="Wingdings" panose="05000000000000000000" pitchFamily="2" charset="2"/>
+              </a:rPr>
+              <a:t>초반 학습의 </a:t>
+            </a:r>
+            <a:r>
+              <a:rPr lang="en-US" altLang="ko-KR" dirty="0">
+                <a:sym typeface="Wingdings" panose="05000000000000000000" pitchFamily="2" charset="2"/>
+              </a:rPr>
+              <a:t>Correlation </a:t>
+            </a:r>
+            <a:r>
+              <a:rPr lang="ko-KR" altLang="en-US" dirty="0">
+                <a:sym typeface="Wingdings" panose="05000000000000000000" pitchFamily="2" charset="2"/>
+              </a:rPr>
+              <a:t>높음</a:t>
+            </a:r>
+            <a:endParaRPr lang="en-US" altLang="ko-KR" dirty="0">
+              <a:sym typeface="Wingdings" panose="05000000000000000000" pitchFamily="2" charset="2"/>
+            </a:endParaRPr>
+          </a:p>
+          <a:p>
+            <a:pPr lvl="1">
+              <a:lnSpc>
+                <a:spcPct val="120000"/>
+              </a:lnSpc>
+            </a:pPr>
+            <a:r>
+              <a:rPr lang="en-US" altLang="ko-KR" dirty="0">
+                <a:sym typeface="Wingdings" panose="05000000000000000000" pitchFamily="2" charset="2"/>
+              </a:rPr>
+              <a:t> Learning Start </a:t>
+            </a:r>
+            <a:r>
+              <a:rPr lang="ko-KR" altLang="en-US" dirty="0">
+                <a:sym typeface="Wingdings" panose="05000000000000000000" pitchFamily="2" charset="2"/>
+              </a:rPr>
+              <a:t>하는</a:t>
+            </a:r>
+            <a:r>
+              <a:rPr lang="en-US" altLang="ko-KR" dirty="0">
+                <a:sym typeface="Wingdings" panose="05000000000000000000" pitchFamily="2" charset="2"/>
+              </a:rPr>
+              <a:t> Epoch</a:t>
+            </a:r>
+            <a:r>
+              <a:rPr lang="ko-KR" altLang="en-US" dirty="0">
+                <a:sym typeface="Wingdings" panose="05000000000000000000" pitchFamily="2" charset="2"/>
+              </a:rPr>
+              <a:t>를</a:t>
+            </a:r>
+            <a:r>
+              <a:rPr lang="en-US" altLang="ko-KR" dirty="0">
+                <a:sym typeface="Wingdings" panose="05000000000000000000" pitchFamily="2" charset="2"/>
+              </a:rPr>
+              <a:t> 4</a:t>
+            </a:r>
+            <a:r>
+              <a:rPr lang="ko-KR" altLang="en-US" dirty="0">
+                <a:sym typeface="Wingdings" panose="05000000000000000000" pitchFamily="2" charset="2"/>
+              </a:rPr>
+              <a:t>이상</a:t>
+            </a:r>
+            <a:endParaRPr lang="en-US" altLang="ko-KR" dirty="0">
+              <a:sym typeface="Wingdings" panose="05000000000000000000" pitchFamily="2" charset="2"/>
+            </a:endParaRPr>
+          </a:p>
+          <a:p>
+            <a:pPr lvl="1">
+              <a:lnSpc>
+                <a:spcPct val="120000"/>
+              </a:lnSpc>
+            </a:pPr>
+            <a:r>
+              <a:rPr lang="en-US" altLang="ko-KR" dirty="0">
+                <a:sym typeface="Wingdings" panose="05000000000000000000" pitchFamily="2" charset="2"/>
+              </a:rPr>
+              <a:t> time step</a:t>
+            </a:r>
+            <a:r>
+              <a:rPr lang="ko-KR" altLang="en-US" dirty="0">
+                <a:sym typeface="Wingdings" panose="05000000000000000000" pitchFamily="2" charset="2"/>
+              </a:rPr>
+              <a:t>을 세분화 </a:t>
+            </a:r>
+            <a:r>
+              <a:rPr lang="en-US" altLang="ko-KR" dirty="0">
+                <a:sym typeface="Wingdings" panose="05000000000000000000" pitchFamily="2" charset="2"/>
+              </a:rPr>
+              <a:t>Action </a:t>
+            </a:r>
+            <a:r>
+              <a:rPr lang="ko-KR" altLang="en-US" dirty="0">
+                <a:sym typeface="Wingdings" panose="05000000000000000000" pitchFamily="2" charset="2"/>
+              </a:rPr>
+              <a:t>형태 변화 필요</a:t>
+            </a:r>
+            <a:endParaRPr lang="en-US" altLang="ko-KR" dirty="0">
+              <a:sym typeface="Wingdings" panose="05000000000000000000" pitchFamily="2" charset="2"/>
+            </a:endParaRPr>
+          </a:p>
+          <a:p>
+            <a:pPr lvl="1">
+              <a:lnSpc>
+                <a:spcPct val="120000"/>
+              </a:lnSpc>
+            </a:pPr>
+            <a:r>
+              <a:rPr lang="en-US" altLang="ko-KR" dirty="0">
+                <a:sym typeface="Wingdings" panose="05000000000000000000" pitchFamily="2" charset="2"/>
+              </a:rPr>
+              <a:t> Epoch </a:t>
+            </a:r>
+            <a:r>
+              <a:rPr lang="ko-KR" altLang="en-US" dirty="0">
+                <a:sym typeface="Wingdings" panose="05000000000000000000" pitchFamily="2" charset="2"/>
+              </a:rPr>
+              <a:t>길이 길게 </a:t>
+            </a:r>
+            <a:r>
+              <a:rPr lang="en-US" altLang="ko-KR" dirty="0">
+                <a:sym typeface="Wingdings" panose="05000000000000000000" pitchFamily="2" charset="2"/>
+              </a:rPr>
               <a:t>(</a:t>
             </a:r>
             <a:r>
-              <a:rPr lang="ko-KR" altLang="en-US" dirty="0"/>
-              <a:t>논문상</a:t>
-            </a:r>
-            <a:r>
-              <a:rPr lang="en-US" altLang="ko-KR" dirty="0"/>
+              <a:rPr lang="ko-KR" altLang="en-US" dirty="0">
+                <a:sym typeface="Wingdings" panose="05000000000000000000" pitchFamily="2" charset="2"/>
+              </a:rPr>
+              <a:t>現</a:t>
+            </a:r>
+            <a:r>
+              <a:rPr lang="en-US" altLang="ko-KR" dirty="0">
+                <a:sym typeface="Wingdings" panose="05000000000000000000" pitchFamily="2" charset="2"/>
+              </a:rPr>
+              <a:t>:10000s/epoch -&gt; 27000s/epoch</a:t>
+            </a:r>
+            <a:r>
+              <a:rPr lang="ko-KR" altLang="en-US" dirty="0">
+                <a:sym typeface="Wingdings" panose="05000000000000000000" pitchFamily="2" charset="2"/>
+              </a:rPr>
+              <a:t>이상</a:t>
+            </a:r>
+            <a:r>
+              <a:rPr lang="en-US" altLang="ko-KR" dirty="0">
+                <a:sym typeface="Wingdings" panose="05000000000000000000" pitchFamily="2" charset="2"/>
+              </a:rPr>
               <a:t>)</a:t>
             </a:r>
-            <a:r>
-              <a:rPr lang="ko-KR" altLang="en-US" dirty="0"/>
+          </a:p>
+          <a:p>
+            <a:pPr>
+              <a:lnSpc>
+                <a:spcPct val="120000"/>
+              </a:lnSpc>
+            </a:pPr>
+            <a:r>
+              <a:rPr lang="en-US" altLang="ko-KR" dirty="0">
+                <a:sym typeface="Wingdings" panose="05000000000000000000" pitchFamily="2" charset="2"/>
+              </a:rPr>
+              <a:t> Learning </a:t>
+            </a:r>
+            <a:r>
+              <a:rPr lang="ko-KR" altLang="en-US" dirty="0">
+                <a:sym typeface="Wingdings" panose="05000000000000000000" pitchFamily="2" charset="2"/>
+              </a:rPr>
               <a:t>에서 </a:t>
             </a:r>
             <a:r>
-              <a:rPr lang="en-US" altLang="ko-KR" dirty="0"/>
-              <a:t>6</a:t>
-            </a:r>
-            <a:r>
-              <a:rPr lang="ko-KR" altLang="en-US" dirty="0"/>
-              <a:t>개 내지는 </a:t>
-            </a:r>
-            <a:r>
-              <a:rPr lang="en-US" altLang="ko-KR" dirty="0"/>
-              <a:t>4</a:t>
-            </a:r>
-            <a:r>
-              <a:rPr lang="ko-KR" altLang="en-US" dirty="0"/>
-              <a:t>개로 줄임</a:t>
-            </a:r>
-            <a:endParaRPr lang="en-US" altLang="ko-KR" dirty="0"/>
-          </a:p>
-          <a:p>
-            <a:r>
-              <a:rPr lang="en-US" altLang="ko-KR" dirty="0"/>
-              <a:t> </a:t>
-            </a:r>
+              <a:rPr lang="en-US" altLang="ko-KR" dirty="0">
+                <a:sym typeface="Wingdings" panose="05000000000000000000" pitchFamily="2" charset="2"/>
+              </a:rPr>
+              <a:t>augmentation(</a:t>
+            </a:r>
+            <a:r>
+              <a:rPr lang="ko-KR" altLang="en-US" dirty="0">
+                <a:sym typeface="Wingdings" panose="05000000000000000000" pitchFamily="2" charset="2"/>
+              </a:rPr>
+              <a:t>각 교차로에 대해서</a:t>
+            </a:r>
+            <a:r>
+              <a:rPr lang="en-US" altLang="ko-KR" dirty="0">
+                <a:sym typeface="Wingdings" panose="05000000000000000000" pitchFamily="2" charset="2"/>
+              </a:rPr>
+              <a:t>)</a:t>
+            </a:r>
+          </a:p>
+          <a:p>
+            <a:pPr>
+              <a:lnSpc>
+                <a:spcPct val="120000"/>
+              </a:lnSpc>
+            </a:pPr>
             <a:endParaRPr lang="ko-KR" altLang="en-US" dirty="0"/>
           </a:p>
         </p:txBody>
@@ -16017,7 +15705,7 @@
     </p:spTree>
     <p:extLst>
       <p:ext uri="{BB962C8B-B14F-4D97-AF65-F5344CB8AC3E}">
-        <p14:creationId xmlns:p14="http://schemas.microsoft.com/office/powerpoint/2010/main" val="214645791"/>
+        <p14:creationId xmlns:p14="http://schemas.microsoft.com/office/powerpoint/2010/main" val="1873075976"/>
       </p:ext>
     </p:extLst>
   </p:cSld>
@@ -16061,58 +15749,179 @@
           <a:p>
             <a:r>
               <a:rPr lang="en-US" altLang="ko-KR" dirty="0"/>
-              <a:t>Comment</a:t>
+              <a:t>Training </a:t>
+            </a:r>
+            <a:r>
+              <a:rPr lang="ko-KR" altLang="en-US" dirty="0"/>
+              <a:t>구성 방식 제안</a:t>
+            </a:r>
+          </a:p>
+        </p:txBody>
+      </p:sp>
+      <p:sp>
+        <p:nvSpPr>
+          <p:cNvPr id="3" name="내용 개체 틀 2"/>
+          <p:cNvSpPr>
+            <a:spLocks noGrp="1"/>
+          </p:cNvSpPr>
+          <p:nvPr>
+            <p:ph idx="1"/>
+          </p:nvPr>
+        </p:nvSpPr>
+        <p:spPr/>
+        <p:txBody>
+          <a:bodyPr/>
+          <a:lstStyle/>
+          <a:p>
+            <a:r>
+              <a:rPr lang="en-US" altLang="ko-KR" dirty="0"/>
+              <a:t> </a:t>
+            </a:r>
+            <a:r>
+              <a:rPr lang="ko-KR" altLang="en-US" dirty="0"/>
+              <a:t>차량 진입로를 줄이는 대신에 차량의 </a:t>
+            </a:r>
+            <a:r>
+              <a:rPr lang="en-US" altLang="ko-KR" dirty="0"/>
+              <a:t>Random</a:t>
+            </a:r>
+            <a:r>
+              <a:rPr lang="ko-KR" altLang="en-US" dirty="0"/>
+              <a:t>성을 주는 </a:t>
+            </a:r>
+            <a:r>
+              <a:rPr lang="en-US" altLang="ko-KR" dirty="0"/>
+              <a:t>IDM controller</a:t>
+            </a:r>
+            <a:r>
+              <a:rPr lang="ko-KR" altLang="en-US" dirty="0"/>
+              <a:t>와 가속도 분산 갖게 해서 차이를 줌</a:t>
+            </a:r>
+            <a:endParaRPr lang="en-US" altLang="ko-KR" dirty="0"/>
+          </a:p>
+          <a:p>
+            <a:r>
+              <a:rPr lang="en-US" altLang="ko-KR" dirty="0"/>
+              <a:t> phase</a:t>
+            </a:r>
+            <a:r>
+              <a:rPr lang="ko-KR" altLang="en-US" dirty="0"/>
+              <a:t>를 변화하는 </a:t>
+            </a:r>
+            <a:r>
+              <a:rPr lang="en-US" altLang="ko-KR" dirty="0"/>
+              <a:t>action</a:t>
+            </a:r>
+            <a:r>
+              <a:rPr lang="ko-KR" altLang="en-US" dirty="0"/>
+              <a:t>이 아닌 </a:t>
+            </a:r>
+            <a:r>
+              <a:rPr lang="en-US" altLang="ko-KR" dirty="0"/>
+              <a:t>phase</a:t>
+            </a:r>
+            <a:r>
+              <a:rPr lang="ko-KR" altLang="en-US" dirty="0"/>
+              <a:t>를 선택하게 하고 최소 시간은 </a:t>
+            </a:r>
+            <a:r>
+              <a:rPr lang="en-US" altLang="ko-KR" dirty="0"/>
+              <a:t>20</a:t>
+            </a:r>
+            <a:r>
+              <a:rPr lang="ko-KR" altLang="en-US" dirty="0"/>
+              <a:t>초로 하되</a:t>
+            </a:r>
+            <a:r>
+              <a:rPr lang="en-US" altLang="ko-KR" dirty="0"/>
+              <a:t>, </a:t>
+            </a:r>
+            <a:r>
+              <a:rPr lang="ko-KR" altLang="en-US" dirty="0"/>
+              <a:t>최대 이상에서는 엄청난 </a:t>
+            </a:r>
+            <a:r>
+              <a:rPr lang="en-US" altLang="ko-KR" dirty="0"/>
+              <a:t>penalty</a:t>
+            </a:r>
+            <a:r>
+              <a:rPr lang="ko-KR" altLang="en-US" dirty="0"/>
+              <a:t>를 </a:t>
+            </a:r>
+            <a:r>
+              <a:rPr lang="ko-KR" altLang="en-US" dirty="0" err="1"/>
+              <a:t>준다던지</a:t>
+            </a:r>
+            <a:r>
+              <a:rPr lang="ko-KR" altLang="en-US" dirty="0"/>
+              <a:t> 하는 식으로 운용</a:t>
+            </a:r>
+            <a:endParaRPr lang="en-US" altLang="ko-KR" dirty="0"/>
+          </a:p>
+          <a:p>
+            <a:r>
+              <a:rPr lang="en-US" altLang="ko-KR" dirty="0"/>
+              <a:t> phase</a:t>
+            </a:r>
+            <a:r>
+              <a:rPr lang="ko-KR" altLang="en-US" dirty="0"/>
+              <a:t> 종류 수를 현재 </a:t>
+            </a:r>
+            <a:r>
+              <a:rPr lang="en-US" altLang="ko-KR" dirty="0"/>
+              <a:t>8</a:t>
+            </a:r>
+            <a:r>
+              <a:rPr lang="ko-KR" altLang="en-US" dirty="0"/>
+              <a:t>개 </a:t>
+            </a:r>
+            <a:r>
+              <a:rPr lang="en-US" altLang="ko-KR" dirty="0"/>
+              <a:t>(</a:t>
+            </a:r>
+            <a:r>
+              <a:rPr lang="ko-KR" altLang="en-US" dirty="0"/>
+              <a:t>논문상</a:t>
+            </a:r>
+            <a:r>
+              <a:rPr lang="en-US" altLang="ko-KR" dirty="0"/>
+              <a:t>)</a:t>
+            </a:r>
+            <a:r>
+              <a:rPr lang="ko-KR" altLang="en-US" dirty="0"/>
+              <a:t>에서 </a:t>
+            </a:r>
+            <a:r>
+              <a:rPr lang="en-US" altLang="ko-KR" dirty="0"/>
+              <a:t>6</a:t>
+            </a:r>
+            <a:r>
+              <a:rPr lang="ko-KR" altLang="en-US" dirty="0"/>
+              <a:t>개 내지는 </a:t>
+            </a:r>
+            <a:r>
+              <a:rPr lang="en-US" altLang="ko-KR" dirty="0"/>
+              <a:t>4</a:t>
+            </a:r>
+            <a:r>
+              <a:rPr lang="ko-KR" altLang="en-US" dirty="0"/>
+              <a:t>개로 줄임</a:t>
+            </a:r>
+            <a:endParaRPr lang="en-US" altLang="ko-KR" dirty="0"/>
+          </a:p>
+          <a:p>
+            <a:r>
+              <a:rPr lang="en-US" altLang="ko-KR" dirty="0"/>
+              <a:t> </a:t>
             </a:r>
             <a:endParaRPr lang="ko-KR" altLang="en-US" dirty="0"/>
-          </a:p>
-        </p:txBody>
-      </p:sp>
-      <p:sp>
-        <p:nvSpPr>
-          <p:cNvPr id="3" name="내용 개체 틀 2"/>
-          <p:cNvSpPr>
-            <a:spLocks noGrp="1"/>
-          </p:cNvSpPr>
-          <p:nvPr>
-            <p:ph idx="1"/>
-          </p:nvPr>
-        </p:nvSpPr>
-        <p:spPr/>
-        <p:txBody>
-          <a:bodyPr/>
-          <a:lstStyle/>
-          <a:p>
-            <a:r>
-              <a:rPr lang="en-US" altLang="ko-KR" dirty="0"/>
-              <a:t> </a:t>
-            </a:r>
-            <a:r>
-              <a:rPr lang="ko-KR" altLang="en-US" dirty="0"/>
-              <a:t>네비게이션 시스템이 복잡</a:t>
-            </a:r>
-            <a:r>
-              <a:rPr lang="en-US" altLang="ko-KR" dirty="0"/>
-              <a:t>? Why </a:t>
-            </a:r>
-            <a:r>
-              <a:rPr lang="ko-KR" altLang="en-US" dirty="0"/>
-              <a:t>애들이 차량이 많은 쪽위주로 </a:t>
-            </a:r>
-            <a:r>
-              <a:rPr lang="ko-KR" altLang="en-US" dirty="0" err="1"/>
-              <a:t>열어주다보면</a:t>
-            </a:r>
-            <a:r>
-              <a:rPr lang="ko-KR" altLang="en-US" dirty="0"/>
-              <a:t> 분명 개인 입장에서 기다리는 시간이 길 것으로 판단</a:t>
-            </a:r>
           </a:p>
         </p:txBody>
       </p:sp>
     </p:spTree>
     <p:extLst>
       <p:ext uri="{BB962C8B-B14F-4D97-AF65-F5344CB8AC3E}">
-        <p14:creationId xmlns:p14="http://schemas.microsoft.com/office/powerpoint/2010/main" val="2088717915"/>
+        <p14:creationId xmlns:p14="http://schemas.microsoft.com/office/powerpoint/2010/main" val="214645791"/>
       </p:ext>
     </p:extLst>
   </p:cSld>
@@ -16154,7 +15963,11 @@
           <a:bodyPr/>
           <a:lstStyle/>
           <a:p>
-            <a:endParaRPr lang="ko-KR" altLang="en-US"/>
+            <a:r>
+              <a:rPr lang="en-US" altLang="ko-KR" dirty="0"/>
+              <a:t>Comment</a:t>
+            </a:r>
+            <a:endParaRPr lang="ko-KR" altLang="en-US" dirty="0"/>
           </a:p>
         </p:txBody>
       </p:sp>
@@ -16173,14 +15986,37 @@
           <a:bodyPr/>
           <a:lstStyle/>
           <a:p>
-            <a:endParaRPr lang="ko-KR" altLang="en-US"/>
+            <a:r>
+              <a:rPr lang="en-US" altLang="ko-KR" dirty="0"/>
+              <a:t> </a:t>
+            </a:r>
+            <a:r>
+              <a:rPr lang="ko-KR" altLang="en-US" dirty="0"/>
+              <a:t>네비게이션 시스템이 복잡</a:t>
+            </a:r>
+            <a:r>
+              <a:rPr lang="en-US" altLang="ko-KR" dirty="0"/>
+              <a:t>? Why </a:t>
+            </a:r>
+            <a:r>
+              <a:rPr lang="ko-KR" altLang="en-US" dirty="0"/>
+              <a:t>애들이 차량이 많은 쪽위주로 </a:t>
+            </a:r>
+            <a:r>
+              <a:rPr lang="ko-KR" altLang="en-US" dirty="0" err="1"/>
+              <a:t>열어주다보면</a:t>
+            </a:r>
+            <a:r>
+              <a:rPr lang="ko-KR" altLang="en-US" dirty="0"/>
+              <a:t> 분명 개인 입장에서 기다리는 시간이 길 것으로 판단</a:t>
+            </a:r>
           </a:p>
         </p:txBody>
       </p:sp>
     </p:spTree>
     <p:extLst>
       <p:ext uri="{BB962C8B-B14F-4D97-AF65-F5344CB8AC3E}">
-        <p14:creationId xmlns:p14="http://schemas.microsoft.com/office/powerpoint/2010/main" val="2316143761"/>
+        <p14:creationId xmlns:p14="http://schemas.microsoft.com/office/powerpoint/2010/main" val="2088717915"/>
       </p:ext>
     </p:extLst>
   </p:cSld>
@@ -16258,7 +16094,7 @@
               </a:lnSpc>
             </a:pPr>
             <a:r>
-              <a:rPr lang="en-US" altLang="ko-KR" dirty="0" smtClean="0"/>
+              <a:rPr lang="en-US" altLang="ko-KR" dirty="0"/>
               <a:t> Considering factors when constructing traffic system</a:t>
             </a:r>
           </a:p>
@@ -16269,18 +16105,18 @@
               </a:lnSpc>
             </a:pPr>
             <a:r>
-              <a:rPr lang="ko-KR" altLang="en-US" dirty="0" smtClean="0"/>
+              <a:rPr lang="ko-KR" altLang="en-US" dirty="0"/>
               <a:t>신호 </a:t>
             </a:r>
             <a:r>
-              <a:rPr lang="ko-KR" altLang="en-US" dirty="0" err="1" smtClean="0"/>
+              <a:rPr lang="ko-KR" altLang="en-US" dirty="0" err="1"/>
               <a:t>교차로간</a:t>
             </a:r>
             <a:r>
-              <a:rPr lang="ko-KR" altLang="en-US" dirty="0" smtClean="0"/>
+              <a:rPr lang="ko-KR" altLang="en-US" dirty="0"/>
               <a:t> 거리</a:t>
             </a:r>
-            <a:endParaRPr lang="en-US" altLang="ko-KR" dirty="0" smtClean="0"/>
+            <a:endParaRPr lang="en-US" altLang="ko-KR" dirty="0"/>
           </a:p>
           <a:p>
             <a:pPr lvl="2">
@@ -16289,7 +16125,7 @@
               </a:lnSpc>
             </a:pPr>
             <a:r>
-              <a:rPr lang="ko-KR" altLang="en-US" dirty="0" smtClean="0"/>
+              <a:rPr lang="ko-KR" altLang="en-US" dirty="0"/>
               <a:t>짧을 수록 연동 시스템의 구축 필요성</a:t>
             </a:r>
             <a:r>
@@ -16297,10 +16133,10 @@
               <a:t> </a:t>
             </a:r>
             <a:r>
-              <a:rPr lang="ko-KR" altLang="en-US" dirty="0" smtClean="0"/>
+              <a:rPr lang="ko-KR" altLang="en-US" dirty="0"/>
               <a:t>높음</a:t>
             </a:r>
-            <a:endParaRPr lang="en-US" altLang="ko-KR" dirty="0" smtClean="0"/>
+            <a:endParaRPr lang="en-US" altLang="ko-KR" dirty="0"/>
           </a:p>
           <a:p>
             <a:pPr lvl="2">
@@ -16309,17 +16145,13 @@
               </a:lnSpc>
             </a:pPr>
             <a:r>
-              <a:rPr lang="ko-KR" altLang="en-US" dirty="0" smtClean="0"/>
+              <a:rPr lang="ko-KR" altLang="en-US" dirty="0"/>
               <a:t>멀면 분산효과가 커서 필요성이 낮음</a:t>
             </a:r>
-            <a:r>
-              <a:rPr lang="en-US" altLang="ko-KR" dirty="0" smtClean="0"/>
-              <a:t/>
-            </a:r>
             <a:br>
-              <a:rPr lang="en-US" altLang="ko-KR" dirty="0" smtClean="0"/>
+              <a:rPr lang="en-US" altLang="ko-KR" dirty="0"/>
             </a:br>
-            <a:endParaRPr lang="en-US" altLang="ko-KR" dirty="0" smtClean="0"/>
+            <a:endParaRPr lang="en-US" altLang="ko-KR" dirty="0"/>
           </a:p>
           <a:p>
             <a:pPr lvl="1">
@@ -16328,7 +16160,7 @@
               </a:lnSpc>
             </a:pPr>
             <a:r>
-              <a:rPr lang="ko-KR" altLang="en-US" dirty="0" smtClean="0"/>
+              <a:rPr lang="ko-KR" altLang="en-US" dirty="0"/>
               <a:t>도로 운영</a:t>
             </a:r>
             <a:endParaRPr lang="en-US" altLang="ko-KR" dirty="0"/>
@@ -16340,65 +16172,65 @@
               </a:lnSpc>
             </a:pPr>
             <a:r>
-              <a:rPr lang="ko-KR" altLang="en-US" dirty="0" smtClean="0"/>
+              <a:rPr lang="ko-KR" altLang="en-US" dirty="0"/>
               <a:t>일방 통행</a:t>
             </a:r>
             <a:r>
-              <a:rPr lang="en-US" altLang="ko-KR" dirty="0" smtClean="0"/>
+              <a:rPr lang="en-US" altLang="ko-KR" dirty="0"/>
               <a:t>, </a:t>
             </a:r>
             <a:r>
-              <a:rPr lang="ko-KR" altLang="en-US" dirty="0" smtClean="0"/>
+              <a:rPr lang="ko-KR" altLang="en-US" dirty="0"/>
               <a:t>양방 통행 </a:t>
             </a:r>
             <a:r>
-              <a:rPr lang="en-US" altLang="ko-KR" dirty="0" smtClean="0">
+              <a:rPr lang="en-US" altLang="ko-KR" dirty="0">
                 <a:sym typeface="Wingdings" panose="05000000000000000000" pitchFamily="2" charset="2"/>
               </a:rPr>
               <a:t> </a:t>
             </a:r>
             <a:r>
-              <a:rPr lang="ko-KR" altLang="en-US" dirty="0" smtClean="0">
+              <a:rPr lang="ko-KR" altLang="en-US" dirty="0">
                 <a:sym typeface="Wingdings" panose="05000000000000000000" pitchFamily="2" charset="2"/>
               </a:rPr>
               <a:t>양방이 운영하기 어려움</a:t>
             </a:r>
             <a:r>
-              <a:rPr lang="en-US" altLang="ko-KR" dirty="0" smtClean="0">
+              <a:rPr lang="en-US" altLang="ko-KR" dirty="0">
                 <a:sym typeface="Wingdings" panose="05000000000000000000" pitchFamily="2" charset="2"/>
               </a:rPr>
               <a:t>, </a:t>
             </a:r>
             <a:r>
-              <a:rPr lang="ko-KR" altLang="en-US" dirty="0" smtClean="0">
+              <a:rPr lang="ko-KR" altLang="en-US" dirty="0">
                 <a:sym typeface="Wingdings" panose="05000000000000000000" pitchFamily="2" charset="2"/>
               </a:rPr>
               <a:t>공통적으로 신호등이 없는 횡단보도는 문제임</a:t>
             </a:r>
             <a:r>
-              <a:rPr lang="en-US" altLang="ko-KR" dirty="0" smtClean="0">
+              <a:rPr lang="en-US" altLang="ko-KR" dirty="0">
                 <a:sym typeface="Wingdings" panose="05000000000000000000" pitchFamily="2" charset="2"/>
               </a:rPr>
               <a:t>(offset </a:t>
             </a:r>
             <a:r>
-              <a:rPr lang="ko-KR" altLang="en-US" dirty="0" smtClean="0">
+              <a:rPr lang="ko-KR" altLang="en-US" dirty="0">
                 <a:sym typeface="Wingdings" panose="05000000000000000000" pitchFamily="2" charset="2"/>
               </a:rPr>
               <a:t>설정 문제</a:t>
             </a:r>
             <a:r>
-              <a:rPr lang="en-US" altLang="ko-KR" dirty="0" smtClean="0">
+              <a:rPr lang="en-US" altLang="ko-KR" dirty="0">
                 <a:sym typeface="Wingdings" panose="05000000000000000000" pitchFamily="2" charset="2"/>
               </a:rPr>
               <a:t>)</a:t>
             </a:r>
             <a:br>
-              <a:rPr lang="en-US" altLang="ko-KR" dirty="0" smtClean="0">
+              <a:rPr lang="en-US" altLang="ko-KR" dirty="0">
                 <a:sym typeface="Wingdings" panose="05000000000000000000" pitchFamily="2" charset="2"/>
               </a:rPr>
             </a:br>
-            <a:endParaRPr lang="en-US" altLang="ko-KR" dirty="0" smtClean="0">
+            <a:endParaRPr lang="en-US" altLang="ko-KR" dirty="0">
               <a:sym typeface="Wingdings" panose="05000000000000000000" pitchFamily="2" charset="2"/>
             </a:endParaRPr>
           </a:p>
@@ -16409,18 +16241,18 @@
               </a:lnSpc>
             </a:pPr>
             <a:r>
-              <a:rPr lang="ko-KR" altLang="en-US" dirty="0" err="1" smtClean="0">
+              <a:rPr lang="ko-KR" altLang="en-US" dirty="0" err="1">
                 <a:sym typeface="Wingdings" panose="05000000000000000000" pitchFamily="2" charset="2"/>
               </a:rPr>
               <a:t>접근로의</a:t>
             </a:r>
             <a:r>
-              <a:rPr lang="ko-KR" altLang="en-US" dirty="0" smtClean="0">
+              <a:rPr lang="ko-KR" altLang="en-US" dirty="0">
                 <a:sym typeface="Wingdings" panose="05000000000000000000" pitchFamily="2" charset="2"/>
               </a:rPr>
               <a:t> 상태</a:t>
             </a:r>
-            <a:endParaRPr lang="en-US" altLang="ko-KR" dirty="0" smtClean="0">
+            <a:endParaRPr lang="en-US" altLang="ko-KR" dirty="0">
               <a:sym typeface="Wingdings" panose="05000000000000000000" pitchFamily="2" charset="2"/>
             </a:endParaRPr>
           </a:p>
@@ -16431,42 +16263,42 @@
               </a:lnSpc>
             </a:pPr>
             <a:r>
-              <a:rPr lang="ko-KR" altLang="en-US" dirty="0" smtClean="0">
+              <a:rPr lang="ko-KR" altLang="en-US" dirty="0">
                 <a:sym typeface="Wingdings" panose="05000000000000000000" pitchFamily="2" charset="2"/>
               </a:rPr>
               <a:t>이상적인 경우</a:t>
             </a:r>
             <a:r>
-              <a:rPr lang="en-US" altLang="ko-KR" dirty="0" smtClean="0">
+              <a:rPr lang="en-US" altLang="ko-KR" dirty="0">
                 <a:sym typeface="Wingdings" panose="05000000000000000000" pitchFamily="2" charset="2"/>
               </a:rPr>
               <a:t>: </a:t>
             </a:r>
             <a:r>
-              <a:rPr lang="ko-KR" altLang="en-US" dirty="0" err="1" smtClean="0">
+              <a:rPr lang="ko-KR" altLang="en-US" dirty="0" err="1">
                 <a:sym typeface="Wingdings" panose="05000000000000000000" pitchFamily="2" charset="2"/>
               </a:rPr>
               <a:t>교차로간</a:t>
             </a:r>
             <a:r>
-              <a:rPr lang="ko-KR" altLang="en-US" dirty="0" smtClean="0">
+              <a:rPr lang="ko-KR" altLang="en-US" dirty="0">
                 <a:sym typeface="Wingdings" panose="05000000000000000000" pitchFamily="2" charset="2"/>
               </a:rPr>
               <a:t> 거리와 주행속도만으로 </a:t>
             </a:r>
             <a:r>
-              <a:rPr lang="en-US" altLang="ko-KR" dirty="0" smtClean="0">
+              <a:rPr lang="en-US" altLang="ko-KR" dirty="0">
                 <a:sym typeface="Wingdings" panose="05000000000000000000" pitchFamily="2" charset="2"/>
               </a:rPr>
               <a:t>offset decision </a:t>
             </a:r>
             <a:r>
-              <a:rPr lang="ko-KR" altLang="en-US" dirty="0" smtClean="0">
+              <a:rPr lang="ko-KR" altLang="en-US" dirty="0">
                 <a:sym typeface="Wingdings" panose="05000000000000000000" pitchFamily="2" charset="2"/>
               </a:rPr>
               <a:t>가능</a:t>
             </a:r>
-            <a:endParaRPr lang="en-US" altLang="ko-KR" dirty="0" smtClean="0">
+            <a:endParaRPr lang="en-US" altLang="ko-KR" dirty="0">
               <a:sym typeface="Wingdings" panose="05000000000000000000" pitchFamily="2" charset="2"/>
             </a:endParaRPr>
           </a:p>
@@ -16477,65 +16309,59 @@
               </a:lnSpc>
             </a:pPr>
             <a:r>
-              <a:rPr lang="ko-KR" altLang="en-US" dirty="0" smtClean="0">
+              <a:rPr lang="ko-KR" altLang="en-US" dirty="0">
                 <a:sym typeface="Wingdings" panose="05000000000000000000" pitchFamily="2" charset="2"/>
               </a:rPr>
               <a:t>현실적인 경우</a:t>
             </a:r>
             <a:r>
-              <a:rPr lang="en-US" altLang="ko-KR" dirty="0" smtClean="0">
+              <a:rPr lang="en-US" altLang="ko-KR" dirty="0">
                 <a:sym typeface="Wingdings" panose="05000000000000000000" pitchFamily="2" charset="2"/>
               </a:rPr>
               <a:t>: </a:t>
             </a:r>
             <a:r>
-              <a:rPr lang="ko-KR" altLang="en-US" dirty="0" smtClean="0">
+              <a:rPr lang="ko-KR" altLang="en-US" dirty="0">
                 <a:sym typeface="Wingdings" panose="05000000000000000000" pitchFamily="2" charset="2"/>
               </a:rPr>
               <a:t>불법 </a:t>
             </a:r>
             <a:r>
-              <a:rPr lang="ko-KR" altLang="en-US" dirty="0" err="1" smtClean="0">
+              <a:rPr lang="ko-KR" altLang="en-US" dirty="0" err="1">
                 <a:sym typeface="Wingdings" panose="05000000000000000000" pitchFamily="2" charset="2"/>
               </a:rPr>
               <a:t>주정차</a:t>
             </a:r>
             <a:r>
-              <a:rPr lang="en-US" altLang="ko-KR" dirty="0" smtClean="0">
+              <a:rPr lang="en-US" altLang="ko-KR" dirty="0">
                 <a:sym typeface="Wingdings" panose="05000000000000000000" pitchFamily="2" charset="2"/>
               </a:rPr>
               <a:t>, </a:t>
             </a:r>
             <a:r>
-              <a:rPr lang="ko-KR" altLang="en-US" dirty="0" smtClean="0">
+              <a:rPr lang="ko-KR" altLang="en-US" dirty="0">
                 <a:sym typeface="Wingdings" panose="05000000000000000000" pitchFamily="2" charset="2"/>
               </a:rPr>
               <a:t>중간 유입 차량</a:t>
             </a:r>
             <a:r>
-              <a:rPr lang="en-US" altLang="ko-KR" dirty="0" smtClean="0">
+              <a:rPr lang="en-US" altLang="ko-KR" dirty="0">
                 <a:sym typeface="Wingdings" panose="05000000000000000000" pitchFamily="2" charset="2"/>
               </a:rPr>
               <a:t>, outflow </a:t>
             </a:r>
             <a:r>
-              <a:rPr lang="ko-KR" altLang="en-US" dirty="0" smtClean="0">
+              <a:rPr lang="ko-KR" altLang="en-US" dirty="0">
                 <a:sym typeface="Wingdings" panose="05000000000000000000" pitchFamily="2" charset="2"/>
               </a:rPr>
               <a:t>차량 모두 고려해야 함</a:t>
             </a:r>
-            <a:r>
-              <a:rPr lang="en-US" altLang="ko-KR" dirty="0" smtClean="0">
-                <a:sym typeface="Wingdings" panose="05000000000000000000" pitchFamily="2" charset="2"/>
-              </a:rPr>
-              <a:t/>
-            </a:r>
             <a:br>
-              <a:rPr lang="en-US" altLang="ko-KR" dirty="0" smtClean="0">
+              <a:rPr lang="en-US" altLang="ko-KR" dirty="0">
                 <a:sym typeface="Wingdings" panose="05000000000000000000" pitchFamily="2" charset="2"/>
               </a:rPr>
             </a:br>
-            <a:endParaRPr lang="en-US" altLang="ko-KR" dirty="0" smtClean="0">
+            <a:endParaRPr lang="en-US" altLang="ko-KR" dirty="0">
               <a:sym typeface="Wingdings" panose="05000000000000000000" pitchFamily="2" charset="2"/>
             </a:endParaRPr>
           </a:p>
@@ -16546,12 +16372,12 @@
               </a:lnSpc>
             </a:pPr>
             <a:r>
-              <a:rPr lang="ko-KR" altLang="en-US" dirty="0" smtClean="0">
+              <a:rPr lang="ko-KR" altLang="en-US" dirty="0">
                 <a:sym typeface="Wingdings" panose="05000000000000000000" pitchFamily="2" charset="2"/>
               </a:rPr>
               <a:t>차량의 도착 특성</a:t>
             </a:r>
-            <a:endParaRPr lang="en-US" altLang="ko-KR" dirty="0" smtClean="0">
+            <a:endParaRPr lang="en-US" altLang="ko-KR" dirty="0">
               <a:sym typeface="Wingdings" panose="05000000000000000000" pitchFamily="2" charset="2"/>
             </a:endParaRPr>
           </a:p>
@@ -16562,41 +16388,35 @@
               </a:lnSpc>
             </a:pPr>
             <a:r>
-              <a:rPr lang="ko-KR" altLang="en-US" dirty="0" err="1" smtClean="0">
+              <a:rPr lang="ko-KR" altLang="en-US" dirty="0" err="1">
                 <a:sym typeface="Wingdings" panose="05000000000000000000" pitchFamily="2" charset="2"/>
               </a:rPr>
               <a:t>도착율이</a:t>
             </a:r>
             <a:r>
-              <a:rPr lang="ko-KR" altLang="en-US" dirty="0" smtClean="0">
+              <a:rPr lang="ko-KR" altLang="en-US" dirty="0">
                 <a:sym typeface="Wingdings" panose="05000000000000000000" pitchFamily="2" charset="2"/>
               </a:rPr>
               <a:t> 일정한 경우</a:t>
             </a:r>
             <a:r>
-              <a:rPr lang="en-US" altLang="ko-KR" dirty="0" smtClean="0">
+              <a:rPr lang="en-US" altLang="ko-KR" dirty="0">
                 <a:sym typeface="Wingdings" panose="05000000000000000000" pitchFamily="2" charset="2"/>
               </a:rPr>
               <a:t>, </a:t>
             </a:r>
             <a:r>
-              <a:rPr lang="ko-KR" altLang="en-US" dirty="0" smtClean="0">
+              <a:rPr lang="ko-KR" altLang="en-US" dirty="0">
                 <a:sym typeface="Wingdings" panose="05000000000000000000" pitchFamily="2" charset="2"/>
               </a:rPr>
               <a:t>연동 필요가 없음</a:t>
             </a:r>
-            <a:r>
-              <a:rPr lang="en-US" altLang="ko-KR" dirty="0" smtClean="0">
-                <a:sym typeface="Wingdings" panose="05000000000000000000" pitchFamily="2" charset="2"/>
-              </a:rPr>
-              <a:t/>
-            </a:r>
             <a:br>
-              <a:rPr lang="en-US" altLang="ko-KR" dirty="0" smtClean="0">
+              <a:rPr lang="en-US" altLang="ko-KR" dirty="0">
                 <a:sym typeface="Wingdings" panose="05000000000000000000" pitchFamily="2" charset="2"/>
               </a:rPr>
             </a:br>
-            <a:endParaRPr lang="en-US" altLang="ko-KR" dirty="0" smtClean="0">
+            <a:endParaRPr lang="en-US" altLang="ko-KR" dirty="0">
               <a:sym typeface="Wingdings" panose="05000000000000000000" pitchFamily="2" charset="2"/>
             </a:endParaRPr>
           </a:p>
@@ -16607,12 +16427,12 @@
               </a:lnSpc>
             </a:pPr>
             <a:r>
-              <a:rPr lang="ko-KR" altLang="en-US" dirty="0" smtClean="0">
+              <a:rPr lang="ko-KR" altLang="en-US" dirty="0">
                 <a:sym typeface="Wingdings" panose="05000000000000000000" pitchFamily="2" charset="2"/>
               </a:rPr>
               <a:t>시간에 따른 교통량 변화</a:t>
             </a:r>
-            <a:endParaRPr lang="en-US" altLang="ko-KR" dirty="0" smtClean="0">
+            <a:endParaRPr lang="en-US" altLang="ko-KR" dirty="0">
               <a:sym typeface="Wingdings" panose="05000000000000000000" pitchFamily="2" charset="2"/>
             </a:endParaRPr>
           </a:p>
@@ -16623,42 +16443,42 @@
               </a:lnSpc>
             </a:pPr>
             <a:r>
-              <a:rPr lang="ko-KR" altLang="en-US" dirty="0" err="1" smtClean="0">
+              <a:rPr lang="ko-KR" altLang="en-US" dirty="0" err="1">
                 <a:sym typeface="Wingdings" panose="05000000000000000000" pitchFamily="2" charset="2"/>
               </a:rPr>
               <a:t>첨두</a:t>
             </a:r>
             <a:r>
-              <a:rPr lang="ko-KR" altLang="en-US" dirty="0" smtClean="0">
+              <a:rPr lang="ko-KR" altLang="en-US" dirty="0">
                 <a:sym typeface="Wingdings" panose="05000000000000000000" pitchFamily="2" charset="2"/>
               </a:rPr>
               <a:t> 시간대</a:t>
             </a:r>
             <a:r>
-              <a:rPr lang="en-US" altLang="ko-KR" dirty="0" smtClean="0">
+              <a:rPr lang="en-US" altLang="ko-KR" dirty="0">
                 <a:sym typeface="Wingdings" panose="05000000000000000000" pitchFamily="2" charset="2"/>
               </a:rPr>
               <a:t>: </a:t>
             </a:r>
             <a:r>
-              <a:rPr lang="ko-KR" altLang="en-US" dirty="0" smtClean="0">
+              <a:rPr lang="ko-KR" altLang="en-US" dirty="0">
                 <a:sym typeface="Wingdings" panose="05000000000000000000" pitchFamily="2" charset="2"/>
               </a:rPr>
               <a:t>연동 시스템의 구축보다 </a:t>
             </a:r>
             <a:r>
-              <a:rPr lang="ko-KR" altLang="en-US" dirty="0" err="1" smtClean="0">
+              <a:rPr lang="ko-KR" altLang="en-US" dirty="0" err="1">
                 <a:sym typeface="Wingdings" panose="05000000000000000000" pitchFamily="2" charset="2"/>
               </a:rPr>
               <a:t>통과용량</a:t>
             </a:r>
             <a:r>
-              <a:rPr lang="ko-KR" altLang="en-US" dirty="0" smtClean="0">
+              <a:rPr lang="ko-KR" altLang="en-US" dirty="0">
                 <a:sym typeface="Wingdings" panose="05000000000000000000" pitchFamily="2" charset="2"/>
               </a:rPr>
               <a:t> 극대화</a:t>
             </a:r>
-            <a:endParaRPr lang="en-US" altLang="ko-KR" dirty="0" smtClean="0">
+            <a:endParaRPr lang="en-US" altLang="ko-KR" dirty="0">
               <a:sym typeface="Wingdings" panose="05000000000000000000" pitchFamily="2" charset="2"/>
             </a:endParaRPr>
           </a:p>
@@ -16669,31 +16489,31 @@
               </a:lnSpc>
             </a:pPr>
             <a:r>
-              <a:rPr lang="ko-KR" altLang="en-US" dirty="0" smtClean="0">
+              <a:rPr lang="ko-KR" altLang="en-US" dirty="0">
                 <a:sym typeface="Wingdings" panose="05000000000000000000" pitchFamily="2" charset="2"/>
               </a:rPr>
               <a:t>비 </a:t>
             </a:r>
             <a:r>
-              <a:rPr lang="ko-KR" altLang="en-US" dirty="0" err="1" smtClean="0">
+              <a:rPr lang="ko-KR" altLang="en-US" dirty="0" err="1">
                 <a:sym typeface="Wingdings" panose="05000000000000000000" pitchFamily="2" charset="2"/>
               </a:rPr>
               <a:t>첨두</a:t>
             </a:r>
             <a:r>
-              <a:rPr lang="ko-KR" altLang="en-US" dirty="0" smtClean="0">
+              <a:rPr lang="ko-KR" altLang="en-US" dirty="0">
                 <a:sym typeface="Wingdings" panose="05000000000000000000" pitchFamily="2" charset="2"/>
               </a:rPr>
               <a:t> 시간대</a:t>
             </a:r>
             <a:r>
-              <a:rPr lang="en-US" altLang="ko-KR" dirty="0" smtClean="0">
+              <a:rPr lang="en-US" altLang="ko-KR" dirty="0">
                 <a:sym typeface="Wingdings" panose="05000000000000000000" pitchFamily="2" charset="2"/>
               </a:rPr>
               <a:t>: </a:t>
             </a:r>
             <a:r>
-              <a:rPr lang="ko-KR" altLang="en-US" dirty="0" smtClean="0">
+              <a:rPr lang="ko-KR" altLang="en-US" dirty="0">
                 <a:sym typeface="Wingdings" panose="05000000000000000000" pitchFamily="2" charset="2"/>
               </a:rPr>
               <a:t>두 교차로 사이에 유입되는 간선도로가 없을 때</a:t>
@@ -16748,7 +16568,7 @@
           <a:lstStyle/>
           <a:p>
             <a:r>
-              <a:rPr lang="en-US" altLang="ko-KR" dirty="0" smtClean="0"/>
+              <a:rPr lang="en-US" altLang="ko-KR" dirty="0"/>
               <a:t>Preliminary</a:t>
             </a:r>
             <a:endParaRPr lang="ko-KR" altLang="en-US" dirty="0"/>
@@ -16771,129 +16591,125 @@
           <a:lstStyle/>
           <a:p>
             <a:r>
-              <a:rPr lang="en-US" altLang="ko-KR" dirty="0" smtClean="0"/>
+              <a:rPr lang="en-US" altLang="ko-KR" dirty="0"/>
               <a:t> Spill back </a:t>
             </a:r>
           </a:p>
           <a:p>
             <a:pPr lvl="1"/>
             <a:r>
-              <a:rPr lang="ko-KR" altLang="en-US" dirty="0" smtClean="0"/>
+              <a:rPr lang="ko-KR" altLang="en-US" dirty="0"/>
               <a:t>신호교차로에서 </a:t>
             </a:r>
             <a:r>
-              <a:rPr lang="ko-KR" altLang="en-US" dirty="0" err="1" smtClean="0"/>
+              <a:rPr lang="ko-KR" altLang="en-US" dirty="0" err="1"/>
               <a:t>꼬리물기</a:t>
             </a:r>
             <a:r>
-              <a:rPr lang="en-US" altLang="ko-KR" dirty="0" smtClean="0"/>
+              <a:rPr lang="en-US" altLang="ko-KR" dirty="0"/>
               <a:t>, </a:t>
             </a:r>
             <a:r>
-              <a:rPr lang="ko-KR" altLang="en-US" dirty="0" smtClean="0"/>
+              <a:rPr lang="ko-KR" altLang="en-US" dirty="0"/>
               <a:t>교통량 과다 등이 원인이 되어 </a:t>
             </a:r>
             <a:r>
-              <a:rPr lang="en-US" altLang="ko-KR" dirty="0" smtClean="0"/>
+              <a:rPr lang="en-US" altLang="ko-KR" dirty="0"/>
               <a:t>inflow intersection</a:t>
             </a:r>
             <a:r>
-              <a:rPr lang="ko-KR" altLang="en-US" dirty="0" smtClean="0"/>
+              <a:rPr lang="ko-KR" altLang="en-US" dirty="0"/>
               <a:t>까지 차량이 넘쳐나서 원활한 통행을 방해하는 현상</a:t>
             </a:r>
-            <a:endParaRPr lang="en-US" altLang="ko-KR" dirty="0" smtClean="0"/>
-          </a:p>
-          <a:p>
-            <a:r>
-              <a:rPr lang="en-US" altLang="ko-KR" dirty="0" smtClean="0"/>
+            <a:endParaRPr lang="en-US" altLang="ko-KR" dirty="0"/>
+          </a:p>
+          <a:p>
+            <a:r>
+              <a:rPr lang="en-US" altLang="ko-KR" dirty="0"/>
               <a:t> Signal Phase</a:t>
             </a:r>
           </a:p>
           <a:p>
             <a:pPr lvl="1"/>
             <a:r>
-              <a:rPr lang="en-US" altLang="ko-KR" dirty="0" smtClean="0"/>
+              <a:rPr lang="en-US" altLang="ko-KR" dirty="0"/>
               <a:t>Signal set in intersection (n lane-&gt;n*4 signal set length)</a:t>
             </a:r>
           </a:p>
           <a:p>
             <a:pPr lvl="1"/>
             <a:r>
-              <a:rPr lang="ko-KR" altLang="en-US" dirty="0" smtClean="0"/>
+              <a:rPr lang="ko-KR" altLang="en-US" dirty="0"/>
               <a:t>보통 </a:t>
             </a:r>
             <a:r>
-              <a:rPr lang="en-US" altLang="ko-KR" dirty="0" smtClean="0"/>
+              <a:rPr lang="en-US" altLang="ko-KR" dirty="0"/>
               <a:t>8</a:t>
             </a:r>
             <a:r>
-              <a:rPr lang="ko-KR" altLang="en-US" dirty="0" smtClean="0"/>
+              <a:rPr lang="ko-KR" altLang="en-US" dirty="0"/>
               <a:t>개의 </a:t>
             </a:r>
             <a:r>
-              <a:rPr lang="en-US" altLang="ko-KR" dirty="0" smtClean="0"/>
+              <a:rPr lang="en-US" altLang="ko-KR" dirty="0"/>
               <a:t>Signal phase</a:t>
             </a:r>
             <a:r>
-              <a:rPr lang="ko-KR" altLang="en-US" dirty="0" smtClean="0"/>
+              <a:rPr lang="ko-KR" altLang="en-US" dirty="0"/>
               <a:t>를 가짐 </a:t>
             </a:r>
             <a:r>
-              <a:rPr lang="en-US" altLang="ko-KR" dirty="0" smtClean="0"/>
+              <a:rPr lang="en-US" altLang="ko-KR" dirty="0"/>
               <a:t>(Combined with movement signal)</a:t>
             </a:r>
           </a:p>
           <a:p>
             <a:pPr lvl="1"/>
             <a:r>
-              <a:rPr lang="en-US" altLang="ko-KR" dirty="0" smtClean="0"/>
+              <a:rPr lang="en-US" altLang="ko-KR" dirty="0"/>
               <a:t>Isolated intersection</a:t>
             </a:r>
             <a:r>
-              <a:rPr lang="ko-KR" altLang="en-US" dirty="0" smtClean="0"/>
+              <a:rPr lang="ko-KR" altLang="en-US" dirty="0"/>
               <a:t>에서는 </a:t>
             </a:r>
             <a:r>
-              <a:rPr lang="en-US" altLang="ko-KR" dirty="0" smtClean="0"/>
+              <a:rPr lang="en-US" altLang="ko-KR" dirty="0"/>
               <a:t>paired-signal phases</a:t>
             </a:r>
             <a:r>
-              <a:rPr lang="ko-KR" altLang="en-US" dirty="0" smtClean="0"/>
+              <a:rPr lang="ko-KR" altLang="en-US" dirty="0"/>
               <a:t>를 주로 사용</a:t>
             </a:r>
-            <a:endParaRPr lang="en-US" altLang="ko-KR" dirty="0" smtClean="0"/>
+            <a:endParaRPr lang="en-US" altLang="ko-KR" dirty="0"/>
           </a:p>
           <a:p>
             <a:pPr lvl="1"/>
             <a:r>
-              <a:rPr lang="en-US" altLang="ko-KR" dirty="0" smtClean="0"/>
+              <a:rPr lang="en-US" altLang="ko-KR" dirty="0"/>
               <a:t>Multi-grouped intersection</a:t>
             </a:r>
             <a:r>
-              <a:rPr lang="ko-KR" altLang="en-US" dirty="0" smtClean="0"/>
+              <a:rPr lang="ko-KR" altLang="en-US" dirty="0"/>
               <a:t>에서는 </a:t>
             </a:r>
             <a:r>
-              <a:rPr lang="en-US" altLang="ko-KR" dirty="0" smtClean="0"/>
+              <a:rPr lang="en-US" altLang="ko-KR" dirty="0"/>
               <a:t>single-signal phase </a:t>
             </a:r>
             <a:r>
-              <a:rPr lang="ko-KR" altLang="en-US" dirty="0" smtClean="0"/>
+              <a:rPr lang="ko-KR" altLang="en-US" dirty="0"/>
               <a:t>사용하여 </a:t>
             </a:r>
             <a:r>
-              <a:rPr lang="en-US" altLang="ko-KR" dirty="0" smtClean="0"/>
+              <a:rPr lang="en-US" altLang="ko-KR" dirty="0"/>
               <a:t>spill back</a:t>
             </a:r>
             <a:r>
               <a:rPr lang="ko-KR" altLang="en-US" dirty="0"/>
-              <a:t> </a:t>
-            </a:r>
-            <a:r>
-              <a:rPr lang="ko-KR" altLang="en-US" dirty="0" smtClean="0"/>
-              <a:t>예방</a:t>
-            </a:r>
-            <a:endParaRPr lang="en-US" altLang="ko-KR" dirty="0" smtClean="0"/>
+              <a:t> 예방</a:t>
+            </a:r>
+            <a:endParaRPr lang="en-US" altLang="ko-KR" dirty="0"/>
           </a:p>
         </p:txBody>
       </p:sp>
@@ -17027,7 +16843,7 @@
           <a:p>
             <a:pPr algn="ctr"/>
             <a:r>
-              <a:rPr lang="en-US" altLang="ko-KR" dirty="0" smtClean="0"/>
+              <a:rPr lang="en-US" altLang="ko-KR" dirty="0"/>
               <a:t>2x2 grid</a:t>
             </a:r>
             <a:endParaRPr lang="ko-KR" altLang="en-US" dirty="0"/>
@@ -17058,7 +16874,7 @@
           <a:p>
             <a:pPr algn="ctr"/>
             <a:r>
-              <a:rPr lang="en-US" altLang="ko-KR" dirty="0" smtClean="0"/>
+              <a:rPr lang="en-US" altLang="ko-KR" dirty="0"/>
               <a:t>3x3 grid</a:t>
             </a:r>
             <a:endParaRPr lang="ko-KR" altLang="en-US" dirty="0"/>
@@ -17149,10 +16965,6 @@
               <a:rPr lang="ko-KR" altLang="en-US" dirty="0"/>
               <a:t>를 조절</a:t>
             </a:r>
-            <a:r>
-              <a:rPr lang="en-US" altLang="ko-KR" dirty="0"/>
-              <a:t/>
-            </a:r>
             <a:br>
               <a:rPr lang="en-US" altLang="ko-KR" dirty="0"/>
             </a:br>
@@ -17300,10 +17112,6 @@
             <a:r>
               <a:rPr lang="ko-KR" altLang="en-US" dirty="0"/>
               <a:t>을 사용</a:t>
-            </a:r>
-            <a:r>
-              <a:rPr lang="en-US" altLang="ko-KR" dirty="0"/>
-              <a:t/>
             </a:r>
             <a:br>
               <a:rPr lang="en-US" altLang="ko-KR" dirty="0"/>
@@ -18110,10 +17918,6 @@
               <a:rPr lang="ko-KR" altLang="en-US" dirty="0"/>
               <a:t>부여 방식</a:t>
             </a:r>
-            <a:r>
-              <a:rPr lang="en-US" altLang="ko-KR" dirty="0"/>
-              <a:t/>
-            </a:r>
             <a:br>
               <a:rPr lang="en-US" altLang="ko-KR" dirty="0"/>
             </a:br>
@@ -18133,10 +17937,6 @@
               <a:rPr lang="ko-KR" altLang="en-US" dirty="0"/>
               <a:t>의 방향 별로 부여</a:t>
             </a:r>
-            <a:r>
-              <a:rPr lang="en-US" altLang="ko-KR" dirty="0"/>
-              <a:t/>
-            </a:r>
             <a:br>
               <a:rPr lang="en-US" altLang="ko-KR" dirty="0"/>
             </a:br>
@@ -18185,10 +17985,6 @@
             <a:r>
               <a:rPr lang="ko-KR" altLang="en-US" dirty="0"/>
               <a:t> 개수 조절 가능</a:t>
-            </a:r>
-            <a:r>
-              <a:rPr lang="en-US" altLang="ko-KR" dirty="0"/>
-              <a:t/>
             </a:r>
             <a:br>
               <a:rPr lang="en-US" altLang="ko-KR" dirty="0"/>

--- a/1st_Seminar(강민수).pptx
+++ b/1st_Seminar(강민수).pptx
@@ -6,7 +6,7 @@
     <p:sldMasterId id="2147483744" r:id="rId2"/>
   </p:sldMasterIdLst>
   <p:notesMasterIdLst>
-    <p:notesMasterId r:id="rId38"/>
+    <p:notesMasterId r:id="rId39"/>
   </p:notesMasterIdLst>
   <p:sldIdLst>
     <p:sldId id="256" r:id="rId3"/>
@@ -42,8 +42,9 @@
     <p:sldId id="264" r:id="rId33"/>
     <p:sldId id="265" r:id="rId34"/>
     <p:sldId id="266" r:id="rId35"/>
-    <p:sldId id="282" r:id="rId36"/>
-    <p:sldId id="271" r:id="rId37"/>
+    <p:sldId id="293" r:id="rId36"/>
+    <p:sldId id="294" r:id="rId37"/>
+    <p:sldId id="295" r:id="rId38"/>
   </p:sldIdLst>
   <p:sldSz cx="12192000" cy="6858000"/>
   <p:notesSz cx="6858000" cy="9144000"/>
@@ -235,7 +236,7 @@
           <a:p>
             <a:fld id="{B401493B-0A52-4E9A-A475-D6276A64515A}" type="datetimeFigureOut">
               <a:rPr lang="ko-KR" altLang="en-US" smtClean="0"/>
-              <a:t>2021-01-12</a:t>
+              <a:t>2021-01-13</a:t>
             </a:fld>
             <a:endParaRPr lang="ko-KR" altLang="en-US"/>
           </a:p>
@@ -645,7 +646,7 @@
             <a:fld id="{B61BEF0D-F0BB-DE4B-95CE-6DB70DBA9567}" type="datetimeFigureOut">
               <a:rPr lang="en-US" smtClean="0"/>
               <a:pPr/>
-              <a:t>1/12/2021</a:t>
+              <a:t>1/13/2021</a:t>
             </a:fld>
             <a:endParaRPr lang="en-US" dirty="0"/>
           </a:p>
@@ -817,7 +818,7 @@
             <a:fld id="{B61BEF0D-F0BB-DE4B-95CE-6DB70DBA9567}" type="datetimeFigureOut">
               <a:rPr lang="en-US" smtClean="0"/>
               <a:pPr/>
-              <a:t>1/12/2021</a:t>
+              <a:t>1/13/2021</a:t>
             </a:fld>
             <a:endParaRPr lang="en-US" dirty="0"/>
           </a:p>
@@ -999,7 +1000,7 @@
             <a:fld id="{B61BEF0D-F0BB-DE4B-95CE-6DB70DBA9567}" type="datetimeFigureOut">
               <a:rPr lang="en-US" smtClean="0"/>
               <a:pPr/>
-              <a:t>1/12/2021</a:t>
+              <a:t>1/13/2021</a:t>
             </a:fld>
             <a:endParaRPr lang="en-US" dirty="0"/>
           </a:p>
@@ -1288,7 +1289,7 @@
             <a:fld id="{B61BEF0D-F0BB-DE4B-95CE-6DB70DBA9567}" type="datetimeFigureOut">
               <a:rPr lang="en-US" smtClean="0"/>
               <a:pPr/>
-              <a:t>1/12/2021</a:t>
+              <a:t>1/13/2021</a:t>
             </a:fld>
             <a:endParaRPr lang="en-US" dirty="0"/>
           </a:p>
@@ -1528,7 +1529,7 @@
             <a:fld id="{B61BEF0D-F0BB-DE4B-95CE-6DB70DBA9567}" type="datetimeFigureOut">
               <a:rPr lang="en-US" smtClean="0"/>
               <a:pPr/>
-              <a:t>1/12/2021</a:t>
+              <a:t>1/13/2021</a:t>
             </a:fld>
             <a:endParaRPr lang="en-US" dirty="0"/>
           </a:p>
@@ -1873,7 +1874,7 @@
             <a:fld id="{B61BEF0D-F0BB-DE4B-95CE-6DB70DBA9567}" type="datetimeFigureOut">
               <a:rPr lang="en-US" smtClean="0"/>
               <a:pPr/>
-              <a:t>1/12/2021</a:t>
+              <a:t>1/13/2021</a:t>
             </a:fld>
             <a:endParaRPr lang="en-US" dirty="0"/>
           </a:p>
@@ -2150,7 +2151,7 @@
             <a:fld id="{B61BEF0D-F0BB-DE4B-95CE-6DB70DBA9567}" type="datetimeFigureOut">
               <a:rPr lang="en-US" smtClean="0"/>
               <a:pPr/>
-              <a:t>1/12/2021</a:t>
+              <a:t>1/13/2021</a:t>
             </a:fld>
             <a:endParaRPr lang="en-US" dirty="0"/>
           </a:p>
@@ -2531,7 +2532,7 @@
             <a:fld id="{B61BEF0D-F0BB-DE4B-95CE-6DB70DBA9567}" type="datetimeFigureOut">
               <a:rPr lang="en-US" smtClean="0"/>
               <a:pPr/>
-              <a:t>1/12/2021</a:t>
+              <a:t>1/13/2021</a:t>
             </a:fld>
             <a:endParaRPr lang="en-US" dirty="0"/>
           </a:p>
@@ -2651,7 +2652,7 @@
             <a:fld id="{B61BEF0D-F0BB-DE4B-95CE-6DB70DBA9567}" type="datetimeFigureOut">
               <a:rPr lang="en-US" smtClean="0"/>
               <a:pPr/>
-              <a:t>1/12/2021</a:t>
+              <a:t>1/13/2021</a:t>
             </a:fld>
             <a:endParaRPr lang="en-US" dirty="0"/>
           </a:p>
@@ -2824,7 +2825,7 @@
             <a:fld id="{B61BEF0D-F0BB-DE4B-95CE-6DB70DBA9567}" type="datetimeFigureOut">
               <a:rPr lang="en-US" smtClean="0"/>
               <a:pPr/>
-              <a:t>1/12/2021</a:t>
+              <a:t>1/13/2021</a:t>
             </a:fld>
             <a:endParaRPr lang="en-US" dirty="0"/>
           </a:p>
@@ -3180,7 +3181,7 @@
             <a:fld id="{B61BEF0D-F0BB-DE4B-95CE-6DB70DBA9567}" type="datetimeFigureOut">
               <a:rPr lang="en-US" smtClean="0"/>
               <a:pPr/>
-              <a:t>1/12/2021</a:t>
+              <a:t>1/13/2021</a:t>
             </a:fld>
             <a:endParaRPr lang="en-US" dirty="0"/>
           </a:p>
@@ -3373,7 +3374,7 @@
             <a:fld id="{B61BEF0D-F0BB-DE4B-95CE-6DB70DBA9567}" type="datetimeFigureOut">
               <a:rPr lang="en-US" smtClean="0"/>
               <a:pPr/>
-              <a:t>1/12/2021</a:t>
+              <a:t>1/13/2021</a:t>
             </a:fld>
             <a:endParaRPr lang="en-US" dirty="0"/>
           </a:p>
@@ -3736,7 +3737,7 @@
             <a:fld id="{B61BEF0D-F0BB-DE4B-95CE-6DB70DBA9567}" type="datetimeFigureOut">
               <a:rPr lang="en-US" smtClean="0"/>
               <a:pPr/>
-              <a:t>1/12/2021</a:t>
+              <a:t>1/13/2021</a:t>
             </a:fld>
             <a:endParaRPr lang="en-US" dirty="0"/>
           </a:p>
@@ -3908,7 +3909,7 @@
             <a:fld id="{B61BEF0D-F0BB-DE4B-95CE-6DB70DBA9567}" type="datetimeFigureOut">
               <a:rPr lang="en-US" smtClean="0"/>
               <a:pPr/>
-              <a:t>1/12/2021</a:t>
+              <a:t>1/13/2021</a:t>
             </a:fld>
             <a:endParaRPr lang="en-US" dirty="0"/>
           </a:p>
@@ -4166,7 +4167,7 @@
             <a:fld id="{B61BEF0D-F0BB-DE4B-95CE-6DB70DBA9567}" type="datetimeFigureOut">
               <a:rPr lang="en-US" smtClean="0"/>
               <a:pPr/>
-              <a:t>1/12/2021</a:t>
+              <a:t>1/13/2021</a:t>
             </a:fld>
             <a:endParaRPr lang="en-US" dirty="0"/>
           </a:p>
@@ -4419,7 +4420,7 @@
             <a:fld id="{B61BEF0D-F0BB-DE4B-95CE-6DB70DBA9567}" type="datetimeFigureOut">
               <a:rPr lang="en-US" smtClean="0"/>
               <a:pPr/>
-              <a:t>1/12/2021</a:t>
+              <a:t>1/13/2021</a:t>
             </a:fld>
             <a:endParaRPr lang="en-US" dirty="0"/>
           </a:p>
@@ -4653,7 +4654,7 @@
             <a:fld id="{B61BEF0D-F0BB-DE4B-95CE-6DB70DBA9567}" type="datetimeFigureOut">
               <a:rPr lang="en-US" smtClean="0"/>
               <a:pPr/>
-              <a:t>1/12/2021</a:t>
+              <a:t>1/13/2021</a:t>
             </a:fld>
             <a:endParaRPr lang="en-US" dirty="0"/>
           </a:p>
@@ -5002,7 +5003,7 @@
             <a:fld id="{B61BEF0D-F0BB-DE4B-95CE-6DB70DBA9567}" type="datetimeFigureOut">
               <a:rPr lang="en-US" smtClean="0"/>
               <a:pPr/>
-              <a:t>1/12/2021</a:t>
+              <a:t>1/13/2021</a:t>
             </a:fld>
             <a:endParaRPr lang="en-US" dirty="0"/>
           </a:p>
@@ -5122,7 +5123,7 @@
             <a:fld id="{B61BEF0D-F0BB-DE4B-95CE-6DB70DBA9567}" type="datetimeFigureOut">
               <a:rPr lang="en-US" smtClean="0"/>
               <a:pPr/>
-              <a:t>1/12/2021</a:t>
+              <a:t>1/13/2021</a:t>
             </a:fld>
             <a:endParaRPr lang="en-US" dirty="0"/>
           </a:p>
@@ -5242,7 +5243,7 @@
             <a:fld id="{B61BEF0D-F0BB-DE4B-95CE-6DB70DBA9567}" type="datetimeFigureOut">
               <a:rPr lang="en-US" smtClean="0"/>
               <a:pPr/>
-              <a:t>1/12/2021</a:t>
+              <a:t>1/13/2021</a:t>
             </a:fld>
             <a:endParaRPr lang="en-US" dirty="0"/>
           </a:p>
@@ -5528,7 +5529,7 @@
             <a:fld id="{B61BEF0D-F0BB-DE4B-95CE-6DB70DBA9567}" type="datetimeFigureOut">
               <a:rPr lang="en-US" smtClean="0"/>
               <a:pPr/>
-              <a:t>1/12/2021</a:t>
+              <a:t>1/13/2021</a:t>
             </a:fld>
             <a:endParaRPr lang="en-US" dirty="0"/>
           </a:p>
@@ -5794,7 +5795,7 @@
             <a:fld id="{B61BEF0D-F0BB-DE4B-95CE-6DB70DBA9567}" type="datetimeFigureOut">
               <a:rPr lang="en-US" smtClean="0"/>
               <a:pPr/>
-              <a:t>1/12/2021</a:t>
+              <a:t>1/13/2021</a:t>
             </a:fld>
             <a:endParaRPr lang="en-US" dirty="0"/>
           </a:p>
@@ -6010,7 +6011,7 @@
             <a:fld id="{B61BEF0D-F0BB-DE4B-95CE-6DB70DBA9567}" type="datetimeFigureOut">
               <a:rPr lang="en-US" smtClean="0"/>
               <a:pPr/>
-              <a:t>1/12/2021</a:t>
+              <a:t>1/13/2021</a:t>
             </a:fld>
             <a:endParaRPr lang="en-US" dirty="0"/>
           </a:p>
@@ -6615,7 +6616,7 @@
             <a:fld id="{B61BEF0D-F0BB-DE4B-95CE-6DB70DBA9567}" type="datetimeFigureOut">
               <a:rPr lang="en-US" smtClean="0"/>
               <a:pPr/>
-              <a:t>1/12/2021</a:t>
+              <a:t>1/13/2021</a:t>
             </a:fld>
             <a:endParaRPr lang="en-US" dirty="0"/>
           </a:p>
@@ -8953,7 +8954,7 @@
         <p:spPr>
           <a:xfrm>
             <a:off x="8589629" y="4875771"/>
-            <a:ext cx="2952632" cy="369332"/>
+            <a:ext cx="2952632" cy="646331"/>
           </a:xfrm>
           <a:prstGeom prst="rect">
             <a:avLst/>
@@ -8973,7 +8974,18 @@
                   <a:srgbClr val="FF0000"/>
                 </a:solidFill>
               </a:rPr>
-              <a:t>Change from N</a:t>
+              <a:t>Pressure change </a:t>
+            </a:r>
+          </a:p>
+          <a:p>
+            <a:pPr algn="ctr"/>
+            <a:r>
+              <a:rPr lang="en-US" altLang="ko-KR" b="1" dirty="0">
+                <a:solidFill>
+                  <a:srgbClr val="FF0000"/>
+                </a:solidFill>
+              </a:rPr>
+              <a:t>from N</a:t>
             </a:r>
             <a:r>
               <a:rPr lang="en-US" altLang="ko-KR" b="1" dirty="0">
@@ -9835,21 +9847,32 @@
           <a:p>
             <a:r>
               <a:rPr lang="en-US" altLang="ko-KR" dirty="0"/>
-              <a:t> Decentralized Approach based on RL</a:t>
+              <a:t>  Issues that are hard to apply RL in large-scale network</a:t>
             </a:r>
           </a:p>
           <a:p>
             <a:pPr lvl="1"/>
             <a:r>
-              <a:rPr lang="en-US" altLang="ko-KR" dirty="0"/>
-              <a:t>Considering both scalability and coordination</a:t>
+              <a:rPr lang="en-US" altLang="ko-KR" dirty="0" err="1"/>
+              <a:t>Uni</a:t>
+            </a:r>
+            <a:r>
+              <a:rPr lang="en-US" altLang="ko-KR" dirty="0"/>
+              <a:t>-intersection related reward system</a:t>
             </a:r>
           </a:p>
           <a:p>
             <a:pPr lvl="1"/>
             <a:r>
               <a:rPr lang="en-US" altLang="ko-KR" dirty="0"/>
-              <a:t>Super agent network</a:t>
+              <a:t>Few reward design for direct coordination</a:t>
+            </a:r>
+          </a:p>
+          <a:p>
+            <a:pPr lvl="1"/>
+            <a:r>
+              <a:rPr lang="en-US" altLang="ko-KR" dirty="0"/>
+              <a:t>Current RL method includes infeasible features in the states</a:t>
             </a:r>
           </a:p>
           <a:p>
@@ -9857,39 +9880,27 @@
             <a:endParaRPr lang="en-US" altLang="ko-KR" dirty="0"/>
           </a:p>
           <a:p>
+            <a:r>
+              <a:rPr lang="en-US" altLang="ko-KR" dirty="0"/>
+              <a:t> Decentralized Approach based on RL</a:t>
+            </a:r>
+          </a:p>
+          <a:p>
             <a:pPr lvl="1"/>
+            <a:r>
+              <a:rPr lang="en-US" altLang="ko-KR" dirty="0"/>
+              <a:t>Considering both scalability and coordination</a:t>
+            </a:r>
+          </a:p>
+          <a:p>
+            <a:pPr lvl="1"/>
+            <a:r>
+              <a:rPr lang="en-US" altLang="ko-KR" dirty="0"/>
+              <a:t>Decentralized agent network</a:t>
+            </a:r>
+          </a:p>
+          <a:p>
             <a:endParaRPr lang="en-US" altLang="ko-KR" dirty="0"/>
-          </a:p>
-          <a:p>
-            <a:r>
-              <a:rPr lang="en-US" altLang="ko-KR" dirty="0"/>
-              <a:t> Issues that are hard to apply RL in large-scale network</a:t>
-            </a:r>
-          </a:p>
-          <a:p>
-            <a:pPr lvl="1"/>
-            <a:r>
-              <a:rPr lang="en-US" altLang="ko-KR" dirty="0" err="1"/>
-              <a:t>Uni</a:t>
-            </a:r>
-            <a:r>
-              <a:rPr lang="en-US" altLang="ko-KR" dirty="0"/>
-              <a:t>-intersection related reward system</a:t>
-            </a:r>
-          </a:p>
-          <a:p>
-            <a:pPr lvl="1"/>
-            <a:r>
-              <a:rPr lang="en-US" altLang="ko-KR" dirty="0"/>
-              <a:t>Few reward design for direct coordination</a:t>
-            </a:r>
-          </a:p>
-          <a:p>
-            <a:pPr lvl="1"/>
-            <a:r>
-              <a:rPr lang="en-US" altLang="ko-KR" dirty="0"/>
-              <a:t>Current RL method includes infeasible features in the states</a:t>
-            </a:r>
           </a:p>
           <a:p>
             <a:pPr lvl="2"/>
@@ -9918,7 +9929,7 @@
         </p:blipFill>
         <p:spPr bwMode="auto">
           <a:xfrm>
-            <a:off x="7369444" y="1845734"/>
+            <a:off x="7331344" y="3205610"/>
             <a:ext cx="3502617" cy="1303607"/>
           </a:xfrm>
           <a:prstGeom prst="rect">
@@ -10271,7 +10282,7 @@
             <a:pPr lvl="1"/>
             <a:r>
               <a:rPr lang="en-US" altLang="ko-KR" dirty="0"/>
-              <a:t>Decentralized agent(Super agent) based on Deep Q-Network &lt;- overcome coordination</a:t>
+              <a:t>Decentralized agent based on Deep Q-Network &lt;- overcome coordination</a:t>
             </a:r>
             <a:endParaRPr lang="ko-KR" altLang="en-US" dirty="0"/>
           </a:p>
@@ -10682,132 +10693,221 @@
           </a:p>
         </p:txBody>
       </p:sp>
-      <p:sp>
-        <p:nvSpPr>
-          <p:cNvPr id="3" name="내용 개체 틀 2"/>
-          <p:cNvSpPr>
-            <a:spLocks noGrp="1"/>
-          </p:cNvSpPr>
-          <p:nvPr>
-            <p:ph idx="1"/>
-          </p:nvPr>
-        </p:nvSpPr>
-        <p:spPr/>
-        <p:txBody>
-          <a:bodyPr/>
-          <a:lstStyle/>
-          <a:p>
-            <a:r>
-              <a:rPr lang="en-US" altLang="ko-KR" dirty="0"/>
-              <a:t> FRAP architecture(base model)</a:t>
-            </a:r>
-          </a:p>
-          <a:p>
-            <a:pPr lvl="1"/>
-            <a:r>
-              <a:rPr lang="en-US" altLang="ko-KR" dirty="0"/>
-              <a:t>Flipping and Rotation and considers All phase Configuration</a:t>
-            </a:r>
-          </a:p>
-          <a:p>
-            <a:pPr lvl="1"/>
-            <a:r>
-              <a:rPr lang="en-US" altLang="ko-KR" dirty="0"/>
-              <a:t>Focus on the relation between different traffic movement</a:t>
-            </a:r>
-          </a:p>
-          <a:p>
-            <a:pPr lvl="2"/>
-            <a:r>
-              <a:rPr lang="en-US" altLang="ko-KR" dirty="0"/>
-              <a:t>Reduction of exploration space by rotating and flipping</a:t>
-            </a:r>
-          </a:p>
-          <a:p>
-            <a:pPr lvl="2"/>
-            <a:r>
-              <a:rPr lang="en-US" altLang="ko-KR" dirty="0"/>
-              <a:t>Current model need 8phases experience to learn in the same state</a:t>
-            </a:r>
-            <a:br>
-              <a:rPr lang="en-US" altLang="ko-KR" dirty="0"/>
-            </a:br>
-            <a:r>
-              <a:rPr lang="en-US" altLang="ko-KR" dirty="0">
-                <a:sym typeface="Wingdings" panose="05000000000000000000" pitchFamily="2" charset="2"/>
-              </a:rPr>
-              <a:t> By rotating and flipping, Reduces needed experience in ¼ scale</a:t>
-            </a:r>
-          </a:p>
-          <a:p>
-            <a:pPr lvl="1"/>
-            <a:r>
-              <a:rPr lang="en-US" altLang="ko-KR" dirty="0">
-                <a:sym typeface="Wingdings" panose="05000000000000000000" pitchFamily="2" charset="2"/>
-              </a:rPr>
-              <a:t>Adapting different intersection structure easily by two principles</a:t>
-            </a:r>
-          </a:p>
-          <a:p>
-            <a:pPr lvl="2"/>
-            <a:r>
-              <a:rPr lang="en-US" altLang="ko-KR" dirty="0">
-                <a:sym typeface="Wingdings" panose="05000000000000000000" pitchFamily="2" charset="2"/>
-              </a:rPr>
-              <a:t>Principles of competition: Larger traffic indicates higher demand for ‘green’</a:t>
-            </a:r>
-          </a:p>
-          <a:p>
-            <a:pPr lvl="2"/>
-            <a:r>
-              <a:rPr lang="en-US" altLang="ko-KR" dirty="0">
-                <a:sym typeface="Wingdings" panose="05000000000000000000" pitchFamily="2" charset="2"/>
-              </a:rPr>
-              <a:t>Principles of invariance: signal control should be invariant to symmetries such as rotating and flipping</a:t>
-            </a:r>
-          </a:p>
-          <a:p>
-            <a:pPr lvl="1"/>
-            <a:r>
-              <a:rPr lang="en-US" altLang="ko-KR" dirty="0">
-                <a:sym typeface="Wingdings" panose="05000000000000000000" pitchFamily="2" charset="2"/>
-              </a:rPr>
-              <a:t>Prediction of phase score into tree stages</a:t>
-            </a:r>
-          </a:p>
-          <a:p>
-            <a:pPr lvl="2"/>
-            <a:r>
-              <a:rPr lang="en-US" altLang="ko-KR" dirty="0">
-                <a:sym typeface="Wingdings" panose="05000000000000000000" pitchFamily="2" charset="2"/>
-              </a:rPr>
-              <a:t>Phase demand modeling</a:t>
-            </a:r>
-          </a:p>
-          <a:p>
-            <a:pPr lvl="2"/>
-            <a:r>
-              <a:rPr lang="en-US" altLang="ko-KR" dirty="0">
-                <a:sym typeface="Wingdings" panose="05000000000000000000" pitchFamily="2" charset="2"/>
-              </a:rPr>
-              <a:t>Phase pair representation</a:t>
-            </a:r>
-          </a:p>
-          <a:p>
-            <a:pPr lvl="2"/>
-            <a:r>
-              <a:rPr lang="en-US" altLang="ko-KR" dirty="0">
-                <a:sym typeface="Wingdings" panose="05000000000000000000" pitchFamily="2" charset="2"/>
-              </a:rPr>
-              <a:t>Phase pair competition</a:t>
-            </a:r>
-          </a:p>
-          <a:p>
-            <a:pPr lvl="2"/>
-            <a:endParaRPr lang="ko-KR" altLang="en-US" dirty="0"/>
-          </a:p>
-        </p:txBody>
-      </p:sp>
+      <mc:AlternateContent xmlns:mc="http://schemas.openxmlformats.org/markup-compatibility/2006" xmlns:a14="http://schemas.microsoft.com/office/drawing/2010/main">
+        <mc:Choice Requires="a14">
+          <p:sp>
+            <p:nvSpPr>
+              <p:cNvPr id="3" name="내용 개체 틀 2"/>
+              <p:cNvSpPr>
+                <a:spLocks noGrp="1"/>
+              </p:cNvSpPr>
+              <p:nvPr>
+                <p:ph idx="1"/>
+              </p:nvPr>
+            </p:nvSpPr>
+            <p:spPr/>
+            <p:txBody>
+              <a:bodyPr/>
+              <a:lstStyle/>
+              <a:p>
+                <a:r>
+                  <a:rPr lang="en-US" altLang="ko-KR" dirty="0"/>
+                  <a:t> FRAP architecture(base model)</a:t>
+                </a:r>
+              </a:p>
+              <a:p>
+                <a:pPr lvl="1"/>
+                <a:r>
+                  <a:rPr lang="en-US" altLang="ko-KR" dirty="0"/>
+                  <a:t>Flipping and Rotation and considers All phase Configuration</a:t>
+                </a:r>
+              </a:p>
+              <a:p>
+                <a:pPr lvl="1"/>
+                <a:r>
+                  <a:rPr lang="en-US" altLang="ko-KR" dirty="0"/>
+                  <a:t>Focus on the relation between different traffic movement</a:t>
+                </a:r>
+              </a:p>
+              <a:p>
+                <a:pPr lvl="2"/>
+                <a:r>
+                  <a:rPr lang="en-US" altLang="ko-KR" dirty="0"/>
+                  <a:t>Reduction of exploration space by rotating and flipping</a:t>
+                </a:r>
+              </a:p>
+              <a:p>
+                <a:pPr lvl="2"/>
+                <a:r>
+                  <a:rPr lang="en-US" altLang="ko-KR" dirty="0"/>
+                  <a:t>Current model need 8phases experience to learn in the same state</a:t>
+                </a:r>
+                <a:br>
+                  <a:rPr lang="en-US" altLang="ko-KR" dirty="0"/>
+                </a:br>
+                <a:r>
+                  <a:rPr lang="en-US" altLang="ko-KR" dirty="0">
+                    <a:sym typeface="Wingdings" panose="05000000000000000000" pitchFamily="2" charset="2"/>
+                  </a:rPr>
+                  <a:t> By rotating and flipping, Reduces needed experience in 1/8 scale</a:t>
+                </a:r>
+              </a:p>
+              <a:p>
+                <a:pPr lvl="1"/>
+                <a:r>
+                  <a:rPr lang="en-US" altLang="ko-KR" dirty="0">
+                    <a:sym typeface="Wingdings" panose="05000000000000000000" pitchFamily="2" charset="2"/>
+                  </a:rPr>
+                  <a:t>Adapting different intersection structure easily by two principles</a:t>
+                </a:r>
+              </a:p>
+              <a:p>
+                <a:pPr lvl="2"/>
+                <a:r>
+                  <a:rPr lang="en-US" altLang="ko-KR" dirty="0">
+                    <a:sym typeface="Wingdings" panose="05000000000000000000" pitchFamily="2" charset="2"/>
+                  </a:rPr>
+                  <a:t>Principles of competition: Larger traffic indicates higher demand for ‘green’</a:t>
+                </a:r>
+              </a:p>
+              <a:p>
+                <a:pPr lvl="2"/>
+                <a:r>
+                  <a:rPr lang="en-US" altLang="ko-KR" dirty="0">
+                    <a:sym typeface="Wingdings" panose="05000000000000000000" pitchFamily="2" charset="2"/>
+                  </a:rPr>
+                  <a:t>Principles of invariance: signal control should be invariant to symmetries such as rotating and flipping</a:t>
+                </a:r>
+              </a:p>
+              <a:p>
+                <a:pPr lvl="1"/>
+                <a:r>
+                  <a:rPr lang="en-US" altLang="ko-KR" dirty="0">
+                    <a:sym typeface="Wingdings" panose="05000000000000000000" pitchFamily="2" charset="2"/>
+                  </a:rPr>
+                  <a:t>Prediction of phase score into tree stages(for </a:t>
+                </a:r>
+                <a14:m>
+                  <m:oMath xmlns:m="http://schemas.openxmlformats.org/officeDocument/2006/math">
+                    <m:r>
+                      <a:rPr lang="en-US" altLang="ko-KR" i="1" dirty="0" smtClean="0">
+                        <a:latin typeface="Cambria Math" panose="02040503050406030204" pitchFamily="18" charset="0"/>
+                        <a:sym typeface="Wingdings" panose="05000000000000000000" pitchFamily="2" charset="2"/>
+                      </a:rPr>
+                      <m:t>𝑖</m:t>
+                    </m:r>
+                  </m:oMath>
+                </a14:m>
+                <a:r>
+                  <a:rPr lang="en-US" altLang="ko-KR" dirty="0">
+                    <a:sym typeface="Wingdings" panose="05000000000000000000" pitchFamily="2" charset="2"/>
+                  </a:rPr>
+                  <a:t> traffic movement)</a:t>
+                </a:r>
+              </a:p>
+              <a:p>
+                <a:pPr lvl="2"/>
+                <a:r>
+                  <a:rPr lang="en-US" altLang="ko-KR" dirty="0"/>
+                  <a:t>Phase demand modeling: features from both current phase and # of vehicles through 2 fc-layers </a:t>
+                </a:r>
+              </a:p>
+              <a:p>
+                <a:pPr lvl="2"/>
+                <a:r>
+                  <a:rPr lang="en-US" altLang="ko-KR" dirty="0"/>
+                  <a:t>Phase pair representation: the score of a phase depends on its competition with the other phase</a:t>
+                </a:r>
+              </a:p>
+              <a:p>
+                <a:pPr lvl="2"/>
+                <a:r>
+                  <a:rPr lang="en-US" altLang="ko-KR" dirty="0"/>
+                  <a:t>Phase pair competition: predicted score of a phase </a:t>
+                </a:r>
+                <a14:m>
+                  <m:oMath xmlns:m="http://schemas.openxmlformats.org/officeDocument/2006/math">
+                    <m:r>
+                      <a:rPr lang="en-US" altLang="ko-KR" i="1" dirty="0" smtClean="0">
+                        <a:latin typeface="Cambria Math" panose="02040503050406030204" pitchFamily="18" charset="0"/>
+                      </a:rPr>
+                      <m:t>𝑝</m:t>
+                    </m:r>
+                  </m:oMath>
+                </a14:m>
+                <a:r>
+                  <a:rPr lang="en-US" altLang="ko-KR" dirty="0"/>
+                  <a:t> over all its opponents</a:t>
+                </a:r>
+                <a:endParaRPr lang="ko-KR" altLang="en-US" dirty="0"/>
+              </a:p>
+            </p:txBody>
+          </p:sp>
+        </mc:Choice>
+        <mc:Fallback xmlns="">
+          <p:sp>
+            <p:nvSpPr>
+              <p:cNvPr id="3" name="내용 개체 틀 2"/>
+              <p:cNvSpPr>
+                <a:spLocks noGrp="1" noRot="1" noChangeAspect="1" noMove="1" noResize="1" noEditPoints="1" noAdjustHandles="1" noChangeArrowheads="1" noChangeShapeType="1" noTextEdit="1"/>
+              </p:cNvSpPr>
+              <p:nvPr>
+                <p:ph idx="1"/>
+              </p:nvPr>
+            </p:nvSpPr>
+            <p:spPr>
+              <a:blipFill>
+                <a:blip r:embed="rId3"/>
+                <a:stretch>
+                  <a:fillRect l="-1455" t="-1667"/>
+                </a:stretch>
+              </a:blipFill>
+            </p:spPr>
+            <p:txBody>
+              <a:bodyPr/>
+              <a:lstStyle/>
+              <a:p>
+                <a:r>
+                  <a:rPr lang="ko-KR" altLang="en-US">
+                    <a:noFill/>
+                  </a:rPr>
+                  <a:t> </a:t>
+                </a:r>
+              </a:p>
+            </p:txBody>
+          </p:sp>
+        </mc:Fallback>
+      </mc:AlternateContent>
+      <p:pic>
+        <p:nvPicPr>
+          <p:cNvPr id="6" name="그림 5">
+            <a:extLst>
+              <a:ext uri="{FF2B5EF4-FFF2-40B4-BE49-F238E27FC236}">
+                <a16:creationId xmlns:a16="http://schemas.microsoft.com/office/drawing/2014/main" id="{92D212F8-2689-4A96-99CC-E74F3D325038}"/>
+              </a:ext>
+            </a:extLst>
+          </p:cNvPr>
+          <p:cNvPicPr>
+            <a:picLocks noChangeAspect="1"/>
+          </p:cNvPicPr>
+          <p:nvPr/>
+        </p:nvPicPr>
+        <p:blipFill>
+          <a:blip r:embed="rId4"/>
+          <a:stretch>
+            <a:fillRect/>
+          </a:stretch>
+        </p:blipFill>
+        <p:spPr>
+          <a:xfrm>
+            <a:off x="9504244" y="4079204"/>
+            <a:ext cx="2480142" cy="2217645"/>
+          </a:xfrm>
+          <a:prstGeom prst="rect">
+            <a:avLst/>
+          </a:prstGeom>
+        </p:spPr>
+      </p:pic>
     </p:spTree>
     <p:extLst>
       <p:ext uri="{BB962C8B-B14F-4D97-AF65-F5344CB8AC3E}">
@@ -10840,10 +10940,10 @@
       </p:grpSpPr>
       <p:pic>
         <p:nvPicPr>
-          <p:cNvPr id="16" name="그림 15">
+          <p:cNvPr id="19" name="그림 18">
             <a:extLst>
               <a:ext uri="{FF2B5EF4-FFF2-40B4-BE49-F238E27FC236}">
-                <a16:creationId xmlns:a16="http://schemas.microsoft.com/office/drawing/2014/main" id="{4ED6D56B-65FB-4389-B07B-243CDE4A9722}"/>
+                <a16:creationId xmlns:a16="http://schemas.microsoft.com/office/drawing/2014/main" id="{7A0109DB-4112-4A65-AD63-1297B00C0C94}"/>
               </a:ext>
             </a:extLst>
           </p:cNvPr>
@@ -10860,7 +10960,37 @@
         </p:blipFill>
         <p:spPr>
           <a:xfrm>
-            <a:off x="9362680" y="3050425"/>
+            <a:off x="351818" y="2383350"/>
+            <a:ext cx="8781036" cy="3605152"/>
+          </a:xfrm>
+          <a:prstGeom prst="rect">
+            <a:avLst/>
+          </a:prstGeom>
+        </p:spPr>
+      </p:pic>
+      <p:pic>
+        <p:nvPicPr>
+          <p:cNvPr id="16" name="그림 15">
+            <a:extLst>
+              <a:ext uri="{FF2B5EF4-FFF2-40B4-BE49-F238E27FC236}">
+                <a16:creationId xmlns:a16="http://schemas.microsoft.com/office/drawing/2014/main" id="{4ED6D56B-65FB-4389-B07B-243CDE4A9722}"/>
+              </a:ext>
+            </a:extLst>
+          </p:cNvPr>
+          <p:cNvPicPr>
+            <a:picLocks noChangeAspect="1"/>
+          </p:cNvPicPr>
+          <p:nvPr/>
+        </p:nvPicPr>
+        <p:blipFill>
+          <a:blip r:embed="rId3"/>
+          <a:stretch>
+            <a:fillRect/>
+          </a:stretch>
+        </p:blipFill>
+        <p:spPr>
+          <a:xfrm>
+            <a:off x="9207790" y="2687300"/>
             <a:ext cx="2829320" cy="3181794"/>
           </a:xfrm>
           <a:prstGeom prst="rect">
@@ -10897,142 +11027,34 @@
           </a:p>
         </p:txBody>
       </p:sp>
-      <mc:AlternateContent xmlns:mc="http://schemas.openxmlformats.org/markup-compatibility/2006" xmlns:a14="http://schemas.microsoft.com/office/drawing/2010/main">
-        <mc:Choice Requires="a14">
-          <p:sp>
-            <p:nvSpPr>
-              <p:cNvPr id="3" name="내용 개체 틀 2">
-                <a:extLst>
-                  <a:ext uri="{FF2B5EF4-FFF2-40B4-BE49-F238E27FC236}">
-                    <a16:creationId xmlns:a16="http://schemas.microsoft.com/office/drawing/2014/main" id="{68F8FDCE-B465-4A7B-954C-35E7067D9D7A}"/>
-                  </a:ext>
-                </a:extLst>
-              </p:cNvPr>
-              <p:cNvSpPr>
-                <a:spLocks noGrp="1"/>
-              </p:cNvSpPr>
-              <p:nvPr>
-                <p:ph idx="1"/>
-              </p:nvPr>
-            </p:nvSpPr>
-            <p:spPr/>
-            <p:txBody>
-              <a:bodyPr/>
-              <a:lstStyle/>
-              <a:p>
-                <a:r>
-                  <a:rPr lang="en-US" altLang="ko-KR" dirty="0"/>
-                  <a:t> FRAP Network (Prediction of phase score into three stages)</a:t>
-                </a:r>
-              </a:p>
-              <a:p>
-                <a:pPr lvl="1"/>
-                <a:r>
-                  <a:rPr lang="en-US" altLang="ko-KR" dirty="0"/>
-                  <a:t>Phase demand modeling: features from both current phase and # of vehicles through 2 fc-layers </a:t>
-                </a:r>
-              </a:p>
-              <a:p>
-                <a:pPr lvl="1"/>
-                <a:r>
-                  <a:rPr lang="en-US" altLang="ko-KR" dirty="0"/>
-                  <a:t>Phase pair representation: the score of a phase depends on its competition with the other phase</a:t>
-                </a:r>
-              </a:p>
-              <a:p>
-                <a:pPr lvl="1"/>
-                <a:r>
-                  <a:rPr lang="en-US" altLang="ko-KR" dirty="0"/>
-                  <a:t>Phase pair competition: predicted score of a phase </a:t>
-                </a:r>
-                <a14:m>
-                  <m:oMath xmlns:m="http://schemas.openxmlformats.org/officeDocument/2006/math">
-                    <m:r>
-                      <a:rPr lang="en-US" altLang="ko-KR" i="1" dirty="0" smtClean="0">
-                        <a:latin typeface="Cambria Math" panose="02040503050406030204" pitchFamily="18" charset="0"/>
-                      </a:rPr>
-                      <m:t>𝑝</m:t>
-                    </m:r>
-                  </m:oMath>
-                </a14:m>
-                <a:r>
-                  <a:rPr lang="en-US" altLang="ko-KR" dirty="0"/>
-                  <a:t> over all its opponents</a:t>
-                </a:r>
-                <a:endParaRPr lang="ko-KR" altLang="en-US" dirty="0"/>
-              </a:p>
-            </p:txBody>
-          </p:sp>
-        </mc:Choice>
-        <mc:Fallback xmlns="">
-          <p:sp>
-            <p:nvSpPr>
-              <p:cNvPr id="3" name="내용 개체 틀 2">
-                <a:extLst>
-                  <a:ext uri="{FF2B5EF4-FFF2-40B4-BE49-F238E27FC236}">
-                    <a16:creationId xmlns:a16="http://schemas.microsoft.com/office/drawing/2014/main" id="{68F8FDCE-B465-4A7B-954C-35E7067D9D7A}"/>
-                  </a:ext>
-                </a:extLst>
-              </p:cNvPr>
-              <p:cNvSpPr>
-                <a:spLocks noGrp="1" noRot="1" noChangeAspect="1" noMove="1" noResize="1" noEditPoints="1" noAdjustHandles="1" noChangeArrowheads="1" noChangeShapeType="1" noTextEdit="1"/>
-              </p:cNvSpPr>
-              <p:nvPr>
-                <p:ph idx="1"/>
-              </p:nvPr>
-            </p:nvSpPr>
-            <p:spPr>
-              <a:blipFill>
-                <a:blip r:embed="rId3"/>
-                <a:stretch>
-                  <a:fillRect l="-1455" t="-1667"/>
-                </a:stretch>
-              </a:blipFill>
-            </p:spPr>
-            <p:txBody>
-              <a:bodyPr/>
-              <a:lstStyle/>
-              <a:p>
-                <a:r>
-                  <a:rPr lang="ko-KR" altLang="en-US">
-                    <a:noFill/>
-                  </a:rPr>
-                  <a:t> </a:t>
-                </a:r>
-              </a:p>
-            </p:txBody>
-          </p:sp>
-        </mc:Fallback>
-      </mc:AlternateContent>
-      <p:pic>
-        <p:nvPicPr>
-          <p:cNvPr id="4" name="그림 3">
+      <p:sp>
+        <p:nvSpPr>
+          <p:cNvPr id="3" name="내용 개체 틀 2">
             <a:extLst>
               <a:ext uri="{FF2B5EF4-FFF2-40B4-BE49-F238E27FC236}">
-                <a16:creationId xmlns:a16="http://schemas.microsoft.com/office/drawing/2014/main" id="{C9B6518B-8EC3-4B8C-96BB-87F5161AE31C}"/>
+                <a16:creationId xmlns:a16="http://schemas.microsoft.com/office/drawing/2014/main" id="{68F8FDCE-B465-4A7B-954C-35E7067D9D7A}"/>
               </a:ext>
             </a:extLst>
           </p:cNvPr>
-          <p:cNvPicPr>
-            <a:picLocks noChangeAspect="1"/>
-          </p:cNvPicPr>
-          <p:nvPr/>
-        </p:nvPicPr>
-        <p:blipFill rotWithShape="1">
-          <a:blip r:embed="rId4"/>
-          <a:srcRect r="1423"/>
-          <a:stretch/>
-        </p:blipFill>
-        <p:spPr>
-          <a:xfrm>
-            <a:off x="1226434" y="3606943"/>
-            <a:ext cx="8211747" cy="2526870"/>
-          </a:xfrm>
-          <a:prstGeom prst="rect">
-            <a:avLst/>
-          </a:prstGeom>
-        </p:spPr>
-      </p:pic>
+          <p:cNvSpPr>
+            <a:spLocks noGrp="1"/>
+          </p:cNvSpPr>
+          <p:nvPr>
+            <p:ph idx="1"/>
+          </p:nvPr>
+        </p:nvSpPr>
+        <p:spPr/>
+        <p:txBody>
+          <a:bodyPr/>
+          <a:lstStyle/>
+          <a:p>
+            <a:r>
+              <a:rPr lang="en-US" altLang="ko-KR" dirty="0"/>
+              <a:t> FRAP Network (Prediction of phase score into three stages)</a:t>
+            </a:r>
+          </a:p>
+        </p:txBody>
+      </p:sp>
       <p:sp>
         <p:nvSpPr>
           <p:cNvPr id="5" name="사각형: 둥근 모서리 4">
@@ -11047,8 +11069,8 @@
         </p:nvSpPr>
         <p:spPr>
           <a:xfrm>
-            <a:off x="1226434" y="3606943"/>
-            <a:ext cx="1832714" cy="1099281"/>
+            <a:off x="344926" y="2484699"/>
+            <a:ext cx="1832714" cy="1358647"/>
           </a:xfrm>
           <a:prstGeom prst="roundRect">
             <a:avLst/>
@@ -11099,8 +11121,8 @@
         </p:nvSpPr>
         <p:spPr>
           <a:xfrm>
-            <a:off x="1226434" y="4769813"/>
-            <a:ext cx="1832714" cy="1099281"/>
+            <a:off x="305810" y="4274157"/>
+            <a:ext cx="2027308" cy="1489080"/>
           </a:xfrm>
           <a:prstGeom prst="roundRect">
             <a:avLst/>
@@ -11151,7 +11173,7 @@
         </p:nvSpPr>
         <p:spPr>
           <a:xfrm>
-            <a:off x="25166" y="4444614"/>
+            <a:off x="-8390" y="3811381"/>
             <a:ext cx="1372961" cy="523220"/>
           </a:xfrm>
           <a:prstGeom prst="rect">
@@ -11189,7 +11211,7 @@
         </p:nvSpPr>
         <p:spPr>
           <a:xfrm>
-            <a:off x="2079663" y="3790460"/>
+            <a:off x="1364571" y="2574181"/>
             <a:ext cx="126256" cy="133907"/>
           </a:xfrm>
           <a:prstGeom prst="ellipse">
@@ -11235,7 +11257,7 @@
         </p:nvSpPr>
         <p:spPr>
           <a:xfrm>
-            <a:off x="2079663" y="4048138"/>
+            <a:off x="1356182" y="2925032"/>
             <a:ext cx="126256" cy="133907"/>
           </a:xfrm>
           <a:prstGeom prst="ellipse">
@@ -11281,7 +11303,7 @@
         </p:nvSpPr>
         <p:spPr>
           <a:xfrm>
-            <a:off x="2525500" y="4020858"/>
+            <a:off x="1950221" y="2882928"/>
             <a:ext cx="126256" cy="133907"/>
           </a:xfrm>
           <a:prstGeom prst="ellipse">
@@ -11327,7 +11349,7 @@
         </p:nvSpPr>
         <p:spPr>
           <a:xfrm>
-            <a:off x="132002" y="3450050"/>
+            <a:off x="121953" y="1978055"/>
             <a:ext cx="956744" cy="276999"/>
           </a:xfrm>
           <a:prstGeom prst="rect">
@@ -11366,7 +11388,7 @@
         </p:nvSpPr>
         <p:spPr>
           <a:xfrm>
-            <a:off x="0" y="3680883"/>
+            <a:off x="19592" y="2243409"/>
             <a:ext cx="1088746" cy="276999"/>
           </a:xfrm>
           <a:prstGeom prst="rect">
@@ -11409,8 +11431,8 @@
         </p:nvCxnSpPr>
         <p:spPr>
           <a:xfrm>
-            <a:off x="1088746" y="3819383"/>
-            <a:ext cx="990917" cy="295709"/>
+            <a:off x="1108338" y="2381909"/>
+            <a:ext cx="247844" cy="610077"/>
           </a:xfrm>
           <a:prstGeom prst="straightConnector1">
             <a:avLst/>
@@ -11448,8 +11470,8 @@
         </p:nvCxnSpPr>
         <p:spPr>
           <a:xfrm>
-            <a:off x="1088746" y="3588550"/>
-            <a:ext cx="990917" cy="268864"/>
+            <a:off x="1078697" y="2116555"/>
+            <a:ext cx="285874" cy="524580"/>
           </a:xfrm>
           <a:prstGeom prst="straightConnector1">
             <a:avLst/>
@@ -11484,7 +11506,7 @@
         </p:nvSpPr>
         <p:spPr>
           <a:xfrm>
-            <a:off x="3184894" y="3716423"/>
+            <a:off x="2628609" y="2372198"/>
             <a:ext cx="1120888" cy="276999"/>
           </a:xfrm>
           <a:prstGeom prst="rect">
@@ -11525,8 +11547,8 @@
         </p:nvCxnSpPr>
         <p:spPr>
           <a:xfrm flipH="1">
-            <a:off x="2651756" y="3854923"/>
-            <a:ext cx="533138" cy="232889"/>
+            <a:off x="2076477" y="2510698"/>
+            <a:ext cx="552132" cy="439184"/>
           </a:xfrm>
           <a:prstGeom prst="straightConnector1">
             <a:avLst/>
@@ -11534,6 +11556,87 @@
           <a:ln>
             <a:solidFill>
               <a:srgbClr val="FF0000"/>
+            </a:solidFill>
+            <a:tailEnd type="triangle"/>
+          </a:ln>
+        </p:spPr>
+        <p:style>
+          <a:lnRef idx="1">
+            <a:schemeClr val="accent1"/>
+          </a:lnRef>
+          <a:fillRef idx="0">
+            <a:schemeClr val="accent1"/>
+          </a:fillRef>
+          <a:effectRef idx="0">
+            <a:schemeClr val="accent1"/>
+          </a:effectRef>
+          <a:fontRef idx="minor">
+            <a:schemeClr val="tx1"/>
+          </a:fontRef>
+        </p:style>
+      </p:cxnSp>
+      <p:sp>
+        <p:nvSpPr>
+          <p:cNvPr id="35" name="TextBox 34">
+            <a:extLst>
+              <a:ext uri="{FF2B5EF4-FFF2-40B4-BE49-F238E27FC236}">
+                <a16:creationId xmlns:a16="http://schemas.microsoft.com/office/drawing/2014/main" id="{08AF6C6C-4481-43BE-9C4B-8FD3F0097318}"/>
+              </a:ext>
+            </a:extLst>
+          </p:cNvPr>
+          <p:cNvSpPr txBox="1"/>
+          <p:nvPr/>
+        </p:nvSpPr>
+        <p:spPr>
+          <a:xfrm>
+            <a:off x="3973915" y="2207700"/>
+            <a:ext cx="1285982" cy="276999"/>
+          </a:xfrm>
+          <a:prstGeom prst="rect">
+            <a:avLst/>
+          </a:prstGeom>
+          <a:noFill/>
+        </p:spPr>
+        <p:txBody>
+          <a:bodyPr wrap="square" rtlCol="0">
+            <a:spAutoFit/>
+          </a:bodyPr>
+          <a:lstStyle/>
+          <a:p>
+            <a:r>
+              <a:rPr lang="en-US" altLang="ko-KR" sz="1200" dirty="0"/>
+              <a:t>Check Conflicting</a:t>
+            </a:r>
+            <a:endParaRPr lang="ko-KR" altLang="en-US" sz="1200" dirty="0"/>
+          </a:p>
+        </p:txBody>
+      </p:sp>
+      <p:cxnSp>
+        <p:nvCxnSpPr>
+          <p:cNvPr id="36" name="직선 화살표 연결선 35">
+            <a:extLst>
+              <a:ext uri="{FF2B5EF4-FFF2-40B4-BE49-F238E27FC236}">
+                <a16:creationId xmlns:a16="http://schemas.microsoft.com/office/drawing/2014/main" id="{AE00169E-3E5D-429E-A7F4-82F69404FAC3}"/>
+              </a:ext>
+            </a:extLst>
+          </p:cNvPr>
+          <p:cNvCxnSpPr>
+            <a:cxnSpLocks/>
+            <a:stCxn id="35" idx="1"/>
+          </p:cNvCxnSpPr>
+          <p:nvPr/>
+        </p:nvCxnSpPr>
+        <p:spPr>
+          <a:xfrm flipH="1">
+            <a:off x="3492015" y="2346200"/>
+            <a:ext cx="481900" cy="686057"/>
+          </a:xfrm>
+          <a:prstGeom prst="straightConnector1">
+            <a:avLst/>
+          </a:prstGeom>
+          <a:ln>
+            <a:solidFill>
+              <a:schemeClr val="tx1"/>
             </a:solidFill>
             <a:tailEnd type="triangle"/>
           </a:ln>
@@ -12238,7 +12341,12 @@
             <p:ph type="title"/>
           </p:nvPr>
         </p:nvSpPr>
-        <p:spPr/>
+        <p:spPr>
+          <a:xfrm>
+            <a:off x="1097280" y="286300"/>
+            <a:ext cx="10058400" cy="1450757"/>
+          </a:xfrm>
+        </p:spPr>
         <p:txBody>
           <a:bodyPr/>
           <a:lstStyle/>
@@ -12419,7 +12527,7 @@
                   <a:rPr lang="en-US" altLang="ko-KR" dirty="0">
                     <a:sym typeface="Wingdings" panose="05000000000000000000" pitchFamily="2" charset="2"/>
                   </a:rPr>
-                  <a:t> by maximizing the reward, agent will try to stabilizing </a:t>
+                  <a:t> by maximizing the reward, agent will try to stabilize</a:t>
                 </a:r>
                 <a:endParaRPr lang="en-US" altLang="ko-KR" dirty="0"/>
               </a:p>
@@ -12498,7 +12606,7 @@
         </p:nvCxnSpPr>
         <p:spPr>
           <a:xfrm flipH="1" flipV="1">
-            <a:off x="7609797" y="4445744"/>
+            <a:off x="7619287" y="4461164"/>
             <a:ext cx="879968" cy="820100"/>
           </a:xfrm>
           <a:prstGeom prst="straightConnector1">
@@ -12572,7 +12680,7 @@
         </p:nvSpPr>
         <p:spPr>
           <a:xfrm>
-            <a:off x="6836956" y="2777633"/>
+            <a:off x="6846446" y="2793053"/>
             <a:ext cx="1545682" cy="1668111"/>
           </a:xfrm>
           <a:prstGeom prst="rect">
@@ -12855,7 +12963,7 @@
         </p:nvSpPr>
         <p:spPr>
           <a:xfrm>
-            <a:off x="8317598" y="3007190"/>
+            <a:off x="8334376" y="3007190"/>
             <a:ext cx="1591590" cy="566239"/>
           </a:xfrm>
           <a:prstGeom prst="roundRect">
@@ -12949,7 +13057,7 @@
         </p:nvCxnSpPr>
         <p:spPr>
           <a:xfrm flipH="1">
-            <a:off x="9909188" y="2524447"/>
+            <a:off x="9925966" y="2524447"/>
             <a:ext cx="739699" cy="765863"/>
           </a:xfrm>
           <a:prstGeom prst="straightConnector1">
@@ -14070,7 +14178,7 @@
               <a:rPr lang="en-US" altLang="ko-KR" dirty="0">
                 <a:sym typeface="Wingdings" panose="05000000000000000000" pitchFamily="2" charset="2"/>
               </a:rPr>
-              <a:t> Multi-agent learning</a:t>
+              <a:t> Multi-agent learning(scalable)</a:t>
             </a:r>
             <a:endParaRPr lang="ko-KR" altLang="en-US" dirty="0"/>
           </a:p>
@@ -14693,45 +14801,37 @@
             </a:r>
             <a:r>
               <a:rPr lang="en-US" altLang="ko-KR" dirty="0"/>
-              <a:t>: 90s (time step: 90</a:t>
+              <a:t>: 90s (1 time step: 90s)</a:t>
+            </a:r>
+            <a:br>
+              <a:rPr lang="en-US" altLang="ko-KR" dirty="0"/>
+            </a:br>
+            <a:r>
+              <a:rPr lang="en-US" altLang="ko-KR" dirty="0"/>
+              <a:t>- simulation Step: 1s</a:t>
+            </a:r>
+            <a:br>
+              <a:rPr lang="en-US" altLang="ko-KR" dirty="0"/>
+            </a:br>
+            <a:r>
+              <a:rPr lang="en-US" altLang="ko-KR" dirty="0"/>
+              <a:t>- target update</a:t>
             </a:r>
             <a:r>
               <a:rPr lang="ko-KR" altLang="en-US" dirty="0"/>
-              <a:t>초</a:t>
-            </a:r>
-            <a:r>
-              <a:rPr lang="en-US" altLang="ko-KR" dirty="0"/>
-              <a:t>)</a:t>
-            </a:r>
-            <a:br>
-              <a:rPr lang="en-US" altLang="ko-KR" dirty="0"/>
-            </a:br>
-            <a:r>
-              <a:rPr lang="en-US" altLang="ko-KR" dirty="0"/>
-              <a:t>- simulation Step: 1s</a:t>
-            </a:r>
-            <a:br>
-              <a:rPr lang="en-US" altLang="ko-KR" dirty="0"/>
-            </a:br>
-            <a:r>
-              <a:rPr lang="en-US" altLang="ko-KR" dirty="0"/>
-              <a:t>- target update</a:t>
+              <a:t> </a:t>
+            </a:r>
+            <a:r>
+              <a:rPr lang="en-US" altLang="ko-KR" dirty="0"/>
+              <a:t>period: every</a:t>
             </a:r>
             <a:r>
               <a:rPr lang="ko-KR" altLang="en-US" dirty="0"/>
-              <a:t>주기</a:t>
-            </a:r>
-            <a:r>
-              <a:rPr lang="en-US" altLang="ko-KR" dirty="0"/>
-              <a:t>: </a:t>
-            </a:r>
-            <a:r>
-              <a:rPr lang="ko-KR" altLang="en-US" dirty="0"/>
-              <a:t>매 </a:t>
-            </a:r>
-            <a:r>
-              <a:rPr lang="en-US" altLang="ko-KR" dirty="0"/>
-              <a:t>10 time step(900s)</a:t>
+              <a:t> </a:t>
+            </a:r>
+            <a:r>
+              <a:rPr lang="en-US" altLang="ko-KR" dirty="0"/>
+              <a:t>10 time steps(900s)</a:t>
             </a:r>
           </a:p>
           <a:p>
@@ -14898,9 +14998,372 @@
             </a:r>
             <a:r>
               <a:rPr lang="en-US" altLang="ko-KR" dirty="0" err="1"/>
-              <a:t>GGGGGggrrrrrrrrGGGGGggrrrrrrrr</a:t>
+              <a:t>rrrrrrrGGGGGggrrrrrrrGGGGGgg</a:t>
             </a:r>
             <a:endParaRPr lang="en-US" altLang="ko-KR" dirty="0"/>
+          </a:p>
+          <a:p>
+            <a:pPr lvl="2"/>
+            <a:r>
+              <a:rPr lang="en-US" altLang="ko-KR" dirty="0"/>
+              <a:t>Min duration</a:t>
+            </a:r>
+            <a:r>
+              <a:rPr lang="ko-KR" altLang="en-US" dirty="0"/>
+              <a:t>과 </a:t>
+            </a:r>
+            <a:r>
+              <a:rPr lang="en-US" altLang="ko-KR" dirty="0"/>
+              <a:t>Max duration</a:t>
+            </a:r>
+            <a:r>
+              <a:rPr lang="ko-KR" altLang="en-US" dirty="0"/>
+              <a:t>이 존재하는 이유는 최소 유지 </a:t>
+            </a:r>
+            <a:r>
+              <a:rPr lang="en-US" altLang="ko-KR" dirty="0"/>
+              <a:t>20</a:t>
+            </a:r>
+            <a:r>
+              <a:rPr lang="ko-KR" altLang="en-US" dirty="0"/>
+              <a:t>초가 필요하기 때문</a:t>
+            </a:r>
+            <a:endParaRPr lang="en-US" altLang="ko-KR" dirty="0"/>
+          </a:p>
+        </p:txBody>
+      </p:sp>
+      <p:pic>
+        <p:nvPicPr>
+          <p:cNvPr id="5" name="그림 4">
+            <a:extLst>
+              <a:ext uri="{FF2B5EF4-FFF2-40B4-BE49-F238E27FC236}">
+                <a16:creationId xmlns:a16="http://schemas.microsoft.com/office/drawing/2014/main" id="{4D14D73B-8DF6-4BB1-BC31-95B89AB4C776}"/>
+              </a:ext>
+            </a:extLst>
+          </p:cNvPr>
+          <p:cNvPicPr>
+            <a:picLocks noChangeAspect="1"/>
+          </p:cNvPicPr>
+          <p:nvPr/>
+        </p:nvPicPr>
+        <p:blipFill>
+          <a:blip r:embed="rId2"/>
+          <a:stretch>
+            <a:fillRect/>
+          </a:stretch>
+        </p:blipFill>
+        <p:spPr>
+          <a:xfrm>
+            <a:off x="10370269" y="3628615"/>
+            <a:ext cx="695422" cy="2619741"/>
+          </a:xfrm>
+          <a:prstGeom prst="rect">
+            <a:avLst/>
+          </a:prstGeom>
+        </p:spPr>
+      </p:pic>
+      <p:cxnSp>
+        <p:nvCxnSpPr>
+          <p:cNvPr id="6" name="직선 화살표 연결선 5">
+            <a:extLst>
+              <a:ext uri="{FF2B5EF4-FFF2-40B4-BE49-F238E27FC236}">
+                <a16:creationId xmlns:a16="http://schemas.microsoft.com/office/drawing/2014/main" id="{5A09AADF-904C-493E-8E93-4318305238E6}"/>
+              </a:ext>
+            </a:extLst>
+          </p:cNvPr>
+          <p:cNvCxnSpPr>
+            <a:cxnSpLocks/>
+            <a:stCxn id="7" idx="2"/>
+          </p:cNvCxnSpPr>
+          <p:nvPr/>
+        </p:nvCxnSpPr>
+        <p:spPr>
+          <a:xfrm>
+            <a:off x="10103055" y="2892812"/>
+            <a:ext cx="478203" cy="1185702"/>
+          </a:xfrm>
+          <a:prstGeom prst="straightConnector1">
+            <a:avLst/>
+          </a:prstGeom>
+          <a:ln>
+            <a:solidFill>
+              <a:srgbClr val="FF0000"/>
+            </a:solidFill>
+            <a:tailEnd type="triangle"/>
+          </a:ln>
+        </p:spPr>
+        <p:style>
+          <a:lnRef idx="1">
+            <a:schemeClr val="accent2"/>
+          </a:lnRef>
+          <a:fillRef idx="0">
+            <a:schemeClr val="accent2"/>
+          </a:fillRef>
+          <a:effectRef idx="0">
+            <a:schemeClr val="accent2"/>
+          </a:effectRef>
+          <a:fontRef idx="minor">
+            <a:schemeClr val="tx1"/>
+          </a:fontRef>
+        </p:style>
+      </p:cxnSp>
+      <p:sp>
+        <p:nvSpPr>
+          <p:cNvPr id="7" name="TextBox 6">
+            <a:extLst>
+              <a:ext uri="{FF2B5EF4-FFF2-40B4-BE49-F238E27FC236}">
+                <a16:creationId xmlns:a16="http://schemas.microsoft.com/office/drawing/2014/main" id="{6C888D11-FA0C-4843-BFD9-F45EF2FB8EB3}"/>
+              </a:ext>
+            </a:extLst>
+          </p:cNvPr>
+          <p:cNvSpPr txBox="1"/>
+          <p:nvPr/>
+        </p:nvSpPr>
+        <p:spPr>
+          <a:xfrm>
+            <a:off x="9424748" y="2523480"/>
+            <a:ext cx="1356613" cy="369332"/>
+          </a:xfrm>
+          <a:prstGeom prst="rect">
+            <a:avLst/>
+          </a:prstGeom>
+          <a:noFill/>
+        </p:spPr>
+        <p:txBody>
+          <a:bodyPr wrap="square" rtlCol="0">
+            <a:spAutoFit/>
+          </a:bodyPr>
+          <a:lstStyle/>
+          <a:p>
+            <a:r>
+              <a:rPr lang="en-US" altLang="ko-KR" b="1" dirty="0">
+                <a:solidFill>
+                  <a:srgbClr val="FF0000"/>
+                </a:solidFill>
+              </a:rPr>
+              <a:t>Junction B2</a:t>
+            </a:r>
+            <a:endParaRPr lang="ko-KR" altLang="en-US" b="1" dirty="0">
+              <a:solidFill>
+                <a:srgbClr val="FF0000"/>
+              </a:solidFill>
+            </a:endParaRPr>
+          </a:p>
+        </p:txBody>
+      </p:sp>
+      <p:sp>
+        <p:nvSpPr>
+          <p:cNvPr id="10" name="직사각형 9">
+            <a:extLst>
+              <a:ext uri="{FF2B5EF4-FFF2-40B4-BE49-F238E27FC236}">
+                <a16:creationId xmlns:a16="http://schemas.microsoft.com/office/drawing/2014/main" id="{A62F7890-EA6D-48A9-A68C-EBA99B6906DB}"/>
+              </a:ext>
+            </a:extLst>
+          </p:cNvPr>
+          <p:cNvSpPr/>
+          <p:nvPr/>
+        </p:nvSpPr>
+        <p:spPr>
+          <a:xfrm>
+            <a:off x="10536795" y="3857414"/>
+            <a:ext cx="159391" cy="67112"/>
+          </a:xfrm>
+          <a:prstGeom prst="rect">
+            <a:avLst/>
+          </a:prstGeom>
+          <a:solidFill>
+            <a:srgbClr val="00B050"/>
+          </a:solidFill>
+          <a:ln>
+            <a:solidFill>
+              <a:srgbClr val="00B050"/>
+            </a:solidFill>
+          </a:ln>
+        </p:spPr>
+        <p:style>
+          <a:lnRef idx="2">
+            <a:schemeClr val="accent1">
+              <a:shade val="50000"/>
+            </a:schemeClr>
+          </a:lnRef>
+          <a:fillRef idx="1">
+            <a:schemeClr val="accent1"/>
+          </a:fillRef>
+          <a:effectRef idx="0">
+            <a:schemeClr val="accent1"/>
+          </a:effectRef>
+          <a:fontRef idx="minor">
+            <a:schemeClr val="lt1"/>
+          </a:fontRef>
+        </p:style>
+        <p:txBody>
+          <a:bodyPr rtlCol="0" anchor="ctr"/>
+          <a:lstStyle/>
+          <a:p>
+            <a:pPr algn="ctr"/>
+            <a:endParaRPr lang="ko-KR" altLang="en-US"/>
+          </a:p>
+        </p:txBody>
+      </p:sp>
+      <p:sp>
+        <p:nvSpPr>
+          <p:cNvPr id="11" name="직사각형 10">
+            <a:extLst>
+              <a:ext uri="{FF2B5EF4-FFF2-40B4-BE49-F238E27FC236}">
+                <a16:creationId xmlns:a16="http://schemas.microsoft.com/office/drawing/2014/main" id="{D95B4514-B4D0-452C-9BF1-58A357ABE061}"/>
+              </a:ext>
+            </a:extLst>
+          </p:cNvPr>
+          <p:cNvSpPr/>
+          <p:nvPr/>
+        </p:nvSpPr>
+        <p:spPr>
+          <a:xfrm>
+            <a:off x="10638861" y="4278262"/>
+            <a:ext cx="159391" cy="67112"/>
+          </a:xfrm>
+          <a:prstGeom prst="rect">
+            <a:avLst/>
+          </a:prstGeom>
+          <a:solidFill>
+            <a:srgbClr val="00B050"/>
+          </a:solidFill>
+          <a:ln>
+            <a:solidFill>
+              <a:srgbClr val="00B050"/>
+            </a:solidFill>
+          </a:ln>
+        </p:spPr>
+        <p:style>
+          <a:lnRef idx="2">
+            <a:schemeClr val="accent1">
+              <a:shade val="50000"/>
+            </a:schemeClr>
+          </a:lnRef>
+          <a:fillRef idx="1">
+            <a:schemeClr val="accent1"/>
+          </a:fillRef>
+          <a:effectRef idx="0">
+            <a:schemeClr val="accent1"/>
+          </a:effectRef>
+          <a:fontRef idx="minor">
+            <a:schemeClr val="lt1"/>
+          </a:fontRef>
+        </p:style>
+        <p:txBody>
+          <a:bodyPr rtlCol="0" anchor="ctr"/>
+          <a:lstStyle/>
+          <a:p>
+            <a:pPr algn="ctr"/>
+            <a:endParaRPr lang="ko-KR" altLang="en-US"/>
+          </a:p>
+        </p:txBody>
+      </p:sp>
+      <p:sp>
+        <p:nvSpPr>
+          <p:cNvPr id="12" name="직사각형 11">
+            <a:extLst>
+              <a:ext uri="{FF2B5EF4-FFF2-40B4-BE49-F238E27FC236}">
+                <a16:creationId xmlns:a16="http://schemas.microsoft.com/office/drawing/2014/main" id="{1A6894DC-ACC2-4527-B7CB-FBCF8D86C836}"/>
+              </a:ext>
+            </a:extLst>
+          </p:cNvPr>
+          <p:cNvSpPr/>
+          <p:nvPr/>
+        </p:nvSpPr>
+        <p:spPr>
+          <a:xfrm rot="5400000">
+            <a:off x="10770252" y="4044958"/>
+            <a:ext cx="159391" cy="67112"/>
+          </a:xfrm>
+          <a:prstGeom prst="rect">
+            <a:avLst/>
+          </a:prstGeom>
+          <a:solidFill>
+            <a:srgbClr val="FF0000"/>
+          </a:solidFill>
+          <a:ln>
+            <a:solidFill>
+              <a:srgbClr val="FF0000"/>
+            </a:solidFill>
+          </a:ln>
+        </p:spPr>
+        <p:style>
+          <a:lnRef idx="2">
+            <a:schemeClr val="accent1">
+              <a:shade val="50000"/>
+            </a:schemeClr>
+          </a:lnRef>
+          <a:fillRef idx="1">
+            <a:schemeClr val="accent1"/>
+          </a:fillRef>
+          <a:effectRef idx="0">
+            <a:schemeClr val="accent1"/>
+          </a:effectRef>
+          <a:fontRef idx="minor">
+            <a:schemeClr val="lt1"/>
+          </a:fontRef>
+        </p:style>
+        <p:txBody>
+          <a:bodyPr rtlCol="0" anchor="ctr"/>
+          <a:lstStyle/>
+          <a:p>
+            <a:pPr algn="ctr"/>
+            <a:endParaRPr lang="ko-KR" altLang="en-US"/>
+          </a:p>
+        </p:txBody>
+      </p:sp>
+      <p:sp>
+        <p:nvSpPr>
+          <p:cNvPr id="13" name="직사각형 12">
+            <a:extLst>
+              <a:ext uri="{FF2B5EF4-FFF2-40B4-BE49-F238E27FC236}">
+                <a16:creationId xmlns:a16="http://schemas.microsoft.com/office/drawing/2014/main" id="{5BBD76C5-5505-473A-A32B-CA39267B2AAC}"/>
+              </a:ext>
+            </a:extLst>
+          </p:cNvPr>
+          <p:cNvSpPr/>
+          <p:nvPr/>
+        </p:nvSpPr>
+        <p:spPr>
+          <a:xfrm rot="5400000">
+            <a:off x="10377367" y="4138635"/>
+            <a:ext cx="159391" cy="67112"/>
+          </a:xfrm>
+          <a:prstGeom prst="rect">
+            <a:avLst/>
+          </a:prstGeom>
+          <a:solidFill>
+            <a:srgbClr val="FF0000"/>
+          </a:solidFill>
+          <a:ln>
+            <a:solidFill>
+              <a:srgbClr val="FF0000"/>
+            </a:solidFill>
+          </a:ln>
+        </p:spPr>
+        <p:style>
+          <a:lnRef idx="2">
+            <a:schemeClr val="accent1">
+              <a:shade val="50000"/>
+            </a:schemeClr>
+          </a:lnRef>
+          <a:fillRef idx="1">
+            <a:schemeClr val="accent1"/>
+          </a:fillRef>
+          <a:effectRef idx="0">
+            <a:schemeClr val="accent1"/>
+          </a:effectRef>
+          <a:fontRef idx="minor">
+            <a:schemeClr val="lt1"/>
+          </a:fontRef>
+        </p:style>
+        <p:txBody>
+          <a:bodyPr rtlCol="0" anchor="ctr"/>
+          <a:lstStyle/>
+          <a:p>
+            <a:pPr algn="ctr"/>
+            <a:endParaRPr lang="ko-KR" altLang="en-US"/>
           </a:p>
         </p:txBody>
       </p:sp>
@@ -14994,7 +15457,7 @@
             </a:pPr>
             <a:r>
               <a:rPr lang="en-US" altLang="ko-KR" dirty="0"/>
-              <a:t>Reward</a:t>
+              <a:t> Reward</a:t>
             </a:r>
           </a:p>
           <a:p>
@@ -15019,6 +15482,33 @@
               <a:rPr lang="ko-KR" altLang="en-US" dirty="0"/>
               <a:t>에 가점 부여</a:t>
             </a:r>
+            <a:br>
+              <a:rPr lang="en-US" altLang="ko-KR" dirty="0"/>
+            </a:br>
+            <a:r>
+              <a:rPr lang="en-US" altLang="ko-KR" dirty="0">
+                <a:sym typeface="Wingdings" panose="05000000000000000000" pitchFamily="2" charset="2"/>
+              </a:rPr>
+              <a:t> downstream</a:t>
+            </a:r>
+            <a:r>
+              <a:rPr lang="ko-KR" altLang="en-US" dirty="0">
+                <a:sym typeface="Wingdings" panose="05000000000000000000" pitchFamily="2" charset="2"/>
+              </a:rPr>
+              <a:t>에 </a:t>
+            </a:r>
+            <a:r>
+              <a:rPr lang="en-US" altLang="ko-KR" dirty="0">
+                <a:sym typeface="Wingdings" panose="05000000000000000000" pitchFamily="2" charset="2"/>
+              </a:rPr>
+              <a:t>reward </a:t>
+            </a:r>
+            <a:r>
+              <a:rPr lang="ko-KR" altLang="en-US" dirty="0">
+                <a:sym typeface="Wingdings" panose="05000000000000000000" pitchFamily="2" charset="2"/>
+              </a:rPr>
+              <a:t>부여</a:t>
+            </a:r>
             <a:endParaRPr lang="en-US" altLang="ko-KR" dirty="0"/>
           </a:p>
           <a:p>
@@ -15090,25 +15580,103 @@
               <a:rPr lang="ko-KR" altLang="en-US" dirty="0">
                 <a:sym typeface="Wingdings" panose="05000000000000000000" pitchFamily="2" charset="2"/>
               </a:rPr>
-              <a:t>의 </a:t>
+              <a:t>논문에서 </a:t>
             </a:r>
             <a:r>
               <a:rPr lang="en-US" altLang="ko-KR" dirty="0">
                 <a:sym typeface="Wingdings" panose="05000000000000000000" pitchFamily="2" charset="2"/>
               </a:rPr>
-              <a:t>Pressure </a:t>
+              <a:t>Pressure =outflow-inflow</a:t>
+            </a:r>
+          </a:p>
+          <a:p>
+            <a:pPr>
+              <a:lnSpc>
+                <a:spcPct val="120000"/>
+              </a:lnSpc>
+            </a:pPr>
+            <a:r>
+              <a:rPr lang="en-US" altLang="ko-KR" dirty="0">
+                <a:sym typeface="Wingdings" panose="05000000000000000000" pitchFamily="2" charset="2"/>
+              </a:rPr>
+              <a:t> Target Update(10 timestep</a:t>
             </a:r>
             <a:r>
               <a:rPr lang="ko-KR" altLang="en-US" dirty="0">
                 <a:sym typeface="Wingdings" panose="05000000000000000000" pitchFamily="2" charset="2"/>
               </a:rPr>
-              <a:t>논문에서 </a:t>
+              <a:t>마다</a:t>
             </a:r>
             <a:r>
               <a:rPr lang="en-US" altLang="ko-KR" dirty="0">
                 <a:sym typeface="Wingdings" panose="05000000000000000000" pitchFamily="2" charset="2"/>
               </a:rPr>
-              <a:t>outflow-inflow</a:t>
+              <a:t>, hard update)</a:t>
+            </a:r>
+          </a:p>
+          <a:p>
+            <a:pPr lvl="1">
+              <a:lnSpc>
+                <a:spcPct val="120000"/>
+              </a:lnSpc>
+            </a:pPr>
+            <a:r>
+              <a:rPr lang="en-US" altLang="ko-KR" dirty="0">
+                <a:sym typeface="Wingdings" panose="05000000000000000000" pitchFamily="2" charset="2"/>
+              </a:rPr>
+              <a:t>1epoch </a:t>
+            </a:r>
+            <a:r>
+              <a:rPr lang="ko-KR" altLang="en-US" dirty="0">
+                <a:sym typeface="Wingdings" panose="05000000000000000000" pitchFamily="2" charset="2"/>
+              </a:rPr>
+              <a:t>에서 </a:t>
+            </a:r>
+            <a:r>
+              <a:rPr lang="en-US" altLang="ko-KR" dirty="0">
+                <a:sym typeface="Wingdings" panose="05000000000000000000" pitchFamily="2" charset="2"/>
+              </a:rPr>
+              <a:t>40 time step</a:t>
+            </a:r>
+            <a:r>
+              <a:rPr lang="ko-KR" altLang="en-US" dirty="0">
+                <a:sym typeface="Wingdings" panose="05000000000000000000" pitchFamily="2" charset="2"/>
+              </a:rPr>
+              <a:t>부터 진행</a:t>
+            </a:r>
+            <a:endParaRPr lang="en-US" altLang="ko-KR" dirty="0">
+              <a:sym typeface="Wingdings" panose="05000000000000000000" pitchFamily="2" charset="2"/>
+            </a:endParaRPr>
+          </a:p>
+          <a:p>
+            <a:pPr lvl="1">
+              <a:lnSpc>
+                <a:spcPct val="120000"/>
+              </a:lnSpc>
+            </a:pPr>
+            <a:r>
+              <a:rPr lang="en-US" altLang="ko-KR" dirty="0">
+                <a:sym typeface="Wingdings" panose="05000000000000000000" pitchFamily="2" charset="2"/>
+              </a:rPr>
+              <a:t>2 epoch</a:t>
+            </a:r>
+            <a:r>
+              <a:rPr lang="ko-KR" altLang="en-US" dirty="0">
+                <a:sym typeface="Wingdings" panose="05000000000000000000" pitchFamily="2" charset="2"/>
+              </a:rPr>
+              <a:t>부터는 </a:t>
+            </a:r>
+            <a:r>
+              <a:rPr lang="en-US" altLang="ko-KR" dirty="0">
+                <a:sym typeface="Wingdings" panose="05000000000000000000" pitchFamily="2" charset="2"/>
+              </a:rPr>
+              <a:t>10 time step</a:t>
+            </a:r>
+            <a:r>
+              <a:rPr lang="ko-KR" altLang="en-US" dirty="0">
+                <a:sym typeface="Wingdings" panose="05000000000000000000" pitchFamily="2" charset="2"/>
+              </a:rPr>
+              <a:t>마다 진행</a:t>
             </a:r>
             <a:endParaRPr lang="ko-KR" altLang="en-US" dirty="0"/>
           </a:p>
@@ -15310,6 +15878,95 @@
           </a:p>
         </p:txBody>
       </p:sp>
+      <p:cxnSp>
+        <p:nvCxnSpPr>
+          <p:cNvPr id="9" name="직선 화살표 연결선 8">
+            <a:extLst>
+              <a:ext uri="{FF2B5EF4-FFF2-40B4-BE49-F238E27FC236}">
+                <a16:creationId xmlns:a16="http://schemas.microsoft.com/office/drawing/2014/main" id="{1C997C32-2D86-4C58-966F-52206222595D}"/>
+              </a:ext>
+            </a:extLst>
+          </p:cNvPr>
+          <p:cNvCxnSpPr>
+            <a:cxnSpLocks/>
+            <a:stCxn id="10" idx="2"/>
+          </p:cNvCxnSpPr>
+          <p:nvPr/>
+        </p:nvCxnSpPr>
+        <p:spPr>
+          <a:xfrm>
+            <a:off x="7443509" y="2243298"/>
+            <a:ext cx="1708143" cy="625737"/>
+          </a:xfrm>
+          <a:prstGeom prst="straightConnector1">
+            <a:avLst/>
+          </a:prstGeom>
+          <a:ln>
+            <a:solidFill>
+              <a:srgbClr val="FF0000"/>
+            </a:solidFill>
+            <a:tailEnd type="triangle"/>
+          </a:ln>
+        </p:spPr>
+        <p:style>
+          <a:lnRef idx="1">
+            <a:schemeClr val="accent2"/>
+          </a:lnRef>
+          <a:fillRef idx="0">
+            <a:schemeClr val="accent2"/>
+          </a:fillRef>
+          <a:effectRef idx="0">
+            <a:schemeClr val="accent2"/>
+          </a:effectRef>
+          <a:fontRef idx="minor">
+            <a:schemeClr val="tx1"/>
+          </a:fontRef>
+        </p:style>
+      </p:cxnSp>
+      <p:sp>
+        <p:nvSpPr>
+          <p:cNvPr id="10" name="TextBox 9">
+            <a:extLst>
+              <a:ext uri="{FF2B5EF4-FFF2-40B4-BE49-F238E27FC236}">
+                <a16:creationId xmlns:a16="http://schemas.microsoft.com/office/drawing/2014/main" id="{09447238-56D0-4790-B3A5-99EFAF5B50B1}"/>
+              </a:ext>
+            </a:extLst>
+          </p:cNvPr>
+          <p:cNvSpPr txBox="1"/>
+          <p:nvPr/>
+        </p:nvSpPr>
+        <p:spPr>
+          <a:xfrm>
+            <a:off x="6765202" y="1873966"/>
+            <a:ext cx="1356613" cy="369332"/>
+          </a:xfrm>
+          <a:prstGeom prst="rect">
+            <a:avLst/>
+          </a:prstGeom>
+          <a:noFill/>
+        </p:spPr>
+        <p:txBody>
+          <a:bodyPr wrap="square" rtlCol="0">
+            <a:spAutoFit/>
+          </a:bodyPr>
+          <a:lstStyle/>
+          <a:p>
+            <a:r>
+              <a:rPr lang="en-US" altLang="ko-KR" b="1" dirty="0">
+                <a:solidFill>
+                  <a:srgbClr val="FF0000"/>
+                </a:solidFill>
+              </a:rPr>
+              <a:t>Junction B2</a:t>
+            </a:r>
+            <a:endParaRPr lang="ko-KR" altLang="en-US" b="1" dirty="0">
+              <a:solidFill>
+                <a:srgbClr val="FF0000"/>
+              </a:solidFill>
+            </a:endParaRPr>
+          </a:p>
+        </p:txBody>
+      </p:sp>
     </p:spTree>
     <p:extLst>
       <p:ext uri="{BB962C8B-B14F-4D97-AF65-F5344CB8AC3E}">
@@ -15363,6 +16020,19 @@
               <a:rPr lang="ko-KR" altLang="en-US" dirty="0"/>
               <a:t>구성 방식 제안</a:t>
             </a:r>
+            <a:r>
+              <a:rPr lang="en-US" altLang="ko-KR" dirty="0"/>
+              <a:t>(DQN</a:t>
+            </a:r>
+            <a:r>
+              <a:rPr lang="ko-KR" altLang="en-US" dirty="0"/>
+              <a:t> 적용시</a:t>
+            </a:r>
+            <a:r>
+              <a:rPr lang="en-US" altLang="ko-KR" dirty="0"/>
+              <a:t>)</a:t>
+            </a:r>
+            <a:endParaRPr lang="ko-KR" altLang="en-US" dirty="0"/>
           </a:p>
         </p:txBody>
       </p:sp>
@@ -15390,7 +16060,22 @@
             </a:pPr>
             <a:r>
               <a:rPr lang="ko-KR" altLang="en-US" dirty="0"/>
-              <a:t> 매 </a:t>
+              <a:t>  </a:t>
+            </a:r>
+            <a:r>
+              <a:rPr lang="en-US" altLang="ko-KR" dirty="0"/>
+              <a:t>Replay Save Time</a:t>
+            </a:r>
+          </a:p>
+          <a:p>
+            <a:pPr lvl="1">
+              <a:lnSpc>
+                <a:spcPct val="120000"/>
+              </a:lnSpc>
+            </a:pPr>
+            <a:r>
+              <a:rPr lang="ko-KR" altLang="en-US" dirty="0"/>
+              <a:t>매 </a:t>
             </a:r>
             <a:r>
               <a:rPr lang="en-US" altLang="ko-KR" dirty="0"/>
@@ -15402,11 +16087,19 @@
             </a:r>
             <a:r>
               <a:rPr lang="en-US" altLang="ko-KR" dirty="0"/>
-              <a:t>Learning Start Time </a:t>
+              <a:t>Replay</a:t>
             </a:r>
             <a:r>
               <a:rPr lang="ko-KR" altLang="en-US" dirty="0"/>
-              <a:t>뒤로</a:t>
+              <a:t> </a:t>
+            </a:r>
+            <a:r>
+              <a:rPr lang="en-US" altLang="ko-KR" dirty="0"/>
+              <a:t>save Time</a:t>
+            </a:r>
+            <a:r>
+              <a:rPr lang="ko-KR" altLang="en-US" dirty="0"/>
+              <a:t>을 뒤로 이동</a:t>
             </a:r>
             <a:br>
               <a:rPr lang="en-US" altLang="ko-KR" dirty="0"/>
@@ -15417,7 +16110,62 @@
             </a:r>
             <a:r>
               <a:rPr lang="ko-KR" altLang="en-US" dirty="0"/>
-              <a:t>시작하자 마자 차량이 자리잡기 전의 데이터는 일반적이지 않음</a:t>
+              <a:t>現</a:t>
+            </a:r>
+            <a:r>
+              <a:rPr lang="en-US" altLang="ko-KR" dirty="0"/>
+              <a:t>: </a:t>
+            </a:r>
+            <a:r>
+              <a:rPr lang="ko-KR" altLang="en-US" dirty="0"/>
+              <a:t>시작과 동시에 바로 진행 </a:t>
+            </a:r>
+            <a:r>
+              <a:rPr lang="en-US" altLang="ko-KR" dirty="0"/>
+              <a:t>(replay</a:t>
+            </a:r>
+            <a:r>
+              <a:rPr lang="ko-KR" altLang="en-US" dirty="0"/>
+              <a:t>는 </a:t>
+            </a:r>
+            <a:r>
+              <a:rPr lang="en-US" altLang="ko-KR" dirty="0"/>
+              <a:t>1 time step</a:t>
+            </a:r>
+            <a:r>
+              <a:rPr lang="ko-KR" altLang="en-US" dirty="0"/>
+              <a:t>마다 저장</a:t>
+            </a:r>
+            <a:r>
+              <a:rPr lang="en-US" altLang="ko-KR" dirty="0"/>
+              <a:t>)</a:t>
+            </a:r>
+            <a:br>
+              <a:rPr lang="en-US" altLang="ko-KR" dirty="0"/>
+            </a:br>
+            <a:r>
+              <a:rPr lang="en-US" altLang="ko-KR" dirty="0">
+                <a:sym typeface="Wingdings" panose="05000000000000000000" pitchFamily="2" charset="2"/>
+              </a:rPr>
+              <a:t> </a:t>
+            </a:r>
+            <a:r>
+              <a:rPr lang="ko-KR" altLang="en-US" dirty="0">
+                <a:sym typeface="Wingdings" panose="05000000000000000000" pitchFamily="2" charset="2"/>
+              </a:rPr>
+              <a:t>모든 차량이 교차로 내에서 대기할 수 있는 시점인 </a:t>
+            </a:r>
+            <a:r>
+              <a:rPr lang="en-US" altLang="ko-KR" dirty="0">
+                <a:sym typeface="Wingdings" panose="05000000000000000000" pitchFamily="2" charset="2"/>
+              </a:rPr>
+              <a:t>3 timestep </a:t>
+            </a:r>
+            <a:r>
+              <a:rPr lang="ko-KR" altLang="en-US" dirty="0">
+                <a:sym typeface="Wingdings" panose="05000000000000000000" pitchFamily="2" charset="2"/>
+              </a:rPr>
+              <a:t>이상으로 조정</a:t>
             </a:r>
             <a:endParaRPr lang="en-US" altLang="ko-KR" dirty="0"/>
           </a:p>
@@ -15429,102 +16177,8 @@
             </a:pPr>
             <a:r>
               <a:rPr lang="en-US" altLang="ko-KR" dirty="0"/>
-              <a:t> Learning Start Epoch </a:t>
-            </a:r>
-            <a:r>
-              <a:rPr lang="ko-KR" altLang="en-US" dirty="0"/>
-              <a:t>지정 </a:t>
-            </a:r>
-            <a:r>
-              <a:rPr lang="en-US" altLang="ko-KR" dirty="0"/>
-              <a:t>(</a:t>
-            </a:r>
-            <a:r>
-              <a:rPr lang="ko-KR" altLang="en-US" dirty="0"/>
-              <a:t>현재 </a:t>
-            </a:r>
-            <a:r>
-              <a:rPr lang="en-US" altLang="ko-KR" dirty="0"/>
-              <a:t>1epoch</a:t>
-            </a:r>
-            <a:r>
-              <a:rPr lang="ko-KR" altLang="en-US" dirty="0"/>
-              <a:t>당 </a:t>
-            </a:r>
-            <a:r>
-              <a:rPr lang="en-US" altLang="ko-KR" dirty="0"/>
-              <a:t>90</a:t>
-            </a:r>
-            <a:r>
-              <a:rPr lang="ko-KR" altLang="en-US" dirty="0"/>
-              <a:t>개 </a:t>
-            </a:r>
-            <a:r>
-              <a:rPr lang="en-US" altLang="ko-KR" dirty="0"/>
-              <a:t>state</a:t>
-            </a:r>
-            <a:r>
-              <a:rPr lang="ko-KR" altLang="en-US" dirty="0"/>
-              <a:t>가 </a:t>
-            </a:r>
-            <a:r>
-              <a:rPr lang="en-US" altLang="ko-KR" dirty="0"/>
-              <a:t>replay</a:t>
-            </a:r>
-            <a:r>
-              <a:rPr lang="ko-KR" altLang="en-US" dirty="0"/>
-              <a:t>에 저장</a:t>
-            </a:r>
-            <a:r>
-              <a:rPr lang="en-US" altLang="ko-KR" dirty="0"/>
-              <a:t>) </a:t>
-            </a:r>
-            <a:br>
-              <a:rPr lang="en-US" altLang="ko-KR" dirty="0"/>
-            </a:br>
-            <a:r>
-              <a:rPr lang="ko-KR" altLang="en-US" dirty="0"/>
-              <a:t>現 </a:t>
-            </a:r>
-            <a:r>
-              <a:rPr lang="en-US" altLang="ko-KR" dirty="0"/>
-              <a:t>replay: 40 </a:t>
-            </a:r>
-            <a:r>
-              <a:rPr lang="ko-KR" altLang="en-US" dirty="0"/>
-              <a:t>부터 </a:t>
-            </a:r>
-            <a:r>
-              <a:rPr lang="en-US" altLang="ko-KR" dirty="0"/>
-              <a:t>target update </a:t>
-            </a:r>
-            <a:r>
-              <a:rPr lang="en-US" altLang="ko-KR" dirty="0">
-                <a:sym typeface="Wingdings" panose="05000000000000000000" pitchFamily="2" charset="2"/>
-              </a:rPr>
-              <a:t> </a:t>
-            </a:r>
-            <a:r>
-              <a:rPr lang="ko-KR" altLang="en-US" dirty="0">
-                <a:sym typeface="Wingdings" panose="05000000000000000000" pitchFamily="2" charset="2"/>
-              </a:rPr>
-              <a:t>초반 학습의 </a:t>
-            </a:r>
-            <a:r>
-              <a:rPr lang="en-US" altLang="ko-KR" dirty="0">
-                <a:sym typeface="Wingdings" panose="05000000000000000000" pitchFamily="2" charset="2"/>
-              </a:rPr>
-              <a:t>Correlation </a:t>
-            </a:r>
-            <a:r>
-              <a:rPr lang="ko-KR" altLang="en-US" dirty="0">
-                <a:sym typeface="Wingdings" panose="05000000000000000000" pitchFamily="2" charset="2"/>
-              </a:rPr>
-              <a:t>높음</a:t>
-            </a:r>
-            <a:endParaRPr lang="en-US" altLang="ko-KR" dirty="0">
-              <a:sym typeface="Wingdings" panose="05000000000000000000" pitchFamily="2" charset="2"/>
-            </a:endParaRPr>
+              <a:t> Target Update</a:t>
+            </a:r>
           </a:p>
           <a:p>
             <a:pPr lvl="1">
@@ -15533,40 +16187,83 @@
               </a:lnSpc>
             </a:pPr>
             <a:r>
+              <a:rPr lang="en-US" altLang="ko-KR" dirty="0"/>
+              <a:t>Learning Start Epoch </a:t>
+            </a:r>
+            <a:r>
+              <a:rPr lang="ko-KR" altLang="en-US" dirty="0"/>
+              <a:t>지정 </a:t>
+            </a:r>
+            <a:r>
+              <a:rPr lang="en-US" altLang="ko-KR" dirty="0"/>
+              <a:t>(</a:t>
+            </a:r>
+            <a:r>
+              <a:rPr lang="ko-KR" altLang="en-US" dirty="0"/>
+              <a:t>현재 </a:t>
+            </a:r>
+            <a:r>
+              <a:rPr lang="en-US" altLang="ko-KR" dirty="0"/>
+              <a:t>90states/epoch</a:t>
+            </a:r>
+            <a:r>
+              <a:rPr lang="ko-KR" altLang="en-US" dirty="0"/>
+              <a:t>가 </a:t>
+            </a:r>
+            <a:r>
+              <a:rPr lang="en-US" altLang="ko-KR" dirty="0"/>
+              <a:t>replay</a:t>
+            </a:r>
+            <a:r>
+              <a:rPr lang="ko-KR" altLang="en-US" dirty="0"/>
+              <a:t>에 저장</a:t>
+            </a:r>
+            <a:r>
+              <a:rPr lang="en-US" altLang="ko-KR" dirty="0"/>
+              <a:t>) </a:t>
+            </a:r>
+            <a:br>
+              <a:rPr lang="en-US" altLang="ko-KR" dirty="0"/>
+            </a:br>
+            <a:r>
+              <a:rPr lang="ko-KR" altLang="en-US" dirty="0"/>
+              <a:t>現 </a:t>
+            </a:r>
+            <a:r>
+              <a:rPr lang="en-US" altLang="ko-KR" dirty="0"/>
+              <a:t>replay: 40states</a:t>
+            </a:r>
+            <a:r>
+              <a:rPr lang="ko-KR" altLang="en-US" dirty="0"/>
+              <a:t>가 저장됐을 때부터 </a:t>
+            </a:r>
+            <a:r>
+              <a:rPr lang="en-US" altLang="ko-KR" dirty="0"/>
+              <a:t>target update </a:t>
+            </a:r>
+            <a:r>
               <a:rPr lang="en-US" altLang="ko-KR" dirty="0">
                 <a:sym typeface="Wingdings" panose="05000000000000000000" pitchFamily="2" charset="2"/>
               </a:rPr>
-              <a:t> Learning Start </a:t>
+              <a:t> </a:t>
             </a:r>
             <a:r>
               <a:rPr lang="ko-KR" altLang="en-US" dirty="0">
                 <a:sym typeface="Wingdings" panose="05000000000000000000" pitchFamily="2" charset="2"/>
               </a:rPr>
-              <a:t>하는</a:t>
+              <a:t>초반 학습의 </a:t>
             </a:r>
             <a:r>
               <a:rPr lang="en-US" altLang="ko-KR" dirty="0">
                 <a:sym typeface="Wingdings" panose="05000000000000000000" pitchFamily="2" charset="2"/>
               </a:rPr>
-              <a:t> Epoch</a:t>
+              <a:t>Correlation </a:t>
             </a:r>
             <a:r>
               <a:rPr lang="ko-KR" altLang="en-US" dirty="0">
                 <a:sym typeface="Wingdings" panose="05000000000000000000" pitchFamily="2" charset="2"/>
               </a:rPr>
-              <a:t>를</a:t>
-            </a:r>
-            <a:r>
-              <a:rPr lang="en-US" altLang="ko-KR" dirty="0">
-                <a:sym typeface="Wingdings" panose="05000000000000000000" pitchFamily="2" charset="2"/>
-              </a:rPr>
-              <a:t> 4</a:t>
-            </a:r>
-            <a:r>
-              <a:rPr lang="ko-KR" altLang="en-US" dirty="0">
-                <a:sym typeface="Wingdings" panose="05000000000000000000" pitchFamily="2" charset="2"/>
-              </a:rPr>
-              <a:t>이상</a:t>
+              <a:t>높음</a:t>
             </a:r>
             <a:endParaRPr lang="en-US" altLang="ko-KR" dirty="0">
               <a:sym typeface="Wingdings" panose="05000000000000000000" pitchFamily="2" charset="2"/>
@@ -15582,29 +16279,68 @@
               <a:rPr lang="en-US" altLang="ko-KR" dirty="0">
                 <a:sym typeface="Wingdings" panose="05000000000000000000" pitchFamily="2" charset="2"/>
               </a:rPr>
-              <a:t> time step</a:t>
+              <a:t> Learning Start </a:t>
             </a:r>
             <a:r>
               <a:rPr lang="ko-KR" altLang="en-US" dirty="0">
                 <a:sym typeface="Wingdings" panose="05000000000000000000" pitchFamily="2" charset="2"/>
               </a:rPr>
-              <a:t>을 세분화 </a:t>
+              <a:t>하는</a:t>
             </a:r>
             <a:r>
               <a:rPr lang="en-US" altLang="ko-KR" dirty="0">
                 <a:sym typeface="Wingdings" panose="05000000000000000000" pitchFamily="2" charset="2"/>
               </a:rPr>
-              <a:t>Action </a:t>
+              <a:t> Epoch</a:t>
             </a:r>
             <a:r>
               <a:rPr lang="ko-KR" altLang="en-US" dirty="0">
                 <a:sym typeface="Wingdings" panose="05000000000000000000" pitchFamily="2" charset="2"/>
               </a:rPr>
-              <a:t>형태 변화 필요</a:t>
-            </a:r>
-            <a:endParaRPr lang="en-US" altLang="ko-KR" dirty="0">
-              <a:sym typeface="Wingdings" panose="05000000000000000000" pitchFamily="2" charset="2"/>
-            </a:endParaRPr>
+              <a:t>를</a:t>
+            </a:r>
+            <a:r>
+              <a:rPr lang="en-US" altLang="ko-KR" dirty="0">
+                <a:sym typeface="Wingdings" panose="05000000000000000000" pitchFamily="2" charset="2"/>
+              </a:rPr>
+              <a:t> 4</a:t>
+            </a:r>
+            <a:r>
+              <a:rPr lang="ko-KR" altLang="en-US" dirty="0">
+                <a:sym typeface="Wingdings" panose="05000000000000000000" pitchFamily="2" charset="2"/>
+              </a:rPr>
+              <a:t>이상 </a:t>
+            </a:r>
+            <a:r>
+              <a:rPr lang="en-US" altLang="ko-KR" dirty="0">
+                <a:sym typeface="Wingdings" panose="05000000000000000000" pitchFamily="2" charset="2"/>
+              </a:rPr>
+              <a:t>(360</a:t>
+            </a:r>
+            <a:r>
+              <a:rPr lang="ko-KR" altLang="en-US" dirty="0">
+                <a:sym typeface="Wingdings" panose="05000000000000000000" pitchFamily="2" charset="2"/>
+              </a:rPr>
+              <a:t> 개의 </a:t>
+            </a:r>
+            <a:r>
+              <a:rPr lang="en-US" altLang="ko-KR" dirty="0">
+                <a:sym typeface="Wingdings" panose="05000000000000000000" pitchFamily="2" charset="2"/>
+              </a:rPr>
+              <a:t>data </a:t>
+            </a:r>
+            <a:r>
+              <a:rPr lang="ko-KR" altLang="en-US" dirty="0">
+                <a:sym typeface="Wingdings" panose="05000000000000000000" pitchFamily="2" charset="2"/>
+              </a:rPr>
+              <a:t>기반 </a:t>
+            </a:r>
+            <a:r>
+              <a:rPr lang="en-US" altLang="ko-KR" dirty="0">
+                <a:sym typeface="Wingdings" panose="05000000000000000000" pitchFamily="2" charset="2"/>
+              </a:rPr>
+              <a:t>random sampling target update)</a:t>
+            </a:r>
           </a:p>
           <a:p>
             <a:pPr lvl="1">
@@ -15616,13 +16352,13 @@
               <a:rPr lang="en-US" altLang="ko-KR" dirty="0">
                 <a:sym typeface="Wingdings" panose="05000000000000000000" pitchFamily="2" charset="2"/>
               </a:rPr>
-              <a:t> Epoch </a:t>
+              <a:t>Epoch </a:t>
             </a:r>
             <a:r>
               <a:rPr lang="ko-KR" altLang="en-US" dirty="0">
                 <a:sym typeface="Wingdings" panose="05000000000000000000" pitchFamily="2" charset="2"/>
               </a:rPr>
-              <a:t>길이 길게 </a:t>
+              <a:t>길이를 길게 </a:t>
             </a:r>
             <a:r>
               <a:rPr lang="en-US" altLang="ko-KR" dirty="0">
@@ -15656,7 +16392,7 @@
             </a:r>
           </a:p>
           <a:p>
-            <a:pPr>
+            <a:pPr lvl="1">
               <a:lnSpc>
                 <a:spcPct val="120000"/>
               </a:lnSpc>
@@ -15665,40 +16401,17 @@
               <a:rPr lang="en-US" altLang="ko-KR" dirty="0">
                 <a:sym typeface="Wingdings" panose="05000000000000000000" pitchFamily="2" charset="2"/>
               </a:rPr>
-              <a:t> Learning </a:t>
+              <a:t>Soft target update</a:t>
             </a:r>
             <a:r>
               <a:rPr lang="ko-KR" altLang="en-US" dirty="0">
                 <a:sym typeface="Wingdings" panose="05000000000000000000" pitchFamily="2" charset="2"/>
               </a:rPr>
-              <a:t>에서 </a:t>
-            </a:r>
-            <a:r>
-              <a:rPr lang="en-US" altLang="ko-KR" dirty="0">
-                <a:sym typeface="Wingdings" panose="05000000000000000000" pitchFamily="2" charset="2"/>
-              </a:rPr>
-              <a:t>augmentation(</a:t>
-            </a:r>
-            <a:r>
-              <a:rPr lang="ko-KR" altLang="en-US" dirty="0">
-                <a:sym typeface="Wingdings" panose="05000000000000000000" pitchFamily="2" charset="2"/>
-              </a:rPr>
-              <a:t>각 교차로에 대해서</a:t>
-            </a:r>
-            <a:r>
-              <a:rPr lang="en-US" altLang="ko-KR" dirty="0">
-                <a:sym typeface="Wingdings" panose="05000000000000000000" pitchFamily="2" charset="2"/>
-              </a:rPr>
-              <a:t>)</a:t>
-            </a:r>
-          </a:p>
-          <a:p>
-            <a:pPr>
-              <a:lnSpc>
-                <a:spcPct val="120000"/>
-              </a:lnSpc>
-            </a:pPr>
-            <a:endParaRPr lang="ko-KR" altLang="en-US" dirty="0"/>
+              <a:t>로 변경</a:t>
+            </a:r>
+            <a:endParaRPr lang="en-US" altLang="ko-KR" dirty="0">
+              <a:sym typeface="Wingdings" panose="05000000000000000000" pitchFamily="2" charset="2"/>
+            </a:endParaRPr>
           </a:p>
         </p:txBody>
       </p:sp>
@@ -15734,7 +16447,13 @@
       </p:grpSpPr>
       <p:sp>
         <p:nvSpPr>
-          <p:cNvPr id="2" name="제목 1"/>
+          <p:cNvPr id="2" name="제목 1">
+            <a:extLst>
+              <a:ext uri="{FF2B5EF4-FFF2-40B4-BE49-F238E27FC236}">
+                <a16:creationId xmlns:a16="http://schemas.microsoft.com/office/drawing/2014/main" id="{06C8CBDF-A478-4E5A-BDC9-ACC6B12AF1DD}"/>
+              </a:ext>
+            </a:extLst>
+          </p:cNvPr>
           <p:cNvSpPr>
             <a:spLocks noGrp="1"/>
           </p:cNvSpPr>
@@ -15755,12 +16474,31 @@
               <a:rPr lang="ko-KR" altLang="en-US" dirty="0"/>
               <a:t>구성 방식 제안</a:t>
             </a:r>
-          </a:p>
-        </p:txBody>
-      </p:sp>
-      <p:sp>
-        <p:nvSpPr>
-          <p:cNvPr id="3" name="내용 개체 틀 2"/>
+            <a:r>
+              <a:rPr lang="en-US" altLang="ko-KR" dirty="0"/>
+              <a:t>(</a:t>
+            </a:r>
+            <a:r>
+              <a:rPr lang="ko-KR" altLang="en-US" dirty="0"/>
+              <a:t>종합</a:t>
+            </a:r>
+            <a:r>
+              <a:rPr lang="en-US" altLang="ko-KR" dirty="0"/>
+              <a:t>)</a:t>
+            </a:r>
+            <a:endParaRPr lang="ko-KR" altLang="en-US" dirty="0"/>
+          </a:p>
+        </p:txBody>
+      </p:sp>
+      <p:sp>
+        <p:nvSpPr>
+          <p:cNvPr id="3" name="내용 개체 틀 2">
+            <a:extLst>
+              <a:ext uri="{FF2B5EF4-FFF2-40B4-BE49-F238E27FC236}">
+                <a16:creationId xmlns:a16="http://schemas.microsoft.com/office/drawing/2014/main" id="{270DB4C4-0E68-447D-9AA4-42DA96EC8106}"/>
+              </a:ext>
+            </a:extLst>
+          </p:cNvPr>
           <p:cNvSpPr>
             <a:spLocks noGrp="1"/>
           </p:cNvSpPr>
@@ -15768,112 +16506,193 @@
             <p:ph idx="1"/>
           </p:nvPr>
         </p:nvSpPr>
-        <p:spPr/>
-        <p:txBody>
-          <a:bodyPr/>
-          <a:lstStyle/>
-          <a:p>
-            <a:r>
-              <a:rPr lang="en-US" altLang="ko-KR" dirty="0"/>
-              <a:t> </a:t>
+        <p:spPr>
+          <a:xfrm>
+            <a:off x="1097280" y="1812177"/>
+            <a:ext cx="10058400" cy="4630568"/>
+          </a:xfrm>
+        </p:spPr>
+        <p:txBody>
+          <a:bodyPr>
+            <a:normAutofit/>
+          </a:bodyPr>
+          <a:lstStyle/>
+          <a:p>
+            <a:r>
+              <a:rPr lang="en-US" altLang="ko-KR" dirty="0"/>
+              <a:t> Action</a:t>
+            </a:r>
+          </a:p>
+          <a:p>
+            <a:pPr lvl="1"/>
+            <a:r>
+              <a:rPr lang="en-US" altLang="ko-KR" dirty="0"/>
+              <a:t>10s/time step</a:t>
             </a:r>
             <a:r>
               <a:rPr lang="ko-KR" altLang="en-US" dirty="0"/>
-              <a:t>차량 진입로를 줄이는 대신에 차량의 </a:t>
-            </a:r>
-            <a:r>
-              <a:rPr lang="en-US" altLang="ko-KR" dirty="0"/>
-              <a:t>Random</a:t>
-            </a:r>
-            <a:r>
-              <a:rPr lang="ko-KR" altLang="en-US" dirty="0"/>
-              <a:t>성을 주는 </a:t>
-            </a:r>
-            <a:r>
-              <a:rPr lang="en-US" altLang="ko-KR" dirty="0"/>
-              <a:t>IDM controller</a:t>
-            </a:r>
-            <a:r>
-              <a:rPr lang="ko-KR" altLang="en-US" dirty="0"/>
-              <a:t>와 가속도 분산 갖게 해서 차이를 줌</a:t>
-            </a:r>
-            <a:endParaRPr lang="en-US" altLang="ko-KR" dirty="0"/>
-          </a:p>
-          <a:p>
-            <a:r>
-              <a:rPr lang="en-US" altLang="ko-KR" dirty="0"/>
-              <a:t> phase</a:t>
-            </a:r>
-            <a:r>
-              <a:rPr lang="ko-KR" altLang="en-US" dirty="0"/>
-              <a:t>를 변화하는 </a:t>
-            </a:r>
-            <a:r>
-              <a:rPr lang="en-US" altLang="ko-KR" dirty="0"/>
-              <a:t>action</a:t>
-            </a:r>
-            <a:r>
-              <a:rPr lang="ko-KR" altLang="en-US" dirty="0"/>
-              <a:t>이 아닌 </a:t>
-            </a:r>
-            <a:r>
-              <a:rPr lang="en-US" altLang="ko-KR" dirty="0"/>
-              <a:t>phase</a:t>
-            </a:r>
-            <a:r>
-              <a:rPr lang="ko-KR" altLang="en-US" dirty="0"/>
-              <a:t>를 선택하게 하고 최소 시간은 </a:t>
-            </a:r>
-            <a:r>
-              <a:rPr lang="en-US" altLang="ko-KR" dirty="0"/>
-              <a:t>20</a:t>
-            </a:r>
-            <a:r>
-              <a:rPr lang="ko-KR" altLang="en-US" dirty="0"/>
-              <a:t>초로 하되</a:t>
-            </a:r>
-            <a:r>
-              <a:rPr lang="en-US" altLang="ko-KR" dirty="0"/>
-              <a:t>, </a:t>
-            </a:r>
-            <a:r>
-              <a:rPr lang="ko-KR" altLang="en-US" dirty="0"/>
-              <a:t>최대 이상에서는 엄청난 </a:t>
-            </a:r>
-            <a:r>
-              <a:rPr lang="en-US" altLang="ko-KR" dirty="0"/>
-              <a:t>penalty</a:t>
+              <a:t>으로 조정 </a:t>
+            </a:r>
+            <a:r>
+              <a:rPr lang="en-US" altLang="ko-KR" dirty="0"/>
+              <a:t>(</a:t>
+            </a:r>
+            <a:r>
+              <a:rPr lang="en-US" altLang="ko-KR" dirty="0" err="1"/>
+              <a:t>MPLight</a:t>
+            </a:r>
+            <a:r>
+              <a:rPr lang="en-US" altLang="ko-KR" dirty="0"/>
+              <a:t>)</a:t>
+            </a:r>
+          </a:p>
+          <a:p>
+            <a:pPr lvl="1"/>
+            <a:r>
+              <a:rPr lang="en-US" altLang="ko-KR" dirty="0"/>
+              <a:t>Penalty</a:t>
             </a:r>
             <a:r>
               <a:rPr lang="ko-KR" altLang="en-US" dirty="0"/>
               <a:t>를 </a:t>
             </a:r>
             <a:r>
+              <a:rPr lang="en-US" altLang="ko-KR" dirty="0"/>
+              <a:t>2 timesteps </a:t>
+            </a:r>
+            <a:r>
+              <a:rPr lang="ko-KR" altLang="en-US" dirty="0"/>
+              <a:t>미만 </a:t>
+            </a:r>
+            <a:r>
+              <a:rPr lang="en-US" altLang="ko-KR" dirty="0"/>
+              <a:t>or 7 timesteps </a:t>
+            </a:r>
+            <a:r>
+              <a:rPr lang="ko-KR" altLang="en-US" dirty="0"/>
+              <a:t>이상 동일 신호 </a:t>
+            </a:r>
+            <a:r>
               <a:rPr lang="ko-KR" altLang="en-US" dirty="0" err="1"/>
-              <a:t>준다던지</a:t>
+              <a:t>유지시</a:t>
             </a:r>
             <a:r>
               <a:rPr lang="ko-KR" altLang="en-US" dirty="0"/>
-              <a:t> 하는 식으로 운용</a:t>
+              <a:t> 강력하게 부여 </a:t>
+            </a:r>
+            <a:r>
+              <a:rPr lang="en-US" altLang="ko-KR" dirty="0"/>
+              <a:t>(state </a:t>
+            </a:r>
+            <a:r>
+              <a:rPr lang="ko-KR" altLang="en-US" dirty="0"/>
+              <a:t>에 포함</a:t>
+            </a:r>
+            <a:r>
+              <a:rPr lang="en-US" altLang="ko-KR" dirty="0"/>
+              <a:t>)</a:t>
+            </a:r>
+          </a:p>
+          <a:p>
+            <a:pPr lvl="1"/>
+            <a:r>
+              <a:rPr lang="en-US" altLang="ko-KR" dirty="0"/>
+              <a:t>Action </a:t>
+            </a:r>
+            <a:r>
+              <a:rPr lang="ko-KR" altLang="en-US" dirty="0"/>
+              <a:t>구성이 만약 어렵다면 </a:t>
+            </a:r>
+            <a:r>
+              <a:rPr lang="en-US" altLang="ko-KR" dirty="0"/>
+              <a:t>20s</a:t>
+            </a:r>
+            <a:r>
+              <a:rPr lang="ko-KR" altLang="en-US" dirty="0"/>
+              <a:t>로 조정하고 </a:t>
+            </a:r>
+            <a:r>
+              <a:rPr lang="en-US" altLang="ko-KR" dirty="0"/>
+              <a:t>4</a:t>
+            </a:r>
+            <a:r>
+              <a:rPr lang="ko-KR" altLang="en-US" dirty="0"/>
+              <a:t>이상에서 </a:t>
+            </a:r>
+            <a:r>
+              <a:rPr lang="en-US" altLang="ko-KR" dirty="0"/>
+              <a:t>penalty </a:t>
+            </a:r>
+            <a:r>
+              <a:rPr lang="ko-KR" altLang="en-US" dirty="0"/>
+              <a:t>부여</a:t>
             </a:r>
             <a:endParaRPr lang="en-US" altLang="ko-KR" dirty="0"/>
           </a:p>
           <a:p>
             <a:r>
               <a:rPr lang="en-US" altLang="ko-KR" dirty="0"/>
-              <a:t> phase</a:t>
+              <a:t> Reward</a:t>
+            </a:r>
+          </a:p>
+          <a:p>
+            <a:pPr lvl="1"/>
+            <a:r>
+              <a:rPr lang="en-US" altLang="ko-KR" dirty="0"/>
+              <a:t>Pressure based Reward system + CI(Critical Intersection)</a:t>
             </a:r>
             <a:r>
               <a:rPr lang="ko-KR" altLang="en-US" dirty="0"/>
-              <a:t> 종류 수를 현재 </a:t>
-            </a:r>
-            <a:r>
-              <a:rPr lang="en-US" altLang="ko-KR" dirty="0"/>
-              <a:t>8</a:t>
+              <a:t>에서 중요 흐름에 가점 부여</a:t>
+            </a:r>
+            <a:br>
+              <a:rPr lang="en-US" altLang="ko-KR" dirty="0"/>
+            </a:br>
+            <a:r>
+              <a:rPr lang="en-US" altLang="ko-KR" dirty="0">
+                <a:sym typeface="Wingdings" panose="05000000000000000000" pitchFamily="2" charset="2"/>
+              </a:rPr>
+              <a:t> </a:t>
+            </a:r>
+            <a:r>
+              <a:rPr lang="en-US" altLang="ko-KR" dirty="0"/>
+              <a:t>CI</a:t>
             </a:r>
             <a:r>
               <a:rPr lang="ko-KR" altLang="en-US" dirty="0"/>
-              <a:t>개 </a:t>
+              <a:t>에 가점을 주는 방식은 일반적인</a:t>
+            </a:r>
+            <a:r>
+              <a:rPr lang="en-US" altLang="ko-KR" dirty="0"/>
+              <a:t>, </a:t>
+            </a:r>
+            <a:r>
+              <a:rPr lang="ko-KR" altLang="en-US" dirty="0"/>
+              <a:t>통용할 수 있는 방식이 아니므로 배제 가능</a:t>
+            </a:r>
+            <a:endParaRPr lang="en-US" altLang="ko-KR" dirty="0"/>
+          </a:p>
+          <a:p>
+            <a:pPr lvl="1"/>
+            <a:r>
+              <a:rPr lang="ko-KR" altLang="en-US" dirty="0"/>
+              <a:t>모든 </a:t>
+            </a:r>
+            <a:r>
+              <a:rPr lang="en-US" altLang="ko-KR" dirty="0"/>
+              <a:t>outflow</a:t>
+            </a:r>
+            <a:r>
+              <a:rPr lang="ko-KR" altLang="en-US" dirty="0"/>
+              <a:t>에 </a:t>
+            </a:r>
+            <a:r>
+              <a:rPr lang="en-US" altLang="ko-KR" dirty="0"/>
+              <a:t>Reward</a:t>
+            </a:r>
+            <a:r>
+              <a:rPr lang="ko-KR" altLang="en-US" dirty="0"/>
+              <a:t>를 부여 </a:t>
             </a:r>
             <a:r>
               <a:rPr lang="en-US" altLang="ko-KR" dirty="0"/>
@@ -15881,47 +16700,320 @@
             </a:r>
             <a:r>
               <a:rPr lang="ko-KR" altLang="en-US" dirty="0"/>
-              <a:t>논문상</a:t>
-            </a:r>
-            <a:r>
-              <a:rPr lang="en-US" altLang="ko-KR" dirty="0"/>
+              <a:t>단</a:t>
+            </a:r>
+            <a:r>
+              <a:rPr lang="en-US" altLang="ko-KR" dirty="0"/>
+              <a:t>, </a:t>
+            </a:r>
+            <a:r>
+              <a:rPr lang="ko-KR" altLang="en-US" dirty="0"/>
+              <a:t>우회전이 있는 </a:t>
+            </a:r>
+            <a:r>
+              <a:rPr lang="en-US" altLang="ko-KR" dirty="0"/>
+              <a:t>lane</a:t>
+            </a:r>
+            <a:r>
+              <a:rPr lang="ko-KR" altLang="en-US" dirty="0"/>
+              <a:t>은 직진과 우회전 필요</a:t>
+            </a:r>
+            <a:r>
+              <a:rPr lang="en-US" altLang="ko-KR" dirty="0"/>
+              <a:t>) </a:t>
+            </a:r>
+            <a:r>
+              <a:rPr lang="en-US" altLang="ko-KR" dirty="0">
+                <a:sym typeface="Wingdings" panose="05000000000000000000" pitchFamily="2" charset="2"/>
+              </a:rPr>
+              <a:t> Real world</a:t>
+            </a:r>
+          </a:p>
+          <a:p>
+            <a:r>
+              <a:rPr lang="en-US" altLang="ko-KR" dirty="0">
+                <a:sym typeface="Wingdings" panose="05000000000000000000" pitchFamily="2" charset="2"/>
+              </a:rPr>
+              <a:t> State</a:t>
+            </a:r>
+          </a:p>
+          <a:p>
+            <a:pPr lvl="1"/>
+            <a:r>
+              <a:rPr lang="ko-KR" altLang="en-US" dirty="0">
+                <a:sym typeface="Wingdings" panose="05000000000000000000" pitchFamily="2" charset="2"/>
+              </a:rPr>
+              <a:t>기존 교차로에서의 </a:t>
+            </a:r>
+            <a:r>
+              <a:rPr lang="en-US" altLang="ko-KR" dirty="0">
+                <a:sym typeface="Wingdings" panose="05000000000000000000" pitchFamily="2" charset="2"/>
+              </a:rPr>
+              <a:t>max phase score</a:t>
+            </a:r>
+            <a:r>
+              <a:rPr lang="ko-KR" altLang="en-US" dirty="0">
+                <a:sym typeface="Wingdings" panose="05000000000000000000" pitchFamily="2" charset="2"/>
+              </a:rPr>
+              <a:t>를 </a:t>
+            </a:r>
+            <a:r>
+              <a:rPr lang="en-US" altLang="ko-KR" dirty="0">
+                <a:sym typeface="Wingdings" panose="05000000000000000000" pitchFamily="2" charset="2"/>
+              </a:rPr>
+              <a:t>CNN</a:t>
+            </a:r>
+            <a:r>
+              <a:rPr lang="ko-KR" altLang="en-US" dirty="0">
+                <a:sym typeface="Wingdings" panose="05000000000000000000" pitchFamily="2" charset="2"/>
+              </a:rPr>
+              <a:t>으로 부분 </a:t>
+            </a:r>
+            <a:r>
+              <a:rPr lang="en-US" altLang="ko-KR" dirty="0">
+                <a:sym typeface="Wingdings" panose="05000000000000000000" pitchFamily="2" charset="2"/>
+              </a:rPr>
+              <a:t>filtering</a:t>
+            </a:r>
+            <a:r>
+              <a:rPr lang="ko-KR" altLang="en-US" dirty="0">
+                <a:sym typeface="Wingdings" panose="05000000000000000000" pitchFamily="2" charset="2"/>
+              </a:rPr>
+              <a:t>하여 받음 </a:t>
+            </a:r>
+            <a:r>
+              <a:rPr lang="en-US" altLang="ko-KR" dirty="0">
+                <a:sym typeface="Wingdings" panose="05000000000000000000" pitchFamily="2" charset="2"/>
+              </a:rPr>
+              <a:t>(3x3,</a:t>
+            </a:r>
+            <a:r>
+              <a:rPr lang="ko-KR" altLang="en-US" dirty="0">
+                <a:sym typeface="Wingdings" panose="05000000000000000000" pitchFamily="2" charset="2"/>
+              </a:rPr>
+              <a:t> </a:t>
+            </a:r>
+            <a:r>
+              <a:rPr lang="en-US" altLang="ko-KR" dirty="0">
+                <a:sym typeface="Wingdings" panose="05000000000000000000" pitchFamily="2" charset="2"/>
+              </a:rPr>
+              <a:t>2</a:t>
+            </a:r>
+            <a:r>
+              <a:rPr lang="ko-KR" altLang="en-US" dirty="0">
+                <a:sym typeface="Wingdings" panose="05000000000000000000" pitchFamily="2" charset="2"/>
+              </a:rPr>
+              <a:t> </a:t>
+            </a:r>
+            <a:r>
+              <a:rPr lang="en-US" altLang="ko-KR" dirty="0">
+                <a:sym typeface="Wingdings" panose="05000000000000000000" pitchFamily="2" charset="2"/>
+              </a:rPr>
+              <a:t>layers5x5 </a:t>
+            </a:r>
+            <a:r>
+              <a:rPr lang="ko-KR" altLang="en-US" dirty="0">
+                <a:sym typeface="Wingdings" panose="05000000000000000000" pitchFamily="2" charset="2"/>
+              </a:rPr>
+              <a:t>연동</a:t>
+            </a:r>
+            <a:r>
+              <a:rPr lang="en-US" altLang="ko-KR" dirty="0">
+                <a:sym typeface="Wingdings" panose="05000000000000000000" pitchFamily="2" charset="2"/>
+              </a:rPr>
               <a:t>)</a:t>
             </a:r>
-            <a:r>
-              <a:rPr lang="ko-KR" altLang="en-US" dirty="0"/>
-              <a:t>에서 </a:t>
-            </a:r>
-            <a:r>
-              <a:rPr lang="en-US" altLang="ko-KR" dirty="0"/>
-              <a:t>6</a:t>
-            </a:r>
-            <a:r>
-              <a:rPr lang="ko-KR" altLang="en-US" dirty="0"/>
-              <a:t>개 내지는 </a:t>
-            </a:r>
-            <a:r>
-              <a:rPr lang="en-US" altLang="ko-KR" dirty="0"/>
-              <a:t>4</a:t>
-            </a:r>
-            <a:r>
-              <a:rPr lang="ko-KR" altLang="en-US" dirty="0"/>
-              <a:t>개로 줄임</a:t>
-            </a:r>
-            <a:endParaRPr lang="en-US" altLang="ko-KR" dirty="0"/>
-          </a:p>
-          <a:p>
-            <a:r>
-              <a:rPr lang="en-US" altLang="ko-KR" dirty="0"/>
+            <a:br>
+              <a:rPr lang="en-US" altLang="ko-KR" dirty="0">
+                <a:sym typeface="Wingdings" panose="05000000000000000000" pitchFamily="2" charset="2"/>
+              </a:rPr>
+            </a:br>
+            <a:r>
+              <a:rPr lang="en-US" altLang="ko-KR" dirty="0">
+                <a:sym typeface="Wingdings" panose="05000000000000000000" pitchFamily="2" charset="2"/>
+              </a:rPr>
+              <a:t> </a:t>
+            </a:r>
+            <a:r>
+              <a:rPr lang="ko-KR" altLang="en-US" dirty="0">
+                <a:sym typeface="Wingdings" panose="05000000000000000000" pitchFamily="2" charset="2"/>
+              </a:rPr>
+              <a:t>모든 내용을 공유하는 것이 아닌 부분만 공유</a:t>
+            </a:r>
+            <a:br>
+              <a:rPr lang="en-US" altLang="ko-KR" dirty="0">
+                <a:sym typeface="Wingdings" panose="05000000000000000000" pitchFamily="2" charset="2"/>
+              </a:rPr>
+            </a:br>
+            <a:r>
+              <a:rPr lang="en-US" altLang="ko-KR" dirty="0">
+                <a:sym typeface="Wingdings" panose="05000000000000000000" pitchFamily="2" charset="2"/>
+              </a:rPr>
+              <a:t> </a:t>
+            </a:r>
+            <a:r>
+              <a:rPr lang="ko-KR" altLang="en-US" dirty="0">
+                <a:sym typeface="Wingdings" panose="05000000000000000000" pitchFamily="2" charset="2"/>
+              </a:rPr>
+              <a:t>단점 </a:t>
+            </a:r>
+            <a:r>
+              <a:rPr lang="en-US" altLang="ko-KR" dirty="0">
+                <a:sym typeface="Wingdings" panose="05000000000000000000" pitchFamily="2" charset="2"/>
+              </a:rPr>
+              <a:t>Manhattan </a:t>
+            </a:r>
+            <a:r>
+              <a:rPr lang="ko-KR" altLang="en-US" dirty="0">
+                <a:sym typeface="Wingdings" panose="05000000000000000000" pitchFamily="2" charset="2"/>
+              </a:rPr>
+              <a:t>처럼 직사각형인 경우만 유효한가</a:t>
+            </a:r>
+            <a:r>
+              <a:rPr lang="en-US" altLang="ko-KR" dirty="0">
+                <a:sym typeface="Wingdings" panose="05000000000000000000" pitchFamily="2" charset="2"/>
+              </a:rPr>
+              <a:t>?</a:t>
+            </a:r>
+            <a:r>
+              <a:rPr lang="ko-KR" altLang="en-US" dirty="0">
+                <a:sym typeface="Wingdings" panose="05000000000000000000" pitchFamily="2" charset="2"/>
+              </a:rPr>
               <a:t> </a:t>
             </a:r>
-            <a:endParaRPr lang="ko-KR" altLang="en-US" dirty="0"/>
+            <a:r>
+              <a:rPr lang="en-US" altLang="ko-KR" dirty="0">
+                <a:sym typeface="Wingdings" panose="05000000000000000000" pitchFamily="2" charset="2"/>
+              </a:rPr>
+              <a:t>(</a:t>
+            </a:r>
+            <a:r>
+              <a:rPr lang="ko-KR" altLang="en-US" dirty="0">
+                <a:sym typeface="Wingdings" panose="05000000000000000000" pitchFamily="2" charset="2"/>
+              </a:rPr>
+              <a:t>실험에만 사용가능</a:t>
+            </a:r>
+            <a:r>
+              <a:rPr lang="en-US" altLang="ko-KR" dirty="0">
+                <a:sym typeface="Wingdings" panose="05000000000000000000" pitchFamily="2" charset="2"/>
+              </a:rPr>
+              <a:t>)</a:t>
+            </a:r>
+          </a:p>
+          <a:p>
+            <a:pPr lvl="1"/>
+            <a:r>
+              <a:rPr lang="ko-KR" altLang="en-US" dirty="0">
+                <a:sym typeface="Wingdings" panose="05000000000000000000" pitchFamily="2" charset="2"/>
+              </a:rPr>
+              <a:t>인접데이터를 교차로 내의 모든 데이터를 받음 </a:t>
+            </a:r>
+            <a:r>
+              <a:rPr lang="en-US" altLang="ko-KR" dirty="0">
+                <a:sym typeface="Wingdings" panose="05000000000000000000" pitchFamily="2" charset="2"/>
+              </a:rPr>
+              <a:t>zero padding based  </a:t>
+            </a:r>
+            <a:r>
+              <a:rPr lang="ko-KR" altLang="en-US" dirty="0">
+                <a:sym typeface="Wingdings" panose="05000000000000000000" pitchFamily="2" charset="2"/>
+              </a:rPr>
+              <a:t>속도만 오를 가능성 높음</a:t>
+            </a:r>
+            <a:endParaRPr lang="en-US" altLang="ko-KR" dirty="0">
+              <a:sym typeface="Wingdings" panose="05000000000000000000" pitchFamily="2" charset="2"/>
+            </a:endParaRPr>
+          </a:p>
+          <a:p>
+            <a:pPr lvl="1"/>
+            <a:r>
+              <a:rPr lang="en-US" altLang="ko-KR" dirty="0">
+                <a:sym typeface="Wingdings" panose="05000000000000000000" pitchFamily="2" charset="2"/>
+              </a:rPr>
+              <a:t>1</a:t>
+            </a:r>
+            <a:r>
+              <a:rPr lang="ko-KR" altLang="en-US" dirty="0">
+                <a:sym typeface="Wingdings" panose="05000000000000000000" pitchFamily="2" charset="2"/>
+              </a:rPr>
+              <a:t>차</a:t>
+            </a:r>
+            <a:r>
+              <a:rPr lang="en-US" altLang="ko-KR" dirty="0">
+                <a:sym typeface="Wingdings" panose="05000000000000000000" pitchFamily="2" charset="2"/>
+              </a:rPr>
+              <a:t>, 3</a:t>
+            </a:r>
+            <a:r>
+              <a:rPr lang="ko-KR" altLang="en-US" dirty="0">
+                <a:sym typeface="Wingdings" panose="05000000000000000000" pitchFamily="2" charset="2"/>
+              </a:rPr>
+              <a:t>차선에 </a:t>
+            </a:r>
+            <a:r>
+              <a:rPr lang="ko-KR" altLang="en-US" dirty="0" err="1">
+                <a:sym typeface="Wingdings" panose="05000000000000000000" pitchFamily="2" charset="2"/>
+              </a:rPr>
+              <a:t>직좌</a:t>
+            </a:r>
+            <a:r>
+              <a:rPr lang="en-US" altLang="ko-KR" dirty="0">
+                <a:sym typeface="Wingdings" panose="05000000000000000000" pitchFamily="2" charset="2"/>
+              </a:rPr>
+              <a:t>,</a:t>
+            </a:r>
+            <a:r>
+              <a:rPr lang="ko-KR" altLang="en-US" dirty="0">
+                <a:sym typeface="Wingdings" panose="05000000000000000000" pitchFamily="2" charset="2"/>
+              </a:rPr>
+              <a:t> </a:t>
+            </a:r>
+            <a:r>
+              <a:rPr lang="ko-KR" altLang="en-US" dirty="0" err="1">
+                <a:sym typeface="Wingdings" panose="05000000000000000000" pitchFamily="2" charset="2"/>
+              </a:rPr>
+              <a:t>직우</a:t>
+            </a:r>
+            <a:r>
+              <a:rPr lang="ko-KR" altLang="en-US" dirty="0">
+                <a:sym typeface="Wingdings" panose="05000000000000000000" pitchFamily="2" charset="2"/>
+              </a:rPr>
+              <a:t> 신호 포함 </a:t>
+            </a:r>
+            <a:r>
+              <a:rPr lang="en-US" altLang="ko-KR" dirty="0">
+                <a:sym typeface="Wingdings" panose="05000000000000000000" pitchFamily="2" charset="2"/>
+              </a:rPr>
+              <a:t>(</a:t>
+            </a:r>
+            <a:r>
+              <a:rPr lang="ko-KR" altLang="en-US" dirty="0">
+                <a:sym typeface="Wingdings" panose="05000000000000000000" pitchFamily="2" charset="2"/>
+              </a:rPr>
+              <a:t>우측은 항상 </a:t>
+            </a:r>
+            <a:r>
+              <a:rPr lang="en-US" altLang="ko-KR" dirty="0">
+                <a:sym typeface="Wingdings" panose="05000000000000000000" pitchFamily="2" charset="2"/>
+              </a:rPr>
+              <a:t>green)  </a:t>
+            </a:r>
+            <a:r>
+              <a:rPr lang="ko-KR" altLang="en-US" dirty="0">
+                <a:sym typeface="Wingdings" panose="05000000000000000000" pitchFamily="2" charset="2"/>
+              </a:rPr>
+              <a:t>현실성 높임</a:t>
+            </a:r>
+            <a:endParaRPr lang="en-US" altLang="ko-KR" dirty="0">
+              <a:sym typeface="Wingdings" panose="05000000000000000000" pitchFamily="2" charset="2"/>
+            </a:endParaRPr>
           </a:p>
         </p:txBody>
       </p:sp>
     </p:spTree>
     <p:extLst>
       <p:ext uri="{BB962C8B-B14F-4D97-AF65-F5344CB8AC3E}">
-        <p14:creationId xmlns:p14="http://schemas.microsoft.com/office/powerpoint/2010/main" val="214645791"/>
+        <p14:creationId xmlns:p14="http://schemas.microsoft.com/office/powerpoint/2010/main" val="2887258193"/>
       </p:ext>
     </p:extLst>
   </p:cSld>
@@ -15950,7 +17042,13 @@
       </p:grpSpPr>
       <p:sp>
         <p:nvSpPr>
-          <p:cNvPr id="2" name="제목 1"/>
+          <p:cNvPr id="2" name="제목 1">
+            <a:extLst>
+              <a:ext uri="{FF2B5EF4-FFF2-40B4-BE49-F238E27FC236}">
+                <a16:creationId xmlns:a16="http://schemas.microsoft.com/office/drawing/2014/main" id="{3EBD6202-AD34-4614-A5D4-F6B15757FECD}"/>
+              </a:ext>
+            </a:extLst>
+          </p:cNvPr>
           <p:cNvSpPr>
             <a:spLocks noGrp="1"/>
           </p:cNvSpPr>
@@ -15965,7 +17063,23 @@
           <a:p>
             <a:r>
               <a:rPr lang="en-US" altLang="ko-KR" dirty="0"/>
-              <a:t>Comment</a:t>
+              <a:t>Training </a:t>
+            </a:r>
+            <a:r>
+              <a:rPr lang="ko-KR" altLang="en-US" dirty="0"/>
+              <a:t>구성 방식 제안</a:t>
+            </a:r>
+            <a:r>
+              <a:rPr lang="en-US" altLang="ko-KR" dirty="0"/>
+              <a:t>(</a:t>
+            </a:r>
+            <a:r>
+              <a:rPr lang="ko-KR" altLang="en-US" dirty="0"/>
+              <a:t>알고리즘</a:t>
+            </a:r>
+            <a:r>
+              <a:rPr lang="en-US" altLang="ko-KR" dirty="0"/>
+              <a:t>)</a:t>
             </a:r>
             <a:endParaRPr lang="ko-KR" altLang="en-US" dirty="0"/>
           </a:p>
@@ -15973,7 +17087,13 @@
       </p:sp>
       <p:sp>
         <p:nvSpPr>
-          <p:cNvPr id="3" name="내용 개체 틀 2"/>
+          <p:cNvPr id="3" name="내용 개체 틀 2">
+            <a:extLst>
+              <a:ext uri="{FF2B5EF4-FFF2-40B4-BE49-F238E27FC236}">
+                <a16:creationId xmlns:a16="http://schemas.microsoft.com/office/drawing/2014/main" id="{14839FBB-7044-491B-AAC4-6F1E60DB3E49}"/>
+              </a:ext>
+            </a:extLst>
+          </p:cNvPr>
           <p:cNvSpPr>
             <a:spLocks noGrp="1"/>
           </p:cNvSpPr>
@@ -15981,42 +17101,404 @@
             <p:ph idx="1"/>
           </p:nvPr>
         </p:nvSpPr>
-        <p:spPr/>
+        <p:spPr>
+          <a:xfrm>
+            <a:off x="1097280" y="1845733"/>
+            <a:ext cx="10058400" cy="4412453"/>
+          </a:xfrm>
+        </p:spPr>
         <p:txBody>
           <a:bodyPr/>
           <a:lstStyle/>
           <a:p>
             <a:r>
               <a:rPr lang="en-US" altLang="ko-KR" dirty="0"/>
+              <a:t> Remodeling</a:t>
+            </a:r>
+          </a:p>
+          <a:p>
+            <a:pPr lvl="1"/>
+            <a:r>
+              <a:rPr lang="en-US" altLang="ko-KR" dirty="0"/>
+              <a:t>MADDPG algorithm</a:t>
+            </a:r>
+          </a:p>
+          <a:p>
+            <a:pPr lvl="2"/>
+            <a:r>
+              <a:rPr lang="ko-KR" altLang="en-US" dirty="0"/>
+              <a:t>특징</a:t>
+            </a:r>
+            <a:r>
+              <a:rPr lang="en-US" altLang="ko-KR" dirty="0"/>
+              <a:t>: continuous action space,</a:t>
+            </a:r>
+            <a:r>
+              <a:rPr lang="ko-KR" altLang="en-US" dirty="0"/>
               <a:t> </a:t>
             </a:r>
             <a:r>
+              <a:rPr lang="en-US" altLang="ko-KR" dirty="0"/>
+              <a:t>Actor</a:t>
+            </a:r>
+            <a:r>
               <a:rPr lang="ko-KR" altLang="en-US" dirty="0"/>
-              <a:t>네비게이션 시스템이 복잡</a:t>
-            </a:r>
-            <a:r>
-              <a:rPr lang="en-US" altLang="ko-KR" dirty="0"/>
-              <a:t>? Why </a:t>
+              <a:t> </a:t>
+            </a:r>
+            <a:r>
+              <a:rPr lang="en-US" altLang="ko-KR" dirty="0"/>
+              <a:t>Critic</a:t>
+            </a:r>
+          </a:p>
+          <a:p>
+            <a:pPr lvl="2"/>
+            <a:r>
+              <a:rPr lang="en-US" altLang="ko-KR" dirty="0"/>
+              <a:t>Action</a:t>
             </a:r>
             <a:r>
               <a:rPr lang="ko-KR" altLang="en-US" dirty="0"/>
-              <a:t>애들이 차량이 많은 쪽위주로 </a:t>
-            </a:r>
-            <a:r>
-              <a:rPr lang="ko-KR" altLang="en-US" dirty="0" err="1"/>
-              <a:t>열어주다보면</a:t>
+              <a:t>을 </a:t>
+            </a:r>
+            <a:r>
+              <a:rPr lang="en-US" altLang="ko-KR" dirty="0"/>
+              <a:t>3</a:t>
             </a:r>
             <a:r>
               <a:rPr lang="ko-KR" altLang="en-US" dirty="0"/>
-              <a:t> 분명 개인 입장에서 기다리는 시간이 길 것으로 판단</a:t>
-            </a:r>
+              <a:t>초에서 </a:t>
+            </a:r>
+            <a:r>
+              <a:rPr lang="en-US" altLang="ko-KR" dirty="0"/>
+              <a:t>87</a:t>
+            </a:r>
+            <a:r>
+              <a:rPr lang="ko-KR" altLang="en-US" dirty="0"/>
+              <a:t>초 사이의 </a:t>
+            </a:r>
+            <a:r>
+              <a:rPr lang="en-US" altLang="ko-KR" dirty="0"/>
+              <a:t>continuous</a:t>
+            </a:r>
+            <a:r>
+              <a:rPr lang="ko-KR" altLang="en-US" dirty="0"/>
+              <a:t>하게 구성해야 함</a:t>
+            </a:r>
+            <a:endParaRPr lang="en-US" altLang="ko-KR" dirty="0"/>
+          </a:p>
+          <a:p>
+            <a:pPr lvl="2"/>
+            <a:r>
+              <a:rPr lang="en-US" altLang="ko-KR" dirty="0"/>
+              <a:t>Centralized Critic, Decentralized Actor</a:t>
+            </a:r>
+          </a:p>
+          <a:p>
+            <a:pPr lvl="2"/>
+            <a:r>
+              <a:rPr lang="en-US" altLang="ko-KR" dirty="0"/>
+              <a:t>Exploration Method</a:t>
+            </a:r>
+            <a:r>
+              <a:rPr lang="ko-KR" altLang="en-US" dirty="0"/>
+              <a:t>가 </a:t>
+            </a:r>
+            <a:r>
+              <a:rPr lang="en-US" altLang="ko-KR" dirty="0"/>
+              <a:t>infeasibility</a:t>
+            </a:r>
+            <a:r>
+              <a:rPr lang="ko-KR" altLang="en-US" dirty="0"/>
+              <a:t>하다는 단점이 존재함</a:t>
+            </a:r>
+            <a:endParaRPr lang="en-US" altLang="ko-KR" dirty="0"/>
+          </a:p>
+          <a:p>
+            <a:pPr lvl="2"/>
+            <a:endParaRPr lang="en-US" altLang="ko-KR" dirty="0"/>
+          </a:p>
+          <a:p>
+            <a:pPr lvl="1"/>
+            <a:r>
+              <a:rPr lang="en-US" altLang="ko-KR" dirty="0"/>
+              <a:t>QMIX based on hierarchical Q</a:t>
+            </a:r>
+          </a:p>
+          <a:p>
+            <a:pPr lvl="2"/>
+            <a:r>
+              <a:rPr lang="ko-KR" altLang="en-US" dirty="0"/>
+              <a:t>특징</a:t>
+            </a:r>
+            <a:r>
+              <a:rPr lang="en-US" altLang="ko-KR" dirty="0"/>
+              <a:t>: </a:t>
+            </a:r>
+            <a:r>
+              <a:rPr lang="ko-KR" altLang="en-US" dirty="0"/>
+              <a:t>각 </a:t>
+            </a:r>
+            <a:r>
+              <a:rPr lang="en-US" altLang="ko-KR" dirty="0"/>
+              <a:t>agent</a:t>
+            </a:r>
+            <a:r>
+              <a:rPr lang="ko-KR" altLang="en-US" dirty="0"/>
+              <a:t>끼리 </a:t>
+            </a:r>
+            <a:r>
+              <a:rPr lang="en-US" altLang="ko-KR" dirty="0"/>
+              <a:t>data </a:t>
+            </a:r>
+            <a:r>
+              <a:rPr lang="ko-KR" altLang="en-US" dirty="0"/>
+              <a:t>공유 </a:t>
+            </a:r>
+            <a:r>
+              <a:rPr lang="en-US" altLang="ko-KR" dirty="0"/>
+              <a:t>x</a:t>
+            </a:r>
+          </a:p>
+          <a:p>
+            <a:pPr lvl="2"/>
+            <a:r>
+              <a:rPr lang="ko-KR" altLang="en-US" dirty="0"/>
+              <a:t>기존의 연동 시스템 단위 별 </a:t>
+            </a:r>
+            <a:r>
+              <a:rPr lang="en-US" altLang="ko-KR" dirty="0"/>
+              <a:t>single-agent</a:t>
+            </a:r>
+            <a:r>
+              <a:rPr lang="ko-KR" altLang="en-US" dirty="0"/>
+              <a:t>로 두고 </a:t>
+            </a:r>
+            <a:r>
+              <a:rPr lang="en-US" altLang="ko-KR" dirty="0"/>
+              <a:t>mixing Q</a:t>
+            </a:r>
+            <a:r>
+              <a:rPr lang="ko-KR" altLang="en-US" dirty="0"/>
+              <a:t>가 모든 </a:t>
+            </a:r>
+            <a:r>
+              <a:rPr lang="en-US" altLang="ko-KR" dirty="0"/>
+              <a:t>Q</a:t>
+            </a:r>
+            <a:r>
+              <a:rPr lang="ko-KR" altLang="en-US" dirty="0"/>
+              <a:t>를 종합해서 결과를 내림</a:t>
+            </a:r>
+            <a:endParaRPr lang="en-US" altLang="ko-KR" dirty="0"/>
+          </a:p>
+          <a:p>
+            <a:pPr lvl="2"/>
+            <a:r>
+              <a:rPr lang="ko-KR" altLang="en-US" dirty="0"/>
+              <a:t>공통 </a:t>
+            </a:r>
+            <a:r>
+              <a:rPr lang="en-US" altLang="ko-KR" dirty="0"/>
+              <a:t>Reward </a:t>
+            </a:r>
+            <a:r>
+              <a:rPr lang="ko-KR" altLang="en-US" dirty="0"/>
+              <a:t>설정을 기존의 </a:t>
+            </a:r>
+            <a:r>
+              <a:rPr lang="en-US" altLang="ko-KR" dirty="0"/>
+              <a:t>Pressure</a:t>
+            </a:r>
+            <a:r>
+              <a:rPr lang="ko-KR" altLang="en-US" dirty="0"/>
+              <a:t>로 진행하는게 의미가 없을 수 있음 </a:t>
+            </a:r>
+            <a:r>
+              <a:rPr lang="en-US" altLang="ko-KR" dirty="0"/>
+              <a:t>(why? </a:t>
+            </a:r>
+            <a:r>
+              <a:rPr lang="ko-KR" altLang="en-US" dirty="0"/>
+              <a:t>한쪽의 </a:t>
+            </a:r>
+            <a:r>
+              <a:rPr lang="en-US" altLang="ko-KR" dirty="0"/>
+              <a:t>pressure </a:t>
+            </a:r>
+            <a:r>
+              <a:rPr lang="ko-KR" altLang="en-US" dirty="0"/>
+              <a:t>감소가 다른 한쪽의 </a:t>
+            </a:r>
+            <a:r>
+              <a:rPr lang="en-US" altLang="ko-KR" dirty="0"/>
+              <a:t>pressure </a:t>
+            </a:r>
+            <a:r>
+              <a:rPr lang="ko-KR" altLang="en-US" dirty="0"/>
+              <a:t>증가이므로</a:t>
+            </a:r>
+            <a:r>
+              <a:rPr lang="en-US" altLang="ko-KR" dirty="0"/>
+              <a:t>)</a:t>
+            </a:r>
+          </a:p>
+          <a:p>
+            <a:pPr lvl="1"/>
+            <a:r>
+              <a:rPr lang="en-US" altLang="ko-KR" dirty="0"/>
+              <a:t>Dimensionality reduced RL</a:t>
+            </a:r>
+          </a:p>
+          <a:p>
+            <a:pPr lvl="2"/>
+            <a:r>
+              <a:rPr lang="en-US" altLang="ko-KR" dirty="0"/>
+              <a:t>Scalability</a:t>
+            </a:r>
+            <a:r>
+              <a:rPr lang="ko-KR" altLang="en-US" dirty="0"/>
+              <a:t>에서 </a:t>
+            </a:r>
+            <a:r>
+              <a:rPr lang="en-US" altLang="ko-KR" dirty="0"/>
+              <a:t>curse of dimensionality</a:t>
+            </a:r>
+            <a:r>
+              <a:rPr lang="ko-KR" altLang="en-US" dirty="0"/>
+              <a:t>의 문제인 경우 </a:t>
+            </a:r>
+            <a:r>
+              <a:rPr lang="en-US" altLang="ko-KR" dirty="0">
+                <a:sym typeface="Wingdings" panose="05000000000000000000" pitchFamily="2" charset="2"/>
+              </a:rPr>
+              <a:t> dimension reduced by PCA</a:t>
+            </a:r>
+          </a:p>
+          <a:p>
+            <a:pPr lvl="2"/>
+            <a:r>
+              <a:rPr lang="en-US" altLang="ko-KR" dirty="0">
+                <a:sym typeface="Wingdings" panose="05000000000000000000" pitchFamily="2" charset="2"/>
+              </a:rPr>
+              <a:t>IDDRL</a:t>
+            </a:r>
+            <a:endParaRPr lang="en-US" altLang="ko-KR" dirty="0"/>
           </a:p>
         </p:txBody>
       </p:sp>
     </p:spTree>
     <p:extLst>
       <p:ext uri="{BB962C8B-B14F-4D97-AF65-F5344CB8AC3E}">
-        <p14:creationId xmlns:p14="http://schemas.microsoft.com/office/powerpoint/2010/main" val="2088717915"/>
+        <p14:creationId xmlns:p14="http://schemas.microsoft.com/office/powerpoint/2010/main" val="1056183112"/>
+      </p:ext>
+    </p:extLst>
+  </p:cSld>
+  <p:clrMapOvr>
+    <a:masterClrMapping/>
+  </p:clrMapOvr>
+</p:sld>
+</file>
+
+<file path=ppt/slides/slide36.xml><?xml version="1.0" encoding="utf-8"?>
+<p:sld xmlns:a="http://schemas.openxmlformats.org/drawingml/2006/main" xmlns:r="http://schemas.openxmlformats.org/officeDocument/2006/relationships" xmlns:p="http://schemas.openxmlformats.org/presentationml/2006/main">
+  <p:cSld>
+    <p:spTree>
+      <p:nvGrpSpPr>
+        <p:cNvPr id="1" name=""/>
+        <p:cNvGrpSpPr/>
+        <p:nvPr/>
+      </p:nvGrpSpPr>
+      <p:grpSpPr>
+        <a:xfrm>
+          <a:off x="0" y="0"/>
+          <a:ext cx="0" cy="0"/>
+          <a:chOff x="0" y="0"/>
+          <a:chExt cx="0" cy="0"/>
+        </a:xfrm>
+      </p:grpSpPr>
+      <p:sp>
+        <p:nvSpPr>
+          <p:cNvPr id="4" name="제목 3">
+            <a:extLst>
+              <a:ext uri="{FF2B5EF4-FFF2-40B4-BE49-F238E27FC236}">
+                <a16:creationId xmlns:a16="http://schemas.microsoft.com/office/drawing/2014/main" id="{F2EF6404-AC06-4DB1-BD54-8DAD08F9FFB8}"/>
+              </a:ext>
+            </a:extLst>
+          </p:cNvPr>
+          <p:cNvSpPr>
+            <a:spLocks noGrp="1"/>
+          </p:cNvSpPr>
+          <p:nvPr>
+            <p:ph type="title"/>
+          </p:nvPr>
+        </p:nvSpPr>
+        <p:spPr/>
+        <p:txBody>
+          <a:bodyPr/>
+          <a:lstStyle/>
+          <a:p>
+            <a:r>
+              <a:rPr lang="en-US" altLang="ko-KR" dirty="0"/>
+              <a:t>Thank you</a:t>
+            </a:r>
+            <a:endParaRPr lang="ko-KR" altLang="en-US" dirty="0"/>
+          </a:p>
+        </p:txBody>
+      </p:sp>
+      <p:sp>
+        <p:nvSpPr>
+          <p:cNvPr id="5" name="내용 개체 틀 4">
+            <a:extLst>
+              <a:ext uri="{FF2B5EF4-FFF2-40B4-BE49-F238E27FC236}">
+                <a16:creationId xmlns:a16="http://schemas.microsoft.com/office/drawing/2014/main" id="{D72192F5-DDDC-412C-9637-EA3364A1C7C4}"/>
+              </a:ext>
+            </a:extLst>
+          </p:cNvPr>
+          <p:cNvSpPr>
+            <a:spLocks noGrp="1"/>
+          </p:cNvSpPr>
+          <p:nvPr>
+            <p:ph idx="1"/>
+          </p:nvPr>
+        </p:nvSpPr>
+        <p:spPr/>
+        <p:txBody>
+          <a:bodyPr/>
+          <a:lstStyle/>
+          <a:p>
+            <a:endParaRPr lang="ko-KR" altLang="en-US"/>
+          </a:p>
+        </p:txBody>
+      </p:sp>
+      <p:sp>
+        <p:nvSpPr>
+          <p:cNvPr id="6" name="텍스트 개체 틀 5">
+            <a:extLst>
+              <a:ext uri="{FF2B5EF4-FFF2-40B4-BE49-F238E27FC236}">
+                <a16:creationId xmlns:a16="http://schemas.microsoft.com/office/drawing/2014/main" id="{615F8F27-81FE-45EB-BA01-9A134AE49B9E}"/>
+              </a:ext>
+            </a:extLst>
+          </p:cNvPr>
+          <p:cNvSpPr>
+            <a:spLocks noGrp="1"/>
+          </p:cNvSpPr>
+          <p:nvPr>
+            <p:ph type="body" sz="half" idx="2"/>
+          </p:nvPr>
+        </p:nvSpPr>
+        <p:spPr/>
+        <p:txBody>
+          <a:bodyPr/>
+          <a:lstStyle/>
+          <a:p>
+            <a:endParaRPr lang="ko-KR" altLang="en-US"/>
+          </a:p>
+        </p:txBody>
+      </p:sp>
+    </p:spTree>
+    <p:extLst>
+      <p:ext uri="{BB962C8B-B14F-4D97-AF65-F5344CB8AC3E}">
+        <p14:creationId xmlns:p14="http://schemas.microsoft.com/office/powerpoint/2010/main" val="2291802260"/>
       </p:ext>
     </p:extLst>
   </p:cSld>

--- a/1st_Seminar(강민수).pptx
+++ b/1st_Seminar(강민수).pptx
@@ -6,7 +6,7 @@
     <p:sldMasterId id="2147483744" r:id="rId2"/>
   </p:sldMasterIdLst>
   <p:notesMasterIdLst>
-    <p:notesMasterId r:id="rId39"/>
+    <p:notesMasterId r:id="rId41"/>
   </p:notesMasterIdLst>
   <p:sldIdLst>
     <p:sldId id="256" r:id="rId3"/>
@@ -15,36 +15,38 @@
     <p:sldId id="288" r:id="rId6"/>
     <p:sldId id="289" r:id="rId7"/>
     <p:sldId id="259" r:id="rId8"/>
-    <p:sldId id="260" r:id="rId9"/>
-    <p:sldId id="261" r:id="rId10"/>
-    <p:sldId id="262" r:id="rId11"/>
-    <p:sldId id="263" r:id="rId12"/>
-    <p:sldId id="290" r:id="rId13"/>
-    <p:sldId id="273" r:id="rId14"/>
-    <p:sldId id="287" r:id="rId15"/>
-    <p:sldId id="268" r:id="rId16"/>
-    <p:sldId id="274" r:id="rId17"/>
-    <p:sldId id="275" r:id="rId18"/>
-    <p:sldId id="276" r:id="rId19"/>
-    <p:sldId id="269" r:id="rId20"/>
-    <p:sldId id="277" r:id="rId21"/>
-    <p:sldId id="278" r:id="rId22"/>
-    <p:sldId id="280" r:id="rId23"/>
-    <p:sldId id="284" r:id="rId24"/>
-    <p:sldId id="291" r:id="rId25"/>
-    <p:sldId id="279" r:id="rId26"/>
-    <p:sldId id="281" r:id="rId27"/>
-    <p:sldId id="283" r:id="rId28"/>
-    <p:sldId id="285" r:id="rId29"/>
-    <p:sldId id="270" r:id="rId30"/>
-    <p:sldId id="286" r:id="rId31"/>
-    <p:sldId id="292" r:id="rId32"/>
-    <p:sldId id="264" r:id="rId33"/>
-    <p:sldId id="265" r:id="rId34"/>
-    <p:sldId id="266" r:id="rId35"/>
-    <p:sldId id="293" r:id="rId36"/>
-    <p:sldId id="294" r:id="rId37"/>
-    <p:sldId id="295" r:id="rId38"/>
+    <p:sldId id="296" r:id="rId9"/>
+    <p:sldId id="297" r:id="rId10"/>
+    <p:sldId id="260" r:id="rId11"/>
+    <p:sldId id="261" r:id="rId12"/>
+    <p:sldId id="262" r:id="rId13"/>
+    <p:sldId id="263" r:id="rId14"/>
+    <p:sldId id="290" r:id="rId15"/>
+    <p:sldId id="273" r:id="rId16"/>
+    <p:sldId id="287" r:id="rId17"/>
+    <p:sldId id="268" r:id="rId18"/>
+    <p:sldId id="274" r:id="rId19"/>
+    <p:sldId id="275" r:id="rId20"/>
+    <p:sldId id="276" r:id="rId21"/>
+    <p:sldId id="269" r:id="rId22"/>
+    <p:sldId id="277" r:id="rId23"/>
+    <p:sldId id="278" r:id="rId24"/>
+    <p:sldId id="280" r:id="rId25"/>
+    <p:sldId id="284" r:id="rId26"/>
+    <p:sldId id="291" r:id="rId27"/>
+    <p:sldId id="279" r:id="rId28"/>
+    <p:sldId id="281" r:id="rId29"/>
+    <p:sldId id="283" r:id="rId30"/>
+    <p:sldId id="285" r:id="rId31"/>
+    <p:sldId id="270" r:id="rId32"/>
+    <p:sldId id="286" r:id="rId33"/>
+    <p:sldId id="292" r:id="rId34"/>
+    <p:sldId id="264" r:id="rId35"/>
+    <p:sldId id="265" r:id="rId36"/>
+    <p:sldId id="266" r:id="rId37"/>
+    <p:sldId id="293" r:id="rId38"/>
+    <p:sldId id="294" r:id="rId39"/>
+    <p:sldId id="295" r:id="rId40"/>
   </p:sldIdLst>
   <p:sldSz cx="12192000" cy="6858000"/>
   <p:notesSz cx="6858000" cy="9144000"/>
@@ -236,7 +238,7 @@
           <a:p>
             <a:fld id="{B401493B-0A52-4E9A-A475-D6276A64515A}" type="datetimeFigureOut">
               <a:rPr lang="ko-KR" altLang="en-US" smtClean="0"/>
-              <a:t>2021-01-13</a:t>
+              <a:t>2021-01-18</a:t>
             </a:fld>
             <a:endParaRPr lang="ko-KR" altLang="en-US"/>
           </a:p>
@@ -646,7 +648,7 @@
             <a:fld id="{B61BEF0D-F0BB-DE4B-95CE-6DB70DBA9567}" type="datetimeFigureOut">
               <a:rPr lang="en-US" smtClean="0"/>
               <a:pPr/>
-              <a:t>1/13/2021</a:t>
+              <a:t>1/18/2021</a:t>
             </a:fld>
             <a:endParaRPr lang="en-US" dirty="0"/>
           </a:p>
@@ -818,7 +820,7 @@
             <a:fld id="{B61BEF0D-F0BB-DE4B-95CE-6DB70DBA9567}" type="datetimeFigureOut">
               <a:rPr lang="en-US" smtClean="0"/>
               <a:pPr/>
-              <a:t>1/13/2021</a:t>
+              <a:t>1/18/2021</a:t>
             </a:fld>
             <a:endParaRPr lang="en-US" dirty="0"/>
           </a:p>
@@ -1000,7 +1002,7 @@
             <a:fld id="{B61BEF0D-F0BB-DE4B-95CE-6DB70DBA9567}" type="datetimeFigureOut">
               <a:rPr lang="en-US" smtClean="0"/>
               <a:pPr/>
-              <a:t>1/13/2021</a:t>
+              <a:t>1/18/2021</a:t>
             </a:fld>
             <a:endParaRPr lang="en-US" dirty="0"/>
           </a:p>
@@ -1289,7 +1291,7 @@
             <a:fld id="{B61BEF0D-F0BB-DE4B-95CE-6DB70DBA9567}" type="datetimeFigureOut">
               <a:rPr lang="en-US" smtClean="0"/>
               <a:pPr/>
-              <a:t>1/13/2021</a:t>
+              <a:t>1/18/2021</a:t>
             </a:fld>
             <a:endParaRPr lang="en-US" dirty="0"/>
           </a:p>
@@ -1529,7 +1531,7 @@
             <a:fld id="{B61BEF0D-F0BB-DE4B-95CE-6DB70DBA9567}" type="datetimeFigureOut">
               <a:rPr lang="en-US" smtClean="0"/>
               <a:pPr/>
-              <a:t>1/13/2021</a:t>
+              <a:t>1/18/2021</a:t>
             </a:fld>
             <a:endParaRPr lang="en-US" dirty="0"/>
           </a:p>
@@ -1874,7 +1876,7 @@
             <a:fld id="{B61BEF0D-F0BB-DE4B-95CE-6DB70DBA9567}" type="datetimeFigureOut">
               <a:rPr lang="en-US" smtClean="0"/>
               <a:pPr/>
-              <a:t>1/13/2021</a:t>
+              <a:t>1/18/2021</a:t>
             </a:fld>
             <a:endParaRPr lang="en-US" dirty="0"/>
           </a:p>
@@ -2151,7 +2153,7 @@
             <a:fld id="{B61BEF0D-F0BB-DE4B-95CE-6DB70DBA9567}" type="datetimeFigureOut">
               <a:rPr lang="en-US" smtClean="0"/>
               <a:pPr/>
-              <a:t>1/13/2021</a:t>
+              <a:t>1/18/2021</a:t>
             </a:fld>
             <a:endParaRPr lang="en-US" dirty="0"/>
           </a:p>
@@ -2532,7 +2534,7 @@
             <a:fld id="{B61BEF0D-F0BB-DE4B-95CE-6DB70DBA9567}" type="datetimeFigureOut">
               <a:rPr lang="en-US" smtClean="0"/>
               <a:pPr/>
-              <a:t>1/13/2021</a:t>
+              <a:t>1/18/2021</a:t>
             </a:fld>
             <a:endParaRPr lang="en-US" dirty="0"/>
           </a:p>
@@ -2652,7 +2654,7 @@
             <a:fld id="{B61BEF0D-F0BB-DE4B-95CE-6DB70DBA9567}" type="datetimeFigureOut">
               <a:rPr lang="en-US" smtClean="0"/>
               <a:pPr/>
-              <a:t>1/13/2021</a:t>
+              <a:t>1/18/2021</a:t>
             </a:fld>
             <a:endParaRPr lang="en-US" dirty="0"/>
           </a:p>
@@ -2825,7 +2827,7 @@
             <a:fld id="{B61BEF0D-F0BB-DE4B-95CE-6DB70DBA9567}" type="datetimeFigureOut">
               <a:rPr lang="en-US" smtClean="0"/>
               <a:pPr/>
-              <a:t>1/13/2021</a:t>
+              <a:t>1/18/2021</a:t>
             </a:fld>
             <a:endParaRPr lang="en-US" dirty="0"/>
           </a:p>
@@ -3181,7 +3183,7 @@
             <a:fld id="{B61BEF0D-F0BB-DE4B-95CE-6DB70DBA9567}" type="datetimeFigureOut">
               <a:rPr lang="en-US" smtClean="0"/>
               <a:pPr/>
-              <a:t>1/13/2021</a:t>
+              <a:t>1/18/2021</a:t>
             </a:fld>
             <a:endParaRPr lang="en-US" dirty="0"/>
           </a:p>
@@ -3374,7 +3376,7 @@
             <a:fld id="{B61BEF0D-F0BB-DE4B-95CE-6DB70DBA9567}" type="datetimeFigureOut">
               <a:rPr lang="en-US" smtClean="0"/>
               <a:pPr/>
-              <a:t>1/13/2021</a:t>
+              <a:t>1/18/2021</a:t>
             </a:fld>
             <a:endParaRPr lang="en-US" dirty="0"/>
           </a:p>
@@ -3737,7 +3739,7 @@
             <a:fld id="{B61BEF0D-F0BB-DE4B-95CE-6DB70DBA9567}" type="datetimeFigureOut">
               <a:rPr lang="en-US" smtClean="0"/>
               <a:pPr/>
-              <a:t>1/13/2021</a:t>
+              <a:t>1/18/2021</a:t>
             </a:fld>
             <a:endParaRPr lang="en-US" dirty="0"/>
           </a:p>
@@ -3909,7 +3911,7 @@
             <a:fld id="{B61BEF0D-F0BB-DE4B-95CE-6DB70DBA9567}" type="datetimeFigureOut">
               <a:rPr lang="en-US" smtClean="0"/>
               <a:pPr/>
-              <a:t>1/13/2021</a:t>
+              <a:t>1/18/2021</a:t>
             </a:fld>
             <a:endParaRPr lang="en-US" dirty="0"/>
           </a:p>
@@ -4167,7 +4169,7 @@
             <a:fld id="{B61BEF0D-F0BB-DE4B-95CE-6DB70DBA9567}" type="datetimeFigureOut">
               <a:rPr lang="en-US" smtClean="0"/>
               <a:pPr/>
-              <a:t>1/13/2021</a:t>
+              <a:t>1/18/2021</a:t>
             </a:fld>
             <a:endParaRPr lang="en-US" dirty="0"/>
           </a:p>
@@ -4420,7 +4422,7 @@
             <a:fld id="{B61BEF0D-F0BB-DE4B-95CE-6DB70DBA9567}" type="datetimeFigureOut">
               <a:rPr lang="en-US" smtClean="0"/>
               <a:pPr/>
-              <a:t>1/13/2021</a:t>
+              <a:t>1/18/2021</a:t>
             </a:fld>
             <a:endParaRPr lang="en-US" dirty="0"/>
           </a:p>
@@ -4654,7 +4656,7 @@
             <a:fld id="{B61BEF0D-F0BB-DE4B-95CE-6DB70DBA9567}" type="datetimeFigureOut">
               <a:rPr lang="en-US" smtClean="0"/>
               <a:pPr/>
-              <a:t>1/13/2021</a:t>
+              <a:t>1/18/2021</a:t>
             </a:fld>
             <a:endParaRPr lang="en-US" dirty="0"/>
           </a:p>
@@ -5003,7 +5005,7 @@
             <a:fld id="{B61BEF0D-F0BB-DE4B-95CE-6DB70DBA9567}" type="datetimeFigureOut">
               <a:rPr lang="en-US" smtClean="0"/>
               <a:pPr/>
-              <a:t>1/13/2021</a:t>
+              <a:t>1/18/2021</a:t>
             </a:fld>
             <a:endParaRPr lang="en-US" dirty="0"/>
           </a:p>
@@ -5123,7 +5125,7 @@
             <a:fld id="{B61BEF0D-F0BB-DE4B-95CE-6DB70DBA9567}" type="datetimeFigureOut">
               <a:rPr lang="en-US" smtClean="0"/>
               <a:pPr/>
-              <a:t>1/13/2021</a:t>
+              <a:t>1/18/2021</a:t>
             </a:fld>
             <a:endParaRPr lang="en-US" dirty="0"/>
           </a:p>
@@ -5243,7 +5245,7 @@
             <a:fld id="{B61BEF0D-F0BB-DE4B-95CE-6DB70DBA9567}" type="datetimeFigureOut">
               <a:rPr lang="en-US" smtClean="0"/>
               <a:pPr/>
-              <a:t>1/13/2021</a:t>
+              <a:t>1/18/2021</a:t>
             </a:fld>
             <a:endParaRPr lang="en-US" dirty="0"/>
           </a:p>
@@ -5529,7 +5531,7 @@
             <a:fld id="{B61BEF0D-F0BB-DE4B-95CE-6DB70DBA9567}" type="datetimeFigureOut">
               <a:rPr lang="en-US" smtClean="0"/>
               <a:pPr/>
-              <a:t>1/13/2021</a:t>
+              <a:t>1/18/2021</a:t>
             </a:fld>
             <a:endParaRPr lang="en-US" dirty="0"/>
           </a:p>
@@ -5795,7 +5797,7 @@
             <a:fld id="{B61BEF0D-F0BB-DE4B-95CE-6DB70DBA9567}" type="datetimeFigureOut">
               <a:rPr lang="en-US" smtClean="0"/>
               <a:pPr/>
-              <a:t>1/13/2021</a:t>
+              <a:t>1/18/2021</a:t>
             </a:fld>
             <a:endParaRPr lang="en-US" dirty="0"/>
           </a:p>
@@ -6011,7 +6013,7 @@
             <a:fld id="{B61BEF0D-F0BB-DE4B-95CE-6DB70DBA9567}" type="datetimeFigureOut">
               <a:rPr lang="en-US" smtClean="0"/>
               <a:pPr/>
-              <a:t>1/13/2021</a:t>
+              <a:t>1/18/2021</a:t>
             </a:fld>
             <a:endParaRPr lang="en-US" dirty="0"/>
           </a:p>
@@ -6616,7 +6618,7 @@
             <a:fld id="{B61BEF0D-F0BB-DE4B-95CE-6DB70DBA9567}" type="datetimeFigureOut">
               <a:rPr lang="en-US" smtClean="0"/>
               <a:pPr/>
-              <a:t>1/13/2021</a:t>
+              <a:t>1/18/2021</a:t>
             </a:fld>
             <a:endParaRPr lang="en-US" dirty="0"/>
           </a:p>
@@ -7232,6 +7234,1130 @@
           <a:p>
             <a:r>
               <a:rPr lang="en-US" altLang="ko-KR" dirty="0"/>
+              <a:t>Defining New TLS-Programs</a:t>
+            </a:r>
+            <a:endParaRPr lang="ko-KR" altLang="en-US" dirty="0"/>
+          </a:p>
+        </p:txBody>
+      </p:sp>
+      <p:sp>
+        <p:nvSpPr>
+          <p:cNvPr id="3" name="내용 개체 틀 2"/>
+          <p:cNvSpPr>
+            <a:spLocks noGrp="1"/>
+          </p:cNvSpPr>
+          <p:nvPr>
+            <p:ph idx="1"/>
+          </p:nvPr>
+        </p:nvSpPr>
+        <p:spPr/>
+        <p:txBody>
+          <a:bodyPr/>
+          <a:lstStyle/>
+          <a:p>
+            <a:r>
+              <a:rPr lang="en-US" altLang="ko-KR" dirty="0"/>
+              <a:t>Additional file</a:t>
+            </a:r>
+            <a:r>
+              <a:rPr lang="ko-KR" altLang="en-US" dirty="0"/>
+              <a:t>을 사용</a:t>
+            </a:r>
+            <a:br>
+              <a:rPr lang="en-US" altLang="ko-KR" dirty="0"/>
+            </a:br>
+            <a:r>
+              <a:rPr lang="en-US" altLang="ko-KR" dirty="0">
+                <a:sym typeface="Wingdings" panose="05000000000000000000" pitchFamily="2" charset="2"/>
+              </a:rPr>
+              <a:t></a:t>
+            </a:r>
+            <a:r>
+              <a:rPr lang="ko-KR" altLang="en-US" dirty="0"/>
+              <a:t> </a:t>
+            </a:r>
+            <a:r>
+              <a:rPr lang="en-US" altLang="ko-KR" dirty="0" err="1"/>
+              <a:t>tlLogic</a:t>
+            </a:r>
+            <a:r>
+              <a:rPr lang="en-US" altLang="ko-KR" dirty="0"/>
+              <a:t> id</a:t>
+            </a:r>
+            <a:r>
+              <a:rPr lang="ko-KR" altLang="en-US" dirty="0"/>
+              <a:t>를 부여하여 사용함</a:t>
+            </a:r>
+            <a:r>
+              <a:rPr lang="en-US" altLang="ko-KR" dirty="0"/>
+              <a:t>(.nod.xml</a:t>
+            </a:r>
+            <a:r>
+              <a:rPr lang="ko-KR" altLang="en-US" dirty="0"/>
+              <a:t>에서 부여한 </a:t>
+            </a:r>
+            <a:r>
+              <a:rPr lang="en-US" altLang="ko-KR" dirty="0"/>
+              <a:t>id</a:t>
+            </a:r>
+            <a:r>
+              <a:rPr lang="ko-KR" altLang="en-US" dirty="0"/>
+              <a:t>와 동일할 때</a:t>
+            </a:r>
+            <a:r>
+              <a:rPr lang="en-US" altLang="ko-KR" dirty="0"/>
+              <a:t>, </a:t>
+            </a:r>
+            <a:r>
+              <a:rPr lang="ko-KR" altLang="en-US" dirty="0"/>
+              <a:t>동작함</a:t>
+            </a:r>
+            <a:r>
+              <a:rPr lang="en-US" altLang="ko-KR" dirty="0"/>
+              <a:t>)</a:t>
+            </a:r>
+          </a:p>
+          <a:p>
+            <a:r>
+              <a:rPr lang="en-US" altLang="ko-KR" dirty="0"/>
+              <a:t>Program ID</a:t>
+            </a:r>
+            <a:r>
+              <a:rPr lang="ko-KR" altLang="en-US" dirty="0"/>
+              <a:t>는 </a:t>
+            </a:r>
+            <a:r>
+              <a:rPr lang="en-US" altLang="ko-KR" dirty="0"/>
+              <a:t>‘off’</a:t>
+            </a:r>
+            <a:r>
+              <a:rPr lang="ko-KR" altLang="en-US" dirty="0"/>
+              <a:t>를 제외하고 부여</a:t>
+            </a:r>
+            <a:endParaRPr lang="en-US" altLang="ko-KR" dirty="0"/>
+          </a:p>
+          <a:p>
+            <a:r>
+              <a:rPr lang="ko-KR" altLang="en-US" dirty="0"/>
+              <a:t>아래 </a:t>
+            </a:r>
+            <a:r>
+              <a:rPr lang="en-US" altLang="ko-KR" dirty="0"/>
+              <a:t>Character</a:t>
+            </a:r>
+            <a:r>
+              <a:rPr lang="ko-KR" altLang="en-US" dirty="0"/>
+              <a:t>는 소문자는 </a:t>
+            </a:r>
+            <a:r>
+              <a:rPr lang="en-US" altLang="ko-KR" dirty="0"/>
+              <a:t>decelerate </a:t>
+            </a:r>
+            <a:r>
+              <a:rPr lang="ko-KR" altLang="en-US" dirty="0"/>
+              <a:t>함을 의미</a:t>
+            </a:r>
+            <a:r>
+              <a:rPr lang="en-US" altLang="ko-KR" dirty="0"/>
+              <a:t>(set</a:t>
+            </a:r>
+            <a:r>
+              <a:rPr lang="ko-KR" altLang="en-US" dirty="0"/>
+              <a:t>할 때</a:t>
+            </a:r>
+            <a:r>
+              <a:rPr lang="en-US" altLang="ko-KR" dirty="0"/>
+              <a:t>, </a:t>
+            </a:r>
+            <a:r>
+              <a:rPr lang="ko-KR" altLang="en-US" dirty="0"/>
+              <a:t>기준</a:t>
+            </a:r>
+            <a:r>
+              <a:rPr lang="en-US" altLang="ko-KR" dirty="0"/>
+              <a:t>)</a:t>
+            </a:r>
+            <a:endParaRPr lang="ko-KR" altLang="en-US" dirty="0"/>
+          </a:p>
+        </p:txBody>
+      </p:sp>
+      <p:pic>
+        <p:nvPicPr>
+          <p:cNvPr id="4" name="그림 3"/>
+          <p:cNvPicPr>
+            <a:picLocks noChangeAspect="1"/>
+          </p:cNvPicPr>
+          <p:nvPr/>
+        </p:nvPicPr>
+        <p:blipFill rotWithShape="1">
+          <a:blip r:embed="rId2"/>
+          <a:srcRect t="1704" b="3900"/>
+          <a:stretch/>
+        </p:blipFill>
+        <p:spPr>
+          <a:xfrm>
+            <a:off x="1035781" y="3477060"/>
+            <a:ext cx="1515890" cy="2590107"/>
+          </a:xfrm>
+          <a:prstGeom prst="rect">
+            <a:avLst/>
+          </a:prstGeom>
+        </p:spPr>
+      </p:pic>
+      <p:graphicFrame>
+        <p:nvGraphicFramePr>
+          <p:cNvPr id="5" name="표 4"/>
+          <p:cNvGraphicFramePr>
+            <a:graphicFrameLocks noGrp="1"/>
+          </p:cNvGraphicFramePr>
+          <p:nvPr>
+            <p:extLst>
+              <p:ext uri="{D42A27DB-BD31-4B8C-83A1-F6EECF244321}">
+                <p14:modId xmlns:p14="http://schemas.microsoft.com/office/powerpoint/2010/main" val="2715200273"/>
+              </p:ext>
+            </p:extLst>
+          </p:nvPr>
+        </p:nvGraphicFramePr>
+        <p:xfrm>
+          <a:off x="2551671" y="3477060"/>
+          <a:ext cx="8303740" cy="2590110"/>
+        </p:xfrm>
+        <a:graphic>
+          <a:graphicData uri="http://schemas.openxmlformats.org/drawingml/2006/table">
+            <a:tbl>
+              <a:tblPr firstRow="1" bandRow="1">
+                <a:tableStyleId>{5C22544A-7EE6-4342-B048-85BDC9FD1C3A}</a:tableStyleId>
+              </a:tblPr>
+              <a:tblGrid>
+                <a:gridCol w="8303740">
+                  <a:extLst>
+                    <a:ext uri="{9D8B030D-6E8A-4147-A177-3AD203B41FA5}">
+                      <a16:colId xmlns:a16="http://schemas.microsoft.com/office/drawing/2014/main" val="2295766174"/>
+                    </a:ext>
+                  </a:extLst>
+                </a:gridCol>
+              </a:tblGrid>
+              <a:tr h="287790">
+                <a:tc>
+                  <a:txBody>
+                    <a:bodyPr/>
+                    <a:lstStyle/>
+                    <a:p>
+                      <a:pPr latinLnBrk="1"/>
+                      <a:r>
+                        <a:rPr lang="ko-KR" altLang="en-US" sz="1200" dirty="0"/>
+                        <a:t>설명</a:t>
+                      </a:r>
+                    </a:p>
+                  </a:txBody>
+                  <a:tcPr/>
+                </a:tc>
+                <a:extLst>
+                  <a:ext uri="{0D108BD9-81ED-4DB2-BD59-A6C34878D82A}">
+                    <a16:rowId xmlns:a16="http://schemas.microsoft.com/office/drawing/2014/main" val="2193044637"/>
+                  </a:ext>
+                </a:extLst>
+              </a:tr>
+              <a:tr h="287790">
+                <a:tc>
+                  <a:txBody>
+                    <a:bodyPr/>
+                    <a:lstStyle/>
+                    <a:p>
+                      <a:pPr latinLnBrk="1"/>
+                      <a:r>
+                        <a:rPr lang="en-US" altLang="ko-KR" sz="1200" dirty="0"/>
+                        <a:t>Red Light,</a:t>
+                      </a:r>
+                      <a:r>
+                        <a:rPr lang="en-US" altLang="ko-KR" sz="1200" baseline="0" dirty="0"/>
+                        <a:t> </a:t>
+                      </a:r>
+                      <a:r>
+                        <a:rPr lang="ko-KR" altLang="en-US" sz="1200" baseline="0" dirty="0"/>
+                        <a:t>이 신호일 때</a:t>
+                      </a:r>
+                      <a:r>
+                        <a:rPr lang="en-US" altLang="ko-KR" sz="1200" baseline="0" dirty="0"/>
+                        <a:t>, junction</a:t>
+                      </a:r>
+                      <a:r>
+                        <a:rPr lang="ko-KR" altLang="en-US" sz="1200" baseline="0" dirty="0"/>
+                        <a:t>에서 차량이 정지하면</a:t>
+                      </a:r>
+                      <a:r>
+                        <a:rPr lang="en-US" altLang="ko-KR" sz="1200" baseline="0" dirty="0"/>
+                        <a:t> Teleport</a:t>
+                      </a:r>
+                      <a:endParaRPr lang="ko-KR" altLang="en-US" sz="1200" dirty="0"/>
+                    </a:p>
+                  </a:txBody>
+                  <a:tcPr/>
+                </a:tc>
+                <a:extLst>
+                  <a:ext uri="{0D108BD9-81ED-4DB2-BD59-A6C34878D82A}">
+                    <a16:rowId xmlns:a16="http://schemas.microsoft.com/office/drawing/2014/main" val="1892209508"/>
+                  </a:ext>
+                </a:extLst>
+              </a:tr>
+              <a:tr h="287790">
+                <a:tc>
+                  <a:txBody>
+                    <a:bodyPr/>
+                    <a:lstStyle/>
+                    <a:p>
+                      <a:pPr latinLnBrk="1"/>
+                      <a:r>
+                        <a:rPr lang="en-US" altLang="ko-KR" sz="1200" dirty="0"/>
+                        <a:t>Yellow Light,</a:t>
+                      </a:r>
+                      <a:r>
+                        <a:rPr lang="en-US" altLang="ko-KR" sz="1200" baseline="0" dirty="0"/>
+                        <a:t> </a:t>
+                      </a:r>
+                      <a:r>
+                        <a:rPr lang="ko-KR" altLang="en-US" sz="1200" baseline="0" dirty="0"/>
+                        <a:t>차량이 </a:t>
+                      </a:r>
+                      <a:r>
+                        <a:rPr lang="en-US" altLang="ko-KR" sz="1200" baseline="0" dirty="0"/>
+                        <a:t>Junction</a:t>
+                      </a:r>
+                      <a:r>
+                        <a:rPr lang="ko-KR" altLang="en-US" sz="1200" baseline="0" dirty="0"/>
+                        <a:t>에서 멀면 </a:t>
+                      </a:r>
+                      <a:r>
+                        <a:rPr lang="en-US" altLang="ko-KR" sz="1200" baseline="0" dirty="0"/>
+                        <a:t>deceleration, </a:t>
+                      </a:r>
+                      <a:r>
+                        <a:rPr lang="ko-KR" altLang="en-US" sz="1200" baseline="0" dirty="0"/>
+                        <a:t>아니면 </a:t>
+                      </a:r>
+                      <a:r>
+                        <a:rPr lang="en-US" altLang="ko-KR" sz="1200" baseline="0" dirty="0"/>
+                        <a:t>pass</a:t>
+                      </a:r>
+                      <a:endParaRPr lang="ko-KR" altLang="en-US" sz="1200" dirty="0"/>
+                    </a:p>
+                  </a:txBody>
+                  <a:tcPr/>
+                </a:tc>
+                <a:extLst>
+                  <a:ext uri="{0D108BD9-81ED-4DB2-BD59-A6C34878D82A}">
+                    <a16:rowId xmlns:a16="http://schemas.microsoft.com/office/drawing/2014/main" val="1621648304"/>
+                  </a:ext>
+                </a:extLst>
+              </a:tr>
+              <a:tr h="287790">
+                <a:tc>
+                  <a:txBody>
+                    <a:bodyPr/>
+                    <a:lstStyle/>
+                    <a:p>
+                      <a:pPr latinLnBrk="1"/>
+                      <a:r>
+                        <a:rPr lang="en-US" altLang="ko-KR" sz="1200" dirty="0"/>
+                        <a:t>Green</a:t>
+                      </a:r>
+                      <a:r>
+                        <a:rPr lang="en-US" altLang="ko-KR" sz="1200" baseline="0" dirty="0"/>
+                        <a:t> Light with no priority, </a:t>
+                      </a:r>
+                      <a:r>
+                        <a:rPr lang="ko-KR" altLang="en-US" sz="1200" baseline="0" dirty="0"/>
+                        <a:t>비 보호 녹색 신호</a:t>
+                      </a:r>
+                      <a:r>
+                        <a:rPr lang="en-US" altLang="ko-KR" sz="1200" baseline="0" dirty="0"/>
+                        <a:t>, </a:t>
+                      </a:r>
+                      <a:r>
+                        <a:rPr lang="ko-KR" altLang="en-US" sz="1200" baseline="0" dirty="0"/>
+                        <a:t>먼저 온 </a:t>
+                      </a:r>
+                      <a:r>
+                        <a:rPr lang="en-US" altLang="ko-KR" sz="1200" baseline="0" dirty="0"/>
+                        <a:t>priority signal </a:t>
+                      </a:r>
+                      <a:r>
+                        <a:rPr lang="ko-KR" altLang="en-US" sz="1200" baseline="0" dirty="0"/>
+                        <a:t>수신 차량이 있는 경우 </a:t>
+                      </a:r>
+                      <a:r>
+                        <a:rPr lang="en-US" altLang="ko-KR" sz="1200" baseline="0" dirty="0"/>
+                        <a:t>deceleration</a:t>
+                      </a:r>
+                      <a:endParaRPr lang="ko-KR" altLang="en-US" sz="1200" dirty="0"/>
+                    </a:p>
+                  </a:txBody>
+                  <a:tcPr/>
+                </a:tc>
+                <a:extLst>
+                  <a:ext uri="{0D108BD9-81ED-4DB2-BD59-A6C34878D82A}">
+                    <a16:rowId xmlns:a16="http://schemas.microsoft.com/office/drawing/2014/main" val="3144239424"/>
+                  </a:ext>
+                </a:extLst>
+              </a:tr>
+              <a:tr h="287790">
+                <a:tc>
+                  <a:txBody>
+                    <a:bodyPr/>
+                    <a:lstStyle/>
+                    <a:p>
+                      <a:pPr latinLnBrk="1"/>
+                      <a:r>
+                        <a:rPr lang="en-US" altLang="ko-KR" sz="1200" dirty="0"/>
+                        <a:t>Green Light</a:t>
+                      </a:r>
+                      <a:r>
+                        <a:rPr lang="en-US" altLang="ko-KR" sz="1200" baseline="0" dirty="0"/>
+                        <a:t> with priority, junction</a:t>
+                      </a:r>
+                      <a:r>
+                        <a:rPr lang="ko-KR" altLang="en-US" sz="1200" baseline="0" dirty="0"/>
+                        <a:t>을 우선 </a:t>
+                      </a:r>
+                      <a:r>
+                        <a:rPr lang="en-US" altLang="ko-KR" sz="1200" baseline="0" dirty="0"/>
+                        <a:t>pass</a:t>
+                      </a:r>
+                      <a:r>
+                        <a:rPr lang="ko-KR" altLang="en-US" sz="1200" baseline="0" dirty="0"/>
+                        <a:t>하는 신호</a:t>
+                      </a:r>
+                      <a:endParaRPr lang="ko-KR" altLang="en-US" sz="1200" dirty="0"/>
+                    </a:p>
+                  </a:txBody>
+                  <a:tcPr/>
+                </a:tc>
+                <a:extLst>
+                  <a:ext uri="{0D108BD9-81ED-4DB2-BD59-A6C34878D82A}">
+                    <a16:rowId xmlns:a16="http://schemas.microsoft.com/office/drawing/2014/main" val="3552610863"/>
+                  </a:ext>
+                </a:extLst>
+              </a:tr>
+              <a:tr h="287790">
+                <a:tc>
+                  <a:txBody>
+                    <a:bodyPr/>
+                    <a:lstStyle/>
+                    <a:p>
+                      <a:pPr latinLnBrk="1"/>
+                      <a:r>
+                        <a:rPr lang="en-US" altLang="ko-KR" sz="1200" dirty="0"/>
+                        <a:t>Green</a:t>
+                      </a:r>
+                      <a:r>
+                        <a:rPr lang="en-US" altLang="ko-KR" sz="1200" baseline="0" dirty="0"/>
+                        <a:t> Right-turn arrow, junction type ‘</a:t>
+                      </a:r>
+                      <a:r>
+                        <a:rPr lang="en-US" altLang="ko-KR" sz="1200" baseline="0" dirty="0" err="1"/>
+                        <a:t>traffic_light_right_on_red</a:t>
+                      </a:r>
+                      <a:r>
+                        <a:rPr lang="en-US" altLang="ko-KR" sz="1200" baseline="0" dirty="0"/>
+                        <a:t>’</a:t>
+                      </a:r>
+                      <a:r>
+                        <a:rPr lang="ko-KR" altLang="en-US" sz="1200" baseline="0" dirty="0"/>
+                        <a:t>에서만 생성되며</a:t>
+                      </a:r>
+                      <a:r>
+                        <a:rPr lang="en-US" altLang="ko-KR" sz="1200" baseline="0" dirty="0"/>
+                        <a:t>, priority</a:t>
+                      </a:r>
+                      <a:r>
+                        <a:rPr lang="ko-KR" altLang="en-US" sz="1200" baseline="0" dirty="0"/>
+                        <a:t>가 </a:t>
+                      </a:r>
+                      <a:r>
+                        <a:rPr lang="ko-KR" altLang="en-US" sz="1200" baseline="0" dirty="0" err="1"/>
+                        <a:t>대향</a:t>
+                      </a:r>
+                      <a:r>
+                        <a:rPr lang="ko-KR" altLang="en-US" sz="1200" baseline="0" dirty="0"/>
+                        <a:t> 방향 차량이 갖는 경우 정지</a:t>
+                      </a:r>
+                      <a:endParaRPr lang="ko-KR" altLang="en-US" sz="1200" dirty="0"/>
+                    </a:p>
+                  </a:txBody>
+                  <a:tcPr/>
+                </a:tc>
+                <a:extLst>
+                  <a:ext uri="{0D108BD9-81ED-4DB2-BD59-A6C34878D82A}">
+                    <a16:rowId xmlns:a16="http://schemas.microsoft.com/office/drawing/2014/main" val="3279951499"/>
+                  </a:ext>
+                </a:extLst>
+              </a:tr>
+              <a:tr h="287790">
+                <a:tc>
+                  <a:txBody>
+                    <a:bodyPr/>
+                    <a:lstStyle/>
+                    <a:p>
+                      <a:pPr latinLnBrk="1"/>
+                      <a:r>
+                        <a:rPr lang="en-US" altLang="ko-KR" sz="1200" dirty="0" err="1"/>
+                        <a:t>Red+yellow</a:t>
+                      </a:r>
+                      <a:r>
+                        <a:rPr lang="en-US" altLang="ko-KR" sz="1200" dirty="0"/>
+                        <a:t>,</a:t>
+                      </a:r>
+                      <a:r>
+                        <a:rPr lang="en-US" altLang="ko-KR" sz="1200" baseline="0" dirty="0"/>
+                        <a:t> Red</a:t>
+                      </a:r>
+                      <a:r>
+                        <a:rPr lang="ko-KR" altLang="en-US" sz="1200" baseline="0" dirty="0"/>
+                        <a:t>에서 </a:t>
+                      </a:r>
+                      <a:r>
+                        <a:rPr lang="en-US" altLang="ko-KR" sz="1200" baseline="0" dirty="0"/>
+                        <a:t>Green</a:t>
+                      </a:r>
+                      <a:r>
+                        <a:rPr lang="ko-KR" altLang="en-US" sz="1200" baseline="0" dirty="0"/>
+                        <a:t>으로 바뀌기 전의 노란색 신호</a:t>
+                      </a:r>
+                      <a:r>
+                        <a:rPr lang="en-US" altLang="ko-KR" sz="1200" baseline="0" dirty="0"/>
+                        <a:t>, </a:t>
+                      </a:r>
+                      <a:r>
+                        <a:rPr lang="ko-KR" altLang="en-US" sz="1200" baseline="0" dirty="0"/>
+                        <a:t>차량이 </a:t>
+                      </a:r>
+                      <a:r>
+                        <a:rPr lang="ko-KR" altLang="en-US" sz="1200" baseline="0" dirty="0" err="1"/>
+                        <a:t>출발안함</a:t>
+                      </a:r>
+                      <a:endParaRPr lang="ko-KR" altLang="en-US" sz="1200" dirty="0"/>
+                    </a:p>
+                  </a:txBody>
+                  <a:tcPr/>
+                </a:tc>
+                <a:extLst>
+                  <a:ext uri="{0D108BD9-81ED-4DB2-BD59-A6C34878D82A}">
+                    <a16:rowId xmlns:a16="http://schemas.microsoft.com/office/drawing/2014/main" val="1826550951"/>
+                  </a:ext>
+                </a:extLst>
+              </a:tr>
+              <a:tr h="287790">
+                <a:tc>
+                  <a:txBody>
+                    <a:bodyPr/>
+                    <a:lstStyle/>
+                    <a:p>
+                      <a:pPr latinLnBrk="1"/>
+                      <a:r>
+                        <a:rPr lang="ko-KR" altLang="en-US" sz="1200" dirty="0"/>
+                        <a:t>깜박이면 차량이 양보해야함을 의미하는 신호</a:t>
+                      </a:r>
+                    </a:p>
+                  </a:txBody>
+                  <a:tcPr/>
+                </a:tc>
+                <a:extLst>
+                  <a:ext uri="{0D108BD9-81ED-4DB2-BD59-A6C34878D82A}">
+                    <a16:rowId xmlns:a16="http://schemas.microsoft.com/office/drawing/2014/main" val="2775677074"/>
+                  </a:ext>
+                </a:extLst>
+              </a:tr>
+              <a:tr h="287790">
+                <a:tc>
+                  <a:txBody>
+                    <a:bodyPr/>
+                    <a:lstStyle/>
+                    <a:p>
+                      <a:pPr latinLnBrk="1"/>
+                      <a:r>
+                        <a:rPr lang="ko-KR" altLang="en-US" sz="1200" dirty="0"/>
+                        <a:t>차량에게 통행권이 있는 신호</a:t>
+                      </a:r>
+                    </a:p>
+                  </a:txBody>
+                  <a:tcPr/>
+                </a:tc>
+                <a:extLst>
+                  <a:ext uri="{0D108BD9-81ED-4DB2-BD59-A6C34878D82A}">
+                    <a16:rowId xmlns:a16="http://schemas.microsoft.com/office/drawing/2014/main" val="3907741454"/>
+                  </a:ext>
+                </a:extLst>
+              </a:tr>
+            </a:tbl>
+          </a:graphicData>
+        </a:graphic>
+      </p:graphicFrame>
+      <p:sp>
+        <p:nvSpPr>
+          <p:cNvPr id="6" name="직사각형 5"/>
+          <p:cNvSpPr/>
+          <p:nvPr/>
+        </p:nvSpPr>
+        <p:spPr>
+          <a:xfrm>
+            <a:off x="1035781" y="3774989"/>
+            <a:ext cx="1466462" cy="284205"/>
+          </a:xfrm>
+          <a:prstGeom prst="rect">
+            <a:avLst/>
+          </a:prstGeom>
+          <a:noFill/>
+          <a:ln w="28575"/>
+        </p:spPr>
+        <p:style>
+          <a:lnRef idx="2">
+            <a:schemeClr val="accent2"/>
+          </a:lnRef>
+          <a:fillRef idx="1">
+            <a:schemeClr val="lt1"/>
+          </a:fillRef>
+          <a:effectRef idx="0">
+            <a:schemeClr val="accent2"/>
+          </a:effectRef>
+          <a:fontRef idx="minor">
+            <a:schemeClr val="dk1"/>
+          </a:fontRef>
+        </p:style>
+        <p:txBody>
+          <a:bodyPr rtlCol="0" anchor="ctr"/>
+          <a:lstStyle/>
+          <a:p>
+            <a:pPr algn="ctr"/>
+            <a:endParaRPr lang="ko-KR" altLang="en-US"/>
+          </a:p>
+        </p:txBody>
+      </p:sp>
+      <p:sp>
+        <p:nvSpPr>
+          <p:cNvPr id="7" name="직사각형 6"/>
+          <p:cNvSpPr/>
+          <p:nvPr/>
+        </p:nvSpPr>
+        <p:spPr>
+          <a:xfrm>
+            <a:off x="1039901" y="4063312"/>
+            <a:ext cx="1466462" cy="284205"/>
+          </a:xfrm>
+          <a:prstGeom prst="rect">
+            <a:avLst/>
+          </a:prstGeom>
+          <a:noFill/>
+          <a:ln w="28575"/>
+        </p:spPr>
+        <p:style>
+          <a:lnRef idx="2">
+            <a:schemeClr val="accent2"/>
+          </a:lnRef>
+          <a:fillRef idx="1">
+            <a:schemeClr val="lt1"/>
+          </a:fillRef>
+          <a:effectRef idx="0">
+            <a:schemeClr val="accent2"/>
+          </a:effectRef>
+          <a:fontRef idx="minor">
+            <a:schemeClr val="dk1"/>
+          </a:fontRef>
+        </p:style>
+        <p:txBody>
+          <a:bodyPr rtlCol="0" anchor="ctr"/>
+          <a:lstStyle/>
+          <a:p>
+            <a:pPr algn="ctr"/>
+            <a:endParaRPr lang="ko-KR" altLang="en-US"/>
+          </a:p>
+        </p:txBody>
+      </p:sp>
+      <p:sp>
+        <p:nvSpPr>
+          <p:cNvPr id="8" name="직사각형 7"/>
+          <p:cNvSpPr/>
+          <p:nvPr/>
+        </p:nvSpPr>
+        <p:spPr>
+          <a:xfrm>
+            <a:off x="1035781" y="4361241"/>
+            <a:ext cx="1466462" cy="284205"/>
+          </a:xfrm>
+          <a:prstGeom prst="rect">
+            <a:avLst/>
+          </a:prstGeom>
+          <a:noFill/>
+          <a:ln w="28575"/>
+        </p:spPr>
+        <p:style>
+          <a:lnRef idx="2">
+            <a:schemeClr val="accent2"/>
+          </a:lnRef>
+          <a:fillRef idx="1">
+            <a:schemeClr val="lt1"/>
+          </a:fillRef>
+          <a:effectRef idx="0">
+            <a:schemeClr val="accent2"/>
+          </a:effectRef>
+          <a:fontRef idx="minor">
+            <a:schemeClr val="dk1"/>
+          </a:fontRef>
+        </p:style>
+        <p:txBody>
+          <a:bodyPr rtlCol="0" anchor="ctr"/>
+          <a:lstStyle/>
+          <a:p>
+            <a:pPr algn="ctr"/>
+            <a:endParaRPr lang="ko-KR" altLang="en-US"/>
+          </a:p>
+        </p:txBody>
+      </p:sp>
+      <p:sp>
+        <p:nvSpPr>
+          <p:cNvPr id="9" name="직사각형 8"/>
+          <p:cNvSpPr/>
+          <p:nvPr/>
+        </p:nvSpPr>
+        <p:spPr>
+          <a:xfrm>
+            <a:off x="1035781" y="4662594"/>
+            <a:ext cx="1466462" cy="284205"/>
+          </a:xfrm>
+          <a:prstGeom prst="rect">
+            <a:avLst/>
+          </a:prstGeom>
+          <a:noFill/>
+          <a:ln w="28575"/>
+        </p:spPr>
+        <p:style>
+          <a:lnRef idx="2">
+            <a:schemeClr val="accent2"/>
+          </a:lnRef>
+          <a:fillRef idx="1">
+            <a:schemeClr val="lt1"/>
+          </a:fillRef>
+          <a:effectRef idx="0">
+            <a:schemeClr val="accent2"/>
+          </a:effectRef>
+          <a:fontRef idx="minor">
+            <a:schemeClr val="dk1"/>
+          </a:fontRef>
+        </p:style>
+        <p:txBody>
+          <a:bodyPr rtlCol="0" anchor="ctr"/>
+          <a:lstStyle/>
+          <a:p>
+            <a:pPr algn="ctr"/>
+            <a:endParaRPr lang="ko-KR" altLang="en-US"/>
+          </a:p>
+        </p:txBody>
+      </p:sp>
+    </p:spTree>
+    <p:extLst>
+      <p:ext uri="{BB962C8B-B14F-4D97-AF65-F5344CB8AC3E}">
+        <p14:creationId xmlns:p14="http://schemas.microsoft.com/office/powerpoint/2010/main" val="1192784744"/>
+      </p:ext>
+    </p:extLst>
+  </p:cSld>
+  <p:clrMapOvr>
+    <a:masterClrMapping/>
+  </p:clrMapOvr>
+</p:sld>
+</file>
+
+<file path=ppt/slides/slide11.xml><?xml version="1.0" encoding="utf-8"?>
+<p:sld xmlns:a="http://schemas.openxmlformats.org/drawingml/2006/main" xmlns:r="http://schemas.openxmlformats.org/officeDocument/2006/relationships" xmlns:p="http://schemas.openxmlformats.org/presentationml/2006/main">
+  <p:cSld>
+    <p:spTree>
+      <p:nvGrpSpPr>
+        <p:cNvPr id="1" name=""/>
+        <p:cNvGrpSpPr/>
+        <p:nvPr/>
+      </p:nvGrpSpPr>
+      <p:grpSpPr>
+        <a:xfrm>
+          <a:off x="0" y="0"/>
+          <a:ext cx="0" cy="0"/>
+          <a:chOff x="0" y="0"/>
+          <a:chExt cx="0" cy="0"/>
+        </a:xfrm>
+      </p:grpSpPr>
+      <p:sp>
+        <p:nvSpPr>
+          <p:cNvPr id="2" name="제목 1"/>
+          <p:cNvSpPr>
+            <a:spLocks noGrp="1"/>
+          </p:cNvSpPr>
+          <p:nvPr>
+            <p:ph type="title"/>
+          </p:nvPr>
+        </p:nvSpPr>
+        <p:spPr/>
+        <p:txBody>
+          <a:bodyPr/>
+          <a:lstStyle/>
+          <a:p>
+            <a:r>
+              <a:rPr lang="en-US" altLang="ko-KR" dirty="0"/>
+              <a:t>Defining New TLS-Programs</a:t>
+            </a:r>
+            <a:endParaRPr lang="ko-KR" altLang="en-US" dirty="0"/>
+          </a:p>
+        </p:txBody>
+      </p:sp>
+      <p:sp>
+        <p:nvSpPr>
+          <p:cNvPr id="3" name="내용 개체 틀 2"/>
+          <p:cNvSpPr>
+            <a:spLocks noGrp="1"/>
+          </p:cNvSpPr>
+          <p:nvPr>
+            <p:ph idx="1"/>
+          </p:nvPr>
+        </p:nvSpPr>
+        <p:spPr/>
+        <p:txBody>
+          <a:bodyPr/>
+          <a:lstStyle/>
+          <a:p>
+            <a:r>
+              <a:rPr lang="en-US" altLang="ko-KR" dirty="0"/>
+              <a:t>TLS state </a:t>
+            </a:r>
+            <a:r>
+              <a:rPr lang="ko-KR" altLang="en-US" dirty="0"/>
+              <a:t>부여 방식</a:t>
+            </a:r>
+            <a:br>
+              <a:rPr lang="en-US" altLang="ko-KR" dirty="0"/>
+            </a:br>
+            <a:r>
+              <a:rPr lang="en-US" altLang="ko-KR" dirty="0"/>
+              <a:t>- </a:t>
+            </a:r>
+            <a:r>
+              <a:rPr lang="ko-KR" altLang="en-US" dirty="0"/>
+              <a:t>순서대로 부여하되</a:t>
+            </a:r>
+            <a:r>
+              <a:rPr lang="en-US" altLang="ko-KR" dirty="0"/>
+              <a:t>, lane</a:t>
+            </a:r>
+            <a:r>
+              <a:rPr lang="ko-KR" altLang="en-US" dirty="0"/>
+              <a:t>의 방향 별로 부여</a:t>
+            </a:r>
+            <a:br>
+              <a:rPr lang="en-US" altLang="ko-KR" dirty="0"/>
+            </a:br>
+            <a:r>
+              <a:rPr lang="en-US" altLang="ko-KR" dirty="0"/>
+              <a:t>- 0</a:t>
+            </a:r>
+            <a:r>
+              <a:rPr lang="ko-KR" altLang="en-US" dirty="0"/>
+              <a:t>번에서 총 </a:t>
+            </a:r>
+            <a:r>
+              <a:rPr lang="en-US" altLang="ko-KR" dirty="0"/>
+              <a:t>7</a:t>
+            </a:r>
+            <a:r>
+              <a:rPr lang="ko-KR" altLang="en-US" dirty="0"/>
+              <a:t>가지 </a:t>
+            </a:r>
+            <a:r>
+              <a:rPr lang="en-US" altLang="ko-KR" dirty="0"/>
+              <a:t>state</a:t>
+            </a:r>
+            <a:r>
+              <a:rPr lang="ko-KR" altLang="en-US" dirty="0"/>
+              <a:t>가 존재</a:t>
+            </a:r>
+            <a:endParaRPr lang="en-US" altLang="ko-KR" dirty="0"/>
+          </a:p>
+          <a:p>
+            <a:endParaRPr lang="en-US" altLang="ko-KR" dirty="0"/>
+          </a:p>
+          <a:p>
+            <a:r>
+              <a:rPr lang="en-US" altLang="ko-KR" dirty="0"/>
+              <a:t>Junction </a:t>
+            </a:r>
+            <a:r>
+              <a:rPr lang="ko-KR" altLang="en-US" dirty="0"/>
+              <a:t>형태 </a:t>
+            </a:r>
+            <a:r>
+              <a:rPr lang="ko-KR" altLang="en-US" dirty="0" err="1"/>
+              <a:t>설정시</a:t>
+            </a:r>
+            <a:r>
+              <a:rPr lang="ko-KR" altLang="en-US" dirty="0"/>
+              <a:t> 개수 조절 가능</a:t>
+            </a:r>
+            <a:br>
+              <a:rPr lang="en-US" altLang="ko-KR" dirty="0"/>
+            </a:br>
+            <a:endParaRPr lang="en-US" altLang="ko-KR" dirty="0"/>
+          </a:p>
+          <a:p>
+            <a:r>
+              <a:rPr lang="en-US" altLang="ko-KR" dirty="0"/>
+              <a:t>Connection </a:t>
+            </a:r>
+            <a:r>
+              <a:rPr lang="ko-KR" altLang="en-US" dirty="0"/>
+              <a:t>설정으로 </a:t>
+            </a:r>
+            <a:r>
+              <a:rPr lang="en-US" altLang="ko-KR" dirty="0"/>
+              <a:t>Merge </a:t>
+            </a:r>
+            <a:r>
+              <a:rPr lang="ko-KR" altLang="en-US" dirty="0"/>
+              <a:t>형태 조절 가능</a:t>
+            </a:r>
+          </a:p>
+        </p:txBody>
+      </p:sp>
+      <p:grpSp>
+        <p:nvGrpSpPr>
+          <p:cNvPr id="9" name="그룹 8"/>
+          <p:cNvGrpSpPr/>
+          <p:nvPr/>
+        </p:nvGrpSpPr>
+        <p:grpSpPr>
+          <a:xfrm>
+            <a:off x="6915680" y="1737360"/>
+            <a:ext cx="4359862" cy="4227535"/>
+            <a:chOff x="6304020" y="1964724"/>
+            <a:chExt cx="4359862" cy="4227535"/>
+          </a:xfrm>
+        </p:grpSpPr>
+        <p:pic>
+          <p:nvPicPr>
+            <p:cNvPr id="4" name="그림 3"/>
+            <p:cNvPicPr>
+              <a:picLocks noChangeAspect="1"/>
+            </p:cNvPicPr>
+            <p:nvPr/>
+          </p:nvPicPr>
+          <p:blipFill rotWithShape="1">
+            <a:blip r:embed="rId2"/>
+            <a:srcRect t="3080" r="8579"/>
+            <a:stretch/>
+          </p:blipFill>
+          <p:spPr>
+            <a:xfrm>
+              <a:off x="6304020" y="2094470"/>
+              <a:ext cx="4359862" cy="4083029"/>
+            </a:xfrm>
+            <a:prstGeom prst="rect">
+              <a:avLst/>
+            </a:prstGeom>
+          </p:spPr>
+        </p:pic>
+        <p:sp>
+          <p:nvSpPr>
+            <p:cNvPr id="5" name="TextBox 4"/>
+            <p:cNvSpPr txBox="1"/>
+            <p:nvPr/>
+          </p:nvSpPr>
+          <p:spPr>
+            <a:xfrm>
+              <a:off x="8439665" y="1964724"/>
+              <a:ext cx="586946" cy="646331"/>
+            </a:xfrm>
+            <a:prstGeom prst="rect">
+              <a:avLst/>
+            </a:prstGeom>
+            <a:noFill/>
+          </p:spPr>
+          <p:txBody>
+            <a:bodyPr wrap="square" rtlCol="0">
+              <a:spAutoFit/>
+            </a:bodyPr>
+            <a:lstStyle/>
+            <a:p>
+              <a:r>
+                <a:rPr lang="en-US" altLang="ko-KR" sz="3600" b="1" dirty="0">
+                  <a:solidFill>
+                    <a:srgbClr val="FFFF00"/>
+                  </a:solidFill>
+                </a:rPr>
+                <a:t>0</a:t>
+              </a:r>
+              <a:endParaRPr lang="ko-KR" altLang="en-US" sz="3600" b="1" dirty="0">
+                <a:solidFill>
+                  <a:srgbClr val="FFFF00"/>
+                </a:solidFill>
+              </a:endParaRPr>
+            </a:p>
+          </p:txBody>
+        </p:sp>
+        <p:sp>
+          <p:nvSpPr>
+            <p:cNvPr id="6" name="TextBox 5"/>
+            <p:cNvSpPr txBox="1"/>
+            <p:nvPr/>
+          </p:nvSpPr>
+          <p:spPr>
+            <a:xfrm>
+              <a:off x="9944719" y="4071111"/>
+              <a:ext cx="586946" cy="646331"/>
+            </a:xfrm>
+            <a:prstGeom prst="rect">
+              <a:avLst/>
+            </a:prstGeom>
+            <a:noFill/>
+          </p:spPr>
+          <p:txBody>
+            <a:bodyPr wrap="square" rtlCol="0">
+              <a:spAutoFit/>
+            </a:bodyPr>
+            <a:lstStyle/>
+            <a:p>
+              <a:r>
+                <a:rPr lang="en-US" altLang="ko-KR" sz="3600" b="1" dirty="0">
+                  <a:solidFill>
+                    <a:srgbClr val="FFFF00"/>
+                  </a:solidFill>
+                </a:rPr>
+                <a:t>1</a:t>
+              </a:r>
+              <a:endParaRPr lang="ko-KR" altLang="en-US" sz="3600" b="1" dirty="0">
+                <a:solidFill>
+                  <a:srgbClr val="FFFF00"/>
+                </a:solidFill>
+              </a:endParaRPr>
+            </a:p>
+          </p:txBody>
+        </p:sp>
+        <p:sp>
+          <p:nvSpPr>
+            <p:cNvPr id="7" name="TextBox 6"/>
+            <p:cNvSpPr txBox="1"/>
+            <p:nvPr/>
+          </p:nvSpPr>
+          <p:spPr>
+            <a:xfrm>
+              <a:off x="8080570" y="5545928"/>
+              <a:ext cx="586946" cy="646331"/>
+            </a:xfrm>
+            <a:prstGeom prst="rect">
+              <a:avLst/>
+            </a:prstGeom>
+            <a:noFill/>
+          </p:spPr>
+          <p:txBody>
+            <a:bodyPr wrap="square" rtlCol="0">
+              <a:spAutoFit/>
+            </a:bodyPr>
+            <a:lstStyle/>
+            <a:p>
+              <a:r>
+                <a:rPr lang="en-US" altLang="ko-KR" sz="3600" b="1" dirty="0">
+                  <a:solidFill>
+                    <a:srgbClr val="FFFF00"/>
+                  </a:solidFill>
+                </a:rPr>
+                <a:t>2</a:t>
+              </a:r>
+              <a:endParaRPr lang="ko-KR" altLang="en-US" sz="3600" b="1" dirty="0">
+                <a:solidFill>
+                  <a:srgbClr val="FFFF00"/>
+                </a:solidFill>
+              </a:endParaRPr>
+            </a:p>
+          </p:txBody>
+        </p:sp>
+        <p:sp>
+          <p:nvSpPr>
+            <p:cNvPr id="8" name="TextBox 7"/>
+            <p:cNvSpPr txBox="1"/>
+            <p:nvPr/>
+          </p:nvSpPr>
+          <p:spPr>
+            <a:xfrm>
+              <a:off x="6581620" y="3534248"/>
+              <a:ext cx="586946" cy="646331"/>
+            </a:xfrm>
+            <a:prstGeom prst="rect">
+              <a:avLst/>
+            </a:prstGeom>
+            <a:noFill/>
+          </p:spPr>
+          <p:txBody>
+            <a:bodyPr wrap="square" rtlCol="0">
+              <a:spAutoFit/>
+            </a:bodyPr>
+            <a:lstStyle/>
+            <a:p>
+              <a:r>
+                <a:rPr lang="en-US" altLang="ko-KR" sz="3600" b="1" dirty="0">
+                  <a:solidFill>
+                    <a:srgbClr val="FFFF00"/>
+                  </a:solidFill>
+                </a:rPr>
+                <a:t>3</a:t>
+              </a:r>
+              <a:endParaRPr lang="ko-KR" altLang="en-US" sz="3600" b="1" dirty="0">
+                <a:solidFill>
+                  <a:srgbClr val="FFFF00"/>
+                </a:solidFill>
+              </a:endParaRPr>
+            </a:p>
+          </p:txBody>
+        </p:sp>
+      </p:grpSp>
+    </p:spTree>
+    <p:extLst>
+      <p:ext uri="{BB962C8B-B14F-4D97-AF65-F5344CB8AC3E}">
+        <p14:creationId xmlns:p14="http://schemas.microsoft.com/office/powerpoint/2010/main" val="2494905478"/>
+      </p:ext>
+    </p:extLst>
+  </p:cSld>
+  <p:clrMapOvr>
+    <a:masterClrMapping/>
+  </p:clrMapOvr>
+</p:sld>
+</file>
+
+<file path=ppt/slides/slide12.xml><?xml version="1.0" encoding="utf-8"?>
+<p:sld xmlns:a="http://schemas.openxmlformats.org/drawingml/2006/main" xmlns:r="http://schemas.openxmlformats.org/officeDocument/2006/relationships" xmlns:p="http://schemas.openxmlformats.org/presentationml/2006/main">
+  <p:cSld>
+    <p:spTree>
+      <p:nvGrpSpPr>
+        <p:cNvPr id="1" name=""/>
+        <p:cNvGrpSpPr/>
+        <p:nvPr/>
+      </p:nvGrpSpPr>
+      <p:grpSpPr>
+        <a:xfrm>
+          <a:off x="0" y="0"/>
+          <a:ext cx="0" cy="0"/>
+          <a:chOff x="0" y="0"/>
+          <a:chExt cx="0" cy="0"/>
+        </a:xfrm>
+      </p:grpSpPr>
+      <p:sp>
+        <p:nvSpPr>
+          <p:cNvPr id="2" name="제목 1"/>
+          <p:cNvSpPr>
+            <a:spLocks noGrp="1"/>
+          </p:cNvSpPr>
+          <p:nvPr>
+            <p:ph type="title"/>
+          </p:nvPr>
+        </p:nvSpPr>
+        <p:spPr/>
+        <p:txBody>
+          <a:bodyPr/>
+          <a:lstStyle/>
+          <a:p>
+            <a:r>
+              <a:rPr lang="en-US" altLang="ko-KR" dirty="0"/>
               <a:t>Traffic State, Action</a:t>
             </a:r>
             <a:endParaRPr lang="ko-KR" altLang="en-US" dirty="0"/>
@@ -7449,7 +8575,7 @@
 </p:sld>
 </file>
 
-<file path=ppt/slides/slide11.xml><?xml version="1.0" encoding="utf-8"?>
+<file path=ppt/slides/slide13.xml><?xml version="1.0" encoding="utf-8"?>
 <p:sld xmlns:a="http://schemas.openxmlformats.org/drawingml/2006/main" xmlns:r="http://schemas.openxmlformats.org/officeDocument/2006/relationships" xmlns:p="http://schemas.openxmlformats.org/presentationml/2006/main">
   <p:cSld>
     <p:spTree>
@@ -7684,7 +8810,7 @@
 </p:sld>
 </file>
 
-<file path=ppt/slides/slide12.xml><?xml version="1.0" encoding="utf-8"?>
+<file path=ppt/slides/slide14.xml><?xml version="1.0" encoding="utf-8"?>
 <p:sld xmlns:a="http://schemas.openxmlformats.org/drawingml/2006/main" xmlns:r="http://schemas.openxmlformats.org/officeDocument/2006/relationships" xmlns:p="http://schemas.openxmlformats.org/presentationml/2006/main">
   <p:cSld>
     <p:spTree>
@@ -7781,7 +8907,7 @@
 </p:sld>
 </file>
 
-<file path=ppt/slides/slide13.xml><?xml version="1.0" encoding="utf-8"?>
+<file path=ppt/slides/slide15.xml><?xml version="1.0" encoding="utf-8"?>
 <p:sld xmlns:a="http://schemas.openxmlformats.org/drawingml/2006/main" xmlns:r="http://schemas.openxmlformats.org/officeDocument/2006/relationships" xmlns:p="http://schemas.openxmlformats.org/presentationml/2006/main">
   <p:cSld>
     <p:spTree>
@@ -7847,30 +8973,22 @@
             </a:br>
             <a:r>
               <a:rPr lang="en-US" altLang="ko-KR" sz="1800" dirty="0"/>
-              <a:t>- Reinforcement Learning</a:t>
+              <a:t>- Conditions to apply Reinforcement Learning to</a:t>
             </a:r>
             <a:r>
               <a:rPr lang="ko-KR" altLang="en-US" sz="1800" dirty="0"/>
-              <a:t>을 </a:t>
+              <a:t> </a:t>
             </a:r>
             <a:r>
               <a:rPr lang="en-US" altLang="ko-KR" sz="1800" dirty="0"/>
               <a:t>Traffic System</a:t>
-            </a:r>
-            <a:r>
-              <a:rPr lang="ko-KR" altLang="en-US" sz="1800" dirty="0"/>
-              <a:t>에 적용하기 위해 필요한 조건</a:t>
             </a:r>
             <a:br>
               <a:rPr lang="en-US" altLang="ko-KR" sz="1800" dirty="0"/>
             </a:br>
             <a:r>
               <a:rPr lang="en-US" altLang="ko-KR" sz="1800" dirty="0"/>
-              <a:t>- </a:t>
-            </a:r>
-            <a:r>
-              <a:rPr lang="ko-KR" altLang="en-US" sz="1800" dirty="0"/>
-              <a:t>지금까지 적용이 어려웠던 이유</a:t>
+              <a:t>- Challenge</a:t>
             </a:r>
             <a:endParaRPr lang="en-US" altLang="ko-KR" dirty="0"/>
           </a:p>
@@ -7941,7 +9059,7 @@
 </p:sld>
 </file>
 
-<file path=ppt/slides/slide14.xml><?xml version="1.0" encoding="utf-8"?>
+<file path=ppt/slides/slide16.xml><?xml version="1.0" encoding="utf-8"?>
 <p:sld xmlns:a="http://schemas.openxmlformats.org/drawingml/2006/main" xmlns:r="http://schemas.openxmlformats.org/officeDocument/2006/relationships" xmlns:p="http://schemas.openxmlformats.org/presentationml/2006/main">
   <p:cSld>
     <p:spTree>
@@ -8193,7 +9311,7 @@
 </p:sld>
 </file>
 
-<file path=ppt/slides/slide15.xml><?xml version="1.0" encoding="utf-8"?>
+<file path=ppt/slides/slide17.xml><?xml version="1.0" encoding="utf-8"?>
 <p:sld xmlns:a="http://schemas.openxmlformats.org/drawingml/2006/main" xmlns:r="http://schemas.openxmlformats.org/officeDocument/2006/relationships" xmlns:p="http://schemas.openxmlformats.org/presentationml/2006/main">
   <p:cSld>
     <p:spTree>
@@ -8343,7 +9461,7 @@
 </p:sld>
 </file>
 
-<file path=ppt/slides/slide16.xml><?xml version="1.0" encoding="utf-8"?>
+<file path=ppt/slides/slide18.xml><?xml version="1.0" encoding="utf-8"?>
 <p:sld xmlns:a="http://schemas.openxmlformats.org/drawingml/2006/main" xmlns:r="http://schemas.openxmlformats.org/officeDocument/2006/relationships" xmlns:p="http://schemas.openxmlformats.org/presentationml/2006/main">
   <p:cSld>
     <p:spTree>
@@ -8736,7 +9854,7 @@
 </p:sld>
 </file>
 
-<file path=ppt/slides/slide17.xml><?xml version="1.0" encoding="utf-8"?>
+<file path=ppt/slides/slide19.xml><?xml version="1.0" encoding="utf-8"?>
 <p:sld xmlns:a="http://schemas.openxmlformats.org/drawingml/2006/main" xmlns:r="http://schemas.openxmlformats.org/officeDocument/2006/relationships" xmlns:p="http://schemas.openxmlformats.org/presentationml/2006/main">
   <p:cSld>
     <p:spTree>
@@ -9141,7 +10259,169 @@
 </p:sld>
 </file>
 
-<file path=ppt/slides/slide18.xml><?xml version="1.0" encoding="utf-8"?>
+<file path=ppt/slides/slide2.xml><?xml version="1.0" encoding="utf-8"?>
+<p:sld xmlns:a="http://schemas.openxmlformats.org/drawingml/2006/main" xmlns:r="http://schemas.openxmlformats.org/officeDocument/2006/relationships" xmlns:p="http://schemas.openxmlformats.org/presentationml/2006/main">
+  <p:cSld>
+    <p:spTree>
+      <p:nvGrpSpPr>
+        <p:cNvPr id="1" name=""/>
+        <p:cNvGrpSpPr/>
+        <p:nvPr/>
+      </p:nvGrpSpPr>
+      <p:grpSpPr>
+        <a:xfrm>
+          <a:off x="0" y="0"/>
+          <a:ext cx="0" cy="0"/>
+          <a:chOff x="0" y="0"/>
+          <a:chExt cx="0" cy="0"/>
+        </a:xfrm>
+      </p:grpSpPr>
+      <p:sp>
+        <p:nvSpPr>
+          <p:cNvPr id="2" name="제목 1"/>
+          <p:cNvSpPr>
+            <a:spLocks noGrp="1"/>
+          </p:cNvSpPr>
+          <p:nvPr>
+            <p:ph type="title"/>
+          </p:nvPr>
+        </p:nvSpPr>
+        <p:spPr/>
+        <p:txBody>
+          <a:bodyPr/>
+          <a:lstStyle/>
+          <a:p>
+            <a:r>
+              <a:rPr lang="ko-KR" altLang="en-US" dirty="0"/>
+              <a:t>목표</a:t>
+            </a:r>
+          </a:p>
+        </p:txBody>
+      </p:sp>
+      <p:sp>
+        <p:nvSpPr>
+          <p:cNvPr id="3" name="내용 개체 틀 2"/>
+          <p:cNvSpPr>
+            <a:spLocks noGrp="1"/>
+          </p:cNvSpPr>
+          <p:nvPr>
+            <p:ph idx="1"/>
+          </p:nvPr>
+        </p:nvSpPr>
+        <p:spPr/>
+        <p:txBody>
+          <a:bodyPr/>
+          <a:lstStyle/>
+          <a:p>
+            <a:r>
+              <a:rPr lang="ko-KR" altLang="en-US" dirty="0">
+                <a:sym typeface="Wingdings" panose="05000000000000000000" pitchFamily="2" charset="2"/>
+              </a:rPr>
+              <a:t>교통 공학 용어 정리 및 학습 </a:t>
+            </a:r>
+            <a:endParaRPr lang="en-US" altLang="ko-KR" dirty="0"/>
+          </a:p>
+          <a:p>
+            <a:r>
+              <a:rPr lang="en-US" altLang="ko-KR" dirty="0"/>
+              <a:t> SUMO Network </a:t>
+            </a:r>
+            <a:r>
+              <a:rPr lang="ko-KR" altLang="en-US" dirty="0"/>
+              <a:t>제작</a:t>
+            </a:r>
+            <a:br>
+              <a:rPr lang="en-US" altLang="ko-KR" dirty="0"/>
+            </a:br>
+            <a:r>
+              <a:rPr lang="en-US" altLang="ko-KR" dirty="0">
+                <a:sym typeface="Wingdings" panose="05000000000000000000" pitchFamily="2" charset="2"/>
+              </a:rPr>
+              <a:t></a:t>
+            </a:r>
+            <a:r>
+              <a:rPr lang="en-US" altLang="ko-KR" dirty="0" err="1">
+                <a:sym typeface="Wingdings" panose="05000000000000000000" pitchFamily="2" charset="2"/>
+              </a:rPr>
+              <a:t>TraCI</a:t>
+            </a:r>
+            <a:r>
+              <a:rPr lang="en-US" altLang="ko-KR" dirty="0">
+                <a:sym typeface="Wingdings" panose="05000000000000000000" pitchFamily="2" charset="2"/>
+              </a:rPr>
+              <a:t> </a:t>
+            </a:r>
+            <a:r>
+              <a:rPr lang="ko-KR" altLang="en-US" dirty="0">
+                <a:sym typeface="Wingdings" panose="05000000000000000000" pitchFamily="2" charset="2"/>
+              </a:rPr>
+              <a:t>함수</a:t>
+            </a:r>
+            <a:endParaRPr lang="en-US" altLang="ko-KR" dirty="0"/>
+          </a:p>
+          <a:p>
+            <a:r>
+              <a:rPr lang="ko-KR" altLang="en-US" dirty="0"/>
+              <a:t> </a:t>
+            </a:r>
+            <a:r>
+              <a:rPr lang="ko-KR" altLang="en-US" dirty="0" err="1"/>
+              <a:t>강화학습</a:t>
+            </a:r>
+            <a:r>
+              <a:rPr lang="ko-KR" altLang="en-US" dirty="0"/>
+              <a:t> 내용 파악</a:t>
+            </a:r>
+            <a:endParaRPr lang="en-US" altLang="ko-KR" dirty="0"/>
+          </a:p>
+          <a:p>
+            <a:r>
+              <a:rPr lang="ko-KR" altLang="en-US" dirty="0"/>
+              <a:t> 논문 </a:t>
+            </a:r>
+            <a:r>
+              <a:rPr lang="en-US" altLang="ko-KR" dirty="0"/>
+              <a:t>Review</a:t>
+            </a:r>
+          </a:p>
+          <a:p>
+            <a:r>
+              <a:rPr lang="en-US" altLang="ko-KR" dirty="0"/>
+              <a:t> State, Reward, Action </a:t>
+            </a:r>
+            <a:r>
+              <a:rPr lang="ko-KR" altLang="en-US" dirty="0"/>
+              <a:t>종류 판별</a:t>
+            </a:r>
+            <a:endParaRPr lang="en-US" altLang="ko-KR" dirty="0"/>
+          </a:p>
+          <a:p>
+            <a:r>
+              <a:rPr lang="en-US" altLang="ko-KR" dirty="0"/>
+              <a:t> </a:t>
+            </a:r>
+            <a:r>
+              <a:rPr lang="ko-KR" altLang="en-US" dirty="0"/>
+              <a:t>개선점</a:t>
+            </a:r>
+            <a:endParaRPr lang="en-US" altLang="ko-KR" dirty="0"/>
+          </a:p>
+        </p:txBody>
+      </p:sp>
+    </p:spTree>
+    <p:extLst>
+      <p:ext uri="{BB962C8B-B14F-4D97-AF65-F5344CB8AC3E}">
+        <p14:creationId xmlns:p14="http://schemas.microsoft.com/office/powerpoint/2010/main" val="3740832334"/>
+      </p:ext>
+    </p:extLst>
+  </p:cSld>
+  <p:clrMapOvr>
+    <a:masterClrMapping/>
+  </p:clrMapOvr>
+</p:sld>
+</file>
+
+<file path=ppt/slides/slide20.xml><?xml version="1.0" encoding="utf-8"?>
 <p:sld xmlns:a="http://schemas.openxmlformats.org/drawingml/2006/main" xmlns:r="http://schemas.openxmlformats.org/officeDocument/2006/relationships" xmlns:p="http://schemas.openxmlformats.org/presentationml/2006/main">
   <p:cSld>
     <p:spTree>
@@ -9790,7 +11070,7 @@
 </p:sld>
 </file>
 
-<file path=ppt/slides/slide19.xml><?xml version="1.0" encoding="utf-8"?>
+<file path=ppt/slides/slide21.xml><?xml version="1.0" encoding="utf-8"?>
 <p:sld xmlns:a="http://schemas.openxmlformats.org/drawingml/2006/main" xmlns:r="http://schemas.openxmlformats.org/officeDocument/2006/relationships" xmlns:p="http://schemas.openxmlformats.org/presentationml/2006/main">
   <p:cSld>
     <p:spTree>
@@ -9960,169 +11240,7 @@
 </p:sld>
 </file>
 
-<file path=ppt/slides/slide2.xml><?xml version="1.0" encoding="utf-8"?>
-<p:sld xmlns:a="http://schemas.openxmlformats.org/drawingml/2006/main" xmlns:r="http://schemas.openxmlformats.org/officeDocument/2006/relationships" xmlns:p="http://schemas.openxmlformats.org/presentationml/2006/main">
-  <p:cSld>
-    <p:spTree>
-      <p:nvGrpSpPr>
-        <p:cNvPr id="1" name=""/>
-        <p:cNvGrpSpPr/>
-        <p:nvPr/>
-      </p:nvGrpSpPr>
-      <p:grpSpPr>
-        <a:xfrm>
-          <a:off x="0" y="0"/>
-          <a:ext cx="0" cy="0"/>
-          <a:chOff x="0" y="0"/>
-          <a:chExt cx="0" cy="0"/>
-        </a:xfrm>
-      </p:grpSpPr>
-      <p:sp>
-        <p:nvSpPr>
-          <p:cNvPr id="2" name="제목 1"/>
-          <p:cNvSpPr>
-            <a:spLocks noGrp="1"/>
-          </p:cNvSpPr>
-          <p:nvPr>
-            <p:ph type="title"/>
-          </p:nvPr>
-        </p:nvSpPr>
-        <p:spPr/>
-        <p:txBody>
-          <a:bodyPr/>
-          <a:lstStyle/>
-          <a:p>
-            <a:r>
-              <a:rPr lang="ko-KR" altLang="en-US" dirty="0"/>
-              <a:t>목표</a:t>
-            </a:r>
-          </a:p>
-        </p:txBody>
-      </p:sp>
-      <p:sp>
-        <p:nvSpPr>
-          <p:cNvPr id="3" name="내용 개체 틀 2"/>
-          <p:cNvSpPr>
-            <a:spLocks noGrp="1"/>
-          </p:cNvSpPr>
-          <p:nvPr>
-            <p:ph idx="1"/>
-          </p:nvPr>
-        </p:nvSpPr>
-        <p:spPr/>
-        <p:txBody>
-          <a:bodyPr/>
-          <a:lstStyle/>
-          <a:p>
-            <a:r>
-              <a:rPr lang="ko-KR" altLang="en-US" dirty="0">
-                <a:sym typeface="Wingdings" panose="05000000000000000000" pitchFamily="2" charset="2"/>
-              </a:rPr>
-              <a:t>교통 공학 용어 정리 및 학습 </a:t>
-            </a:r>
-            <a:endParaRPr lang="en-US" altLang="ko-KR" dirty="0"/>
-          </a:p>
-          <a:p>
-            <a:r>
-              <a:rPr lang="en-US" altLang="ko-KR" dirty="0"/>
-              <a:t> SUMO Network </a:t>
-            </a:r>
-            <a:r>
-              <a:rPr lang="ko-KR" altLang="en-US" dirty="0"/>
-              <a:t>제작</a:t>
-            </a:r>
-            <a:br>
-              <a:rPr lang="en-US" altLang="ko-KR" dirty="0"/>
-            </a:br>
-            <a:r>
-              <a:rPr lang="en-US" altLang="ko-KR" dirty="0">
-                <a:sym typeface="Wingdings" panose="05000000000000000000" pitchFamily="2" charset="2"/>
-              </a:rPr>
-              <a:t></a:t>
-            </a:r>
-            <a:r>
-              <a:rPr lang="en-US" altLang="ko-KR" dirty="0" err="1">
-                <a:sym typeface="Wingdings" panose="05000000000000000000" pitchFamily="2" charset="2"/>
-              </a:rPr>
-              <a:t>TraCI</a:t>
-            </a:r>
-            <a:r>
-              <a:rPr lang="en-US" altLang="ko-KR" dirty="0">
-                <a:sym typeface="Wingdings" panose="05000000000000000000" pitchFamily="2" charset="2"/>
-              </a:rPr>
-              <a:t> </a:t>
-            </a:r>
-            <a:r>
-              <a:rPr lang="ko-KR" altLang="en-US" dirty="0">
-                <a:sym typeface="Wingdings" panose="05000000000000000000" pitchFamily="2" charset="2"/>
-              </a:rPr>
-              <a:t>함수</a:t>
-            </a:r>
-            <a:endParaRPr lang="en-US" altLang="ko-KR" dirty="0"/>
-          </a:p>
-          <a:p>
-            <a:r>
-              <a:rPr lang="ko-KR" altLang="en-US" dirty="0"/>
-              <a:t> </a:t>
-            </a:r>
-            <a:r>
-              <a:rPr lang="ko-KR" altLang="en-US" dirty="0" err="1"/>
-              <a:t>강화학습</a:t>
-            </a:r>
-            <a:r>
-              <a:rPr lang="ko-KR" altLang="en-US" dirty="0"/>
-              <a:t> 내용 파악</a:t>
-            </a:r>
-            <a:endParaRPr lang="en-US" altLang="ko-KR" dirty="0"/>
-          </a:p>
-          <a:p>
-            <a:r>
-              <a:rPr lang="ko-KR" altLang="en-US" dirty="0"/>
-              <a:t> 논문 </a:t>
-            </a:r>
-            <a:r>
-              <a:rPr lang="en-US" altLang="ko-KR" dirty="0"/>
-              <a:t>Review</a:t>
-            </a:r>
-          </a:p>
-          <a:p>
-            <a:r>
-              <a:rPr lang="en-US" altLang="ko-KR" dirty="0"/>
-              <a:t> State, Reward, Action </a:t>
-            </a:r>
-            <a:r>
-              <a:rPr lang="ko-KR" altLang="en-US" dirty="0"/>
-              <a:t>종류 판별</a:t>
-            </a:r>
-            <a:endParaRPr lang="en-US" altLang="ko-KR" dirty="0"/>
-          </a:p>
-          <a:p>
-            <a:r>
-              <a:rPr lang="en-US" altLang="ko-KR" dirty="0"/>
-              <a:t> </a:t>
-            </a:r>
-            <a:r>
-              <a:rPr lang="ko-KR" altLang="en-US" dirty="0"/>
-              <a:t>개선점</a:t>
-            </a:r>
-            <a:endParaRPr lang="en-US" altLang="ko-KR" dirty="0"/>
-          </a:p>
-        </p:txBody>
-      </p:sp>
-    </p:spTree>
-    <p:extLst>
-      <p:ext uri="{BB962C8B-B14F-4D97-AF65-F5344CB8AC3E}">
-        <p14:creationId xmlns:p14="http://schemas.microsoft.com/office/powerpoint/2010/main" val="3740832334"/>
-      </p:ext>
-    </p:extLst>
-  </p:cSld>
-  <p:clrMapOvr>
-    <a:masterClrMapping/>
-  </p:clrMapOvr>
-</p:sld>
-</file>
-
-<file path=ppt/slides/slide20.xml><?xml version="1.0" encoding="utf-8"?>
+<file path=ppt/slides/slide22.xml><?xml version="1.0" encoding="utf-8"?>
 <p:sld xmlns:a="http://schemas.openxmlformats.org/drawingml/2006/main" xmlns:r="http://schemas.openxmlformats.org/officeDocument/2006/relationships" xmlns:p="http://schemas.openxmlformats.org/presentationml/2006/main">
   <p:cSld>
     <p:spTree>
@@ -10325,7 +11443,7 @@
 </p:sld>
 </file>
 
-<file path=ppt/slides/slide21.xml><?xml version="1.0" encoding="utf-8"?>
+<file path=ppt/slides/slide23.xml><?xml version="1.0" encoding="utf-8"?>
 <p:sld xmlns:a="http://schemas.openxmlformats.org/drawingml/2006/main" xmlns:r="http://schemas.openxmlformats.org/officeDocument/2006/relationships" xmlns:p="http://schemas.openxmlformats.org/presentationml/2006/main">
   <p:cSld>
     <p:spTree>
@@ -10921,7 +12039,7 @@
 </p:sld>
 </file>
 
-<file path=ppt/slides/slide22.xml><?xml version="1.0" encoding="utf-8"?>
+<file path=ppt/slides/slide24.xml><?xml version="1.0" encoding="utf-8"?>
 <p:sld xmlns:a="http://schemas.openxmlformats.org/drawingml/2006/main" xmlns:r="http://schemas.openxmlformats.org/officeDocument/2006/relationships" xmlns:p="http://schemas.openxmlformats.org/presentationml/2006/main">
   <p:cSld>
     <p:spTree>
@@ -11669,7 +12787,7 @@
 </p:sld>
 </file>
 
-<file path=ppt/slides/slide23.xml><?xml version="1.0" encoding="utf-8"?>
+<file path=ppt/slides/slide25.xml><?xml version="1.0" encoding="utf-8"?>
 <p:sld xmlns:a="http://schemas.openxmlformats.org/drawingml/2006/main" xmlns:r="http://schemas.openxmlformats.org/officeDocument/2006/relationships" xmlns:p="http://schemas.openxmlformats.org/presentationml/2006/main">
   <p:cSld>
     <p:spTree>
@@ -12314,7 +13432,7 @@
 </p:sld>
 </file>
 
-<file path=ppt/slides/slide24.xml><?xml version="1.0" encoding="utf-8"?>
+<file path=ppt/slides/slide26.xml><?xml version="1.0" encoding="utf-8"?>
 <p:sld xmlns:a="http://schemas.openxmlformats.org/drawingml/2006/main" xmlns:r="http://schemas.openxmlformats.org/officeDocument/2006/relationships" xmlns:p="http://schemas.openxmlformats.org/presentationml/2006/main">
   <p:cSld>
     <p:spTree>
@@ -13177,7 +14295,7 @@
 </p:sld>
 </file>
 
-<file path=ppt/slides/slide25.xml><?xml version="1.0" encoding="utf-8"?>
+<file path=ppt/slides/slide27.xml><?xml version="1.0" encoding="utf-8"?>
 <p:sld xmlns:a="http://schemas.openxmlformats.org/drawingml/2006/main" xmlns:r="http://schemas.openxmlformats.org/officeDocument/2006/relationships" xmlns:p="http://schemas.openxmlformats.org/presentationml/2006/main">
   <p:cSld>
     <p:spTree>
@@ -13412,7 +14530,7 @@
 </p:sld>
 </file>
 
-<file path=ppt/slides/slide26.xml><?xml version="1.0" encoding="utf-8"?>
+<file path=ppt/slides/slide28.xml><?xml version="1.0" encoding="utf-8"?>
 <p:sld xmlns:a="http://schemas.openxmlformats.org/drawingml/2006/main" xmlns:r="http://schemas.openxmlformats.org/officeDocument/2006/relationships" xmlns:p="http://schemas.openxmlformats.org/presentationml/2006/main">
   <p:cSld>
     <p:spTree>
@@ -13539,7 +14657,7 @@
 </p:sld>
 </file>
 
-<file path=ppt/slides/slide27.xml><?xml version="1.0" encoding="utf-8"?>
+<file path=ppt/slides/slide29.xml><?xml version="1.0" encoding="utf-8"?>
 <p:sld xmlns:a="http://schemas.openxmlformats.org/drawingml/2006/main" xmlns:r="http://schemas.openxmlformats.org/officeDocument/2006/relationships" xmlns:p="http://schemas.openxmlformats.org/presentationml/2006/main">
   <p:cSld>
     <p:spTree>
@@ -13879,339 +14997,6 @@
     <p:extLst>
       <p:ext uri="{BB962C8B-B14F-4D97-AF65-F5344CB8AC3E}">
         <p14:creationId xmlns:p14="http://schemas.microsoft.com/office/powerpoint/2010/main" val="730477723"/>
-      </p:ext>
-    </p:extLst>
-  </p:cSld>
-  <p:clrMapOvr>
-    <a:masterClrMapping/>
-  </p:clrMapOvr>
-</p:sld>
-</file>
-
-<file path=ppt/slides/slide28.xml><?xml version="1.0" encoding="utf-8"?>
-<p:sld xmlns:a="http://schemas.openxmlformats.org/drawingml/2006/main" xmlns:r="http://schemas.openxmlformats.org/officeDocument/2006/relationships" xmlns:p="http://schemas.openxmlformats.org/presentationml/2006/main">
-  <p:cSld>
-    <p:spTree>
-      <p:nvGrpSpPr>
-        <p:cNvPr id="1" name=""/>
-        <p:cNvGrpSpPr/>
-        <p:nvPr/>
-      </p:nvGrpSpPr>
-      <p:grpSpPr>
-        <a:xfrm>
-          <a:off x="0" y="0"/>
-          <a:ext cx="0" cy="0"/>
-          <a:chOff x="0" y="0"/>
-          <a:chExt cx="0" cy="0"/>
-        </a:xfrm>
-      </p:grpSpPr>
-      <p:sp>
-        <p:nvSpPr>
-          <p:cNvPr id="2" name="제목 1"/>
-          <p:cNvSpPr>
-            <a:spLocks noGrp="1"/>
-          </p:cNvSpPr>
-          <p:nvPr>
-            <p:ph type="title"/>
-          </p:nvPr>
-        </p:nvSpPr>
-        <p:spPr/>
-        <p:txBody>
-          <a:bodyPr/>
-          <a:lstStyle/>
-          <a:p>
-            <a:r>
-              <a:rPr lang="en-US" altLang="ko-KR" dirty="0"/>
-              <a:t>Result</a:t>
-            </a:r>
-            <a:endParaRPr lang="ko-KR" altLang="en-US" dirty="0"/>
-          </a:p>
-        </p:txBody>
-      </p:sp>
-      <p:sp>
-        <p:nvSpPr>
-          <p:cNvPr id="3" name="내용 개체 틀 2"/>
-          <p:cNvSpPr>
-            <a:spLocks noGrp="1"/>
-          </p:cNvSpPr>
-          <p:nvPr>
-            <p:ph idx="1"/>
-          </p:nvPr>
-        </p:nvSpPr>
-        <p:spPr/>
-        <p:txBody>
-          <a:bodyPr/>
-          <a:lstStyle/>
-          <a:p>
-            <a:r>
-              <a:rPr lang="en-US" altLang="ko-KR" dirty="0"/>
-              <a:t> Scalability Analysis</a:t>
-            </a:r>
-          </a:p>
-          <a:p>
-            <a:pPr lvl="1"/>
-            <a:r>
-              <a:rPr lang="en-US" altLang="ko-KR" dirty="0"/>
-              <a:t>Evaluate the method with other baselines under Manhattan, 2500 signalized intersection</a:t>
-            </a:r>
-          </a:p>
-          <a:p>
-            <a:pPr lvl="1"/>
-            <a:r>
-              <a:rPr lang="en-US" altLang="ko-KR" dirty="0"/>
-              <a:t>Compared to other methods, </a:t>
-            </a:r>
-            <a:r>
-              <a:rPr lang="en-US" altLang="ko-KR" dirty="0" err="1"/>
-              <a:t>MPLight</a:t>
-            </a:r>
-            <a:r>
-              <a:rPr lang="en-US" altLang="ko-KR" dirty="0"/>
-              <a:t> handle traffic signal more effectively and efficiently</a:t>
-            </a:r>
-          </a:p>
-          <a:p>
-            <a:r>
-              <a:rPr lang="en-US" altLang="ko-KR" dirty="0"/>
-              <a:t> Impact of Pressure-based Design(Manhattan)</a:t>
-            </a:r>
-          </a:p>
-          <a:p>
-            <a:pPr lvl="1"/>
-            <a:r>
-              <a:rPr lang="en-US" altLang="ko-KR" dirty="0"/>
-              <a:t>Evaluate the performance of RL-based method with and without ‘pressure’.</a:t>
-            </a:r>
-          </a:p>
-        </p:txBody>
-      </p:sp>
-      <p:pic>
-        <p:nvPicPr>
-          <p:cNvPr id="5" name="그림 4"/>
-          <p:cNvPicPr>
-            <a:picLocks noChangeAspect="1"/>
-          </p:cNvPicPr>
-          <p:nvPr/>
-        </p:nvPicPr>
-        <p:blipFill>
-          <a:blip r:embed="rId2"/>
-          <a:stretch>
-            <a:fillRect/>
-          </a:stretch>
-        </p:blipFill>
-        <p:spPr>
-          <a:xfrm>
-            <a:off x="1330919" y="3642296"/>
-            <a:ext cx="3570692" cy="2667264"/>
-          </a:xfrm>
-          <a:prstGeom prst="rect">
-            <a:avLst/>
-          </a:prstGeom>
-        </p:spPr>
-      </p:pic>
-      <p:pic>
-        <p:nvPicPr>
-          <p:cNvPr id="6" name="그림 5"/>
-          <p:cNvPicPr>
-            <a:picLocks noChangeAspect="1"/>
-          </p:cNvPicPr>
-          <p:nvPr/>
-        </p:nvPicPr>
-        <p:blipFill>
-          <a:blip r:embed="rId3"/>
-          <a:stretch>
-            <a:fillRect/>
-          </a:stretch>
-        </p:blipFill>
-        <p:spPr>
-          <a:xfrm>
-            <a:off x="5753885" y="3642296"/>
-            <a:ext cx="3344203" cy="1893126"/>
-          </a:xfrm>
-          <a:prstGeom prst="rect">
-            <a:avLst/>
-          </a:prstGeom>
-        </p:spPr>
-      </p:pic>
-    </p:spTree>
-    <p:extLst>
-      <p:ext uri="{BB962C8B-B14F-4D97-AF65-F5344CB8AC3E}">
-        <p14:creationId xmlns:p14="http://schemas.microsoft.com/office/powerpoint/2010/main" val="2293835521"/>
-      </p:ext>
-    </p:extLst>
-  </p:cSld>
-  <p:clrMapOvr>
-    <a:masterClrMapping/>
-  </p:clrMapOvr>
-</p:sld>
-</file>
-
-<file path=ppt/slides/slide29.xml><?xml version="1.0" encoding="utf-8"?>
-<p:sld xmlns:a="http://schemas.openxmlformats.org/drawingml/2006/main" xmlns:r="http://schemas.openxmlformats.org/officeDocument/2006/relationships" xmlns:p="http://schemas.openxmlformats.org/presentationml/2006/main">
-  <p:cSld>
-    <p:spTree>
-      <p:nvGrpSpPr>
-        <p:cNvPr id="1" name=""/>
-        <p:cNvGrpSpPr/>
-        <p:nvPr/>
-      </p:nvGrpSpPr>
-      <p:grpSpPr>
-        <a:xfrm>
-          <a:off x="0" y="0"/>
-          <a:ext cx="0" cy="0"/>
-          <a:chOff x="0" y="0"/>
-          <a:chExt cx="0" cy="0"/>
-        </a:xfrm>
-      </p:grpSpPr>
-      <p:sp>
-        <p:nvSpPr>
-          <p:cNvPr id="2" name="제목 1"/>
-          <p:cNvSpPr>
-            <a:spLocks noGrp="1"/>
-          </p:cNvSpPr>
-          <p:nvPr>
-            <p:ph type="title"/>
-          </p:nvPr>
-        </p:nvSpPr>
-        <p:spPr/>
-        <p:txBody>
-          <a:bodyPr/>
-          <a:lstStyle/>
-          <a:p>
-            <a:r>
-              <a:rPr lang="en-US" altLang="ko-KR" dirty="0"/>
-              <a:t>Result &amp; Conclusion</a:t>
-            </a:r>
-            <a:endParaRPr lang="ko-KR" altLang="en-US" dirty="0"/>
-          </a:p>
-        </p:txBody>
-      </p:sp>
-      <p:sp>
-        <p:nvSpPr>
-          <p:cNvPr id="3" name="내용 개체 틀 2"/>
-          <p:cNvSpPr>
-            <a:spLocks noGrp="1"/>
-          </p:cNvSpPr>
-          <p:nvPr>
-            <p:ph idx="1"/>
-          </p:nvPr>
-        </p:nvSpPr>
-        <p:spPr/>
-        <p:txBody>
-          <a:bodyPr/>
-          <a:lstStyle/>
-          <a:p>
-            <a:r>
-              <a:rPr lang="en-US" altLang="ko-KR" dirty="0"/>
-              <a:t> Impact of Parameter Sharing (Super Agent)</a:t>
-            </a:r>
-          </a:p>
-          <a:p>
-            <a:pPr lvl="1"/>
-            <a:r>
-              <a:rPr lang="en-US" altLang="ko-KR" dirty="0"/>
-              <a:t>Parameter sharing enables our model to converge faster</a:t>
-            </a:r>
-            <a:br>
-              <a:rPr lang="en-US" altLang="ko-KR" dirty="0"/>
-            </a:br>
-            <a:r>
-              <a:rPr lang="en-US" altLang="ko-KR" dirty="0">
-                <a:sym typeface="Wingdings" panose="05000000000000000000" pitchFamily="2" charset="2"/>
-              </a:rPr>
-              <a:t> Effectiveness of parameter sharing </a:t>
-            </a:r>
-          </a:p>
-          <a:p>
-            <a:pPr lvl="1"/>
-            <a:endParaRPr lang="en-US" altLang="ko-KR" dirty="0">
-              <a:sym typeface="Wingdings" panose="05000000000000000000" pitchFamily="2" charset="2"/>
-            </a:endParaRPr>
-          </a:p>
-          <a:p>
-            <a:pPr marL="201168" lvl="1" indent="0">
-              <a:buNone/>
-            </a:pPr>
-            <a:endParaRPr lang="en-US" altLang="ko-KR" dirty="0">
-              <a:sym typeface="Wingdings" panose="05000000000000000000" pitchFamily="2" charset="2"/>
-            </a:endParaRPr>
-          </a:p>
-          <a:p>
-            <a:r>
-              <a:rPr lang="en-US" altLang="ko-KR" dirty="0">
-                <a:sym typeface="Wingdings" panose="05000000000000000000" pitchFamily="2" charset="2"/>
-              </a:rPr>
-              <a:t> Conclusion</a:t>
-            </a:r>
-          </a:p>
-          <a:p>
-            <a:pPr lvl="1"/>
-            <a:r>
-              <a:rPr lang="en-US" altLang="ko-KR" dirty="0">
-                <a:sym typeface="Wingdings" panose="05000000000000000000" pitchFamily="2" charset="2"/>
-              </a:rPr>
-              <a:t>Need more elaborate design for coordination and cooperation among neighboring intersection</a:t>
-            </a:r>
-            <a:br>
-              <a:rPr lang="en-US" altLang="ko-KR" dirty="0">
-                <a:sym typeface="Wingdings" panose="05000000000000000000" pitchFamily="2" charset="2"/>
-              </a:rPr>
-            </a:br>
-            <a:r>
-              <a:rPr lang="en-US" altLang="ko-KR" dirty="0">
-                <a:sym typeface="Wingdings" panose="05000000000000000000" pitchFamily="2" charset="2"/>
-              </a:rPr>
-              <a:t> </a:t>
-            </a:r>
-            <a:r>
-              <a:rPr lang="en-US" altLang="ko-KR" dirty="0" err="1">
-                <a:sym typeface="Wingdings" panose="05000000000000000000" pitchFamily="2" charset="2"/>
-              </a:rPr>
-              <a:t>MetaLight</a:t>
-            </a:r>
-            <a:br>
-              <a:rPr lang="en-US" altLang="ko-KR" dirty="0">
-                <a:sym typeface="Wingdings" panose="05000000000000000000" pitchFamily="2" charset="2"/>
-              </a:rPr>
-            </a:br>
-            <a:r>
-              <a:rPr lang="en-US" altLang="ko-KR" dirty="0">
-                <a:sym typeface="Wingdings" panose="05000000000000000000" pitchFamily="2" charset="2"/>
-              </a:rPr>
-              <a:t> Multi-agent learning(scalable)</a:t>
-            </a:r>
-            <a:endParaRPr lang="ko-KR" altLang="en-US" dirty="0"/>
-          </a:p>
-        </p:txBody>
-      </p:sp>
-      <p:pic>
-        <p:nvPicPr>
-          <p:cNvPr id="4" name="그림 3"/>
-          <p:cNvPicPr>
-            <a:picLocks noChangeAspect="1"/>
-          </p:cNvPicPr>
-          <p:nvPr/>
-        </p:nvPicPr>
-        <p:blipFill>
-          <a:blip r:embed="rId2"/>
-          <a:stretch>
-            <a:fillRect/>
-          </a:stretch>
-        </p:blipFill>
-        <p:spPr>
-          <a:xfrm>
-            <a:off x="7697898" y="1953921"/>
-            <a:ext cx="2861698" cy="1229362"/>
-          </a:xfrm>
-          <a:prstGeom prst="rect">
-            <a:avLst/>
-          </a:prstGeom>
-        </p:spPr>
-      </p:pic>
-    </p:spTree>
-    <p:extLst>
-      <p:ext uri="{BB962C8B-B14F-4D97-AF65-F5344CB8AC3E}">
-        <p14:creationId xmlns:p14="http://schemas.microsoft.com/office/powerpoint/2010/main" val="1950302648"/>
       </p:ext>
     </p:extLst>
   </p:cSld>
@@ -14637,6 +15422,339 @@
       </p:grpSpPr>
       <p:sp>
         <p:nvSpPr>
+          <p:cNvPr id="2" name="제목 1"/>
+          <p:cNvSpPr>
+            <a:spLocks noGrp="1"/>
+          </p:cNvSpPr>
+          <p:nvPr>
+            <p:ph type="title"/>
+          </p:nvPr>
+        </p:nvSpPr>
+        <p:spPr/>
+        <p:txBody>
+          <a:bodyPr/>
+          <a:lstStyle/>
+          <a:p>
+            <a:r>
+              <a:rPr lang="en-US" altLang="ko-KR" dirty="0"/>
+              <a:t>Result</a:t>
+            </a:r>
+            <a:endParaRPr lang="ko-KR" altLang="en-US" dirty="0"/>
+          </a:p>
+        </p:txBody>
+      </p:sp>
+      <p:sp>
+        <p:nvSpPr>
+          <p:cNvPr id="3" name="내용 개체 틀 2"/>
+          <p:cNvSpPr>
+            <a:spLocks noGrp="1"/>
+          </p:cNvSpPr>
+          <p:nvPr>
+            <p:ph idx="1"/>
+          </p:nvPr>
+        </p:nvSpPr>
+        <p:spPr/>
+        <p:txBody>
+          <a:bodyPr/>
+          <a:lstStyle/>
+          <a:p>
+            <a:r>
+              <a:rPr lang="en-US" altLang="ko-KR" dirty="0"/>
+              <a:t> Scalability Analysis</a:t>
+            </a:r>
+          </a:p>
+          <a:p>
+            <a:pPr lvl="1"/>
+            <a:r>
+              <a:rPr lang="en-US" altLang="ko-KR" dirty="0"/>
+              <a:t>Evaluate the method with other baselines under Manhattan, 2500 signalized intersection</a:t>
+            </a:r>
+          </a:p>
+          <a:p>
+            <a:pPr lvl="1"/>
+            <a:r>
+              <a:rPr lang="en-US" altLang="ko-KR" dirty="0"/>
+              <a:t>Compared to other methods, </a:t>
+            </a:r>
+            <a:r>
+              <a:rPr lang="en-US" altLang="ko-KR" dirty="0" err="1"/>
+              <a:t>MPLight</a:t>
+            </a:r>
+            <a:r>
+              <a:rPr lang="en-US" altLang="ko-KR" dirty="0"/>
+              <a:t> handle traffic signal more effectively and efficiently</a:t>
+            </a:r>
+          </a:p>
+          <a:p>
+            <a:r>
+              <a:rPr lang="en-US" altLang="ko-KR" dirty="0"/>
+              <a:t> Impact of Pressure-based Design(Manhattan)</a:t>
+            </a:r>
+          </a:p>
+          <a:p>
+            <a:pPr lvl="1"/>
+            <a:r>
+              <a:rPr lang="en-US" altLang="ko-KR" dirty="0"/>
+              <a:t>Evaluate the performance of RL-based method with and without ‘pressure’.</a:t>
+            </a:r>
+          </a:p>
+        </p:txBody>
+      </p:sp>
+      <p:pic>
+        <p:nvPicPr>
+          <p:cNvPr id="5" name="그림 4"/>
+          <p:cNvPicPr>
+            <a:picLocks noChangeAspect="1"/>
+          </p:cNvPicPr>
+          <p:nvPr/>
+        </p:nvPicPr>
+        <p:blipFill>
+          <a:blip r:embed="rId2"/>
+          <a:stretch>
+            <a:fillRect/>
+          </a:stretch>
+        </p:blipFill>
+        <p:spPr>
+          <a:xfrm>
+            <a:off x="1330919" y="3642296"/>
+            <a:ext cx="3570692" cy="2667264"/>
+          </a:xfrm>
+          <a:prstGeom prst="rect">
+            <a:avLst/>
+          </a:prstGeom>
+        </p:spPr>
+      </p:pic>
+      <p:pic>
+        <p:nvPicPr>
+          <p:cNvPr id="6" name="그림 5"/>
+          <p:cNvPicPr>
+            <a:picLocks noChangeAspect="1"/>
+          </p:cNvPicPr>
+          <p:nvPr/>
+        </p:nvPicPr>
+        <p:blipFill>
+          <a:blip r:embed="rId3"/>
+          <a:stretch>
+            <a:fillRect/>
+          </a:stretch>
+        </p:blipFill>
+        <p:spPr>
+          <a:xfrm>
+            <a:off x="5753885" y="3642296"/>
+            <a:ext cx="3344203" cy="1893126"/>
+          </a:xfrm>
+          <a:prstGeom prst="rect">
+            <a:avLst/>
+          </a:prstGeom>
+        </p:spPr>
+      </p:pic>
+    </p:spTree>
+    <p:extLst>
+      <p:ext uri="{BB962C8B-B14F-4D97-AF65-F5344CB8AC3E}">
+        <p14:creationId xmlns:p14="http://schemas.microsoft.com/office/powerpoint/2010/main" val="2293835521"/>
+      </p:ext>
+    </p:extLst>
+  </p:cSld>
+  <p:clrMapOvr>
+    <a:masterClrMapping/>
+  </p:clrMapOvr>
+</p:sld>
+</file>
+
+<file path=ppt/slides/slide31.xml><?xml version="1.0" encoding="utf-8"?>
+<p:sld xmlns:a="http://schemas.openxmlformats.org/drawingml/2006/main" xmlns:r="http://schemas.openxmlformats.org/officeDocument/2006/relationships" xmlns:p="http://schemas.openxmlformats.org/presentationml/2006/main">
+  <p:cSld>
+    <p:spTree>
+      <p:nvGrpSpPr>
+        <p:cNvPr id="1" name=""/>
+        <p:cNvGrpSpPr/>
+        <p:nvPr/>
+      </p:nvGrpSpPr>
+      <p:grpSpPr>
+        <a:xfrm>
+          <a:off x="0" y="0"/>
+          <a:ext cx="0" cy="0"/>
+          <a:chOff x="0" y="0"/>
+          <a:chExt cx="0" cy="0"/>
+        </a:xfrm>
+      </p:grpSpPr>
+      <p:sp>
+        <p:nvSpPr>
+          <p:cNvPr id="2" name="제목 1"/>
+          <p:cNvSpPr>
+            <a:spLocks noGrp="1"/>
+          </p:cNvSpPr>
+          <p:nvPr>
+            <p:ph type="title"/>
+          </p:nvPr>
+        </p:nvSpPr>
+        <p:spPr/>
+        <p:txBody>
+          <a:bodyPr/>
+          <a:lstStyle/>
+          <a:p>
+            <a:r>
+              <a:rPr lang="en-US" altLang="ko-KR" dirty="0"/>
+              <a:t>Result &amp; Conclusion</a:t>
+            </a:r>
+            <a:endParaRPr lang="ko-KR" altLang="en-US" dirty="0"/>
+          </a:p>
+        </p:txBody>
+      </p:sp>
+      <p:sp>
+        <p:nvSpPr>
+          <p:cNvPr id="3" name="내용 개체 틀 2"/>
+          <p:cNvSpPr>
+            <a:spLocks noGrp="1"/>
+          </p:cNvSpPr>
+          <p:nvPr>
+            <p:ph idx="1"/>
+          </p:nvPr>
+        </p:nvSpPr>
+        <p:spPr/>
+        <p:txBody>
+          <a:bodyPr/>
+          <a:lstStyle/>
+          <a:p>
+            <a:r>
+              <a:rPr lang="en-US" altLang="ko-KR" dirty="0"/>
+              <a:t> Impact of Parameter Sharing (Super Agent)</a:t>
+            </a:r>
+          </a:p>
+          <a:p>
+            <a:pPr lvl="1"/>
+            <a:r>
+              <a:rPr lang="en-US" altLang="ko-KR" dirty="0"/>
+              <a:t>Parameter sharing enables our model to converge faster</a:t>
+            </a:r>
+            <a:br>
+              <a:rPr lang="en-US" altLang="ko-KR" dirty="0"/>
+            </a:br>
+            <a:r>
+              <a:rPr lang="en-US" altLang="ko-KR" dirty="0">
+                <a:sym typeface="Wingdings" panose="05000000000000000000" pitchFamily="2" charset="2"/>
+              </a:rPr>
+              <a:t> Effectiveness of parameter sharing </a:t>
+            </a:r>
+          </a:p>
+          <a:p>
+            <a:pPr lvl="1"/>
+            <a:endParaRPr lang="en-US" altLang="ko-KR" dirty="0">
+              <a:sym typeface="Wingdings" panose="05000000000000000000" pitchFamily="2" charset="2"/>
+            </a:endParaRPr>
+          </a:p>
+          <a:p>
+            <a:pPr marL="201168" lvl="1" indent="0">
+              <a:buNone/>
+            </a:pPr>
+            <a:endParaRPr lang="en-US" altLang="ko-KR" dirty="0">
+              <a:sym typeface="Wingdings" panose="05000000000000000000" pitchFamily="2" charset="2"/>
+            </a:endParaRPr>
+          </a:p>
+          <a:p>
+            <a:r>
+              <a:rPr lang="en-US" altLang="ko-KR" dirty="0">
+                <a:sym typeface="Wingdings" panose="05000000000000000000" pitchFamily="2" charset="2"/>
+              </a:rPr>
+              <a:t> Conclusion</a:t>
+            </a:r>
+          </a:p>
+          <a:p>
+            <a:pPr lvl="1"/>
+            <a:r>
+              <a:rPr lang="en-US" altLang="ko-KR" dirty="0">
+                <a:sym typeface="Wingdings" panose="05000000000000000000" pitchFamily="2" charset="2"/>
+              </a:rPr>
+              <a:t>Need more elaborate design for coordination and cooperation among neighboring intersection</a:t>
+            </a:r>
+            <a:br>
+              <a:rPr lang="en-US" altLang="ko-KR" dirty="0">
+                <a:sym typeface="Wingdings" panose="05000000000000000000" pitchFamily="2" charset="2"/>
+              </a:rPr>
+            </a:br>
+            <a:r>
+              <a:rPr lang="en-US" altLang="ko-KR" dirty="0">
+                <a:sym typeface="Wingdings" panose="05000000000000000000" pitchFamily="2" charset="2"/>
+              </a:rPr>
+              <a:t> </a:t>
+            </a:r>
+            <a:r>
+              <a:rPr lang="en-US" altLang="ko-KR" dirty="0" err="1">
+                <a:sym typeface="Wingdings" panose="05000000000000000000" pitchFamily="2" charset="2"/>
+              </a:rPr>
+              <a:t>MetaLight</a:t>
+            </a:r>
+            <a:br>
+              <a:rPr lang="en-US" altLang="ko-KR" dirty="0">
+                <a:sym typeface="Wingdings" panose="05000000000000000000" pitchFamily="2" charset="2"/>
+              </a:rPr>
+            </a:br>
+            <a:r>
+              <a:rPr lang="en-US" altLang="ko-KR" dirty="0">
+                <a:sym typeface="Wingdings" panose="05000000000000000000" pitchFamily="2" charset="2"/>
+              </a:rPr>
+              <a:t> Multi-agent learning(scalable)</a:t>
+            </a:r>
+            <a:endParaRPr lang="ko-KR" altLang="en-US" dirty="0"/>
+          </a:p>
+        </p:txBody>
+      </p:sp>
+      <p:pic>
+        <p:nvPicPr>
+          <p:cNvPr id="4" name="그림 3"/>
+          <p:cNvPicPr>
+            <a:picLocks noChangeAspect="1"/>
+          </p:cNvPicPr>
+          <p:nvPr/>
+        </p:nvPicPr>
+        <p:blipFill>
+          <a:blip r:embed="rId2"/>
+          <a:stretch>
+            <a:fillRect/>
+          </a:stretch>
+        </p:blipFill>
+        <p:spPr>
+          <a:xfrm>
+            <a:off x="7697898" y="1953921"/>
+            <a:ext cx="2861698" cy="1229362"/>
+          </a:xfrm>
+          <a:prstGeom prst="rect">
+            <a:avLst/>
+          </a:prstGeom>
+        </p:spPr>
+      </p:pic>
+    </p:spTree>
+    <p:extLst>
+      <p:ext uri="{BB962C8B-B14F-4D97-AF65-F5344CB8AC3E}">
+        <p14:creationId xmlns:p14="http://schemas.microsoft.com/office/powerpoint/2010/main" val="1950302648"/>
+      </p:ext>
+    </p:extLst>
+  </p:cSld>
+  <p:clrMapOvr>
+    <a:masterClrMapping/>
+  </p:clrMapOvr>
+</p:sld>
+</file>
+
+<file path=ppt/slides/slide32.xml><?xml version="1.0" encoding="utf-8"?>
+<p:sld xmlns:a="http://schemas.openxmlformats.org/drawingml/2006/main" xmlns:r="http://schemas.openxmlformats.org/officeDocument/2006/relationships" xmlns:p="http://schemas.openxmlformats.org/presentationml/2006/main">
+  <p:cSld>
+    <p:spTree>
+      <p:nvGrpSpPr>
+        <p:cNvPr id="1" name=""/>
+        <p:cNvGrpSpPr/>
+        <p:nvPr/>
+      </p:nvGrpSpPr>
+      <p:grpSpPr>
+        <a:xfrm>
+          <a:off x="0" y="0"/>
+          <a:ext cx="0" cy="0"/>
+          <a:chOff x="0" y="0"/>
+          <a:chExt cx="0" cy="0"/>
+        </a:xfrm>
+      </p:grpSpPr>
+      <p:sp>
+        <p:nvSpPr>
           <p:cNvPr id="2" name="제목 1">
             <a:extLst>
               <a:ext uri="{FF2B5EF4-FFF2-40B4-BE49-F238E27FC236}">
@@ -14720,7 +15838,7 @@
 </p:sld>
 </file>
 
-<file path=ppt/slides/slide31.xml><?xml version="1.0" encoding="utf-8"?>
+<file path=ppt/slides/slide33.xml><?xml version="1.0" encoding="utf-8"?>
 <p:sld xmlns:a="http://schemas.openxmlformats.org/drawingml/2006/main" xmlns:r="http://schemas.openxmlformats.org/officeDocument/2006/relationships" xmlns:p="http://schemas.openxmlformats.org/presentationml/2006/main">
   <p:cSld>
     <p:spTree>
@@ -15380,7 +16498,7 @@
 </p:sld>
 </file>
 
-<file path=ppt/slides/slide32.xml><?xml version="1.0" encoding="utf-8"?>
+<file path=ppt/slides/slide34.xml><?xml version="1.0" encoding="utf-8"?>
 <p:sld xmlns:a="http://schemas.openxmlformats.org/drawingml/2006/main" xmlns:r="http://schemas.openxmlformats.org/officeDocument/2006/relationships" xmlns:p="http://schemas.openxmlformats.org/presentationml/2006/main">
   <p:cSld>
     <p:spTree>
@@ -15980,1049 +17098,6 @@
 </p:sld>
 </file>
 
-<file path=ppt/slides/slide33.xml><?xml version="1.0" encoding="utf-8"?>
-<p:sld xmlns:a="http://schemas.openxmlformats.org/drawingml/2006/main" xmlns:r="http://schemas.openxmlformats.org/officeDocument/2006/relationships" xmlns:p="http://schemas.openxmlformats.org/presentationml/2006/main">
-  <p:cSld>
-    <p:spTree>
-      <p:nvGrpSpPr>
-        <p:cNvPr id="1" name=""/>
-        <p:cNvGrpSpPr/>
-        <p:nvPr/>
-      </p:nvGrpSpPr>
-      <p:grpSpPr>
-        <a:xfrm>
-          <a:off x="0" y="0"/>
-          <a:ext cx="0" cy="0"/>
-          <a:chOff x="0" y="0"/>
-          <a:chExt cx="0" cy="0"/>
-        </a:xfrm>
-      </p:grpSpPr>
-      <p:sp>
-        <p:nvSpPr>
-          <p:cNvPr id="2" name="제목 1"/>
-          <p:cNvSpPr>
-            <a:spLocks noGrp="1"/>
-          </p:cNvSpPr>
-          <p:nvPr>
-            <p:ph type="title"/>
-          </p:nvPr>
-        </p:nvSpPr>
-        <p:spPr/>
-        <p:txBody>
-          <a:bodyPr/>
-          <a:lstStyle/>
-          <a:p>
-            <a:r>
-              <a:rPr lang="en-US" altLang="ko-KR" dirty="0"/>
-              <a:t>Training </a:t>
-            </a:r>
-            <a:r>
-              <a:rPr lang="ko-KR" altLang="en-US" dirty="0"/>
-              <a:t>구성 방식 제안</a:t>
-            </a:r>
-            <a:r>
-              <a:rPr lang="en-US" altLang="ko-KR" dirty="0"/>
-              <a:t>(DQN</a:t>
-            </a:r>
-            <a:r>
-              <a:rPr lang="ko-KR" altLang="en-US" dirty="0"/>
-              <a:t> 적용시</a:t>
-            </a:r>
-            <a:r>
-              <a:rPr lang="en-US" altLang="ko-KR" dirty="0"/>
-              <a:t>)</a:t>
-            </a:r>
-            <a:endParaRPr lang="ko-KR" altLang="en-US" dirty="0"/>
-          </a:p>
-        </p:txBody>
-      </p:sp>
-      <p:sp>
-        <p:nvSpPr>
-          <p:cNvPr id="3" name="내용 개체 틀 2"/>
-          <p:cNvSpPr>
-            <a:spLocks noGrp="1"/>
-          </p:cNvSpPr>
-          <p:nvPr>
-            <p:ph idx="1"/>
-          </p:nvPr>
-        </p:nvSpPr>
-        <p:spPr/>
-        <p:txBody>
-          <a:bodyPr>
-            <a:normAutofit/>
-          </a:bodyPr>
-          <a:lstStyle/>
-          <a:p>
-            <a:pPr>
-              <a:lnSpc>
-                <a:spcPct val="120000"/>
-              </a:lnSpc>
-            </a:pPr>
-            <a:r>
-              <a:rPr lang="ko-KR" altLang="en-US" dirty="0"/>
-              <a:t>  </a:t>
-            </a:r>
-            <a:r>
-              <a:rPr lang="en-US" altLang="ko-KR" dirty="0"/>
-              <a:t>Replay Save Time</a:t>
-            </a:r>
-          </a:p>
-          <a:p>
-            <a:pPr lvl="1">
-              <a:lnSpc>
-                <a:spcPct val="120000"/>
-              </a:lnSpc>
-            </a:pPr>
-            <a:r>
-              <a:rPr lang="ko-KR" altLang="en-US" dirty="0"/>
-              <a:t>매 </a:t>
-            </a:r>
-            <a:r>
-              <a:rPr lang="en-US" altLang="ko-KR" dirty="0"/>
-              <a:t>epoch</a:t>
-            </a:r>
-            <a:r>
-              <a:rPr lang="ko-KR" altLang="en-US" dirty="0"/>
-              <a:t>당 </a:t>
-            </a:r>
-            <a:r>
-              <a:rPr lang="en-US" altLang="ko-KR" dirty="0"/>
-              <a:t>Replay</a:t>
-            </a:r>
-            <a:r>
-              <a:rPr lang="ko-KR" altLang="en-US" dirty="0"/>
-              <a:t> </a:t>
-            </a:r>
-            <a:r>
-              <a:rPr lang="en-US" altLang="ko-KR" dirty="0"/>
-              <a:t>save Time</a:t>
-            </a:r>
-            <a:r>
-              <a:rPr lang="ko-KR" altLang="en-US" dirty="0"/>
-              <a:t>을 뒤로 이동</a:t>
-            </a:r>
-            <a:br>
-              <a:rPr lang="en-US" altLang="ko-KR" dirty="0"/>
-            </a:br>
-            <a:r>
-              <a:rPr lang="en-US" altLang="ko-KR" dirty="0"/>
-              <a:t>- </a:t>
-            </a:r>
-            <a:r>
-              <a:rPr lang="ko-KR" altLang="en-US" dirty="0"/>
-              <a:t>現</a:t>
-            </a:r>
-            <a:r>
-              <a:rPr lang="en-US" altLang="ko-KR" dirty="0"/>
-              <a:t>: </a:t>
-            </a:r>
-            <a:r>
-              <a:rPr lang="ko-KR" altLang="en-US" dirty="0"/>
-              <a:t>시작과 동시에 바로 진행 </a:t>
-            </a:r>
-            <a:r>
-              <a:rPr lang="en-US" altLang="ko-KR" dirty="0"/>
-              <a:t>(replay</a:t>
-            </a:r>
-            <a:r>
-              <a:rPr lang="ko-KR" altLang="en-US" dirty="0"/>
-              <a:t>는 </a:t>
-            </a:r>
-            <a:r>
-              <a:rPr lang="en-US" altLang="ko-KR" dirty="0"/>
-              <a:t>1 time step</a:t>
-            </a:r>
-            <a:r>
-              <a:rPr lang="ko-KR" altLang="en-US" dirty="0"/>
-              <a:t>마다 저장</a:t>
-            </a:r>
-            <a:r>
-              <a:rPr lang="en-US" altLang="ko-KR" dirty="0"/>
-              <a:t>)</a:t>
-            </a:r>
-            <a:br>
-              <a:rPr lang="en-US" altLang="ko-KR" dirty="0"/>
-            </a:br>
-            <a:r>
-              <a:rPr lang="en-US" altLang="ko-KR" dirty="0">
-                <a:sym typeface="Wingdings" panose="05000000000000000000" pitchFamily="2" charset="2"/>
-              </a:rPr>
-              <a:t> </a:t>
-            </a:r>
-            <a:r>
-              <a:rPr lang="ko-KR" altLang="en-US" dirty="0">
-                <a:sym typeface="Wingdings" panose="05000000000000000000" pitchFamily="2" charset="2"/>
-              </a:rPr>
-              <a:t>모든 차량이 교차로 내에서 대기할 수 있는 시점인 </a:t>
-            </a:r>
-            <a:r>
-              <a:rPr lang="en-US" altLang="ko-KR" dirty="0">
-                <a:sym typeface="Wingdings" panose="05000000000000000000" pitchFamily="2" charset="2"/>
-              </a:rPr>
-              <a:t>3 timestep </a:t>
-            </a:r>
-            <a:r>
-              <a:rPr lang="ko-KR" altLang="en-US" dirty="0">
-                <a:sym typeface="Wingdings" panose="05000000000000000000" pitchFamily="2" charset="2"/>
-              </a:rPr>
-              <a:t>이상으로 조정</a:t>
-            </a:r>
-            <a:endParaRPr lang="en-US" altLang="ko-KR" dirty="0"/>
-          </a:p>
-          <a:p>
-            <a:pPr>
-              <a:lnSpc>
-                <a:spcPct val="120000"/>
-              </a:lnSpc>
-            </a:pPr>
-            <a:r>
-              <a:rPr lang="en-US" altLang="ko-KR" dirty="0"/>
-              <a:t> Target Update</a:t>
-            </a:r>
-          </a:p>
-          <a:p>
-            <a:pPr lvl="1">
-              <a:lnSpc>
-                <a:spcPct val="120000"/>
-              </a:lnSpc>
-            </a:pPr>
-            <a:r>
-              <a:rPr lang="en-US" altLang="ko-KR" dirty="0"/>
-              <a:t>Learning Start Epoch </a:t>
-            </a:r>
-            <a:r>
-              <a:rPr lang="ko-KR" altLang="en-US" dirty="0"/>
-              <a:t>지정 </a:t>
-            </a:r>
-            <a:r>
-              <a:rPr lang="en-US" altLang="ko-KR" dirty="0"/>
-              <a:t>(</a:t>
-            </a:r>
-            <a:r>
-              <a:rPr lang="ko-KR" altLang="en-US" dirty="0"/>
-              <a:t>현재 </a:t>
-            </a:r>
-            <a:r>
-              <a:rPr lang="en-US" altLang="ko-KR" dirty="0"/>
-              <a:t>90states/epoch</a:t>
-            </a:r>
-            <a:r>
-              <a:rPr lang="ko-KR" altLang="en-US" dirty="0"/>
-              <a:t>가 </a:t>
-            </a:r>
-            <a:r>
-              <a:rPr lang="en-US" altLang="ko-KR" dirty="0"/>
-              <a:t>replay</a:t>
-            </a:r>
-            <a:r>
-              <a:rPr lang="ko-KR" altLang="en-US" dirty="0"/>
-              <a:t>에 저장</a:t>
-            </a:r>
-            <a:r>
-              <a:rPr lang="en-US" altLang="ko-KR" dirty="0"/>
-              <a:t>) </a:t>
-            </a:r>
-            <a:br>
-              <a:rPr lang="en-US" altLang="ko-KR" dirty="0"/>
-            </a:br>
-            <a:r>
-              <a:rPr lang="ko-KR" altLang="en-US" dirty="0"/>
-              <a:t>現 </a:t>
-            </a:r>
-            <a:r>
-              <a:rPr lang="en-US" altLang="ko-KR" dirty="0"/>
-              <a:t>replay: 40states</a:t>
-            </a:r>
-            <a:r>
-              <a:rPr lang="ko-KR" altLang="en-US" dirty="0"/>
-              <a:t>가 저장됐을 때부터 </a:t>
-            </a:r>
-            <a:r>
-              <a:rPr lang="en-US" altLang="ko-KR" dirty="0"/>
-              <a:t>target update </a:t>
-            </a:r>
-            <a:r>
-              <a:rPr lang="en-US" altLang="ko-KR" dirty="0">
-                <a:sym typeface="Wingdings" panose="05000000000000000000" pitchFamily="2" charset="2"/>
-              </a:rPr>
-              <a:t> </a:t>
-            </a:r>
-            <a:r>
-              <a:rPr lang="ko-KR" altLang="en-US" dirty="0">
-                <a:sym typeface="Wingdings" panose="05000000000000000000" pitchFamily="2" charset="2"/>
-              </a:rPr>
-              <a:t>초반 학습의 </a:t>
-            </a:r>
-            <a:r>
-              <a:rPr lang="en-US" altLang="ko-KR" dirty="0">
-                <a:sym typeface="Wingdings" panose="05000000000000000000" pitchFamily="2" charset="2"/>
-              </a:rPr>
-              <a:t>Correlation </a:t>
-            </a:r>
-            <a:r>
-              <a:rPr lang="ko-KR" altLang="en-US" dirty="0">
-                <a:sym typeface="Wingdings" panose="05000000000000000000" pitchFamily="2" charset="2"/>
-              </a:rPr>
-              <a:t>높음</a:t>
-            </a:r>
-            <a:endParaRPr lang="en-US" altLang="ko-KR" dirty="0">
-              <a:sym typeface="Wingdings" panose="05000000000000000000" pitchFamily="2" charset="2"/>
-            </a:endParaRPr>
-          </a:p>
-          <a:p>
-            <a:pPr lvl="1">
-              <a:lnSpc>
-                <a:spcPct val="120000"/>
-              </a:lnSpc>
-            </a:pPr>
-            <a:r>
-              <a:rPr lang="en-US" altLang="ko-KR" dirty="0">
-                <a:sym typeface="Wingdings" panose="05000000000000000000" pitchFamily="2" charset="2"/>
-              </a:rPr>
-              <a:t> Learning Start </a:t>
-            </a:r>
-            <a:r>
-              <a:rPr lang="ko-KR" altLang="en-US" dirty="0">
-                <a:sym typeface="Wingdings" panose="05000000000000000000" pitchFamily="2" charset="2"/>
-              </a:rPr>
-              <a:t>하는</a:t>
-            </a:r>
-            <a:r>
-              <a:rPr lang="en-US" altLang="ko-KR" dirty="0">
-                <a:sym typeface="Wingdings" panose="05000000000000000000" pitchFamily="2" charset="2"/>
-              </a:rPr>
-              <a:t> Epoch</a:t>
-            </a:r>
-            <a:r>
-              <a:rPr lang="ko-KR" altLang="en-US" dirty="0">
-                <a:sym typeface="Wingdings" panose="05000000000000000000" pitchFamily="2" charset="2"/>
-              </a:rPr>
-              <a:t>를</a:t>
-            </a:r>
-            <a:r>
-              <a:rPr lang="en-US" altLang="ko-KR" dirty="0">
-                <a:sym typeface="Wingdings" panose="05000000000000000000" pitchFamily="2" charset="2"/>
-              </a:rPr>
-              <a:t> 4</a:t>
-            </a:r>
-            <a:r>
-              <a:rPr lang="ko-KR" altLang="en-US" dirty="0">
-                <a:sym typeface="Wingdings" panose="05000000000000000000" pitchFamily="2" charset="2"/>
-              </a:rPr>
-              <a:t>이상 </a:t>
-            </a:r>
-            <a:r>
-              <a:rPr lang="en-US" altLang="ko-KR" dirty="0">
-                <a:sym typeface="Wingdings" panose="05000000000000000000" pitchFamily="2" charset="2"/>
-              </a:rPr>
-              <a:t>(360</a:t>
-            </a:r>
-            <a:r>
-              <a:rPr lang="ko-KR" altLang="en-US" dirty="0">
-                <a:sym typeface="Wingdings" panose="05000000000000000000" pitchFamily="2" charset="2"/>
-              </a:rPr>
-              <a:t> 개의 </a:t>
-            </a:r>
-            <a:r>
-              <a:rPr lang="en-US" altLang="ko-KR" dirty="0">
-                <a:sym typeface="Wingdings" panose="05000000000000000000" pitchFamily="2" charset="2"/>
-              </a:rPr>
-              <a:t>data </a:t>
-            </a:r>
-            <a:r>
-              <a:rPr lang="ko-KR" altLang="en-US" dirty="0">
-                <a:sym typeface="Wingdings" panose="05000000000000000000" pitchFamily="2" charset="2"/>
-              </a:rPr>
-              <a:t>기반 </a:t>
-            </a:r>
-            <a:r>
-              <a:rPr lang="en-US" altLang="ko-KR" dirty="0">
-                <a:sym typeface="Wingdings" panose="05000000000000000000" pitchFamily="2" charset="2"/>
-              </a:rPr>
-              <a:t>random sampling target update)</a:t>
-            </a:r>
-          </a:p>
-          <a:p>
-            <a:pPr lvl="1">
-              <a:lnSpc>
-                <a:spcPct val="120000"/>
-              </a:lnSpc>
-            </a:pPr>
-            <a:r>
-              <a:rPr lang="en-US" altLang="ko-KR" dirty="0">
-                <a:sym typeface="Wingdings" panose="05000000000000000000" pitchFamily="2" charset="2"/>
-              </a:rPr>
-              <a:t>Epoch </a:t>
-            </a:r>
-            <a:r>
-              <a:rPr lang="ko-KR" altLang="en-US" dirty="0">
-                <a:sym typeface="Wingdings" panose="05000000000000000000" pitchFamily="2" charset="2"/>
-              </a:rPr>
-              <a:t>길이를 길게 </a:t>
-            </a:r>
-            <a:r>
-              <a:rPr lang="en-US" altLang="ko-KR" dirty="0">
-                <a:sym typeface="Wingdings" panose="05000000000000000000" pitchFamily="2" charset="2"/>
-              </a:rPr>
-              <a:t>(</a:t>
-            </a:r>
-            <a:r>
-              <a:rPr lang="ko-KR" altLang="en-US" dirty="0">
-                <a:sym typeface="Wingdings" panose="05000000000000000000" pitchFamily="2" charset="2"/>
-              </a:rPr>
-              <a:t>現</a:t>
-            </a:r>
-            <a:r>
-              <a:rPr lang="en-US" altLang="ko-KR" dirty="0">
-                <a:sym typeface="Wingdings" panose="05000000000000000000" pitchFamily="2" charset="2"/>
-              </a:rPr>
-              <a:t>:10000s/epoch -&gt; 27000s/epoch</a:t>
-            </a:r>
-            <a:r>
-              <a:rPr lang="ko-KR" altLang="en-US" dirty="0">
-                <a:sym typeface="Wingdings" panose="05000000000000000000" pitchFamily="2" charset="2"/>
-              </a:rPr>
-              <a:t>이상</a:t>
-            </a:r>
-            <a:r>
-              <a:rPr lang="en-US" altLang="ko-KR" dirty="0">
-                <a:sym typeface="Wingdings" panose="05000000000000000000" pitchFamily="2" charset="2"/>
-              </a:rPr>
-              <a:t>)</a:t>
-            </a:r>
-          </a:p>
-          <a:p>
-            <a:pPr lvl="1">
-              <a:lnSpc>
-                <a:spcPct val="120000"/>
-              </a:lnSpc>
-            </a:pPr>
-            <a:r>
-              <a:rPr lang="en-US" altLang="ko-KR" dirty="0">
-                <a:sym typeface="Wingdings" panose="05000000000000000000" pitchFamily="2" charset="2"/>
-              </a:rPr>
-              <a:t>Soft target update</a:t>
-            </a:r>
-            <a:r>
-              <a:rPr lang="ko-KR" altLang="en-US" dirty="0">
-                <a:sym typeface="Wingdings" panose="05000000000000000000" pitchFamily="2" charset="2"/>
-              </a:rPr>
-              <a:t>로 변경</a:t>
-            </a:r>
-            <a:endParaRPr lang="en-US" altLang="ko-KR" dirty="0">
-              <a:sym typeface="Wingdings" panose="05000000000000000000" pitchFamily="2" charset="2"/>
-            </a:endParaRPr>
-          </a:p>
-        </p:txBody>
-      </p:sp>
-    </p:spTree>
-    <p:extLst>
-      <p:ext uri="{BB962C8B-B14F-4D97-AF65-F5344CB8AC3E}">
-        <p14:creationId xmlns:p14="http://schemas.microsoft.com/office/powerpoint/2010/main" val="1873075976"/>
-      </p:ext>
-    </p:extLst>
-  </p:cSld>
-  <p:clrMapOvr>
-    <a:masterClrMapping/>
-  </p:clrMapOvr>
-</p:sld>
-</file>
-
-<file path=ppt/slides/slide34.xml><?xml version="1.0" encoding="utf-8"?>
-<p:sld xmlns:a="http://schemas.openxmlformats.org/drawingml/2006/main" xmlns:r="http://schemas.openxmlformats.org/officeDocument/2006/relationships" xmlns:p="http://schemas.openxmlformats.org/presentationml/2006/main">
-  <p:cSld>
-    <p:spTree>
-      <p:nvGrpSpPr>
-        <p:cNvPr id="1" name=""/>
-        <p:cNvGrpSpPr/>
-        <p:nvPr/>
-      </p:nvGrpSpPr>
-      <p:grpSpPr>
-        <a:xfrm>
-          <a:off x="0" y="0"/>
-          <a:ext cx="0" cy="0"/>
-          <a:chOff x="0" y="0"/>
-          <a:chExt cx="0" cy="0"/>
-        </a:xfrm>
-      </p:grpSpPr>
-      <p:sp>
-        <p:nvSpPr>
-          <p:cNvPr id="2" name="제목 1">
-            <a:extLst>
-              <a:ext uri="{FF2B5EF4-FFF2-40B4-BE49-F238E27FC236}">
-                <a16:creationId xmlns:a16="http://schemas.microsoft.com/office/drawing/2014/main" id="{06C8CBDF-A478-4E5A-BDC9-ACC6B12AF1DD}"/>
-              </a:ext>
-            </a:extLst>
-          </p:cNvPr>
-          <p:cNvSpPr>
-            <a:spLocks noGrp="1"/>
-          </p:cNvSpPr>
-          <p:nvPr>
-            <p:ph type="title"/>
-          </p:nvPr>
-        </p:nvSpPr>
-        <p:spPr/>
-        <p:txBody>
-          <a:bodyPr/>
-          <a:lstStyle/>
-          <a:p>
-            <a:r>
-              <a:rPr lang="en-US" altLang="ko-KR" dirty="0"/>
-              <a:t>Training </a:t>
-            </a:r>
-            <a:r>
-              <a:rPr lang="ko-KR" altLang="en-US" dirty="0"/>
-              <a:t>구성 방식 제안</a:t>
-            </a:r>
-            <a:r>
-              <a:rPr lang="en-US" altLang="ko-KR" dirty="0"/>
-              <a:t>(</a:t>
-            </a:r>
-            <a:r>
-              <a:rPr lang="ko-KR" altLang="en-US" dirty="0"/>
-              <a:t>종합</a:t>
-            </a:r>
-            <a:r>
-              <a:rPr lang="en-US" altLang="ko-KR" dirty="0"/>
-              <a:t>)</a:t>
-            </a:r>
-            <a:endParaRPr lang="ko-KR" altLang="en-US" dirty="0"/>
-          </a:p>
-        </p:txBody>
-      </p:sp>
-      <p:sp>
-        <p:nvSpPr>
-          <p:cNvPr id="3" name="내용 개체 틀 2">
-            <a:extLst>
-              <a:ext uri="{FF2B5EF4-FFF2-40B4-BE49-F238E27FC236}">
-                <a16:creationId xmlns:a16="http://schemas.microsoft.com/office/drawing/2014/main" id="{270DB4C4-0E68-447D-9AA4-42DA96EC8106}"/>
-              </a:ext>
-            </a:extLst>
-          </p:cNvPr>
-          <p:cNvSpPr>
-            <a:spLocks noGrp="1"/>
-          </p:cNvSpPr>
-          <p:nvPr>
-            <p:ph idx="1"/>
-          </p:nvPr>
-        </p:nvSpPr>
-        <p:spPr>
-          <a:xfrm>
-            <a:off x="1097280" y="1812177"/>
-            <a:ext cx="10058400" cy="4630568"/>
-          </a:xfrm>
-        </p:spPr>
-        <p:txBody>
-          <a:bodyPr>
-            <a:normAutofit/>
-          </a:bodyPr>
-          <a:lstStyle/>
-          <a:p>
-            <a:r>
-              <a:rPr lang="en-US" altLang="ko-KR" dirty="0"/>
-              <a:t> Action</a:t>
-            </a:r>
-          </a:p>
-          <a:p>
-            <a:pPr lvl="1"/>
-            <a:r>
-              <a:rPr lang="en-US" altLang="ko-KR" dirty="0"/>
-              <a:t>10s/time step</a:t>
-            </a:r>
-            <a:r>
-              <a:rPr lang="ko-KR" altLang="en-US" dirty="0"/>
-              <a:t>으로 조정 </a:t>
-            </a:r>
-            <a:r>
-              <a:rPr lang="en-US" altLang="ko-KR" dirty="0"/>
-              <a:t>(</a:t>
-            </a:r>
-            <a:r>
-              <a:rPr lang="en-US" altLang="ko-KR" dirty="0" err="1"/>
-              <a:t>MPLight</a:t>
-            </a:r>
-            <a:r>
-              <a:rPr lang="en-US" altLang="ko-KR" dirty="0"/>
-              <a:t>)</a:t>
-            </a:r>
-          </a:p>
-          <a:p>
-            <a:pPr lvl="1"/>
-            <a:r>
-              <a:rPr lang="en-US" altLang="ko-KR" dirty="0"/>
-              <a:t>Penalty</a:t>
-            </a:r>
-            <a:r>
-              <a:rPr lang="ko-KR" altLang="en-US" dirty="0"/>
-              <a:t>를 </a:t>
-            </a:r>
-            <a:r>
-              <a:rPr lang="en-US" altLang="ko-KR" dirty="0"/>
-              <a:t>2 timesteps </a:t>
-            </a:r>
-            <a:r>
-              <a:rPr lang="ko-KR" altLang="en-US" dirty="0"/>
-              <a:t>미만 </a:t>
-            </a:r>
-            <a:r>
-              <a:rPr lang="en-US" altLang="ko-KR" dirty="0"/>
-              <a:t>or 7 timesteps </a:t>
-            </a:r>
-            <a:r>
-              <a:rPr lang="ko-KR" altLang="en-US" dirty="0"/>
-              <a:t>이상 동일 신호 </a:t>
-            </a:r>
-            <a:r>
-              <a:rPr lang="ko-KR" altLang="en-US" dirty="0" err="1"/>
-              <a:t>유지시</a:t>
-            </a:r>
-            <a:r>
-              <a:rPr lang="ko-KR" altLang="en-US" dirty="0"/>
-              <a:t> 강력하게 부여 </a:t>
-            </a:r>
-            <a:r>
-              <a:rPr lang="en-US" altLang="ko-KR" dirty="0"/>
-              <a:t>(state </a:t>
-            </a:r>
-            <a:r>
-              <a:rPr lang="ko-KR" altLang="en-US" dirty="0"/>
-              <a:t>에 포함</a:t>
-            </a:r>
-            <a:r>
-              <a:rPr lang="en-US" altLang="ko-KR" dirty="0"/>
-              <a:t>)</a:t>
-            </a:r>
-          </a:p>
-          <a:p>
-            <a:pPr lvl="1"/>
-            <a:r>
-              <a:rPr lang="en-US" altLang="ko-KR" dirty="0"/>
-              <a:t>Action </a:t>
-            </a:r>
-            <a:r>
-              <a:rPr lang="ko-KR" altLang="en-US" dirty="0"/>
-              <a:t>구성이 만약 어렵다면 </a:t>
-            </a:r>
-            <a:r>
-              <a:rPr lang="en-US" altLang="ko-KR" dirty="0"/>
-              <a:t>20s</a:t>
-            </a:r>
-            <a:r>
-              <a:rPr lang="ko-KR" altLang="en-US" dirty="0"/>
-              <a:t>로 조정하고 </a:t>
-            </a:r>
-            <a:r>
-              <a:rPr lang="en-US" altLang="ko-KR" dirty="0"/>
-              <a:t>4</a:t>
-            </a:r>
-            <a:r>
-              <a:rPr lang="ko-KR" altLang="en-US" dirty="0"/>
-              <a:t>이상에서 </a:t>
-            </a:r>
-            <a:r>
-              <a:rPr lang="en-US" altLang="ko-KR" dirty="0"/>
-              <a:t>penalty </a:t>
-            </a:r>
-            <a:r>
-              <a:rPr lang="ko-KR" altLang="en-US" dirty="0"/>
-              <a:t>부여</a:t>
-            </a:r>
-            <a:endParaRPr lang="en-US" altLang="ko-KR" dirty="0"/>
-          </a:p>
-          <a:p>
-            <a:r>
-              <a:rPr lang="en-US" altLang="ko-KR" dirty="0"/>
-              <a:t> Reward</a:t>
-            </a:r>
-          </a:p>
-          <a:p>
-            <a:pPr lvl="1"/>
-            <a:r>
-              <a:rPr lang="en-US" altLang="ko-KR" dirty="0"/>
-              <a:t>Pressure based Reward system + CI(Critical Intersection)</a:t>
-            </a:r>
-            <a:r>
-              <a:rPr lang="ko-KR" altLang="en-US" dirty="0"/>
-              <a:t>에서 중요 흐름에 가점 부여</a:t>
-            </a:r>
-            <a:br>
-              <a:rPr lang="en-US" altLang="ko-KR" dirty="0"/>
-            </a:br>
-            <a:r>
-              <a:rPr lang="en-US" altLang="ko-KR" dirty="0">
-                <a:sym typeface="Wingdings" panose="05000000000000000000" pitchFamily="2" charset="2"/>
-              </a:rPr>
-              <a:t> </a:t>
-            </a:r>
-            <a:r>
-              <a:rPr lang="en-US" altLang="ko-KR" dirty="0"/>
-              <a:t>CI</a:t>
-            </a:r>
-            <a:r>
-              <a:rPr lang="ko-KR" altLang="en-US" dirty="0"/>
-              <a:t>에 가점을 주는 방식은 일반적인</a:t>
-            </a:r>
-            <a:r>
-              <a:rPr lang="en-US" altLang="ko-KR" dirty="0"/>
-              <a:t>, </a:t>
-            </a:r>
-            <a:r>
-              <a:rPr lang="ko-KR" altLang="en-US" dirty="0"/>
-              <a:t>통용할 수 있는 방식이 아니므로 배제 가능</a:t>
-            </a:r>
-            <a:endParaRPr lang="en-US" altLang="ko-KR" dirty="0"/>
-          </a:p>
-          <a:p>
-            <a:pPr lvl="1"/>
-            <a:r>
-              <a:rPr lang="ko-KR" altLang="en-US" dirty="0"/>
-              <a:t>모든 </a:t>
-            </a:r>
-            <a:r>
-              <a:rPr lang="en-US" altLang="ko-KR" dirty="0"/>
-              <a:t>outflow</a:t>
-            </a:r>
-            <a:r>
-              <a:rPr lang="ko-KR" altLang="en-US" dirty="0"/>
-              <a:t>에 </a:t>
-            </a:r>
-            <a:r>
-              <a:rPr lang="en-US" altLang="ko-KR" dirty="0"/>
-              <a:t>Reward</a:t>
-            </a:r>
-            <a:r>
-              <a:rPr lang="ko-KR" altLang="en-US" dirty="0"/>
-              <a:t>를 부여 </a:t>
-            </a:r>
-            <a:r>
-              <a:rPr lang="en-US" altLang="ko-KR" dirty="0"/>
-              <a:t>(</a:t>
-            </a:r>
-            <a:r>
-              <a:rPr lang="ko-KR" altLang="en-US" dirty="0"/>
-              <a:t>단</a:t>
-            </a:r>
-            <a:r>
-              <a:rPr lang="en-US" altLang="ko-KR" dirty="0"/>
-              <a:t>, </a:t>
-            </a:r>
-            <a:r>
-              <a:rPr lang="ko-KR" altLang="en-US" dirty="0"/>
-              <a:t>우회전이 있는 </a:t>
-            </a:r>
-            <a:r>
-              <a:rPr lang="en-US" altLang="ko-KR" dirty="0"/>
-              <a:t>lane</a:t>
-            </a:r>
-            <a:r>
-              <a:rPr lang="ko-KR" altLang="en-US" dirty="0"/>
-              <a:t>은 직진과 우회전 필요</a:t>
-            </a:r>
-            <a:r>
-              <a:rPr lang="en-US" altLang="ko-KR" dirty="0"/>
-              <a:t>) </a:t>
-            </a:r>
-            <a:r>
-              <a:rPr lang="en-US" altLang="ko-KR" dirty="0">
-                <a:sym typeface="Wingdings" panose="05000000000000000000" pitchFamily="2" charset="2"/>
-              </a:rPr>
-              <a:t> Real world</a:t>
-            </a:r>
-          </a:p>
-          <a:p>
-            <a:r>
-              <a:rPr lang="en-US" altLang="ko-KR" dirty="0">
-                <a:sym typeface="Wingdings" panose="05000000000000000000" pitchFamily="2" charset="2"/>
-              </a:rPr>
-              <a:t> State</a:t>
-            </a:r>
-          </a:p>
-          <a:p>
-            <a:pPr lvl="1"/>
-            <a:r>
-              <a:rPr lang="ko-KR" altLang="en-US" dirty="0">
-                <a:sym typeface="Wingdings" panose="05000000000000000000" pitchFamily="2" charset="2"/>
-              </a:rPr>
-              <a:t>기존 교차로에서의 </a:t>
-            </a:r>
-            <a:r>
-              <a:rPr lang="en-US" altLang="ko-KR" dirty="0">
-                <a:sym typeface="Wingdings" panose="05000000000000000000" pitchFamily="2" charset="2"/>
-              </a:rPr>
-              <a:t>max phase score</a:t>
-            </a:r>
-            <a:r>
-              <a:rPr lang="ko-KR" altLang="en-US" dirty="0">
-                <a:sym typeface="Wingdings" panose="05000000000000000000" pitchFamily="2" charset="2"/>
-              </a:rPr>
-              <a:t>를 </a:t>
-            </a:r>
-            <a:r>
-              <a:rPr lang="en-US" altLang="ko-KR" dirty="0">
-                <a:sym typeface="Wingdings" panose="05000000000000000000" pitchFamily="2" charset="2"/>
-              </a:rPr>
-              <a:t>CNN</a:t>
-            </a:r>
-            <a:r>
-              <a:rPr lang="ko-KR" altLang="en-US" dirty="0">
-                <a:sym typeface="Wingdings" panose="05000000000000000000" pitchFamily="2" charset="2"/>
-              </a:rPr>
-              <a:t>으로 부분 </a:t>
-            </a:r>
-            <a:r>
-              <a:rPr lang="en-US" altLang="ko-KR" dirty="0">
-                <a:sym typeface="Wingdings" panose="05000000000000000000" pitchFamily="2" charset="2"/>
-              </a:rPr>
-              <a:t>filtering</a:t>
-            </a:r>
-            <a:r>
-              <a:rPr lang="ko-KR" altLang="en-US" dirty="0">
-                <a:sym typeface="Wingdings" panose="05000000000000000000" pitchFamily="2" charset="2"/>
-              </a:rPr>
-              <a:t>하여 받음 </a:t>
-            </a:r>
-            <a:r>
-              <a:rPr lang="en-US" altLang="ko-KR" dirty="0">
-                <a:sym typeface="Wingdings" panose="05000000000000000000" pitchFamily="2" charset="2"/>
-              </a:rPr>
-              <a:t>(3x3,</a:t>
-            </a:r>
-            <a:r>
-              <a:rPr lang="ko-KR" altLang="en-US" dirty="0">
-                <a:sym typeface="Wingdings" panose="05000000000000000000" pitchFamily="2" charset="2"/>
-              </a:rPr>
-              <a:t> </a:t>
-            </a:r>
-            <a:r>
-              <a:rPr lang="en-US" altLang="ko-KR" dirty="0">
-                <a:sym typeface="Wingdings" panose="05000000000000000000" pitchFamily="2" charset="2"/>
-              </a:rPr>
-              <a:t>2</a:t>
-            </a:r>
-            <a:r>
-              <a:rPr lang="ko-KR" altLang="en-US" dirty="0">
-                <a:sym typeface="Wingdings" panose="05000000000000000000" pitchFamily="2" charset="2"/>
-              </a:rPr>
-              <a:t> </a:t>
-            </a:r>
-            <a:r>
-              <a:rPr lang="en-US" altLang="ko-KR" dirty="0">
-                <a:sym typeface="Wingdings" panose="05000000000000000000" pitchFamily="2" charset="2"/>
-              </a:rPr>
-              <a:t>layers5x5 </a:t>
-            </a:r>
-            <a:r>
-              <a:rPr lang="ko-KR" altLang="en-US" dirty="0">
-                <a:sym typeface="Wingdings" panose="05000000000000000000" pitchFamily="2" charset="2"/>
-              </a:rPr>
-              <a:t>연동</a:t>
-            </a:r>
-            <a:r>
-              <a:rPr lang="en-US" altLang="ko-KR" dirty="0">
-                <a:sym typeface="Wingdings" panose="05000000000000000000" pitchFamily="2" charset="2"/>
-              </a:rPr>
-              <a:t>)</a:t>
-            </a:r>
-            <a:br>
-              <a:rPr lang="en-US" altLang="ko-KR" dirty="0">
-                <a:sym typeface="Wingdings" panose="05000000000000000000" pitchFamily="2" charset="2"/>
-              </a:rPr>
-            </a:br>
-            <a:r>
-              <a:rPr lang="en-US" altLang="ko-KR" dirty="0">
-                <a:sym typeface="Wingdings" panose="05000000000000000000" pitchFamily="2" charset="2"/>
-              </a:rPr>
-              <a:t> </a:t>
-            </a:r>
-            <a:r>
-              <a:rPr lang="ko-KR" altLang="en-US" dirty="0">
-                <a:sym typeface="Wingdings" panose="05000000000000000000" pitchFamily="2" charset="2"/>
-              </a:rPr>
-              <a:t>모든 내용을 공유하는 것이 아닌 부분만 공유</a:t>
-            </a:r>
-            <a:br>
-              <a:rPr lang="en-US" altLang="ko-KR" dirty="0">
-                <a:sym typeface="Wingdings" panose="05000000000000000000" pitchFamily="2" charset="2"/>
-              </a:rPr>
-            </a:br>
-            <a:r>
-              <a:rPr lang="en-US" altLang="ko-KR" dirty="0">
-                <a:sym typeface="Wingdings" panose="05000000000000000000" pitchFamily="2" charset="2"/>
-              </a:rPr>
-              <a:t> </a:t>
-            </a:r>
-            <a:r>
-              <a:rPr lang="ko-KR" altLang="en-US" dirty="0">
-                <a:sym typeface="Wingdings" panose="05000000000000000000" pitchFamily="2" charset="2"/>
-              </a:rPr>
-              <a:t>단점 </a:t>
-            </a:r>
-            <a:r>
-              <a:rPr lang="en-US" altLang="ko-KR" dirty="0">
-                <a:sym typeface="Wingdings" panose="05000000000000000000" pitchFamily="2" charset="2"/>
-              </a:rPr>
-              <a:t>Manhattan </a:t>
-            </a:r>
-            <a:r>
-              <a:rPr lang="ko-KR" altLang="en-US" dirty="0">
-                <a:sym typeface="Wingdings" panose="05000000000000000000" pitchFamily="2" charset="2"/>
-              </a:rPr>
-              <a:t>처럼 직사각형인 경우만 유효한가</a:t>
-            </a:r>
-            <a:r>
-              <a:rPr lang="en-US" altLang="ko-KR" dirty="0">
-                <a:sym typeface="Wingdings" panose="05000000000000000000" pitchFamily="2" charset="2"/>
-              </a:rPr>
-              <a:t>?</a:t>
-            </a:r>
-            <a:r>
-              <a:rPr lang="ko-KR" altLang="en-US" dirty="0">
-                <a:sym typeface="Wingdings" panose="05000000000000000000" pitchFamily="2" charset="2"/>
-              </a:rPr>
-              <a:t> </a:t>
-            </a:r>
-            <a:r>
-              <a:rPr lang="en-US" altLang="ko-KR" dirty="0">
-                <a:sym typeface="Wingdings" panose="05000000000000000000" pitchFamily="2" charset="2"/>
-              </a:rPr>
-              <a:t>(</a:t>
-            </a:r>
-            <a:r>
-              <a:rPr lang="ko-KR" altLang="en-US" dirty="0">
-                <a:sym typeface="Wingdings" panose="05000000000000000000" pitchFamily="2" charset="2"/>
-              </a:rPr>
-              <a:t>실험에만 사용가능</a:t>
-            </a:r>
-            <a:r>
-              <a:rPr lang="en-US" altLang="ko-KR" dirty="0">
-                <a:sym typeface="Wingdings" panose="05000000000000000000" pitchFamily="2" charset="2"/>
-              </a:rPr>
-              <a:t>)</a:t>
-            </a:r>
-          </a:p>
-          <a:p>
-            <a:pPr lvl="1"/>
-            <a:r>
-              <a:rPr lang="ko-KR" altLang="en-US" dirty="0">
-                <a:sym typeface="Wingdings" panose="05000000000000000000" pitchFamily="2" charset="2"/>
-              </a:rPr>
-              <a:t>인접데이터를 교차로 내의 모든 데이터를 받음 </a:t>
-            </a:r>
-            <a:r>
-              <a:rPr lang="en-US" altLang="ko-KR" dirty="0">
-                <a:sym typeface="Wingdings" panose="05000000000000000000" pitchFamily="2" charset="2"/>
-              </a:rPr>
-              <a:t>zero padding based  </a:t>
-            </a:r>
-            <a:r>
-              <a:rPr lang="ko-KR" altLang="en-US" dirty="0">
-                <a:sym typeface="Wingdings" panose="05000000000000000000" pitchFamily="2" charset="2"/>
-              </a:rPr>
-              <a:t>속도만 오를 가능성 높음</a:t>
-            </a:r>
-            <a:endParaRPr lang="en-US" altLang="ko-KR" dirty="0">
-              <a:sym typeface="Wingdings" panose="05000000000000000000" pitchFamily="2" charset="2"/>
-            </a:endParaRPr>
-          </a:p>
-          <a:p>
-            <a:pPr lvl="1"/>
-            <a:r>
-              <a:rPr lang="en-US" altLang="ko-KR" dirty="0">
-                <a:sym typeface="Wingdings" panose="05000000000000000000" pitchFamily="2" charset="2"/>
-              </a:rPr>
-              <a:t>1</a:t>
-            </a:r>
-            <a:r>
-              <a:rPr lang="ko-KR" altLang="en-US" dirty="0">
-                <a:sym typeface="Wingdings" panose="05000000000000000000" pitchFamily="2" charset="2"/>
-              </a:rPr>
-              <a:t>차</a:t>
-            </a:r>
-            <a:r>
-              <a:rPr lang="en-US" altLang="ko-KR" dirty="0">
-                <a:sym typeface="Wingdings" panose="05000000000000000000" pitchFamily="2" charset="2"/>
-              </a:rPr>
-              <a:t>, 3</a:t>
-            </a:r>
-            <a:r>
-              <a:rPr lang="ko-KR" altLang="en-US" dirty="0">
-                <a:sym typeface="Wingdings" panose="05000000000000000000" pitchFamily="2" charset="2"/>
-              </a:rPr>
-              <a:t>차선에 </a:t>
-            </a:r>
-            <a:r>
-              <a:rPr lang="ko-KR" altLang="en-US" dirty="0" err="1">
-                <a:sym typeface="Wingdings" panose="05000000000000000000" pitchFamily="2" charset="2"/>
-              </a:rPr>
-              <a:t>직좌</a:t>
-            </a:r>
-            <a:r>
-              <a:rPr lang="en-US" altLang="ko-KR" dirty="0">
-                <a:sym typeface="Wingdings" panose="05000000000000000000" pitchFamily="2" charset="2"/>
-              </a:rPr>
-              <a:t>,</a:t>
-            </a:r>
-            <a:r>
-              <a:rPr lang="ko-KR" altLang="en-US" dirty="0">
-                <a:sym typeface="Wingdings" panose="05000000000000000000" pitchFamily="2" charset="2"/>
-              </a:rPr>
-              <a:t> </a:t>
-            </a:r>
-            <a:r>
-              <a:rPr lang="ko-KR" altLang="en-US" dirty="0" err="1">
-                <a:sym typeface="Wingdings" panose="05000000000000000000" pitchFamily="2" charset="2"/>
-              </a:rPr>
-              <a:t>직우</a:t>
-            </a:r>
-            <a:r>
-              <a:rPr lang="ko-KR" altLang="en-US" dirty="0">
-                <a:sym typeface="Wingdings" panose="05000000000000000000" pitchFamily="2" charset="2"/>
-              </a:rPr>
-              <a:t> 신호 포함 </a:t>
-            </a:r>
-            <a:r>
-              <a:rPr lang="en-US" altLang="ko-KR" dirty="0">
-                <a:sym typeface="Wingdings" panose="05000000000000000000" pitchFamily="2" charset="2"/>
-              </a:rPr>
-              <a:t>(</a:t>
-            </a:r>
-            <a:r>
-              <a:rPr lang="ko-KR" altLang="en-US" dirty="0">
-                <a:sym typeface="Wingdings" panose="05000000000000000000" pitchFamily="2" charset="2"/>
-              </a:rPr>
-              <a:t>우측은 항상 </a:t>
-            </a:r>
-            <a:r>
-              <a:rPr lang="en-US" altLang="ko-KR" dirty="0">
-                <a:sym typeface="Wingdings" panose="05000000000000000000" pitchFamily="2" charset="2"/>
-              </a:rPr>
-              <a:t>green)  </a:t>
-            </a:r>
-            <a:r>
-              <a:rPr lang="ko-KR" altLang="en-US" dirty="0">
-                <a:sym typeface="Wingdings" panose="05000000000000000000" pitchFamily="2" charset="2"/>
-              </a:rPr>
-              <a:t>현실성 높임</a:t>
-            </a:r>
-            <a:endParaRPr lang="en-US" altLang="ko-KR" dirty="0">
-              <a:sym typeface="Wingdings" panose="05000000000000000000" pitchFamily="2" charset="2"/>
-            </a:endParaRPr>
-          </a:p>
-        </p:txBody>
-      </p:sp>
-    </p:spTree>
-    <p:extLst>
-      <p:ext uri="{BB962C8B-B14F-4D97-AF65-F5344CB8AC3E}">
-        <p14:creationId xmlns:p14="http://schemas.microsoft.com/office/powerpoint/2010/main" val="2887258193"/>
-      </p:ext>
-    </p:extLst>
-  </p:cSld>
-  <p:clrMapOvr>
-    <a:masterClrMapping/>
-  </p:clrMapOvr>
-</p:sld>
-</file>
-
 <file path=ppt/slides/slide35.xml><?xml version="1.0" encoding="utf-8"?>
 <p:sld xmlns:a="http://schemas.openxmlformats.org/drawingml/2006/main" xmlns:r="http://schemas.openxmlformats.org/officeDocument/2006/relationships" xmlns:p="http://schemas.openxmlformats.org/presentationml/2006/main">
   <p:cSld>
@@ -17042,6 +17117,1049 @@
       </p:grpSpPr>
       <p:sp>
         <p:nvSpPr>
+          <p:cNvPr id="2" name="제목 1"/>
+          <p:cNvSpPr>
+            <a:spLocks noGrp="1"/>
+          </p:cNvSpPr>
+          <p:nvPr>
+            <p:ph type="title"/>
+          </p:nvPr>
+        </p:nvSpPr>
+        <p:spPr/>
+        <p:txBody>
+          <a:bodyPr/>
+          <a:lstStyle/>
+          <a:p>
+            <a:r>
+              <a:rPr lang="en-US" altLang="ko-KR" dirty="0"/>
+              <a:t>Training </a:t>
+            </a:r>
+            <a:r>
+              <a:rPr lang="ko-KR" altLang="en-US" dirty="0"/>
+              <a:t>구성 방식 제안</a:t>
+            </a:r>
+            <a:r>
+              <a:rPr lang="en-US" altLang="ko-KR" dirty="0"/>
+              <a:t>(DQN</a:t>
+            </a:r>
+            <a:r>
+              <a:rPr lang="ko-KR" altLang="en-US" dirty="0"/>
+              <a:t> 적용시</a:t>
+            </a:r>
+            <a:r>
+              <a:rPr lang="en-US" altLang="ko-KR" dirty="0"/>
+              <a:t>)</a:t>
+            </a:r>
+            <a:endParaRPr lang="ko-KR" altLang="en-US" dirty="0"/>
+          </a:p>
+        </p:txBody>
+      </p:sp>
+      <p:sp>
+        <p:nvSpPr>
+          <p:cNvPr id="3" name="내용 개체 틀 2"/>
+          <p:cNvSpPr>
+            <a:spLocks noGrp="1"/>
+          </p:cNvSpPr>
+          <p:nvPr>
+            <p:ph idx="1"/>
+          </p:nvPr>
+        </p:nvSpPr>
+        <p:spPr/>
+        <p:txBody>
+          <a:bodyPr>
+            <a:normAutofit/>
+          </a:bodyPr>
+          <a:lstStyle/>
+          <a:p>
+            <a:pPr>
+              <a:lnSpc>
+                <a:spcPct val="120000"/>
+              </a:lnSpc>
+            </a:pPr>
+            <a:r>
+              <a:rPr lang="ko-KR" altLang="en-US" dirty="0"/>
+              <a:t>  </a:t>
+            </a:r>
+            <a:r>
+              <a:rPr lang="en-US" altLang="ko-KR" dirty="0"/>
+              <a:t>Replay Save Time</a:t>
+            </a:r>
+          </a:p>
+          <a:p>
+            <a:pPr lvl="1">
+              <a:lnSpc>
+                <a:spcPct val="120000"/>
+              </a:lnSpc>
+            </a:pPr>
+            <a:r>
+              <a:rPr lang="ko-KR" altLang="en-US" dirty="0"/>
+              <a:t>매 </a:t>
+            </a:r>
+            <a:r>
+              <a:rPr lang="en-US" altLang="ko-KR" dirty="0"/>
+              <a:t>epoch</a:t>
+            </a:r>
+            <a:r>
+              <a:rPr lang="ko-KR" altLang="en-US" dirty="0"/>
+              <a:t>당 </a:t>
+            </a:r>
+            <a:r>
+              <a:rPr lang="en-US" altLang="ko-KR" dirty="0"/>
+              <a:t>Replay</a:t>
+            </a:r>
+            <a:r>
+              <a:rPr lang="ko-KR" altLang="en-US" dirty="0"/>
+              <a:t> </a:t>
+            </a:r>
+            <a:r>
+              <a:rPr lang="en-US" altLang="ko-KR" dirty="0"/>
+              <a:t>save Time</a:t>
+            </a:r>
+            <a:r>
+              <a:rPr lang="ko-KR" altLang="en-US" dirty="0"/>
+              <a:t>을 뒤로 이동</a:t>
+            </a:r>
+            <a:br>
+              <a:rPr lang="en-US" altLang="ko-KR" dirty="0"/>
+            </a:br>
+            <a:r>
+              <a:rPr lang="en-US" altLang="ko-KR" dirty="0"/>
+              <a:t>- </a:t>
+            </a:r>
+            <a:r>
+              <a:rPr lang="ko-KR" altLang="en-US" dirty="0"/>
+              <a:t>現</a:t>
+            </a:r>
+            <a:r>
+              <a:rPr lang="en-US" altLang="ko-KR" dirty="0"/>
+              <a:t>: </a:t>
+            </a:r>
+            <a:r>
+              <a:rPr lang="ko-KR" altLang="en-US" dirty="0"/>
+              <a:t>시작과 동시에 바로 진행 </a:t>
+            </a:r>
+            <a:r>
+              <a:rPr lang="en-US" altLang="ko-KR" dirty="0"/>
+              <a:t>(replay</a:t>
+            </a:r>
+            <a:r>
+              <a:rPr lang="ko-KR" altLang="en-US" dirty="0"/>
+              <a:t>는 </a:t>
+            </a:r>
+            <a:r>
+              <a:rPr lang="en-US" altLang="ko-KR" dirty="0"/>
+              <a:t>1 time step</a:t>
+            </a:r>
+            <a:r>
+              <a:rPr lang="ko-KR" altLang="en-US" dirty="0"/>
+              <a:t>마다 저장</a:t>
+            </a:r>
+            <a:r>
+              <a:rPr lang="en-US" altLang="ko-KR" dirty="0"/>
+              <a:t>)</a:t>
+            </a:r>
+            <a:br>
+              <a:rPr lang="en-US" altLang="ko-KR" dirty="0"/>
+            </a:br>
+            <a:r>
+              <a:rPr lang="en-US" altLang="ko-KR" dirty="0">
+                <a:sym typeface="Wingdings" panose="05000000000000000000" pitchFamily="2" charset="2"/>
+              </a:rPr>
+              <a:t> </a:t>
+            </a:r>
+            <a:r>
+              <a:rPr lang="ko-KR" altLang="en-US" dirty="0">
+                <a:sym typeface="Wingdings" panose="05000000000000000000" pitchFamily="2" charset="2"/>
+              </a:rPr>
+              <a:t>모든 차량이 교차로 내에서 대기할 수 있는 시점인 </a:t>
+            </a:r>
+            <a:r>
+              <a:rPr lang="en-US" altLang="ko-KR" dirty="0">
+                <a:sym typeface="Wingdings" panose="05000000000000000000" pitchFamily="2" charset="2"/>
+              </a:rPr>
+              <a:t>3 timestep </a:t>
+            </a:r>
+            <a:r>
+              <a:rPr lang="ko-KR" altLang="en-US" dirty="0">
+                <a:sym typeface="Wingdings" panose="05000000000000000000" pitchFamily="2" charset="2"/>
+              </a:rPr>
+              <a:t>이상으로 조정</a:t>
+            </a:r>
+            <a:endParaRPr lang="en-US" altLang="ko-KR" dirty="0"/>
+          </a:p>
+          <a:p>
+            <a:pPr>
+              <a:lnSpc>
+                <a:spcPct val="120000"/>
+              </a:lnSpc>
+            </a:pPr>
+            <a:r>
+              <a:rPr lang="en-US" altLang="ko-KR" dirty="0"/>
+              <a:t> Target Update</a:t>
+            </a:r>
+          </a:p>
+          <a:p>
+            <a:pPr lvl="1">
+              <a:lnSpc>
+                <a:spcPct val="120000"/>
+              </a:lnSpc>
+            </a:pPr>
+            <a:r>
+              <a:rPr lang="en-US" altLang="ko-KR" dirty="0"/>
+              <a:t>Learning Start Epoch </a:t>
+            </a:r>
+            <a:r>
+              <a:rPr lang="ko-KR" altLang="en-US" dirty="0"/>
+              <a:t>지정 </a:t>
+            </a:r>
+            <a:r>
+              <a:rPr lang="en-US" altLang="ko-KR" dirty="0"/>
+              <a:t>(</a:t>
+            </a:r>
+            <a:r>
+              <a:rPr lang="ko-KR" altLang="en-US" dirty="0"/>
+              <a:t>현재 </a:t>
+            </a:r>
+            <a:r>
+              <a:rPr lang="en-US" altLang="ko-KR" dirty="0"/>
+              <a:t>90states/epoch</a:t>
+            </a:r>
+            <a:r>
+              <a:rPr lang="ko-KR" altLang="en-US" dirty="0"/>
+              <a:t>가 </a:t>
+            </a:r>
+            <a:r>
+              <a:rPr lang="en-US" altLang="ko-KR" dirty="0"/>
+              <a:t>replay</a:t>
+            </a:r>
+            <a:r>
+              <a:rPr lang="ko-KR" altLang="en-US" dirty="0"/>
+              <a:t>에 저장</a:t>
+            </a:r>
+            <a:r>
+              <a:rPr lang="en-US" altLang="ko-KR" dirty="0"/>
+              <a:t>) </a:t>
+            </a:r>
+            <a:br>
+              <a:rPr lang="en-US" altLang="ko-KR" dirty="0"/>
+            </a:br>
+            <a:r>
+              <a:rPr lang="ko-KR" altLang="en-US" dirty="0"/>
+              <a:t>現 </a:t>
+            </a:r>
+            <a:r>
+              <a:rPr lang="en-US" altLang="ko-KR" dirty="0"/>
+              <a:t>replay: 40states</a:t>
+            </a:r>
+            <a:r>
+              <a:rPr lang="ko-KR" altLang="en-US" dirty="0"/>
+              <a:t>가 저장됐을 때부터 </a:t>
+            </a:r>
+            <a:r>
+              <a:rPr lang="en-US" altLang="ko-KR" dirty="0"/>
+              <a:t>target update </a:t>
+            </a:r>
+            <a:r>
+              <a:rPr lang="en-US" altLang="ko-KR" dirty="0">
+                <a:sym typeface="Wingdings" panose="05000000000000000000" pitchFamily="2" charset="2"/>
+              </a:rPr>
+              <a:t> </a:t>
+            </a:r>
+            <a:r>
+              <a:rPr lang="ko-KR" altLang="en-US" dirty="0">
+                <a:sym typeface="Wingdings" panose="05000000000000000000" pitchFamily="2" charset="2"/>
+              </a:rPr>
+              <a:t>초반 학습의 </a:t>
+            </a:r>
+            <a:r>
+              <a:rPr lang="en-US" altLang="ko-KR" dirty="0">
+                <a:sym typeface="Wingdings" panose="05000000000000000000" pitchFamily="2" charset="2"/>
+              </a:rPr>
+              <a:t>Correlation </a:t>
+            </a:r>
+            <a:r>
+              <a:rPr lang="ko-KR" altLang="en-US" dirty="0">
+                <a:sym typeface="Wingdings" panose="05000000000000000000" pitchFamily="2" charset="2"/>
+              </a:rPr>
+              <a:t>높음</a:t>
+            </a:r>
+            <a:endParaRPr lang="en-US" altLang="ko-KR" dirty="0">
+              <a:sym typeface="Wingdings" panose="05000000000000000000" pitchFamily="2" charset="2"/>
+            </a:endParaRPr>
+          </a:p>
+          <a:p>
+            <a:pPr lvl="1">
+              <a:lnSpc>
+                <a:spcPct val="120000"/>
+              </a:lnSpc>
+            </a:pPr>
+            <a:r>
+              <a:rPr lang="en-US" altLang="ko-KR" dirty="0">
+                <a:sym typeface="Wingdings" panose="05000000000000000000" pitchFamily="2" charset="2"/>
+              </a:rPr>
+              <a:t> Learning Start </a:t>
+            </a:r>
+            <a:r>
+              <a:rPr lang="ko-KR" altLang="en-US" dirty="0">
+                <a:sym typeface="Wingdings" panose="05000000000000000000" pitchFamily="2" charset="2"/>
+              </a:rPr>
+              <a:t>하는</a:t>
+            </a:r>
+            <a:r>
+              <a:rPr lang="en-US" altLang="ko-KR" dirty="0">
+                <a:sym typeface="Wingdings" panose="05000000000000000000" pitchFamily="2" charset="2"/>
+              </a:rPr>
+              <a:t> Epoch</a:t>
+            </a:r>
+            <a:r>
+              <a:rPr lang="ko-KR" altLang="en-US" dirty="0">
+                <a:sym typeface="Wingdings" panose="05000000000000000000" pitchFamily="2" charset="2"/>
+              </a:rPr>
+              <a:t>를</a:t>
+            </a:r>
+            <a:r>
+              <a:rPr lang="en-US" altLang="ko-KR" dirty="0">
+                <a:sym typeface="Wingdings" panose="05000000000000000000" pitchFamily="2" charset="2"/>
+              </a:rPr>
+              <a:t> 4</a:t>
+            </a:r>
+            <a:r>
+              <a:rPr lang="ko-KR" altLang="en-US" dirty="0">
+                <a:sym typeface="Wingdings" panose="05000000000000000000" pitchFamily="2" charset="2"/>
+              </a:rPr>
+              <a:t>이상 </a:t>
+            </a:r>
+            <a:r>
+              <a:rPr lang="en-US" altLang="ko-KR" dirty="0">
+                <a:sym typeface="Wingdings" panose="05000000000000000000" pitchFamily="2" charset="2"/>
+              </a:rPr>
+              <a:t>(360</a:t>
+            </a:r>
+            <a:r>
+              <a:rPr lang="ko-KR" altLang="en-US" dirty="0">
+                <a:sym typeface="Wingdings" panose="05000000000000000000" pitchFamily="2" charset="2"/>
+              </a:rPr>
+              <a:t> 개의 </a:t>
+            </a:r>
+            <a:r>
+              <a:rPr lang="en-US" altLang="ko-KR" dirty="0">
+                <a:sym typeface="Wingdings" panose="05000000000000000000" pitchFamily="2" charset="2"/>
+              </a:rPr>
+              <a:t>data </a:t>
+            </a:r>
+            <a:r>
+              <a:rPr lang="ko-KR" altLang="en-US" dirty="0">
+                <a:sym typeface="Wingdings" panose="05000000000000000000" pitchFamily="2" charset="2"/>
+              </a:rPr>
+              <a:t>기반 </a:t>
+            </a:r>
+            <a:r>
+              <a:rPr lang="en-US" altLang="ko-KR" dirty="0">
+                <a:sym typeface="Wingdings" panose="05000000000000000000" pitchFamily="2" charset="2"/>
+              </a:rPr>
+              <a:t>random sampling target update)</a:t>
+            </a:r>
+          </a:p>
+          <a:p>
+            <a:pPr lvl="1">
+              <a:lnSpc>
+                <a:spcPct val="120000"/>
+              </a:lnSpc>
+            </a:pPr>
+            <a:r>
+              <a:rPr lang="en-US" altLang="ko-KR" dirty="0">
+                <a:sym typeface="Wingdings" panose="05000000000000000000" pitchFamily="2" charset="2"/>
+              </a:rPr>
+              <a:t>Epoch </a:t>
+            </a:r>
+            <a:r>
+              <a:rPr lang="ko-KR" altLang="en-US" dirty="0">
+                <a:sym typeface="Wingdings" panose="05000000000000000000" pitchFamily="2" charset="2"/>
+              </a:rPr>
+              <a:t>길이를 길게 </a:t>
+            </a:r>
+            <a:r>
+              <a:rPr lang="en-US" altLang="ko-KR" dirty="0">
+                <a:sym typeface="Wingdings" panose="05000000000000000000" pitchFamily="2" charset="2"/>
+              </a:rPr>
+              <a:t>(</a:t>
+            </a:r>
+            <a:r>
+              <a:rPr lang="ko-KR" altLang="en-US" dirty="0">
+                <a:sym typeface="Wingdings" panose="05000000000000000000" pitchFamily="2" charset="2"/>
+              </a:rPr>
+              <a:t>現</a:t>
+            </a:r>
+            <a:r>
+              <a:rPr lang="en-US" altLang="ko-KR" dirty="0">
+                <a:sym typeface="Wingdings" panose="05000000000000000000" pitchFamily="2" charset="2"/>
+              </a:rPr>
+              <a:t>:10000s/epoch -&gt; 27000s/epoch</a:t>
+            </a:r>
+            <a:r>
+              <a:rPr lang="ko-KR" altLang="en-US" dirty="0">
+                <a:sym typeface="Wingdings" panose="05000000000000000000" pitchFamily="2" charset="2"/>
+              </a:rPr>
+              <a:t>이상</a:t>
+            </a:r>
+            <a:r>
+              <a:rPr lang="en-US" altLang="ko-KR" dirty="0">
+                <a:sym typeface="Wingdings" panose="05000000000000000000" pitchFamily="2" charset="2"/>
+              </a:rPr>
+              <a:t>)</a:t>
+            </a:r>
+          </a:p>
+          <a:p>
+            <a:pPr lvl="1">
+              <a:lnSpc>
+                <a:spcPct val="120000"/>
+              </a:lnSpc>
+            </a:pPr>
+            <a:r>
+              <a:rPr lang="en-US" altLang="ko-KR" dirty="0">
+                <a:sym typeface="Wingdings" panose="05000000000000000000" pitchFamily="2" charset="2"/>
+              </a:rPr>
+              <a:t>Soft target update</a:t>
+            </a:r>
+            <a:r>
+              <a:rPr lang="ko-KR" altLang="en-US" dirty="0">
+                <a:sym typeface="Wingdings" panose="05000000000000000000" pitchFamily="2" charset="2"/>
+              </a:rPr>
+              <a:t>로 변경</a:t>
+            </a:r>
+            <a:endParaRPr lang="en-US" altLang="ko-KR" dirty="0">
+              <a:sym typeface="Wingdings" panose="05000000000000000000" pitchFamily="2" charset="2"/>
+            </a:endParaRPr>
+          </a:p>
+        </p:txBody>
+      </p:sp>
+    </p:spTree>
+    <p:extLst>
+      <p:ext uri="{BB962C8B-B14F-4D97-AF65-F5344CB8AC3E}">
+        <p14:creationId xmlns:p14="http://schemas.microsoft.com/office/powerpoint/2010/main" val="1873075976"/>
+      </p:ext>
+    </p:extLst>
+  </p:cSld>
+  <p:clrMapOvr>
+    <a:masterClrMapping/>
+  </p:clrMapOvr>
+</p:sld>
+</file>
+
+<file path=ppt/slides/slide36.xml><?xml version="1.0" encoding="utf-8"?>
+<p:sld xmlns:a="http://schemas.openxmlformats.org/drawingml/2006/main" xmlns:r="http://schemas.openxmlformats.org/officeDocument/2006/relationships" xmlns:p="http://schemas.openxmlformats.org/presentationml/2006/main">
+  <p:cSld>
+    <p:spTree>
+      <p:nvGrpSpPr>
+        <p:cNvPr id="1" name=""/>
+        <p:cNvGrpSpPr/>
+        <p:nvPr/>
+      </p:nvGrpSpPr>
+      <p:grpSpPr>
+        <a:xfrm>
+          <a:off x="0" y="0"/>
+          <a:ext cx="0" cy="0"/>
+          <a:chOff x="0" y="0"/>
+          <a:chExt cx="0" cy="0"/>
+        </a:xfrm>
+      </p:grpSpPr>
+      <p:sp>
+        <p:nvSpPr>
+          <p:cNvPr id="2" name="제목 1">
+            <a:extLst>
+              <a:ext uri="{FF2B5EF4-FFF2-40B4-BE49-F238E27FC236}">
+                <a16:creationId xmlns:a16="http://schemas.microsoft.com/office/drawing/2014/main" id="{06C8CBDF-A478-4E5A-BDC9-ACC6B12AF1DD}"/>
+              </a:ext>
+            </a:extLst>
+          </p:cNvPr>
+          <p:cNvSpPr>
+            <a:spLocks noGrp="1"/>
+          </p:cNvSpPr>
+          <p:nvPr>
+            <p:ph type="title"/>
+          </p:nvPr>
+        </p:nvSpPr>
+        <p:spPr/>
+        <p:txBody>
+          <a:bodyPr/>
+          <a:lstStyle/>
+          <a:p>
+            <a:r>
+              <a:rPr lang="en-US" altLang="ko-KR" dirty="0"/>
+              <a:t>Training </a:t>
+            </a:r>
+            <a:r>
+              <a:rPr lang="ko-KR" altLang="en-US" dirty="0"/>
+              <a:t>구성 방식 제안</a:t>
+            </a:r>
+            <a:r>
+              <a:rPr lang="en-US" altLang="ko-KR" dirty="0"/>
+              <a:t>(</a:t>
+            </a:r>
+            <a:r>
+              <a:rPr lang="ko-KR" altLang="en-US" dirty="0"/>
+              <a:t>종합</a:t>
+            </a:r>
+            <a:r>
+              <a:rPr lang="en-US" altLang="ko-KR" dirty="0"/>
+              <a:t>)</a:t>
+            </a:r>
+            <a:endParaRPr lang="ko-KR" altLang="en-US" dirty="0"/>
+          </a:p>
+        </p:txBody>
+      </p:sp>
+      <p:sp>
+        <p:nvSpPr>
+          <p:cNvPr id="3" name="내용 개체 틀 2">
+            <a:extLst>
+              <a:ext uri="{FF2B5EF4-FFF2-40B4-BE49-F238E27FC236}">
+                <a16:creationId xmlns:a16="http://schemas.microsoft.com/office/drawing/2014/main" id="{270DB4C4-0E68-447D-9AA4-42DA96EC8106}"/>
+              </a:ext>
+            </a:extLst>
+          </p:cNvPr>
+          <p:cNvSpPr>
+            <a:spLocks noGrp="1"/>
+          </p:cNvSpPr>
+          <p:nvPr>
+            <p:ph idx="1"/>
+          </p:nvPr>
+        </p:nvSpPr>
+        <p:spPr>
+          <a:xfrm>
+            <a:off x="1097280" y="1812177"/>
+            <a:ext cx="10058400" cy="4630568"/>
+          </a:xfrm>
+        </p:spPr>
+        <p:txBody>
+          <a:bodyPr>
+            <a:normAutofit/>
+          </a:bodyPr>
+          <a:lstStyle/>
+          <a:p>
+            <a:r>
+              <a:rPr lang="en-US" altLang="ko-KR" dirty="0"/>
+              <a:t> Action</a:t>
+            </a:r>
+          </a:p>
+          <a:p>
+            <a:pPr lvl="1"/>
+            <a:r>
+              <a:rPr lang="en-US" altLang="ko-KR" dirty="0"/>
+              <a:t>10s/time step</a:t>
+            </a:r>
+            <a:r>
+              <a:rPr lang="ko-KR" altLang="en-US" dirty="0"/>
+              <a:t>으로 조정 </a:t>
+            </a:r>
+            <a:r>
+              <a:rPr lang="en-US" altLang="ko-KR" dirty="0"/>
+              <a:t>(</a:t>
+            </a:r>
+            <a:r>
+              <a:rPr lang="en-US" altLang="ko-KR" dirty="0" err="1"/>
+              <a:t>MPLight</a:t>
+            </a:r>
+            <a:r>
+              <a:rPr lang="en-US" altLang="ko-KR" dirty="0"/>
+              <a:t>)</a:t>
+            </a:r>
+          </a:p>
+          <a:p>
+            <a:pPr lvl="1"/>
+            <a:r>
+              <a:rPr lang="en-US" altLang="ko-KR" dirty="0"/>
+              <a:t>Penalty</a:t>
+            </a:r>
+            <a:r>
+              <a:rPr lang="ko-KR" altLang="en-US" dirty="0"/>
+              <a:t>를 </a:t>
+            </a:r>
+            <a:r>
+              <a:rPr lang="en-US" altLang="ko-KR" dirty="0"/>
+              <a:t>2 timesteps </a:t>
+            </a:r>
+            <a:r>
+              <a:rPr lang="ko-KR" altLang="en-US" dirty="0"/>
+              <a:t>미만 </a:t>
+            </a:r>
+            <a:r>
+              <a:rPr lang="en-US" altLang="ko-KR" dirty="0"/>
+              <a:t>or 7 timesteps </a:t>
+            </a:r>
+            <a:r>
+              <a:rPr lang="ko-KR" altLang="en-US" dirty="0"/>
+              <a:t>이상 동일 신호 </a:t>
+            </a:r>
+            <a:r>
+              <a:rPr lang="ko-KR" altLang="en-US" dirty="0" err="1"/>
+              <a:t>유지시</a:t>
+            </a:r>
+            <a:r>
+              <a:rPr lang="ko-KR" altLang="en-US" dirty="0"/>
+              <a:t> 강력하게 부여 </a:t>
+            </a:r>
+            <a:r>
+              <a:rPr lang="en-US" altLang="ko-KR" dirty="0"/>
+              <a:t>(state </a:t>
+            </a:r>
+            <a:r>
+              <a:rPr lang="ko-KR" altLang="en-US" dirty="0"/>
+              <a:t>에 포함</a:t>
+            </a:r>
+            <a:r>
+              <a:rPr lang="en-US" altLang="ko-KR" dirty="0"/>
+              <a:t>)</a:t>
+            </a:r>
+          </a:p>
+          <a:p>
+            <a:pPr lvl="1"/>
+            <a:r>
+              <a:rPr lang="en-US" altLang="ko-KR" dirty="0"/>
+              <a:t>Action </a:t>
+            </a:r>
+            <a:r>
+              <a:rPr lang="ko-KR" altLang="en-US" dirty="0"/>
+              <a:t>구성이 만약 어렵다면 </a:t>
+            </a:r>
+            <a:r>
+              <a:rPr lang="en-US" altLang="ko-KR" dirty="0"/>
+              <a:t>20s</a:t>
+            </a:r>
+            <a:r>
+              <a:rPr lang="ko-KR" altLang="en-US" dirty="0"/>
+              <a:t>로 조정하고 </a:t>
+            </a:r>
+            <a:r>
+              <a:rPr lang="en-US" altLang="ko-KR" dirty="0"/>
+              <a:t>4</a:t>
+            </a:r>
+            <a:r>
+              <a:rPr lang="ko-KR" altLang="en-US" dirty="0"/>
+              <a:t>이상에서 </a:t>
+            </a:r>
+            <a:r>
+              <a:rPr lang="en-US" altLang="ko-KR" dirty="0"/>
+              <a:t>penalty </a:t>
+            </a:r>
+            <a:r>
+              <a:rPr lang="ko-KR" altLang="en-US" dirty="0"/>
+              <a:t>부여</a:t>
+            </a:r>
+            <a:endParaRPr lang="en-US" altLang="ko-KR" dirty="0"/>
+          </a:p>
+          <a:p>
+            <a:r>
+              <a:rPr lang="en-US" altLang="ko-KR" dirty="0"/>
+              <a:t> Reward</a:t>
+            </a:r>
+          </a:p>
+          <a:p>
+            <a:pPr lvl="1"/>
+            <a:r>
+              <a:rPr lang="en-US" altLang="ko-KR" dirty="0"/>
+              <a:t>Pressure based Reward system + CI(Critical Intersection)</a:t>
+            </a:r>
+            <a:r>
+              <a:rPr lang="ko-KR" altLang="en-US" dirty="0"/>
+              <a:t>에서 중요 흐름에 가점 부여</a:t>
+            </a:r>
+            <a:br>
+              <a:rPr lang="en-US" altLang="ko-KR" dirty="0"/>
+            </a:br>
+            <a:r>
+              <a:rPr lang="en-US" altLang="ko-KR" dirty="0">
+                <a:sym typeface="Wingdings" panose="05000000000000000000" pitchFamily="2" charset="2"/>
+              </a:rPr>
+              <a:t> </a:t>
+            </a:r>
+            <a:r>
+              <a:rPr lang="en-US" altLang="ko-KR" dirty="0"/>
+              <a:t>CI</a:t>
+            </a:r>
+            <a:r>
+              <a:rPr lang="ko-KR" altLang="en-US" dirty="0"/>
+              <a:t>에 가점을 주는 방식은 일반적인</a:t>
+            </a:r>
+            <a:r>
+              <a:rPr lang="en-US" altLang="ko-KR" dirty="0"/>
+              <a:t>, </a:t>
+            </a:r>
+            <a:r>
+              <a:rPr lang="ko-KR" altLang="en-US" dirty="0"/>
+              <a:t>통용할 수 있는 방식이 아니므로 배제 가능</a:t>
+            </a:r>
+            <a:endParaRPr lang="en-US" altLang="ko-KR" dirty="0"/>
+          </a:p>
+          <a:p>
+            <a:pPr lvl="1"/>
+            <a:r>
+              <a:rPr lang="ko-KR" altLang="en-US" dirty="0"/>
+              <a:t>모든 </a:t>
+            </a:r>
+            <a:r>
+              <a:rPr lang="en-US" altLang="ko-KR" dirty="0"/>
+              <a:t>outflow</a:t>
+            </a:r>
+            <a:r>
+              <a:rPr lang="ko-KR" altLang="en-US" dirty="0"/>
+              <a:t>에 </a:t>
+            </a:r>
+            <a:r>
+              <a:rPr lang="en-US" altLang="ko-KR" dirty="0"/>
+              <a:t>Reward</a:t>
+            </a:r>
+            <a:r>
+              <a:rPr lang="ko-KR" altLang="en-US" dirty="0"/>
+              <a:t>를 부여 </a:t>
+            </a:r>
+            <a:r>
+              <a:rPr lang="en-US" altLang="ko-KR" dirty="0"/>
+              <a:t>(</a:t>
+            </a:r>
+            <a:r>
+              <a:rPr lang="ko-KR" altLang="en-US" dirty="0"/>
+              <a:t>단</a:t>
+            </a:r>
+            <a:r>
+              <a:rPr lang="en-US" altLang="ko-KR" dirty="0"/>
+              <a:t>, </a:t>
+            </a:r>
+            <a:r>
+              <a:rPr lang="ko-KR" altLang="en-US" dirty="0"/>
+              <a:t>우회전이 있는 </a:t>
+            </a:r>
+            <a:r>
+              <a:rPr lang="en-US" altLang="ko-KR" dirty="0"/>
+              <a:t>lane</a:t>
+            </a:r>
+            <a:r>
+              <a:rPr lang="ko-KR" altLang="en-US" dirty="0"/>
+              <a:t>은 직진과 우회전 필요</a:t>
+            </a:r>
+            <a:r>
+              <a:rPr lang="en-US" altLang="ko-KR" dirty="0"/>
+              <a:t>) </a:t>
+            </a:r>
+            <a:r>
+              <a:rPr lang="en-US" altLang="ko-KR" dirty="0">
+                <a:sym typeface="Wingdings" panose="05000000000000000000" pitchFamily="2" charset="2"/>
+              </a:rPr>
+              <a:t> Real world</a:t>
+            </a:r>
+          </a:p>
+          <a:p>
+            <a:r>
+              <a:rPr lang="en-US" altLang="ko-KR" dirty="0">
+                <a:sym typeface="Wingdings" panose="05000000000000000000" pitchFamily="2" charset="2"/>
+              </a:rPr>
+              <a:t> State</a:t>
+            </a:r>
+          </a:p>
+          <a:p>
+            <a:pPr lvl="1"/>
+            <a:r>
+              <a:rPr lang="ko-KR" altLang="en-US" dirty="0">
+                <a:sym typeface="Wingdings" panose="05000000000000000000" pitchFamily="2" charset="2"/>
+              </a:rPr>
+              <a:t>기존 교차로에서의 </a:t>
+            </a:r>
+            <a:r>
+              <a:rPr lang="en-US" altLang="ko-KR" dirty="0">
+                <a:sym typeface="Wingdings" panose="05000000000000000000" pitchFamily="2" charset="2"/>
+              </a:rPr>
+              <a:t>max phase score</a:t>
+            </a:r>
+            <a:r>
+              <a:rPr lang="ko-KR" altLang="en-US" dirty="0">
+                <a:sym typeface="Wingdings" panose="05000000000000000000" pitchFamily="2" charset="2"/>
+              </a:rPr>
+              <a:t>를 </a:t>
+            </a:r>
+            <a:r>
+              <a:rPr lang="en-US" altLang="ko-KR" dirty="0">
+                <a:sym typeface="Wingdings" panose="05000000000000000000" pitchFamily="2" charset="2"/>
+              </a:rPr>
+              <a:t>CNN</a:t>
+            </a:r>
+            <a:r>
+              <a:rPr lang="ko-KR" altLang="en-US" dirty="0">
+                <a:sym typeface="Wingdings" panose="05000000000000000000" pitchFamily="2" charset="2"/>
+              </a:rPr>
+              <a:t>으로 부분 </a:t>
+            </a:r>
+            <a:r>
+              <a:rPr lang="en-US" altLang="ko-KR" dirty="0">
+                <a:sym typeface="Wingdings" panose="05000000000000000000" pitchFamily="2" charset="2"/>
+              </a:rPr>
+              <a:t>filtering</a:t>
+            </a:r>
+            <a:r>
+              <a:rPr lang="ko-KR" altLang="en-US" dirty="0">
+                <a:sym typeface="Wingdings" panose="05000000000000000000" pitchFamily="2" charset="2"/>
+              </a:rPr>
+              <a:t>하여 받음 </a:t>
+            </a:r>
+            <a:r>
+              <a:rPr lang="en-US" altLang="ko-KR" dirty="0">
+                <a:sym typeface="Wingdings" panose="05000000000000000000" pitchFamily="2" charset="2"/>
+              </a:rPr>
+              <a:t>(3x3,</a:t>
+            </a:r>
+            <a:r>
+              <a:rPr lang="ko-KR" altLang="en-US" dirty="0">
+                <a:sym typeface="Wingdings" panose="05000000000000000000" pitchFamily="2" charset="2"/>
+              </a:rPr>
+              <a:t> </a:t>
+            </a:r>
+            <a:r>
+              <a:rPr lang="en-US" altLang="ko-KR" dirty="0">
+                <a:sym typeface="Wingdings" panose="05000000000000000000" pitchFamily="2" charset="2"/>
+              </a:rPr>
+              <a:t>2</a:t>
+            </a:r>
+            <a:r>
+              <a:rPr lang="ko-KR" altLang="en-US" dirty="0">
+                <a:sym typeface="Wingdings" panose="05000000000000000000" pitchFamily="2" charset="2"/>
+              </a:rPr>
+              <a:t> </a:t>
+            </a:r>
+            <a:r>
+              <a:rPr lang="en-US" altLang="ko-KR" dirty="0">
+                <a:sym typeface="Wingdings" panose="05000000000000000000" pitchFamily="2" charset="2"/>
+              </a:rPr>
+              <a:t>layers5x5 </a:t>
+            </a:r>
+            <a:r>
+              <a:rPr lang="ko-KR" altLang="en-US" dirty="0">
+                <a:sym typeface="Wingdings" panose="05000000000000000000" pitchFamily="2" charset="2"/>
+              </a:rPr>
+              <a:t>연동</a:t>
+            </a:r>
+            <a:r>
+              <a:rPr lang="en-US" altLang="ko-KR" dirty="0">
+                <a:sym typeface="Wingdings" panose="05000000000000000000" pitchFamily="2" charset="2"/>
+              </a:rPr>
+              <a:t>)</a:t>
+            </a:r>
+            <a:br>
+              <a:rPr lang="en-US" altLang="ko-KR" dirty="0">
+                <a:sym typeface="Wingdings" panose="05000000000000000000" pitchFamily="2" charset="2"/>
+              </a:rPr>
+            </a:br>
+            <a:r>
+              <a:rPr lang="en-US" altLang="ko-KR" dirty="0">
+                <a:sym typeface="Wingdings" panose="05000000000000000000" pitchFamily="2" charset="2"/>
+              </a:rPr>
+              <a:t> </a:t>
+            </a:r>
+            <a:r>
+              <a:rPr lang="ko-KR" altLang="en-US" dirty="0">
+                <a:sym typeface="Wingdings" panose="05000000000000000000" pitchFamily="2" charset="2"/>
+              </a:rPr>
+              <a:t>모든 내용을 공유하는 것이 아닌 부분만 공유</a:t>
+            </a:r>
+            <a:br>
+              <a:rPr lang="en-US" altLang="ko-KR" dirty="0">
+                <a:sym typeface="Wingdings" panose="05000000000000000000" pitchFamily="2" charset="2"/>
+              </a:rPr>
+            </a:br>
+            <a:r>
+              <a:rPr lang="en-US" altLang="ko-KR" dirty="0">
+                <a:sym typeface="Wingdings" panose="05000000000000000000" pitchFamily="2" charset="2"/>
+              </a:rPr>
+              <a:t> </a:t>
+            </a:r>
+            <a:r>
+              <a:rPr lang="ko-KR" altLang="en-US" dirty="0">
+                <a:sym typeface="Wingdings" panose="05000000000000000000" pitchFamily="2" charset="2"/>
+              </a:rPr>
+              <a:t>단점 </a:t>
+            </a:r>
+            <a:r>
+              <a:rPr lang="en-US" altLang="ko-KR" dirty="0">
+                <a:sym typeface="Wingdings" panose="05000000000000000000" pitchFamily="2" charset="2"/>
+              </a:rPr>
+              <a:t>Manhattan </a:t>
+            </a:r>
+            <a:r>
+              <a:rPr lang="ko-KR" altLang="en-US" dirty="0">
+                <a:sym typeface="Wingdings" panose="05000000000000000000" pitchFamily="2" charset="2"/>
+              </a:rPr>
+              <a:t>처럼 직사각형인 경우만 유효한가</a:t>
+            </a:r>
+            <a:r>
+              <a:rPr lang="en-US" altLang="ko-KR" dirty="0">
+                <a:sym typeface="Wingdings" panose="05000000000000000000" pitchFamily="2" charset="2"/>
+              </a:rPr>
+              <a:t>?</a:t>
+            </a:r>
+            <a:r>
+              <a:rPr lang="ko-KR" altLang="en-US" dirty="0">
+                <a:sym typeface="Wingdings" panose="05000000000000000000" pitchFamily="2" charset="2"/>
+              </a:rPr>
+              <a:t> </a:t>
+            </a:r>
+            <a:r>
+              <a:rPr lang="en-US" altLang="ko-KR" dirty="0">
+                <a:sym typeface="Wingdings" panose="05000000000000000000" pitchFamily="2" charset="2"/>
+              </a:rPr>
+              <a:t>(</a:t>
+            </a:r>
+            <a:r>
+              <a:rPr lang="ko-KR" altLang="en-US" dirty="0">
+                <a:sym typeface="Wingdings" panose="05000000000000000000" pitchFamily="2" charset="2"/>
+              </a:rPr>
+              <a:t>실험에만 사용가능</a:t>
+            </a:r>
+            <a:r>
+              <a:rPr lang="en-US" altLang="ko-KR" dirty="0">
+                <a:sym typeface="Wingdings" panose="05000000000000000000" pitchFamily="2" charset="2"/>
+              </a:rPr>
+              <a:t>)</a:t>
+            </a:r>
+          </a:p>
+          <a:p>
+            <a:pPr lvl="1"/>
+            <a:r>
+              <a:rPr lang="ko-KR" altLang="en-US" dirty="0">
+                <a:sym typeface="Wingdings" panose="05000000000000000000" pitchFamily="2" charset="2"/>
+              </a:rPr>
+              <a:t>인접데이터를 교차로 내의 모든 데이터를 받음 </a:t>
+            </a:r>
+            <a:r>
+              <a:rPr lang="en-US" altLang="ko-KR" dirty="0">
+                <a:sym typeface="Wingdings" panose="05000000000000000000" pitchFamily="2" charset="2"/>
+              </a:rPr>
+              <a:t>zero padding based  </a:t>
+            </a:r>
+            <a:r>
+              <a:rPr lang="ko-KR" altLang="en-US" dirty="0">
+                <a:sym typeface="Wingdings" panose="05000000000000000000" pitchFamily="2" charset="2"/>
+              </a:rPr>
+              <a:t>속도만 오를 가능성 높음</a:t>
+            </a:r>
+            <a:endParaRPr lang="en-US" altLang="ko-KR" dirty="0">
+              <a:sym typeface="Wingdings" panose="05000000000000000000" pitchFamily="2" charset="2"/>
+            </a:endParaRPr>
+          </a:p>
+          <a:p>
+            <a:pPr lvl="1"/>
+            <a:r>
+              <a:rPr lang="en-US" altLang="ko-KR" dirty="0">
+                <a:sym typeface="Wingdings" panose="05000000000000000000" pitchFamily="2" charset="2"/>
+              </a:rPr>
+              <a:t>1</a:t>
+            </a:r>
+            <a:r>
+              <a:rPr lang="ko-KR" altLang="en-US" dirty="0">
+                <a:sym typeface="Wingdings" panose="05000000000000000000" pitchFamily="2" charset="2"/>
+              </a:rPr>
+              <a:t>차</a:t>
+            </a:r>
+            <a:r>
+              <a:rPr lang="en-US" altLang="ko-KR" dirty="0">
+                <a:sym typeface="Wingdings" panose="05000000000000000000" pitchFamily="2" charset="2"/>
+              </a:rPr>
+              <a:t>, 3</a:t>
+            </a:r>
+            <a:r>
+              <a:rPr lang="ko-KR" altLang="en-US" dirty="0">
+                <a:sym typeface="Wingdings" panose="05000000000000000000" pitchFamily="2" charset="2"/>
+              </a:rPr>
+              <a:t>차선에 </a:t>
+            </a:r>
+            <a:r>
+              <a:rPr lang="ko-KR" altLang="en-US" dirty="0" err="1">
+                <a:sym typeface="Wingdings" panose="05000000000000000000" pitchFamily="2" charset="2"/>
+              </a:rPr>
+              <a:t>직좌</a:t>
+            </a:r>
+            <a:r>
+              <a:rPr lang="en-US" altLang="ko-KR" dirty="0">
+                <a:sym typeface="Wingdings" panose="05000000000000000000" pitchFamily="2" charset="2"/>
+              </a:rPr>
+              <a:t>,</a:t>
+            </a:r>
+            <a:r>
+              <a:rPr lang="ko-KR" altLang="en-US" dirty="0">
+                <a:sym typeface="Wingdings" panose="05000000000000000000" pitchFamily="2" charset="2"/>
+              </a:rPr>
+              <a:t> </a:t>
+            </a:r>
+            <a:r>
+              <a:rPr lang="ko-KR" altLang="en-US" dirty="0" err="1">
+                <a:sym typeface="Wingdings" panose="05000000000000000000" pitchFamily="2" charset="2"/>
+              </a:rPr>
+              <a:t>직우</a:t>
+            </a:r>
+            <a:r>
+              <a:rPr lang="ko-KR" altLang="en-US" dirty="0">
+                <a:sym typeface="Wingdings" panose="05000000000000000000" pitchFamily="2" charset="2"/>
+              </a:rPr>
+              <a:t> 신호 포함 </a:t>
+            </a:r>
+            <a:r>
+              <a:rPr lang="en-US" altLang="ko-KR" dirty="0">
+                <a:sym typeface="Wingdings" panose="05000000000000000000" pitchFamily="2" charset="2"/>
+              </a:rPr>
+              <a:t>(</a:t>
+            </a:r>
+            <a:r>
+              <a:rPr lang="ko-KR" altLang="en-US" dirty="0">
+                <a:sym typeface="Wingdings" panose="05000000000000000000" pitchFamily="2" charset="2"/>
+              </a:rPr>
+              <a:t>우측은 항상 </a:t>
+            </a:r>
+            <a:r>
+              <a:rPr lang="en-US" altLang="ko-KR" dirty="0">
+                <a:sym typeface="Wingdings" panose="05000000000000000000" pitchFamily="2" charset="2"/>
+              </a:rPr>
+              <a:t>green)  </a:t>
+            </a:r>
+            <a:r>
+              <a:rPr lang="ko-KR" altLang="en-US" dirty="0">
+                <a:sym typeface="Wingdings" panose="05000000000000000000" pitchFamily="2" charset="2"/>
+              </a:rPr>
+              <a:t>현실성 높임</a:t>
+            </a:r>
+            <a:endParaRPr lang="en-US" altLang="ko-KR" dirty="0">
+              <a:sym typeface="Wingdings" panose="05000000000000000000" pitchFamily="2" charset="2"/>
+            </a:endParaRPr>
+          </a:p>
+        </p:txBody>
+      </p:sp>
+    </p:spTree>
+    <p:extLst>
+      <p:ext uri="{BB962C8B-B14F-4D97-AF65-F5344CB8AC3E}">
+        <p14:creationId xmlns:p14="http://schemas.microsoft.com/office/powerpoint/2010/main" val="2887258193"/>
+      </p:ext>
+    </p:extLst>
+  </p:cSld>
+  <p:clrMapOvr>
+    <a:masterClrMapping/>
+  </p:clrMapOvr>
+</p:sld>
+</file>
+
+<file path=ppt/slides/slide37.xml><?xml version="1.0" encoding="utf-8"?>
+<p:sld xmlns:a="http://schemas.openxmlformats.org/drawingml/2006/main" xmlns:r="http://schemas.openxmlformats.org/officeDocument/2006/relationships" xmlns:p="http://schemas.openxmlformats.org/presentationml/2006/main">
+  <p:cSld>
+    <p:spTree>
+      <p:nvGrpSpPr>
+        <p:cNvPr id="1" name=""/>
+        <p:cNvGrpSpPr/>
+        <p:nvPr/>
+      </p:nvGrpSpPr>
+      <p:grpSpPr>
+        <a:xfrm>
+          <a:off x="0" y="0"/>
+          <a:ext cx="0" cy="0"/>
+          <a:chOff x="0" y="0"/>
+          <a:chExt cx="0" cy="0"/>
+        </a:xfrm>
+      </p:grpSpPr>
+      <p:sp>
+        <p:nvSpPr>
           <p:cNvPr id="2" name="제목 1">
             <a:extLst>
               <a:ext uri="{FF2B5EF4-FFF2-40B4-BE49-F238E27FC236}">
@@ -17399,7 +18517,7 @@
 </p:sld>
 </file>
 
-<file path=ppt/slides/slide36.xml><?xml version="1.0" encoding="utf-8"?>
+<file path=ppt/slides/slide38.xml><?xml version="1.0" encoding="utf-8"?>
 <p:sld xmlns:a="http://schemas.openxmlformats.org/drawingml/2006/main" xmlns:r="http://schemas.openxmlformats.org/officeDocument/2006/relationships" xmlns:p="http://schemas.openxmlformats.org/presentationml/2006/main">
   <p:cSld>
     <p:spTree>
@@ -18269,8 +19387,8 @@
         </p:blipFill>
         <p:spPr>
           <a:xfrm>
-            <a:off x="5657208" y="1837085"/>
-            <a:ext cx="5432420" cy="4022725"/>
+            <a:off x="3356734" y="1806343"/>
+            <a:ext cx="2574283" cy="1906265"/>
           </a:xfrm>
           <a:prstGeom prst="rect">
             <a:avLst/>
@@ -18294,7 +19412,7 @@
         <p:spPr>
           <a:xfrm>
             <a:off x="1240293" y="1797907"/>
-            <a:ext cx="4622988" cy="4101082"/>
+            <a:ext cx="2162555" cy="1918416"/>
           </a:xfrm>
           <a:prstGeom prst="rect">
             <a:avLst/>
@@ -18309,7 +19427,7 @@
         </p:nvSpPr>
         <p:spPr>
           <a:xfrm>
-            <a:off x="2585680" y="5959536"/>
+            <a:off x="1355463" y="3652922"/>
             <a:ext cx="1932214" cy="370075"/>
           </a:xfrm>
           <a:prstGeom prst="rect">
@@ -18340,7 +19458,7 @@
         </p:nvSpPr>
         <p:spPr>
           <a:xfrm>
-            <a:off x="7407311" y="5898051"/>
+            <a:off x="3677768" y="3656633"/>
             <a:ext cx="1932214" cy="370075"/>
           </a:xfrm>
           <a:prstGeom prst="rect">
@@ -18360,6 +19478,505 @@
               <a:t>3x3 grid</a:t>
             </a:r>
             <a:endParaRPr lang="ko-KR" altLang="en-US" dirty="0"/>
+          </a:p>
+        </p:txBody>
+      </p:sp>
+      <p:pic>
+        <p:nvPicPr>
+          <p:cNvPr id="8" name="그림 7">
+            <a:extLst>
+              <a:ext uri="{FF2B5EF4-FFF2-40B4-BE49-F238E27FC236}">
+                <a16:creationId xmlns:a16="http://schemas.microsoft.com/office/drawing/2014/main" id="{A92F9A51-9B07-45DB-B88F-8FCDE741F757}"/>
+              </a:ext>
+            </a:extLst>
+          </p:cNvPr>
+          <p:cNvPicPr>
+            <a:picLocks noChangeAspect="1"/>
+          </p:cNvPicPr>
+          <p:nvPr/>
+        </p:nvPicPr>
+        <p:blipFill>
+          <a:blip r:embed="rId4"/>
+          <a:stretch>
+            <a:fillRect/>
+          </a:stretch>
+        </p:blipFill>
+        <p:spPr>
+          <a:xfrm flipV="1">
+            <a:off x="1355463" y="4022997"/>
+            <a:ext cx="1932214" cy="1956427"/>
+          </a:xfrm>
+          <a:prstGeom prst="rect">
+            <a:avLst/>
+          </a:prstGeom>
+        </p:spPr>
+      </p:pic>
+      <p:pic>
+        <p:nvPicPr>
+          <p:cNvPr id="10" name="그림 9">
+            <a:extLst>
+              <a:ext uri="{FF2B5EF4-FFF2-40B4-BE49-F238E27FC236}">
+                <a16:creationId xmlns:a16="http://schemas.microsoft.com/office/drawing/2014/main" id="{802B28B4-CB41-4871-BB14-F34FCAEB227C}"/>
+              </a:ext>
+            </a:extLst>
+          </p:cNvPr>
+          <p:cNvPicPr>
+            <a:picLocks noChangeAspect="1"/>
+          </p:cNvPicPr>
+          <p:nvPr/>
+        </p:nvPicPr>
+        <p:blipFill>
+          <a:blip r:embed="rId5"/>
+          <a:stretch>
+            <a:fillRect/>
+          </a:stretch>
+        </p:blipFill>
+        <p:spPr>
+          <a:xfrm flipV="1">
+            <a:off x="3677768" y="4022995"/>
+            <a:ext cx="1939267" cy="1956429"/>
+          </a:xfrm>
+          <a:prstGeom prst="rect">
+            <a:avLst/>
+          </a:prstGeom>
+        </p:spPr>
+      </p:pic>
+      <p:sp>
+        <p:nvSpPr>
+          <p:cNvPr id="11" name="TextBox 10">
+            <a:extLst>
+              <a:ext uri="{FF2B5EF4-FFF2-40B4-BE49-F238E27FC236}">
+                <a16:creationId xmlns:a16="http://schemas.microsoft.com/office/drawing/2014/main" id="{9DD3111B-EF61-4985-975B-93B4A14FC54E}"/>
+              </a:ext>
+            </a:extLst>
+          </p:cNvPr>
+          <p:cNvSpPr txBox="1"/>
+          <p:nvPr/>
+        </p:nvSpPr>
+        <p:spPr>
+          <a:xfrm>
+            <a:off x="1347024" y="5923061"/>
+            <a:ext cx="1932214" cy="370075"/>
+          </a:xfrm>
+          <a:prstGeom prst="rect">
+            <a:avLst/>
+          </a:prstGeom>
+          <a:noFill/>
+        </p:spPr>
+        <p:txBody>
+          <a:bodyPr wrap="square" rtlCol="0">
+            <a:spAutoFit/>
+          </a:bodyPr>
+          <a:lstStyle/>
+          <a:p>
+            <a:pPr algn="ctr"/>
+            <a:r>
+              <a:rPr lang="en-US" altLang="ko-KR" dirty="0"/>
+              <a:t>8x8 grid</a:t>
+            </a:r>
+            <a:endParaRPr lang="ko-KR" altLang="en-US" dirty="0"/>
+          </a:p>
+        </p:txBody>
+      </p:sp>
+      <p:sp>
+        <p:nvSpPr>
+          <p:cNvPr id="12" name="TextBox 11">
+            <a:extLst>
+              <a:ext uri="{FF2B5EF4-FFF2-40B4-BE49-F238E27FC236}">
+                <a16:creationId xmlns:a16="http://schemas.microsoft.com/office/drawing/2014/main" id="{DEFB7A8F-7080-4B11-9AFC-E7492CFF2986}"/>
+              </a:ext>
+            </a:extLst>
+          </p:cNvPr>
+          <p:cNvSpPr txBox="1"/>
+          <p:nvPr/>
+        </p:nvSpPr>
+        <p:spPr>
+          <a:xfrm>
+            <a:off x="3680564" y="5932848"/>
+            <a:ext cx="1932214" cy="370075"/>
+          </a:xfrm>
+          <a:prstGeom prst="rect">
+            <a:avLst/>
+          </a:prstGeom>
+          <a:noFill/>
+        </p:spPr>
+        <p:txBody>
+          <a:bodyPr wrap="square" rtlCol="0">
+            <a:spAutoFit/>
+          </a:bodyPr>
+          <a:lstStyle/>
+          <a:p>
+            <a:pPr algn="ctr"/>
+            <a:r>
+              <a:rPr lang="en-US" altLang="ko-KR" dirty="0"/>
+              <a:t>7x7 grid</a:t>
+            </a:r>
+            <a:endParaRPr lang="ko-KR" altLang="en-US" dirty="0"/>
+          </a:p>
+        </p:txBody>
+      </p:sp>
+      <p:sp>
+        <p:nvSpPr>
+          <p:cNvPr id="13" name="내용 개체 틀 2">
+            <a:extLst>
+              <a:ext uri="{FF2B5EF4-FFF2-40B4-BE49-F238E27FC236}">
+                <a16:creationId xmlns:a16="http://schemas.microsoft.com/office/drawing/2014/main" id="{548A095F-87DE-4CEA-B7C3-002F1472B6DD}"/>
+              </a:ext>
+            </a:extLst>
+          </p:cNvPr>
+          <p:cNvSpPr txBox="1">
+            <a:spLocks/>
+          </p:cNvSpPr>
+          <p:nvPr/>
+        </p:nvSpPr>
+        <p:spPr>
+          <a:xfrm>
+            <a:off x="5884902" y="1845734"/>
+            <a:ext cx="5270778" cy="4023360"/>
+          </a:xfrm>
+          <a:prstGeom prst="rect">
+            <a:avLst/>
+          </a:prstGeom>
+        </p:spPr>
+        <p:txBody>
+          <a:bodyPr vert="horz" lIns="0" tIns="45720" rIns="0" bIns="45720" rtlCol="0">
+            <a:normAutofit/>
+          </a:bodyPr>
+          <a:lstStyle>
+            <a:lvl1pPr marL="91440" indent="-91440" algn="l" defTabSz="914400" rtl="0" eaLnBrk="1" latinLnBrk="1" hangingPunct="1">
+              <a:lnSpc>
+                <a:spcPct val="90000"/>
+              </a:lnSpc>
+              <a:spcBef>
+                <a:spcPts val="1200"/>
+              </a:spcBef>
+              <a:spcAft>
+                <a:spcPts val="200"/>
+              </a:spcAft>
+              <a:buClr>
+                <a:schemeClr val="accent1"/>
+              </a:buClr>
+              <a:buSzPct val="100000"/>
+              <a:buFont typeface="Wingdings" panose="05000000000000000000" pitchFamily="2" charset="2"/>
+              <a:buChar char="§"/>
+              <a:defRPr sz="2000" kern="1200">
+                <a:solidFill>
+                  <a:schemeClr val="tx1">
+                    <a:lumMod val="75000"/>
+                    <a:lumOff val="25000"/>
+                  </a:schemeClr>
+                </a:solidFill>
+                <a:latin typeface="+mn-lt"/>
+                <a:ea typeface="+mn-ea"/>
+                <a:cs typeface="+mn-cs"/>
+              </a:defRPr>
+            </a:lvl1pPr>
+            <a:lvl2pPr marL="544068" indent="-342900" algn="l" defTabSz="914400" rtl="0" eaLnBrk="1" latinLnBrk="1" hangingPunct="1">
+              <a:lnSpc>
+                <a:spcPct val="90000"/>
+              </a:lnSpc>
+              <a:spcBef>
+                <a:spcPts val="200"/>
+              </a:spcBef>
+              <a:spcAft>
+                <a:spcPts val="400"/>
+              </a:spcAft>
+              <a:buClr>
+                <a:schemeClr val="accent1"/>
+              </a:buClr>
+              <a:buFont typeface="+mj-lt"/>
+              <a:buAutoNum type="arabicPeriod"/>
+              <a:defRPr sz="1800" kern="1200">
+                <a:solidFill>
+                  <a:schemeClr val="tx1">
+                    <a:lumMod val="75000"/>
+                    <a:lumOff val="25000"/>
+                  </a:schemeClr>
+                </a:solidFill>
+                <a:latin typeface="+mn-lt"/>
+                <a:ea typeface="+mn-ea"/>
+                <a:cs typeface="+mn-cs"/>
+              </a:defRPr>
+            </a:lvl2pPr>
+            <a:lvl3pPr marL="726948" indent="-342900" algn="l" defTabSz="914400" rtl="0" eaLnBrk="1" latinLnBrk="1" hangingPunct="1">
+              <a:lnSpc>
+                <a:spcPct val="90000"/>
+              </a:lnSpc>
+              <a:spcBef>
+                <a:spcPts val="200"/>
+              </a:spcBef>
+              <a:spcAft>
+                <a:spcPts val="400"/>
+              </a:spcAft>
+              <a:buClr>
+                <a:schemeClr val="accent1"/>
+              </a:buClr>
+              <a:buFont typeface="+mj-lt"/>
+              <a:buAutoNum type="arabicParenR"/>
+              <a:defRPr sz="1400" kern="1200">
+                <a:solidFill>
+                  <a:schemeClr val="tx1">
+                    <a:lumMod val="75000"/>
+                    <a:lumOff val="25000"/>
+                  </a:schemeClr>
+                </a:solidFill>
+                <a:latin typeface="+mn-lt"/>
+                <a:ea typeface="+mn-ea"/>
+                <a:cs typeface="+mn-cs"/>
+              </a:defRPr>
+            </a:lvl3pPr>
+            <a:lvl4pPr marL="749808" indent="-182880" algn="l" defTabSz="914400" rtl="0" eaLnBrk="1" latinLnBrk="1" hangingPunct="1">
+              <a:lnSpc>
+                <a:spcPct val="90000"/>
+              </a:lnSpc>
+              <a:spcBef>
+                <a:spcPts val="200"/>
+              </a:spcBef>
+              <a:spcAft>
+                <a:spcPts val="400"/>
+              </a:spcAft>
+              <a:buClr>
+                <a:schemeClr val="accent1"/>
+              </a:buClr>
+              <a:buFont typeface="Arial" panose="020B0604020202020204" pitchFamily="34" charset="0"/>
+              <a:buChar char="•"/>
+              <a:defRPr sz="1400" kern="1200">
+                <a:solidFill>
+                  <a:schemeClr val="tx1">
+                    <a:lumMod val="75000"/>
+                    <a:lumOff val="25000"/>
+                  </a:schemeClr>
+                </a:solidFill>
+                <a:latin typeface="+mn-lt"/>
+                <a:ea typeface="+mn-ea"/>
+                <a:cs typeface="+mn-cs"/>
+              </a:defRPr>
+            </a:lvl4pPr>
+            <a:lvl5pPr marL="932688" indent="-182880" algn="l" defTabSz="914400" rtl="0" eaLnBrk="1" latinLnBrk="1" hangingPunct="1">
+              <a:lnSpc>
+                <a:spcPct val="90000"/>
+              </a:lnSpc>
+              <a:spcBef>
+                <a:spcPts val="200"/>
+              </a:spcBef>
+              <a:spcAft>
+                <a:spcPts val="400"/>
+              </a:spcAft>
+              <a:buClr>
+                <a:schemeClr val="accent1"/>
+              </a:buClr>
+              <a:buFont typeface="Wingdings" panose="05000000000000000000" pitchFamily="2" charset="2"/>
+              <a:buChar char="Ø"/>
+              <a:defRPr sz="1400" kern="1200">
+                <a:solidFill>
+                  <a:schemeClr val="tx1">
+                    <a:lumMod val="75000"/>
+                    <a:lumOff val="25000"/>
+                  </a:schemeClr>
+                </a:solidFill>
+                <a:latin typeface="+mn-lt"/>
+                <a:ea typeface="+mn-ea"/>
+                <a:cs typeface="+mn-cs"/>
+              </a:defRPr>
+            </a:lvl5pPr>
+            <a:lvl6pPr marL="1100000" indent="-228600" algn="l" defTabSz="914400" rtl="0" eaLnBrk="1" latinLnBrk="1" hangingPunct="1">
+              <a:lnSpc>
+                <a:spcPct val="90000"/>
+              </a:lnSpc>
+              <a:spcBef>
+                <a:spcPts val="200"/>
+              </a:spcBef>
+              <a:spcAft>
+                <a:spcPts val="400"/>
+              </a:spcAft>
+              <a:buClr>
+                <a:schemeClr val="accent1"/>
+              </a:buClr>
+              <a:buFont typeface="Calibri" pitchFamily="34" charset="0"/>
+              <a:buChar char="◦"/>
+              <a:defRPr sz="1400" kern="1200">
+                <a:solidFill>
+                  <a:schemeClr val="tx1">
+                    <a:lumMod val="75000"/>
+                    <a:lumOff val="25000"/>
+                  </a:schemeClr>
+                </a:solidFill>
+                <a:latin typeface="+mn-lt"/>
+                <a:ea typeface="+mn-ea"/>
+                <a:cs typeface="+mn-cs"/>
+              </a:defRPr>
+            </a:lvl6pPr>
+            <a:lvl7pPr marL="1300000" indent="-228600" algn="l" defTabSz="914400" rtl="0" eaLnBrk="1" latinLnBrk="1" hangingPunct="1">
+              <a:lnSpc>
+                <a:spcPct val="90000"/>
+              </a:lnSpc>
+              <a:spcBef>
+                <a:spcPts val="200"/>
+              </a:spcBef>
+              <a:spcAft>
+                <a:spcPts val="400"/>
+              </a:spcAft>
+              <a:buClr>
+                <a:schemeClr val="accent1"/>
+              </a:buClr>
+              <a:buFont typeface="Calibri" pitchFamily="34" charset="0"/>
+              <a:buChar char="◦"/>
+              <a:defRPr sz="1400" kern="1200">
+                <a:solidFill>
+                  <a:schemeClr val="tx1">
+                    <a:lumMod val="75000"/>
+                    <a:lumOff val="25000"/>
+                  </a:schemeClr>
+                </a:solidFill>
+                <a:latin typeface="+mn-lt"/>
+                <a:ea typeface="+mn-ea"/>
+                <a:cs typeface="+mn-cs"/>
+              </a:defRPr>
+            </a:lvl7pPr>
+            <a:lvl8pPr marL="1500000" indent="-228600" algn="l" defTabSz="914400" rtl="0" eaLnBrk="1" latinLnBrk="1" hangingPunct="1">
+              <a:lnSpc>
+                <a:spcPct val="90000"/>
+              </a:lnSpc>
+              <a:spcBef>
+                <a:spcPts val="200"/>
+              </a:spcBef>
+              <a:spcAft>
+                <a:spcPts val="400"/>
+              </a:spcAft>
+              <a:buClr>
+                <a:schemeClr val="accent1"/>
+              </a:buClr>
+              <a:buFont typeface="Calibri" pitchFamily="34" charset="0"/>
+              <a:buChar char="◦"/>
+              <a:defRPr sz="1400" kern="1200">
+                <a:solidFill>
+                  <a:schemeClr val="tx1">
+                    <a:lumMod val="75000"/>
+                    <a:lumOff val="25000"/>
+                  </a:schemeClr>
+                </a:solidFill>
+                <a:latin typeface="+mn-lt"/>
+                <a:ea typeface="+mn-ea"/>
+                <a:cs typeface="+mn-cs"/>
+              </a:defRPr>
+            </a:lvl8pPr>
+            <a:lvl9pPr marL="1700000" indent="-228600" algn="l" defTabSz="914400" rtl="0" eaLnBrk="1" latinLnBrk="1" hangingPunct="1">
+              <a:lnSpc>
+                <a:spcPct val="90000"/>
+              </a:lnSpc>
+              <a:spcBef>
+                <a:spcPts val="200"/>
+              </a:spcBef>
+              <a:spcAft>
+                <a:spcPts val="400"/>
+              </a:spcAft>
+              <a:buClr>
+                <a:schemeClr val="accent1"/>
+              </a:buClr>
+              <a:buFont typeface="Calibri" pitchFamily="34" charset="0"/>
+              <a:buChar char="◦"/>
+              <a:defRPr sz="1400" kern="1200">
+                <a:solidFill>
+                  <a:schemeClr val="tx1">
+                    <a:lumMod val="75000"/>
+                    <a:lumOff val="25000"/>
+                  </a:schemeClr>
+                </a:solidFill>
+                <a:latin typeface="+mn-lt"/>
+                <a:ea typeface="+mn-ea"/>
+                <a:cs typeface="+mn-cs"/>
+              </a:defRPr>
+            </a:lvl9pPr>
+          </a:lstStyle>
+          <a:p>
+            <a:r>
+              <a:rPr lang="en-US" altLang="ko-KR" dirty="0"/>
+              <a:t> 1x1</a:t>
+            </a:r>
+            <a:r>
+              <a:rPr lang="ko-KR" altLang="en-US" dirty="0"/>
+              <a:t>부터 </a:t>
+            </a:r>
+            <a:r>
+              <a:rPr lang="en-US" altLang="ko-KR" dirty="0"/>
+              <a:t>9x9</a:t>
+            </a:r>
+            <a:r>
+              <a:rPr lang="ko-KR" altLang="en-US" dirty="0"/>
+              <a:t>까지 자유롭게 네트워크 생성 가능</a:t>
+            </a:r>
+            <a:endParaRPr lang="en-US" altLang="ko-KR" dirty="0"/>
+          </a:p>
+          <a:p>
+            <a:r>
+              <a:rPr lang="en-US" altLang="ko-KR" dirty="0"/>
+              <a:t> flow</a:t>
+            </a:r>
+            <a:r>
+              <a:rPr lang="ko-KR" altLang="en-US" dirty="0"/>
+              <a:t> </a:t>
+            </a:r>
+            <a:r>
+              <a:rPr lang="en-US" altLang="ko-KR" dirty="0"/>
+              <a:t>vehicle</a:t>
+            </a:r>
+            <a:r>
+              <a:rPr lang="ko-KR" altLang="en-US" dirty="0"/>
+              <a:t> 지정도 자동으로 가능</a:t>
+            </a:r>
+            <a:endParaRPr lang="en-US" altLang="ko-KR" dirty="0"/>
+          </a:p>
+          <a:p>
+            <a:r>
+              <a:rPr lang="ko-KR" altLang="en-US" dirty="0"/>
+              <a:t> </a:t>
+            </a:r>
+            <a:r>
+              <a:rPr lang="en-US" altLang="ko-KR" dirty="0"/>
+              <a:t>flow vehicle </a:t>
+            </a:r>
+            <a:r>
+              <a:rPr lang="ko-KR" altLang="en-US" dirty="0"/>
+              <a:t>의 </a:t>
+            </a:r>
+            <a:r>
+              <a:rPr lang="en-US" altLang="ko-KR" dirty="0"/>
+              <a:t>via(</a:t>
+            </a:r>
+            <a:r>
+              <a:rPr lang="ko-KR" altLang="en-US" dirty="0"/>
+              <a:t>강제 경로 설정</a:t>
+            </a:r>
+            <a:r>
+              <a:rPr lang="en-US" altLang="ko-KR" dirty="0"/>
+              <a:t>)</a:t>
+            </a:r>
+            <a:r>
+              <a:rPr lang="ko-KR" altLang="en-US" dirty="0"/>
+              <a:t> 설정 </a:t>
+            </a:r>
+            <a:r>
+              <a:rPr lang="en-US" altLang="ko-KR" dirty="0"/>
+              <a:t>X</a:t>
+            </a:r>
+            <a:br>
+              <a:rPr lang="en-US" altLang="ko-KR" dirty="0"/>
+            </a:br>
+            <a:r>
+              <a:rPr lang="en-US" altLang="ko-KR" dirty="0">
+                <a:sym typeface="Wingdings" panose="05000000000000000000" pitchFamily="2" charset="2"/>
+              </a:rPr>
+              <a:t> </a:t>
+            </a:r>
+            <a:r>
+              <a:rPr lang="ko-KR" altLang="en-US" dirty="0">
+                <a:sym typeface="Wingdings" panose="05000000000000000000" pitchFamily="2" charset="2"/>
+              </a:rPr>
+              <a:t>이후 실험에서 좌회전 비율에  따라 설정</a:t>
+            </a:r>
+            <a:endParaRPr lang="en-US" altLang="ko-KR" dirty="0">
+              <a:sym typeface="Wingdings" panose="05000000000000000000" pitchFamily="2" charset="2"/>
+            </a:endParaRPr>
           </a:p>
         </p:txBody>
       </p:sp>
@@ -18395,7 +20012,13 @@
       </p:grpSpPr>
       <p:sp>
         <p:nvSpPr>
-          <p:cNvPr id="2" name="제목 1"/>
+          <p:cNvPr id="2" name="제목 1">
+            <a:extLst>
+              <a:ext uri="{FF2B5EF4-FFF2-40B4-BE49-F238E27FC236}">
+                <a16:creationId xmlns:a16="http://schemas.microsoft.com/office/drawing/2014/main" id="{C82356D5-FCB9-4C9F-9405-0C9C4566D5C8}"/>
+              </a:ext>
+            </a:extLst>
+          </p:cNvPr>
           <p:cNvSpPr>
             <a:spLocks noGrp="1"/>
           </p:cNvSpPr>
@@ -18409,16 +20032,25 @@
           <a:lstStyle/>
           <a:p>
             <a:r>
-              <a:rPr lang="en-US" altLang="ko-KR" dirty="0" err="1"/>
-              <a:t>TraCI</a:t>
-            </a:r>
-            <a:endParaRPr lang="ko-KR" altLang="en-US" dirty="0"/>
-          </a:p>
-        </p:txBody>
-      </p:sp>
-      <p:sp>
-        <p:nvSpPr>
-          <p:cNvPr id="3" name="내용 개체 틀 2"/>
+              <a:rPr lang="en-US" altLang="ko-KR" dirty="0"/>
+              <a:t>SUMO </a:t>
+            </a:r>
+            <a:r>
+              <a:rPr lang="ko-KR" altLang="en-US" dirty="0"/>
+              <a:t>결과물 비교 제작</a:t>
+            </a:r>
+          </a:p>
+        </p:txBody>
+      </p:sp>
+      <p:sp>
+        <p:nvSpPr>
+          <p:cNvPr id="3" name="내용 개체 틀 2">
+            <a:extLst>
+              <a:ext uri="{FF2B5EF4-FFF2-40B4-BE49-F238E27FC236}">
+                <a16:creationId xmlns:a16="http://schemas.microsoft.com/office/drawing/2014/main" id="{79F9D4C2-3073-4412-A754-DC2F03A7F902}"/>
+              </a:ext>
+            </a:extLst>
+          </p:cNvPr>
           <p:cNvSpPr>
             <a:spLocks noGrp="1"/>
           </p:cNvSpPr>
@@ -18426,103 +20058,207 @@
             <p:ph idx="1"/>
           </p:nvPr>
         </p:nvSpPr>
-        <p:spPr/>
+        <p:spPr>
+          <a:xfrm>
+            <a:off x="1097280" y="1845734"/>
+            <a:ext cx="5060239" cy="4023360"/>
+          </a:xfrm>
+        </p:spPr>
         <p:txBody>
           <a:bodyPr/>
           <a:lstStyle/>
           <a:p>
             <a:r>
               <a:rPr lang="en-US" altLang="ko-KR" dirty="0"/>
-              <a:t>Additional file </a:t>
+              <a:t> graphcheck.py </a:t>
             </a:r>
             <a:r>
               <a:rPr lang="ko-KR" altLang="en-US" dirty="0"/>
-              <a:t>을 이용하여 </a:t>
-            </a:r>
-            <a:r>
-              <a:rPr lang="en-US" altLang="ko-KR" dirty="0"/>
-              <a:t>Traffic Light</a:t>
-            </a:r>
+              <a:t>를 통한 데이터 생성</a:t>
+            </a:r>
+            <a:endParaRPr lang="en-US" altLang="ko-KR" dirty="0"/>
+          </a:p>
+          <a:p>
+            <a:pPr lvl="1"/>
             <a:r>
               <a:rPr lang="ko-KR" altLang="en-US" dirty="0"/>
-              <a:t>를 조절</a:t>
+              <a:t>두개 </a:t>
+            </a:r>
+            <a:r>
+              <a:rPr lang="en-US" altLang="ko-KR" dirty="0"/>
+              <a:t>xml </a:t>
+            </a:r>
+            <a:r>
+              <a:rPr lang="ko-KR" altLang="en-US" dirty="0"/>
+              <a:t>파일 기반 데이터 비교용 </a:t>
+            </a:r>
+            <a:r>
+              <a:rPr lang="en-US" altLang="ko-KR" dirty="0" err="1"/>
+              <a:t>tensorboard</a:t>
+            </a:r>
+            <a:r>
+              <a:rPr lang="en-US" altLang="ko-KR" dirty="0"/>
+              <a:t> </a:t>
+            </a:r>
+            <a:r>
+              <a:rPr lang="ko-KR" altLang="en-US" dirty="0"/>
+              <a:t>생성</a:t>
+            </a:r>
+            <a:endParaRPr lang="en-US" altLang="ko-KR" dirty="0"/>
+          </a:p>
+          <a:p>
+            <a:pPr lvl="1"/>
+            <a:r>
+              <a:rPr lang="en-US" altLang="ko-KR" dirty="0" err="1"/>
+              <a:t>Tensorboard</a:t>
+            </a:r>
+            <a:r>
+              <a:rPr lang="en-US" altLang="ko-KR" dirty="0"/>
+              <a:t> –</a:t>
+            </a:r>
+            <a:r>
+              <a:rPr lang="en-US" altLang="ko-KR" dirty="0" err="1"/>
+              <a:t>logdir</a:t>
+            </a:r>
+            <a:r>
+              <a:rPr lang="en-US" altLang="ko-KR" dirty="0"/>
+              <a:t>=</a:t>
+            </a:r>
+            <a:r>
+              <a:rPr lang="en-US" altLang="ko-KR" dirty="0" err="1"/>
+              <a:t>tensorboard</a:t>
+            </a:r>
+            <a:r>
+              <a:rPr lang="ko-KR" altLang="en-US" dirty="0"/>
+              <a:t>로 다양한 정보 비교</a:t>
             </a:r>
             <a:br>
               <a:rPr lang="en-US" altLang="ko-KR" dirty="0"/>
             </a:br>
             <a:r>
               <a:rPr lang="en-US" altLang="ko-KR" dirty="0"/>
-              <a:t>-.add.xml format </a:t>
+              <a:t>(lane</a:t>
             </a:r>
             <a:r>
               <a:rPr lang="ko-KR" altLang="en-US" dirty="0"/>
-              <a:t>사용</a:t>
+              <a:t>과 </a:t>
+            </a:r>
+            <a:r>
+              <a:rPr lang="en-US" altLang="ko-KR" dirty="0" err="1"/>
+              <a:t>edgeData</a:t>
+            </a:r>
+            <a:r>
+              <a:rPr lang="ko-KR" altLang="en-US" dirty="0"/>
+              <a:t>로 출력되는 평균 속도</a:t>
+            </a:r>
+            <a:r>
+              <a:rPr lang="en-US" altLang="ko-KR" dirty="0"/>
+              <a:t>, </a:t>
+            </a:r>
+            <a:r>
+              <a:rPr lang="ko-KR" altLang="en-US" dirty="0"/>
+              <a:t>차량의 도로 점유율</a:t>
+            </a:r>
+            <a:r>
+              <a:rPr lang="en-US" altLang="ko-KR" dirty="0"/>
+              <a:t>, </a:t>
+            </a:r>
+            <a:r>
+              <a:rPr lang="ko-KR" altLang="en-US" dirty="0"/>
+              <a:t>차선 점유율</a:t>
+            </a:r>
+            <a:r>
+              <a:rPr lang="en-US" altLang="ko-KR" dirty="0"/>
+              <a:t>,</a:t>
+            </a:r>
+            <a:r>
+              <a:rPr lang="ko-KR" altLang="en-US" dirty="0"/>
+              <a:t>등등 확인 가능</a:t>
+            </a:r>
+            <a:r>
+              <a:rPr lang="en-US" altLang="ko-KR" dirty="0"/>
+              <a:t>)</a:t>
+            </a:r>
+          </a:p>
+          <a:p>
+            <a:r>
+              <a:rPr lang="en-US" altLang="ko-KR" dirty="0"/>
+              <a:t> run.py</a:t>
+            </a:r>
+            <a:r>
+              <a:rPr lang="ko-KR" altLang="en-US" dirty="0"/>
+              <a:t>를 통한 학습 진행 데이터 생성</a:t>
             </a:r>
             <a:endParaRPr lang="en-US" altLang="ko-KR" dirty="0"/>
           </a:p>
           <a:p>
-            <a:r>
-              <a:rPr lang="en-US" altLang="ko-KR" dirty="0"/>
-              <a:t>Phase Setting</a:t>
-            </a:r>
-            <a:br>
-              <a:rPr lang="en-US" altLang="ko-KR" dirty="0"/>
-            </a:br>
-            <a:r>
-              <a:rPr lang="en-US" altLang="ko-KR" dirty="0"/>
-              <a:t>- </a:t>
+            <a:pPr lvl="1"/>
+            <a:r>
+              <a:rPr lang="en-US" altLang="ko-KR" dirty="0"/>
+              <a:t>Loss </a:t>
+            </a:r>
+            <a:r>
+              <a:rPr lang="ko-KR" altLang="en-US" dirty="0"/>
+              <a:t>와 </a:t>
+            </a:r>
+            <a:r>
+              <a:rPr lang="en-US" altLang="ko-KR" dirty="0"/>
+              <a:t>reward</a:t>
+            </a:r>
+            <a:r>
+              <a:rPr lang="ko-KR" altLang="en-US" dirty="0"/>
+              <a:t>를 학습이 진행하면서 실시간으로 확인하기 위한 </a:t>
             </a:r>
             <a:r>
               <a:rPr lang="en-US" altLang="ko-KR" dirty="0" err="1"/>
-              <a:t>setPhase</a:t>
-            </a:r>
-            <a:r>
-              <a:rPr lang="en-US" altLang="ko-KR" dirty="0"/>
-              <a:t> function</a:t>
-            </a:r>
-          </a:p>
-          <a:p>
-            <a:r>
-              <a:rPr lang="en-US" altLang="ko-KR" dirty="0"/>
-              <a:t>Duration Setting</a:t>
-            </a:r>
-            <a:br>
-              <a:rPr lang="en-US" altLang="ko-KR" dirty="0"/>
-            </a:br>
-            <a:r>
-              <a:rPr lang="en-US" altLang="ko-KR" dirty="0"/>
-              <a:t>- </a:t>
-            </a:r>
-            <a:r>
-              <a:rPr lang="en-US" altLang="ko-KR" dirty="0" err="1"/>
-              <a:t>setPhaseDuration</a:t>
+              <a:t>tensorboard</a:t>
+            </a:r>
+            <a:r>
+              <a:rPr lang="en-US" altLang="ko-KR" dirty="0"/>
+              <a:t> </a:t>
+            </a:r>
+            <a:r>
+              <a:rPr lang="ko-KR" altLang="en-US" dirty="0"/>
+              <a:t>생성</a:t>
             </a:r>
             <a:endParaRPr lang="en-US" altLang="ko-KR" dirty="0"/>
           </a:p>
-          <a:p>
-            <a:r>
-              <a:rPr lang="en-US" altLang="ko-KR" dirty="0"/>
-              <a:t>Complete Program Setting: Static signal Plan</a:t>
-            </a:r>
-            <a:br>
-              <a:rPr lang="en-US" altLang="ko-KR" dirty="0"/>
-            </a:br>
-            <a:r>
-              <a:rPr lang="en-US" altLang="ko-KR" dirty="0"/>
-              <a:t>- </a:t>
-            </a:r>
-            <a:r>
-              <a:rPr lang="en-US" altLang="ko-KR" dirty="0" err="1"/>
-              <a:t>setProgramLogic</a:t>
-            </a:r>
-            <a:endParaRPr lang="ko-KR" altLang="en-US" dirty="0"/>
-          </a:p>
-        </p:txBody>
-      </p:sp>
+        </p:txBody>
+      </p:sp>
+      <p:pic>
+        <p:nvPicPr>
+          <p:cNvPr id="5" name="그림 4">
+            <a:extLst>
+              <a:ext uri="{FF2B5EF4-FFF2-40B4-BE49-F238E27FC236}">
+                <a16:creationId xmlns:a16="http://schemas.microsoft.com/office/drawing/2014/main" id="{2E229CCC-AEAA-42EE-9BD8-305662D6CE18}"/>
+              </a:ext>
+            </a:extLst>
+          </p:cNvPr>
+          <p:cNvPicPr>
+            <a:picLocks noChangeAspect="1"/>
+          </p:cNvPicPr>
+          <p:nvPr/>
+        </p:nvPicPr>
+        <p:blipFill>
+          <a:blip r:embed="rId2"/>
+          <a:stretch>
+            <a:fillRect/>
+          </a:stretch>
+        </p:blipFill>
+        <p:spPr>
+          <a:xfrm>
+            <a:off x="6732208" y="2278710"/>
+            <a:ext cx="5121436" cy="3157408"/>
+          </a:xfrm>
+          <a:prstGeom prst="rect">
+            <a:avLst/>
+          </a:prstGeom>
+        </p:spPr>
+      </p:pic>
     </p:spTree>
     <p:extLst>
       <p:ext uri="{BB962C8B-B14F-4D97-AF65-F5344CB8AC3E}">
-        <p14:creationId xmlns:p14="http://schemas.microsoft.com/office/powerpoint/2010/main" val="2073866497"/>
+        <p14:creationId xmlns:p14="http://schemas.microsoft.com/office/powerpoint/2010/main" val="4026742646"/>
       </p:ext>
     </p:extLst>
   </p:cSld>
@@ -18551,7 +20287,13 @@
       </p:grpSpPr>
       <p:sp>
         <p:nvSpPr>
-          <p:cNvPr id="2" name="제목 1"/>
+          <p:cNvPr id="2" name="제목 1">
+            <a:extLst>
+              <a:ext uri="{FF2B5EF4-FFF2-40B4-BE49-F238E27FC236}">
+                <a16:creationId xmlns:a16="http://schemas.microsoft.com/office/drawing/2014/main" id="{D2FE6A72-772D-40C9-9DF2-A64995B531F9}"/>
+              </a:ext>
+            </a:extLst>
+          </p:cNvPr>
           <p:cNvSpPr>
             <a:spLocks noGrp="1"/>
           </p:cNvSpPr>
@@ -18566,15 +20308,32 @@
           <a:p>
             <a:r>
               <a:rPr lang="en-US" altLang="ko-KR" dirty="0"/>
-              <a:t>Defining New TLS-Programs</a:t>
-            </a:r>
-            <a:endParaRPr lang="ko-KR" altLang="en-US" dirty="0"/>
-          </a:p>
-        </p:txBody>
-      </p:sp>
-      <p:sp>
-        <p:nvSpPr>
-          <p:cNvPr id="3" name="내용 개체 틀 2"/>
+              <a:t>SUMO</a:t>
+            </a:r>
+            <a:r>
+              <a:rPr lang="ko-KR" altLang="en-US" dirty="0"/>
+              <a:t>를 활용한 </a:t>
+            </a:r>
+            <a:r>
+              <a:rPr lang="en-US" altLang="ko-KR" dirty="0"/>
+              <a:t>Data </a:t>
+            </a:r>
+            <a:r>
+              <a:rPr lang="ko-KR" altLang="en-US" dirty="0"/>
+              <a:t>생성</a:t>
+            </a:r>
+          </a:p>
+        </p:txBody>
+      </p:sp>
+      <p:sp>
+        <p:nvSpPr>
+          <p:cNvPr id="3" name="내용 개체 틀 2">
+            <a:extLst>
+              <a:ext uri="{FF2B5EF4-FFF2-40B4-BE49-F238E27FC236}">
+                <a16:creationId xmlns:a16="http://schemas.microsoft.com/office/drawing/2014/main" id="{50A696CB-C6C9-4515-9DD9-161E2ECB8174}"/>
+              </a:ext>
+            </a:extLst>
+          </p:cNvPr>
           <p:cNvSpPr>
             <a:spLocks noGrp="1"/>
           </p:cNvSpPr>
@@ -18589,570 +20348,97 @@
           <a:p>
             <a:r>
               <a:rPr lang="en-US" altLang="ko-KR" dirty="0"/>
-              <a:t>Additional file</a:t>
-            </a:r>
-            <a:r>
-              <a:rPr lang="ko-KR" altLang="en-US" dirty="0"/>
-              <a:t>을 사용</a:t>
-            </a:r>
-            <a:br>
-              <a:rPr lang="en-US" altLang="ko-KR" dirty="0"/>
-            </a:br>
-            <a:r>
-              <a:rPr lang="en-US" altLang="ko-KR" dirty="0">
-                <a:sym typeface="Wingdings" panose="05000000000000000000" pitchFamily="2" charset="2"/>
-              </a:rPr>
-              <a:t></a:t>
-            </a:r>
-            <a:r>
-              <a:rPr lang="ko-KR" altLang="en-US" dirty="0"/>
               <a:t> </a:t>
             </a:r>
-            <a:r>
-              <a:rPr lang="en-US" altLang="ko-KR" dirty="0" err="1"/>
-              <a:t>tlLogic</a:t>
-            </a:r>
-            <a:r>
-              <a:rPr lang="en-US" altLang="ko-KR" dirty="0"/>
-              <a:t> id</a:t>
-            </a:r>
-            <a:r>
-              <a:rPr lang="ko-KR" altLang="en-US" dirty="0"/>
-              <a:t>를 부여하여 사용함</a:t>
-            </a:r>
-            <a:r>
-              <a:rPr lang="en-US" altLang="ko-KR" dirty="0"/>
-              <a:t>(.nod.xml</a:t>
-            </a:r>
-            <a:r>
-              <a:rPr lang="ko-KR" altLang="en-US" dirty="0"/>
-              <a:t>에서 부여한 </a:t>
-            </a:r>
-            <a:r>
-              <a:rPr lang="en-US" altLang="ko-KR" dirty="0"/>
-              <a:t>id</a:t>
-            </a:r>
-            <a:r>
-              <a:rPr lang="ko-KR" altLang="en-US" dirty="0"/>
-              <a:t>와 동일할 때</a:t>
-            </a:r>
-            <a:r>
-              <a:rPr lang="en-US" altLang="ko-KR" dirty="0"/>
-              <a:t>, </a:t>
-            </a:r>
-            <a:r>
-              <a:rPr lang="ko-KR" altLang="en-US" dirty="0"/>
-              <a:t>동작함</a:t>
-            </a:r>
-            <a:r>
-              <a:rPr lang="en-US" altLang="ko-KR" dirty="0"/>
-              <a:t>)</a:t>
-            </a:r>
-          </a:p>
-          <a:p>
-            <a:r>
-              <a:rPr lang="en-US" altLang="ko-KR" dirty="0"/>
-              <a:t>Program ID</a:t>
-            </a:r>
-            <a:r>
-              <a:rPr lang="ko-KR" altLang="en-US" dirty="0"/>
-              <a:t>는 </a:t>
-            </a:r>
-            <a:r>
-              <a:rPr lang="en-US" altLang="ko-KR" dirty="0"/>
-              <a:t>‘off’</a:t>
-            </a:r>
-            <a:r>
-              <a:rPr lang="ko-KR" altLang="en-US" dirty="0"/>
-              <a:t>를 제외하고 부여</a:t>
-            </a:r>
-            <a:endParaRPr lang="en-US" altLang="ko-KR" dirty="0"/>
-          </a:p>
-          <a:p>
-            <a:r>
-              <a:rPr lang="ko-KR" altLang="en-US" dirty="0"/>
-              <a:t>아래 </a:t>
-            </a:r>
-            <a:r>
-              <a:rPr lang="en-US" altLang="ko-KR" dirty="0"/>
-              <a:t>Character</a:t>
-            </a:r>
-            <a:r>
-              <a:rPr lang="ko-KR" altLang="en-US" dirty="0"/>
-              <a:t>는 소문자는 </a:t>
-            </a:r>
-            <a:r>
-              <a:rPr lang="en-US" altLang="ko-KR" dirty="0"/>
-              <a:t>decelerate </a:t>
-            </a:r>
-            <a:r>
-              <a:rPr lang="ko-KR" altLang="en-US" dirty="0"/>
-              <a:t>함을 의미</a:t>
-            </a:r>
-            <a:r>
-              <a:rPr lang="en-US" altLang="ko-KR" dirty="0"/>
-              <a:t>(set</a:t>
-            </a:r>
-            <a:r>
-              <a:rPr lang="ko-KR" altLang="en-US" dirty="0"/>
-              <a:t>할 때</a:t>
-            </a:r>
-            <a:r>
-              <a:rPr lang="en-US" altLang="ko-KR" dirty="0"/>
-              <a:t>, </a:t>
-            </a:r>
-            <a:r>
-              <a:rPr lang="ko-KR" altLang="en-US" dirty="0"/>
-              <a:t>기준</a:t>
-            </a:r>
-            <a:r>
-              <a:rPr lang="en-US" altLang="ko-KR" dirty="0"/>
-              <a:t>)</a:t>
-            </a:r>
             <a:endParaRPr lang="ko-KR" altLang="en-US" dirty="0"/>
           </a:p>
         </p:txBody>
       </p:sp>
-      <p:pic>
-        <p:nvPicPr>
-          <p:cNvPr id="4" name="그림 3"/>
-          <p:cNvPicPr>
-            <a:picLocks noChangeAspect="1"/>
-          </p:cNvPicPr>
+      <p:sp>
+        <p:nvSpPr>
+          <p:cNvPr id="4" name="사각형: 둥근 모서리 3">
+            <a:extLst>
+              <a:ext uri="{FF2B5EF4-FFF2-40B4-BE49-F238E27FC236}">
+                <a16:creationId xmlns:a16="http://schemas.microsoft.com/office/drawing/2014/main" id="{C6D1BF94-7D06-4819-8E8C-463D299A0B6D}"/>
+              </a:ext>
+            </a:extLst>
+          </p:cNvPr>
+          <p:cNvSpPr/>
           <p:nvPr/>
-        </p:nvPicPr>
-        <p:blipFill rotWithShape="1">
-          <a:blip r:embed="rId2"/>
-          <a:srcRect t="1704" b="3900"/>
-          <a:stretch/>
-        </p:blipFill>
+        </p:nvSpPr>
         <p:spPr>
           <a:xfrm>
-            <a:off x="1035781" y="3477060"/>
-            <a:ext cx="1515890" cy="2590107"/>
+            <a:off x="1540042" y="2486526"/>
+            <a:ext cx="1235242" cy="689811"/>
           </a:xfrm>
-          <a:prstGeom prst="rect">
+          <a:prstGeom prst="roundRect">
             <a:avLst/>
           </a:prstGeom>
         </p:spPr>
-      </p:pic>
-      <p:graphicFrame>
-        <p:nvGraphicFramePr>
-          <p:cNvPr id="5" name="표 4"/>
-          <p:cNvGraphicFramePr>
-            <a:graphicFrameLocks noGrp="1"/>
-          </p:cNvGraphicFramePr>
-          <p:nvPr>
-            <p:extLst>
-              <p:ext uri="{D42A27DB-BD31-4B8C-83A1-F6EECF244321}">
-                <p14:modId xmlns:p14="http://schemas.microsoft.com/office/powerpoint/2010/main" val="2715200273"/>
-              </p:ext>
-            </p:extLst>
-          </p:nvPr>
-        </p:nvGraphicFramePr>
-        <p:xfrm>
-          <a:off x="2551671" y="3477060"/>
-          <a:ext cx="8303740" cy="2590110"/>
-        </p:xfrm>
-        <a:graphic>
-          <a:graphicData uri="http://schemas.openxmlformats.org/drawingml/2006/table">
-            <a:tbl>
-              <a:tblPr firstRow="1" bandRow="1">
-                <a:tableStyleId>{5C22544A-7EE6-4342-B048-85BDC9FD1C3A}</a:tableStyleId>
-              </a:tblPr>
-              <a:tblGrid>
-                <a:gridCol w="8303740">
-                  <a:extLst>
-                    <a:ext uri="{9D8B030D-6E8A-4147-A177-3AD203B41FA5}">
-                      <a16:colId xmlns:a16="http://schemas.microsoft.com/office/drawing/2014/main" val="2295766174"/>
-                    </a:ext>
-                  </a:extLst>
-                </a:gridCol>
-              </a:tblGrid>
-              <a:tr h="287790">
-                <a:tc>
-                  <a:txBody>
-                    <a:bodyPr/>
-                    <a:lstStyle/>
-                    <a:p>
-                      <a:pPr latinLnBrk="1"/>
-                      <a:r>
-                        <a:rPr lang="ko-KR" altLang="en-US" sz="1200" dirty="0"/>
-                        <a:t>설명</a:t>
-                      </a:r>
-                    </a:p>
-                  </a:txBody>
-                  <a:tcPr/>
-                </a:tc>
-                <a:extLst>
-                  <a:ext uri="{0D108BD9-81ED-4DB2-BD59-A6C34878D82A}">
-                    <a16:rowId xmlns:a16="http://schemas.microsoft.com/office/drawing/2014/main" val="2193044637"/>
-                  </a:ext>
-                </a:extLst>
-              </a:tr>
-              <a:tr h="287790">
-                <a:tc>
-                  <a:txBody>
-                    <a:bodyPr/>
-                    <a:lstStyle/>
-                    <a:p>
-                      <a:pPr latinLnBrk="1"/>
-                      <a:r>
-                        <a:rPr lang="en-US" altLang="ko-KR" sz="1200" dirty="0"/>
-                        <a:t>Red Light,</a:t>
-                      </a:r>
-                      <a:r>
-                        <a:rPr lang="en-US" altLang="ko-KR" sz="1200" baseline="0" dirty="0"/>
-                        <a:t> </a:t>
-                      </a:r>
-                      <a:r>
-                        <a:rPr lang="ko-KR" altLang="en-US" sz="1200" baseline="0" dirty="0"/>
-                        <a:t>이 신호일 때</a:t>
-                      </a:r>
-                      <a:r>
-                        <a:rPr lang="en-US" altLang="ko-KR" sz="1200" baseline="0" dirty="0"/>
-                        <a:t>, junction</a:t>
-                      </a:r>
-                      <a:r>
-                        <a:rPr lang="ko-KR" altLang="en-US" sz="1200" baseline="0" dirty="0"/>
-                        <a:t>에서 차량이 정지하면</a:t>
-                      </a:r>
-                      <a:r>
-                        <a:rPr lang="en-US" altLang="ko-KR" sz="1200" baseline="0" dirty="0"/>
-                        <a:t> Teleport</a:t>
-                      </a:r>
-                      <a:endParaRPr lang="ko-KR" altLang="en-US" sz="1200" dirty="0"/>
-                    </a:p>
-                  </a:txBody>
-                  <a:tcPr/>
-                </a:tc>
-                <a:extLst>
-                  <a:ext uri="{0D108BD9-81ED-4DB2-BD59-A6C34878D82A}">
-                    <a16:rowId xmlns:a16="http://schemas.microsoft.com/office/drawing/2014/main" val="1892209508"/>
-                  </a:ext>
-                </a:extLst>
-              </a:tr>
-              <a:tr h="287790">
-                <a:tc>
-                  <a:txBody>
-                    <a:bodyPr/>
-                    <a:lstStyle/>
-                    <a:p>
-                      <a:pPr latinLnBrk="1"/>
-                      <a:r>
-                        <a:rPr lang="en-US" altLang="ko-KR" sz="1200" dirty="0"/>
-                        <a:t>Yellow Light,</a:t>
-                      </a:r>
-                      <a:r>
-                        <a:rPr lang="en-US" altLang="ko-KR" sz="1200" baseline="0" dirty="0"/>
-                        <a:t> </a:t>
-                      </a:r>
-                      <a:r>
-                        <a:rPr lang="ko-KR" altLang="en-US" sz="1200" baseline="0" dirty="0"/>
-                        <a:t>차량이 </a:t>
-                      </a:r>
-                      <a:r>
-                        <a:rPr lang="en-US" altLang="ko-KR" sz="1200" baseline="0" dirty="0"/>
-                        <a:t>Junction</a:t>
-                      </a:r>
-                      <a:r>
-                        <a:rPr lang="ko-KR" altLang="en-US" sz="1200" baseline="0" dirty="0"/>
-                        <a:t>에서 멀면 </a:t>
-                      </a:r>
-                      <a:r>
-                        <a:rPr lang="en-US" altLang="ko-KR" sz="1200" baseline="0" dirty="0"/>
-                        <a:t>deceleration, </a:t>
-                      </a:r>
-                      <a:r>
-                        <a:rPr lang="ko-KR" altLang="en-US" sz="1200" baseline="0" dirty="0"/>
-                        <a:t>아니면 </a:t>
-                      </a:r>
-                      <a:r>
-                        <a:rPr lang="en-US" altLang="ko-KR" sz="1200" baseline="0" dirty="0"/>
-                        <a:t>pass</a:t>
-                      </a:r>
-                      <a:endParaRPr lang="ko-KR" altLang="en-US" sz="1200" dirty="0"/>
-                    </a:p>
-                  </a:txBody>
-                  <a:tcPr/>
-                </a:tc>
-                <a:extLst>
-                  <a:ext uri="{0D108BD9-81ED-4DB2-BD59-A6C34878D82A}">
-                    <a16:rowId xmlns:a16="http://schemas.microsoft.com/office/drawing/2014/main" val="1621648304"/>
-                  </a:ext>
-                </a:extLst>
-              </a:tr>
-              <a:tr h="287790">
-                <a:tc>
-                  <a:txBody>
-                    <a:bodyPr/>
-                    <a:lstStyle/>
-                    <a:p>
-                      <a:pPr latinLnBrk="1"/>
-                      <a:r>
-                        <a:rPr lang="en-US" altLang="ko-KR" sz="1200" dirty="0"/>
-                        <a:t>Green</a:t>
-                      </a:r>
-                      <a:r>
-                        <a:rPr lang="en-US" altLang="ko-KR" sz="1200" baseline="0" dirty="0"/>
-                        <a:t> Light with no priority, </a:t>
-                      </a:r>
-                      <a:r>
-                        <a:rPr lang="ko-KR" altLang="en-US" sz="1200" baseline="0" dirty="0"/>
-                        <a:t>비 보호 녹색 신호</a:t>
-                      </a:r>
-                      <a:r>
-                        <a:rPr lang="en-US" altLang="ko-KR" sz="1200" baseline="0" dirty="0"/>
-                        <a:t>, </a:t>
-                      </a:r>
-                      <a:r>
-                        <a:rPr lang="ko-KR" altLang="en-US" sz="1200" baseline="0" dirty="0"/>
-                        <a:t>먼저 온 </a:t>
-                      </a:r>
-                      <a:r>
-                        <a:rPr lang="en-US" altLang="ko-KR" sz="1200" baseline="0" dirty="0"/>
-                        <a:t>priority signal </a:t>
-                      </a:r>
-                      <a:r>
-                        <a:rPr lang="ko-KR" altLang="en-US" sz="1200" baseline="0" dirty="0"/>
-                        <a:t>수신 차량이 있는 경우 </a:t>
-                      </a:r>
-                      <a:r>
-                        <a:rPr lang="en-US" altLang="ko-KR" sz="1200" baseline="0" dirty="0"/>
-                        <a:t>deceleration</a:t>
-                      </a:r>
-                      <a:endParaRPr lang="ko-KR" altLang="en-US" sz="1200" dirty="0"/>
-                    </a:p>
-                  </a:txBody>
-                  <a:tcPr/>
-                </a:tc>
-                <a:extLst>
-                  <a:ext uri="{0D108BD9-81ED-4DB2-BD59-A6C34878D82A}">
-                    <a16:rowId xmlns:a16="http://schemas.microsoft.com/office/drawing/2014/main" val="3144239424"/>
-                  </a:ext>
-                </a:extLst>
-              </a:tr>
-              <a:tr h="287790">
-                <a:tc>
-                  <a:txBody>
-                    <a:bodyPr/>
-                    <a:lstStyle/>
-                    <a:p>
-                      <a:pPr latinLnBrk="1"/>
-                      <a:r>
-                        <a:rPr lang="en-US" altLang="ko-KR" sz="1200" dirty="0"/>
-                        <a:t>Green Light</a:t>
-                      </a:r>
-                      <a:r>
-                        <a:rPr lang="en-US" altLang="ko-KR" sz="1200" baseline="0" dirty="0"/>
-                        <a:t> with priority, junction</a:t>
-                      </a:r>
-                      <a:r>
-                        <a:rPr lang="ko-KR" altLang="en-US" sz="1200" baseline="0" dirty="0"/>
-                        <a:t>을 우선 </a:t>
-                      </a:r>
-                      <a:r>
-                        <a:rPr lang="en-US" altLang="ko-KR" sz="1200" baseline="0" dirty="0"/>
-                        <a:t>pass</a:t>
-                      </a:r>
-                      <a:r>
-                        <a:rPr lang="ko-KR" altLang="en-US" sz="1200" baseline="0" dirty="0"/>
-                        <a:t>하는 신호</a:t>
-                      </a:r>
-                      <a:endParaRPr lang="ko-KR" altLang="en-US" sz="1200" dirty="0"/>
-                    </a:p>
-                  </a:txBody>
-                  <a:tcPr/>
-                </a:tc>
-                <a:extLst>
-                  <a:ext uri="{0D108BD9-81ED-4DB2-BD59-A6C34878D82A}">
-                    <a16:rowId xmlns:a16="http://schemas.microsoft.com/office/drawing/2014/main" val="3552610863"/>
-                  </a:ext>
-                </a:extLst>
-              </a:tr>
-              <a:tr h="287790">
-                <a:tc>
-                  <a:txBody>
-                    <a:bodyPr/>
-                    <a:lstStyle/>
-                    <a:p>
-                      <a:pPr latinLnBrk="1"/>
-                      <a:r>
-                        <a:rPr lang="en-US" altLang="ko-KR" sz="1200" dirty="0"/>
-                        <a:t>Green</a:t>
-                      </a:r>
-                      <a:r>
-                        <a:rPr lang="en-US" altLang="ko-KR" sz="1200" baseline="0" dirty="0"/>
-                        <a:t> Right-turn arrow, junction type ‘</a:t>
-                      </a:r>
-                      <a:r>
-                        <a:rPr lang="en-US" altLang="ko-KR" sz="1200" baseline="0" dirty="0" err="1"/>
-                        <a:t>traffic_light_right_on_red</a:t>
-                      </a:r>
-                      <a:r>
-                        <a:rPr lang="en-US" altLang="ko-KR" sz="1200" baseline="0" dirty="0"/>
-                        <a:t>’</a:t>
-                      </a:r>
-                      <a:r>
-                        <a:rPr lang="ko-KR" altLang="en-US" sz="1200" baseline="0" dirty="0"/>
-                        <a:t>에서만 생성되며</a:t>
-                      </a:r>
-                      <a:r>
-                        <a:rPr lang="en-US" altLang="ko-KR" sz="1200" baseline="0" dirty="0"/>
-                        <a:t>, priority</a:t>
-                      </a:r>
-                      <a:r>
-                        <a:rPr lang="ko-KR" altLang="en-US" sz="1200" baseline="0" dirty="0"/>
-                        <a:t>가 </a:t>
-                      </a:r>
-                      <a:r>
-                        <a:rPr lang="ko-KR" altLang="en-US" sz="1200" baseline="0" dirty="0" err="1"/>
-                        <a:t>대향</a:t>
-                      </a:r>
-                      <a:r>
-                        <a:rPr lang="ko-KR" altLang="en-US" sz="1200" baseline="0" dirty="0"/>
-                        <a:t> 방향 차량이 갖는 경우 정지</a:t>
-                      </a:r>
-                      <a:endParaRPr lang="ko-KR" altLang="en-US" sz="1200" dirty="0"/>
-                    </a:p>
-                  </a:txBody>
-                  <a:tcPr/>
-                </a:tc>
-                <a:extLst>
-                  <a:ext uri="{0D108BD9-81ED-4DB2-BD59-A6C34878D82A}">
-                    <a16:rowId xmlns:a16="http://schemas.microsoft.com/office/drawing/2014/main" val="3279951499"/>
-                  </a:ext>
-                </a:extLst>
-              </a:tr>
-              <a:tr h="287790">
-                <a:tc>
-                  <a:txBody>
-                    <a:bodyPr/>
-                    <a:lstStyle/>
-                    <a:p>
-                      <a:pPr latinLnBrk="1"/>
-                      <a:r>
-                        <a:rPr lang="en-US" altLang="ko-KR" sz="1200" dirty="0" err="1"/>
-                        <a:t>Red+yellow</a:t>
-                      </a:r>
-                      <a:r>
-                        <a:rPr lang="en-US" altLang="ko-KR" sz="1200" dirty="0"/>
-                        <a:t>,</a:t>
-                      </a:r>
-                      <a:r>
-                        <a:rPr lang="en-US" altLang="ko-KR" sz="1200" baseline="0" dirty="0"/>
-                        <a:t> Red</a:t>
-                      </a:r>
-                      <a:r>
-                        <a:rPr lang="ko-KR" altLang="en-US" sz="1200" baseline="0" dirty="0"/>
-                        <a:t>에서 </a:t>
-                      </a:r>
-                      <a:r>
-                        <a:rPr lang="en-US" altLang="ko-KR" sz="1200" baseline="0" dirty="0"/>
-                        <a:t>Green</a:t>
-                      </a:r>
-                      <a:r>
-                        <a:rPr lang="ko-KR" altLang="en-US" sz="1200" baseline="0" dirty="0"/>
-                        <a:t>으로 바뀌기 전의 노란색 신호</a:t>
-                      </a:r>
-                      <a:r>
-                        <a:rPr lang="en-US" altLang="ko-KR" sz="1200" baseline="0" dirty="0"/>
-                        <a:t>, </a:t>
-                      </a:r>
-                      <a:r>
-                        <a:rPr lang="ko-KR" altLang="en-US" sz="1200" baseline="0" dirty="0"/>
-                        <a:t>차량이 </a:t>
-                      </a:r>
-                      <a:r>
-                        <a:rPr lang="ko-KR" altLang="en-US" sz="1200" baseline="0" dirty="0" err="1"/>
-                        <a:t>출발안함</a:t>
-                      </a:r>
-                      <a:endParaRPr lang="ko-KR" altLang="en-US" sz="1200" dirty="0"/>
-                    </a:p>
-                  </a:txBody>
-                  <a:tcPr/>
-                </a:tc>
-                <a:extLst>
-                  <a:ext uri="{0D108BD9-81ED-4DB2-BD59-A6C34878D82A}">
-                    <a16:rowId xmlns:a16="http://schemas.microsoft.com/office/drawing/2014/main" val="1826550951"/>
-                  </a:ext>
-                </a:extLst>
-              </a:tr>
-              <a:tr h="287790">
-                <a:tc>
-                  <a:txBody>
-                    <a:bodyPr/>
-                    <a:lstStyle/>
-                    <a:p>
-                      <a:pPr latinLnBrk="1"/>
-                      <a:r>
-                        <a:rPr lang="ko-KR" altLang="en-US" sz="1200" dirty="0"/>
-                        <a:t>깜박이면 차량이 양보해야함을 의미하는 신호</a:t>
-                      </a:r>
-                    </a:p>
-                  </a:txBody>
-                  <a:tcPr/>
-                </a:tc>
-                <a:extLst>
-                  <a:ext uri="{0D108BD9-81ED-4DB2-BD59-A6C34878D82A}">
-                    <a16:rowId xmlns:a16="http://schemas.microsoft.com/office/drawing/2014/main" val="2775677074"/>
-                  </a:ext>
-                </a:extLst>
-              </a:tr>
-              <a:tr h="287790">
-                <a:tc>
-                  <a:txBody>
-                    <a:bodyPr/>
-                    <a:lstStyle/>
-                    <a:p>
-                      <a:pPr latinLnBrk="1"/>
-                      <a:r>
-                        <a:rPr lang="ko-KR" altLang="en-US" sz="1200" dirty="0"/>
-                        <a:t>차량에게 통행권이 있는 신호</a:t>
-                      </a:r>
-                    </a:p>
-                  </a:txBody>
-                  <a:tcPr/>
-                </a:tc>
-                <a:extLst>
-                  <a:ext uri="{0D108BD9-81ED-4DB2-BD59-A6C34878D82A}">
-                    <a16:rowId xmlns:a16="http://schemas.microsoft.com/office/drawing/2014/main" val="3907741454"/>
-                  </a:ext>
-                </a:extLst>
-              </a:tr>
-            </a:tbl>
-          </a:graphicData>
-        </a:graphic>
-      </p:graphicFrame>
-      <p:sp>
-        <p:nvSpPr>
-          <p:cNvPr id="6" name="직사각형 5"/>
+        <p:style>
+          <a:lnRef idx="2">
+            <a:schemeClr val="accent1">
+              <a:shade val="50000"/>
+            </a:schemeClr>
+          </a:lnRef>
+          <a:fillRef idx="1">
+            <a:schemeClr val="accent1"/>
+          </a:fillRef>
+          <a:effectRef idx="0">
+            <a:schemeClr val="accent1"/>
+          </a:effectRef>
+          <a:fontRef idx="minor">
+            <a:schemeClr val="lt1"/>
+          </a:fontRef>
+        </p:style>
+        <p:txBody>
+          <a:bodyPr rtlCol="0" anchor="ctr"/>
+          <a:lstStyle/>
+          <a:p>
+            <a:pPr algn="ctr"/>
+            <a:r>
+              <a:rPr lang="en-US" altLang="ko-KR" dirty="0"/>
+              <a:t>Run.py</a:t>
+            </a:r>
+            <a:endParaRPr lang="ko-KR" altLang="en-US" dirty="0"/>
+          </a:p>
+        </p:txBody>
+      </p:sp>
+      <p:sp>
+        <p:nvSpPr>
+          <p:cNvPr id="5" name="사각형: 둥근 모서리 4">
+            <a:extLst>
+              <a:ext uri="{FF2B5EF4-FFF2-40B4-BE49-F238E27FC236}">
+                <a16:creationId xmlns:a16="http://schemas.microsoft.com/office/drawing/2014/main" id="{9F118EF3-9083-4017-9F16-5D41EBDCB596}"/>
+              </a:ext>
+            </a:extLst>
+          </p:cNvPr>
           <p:cNvSpPr/>
           <p:nvPr/>
         </p:nvSpPr>
         <p:spPr>
           <a:xfrm>
-            <a:off x="1035781" y="3774989"/>
-            <a:ext cx="1466462" cy="284205"/>
+            <a:off x="4066674" y="2486526"/>
+            <a:ext cx="1235242" cy="689811"/>
           </a:xfrm>
-          <a:prstGeom prst="rect">
+          <a:prstGeom prst="roundRect">
             <a:avLst/>
           </a:prstGeom>
-          <a:noFill/>
-          <a:ln w="28575"/>
         </p:spPr>
         <p:style>
           <a:lnRef idx="2">
-            <a:schemeClr val="accent2"/>
+            <a:schemeClr val="accent1">
+              <a:shade val="50000"/>
+            </a:schemeClr>
           </a:lnRef>
           <a:fillRef idx="1">
-            <a:schemeClr val="lt1"/>
+            <a:schemeClr val="accent1"/>
           </a:fillRef>
           <a:effectRef idx="0">
-            <a:schemeClr val="accent2"/>
+            <a:schemeClr val="accent1"/>
           </a:effectRef>
           <a:fontRef idx="minor">
-            <a:schemeClr val="dk1"/>
+            <a:schemeClr val="lt1"/>
           </a:fontRef>
         </p:style>
         <p:txBody>
@@ -19160,39 +20446,48 @@
           <a:lstStyle/>
           <a:p>
             <a:pPr algn="ctr"/>
-            <a:endParaRPr lang="ko-KR" altLang="en-US"/>
-          </a:p>
-        </p:txBody>
-      </p:sp>
-      <p:sp>
-        <p:nvSpPr>
-          <p:cNvPr id="7" name="직사각형 6"/>
+            <a:r>
+              <a:rPr lang="en-US" altLang="ko-KR" dirty="0"/>
+              <a:t>Env.py</a:t>
+            </a:r>
+          </a:p>
+        </p:txBody>
+      </p:sp>
+      <p:sp>
+        <p:nvSpPr>
+          <p:cNvPr id="6" name="사각형: 둥근 모서리 5">
+            <a:extLst>
+              <a:ext uri="{FF2B5EF4-FFF2-40B4-BE49-F238E27FC236}">
+                <a16:creationId xmlns:a16="http://schemas.microsoft.com/office/drawing/2014/main" id="{FC865608-674B-4AEE-A856-4D8A836E05B8}"/>
+              </a:ext>
+            </a:extLst>
+          </p:cNvPr>
           <p:cNvSpPr/>
           <p:nvPr/>
         </p:nvSpPr>
         <p:spPr>
           <a:xfrm>
-            <a:off x="1039901" y="4063312"/>
-            <a:ext cx="1466462" cy="284205"/>
+            <a:off x="4066674" y="3681664"/>
+            <a:ext cx="1235242" cy="689811"/>
           </a:xfrm>
-          <a:prstGeom prst="rect">
+          <a:prstGeom prst="roundRect">
             <a:avLst/>
           </a:prstGeom>
-          <a:noFill/>
-          <a:ln w="28575"/>
         </p:spPr>
         <p:style>
           <a:lnRef idx="2">
-            <a:schemeClr val="accent2"/>
+            <a:schemeClr val="accent1">
+              <a:shade val="50000"/>
+            </a:schemeClr>
           </a:lnRef>
           <a:fillRef idx="1">
-            <a:schemeClr val="lt1"/>
+            <a:schemeClr val="accent1"/>
           </a:fillRef>
           <a:effectRef idx="0">
-            <a:schemeClr val="accent2"/>
+            <a:schemeClr val="accent1"/>
           </a:effectRef>
           <a:fontRef idx="minor">
-            <a:schemeClr val="dk1"/>
+            <a:schemeClr val="lt1"/>
           </a:fontRef>
         </p:style>
         <p:txBody>
@@ -19200,39 +20495,48 @@
           <a:lstStyle/>
           <a:p>
             <a:pPr algn="ctr"/>
-            <a:endParaRPr lang="ko-KR" altLang="en-US"/>
-          </a:p>
-        </p:txBody>
-      </p:sp>
-      <p:sp>
-        <p:nvSpPr>
-          <p:cNvPr id="8" name="직사각형 7"/>
+            <a:r>
+              <a:rPr lang="en-US" altLang="ko-KR" dirty="0"/>
+              <a:t>Dqn.py</a:t>
+            </a:r>
+          </a:p>
+        </p:txBody>
+      </p:sp>
+      <p:sp>
+        <p:nvSpPr>
+          <p:cNvPr id="7" name="사각형: 둥근 모서리 6">
+            <a:extLst>
+              <a:ext uri="{FF2B5EF4-FFF2-40B4-BE49-F238E27FC236}">
+                <a16:creationId xmlns:a16="http://schemas.microsoft.com/office/drawing/2014/main" id="{8D405740-A1EA-4578-8571-399BD17690F1}"/>
+              </a:ext>
+            </a:extLst>
+          </p:cNvPr>
           <p:cNvSpPr/>
           <p:nvPr/>
         </p:nvSpPr>
         <p:spPr>
           <a:xfrm>
-            <a:off x="1035781" y="4361241"/>
-            <a:ext cx="1466462" cy="284205"/>
+            <a:off x="4090738" y="4892842"/>
+            <a:ext cx="1235242" cy="689811"/>
           </a:xfrm>
-          <a:prstGeom prst="rect">
+          <a:prstGeom prst="roundRect">
             <a:avLst/>
           </a:prstGeom>
-          <a:noFill/>
-          <a:ln w="28575"/>
         </p:spPr>
         <p:style>
           <a:lnRef idx="2">
-            <a:schemeClr val="accent2"/>
+            <a:schemeClr val="accent1">
+              <a:shade val="50000"/>
+            </a:schemeClr>
           </a:lnRef>
           <a:fillRef idx="1">
-            <a:schemeClr val="lt1"/>
+            <a:schemeClr val="accent1"/>
           </a:fillRef>
           <a:effectRef idx="0">
-            <a:schemeClr val="accent2"/>
+            <a:schemeClr val="accent1"/>
           </a:effectRef>
           <a:fontRef idx="minor">
-            <a:schemeClr val="dk1"/>
+            <a:schemeClr val="lt1"/>
           </a:fontRef>
         </p:style>
         <p:txBody>
@@ -19240,94 +20544,17 @@
           <a:lstStyle/>
           <a:p>
             <a:pPr algn="ctr"/>
-            <a:endParaRPr lang="ko-KR" altLang="en-US"/>
-          </a:p>
-        </p:txBody>
-      </p:sp>
-      <p:sp>
-        <p:nvSpPr>
-          <p:cNvPr id="9" name="직사각형 8"/>
-          <p:cNvSpPr/>
-          <p:nvPr/>
-        </p:nvSpPr>
-        <p:spPr>
-          <a:xfrm>
-            <a:off x="1035781" y="4662594"/>
-            <a:ext cx="1466462" cy="284205"/>
-          </a:xfrm>
-          <a:prstGeom prst="rect">
-            <a:avLst/>
-          </a:prstGeom>
-          <a:noFill/>
-          <a:ln w="28575"/>
-        </p:spPr>
-        <p:style>
-          <a:lnRef idx="2">
-            <a:schemeClr val="accent2"/>
-          </a:lnRef>
-          <a:fillRef idx="1">
-            <a:schemeClr val="lt1"/>
-          </a:fillRef>
-          <a:effectRef idx="0">
-            <a:schemeClr val="accent2"/>
-          </a:effectRef>
-          <a:fontRef idx="minor">
-            <a:schemeClr val="dk1"/>
-          </a:fontRef>
-        </p:style>
-        <p:txBody>
-          <a:bodyPr rtlCol="0" anchor="ctr"/>
-          <a:lstStyle/>
-          <a:p>
-            <a:pPr algn="ctr"/>
-            <a:endParaRPr lang="ko-KR" altLang="en-US"/>
-          </a:p>
-        </p:txBody>
-      </p:sp>
-      <p:sp>
-        <p:nvSpPr>
-          <p:cNvPr id="10" name="직사각형 9"/>
-          <p:cNvSpPr/>
-          <p:nvPr/>
-        </p:nvSpPr>
-        <p:spPr>
-          <a:xfrm>
-            <a:off x="1035781" y="4959155"/>
-            <a:ext cx="1466462" cy="284205"/>
-          </a:xfrm>
-          <a:prstGeom prst="rect">
-            <a:avLst/>
-          </a:prstGeom>
-          <a:noFill/>
-          <a:ln w="28575"/>
-        </p:spPr>
-        <p:style>
-          <a:lnRef idx="2">
-            <a:schemeClr val="accent2"/>
-          </a:lnRef>
-          <a:fillRef idx="1">
-            <a:schemeClr val="lt1"/>
-          </a:fillRef>
-          <a:effectRef idx="0">
-            <a:schemeClr val="accent2"/>
-          </a:effectRef>
-          <a:fontRef idx="minor">
-            <a:schemeClr val="dk1"/>
-          </a:fontRef>
-        </p:style>
-        <p:txBody>
-          <a:bodyPr rtlCol="0" anchor="ctr"/>
-          <a:lstStyle/>
-          <a:p>
-            <a:pPr algn="ctr"/>
-            <a:endParaRPr lang="ko-KR" altLang="en-US"/>
+            <a:r>
+              <a:rPr lang="en-US" altLang="ko-KR" dirty="0"/>
+              <a:t>Dqn.py</a:t>
+            </a:r>
           </a:p>
         </p:txBody>
       </p:sp>
     </p:spTree>
     <p:extLst>
       <p:ext uri="{BB962C8B-B14F-4D97-AF65-F5344CB8AC3E}">
-        <p14:creationId xmlns:p14="http://schemas.microsoft.com/office/powerpoint/2010/main" val="1192784744"/>
+        <p14:creationId xmlns:p14="http://schemas.microsoft.com/office/powerpoint/2010/main" val="1470577201"/>
       </p:ext>
     </p:extLst>
   </p:cSld>
@@ -19370,8 +20597,8 @@
           <a:lstStyle/>
           <a:p>
             <a:r>
-              <a:rPr lang="en-US" altLang="ko-KR" dirty="0"/>
-              <a:t>Defining New TLS-Programs</a:t>
+              <a:rPr lang="en-US" altLang="ko-KR" dirty="0" err="1"/>
+              <a:t>TraCI</a:t>
             </a:r>
             <a:endParaRPr lang="ko-KR" altLang="en-US" dirty="0"/>
           </a:p>
@@ -19394,299 +20621,148 @@
           <a:p>
             <a:r>
               <a:rPr lang="en-US" altLang="ko-KR" dirty="0"/>
-              <a:t>TLS state </a:t>
+              <a:t>Additional file </a:t>
             </a:r>
             <a:r>
               <a:rPr lang="ko-KR" altLang="en-US" dirty="0"/>
-              <a:t>부여 방식</a:t>
+              <a:t>을 이용하여 </a:t>
+            </a:r>
+            <a:r>
+              <a:rPr lang="en-US" altLang="ko-KR" dirty="0"/>
+              <a:t>Traffic Light</a:t>
+            </a:r>
+            <a:r>
+              <a:rPr lang="ko-KR" altLang="en-US" dirty="0"/>
+              <a:t>를 조절</a:t>
             </a:r>
             <a:br>
               <a:rPr lang="en-US" altLang="ko-KR" dirty="0"/>
             </a:br>
             <a:r>
               <a:rPr lang="en-US" altLang="ko-KR" dirty="0"/>
+              <a:t>-.add.xml format </a:t>
+            </a:r>
+            <a:r>
+              <a:rPr lang="ko-KR" altLang="en-US" dirty="0"/>
+              <a:t>사용</a:t>
+            </a:r>
+            <a:endParaRPr lang="en-US" altLang="ko-KR" dirty="0"/>
+          </a:p>
+          <a:p>
+            <a:r>
+              <a:rPr lang="en-US" altLang="ko-KR" dirty="0"/>
+              <a:t>Phase Setting</a:t>
+            </a:r>
+            <a:br>
+              <a:rPr lang="en-US" altLang="ko-KR" dirty="0"/>
+            </a:br>
+            <a:r>
+              <a:rPr lang="en-US" altLang="ko-KR" dirty="0"/>
               <a:t>- </a:t>
             </a:r>
             <a:r>
+              <a:rPr lang="en-US" altLang="ko-KR" dirty="0" err="1"/>
+              <a:t>setPhase</a:t>
+            </a:r>
+            <a:r>
+              <a:rPr lang="en-US" altLang="ko-KR" dirty="0"/>
+              <a:t> function : </a:t>
+            </a:r>
+            <a:r>
               <a:rPr lang="ko-KR" altLang="en-US" dirty="0"/>
-              <a:t>순서대로 부여하되</a:t>
-            </a:r>
-            <a:r>
-              <a:rPr lang="en-US" altLang="ko-KR" dirty="0"/>
-              <a:t>, lane</a:t>
+              <a:t>현재 </a:t>
+            </a:r>
+            <a:r>
+              <a:rPr lang="en-US" altLang="ko-KR" dirty="0"/>
+              <a:t>phase</a:t>
             </a:r>
             <a:r>
               <a:rPr lang="ko-KR" altLang="en-US" dirty="0"/>
-              <a:t>의 방향 별로 부여</a:t>
+              <a:t>를 다른 </a:t>
+            </a:r>
+            <a:r>
+              <a:rPr lang="en-US" altLang="ko-KR" dirty="0"/>
+              <a:t>phase</a:t>
+            </a:r>
+            <a:r>
+              <a:rPr lang="ko-KR" altLang="en-US" dirty="0"/>
+              <a:t>로 바꿈</a:t>
+            </a:r>
+            <a:endParaRPr lang="en-US" altLang="ko-KR" dirty="0"/>
+          </a:p>
+          <a:p>
+            <a:r>
+              <a:rPr lang="en-US" altLang="ko-KR" dirty="0"/>
+              <a:t>Duration Setting</a:t>
             </a:r>
             <a:br>
               <a:rPr lang="en-US" altLang="ko-KR" dirty="0"/>
             </a:br>
             <a:r>
               <a:rPr lang="en-US" altLang="ko-KR" dirty="0"/>
-              <a:t>- 0</a:t>
+              <a:t>- </a:t>
+            </a:r>
+            <a:r>
+              <a:rPr lang="en-US" altLang="ko-KR" dirty="0" err="1"/>
+              <a:t>setPhaseDuration</a:t>
+            </a:r>
+            <a:r>
+              <a:rPr lang="en-US" altLang="ko-KR" dirty="0"/>
+              <a:t> : </a:t>
             </a:r>
             <a:r>
               <a:rPr lang="ko-KR" altLang="en-US" dirty="0"/>
-              <a:t>번에서 총 </a:t>
-            </a:r>
-            <a:r>
-              <a:rPr lang="en-US" altLang="ko-KR" dirty="0"/>
-              <a:t>7</a:t>
+              <a:t>현재 </a:t>
+            </a:r>
+            <a:r>
+              <a:rPr lang="en-US" altLang="ko-KR" dirty="0"/>
+              <a:t>phase</a:t>
             </a:r>
             <a:r>
               <a:rPr lang="ko-KR" altLang="en-US" dirty="0"/>
-              <a:t>가지 </a:t>
-            </a:r>
-            <a:r>
-              <a:rPr lang="en-US" altLang="ko-KR" dirty="0"/>
-              <a:t>state</a:t>
+              <a:t>의 지속시간을 바꿈</a:t>
+            </a:r>
+            <a:endParaRPr lang="en-US" altLang="ko-KR" dirty="0"/>
+          </a:p>
+          <a:p>
+            <a:r>
+              <a:rPr lang="en-US" altLang="ko-KR" dirty="0"/>
+              <a:t>Complete Program Setting: Static signal Plan</a:t>
+            </a:r>
+            <a:br>
+              <a:rPr lang="en-US" altLang="ko-KR" dirty="0"/>
+            </a:br>
+            <a:r>
+              <a:rPr lang="en-US" altLang="ko-KR" dirty="0"/>
+              <a:t>- </a:t>
+            </a:r>
+            <a:r>
+              <a:rPr lang="en-US" altLang="ko-KR" dirty="0" err="1"/>
+              <a:t>setProgramLogic</a:t>
+            </a:r>
+            <a:r>
+              <a:rPr lang="en-US" altLang="ko-KR" dirty="0"/>
+              <a:t> : </a:t>
             </a:r>
             <a:r>
               <a:rPr lang="ko-KR" altLang="en-US" dirty="0"/>
-              <a:t>가 존재</a:t>
-            </a:r>
-            <a:endParaRPr lang="en-US" altLang="ko-KR" dirty="0"/>
-          </a:p>
-          <a:p>
-            <a:endParaRPr lang="en-US" altLang="ko-KR" dirty="0"/>
-          </a:p>
-          <a:p>
-            <a:r>
-              <a:rPr lang="en-US" altLang="ko-KR" dirty="0"/>
-              <a:t>Junction </a:t>
+              <a:t>현재 가지고 있는 </a:t>
+            </a:r>
+            <a:r>
+              <a:rPr lang="en-US" altLang="ko-KR" dirty="0"/>
+              <a:t>phase set</a:t>
             </a:r>
             <a:r>
               <a:rPr lang="ko-KR" altLang="en-US" dirty="0"/>
-              <a:t>형태 </a:t>
-            </a:r>
-            <a:r>
-              <a:rPr lang="ko-KR" altLang="en-US" dirty="0" err="1"/>
-              <a:t>설정시</a:t>
-            </a:r>
-            <a:r>
-              <a:rPr lang="ko-KR" altLang="en-US" dirty="0"/>
-              <a:t> 개수 조절 가능</a:t>
-            </a:r>
-            <a:br>
-              <a:rPr lang="en-US" altLang="ko-KR" dirty="0"/>
-            </a:br>
-            <a:endParaRPr lang="en-US" altLang="ko-KR" dirty="0"/>
-          </a:p>
-          <a:p>
-            <a:r>
-              <a:rPr lang="en-US" altLang="ko-KR" dirty="0"/>
-              <a:t>Connection </a:t>
-            </a:r>
-            <a:r>
-              <a:rPr lang="ko-KR" altLang="en-US" dirty="0"/>
-              <a:t>설정으로 </a:t>
-            </a:r>
-            <a:r>
-              <a:rPr lang="en-US" altLang="ko-KR" dirty="0"/>
-              <a:t>Merge </a:t>
-            </a:r>
-            <a:r>
-              <a:rPr lang="ko-KR" altLang="en-US" dirty="0"/>
-              <a:t>형태 조절 가능</a:t>
-            </a:r>
-          </a:p>
-        </p:txBody>
-      </p:sp>
-      <p:grpSp>
-        <p:nvGrpSpPr>
-          <p:cNvPr id="9" name="그룹 8"/>
-          <p:cNvGrpSpPr/>
-          <p:nvPr/>
-        </p:nvGrpSpPr>
-        <p:grpSpPr>
-          <a:xfrm>
-            <a:off x="6915680" y="1737360"/>
-            <a:ext cx="4359862" cy="4227535"/>
-            <a:chOff x="6304020" y="1964724"/>
-            <a:chExt cx="4359862" cy="4227535"/>
-          </a:xfrm>
-        </p:grpSpPr>
-        <p:pic>
-          <p:nvPicPr>
-            <p:cNvPr id="4" name="그림 3"/>
-            <p:cNvPicPr>
-              <a:picLocks noChangeAspect="1"/>
-            </p:cNvPicPr>
-            <p:nvPr/>
-          </p:nvPicPr>
-          <p:blipFill rotWithShape="1">
-            <a:blip r:embed="rId2"/>
-            <a:srcRect t="3080" r="8579"/>
-            <a:stretch/>
-          </p:blipFill>
-          <p:spPr>
-            <a:xfrm>
-              <a:off x="6304020" y="2094470"/>
-              <a:ext cx="4359862" cy="4083029"/>
-            </a:xfrm>
-            <a:prstGeom prst="rect">
-              <a:avLst/>
-            </a:prstGeom>
-          </p:spPr>
-        </p:pic>
-        <p:sp>
-          <p:nvSpPr>
-            <p:cNvPr id="5" name="TextBox 4"/>
-            <p:cNvSpPr txBox="1"/>
-            <p:nvPr/>
-          </p:nvSpPr>
-          <p:spPr>
-            <a:xfrm>
-              <a:off x="8439665" y="1964724"/>
-              <a:ext cx="586946" cy="646331"/>
-            </a:xfrm>
-            <a:prstGeom prst="rect">
-              <a:avLst/>
-            </a:prstGeom>
-            <a:noFill/>
-          </p:spPr>
-          <p:txBody>
-            <a:bodyPr wrap="square" rtlCol="0">
-              <a:spAutoFit/>
-            </a:bodyPr>
-            <a:lstStyle/>
-            <a:p>
-              <a:r>
-                <a:rPr lang="en-US" altLang="ko-KR" sz="3600" b="1" dirty="0">
-                  <a:solidFill>
-                    <a:srgbClr val="FFFF00"/>
-                  </a:solidFill>
-                </a:rPr>
-                <a:t>0</a:t>
-              </a:r>
-              <a:endParaRPr lang="ko-KR" altLang="en-US" sz="3600" b="1" dirty="0">
-                <a:solidFill>
-                  <a:srgbClr val="FFFF00"/>
-                </a:solidFill>
-              </a:endParaRPr>
-            </a:p>
-          </p:txBody>
-        </p:sp>
-        <p:sp>
-          <p:nvSpPr>
-            <p:cNvPr id="6" name="TextBox 5"/>
-            <p:cNvSpPr txBox="1"/>
-            <p:nvPr/>
-          </p:nvSpPr>
-          <p:spPr>
-            <a:xfrm>
-              <a:off x="9944719" y="4071111"/>
-              <a:ext cx="586946" cy="646331"/>
-            </a:xfrm>
-            <a:prstGeom prst="rect">
-              <a:avLst/>
-            </a:prstGeom>
-            <a:noFill/>
-          </p:spPr>
-          <p:txBody>
-            <a:bodyPr wrap="square" rtlCol="0">
-              <a:spAutoFit/>
-            </a:bodyPr>
-            <a:lstStyle/>
-            <a:p>
-              <a:r>
-                <a:rPr lang="en-US" altLang="ko-KR" sz="3600" b="1" dirty="0">
-                  <a:solidFill>
-                    <a:srgbClr val="FFFF00"/>
-                  </a:solidFill>
-                </a:rPr>
-                <a:t>1</a:t>
-              </a:r>
-              <a:endParaRPr lang="ko-KR" altLang="en-US" sz="3600" b="1" dirty="0">
-                <a:solidFill>
-                  <a:srgbClr val="FFFF00"/>
-                </a:solidFill>
-              </a:endParaRPr>
-            </a:p>
-          </p:txBody>
-        </p:sp>
-        <p:sp>
-          <p:nvSpPr>
-            <p:cNvPr id="7" name="TextBox 6"/>
-            <p:cNvSpPr txBox="1"/>
-            <p:nvPr/>
-          </p:nvSpPr>
-          <p:spPr>
-            <a:xfrm>
-              <a:off x="8080570" y="5545928"/>
-              <a:ext cx="586946" cy="646331"/>
-            </a:xfrm>
-            <a:prstGeom prst="rect">
-              <a:avLst/>
-            </a:prstGeom>
-            <a:noFill/>
-          </p:spPr>
-          <p:txBody>
-            <a:bodyPr wrap="square" rtlCol="0">
-              <a:spAutoFit/>
-            </a:bodyPr>
-            <a:lstStyle/>
-            <a:p>
-              <a:r>
-                <a:rPr lang="en-US" altLang="ko-KR" sz="3600" b="1" dirty="0">
-                  <a:solidFill>
-                    <a:srgbClr val="FFFF00"/>
-                  </a:solidFill>
-                </a:rPr>
-                <a:t>2</a:t>
-              </a:r>
-              <a:endParaRPr lang="ko-KR" altLang="en-US" sz="3600" b="1" dirty="0">
-                <a:solidFill>
-                  <a:srgbClr val="FFFF00"/>
-                </a:solidFill>
-              </a:endParaRPr>
-            </a:p>
-          </p:txBody>
-        </p:sp>
-        <p:sp>
-          <p:nvSpPr>
-            <p:cNvPr id="8" name="TextBox 7"/>
-            <p:cNvSpPr txBox="1"/>
-            <p:nvPr/>
-          </p:nvSpPr>
-          <p:spPr>
-            <a:xfrm>
-              <a:off x="6581620" y="3534248"/>
-              <a:ext cx="586946" cy="646331"/>
-            </a:xfrm>
-            <a:prstGeom prst="rect">
-              <a:avLst/>
-            </a:prstGeom>
-            <a:noFill/>
-          </p:spPr>
-          <p:txBody>
-            <a:bodyPr wrap="square" rtlCol="0">
-              <a:spAutoFit/>
-            </a:bodyPr>
-            <a:lstStyle/>
-            <a:p>
-              <a:r>
-                <a:rPr lang="en-US" altLang="ko-KR" sz="3600" b="1" dirty="0">
-                  <a:solidFill>
-                    <a:srgbClr val="FFFF00"/>
-                  </a:solidFill>
-                </a:rPr>
-                <a:t>3</a:t>
-              </a:r>
-              <a:endParaRPr lang="ko-KR" altLang="en-US" sz="3600" b="1" dirty="0">
-                <a:solidFill>
-                  <a:srgbClr val="FFFF00"/>
-                </a:solidFill>
-              </a:endParaRPr>
-            </a:p>
-          </p:txBody>
-        </p:sp>
-      </p:grpSp>
+              <a:t>을 지정한대로 바꿈</a:t>
+            </a:r>
+          </a:p>
+        </p:txBody>
+      </p:sp>
     </p:spTree>
     <p:extLst>
       <p:ext uri="{BB962C8B-B14F-4D97-AF65-F5344CB8AC3E}">
-        <p14:creationId xmlns:p14="http://schemas.microsoft.com/office/powerpoint/2010/main" val="2494905478"/>
+        <p14:creationId xmlns:p14="http://schemas.microsoft.com/office/powerpoint/2010/main" val="2073866497"/>
       </p:ext>
     </p:extLst>
   </p:cSld>

--- a/1st_Seminar(강민수).pptx
+++ b/1st_Seminar(강민수).pptx
@@ -19910,29 +19910,6 @@
           <a:p>
             <a:r>
               <a:rPr lang="en-US" altLang="ko-KR" dirty="0"/>
-              <a:t> flow</a:t>
-            </a:r>
-            <a:r>
-              <a:rPr lang="ko-KR" altLang="en-US" dirty="0"/>
-              <a:t> </a:t>
-            </a:r>
-            <a:r>
-              <a:rPr lang="en-US" altLang="ko-KR" dirty="0"/>
-              <a:t>vehicle</a:t>
-            </a:r>
-            <a:r>
-              <a:rPr lang="ko-KR" altLang="en-US" dirty="0"/>
-              <a:t> 지정도 자동으로 가능</a:t>
-            </a:r>
-            <a:endParaRPr lang="en-US" altLang="ko-KR" dirty="0"/>
-          </a:p>
-          <a:p>
-            <a:r>
-              <a:rPr lang="ko-KR" altLang="en-US" dirty="0"/>
-              <a:t> </a:t>
-            </a:r>
-            <a:r>
-              <a:rPr lang="en-US" altLang="ko-KR" dirty="0"/>
               <a:t>flow vehicle </a:t>
             </a:r>
             <a:r>
@@ -19974,6 +19951,197 @@
               </a:rPr>
               <a:t>이후 실험에서 좌회전 비율에  따라 설정</a:t>
             </a:r>
+            <a:endParaRPr lang="en-US" altLang="ko-KR" dirty="0">
+              <a:sym typeface="Wingdings" panose="05000000000000000000" pitchFamily="2" charset="2"/>
+            </a:endParaRPr>
+          </a:p>
+          <a:p>
+            <a:r>
+              <a:rPr lang="en-US" altLang="ko-KR" dirty="0">
+                <a:sym typeface="Wingdings" panose="05000000000000000000" pitchFamily="2" charset="2"/>
+              </a:rPr>
+              <a:t> </a:t>
+            </a:r>
+            <a:r>
+              <a:rPr lang="ko-KR" altLang="en-US" dirty="0">
+                <a:sym typeface="Wingdings" panose="05000000000000000000" pitchFamily="2" charset="2"/>
+              </a:rPr>
+              <a:t>도로 길이와</a:t>
+            </a:r>
+            <a:r>
+              <a:rPr lang="en-US" altLang="ko-KR" dirty="0">
+                <a:sym typeface="Wingdings" panose="05000000000000000000" pitchFamily="2" charset="2"/>
+              </a:rPr>
+              <a:t>, </a:t>
+            </a:r>
+            <a:r>
+              <a:rPr lang="ko-KR" altLang="en-US" dirty="0">
+                <a:sym typeface="Wingdings" panose="05000000000000000000" pitchFamily="2" charset="2"/>
+              </a:rPr>
+              <a:t>차량 등등 한 번에 변경가능</a:t>
+            </a:r>
+            <a:endParaRPr lang="en-US" altLang="ko-KR" dirty="0">
+              <a:sym typeface="Wingdings" panose="05000000000000000000" pitchFamily="2" charset="2"/>
+            </a:endParaRPr>
+          </a:p>
+          <a:p>
+            <a:r>
+              <a:rPr lang="en-US" altLang="ko-KR" dirty="0">
+                <a:sym typeface="Wingdings" panose="05000000000000000000" pitchFamily="2" charset="2"/>
+              </a:rPr>
+              <a:t> Grid</a:t>
+            </a:r>
+            <a:r>
+              <a:rPr lang="ko-KR" altLang="en-US" dirty="0">
+                <a:sym typeface="Wingdings" panose="05000000000000000000" pitchFamily="2" charset="2"/>
+              </a:rPr>
+              <a:t>가 아닌 경우</a:t>
+            </a:r>
+            <a:r>
+              <a:rPr lang="en-US" altLang="ko-KR" dirty="0">
+                <a:sym typeface="Wingdings" panose="05000000000000000000" pitchFamily="2" charset="2"/>
+              </a:rPr>
+              <a:t>, dictionary </a:t>
+            </a:r>
+            <a:r>
+              <a:rPr lang="ko-KR" altLang="en-US" dirty="0">
+                <a:sym typeface="Wingdings" panose="05000000000000000000" pitchFamily="2" charset="2"/>
+              </a:rPr>
+              <a:t>형식으로 지정만 해주면 자동으로 </a:t>
+            </a:r>
+            <a:r>
+              <a:rPr lang="en-US" altLang="ko-KR" dirty="0">
+                <a:sym typeface="Wingdings" panose="05000000000000000000" pitchFamily="2" charset="2"/>
+              </a:rPr>
+              <a:t>network </a:t>
+            </a:r>
+            <a:r>
+              <a:rPr lang="ko-KR" altLang="en-US" dirty="0">
+                <a:sym typeface="Wingdings" panose="05000000000000000000" pitchFamily="2" charset="2"/>
+              </a:rPr>
+              <a:t>제작</a:t>
+            </a:r>
+            <a:endParaRPr lang="en-US" altLang="ko-KR" dirty="0">
+              <a:sym typeface="Wingdings" panose="05000000000000000000" pitchFamily="2" charset="2"/>
+            </a:endParaRPr>
+          </a:p>
+          <a:p>
+            <a:r>
+              <a:rPr lang="en-US" altLang="ko-KR" dirty="0">
+                <a:sym typeface="Wingdings" panose="05000000000000000000" pitchFamily="2" charset="2"/>
+              </a:rPr>
+              <a:t> </a:t>
+            </a:r>
+            <a:r>
+              <a:rPr lang="ko-KR" altLang="en-US" dirty="0">
+                <a:sym typeface="Wingdings" panose="05000000000000000000" pitchFamily="2" charset="2"/>
+              </a:rPr>
+              <a:t>추후에 </a:t>
+            </a:r>
+            <a:r>
+              <a:rPr lang="ko-KR" altLang="en-US" dirty="0" err="1">
+                <a:sym typeface="Wingdings" panose="05000000000000000000" pitchFamily="2" charset="2"/>
+              </a:rPr>
+              <a:t>해야할</a:t>
+            </a:r>
+            <a:r>
+              <a:rPr lang="ko-KR" altLang="en-US" dirty="0">
+                <a:sym typeface="Wingdings" panose="05000000000000000000" pitchFamily="2" charset="2"/>
+              </a:rPr>
+              <a:t> 점</a:t>
+            </a:r>
+            <a:endParaRPr lang="en-US" altLang="ko-KR" dirty="0">
+              <a:sym typeface="Wingdings" panose="05000000000000000000" pitchFamily="2" charset="2"/>
+            </a:endParaRPr>
+          </a:p>
+          <a:p>
+            <a:pPr lvl="1"/>
+            <a:r>
+              <a:rPr lang="en-US" altLang="ko-KR" dirty="0">
+                <a:sym typeface="Wingdings" panose="05000000000000000000" pitchFamily="2" charset="2"/>
+              </a:rPr>
+              <a:t>Traffic</a:t>
+            </a:r>
+            <a:r>
+              <a:rPr lang="ko-KR" altLang="en-US" dirty="0">
+                <a:sym typeface="Wingdings" panose="05000000000000000000" pitchFamily="2" charset="2"/>
+              </a:rPr>
+              <a:t>에서 </a:t>
+            </a:r>
+            <a:r>
+              <a:rPr lang="en-US" altLang="ko-KR" dirty="0">
+                <a:sym typeface="Wingdings" panose="05000000000000000000" pitchFamily="2" charset="2"/>
+              </a:rPr>
+              <a:t>U turn </a:t>
+            </a:r>
+            <a:r>
+              <a:rPr lang="ko-KR" altLang="en-US" dirty="0">
+                <a:sym typeface="Wingdings" panose="05000000000000000000" pitchFamily="2" charset="2"/>
+              </a:rPr>
+              <a:t>제거</a:t>
+            </a:r>
+            <a:endParaRPr lang="en-US" altLang="ko-KR" dirty="0">
+              <a:sym typeface="Wingdings" panose="05000000000000000000" pitchFamily="2" charset="2"/>
+            </a:endParaRPr>
+          </a:p>
+          <a:p>
+            <a:pPr lvl="1"/>
+            <a:r>
+              <a:rPr lang="ko-KR" altLang="en-US" dirty="0">
+                <a:sym typeface="Wingdings" panose="05000000000000000000" pitchFamily="2" charset="2"/>
+              </a:rPr>
+              <a:t>차량의 회전 비율 조정 </a:t>
+            </a:r>
+            <a:r>
+              <a:rPr lang="en-US" altLang="ko-KR" dirty="0">
+                <a:sym typeface="Wingdings" panose="05000000000000000000" pitchFamily="2" charset="2"/>
+              </a:rPr>
+              <a:t>(</a:t>
+            </a:r>
+            <a:r>
+              <a:rPr lang="ko-KR" altLang="en-US" dirty="0">
+                <a:sym typeface="Wingdings" panose="05000000000000000000" pitchFamily="2" charset="2"/>
+              </a:rPr>
+              <a:t>직진</a:t>
+            </a:r>
+            <a:r>
+              <a:rPr lang="en-US" altLang="ko-KR" dirty="0">
+                <a:sym typeface="Wingdings" panose="05000000000000000000" pitchFamily="2" charset="2"/>
+              </a:rPr>
+              <a:t> 0.6, </a:t>
+            </a:r>
+            <a:r>
+              <a:rPr lang="ko-KR" altLang="en-US" dirty="0">
+                <a:sym typeface="Wingdings" panose="05000000000000000000" pitchFamily="2" charset="2"/>
+              </a:rPr>
+              <a:t>좌 </a:t>
+            </a:r>
+            <a:r>
+              <a:rPr lang="en-US" altLang="ko-KR" dirty="0">
+                <a:sym typeface="Wingdings" panose="05000000000000000000" pitchFamily="2" charset="2"/>
+              </a:rPr>
+              <a:t>0.1, </a:t>
+            </a:r>
+            <a:r>
+              <a:rPr lang="ko-KR" altLang="en-US" dirty="0">
+                <a:sym typeface="Wingdings" panose="05000000000000000000" pitchFamily="2" charset="2"/>
+              </a:rPr>
+              <a:t>우 </a:t>
+            </a:r>
+            <a:r>
+              <a:rPr lang="en-US" altLang="ko-KR" dirty="0">
+                <a:sym typeface="Wingdings" panose="05000000000000000000" pitchFamily="2" charset="2"/>
+              </a:rPr>
+              <a:t>0.3)</a:t>
+            </a:r>
+          </a:p>
+          <a:p>
+            <a:pPr lvl="1"/>
+            <a:endParaRPr lang="en-US" altLang="ko-KR" dirty="0">
+              <a:sym typeface="Wingdings" panose="05000000000000000000" pitchFamily="2" charset="2"/>
+            </a:endParaRPr>
+          </a:p>
+          <a:p>
             <a:endParaRPr lang="en-US" altLang="ko-KR" dirty="0">
               <a:sym typeface="Wingdings" panose="05000000000000000000" pitchFamily="2" charset="2"/>
             </a:endParaRPr>
@@ -20350,6 +20518,18 @@
               <a:rPr lang="en-US" altLang="ko-KR" dirty="0"/>
               <a:t> </a:t>
             </a:r>
+            <a:r>
+              <a:rPr lang="ko-KR" altLang="en-US"/>
+              <a:t>현재 </a:t>
+            </a:r>
+            <a:r>
+              <a:rPr lang="en-US" altLang="ko-KR"/>
+              <a:t>Code </a:t>
+            </a:r>
+            <a:r>
+              <a:rPr lang="ko-KR" altLang="en-US"/>
+              <a:t>구조</a:t>
+            </a:r>
             <a:endParaRPr lang="ko-KR" altLang="en-US" dirty="0"/>
           </a:p>
         </p:txBody>
@@ -20418,7 +20598,7 @@
         </p:nvSpPr>
         <p:spPr>
           <a:xfrm>
-            <a:off x="4066674" y="2486526"/>
+            <a:off x="3986464" y="2486526"/>
             <a:ext cx="1235242" cy="689811"/>
           </a:xfrm>
           <a:prstGeom prst="roundRect">
@@ -20447,9 +20627,10 @@
           <a:p>
             <a:pPr algn="ctr"/>
             <a:r>
-              <a:rPr lang="en-US" altLang="ko-KR" dirty="0"/>
-              <a:t>Env.py</a:t>
-            </a:r>
+              <a:rPr lang="en-US" altLang="ko-KR" dirty="0" err="1"/>
+              <a:t>TLEnv</a:t>
+            </a:r>
+            <a:endParaRPr lang="en-US" altLang="ko-KR" dirty="0"/>
           </a:p>
         </p:txBody>
       </p:sp>
@@ -20467,7 +20648,7 @@
         </p:nvSpPr>
         <p:spPr>
           <a:xfrm>
-            <a:off x="4066674" y="3681664"/>
+            <a:off x="3986464" y="4397230"/>
             <a:ext cx="1235242" cy="689811"/>
           </a:xfrm>
           <a:prstGeom prst="roundRect">
@@ -20497,7 +20678,7 @@
             <a:pPr algn="ctr"/>
             <a:r>
               <a:rPr lang="en-US" altLang="ko-KR" dirty="0"/>
-              <a:t>Dqn.py</a:t>
+              <a:t>Agent</a:t>
             </a:r>
           </a:p>
         </p:txBody>
@@ -20516,7 +20697,7 @@
         </p:nvSpPr>
         <p:spPr>
           <a:xfrm>
-            <a:off x="4090738" y="4892842"/>
+            <a:off x="6970296" y="4397230"/>
             <a:ext cx="1235242" cy="689811"/>
           </a:xfrm>
           <a:prstGeom prst="roundRect">
@@ -20546,7 +20727,105 @@
             <a:pPr algn="ctr"/>
             <a:r>
               <a:rPr lang="en-US" altLang="ko-KR" dirty="0"/>
-              <a:t>Dqn.py</a:t>
+              <a:t>Model.py</a:t>
+            </a:r>
+          </a:p>
+        </p:txBody>
+      </p:sp>
+      <p:sp>
+        <p:nvSpPr>
+          <p:cNvPr id="8" name="사각형: 둥근 모서리 7">
+            <a:extLst>
+              <a:ext uri="{FF2B5EF4-FFF2-40B4-BE49-F238E27FC236}">
+                <a16:creationId xmlns:a16="http://schemas.microsoft.com/office/drawing/2014/main" id="{02FC37B0-10A2-4D98-9F7A-892682A9DAA9}"/>
+              </a:ext>
+            </a:extLst>
+          </p:cNvPr>
+          <p:cNvSpPr/>
+          <p:nvPr/>
+        </p:nvSpPr>
+        <p:spPr>
+          <a:xfrm>
+            <a:off x="5358064" y="3429000"/>
+            <a:ext cx="1235242" cy="689811"/>
+          </a:xfrm>
+          <a:prstGeom prst="roundRect">
+            <a:avLst/>
+          </a:prstGeom>
+        </p:spPr>
+        <p:style>
+          <a:lnRef idx="2">
+            <a:schemeClr val="accent1">
+              <a:shade val="50000"/>
+            </a:schemeClr>
+          </a:lnRef>
+          <a:fillRef idx="1">
+            <a:schemeClr val="accent1"/>
+          </a:fillRef>
+          <a:effectRef idx="0">
+            <a:schemeClr val="accent1"/>
+          </a:effectRef>
+          <a:fontRef idx="minor">
+            <a:schemeClr val="lt1"/>
+          </a:fontRef>
+        </p:style>
+        <p:txBody>
+          <a:bodyPr rtlCol="0" anchor="ctr"/>
+          <a:lstStyle/>
+          <a:p>
+            <a:pPr algn="ctr"/>
+            <a:r>
+              <a:rPr lang="en-US" altLang="ko-KR" dirty="0"/>
+              <a:t>base.py</a:t>
+            </a:r>
+          </a:p>
+        </p:txBody>
+      </p:sp>
+      <p:sp>
+        <p:nvSpPr>
+          <p:cNvPr id="9" name="사각형: 둥근 모서리 8">
+            <a:extLst>
+              <a:ext uri="{FF2B5EF4-FFF2-40B4-BE49-F238E27FC236}">
+                <a16:creationId xmlns:a16="http://schemas.microsoft.com/office/drawing/2014/main" id="{63A64889-C20F-4E93-813C-2C646651F198}"/>
+              </a:ext>
+            </a:extLst>
+          </p:cNvPr>
+          <p:cNvSpPr/>
+          <p:nvPr/>
+        </p:nvSpPr>
+        <p:spPr>
+          <a:xfrm>
+            <a:off x="5358064" y="5287657"/>
+            <a:ext cx="1235242" cy="689811"/>
+          </a:xfrm>
+          <a:prstGeom prst="roundRect">
+            <a:avLst/>
+          </a:prstGeom>
+        </p:spPr>
+        <p:style>
+          <a:lnRef idx="2">
+            <a:schemeClr val="accent1">
+              <a:shade val="50000"/>
+            </a:schemeClr>
+          </a:lnRef>
+          <a:fillRef idx="1">
+            <a:schemeClr val="accent1"/>
+          </a:fillRef>
+          <a:effectRef idx="0">
+            <a:schemeClr val="accent1"/>
+          </a:effectRef>
+          <a:fontRef idx="minor">
+            <a:schemeClr val="lt1"/>
+          </a:fontRef>
+        </p:style>
+        <p:txBody>
+          <a:bodyPr rtlCol="0" anchor="ctr"/>
+          <a:lstStyle/>
+          <a:p>
+            <a:pPr algn="ctr"/>
+            <a:r>
+              <a:rPr lang="en-US" altLang="ko-KR" dirty="0"/>
+              <a:t>base.py</a:t>
             </a:r>
           </a:p>
         </p:txBody>

--- a/1st_Seminar(강민수).pptx
+++ b/1st_Seminar(강민수).pptx
@@ -7263,6 +7263,10 @@
               <a:rPr lang="ko-KR" altLang="en-US" dirty="0"/>
               <a:t>을 사용</a:t>
             </a:r>
+            <a:r>
+              <a:rPr lang="en-US" altLang="ko-KR" dirty="0"/>
+              <a:t/>
+            </a:r>
             <a:br>
               <a:rPr lang="en-US" altLang="ko-KR" dirty="0"/>
             </a:br>
@@ -8028,6 +8032,10 @@
               <a:rPr lang="ko-KR" altLang="en-US" dirty="0"/>
               <a:t>부여 방식</a:t>
             </a:r>
+            <a:r>
+              <a:rPr lang="en-US" altLang="ko-KR" dirty="0"/>
+              <a:t/>
+            </a:r>
             <a:br>
               <a:rPr lang="en-US" altLang="ko-KR" dirty="0"/>
             </a:br>
@@ -8047,6 +8055,10 @@
               <a:rPr lang="ko-KR" altLang="en-US" dirty="0"/>
               <a:t>의 방향 별로 부여</a:t>
             </a:r>
+            <a:r>
+              <a:rPr lang="en-US" altLang="ko-KR" dirty="0"/>
+              <a:t/>
+            </a:r>
             <a:br>
               <a:rPr lang="en-US" altLang="ko-KR" dirty="0"/>
             </a:br>
@@ -8095,6 +8107,10 @@
             <a:r>
               <a:rPr lang="ko-KR" altLang="en-US" dirty="0"/>
               <a:t> 개수 조절 가능</a:t>
+            </a:r>
+            <a:r>
+              <a:rPr lang="en-US" altLang="ko-KR" dirty="0"/>
+              <a:t/>
             </a:r>
             <a:br>
               <a:rPr lang="en-US" altLang="ko-KR" dirty="0"/>
@@ -8399,6 +8415,10 @@
               <a:rPr lang="en-US" altLang="ko-KR" dirty="0" err="1"/>
               <a:t>getIDList</a:t>
             </a:r>
+            <a:r>
+              <a:rPr lang="en-US" altLang="ko-KR" dirty="0"/>
+              <a:t/>
+            </a:r>
             <a:br>
               <a:rPr lang="en-US" altLang="ko-KR" dirty="0"/>
             </a:br>
@@ -8410,6 +8430,10 @@
               <a:rPr lang="en-US" altLang="ko-KR" dirty="0" err="1"/>
               <a:t>getRedYellowGreenState</a:t>
             </a:r>
+            <a:r>
+              <a:rPr lang="en-US" altLang="ko-KR" dirty="0"/>
+              <a:t/>
+            </a:r>
             <a:br>
               <a:rPr lang="en-US" altLang="ko-KR" dirty="0"/>
             </a:br>
@@ -8501,6 +8525,10 @@
               <a:rPr lang="en-US" altLang="ko-KR" dirty="0" err="1"/>
               <a:t>setRedYellowGreenState</a:t>
             </a:r>
+            <a:r>
+              <a:rPr lang="en-US" altLang="ko-KR" dirty="0"/>
+              <a:t/>
+            </a:r>
             <a:br>
               <a:rPr lang="en-US" altLang="ko-KR" dirty="0"/>
             </a:br>
@@ -8512,6 +8540,10 @@
               <a:rPr lang="en-US" altLang="ko-KR" dirty="0" err="1"/>
               <a:t>setPhaseDuration</a:t>
             </a:r>
+            <a:r>
+              <a:rPr lang="en-US" altLang="ko-KR" dirty="0"/>
+              <a:t/>
+            </a:r>
             <a:br>
               <a:rPr lang="en-US" altLang="ko-KR" dirty="0"/>
             </a:br>
@@ -8538,6 +8570,10 @@
             <a:r>
               <a:rPr lang="ko-KR" altLang="en-US" dirty="0"/>
               <a:t> 프로그램 삽입</a:t>
+            </a:r>
+            <a:r>
+              <a:rPr lang="en-US" altLang="ko-KR" dirty="0"/>
+              <a:t/>
             </a:r>
             <a:br>
               <a:rPr lang="en-US" altLang="ko-KR" dirty="0"/>
@@ -8848,6 +8884,10 @@
               <a:rPr lang="en-US" altLang="ko-KR" sz="2400" b="1" dirty="0"/>
               <a:t>Toward A Thousand Lights:</a:t>
             </a:r>
+            <a:r>
+              <a:rPr lang="en-US" altLang="ko-KR" sz="2400" dirty="0"/>
+              <a:t/>
+            </a:r>
             <a:br>
               <a:rPr lang="en-US" altLang="ko-KR" sz="2400" dirty="0"/>
             </a:br>
@@ -9022,7 +9062,15 @@
             </a:br>
             <a:r>
               <a:rPr lang="en-US" altLang="ko-KR" sz="1800" dirty="0"/>
-              <a:t>- Super agent based multi-intersection method with FRAP model</a:t>
+              <a:t>- </a:t>
+            </a:r>
+            <a:r>
+              <a:rPr lang="en-US" altLang="ko-KR" sz="1800" dirty="0" smtClean="0"/>
+              <a:t>Decentralized </a:t>
+            </a:r>
+            <a:r>
+              <a:rPr lang="en-US" altLang="ko-KR" sz="1800" dirty="0"/>
+              <a:t>agent based multi-intersection method with FRAP model</a:t>
             </a:r>
           </a:p>
           <a:p>
@@ -9139,6 +9187,12 @@
               <a:rPr lang="en-US" altLang="ko-KR" dirty="0"/>
               <a:t>Increase emission gas (contributes 23% of total CO2 emission) </a:t>
             </a:r>
+            <a:r>
+              <a:rPr lang="en-US" altLang="ko-KR" dirty="0">
+                <a:sym typeface="Wingdings" panose="05000000000000000000" pitchFamily="2" charset="2"/>
+              </a:rPr>
+              <a:t/>
+            </a:r>
             <a:br>
               <a:rPr lang="en-US" altLang="ko-KR" dirty="0">
                 <a:sym typeface="Wingdings" panose="05000000000000000000" pitchFamily="2" charset="2"/>
@@ -9160,6 +9214,10 @@
                 <a:sym typeface="Wingdings" panose="05000000000000000000" pitchFamily="2" charset="2"/>
               </a:rPr>
               <a:t> Trend: applying RL method for traffic signal control</a:t>
+            </a:r>
+            <a:r>
+              <a:rPr lang="en-US" altLang="ko-KR" dirty="0"/>
+              <a:t/>
             </a:r>
             <a:br>
               <a:rPr lang="en-US" altLang="ko-KR" dirty="0"/>
@@ -9542,6 +9600,10 @@
             <a:br>
               <a:rPr lang="en-US" altLang="ko-KR" dirty="0"/>
             </a:br>
+            <a:r>
+              <a:rPr lang="en-US" altLang="ko-KR" dirty="0"/>
+              <a:t/>
+            </a:r>
             <a:br>
               <a:rPr lang="en-US" altLang="ko-KR" dirty="0"/>
             </a:br>
@@ -9935,6 +9997,10 @@
             <a:br>
               <a:rPr lang="en-US" altLang="ko-KR" dirty="0"/>
             </a:br>
+            <a:r>
+              <a:rPr lang="en-US" altLang="ko-KR" dirty="0"/>
+              <a:t/>
+            </a:r>
             <a:br>
               <a:rPr lang="en-US" altLang="ko-KR" dirty="0"/>
             </a:br>
@@ -10329,6 +10395,10 @@
             <a:r>
               <a:rPr lang="ko-KR" altLang="en-US" dirty="0"/>
               <a:t>제작</a:t>
+            </a:r>
+            <a:r>
+              <a:rPr lang="en-US" altLang="ko-KR" dirty="0"/>
+              <a:t/>
             </a:r>
             <a:br>
               <a:rPr lang="en-US" altLang="ko-KR" dirty="0"/>
@@ -11384,6 +11454,10 @@
             <a:br>
               <a:rPr lang="en-US" altLang="ko-KR" dirty="0"/>
             </a:br>
+            <a:r>
+              <a:rPr lang="en-US" altLang="ko-KR" dirty="0"/>
+              <a:t/>
+            </a:r>
             <a:br>
               <a:rPr lang="en-US" altLang="ko-KR" dirty="0"/>
             </a:br>
@@ -12827,8 +12901,8 @@
           </a:p>
         </p:txBody>
       </p:sp>
-      <mc:AlternateContent xmlns:mc="http://schemas.openxmlformats.org/markup-compatibility/2006" xmlns:a14="http://schemas.microsoft.com/office/drawing/2010/main">
-        <mc:Choice Requires="a14">
+      <mc:AlternateContent xmlns:mc="http://schemas.openxmlformats.org/markup-compatibility/2006">
+        <mc:Choice xmlns:a14="http://schemas.microsoft.com/office/drawing/2010/main" Requires="a14">
           <p:sp>
             <p:nvSpPr>
               <p:cNvPr id="3" name="내용 개체 틀 2"/>
@@ -12845,7 +12919,7 @@
               <a:lstStyle/>
               <a:p>
                 <a:r>
-                  <a:rPr lang="en-US" altLang="ko-KR" dirty="0"/>
+                  <a:rPr lang="en-US" altLang="ko-KR" dirty="0" smtClean="0"/>
                   <a:t> Deep Q-Network</a:t>
                 </a:r>
               </a:p>
@@ -12861,6 +12935,14 @@
                 <a:r>
                   <a:rPr lang="en-US" altLang="ko-KR" dirty="0"/>
                   <a:t>Loss function that compare fixed target Q and approximated local Q </a:t>
+                </a:r>
+                <a:r>
+                  <a:rPr lang="en-US" altLang="ko-KR" dirty="0" smtClean="0"/>
+                  <a:t>(by bellman equation)</a:t>
+                </a:r>
+                <a:r>
+                  <a:rPr lang="en-US" altLang="ko-KR" dirty="0"/>
+                  <a:t/>
                 </a:r>
                 <a:br>
                   <a:rPr lang="en-US" altLang="ko-KR" dirty="0"/>
@@ -12962,6 +13044,12 @@
                               </a:rPr>
                               <m:t>+</m:t>
                             </m:r>
+                            <m:r>
+                              <a:rPr lang="ko-KR" altLang="en-US" b="0" i="1" smtClean="0">
+                                <a:latin typeface="Cambria Math" panose="02040503050406030204" pitchFamily="18" charset="0"/>
+                              </a:rPr>
+                              <m:t>𝛾</m:t>
+                            </m:r>
                             <m:func>
                               <m:funcPr>
                                 <m:ctrlPr>
@@ -12977,20 +13065,20 @@
                                   </a:rPr>
                                   <m:t>𝑚𝑎</m:t>
                                 </m:r>
-                                <m:sSubSup>
-                                  <m:sSubSupPr>
+                                <m:sSub>
+                                  <m:sSubPr>
                                     <m:ctrlPr>
                                       <a:rPr lang="en-US" altLang="ko-KR" b="0" i="1" smtClean="0">
                                         <a:latin typeface="Cambria Math" panose="02040503050406030204" pitchFamily="18" charset="0"/>
                                       </a:rPr>
                                     </m:ctrlPr>
-                                  </m:sSubSupPr>
+                                  </m:sSubPr>
                                   <m:e>
                                     <m:r>
                                       <a:rPr lang="en-US" altLang="ko-KR" b="0" i="1" smtClean="0">
                                         <a:latin typeface="Cambria Math" panose="02040503050406030204" pitchFamily="18" charset="0"/>
                                       </a:rPr>
-                                      <m:t>𝑎</m:t>
+                                      <m:t>𝑥</m:t>
                                     </m:r>
                                   </m:e>
                                   <m:sub>
@@ -12998,93 +13086,36 @@
                                       <a:rPr lang="en-US" altLang="ko-KR" b="0" i="1" smtClean="0">
                                         <a:latin typeface="Cambria Math" panose="02040503050406030204" pitchFamily="18" charset="0"/>
                                       </a:rPr>
-                                      <m:t>𝑄</m:t>
+                                      <m:t>𝑎</m:t>
                                     </m:r>
-                                    <m:d>
-                                      <m:dPr>
-                                        <m:ctrlPr>
-                                          <a:rPr lang="en-US" altLang="ko-KR" b="0" i="1" smtClean="0">
-                                            <a:latin typeface="Cambria Math" panose="02040503050406030204" pitchFamily="18" charset="0"/>
-                                          </a:rPr>
-                                        </m:ctrlPr>
-                                      </m:dPr>
-                                      <m:e>
-                                        <m:sSup>
-                                          <m:sSupPr>
-                                            <m:ctrlPr>
-                                              <a:rPr lang="en-US" altLang="ko-KR" b="0" i="1" smtClean="0">
-                                                <a:latin typeface="Cambria Math" panose="02040503050406030204" pitchFamily="18" charset="0"/>
-                                              </a:rPr>
-                                            </m:ctrlPr>
-                                          </m:sSupPr>
-                                          <m:e>
-                                            <m:r>
-                                              <a:rPr lang="en-US" altLang="ko-KR" b="0" i="1" smtClean="0">
-                                                <a:latin typeface="Cambria Math" panose="02040503050406030204" pitchFamily="18" charset="0"/>
-                                              </a:rPr>
-                                              <m:t>𝑠</m:t>
-                                            </m:r>
-                                          </m:e>
-                                          <m:sup>
-                                            <m:r>
-                                              <a:rPr lang="en-US" altLang="ko-KR" b="0" i="1" smtClean="0">
-                                                <a:latin typeface="Cambria Math" panose="02040503050406030204" pitchFamily="18" charset="0"/>
-                                              </a:rPr>
-                                              <m:t>′</m:t>
-                                            </m:r>
-                                          </m:sup>
-                                        </m:sSup>
-                                        <m:r>
-                                          <a:rPr lang="en-US" altLang="ko-KR" b="0" i="1" smtClean="0">
-                                            <a:latin typeface="Cambria Math" panose="02040503050406030204" pitchFamily="18" charset="0"/>
-                                          </a:rPr>
-                                          <m:t>,</m:t>
-                                        </m:r>
-                                        <m:sSup>
-                                          <m:sSupPr>
-                                            <m:ctrlPr>
-                                              <a:rPr lang="en-US" altLang="ko-KR" b="0" i="1" smtClean="0">
-                                                <a:latin typeface="Cambria Math" panose="02040503050406030204" pitchFamily="18" charset="0"/>
-                                              </a:rPr>
-                                            </m:ctrlPr>
-                                          </m:sSupPr>
-                                          <m:e>
-                                            <m:r>
-                                              <a:rPr lang="en-US" altLang="ko-KR" b="0" i="1" smtClean="0">
-                                                <a:latin typeface="Cambria Math" panose="02040503050406030204" pitchFamily="18" charset="0"/>
-                                              </a:rPr>
-                                              <m:t>𝑎</m:t>
-                                            </m:r>
-                                          </m:e>
-                                          <m:sup>
-                                            <m:r>
-                                              <a:rPr lang="en-US" altLang="ko-KR" b="0" i="1" smtClean="0">
-                                                <a:latin typeface="Cambria Math" panose="02040503050406030204" pitchFamily="18" charset="0"/>
-                                              </a:rPr>
-                                              <m:t>′</m:t>
-                                            </m:r>
-                                          </m:sup>
-                                        </m:sSup>
-                                      </m:e>
-                                    </m:d>
-                                  </m:sub>
-                                  <m:sup>
                                     <m:r>
                                       <a:rPr lang="en-US" altLang="ko-KR" b="0" i="1" smtClean="0">
                                         <a:latin typeface="Cambria Math" panose="02040503050406030204" pitchFamily="18" charset="0"/>
                                       </a:rPr>
                                       <m:t>′</m:t>
                                     </m:r>
-                                  </m:sup>
-                                </m:sSubSup>
+                                  </m:sub>
+                                </m:sSub>
                               </m:fName>
                               <m:e>
-                                <m:r>
-                                  <a:rPr lang="en-US" altLang="ko-KR" b="0" i="1" smtClean="0">
-                                    <a:latin typeface="Cambria Math" panose="02040503050406030204" pitchFamily="18" charset="0"/>
-                                  </a:rPr>
-                                  <m:t>𝑄</m:t>
-                                </m:r>
+                                <m:acc>
+                                  <m:accPr>
+                                    <m:chr m:val="̂"/>
+                                    <m:ctrlPr>
+                                      <a:rPr lang="en-US" altLang="ko-KR" b="0" i="1" smtClean="0">
+                                        <a:latin typeface="Cambria Math" panose="02040503050406030204" pitchFamily="18" charset="0"/>
+                                      </a:rPr>
+                                    </m:ctrlPr>
+                                  </m:accPr>
+                                  <m:e>
+                                    <m:r>
+                                      <a:rPr lang="en-US" altLang="ko-KR" b="0" i="1" smtClean="0">
+                                        <a:latin typeface="Cambria Math" panose="02040503050406030204" pitchFamily="18" charset="0"/>
+                                      </a:rPr>
+                                      <m:t>𝑄</m:t>
+                                    </m:r>
+                                  </m:e>
+                                </m:acc>
                                 <m:d>
                                   <m:dPr>
                                     <m:ctrlPr>
@@ -13361,7 +13392,7 @@
             </p:txBody>
           </p:sp>
         </mc:Choice>
-        <mc:Fallback xmlns="">
+        <mc:Fallback>
           <p:sp>
             <p:nvSpPr>
               <p:cNvPr id="3" name="내용 개체 틀 2"/>
@@ -15679,10 +15710,22 @@
               <a:t> </a:t>
             </a:r>
             <a:r>
-              <a:rPr lang="en-US" altLang="ko-KR" dirty="0" err="1">
+              <a:rPr lang="en-US" altLang="ko-KR" dirty="0" err="1" smtClean="0">
                 <a:sym typeface="Wingdings" panose="05000000000000000000" pitchFamily="2" charset="2"/>
               </a:rPr>
               <a:t>MetaLight</a:t>
+            </a:r>
+            <a:r>
+              <a:rPr lang="en-US" altLang="ko-KR" dirty="0" smtClean="0">
+                <a:sym typeface="Wingdings" panose="05000000000000000000" pitchFamily="2" charset="2"/>
+              </a:rPr>
+              <a:t>(Faster Learning)</a:t>
+            </a:r>
+            <a:r>
+              <a:rPr lang="en-US" altLang="ko-KR" dirty="0">
+                <a:sym typeface="Wingdings" panose="05000000000000000000" pitchFamily="2" charset="2"/>
+              </a:rPr>
+              <a:t/>
             </a:r>
             <a:br>
               <a:rPr lang="en-US" altLang="ko-KR" dirty="0">
@@ -15693,9 +15736,14 @@
               <a:rPr lang="en-US" altLang="ko-KR" dirty="0">
                 <a:sym typeface="Wingdings" panose="05000000000000000000" pitchFamily="2" charset="2"/>
               </a:rPr>
-              <a:t> Multi-agent learning(scalable)</a:t>
-            </a:r>
-            <a:endParaRPr lang="ko-KR" altLang="en-US" dirty="0"/>
+              <a:t> Multi-agent learning(scalable</a:t>
+            </a:r>
+            <a:r>
+              <a:rPr lang="en-US" altLang="ko-KR" dirty="0" smtClean="0">
+                <a:sym typeface="Wingdings" panose="05000000000000000000" pitchFamily="2" charset="2"/>
+              </a:rPr>
+              <a:t>)</a:t>
+            </a:r>
           </a:p>
         </p:txBody>
       </p:sp>
@@ -15798,14 +15846,106 @@
             <p:ph idx="1"/>
           </p:nvPr>
         </p:nvSpPr>
-        <p:spPr/>
-        <p:txBody>
-          <a:bodyPr/>
-          <a:lstStyle/>
-          <a:p>
-            <a:r>
-              <a:rPr lang="en-US" altLang="ko-KR" dirty="0"/>
-              <a:t> Improvement Proposal</a:t>
+        <p:spPr>
+          <a:xfrm>
+            <a:off x="1097280" y="1845734"/>
+            <a:ext cx="10058400" cy="4407832"/>
+          </a:xfrm>
+        </p:spPr>
+        <p:txBody>
+          <a:bodyPr>
+            <a:normAutofit lnSpcReduction="10000"/>
+          </a:bodyPr>
+          <a:lstStyle/>
+          <a:p>
+            <a:r>
+              <a:rPr lang="en-US" altLang="ko-KR" dirty="0"/>
+              <a:t> </a:t>
+            </a:r>
+            <a:r>
+              <a:rPr lang="en-US" altLang="ko-KR" dirty="0" smtClean="0"/>
+              <a:t>Opinion</a:t>
+            </a:r>
+          </a:p>
+          <a:p>
+            <a:pPr lvl="1"/>
+            <a:r>
+              <a:rPr lang="ko-KR" altLang="en-US" dirty="0" smtClean="0"/>
+              <a:t>다른 </a:t>
+            </a:r>
+            <a:r>
+              <a:rPr lang="en-US" altLang="ko-KR" dirty="0" smtClean="0"/>
+              <a:t>traffic light</a:t>
+            </a:r>
+            <a:r>
+              <a:rPr lang="ko-KR" altLang="en-US" dirty="0" smtClean="0"/>
+              <a:t>가 추가 되었을 때</a:t>
+            </a:r>
+            <a:r>
+              <a:rPr lang="en-US" altLang="ko-KR" dirty="0" smtClean="0"/>
+              <a:t>, </a:t>
+            </a:r>
+            <a:r>
+              <a:rPr lang="ko-KR" altLang="en-US" dirty="0" smtClean="0"/>
+              <a:t>학습 시키려면 </a:t>
+            </a:r>
+            <a:r>
+              <a:rPr lang="ko-KR" altLang="en-US" dirty="0" err="1" smtClean="0"/>
+              <a:t>오래걸릴</a:t>
+            </a:r>
+            <a:r>
+              <a:rPr lang="ko-KR" altLang="en-US" dirty="0" smtClean="0"/>
+              <a:t> </a:t>
+            </a:r>
+            <a:r>
+              <a:rPr lang="ko-KR" altLang="en-US" dirty="0" smtClean="0"/>
+              <a:t>것 </a:t>
+            </a:r>
+            <a:r>
+              <a:rPr lang="en-US" altLang="ko-KR" dirty="0" smtClean="0"/>
+              <a:t>(State</a:t>
+            </a:r>
+            <a:r>
+              <a:rPr lang="ko-KR" altLang="en-US" dirty="0" smtClean="0"/>
+              <a:t>가 너무 많음</a:t>
+            </a:r>
+            <a:r>
+              <a:rPr lang="en-US" altLang="ko-KR" dirty="0" smtClean="0"/>
+              <a:t>)</a:t>
+            </a:r>
+            <a:r>
+              <a:rPr lang="en-US" altLang="ko-KR" dirty="0" smtClean="0"/>
+              <a:t> </a:t>
+            </a:r>
+          </a:p>
+          <a:p>
+            <a:pPr lvl="1"/>
+            <a:r>
+              <a:rPr lang="ko-KR" altLang="en-US" dirty="0" smtClean="0"/>
+              <a:t>결국 </a:t>
+            </a:r>
+            <a:r>
+              <a:rPr lang="en-US" altLang="ko-KR" dirty="0" smtClean="0"/>
+              <a:t>Coordinate</a:t>
+            </a:r>
+            <a:r>
+              <a:rPr lang="ko-KR" altLang="en-US" dirty="0" smtClean="0"/>
+              <a:t>라기 보단 </a:t>
+            </a:r>
+            <a:r>
+              <a:rPr lang="ko-KR" altLang="en-US" dirty="0" smtClean="0"/>
+              <a:t>모든 상황을 보고 자신에게 최적인 것만 학습할 뿐</a:t>
+            </a:r>
+            <a:endParaRPr lang="en-US" altLang="ko-KR" dirty="0" smtClean="0"/>
+          </a:p>
+          <a:p>
+            <a:r>
+              <a:rPr lang="en-US" altLang="ko-KR" dirty="0" smtClean="0"/>
+              <a:t>Improvement </a:t>
+            </a:r>
+            <a:r>
+              <a:rPr lang="en-US" altLang="ko-KR" dirty="0"/>
+              <a:t>Proposal</a:t>
             </a:r>
           </a:p>
           <a:p>
@@ -15820,8 +15960,116 @@
             <a:pPr lvl="1"/>
             <a:r>
               <a:rPr lang="ko-KR" altLang="en-US" dirty="0"/>
-              <a:t>논문과의 비교와 개선 </a:t>
-            </a:r>
+              <a:t>논문과의 비교와 </a:t>
+            </a:r>
+            <a:r>
+              <a:rPr lang="ko-KR" altLang="en-US" dirty="0" smtClean="0"/>
+              <a:t>개선</a:t>
+            </a:r>
+            <a:endParaRPr lang="en-US" altLang="ko-KR" dirty="0" smtClean="0"/>
+          </a:p>
+          <a:p>
+            <a:pPr lvl="1"/>
+            <a:endParaRPr lang="en-US" altLang="ko-KR" dirty="0"/>
+          </a:p>
+          <a:p>
+            <a:r>
+              <a:rPr lang="en-US" altLang="ko-KR" dirty="0" smtClean="0"/>
+              <a:t> </a:t>
+            </a:r>
+            <a:r>
+              <a:rPr lang="ko-KR" altLang="en-US" dirty="0" smtClean="0"/>
+              <a:t>우선 해야할 것</a:t>
+            </a:r>
+            <a:endParaRPr lang="en-US" altLang="ko-KR" dirty="0" smtClean="0"/>
+          </a:p>
+          <a:p>
+            <a:pPr lvl="1"/>
+            <a:r>
+              <a:rPr lang="en-US" altLang="ko-KR" dirty="0" smtClean="0"/>
+              <a:t>Traci </a:t>
+            </a:r>
+            <a:r>
+              <a:rPr lang="ko-KR" altLang="en-US" dirty="0" smtClean="0"/>
+              <a:t>기반 </a:t>
+            </a:r>
+            <a:r>
+              <a:rPr lang="en-US" altLang="ko-KR" dirty="0" smtClean="0"/>
+              <a:t>state </a:t>
+            </a:r>
+            <a:r>
+              <a:rPr lang="ko-KR" altLang="en-US" dirty="0" smtClean="0"/>
+              <a:t>받아오기</a:t>
+            </a:r>
+            <a:endParaRPr lang="en-US" altLang="ko-KR" dirty="0" smtClean="0"/>
+          </a:p>
+          <a:p>
+            <a:pPr lvl="1"/>
+            <a:r>
+              <a:rPr lang="en-US" altLang="ko-KR" dirty="0" err="1" smtClean="0"/>
+              <a:t>Tensorboard</a:t>
+            </a:r>
+            <a:r>
+              <a:rPr lang="ko-KR" altLang="en-US" dirty="0" smtClean="0"/>
+              <a:t>로 넘어가는 </a:t>
+            </a:r>
+            <a:r>
+              <a:rPr lang="en-US" altLang="ko-KR" dirty="0" smtClean="0"/>
+              <a:t>xml </a:t>
+            </a:r>
+            <a:r>
+              <a:rPr lang="ko-KR" altLang="en-US" dirty="0" smtClean="0"/>
+              <a:t>파일 생성 위치 </a:t>
+            </a:r>
+            <a:r>
+              <a:rPr lang="en-US" altLang="ko-KR" dirty="0" smtClean="0"/>
+              <a:t>data</a:t>
+            </a:r>
+            <a:r>
+              <a:rPr lang="ko-KR" altLang="en-US" dirty="0" smtClean="0"/>
+              <a:t>로 획일화 및 구분 필요</a:t>
+            </a:r>
+            <a:endParaRPr lang="en-US" altLang="ko-KR" dirty="0" smtClean="0"/>
+          </a:p>
+          <a:p>
+            <a:pPr lvl="1"/>
+            <a:r>
+              <a:rPr lang="en-US" altLang="ko-KR" dirty="0" smtClean="0"/>
+              <a:t>FRAP </a:t>
+            </a:r>
+            <a:r>
+              <a:rPr lang="ko-KR" altLang="en-US" dirty="0" smtClean="0"/>
+              <a:t>모델 생성</a:t>
+            </a:r>
+            <a:endParaRPr lang="en-US" altLang="ko-KR" dirty="0" smtClean="0"/>
+          </a:p>
+          <a:p>
+            <a:pPr lvl="1"/>
+            <a:r>
+              <a:rPr lang="en-US" altLang="ko-KR" dirty="0" smtClean="0"/>
+              <a:t>Traffic Light Phase </a:t>
+            </a:r>
+            <a:r>
+              <a:rPr lang="ko-KR" altLang="en-US" dirty="0" smtClean="0"/>
+              <a:t>정립</a:t>
+            </a:r>
+            <a:endParaRPr lang="en-US" altLang="ko-KR" dirty="0" smtClean="0"/>
+          </a:p>
+          <a:p>
+            <a:pPr lvl="1"/>
+            <a:r>
+              <a:rPr lang="en-US" altLang="ko-KR" dirty="0" smtClean="0"/>
+              <a:t>U-turn connection </a:t>
+            </a:r>
+            <a:r>
+              <a:rPr lang="ko-KR" altLang="en-US" dirty="0" smtClean="0"/>
+              <a:t>정리</a:t>
+            </a:r>
+            <a:endParaRPr lang="en-US" altLang="ko-KR" dirty="0" smtClean="0"/>
+          </a:p>
+          <a:p>
+            <a:pPr lvl="1"/>
+            <a:endParaRPr lang="ko-KR" altLang="en-US" dirty="0"/>
           </a:p>
         </p:txBody>
       </p:sp>
@@ -16600,6 +16848,10 @@
               <a:rPr lang="ko-KR" altLang="en-US" dirty="0"/>
               <a:t>에 가점 부여</a:t>
             </a:r>
+            <a:r>
+              <a:rPr lang="en-US" altLang="ko-KR" dirty="0"/>
+              <a:t/>
+            </a:r>
             <a:br>
               <a:rPr lang="en-US" altLang="ko-KR" dirty="0"/>
             </a:br>
@@ -16654,6 +16906,10 @@
             <a:r>
               <a:rPr lang="ko-KR" altLang="en-US" dirty="0"/>
               <a:t>차량 수 </a:t>
+            </a:r>
+            <a:r>
+              <a:rPr lang="en-US" altLang="ko-KR" dirty="0"/>
+              <a:t/>
             </a:r>
             <a:br>
               <a:rPr lang="en-US" altLang="ko-KR" dirty="0"/>
@@ -17219,6 +17475,10 @@
               <a:rPr lang="ko-KR" altLang="en-US" dirty="0"/>
               <a:t>을 뒤로 이동</a:t>
             </a:r>
+            <a:r>
+              <a:rPr lang="en-US" altLang="ko-KR" dirty="0"/>
+              <a:t/>
+            </a:r>
             <a:br>
               <a:rPr lang="en-US" altLang="ko-KR" dirty="0"/>
             </a:br>
@@ -17763,6 +18023,10 @@
               <a:rPr lang="ko-KR" altLang="en-US" dirty="0"/>
               <a:t>에서 중요 흐름에 가점 부여</a:t>
             </a:r>
+            <a:r>
+              <a:rPr lang="en-US" altLang="ko-KR" dirty="0"/>
+              <a:t/>
+            </a:r>
             <a:br>
               <a:rPr lang="en-US" altLang="ko-KR" dirty="0"/>
             </a:br>
@@ -17957,6 +18221,12 @@
                 <a:sym typeface="Wingdings" panose="05000000000000000000" pitchFamily="2" charset="2"/>
               </a:rPr>
               <a:t>모든 내용을 공유하는 것이 아닌 부분만 공유</a:t>
+            </a:r>
+            <a:r>
+              <a:rPr lang="en-US" altLang="ko-KR" dirty="0">
+                <a:sym typeface="Wingdings" panose="05000000000000000000" pitchFamily="2" charset="2"/>
+              </a:rPr>
+              <a:t/>
             </a:r>
             <a:br>
               <a:rPr lang="en-US" altLang="ko-KR" dirty="0">
@@ -18709,12 +18979,12 @@
               <a:t>신호 </a:t>
             </a:r>
             <a:r>
-              <a:rPr lang="ko-KR" altLang="en-US" dirty="0" err="1"/>
-              <a:t>교차로간</a:t>
+              <a:rPr lang="ko-KR" altLang="en-US" dirty="0" smtClean="0"/>
+              <a:t>교차로 간 </a:t>
             </a:r>
             <a:r>
               <a:rPr lang="ko-KR" altLang="en-US" dirty="0"/>
-              <a:t> 거리</a:t>
+              <a:t>거리</a:t>
             </a:r>
             <a:endParaRPr lang="en-US" altLang="ko-KR" dirty="0"/>
           </a:p>
@@ -18748,6 +19018,10 @@
               <a:rPr lang="ko-KR" altLang="en-US" dirty="0"/>
               <a:t>멀면 분산효과가 커서 필요성이 낮음</a:t>
             </a:r>
+            <a:r>
+              <a:rPr lang="en-US" altLang="ko-KR" dirty="0"/>
+              <a:t/>
+            </a:r>
             <a:br>
               <a:rPr lang="en-US" altLang="ko-KR" dirty="0"/>
             </a:br>
@@ -18875,16 +19149,16 @@
               <a:t>: </a:t>
             </a:r>
             <a:r>
-              <a:rPr lang="ko-KR" altLang="en-US" dirty="0" err="1">
+              <a:rPr lang="ko-KR" altLang="en-US" dirty="0" smtClean="0">
                 <a:sym typeface="Wingdings" panose="05000000000000000000" pitchFamily="2" charset="2"/>
               </a:rPr>
-              <a:t>교차로간</a:t>
+              <a:t>교차로 간 </a:t>
             </a:r>
             <a:r>
               <a:rPr lang="ko-KR" altLang="en-US" dirty="0">
                 <a:sym typeface="Wingdings" panose="05000000000000000000" pitchFamily="2" charset="2"/>
               </a:rPr>
-              <a:t> 거리와 주행속도만으로 </a:t>
+              <a:t>거리와 주행속도만으로 </a:t>
             </a:r>
             <a:r>
               <a:rPr lang="en-US" altLang="ko-KR" dirty="0">
@@ -18956,6 +19230,12 @@
               </a:rPr>
               <a:t>차량 모두 고려해야 함</a:t>
             </a:r>
+            <a:r>
+              <a:rPr lang="en-US" altLang="ko-KR" dirty="0">
+                <a:sym typeface="Wingdings" panose="05000000000000000000" pitchFamily="2" charset="2"/>
+              </a:rPr>
+              <a:t/>
+            </a:r>
             <a:br>
               <a:rPr lang="en-US" altLang="ko-KR" dirty="0">
                 <a:sym typeface="Wingdings" panose="05000000000000000000" pitchFamily="2" charset="2"/>
@@ -19010,6 +19290,12 @@
                 <a:sym typeface="Wingdings" panose="05000000000000000000" pitchFamily="2" charset="2"/>
               </a:rPr>
               <a:t>연동 필요가 없음</a:t>
+            </a:r>
+            <a:r>
+              <a:rPr lang="en-US" altLang="ko-KR" dirty="0">
+                <a:sym typeface="Wingdings" panose="05000000000000000000" pitchFamily="2" charset="2"/>
+              </a:rPr>
+              <a:t/>
             </a:r>
             <a:br>
               <a:rPr lang="en-US" altLang="ko-KR" dirty="0">
@@ -19219,7 +19505,19 @@
             </a:r>
             <a:r>
               <a:rPr lang="ko-KR" altLang="en-US" dirty="0"/>
-              <a:t>까지 차량이 넘쳐나서 원활한 통행을 방해하는 현상</a:t>
+              <a:t>까지 차량이 </a:t>
+            </a:r>
+            <a:r>
+              <a:rPr lang="ko-KR" altLang="en-US" dirty="0" err="1" smtClean="0"/>
+              <a:t>넘쳐나원활한</a:t>
+            </a:r>
+            <a:r>
+              <a:rPr lang="ko-KR" altLang="en-US" dirty="0" smtClean="0"/>
+              <a:t> </a:t>
+            </a:r>
+            <a:r>
+              <a:rPr lang="ko-KR" altLang="en-US" dirty="0"/>
+              <a:t>통행을 방해하는 현상</a:t>
             </a:r>
             <a:endParaRPr lang="en-US" altLang="ko-KR" dirty="0"/>
           </a:p>
@@ -19307,7 +19605,61 @@
             </a:r>
             <a:r>
               <a:rPr lang="ko-KR" altLang="en-US" dirty="0"/>
-              <a:t> 예방</a:t>
+              <a:t> </a:t>
+            </a:r>
+            <a:r>
+              <a:rPr lang="ko-KR" altLang="en-US" dirty="0" smtClean="0"/>
+              <a:t>예방</a:t>
+            </a:r>
+            <a:endParaRPr lang="en-US" altLang="ko-KR" dirty="0" smtClean="0"/>
+          </a:p>
+          <a:p>
+            <a:pPr lvl="1"/>
+            <a:endParaRPr lang="en-US" altLang="ko-KR" dirty="0"/>
+          </a:p>
+          <a:p>
+            <a:r>
+              <a:rPr lang="en-US" altLang="ko-KR" dirty="0" smtClean="0"/>
+              <a:t> Signal Movement</a:t>
+            </a:r>
+          </a:p>
+          <a:p>
+            <a:pPr lvl="1"/>
+            <a:r>
+              <a:rPr lang="en-US" altLang="ko-KR" dirty="0" smtClean="0"/>
+              <a:t>1</a:t>
+            </a:r>
+            <a:r>
+              <a:rPr lang="ko-KR" altLang="en-US" dirty="0" smtClean="0"/>
+              <a:t>개 </a:t>
+            </a:r>
+            <a:r>
+              <a:rPr lang="en-US" altLang="ko-KR" dirty="0" smtClean="0"/>
+              <a:t>inflow</a:t>
+            </a:r>
+            <a:r>
+              <a:rPr lang="ko-KR" altLang="en-US" dirty="0" err="1" smtClean="0"/>
+              <a:t>차로에서</a:t>
+            </a:r>
+            <a:r>
+              <a:rPr lang="ko-KR" altLang="en-US" dirty="0" smtClean="0"/>
+              <a:t> 다른 </a:t>
+            </a:r>
+            <a:r>
+              <a:rPr lang="en-US" altLang="ko-KR" dirty="0" smtClean="0"/>
+              <a:t>outflow</a:t>
+            </a:r>
+            <a:r>
+              <a:rPr lang="ko-KR" altLang="en-US" dirty="0" err="1" smtClean="0"/>
+              <a:t>차로로</a:t>
+            </a:r>
+            <a:r>
+              <a:rPr lang="ko-KR" altLang="en-US" dirty="0" smtClean="0"/>
+              <a:t> 이동하는 방향에서의 </a:t>
+            </a:r>
+            <a:r>
+              <a:rPr lang="en-US" altLang="ko-KR" dirty="0" smtClean="0"/>
+              <a:t>signal(Green or Red)</a:t>
             </a:r>
             <a:endParaRPr lang="en-US" altLang="ko-KR" dirty="0"/>
           </a:p>
@@ -19972,7 +20324,101 @@
               <a:rPr lang="ko-KR" altLang="en-US" dirty="0">
                 <a:sym typeface="Wingdings" panose="05000000000000000000" pitchFamily="2" charset="2"/>
               </a:rPr>
-              <a:t>이후 실험에서 좌회전 비율에  따라 설정</a:t>
+              <a:t>이후 실험에서 좌회전 비율에  따라 </a:t>
+            </a:r>
+            <a:r>
+              <a:rPr lang="ko-KR" altLang="en-US" dirty="0" smtClean="0">
+                <a:sym typeface="Wingdings" panose="05000000000000000000" pitchFamily="2" charset="2"/>
+              </a:rPr>
+              <a:t>설정</a:t>
+            </a:r>
+            <a:endParaRPr lang="en-US" altLang="ko-KR" dirty="0" smtClean="0">
+              <a:sym typeface="Wingdings" panose="05000000000000000000" pitchFamily="2" charset="2"/>
+            </a:endParaRPr>
+          </a:p>
+          <a:p>
+            <a:endParaRPr lang="en-US" altLang="ko-KR" dirty="0">
+              <a:sym typeface="Wingdings" panose="05000000000000000000" pitchFamily="2" charset="2"/>
+            </a:endParaRPr>
+          </a:p>
+          <a:p>
+            <a:r>
+              <a:rPr lang="en-US" altLang="ko-KR" dirty="0">
+                <a:sym typeface="Wingdings" panose="05000000000000000000" pitchFamily="2" charset="2"/>
+              </a:rPr>
+              <a:t> </a:t>
+            </a:r>
+            <a:r>
+              <a:rPr lang="ko-KR" altLang="en-US" dirty="0" smtClean="0">
+                <a:sym typeface="Wingdings" panose="05000000000000000000" pitchFamily="2" charset="2"/>
+              </a:rPr>
+              <a:t>해야할 부분</a:t>
+            </a:r>
+            <a:endParaRPr lang="en-US" altLang="ko-KR" dirty="0" smtClean="0">
+              <a:sym typeface="Wingdings" panose="05000000000000000000" pitchFamily="2" charset="2"/>
+            </a:endParaRPr>
+          </a:p>
+          <a:p>
+            <a:pPr lvl="1"/>
+            <a:r>
+              <a:rPr lang="en-US" altLang="ko-KR" dirty="0" smtClean="0">
+                <a:sym typeface="Wingdings" panose="05000000000000000000" pitchFamily="2" charset="2"/>
+              </a:rPr>
+              <a:t>U-turn </a:t>
+            </a:r>
+            <a:r>
+              <a:rPr lang="ko-KR" altLang="en-US" dirty="0" smtClean="0">
+                <a:sym typeface="Wingdings" panose="05000000000000000000" pitchFamily="2" charset="2"/>
+              </a:rPr>
+              <a:t>신호 </a:t>
+            </a:r>
+            <a:r>
+              <a:rPr lang="en-US" altLang="ko-KR" dirty="0" smtClean="0">
+                <a:sym typeface="Wingdings" panose="05000000000000000000" pitchFamily="2" charset="2"/>
+              </a:rPr>
+              <a:t>connection </a:t>
+            </a:r>
+            <a:r>
+              <a:rPr lang="ko-KR" altLang="en-US" dirty="0" smtClean="0">
+                <a:sym typeface="Wingdings" panose="05000000000000000000" pitchFamily="2" charset="2"/>
+              </a:rPr>
+              <a:t>제거</a:t>
+            </a:r>
+            <a:endParaRPr lang="en-US" altLang="ko-KR" dirty="0" smtClean="0">
+              <a:sym typeface="Wingdings" panose="05000000000000000000" pitchFamily="2" charset="2"/>
+            </a:endParaRPr>
+          </a:p>
+          <a:p>
+            <a:pPr lvl="1"/>
+            <a:r>
+              <a:rPr lang="en-US" altLang="ko-KR" dirty="0" smtClean="0">
+                <a:sym typeface="Wingdings" panose="05000000000000000000" pitchFamily="2" charset="2"/>
+              </a:rPr>
+              <a:t>Traffic light </a:t>
+            </a:r>
+            <a:r>
+              <a:rPr lang="ko-KR" altLang="en-US" dirty="0" smtClean="0">
+                <a:sym typeface="Wingdings" panose="05000000000000000000" pitchFamily="2" charset="2"/>
+              </a:rPr>
+              <a:t>설정 </a:t>
+            </a:r>
+            <a:r>
+              <a:rPr lang="en-US" altLang="ko-KR" dirty="0" smtClean="0">
+                <a:sym typeface="Wingdings" panose="05000000000000000000" pitchFamily="2" charset="2"/>
+              </a:rPr>
+              <a:t>(</a:t>
+            </a:r>
+            <a:r>
+              <a:rPr lang="ko-KR" altLang="en-US" dirty="0" smtClean="0">
+                <a:sym typeface="Wingdings" panose="05000000000000000000" pitchFamily="2" charset="2"/>
+              </a:rPr>
+              <a:t>논의 필요</a:t>
+            </a:r>
+            <a:r>
+              <a:rPr lang="en-US" altLang="ko-KR" dirty="0" smtClean="0">
+                <a:sym typeface="Wingdings" panose="05000000000000000000" pitchFamily="2" charset="2"/>
+              </a:rPr>
+              <a:t>)</a:t>
             </a:r>
             <a:endParaRPr lang="en-US" altLang="ko-KR" dirty="0">
               <a:sym typeface="Wingdings" panose="05000000000000000000" pitchFamily="2" charset="2"/>
@@ -20131,6 +20577,10 @@
             <a:r>
               <a:rPr lang="ko-KR" altLang="en-US" dirty="0"/>
               <a:t>로 다양한 정보 비교</a:t>
+            </a:r>
+            <a:r>
+              <a:rPr lang="en-US" altLang="ko-KR" dirty="0"/>
+              <a:t/>
             </a:r>
             <a:br>
               <a:rPr lang="en-US" altLang="ko-KR" dirty="0"/>
@@ -20350,6 +20800,30 @@
               <a:rPr lang="en-US" altLang="ko-KR" dirty="0"/>
               <a:t> </a:t>
             </a:r>
+            <a:r>
+              <a:rPr lang="ko-KR" altLang="en-US" dirty="0" smtClean="0"/>
+              <a:t>제작한 </a:t>
+            </a:r>
+            <a:r>
+              <a:rPr lang="en-US" altLang="ko-KR" dirty="0" smtClean="0"/>
+              <a:t>Code</a:t>
+            </a:r>
+            <a:r>
+              <a:rPr lang="ko-KR" altLang="en-US" dirty="0" smtClean="0"/>
+              <a:t>의 구성</a:t>
+            </a:r>
+            <a:r>
+              <a:rPr lang="en-US" altLang="ko-KR" dirty="0" smtClean="0"/>
+              <a:t>(</a:t>
+            </a:r>
+            <a:r>
+              <a:rPr lang="en-US" altLang="ko-KR" dirty="0" err="1" smtClean="0"/>
+              <a:t>Pytorch</a:t>
+            </a:r>
+            <a:r>
+              <a:rPr lang="en-US" altLang="ko-KR" dirty="0" smtClean="0"/>
+              <a:t> based)</a:t>
+            </a:r>
             <a:endParaRPr lang="ko-KR" altLang="en-US" dirty="0"/>
           </a:p>
         </p:txBody>
@@ -20418,7 +20892,72 @@
         </p:nvSpPr>
         <p:spPr>
           <a:xfrm>
-            <a:off x="4066674" y="2486526"/>
+            <a:off x="6152416" y="2476542"/>
+            <a:ext cx="1235242" cy="689811"/>
+          </a:xfrm>
+          <a:prstGeom prst="roundRect">
+            <a:avLst/>
+          </a:prstGeom>
+        </p:spPr>
+        <p:style>
+          <a:lnRef idx="2">
+            <a:schemeClr val="accent3">
+              <a:shade val="50000"/>
+            </a:schemeClr>
+          </a:lnRef>
+          <a:fillRef idx="1">
+            <a:schemeClr val="accent3"/>
+          </a:fillRef>
+          <a:effectRef idx="0">
+            <a:schemeClr val="accent3"/>
+          </a:effectRef>
+          <a:fontRef idx="minor">
+            <a:schemeClr val="lt1"/>
+          </a:fontRef>
+        </p:style>
+        <p:txBody>
+          <a:bodyPr rtlCol="0" anchor="ctr"/>
+          <a:lstStyle/>
+          <a:p>
+            <a:pPr algn="ctr"/>
+            <a:r>
+              <a:rPr lang="en-US" altLang="ko-KR" dirty="0" smtClean="0"/>
+              <a:t>Env.py</a:t>
+            </a:r>
+          </a:p>
+          <a:p>
+            <a:pPr algn="ctr"/>
+            <a:r>
+              <a:rPr lang="en-US" altLang="ko-KR" sz="1400" dirty="0" smtClean="0"/>
+              <a:t>(</a:t>
+            </a:r>
+            <a:r>
+              <a:rPr lang="ko-KR" altLang="en-US" sz="1400" dirty="0" smtClean="0"/>
+              <a:t>세팅 필요</a:t>
+            </a:r>
+            <a:r>
+              <a:rPr lang="en-US" altLang="ko-KR" sz="1400" dirty="0" smtClean="0"/>
+              <a:t>)</a:t>
+            </a:r>
+            <a:endParaRPr lang="en-US" altLang="ko-KR" sz="2000" dirty="0"/>
+          </a:p>
+        </p:txBody>
+      </p:sp>
+      <p:sp>
+        <p:nvSpPr>
+          <p:cNvPr id="6" name="사각형: 둥근 모서리 5">
+            <a:extLst>
+              <a:ext uri="{FF2B5EF4-FFF2-40B4-BE49-F238E27FC236}">
+                <a16:creationId xmlns:a16="http://schemas.microsoft.com/office/drawing/2014/main" id="{FC865608-674B-4AEE-A856-4D8A836E05B8}"/>
+              </a:ext>
+            </a:extLst>
+          </p:cNvPr>
+          <p:cNvSpPr/>
+          <p:nvPr/>
+        </p:nvSpPr>
+        <p:spPr>
+          <a:xfrm>
+            <a:off x="6152416" y="4421210"/>
             <a:ext cx="1235242" cy="689811"/>
           </a:xfrm>
           <a:prstGeom prst="roundRect">
@@ -20447,58 +20986,25 @@
           <a:p>
             <a:pPr algn="ctr"/>
             <a:r>
-              <a:rPr lang="en-US" altLang="ko-KR" dirty="0"/>
-              <a:t>Env.py</a:t>
-            </a:r>
-          </a:p>
-        </p:txBody>
-      </p:sp>
-      <p:sp>
-        <p:nvSpPr>
-          <p:cNvPr id="6" name="사각형: 둥근 모서리 5">
-            <a:extLst>
-              <a:ext uri="{FF2B5EF4-FFF2-40B4-BE49-F238E27FC236}">
-                <a16:creationId xmlns:a16="http://schemas.microsoft.com/office/drawing/2014/main" id="{FC865608-674B-4AEE-A856-4D8A836E05B8}"/>
-              </a:ext>
-            </a:extLst>
-          </p:cNvPr>
-          <p:cNvSpPr/>
-          <p:nvPr/>
-        </p:nvSpPr>
-        <p:spPr>
-          <a:xfrm>
-            <a:off x="4066674" y="3681664"/>
-            <a:ext cx="1235242" cy="689811"/>
-          </a:xfrm>
-          <a:prstGeom prst="roundRect">
-            <a:avLst/>
-          </a:prstGeom>
-        </p:spPr>
-        <p:style>
-          <a:lnRef idx="2">
-            <a:schemeClr val="accent1">
-              <a:shade val="50000"/>
-            </a:schemeClr>
-          </a:lnRef>
-          <a:fillRef idx="1">
-            <a:schemeClr val="accent1"/>
-          </a:fillRef>
-          <a:effectRef idx="0">
-            <a:schemeClr val="accent1"/>
-          </a:effectRef>
-          <a:fontRef idx="minor">
-            <a:schemeClr val="lt1"/>
-          </a:fontRef>
-        </p:style>
-        <p:txBody>
-          <a:bodyPr rtlCol="0" anchor="ctr"/>
-          <a:lstStyle/>
+              <a:rPr lang="en-US" altLang="ko-KR" dirty="0" smtClean="0"/>
+              <a:t>Dqn.py</a:t>
+            </a:r>
+          </a:p>
           <a:p>
             <a:pPr algn="ctr"/>
             <a:r>
-              <a:rPr lang="en-US" altLang="ko-KR" dirty="0"/>
-              <a:t>Dqn.py</a:t>
-            </a:r>
+              <a:rPr lang="en-US" altLang="ko-KR" sz="1400" dirty="0" smtClean="0"/>
+              <a:t>(</a:t>
+            </a:r>
+            <a:r>
+              <a:rPr lang="ko-KR" altLang="en-US" sz="1400" dirty="0" err="1" smtClean="0"/>
+              <a:t>검토필요</a:t>
+            </a:r>
+            <a:r>
+              <a:rPr lang="en-US" altLang="ko-KR" sz="1400" dirty="0" smtClean="0"/>
+              <a:t>)</a:t>
+            </a:r>
+            <a:endParaRPr lang="en-US" altLang="ko-KR" dirty="0"/>
           </a:p>
         </p:txBody>
       </p:sp>
@@ -20516,7 +21022,7 @@
         </p:nvSpPr>
         <p:spPr>
           <a:xfrm>
-            <a:off x="4090738" y="4892842"/>
+            <a:off x="8766099" y="4421210"/>
             <a:ext cx="1235242" cy="689811"/>
           </a:xfrm>
           <a:prstGeom prst="roundRect">
@@ -20525,15 +21031,15 @@
         </p:spPr>
         <p:style>
           <a:lnRef idx="2">
-            <a:schemeClr val="accent1">
+            <a:schemeClr val="accent6">
               <a:shade val="50000"/>
             </a:schemeClr>
           </a:lnRef>
           <a:fillRef idx="1">
-            <a:schemeClr val="accent1"/>
+            <a:schemeClr val="accent6"/>
           </a:fillRef>
           <a:effectRef idx="0">
-            <a:schemeClr val="accent1"/>
+            <a:schemeClr val="accent6"/>
           </a:effectRef>
           <a:fontRef idx="minor">
             <a:schemeClr val="lt1"/>
@@ -20545,9 +21051,672 @@
           <a:p>
             <a:pPr algn="ctr"/>
             <a:r>
-              <a:rPr lang="en-US" altLang="ko-KR" dirty="0"/>
-              <a:t>Dqn.py</a:t>
-            </a:r>
+              <a:rPr lang="en-US" altLang="ko-KR" sz="1600" dirty="0" smtClean="0"/>
+              <a:t>FRAP.py</a:t>
+            </a:r>
+          </a:p>
+          <a:p>
+            <a:pPr algn="ctr"/>
+            <a:r>
+              <a:rPr lang="en-US" altLang="ko-KR" sz="1400" dirty="0" smtClean="0"/>
+              <a:t>(</a:t>
+            </a:r>
+            <a:r>
+              <a:rPr lang="ko-KR" altLang="en-US" sz="1400" dirty="0" err="1" smtClean="0"/>
+              <a:t>제작중</a:t>
+            </a:r>
+            <a:r>
+              <a:rPr lang="en-US" altLang="ko-KR" sz="1400" dirty="0" smtClean="0"/>
+              <a:t>)</a:t>
+            </a:r>
+            <a:endParaRPr lang="en-US" altLang="ko-KR" sz="1400" dirty="0"/>
+          </a:p>
+        </p:txBody>
+      </p:sp>
+      <p:cxnSp>
+        <p:nvCxnSpPr>
+          <p:cNvPr id="12" name="직선 화살표 연결선 11"/>
+          <p:cNvCxnSpPr>
+            <a:stCxn id="4" idx="3"/>
+            <a:endCxn id="5" idx="1"/>
+          </p:cNvCxnSpPr>
+          <p:nvPr/>
+        </p:nvCxnSpPr>
+        <p:spPr>
+          <a:xfrm flipV="1">
+            <a:off x="2775284" y="2821448"/>
+            <a:ext cx="3377132" cy="9984"/>
+          </a:xfrm>
+          <a:prstGeom prst="straightConnector1">
+            <a:avLst/>
+          </a:prstGeom>
+          <a:ln>
+            <a:tailEnd type="triangle"/>
+          </a:ln>
+        </p:spPr>
+        <p:style>
+          <a:lnRef idx="1">
+            <a:schemeClr val="dk1"/>
+          </a:lnRef>
+          <a:fillRef idx="0">
+            <a:schemeClr val="dk1"/>
+          </a:fillRef>
+          <a:effectRef idx="0">
+            <a:schemeClr val="dk1"/>
+          </a:effectRef>
+          <a:fontRef idx="minor">
+            <a:schemeClr val="tx1"/>
+          </a:fontRef>
+        </p:style>
+      </p:cxnSp>
+      <p:sp>
+        <p:nvSpPr>
+          <p:cNvPr id="17" name="사각형: 둥근 모서리 3">
+            <a:extLst>
+              <a:ext uri="{FF2B5EF4-FFF2-40B4-BE49-F238E27FC236}">
+                <a16:creationId xmlns:a16="http://schemas.microsoft.com/office/drawing/2014/main" id="{C6D1BF94-7D06-4819-8E8C-463D299A0B6D}"/>
+              </a:ext>
+            </a:extLst>
+          </p:cNvPr>
+          <p:cNvSpPr/>
+          <p:nvPr/>
+        </p:nvSpPr>
+        <p:spPr>
+          <a:xfrm>
+            <a:off x="2786666" y="3731401"/>
+            <a:ext cx="1235242" cy="689811"/>
+          </a:xfrm>
+          <a:prstGeom prst="roundRect">
+            <a:avLst/>
+          </a:prstGeom>
+        </p:spPr>
+        <p:style>
+          <a:lnRef idx="2">
+            <a:schemeClr val="accent4">
+              <a:shade val="50000"/>
+            </a:schemeClr>
+          </a:lnRef>
+          <a:fillRef idx="1">
+            <a:schemeClr val="accent4"/>
+          </a:fillRef>
+          <a:effectRef idx="0">
+            <a:schemeClr val="accent4"/>
+          </a:effectRef>
+          <a:fontRef idx="minor">
+            <a:schemeClr val="lt1"/>
+          </a:fontRef>
+        </p:style>
+        <p:txBody>
+          <a:bodyPr rtlCol="0" anchor="ctr"/>
+          <a:lstStyle/>
+          <a:p>
+            <a:pPr algn="ctr"/>
+            <a:r>
+              <a:rPr lang="en-US" altLang="ko-KR" dirty="0" smtClean="0"/>
+              <a:t>Grid.py</a:t>
+            </a:r>
+            <a:endParaRPr lang="ko-KR" altLang="en-US" dirty="0"/>
+          </a:p>
+        </p:txBody>
+      </p:sp>
+      <p:sp>
+        <p:nvSpPr>
+          <p:cNvPr id="18" name="사각형: 둥근 모서리 3">
+            <a:extLst>
+              <a:ext uri="{FF2B5EF4-FFF2-40B4-BE49-F238E27FC236}">
+                <a16:creationId xmlns:a16="http://schemas.microsoft.com/office/drawing/2014/main" id="{C6D1BF94-7D06-4819-8E8C-463D299A0B6D}"/>
+              </a:ext>
+            </a:extLst>
+          </p:cNvPr>
+          <p:cNvSpPr/>
+          <p:nvPr/>
+        </p:nvSpPr>
+        <p:spPr>
+          <a:xfrm>
+            <a:off x="4156353" y="4942579"/>
+            <a:ext cx="1235242" cy="689811"/>
+          </a:xfrm>
+          <a:prstGeom prst="roundRect">
+            <a:avLst/>
+          </a:prstGeom>
+        </p:spPr>
+        <p:style>
+          <a:lnRef idx="2">
+            <a:schemeClr val="accent5">
+              <a:shade val="50000"/>
+            </a:schemeClr>
+          </a:lnRef>
+          <a:fillRef idx="1">
+            <a:schemeClr val="accent5"/>
+          </a:fillRef>
+          <a:effectRef idx="0">
+            <a:schemeClr val="accent5"/>
+          </a:effectRef>
+          <a:fontRef idx="minor">
+            <a:schemeClr val="lt1"/>
+          </a:fontRef>
+        </p:style>
+        <p:txBody>
+          <a:bodyPr rtlCol="0" anchor="ctr"/>
+          <a:lstStyle/>
+          <a:p>
+            <a:pPr algn="ctr"/>
+            <a:r>
+              <a:rPr lang="en-US" altLang="ko-KR" sz="1600" dirty="0" smtClean="0"/>
+              <a:t>Gen_net</a:t>
+            </a:r>
+            <a:r>
+              <a:rPr lang="en-US" altLang="ko-KR" sz="1600" dirty="0" smtClean="0"/>
+              <a:t>.py</a:t>
+            </a:r>
+            <a:endParaRPr lang="ko-KR" altLang="en-US" sz="1600" dirty="0"/>
+          </a:p>
+        </p:txBody>
+      </p:sp>
+      <p:cxnSp>
+        <p:nvCxnSpPr>
+          <p:cNvPr id="21" name="꺾인 연결선 20"/>
+          <p:cNvCxnSpPr>
+            <a:stCxn id="4" idx="2"/>
+            <a:endCxn id="17" idx="1"/>
+          </p:cNvCxnSpPr>
+          <p:nvPr/>
+        </p:nvCxnSpPr>
+        <p:spPr>
+          <a:xfrm rot="16200000" flipH="1">
+            <a:off x="2022179" y="3311820"/>
+            <a:ext cx="899970" cy="629003"/>
+          </a:xfrm>
+          <a:prstGeom prst="bentConnector2">
+            <a:avLst/>
+          </a:prstGeom>
+          <a:ln>
+            <a:tailEnd type="triangle"/>
+          </a:ln>
+        </p:spPr>
+        <p:style>
+          <a:lnRef idx="1">
+            <a:schemeClr val="dk1"/>
+          </a:lnRef>
+          <a:fillRef idx="0">
+            <a:schemeClr val="dk1"/>
+          </a:fillRef>
+          <a:effectRef idx="0">
+            <a:schemeClr val="dk1"/>
+          </a:effectRef>
+          <a:fontRef idx="minor">
+            <a:schemeClr val="tx1"/>
+          </a:fontRef>
+        </p:style>
+      </p:cxnSp>
+      <p:cxnSp>
+        <p:nvCxnSpPr>
+          <p:cNvPr id="25" name="꺾인 연결선 24"/>
+          <p:cNvCxnSpPr>
+            <a:stCxn id="17" idx="2"/>
+            <a:endCxn id="18" idx="1"/>
+          </p:cNvCxnSpPr>
+          <p:nvPr/>
+        </p:nvCxnSpPr>
+        <p:spPr>
+          <a:xfrm rot="16200000" flipH="1">
+            <a:off x="3347184" y="4478315"/>
+            <a:ext cx="866273" cy="752066"/>
+          </a:xfrm>
+          <a:prstGeom prst="bentConnector2">
+            <a:avLst/>
+          </a:prstGeom>
+          <a:ln>
+            <a:tailEnd type="triangle"/>
+          </a:ln>
+        </p:spPr>
+        <p:style>
+          <a:lnRef idx="1">
+            <a:schemeClr val="dk1"/>
+          </a:lnRef>
+          <a:fillRef idx="0">
+            <a:schemeClr val="dk1"/>
+          </a:fillRef>
+          <a:effectRef idx="0">
+            <a:schemeClr val="dk1"/>
+          </a:effectRef>
+          <a:fontRef idx="minor">
+            <a:schemeClr val="tx1"/>
+          </a:fontRef>
+        </p:style>
+      </p:cxnSp>
+      <p:sp>
+        <p:nvSpPr>
+          <p:cNvPr id="31" name="TextBox 30"/>
+          <p:cNvSpPr txBox="1"/>
+          <p:nvPr/>
+        </p:nvSpPr>
+        <p:spPr>
+          <a:xfrm>
+            <a:off x="1572295" y="4078601"/>
+            <a:ext cx="1214371" cy="307777"/>
+          </a:xfrm>
+          <a:prstGeom prst="rect">
+            <a:avLst/>
+          </a:prstGeom>
+          <a:noFill/>
+        </p:spPr>
+        <p:txBody>
+          <a:bodyPr wrap="none" rtlCol="0">
+            <a:spAutoFit/>
+          </a:bodyPr>
+          <a:lstStyle/>
+          <a:p>
+            <a:r>
+              <a:rPr lang="en-US" altLang="ko-KR" sz="1400" dirty="0" smtClean="0"/>
+              <a:t>Network </a:t>
+            </a:r>
+            <a:r>
+              <a:rPr lang="ko-KR" altLang="en-US" sz="1400" dirty="0" smtClean="0"/>
+              <a:t>생성</a:t>
+            </a:r>
+            <a:endParaRPr lang="ko-KR" altLang="en-US" sz="1400" dirty="0"/>
+          </a:p>
+        </p:txBody>
+      </p:sp>
+      <p:sp>
+        <p:nvSpPr>
+          <p:cNvPr id="32" name="TextBox 31"/>
+          <p:cNvSpPr txBox="1"/>
+          <p:nvPr/>
+        </p:nvSpPr>
+        <p:spPr>
+          <a:xfrm>
+            <a:off x="3473910" y="2513670"/>
+            <a:ext cx="2060885" cy="307777"/>
+          </a:xfrm>
+          <a:prstGeom prst="rect">
+            <a:avLst/>
+          </a:prstGeom>
+          <a:noFill/>
+        </p:spPr>
+        <p:txBody>
+          <a:bodyPr wrap="none" rtlCol="0">
+            <a:spAutoFit/>
+          </a:bodyPr>
+          <a:lstStyle/>
+          <a:p>
+            <a:r>
+              <a:rPr lang="en-US" altLang="ko-KR" sz="1400" dirty="0" smtClean="0"/>
+              <a:t>Environment Initialization</a:t>
+            </a:r>
+            <a:endParaRPr lang="ko-KR" altLang="en-US" sz="1400" dirty="0"/>
+          </a:p>
+        </p:txBody>
+      </p:sp>
+      <p:cxnSp>
+        <p:nvCxnSpPr>
+          <p:cNvPr id="34" name="꺾인 연결선 33"/>
+          <p:cNvCxnSpPr>
+            <a:stCxn id="4" idx="3"/>
+            <a:endCxn id="6" idx="1"/>
+          </p:cNvCxnSpPr>
+          <p:nvPr/>
+        </p:nvCxnSpPr>
+        <p:spPr>
+          <a:xfrm>
+            <a:off x="2775284" y="2831432"/>
+            <a:ext cx="3377132" cy="1934684"/>
+          </a:xfrm>
+          <a:prstGeom prst="bentConnector3">
+            <a:avLst/>
+          </a:prstGeom>
+          <a:ln>
+            <a:tailEnd type="triangle"/>
+          </a:ln>
+        </p:spPr>
+        <p:style>
+          <a:lnRef idx="1">
+            <a:schemeClr val="dk1"/>
+          </a:lnRef>
+          <a:fillRef idx="0">
+            <a:schemeClr val="dk1"/>
+          </a:fillRef>
+          <a:effectRef idx="0">
+            <a:schemeClr val="dk1"/>
+          </a:effectRef>
+          <a:fontRef idx="minor">
+            <a:schemeClr val="tx1"/>
+          </a:fontRef>
+        </p:style>
+      </p:cxnSp>
+      <p:sp>
+        <p:nvSpPr>
+          <p:cNvPr id="36" name="TextBox 35"/>
+          <p:cNvSpPr txBox="1"/>
+          <p:nvPr/>
+        </p:nvSpPr>
+        <p:spPr>
+          <a:xfrm>
+            <a:off x="4432753" y="4458338"/>
+            <a:ext cx="1553887" cy="307777"/>
+          </a:xfrm>
+          <a:prstGeom prst="rect">
+            <a:avLst/>
+          </a:prstGeom>
+          <a:noFill/>
+        </p:spPr>
+        <p:txBody>
+          <a:bodyPr wrap="none" rtlCol="0">
+            <a:spAutoFit/>
+          </a:bodyPr>
+          <a:lstStyle/>
+          <a:p>
+            <a:r>
+              <a:rPr lang="en-US" altLang="ko-KR" sz="1400" dirty="0" smtClean="0"/>
+              <a:t>Agent Initialization</a:t>
+            </a:r>
+            <a:endParaRPr lang="ko-KR" altLang="en-US" sz="1400" dirty="0"/>
+          </a:p>
+        </p:txBody>
+      </p:sp>
+      <p:cxnSp>
+        <p:nvCxnSpPr>
+          <p:cNvPr id="41" name="직선 화살표 연결선 40"/>
+          <p:cNvCxnSpPr/>
+          <p:nvPr/>
+        </p:nvCxnSpPr>
+        <p:spPr>
+          <a:xfrm>
+            <a:off x="6571085" y="3166353"/>
+            <a:ext cx="0" cy="1254857"/>
+          </a:xfrm>
+          <a:prstGeom prst="straightConnector1">
+            <a:avLst/>
+          </a:prstGeom>
+          <a:ln>
+            <a:tailEnd type="triangle"/>
+          </a:ln>
+        </p:spPr>
+        <p:style>
+          <a:lnRef idx="1">
+            <a:schemeClr val="dk1"/>
+          </a:lnRef>
+          <a:fillRef idx="0">
+            <a:schemeClr val="dk1"/>
+          </a:fillRef>
+          <a:effectRef idx="0">
+            <a:schemeClr val="dk1"/>
+          </a:effectRef>
+          <a:fontRef idx="minor">
+            <a:schemeClr val="tx1"/>
+          </a:fontRef>
+        </p:style>
+      </p:cxnSp>
+      <p:sp>
+        <p:nvSpPr>
+          <p:cNvPr id="42" name="TextBox 41"/>
+          <p:cNvSpPr txBox="1"/>
+          <p:nvPr/>
+        </p:nvSpPr>
+        <p:spPr>
+          <a:xfrm>
+            <a:off x="5528481" y="3271180"/>
+            <a:ext cx="1042603" cy="461665"/>
+          </a:xfrm>
+          <a:prstGeom prst="rect">
+            <a:avLst/>
+          </a:prstGeom>
+          <a:noFill/>
+        </p:spPr>
+        <p:txBody>
+          <a:bodyPr wrap="square" rtlCol="0">
+            <a:spAutoFit/>
+          </a:bodyPr>
+          <a:lstStyle/>
+          <a:p>
+            <a:pPr algn="r"/>
+            <a:r>
+              <a:rPr lang="en-US" altLang="ko-KR" sz="1200" dirty="0" smtClean="0"/>
+              <a:t>Reward, Observation</a:t>
+            </a:r>
+            <a:endParaRPr lang="ko-KR" altLang="en-US" sz="1200" dirty="0"/>
+          </a:p>
+        </p:txBody>
+      </p:sp>
+      <p:cxnSp>
+        <p:nvCxnSpPr>
+          <p:cNvPr id="43" name="직선 화살표 연결선 42"/>
+          <p:cNvCxnSpPr/>
+          <p:nvPr/>
+        </p:nvCxnSpPr>
+        <p:spPr>
+          <a:xfrm flipH="1" flipV="1">
+            <a:off x="6911599" y="3166353"/>
+            <a:ext cx="11381" cy="1259448"/>
+          </a:xfrm>
+          <a:prstGeom prst="straightConnector1">
+            <a:avLst/>
+          </a:prstGeom>
+          <a:ln>
+            <a:tailEnd type="triangle"/>
+          </a:ln>
+        </p:spPr>
+        <p:style>
+          <a:lnRef idx="1">
+            <a:schemeClr val="dk1"/>
+          </a:lnRef>
+          <a:fillRef idx="0">
+            <a:schemeClr val="dk1"/>
+          </a:fillRef>
+          <a:effectRef idx="0">
+            <a:schemeClr val="dk1"/>
+          </a:effectRef>
+          <a:fontRef idx="minor">
+            <a:schemeClr val="tx1"/>
+          </a:fontRef>
+        </p:style>
+      </p:cxnSp>
+      <p:sp>
+        <p:nvSpPr>
+          <p:cNvPr id="47" name="TextBox 46"/>
+          <p:cNvSpPr txBox="1"/>
+          <p:nvPr/>
+        </p:nvSpPr>
+        <p:spPr>
+          <a:xfrm>
+            <a:off x="6910435" y="3626321"/>
+            <a:ext cx="1042603" cy="276999"/>
+          </a:xfrm>
+          <a:prstGeom prst="rect">
+            <a:avLst/>
+          </a:prstGeom>
+          <a:noFill/>
+        </p:spPr>
+        <p:txBody>
+          <a:bodyPr wrap="square" rtlCol="0">
+            <a:spAutoFit/>
+          </a:bodyPr>
+          <a:lstStyle/>
+          <a:p>
+            <a:r>
+              <a:rPr lang="en-US" altLang="ko-KR" sz="1200" dirty="0" smtClean="0"/>
+              <a:t>Action</a:t>
+            </a:r>
+            <a:endParaRPr lang="ko-KR" altLang="en-US" sz="1200" dirty="0"/>
+          </a:p>
+        </p:txBody>
+      </p:sp>
+      <p:cxnSp>
+        <p:nvCxnSpPr>
+          <p:cNvPr id="48" name="직선 화살표 연결선 47"/>
+          <p:cNvCxnSpPr>
+            <a:stCxn id="6" idx="3"/>
+            <a:endCxn id="7" idx="1"/>
+          </p:cNvCxnSpPr>
+          <p:nvPr/>
+        </p:nvCxnSpPr>
+        <p:spPr>
+          <a:xfrm>
+            <a:off x="7387658" y="4766116"/>
+            <a:ext cx="1378441" cy="0"/>
+          </a:xfrm>
+          <a:prstGeom prst="straightConnector1">
+            <a:avLst/>
+          </a:prstGeom>
+          <a:ln>
+            <a:tailEnd type="triangle"/>
+          </a:ln>
+        </p:spPr>
+        <p:style>
+          <a:lnRef idx="1">
+            <a:schemeClr val="dk1"/>
+          </a:lnRef>
+          <a:fillRef idx="0">
+            <a:schemeClr val="dk1"/>
+          </a:fillRef>
+          <a:effectRef idx="0">
+            <a:schemeClr val="dk1"/>
+          </a:effectRef>
+          <a:fontRef idx="minor">
+            <a:schemeClr val="tx1"/>
+          </a:fontRef>
+        </p:style>
+      </p:cxnSp>
+      <p:sp>
+        <p:nvSpPr>
+          <p:cNvPr id="51" name="TextBox 50"/>
+          <p:cNvSpPr txBox="1"/>
+          <p:nvPr/>
+        </p:nvSpPr>
+        <p:spPr>
+          <a:xfrm>
+            <a:off x="7555576" y="4473726"/>
+            <a:ext cx="1042603" cy="276999"/>
+          </a:xfrm>
+          <a:prstGeom prst="rect">
+            <a:avLst/>
+          </a:prstGeom>
+          <a:noFill/>
+        </p:spPr>
+        <p:txBody>
+          <a:bodyPr wrap="square" rtlCol="0">
+            <a:spAutoFit/>
+          </a:bodyPr>
+          <a:lstStyle/>
+          <a:p>
+            <a:pPr algn="ctr"/>
+            <a:r>
+              <a:rPr lang="en-US" altLang="ko-KR" sz="1200" dirty="0" smtClean="0"/>
+              <a:t>Observation</a:t>
+            </a:r>
+            <a:endParaRPr lang="ko-KR" altLang="en-US" sz="1200" dirty="0"/>
+          </a:p>
+        </p:txBody>
+      </p:sp>
+      <p:cxnSp>
+        <p:nvCxnSpPr>
+          <p:cNvPr id="52" name="직선 화살표 연결선 51"/>
+          <p:cNvCxnSpPr/>
+          <p:nvPr/>
+        </p:nvCxnSpPr>
+        <p:spPr>
+          <a:xfrm flipH="1">
+            <a:off x="7387658" y="4892374"/>
+            <a:ext cx="1378441" cy="0"/>
+          </a:xfrm>
+          <a:prstGeom prst="straightConnector1">
+            <a:avLst/>
+          </a:prstGeom>
+          <a:ln>
+            <a:tailEnd type="triangle"/>
+          </a:ln>
+        </p:spPr>
+        <p:style>
+          <a:lnRef idx="1">
+            <a:schemeClr val="dk1"/>
+          </a:lnRef>
+          <a:fillRef idx="0">
+            <a:schemeClr val="dk1"/>
+          </a:fillRef>
+          <a:effectRef idx="0">
+            <a:schemeClr val="dk1"/>
+          </a:effectRef>
+          <a:fontRef idx="minor">
+            <a:schemeClr val="tx1"/>
+          </a:fontRef>
+        </p:style>
+      </p:cxnSp>
+      <p:sp>
+        <p:nvSpPr>
+          <p:cNvPr id="56" name="TextBox 55"/>
+          <p:cNvSpPr txBox="1"/>
+          <p:nvPr/>
+        </p:nvSpPr>
+        <p:spPr>
+          <a:xfrm>
+            <a:off x="7559668" y="4942579"/>
+            <a:ext cx="1042603" cy="276999"/>
+          </a:xfrm>
+          <a:prstGeom prst="rect">
+            <a:avLst/>
+          </a:prstGeom>
+          <a:noFill/>
+        </p:spPr>
+        <p:txBody>
+          <a:bodyPr wrap="square" rtlCol="0">
+            <a:spAutoFit/>
+          </a:bodyPr>
+          <a:lstStyle/>
+          <a:p>
+            <a:pPr algn="ctr"/>
+            <a:r>
+              <a:rPr lang="en-US" altLang="ko-KR" sz="1200" dirty="0" smtClean="0"/>
+              <a:t>Flip, Rotate</a:t>
+            </a:r>
+            <a:endParaRPr lang="ko-KR" altLang="en-US" sz="1200" dirty="0"/>
+          </a:p>
+        </p:txBody>
+      </p:sp>
+      <p:sp>
+        <p:nvSpPr>
+          <p:cNvPr id="57" name="TextBox 56"/>
+          <p:cNvSpPr txBox="1"/>
+          <p:nvPr/>
+        </p:nvSpPr>
+        <p:spPr>
+          <a:xfrm>
+            <a:off x="2825988" y="5304805"/>
+            <a:ext cx="1330364" cy="307777"/>
+          </a:xfrm>
+          <a:prstGeom prst="rect">
+            <a:avLst/>
+          </a:prstGeom>
+          <a:noFill/>
+        </p:spPr>
+        <p:txBody>
+          <a:bodyPr wrap="none" rtlCol="0">
+            <a:spAutoFit/>
+          </a:bodyPr>
+          <a:lstStyle/>
+          <a:p>
+            <a:pPr algn="r"/>
+            <a:r>
+              <a:rPr lang="en-US" altLang="ko-KR" sz="1400" dirty="0" smtClean="0"/>
+              <a:t>xml </a:t>
+            </a:r>
+            <a:r>
+              <a:rPr lang="ko-KR" altLang="en-US" sz="1400" dirty="0" smtClean="0"/>
+              <a:t>및 </a:t>
+            </a:r>
+            <a:r>
+              <a:rPr lang="en-US" altLang="ko-KR" sz="1400" dirty="0" err="1" smtClean="0"/>
+              <a:t>cfg</a:t>
+            </a:r>
+            <a:r>
+              <a:rPr lang="en-US" altLang="ko-KR" sz="1400" dirty="0" smtClean="0"/>
+              <a:t> </a:t>
+            </a:r>
+            <a:r>
+              <a:rPr lang="ko-KR" altLang="en-US" sz="1400" dirty="0" smtClean="0"/>
+              <a:t>생성</a:t>
+            </a:r>
+            <a:endParaRPr lang="ko-KR" altLang="en-US" sz="1400" dirty="0"/>
           </a:p>
         </p:txBody>
       </p:sp>
@@ -20634,6 +21803,10 @@
             <a:r>
               <a:rPr lang="ko-KR" altLang="en-US" dirty="0"/>
               <a:t>를 조절</a:t>
+            </a:r>
+            <a:r>
+              <a:rPr lang="en-US" altLang="ko-KR" dirty="0"/>
+              <a:t/>
             </a:r>
             <a:br>
               <a:rPr lang="en-US" altLang="ko-KR" dirty="0"/>

--- a/1st_Seminar(강민수).pptx
+++ b/1st_Seminar(강민수).pptx
@@ -8427,8 +8427,20 @@
               <a:t>- State: </a:t>
             </a:r>
             <a:r>
-              <a:rPr lang="en-US" altLang="ko-KR" dirty="0" err="1"/>
+              <a:rPr lang="en-US" altLang="ko-KR" dirty="0" err="1" smtClean="0"/>
               <a:t>getRedYellowGreenState</a:t>
+            </a:r>
+            <a:r>
+              <a:rPr lang="en-US" altLang="ko-KR" dirty="0" smtClean="0"/>
+              <a:t> , phase state</a:t>
+            </a:r>
+            <a:r>
+              <a:rPr lang="ko-KR" altLang="en-US" dirty="0" smtClean="0"/>
+              <a:t>를 </a:t>
+            </a:r>
+            <a:r>
+              <a:rPr lang="ko-KR" altLang="en-US" dirty="0" err="1" smtClean="0"/>
+              <a:t>받아옴</a:t>
             </a:r>
             <a:r>
               <a:rPr lang="en-US" altLang="ko-KR" dirty="0"/>
@@ -8454,7 +8466,15 @@
             </a:br>
             <a:r>
               <a:rPr lang="en-US" altLang="ko-KR" dirty="0"/>
-              <a:t>- Current phase: </a:t>
+              <a:t>- </a:t>
+            </a:r>
+            <a:r>
+              <a:rPr lang="en-US" altLang="ko-KR"/>
+              <a:t>Current </a:t>
+            </a:r>
+            <a:r>
+              <a:rPr lang="en-US" altLang="ko-KR" smtClean="0"/>
+              <a:t>phase number: </a:t>
             </a:r>
             <a:r>
               <a:rPr lang="en-US" altLang="ko-KR" dirty="0" err="1"/>
@@ -8485,8 +8505,24 @@
               <a:t>의 </a:t>
             </a:r>
             <a:r>
-              <a:rPr lang="en-US" altLang="ko-KR" dirty="0"/>
-              <a:t>index</a:t>
+              <a:rPr lang="en-US" altLang="ko-KR" dirty="0" smtClean="0"/>
+              <a:t>index (</a:t>
+            </a:r>
+            <a:r>
+              <a:rPr lang="en-US" altLang="ko-KR" dirty="0" smtClean="0"/>
+              <a:t>id</a:t>
+            </a:r>
+            <a:r>
+              <a:rPr lang="ko-KR" altLang="en-US" dirty="0" smtClean="0"/>
+              <a:t>에 등록된 것만</a:t>
+            </a:r>
+            <a:r>
+              <a:rPr lang="en-US" altLang="ko-KR" dirty="0" smtClean="0"/>
+              <a:t>)</a:t>
+            </a:r>
+            <a:r>
+              <a:rPr lang="en-US" altLang="ko-KR" dirty="0"/>
+              <a:t/>
             </a:r>
             <a:br>
               <a:rPr lang="en-US" altLang="ko-KR" dirty="0"/>
@@ -12901,8 +12937,8 @@
           </a:p>
         </p:txBody>
       </p:sp>
-      <mc:AlternateContent xmlns:mc="http://schemas.openxmlformats.org/markup-compatibility/2006">
-        <mc:Choice xmlns:a14="http://schemas.microsoft.com/office/drawing/2010/main" Requires="a14">
+      <mc:AlternateContent xmlns:mc="http://schemas.openxmlformats.org/markup-compatibility/2006" xmlns:a14="http://schemas.microsoft.com/office/drawing/2010/main">
+        <mc:Choice Requires="a14">
           <p:sp>
             <p:nvSpPr>
               <p:cNvPr id="3" name="내용 개체 틀 2"/>
@@ -13392,7 +13428,7 @@
             </p:txBody>
           </p:sp>
         </mc:Choice>
-        <mc:Fallback>
+        <mc:Fallback xmlns="">
           <p:sp>
             <p:nvSpPr>
               <p:cNvPr id="3" name="내용 개체 틀 2"/>
@@ -15895,11 +15931,7 @@
             </a:r>
             <a:r>
               <a:rPr lang="ko-KR" altLang="en-US" dirty="0" smtClean="0"/>
-              <a:t> </a:t>
-            </a:r>
-            <a:r>
-              <a:rPr lang="ko-KR" altLang="en-US" dirty="0" smtClean="0"/>
-              <a:t>것 </a:t>
+              <a:t> 것 </a:t>
             </a:r>
             <a:r>
               <a:rPr lang="en-US" altLang="ko-KR" dirty="0" smtClean="0"/>
@@ -15911,11 +15943,7 @@
             </a:r>
             <a:r>
               <a:rPr lang="en-US" altLang="ko-KR" dirty="0" smtClean="0"/>
-              <a:t>)</a:t>
-            </a:r>
-            <a:r>
-              <a:rPr lang="en-US" altLang="ko-KR" dirty="0" smtClean="0"/>
-              <a:t> </a:t>
+              <a:t>) </a:t>
             </a:r>
           </a:p>
           <a:p>
@@ -15930,11 +15958,7 @@
             </a:r>
             <a:r>
               <a:rPr lang="ko-KR" altLang="en-US" dirty="0" smtClean="0"/>
-              <a:t>라기 보단 </a:t>
-            </a:r>
-            <a:r>
-              <a:rPr lang="ko-KR" altLang="en-US" dirty="0" smtClean="0"/>
-              <a:t>모든 상황을 보고 자신에게 최적인 것만 학습할 뿐</a:t>
+              <a:t>라기 보단 모든 상황을 보고 자신에게 최적인 것만 학습할 뿐</a:t>
             </a:r>
             <a:endParaRPr lang="en-US" altLang="ko-KR" dirty="0" smtClean="0"/>
           </a:p>
@@ -21203,11 +21227,7 @@
             <a:pPr algn="ctr"/>
             <a:r>
               <a:rPr lang="en-US" altLang="ko-KR" sz="1600" dirty="0" smtClean="0"/>
-              <a:t>Gen_net</a:t>
-            </a:r>
-            <a:r>
-              <a:rPr lang="en-US" altLang="ko-KR" sz="1600" dirty="0" smtClean="0"/>
-              <a:t>.py</a:t>
+              <a:t>Gen_net.py</a:t>
             </a:r>
             <a:endParaRPr lang="ko-KR" altLang="en-US" sz="1600" dirty="0"/>
           </a:p>
@@ -21859,7 +21879,23 @@
             </a:r>
             <a:r>
               <a:rPr lang="ko-KR" altLang="en-US" dirty="0"/>
-              <a:t>로 바꿈</a:t>
+              <a:t>로 </a:t>
+            </a:r>
+            <a:r>
+              <a:rPr lang="ko-KR" altLang="en-US" dirty="0" smtClean="0"/>
+              <a:t>바꿈 </a:t>
+            </a:r>
+            <a:r>
+              <a:rPr lang="en-US" altLang="ko-KR" dirty="0" smtClean="0"/>
+              <a:t>(program</a:t>
+            </a:r>
+            <a:r>
+              <a:rPr lang="ko-KR" altLang="en-US" dirty="0" smtClean="0"/>
+              <a:t>에 있는 내용만 가능</a:t>
+            </a:r>
+            <a:r>
+              <a:rPr lang="en-US" altLang="ko-KR" dirty="0" smtClean="0"/>
+              <a:t>)</a:t>
             </a:r>
             <a:endParaRPr lang="en-US" altLang="ko-KR" dirty="0"/>
           </a:p>

--- a/1st_Seminar(강민수).pptx
+++ b/1st_Seminar(강민수).pptx
@@ -7159,9 +7159,10 @@
           <a:lstStyle/>
           <a:p>
             <a:r>
-              <a:rPr lang="ko-KR" altLang="en-US" dirty="0"/>
-              <a:t>사전 발표</a:t>
-            </a:r>
+              <a:rPr lang="en-US" altLang="ko-KR" dirty="0"/>
+              <a:t>Seminar</a:t>
+            </a:r>
+            <a:endParaRPr lang="ko-KR" altLang="en-US" dirty="0"/>
           </a:p>
         </p:txBody>
       </p:sp>
@@ -7262,10 +7263,6 @@
             <a:r>
               <a:rPr lang="ko-KR" altLang="en-US" dirty="0"/>
               <a:t>을 사용</a:t>
-            </a:r>
-            <a:r>
-              <a:rPr lang="en-US" altLang="ko-KR" dirty="0"/>
-              <a:t/>
             </a:r>
             <a:br>
               <a:rPr lang="en-US" altLang="ko-KR" dirty="0"/>
@@ -8032,10 +8029,6 @@
               <a:rPr lang="ko-KR" altLang="en-US" dirty="0"/>
               <a:t>부여 방식</a:t>
             </a:r>
-            <a:r>
-              <a:rPr lang="en-US" altLang="ko-KR" dirty="0"/>
-              <a:t/>
-            </a:r>
             <a:br>
               <a:rPr lang="en-US" altLang="ko-KR" dirty="0"/>
             </a:br>
@@ -8054,10 +8047,6 @@
             <a:r>
               <a:rPr lang="ko-KR" altLang="en-US" dirty="0"/>
               <a:t>의 방향 별로 부여</a:t>
-            </a:r>
-            <a:r>
-              <a:rPr lang="en-US" altLang="ko-KR" dirty="0"/>
-              <a:t/>
             </a:r>
             <a:br>
               <a:rPr lang="en-US" altLang="ko-KR" dirty="0"/>
@@ -8107,10 +8096,6 @@
             <a:r>
               <a:rPr lang="ko-KR" altLang="en-US" dirty="0"/>
               <a:t> 개수 조절 가능</a:t>
-            </a:r>
-            <a:r>
-              <a:rPr lang="en-US" altLang="ko-KR" dirty="0"/>
-              <a:t/>
             </a:r>
             <a:br>
               <a:rPr lang="en-US" altLang="ko-KR" dirty="0"/>
@@ -8415,10 +8400,6 @@
               <a:rPr lang="en-US" altLang="ko-KR" dirty="0" err="1"/>
               <a:t>getIDList</a:t>
             </a:r>
-            <a:r>
-              <a:rPr lang="en-US" altLang="ko-KR" dirty="0"/>
-              <a:t/>
-            </a:r>
             <a:br>
               <a:rPr lang="en-US" altLang="ko-KR" dirty="0"/>
             </a:br>
@@ -8427,24 +8408,20 @@
               <a:t>- State: </a:t>
             </a:r>
             <a:r>
-              <a:rPr lang="en-US" altLang="ko-KR" dirty="0" err="1" smtClean="0"/>
+              <a:rPr lang="en-US" altLang="ko-KR" dirty="0" err="1"/>
               <a:t>getRedYellowGreenState</a:t>
             </a:r>
             <a:r>
-              <a:rPr lang="en-US" altLang="ko-KR" dirty="0" smtClean="0"/>
+              <a:rPr lang="en-US" altLang="ko-KR" dirty="0"/>
               <a:t> , phase state</a:t>
             </a:r>
             <a:r>
-              <a:rPr lang="ko-KR" altLang="en-US" dirty="0" smtClean="0"/>
+              <a:rPr lang="ko-KR" altLang="en-US" dirty="0"/>
               <a:t>를 </a:t>
             </a:r>
             <a:r>
-              <a:rPr lang="ko-KR" altLang="en-US" dirty="0" err="1" smtClean="0"/>
+              <a:rPr lang="ko-KR" altLang="en-US" dirty="0" err="1"/>
               <a:t>받아옴</a:t>
-            </a:r>
-            <a:r>
-              <a:rPr lang="en-US" altLang="ko-KR" dirty="0"/>
-              <a:t/>
             </a:r>
             <a:br>
               <a:rPr lang="en-US" altLang="ko-KR" dirty="0"/>
@@ -8470,11 +8447,7 @@
             </a:r>
             <a:r>
               <a:rPr lang="en-US" altLang="ko-KR"/>
-              <a:t>Current </a:t>
-            </a:r>
-            <a:r>
-              <a:rPr lang="en-US" altLang="ko-KR" smtClean="0"/>
-              <a:t>phase number: </a:t>
+              <a:t>Current phase number: </a:t>
             </a:r>
             <a:r>
               <a:rPr lang="en-US" altLang="ko-KR" dirty="0" err="1"/>
@@ -8505,24 +8478,16 @@
               <a:t>의 </a:t>
             </a:r>
             <a:r>
-              <a:rPr lang="en-US" altLang="ko-KR" dirty="0" smtClean="0"/>
-              <a:t>index (</a:t>
-            </a:r>
-            <a:r>
-              <a:rPr lang="en-US" altLang="ko-KR" dirty="0" smtClean="0"/>
-              <a:t>id</a:t>
-            </a:r>
-            <a:r>
-              <a:rPr lang="ko-KR" altLang="en-US" dirty="0" smtClean="0"/>
+              <a:rPr lang="en-US" altLang="ko-KR" dirty="0"/>
+              <a:t>index (id</a:t>
+            </a:r>
+            <a:r>
+              <a:rPr lang="ko-KR" altLang="en-US" dirty="0"/>
               <a:t>에 등록된 것만</a:t>
             </a:r>
             <a:r>
-              <a:rPr lang="en-US" altLang="ko-KR" dirty="0" smtClean="0"/>
+              <a:rPr lang="en-US" altLang="ko-KR" dirty="0"/>
               <a:t>)</a:t>
-            </a:r>
-            <a:r>
-              <a:rPr lang="en-US" altLang="ko-KR" dirty="0"/>
-              <a:t/>
             </a:r>
             <a:br>
               <a:rPr lang="en-US" altLang="ko-KR" dirty="0"/>
@@ -8561,10 +8526,6 @@
               <a:rPr lang="en-US" altLang="ko-KR" dirty="0" err="1"/>
               <a:t>setRedYellowGreenState</a:t>
             </a:r>
-            <a:r>
-              <a:rPr lang="en-US" altLang="ko-KR" dirty="0"/>
-              <a:t/>
-            </a:r>
             <a:br>
               <a:rPr lang="en-US" altLang="ko-KR" dirty="0"/>
             </a:br>
@@ -8576,10 +8537,6 @@
               <a:rPr lang="en-US" altLang="ko-KR" dirty="0" err="1"/>
               <a:t>setPhaseDuration</a:t>
             </a:r>
-            <a:r>
-              <a:rPr lang="en-US" altLang="ko-KR" dirty="0"/>
-              <a:t/>
-            </a:r>
             <a:br>
               <a:rPr lang="en-US" altLang="ko-KR" dirty="0"/>
             </a:br>
@@ -8606,10 +8563,6 @@
             <a:r>
               <a:rPr lang="ko-KR" altLang="en-US" dirty="0"/>
               <a:t> 프로그램 삽입</a:t>
-            </a:r>
-            <a:r>
-              <a:rPr lang="en-US" altLang="ko-KR" dirty="0"/>
-              <a:t/>
             </a:r>
             <a:br>
               <a:rPr lang="en-US" altLang="ko-KR" dirty="0"/>
@@ -8920,10 +8873,6 @@
               <a:rPr lang="en-US" altLang="ko-KR" sz="2400" b="1" dirty="0"/>
               <a:t>Toward A Thousand Lights:</a:t>
             </a:r>
-            <a:r>
-              <a:rPr lang="en-US" altLang="ko-KR" sz="2400" dirty="0"/>
-              <a:t/>
-            </a:r>
             <a:br>
               <a:rPr lang="en-US" altLang="ko-KR" sz="2400" dirty="0"/>
             </a:br>
@@ -9098,15 +9047,7 @@
             </a:br>
             <a:r>
               <a:rPr lang="en-US" altLang="ko-KR" sz="1800" dirty="0"/>
-              <a:t>- </a:t>
-            </a:r>
-            <a:r>
-              <a:rPr lang="en-US" altLang="ko-KR" sz="1800" dirty="0" smtClean="0"/>
-              <a:t>Decentralized </a:t>
-            </a:r>
-            <a:r>
-              <a:rPr lang="en-US" altLang="ko-KR" sz="1800" dirty="0"/>
-              <a:t>agent based multi-intersection method with FRAP model</a:t>
+              <a:t>- Decentralized agent based multi-intersection method with FRAP model</a:t>
             </a:r>
           </a:p>
           <a:p>
@@ -9223,12 +9164,6 @@
               <a:rPr lang="en-US" altLang="ko-KR" dirty="0"/>
               <a:t>Increase emission gas (contributes 23% of total CO2 emission) </a:t>
             </a:r>
-            <a:r>
-              <a:rPr lang="en-US" altLang="ko-KR" dirty="0">
-                <a:sym typeface="Wingdings" panose="05000000000000000000" pitchFamily="2" charset="2"/>
-              </a:rPr>
-              <a:t/>
-            </a:r>
             <a:br>
               <a:rPr lang="en-US" altLang="ko-KR" dirty="0">
                 <a:sym typeface="Wingdings" panose="05000000000000000000" pitchFamily="2" charset="2"/>
@@ -9250,10 +9185,6 @@
                 <a:sym typeface="Wingdings" panose="05000000000000000000" pitchFamily="2" charset="2"/>
               </a:rPr>
               <a:t> Trend: applying RL method for traffic signal control</a:t>
-            </a:r>
-            <a:r>
-              <a:rPr lang="en-US" altLang="ko-KR" dirty="0"/>
-              <a:t/>
             </a:r>
             <a:br>
               <a:rPr lang="en-US" altLang="ko-KR" dirty="0"/>
@@ -9636,10 +9567,6 @@
             <a:br>
               <a:rPr lang="en-US" altLang="ko-KR" dirty="0"/>
             </a:br>
-            <a:r>
-              <a:rPr lang="en-US" altLang="ko-KR" dirty="0"/>
-              <a:t/>
-            </a:r>
             <a:br>
               <a:rPr lang="en-US" altLang="ko-KR" dirty="0"/>
             </a:br>
@@ -10033,10 +9960,6 @@
             <a:br>
               <a:rPr lang="en-US" altLang="ko-KR" dirty="0"/>
             </a:br>
-            <a:r>
-              <a:rPr lang="en-US" altLang="ko-KR" dirty="0"/>
-              <a:t/>
-            </a:r>
             <a:br>
               <a:rPr lang="en-US" altLang="ko-KR" dirty="0"/>
             </a:br>
@@ -10431,10 +10354,6 @@
             <a:r>
               <a:rPr lang="ko-KR" altLang="en-US" dirty="0"/>
               <a:t>제작</a:t>
-            </a:r>
-            <a:r>
-              <a:rPr lang="en-US" altLang="ko-KR" dirty="0"/>
-              <a:t/>
             </a:r>
             <a:br>
               <a:rPr lang="en-US" altLang="ko-KR" dirty="0"/>
@@ -11251,7 +11170,7 @@
             <a:pPr lvl="1"/>
             <a:r>
               <a:rPr lang="en-US" altLang="ko-KR" dirty="0"/>
-              <a:t>Few reward design for direct coordination</a:t>
+              <a:t>Few reward designs for direct coordination</a:t>
             </a:r>
           </a:p>
           <a:p>
@@ -11283,6 +11202,27 @@
             <a:r>
               <a:rPr lang="en-US" altLang="ko-KR" dirty="0"/>
               <a:t>Decentralized agent network</a:t>
+            </a:r>
+          </a:p>
+          <a:p>
+            <a:pPr lvl="2"/>
+            <a:r>
+              <a:rPr lang="en-US" altLang="ko-KR" dirty="0"/>
+              <a:t>Old-school reward function that uses common transport measurement(ex. Avg waiting time, delay)</a:t>
+            </a:r>
+          </a:p>
+          <a:p>
+            <a:pPr lvl="2"/>
+            <a:r>
+              <a:rPr lang="en-US" altLang="ko-KR" dirty="0"/>
+              <a:t>No guarantee to maximize each agent’s own expected reward</a:t>
+            </a:r>
+          </a:p>
+          <a:p>
+            <a:pPr lvl="2"/>
+            <a:r>
+              <a:rPr lang="en-US" altLang="ko-KR" dirty="0"/>
+              <a:t>Too complicated features to represent the traffic condition</a:t>
             </a:r>
           </a:p>
           <a:p>
@@ -11490,10 +11430,6 @@
             <a:br>
               <a:rPr lang="en-US" altLang="ko-KR" dirty="0"/>
             </a:br>
-            <a:r>
-              <a:rPr lang="en-US" altLang="ko-KR" dirty="0"/>
-              <a:t/>
-            </a:r>
             <a:br>
               <a:rPr lang="en-US" altLang="ko-KR" dirty="0"/>
             </a:br>
@@ -12955,7 +12891,7 @@
               <a:lstStyle/>
               <a:p>
                 <a:r>
-                  <a:rPr lang="en-US" altLang="ko-KR" dirty="0" smtClean="0"/>
+                  <a:rPr lang="en-US" altLang="ko-KR" dirty="0"/>
                   <a:t> Deep Q-Network</a:t>
                 </a:r>
               </a:p>
@@ -12970,15 +12906,7 @@
                 <a:pPr lvl="1"/>
                 <a:r>
                   <a:rPr lang="en-US" altLang="ko-KR" dirty="0"/>
-                  <a:t>Loss function that compare fixed target Q and approximated local Q </a:t>
-                </a:r>
-                <a:r>
-                  <a:rPr lang="en-US" altLang="ko-KR" dirty="0" smtClean="0"/>
-                  <a:t>(by bellman equation)</a:t>
-                </a:r>
-                <a:r>
-                  <a:rPr lang="en-US" altLang="ko-KR" dirty="0"/>
-                  <a:t/>
+                  <a:t>Loss function that compare fixed target Q and approximated local Q (by bellman equation)</a:t>
                 </a:r>
                 <a:br>
                   <a:rPr lang="en-US" altLang="ko-KR" dirty="0"/>
@@ -15746,22 +15674,16 @@
               <a:t> </a:t>
             </a:r>
             <a:r>
-              <a:rPr lang="en-US" altLang="ko-KR" dirty="0" err="1" smtClean="0">
+              <a:rPr lang="en-US" altLang="ko-KR" dirty="0" err="1">
                 <a:sym typeface="Wingdings" panose="05000000000000000000" pitchFamily="2" charset="2"/>
               </a:rPr>
               <a:t>MetaLight</a:t>
-            </a:r>
-            <a:r>
-              <a:rPr lang="en-US" altLang="ko-KR" dirty="0" smtClean="0">
-                <a:sym typeface="Wingdings" panose="05000000000000000000" pitchFamily="2" charset="2"/>
-              </a:rPr>
-              <a:t>(Faster Learning)</a:t>
             </a:r>
             <a:r>
               <a:rPr lang="en-US" altLang="ko-KR" dirty="0">
                 <a:sym typeface="Wingdings" panose="05000000000000000000" pitchFamily="2" charset="2"/>
               </a:rPr>
-              <a:t/>
+              <a:t>(Faster Learning)</a:t>
             </a:r>
             <a:br>
               <a:rPr lang="en-US" altLang="ko-KR" dirty="0">
@@ -15772,13 +15694,7 @@
               <a:rPr lang="en-US" altLang="ko-KR" dirty="0">
                 <a:sym typeface="Wingdings" panose="05000000000000000000" pitchFamily="2" charset="2"/>
               </a:rPr>
-              <a:t> Multi-agent learning(scalable</a:t>
-            </a:r>
-            <a:r>
-              <a:rPr lang="en-US" altLang="ko-KR" dirty="0" smtClean="0">
-                <a:sym typeface="Wingdings" panose="05000000000000000000" pitchFamily="2" charset="2"/>
-              </a:rPr>
-              <a:t>)</a:t>
+              <a:t> Multi-agent learning(scalable)</a:t>
             </a:r>
           </a:p>
         </p:txBody>
@@ -15896,80 +15812,72 @@
           <a:p>
             <a:r>
               <a:rPr lang="en-US" altLang="ko-KR" dirty="0"/>
-              <a:t> </a:t>
-            </a:r>
-            <a:r>
-              <a:rPr lang="en-US" altLang="ko-KR" dirty="0" smtClean="0"/>
-              <a:t>Opinion</a:t>
+              <a:t> Opinion</a:t>
             </a:r>
           </a:p>
           <a:p>
             <a:pPr lvl="1"/>
             <a:r>
-              <a:rPr lang="ko-KR" altLang="en-US" dirty="0" smtClean="0"/>
+              <a:rPr lang="ko-KR" altLang="en-US" dirty="0"/>
               <a:t>다른 </a:t>
             </a:r>
             <a:r>
-              <a:rPr lang="en-US" altLang="ko-KR" dirty="0" smtClean="0"/>
+              <a:rPr lang="en-US" altLang="ko-KR" dirty="0"/>
               <a:t>traffic light</a:t>
             </a:r>
             <a:r>
-              <a:rPr lang="ko-KR" altLang="en-US" dirty="0" smtClean="0"/>
+              <a:rPr lang="ko-KR" altLang="en-US" dirty="0"/>
               <a:t>가 추가 되었을 때</a:t>
             </a:r>
             <a:r>
-              <a:rPr lang="en-US" altLang="ko-KR" dirty="0" smtClean="0"/>
+              <a:rPr lang="en-US" altLang="ko-KR" dirty="0"/>
               <a:t>, </a:t>
             </a:r>
             <a:r>
-              <a:rPr lang="ko-KR" altLang="en-US" dirty="0" smtClean="0"/>
+              <a:rPr lang="ko-KR" altLang="en-US" dirty="0"/>
               <a:t>학습 시키려면 </a:t>
             </a:r>
             <a:r>
-              <a:rPr lang="ko-KR" altLang="en-US" dirty="0" err="1" smtClean="0"/>
+              <a:rPr lang="ko-KR" altLang="en-US" dirty="0" err="1"/>
               <a:t>오래걸릴</a:t>
             </a:r>
             <a:r>
-              <a:rPr lang="ko-KR" altLang="en-US" dirty="0" smtClean="0"/>
+              <a:rPr lang="ko-KR" altLang="en-US" dirty="0"/>
               <a:t> 것 </a:t>
             </a:r>
             <a:r>
-              <a:rPr lang="en-US" altLang="ko-KR" dirty="0" smtClean="0"/>
+              <a:rPr lang="en-US" altLang="ko-KR" dirty="0"/>
               <a:t>(State</a:t>
             </a:r>
             <a:r>
-              <a:rPr lang="ko-KR" altLang="en-US" dirty="0" smtClean="0"/>
+              <a:rPr lang="ko-KR" altLang="en-US" dirty="0"/>
               <a:t>가 너무 많음</a:t>
             </a:r>
             <a:r>
-              <a:rPr lang="en-US" altLang="ko-KR" dirty="0" smtClean="0"/>
+              <a:rPr lang="en-US" altLang="ko-KR" dirty="0"/>
               <a:t>) </a:t>
             </a:r>
           </a:p>
           <a:p>
             <a:pPr lvl="1"/>
             <a:r>
-              <a:rPr lang="ko-KR" altLang="en-US" dirty="0" smtClean="0"/>
+              <a:rPr lang="ko-KR" altLang="en-US" dirty="0"/>
               <a:t>결국 </a:t>
             </a:r>
             <a:r>
-              <a:rPr lang="en-US" altLang="ko-KR" dirty="0" smtClean="0"/>
+              <a:rPr lang="en-US" altLang="ko-KR" dirty="0"/>
               <a:t>Coordinate</a:t>
             </a:r>
             <a:r>
-              <a:rPr lang="ko-KR" altLang="en-US" dirty="0" smtClean="0"/>
+              <a:rPr lang="ko-KR" altLang="en-US" dirty="0"/>
               <a:t>라기 보단 모든 상황을 보고 자신에게 최적인 것만 학습할 뿐</a:t>
             </a:r>
-            <a:endParaRPr lang="en-US" altLang="ko-KR" dirty="0" smtClean="0"/>
-          </a:p>
-          <a:p>
-            <a:r>
-              <a:rPr lang="en-US" altLang="ko-KR" dirty="0" smtClean="0"/>
-              <a:t>Improvement </a:t>
-            </a:r>
-            <a:r>
-              <a:rPr lang="en-US" altLang="ko-KR" dirty="0"/>
-              <a:t>Proposal</a:t>
+            <a:endParaRPr lang="en-US" altLang="ko-KR" dirty="0"/>
+          </a:p>
+          <a:p>
+            <a:r>
+              <a:rPr lang="en-US" altLang="ko-KR" dirty="0"/>
+              <a:t>Improvement Proposal</a:t>
             </a:r>
           </a:p>
           <a:p>
@@ -15984,13 +15892,9 @@
             <a:pPr lvl="1"/>
             <a:r>
               <a:rPr lang="ko-KR" altLang="en-US" dirty="0"/>
-              <a:t>논문과의 비교와 </a:t>
-            </a:r>
-            <a:r>
-              <a:rPr lang="ko-KR" altLang="en-US" dirty="0" smtClean="0"/>
-              <a:t>개선</a:t>
-            </a:r>
-            <a:endParaRPr lang="en-US" altLang="ko-KR" dirty="0" smtClean="0"/>
+              <a:t>논문과의 비교와 개선</a:t>
+            </a:r>
+            <a:endParaRPr lang="en-US" altLang="ko-KR" dirty="0"/>
           </a:p>
           <a:p>
             <a:pPr lvl="1"/>
@@ -15998,98 +15902,98 @@
           </a:p>
           <a:p>
             <a:r>
-              <a:rPr lang="en-US" altLang="ko-KR" dirty="0" smtClean="0"/>
+              <a:rPr lang="en-US" altLang="ko-KR" dirty="0"/>
               <a:t> </a:t>
             </a:r>
             <a:r>
-              <a:rPr lang="ko-KR" altLang="en-US" dirty="0" smtClean="0"/>
+              <a:rPr lang="ko-KR" altLang="en-US" dirty="0"/>
               <a:t>우선 해야할 것</a:t>
             </a:r>
-            <a:endParaRPr lang="en-US" altLang="ko-KR" dirty="0" smtClean="0"/>
+            <a:endParaRPr lang="en-US" altLang="ko-KR" dirty="0"/>
           </a:p>
           <a:p>
             <a:pPr lvl="1"/>
             <a:r>
-              <a:rPr lang="en-US" altLang="ko-KR" dirty="0" smtClean="0"/>
+              <a:rPr lang="en-US" altLang="ko-KR" dirty="0"/>
               <a:t>Traci </a:t>
             </a:r>
             <a:r>
-              <a:rPr lang="ko-KR" altLang="en-US" dirty="0" smtClean="0"/>
+              <a:rPr lang="ko-KR" altLang="en-US" dirty="0"/>
               <a:t>기반 </a:t>
             </a:r>
             <a:r>
-              <a:rPr lang="en-US" altLang="ko-KR" dirty="0" smtClean="0"/>
+              <a:rPr lang="en-US" altLang="ko-KR" dirty="0"/>
               <a:t>state </a:t>
             </a:r>
             <a:r>
-              <a:rPr lang="ko-KR" altLang="en-US" dirty="0" smtClean="0"/>
+              <a:rPr lang="ko-KR" altLang="en-US" dirty="0"/>
               <a:t>받아오기</a:t>
             </a:r>
-            <a:endParaRPr lang="en-US" altLang="ko-KR" dirty="0" smtClean="0"/>
+            <a:endParaRPr lang="en-US" altLang="ko-KR" dirty="0"/>
           </a:p>
           <a:p>
             <a:pPr lvl="1"/>
             <a:r>
-              <a:rPr lang="en-US" altLang="ko-KR" dirty="0" err="1" smtClean="0"/>
+              <a:rPr lang="en-US" altLang="ko-KR" dirty="0" err="1"/>
               <a:t>Tensorboard</a:t>
             </a:r>
             <a:r>
-              <a:rPr lang="ko-KR" altLang="en-US" dirty="0" smtClean="0"/>
+              <a:rPr lang="ko-KR" altLang="en-US" dirty="0"/>
               <a:t>로 넘어가는 </a:t>
             </a:r>
             <a:r>
-              <a:rPr lang="en-US" altLang="ko-KR" dirty="0" smtClean="0"/>
+              <a:rPr lang="en-US" altLang="ko-KR" dirty="0"/>
               <a:t>xml </a:t>
             </a:r>
             <a:r>
-              <a:rPr lang="ko-KR" altLang="en-US" dirty="0" smtClean="0"/>
+              <a:rPr lang="ko-KR" altLang="en-US" dirty="0"/>
               <a:t>파일 생성 위치 </a:t>
             </a:r>
             <a:r>
-              <a:rPr lang="en-US" altLang="ko-KR" dirty="0" smtClean="0"/>
+              <a:rPr lang="en-US" altLang="ko-KR" dirty="0"/>
               <a:t>data</a:t>
             </a:r>
             <a:r>
-              <a:rPr lang="ko-KR" altLang="en-US" dirty="0" smtClean="0"/>
+              <a:rPr lang="ko-KR" altLang="en-US" dirty="0"/>
               <a:t>로 획일화 및 구분 필요</a:t>
             </a:r>
-            <a:endParaRPr lang="en-US" altLang="ko-KR" dirty="0" smtClean="0"/>
+            <a:endParaRPr lang="en-US" altLang="ko-KR" dirty="0"/>
           </a:p>
           <a:p>
             <a:pPr lvl="1"/>
             <a:r>
-              <a:rPr lang="en-US" altLang="ko-KR" dirty="0" smtClean="0"/>
+              <a:rPr lang="en-US" altLang="ko-KR" dirty="0"/>
               <a:t>FRAP </a:t>
             </a:r>
             <a:r>
-              <a:rPr lang="ko-KR" altLang="en-US" dirty="0" smtClean="0"/>
+              <a:rPr lang="ko-KR" altLang="en-US" dirty="0"/>
               <a:t>모델 생성</a:t>
             </a:r>
-            <a:endParaRPr lang="en-US" altLang="ko-KR" dirty="0" smtClean="0"/>
+            <a:endParaRPr lang="en-US" altLang="ko-KR" dirty="0"/>
           </a:p>
           <a:p>
             <a:pPr lvl="1"/>
             <a:r>
-              <a:rPr lang="en-US" altLang="ko-KR" dirty="0" smtClean="0"/>
+              <a:rPr lang="en-US" altLang="ko-KR" dirty="0"/>
               <a:t>Traffic Light Phase </a:t>
             </a:r>
             <a:r>
-              <a:rPr lang="ko-KR" altLang="en-US" dirty="0" smtClean="0"/>
+              <a:rPr lang="ko-KR" altLang="en-US" dirty="0"/>
               <a:t>정립</a:t>
             </a:r>
-            <a:endParaRPr lang="en-US" altLang="ko-KR" dirty="0" smtClean="0"/>
+            <a:endParaRPr lang="en-US" altLang="ko-KR" dirty="0"/>
           </a:p>
           <a:p>
             <a:pPr lvl="1"/>
             <a:r>
-              <a:rPr lang="en-US" altLang="ko-KR" dirty="0" smtClean="0"/>
+              <a:rPr lang="en-US" altLang="ko-KR" dirty="0"/>
               <a:t>U-turn connection </a:t>
             </a:r>
             <a:r>
-              <a:rPr lang="ko-KR" altLang="en-US" dirty="0" smtClean="0"/>
+              <a:rPr lang="ko-KR" altLang="en-US" dirty="0"/>
               <a:t>정리</a:t>
             </a:r>
-            <a:endParaRPr lang="en-US" altLang="ko-KR" dirty="0" smtClean="0"/>
+            <a:endParaRPr lang="en-US" altLang="ko-KR" dirty="0"/>
           </a:p>
           <a:p>
             <a:pPr lvl="1"/>
@@ -16872,10 +16776,6 @@
               <a:rPr lang="ko-KR" altLang="en-US" dirty="0"/>
               <a:t>에 가점 부여</a:t>
             </a:r>
-            <a:r>
-              <a:rPr lang="en-US" altLang="ko-KR" dirty="0"/>
-              <a:t/>
-            </a:r>
             <a:br>
               <a:rPr lang="en-US" altLang="ko-KR" dirty="0"/>
             </a:br>
@@ -16930,10 +16830,6 @@
             <a:r>
               <a:rPr lang="ko-KR" altLang="en-US" dirty="0"/>
               <a:t>차량 수 </a:t>
-            </a:r>
-            <a:r>
-              <a:rPr lang="en-US" altLang="ko-KR" dirty="0"/>
-              <a:t/>
             </a:r>
             <a:br>
               <a:rPr lang="en-US" altLang="ko-KR" dirty="0"/>
@@ -17499,10 +17395,6 @@
               <a:rPr lang="ko-KR" altLang="en-US" dirty="0"/>
               <a:t>을 뒤로 이동</a:t>
             </a:r>
-            <a:r>
-              <a:rPr lang="en-US" altLang="ko-KR" dirty="0"/>
-              <a:t/>
-            </a:r>
             <a:br>
               <a:rPr lang="en-US" altLang="ko-KR" dirty="0"/>
             </a:br>
@@ -18047,10 +17939,6 @@
               <a:rPr lang="ko-KR" altLang="en-US" dirty="0"/>
               <a:t>에서 중요 흐름에 가점 부여</a:t>
             </a:r>
-            <a:r>
-              <a:rPr lang="en-US" altLang="ko-KR" dirty="0"/>
-              <a:t/>
-            </a:r>
             <a:br>
               <a:rPr lang="en-US" altLang="ko-KR" dirty="0"/>
             </a:br>
@@ -18245,12 +18133,6 @@
                 <a:sym typeface="Wingdings" panose="05000000000000000000" pitchFamily="2" charset="2"/>
               </a:rPr>
               <a:t>모든 내용을 공유하는 것이 아닌 부분만 공유</a:t>
-            </a:r>
-            <a:r>
-              <a:rPr lang="en-US" altLang="ko-KR" dirty="0">
-                <a:sym typeface="Wingdings" panose="05000000000000000000" pitchFamily="2" charset="2"/>
-              </a:rPr>
-              <a:t/>
             </a:r>
             <a:br>
               <a:rPr lang="en-US" altLang="ko-KR" dirty="0">
@@ -19000,15 +18882,7 @@
             </a:pPr>
             <a:r>
               <a:rPr lang="ko-KR" altLang="en-US" dirty="0"/>
-              <a:t>신호 </a:t>
-            </a:r>
-            <a:r>
-              <a:rPr lang="ko-KR" altLang="en-US" dirty="0" smtClean="0"/>
-              <a:t>교차로 간 </a:t>
-            </a:r>
-            <a:r>
-              <a:rPr lang="ko-KR" altLang="en-US" dirty="0"/>
-              <a:t>거리</a:t>
+              <a:t>신호 교차로 간 거리</a:t>
             </a:r>
             <a:endParaRPr lang="en-US" altLang="ko-KR" dirty="0"/>
           </a:p>
@@ -19042,10 +18916,6 @@
               <a:rPr lang="ko-KR" altLang="en-US" dirty="0"/>
               <a:t>멀면 분산효과가 커서 필요성이 낮음</a:t>
             </a:r>
-            <a:r>
-              <a:rPr lang="en-US" altLang="ko-KR" dirty="0"/>
-              <a:t/>
-            </a:r>
             <a:br>
               <a:rPr lang="en-US" altLang="ko-KR" dirty="0"/>
             </a:br>
@@ -19173,16 +19043,10 @@
               <a:t>: </a:t>
             </a:r>
             <a:r>
-              <a:rPr lang="ko-KR" altLang="en-US" dirty="0" smtClean="0">
-                <a:sym typeface="Wingdings" panose="05000000000000000000" pitchFamily="2" charset="2"/>
-              </a:rPr>
-              <a:t>교차로 간 </a:t>
-            </a:r>
-            <a:r>
               <a:rPr lang="ko-KR" altLang="en-US" dirty="0">
                 <a:sym typeface="Wingdings" panose="05000000000000000000" pitchFamily="2" charset="2"/>
               </a:rPr>
-              <a:t>거리와 주행속도만으로 </a:t>
+              <a:t>교차로 간 거리와 주행속도만으로 </a:t>
             </a:r>
             <a:r>
               <a:rPr lang="en-US" altLang="ko-KR" dirty="0">
@@ -19254,12 +19118,6 @@
               </a:rPr>
               <a:t>차량 모두 고려해야 함</a:t>
             </a:r>
-            <a:r>
-              <a:rPr lang="en-US" altLang="ko-KR" dirty="0">
-                <a:sym typeface="Wingdings" panose="05000000000000000000" pitchFamily="2" charset="2"/>
-              </a:rPr>
-              <a:t/>
-            </a:r>
             <a:br>
               <a:rPr lang="en-US" altLang="ko-KR" dirty="0">
                 <a:sym typeface="Wingdings" panose="05000000000000000000" pitchFamily="2" charset="2"/>
@@ -19314,12 +19172,6 @@
                 <a:sym typeface="Wingdings" panose="05000000000000000000" pitchFamily="2" charset="2"/>
               </a:rPr>
               <a:t>연동 필요가 없음</a:t>
-            </a:r>
-            <a:r>
-              <a:rPr lang="en-US" altLang="ko-KR" dirty="0">
-                <a:sym typeface="Wingdings" panose="05000000000000000000" pitchFamily="2" charset="2"/>
-              </a:rPr>
-              <a:t/>
             </a:r>
             <a:br>
               <a:rPr lang="en-US" altLang="ko-KR" dirty="0">
@@ -19532,16 +19384,12 @@
               <a:t>까지 차량이 </a:t>
             </a:r>
             <a:r>
-              <a:rPr lang="ko-KR" altLang="en-US" dirty="0" err="1" smtClean="0"/>
+              <a:rPr lang="ko-KR" altLang="en-US" dirty="0" err="1"/>
               <a:t>넘쳐나원활한</a:t>
             </a:r>
             <a:r>
-              <a:rPr lang="ko-KR" altLang="en-US" dirty="0" smtClean="0"/>
-              <a:t> </a:t>
-            </a:r>
-            <a:r>
-              <a:rPr lang="ko-KR" altLang="en-US" dirty="0"/>
-              <a:t>통행을 방해하는 현상</a:t>
+              <a:rPr lang="ko-KR" altLang="en-US" dirty="0"/>
+              <a:t> 통행을 방해하는 현상</a:t>
             </a:r>
             <a:endParaRPr lang="en-US" altLang="ko-KR" dirty="0"/>
           </a:p>
@@ -19629,13 +19477,9 @@
             </a:r>
             <a:r>
               <a:rPr lang="ko-KR" altLang="en-US" dirty="0"/>
-              <a:t> </a:t>
-            </a:r>
-            <a:r>
-              <a:rPr lang="ko-KR" altLang="en-US" dirty="0" smtClean="0"/>
-              <a:t>예방</a:t>
-            </a:r>
-            <a:endParaRPr lang="en-US" altLang="ko-KR" dirty="0" smtClean="0"/>
+              <a:t> 예방</a:t>
+            </a:r>
+            <a:endParaRPr lang="en-US" altLang="ko-KR" dirty="0"/>
           </a:p>
           <a:p>
             <a:pPr lvl="1"/>
@@ -19643,49 +19487,48 @@
           </a:p>
           <a:p>
             <a:r>
-              <a:rPr lang="en-US" altLang="ko-KR" dirty="0" smtClean="0"/>
+              <a:rPr lang="en-US" altLang="ko-KR" dirty="0"/>
               <a:t> Signal Movement</a:t>
             </a:r>
           </a:p>
           <a:p>
             <a:pPr lvl="1"/>
             <a:r>
-              <a:rPr lang="en-US" altLang="ko-KR" dirty="0" smtClean="0"/>
+              <a:rPr lang="en-US" altLang="ko-KR" dirty="0"/>
               <a:t>1</a:t>
             </a:r>
             <a:r>
-              <a:rPr lang="ko-KR" altLang="en-US" dirty="0" smtClean="0"/>
+              <a:rPr lang="ko-KR" altLang="en-US" dirty="0"/>
               <a:t>개 </a:t>
             </a:r>
             <a:r>
-              <a:rPr lang="en-US" altLang="ko-KR" dirty="0" smtClean="0"/>
+              <a:rPr lang="en-US" altLang="ko-KR" dirty="0"/>
               <a:t>inflow</a:t>
             </a:r>
             <a:r>
-              <a:rPr lang="ko-KR" altLang="en-US" dirty="0" err="1" smtClean="0"/>
+              <a:rPr lang="ko-KR" altLang="en-US" dirty="0" err="1"/>
               <a:t>차로에서</a:t>
             </a:r>
             <a:r>
-              <a:rPr lang="ko-KR" altLang="en-US" dirty="0" smtClean="0"/>
+              <a:rPr lang="ko-KR" altLang="en-US" dirty="0"/>
               <a:t> 다른 </a:t>
             </a:r>
             <a:r>
-              <a:rPr lang="en-US" altLang="ko-KR" dirty="0" smtClean="0"/>
+              <a:rPr lang="en-US" altLang="ko-KR" dirty="0"/>
               <a:t>outflow</a:t>
             </a:r>
             <a:r>
-              <a:rPr lang="ko-KR" altLang="en-US" dirty="0" err="1" smtClean="0"/>
+              <a:rPr lang="ko-KR" altLang="en-US" dirty="0" err="1"/>
               <a:t>차로로</a:t>
             </a:r>
             <a:r>
-              <a:rPr lang="ko-KR" altLang="en-US" dirty="0" smtClean="0"/>
+              <a:rPr lang="ko-KR" altLang="en-US" dirty="0"/>
               <a:t> 이동하는 방향에서의 </a:t>
             </a:r>
             <a:r>
-              <a:rPr lang="en-US" altLang="ko-KR" dirty="0" smtClean="0"/>
+              <a:rPr lang="en-US" altLang="ko-KR" dirty="0"/>
               <a:t>signal(Green or Red)</a:t>
             </a:r>
-            <a:endParaRPr lang="en-US" altLang="ko-KR" dirty="0"/>
           </a:p>
         </p:txBody>
       </p:sp>
@@ -20348,105 +20191,96 @@
               <a:rPr lang="ko-KR" altLang="en-US" dirty="0">
                 <a:sym typeface="Wingdings" panose="05000000000000000000" pitchFamily="2" charset="2"/>
               </a:rPr>
-              <a:t>이후 실험에서 좌회전 비율에  따라 </a:t>
-            </a:r>
-            <a:r>
-              <a:rPr lang="ko-KR" altLang="en-US" dirty="0" smtClean="0">
-                <a:sym typeface="Wingdings" panose="05000000000000000000" pitchFamily="2" charset="2"/>
-              </a:rPr>
-              <a:t>설정</a:t>
-            </a:r>
-            <a:endParaRPr lang="en-US" altLang="ko-KR" dirty="0" smtClean="0">
-              <a:sym typeface="Wingdings" panose="05000000000000000000" pitchFamily="2" charset="2"/>
-            </a:endParaRPr>
-          </a:p>
-          <a:p>
+              <a:t>이후 실험에서 좌회전 비율에  따라 설정</a:t>
+            </a:r>
             <a:endParaRPr lang="en-US" altLang="ko-KR" dirty="0">
               <a:sym typeface="Wingdings" panose="05000000000000000000" pitchFamily="2" charset="2"/>
             </a:endParaRPr>
           </a:p>
           <a:p>
-            <a:r>
-              <a:rPr lang="en-US" altLang="ko-KR" dirty="0">
-                <a:sym typeface="Wingdings" panose="05000000000000000000" pitchFamily="2" charset="2"/>
-              </a:rPr>
-              <a:t> </a:t>
-            </a:r>
-            <a:r>
-              <a:rPr lang="ko-KR" altLang="en-US" dirty="0" smtClean="0">
-                <a:sym typeface="Wingdings" panose="05000000000000000000" pitchFamily="2" charset="2"/>
-              </a:rPr>
-              <a:t>해야할 부분</a:t>
-            </a:r>
-            <a:endParaRPr lang="en-US" altLang="ko-KR" dirty="0" smtClean="0">
-              <a:sym typeface="Wingdings" panose="05000000000000000000" pitchFamily="2" charset="2"/>
-            </a:endParaRPr>
-          </a:p>
-          <a:p>
-            <a:pPr lvl="1"/>
-            <a:r>
-              <a:rPr lang="en-US" altLang="ko-KR" dirty="0" smtClean="0">
-                <a:sym typeface="Wingdings" panose="05000000000000000000" pitchFamily="2" charset="2"/>
-              </a:rPr>
-              <a:t>U-turn </a:t>
-            </a:r>
-            <a:r>
-              <a:rPr lang="ko-KR" altLang="en-US" dirty="0" smtClean="0">
-                <a:sym typeface="Wingdings" panose="05000000000000000000" pitchFamily="2" charset="2"/>
-              </a:rPr>
-              <a:t>신호 </a:t>
-            </a:r>
-            <a:r>
-              <a:rPr lang="en-US" altLang="ko-KR" dirty="0" smtClean="0">
-                <a:sym typeface="Wingdings" panose="05000000000000000000" pitchFamily="2" charset="2"/>
-              </a:rPr>
-              <a:t>connection </a:t>
-            </a:r>
-            <a:r>
-              <a:rPr lang="ko-KR" altLang="en-US" dirty="0" smtClean="0">
-                <a:sym typeface="Wingdings" panose="05000000000000000000" pitchFamily="2" charset="2"/>
-              </a:rPr>
-              <a:t>제거</a:t>
-            </a:r>
-            <a:endParaRPr lang="en-US" altLang="ko-KR" dirty="0" smtClean="0">
-              <a:sym typeface="Wingdings" panose="05000000000000000000" pitchFamily="2" charset="2"/>
-            </a:endParaRPr>
-          </a:p>
-          <a:p>
-            <a:pPr lvl="1"/>
-            <a:r>
-              <a:rPr lang="en-US" altLang="ko-KR" dirty="0" smtClean="0">
-                <a:sym typeface="Wingdings" panose="05000000000000000000" pitchFamily="2" charset="2"/>
-              </a:rPr>
-              <a:t>Traffic light </a:t>
-            </a:r>
-            <a:r>
-              <a:rPr lang="ko-KR" altLang="en-US" dirty="0" smtClean="0">
-                <a:sym typeface="Wingdings" panose="05000000000000000000" pitchFamily="2" charset="2"/>
-              </a:rPr>
-              <a:t>설정 </a:t>
-            </a:r>
-            <a:r>
-              <a:rPr lang="en-US" altLang="ko-KR" dirty="0" smtClean="0">
-                <a:sym typeface="Wingdings" panose="05000000000000000000" pitchFamily="2" charset="2"/>
-              </a:rPr>
-              <a:t>(</a:t>
-            </a:r>
-            <a:r>
-              <a:rPr lang="ko-KR" altLang="en-US" dirty="0" smtClean="0">
-                <a:sym typeface="Wingdings" panose="05000000000000000000" pitchFamily="2" charset="2"/>
-              </a:rPr>
-              <a:t>논의 필요</a:t>
-            </a:r>
-            <a:r>
-              <a:rPr lang="en-US" altLang="ko-KR" dirty="0" smtClean="0">
-                <a:sym typeface="Wingdings" panose="05000000000000000000" pitchFamily="2" charset="2"/>
-              </a:rPr>
-              <a:t>)</a:t>
-            </a:r>
             <a:endParaRPr lang="en-US" altLang="ko-KR" dirty="0">
               <a:sym typeface="Wingdings" panose="05000000000000000000" pitchFamily="2" charset="2"/>
             </a:endParaRPr>
+          </a:p>
+          <a:p>
+            <a:r>
+              <a:rPr lang="en-US" altLang="ko-KR" dirty="0">
+                <a:sym typeface="Wingdings" panose="05000000000000000000" pitchFamily="2" charset="2"/>
+              </a:rPr>
+              <a:t> </a:t>
+            </a:r>
+            <a:r>
+              <a:rPr lang="ko-KR" altLang="en-US" dirty="0">
+                <a:sym typeface="Wingdings" panose="05000000000000000000" pitchFamily="2" charset="2"/>
+              </a:rPr>
+              <a:t>해야할 부분</a:t>
+            </a:r>
+            <a:endParaRPr lang="en-US" altLang="ko-KR" dirty="0">
+              <a:sym typeface="Wingdings" panose="05000000000000000000" pitchFamily="2" charset="2"/>
+            </a:endParaRPr>
+          </a:p>
+          <a:p>
+            <a:pPr lvl="1"/>
+            <a:r>
+              <a:rPr lang="en-US" altLang="ko-KR" dirty="0">
+                <a:sym typeface="Wingdings" panose="05000000000000000000" pitchFamily="2" charset="2"/>
+              </a:rPr>
+              <a:t>U-turn </a:t>
+            </a:r>
+            <a:r>
+              <a:rPr lang="ko-KR" altLang="en-US" dirty="0">
+                <a:sym typeface="Wingdings" panose="05000000000000000000" pitchFamily="2" charset="2"/>
+              </a:rPr>
+              <a:t>신호 </a:t>
+            </a:r>
+            <a:r>
+              <a:rPr lang="en-US" altLang="ko-KR" dirty="0">
+                <a:sym typeface="Wingdings" panose="05000000000000000000" pitchFamily="2" charset="2"/>
+              </a:rPr>
+              <a:t>connection </a:t>
+            </a:r>
+            <a:r>
+              <a:rPr lang="ko-KR" altLang="en-US" dirty="0">
+                <a:sym typeface="Wingdings" panose="05000000000000000000" pitchFamily="2" charset="2"/>
+              </a:rPr>
+              <a:t>제거</a:t>
+            </a:r>
+            <a:endParaRPr lang="en-US" altLang="ko-KR" dirty="0">
+              <a:sym typeface="Wingdings" panose="05000000000000000000" pitchFamily="2" charset="2"/>
+            </a:endParaRPr>
+          </a:p>
+          <a:p>
+            <a:pPr lvl="1"/>
+            <a:r>
+              <a:rPr lang="en-US" altLang="ko-KR" dirty="0">
+                <a:sym typeface="Wingdings" panose="05000000000000000000" pitchFamily="2" charset="2"/>
+              </a:rPr>
+              <a:t>Traffic light </a:t>
+            </a:r>
+            <a:r>
+              <a:rPr lang="ko-KR" altLang="en-US" dirty="0">
+                <a:sym typeface="Wingdings" panose="05000000000000000000" pitchFamily="2" charset="2"/>
+              </a:rPr>
+              <a:t>설정 </a:t>
+            </a:r>
+            <a:r>
+              <a:rPr lang="en-US" altLang="ko-KR" dirty="0">
+                <a:sym typeface="Wingdings" panose="05000000000000000000" pitchFamily="2" charset="2"/>
+              </a:rPr>
+              <a:t>(</a:t>
+            </a:r>
+            <a:r>
+              <a:rPr lang="ko-KR" altLang="en-US" dirty="0">
+                <a:sym typeface="Wingdings" panose="05000000000000000000" pitchFamily="2" charset="2"/>
+              </a:rPr>
+              <a:t>논의 필요</a:t>
+            </a:r>
+            <a:r>
+              <a:rPr lang="en-US" altLang="ko-KR" dirty="0">
+                <a:sym typeface="Wingdings" panose="05000000000000000000" pitchFamily="2" charset="2"/>
+              </a:rPr>
+              <a:t>)</a:t>
+            </a:r>
           </a:p>
         </p:txBody>
       </p:sp>
@@ -20601,10 +20435,6 @@
             <a:r>
               <a:rPr lang="ko-KR" altLang="en-US" dirty="0"/>
               <a:t>로 다양한 정보 비교</a:t>
-            </a:r>
-            <a:r>
-              <a:rPr lang="en-US" altLang="ko-KR" dirty="0"/>
-              <a:t/>
             </a:r>
             <a:br>
               <a:rPr lang="en-US" altLang="ko-KR" dirty="0"/>
@@ -20825,27 +20655,27 @@
               <a:t> </a:t>
             </a:r>
             <a:r>
-              <a:rPr lang="ko-KR" altLang="en-US" dirty="0" smtClean="0"/>
+              <a:rPr lang="ko-KR" altLang="en-US" dirty="0"/>
               <a:t>제작한 </a:t>
             </a:r>
             <a:r>
-              <a:rPr lang="en-US" altLang="ko-KR" dirty="0" smtClean="0"/>
+              <a:rPr lang="en-US" altLang="ko-KR" dirty="0"/>
               <a:t>Code</a:t>
             </a:r>
             <a:r>
-              <a:rPr lang="ko-KR" altLang="en-US" dirty="0" smtClean="0"/>
+              <a:rPr lang="ko-KR" altLang="en-US" dirty="0"/>
               <a:t>의 구성</a:t>
             </a:r>
             <a:r>
-              <a:rPr lang="en-US" altLang="ko-KR" dirty="0" smtClean="0"/>
+              <a:rPr lang="en-US" altLang="ko-KR" dirty="0"/>
               <a:t>(</a:t>
             </a:r>
             <a:r>
-              <a:rPr lang="en-US" altLang="ko-KR" dirty="0" err="1" smtClean="0"/>
+              <a:rPr lang="en-US" altLang="ko-KR" dirty="0" err="1"/>
               <a:t>Pytorch</a:t>
             </a:r>
             <a:r>
-              <a:rPr lang="en-US" altLang="ko-KR" dirty="0" smtClean="0"/>
+              <a:rPr lang="en-US" altLang="ko-KR" dirty="0"/>
               <a:t> based)</a:t>
             </a:r>
             <a:endParaRPr lang="ko-KR" altLang="en-US" dirty="0"/>
@@ -20945,22 +20775,22 @@
           <a:p>
             <a:pPr algn="ctr"/>
             <a:r>
-              <a:rPr lang="en-US" altLang="ko-KR" dirty="0" smtClean="0"/>
+              <a:rPr lang="en-US" altLang="ko-KR" dirty="0"/>
               <a:t>Env.py</a:t>
             </a:r>
           </a:p>
           <a:p>
             <a:pPr algn="ctr"/>
             <a:r>
-              <a:rPr lang="en-US" altLang="ko-KR" sz="1400" dirty="0" smtClean="0"/>
+              <a:rPr lang="en-US" altLang="ko-KR" sz="1400" dirty="0"/>
               <a:t>(</a:t>
             </a:r>
             <a:r>
-              <a:rPr lang="ko-KR" altLang="en-US" sz="1400" dirty="0" smtClean="0"/>
+              <a:rPr lang="ko-KR" altLang="en-US" sz="1400" dirty="0"/>
               <a:t>세팅 필요</a:t>
             </a:r>
             <a:r>
-              <a:rPr lang="en-US" altLang="ko-KR" sz="1400" dirty="0" smtClean="0"/>
+              <a:rPr lang="en-US" altLang="ko-KR" sz="1400" dirty="0"/>
               <a:t>)</a:t>
             </a:r>
             <a:endParaRPr lang="en-US" altLang="ko-KR" sz="2000" dirty="0"/>
@@ -21010,22 +20840,22 @@
           <a:p>
             <a:pPr algn="ctr"/>
             <a:r>
-              <a:rPr lang="en-US" altLang="ko-KR" dirty="0" smtClean="0"/>
+              <a:rPr lang="en-US" altLang="ko-KR" dirty="0"/>
               <a:t>Dqn.py</a:t>
             </a:r>
           </a:p>
           <a:p>
             <a:pPr algn="ctr"/>
             <a:r>
-              <a:rPr lang="en-US" altLang="ko-KR" sz="1400" dirty="0" smtClean="0"/>
+              <a:rPr lang="en-US" altLang="ko-KR" sz="1400" dirty="0"/>
               <a:t>(</a:t>
             </a:r>
             <a:r>
-              <a:rPr lang="ko-KR" altLang="en-US" sz="1400" dirty="0" err="1" smtClean="0"/>
+              <a:rPr lang="ko-KR" altLang="en-US" sz="1400" dirty="0" err="1"/>
               <a:t>검토필요</a:t>
             </a:r>
             <a:r>
-              <a:rPr lang="en-US" altLang="ko-KR" sz="1400" dirty="0" smtClean="0"/>
+              <a:rPr lang="en-US" altLang="ko-KR" sz="1400" dirty="0"/>
               <a:t>)</a:t>
             </a:r>
             <a:endParaRPr lang="en-US" altLang="ko-KR" dirty="0"/>
@@ -21075,25 +20905,24 @@
           <a:p>
             <a:pPr algn="ctr"/>
             <a:r>
-              <a:rPr lang="en-US" altLang="ko-KR" sz="1600" dirty="0" smtClean="0"/>
+              <a:rPr lang="en-US" altLang="ko-KR" sz="1600" dirty="0"/>
               <a:t>FRAP.py</a:t>
             </a:r>
           </a:p>
           <a:p>
             <a:pPr algn="ctr"/>
             <a:r>
-              <a:rPr lang="en-US" altLang="ko-KR" sz="1400" dirty="0" smtClean="0"/>
+              <a:rPr lang="en-US" altLang="ko-KR" sz="1400" dirty="0"/>
               <a:t>(</a:t>
             </a:r>
             <a:r>
-              <a:rPr lang="ko-KR" altLang="en-US" sz="1400" dirty="0" err="1" smtClean="0"/>
+              <a:rPr lang="ko-KR" altLang="en-US" sz="1400" dirty="0" err="1"/>
               <a:t>제작중</a:t>
             </a:r>
             <a:r>
-              <a:rPr lang="en-US" altLang="ko-KR" sz="1400" dirty="0" smtClean="0"/>
+              <a:rPr lang="en-US" altLang="ko-KR" sz="1400" dirty="0"/>
               <a:t>)</a:t>
             </a:r>
-            <a:endParaRPr lang="en-US" altLang="ko-KR" sz="1400" dirty="0"/>
           </a:p>
         </p:txBody>
       </p:sp>
@@ -21176,7 +21005,7 @@
           <a:p>
             <a:pPr algn="ctr"/>
             <a:r>
-              <a:rPr lang="en-US" altLang="ko-KR" dirty="0" smtClean="0"/>
+              <a:rPr lang="en-US" altLang="ko-KR" dirty="0"/>
               <a:t>Grid.py</a:t>
             </a:r>
             <a:endParaRPr lang="ko-KR" altLang="en-US" dirty="0"/>
@@ -21226,7 +21055,7 @@
           <a:p>
             <a:pPr algn="ctr"/>
             <a:r>
-              <a:rPr lang="en-US" altLang="ko-KR" sz="1600" dirty="0" smtClean="0"/>
+              <a:rPr lang="en-US" altLang="ko-KR" sz="1600" dirty="0"/>
               <a:t>Gen_net.py</a:t>
             </a:r>
             <a:endParaRPr lang="ko-KR" altLang="en-US" sz="1600" dirty="0"/>
@@ -21328,14 +21157,13 @@
           <a:lstStyle/>
           <a:p>
             <a:r>
-              <a:rPr lang="en-US" altLang="ko-KR" sz="1400" dirty="0" smtClean="0"/>
+              <a:rPr lang="en-US" altLang="ko-KR" sz="1400" dirty="0"/>
               <a:t>Network </a:t>
             </a:r>
             <a:r>
-              <a:rPr lang="ko-KR" altLang="en-US" sz="1400" dirty="0" smtClean="0"/>
+              <a:rPr lang="ko-KR" altLang="en-US" sz="1400" dirty="0"/>
               <a:t>생성</a:t>
             </a:r>
-            <a:endParaRPr lang="ko-KR" altLang="en-US" sz="1400" dirty="0"/>
           </a:p>
         </p:txBody>
       </p:sp>
@@ -21362,7 +21190,7 @@
           <a:lstStyle/>
           <a:p>
             <a:r>
-              <a:rPr lang="en-US" altLang="ko-KR" sz="1400" dirty="0" smtClean="0"/>
+              <a:rPr lang="en-US" altLang="ko-KR" sz="1400" dirty="0"/>
               <a:t>Environment Initialization</a:t>
             </a:r>
             <a:endParaRPr lang="ko-KR" altLang="en-US" sz="1400" dirty="0"/>
@@ -21428,7 +21256,7 @@
           <a:lstStyle/>
           <a:p>
             <a:r>
-              <a:rPr lang="en-US" altLang="ko-KR" sz="1400" dirty="0" smtClean="0"/>
+              <a:rPr lang="en-US" altLang="ko-KR" sz="1400" dirty="0"/>
               <a:t>Agent Initialization</a:t>
             </a:r>
             <a:endParaRPr lang="ko-KR" altLang="en-US" sz="1400" dirty="0"/>
@@ -21492,7 +21320,7 @@
           <a:p>
             <a:pPr algn="r"/>
             <a:r>
-              <a:rPr lang="en-US" altLang="ko-KR" sz="1200" dirty="0" smtClean="0"/>
+              <a:rPr lang="en-US" altLang="ko-KR" sz="1200" dirty="0"/>
               <a:t>Reward, Observation</a:t>
             </a:r>
             <a:endParaRPr lang="ko-KR" altLang="en-US" sz="1200" dirty="0"/>
@@ -21555,7 +21383,7 @@
           <a:lstStyle/>
           <a:p>
             <a:r>
-              <a:rPr lang="en-US" altLang="ko-KR" sz="1200" dirty="0" smtClean="0"/>
+              <a:rPr lang="en-US" altLang="ko-KR" sz="1200" dirty="0"/>
               <a:t>Action</a:t>
             </a:r>
             <a:endParaRPr lang="ko-KR" altLang="en-US" sz="1200" dirty="0"/>
@@ -21622,7 +21450,7 @@
           <a:p>
             <a:pPr algn="ctr"/>
             <a:r>
-              <a:rPr lang="en-US" altLang="ko-KR" sz="1200" dirty="0" smtClean="0"/>
+              <a:rPr lang="en-US" altLang="ko-KR" sz="1200" dirty="0"/>
               <a:t>Observation</a:t>
             </a:r>
             <a:endParaRPr lang="ko-KR" altLang="en-US" sz="1200" dirty="0"/>
@@ -21686,7 +21514,7 @@
           <a:p>
             <a:pPr algn="ctr"/>
             <a:r>
-              <a:rPr lang="en-US" altLang="ko-KR" sz="1200" dirty="0" smtClean="0"/>
+              <a:rPr lang="en-US" altLang="ko-KR" sz="1200" dirty="0"/>
               <a:t>Flip, Rotate</a:t>
             </a:r>
             <a:endParaRPr lang="ko-KR" altLang="en-US" sz="1200" dirty="0"/>
@@ -21717,26 +21545,25 @@
           <a:p>
             <a:pPr algn="r"/>
             <a:r>
-              <a:rPr lang="en-US" altLang="ko-KR" sz="1400" dirty="0" smtClean="0"/>
+              <a:rPr lang="en-US" altLang="ko-KR" sz="1400" dirty="0"/>
               <a:t>xml </a:t>
             </a:r>
             <a:r>
-              <a:rPr lang="ko-KR" altLang="en-US" sz="1400" dirty="0" smtClean="0"/>
+              <a:rPr lang="ko-KR" altLang="en-US" sz="1400" dirty="0"/>
               <a:t>및 </a:t>
             </a:r>
             <a:r>
-              <a:rPr lang="en-US" altLang="ko-KR" sz="1400" dirty="0" err="1" smtClean="0"/>
+              <a:rPr lang="en-US" altLang="ko-KR" sz="1400" dirty="0" err="1"/>
               <a:t>cfg</a:t>
             </a:r>
             <a:r>
-              <a:rPr lang="en-US" altLang="ko-KR" sz="1400" dirty="0" smtClean="0"/>
+              <a:rPr lang="en-US" altLang="ko-KR" sz="1400" dirty="0"/>
               <a:t> </a:t>
             </a:r>
             <a:r>
-              <a:rPr lang="ko-KR" altLang="en-US" sz="1400" dirty="0" smtClean="0"/>
+              <a:rPr lang="ko-KR" altLang="en-US" sz="1400" dirty="0"/>
               <a:t>생성</a:t>
             </a:r>
-            <a:endParaRPr lang="ko-KR" altLang="en-US" sz="1400" dirty="0"/>
           </a:p>
         </p:txBody>
       </p:sp>
@@ -21824,10 +21651,6 @@
               <a:rPr lang="ko-KR" altLang="en-US" dirty="0"/>
               <a:t>를 조절</a:t>
             </a:r>
-            <a:r>
-              <a:rPr lang="en-US" altLang="ko-KR" dirty="0"/>
-              <a:t/>
-            </a:r>
             <a:br>
               <a:rPr lang="en-US" altLang="ko-KR" dirty="0"/>
             </a:br>
@@ -21879,25 +21702,20 @@
             </a:r>
             <a:r>
               <a:rPr lang="ko-KR" altLang="en-US" dirty="0"/>
-              <a:t>로 </a:t>
-            </a:r>
-            <a:r>
-              <a:rPr lang="ko-KR" altLang="en-US" dirty="0" smtClean="0"/>
-              <a:t>바꿈 </a:t>
-            </a:r>
-            <a:r>
-              <a:rPr lang="en-US" altLang="ko-KR" dirty="0" smtClean="0"/>
+              <a:t>로 바꿈 </a:t>
+            </a:r>
+            <a:r>
+              <a:rPr lang="en-US" altLang="ko-KR" dirty="0"/>
               <a:t>(program</a:t>
             </a:r>
             <a:r>
-              <a:rPr lang="ko-KR" altLang="en-US" dirty="0" smtClean="0"/>
+              <a:rPr lang="ko-KR" altLang="en-US" dirty="0"/>
               <a:t>에 있는 내용만 가능</a:t>
             </a:r>
             <a:r>
-              <a:rPr lang="en-US" altLang="ko-KR" dirty="0" smtClean="0"/>
+              <a:rPr lang="en-US" altLang="ko-KR" dirty="0"/>
               <a:t>)</a:t>
             </a:r>
-            <a:endParaRPr lang="en-US" altLang="ko-KR" dirty="0"/>
           </a:p>
           <a:p>
             <a:r>

--- a/1st_Seminar(강민수).pptx
+++ b/1st_Seminar(강민수).pptx
@@ -14,14 +14,14 @@
     <p:sldId id="267" r:id="rId5"/>
     <p:sldId id="288" r:id="rId6"/>
     <p:sldId id="289" r:id="rId7"/>
-    <p:sldId id="259" r:id="rId8"/>
-    <p:sldId id="296" r:id="rId9"/>
-    <p:sldId id="297" r:id="rId10"/>
-    <p:sldId id="260" r:id="rId11"/>
-    <p:sldId id="261" r:id="rId12"/>
-    <p:sldId id="262" r:id="rId13"/>
-    <p:sldId id="263" r:id="rId14"/>
-    <p:sldId id="290" r:id="rId15"/>
+    <p:sldId id="261" r:id="rId8"/>
+    <p:sldId id="262" r:id="rId9"/>
+    <p:sldId id="263" r:id="rId10"/>
+    <p:sldId id="290" r:id="rId11"/>
+    <p:sldId id="260" r:id="rId12"/>
+    <p:sldId id="259" r:id="rId13"/>
+    <p:sldId id="297" r:id="rId14"/>
+    <p:sldId id="296" r:id="rId15"/>
     <p:sldId id="273" r:id="rId16"/>
     <p:sldId id="287" r:id="rId17"/>
     <p:sldId id="268" r:id="rId18"/>
@@ -238,7 +238,7 @@
           <a:p>
             <a:fld id="{B401493B-0A52-4E9A-A475-D6276A64515A}" type="datetimeFigureOut">
               <a:rPr lang="ko-KR" altLang="en-US" smtClean="0"/>
-              <a:t>2021-01-18</a:t>
+              <a:t>2021-01-19</a:t>
             </a:fld>
             <a:endParaRPr lang="ko-KR" altLang="en-US"/>
           </a:p>
@@ -648,7 +648,7 @@
             <a:fld id="{B61BEF0D-F0BB-DE4B-95CE-6DB70DBA9567}" type="datetimeFigureOut">
               <a:rPr lang="en-US" smtClean="0"/>
               <a:pPr/>
-              <a:t>1/18/2021</a:t>
+              <a:t>1/19/2021</a:t>
             </a:fld>
             <a:endParaRPr lang="en-US" dirty="0"/>
           </a:p>
@@ -820,7 +820,7 @@
             <a:fld id="{B61BEF0D-F0BB-DE4B-95CE-6DB70DBA9567}" type="datetimeFigureOut">
               <a:rPr lang="en-US" smtClean="0"/>
               <a:pPr/>
-              <a:t>1/18/2021</a:t>
+              <a:t>1/19/2021</a:t>
             </a:fld>
             <a:endParaRPr lang="en-US" dirty="0"/>
           </a:p>
@@ -1002,7 +1002,7 @@
             <a:fld id="{B61BEF0D-F0BB-DE4B-95CE-6DB70DBA9567}" type="datetimeFigureOut">
               <a:rPr lang="en-US" smtClean="0"/>
               <a:pPr/>
-              <a:t>1/18/2021</a:t>
+              <a:t>1/19/2021</a:t>
             </a:fld>
             <a:endParaRPr lang="en-US" dirty="0"/>
           </a:p>
@@ -1291,7 +1291,7 @@
             <a:fld id="{B61BEF0D-F0BB-DE4B-95CE-6DB70DBA9567}" type="datetimeFigureOut">
               <a:rPr lang="en-US" smtClean="0"/>
               <a:pPr/>
-              <a:t>1/18/2021</a:t>
+              <a:t>1/19/2021</a:t>
             </a:fld>
             <a:endParaRPr lang="en-US" dirty="0"/>
           </a:p>
@@ -1531,7 +1531,7 @@
             <a:fld id="{B61BEF0D-F0BB-DE4B-95CE-6DB70DBA9567}" type="datetimeFigureOut">
               <a:rPr lang="en-US" smtClean="0"/>
               <a:pPr/>
-              <a:t>1/18/2021</a:t>
+              <a:t>1/19/2021</a:t>
             </a:fld>
             <a:endParaRPr lang="en-US" dirty="0"/>
           </a:p>
@@ -1876,7 +1876,7 @@
             <a:fld id="{B61BEF0D-F0BB-DE4B-95CE-6DB70DBA9567}" type="datetimeFigureOut">
               <a:rPr lang="en-US" smtClean="0"/>
               <a:pPr/>
-              <a:t>1/18/2021</a:t>
+              <a:t>1/19/2021</a:t>
             </a:fld>
             <a:endParaRPr lang="en-US" dirty="0"/>
           </a:p>
@@ -2153,7 +2153,7 @@
             <a:fld id="{B61BEF0D-F0BB-DE4B-95CE-6DB70DBA9567}" type="datetimeFigureOut">
               <a:rPr lang="en-US" smtClean="0"/>
               <a:pPr/>
-              <a:t>1/18/2021</a:t>
+              <a:t>1/19/2021</a:t>
             </a:fld>
             <a:endParaRPr lang="en-US" dirty="0"/>
           </a:p>
@@ -2534,7 +2534,7 @@
             <a:fld id="{B61BEF0D-F0BB-DE4B-95CE-6DB70DBA9567}" type="datetimeFigureOut">
               <a:rPr lang="en-US" smtClean="0"/>
               <a:pPr/>
-              <a:t>1/18/2021</a:t>
+              <a:t>1/19/2021</a:t>
             </a:fld>
             <a:endParaRPr lang="en-US" dirty="0"/>
           </a:p>
@@ -2654,7 +2654,7 @@
             <a:fld id="{B61BEF0D-F0BB-DE4B-95CE-6DB70DBA9567}" type="datetimeFigureOut">
               <a:rPr lang="en-US" smtClean="0"/>
               <a:pPr/>
-              <a:t>1/18/2021</a:t>
+              <a:t>1/19/2021</a:t>
             </a:fld>
             <a:endParaRPr lang="en-US" dirty="0"/>
           </a:p>
@@ -2827,7 +2827,7 @@
             <a:fld id="{B61BEF0D-F0BB-DE4B-95CE-6DB70DBA9567}" type="datetimeFigureOut">
               <a:rPr lang="en-US" smtClean="0"/>
               <a:pPr/>
-              <a:t>1/18/2021</a:t>
+              <a:t>1/19/2021</a:t>
             </a:fld>
             <a:endParaRPr lang="en-US" dirty="0"/>
           </a:p>
@@ -3183,7 +3183,7 @@
             <a:fld id="{B61BEF0D-F0BB-DE4B-95CE-6DB70DBA9567}" type="datetimeFigureOut">
               <a:rPr lang="en-US" smtClean="0"/>
               <a:pPr/>
-              <a:t>1/18/2021</a:t>
+              <a:t>1/19/2021</a:t>
             </a:fld>
             <a:endParaRPr lang="en-US" dirty="0"/>
           </a:p>
@@ -3376,7 +3376,7 @@
             <a:fld id="{B61BEF0D-F0BB-DE4B-95CE-6DB70DBA9567}" type="datetimeFigureOut">
               <a:rPr lang="en-US" smtClean="0"/>
               <a:pPr/>
-              <a:t>1/18/2021</a:t>
+              <a:t>1/19/2021</a:t>
             </a:fld>
             <a:endParaRPr lang="en-US" dirty="0"/>
           </a:p>
@@ -3739,7 +3739,7 @@
             <a:fld id="{B61BEF0D-F0BB-DE4B-95CE-6DB70DBA9567}" type="datetimeFigureOut">
               <a:rPr lang="en-US" smtClean="0"/>
               <a:pPr/>
-              <a:t>1/18/2021</a:t>
+              <a:t>1/19/2021</a:t>
             </a:fld>
             <a:endParaRPr lang="en-US" dirty="0"/>
           </a:p>
@@ -3911,7 +3911,7 @@
             <a:fld id="{B61BEF0D-F0BB-DE4B-95CE-6DB70DBA9567}" type="datetimeFigureOut">
               <a:rPr lang="en-US" smtClean="0"/>
               <a:pPr/>
-              <a:t>1/18/2021</a:t>
+              <a:t>1/19/2021</a:t>
             </a:fld>
             <a:endParaRPr lang="en-US" dirty="0"/>
           </a:p>
@@ -4169,7 +4169,7 @@
             <a:fld id="{B61BEF0D-F0BB-DE4B-95CE-6DB70DBA9567}" type="datetimeFigureOut">
               <a:rPr lang="en-US" smtClean="0"/>
               <a:pPr/>
-              <a:t>1/18/2021</a:t>
+              <a:t>1/19/2021</a:t>
             </a:fld>
             <a:endParaRPr lang="en-US" dirty="0"/>
           </a:p>
@@ -4422,7 +4422,7 @@
             <a:fld id="{B61BEF0D-F0BB-DE4B-95CE-6DB70DBA9567}" type="datetimeFigureOut">
               <a:rPr lang="en-US" smtClean="0"/>
               <a:pPr/>
-              <a:t>1/18/2021</a:t>
+              <a:t>1/19/2021</a:t>
             </a:fld>
             <a:endParaRPr lang="en-US" dirty="0"/>
           </a:p>
@@ -4656,7 +4656,7 @@
             <a:fld id="{B61BEF0D-F0BB-DE4B-95CE-6DB70DBA9567}" type="datetimeFigureOut">
               <a:rPr lang="en-US" smtClean="0"/>
               <a:pPr/>
-              <a:t>1/18/2021</a:t>
+              <a:t>1/19/2021</a:t>
             </a:fld>
             <a:endParaRPr lang="en-US" dirty="0"/>
           </a:p>
@@ -5005,7 +5005,7 @@
             <a:fld id="{B61BEF0D-F0BB-DE4B-95CE-6DB70DBA9567}" type="datetimeFigureOut">
               <a:rPr lang="en-US" smtClean="0"/>
               <a:pPr/>
-              <a:t>1/18/2021</a:t>
+              <a:t>1/19/2021</a:t>
             </a:fld>
             <a:endParaRPr lang="en-US" dirty="0"/>
           </a:p>
@@ -5125,7 +5125,7 @@
             <a:fld id="{B61BEF0D-F0BB-DE4B-95CE-6DB70DBA9567}" type="datetimeFigureOut">
               <a:rPr lang="en-US" smtClean="0"/>
               <a:pPr/>
-              <a:t>1/18/2021</a:t>
+              <a:t>1/19/2021</a:t>
             </a:fld>
             <a:endParaRPr lang="en-US" dirty="0"/>
           </a:p>
@@ -5245,7 +5245,7 @@
             <a:fld id="{B61BEF0D-F0BB-DE4B-95CE-6DB70DBA9567}" type="datetimeFigureOut">
               <a:rPr lang="en-US" smtClean="0"/>
               <a:pPr/>
-              <a:t>1/18/2021</a:t>
+              <a:t>1/19/2021</a:t>
             </a:fld>
             <a:endParaRPr lang="en-US" dirty="0"/>
           </a:p>
@@ -5531,7 +5531,7 @@
             <a:fld id="{B61BEF0D-F0BB-DE4B-95CE-6DB70DBA9567}" type="datetimeFigureOut">
               <a:rPr lang="en-US" smtClean="0"/>
               <a:pPr/>
-              <a:t>1/18/2021</a:t>
+              <a:t>1/19/2021</a:t>
             </a:fld>
             <a:endParaRPr lang="en-US" dirty="0"/>
           </a:p>
@@ -5797,7 +5797,7 @@
             <a:fld id="{B61BEF0D-F0BB-DE4B-95CE-6DB70DBA9567}" type="datetimeFigureOut">
               <a:rPr lang="en-US" smtClean="0"/>
               <a:pPr/>
-              <a:t>1/18/2021</a:t>
+              <a:t>1/19/2021</a:t>
             </a:fld>
             <a:endParaRPr lang="en-US" dirty="0"/>
           </a:p>
@@ -6013,7 +6013,7 @@
             <a:fld id="{B61BEF0D-F0BB-DE4B-95CE-6DB70DBA9567}" type="datetimeFigureOut">
               <a:rPr lang="en-US" smtClean="0"/>
               <a:pPr/>
-              <a:t>1/18/2021</a:t>
+              <a:t>1/19/2021</a:t>
             </a:fld>
             <a:endParaRPr lang="en-US" dirty="0"/>
           </a:p>
@@ -6618,7 +6618,7 @@
             <a:fld id="{B61BEF0D-F0BB-DE4B-95CE-6DB70DBA9567}" type="datetimeFigureOut">
               <a:rPr lang="en-US" smtClean="0"/>
               <a:pPr/>
-              <a:t>1/18/2021</a:t>
+              <a:t>1/19/2021</a:t>
             </a:fld>
             <a:endParaRPr lang="en-US" dirty="0"/>
           </a:p>
@@ -7234,8 +7234,8 @@
           <a:lstStyle/>
           <a:p>
             <a:r>
-              <a:rPr lang="en-US" altLang="ko-KR" dirty="0"/>
-              <a:t>Defining New TLS-Programs</a:t>
+              <a:rPr lang="en-US" altLang="ko-KR" dirty="0" err="1"/>
+              <a:t>TraCI</a:t>
             </a:r>
             <a:endParaRPr lang="ko-KR" altLang="en-US" dirty="0"/>
           </a:p>
@@ -7258,60 +7258,84 @@
           <a:p>
             <a:r>
               <a:rPr lang="en-US" altLang="ko-KR" dirty="0"/>
-              <a:t>Additional file</a:t>
-            </a:r>
-            <a:r>
-              <a:rPr lang="ko-KR" altLang="en-US" dirty="0"/>
-              <a:t>을 사용</a:t>
+              <a:t>Additional file </a:t>
+            </a:r>
+            <a:r>
+              <a:rPr lang="ko-KR" altLang="en-US" dirty="0"/>
+              <a:t>을 이용하여 </a:t>
+            </a:r>
+            <a:r>
+              <a:rPr lang="en-US" altLang="ko-KR" dirty="0"/>
+              <a:t>Traffic Light</a:t>
+            </a:r>
+            <a:r>
+              <a:rPr lang="ko-KR" altLang="en-US" dirty="0"/>
+              <a:t>를 조절</a:t>
+            </a:r>
+            <a:r>
+              <a:rPr lang="en-US" altLang="ko-KR" dirty="0"/>
+              <a:t/>
             </a:r>
             <a:br>
               <a:rPr lang="en-US" altLang="ko-KR" dirty="0"/>
             </a:br>
             <a:r>
-              <a:rPr lang="en-US" altLang="ko-KR" dirty="0">
-                <a:sym typeface="Wingdings" panose="05000000000000000000" pitchFamily="2" charset="2"/>
-              </a:rPr>
-              <a:t></a:t>
-            </a:r>
-            <a:r>
-              <a:rPr lang="ko-KR" altLang="en-US" dirty="0"/>
-              <a:t> </a:t>
+              <a:rPr lang="en-US" altLang="ko-KR" dirty="0"/>
+              <a:t>-.add.xml format </a:t>
+            </a:r>
+            <a:r>
+              <a:rPr lang="ko-KR" altLang="en-US" dirty="0"/>
+              <a:t>사용</a:t>
+            </a:r>
+            <a:endParaRPr lang="en-US" altLang="ko-KR" dirty="0"/>
+          </a:p>
+          <a:p>
+            <a:r>
+              <a:rPr lang="en-US" altLang="ko-KR" dirty="0"/>
+              <a:t>Phase Setting</a:t>
+            </a:r>
+            <a:br>
+              <a:rPr lang="en-US" altLang="ko-KR" dirty="0"/>
+            </a:br>
+            <a:r>
+              <a:rPr lang="en-US" altLang="ko-KR" dirty="0"/>
+              <a:t>- </a:t>
             </a:r>
             <a:r>
               <a:rPr lang="en-US" altLang="ko-KR" dirty="0" err="1"/>
-              <a:t>tlLogic</a:t>
-            </a:r>
-            <a:r>
-              <a:rPr lang="en-US" altLang="ko-KR" dirty="0"/>
-              <a:t> id</a:t>
-            </a:r>
-            <a:r>
-              <a:rPr lang="ko-KR" altLang="en-US" dirty="0"/>
-              <a:t>를 부여하여 사용함</a:t>
-            </a:r>
-            <a:r>
-              <a:rPr lang="en-US" altLang="ko-KR" dirty="0"/>
-              <a:t>(.nod.xml</a:t>
-            </a:r>
-            <a:r>
-              <a:rPr lang="ko-KR" altLang="en-US" dirty="0"/>
-              <a:t>에서 부여한 </a:t>
-            </a:r>
-            <a:r>
-              <a:rPr lang="en-US" altLang="ko-KR" dirty="0"/>
-              <a:t>id</a:t>
-            </a:r>
-            <a:r>
-              <a:rPr lang="ko-KR" altLang="en-US" dirty="0"/>
-              <a:t>와 동일할 때</a:t>
-            </a:r>
-            <a:r>
-              <a:rPr lang="en-US" altLang="ko-KR" dirty="0"/>
-              <a:t>, </a:t>
-            </a:r>
-            <a:r>
-              <a:rPr lang="ko-KR" altLang="en-US" dirty="0"/>
-              <a:t>동작함</a:t>
+              <a:t>setPhase</a:t>
+            </a:r>
+            <a:r>
+              <a:rPr lang="en-US" altLang="ko-KR" dirty="0"/>
+              <a:t> function : </a:t>
+            </a:r>
+            <a:r>
+              <a:rPr lang="ko-KR" altLang="en-US" dirty="0"/>
+              <a:t>현재 </a:t>
+            </a:r>
+            <a:r>
+              <a:rPr lang="en-US" altLang="ko-KR" dirty="0"/>
+              <a:t>phase</a:t>
+            </a:r>
+            <a:r>
+              <a:rPr lang="ko-KR" altLang="en-US" dirty="0"/>
+              <a:t>를 다른 </a:t>
+            </a:r>
+            <a:r>
+              <a:rPr lang="en-US" altLang="ko-KR" dirty="0"/>
+              <a:t>phase</a:t>
+            </a:r>
+            <a:r>
+              <a:rPr lang="ko-KR" altLang="en-US" dirty="0"/>
+              <a:t>로 바꿈 </a:t>
+            </a:r>
+            <a:r>
+              <a:rPr lang="en-US" altLang="ko-KR" dirty="0"/>
+              <a:t>(program</a:t>
+            </a:r>
+            <a:r>
+              <a:rPr lang="ko-KR" altLang="en-US" dirty="0"/>
+              <a:t>에 있는 내용만 가능</a:t>
             </a:r>
             <a:r>
               <a:rPr lang="en-US" altLang="ko-KR" dirty="0"/>
@@ -7321,642 +7345,76 @@
           <a:p>
             <a:r>
               <a:rPr lang="en-US" altLang="ko-KR" dirty="0"/>
-              <a:t>Program ID</a:t>
-            </a:r>
-            <a:r>
-              <a:rPr lang="ko-KR" altLang="en-US" dirty="0"/>
-              <a:t>는 </a:t>
-            </a:r>
-            <a:r>
-              <a:rPr lang="en-US" altLang="ko-KR" dirty="0"/>
-              <a:t>‘off’</a:t>
-            </a:r>
-            <a:r>
-              <a:rPr lang="ko-KR" altLang="en-US" dirty="0"/>
-              <a:t>를 제외하고 부여</a:t>
+              <a:t>Duration Setting</a:t>
+            </a:r>
+            <a:br>
+              <a:rPr lang="en-US" altLang="ko-KR" dirty="0"/>
+            </a:br>
+            <a:r>
+              <a:rPr lang="en-US" altLang="ko-KR" dirty="0"/>
+              <a:t>- </a:t>
+            </a:r>
+            <a:r>
+              <a:rPr lang="en-US" altLang="ko-KR" dirty="0" err="1"/>
+              <a:t>setPhaseDuration</a:t>
+            </a:r>
+            <a:r>
+              <a:rPr lang="en-US" altLang="ko-KR" dirty="0"/>
+              <a:t> : </a:t>
+            </a:r>
+            <a:r>
+              <a:rPr lang="ko-KR" altLang="en-US" dirty="0"/>
+              <a:t>현재 </a:t>
+            </a:r>
+            <a:r>
+              <a:rPr lang="en-US" altLang="ko-KR" dirty="0"/>
+              <a:t>phase</a:t>
+            </a:r>
+            <a:r>
+              <a:rPr lang="ko-KR" altLang="en-US" dirty="0"/>
+              <a:t>의 지속시간을 바꿈</a:t>
             </a:r>
             <a:endParaRPr lang="en-US" altLang="ko-KR" dirty="0"/>
           </a:p>
           <a:p>
             <a:r>
-              <a:rPr lang="ko-KR" altLang="en-US" dirty="0"/>
-              <a:t>아래 </a:t>
-            </a:r>
-            <a:r>
-              <a:rPr lang="en-US" altLang="ko-KR" dirty="0"/>
-              <a:t>Character</a:t>
-            </a:r>
-            <a:r>
-              <a:rPr lang="ko-KR" altLang="en-US" dirty="0"/>
-              <a:t>는 소문자는 </a:t>
-            </a:r>
-            <a:r>
-              <a:rPr lang="en-US" altLang="ko-KR" dirty="0"/>
-              <a:t>decelerate </a:t>
-            </a:r>
-            <a:r>
-              <a:rPr lang="ko-KR" altLang="en-US" dirty="0"/>
-              <a:t>함을 의미</a:t>
-            </a:r>
-            <a:r>
-              <a:rPr lang="en-US" altLang="ko-KR" dirty="0"/>
-              <a:t>(set</a:t>
-            </a:r>
-            <a:r>
-              <a:rPr lang="ko-KR" altLang="en-US" dirty="0"/>
-              <a:t>할 때</a:t>
-            </a:r>
-            <a:r>
-              <a:rPr lang="en-US" altLang="ko-KR" dirty="0"/>
-              <a:t>, </a:t>
-            </a:r>
-            <a:r>
-              <a:rPr lang="ko-KR" altLang="en-US" dirty="0"/>
-              <a:t>기준</a:t>
-            </a:r>
-            <a:r>
-              <a:rPr lang="en-US" altLang="ko-KR" dirty="0"/>
-              <a:t>)</a:t>
-            </a:r>
-            <a:endParaRPr lang="ko-KR" altLang="en-US" dirty="0"/>
-          </a:p>
-        </p:txBody>
-      </p:sp>
-      <p:pic>
-        <p:nvPicPr>
-          <p:cNvPr id="4" name="그림 3"/>
-          <p:cNvPicPr>
-            <a:picLocks noChangeAspect="1"/>
-          </p:cNvPicPr>
-          <p:nvPr/>
-        </p:nvPicPr>
-        <p:blipFill rotWithShape="1">
-          <a:blip r:embed="rId2"/>
-          <a:srcRect t="1704" b="3900"/>
-          <a:stretch/>
-        </p:blipFill>
-        <p:spPr>
-          <a:xfrm>
-            <a:off x="1035781" y="3477060"/>
-            <a:ext cx="1515890" cy="2590107"/>
-          </a:xfrm>
-          <a:prstGeom prst="rect">
-            <a:avLst/>
-          </a:prstGeom>
-        </p:spPr>
-      </p:pic>
-      <p:graphicFrame>
-        <p:nvGraphicFramePr>
-          <p:cNvPr id="5" name="표 4"/>
-          <p:cNvGraphicFramePr>
-            <a:graphicFrameLocks noGrp="1"/>
-          </p:cNvGraphicFramePr>
-          <p:nvPr>
-            <p:extLst>
-              <p:ext uri="{D42A27DB-BD31-4B8C-83A1-F6EECF244321}">
-                <p14:modId xmlns:p14="http://schemas.microsoft.com/office/powerpoint/2010/main" val="2715200273"/>
-              </p:ext>
-            </p:extLst>
-          </p:nvPr>
-        </p:nvGraphicFramePr>
-        <p:xfrm>
-          <a:off x="2551671" y="3477060"/>
-          <a:ext cx="8303740" cy="2590110"/>
-        </p:xfrm>
-        <a:graphic>
-          <a:graphicData uri="http://schemas.openxmlformats.org/drawingml/2006/table">
-            <a:tbl>
-              <a:tblPr firstRow="1" bandRow="1">
-                <a:tableStyleId>{5C22544A-7EE6-4342-B048-85BDC9FD1C3A}</a:tableStyleId>
-              </a:tblPr>
-              <a:tblGrid>
-                <a:gridCol w="8303740">
-                  <a:extLst>
-                    <a:ext uri="{9D8B030D-6E8A-4147-A177-3AD203B41FA5}">
-                      <a16:colId xmlns:a16="http://schemas.microsoft.com/office/drawing/2014/main" val="2295766174"/>
-                    </a:ext>
-                  </a:extLst>
-                </a:gridCol>
-              </a:tblGrid>
-              <a:tr h="287790">
-                <a:tc>
-                  <a:txBody>
-                    <a:bodyPr/>
-                    <a:lstStyle/>
-                    <a:p>
-                      <a:pPr latinLnBrk="1"/>
-                      <a:r>
-                        <a:rPr lang="ko-KR" altLang="en-US" sz="1200" dirty="0"/>
-                        <a:t>설명</a:t>
-                      </a:r>
-                    </a:p>
-                  </a:txBody>
-                  <a:tcPr/>
-                </a:tc>
-                <a:extLst>
-                  <a:ext uri="{0D108BD9-81ED-4DB2-BD59-A6C34878D82A}">
-                    <a16:rowId xmlns:a16="http://schemas.microsoft.com/office/drawing/2014/main" val="2193044637"/>
-                  </a:ext>
-                </a:extLst>
-              </a:tr>
-              <a:tr h="287790">
-                <a:tc>
-                  <a:txBody>
-                    <a:bodyPr/>
-                    <a:lstStyle/>
-                    <a:p>
-                      <a:pPr latinLnBrk="1"/>
-                      <a:r>
-                        <a:rPr lang="en-US" altLang="ko-KR" sz="1200" dirty="0"/>
-                        <a:t>Red Light,</a:t>
-                      </a:r>
-                      <a:r>
-                        <a:rPr lang="en-US" altLang="ko-KR" sz="1200" baseline="0" dirty="0"/>
-                        <a:t> </a:t>
-                      </a:r>
-                      <a:r>
-                        <a:rPr lang="ko-KR" altLang="en-US" sz="1200" baseline="0" dirty="0"/>
-                        <a:t>이 신호일 때</a:t>
-                      </a:r>
-                      <a:r>
-                        <a:rPr lang="en-US" altLang="ko-KR" sz="1200" baseline="0" dirty="0"/>
-                        <a:t>, junction</a:t>
-                      </a:r>
-                      <a:r>
-                        <a:rPr lang="ko-KR" altLang="en-US" sz="1200" baseline="0" dirty="0"/>
-                        <a:t>에서 차량이 정지하면</a:t>
-                      </a:r>
-                      <a:r>
-                        <a:rPr lang="en-US" altLang="ko-KR" sz="1200" baseline="0" dirty="0"/>
-                        <a:t> Teleport</a:t>
-                      </a:r>
-                      <a:endParaRPr lang="ko-KR" altLang="en-US" sz="1200" dirty="0"/>
-                    </a:p>
-                  </a:txBody>
-                  <a:tcPr/>
-                </a:tc>
-                <a:extLst>
-                  <a:ext uri="{0D108BD9-81ED-4DB2-BD59-A6C34878D82A}">
-                    <a16:rowId xmlns:a16="http://schemas.microsoft.com/office/drawing/2014/main" val="1892209508"/>
-                  </a:ext>
-                </a:extLst>
-              </a:tr>
-              <a:tr h="287790">
-                <a:tc>
-                  <a:txBody>
-                    <a:bodyPr/>
-                    <a:lstStyle/>
-                    <a:p>
-                      <a:pPr latinLnBrk="1"/>
-                      <a:r>
-                        <a:rPr lang="en-US" altLang="ko-KR" sz="1200" dirty="0"/>
-                        <a:t>Yellow Light,</a:t>
-                      </a:r>
-                      <a:r>
-                        <a:rPr lang="en-US" altLang="ko-KR" sz="1200" baseline="0" dirty="0"/>
-                        <a:t> </a:t>
-                      </a:r>
-                      <a:r>
-                        <a:rPr lang="ko-KR" altLang="en-US" sz="1200" baseline="0" dirty="0"/>
-                        <a:t>차량이 </a:t>
-                      </a:r>
-                      <a:r>
-                        <a:rPr lang="en-US" altLang="ko-KR" sz="1200" baseline="0" dirty="0"/>
-                        <a:t>Junction</a:t>
-                      </a:r>
-                      <a:r>
-                        <a:rPr lang="ko-KR" altLang="en-US" sz="1200" baseline="0" dirty="0"/>
-                        <a:t>에서 멀면 </a:t>
-                      </a:r>
-                      <a:r>
-                        <a:rPr lang="en-US" altLang="ko-KR" sz="1200" baseline="0" dirty="0"/>
-                        <a:t>deceleration, </a:t>
-                      </a:r>
-                      <a:r>
-                        <a:rPr lang="ko-KR" altLang="en-US" sz="1200" baseline="0" dirty="0"/>
-                        <a:t>아니면 </a:t>
-                      </a:r>
-                      <a:r>
-                        <a:rPr lang="en-US" altLang="ko-KR" sz="1200" baseline="0" dirty="0"/>
-                        <a:t>pass</a:t>
-                      </a:r>
-                      <a:endParaRPr lang="ko-KR" altLang="en-US" sz="1200" dirty="0"/>
-                    </a:p>
-                  </a:txBody>
-                  <a:tcPr/>
-                </a:tc>
-                <a:extLst>
-                  <a:ext uri="{0D108BD9-81ED-4DB2-BD59-A6C34878D82A}">
-                    <a16:rowId xmlns:a16="http://schemas.microsoft.com/office/drawing/2014/main" val="1621648304"/>
-                  </a:ext>
-                </a:extLst>
-              </a:tr>
-              <a:tr h="287790">
-                <a:tc>
-                  <a:txBody>
-                    <a:bodyPr/>
-                    <a:lstStyle/>
-                    <a:p>
-                      <a:pPr latinLnBrk="1"/>
-                      <a:r>
-                        <a:rPr lang="en-US" altLang="ko-KR" sz="1200" dirty="0"/>
-                        <a:t>Green</a:t>
-                      </a:r>
-                      <a:r>
-                        <a:rPr lang="en-US" altLang="ko-KR" sz="1200" baseline="0" dirty="0"/>
-                        <a:t> Light with no priority, </a:t>
-                      </a:r>
-                      <a:r>
-                        <a:rPr lang="ko-KR" altLang="en-US" sz="1200" baseline="0" dirty="0"/>
-                        <a:t>비 보호 녹색 신호</a:t>
-                      </a:r>
-                      <a:r>
-                        <a:rPr lang="en-US" altLang="ko-KR" sz="1200" baseline="0" dirty="0"/>
-                        <a:t>, </a:t>
-                      </a:r>
-                      <a:r>
-                        <a:rPr lang="ko-KR" altLang="en-US" sz="1200" baseline="0" dirty="0"/>
-                        <a:t>먼저 온 </a:t>
-                      </a:r>
-                      <a:r>
-                        <a:rPr lang="en-US" altLang="ko-KR" sz="1200" baseline="0" dirty="0"/>
-                        <a:t>priority signal </a:t>
-                      </a:r>
-                      <a:r>
-                        <a:rPr lang="ko-KR" altLang="en-US" sz="1200" baseline="0" dirty="0"/>
-                        <a:t>수신 차량이 있는 경우 </a:t>
-                      </a:r>
-                      <a:r>
-                        <a:rPr lang="en-US" altLang="ko-KR" sz="1200" baseline="0" dirty="0"/>
-                        <a:t>deceleration</a:t>
-                      </a:r>
-                      <a:endParaRPr lang="ko-KR" altLang="en-US" sz="1200" dirty="0"/>
-                    </a:p>
-                  </a:txBody>
-                  <a:tcPr/>
-                </a:tc>
-                <a:extLst>
-                  <a:ext uri="{0D108BD9-81ED-4DB2-BD59-A6C34878D82A}">
-                    <a16:rowId xmlns:a16="http://schemas.microsoft.com/office/drawing/2014/main" val="3144239424"/>
-                  </a:ext>
-                </a:extLst>
-              </a:tr>
-              <a:tr h="287790">
-                <a:tc>
-                  <a:txBody>
-                    <a:bodyPr/>
-                    <a:lstStyle/>
-                    <a:p>
-                      <a:pPr latinLnBrk="1"/>
-                      <a:r>
-                        <a:rPr lang="en-US" altLang="ko-KR" sz="1200" dirty="0"/>
-                        <a:t>Green Light</a:t>
-                      </a:r>
-                      <a:r>
-                        <a:rPr lang="en-US" altLang="ko-KR" sz="1200" baseline="0" dirty="0"/>
-                        <a:t> with priority, junction</a:t>
-                      </a:r>
-                      <a:r>
-                        <a:rPr lang="ko-KR" altLang="en-US" sz="1200" baseline="0" dirty="0"/>
-                        <a:t>을 우선 </a:t>
-                      </a:r>
-                      <a:r>
-                        <a:rPr lang="en-US" altLang="ko-KR" sz="1200" baseline="0" dirty="0"/>
-                        <a:t>pass</a:t>
-                      </a:r>
-                      <a:r>
-                        <a:rPr lang="ko-KR" altLang="en-US" sz="1200" baseline="0" dirty="0"/>
-                        <a:t>하는 신호</a:t>
-                      </a:r>
-                      <a:endParaRPr lang="ko-KR" altLang="en-US" sz="1200" dirty="0"/>
-                    </a:p>
-                  </a:txBody>
-                  <a:tcPr/>
-                </a:tc>
-                <a:extLst>
-                  <a:ext uri="{0D108BD9-81ED-4DB2-BD59-A6C34878D82A}">
-                    <a16:rowId xmlns:a16="http://schemas.microsoft.com/office/drawing/2014/main" val="3552610863"/>
-                  </a:ext>
-                </a:extLst>
-              </a:tr>
-              <a:tr h="287790">
-                <a:tc>
-                  <a:txBody>
-                    <a:bodyPr/>
-                    <a:lstStyle/>
-                    <a:p>
-                      <a:pPr latinLnBrk="1"/>
-                      <a:r>
-                        <a:rPr lang="en-US" altLang="ko-KR" sz="1200" dirty="0"/>
-                        <a:t>Green</a:t>
-                      </a:r>
-                      <a:r>
-                        <a:rPr lang="en-US" altLang="ko-KR" sz="1200" baseline="0" dirty="0"/>
-                        <a:t> Right-turn arrow, junction type ‘</a:t>
-                      </a:r>
-                      <a:r>
-                        <a:rPr lang="en-US" altLang="ko-KR" sz="1200" baseline="0" dirty="0" err="1"/>
-                        <a:t>traffic_light_right_on_red</a:t>
-                      </a:r>
-                      <a:r>
-                        <a:rPr lang="en-US" altLang="ko-KR" sz="1200" baseline="0" dirty="0"/>
-                        <a:t>’</a:t>
-                      </a:r>
-                      <a:r>
-                        <a:rPr lang="ko-KR" altLang="en-US" sz="1200" baseline="0" dirty="0"/>
-                        <a:t>에서만 생성되며</a:t>
-                      </a:r>
-                      <a:r>
-                        <a:rPr lang="en-US" altLang="ko-KR" sz="1200" baseline="0" dirty="0"/>
-                        <a:t>, priority</a:t>
-                      </a:r>
-                      <a:r>
-                        <a:rPr lang="ko-KR" altLang="en-US" sz="1200" baseline="0" dirty="0"/>
-                        <a:t>가 </a:t>
-                      </a:r>
-                      <a:r>
-                        <a:rPr lang="ko-KR" altLang="en-US" sz="1200" baseline="0" dirty="0" err="1"/>
-                        <a:t>대향</a:t>
-                      </a:r>
-                      <a:r>
-                        <a:rPr lang="ko-KR" altLang="en-US" sz="1200" baseline="0" dirty="0"/>
-                        <a:t> 방향 차량이 갖는 경우 정지</a:t>
-                      </a:r>
-                      <a:endParaRPr lang="ko-KR" altLang="en-US" sz="1200" dirty="0"/>
-                    </a:p>
-                  </a:txBody>
-                  <a:tcPr/>
-                </a:tc>
-                <a:extLst>
-                  <a:ext uri="{0D108BD9-81ED-4DB2-BD59-A6C34878D82A}">
-                    <a16:rowId xmlns:a16="http://schemas.microsoft.com/office/drawing/2014/main" val="3279951499"/>
-                  </a:ext>
-                </a:extLst>
-              </a:tr>
-              <a:tr h="287790">
-                <a:tc>
-                  <a:txBody>
-                    <a:bodyPr/>
-                    <a:lstStyle/>
-                    <a:p>
-                      <a:pPr latinLnBrk="1"/>
-                      <a:r>
-                        <a:rPr lang="en-US" altLang="ko-KR" sz="1200" dirty="0" err="1"/>
-                        <a:t>Red+yellow</a:t>
-                      </a:r>
-                      <a:r>
-                        <a:rPr lang="en-US" altLang="ko-KR" sz="1200" dirty="0"/>
-                        <a:t>,</a:t>
-                      </a:r>
-                      <a:r>
-                        <a:rPr lang="en-US" altLang="ko-KR" sz="1200" baseline="0" dirty="0"/>
-                        <a:t> Red</a:t>
-                      </a:r>
-                      <a:r>
-                        <a:rPr lang="ko-KR" altLang="en-US" sz="1200" baseline="0" dirty="0"/>
-                        <a:t>에서 </a:t>
-                      </a:r>
-                      <a:r>
-                        <a:rPr lang="en-US" altLang="ko-KR" sz="1200" baseline="0" dirty="0"/>
-                        <a:t>Green</a:t>
-                      </a:r>
-                      <a:r>
-                        <a:rPr lang="ko-KR" altLang="en-US" sz="1200" baseline="0" dirty="0"/>
-                        <a:t>으로 바뀌기 전의 노란색 신호</a:t>
-                      </a:r>
-                      <a:r>
-                        <a:rPr lang="en-US" altLang="ko-KR" sz="1200" baseline="0" dirty="0"/>
-                        <a:t>, </a:t>
-                      </a:r>
-                      <a:r>
-                        <a:rPr lang="ko-KR" altLang="en-US" sz="1200" baseline="0" dirty="0"/>
-                        <a:t>차량이 </a:t>
-                      </a:r>
-                      <a:r>
-                        <a:rPr lang="ko-KR" altLang="en-US" sz="1200" baseline="0" dirty="0" err="1"/>
-                        <a:t>출발안함</a:t>
-                      </a:r>
-                      <a:endParaRPr lang="ko-KR" altLang="en-US" sz="1200" dirty="0"/>
-                    </a:p>
-                  </a:txBody>
-                  <a:tcPr/>
-                </a:tc>
-                <a:extLst>
-                  <a:ext uri="{0D108BD9-81ED-4DB2-BD59-A6C34878D82A}">
-                    <a16:rowId xmlns:a16="http://schemas.microsoft.com/office/drawing/2014/main" val="1826550951"/>
-                  </a:ext>
-                </a:extLst>
-              </a:tr>
-              <a:tr h="287790">
-                <a:tc>
-                  <a:txBody>
-                    <a:bodyPr/>
-                    <a:lstStyle/>
-                    <a:p>
-                      <a:pPr latinLnBrk="1"/>
-                      <a:r>
-                        <a:rPr lang="ko-KR" altLang="en-US" sz="1200" dirty="0"/>
-                        <a:t>깜박이면 차량이 양보해야함을 의미하는 신호</a:t>
-                      </a:r>
-                    </a:p>
-                  </a:txBody>
-                  <a:tcPr/>
-                </a:tc>
-                <a:extLst>
-                  <a:ext uri="{0D108BD9-81ED-4DB2-BD59-A6C34878D82A}">
-                    <a16:rowId xmlns:a16="http://schemas.microsoft.com/office/drawing/2014/main" val="2775677074"/>
-                  </a:ext>
-                </a:extLst>
-              </a:tr>
-              <a:tr h="287790">
-                <a:tc>
-                  <a:txBody>
-                    <a:bodyPr/>
-                    <a:lstStyle/>
-                    <a:p>
-                      <a:pPr latinLnBrk="1"/>
-                      <a:r>
-                        <a:rPr lang="ko-KR" altLang="en-US" sz="1200" dirty="0"/>
-                        <a:t>차량에게 통행권이 있는 신호</a:t>
-                      </a:r>
-                    </a:p>
-                  </a:txBody>
-                  <a:tcPr/>
-                </a:tc>
-                <a:extLst>
-                  <a:ext uri="{0D108BD9-81ED-4DB2-BD59-A6C34878D82A}">
-                    <a16:rowId xmlns:a16="http://schemas.microsoft.com/office/drawing/2014/main" val="3907741454"/>
-                  </a:ext>
-                </a:extLst>
-              </a:tr>
-            </a:tbl>
-          </a:graphicData>
-        </a:graphic>
-      </p:graphicFrame>
-      <p:sp>
-        <p:nvSpPr>
-          <p:cNvPr id="6" name="직사각형 5"/>
-          <p:cNvSpPr/>
-          <p:nvPr/>
-        </p:nvSpPr>
-        <p:spPr>
-          <a:xfrm>
-            <a:off x="1035781" y="3774989"/>
-            <a:ext cx="1466462" cy="284205"/>
-          </a:xfrm>
-          <a:prstGeom prst="rect">
-            <a:avLst/>
-          </a:prstGeom>
-          <a:noFill/>
-          <a:ln w="28575"/>
-        </p:spPr>
-        <p:style>
-          <a:lnRef idx="2">
-            <a:schemeClr val="accent2"/>
-          </a:lnRef>
-          <a:fillRef idx="1">
-            <a:schemeClr val="lt1"/>
-          </a:fillRef>
-          <a:effectRef idx="0">
-            <a:schemeClr val="accent2"/>
-          </a:effectRef>
-          <a:fontRef idx="minor">
-            <a:schemeClr val="dk1"/>
-          </a:fontRef>
-        </p:style>
-        <p:txBody>
-          <a:bodyPr rtlCol="0" anchor="ctr"/>
-          <a:lstStyle/>
-          <a:p>
-            <a:pPr algn="ctr"/>
-            <a:endParaRPr lang="ko-KR" altLang="en-US"/>
-          </a:p>
-        </p:txBody>
-      </p:sp>
-      <p:sp>
-        <p:nvSpPr>
-          <p:cNvPr id="7" name="직사각형 6"/>
-          <p:cNvSpPr/>
-          <p:nvPr/>
-        </p:nvSpPr>
-        <p:spPr>
-          <a:xfrm>
-            <a:off x="1039901" y="4063312"/>
-            <a:ext cx="1466462" cy="284205"/>
-          </a:xfrm>
-          <a:prstGeom prst="rect">
-            <a:avLst/>
-          </a:prstGeom>
-          <a:noFill/>
-          <a:ln w="28575"/>
-        </p:spPr>
-        <p:style>
-          <a:lnRef idx="2">
-            <a:schemeClr val="accent2"/>
-          </a:lnRef>
-          <a:fillRef idx="1">
-            <a:schemeClr val="lt1"/>
-          </a:fillRef>
-          <a:effectRef idx="0">
-            <a:schemeClr val="accent2"/>
-          </a:effectRef>
-          <a:fontRef idx="minor">
-            <a:schemeClr val="dk1"/>
-          </a:fontRef>
-        </p:style>
-        <p:txBody>
-          <a:bodyPr rtlCol="0" anchor="ctr"/>
-          <a:lstStyle/>
-          <a:p>
-            <a:pPr algn="ctr"/>
-            <a:endParaRPr lang="ko-KR" altLang="en-US"/>
-          </a:p>
-        </p:txBody>
-      </p:sp>
-      <p:sp>
-        <p:nvSpPr>
-          <p:cNvPr id="8" name="직사각형 7"/>
-          <p:cNvSpPr/>
-          <p:nvPr/>
-        </p:nvSpPr>
-        <p:spPr>
-          <a:xfrm>
-            <a:off x="1035781" y="4361241"/>
-            <a:ext cx="1466462" cy="284205"/>
-          </a:xfrm>
-          <a:prstGeom prst="rect">
-            <a:avLst/>
-          </a:prstGeom>
-          <a:noFill/>
-          <a:ln w="28575"/>
-        </p:spPr>
-        <p:style>
-          <a:lnRef idx="2">
-            <a:schemeClr val="accent2"/>
-          </a:lnRef>
-          <a:fillRef idx="1">
-            <a:schemeClr val="lt1"/>
-          </a:fillRef>
-          <a:effectRef idx="0">
-            <a:schemeClr val="accent2"/>
-          </a:effectRef>
-          <a:fontRef idx="minor">
-            <a:schemeClr val="dk1"/>
-          </a:fontRef>
-        </p:style>
-        <p:txBody>
-          <a:bodyPr rtlCol="0" anchor="ctr"/>
-          <a:lstStyle/>
-          <a:p>
-            <a:pPr algn="ctr"/>
-            <a:endParaRPr lang="ko-KR" altLang="en-US"/>
-          </a:p>
-        </p:txBody>
-      </p:sp>
-      <p:sp>
-        <p:nvSpPr>
-          <p:cNvPr id="9" name="직사각형 8"/>
-          <p:cNvSpPr/>
-          <p:nvPr/>
-        </p:nvSpPr>
-        <p:spPr>
-          <a:xfrm>
-            <a:off x="1035781" y="4662594"/>
-            <a:ext cx="1466462" cy="284205"/>
-          </a:xfrm>
-          <a:prstGeom prst="rect">
-            <a:avLst/>
-          </a:prstGeom>
-          <a:noFill/>
-          <a:ln w="28575"/>
-        </p:spPr>
-        <p:style>
-          <a:lnRef idx="2">
-            <a:schemeClr val="accent2"/>
-          </a:lnRef>
-          <a:fillRef idx="1">
-            <a:schemeClr val="lt1"/>
-          </a:fillRef>
-          <a:effectRef idx="0">
-            <a:schemeClr val="accent2"/>
-          </a:effectRef>
-          <a:fontRef idx="minor">
-            <a:schemeClr val="dk1"/>
-          </a:fontRef>
-        </p:style>
-        <p:txBody>
-          <a:bodyPr rtlCol="0" anchor="ctr"/>
-          <a:lstStyle/>
-          <a:p>
-            <a:pPr algn="ctr"/>
-            <a:endParaRPr lang="ko-KR" altLang="en-US"/>
+              <a:rPr lang="en-US" altLang="ko-KR" dirty="0"/>
+              <a:t>Complete Program Setting: Static signal Plan</a:t>
+            </a:r>
+            <a:br>
+              <a:rPr lang="en-US" altLang="ko-KR" dirty="0"/>
+            </a:br>
+            <a:r>
+              <a:rPr lang="en-US" altLang="ko-KR" dirty="0"/>
+              <a:t>- </a:t>
+            </a:r>
+            <a:r>
+              <a:rPr lang="en-US" altLang="ko-KR" dirty="0" err="1"/>
+              <a:t>setProgramLogic</a:t>
+            </a:r>
+            <a:r>
+              <a:rPr lang="en-US" altLang="ko-KR" dirty="0"/>
+              <a:t> : </a:t>
+            </a:r>
+            <a:r>
+              <a:rPr lang="ko-KR" altLang="en-US" dirty="0"/>
+              <a:t>현재 가지고 있는 </a:t>
+            </a:r>
+            <a:r>
+              <a:rPr lang="en-US" altLang="ko-KR" dirty="0"/>
+              <a:t>phase set</a:t>
+            </a:r>
+            <a:r>
+              <a:rPr lang="ko-KR" altLang="en-US" dirty="0"/>
+              <a:t>을 지정한대로 바꿈</a:t>
+            </a:r>
           </a:p>
         </p:txBody>
       </p:sp>
     </p:spTree>
     <p:extLst>
       <p:ext uri="{BB962C8B-B14F-4D97-AF65-F5344CB8AC3E}">
-        <p14:creationId xmlns:p14="http://schemas.microsoft.com/office/powerpoint/2010/main" val="1192784744"/>
+        <p14:creationId xmlns:p14="http://schemas.microsoft.com/office/powerpoint/2010/main" val="2073866497"/>
       </p:ext>
     </p:extLst>
   </p:cSld>
@@ -8000,322 +7458,715 @@
           <a:p>
             <a:r>
               <a:rPr lang="en-US" altLang="ko-KR" dirty="0"/>
-              <a:t>Defining New TLS-Programs</a:t>
-            </a:r>
-            <a:endParaRPr lang="ko-KR" altLang="en-US" dirty="0"/>
-          </a:p>
-        </p:txBody>
-      </p:sp>
-      <p:sp>
-        <p:nvSpPr>
-          <p:cNvPr id="3" name="내용 개체 틀 2"/>
-          <p:cNvSpPr>
-            <a:spLocks noGrp="1"/>
-          </p:cNvSpPr>
+              <a:t>SUMO Network </a:t>
+            </a:r>
+            <a:r>
+              <a:rPr lang="ko-KR" altLang="en-US" dirty="0"/>
+              <a:t>제작</a:t>
+            </a:r>
+          </a:p>
+        </p:txBody>
+      </p:sp>
+      <p:pic>
+        <p:nvPicPr>
+          <p:cNvPr id="4" name="내용 개체 틀 3"/>
+          <p:cNvPicPr>
+            <a:picLocks noGrp="1" noChangeAspect="1"/>
+          </p:cNvPicPr>
           <p:nvPr>
             <p:ph idx="1"/>
           </p:nvPr>
-        </p:nvSpPr>
-        <p:spPr/>
-        <p:txBody>
-          <a:bodyPr/>
-          <a:lstStyle/>
-          <a:p>
-            <a:r>
-              <a:rPr lang="en-US" altLang="ko-KR" dirty="0"/>
-              <a:t>TLS state </a:t>
-            </a:r>
-            <a:r>
-              <a:rPr lang="ko-KR" altLang="en-US" dirty="0"/>
-              <a:t>부여 방식</a:t>
+        </p:nvPicPr>
+        <p:blipFill>
+          <a:blip r:embed="rId2"/>
+          <a:stretch>
+            <a:fillRect/>
+          </a:stretch>
+        </p:blipFill>
+        <p:spPr>
+          <a:xfrm>
+            <a:off x="3356734" y="1806343"/>
+            <a:ext cx="2574283" cy="1906265"/>
+          </a:xfrm>
+          <a:prstGeom prst="rect">
+            <a:avLst/>
+          </a:prstGeom>
+        </p:spPr>
+      </p:pic>
+      <p:pic>
+        <p:nvPicPr>
+          <p:cNvPr id="5" name="그림 4"/>
+          <p:cNvPicPr>
+            <a:picLocks noChangeAspect="1"/>
+          </p:cNvPicPr>
+          <p:nvPr/>
+        </p:nvPicPr>
+        <p:blipFill>
+          <a:blip r:embed="rId3"/>
+          <a:stretch>
+            <a:fillRect/>
+          </a:stretch>
+        </p:blipFill>
+        <p:spPr>
+          <a:xfrm>
+            <a:off x="1240293" y="1797907"/>
+            <a:ext cx="2162555" cy="1918416"/>
+          </a:xfrm>
+          <a:prstGeom prst="rect">
+            <a:avLst/>
+          </a:prstGeom>
+        </p:spPr>
+      </p:pic>
+      <p:sp>
+        <p:nvSpPr>
+          <p:cNvPr id="3" name="TextBox 2"/>
+          <p:cNvSpPr txBox="1"/>
+          <p:nvPr/>
+        </p:nvSpPr>
+        <p:spPr>
+          <a:xfrm>
+            <a:off x="1355463" y="3652922"/>
+            <a:ext cx="1932214" cy="370075"/>
+          </a:xfrm>
+          <a:prstGeom prst="rect">
+            <a:avLst/>
+          </a:prstGeom>
+          <a:noFill/>
+        </p:spPr>
+        <p:txBody>
+          <a:bodyPr wrap="square" rtlCol="0">
+            <a:spAutoFit/>
+          </a:bodyPr>
+          <a:lstStyle/>
+          <a:p>
+            <a:pPr algn="ctr"/>
+            <a:r>
+              <a:rPr lang="en-US" altLang="ko-KR" dirty="0"/>
+              <a:t>2x2 grid</a:t>
+            </a:r>
+            <a:endParaRPr lang="ko-KR" altLang="en-US" dirty="0"/>
+          </a:p>
+        </p:txBody>
+      </p:sp>
+      <p:sp>
+        <p:nvSpPr>
+          <p:cNvPr id="6" name="TextBox 5"/>
+          <p:cNvSpPr txBox="1"/>
+          <p:nvPr/>
+        </p:nvSpPr>
+        <p:spPr>
+          <a:xfrm>
+            <a:off x="3677768" y="3656633"/>
+            <a:ext cx="1932214" cy="370075"/>
+          </a:xfrm>
+          <a:prstGeom prst="rect">
+            <a:avLst/>
+          </a:prstGeom>
+          <a:noFill/>
+        </p:spPr>
+        <p:txBody>
+          <a:bodyPr wrap="square" rtlCol="0">
+            <a:spAutoFit/>
+          </a:bodyPr>
+          <a:lstStyle/>
+          <a:p>
+            <a:pPr algn="ctr"/>
+            <a:r>
+              <a:rPr lang="en-US" altLang="ko-KR" dirty="0"/>
+              <a:t>3x3 grid</a:t>
+            </a:r>
+            <a:endParaRPr lang="ko-KR" altLang="en-US" dirty="0"/>
+          </a:p>
+        </p:txBody>
+      </p:sp>
+      <p:pic>
+        <p:nvPicPr>
+          <p:cNvPr id="8" name="그림 7">
+            <a:extLst>
+              <a:ext uri="{FF2B5EF4-FFF2-40B4-BE49-F238E27FC236}">
+                <a16:creationId xmlns:a16="http://schemas.microsoft.com/office/drawing/2014/main" id="{A92F9A51-9B07-45DB-B88F-8FCDE741F757}"/>
+              </a:ext>
+            </a:extLst>
+          </p:cNvPr>
+          <p:cNvPicPr>
+            <a:picLocks noChangeAspect="1"/>
+          </p:cNvPicPr>
+          <p:nvPr/>
+        </p:nvPicPr>
+        <p:blipFill>
+          <a:blip r:embed="rId4"/>
+          <a:stretch>
+            <a:fillRect/>
+          </a:stretch>
+        </p:blipFill>
+        <p:spPr>
+          <a:xfrm flipV="1">
+            <a:off x="1355463" y="4022997"/>
+            <a:ext cx="1932214" cy="1956427"/>
+          </a:xfrm>
+          <a:prstGeom prst="rect">
+            <a:avLst/>
+          </a:prstGeom>
+        </p:spPr>
+      </p:pic>
+      <p:pic>
+        <p:nvPicPr>
+          <p:cNvPr id="10" name="그림 9">
+            <a:extLst>
+              <a:ext uri="{FF2B5EF4-FFF2-40B4-BE49-F238E27FC236}">
+                <a16:creationId xmlns:a16="http://schemas.microsoft.com/office/drawing/2014/main" id="{802B28B4-CB41-4871-BB14-F34FCAEB227C}"/>
+              </a:ext>
+            </a:extLst>
+          </p:cNvPr>
+          <p:cNvPicPr>
+            <a:picLocks noChangeAspect="1"/>
+          </p:cNvPicPr>
+          <p:nvPr/>
+        </p:nvPicPr>
+        <p:blipFill>
+          <a:blip r:embed="rId5"/>
+          <a:stretch>
+            <a:fillRect/>
+          </a:stretch>
+        </p:blipFill>
+        <p:spPr>
+          <a:xfrm flipV="1">
+            <a:off x="3677768" y="4022995"/>
+            <a:ext cx="1939267" cy="1956429"/>
+          </a:xfrm>
+          <a:prstGeom prst="rect">
+            <a:avLst/>
+          </a:prstGeom>
+        </p:spPr>
+      </p:pic>
+      <p:sp>
+        <p:nvSpPr>
+          <p:cNvPr id="11" name="TextBox 10">
+            <a:extLst>
+              <a:ext uri="{FF2B5EF4-FFF2-40B4-BE49-F238E27FC236}">
+                <a16:creationId xmlns:a16="http://schemas.microsoft.com/office/drawing/2014/main" id="{9DD3111B-EF61-4985-975B-93B4A14FC54E}"/>
+              </a:ext>
+            </a:extLst>
+          </p:cNvPr>
+          <p:cNvSpPr txBox="1"/>
+          <p:nvPr/>
+        </p:nvSpPr>
+        <p:spPr>
+          <a:xfrm>
+            <a:off x="1347024" y="5923061"/>
+            <a:ext cx="1932214" cy="370075"/>
+          </a:xfrm>
+          <a:prstGeom prst="rect">
+            <a:avLst/>
+          </a:prstGeom>
+          <a:noFill/>
+        </p:spPr>
+        <p:txBody>
+          <a:bodyPr wrap="square" rtlCol="0">
+            <a:spAutoFit/>
+          </a:bodyPr>
+          <a:lstStyle/>
+          <a:p>
+            <a:pPr algn="ctr"/>
+            <a:r>
+              <a:rPr lang="en-US" altLang="ko-KR" dirty="0"/>
+              <a:t>8x8 grid</a:t>
+            </a:r>
+            <a:endParaRPr lang="ko-KR" altLang="en-US" dirty="0"/>
+          </a:p>
+        </p:txBody>
+      </p:sp>
+      <p:sp>
+        <p:nvSpPr>
+          <p:cNvPr id="12" name="TextBox 11">
+            <a:extLst>
+              <a:ext uri="{FF2B5EF4-FFF2-40B4-BE49-F238E27FC236}">
+                <a16:creationId xmlns:a16="http://schemas.microsoft.com/office/drawing/2014/main" id="{DEFB7A8F-7080-4B11-9AFC-E7492CFF2986}"/>
+              </a:ext>
+            </a:extLst>
+          </p:cNvPr>
+          <p:cNvSpPr txBox="1"/>
+          <p:nvPr/>
+        </p:nvSpPr>
+        <p:spPr>
+          <a:xfrm>
+            <a:off x="3680564" y="5932848"/>
+            <a:ext cx="1932214" cy="370075"/>
+          </a:xfrm>
+          <a:prstGeom prst="rect">
+            <a:avLst/>
+          </a:prstGeom>
+          <a:noFill/>
+        </p:spPr>
+        <p:txBody>
+          <a:bodyPr wrap="square" rtlCol="0">
+            <a:spAutoFit/>
+          </a:bodyPr>
+          <a:lstStyle/>
+          <a:p>
+            <a:pPr algn="ctr"/>
+            <a:r>
+              <a:rPr lang="en-US" altLang="ko-KR" dirty="0"/>
+              <a:t>7x7 grid</a:t>
+            </a:r>
+            <a:endParaRPr lang="ko-KR" altLang="en-US" dirty="0"/>
+          </a:p>
+        </p:txBody>
+      </p:sp>
+      <p:sp>
+        <p:nvSpPr>
+          <p:cNvPr id="13" name="내용 개체 틀 2">
+            <a:extLst>
+              <a:ext uri="{FF2B5EF4-FFF2-40B4-BE49-F238E27FC236}">
+                <a16:creationId xmlns:a16="http://schemas.microsoft.com/office/drawing/2014/main" id="{548A095F-87DE-4CEA-B7C3-002F1472B6DD}"/>
+              </a:ext>
+            </a:extLst>
+          </p:cNvPr>
+          <p:cNvSpPr txBox="1">
+            <a:spLocks/>
+          </p:cNvSpPr>
+          <p:nvPr/>
+        </p:nvSpPr>
+        <p:spPr>
+          <a:xfrm>
+            <a:off x="5884902" y="1845734"/>
+            <a:ext cx="5270778" cy="4023360"/>
+          </a:xfrm>
+          <a:prstGeom prst="rect">
+            <a:avLst/>
+          </a:prstGeom>
+        </p:spPr>
+        <p:txBody>
+          <a:bodyPr vert="horz" lIns="0" tIns="45720" rIns="0" bIns="45720" rtlCol="0">
+            <a:normAutofit/>
+          </a:bodyPr>
+          <a:lstStyle>
+            <a:lvl1pPr marL="91440" indent="-91440" algn="l" defTabSz="914400" rtl="0" eaLnBrk="1" latinLnBrk="1" hangingPunct="1">
+              <a:lnSpc>
+                <a:spcPct val="90000"/>
+              </a:lnSpc>
+              <a:spcBef>
+                <a:spcPts val="1200"/>
+              </a:spcBef>
+              <a:spcAft>
+                <a:spcPts val="200"/>
+              </a:spcAft>
+              <a:buClr>
+                <a:schemeClr val="accent1"/>
+              </a:buClr>
+              <a:buSzPct val="100000"/>
+              <a:buFont typeface="Wingdings" panose="05000000000000000000" pitchFamily="2" charset="2"/>
+              <a:buChar char="§"/>
+              <a:defRPr sz="2000" kern="1200">
+                <a:solidFill>
+                  <a:schemeClr val="tx1">
+                    <a:lumMod val="75000"/>
+                    <a:lumOff val="25000"/>
+                  </a:schemeClr>
+                </a:solidFill>
+                <a:latin typeface="+mn-lt"/>
+                <a:ea typeface="+mn-ea"/>
+                <a:cs typeface="+mn-cs"/>
+              </a:defRPr>
+            </a:lvl1pPr>
+            <a:lvl2pPr marL="544068" indent="-342900" algn="l" defTabSz="914400" rtl="0" eaLnBrk="1" latinLnBrk="1" hangingPunct="1">
+              <a:lnSpc>
+                <a:spcPct val="90000"/>
+              </a:lnSpc>
+              <a:spcBef>
+                <a:spcPts val="200"/>
+              </a:spcBef>
+              <a:spcAft>
+                <a:spcPts val="400"/>
+              </a:spcAft>
+              <a:buClr>
+                <a:schemeClr val="accent1"/>
+              </a:buClr>
+              <a:buFont typeface="+mj-lt"/>
+              <a:buAutoNum type="arabicPeriod"/>
+              <a:defRPr sz="1800" kern="1200">
+                <a:solidFill>
+                  <a:schemeClr val="tx1">
+                    <a:lumMod val="75000"/>
+                    <a:lumOff val="25000"/>
+                  </a:schemeClr>
+                </a:solidFill>
+                <a:latin typeface="+mn-lt"/>
+                <a:ea typeface="+mn-ea"/>
+                <a:cs typeface="+mn-cs"/>
+              </a:defRPr>
+            </a:lvl2pPr>
+            <a:lvl3pPr marL="726948" indent="-342900" algn="l" defTabSz="914400" rtl="0" eaLnBrk="1" latinLnBrk="1" hangingPunct="1">
+              <a:lnSpc>
+                <a:spcPct val="90000"/>
+              </a:lnSpc>
+              <a:spcBef>
+                <a:spcPts val="200"/>
+              </a:spcBef>
+              <a:spcAft>
+                <a:spcPts val="400"/>
+              </a:spcAft>
+              <a:buClr>
+                <a:schemeClr val="accent1"/>
+              </a:buClr>
+              <a:buFont typeface="+mj-lt"/>
+              <a:buAutoNum type="arabicParenR"/>
+              <a:defRPr sz="1400" kern="1200">
+                <a:solidFill>
+                  <a:schemeClr val="tx1">
+                    <a:lumMod val="75000"/>
+                    <a:lumOff val="25000"/>
+                  </a:schemeClr>
+                </a:solidFill>
+                <a:latin typeface="+mn-lt"/>
+                <a:ea typeface="+mn-ea"/>
+                <a:cs typeface="+mn-cs"/>
+              </a:defRPr>
+            </a:lvl3pPr>
+            <a:lvl4pPr marL="749808" indent="-182880" algn="l" defTabSz="914400" rtl="0" eaLnBrk="1" latinLnBrk="1" hangingPunct="1">
+              <a:lnSpc>
+                <a:spcPct val="90000"/>
+              </a:lnSpc>
+              <a:spcBef>
+                <a:spcPts val="200"/>
+              </a:spcBef>
+              <a:spcAft>
+                <a:spcPts val="400"/>
+              </a:spcAft>
+              <a:buClr>
+                <a:schemeClr val="accent1"/>
+              </a:buClr>
+              <a:buFont typeface="Arial" panose="020B0604020202020204" pitchFamily="34" charset="0"/>
+              <a:buChar char="•"/>
+              <a:defRPr sz="1400" kern="1200">
+                <a:solidFill>
+                  <a:schemeClr val="tx1">
+                    <a:lumMod val="75000"/>
+                    <a:lumOff val="25000"/>
+                  </a:schemeClr>
+                </a:solidFill>
+                <a:latin typeface="+mn-lt"/>
+                <a:ea typeface="+mn-ea"/>
+                <a:cs typeface="+mn-cs"/>
+              </a:defRPr>
+            </a:lvl4pPr>
+            <a:lvl5pPr marL="932688" indent="-182880" algn="l" defTabSz="914400" rtl="0" eaLnBrk="1" latinLnBrk="1" hangingPunct="1">
+              <a:lnSpc>
+                <a:spcPct val="90000"/>
+              </a:lnSpc>
+              <a:spcBef>
+                <a:spcPts val="200"/>
+              </a:spcBef>
+              <a:spcAft>
+                <a:spcPts val="400"/>
+              </a:spcAft>
+              <a:buClr>
+                <a:schemeClr val="accent1"/>
+              </a:buClr>
+              <a:buFont typeface="Wingdings" panose="05000000000000000000" pitchFamily="2" charset="2"/>
+              <a:buChar char="Ø"/>
+              <a:defRPr sz="1400" kern="1200">
+                <a:solidFill>
+                  <a:schemeClr val="tx1">
+                    <a:lumMod val="75000"/>
+                    <a:lumOff val="25000"/>
+                  </a:schemeClr>
+                </a:solidFill>
+                <a:latin typeface="+mn-lt"/>
+                <a:ea typeface="+mn-ea"/>
+                <a:cs typeface="+mn-cs"/>
+              </a:defRPr>
+            </a:lvl5pPr>
+            <a:lvl6pPr marL="1100000" indent="-228600" algn="l" defTabSz="914400" rtl="0" eaLnBrk="1" latinLnBrk="1" hangingPunct="1">
+              <a:lnSpc>
+                <a:spcPct val="90000"/>
+              </a:lnSpc>
+              <a:spcBef>
+                <a:spcPts val="200"/>
+              </a:spcBef>
+              <a:spcAft>
+                <a:spcPts val="400"/>
+              </a:spcAft>
+              <a:buClr>
+                <a:schemeClr val="accent1"/>
+              </a:buClr>
+              <a:buFont typeface="Calibri" pitchFamily="34" charset="0"/>
+              <a:buChar char="◦"/>
+              <a:defRPr sz="1400" kern="1200">
+                <a:solidFill>
+                  <a:schemeClr val="tx1">
+                    <a:lumMod val="75000"/>
+                    <a:lumOff val="25000"/>
+                  </a:schemeClr>
+                </a:solidFill>
+                <a:latin typeface="+mn-lt"/>
+                <a:ea typeface="+mn-ea"/>
+                <a:cs typeface="+mn-cs"/>
+              </a:defRPr>
+            </a:lvl6pPr>
+            <a:lvl7pPr marL="1300000" indent="-228600" algn="l" defTabSz="914400" rtl="0" eaLnBrk="1" latinLnBrk="1" hangingPunct="1">
+              <a:lnSpc>
+                <a:spcPct val="90000"/>
+              </a:lnSpc>
+              <a:spcBef>
+                <a:spcPts val="200"/>
+              </a:spcBef>
+              <a:spcAft>
+                <a:spcPts val="400"/>
+              </a:spcAft>
+              <a:buClr>
+                <a:schemeClr val="accent1"/>
+              </a:buClr>
+              <a:buFont typeface="Calibri" pitchFamily="34" charset="0"/>
+              <a:buChar char="◦"/>
+              <a:defRPr sz="1400" kern="1200">
+                <a:solidFill>
+                  <a:schemeClr val="tx1">
+                    <a:lumMod val="75000"/>
+                    <a:lumOff val="25000"/>
+                  </a:schemeClr>
+                </a:solidFill>
+                <a:latin typeface="+mn-lt"/>
+                <a:ea typeface="+mn-ea"/>
+                <a:cs typeface="+mn-cs"/>
+              </a:defRPr>
+            </a:lvl7pPr>
+            <a:lvl8pPr marL="1500000" indent="-228600" algn="l" defTabSz="914400" rtl="0" eaLnBrk="1" latinLnBrk="1" hangingPunct="1">
+              <a:lnSpc>
+                <a:spcPct val="90000"/>
+              </a:lnSpc>
+              <a:spcBef>
+                <a:spcPts val="200"/>
+              </a:spcBef>
+              <a:spcAft>
+                <a:spcPts val="400"/>
+              </a:spcAft>
+              <a:buClr>
+                <a:schemeClr val="accent1"/>
+              </a:buClr>
+              <a:buFont typeface="Calibri" pitchFamily="34" charset="0"/>
+              <a:buChar char="◦"/>
+              <a:defRPr sz="1400" kern="1200">
+                <a:solidFill>
+                  <a:schemeClr val="tx1">
+                    <a:lumMod val="75000"/>
+                    <a:lumOff val="25000"/>
+                  </a:schemeClr>
+                </a:solidFill>
+                <a:latin typeface="+mn-lt"/>
+                <a:ea typeface="+mn-ea"/>
+                <a:cs typeface="+mn-cs"/>
+              </a:defRPr>
+            </a:lvl8pPr>
+            <a:lvl9pPr marL="1700000" indent="-228600" algn="l" defTabSz="914400" rtl="0" eaLnBrk="1" latinLnBrk="1" hangingPunct="1">
+              <a:lnSpc>
+                <a:spcPct val="90000"/>
+              </a:lnSpc>
+              <a:spcBef>
+                <a:spcPts val="200"/>
+              </a:spcBef>
+              <a:spcAft>
+                <a:spcPts val="400"/>
+              </a:spcAft>
+              <a:buClr>
+                <a:schemeClr val="accent1"/>
+              </a:buClr>
+              <a:buFont typeface="Calibri" pitchFamily="34" charset="0"/>
+              <a:buChar char="◦"/>
+              <a:defRPr sz="1400" kern="1200">
+                <a:solidFill>
+                  <a:schemeClr val="tx1">
+                    <a:lumMod val="75000"/>
+                    <a:lumOff val="25000"/>
+                  </a:schemeClr>
+                </a:solidFill>
+                <a:latin typeface="+mn-lt"/>
+                <a:ea typeface="+mn-ea"/>
+                <a:cs typeface="+mn-cs"/>
+              </a:defRPr>
+            </a:lvl9pPr>
+          </a:lstStyle>
+          <a:p>
+            <a:r>
+              <a:rPr lang="en-US" altLang="ko-KR" dirty="0"/>
+              <a:t> 1x1</a:t>
+            </a:r>
+            <a:r>
+              <a:rPr lang="ko-KR" altLang="en-US" dirty="0"/>
+              <a:t>부터 </a:t>
+            </a:r>
+            <a:r>
+              <a:rPr lang="en-US" altLang="ko-KR" dirty="0"/>
+              <a:t>9x9</a:t>
+            </a:r>
+            <a:r>
+              <a:rPr lang="ko-KR" altLang="en-US" dirty="0"/>
+              <a:t>까지 자유롭게 네트워크 생성 가능</a:t>
+            </a:r>
+            <a:endParaRPr lang="en-US" altLang="ko-KR" dirty="0"/>
+          </a:p>
+          <a:p>
+            <a:r>
+              <a:rPr lang="en-US" altLang="ko-KR" dirty="0"/>
+              <a:t> flow</a:t>
+            </a:r>
+            <a:r>
+              <a:rPr lang="ko-KR" altLang="en-US" dirty="0"/>
+              <a:t> </a:t>
+            </a:r>
+            <a:r>
+              <a:rPr lang="en-US" altLang="ko-KR" dirty="0"/>
+              <a:t>vehicle</a:t>
+            </a:r>
+            <a:r>
+              <a:rPr lang="ko-KR" altLang="en-US" dirty="0"/>
+              <a:t> 지정도 자동으로 가능</a:t>
+            </a:r>
+            <a:endParaRPr lang="en-US" altLang="ko-KR" dirty="0"/>
+          </a:p>
+          <a:p>
+            <a:r>
+              <a:rPr lang="ko-KR" altLang="en-US" dirty="0"/>
+              <a:t> </a:t>
+            </a:r>
+            <a:r>
+              <a:rPr lang="en-US" altLang="ko-KR" dirty="0"/>
+              <a:t>flow vehicle </a:t>
+            </a:r>
+            <a:r>
+              <a:rPr lang="ko-KR" altLang="en-US" dirty="0"/>
+              <a:t>의 </a:t>
+            </a:r>
+            <a:r>
+              <a:rPr lang="en-US" altLang="ko-KR" dirty="0"/>
+              <a:t>via(</a:t>
+            </a:r>
+            <a:r>
+              <a:rPr lang="ko-KR" altLang="en-US" dirty="0"/>
+              <a:t>강제 경로 설정</a:t>
+            </a:r>
+            <a:r>
+              <a:rPr lang="en-US" altLang="ko-KR" dirty="0"/>
+              <a:t>)</a:t>
+            </a:r>
+            <a:r>
+              <a:rPr lang="ko-KR" altLang="en-US" dirty="0"/>
+              <a:t> 설정 </a:t>
+            </a:r>
+            <a:r>
+              <a:rPr lang="en-US" altLang="ko-KR" dirty="0"/>
+              <a:t>X</a:t>
             </a:r>
             <a:br>
               <a:rPr lang="en-US" altLang="ko-KR" dirty="0"/>
             </a:br>
             <a:r>
-              <a:rPr lang="en-US" altLang="ko-KR" dirty="0"/>
-              <a:t>- </a:t>
-            </a:r>
-            <a:r>
-              <a:rPr lang="ko-KR" altLang="en-US" dirty="0"/>
-              <a:t>순서대로 부여하되</a:t>
-            </a:r>
-            <a:r>
-              <a:rPr lang="en-US" altLang="ko-KR" dirty="0"/>
-              <a:t>, lane</a:t>
-            </a:r>
-            <a:r>
-              <a:rPr lang="ko-KR" altLang="en-US" dirty="0"/>
-              <a:t>의 방향 별로 부여</a:t>
-            </a:r>
-            <a:br>
-              <a:rPr lang="en-US" altLang="ko-KR" dirty="0"/>
-            </a:br>
-            <a:r>
-              <a:rPr lang="en-US" altLang="ko-KR" dirty="0"/>
-              <a:t>- 0</a:t>
-            </a:r>
-            <a:r>
-              <a:rPr lang="ko-KR" altLang="en-US" dirty="0"/>
-              <a:t>번에서 총 </a:t>
-            </a:r>
-            <a:r>
-              <a:rPr lang="en-US" altLang="ko-KR" dirty="0"/>
-              <a:t>7</a:t>
-            </a:r>
-            <a:r>
-              <a:rPr lang="ko-KR" altLang="en-US" dirty="0"/>
-              <a:t>가지 </a:t>
-            </a:r>
-            <a:r>
-              <a:rPr lang="en-US" altLang="ko-KR" dirty="0"/>
-              <a:t>state</a:t>
-            </a:r>
-            <a:r>
-              <a:rPr lang="ko-KR" altLang="en-US" dirty="0"/>
-              <a:t>가 존재</a:t>
-            </a:r>
-            <a:endParaRPr lang="en-US" altLang="ko-KR" dirty="0"/>
-          </a:p>
-          <a:p>
-            <a:endParaRPr lang="en-US" altLang="ko-KR" dirty="0"/>
-          </a:p>
-          <a:p>
-            <a:r>
-              <a:rPr lang="en-US" altLang="ko-KR" dirty="0"/>
-              <a:t>Junction </a:t>
-            </a:r>
-            <a:r>
-              <a:rPr lang="ko-KR" altLang="en-US" dirty="0"/>
-              <a:t>형태 </a:t>
-            </a:r>
-            <a:r>
-              <a:rPr lang="ko-KR" altLang="en-US" dirty="0" err="1"/>
-              <a:t>설정시</a:t>
-            </a:r>
-            <a:r>
-              <a:rPr lang="ko-KR" altLang="en-US" dirty="0"/>
-              <a:t> 개수 조절 가능</a:t>
-            </a:r>
-            <a:br>
-              <a:rPr lang="en-US" altLang="ko-KR" dirty="0"/>
-            </a:br>
-            <a:endParaRPr lang="en-US" altLang="ko-KR" dirty="0"/>
-          </a:p>
-          <a:p>
-            <a:r>
-              <a:rPr lang="en-US" altLang="ko-KR" dirty="0"/>
-              <a:t>Connection </a:t>
-            </a:r>
-            <a:r>
-              <a:rPr lang="ko-KR" altLang="en-US" dirty="0"/>
-              <a:t>설정으로 </a:t>
-            </a:r>
-            <a:r>
-              <a:rPr lang="en-US" altLang="ko-KR" dirty="0"/>
-              <a:t>Merge </a:t>
-            </a:r>
-            <a:r>
-              <a:rPr lang="ko-KR" altLang="en-US" dirty="0"/>
-              <a:t>형태 조절 가능</a:t>
-            </a:r>
-          </a:p>
-        </p:txBody>
-      </p:sp>
-      <p:grpSp>
-        <p:nvGrpSpPr>
-          <p:cNvPr id="9" name="그룹 8"/>
-          <p:cNvGrpSpPr/>
-          <p:nvPr/>
-        </p:nvGrpSpPr>
-        <p:grpSpPr>
-          <a:xfrm>
-            <a:off x="6915680" y="1737360"/>
-            <a:ext cx="4359862" cy="4227535"/>
-            <a:chOff x="6304020" y="1964724"/>
-            <a:chExt cx="4359862" cy="4227535"/>
-          </a:xfrm>
-        </p:grpSpPr>
-        <p:pic>
-          <p:nvPicPr>
-            <p:cNvPr id="4" name="그림 3"/>
-            <p:cNvPicPr>
-              <a:picLocks noChangeAspect="1"/>
-            </p:cNvPicPr>
-            <p:nvPr/>
-          </p:nvPicPr>
-          <p:blipFill rotWithShape="1">
-            <a:blip r:embed="rId2"/>
-            <a:srcRect t="3080" r="8579"/>
-            <a:stretch/>
-          </p:blipFill>
-          <p:spPr>
-            <a:xfrm>
-              <a:off x="6304020" y="2094470"/>
-              <a:ext cx="4359862" cy="4083029"/>
-            </a:xfrm>
-            <a:prstGeom prst="rect">
-              <a:avLst/>
-            </a:prstGeom>
-          </p:spPr>
-        </p:pic>
-        <p:sp>
-          <p:nvSpPr>
-            <p:cNvPr id="5" name="TextBox 4"/>
-            <p:cNvSpPr txBox="1"/>
-            <p:nvPr/>
-          </p:nvSpPr>
-          <p:spPr>
-            <a:xfrm>
-              <a:off x="8439665" y="1964724"/>
-              <a:ext cx="586946" cy="646331"/>
-            </a:xfrm>
-            <a:prstGeom prst="rect">
-              <a:avLst/>
-            </a:prstGeom>
-            <a:noFill/>
-          </p:spPr>
-          <p:txBody>
-            <a:bodyPr wrap="square" rtlCol="0">
-              <a:spAutoFit/>
-            </a:bodyPr>
-            <a:lstStyle/>
-            <a:p>
-              <a:r>
-                <a:rPr lang="en-US" altLang="ko-KR" sz="3600" b="1" dirty="0">
-                  <a:solidFill>
-                    <a:srgbClr val="FFFF00"/>
-                  </a:solidFill>
-                </a:rPr>
-                <a:t>0</a:t>
-              </a:r>
-              <a:endParaRPr lang="ko-KR" altLang="en-US" sz="3600" b="1" dirty="0">
-                <a:solidFill>
-                  <a:srgbClr val="FFFF00"/>
-                </a:solidFill>
-              </a:endParaRPr>
-            </a:p>
-          </p:txBody>
-        </p:sp>
-        <p:sp>
-          <p:nvSpPr>
-            <p:cNvPr id="6" name="TextBox 5"/>
-            <p:cNvSpPr txBox="1"/>
-            <p:nvPr/>
-          </p:nvSpPr>
-          <p:spPr>
-            <a:xfrm>
-              <a:off x="9944719" y="4071111"/>
-              <a:ext cx="586946" cy="646331"/>
-            </a:xfrm>
-            <a:prstGeom prst="rect">
-              <a:avLst/>
-            </a:prstGeom>
-            <a:noFill/>
-          </p:spPr>
-          <p:txBody>
-            <a:bodyPr wrap="square" rtlCol="0">
-              <a:spAutoFit/>
-            </a:bodyPr>
-            <a:lstStyle/>
-            <a:p>
-              <a:r>
-                <a:rPr lang="en-US" altLang="ko-KR" sz="3600" b="1" dirty="0">
-                  <a:solidFill>
-                    <a:srgbClr val="FFFF00"/>
-                  </a:solidFill>
-                </a:rPr>
-                <a:t>1</a:t>
-              </a:r>
-              <a:endParaRPr lang="ko-KR" altLang="en-US" sz="3600" b="1" dirty="0">
-                <a:solidFill>
-                  <a:srgbClr val="FFFF00"/>
-                </a:solidFill>
-              </a:endParaRPr>
-            </a:p>
-          </p:txBody>
-        </p:sp>
-        <p:sp>
-          <p:nvSpPr>
-            <p:cNvPr id="7" name="TextBox 6"/>
-            <p:cNvSpPr txBox="1"/>
-            <p:nvPr/>
-          </p:nvSpPr>
-          <p:spPr>
-            <a:xfrm>
-              <a:off x="8080570" y="5545928"/>
-              <a:ext cx="586946" cy="646331"/>
-            </a:xfrm>
-            <a:prstGeom prst="rect">
-              <a:avLst/>
-            </a:prstGeom>
-            <a:noFill/>
-          </p:spPr>
-          <p:txBody>
-            <a:bodyPr wrap="square" rtlCol="0">
-              <a:spAutoFit/>
-            </a:bodyPr>
-            <a:lstStyle/>
-            <a:p>
-              <a:r>
-                <a:rPr lang="en-US" altLang="ko-KR" sz="3600" b="1" dirty="0">
-                  <a:solidFill>
-                    <a:srgbClr val="FFFF00"/>
-                  </a:solidFill>
-                </a:rPr>
-                <a:t>2</a:t>
-              </a:r>
-              <a:endParaRPr lang="ko-KR" altLang="en-US" sz="3600" b="1" dirty="0">
-                <a:solidFill>
-                  <a:srgbClr val="FFFF00"/>
-                </a:solidFill>
-              </a:endParaRPr>
-            </a:p>
-          </p:txBody>
-        </p:sp>
-        <p:sp>
-          <p:nvSpPr>
-            <p:cNvPr id="8" name="TextBox 7"/>
-            <p:cNvSpPr txBox="1"/>
-            <p:nvPr/>
-          </p:nvSpPr>
-          <p:spPr>
-            <a:xfrm>
-              <a:off x="6581620" y="3534248"/>
-              <a:ext cx="586946" cy="646331"/>
-            </a:xfrm>
-            <a:prstGeom prst="rect">
-              <a:avLst/>
-            </a:prstGeom>
-            <a:noFill/>
-          </p:spPr>
-          <p:txBody>
-            <a:bodyPr wrap="square" rtlCol="0">
-              <a:spAutoFit/>
-            </a:bodyPr>
-            <a:lstStyle/>
-            <a:p>
-              <a:r>
-                <a:rPr lang="en-US" altLang="ko-KR" sz="3600" b="1" dirty="0">
-                  <a:solidFill>
-                    <a:srgbClr val="FFFF00"/>
-                  </a:solidFill>
-                </a:rPr>
-                <a:t>3</a:t>
-              </a:r>
-              <a:endParaRPr lang="ko-KR" altLang="en-US" sz="3600" b="1" dirty="0">
-                <a:solidFill>
-                  <a:srgbClr val="FFFF00"/>
-                </a:solidFill>
-              </a:endParaRPr>
-            </a:p>
-          </p:txBody>
-        </p:sp>
-      </p:grpSp>
+              <a:rPr lang="en-US" altLang="ko-KR" dirty="0">
+                <a:sym typeface="Wingdings" panose="05000000000000000000" pitchFamily="2" charset="2"/>
+              </a:rPr>
+              <a:t> </a:t>
+            </a:r>
+            <a:r>
+              <a:rPr lang="ko-KR" altLang="en-US" dirty="0">
+                <a:sym typeface="Wingdings" panose="05000000000000000000" pitchFamily="2" charset="2"/>
+              </a:rPr>
+              <a:t>이후 실험에서 좌회전 비율에  따라 설정</a:t>
+            </a:r>
+            <a:endParaRPr lang="en-US" altLang="ko-KR" dirty="0">
+              <a:sym typeface="Wingdings" panose="05000000000000000000" pitchFamily="2" charset="2"/>
+            </a:endParaRPr>
+          </a:p>
+          <a:p>
+            <a:endParaRPr lang="en-US" altLang="ko-KR" dirty="0">
+              <a:sym typeface="Wingdings" panose="05000000000000000000" pitchFamily="2" charset="2"/>
+            </a:endParaRPr>
+          </a:p>
+          <a:p>
+            <a:r>
+              <a:rPr lang="en-US" altLang="ko-KR" dirty="0">
+                <a:sym typeface="Wingdings" panose="05000000000000000000" pitchFamily="2" charset="2"/>
+              </a:rPr>
+              <a:t> </a:t>
+            </a:r>
+            <a:r>
+              <a:rPr lang="ko-KR" altLang="en-US" dirty="0">
+                <a:sym typeface="Wingdings" panose="05000000000000000000" pitchFamily="2" charset="2"/>
+              </a:rPr>
+              <a:t>해야할 부분</a:t>
+            </a:r>
+            <a:endParaRPr lang="en-US" altLang="ko-KR" dirty="0">
+              <a:sym typeface="Wingdings" panose="05000000000000000000" pitchFamily="2" charset="2"/>
+            </a:endParaRPr>
+          </a:p>
+          <a:p>
+            <a:pPr lvl="1"/>
+            <a:r>
+              <a:rPr lang="en-US" altLang="ko-KR" dirty="0">
+                <a:sym typeface="Wingdings" panose="05000000000000000000" pitchFamily="2" charset="2"/>
+              </a:rPr>
+              <a:t>U-turn </a:t>
+            </a:r>
+            <a:r>
+              <a:rPr lang="ko-KR" altLang="en-US" dirty="0">
+                <a:sym typeface="Wingdings" panose="05000000000000000000" pitchFamily="2" charset="2"/>
+              </a:rPr>
+              <a:t>신호 </a:t>
+            </a:r>
+            <a:r>
+              <a:rPr lang="en-US" altLang="ko-KR" dirty="0">
+                <a:sym typeface="Wingdings" panose="05000000000000000000" pitchFamily="2" charset="2"/>
+              </a:rPr>
+              <a:t>connection </a:t>
+            </a:r>
+            <a:r>
+              <a:rPr lang="ko-KR" altLang="en-US" dirty="0">
+                <a:sym typeface="Wingdings" panose="05000000000000000000" pitchFamily="2" charset="2"/>
+              </a:rPr>
+              <a:t>제거</a:t>
+            </a:r>
+            <a:endParaRPr lang="en-US" altLang="ko-KR" dirty="0">
+              <a:sym typeface="Wingdings" panose="05000000000000000000" pitchFamily="2" charset="2"/>
+            </a:endParaRPr>
+          </a:p>
+          <a:p>
+            <a:pPr lvl="1"/>
+            <a:r>
+              <a:rPr lang="en-US" altLang="ko-KR" dirty="0">
+                <a:sym typeface="Wingdings" panose="05000000000000000000" pitchFamily="2" charset="2"/>
+              </a:rPr>
+              <a:t>Traffic light </a:t>
+            </a:r>
+            <a:r>
+              <a:rPr lang="ko-KR" altLang="en-US" dirty="0">
+                <a:sym typeface="Wingdings" panose="05000000000000000000" pitchFamily="2" charset="2"/>
+              </a:rPr>
+              <a:t>설정 </a:t>
+            </a:r>
+            <a:r>
+              <a:rPr lang="en-US" altLang="ko-KR" dirty="0">
+                <a:sym typeface="Wingdings" panose="05000000000000000000" pitchFamily="2" charset="2"/>
+              </a:rPr>
+              <a:t>(</a:t>
+            </a:r>
+            <a:r>
+              <a:rPr lang="ko-KR" altLang="en-US" dirty="0">
+                <a:sym typeface="Wingdings" panose="05000000000000000000" pitchFamily="2" charset="2"/>
+              </a:rPr>
+              <a:t>논의 필요</a:t>
+            </a:r>
+            <a:r>
+              <a:rPr lang="en-US" altLang="ko-KR" dirty="0">
+                <a:sym typeface="Wingdings" panose="05000000000000000000" pitchFamily="2" charset="2"/>
+              </a:rPr>
+              <a:t>)</a:t>
+            </a:r>
+          </a:p>
+        </p:txBody>
+      </p:sp>
     </p:spTree>
     <p:extLst>
       <p:ext uri="{BB962C8B-B14F-4D97-AF65-F5344CB8AC3E}">
-        <p14:creationId xmlns:p14="http://schemas.microsoft.com/office/powerpoint/2010/main" val="2494905478"/>
+        <p14:creationId xmlns:p14="http://schemas.microsoft.com/office/powerpoint/2010/main" val="3442138415"/>
       </p:ext>
     </p:extLst>
   </p:cSld>
@@ -8344,7 +8195,13 @@
       </p:grpSpPr>
       <p:sp>
         <p:nvSpPr>
-          <p:cNvPr id="2" name="제목 1"/>
+          <p:cNvPr id="2" name="제목 1">
+            <a:extLst>
+              <a:ext uri="{FF2B5EF4-FFF2-40B4-BE49-F238E27FC236}">
+                <a16:creationId xmlns:a16="http://schemas.microsoft.com/office/drawing/2014/main" id="{D2FE6A72-772D-40C9-9DF2-A64995B531F9}"/>
+              </a:ext>
+            </a:extLst>
+          </p:cNvPr>
           <p:cNvSpPr>
             <a:spLocks noGrp="1"/>
           </p:cNvSpPr>
@@ -8359,15 +8216,32 @@
           <a:p>
             <a:r>
               <a:rPr lang="en-US" altLang="ko-KR" dirty="0"/>
-              <a:t>Traffic State, Action</a:t>
-            </a:r>
-            <a:endParaRPr lang="ko-KR" altLang="en-US" dirty="0"/>
-          </a:p>
-        </p:txBody>
-      </p:sp>
-      <p:sp>
-        <p:nvSpPr>
-          <p:cNvPr id="3" name="내용 개체 틀 2"/>
+              <a:t>SUMO</a:t>
+            </a:r>
+            <a:r>
+              <a:rPr lang="ko-KR" altLang="en-US" dirty="0"/>
+              <a:t>를 활용한 </a:t>
+            </a:r>
+            <a:r>
+              <a:rPr lang="en-US" altLang="ko-KR" dirty="0"/>
+              <a:t>Data </a:t>
+            </a:r>
+            <a:r>
+              <a:rPr lang="ko-KR" altLang="en-US" dirty="0"/>
+              <a:t>생성</a:t>
+            </a:r>
+          </a:p>
+        </p:txBody>
+      </p:sp>
+      <p:sp>
+        <p:nvSpPr>
+          <p:cNvPr id="3" name="내용 개체 틀 2">
+            <a:extLst>
+              <a:ext uri="{FF2B5EF4-FFF2-40B4-BE49-F238E27FC236}">
+                <a16:creationId xmlns:a16="http://schemas.microsoft.com/office/drawing/2014/main" id="{50A696CB-C6C9-4515-9DD9-161E2ECB8174}"/>
+              </a:ext>
+            </a:extLst>
+          </p:cNvPr>
           <p:cNvSpPr>
             <a:spLocks noGrp="1"/>
           </p:cNvSpPr>
@@ -8375,222 +8249,909 @@
             <p:ph idx="1"/>
           </p:nvPr>
         </p:nvSpPr>
+        <p:spPr/>
+        <p:txBody>
+          <a:bodyPr/>
+          <a:lstStyle/>
+          <a:p>
+            <a:r>
+              <a:rPr lang="en-US" altLang="ko-KR" dirty="0"/>
+              <a:t> </a:t>
+            </a:r>
+            <a:r>
+              <a:rPr lang="ko-KR" altLang="en-US" dirty="0"/>
+              <a:t>제작한 </a:t>
+            </a:r>
+            <a:r>
+              <a:rPr lang="en-US" altLang="ko-KR" dirty="0"/>
+              <a:t>Code</a:t>
+            </a:r>
+            <a:r>
+              <a:rPr lang="ko-KR" altLang="en-US" dirty="0"/>
+              <a:t>의 구성</a:t>
+            </a:r>
+            <a:r>
+              <a:rPr lang="en-US" altLang="ko-KR" dirty="0"/>
+              <a:t>(</a:t>
+            </a:r>
+            <a:r>
+              <a:rPr lang="en-US" altLang="ko-KR" dirty="0" err="1"/>
+              <a:t>Pytorch</a:t>
+            </a:r>
+            <a:r>
+              <a:rPr lang="en-US" altLang="ko-KR" dirty="0"/>
+              <a:t> based)</a:t>
+            </a:r>
+            <a:endParaRPr lang="ko-KR" altLang="en-US" dirty="0"/>
+          </a:p>
+        </p:txBody>
+      </p:sp>
+      <p:sp>
+        <p:nvSpPr>
+          <p:cNvPr id="4" name="사각형: 둥근 모서리 3">
+            <a:extLst>
+              <a:ext uri="{FF2B5EF4-FFF2-40B4-BE49-F238E27FC236}">
+                <a16:creationId xmlns:a16="http://schemas.microsoft.com/office/drawing/2014/main" id="{C6D1BF94-7D06-4819-8E8C-463D299A0B6D}"/>
+              </a:ext>
+            </a:extLst>
+          </p:cNvPr>
+          <p:cNvSpPr/>
+          <p:nvPr/>
+        </p:nvSpPr>
         <p:spPr>
           <a:xfrm>
-            <a:off x="1097279" y="1845734"/>
-            <a:ext cx="10487179" cy="4023360"/>
+            <a:off x="1540042" y="2486526"/>
+            <a:ext cx="1235242" cy="689811"/>
           </a:xfrm>
+          <a:prstGeom prst="roundRect">
+            <a:avLst/>
+          </a:prstGeom>
         </p:spPr>
-        <p:txBody>
-          <a:bodyPr/>
-          <a:lstStyle/>
-          <a:p>
-            <a:r>
-              <a:rPr lang="en-US" altLang="ko-KR" dirty="0"/>
-              <a:t>Traffic Lights Value Retrieval</a:t>
+        <p:style>
+          <a:lnRef idx="2">
+            <a:schemeClr val="accent1">
+              <a:shade val="50000"/>
+            </a:schemeClr>
+          </a:lnRef>
+          <a:fillRef idx="1">
+            <a:schemeClr val="accent1"/>
+          </a:fillRef>
+          <a:effectRef idx="0">
+            <a:schemeClr val="accent1"/>
+          </a:effectRef>
+          <a:fontRef idx="minor">
+            <a:schemeClr val="lt1"/>
+          </a:fontRef>
+        </p:style>
+        <p:txBody>
+          <a:bodyPr rtlCol="0" anchor="ctr"/>
+          <a:lstStyle/>
+          <a:p>
+            <a:pPr algn="ctr"/>
+            <a:r>
+              <a:rPr lang="en-US" altLang="ko-KR" dirty="0"/>
+              <a:t>Run.py</a:t>
+            </a:r>
+            <a:endParaRPr lang="ko-KR" altLang="en-US" dirty="0"/>
+          </a:p>
+        </p:txBody>
+      </p:sp>
+      <p:sp>
+        <p:nvSpPr>
+          <p:cNvPr id="5" name="사각형: 둥근 모서리 4">
+            <a:extLst>
+              <a:ext uri="{FF2B5EF4-FFF2-40B4-BE49-F238E27FC236}">
+                <a16:creationId xmlns:a16="http://schemas.microsoft.com/office/drawing/2014/main" id="{9F118EF3-9083-4017-9F16-5D41EBDCB596}"/>
+              </a:ext>
+            </a:extLst>
+          </p:cNvPr>
+          <p:cNvSpPr/>
+          <p:nvPr/>
+        </p:nvSpPr>
+        <p:spPr>
+          <a:xfrm>
+            <a:off x="6152416" y="2476542"/>
+            <a:ext cx="1235242" cy="689811"/>
+          </a:xfrm>
+          <a:prstGeom prst="roundRect">
+            <a:avLst/>
+          </a:prstGeom>
+        </p:spPr>
+        <p:style>
+          <a:lnRef idx="2">
+            <a:schemeClr val="accent3">
+              <a:shade val="50000"/>
+            </a:schemeClr>
+          </a:lnRef>
+          <a:fillRef idx="1">
+            <a:schemeClr val="accent3"/>
+          </a:fillRef>
+          <a:effectRef idx="0">
+            <a:schemeClr val="accent3"/>
+          </a:effectRef>
+          <a:fontRef idx="minor">
+            <a:schemeClr val="lt1"/>
+          </a:fontRef>
+        </p:style>
+        <p:txBody>
+          <a:bodyPr rtlCol="0" anchor="ctr"/>
+          <a:lstStyle/>
+          <a:p>
+            <a:pPr algn="ctr"/>
+            <a:r>
+              <a:rPr lang="en-US" altLang="ko-KR" dirty="0" smtClean="0"/>
+              <a:t>Env.py</a:t>
             </a:r>
             <a:br>
-              <a:rPr lang="en-US" altLang="ko-KR" dirty="0"/>
+              <a:rPr lang="en-US" altLang="ko-KR" dirty="0" smtClean="0"/>
             </a:br>
             <a:r>
-              <a:rPr lang="en-US" altLang="ko-KR" dirty="0"/>
-              <a:t>- ID list: </a:t>
-            </a:r>
-            <a:r>
-              <a:rPr lang="en-US" altLang="ko-KR" dirty="0" err="1"/>
-              <a:t>getIDList</a:t>
-            </a:r>
-            <a:br>
-              <a:rPr lang="en-US" altLang="ko-KR" dirty="0"/>
-            </a:br>
-            <a:r>
-              <a:rPr lang="en-US" altLang="ko-KR" dirty="0"/>
-              <a:t>- State: </a:t>
-            </a:r>
-            <a:r>
-              <a:rPr lang="en-US" altLang="ko-KR" dirty="0" err="1"/>
-              <a:t>getRedYellowGreenState</a:t>
-            </a:r>
-            <a:r>
-              <a:rPr lang="en-US" altLang="ko-KR" dirty="0"/>
-              <a:t> , phase state</a:t>
-            </a:r>
-            <a:r>
-              <a:rPr lang="ko-KR" altLang="en-US" dirty="0"/>
-              <a:t>를 </a:t>
-            </a:r>
-            <a:r>
-              <a:rPr lang="ko-KR" altLang="en-US" dirty="0" err="1"/>
-              <a:t>받아옴</a:t>
-            </a:r>
-            <a:br>
-              <a:rPr lang="en-US" altLang="ko-KR" dirty="0"/>
-            </a:br>
-            <a:r>
-              <a:rPr lang="en-US" altLang="ko-KR" dirty="0"/>
-              <a:t>- Phase duration: </a:t>
-            </a:r>
-            <a:r>
-              <a:rPr lang="en-US" altLang="ko-KR" dirty="0" err="1"/>
-              <a:t>getPhaseDuration</a:t>
-            </a:r>
-            <a:r>
-              <a:rPr lang="en-US" altLang="ko-KR" dirty="0"/>
-              <a:t>,</a:t>
-            </a:r>
-            <a:br>
-              <a:rPr lang="en-US" altLang="ko-KR" dirty="0"/>
-            </a:br>
-            <a:r>
-              <a:rPr lang="en-US" altLang="ko-KR" dirty="0"/>
-              <a:t>- </a:t>
-            </a:r>
-            <a:r>
-              <a:rPr lang="en-US" altLang="ko-KR"/>
-              <a:t>Current phase number: </a:t>
-            </a:r>
-            <a:r>
-              <a:rPr lang="en-US" altLang="ko-KR" dirty="0" err="1"/>
-              <a:t>getPhase</a:t>
-            </a:r>
-            <a:r>
-              <a:rPr lang="en-US" altLang="ko-KR" dirty="0"/>
+              <a:rPr lang="en-US" altLang="ko-KR" sz="1200" dirty="0" smtClean="0"/>
+              <a:t>(Scaling)</a:t>
+            </a:r>
+            <a:endParaRPr lang="en-US" altLang="ko-KR" dirty="0"/>
+          </a:p>
+        </p:txBody>
+      </p:sp>
+      <p:sp>
+        <p:nvSpPr>
+          <p:cNvPr id="6" name="사각형: 둥근 모서리 5">
+            <a:extLst>
+              <a:ext uri="{FF2B5EF4-FFF2-40B4-BE49-F238E27FC236}">
+                <a16:creationId xmlns:a16="http://schemas.microsoft.com/office/drawing/2014/main" id="{FC865608-674B-4AEE-A856-4D8A836E05B8}"/>
+              </a:ext>
+            </a:extLst>
+          </p:cNvPr>
+          <p:cNvSpPr/>
+          <p:nvPr/>
+        </p:nvSpPr>
+        <p:spPr>
+          <a:xfrm>
+            <a:off x="6152416" y="4421210"/>
+            <a:ext cx="1235242" cy="689811"/>
+          </a:xfrm>
+          <a:prstGeom prst="roundRect">
+            <a:avLst/>
+          </a:prstGeom>
+        </p:spPr>
+        <p:style>
+          <a:lnRef idx="2">
+            <a:schemeClr val="accent1">
+              <a:shade val="50000"/>
+            </a:schemeClr>
+          </a:lnRef>
+          <a:fillRef idx="1">
+            <a:schemeClr val="accent1"/>
+          </a:fillRef>
+          <a:effectRef idx="0">
+            <a:schemeClr val="accent1"/>
+          </a:effectRef>
+          <a:fontRef idx="minor">
+            <a:schemeClr val="lt1"/>
+          </a:fontRef>
+        </p:style>
+        <p:txBody>
+          <a:bodyPr rtlCol="0" anchor="ctr"/>
+          <a:lstStyle/>
+          <a:p>
+            <a:pPr algn="ctr"/>
+            <a:r>
+              <a:rPr lang="en-US" altLang="ko-KR" dirty="0" smtClean="0"/>
+              <a:t>Dqn.py</a:t>
+            </a:r>
+            <a:endParaRPr lang="en-US" altLang="ko-KR" dirty="0"/>
+          </a:p>
+        </p:txBody>
+      </p:sp>
+      <p:sp>
+        <p:nvSpPr>
+          <p:cNvPr id="7" name="사각형: 둥근 모서리 6">
+            <a:extLst>
+              <a:ext uri="{FF2B5EF4-FFF2-40B4-BE49-F238E27FC236}">
+                <a16:creationId xmlns:a16="http://schemas.microsoft.com/office/drawing/2014/main" id="{8D405740-A1EA-4578-8571-399BD17690F1}"/>
+              </a:ext>
+            </a:extLst>
+          </p:cNvPr>
+          <p:cNvSpPr/>
+          <p:nvPr/>
+        </p:nvSpPr>
+        <p:spPr>
+          <a:xfrm>
+            <a:off x="8766099" y="4421210"/>
+            <a:ext cx="1235242" cy="689811"/>
+          </a:xfrm>
+          <a:prstGeom prst="roundRect">
+            <a:avLst/>
+          </a:prstGeom>
+        </p:spPr>
+        <p:style>
+          <a:lnRef idx="2">
+            <a:schemeClr val="accent6">
+              <a:shade val="50000"/>
+            </a:schemeClr>
+          </a:lnRef>
+          <a:fillRef idx="1">
+            <a:schemeClr val="accent6"/>
+          </a:fillRef>
+          <a:effectRef idx="0">
+            <a:schemeClr val="accent6"/>
+          </a:effectRef>
+          <a:fontRef idx="minor">
+            <a:schemeClr val="lt1"/>
+          </a:fontRef>
+        </p:style>
+        <p:txBody>
+          <a:bodyPr rtlCol="0" anchor="ctr"/>
+          <a:lstStyle/>
+          <a:p>
+            <a:pPr algn="ctr"/>
+            <a:r>
+              <a:rPr lang="en-US" altLang="ko-KR" sz="1600" dirty="0"/>
+              <a:t>FRAP.py</a:t>
+            </a:r>
+          </a:p>
+          <a:p>
+            <a:pPr algn="ctr"/>
+            <a:r>
+              <a:rPr lang="en-US" altLang="ko-KR" sz="1400" dirty="0"/>
+              <a:t>(</a:t>
+            </a:r>
+            <a:r>
+              <a:rPr lang="ko-KR" altLang="en-US" sz="1400" dirty="0" err="1"/>
+              <a:t>제작중</a:t>
+            </a:r>
+            <a:r>
+              <a:rPr lang="en-US" altLang="ko-KR" sz="1400" dirty="0"/>
+              <a:t>)</a:t>
+            </a:r>
+          </a:p>
+        </p:txBody>
+      </p:sp>
+      <p:cxnSp>
+        <p:nvCxnSpPr>
+          <p:cNvPr id="12" name="직선 화살표 연결선 11"/>
+          <p:cNvCxnSpPr>
+            <a:stCxn id="4" idx="3"/>
+            <a:endCxn id="5" idx="1"/>
+          </p:cNvCxnSpPr>
+          <p:nvPr/>
+        </p:nvCxnSpPr>
+        <p:spPr>
+          <a:xfrm flipV="1">
+            <a:off x="2775284" y="2821448"/>
+            <a:ext cx="3377132" cy="9984"/>
+          </a:xfrm>
+          <a:prstGeom prst="straightConnector1">
+            <a:avLst/>
+          </a:prstGeom>
+          <a:ln>
+            <a:tailEnd type="triangle"/>
+          </a:ln>
+        </p:spPr>
+        <p:style>
+          <a:lnRef idx="1">
+            <a:schemeClr val="dk1"/>
+          </a:lnRef>
+          <a:fillRef idx="0">
+            <a:schemeClr val="dk1"/>
+          </a:fillRef>
+          <a:effectRef idx="0">
+            <a:schemeClr val="dk1"/>
+          </a:effectRef>
+          <a:fontRef idx="minor">
+            <a:schemeClr val="tx1"/>
+          </a:fontRef>
+        </p:style>
+      </p:cxnSp>
+      <p:sp>
+        <p:nvSpPr>
+          <p:cNvPr id="17" name="사각형: 둥근 모서리 3">
+            <a:extLst>
+              <a:ext uri="{FF2B5EF4-FFF2-40B4-BE49-F238E27FC236}">
+                <a16:creationId xmlns:a16="http://schemas.microsoft.com/office/drawing/2014/main" id="{C6D1BF94-7D06-4819-8E8C-463D299A0B6D}"/>
+              </a:ext>
+            </a:extLst>
+          </p:cNvPr>
+          <p:cNvSpPr/>
+          <p:nvPr/>
+        </p:nvSpPr>
+        <p:spPr>
+          <a:xfrm>
+            <a:off x="2786666" y="3731401"/>
+            <a:ext cx="1235242" cy="689811"/>
+          </a:xfrm>
+          <a:prstGeom prst="roundRect">
+            <a:avLst/>
+          </a:prstGeom>
+        </p:spPr>
+        <p:style>
+          <a:lnRef idx="2">
+            <a:schemeClr val="accent4">
+              <a:shade val="50000"/>
+            </a:schemeClr>
+          </a:lnRef>
+          <a:fillRef idx="1">
+            <a:schemeClr val="accent4"/>
+          </a:fillRef>
+          <a:effectRef idx="0">
+            <a:schemeClr val="accent4"/>
+          </a:effectRef>
+          <a:fontRef idx="minor">
+            <a:schemeClr val="lt1"/>
+          </a:fontRef>
+        </p:style>
+        <p:txBody>
+          <a:bodyPr rtlCol="0" anchor="ctr"/>
+          <a:lstStyle/>
+          <a:p>
+            <a:pPr algn="ctr"/>
+            <a:r>
+              <a:rPr lang="en-US" altLang="ko-KR" dirty="0"/>
+              <a:t>Grid.py</a:t>
+            </a:r>
+            <a:endParaRPr lang="ko-KR" altLang="en-US" dirty="0"/>
+          </a:p>
+        </p:txBody>
+      </p:sp>
+      <p:sp>
+        <p:nvSpPr>
+          <p:cNvPr id="18" name="사각형: 둥근 모서리 3">
+            <a:extLst>
+              <a:ext uri="{FF2B5EF4-FFF2-40B4-BE49-F238E27FC236}">
+                <a16:creationId xmlns:a16="http://schemas.microsoft.com/office/drawing/2014/main" id="{C6D1BF94-7D06-4819-8E8C-463D299A0B6D}"/>
+              </a:ext>
+            </a:extLst>
+          </p:cNvPr>
+          <p:cNvSpPr/>
+          <p:nvPr/>
+        </p:nvSpPr>
+        <p:spPr>
+          <a:xfrm>
+            <a:off x="4156353" y="4942579"/>
+            <a:ext cx="1235242" cy="689811"/>
+          </a:xfrm>
+          <a:prstGeom prst="roundRect">
+            <a:avLst/>
+          </a:prstGeom>
+        </p:spPr>
+        <p:style>
+          <a:lnRef idx="2">
+            <a:schemeClr val="accent5">
+              <a:shade val="50000"/>
+            </a:schemeClr>
+          </a:lnRef>
+          <a:fillRef idx="1">
+            <a:schemeClr val="accent5"/>
+          </a:fillRef>
+          <a:effectRef idx="0">
+            <a:schemeClr val="accent5"/>
+          </a:effectRef>
+          <a:fontRef idx="minor">
+            <a:schemeClr val="lt1"/>
+          </a:fontRef>
+        </p:style>
+        <p:txBody>
+          <a:bodyPr rtlCol="0" anchor="ctr"/>
+          <a:lstStyle/>
+          <a:p>
+            <a:pPr algn="ctr"/>
+            <a:r>
+              <a:rPr lang="en-US" altLang="ko-KR" sz="1600" dirty="0"/>
+              <a:t>Gen_net.py</a:t>
+            </a:r>
+            <a:endParaRPr lang="ko-KR" altLang="en-US" sz="1600" dirty="0"/>
+          </a:p>
+        </p:txBody>
+      </p:sp>
+      <p:cxnSp>
+        <p:nvCxnSpPr>
+          <p:cNvPr id="21" name="꺾인 연결선 20"/>
+          <p:cNvCxnSpPr>
+            <a:stCxn id="4" idx="2"/>
+            <a:endCxn id="17" idx="1"/>
+          </p:cNvCxnSpPr>
+          <p:nvPr/>
+        </p:nvCxnSpPr>
+        <p:spPr>
+          <a:xfrm rot="16200000" flipH="1">
+            <a:off x="2022179" y="3311820"/>
+            <a:ext cx="899970" cy="629003"/>
+          </a:xfrm>
+          <a:prstGeom prst="bentConnector2">
+            <a:avLst/>
+          </a:prstGeom>
+          <a:ln>
+            <a:tailEnd type="triangle"/>
+          </a:ln>
+        </p:spPr>
+        <p:style>
+          <a:lnRef idx="1">
+            <a:schemeClr val="dk1"/>
+          </a:lnRef>
+          <a:fillRef idx="0">
+            <a:schemeClr val="dk1"/>
+          </a:fillRef>
+          <a:effectRef idx="0">
+            <a:schemeClr val="dk1"/>
+          </a:effectRef>
+          <a:fontRef idx="minor">
+            <a:schemeClr val="tx1"/>
+          </a:fontRef>
+        </p:style>
+      </p:cxnSp>
+      <p:cxnSp>
+        <p:nvCxnSpPr>
+          <p:cNvPr id="25" name="꺾인 연결선 24"/>
+          <p:cNvCxnSpPr>
+            <a:stCxn id="17" idx="2"/>
+            <a:endCxn id="18" idx="1"/>
+          </p:cNvCxnSpPr>
+          <p:nvPr/>
+        </p:nvCxnSpPr>
+        <p:spPr>
+          <a:xfrm rot="16200000" flipH="1">
+            <a:off x="3347184" y="4478315"/>
+            <a:ext cx="866273" cy="752066"/>
+          </a:xfrm>
+          <a:prstGeom prst="bentConnector2">
+            <a:avLst/>
+          </a:prstGeom>
+          <a:ln>
+            <a:tailEnd type="triangle"/>
+          </a:ln>
+        </p:spPr>
+        <p:style>
+          <a:lnRef idx="1">
+            <a:schemeClr val="dk1"/>
+          </a:lnRef>
+          <a:fillRef idx="0">
+            <a:schemeClr val="dk1"/>
+          </a:fillRef>
+          <a:effectRef idx="0">
+            <a:schemeClr val="dk1"/>
+          </a:effectRef>
+          <a:fontRef idx="minor">
+            <a:schemeClr val="tx1"/>
+          </a:fontRef>
+        </p:style>
+      </p:cxnSp>
+      <p:sp>
+        <p:nvSpPr>
+          <p:cNvPr id="31" name="TextBox 30"/>
+          <p:cNvSpPr txBox="1"/>
+          <p:nvPr/>
+        </p:nvSpPr>
+        <p:spPr>
+          <a:xfrm>
+            <a:off x="1572295" y="4078601"/>
+            <a:ext cx="1214371" cy="307777"/>
+          </a:xfrm>
+          <a:prstGeom prst="rect">
+            <a:avLst/>
+          </a:prstGeom>
+          <a:noFill/>
+        </p:spPr>
+        <p:txBody>
+          <a:bodyPr wrap="none" rtlCol="0">
+            <a:spAutoFit/>
+          </a:bodyPr>
+          <a:lstStyle/>
+          <a:p>
+            <a:r>
+              <a:rPr lang="en-US" altLang="ko-KR" sz="1400" dirty="0"/>
+              <a:t>Network </a:t>
+            </a:r>
+            <a:r>
+              <a:rPr lang="ko-KR" altLang="en-US" sz="1400" dirty="0"/>
+              <a:t>생성</a:t>
+            </a:r>
+          </a:p>
+        </p:txBody>
+      </p:sp>
+      <p:sp>
+        <p:nvSpPr>
+          <p:cNvPr id="32" name="TextBox 31"/>
+          <p:cNvSpPr txBox="1"/>
+          <p:nvPr/>
+        </p:nvSpPr>
+        <p:spPr>
+          <a:xfrm>
+            <a:off x="3473910" y="2513670"/>
+            <a:ext cx="2060885" cy="307777"/>
+          </a:xfrm>
+          <a:prstGeom prst="rect">
+            <a:avLst/>
+          </a:prstGeom>
+          <a:noFill/>
+        </p:spPr>
+        <p:txBody>
+          <a:bodyPr wrap="none" rtlCol="0">
+            <a:spAutoFit/>
+          </a:bodyPr>
+          <a:lstStyle/>
+          <a:p>
+            <a:r>
+              <a:rPr lang="en-US" altLang="ko-KR" sz="1400" dirty="0"/>
+              <a:t>Environment Initialization</a:t>
+            </a:r>
+            <a:endParaRPr lang="ko-KR" altLang="en-US" sz="1400" dirty="0"/>
+          </a:p>
+        </p:txBody>
+      </p:sp>
+      <p:cxnSp>
+        <p:nvCxnSpPr>
+          <p:cNvPr id="34" name="꺾인 연결선 33"/>
+          <p:cNvCxnSpPr>
+            <a:stCxn id="4" idx="3"/>
+            <a:endCxn id="6" idx="1"/>
+          </p:cNvCxnSpPr>
+          <p:nvPr/>
+        </p:nvCxnSpPr>
+        <p:spPr>
+          <a:xfrm>
+            <a:off x="2775284" y="2831432"/>
+            <a:ext cx="3377132" cy="1934684"/>
+          </a:xfrm>
+          <a:prstGeom prst="bentConnector3">
+            <a:avLst/>
+          </a:prstGeom>
+          <a:ln>
+            <a:tailEnd type="triangle"/>
+          </a:ln>
+        </p:spPr>
+        <p:style>
+          <a:lnRef idx="1">
+            <a:schemeClr val="dk1"/>
+          </a:lnRef>
+          <a:fillRef idx="0">
+            <a:schemeClr val="dk1"/>
+          </a:fillRef>
+          <a:effectRef idx="0">
+            <a:schemeClr val="dk1"/>
+          </a:effectRef>
+          <a:fontRef idx="minor">
+            <a:schemeClr val="tx1"/>
+          </a:fontRef>
+        </p:style>
+      </p:cxnSp>
+      <p:sp>
+        <p:nvSpPr>
+          <p:cNvPr id="36" name="TextBox 35"/>
+          <p:cNvSpPr txBox="1"/>
+          <p:nvPr/>
+        </p:nvSpPr>
+        <p:spPr>
+          <a:xfrm>
+            <a:off x="4432753" y="4458338"/>
+            <a:ext cx="1553887" cy="307777"/>
+          </a:xfrm>
+          <a:prstGeom prst="rect">
+            <a:avLst/>
+          </a:prstGeom>
+          <a:noFill/>
+        </p:spPr>
+        <p:txBody>
+          <a:bodyPr wrap="none" rtlCol="0">
+            <a:spAutoFit/>
+          </a:bodyPr>
+          <a:lstStyle/>
+          <a:p>
+            <a:r>
+              <a:rPr lang="en-US" altLang="ko-KR" sz="1400" dirty="0"/>
+              <a:t>Agent Initialization</a:t>
+            </a:r>
+            <a:endParaRPr lang="ko-KR" altLang="en-US" sz="1400" dirty="0"/>
+          </a:p>
+        </p:txBody>
+      </p:sp>
+      <p:cxnSp>
+        <p:nvCxnSpPr>
+          <p:cNvPr id="41" name="직선 화살표 연결선 40"/>
+          <p:cNvCxnSpPr/>
+          <p:nvPr/>
+        </p:nvCxnSpPr>
+        <p:spPr>
+          <a:xfrm>
+            <a:off x="6571085" y="3166353"/>
+            <a:ext cx="0" cy="1254857"/>
+          </a:xfrm>
+          <a:prstGeom prst="straightConnector1">
+            <a:avLst/>
+          </a:prstGeom>
+          <a:ln>
+            <a:tailEnd type="triangle"/>
+          </a:ln>
+        </p:spPr>
+        <p:style>
+          <a:lnRef idx="1">
+            <a:schemeClr val="dk1"/>
+          </a:lnRef>
+          <a:fillRef idx="0">
+            <a:schemeClr val="dk1"/>
+          </a:fillRef>
+          <a:effectRef idx="0">
+            <a:schemeClr val="dk1"/>
+          </a:effectRef>
+          <a:fontRef idx="minor">
+            <a:schemeClr val="tx1"/>
+          </a:fontRef>
+        </p:style>
+      </p:cxnSp>
+      <p:sp>
+        <p:nvSpPr>
+          <p:cNvPr id="42" name="TextBox 41"/>
+          <p:cNvSpPr txBox="1"/>
+          <p:nvPr/>
+        </p:nvSpPr>
+        <p:spPr>
+          <a:xfrm>
+            <a:off x="5528481" y="3271180"/>
+            <a:ext cx="1042603" cy="461665"/>
+          </a:xfrm>
+          <a:prstGeom prst="rect">
+            <a:avLst/>
+          </a:prstGeom>
+          <a:noFill/>
+        </p:spPr>
+        <p:txBody>
+          <a:bodyPr wrap="square" rtlCol="0">
+            <a:spAutoFit/>
+          </a:bodyPr>
+          <a:lstStyle/>
+          <a:p>
+            <a:pPr algn="r"/>
+            <a:r>
+              <a:rPr lang="en-US" altLang="ko-KR" sz="1200" dirty="0"/>
+              <a:t>Reward, Observation</a:t>
+            </a:r>
+            <a:endParaRPr lang="ko-KR" altLang="en-US" sz="1200" dirty="0"/>
+          </a:p>
+        </p:txBody>
+      </p:sp>
+      <p:cxnSp>
+        <p:nvCxnSpPr>
+          <p:cNvPr id="43" name="직선 화살표 연결선 42"/>
+          <p:cNvCxnSpPr/>
+          <p:nvPr/>
+        </p:nvCxnSpPr>
+        <p:spPr>
+          <a:xfrm flipH="1" flipV="1">
+            <a:off x="6911599" y="3166353"/>
+            <a:ext cx="11381" cy="1259448"/>
+          </a:xfrm>
+          <a:prstGeom prst="straightConnector1">
+            <a:avLst/>
+          </a:prstGeom>
+          <a:ln>
+            <a:tailEnd type="triangle"/>
+          </a:ln>
+        </p:spPr>
+        <p:style>
+          <a:lnRef idx="1">
+            <a:schemeClr val="dk1"/>
+          </a:lnRef>
+          <a:fillRef idx="0">
+            <a:schemeClr val="dk1"/>
+          </a:fillRef>
+          <a:effectRef idx="0">
+            <a:schemeClr val="dk1"/>
+          </a:effectRef>
+          <a:fontRef idx="minor">
+            <a:schemeClr val="tx1"/>
+          </a:fontRef>
+        </p:style>
+      </p:cxnSp>
+      <p:sp>
+        <p:nvSpPr>
+          <p:cNvPr id="47" name="TextBox 46"/>
+          <p:cNvSpPr txBox="1"/>
+          <p:nvPr/>
+        </p:nvSpPr>
+        <p:spPr>
+          <a:xfrm>
+            <a:off x="6910435" y="3626321"/>
+            <a:ext cx="1042603" cy="276999"/>
+          </a:xfrm>
+          <a:prstGeom prst="rect">
+            <a:avLst/>
+          </a:prstGeom>
+          <a:noFill/>
+        </p:spPr>
+        <p:txBody>
+          <a:bodyPr wrap="square" rtlCol="0">
+            <a:spAutoFit/>
+          </a:bodyPr>
+          <a:lstStyle/>
+          <a:p>
+            <a:r>
+              <a:rPr lang="en-US" altLang="ko-KR" sz="1200" dirty="0"/>
+              <a:t>Action</a:t>
+            </a:r>
+            <a:endParaRPr lang="ko-KR" altLang="en-US" sz="1200" dirty="0"/>
+          </a:p>
+        </p:txBody>
+      </p:sp>
+      <p:cxnSp>
+        <p:nvCxnSpPr>
+          <p:cNvPr id="48" name="직선 화살표 연결선 47"/>
+          <p:cNvCxnSpPr>
+            <a:stCxn id="6" idx="3"/>
+            <a:endCxn id="7" idx="1"/>
+          </p:cNvCxnSpPr>
+          <p:nvPr/>
+        </p:nvCxnSpPr>
+        <p:spPr>
+          <a:xfrm>
+            <a:off x="7387658" y="4766116"/>
+            <a:ext cx="1378441" cy="0"/>
+          </a:xfrm>
+          <a:prstGeom prst="straightConnector1">
+            <a:avLst/>
+          </a:prstGeom>
+          <a:ln>
+            <a:tailEnd type="triangle"/>
+          </a:ln>
+        </p:spPr>
+        <p:style>
+          <a:lnRef idx="1">
+            <a:schemeClr val="dk1"/>
+          </a:lnRef>
+          <a:fillRef idx="0">
+            <a:schemeClr val="dk1"/>
+          </a:fillRef>
+          <a:effectRef idx="0">
+            <a:schemeClr val="dk1"/>
+          </a:effectRef>
+          <a:fontRef idx="minor">
+            <a:schemeClr val="tx1"/>
+          </a:fontRef>
+        </p:style>
+      </p:cxnSp>
+      <p:sp>
+        <p:nvSpPr>
+          <p:cNvPr id="51" name="TextBox 50"/>
+          <p:cNvSpPr txBox="1"/>
+          <p:nvPr/>
+        </p:nvSpPr>
+        <p:spPr>
+          <a:xfrm>
+            <a:off x="7555576" y="4473726"/>
+            <a:ext cx="1042603" cy="276999"/>
+          </a:xfrm>
+          <a:prstGeom prst="rect">
+            <a:avLst/>
+          </a:prstGeom>
+          <a:noFill/>
+        </p:spPr>
+        <p:txBody>
+          <a:bodyPr wrap="square" rtlCol="0">
+            <a:spAutoFit/>
+          </a:bodyPr>
+          <a:lstStyle/>
+          <a:p>
+            <a:pPr algn="ctr"/>
+            <a:r>
+              <a:rPr lang="en-US" altLang="ko-KR" sz="1200" dirty="0"/>
+              <a:t>Observation</a:t>
+            </a:r>
+            <a:endParaRPr lang="ko-KR" altLang="en-US" sz="1200" dirty="0"/>
+          </a:p>
+        </p:txBody>
+      </p:sp>
+      <p:cxnSp>
+        <p:nvCxnSpPr>
+          <p:cNvPr id="52" name="직선 화살표 연결선 51"/>
+          <p:cNvCxnSpPr/>
+          <p:nvPr/>
+        </p:nvCxnSpPr>
+        <p:spPr>
+          <a:xfrm flipH="1">
+            <a:off x="7387658" y="4892374"/>
+            <a:ext cx="1378441" cy="0"/>
+          </a:xfrm>
+          <a:prstGeom prst="straightConnector1">
+            <a:avLst/>
+          </a:prstGeom>
+          <a:ln>
+            <a:tailEnd type="triangle"/>
+          </a:ln>
+        </p:spPr>
+        <p:style>
+          <a:lnRef idx="1">
+            <a:schemeClr val="dk1"/>
+          </a:lnRef>
+          <a:fillRef idx="0">
+            <a:schemeClr val="dk1"/>
+          </a:fillRef>
+          <a:effectRef idx="0">
+            <a:schemeClr val="dk1"/>
+          </a:effectRef>
+          <a:fontRef idx="minor">
+            <a:schemeClr val="tx1"/>
+          </a:fontRef>
+        </p:style>
+      </p:cxnSp>
+      <p:sp>
+        <p:nvSpPr>
+          <p:cNvPr id="56" name="TextBox 55"/>
+          <p:cNvSpPr txBox="1"/>
+          <p:nvPr/>
+        </p:nvSpPr>
+        <p:spPr>
+          <a:xfrm>
+            <a:off x="7559668" y="4942579"/>
+            <a:ext cx="1042603" cy="276999"/>
+          </a:xfrm>
+          <a:prstGeom prst="rect">
+            <a:avLst/>
+          </a:prstGeom>
+          <a:noFill/>
+        </p:spPr>
+        <p:txBody>
+          <a:bodyPr wrap="square" rtlCol="0">
+            <a:spAutoFit/>
+          </a:bodyPr>
+          <a:lstStyle/>
+          <a:p>
+            <a:pPr algn="ctr"/>
+            <a:r>
+              <a:rPr lang="en-US" altLang="ko-KR" sz="1200" dirty="0"/>
+              <a:t>Flip, Rotate</a:t>
+            </a:r>
+            <a:endParaRPr lang="ko-KR" altLang="en-US" sz="1200" dirty="0"/>
+          </a:p>
+        </p:txBody>
+      </p:sp>
+      <p:sp>
+        <p:nvSpPr>
+          <p:cNvPr id="57" name="TextBox 56"/>
+          <p:cNvSpPr txBox="1"/>
+          <p:nvPr/>
+        </p:nvSpPr>
+        <p:spPr>
+          <a:xfrm>
+            <a:off x="2825988" y="5304805"/>
+            <a:ext cx="1330364" cy="307777"/>
+          </a:xfrm>
+          <a:prstGeom prst="rect">
+            <a:avLst/>
+          </a:prstGeom>
+          <a:noFill/>
+        </p:spPr>
+        <p:txBody>
+          <a:bodyPr wrap="none" rtlCol="0">
+            <a:spAutoFit/>
+          </a:bodyPr>
+          <a:lstStyle/>
+          <a:p>
+            <a:pPr algn="r"/>
+            <a:r>
+              <a:rPr lang="en-US" altLang="ko-KR" sz="1400" dirty="0"/>
+              <a:t>xml </a:t>
+            </a:r>
+            <a:r>
+              <a:rPr lang="ko-KR" altLang="en-US" sz="1400" dirty="0"/>
+              <a:t>및 </a:t>
+            </a:r>
+            <a:r>
+              <a:rPr lang="en-US" altLang="ko-KR" sz="1400" dirty="0" err="1"/>
+              <a:t>cfg</a:t>
+            </a:r>
+            <a:r>
+              <a:rPr lang="en-US" altLang="ko-KR" sz="1400" dirty="0"/>
               <a:t> </a:t>
             </a:r>
             <a:r>
-              <a:rPr lang="ko-KR" altLang="en-US" dirty="0"/>
-              <a:t>함수</a:t>
-            </a:r>
-            <a:r>
-              <a:rPr lang="en-US" altLang="ko-KR" dirty="0"/>
-              <a:t>, </a:t>
-            </a:r>
-            <a:r>
-              <a:rPr lang="ko-KR" altLang="en-US" dirty="0"/>
-              <a:t>현재 </a:t>
-            </a:r>
-            <a:r>
-              <a:rPr lang="en-US" altLang="ko-KR" dirty="0"/>
-              <a:t>phase</a:t>
-            </a:r>
-            <a:r>
-              <a:rPr lang="ko-KR" altLang="en-US" dirty="0"/>
-              <a:t>의 </a:t>
-            </a:r>
-            <a:r>
-              <a:rPr lang="en-US" altLang="ko-KR" dirty="0"/>
-              <a:t>index (id</a:t>
-            </a:r>
-            <a:r>
-              <a:rPr lang="ko-KR" altLang="en-US" dirty="0"/>
-              <a:t>에 등록된 것만</a:t>
-            </a:r>
-            <a:r>
-              <a:rPr lang="en-US" altLang="ko-KR" dirty="0"/>
-              <a:t>)</a:t>
-            </a:r>
-            <a:br>
-              <a:rPr lang="en-US" altLang="ko-KR" dirty="0"/>
-            </a:br>
-            <a:r>
-              <a:rPr lang="en-US" altLang="ko-KR" dirty="0"/>
-              <a:t>- Complete program definition: </a:t>
-            </a:r>
-            <a:r>
-              <a:rPr lang="en-US" altLang="ko-KR" dirty="0" err="1"/>
-              <a:t>getCompleteRedYellowGreenDefinition</a:t>
-            </a:r>
-            <a:r>
-              <a:rPr lang="en-US" altLang="ko-KR" dirty="0"/>
-              <a:t>, TL </a:t>
-            </a:r>
-            <a:r>
-              <a:rPr lang="ko-KR" altLang="en-US" dirty="0"/>
-              <a:t>프로그램 받아오기</a:t>
-            </a:r>
-            <a:endParaRPr lang="en-US" altLang="ko-KR" dirty="0"/>
-          </a:p>
-          <a:p>
-            <a:r>
-              <a:rPr lang="en-US" altLang="ko-KR" dirty="0"/>
-              <a:t>Change Traffic Lights State</a:t>
-            </a:r>
-            <a:br>
-              <a:rPr lang="en-US" altLang="ko-KR" dirty="0"/>
-            </a:br>
-            <a:r>
-              <a:rPr lang="en-US" altLang="ko-KR" dirty="0"/>
-              <a:t>- Change state: </a:t>
-            </a:r>
-            <a:r>
-              <a:rPr lang="en-US" altLang="ko-KR" dirty="0" err="1"/>
-              <a:t>setRedYellowGreenState</a:t>
-            </a:r>
-            <a:br>
-              <a:rPr lang="en-US" altLang="ko-KR" dirty="0"/>
-            </a:br>
-            <a:r>
-              <a:rPr lang="en-US" altLang="ko-KR" dirty="0"/>
-              <a:t>- Change phase duration: </a:t>
-            </a:r>
-            <a:r>
-              <a:rPr lang="en-US" altLang="ko-KR" dirty="0" err="1"/>
-              <a:t>setPhaseDuration</a:t>
-            </a:r>
-            <a:br>
-              <a:rPr lang="en-US" altLang="ko-KR" dirty="0"/>
-            </a:br>
-            <a:r>
-              <a:rPr lang="en-US" altLang="ko-KR" dirty="0"/>
-              <a:t>- Complete program definition: </a:t>
-            </a:r>
-            <a:r>
-              <a:rPr lang="en-US" altLang="ko-KR" dirty="0" err="1"/>
-              <a:t>setCompleteRedYellowGreenDefinition</a:t>
-            </a:r>
-            <a:r>
-              <a:rPr lang="en-US" altLang="ko-KR" dirty="0"/>
-              <a:t>, </a:t>
-            </a:r>
-            <a:r>
-              <a:rPr lang="ko-KR" altLang="en-US" dirty="0"/>
-              <a:t>새로운</a:t>
-            </a:r>
-            <a:r>
-              <a:rPr lang="en-US" altLang="ko-KR" dirty="0"/>
-              <a:t>TL</a:t>
-            </a:r>
-            <a:r>
-              <a:rPr lang="ko-KR" altLang="en-US" dirty="0"/>
-              <a:t> 프로그램 삽입</a:t>
-            </a:r>
-            <a:br>
-              <a:rPr lang="en-US" altLang="ko-KR" dirty="0"/>
-            </a:br>
-            <a:r>
-              <a:rPr lang="en-US" altLang="ko-KR" dirty="0"/>
-              <a:t>- Change program logic: </a:t>
-            </a:r>
-            <a:r>
-              <a:rPr lang="en-US" altLang="ko-KR" dirty="0" err="1"/>
-              <a:t>setProgramLogic</a:t>
-            </a:r>
-            <a:r>
-              <a:rPr lang="en-US" altLang="ko-KR" dirty="0"/>
-              <a:t> : logic </a:t>
-            </a:r>
-            <a:r>
-              <a:rPr lang="ko-KR" altLang="en-US" dirty="0"/>
-              <a:t>삽입</a:t>
-            </a:r>
-            <a:endParaRPr lang="en-US" altLang="ko-KR" dirty="0"/>
+              <a:rPr lang="ko-KR" altLang="en-US" sz="1400" dirty="0"/>
+              <a:t>생성</a:t>
+            </a:r>
           </a:p>
         </p:txBody>
       </p:sp>
     </p:spTree>
     <p:extLst>
       <p:ext uri="{BB962C8B-B14F-4D97-AF65-F5344CB8AC3E}">
-        <p14:creationId xmlns:p14="http://schemas.microsoft.com/office/powerpoint/2010/main" val="2738297341"/>
+        <p14:creationId xmlns:p14="http://schemas.microsoft.com/office/powerpoint/2010/main" val="1470577201"/>
       </p:ext>
     </p:extLst>
   </p:cSld>
@@ -8619,7 +9180,13 @@
       </p:grpSpPr>
       <p:sp>
         <p:nvSpPr>
-          <p:cNvPr id="2" name="제목 1"/>
+          <p:cNvPr id="2" name="제목 1">
+            <a:extLst>
+              <a:ext uri="{FF2B5EF4-FFF2-40B4-BE49-F238E27FC236}">
+                <a16:creationId xmlns:a16="http://schemas.microsoft.com/office/drawing/2014/main" id="{C82356D5-FCB9-4C9F-9405-0C9C4566D5C8}"/>
+              </a:ext>
+            </a:extLst>
+          </p:cNvPr>
           <p:cNvSpPr>
             <a:spLocks noGrp="1"/>
           </p:cNvSpPr>
@@ -8634,15 +9201,24 @@
           <a:p>
             <a:r>
               <a:rPr lang="en-US" altLang="ko-KR" dirty="0"/>
-              <a:t>Traffic Observation Data</a:t>
-            </a:r>
-            <a:endParaRPr lang="ko-KR" altLang="en-US" dirty="0"/>
-          </a:p>
-        </p:txBody>
-      </p:sp>
-      <p:sp>
-        <p:nvSpPr>
-          <p:cNvPr id="3" name="내용 개체 틀 2"/>
+              <a:t>SUMO </a:t>
+            </a:r>
+            <a:r>
+              <a:rPr lang="ko-KR" altLang="en-US" dirty="0"/>
+              <a:t>결과물 비교 제작</a:t>
+            </a:r>
+          </a:p>
+        </p:txBody>
+      </p:sp>
+      <p:sp>
+        <p:nvSpPr>
+          <p:cNvPr id="3" name="내용 개체 틀 2">
+            <a:extLst>
+              <a:ext uri="{FF2B5EF4-FFF2-40B4-BE49-F238E27FC236}">
+                <a16:creationId xmlns:a16="http://schemas.microsoft.com/office/drawing/2014/main" id="{79F9D4C2-3073-4412-A754-DC2F03A7F902}"/>
+              </a:ext>
+            </a:extLst>
+          </p:cNvPr>
           <p:cNvSpPr>
             <a:spLocks noGrp="1"/>
           </p:cNvSpPr>
@@ -8650,18 +9226,126 @@
             <p:ph idx="1"/>
           </p:nvPr>
         </p:nvSpPr>
-        <p:spPr/>
+        <p:spPr>
+          <a:xfrm>
+            <a:off x="1097280" y="1845734"/>
+            <a:ext cx="5060239" cy="4023360"/>
+          </a:xfrm>
+        </p:spPr>
         <p:txBody>
           <a:bodyPr/>
           <a:lstStyle/>
           <a:p>
             <a:r>
               <a:rPr lang="en-US" altLang="ko-KR" dirty="0"/>
-              <a:t> Induction Loops detector (</a:t>
+              <a:t> graphcheck.py </a:t>
+            </a:r>
+            <a:r>
+              <a:rPr lang="ko-KR" altLang="en-US" dirty="0"/>
+              <a:t>를 통한 데이터 생성</a:t>
+            </a:r>
+            <a:endParaRPr lang="en-US" altLang="ko-KR" dirty="0"/>
+          </a:p>
+          <a:p>
+            <a:pPr lvl="1"/>
+            <a:r>
+              <a:rPr lang="ko-KR" altLang="en-US" dirty="0"/>
+              <a:t>두개 </a:t>
+            </a:r>
+            <a:r>
+              <a:rPr lang="en-US" altLang="ko-KR" dirty="0"/>
+              <a:t>xml </a:t>
+            </a:r>
+            <a:r>
+              <a:rPr lang="ko-KR" altLang="en-US" dirty="0"/>
+              <a:t>파일 기반 데이터 비교용 </a:t>
             </a:r>
             <a:r>
               <a:rPr lang="en-US" altLang="ko-KR" dirty="0" err="1"/>
-              <a:t>TraCI</a:t>
+              <a:t>tensorboard</a:t>
+            </a:r>
+            <a:r>
+              <a:rPr lang="en-US" altLang="ko-KR" dirty="0"/>
+              <a:t> </a:t>
+            </a:r>
+            <a:r>
+              <a:rPr lang="ko-KR" altLang="en-US" dirty="0"/>
+              <a:t>생성</a:t>
+            </a:r>
+            <a:endParaRPr lang="en-US" altLang="ko-KR" dirty="0"/>
+          </a:p>
+          <a:p>
+            <a:pPr lvl="1"/>
+            <a:r>
+              <a:rPr lang="en-US" altLang="ko-KR" dirty="0" err="1"/>
+              <a:t>Tensorboard</a:t>
+            </a:r>
+            <a:r>
+              <a:rPr lang="en-US" altLang="ko-KR" dirty="0"/>
+              <a:t> –</a:t>
+            </a:r>
+            <a:r>
+              <a:rPr lang="en-US" altLang="ko-KR" dirty="0" err="1"/>
+              <a:t>logdir</a:t>
+            </a:r>
+            <a:r>
+              <a:rPr lang="en-US" altLang="ko-KR" dirty="0"/>
+              <a:t>=</a:t>
+            </a:r>
+            <a:r>
+              <a:rPr lang="en-US" altLang="ko-KR" dirty="0" err="1"/>
+              <a:t>tensorboard</a:t>
+            </a:r>
+            <a:r>
+              <a:rPr lang="ko-KR" altLang="en-US" dirty="0"/>
+              <a:t>로 다양한 정보 비교</a:t>
+            </a:r>
+            <a:r>
+              <a:rPr lang="en-US" altLang="ko-KR" dirty="0"/>
+              <a:t/>
+            </a:r>
+            <a:br>
+              <a:rPr lang="en-US" altLang="ko-KR" dirty="0"/>
+            </a:br>
+            <a:r>
+              <a:rPr lang="en-US" altLang="ko-KR" dirty="0"/>
+              <a:t>(lane</a:t>
+            </a:r>
+            <a:r>
+              <a:rPr lang="ko-KR" altLang="en-US" dirty="0"/>
+              <a:t>과 </a:t>
+            </a:r>
+            <a:r>
+              <a:rPr lang="en-US" altLang="ko-KR" dirty="0" err="1"/>
+              <a:t>edgeData</a:t>
+            </a:r>
+            <a:r>
+              <a:rPr lang="ko-KR" altLang="en-US" dirty="0"/>
+              <a:t>로 출력되는 평균 속도</a:t>
+            </a:r>
+            <a:r>
+              <a:rPr lang="en-US" altLang="ko-KR" dirty="0"/>
+              <a:t>, </a:t>
+            </a:r>
+            <a:r>
+              <a:rPr lang="ko-KR" altLang="en-US" dirty="0"/>
+              <a:t>차량의 도로 점유율</a:t>
+            </a:r>
+            <a:r>
+              <a:rPr lang="en-US" altLang="ko-KR" dirty="0"/>
+              <a:t>, </a:t>
+            </a:r>
+            <a:r>
+              <a:rPr lang="ko-KR" altLang="en-US" dirty="0"/>
+              <a:t>차선 점유율</a:t>
+            </a:r>
+            <a:r>
+              <a:rPr lang="en-US" altLang="ko-KR" dirty="0"/>
+              <a:t>,</a:t>
+            </a:r>
+            <a:r>
+              <a:rPr lang="ko-KR" altLang="en-US" dirty="0"/>
+              <a:t>등등 확인 가능</a:t>
             </a:r>
             <a:r>
               <a:rPr lang="en-US" altLang="ko-KR" dirty="0"/>
@@ -8669,114 +9353,79 @@
             </a:r>
           </a:p>
           <a:p>
+            <a:r>
+              <a:rPr lang="en-US" altLang="ko-KR" dirty="0"/>
+              <a:t> run.py</a:t>
+            </a:r>
+            <a:r>
+              <a:rPr lang="ko-KR" altLang="en-US" dirty="0"/>
+              <a:t>를 통한 학습 진행 데이터 생성</a:t>
+            </a:r>
+            <a:endParaRPr lang="en-US" altLang="ko-KR" dirty="0"/>
+          </a:p>
+          <a:p>
             <a:pPr lvl="1"/>
             <a:r>
               <a:rPr lang="en-US" altLang="ko-KR" dirty="0"/>
-              <a:t>Induction Loop value retrieval</a:t>
-            </a:r>
-          </a:p>
-          <a:p>
-            <a:pPr lvl="2"/>
-            <a:r>
-              <a:rPr lang="en-US" altLang="ko-KR" dirty="0"/>
-              <a:t>ID List: </a:t>
+              <a:t>Loss </a:t>
+            </a:r>
+            <a:r>
+              <a:rPr lang="ko-KR" altLang="en-US" dirty="0"/>
+              <a:t>와 </a:t>
+            </a:r>
+            <a:r>
+              <a:rPr lang="en-US" altLang="ko-KR" dirty="0"/>
+              <a:t>reward</a:t>
+            </a:r>
+            <a:r>
+              <a:rPr lang="ko-KR" altLang="en-US" dirty="0"/>
+              <a:t>를 학습이 진행하면서 실시간으로 확인하기 위한 </a:t>
             </a:r>
             <a:r>
               <a:rPr lang="en-US" altLang="ko-KR" dirty="0" err="1"/>
-              <a:t>getIDList</a:t>
+              <a:t>tensorboard</a:t>
+            </a:r>
+            <a:r>
+              <a:rPr lang="en-US" altLang="ko-KR" dirty="0"/>
+              <a:t> </a:t>
+            </a:r>
+            <a:r>
+              <a:rPr lang="ko-KR" altLang="en-US" dirty="0" smtClean="0"/>
+              <a:t>생성</a:t>
+            </a:r>
+            <a:endParaRPr lang="en-US" altLang="ko-KR" dirty="0" smtClean="0"/>
+          </a:p>
+          <a:p>
+            <a:pPr lvl="1"/>
+            <a:r>
+              <a:rPr lang="ko-KR" altLang="en-US" dirty="0" smtClean="0"/>
+              <a:t>모델링 재조정 필요 및 교차로 </a:t>
+            </a:r>
+            <a:r>
+              <a:rPr lang="ko-KR" altLang="en-US" dirty="0" smtClean="0"/>
+              <a:t>수 변화에 따른 </a:t>
+            </a:r>
+            <a:r>
+              <a:rPr lang="en-US" altLang="ko-KR" dirty="0" smtClean="0"/>
+              <a:t>space </a:t>
+            </a:r>
+            <a:r>
+              <a:rPr lang="ko-KR" altLang="en-US" dirty="0" smtClean="0"/>
+              <a:t>크기 자동 조정 필요</a:t>
             </a:r>
             <a:endParaRPr lang="en-US" altLang="ko-KR" dirty="0"/>
-          </a:p>
-          <a:p>
-            <a:pPr lvl="2"/>
-            <a:r>
-              <a:rPr lang="en-US" altLang="ko-KR" dirty="0"/>
-              <a:t># Visiting Vehicle: </a:t>
-            </a:r>
-            <a:r>
-              <a:rPr lang="en-US" altLang="ko-KR" dirty="0" err="1"/>
-              <a:t>getLastStepVehicleNumber</a:t>
-            </a:r>
-            <a:endParaRPr lang="en-US" altLang="ko-KR" dirty="0"/>
-          </a:p>
-          <a:p>
-            <a:pPr lvl="2"/>
-            <a:r>
-              <a:rPr lang="en-US" altLang="ko-KR" dirty="0"/>
-              <a:t>Percentage of time that was occupied: </a:t>
-            </a:r>
-            <a:r>
-              <a:rPr lang="en-US" altLang="ko-KR" dirty="0" err="1"/>
-              <a:t>getLastStepOccupancy</a:t>
-            </a:r>
-            <a:endParaRPr lang="en-US" altLang="ko-KR" dirty="0"/>
-          </a:p>
-          <a:p>
-            <a:r>
-              <a:rPr lang="en-US" altLang="ko-KR" dirty="0"/>
-              <a:t> Lane Area detector (</a:t>
-            </a:r>
-            <a:r>
-              <a:rPr lang="en-US" altLang="ko-KR" dirty="0" err="1"/>
-              <a:t>TraCI</a:t>
-            </a:r>
-            <a:r>
-              <a:rPr lang="en-US" altLang="ko-KR" dirty="0"/>
-              <a:t>)</a:t>
-            </a:r>
-          </a:p>
-          <a:p>
-            <a:pPr lvl="1"/>
-            <a:r>
-              <a:rPr lang="en-US" altLang="ko-KR" dirty="0"/>
-              <a:t>Lane Area detector value retrieval</a:t>
-            </a:r>
-          </a:p>
-          <a:p>
-            <a:pPr lvl="2"/>
-            <a:r>
-              <a:rPr lang="en-US" altLang="ko-KR" dirty="0"/>
-              <a:t>ID List: </a:t>
-            </a:r>
-            <a:r>
-              <a:rPr lang="en-US" altLang="ko-KR" dirty="0" err="1"/>
-              <a:t>getIDList</a:t>
-            </a:r>
-            <a:endParaRPr lang="en-US" altLang="ko-KR" dirty="0"/>
-          </a:p>
-          <a:p>
-            <a:pPr lvl="2"/>
-            <a:r>
-              <a:rPr lang="en-US" altLang="ko-KR" dirty="0"/>
-              <a:t># Visiting Vehicle: </a:t>
-            </a:r>
-            <a:r>
-              <a:rPr lang="en-US" altLang="ko-KR" dirty="0" err="1"/>
-              <a:t>getLastStepVehicleNumber</a:t>
-            </a:r>
-            <a:endParaRPr lang="en-US" altLang="ko-KR" dirty="0"/>
-          </a:p>
-          <a:p>
-            <a:pPr lvl="2"/>
-            <a:r>
-              <a:rPr lang="en-US" altLang="ko-KR" dirty="0"/>
-              <a:t>Percentage of time that was occupied: </a:t>
-            </a:r>
-            <a:r>
-              <a:rPr lang="en-US" altLang="ko-KR" dirty="0" err="1"/>
-              <a:t>getLastStepOccupancy</a:t>
-            </a:r>
-            <a:endParaRPr lang="en-US" altLang="ko-KR" dirty="0"/>
-          </a:p>
-          <a:p>
-            <a:pPr lvl="2"/>
-            <a:endParaRPr lang="ko-KR" altLang="en-US" dirty="0"/>
           </a:p>
         </p:txBody>
       </p:sp>
       <p:pic>
         <p:nvPicPr>
-          <p:cNvPr id="4" name="그림 3"/>
+          <p:cNvPr id="5" name="그림 4">
+            <a:extLst>
+              <a:ext uri="{FF2B5EF4-FFF2-40B4-BE49-F238E27FC236}">
+                <a16:creationId xmlns:a16="http://schemas.microsoft.com/office/drawing/2014/main" id="{2E229CCC-AEAA-42EE-9BD8-305662D6CE18}"/>
+              </a:ext>
+            </a:extLst>
+          </p:cNvPr>
           <p:cNvPicPr>
             <a:picLocks noChangeAspect="1"/>
           </p:cNvPicPr>
@@ -8790,8 +9439,8 @@
         </p:blipFill>
         <p:spPr>
           <a:xfrm>
-            <a:off x="6841621" y="3729950"/>
-            <a:ext cx="4940554" cy="1149409"/>
+            <a:off x="6693949" y="1808120"/>
+            <a:ext cx="5121436" cy="3157408"/>
           </a:xfrm>
           <a:prstGeom prst="rect">
             <a:avLst/>
@@ -8800,22 +9449,21 @@
       </p:pic>
       <p:pic>
         <p:nvPicPr>
-          <p:cNvPr id="5" name="그림 4"/>
+          <p:cNvPr id="4" name="그림 3"/>
           <p:cNvPicPr>
             <a:picLocks noChangeAspect="1"/>
           </p:cNvPicPr>
           <p:nvPr/>
         </p:nvPicPr>
-        <p:blipFill>
+        <p:blipFill rotWithShape="1">
           <a:blip r:embed="rId3"/>
-          <a:stretch>
-            <a:fillRect/>
-          </a:stretch>
+          <a:srcRect b="14483"/>
+          <a:stretch/>
         </p:blipFill>
         <p:spPr>
           <a:xfrm>
-            <a:off x="5749365" y="2082956"/>
-            <a:ext cx="6032810" cy="704886"/>
+            <a:off x="6693949" y="4965528"/>
+            <a:ext cx="2921759" cy="1251627"/>
           </a:xfrm>
           <a:prstGeom prst="rect">
             <a:avLst/>
@@ -8825,7 +9473,7 @@
     </p:spTree>
     <p:extLst>
       <p:ext uri="{BB962C8B-B14F-4D97-AF65-F5344CB8AC3E}">
-        <p14:creationId xmlns:p14="http://schemas.microsoft.com/office/powerpoint/2010/main" val="3196876027"/>
+        <p14:creationId xmlns:p14="http://schemas.microsoft.com/office/powerpoint/2010/main" val="4026742646"/>
       </p:ext>
     </p:extLst>
   </p:cSld>
@@ -8872,6 +9520,10 @@
             <a:r>
               <a:rPr lang="en-US" altLang="ko-KR" sz="2400" b="1" dirty="0"/>
               <a:t>Toward A Thousand Lights:</a:t>
+            </a:r>
+            <a:r>
+              <a:rPr lang="en-US" altLang="ko-KR" sz="2400" dirty="0"/>
+              <a:t/>
             </a:r>
             <a:br>
               <a:rPr lang="en-US" altLang="ko-KR" sz="2400" dirty="0"/>
@@ -9164,6 +9816,12 @@
               <a:rPr lang="en-US" altLang="ko-KR" dirty="0"/>
               <a:t>Increase emission gas (contributes 23% of total CO2 emission) </a:t>
             </a:r>
+            <a:r>
+              <a:rPr lang="en-US" altLang="ko-KR" dirty="0">
+                <a:sym typeface="Wingdings" panose="05000000000000000000" pitchFamily="2" charset="2"/>
+              </a:rPr>
+              <a:t/>
+            </a:r>
             <a:br>
               <a:rPr lang="en-US" altLang="ko-KR" dirty="0">
                 <a:sym typeface="Wingdings" panose="05000000000000000000" pitchFamily="2" charset="2"/>
@@ -9185,6 +9843,10 @@
                 <a:sym typeface="Wingdings" panose="05000000000000000000" pitchFamily="2" charset="2"/>
               </a:rPr>
               <a:t> Trend: applying RL method for traffic signal control</a:t>
+            </a:r>
+            <a:r>
+              <a:rPr lang="en-US" altLang="ko-KR" dirty="0"/>
+              <a:t/>
             </a:r>
             <a:br>
               <a:rPr lang="en-US" altLang="ko-KR" dirty="0"/>
@@ -9567,6 +10229,10 @@
             <a:br>
               <a:rPr lang="en-US" altLang="ko-KR" dirty="0"/>
             </a:br>
+            <a:r>
+              <a:rPr lang="en-US" altLang="ko-KR" dirty="0"/>
+              <a:t/>
+            </a:r>
             <a:br>
               <a:rPr lang="en-US" altLang="ko-KR" dirty="0"/>
             </a:br>
@@ -9960,6 +10626,10 @@
             <a:br>
               <a:rPr lang="en-US" altLang="ko-KR" dirty="0"/>
             </a:br>
+            <a:r>
+              <a:rPr lang="en-US" altLang="ko-KR" dirty="0"/>
+              <a:t/>
+            </a:r>
             <a:br>
               <a:rPr lang="en-US" altLang="ko-KR" dirty="0"/>
             </a:br>
@@ -10354,6 +11024,10 @@
             <a:r>
               <a:rPr lang="ko-KR" altLang="en-US" dirty="0"/>
               <a:t>제작</a:t>
+            </a:r>
+            <a:r>
+              <a:rPr lang="en-US" altLang="ko-KR" dirty="0"/>
+              <a:t/>
             </a:r>
             <a:br>
               <a:rPr lang="en-US" altLang="ko-KR" dirty="0"/>
@@ -11430,6 +12104,10 @@
             <a:br>
               <a:rPr lang="en-US" altLang="ko-KR" dirty="0"/>
             </a:br>
+            <a:r>
+              <a:rPr lang="en-US" altLang="ko-KR" dirty="0"/>
+              <a:t/>
+            </a:r>
             <a:br>
               <a:rPr lang="en-US" altLang="ko-KR" dirty="0"/>
             </a:br>
@@ -16776,6 +17454,10 @@
               <a:rPr lang="ko-KR" altLang="en-US" dirty="0"/>
               <a:t>에 가점 부여</a:t>
             </a:r>
+            <a:r>
+              <a:rPr lang="en-US" altLang="ko-KR" dirty="0"/>
+              <a:t/>
+            </a:r>
             <a:br>
               <a:rPr lang="en-US" altLang="ko-KR" dirty="0"/>
             </a:br>
@@ -16830,6 +17512,10 @@
             <a:r>
               <a:rPr lang="ko-KR" altLang="en-US" dirty="0"/>
               <a:t>차량 수 </a:t>
+            </a:r>
+            <a:r>
+              <a:rPr lang="en-US" altLang="ko-KR" dirty="0"/>
+              <a:t/>
             </a:r>
             <a:br>
               <a:rPr lang="en-US" altLang="ko-KR" dirty="0"/>
@@ -17395,6 +18081,10 @@
               <a:rPr lang="ko-KR" altLang="en-US" dirty="0"/>
               <a:t>을 뒤로 이동</a:t>
             </a:r>
+            <a:r>
+              <a:rPr lang="en-US" altLang="ko-KR" dirty="0"/>
+              <a:t/>
+            </a:r>
             <a:br>
               <a:rPr lang="en-US" altLang="ko-KR" dirty="0"/>
             </a:br>
@@ -17939,6 +18629,10 @@
               <a:rPr lang="ko-KR" altLang="en-US" dirty="0"/>
               <a:t>에서 중요 흐름에 가점 부여</a:t>
             </a:r>
+            <a:r>
+              <a:rPr lang="en-US" altLang="ko-KR" dirty="0"/>
+              <a:t/>
+            </a:r>
             <a:br>
               <a:rPr lang="en-US" altLang="ko-KR" dirty="0"/>
             </a:br>
@@ -18133,6 +18827,12 @@
                 <a:sym typeface="Wingdings" panose="05000000000000000000" pitchFamily="2" charset="2"/>
               </a:rPr>
               <a:t>모든 내용을 공유하는 것이 아닌 부분만 공유</a:t>
+            </a:r>
+            <a:r>
+              <a:rPr lang="en-US" altLang="ko-KR" dirty="0">
+                <a:sym typeface="Wingdings" panose="05000000000000000000" pitchFamily="2" charset="2"/>
+              </a:rPr>
+              <a:t/>
             </a:r>
             <a:br>
               <a:rPr lang="en-US" altLang="ko-KR" dirty="0">
@@ -18628,13 +19328,22 @@
               <a:t>pressure </a:t>
             </a:r>
             <a:r>
-              <a:rPr lang="ko-KR" altLang="en-US" dirty="0"/>
+              <a:rPr lang="ko-KR" altLang="en-US" dirty="0" smtClean="0"/>
               <a:t>증가이므로</a:t>
             </a:r>
             <a:r>
-              <a:rPr lang="en-US" altLang="ko-KR" dirty="0"/>
+              <a:rPr lang="en-US" altLang="ko-KR" dirty="0" smtClean="0"/>
+              <a:t>, </a:t>
+            </a:r>
+            <a:r>
+              <a:rPr lang="ko-KR" altLang="en-US" dirty="0" smtClean="0"/>
+              <a:t>앞서 문제라고 제시한 평균 속도와 같은 개념의 도입이 도움이 될 듯함</a:t>
+            </a:r>
+            <a:r>
+              <a:rPr lang="en-US" altLang="ko-KR" dirty="0" smtClean="0"/>
               <a:t>)</a:t>
             </a:r>
+            <a:endParaRPr lang="en-US" altLang="ko-KR" dirty="0"/>
           </a:p>
           <a:p>
             <a:pPr lvl="1"/>
@@ -18665,8 +19374,29 @@
               <a:rPr lang="en-US" altLang="ko-KR" dirty="0">
                 <a:sym typeface="Wingdings" panose="05000000000000000000" pitchFamily="2" charset="2"/>
               </a:rPr>
-              <a:t> dimension reduced by PCA</a:t>
-            </a:r>
+              <a:t> dimension reduced by </a:t>
+            </a:r>
+            <a:r>
+              <a:rPr lang="en-US" altLang="ko-KR" dirty="0" smtClean="0">
+                <a:sym typeface="Wingdings" panose="05000000000000000000" pitchFamily="2" charset="2"/>
+              </a:rPr>
+              <a:t>PCA, </a:t>
+            </a:r>
+            <a:r>
+              <a:rPr lang="en-US" altLang="ko-KR" dirty="0" smtClean="0">
+                <a:sym typeface="Wingdings" panose="05000000000000000000" pitchFamily="2" charset="2"/>
+              </a:rPr>
+              <a:t>action space</a:t>
+            </a:r>
+            <a:r>
+              <a:rPr lang="ko-KR" altLang="en-US" dirty="0" smtClean="0">
+                <a:sym typeface="Wingdings" panose="05000000000000000000" pitchFamily="2" charset="2"/>
+              </a:rPr>
+              <a:t>의 크기는 줄일 수 없음</a:t>
+            </a:r>
+            <a:endParaRPr lang="en-US" altLang="ko-KR" dirty="0">
+              <a:sym typeface="Wingdings" panose="05000000000000000000" pitchFamily="2" charset="2"/>
+            </a:endParaRPr>
           </a:p>
           <a:p>
             <a:pPr lvl="2"/>
@@ -18916,6 +19646,10 @@
               <a:rPr lang="ko-KR" altLang="en-US" dirty="0"/>
               <a:t>멀면 분산효과가 커서 필요성이 낮음</a:t>
             </a:r>
+            <a:r>
+              <a:rPr lang="en-US" altLang="ko-KR" dirty="0"/>
+              <a:t/>
+            </a:r>
             <a:br>
               <a:rPr lang="en-US" altLang="ko-KR" dirty="0"/>
             </a:br>
@@ -19118,6 +19852,12 @@
               </a:rPr>
               <a:t>차량 모두 고려해야 함</a:t>
             </a:r>
+            <a:r>
+              <a:rPr lang="en-US" altLang="ko-KR" dirty="0">
+                <a:sym typeface="Wingdings" panose="05000000000000000000" pitchFamily="2" charset="2"/>
+              </a:rPr>
+              <a:t/>
+            </a:r>
             <a:br>
               <a:rPr lang="en-US" altLang="ko-KR" dirty="0">
                 <a:sym typeface="Wingdings" panose="05000000000000000000" pitchFamily="2" charset="2"/>
@@ -19172,6 +19912,12 @@
                 <a:sym typeface="Wingdings" panose="05000000000000000000" pitchFamily="2" charset="2"/>
               </a:rPr>
               <a:t>연동 필요가 없음</a:t>
+            </a:r>
+            <a:r>
+              <a:rPr lang="en-US" altLang="ko-KR" dirty="0">
+                <a:sym typeface="Wingdings" panose="05000000000000000000" pitchFamily="2" charset="2"/>
+              </a:rPr>
+              <a:t/>
             </a:r>
             <a:br>
               <a:rPr lang="en-US" altLang="ko-KR" dirty="0">
@@ -19579,715 +20325,732 @@
           <a:p>
             <a:r>
               <a:rPr lang="en-US" altLang="ko-KR" dirty="0"/>
-              <a:t>SUMO Network </a:t>
-            </a:r>
-            <a:r>
-              <a:rPr lang="ko-KR" altLang="en-US" dirty="0"/>
-              <a:t>제작</a:t>
-            </a:r>
-          </a:p>
-        </p:txBody>
-      </p:sp>
-      <p:pic>
-        <p:nvPicPr>
-          <p:cNvPr id="4" name="내용 개체 틀 3"/>
-          <p:cNvPicPr>
-            <a:picLocks noGrp="1" noChangeAspect="1"/>
-          </p:cNvPicPr>
+              <a:t>Defining New TLS-Programs</a:t>
+            </a:r>
+            <a:endParaRPr lang="ko-KR" altLang="en-US" dirty="0"/>
+          </a:p>
+        </p:txBody>
+      </p:sp>
+      <p:sp>
+        <p:nvSpPr>
+          <p:cNvPr id="3" name="내용 개체 틀 2"/>
+          <p:cNvSpPr>
+            <a:spLocks noGrp="1"/>
+          </p:cNvSpPr>
           <p:nvPr>
             <p:ph idx="1"/>
           </p:nvPr>
+        </p:nvSpPr>
+        <p:spPr/>
+        <p:txBody>
+          <a:bodyPr/>
+          <a:lstStyle/>
+          <a:p>
+            <a:r>
+              <a:rPr lang="en-US" altLang="ko-KR" dirty="0"/>
+              <a:t>Additional file</a:t>
+            </a:r>
+            <a:r>
+              <a:rPr lang="ko-KR" altLang="en-US" dirty="0"/>
+              <a:t>을 사용</a:t>
+            </a:r>
+            <a:r>
+              <a:rPr lang="en-US" altLang="ko-KR" dirty="0"/>
+              <a:t/>
+            </a:r>
+            <a:br>
+              <a:rPr lang="en-US" altLang="ko-KR" dirty="0"/>
+            </a:br>
+            <a:r>
+              <a:rPr lang="en-US" altLang="ko-KR" dirty="0">
+                <a:sym typeface="Wingdings" panose="05000000000000000000" pitchFamily="2" charset="2"/>
+              </a:rPr>
+              <a:t></a:t>
+            </a:r>
+            <a:r>
+              <a:rPr lang="ko-KR" altLang="en-US" dirty="0"/>
+              <a:t> </a:t>
+            </a:r>
+            <a:r>
+              <a:rPr lang="en-US" altLang="ko-KR" dirty="0" err="1"/>
+              <a:t>tlLogic</a:t>
+            </a:r>
+            <a:r>
+              <a:rPr lang="en-US" altLang="ko-KR" dirty="0"/>
+              <a:t> id</a:t>
+            </a:r>
+            <a:r>
+              <a:rPr lang="ko-KR" altLang="en-US" dirty="0"/>
+              <a:t>를 부여하여 사용함</a:t>
+            </a:r>
+            <a:r>
+              <a:rPr lang="en-US" altLang="ko-KR" dirty="0"/>
+              <a:t>(.nod.xml</a:t>
+            </a:r>
+            <a:r>
+              <a:rPr lang="ko-KR" altLang="en-US" dirty="0"/>
+              <a:t>에서 부여한 </a:t>
+            </a:r>
+            <a:r>
+              <a:rPr lang="en-US" altLang="ko-KR" dirty="0"/>
+              <a:t>id</a:t>
+            </a:r>
+            <a:r>
+              <a:rPr lang="ko-KR" altLang="en-US" dirty="0"/>
+              <a:t>와 동일할 때</a:t>
+            </a:r>
+            <a:r>
+              <a:rPr lang="en-US" altLang="ko-KR" dirty="0"/>
+              <a:t>, </a:t>
+            </a:r>
+            <a:r>
+              <a:rPr lang="ko-KR" altLang="en-US" dirty="0"/>
+              <a:t>동작함</a:t>
+            </a:r>
+            <a:r>
+              <a:rPr lang="en-US" altLang="ko-KR" dirty="0"/>
+              <a:t>)</a:t>
+            </a:r>
+          </a:p>
+          <a:p>
+            <a:r>
+              <a:rPr lang="en-US" altLang="ko-KR" dirty="0"/>
+              <a:t>Program ID</a:t>
+            </a:r>
+            <a:r>
+              <a:rPr lang="ko-KR" altLang="en-US" dirty="0"/>
+              <a:t>는 </a:t>
+            </a:r>
+            <a:r>
+              <a:rPr lang="en-US" altLang="ko-KR" dirty="0"/>
+              <a:t>‘off’</a:t>
+            </a:r>
+            <a:r>
+              <a:rPr lang="ko-KR" altLang="en-US" dirty="0"/>
+              <a:t>를 제외하고 부여</a:t>
+            </a:r>
+            <a:endParaRPr lang="en-US" altLang="ko-KR" dirty="0"/>
+          </a:p>
+          <a:p>
+            <a:r>
+              <a:rPr lang="ko-KR" altLang="en-US" dirty="0"/>
+              <a:t>아래 </a:t>
+            </a:r>
+            <a:r>
+              <a:rPr lang="en-US" altLang="ko-KR" dirty="0"/>
+              <a:t>Character</a:t>
+            </a:r>
+            <a:r>
+              <a:rPr lang="ko-KR" altLang="en-US" dirty="0"/>
+              <a:t>는 소문자는 </a:t>
+            </a:r>
+            <a:r>
+              <a:rPr lang="en-US" altLang="ko-KR" dirty="0"/>
+              <a:t>decelerate </a:t>
+            </a:r>
+            <a:r>
+              <a:rPr lang="ko-KR" altLang="en-US" dirty="0"/>
+              <a:t>함을 의미</a:t>
+            </a:r>
+            <a:r>
+              <a:rPr lang="en-US" altLang="ko-KR" dirty="0"/>
+              <a:t>(set</a:t>
+            </a:r>
+            <a:r>
+              <a:rPr lang="ko-KR" altLang="en-US" dirty="0"/>
+              <a:t>할 때</a:t>
+            </a:r>
+            <a:r>
+              <a:rPr lang="en-US" altLang="ko-KR" dirty="0"/>
+              <a:t>, </a:t>
+            </a:r>
+            <a:r>
+              <a:rPr lang="ko-KR" altLang="en-US" dirty="0"/>
+              <a:t>기준</a:t>
+            </a:r>
+            <a:r>
+              <a:rPr lang="en-US" altLang="ko-KR" dirty="0"/>
+              <a:t>)</a:t>
+            </a:r>
+            <a:endParaRPr lang="ko-KR" altLang="en-US" dirty="0"/>
+          </a:p>
+        </p:txBody>
+      </p:sp>
+      <p:pic>
+        <p:nvPicPr>
+          <p:cNvPr id="4" name="그림 3"/>
+          <p:cNvPicPr>
+            <a:picLocks noChangeAspect="1"/>
+          </p:cNvPicPr>
+          <p:nvPr/>
         </p:nvPicPr>
-        <p:blipFill>
+        <p:blipFill rotWithShape="1">
           <a:blip r:embed="rId2"/>
-          <a:stretch>
-            <a:fillRect/>
-          </a:stretch>
+          <a:srcRect t="1704" b="3900"/>
+          <a:stretch/>
         </p:blipFill>
         <p:spPr>
           <a:xfrm>
-            <a:off x="3356734" y="1806343"/>
-            <a:ext cx="2574283" cy="1906265"/>
+            <a:off x="1035781" y="3477060"/>
+            <a:ext cx="1515890" cy="2590107"/>
           </a:xfrm>
           <a:prstGeom prst="rect">
             <a:avLst/>
           </a:prstGeom>
         </p:spPr>
       </p:pic>
-      <p:pic>
-        <p:nvPicPr>
-          <p:cNvPr id="5" name="그림 4"/>
-          <p:cNvPicPr>
-            <a:picLocks noChangeAspect="1"/>
-          </p:cNvPicPr>
+      <p:graphicFrame>
+        <p:nvGraphicFramePr>
+          <p:cNvPr id="5" name="표 4"/>
+          <p:cNvGraphicFramePr>
+            <a:graphicFrameLocks noGrp="1"/>
+          </p:cNvGraphicFramePr>
+          <p:nvPr>
+            <p:extLst>
+              <p:ext uri="{D42A27DB-BD31-4B8C-83A1-F6EECF244321}">
+                <p14:modId xmlns:p14="http://schemas.microsoft.com/office/powerpoint/2010/main" val="2715200273"/>
+              </p:ext>
+            </p:extLst>
+          </p:nvPr>
+        </p:nvGraphicFramePr>
+        <p:xfrm>
+          <a:off x="2551671" y="3477060"/>
+          <a:ext cx="8303740" cy="2590110"/>
+        </p:xfrm>
+        <a:graphic>
+          <a:graphicData uri="http://schemas.openxmlformats.org/drawingml/2006/table">
+            <a:tbl>
+              <a:tblPr firstRow="1" bandRow="1">
+                <a:tableStyleId>{5C22544A-7EE6-4342-B048-85BDC9FD1C3A}</a:tableStyleId>
+              </a:tblPr>
+              <a:tblGrid>
+                <a:gridCol w="8303740">
+                  <a:extLst>
+                    <a:ext uri="{9D8B030D-6E8A-4147-A177-3AD203B41FA5}">
+                      <a16:colId xmlns:a16="http://schemas.microsoft.com/office/drawing/2014/main" val="2295766174"/>
+                    </a:ext>
+                  </a:extLst>
+                </a:gridCol>
+              </a:tblGrid>
+              <a:tr h="287790">
+                <a:tc>
+                  <a:txBody>
+                    <a:bodyPr/>
+                    <a:lstStyle/>
+                    <a:p>
+                      <a:pPr latinLnBrk="1"/>
+                      <a:r>
+                        <a:rPr lang="ko-KR" altLang="en-US" sz="1200" dirty="0"/>
+                        <a:t>설명</a:t>
+                      </a:r>
+                    </a:p>
+                  </a:txBody>
+                  <a:tcPr/>
+                </a:tc>
+                <a:extLst>
+                  <a:ext uri="{0D108BD9-81ED-4DB2-BD59-A6C34878D82A}">
+                    <a16:rowId xmlns:a16="http://schemas.microsoft.com/office/drawing/2014/main" val="2193044637"/>
+                  </a:ext>
+                </a:extLst>
+              </a:tr>
+              <a:tr h="287790">
+                <a:tc>
+                  <a:txBody>
+                    <a:bodyPr/>
+                    <a:lstStyle/>
+                    <a:p>
+                      <a:pPr latinLnBrk="1"/>
+                      <a:r>
+                        <a:rPr lang="en-US" altLang="ko-KR" sz="1200" dirty="0"/>
+                        <a:t>Red Light,</a:t>
+                      </a:r>
+                      <a:r>
+                        <a:rPr lang="en-US" altLang="ko-KR" sz="1200" baseline="0" dirty="0"/>
+                        <a:t> </a:t>
+                      </a:r>
+                      <a:r>
+                        <a:rPr lang="ko-KR" altLang="en-US" sz="1200" baseline="0" dirty="0"/>
+                        <a:t>이 신호일 때</a:t>
+                      </a:r>
+                      <a:r>
+                        <a:rPr lang="en-US" altLang="ko-KR" sz="1200" baseline="0" dirty="0"/>
+                        <a:t>, junction</a:t>
+                      </a:r>
+                      <a:r>
+                        <a:rPr lang="ko-KR" altLang="en-US" sz="1200" baseline="0" dirty="0"/>
+                        <a:t>에서 차량이 정지하면</a:t>
+                      </a:r>
+                      <a:r>
+                        <a:rPr lang="en-US" altLang="ko-KR" sz="1200" baseline="0" dirty="0"/>
+                        <a:t> Teleport</a:t>
+                      </a:r>
+                      <a:endParaRPr lang="ko-KR" altLang="en-US" sz="1200" dirty="0"/>
+                    </a:p>
+                  </a:txBody>
+                  <a:tcPr/>
+                </a:tc>
+                <a:extLst>
+                  <a:ext uri="{0D108BD9-81ED-4DB2-BD59-A6C34878D82A}">
+                    <a16:rowId xmlns:a16="http://schemas.microsoft.com/office/drawing/2014/main" val="1892209508"/>
+                  </a:ext>
+                </a:extLst>
+              </a:tr>
+              <a:tr h="287790">
+                <a:tc>
+                  <a:txBody>
+                    <a:bodyPr/>
+                    <a:lstStyle/>
+                    <a:p>
+                      <a:pPr latinLnBrk="1"/>
+                      <a:r>
+                        <a:rPr lang="en-US" altLang="ko-KR" sz="1200" dirty="0"/>
+                        <a:t>Yellow Light,</a:t>
+                      </a:r>
+                      <a:r>
+                        <a:rPr lang="en-US" altLang="ko-KR" sz="1200" baseline="0" dirty="0"/>
+                        <a:t> </a:t>
+                      </a:r>
+                      <a:r>
+                        <a:rPr lang="ko-KR" altLang="en-US" sz="1200" baseline="0" dirty="0"/>
+                        <a:t>차량이 </a:t>
+                      </a:r>
+                      <a:r>
+                        <a:rPr lang="en-US" altLang="ko-KR" sz="1200" baseline="0" dirty="0"/>
+                        <a:t>Junction</a:t>
+                      </a:r>
+                      <a:r>
+                        <a:rPr lang="ko-KR" altLang="en-US" sz="1200" baseline="0" dirty="0"/>
+                        <a:t>에서 멀면 </a:t>
+                      </a:r>
+                      <a:r>
+                        <a:rPr lang="en-US" altLang="ko-KR" sz="1200" baseline="0" dirty="0"/>
+                        <a:t>deceleration, </a:t>
+                      </a:r>
+                      <a:r>
+                        <a:rPr lang="ko-KR" altLang="en-US" sz="1200" baseline="0" dirty="0"/>
+                        <a:t>아니면 </a:t>
+                      </a:r>
+                      <a:r>
+                        <a:rPr lang="en-US" altLang="ko-KR" sz="1200" baseline="0" dirty="0"/>
+                        <a:t>pass</a:t>
+                      </a:r>
+                      <a:endParaRPr lang="ko-KR" altLang="en-US" sz="1200" dirty="0"/>
+                    </a:p>
+                  </a:txBody>
+                  <a:tcPr/>
+                </a:tc>
+                <a:extLst>
+                  <a:ext uri="{0D108BD9-81ED-4DB2-BD59-A6C34878D82A}">
+                    <a16:rowId xmlns:a16="http://schemas.microsoft.com/office/drawing/2014/main" val="1621648304"/>
+                  </a:ext>
+                </a:extLst>
+              </a:tr>
+              <a:tr h="287790">
+                <a:tc>
+                  <a:txBody>
+                    <a:bodyPr/>
+                    <a:lstStyle/>
+                    <a:p>
+                      <a:pPr latinLnBrk="1"/>
+                      <a:r>
+                        <a:rPr lang="en-US" altLang="ko-KR" sz="1200" dirty="0"/>
+                        <a:t>Green</a:t>
+                      </a:r>
+                      <a:r>
+                        <a:rPr lang="en-US" altLang="ko-KR" sz="1200" baseline="0" dirty="0"/>
+                        <a:t> Light with no priority, </a:t>
+                      </a:r>
+                      <a:r>
+                        <a:rPr lang="ko-KR" altLang="en-US" sz="1200" baseline="0" dirty="0"/>
+                        <a:t>비 보호 녹색 신호</a:t>
+                      </a:r>
+                      <a:r>
+                        <a:rPr lang="en-US" altLang="ko-KR" sz="1200" baseline="0" dirty="0"/>
+                        <a:t>, </a:t>
+                      </a:r>
+                      <a:r>
+                        <a:rPr lang="ko-KR" altLang="en-US" sz="1200" baseline="0" dirty="0"/>
+                        <a:t>먼저 온 </a:t>
+                      </a:r>
+                      <a:r>
+                        <a:rPr lang="en-US" altLang="ko-KR" sz="1200" baseline="0" dirty="0"/>
+                        <a:t>priority signal </a:t>
+                      </a:r>
+                      <a:r>
+                        <a:rPr lang="ko-KR" altLang="en-US" sz="1200" baseline="0" dirty="0"/>
+                        <a:t>수신 차량이 있는 경우 </a:t>
+                      </a:r>
+                      <a:r>
+                        <a:rPr lang="en-US" altLang="ko-KR" sz="1200" baseline="0" dirty="0"/>
+                        <a:t>deceleration</a:t>
+                      </a:r>
+                      <a:endParaRPr lang="ko-KR" altLang="en-US" sz="1200" dirty="0"/>
+                    </a:p>
+                  </a:txBody>
+                  <a:tcPr/>
+                </a:tc>
+                <a:extLst>
+                  <a:ext uri="{0D108BD9-81ED-4DB2-BD59-A6C34878D82A}">
+                    <a16:rowId xmlns:a16="http://schemas.microsoft.com/office/drawing/2014/main" val="3144239424"/>
+                  </a:ext>
+                </a:extLst>
+              </a:tr>
+              <a:tr h="287790">
+                <a:tc>
+                  <a:txBody>
+                    <a:bodyPr/>
+                    <a:lstStyle/>
+                    <a:p>
+                      <a:pPr latinLnBrk="1"/>
+                      <a:r>
+                        <a:rPr lang="en-US" altLang="ko-KR" sz="1200" dirty="0"/>
+                        <a:t>Green Light</a:t>
+                      </a:r>
+                      <a:r>
+                        <a:rPr lang="en-US" altLang="ko-KR" sz="1200" baseline="0" dirty="0"/>
+                        <a:t> with priority, junction</a:t>
+                      </a:r>
+                      <a:r>
+                        <a:rPr lang="ko-KR" altLang="en-US" sz="1200" baseline="0" dirty="0"/>
+                        <a:t>을 우선 </a:t>
+                      </a:r>
+                      <a:r>
+                        <a:rPr lang="en-US" altLang="ko-KR" sz="1200" baseline="0" dirty="0"/>
+                        <a:t>pass</a:t>
+                      </a:r>
+                      <a:r>
+                        <a:rPr lang="ko-KR" altLang="en-US" sz="1200" baseline="0" dirty="0"/>
+                        <a:t>하는 신호</a:t>
+                      </a:r>
+                      <a:endParaRPr lang="ko-KR" altLang="en-US" sz="1200" dirty="0"/>
+                    </a:p>
+                  </a:txBody>
+                  <a:tcPr/>
+                </a:tc>
+                <a:extLst>
+                  <a:ext uri="{0D108BD9-81ED-4DB2-BD59-A6C34878D82A}">
+                    <a16:rowId xmlns:a16="http://schemas.microsoft.com/office/drawing/2014/main" val="3552610863"/>
+                  </a:ext>
+                </a:extLst>
+              </a:tr>
+              <a:tr h="287790">
+                <a:tc>
+                  <a:txBody>
+                    <a:bodyPr/>
+                    <a:lstStyle/>
+                    <a:p>
+                      <a:pPr latinLnBrk="1"/>
+                      <a:r>
+                        <a:rPr lang="en-US" altLang="ko-KR" sz="1200" dirty="0"/>
+                        <a:t>Green</a:t>
+                      </a:r>
+                      <a:r>
+                        <a:rPr lang="en-US" altLang="ko-KR" sz="1200" baseline="0" dirty="0"/>
+                        <a:t> Right-turn arrow, junction type ‘</a:t>
+                      </a:r>
+                      <a:r>
+                        <a:rPr lang="en-US" altLang="ko-KR" sz="1200" baseline="0" dirty="0" err="1"/>
+                        <a:t>traffic_light_right_on_red</a:t>
+                      </a:r>
+                      <a:r>
+                        <a:rPr lang="en-US" altLang="ko-KR" sz="1200" baseline="0" dirty="0"/>
+                        <a:t>’</a:t>
+                      </a:r>
+                      <a:r>
+                        <a:rPr lang="ko-KR" altLang="en-US" sz="1200" baseline="0" dirty="0"/>
+                        <a:t>에서만 생성되며</a:t>
+                      </a:r>
+                      <a:r>
+                        <a:rPr lang="en-US" altLang="ko-KR" sz="1200" baseline="0" dirty="0"/>
+                        <a:t>, priority</a:t>
+                      </a:r>
+                      <a:r>
+                        <a:rPr lang="ko-KR" altLang="en-US" sz="1200" baseline="0" dirty="0"/>
+                        <a:t>가 </a:t>
+                      </a:r>
+                      <a:r>
+                        <a:rPr lang="ko-KR" altLang="en-US" sz="1200" baseline="0" dirty="0" err="1"/>
+                        <a:t>대향</a:t>
+                      </a:r>
+                      <a:r>
+                        <a:rPr lang="ko-KR" altLang="en-US" sz="1200" baseline="0" dirty="0"/>
+                        <a:t> 방향 차량이 갖는 경우 정지</a:t>
+                      </a:r>
+                      <a:endParaRPr lang="ko-KR" altLang="en-US" sz="1200" dirty="0"/>
+                    </a:p>
+                  </a:txBody>
+                  <a:tcPr/>
+                </a:tc>
+                <a:extLst>
+                  <a:ext uri="{0D108BD9-81ED-4DB2-BD59-A6C34878D82A}">
+                    <a16:rowId xmlns:a16="http://schemas.microsoft.com/office/drawing/2014/main" val="3279951499"/>
+                  </a:ext>
+                </a:extLst>
+              </a:tr>
+              <a:tr h="287790">
+                <a:tc>
+                  <a:txBody>
+                    <a:bodyPr/>
+                    <a:lstStyle/>
+                    <a:p>
+                      <a:pPr latinLnBrk="1"/>
+                      <a:r>
+                        <a:rPr lang="en-US" altLang="ko-KR" sz="1200" dirty="0" err="1"/>
+                        <a:t>Red+yellow</a:t>
+                      </a:r>
+                      <a:r>
+                        <a:rPr lang="en-US" altLang="ko-KR" sz="1200" dirty="0"/>
+                        <a:t>,</a:t>
+                      </a:r>
+                      <a:r>
+                        <a:rPr lang="en-US" altLang="ko-KR" sz="1200" baseline="0" dirty="0"/>
+                        <a:t> Red</a:t>
+                      </a:r>
+                      <a:r>
+                        <a:rPr lang="ko-KR" altLang="en-US" sz="1200" baseline="0" dirty="0"/>
+                        <a:t>에서 </a:t>
+                      </a:r>
+                      <a:r>
+                        <a:rPr lang="en-US" altLang="ko-KR" sz="1200" baseline="0" dirty="0"/>
+                        <a:t>Green</a:t>
+                      </a:r>
+                      <a:r>
+                        <a:rPr lang="ko-KR" altLang="en-US" sz="1200" baseline="0" dirty="0"/>
+                        <a:t>으로 바뀌기 전의 노란색 신호</a:t>
+                      </a:r>
+                      <a:r>
+                        <a:rPr lang="en-US" altLang="ko-KR" sz="1200" baseline="0" dirty="0"/>
+                        <a:t>, </a:t>
+                      </a:r>
+                      <a:r>
+                        <a:rPr lang="ko-KR" altLang="en-US" sz="1200" baseline="0" dirty="0"/>
+                        <a:t>차량이 </a:t>
+                      </a:r>
+                      <a:r>
+                        <a:rPr lang="ko-KR" altLang="en-US" sz="1200" baseline="0" dirty="0" err="1"/>
+                        <a:t>출발안함</a:t>
+                      </a:r>
+                      <a:endParaRPr lang="ko-KR" altLang="en-US" sz="1200" dirty="0"/>
+                    </a:p>
+                  </a:txBody>
+                  <a:tcPr/>
+                </a:tc>
+                <a:extLst>
+                  <a:ext uri="{0D108BD9-81ED-4DB2-BD59-A6C34878D82A}">
+                    <a16:rowId xmlns:a16="http://schemas.microsoft.com/office/drawing/2014/main" val="1826550951"/>
+                  </a:ext>
+                </a:extLst>
+              </a:tr>
+              <a:tr h="287790">
+                <a:tc>
+                  <a:txBody>
+                    <a:bodyPr/>
+                    <a:lstStyle/>
+                    <a:p>
+                      <a:pPr latinLnBrk="1"/>
+                      <a:r>
+                        <a:rPr lang="ko-KR" altLang="en-US" sz="1200" dirty="0"/>
+                        <a:t>깜박이면 차량이 양보해야함을 의미하는 신호</a:t>
+                      </a:r>
+                    </a:p>
+                  </a:txBody>
+                  <a:tcPr/>
+                </a:tc>
+                <a:extLst>
+                  <a:ext uri="{0D108BD9-81ED-4DB2-BD59-A6C34878D82A}">
+                    <a16:rowId xmlns:a16="http://schemas.microsoft.com/office/drawing/2014/main" val="2775677074"/>
+                  </a:ext>
+                </a:extLst>
+              </a:tr>
+              <a:tr h="287790">
+                <a:tc>
+                  <a:txBody>
+                    <a:bodyPr/>
+                    <a:lstStyle/>
+                    <a:p>
+                      <a:pPr latinLnBrk="1"/>
+                      <a:r>
+                        <a:rPr lang="ko-KR" altLang="en-US" sz="1200" dirty="0"/>
+                        <a:t>차량에게 통행권이 있는 신호</a:t>
+                      </a:r>
+                    </a:p>
+                  </a:txBody>
+                  <a:tcPr/>
+                </a:tc>
+                <a:extLst>
+                  <a:ext uri="{0D108BD9-81ED-4DB2-BD59-A6C34878D82A}">
+                    <a16:rowId xmlns:a16="http://schemas.microsoft.com/office/drawing/2014/main" val="3907741454"/>
+                  </a:ext>
+                </a:extLst>
+              </a:tr>
+            </a:tbl>
+          </a:graphicData>
+        </a:graphic>
+      </p:graphicFrame>
+      <p:sp>
+        <p:nvSpPr>
+          <p:cNvPr id="6" name="직사각형 5"/>
+          <p:cNvSpPr/>
           <p:nvPr/>
-        </p:nvPicPr>
-        <p:blipFill>
-          <a:blip r:embed="rId3"/>
-          <a:stretch>
-            <a:fillRect/>
-          </a:stretch>
-        </p:blipFill>
+        </p:nvSpPr>
         <p:spPr>
           <a:xfrm>
-            <a:off x="1240293" y="1797907"/>
-            <a:ext cx="2162555" cy="1918416"/>
-          </a:xfrm>
-          <a:prstGeom prst="rect">
-            <a:avLst/>
-          </a:prstGeom>
-        </p:spPr>
-      </p:pic>
-      <p:sp>
-        <p:nvSpPr>
-          <p:cNvPr id="3" name="TextBox 2"/>
-          <p:cNvSpPr txBox="1"/>
-          <p:nvPr/>
-        </p:nvSpPr>
-        <p:spPr>
-          <a:xfrm>
-            <a:off x="1355463" y="3652922"/>
-            <a:ext cx="1932214" cy="370075"/>
+            <a:off x="1035781" y="3774989"/>
+            <a:ext cx="1466462" cy="284205"/>
           </a:xfrm>
           <a:prstGeom prst="rect">
             <a:avLst/>
           </a:prstGeom>
           <a:noFill/>
+          <a:ln w="28575"/>
         </p:spPr>
-        <p:txBody>
-          <a:bodyPr wrap="square" rtlCol="0">
-            <a:spAutoFit/>
-          </a:bodyPr>
+        <p:style>
+          <a:lnRef idx="2">
+            <a:schemeClr val="accent2"/>
+          </a:lnRef>
+          <a:fillRef idx="1">
+            <a:schemeClr val="lt1"/>
+          </a:fillRef>
+          <a:effectRef idx="0">
+            <a:schemeClr val="accent2"/>
+          </a:effectRef>
+          <a:fontRef idx="minor">
+            <a:schemeClr val="dk1"/>
+          </a:fontRef>
+        </p:style>
+        <p:txBody>
+          <a:bodyPr rtlCol="0" anchor="ctr"/>
           <a:lstStyle/>
           <a:p>
             <a:pPr algn="ctr"/>
-            <a:r>
-              <a:rPr lang="en-US" altLang="ko-KR" dirty="0"/>
-              <a:t>2x2 grid</a:t>
-            </a:r>
-            <a:endParaRPr lang="ko-KR" altLang="en-US" dirty="0"/>
-          </a:p>
-        </p:txBody>
-      </p:sp>
-      <p:sp>
-        <p:nvSpPr>
-          <p:cNvPr id="6" name="TextBox 5"/>
-          <p:cNvSpPr txBox="1"/>
+            <a:endParaRPr lang="ko-KR" altLang="en-US"/>
+          </a:p>
+        </p:txBody>
+      </p:sp>
+      <p:sp>
+        <p:nvSpPr>
+          <p:cNvPr id="7" name="직사각형 6"/>
+          <p:cNvSpPr/>
           <p:nvPr/>
         </p:nvSpPr>
         <p:spPr>
           <a:xfrm>
-            <a:off x="3677768" y="3656633"/>
-            <a:ext cx="1932214" cy="370075"/>
+            <a:off x="1039901" y="4063312"/>
+            <a:ext cx="1466462" cy="284205"/>
           </a:xfrm>
           <a:prstGeom prst="rect">
             <a:avLst/>
           </a:prstGeom>
           <a:noFill/>
+          <a:ln w="28575"/>
         </p:spPr>
-        <p:txBody>
-          <a:bodyPr wrap="square" rtlCol="0">
-            <a:spAutoFit/>
-          </a:bodyPr>
+        <p:style>
+          <a:lnRef idx="2">
+            <a:schemeClr val="accent2"/>
+          </a:lnRef>
+          <a:fillRef idx="1">
+            <a:schemeClr val="lt1"/>
+          </a:fillRef>
+          <a:effectRef idx="0">
+            <a:schemeClr val="accent2"/>
+          </a:effectRef>
+          <a:fontRef idx="minor">
+            <a:schemeClr val="dk1"/>
+          </a:fontRef>
+        </p:style>
+        <p:txBody>
+          <a:bodyPr rtlCol="0" anchor="ctr"/>
           <a:lstStyle/>
           <a:p>
             <a:pPr algn="ctr"/>
-            <a:r>
-              <a:rPr lang="en-US" altLang="ko-KR" dirty="0"/>
-              <a:t>3x3 grid</a:t>
-            </a:r>
-            <a:endParaRPr lang="ko-KR" altLang="en-US" dirty="0"/>
-          </a:p>
-        </p:txBody>
-      </p:sp>
-      <p:pic>
-        <p:nvPicPr>
-          <p:cNvPr id="8" name="그림 7">
-            <a:extLst>
-              <a:ext uri="{FF2B5EF4-FFF2-40B4-BE49-F238E27FC236}">
-                <a16:creationId xmlns:a16="http://schemas.microsoft.com/office/drawing/2014/main" id="{A92F9A51-9B07-45DB-B88F-8FCDE741F757}"/>
-              </a:ext>
-            </a:extLst>
-          </p:cNvPr>
-          <p:cNvPicPr>
-            <a:picLocks noChangeAspect="1"/>
-          </p:cNvPicPr>
-          <p:nvPr/>
-        </p:nvPicPr>
-        <p:blipFill>
-          <a:blip r:embed="rId4"/>
-          <a:stretch>
-            <a:fillRect/>
-          </a:stretch>
-        </p:blipFill>
-        <p:spPr>
-          <a:xfrm flipV="1">
-            <a:off x="1355463" y="4022997"/>
-            <a:ext cx="1932214" cy="1956427"/>
-          </a:xfrm>
-          <a:prstGeom prst="rect">
-            <a:avLst/>
-          </a:prstGeom>
-        </p:spPr>
-      </p:pic>
-      <p:pic>
-        <p:nvPicPr>
-          <p:cNvPr id="10" name="그림 9">
-            <a:extLst>
-              <a:ext uri="{FF2B5EF4-FFF2-40B4-BE49-F238E27FC236}">
-                <a16:creationId xmlns:a16="http://schemas.microsoft.com/office/drawing/2014/main" id="{802B28B4-CB41-4871-BB14-F34FCAEB227C}"/>
-              </a:ext>
-            </a:extLst>
-          </p:cNvPr>
-          <p:cNvPicPr>
-            <a:picLocks noChangeAspect="1"/>
-          </p:cNvPicPr>
-          <p:nvPr/>
-        </p:nvPicPr>
-        <p:blipFill>
-          <a:blip r:embed="rId5"/>
-          <a:stretch>
-            <a:fillRect/>
-          </a:stretch>
-        </p:blipFill>
-        <p:spPr>
-          <a:xfrm flipV="1">
-            <a:off x="3677768" y="4022995"/>
-            <a:ext cx="1939267" cy="1956429"/>
-          </a:xfrm>
-          <a:prstGeom prst="rect">
-            <a:avLst/>
-          </a:prstGeom>
-        </p:spPr>
-      </p:pic>
-      <p:sp>
-        <p:nvSpPr>
-          <p:cNvPr id="11" name="TextBox 10">
-            <a:extLst>
-              <a:ext uri="{FF2B5EF4-FFF2-40B4-BE49-F238E27FC236}">
-                <a16:creationId xmlns:a16="http://schemas.microsoft.com/office/drawing/2014/main" id="{9DD3111B-EF61-4985-975B-93B4A14FC54E}"/>
-              </a:ext>
-            </a:extLst>
-          </p:cNvPr>
-          <p:cNvSpPr txBox="1"/>
+            <a:endParaRPr lang="ko-KR" altLang="en-US"/>
+          </a:p>
+        </p:txBody>
+      </p:sp>
+      <p:sp>
+        <p:nvSpPr>
+          <p:cNvPr id="8" name="직사각형 7"/>
+          <p:cNvSpPr/>
           <p:nvPr/>
         </p:nvSpPr>
         <p:spPr>
           <a:xfrm>
-            <a:off x="1347024" y="5923061"/>
-            <a:ext cx="1932214" cy="370075"/>
+            <a:off x="1035781" y="4361241"/>
+            <a:ext cx="1466462" cy="284205"/>
           </a:xfrm>
           <a:prstGeom prst="rect">
             <a:avLst/>
           </a:prstGeom>
           <a:noFill/>
+          <a:ln w="28575"/>
         </p:spPr>
-        <p:txBody>
-          <a:bodyPr wrap="square" rtlCol="0">
-            <a:spAutoFit/>
-          </a:bodyPr>
+        <p:style>
+          <a:lnRef idx="2">
+            <a:schemeClr val="accent2"/>
+          </a:lnRef>
+          <a:fillRef idx="1">
+            <a:schemeClr val="lt1"/>
+          </a:fillRef>
+          <a:effectRef idx="0">
+            <a:schemeClr val="accent2"/>
+          </a:effectRef>
+          <a:fontRef idx="minor">
+            <a:schemeClr val="dk1"/>
+          </a:fontRef>
+        </p:style>
+        <p:txBody>
+          <a:bodyPr rtlCol="0" anchor="ctr"/>
           <a:lstStyle/>
           <a:p>
             <a:pPr algn="ctr"/>
-            <a:r>
-              <a:rPr lang="en-US" altLang="ko-KR" dirty="0"/>
-              <a:t>8x8 grid</a:t>
-            </a:r>
-            <a:endParaRPr lang="ko-KR" altLang="en-US" dirty="0"/>
-          </a:p>
-        </p:txBody>
-      </p:sp>
-      <p:sp>
-        <p:nvSpPr>
-          <p:cNvPr id="12" name="TextBox 11">
-            <a:extLst>
-              <a:ext uri="{FF2B5EF4-FFF2-40B4-BE49-F238E27FC236}">
-                <a16:creationId xmlns:a16="http://schemas.microsoft.com/office/drawing/2014/main" id="{DEFB7A8F-7080-4B11-9AFC-E7492CFF2986}"/>
-              </a:ext>
-            </a:extLst>
-          </p:cNvPr>
-          <p:cNvSpPr txBox="1"/>
+            <a:endParaRPr lang="ko-KR" altLang="en-US"/>
+          </a:p>
+        </p:txBody>
+      </p:sp>
+      <p:sp>
+        <p:nvSpPr>
+          <p:cNvPr id="9" name="직사각형 8"/>
+          <p:cNvSpPr/>
           <p:nvPr/>
         </p:nvSpPr>
         <p:spPr>
           <a:xfrm>
-            <a:off x="3680564" y="5932848"/>
-            <a:ext cx="1932214" cy="370075"/>
+            <a:off x="1035781" y="4662594"/>
+            <a:ext cx="1466462" cy="284205"/>
           </a:xfrm>
           <a:prstGeom prst="rect">
             <a:avLst/>
           </a:prstGeom>
           <a:noFill/>
+          <a:ln w="28575"/>
         </p:spPr>
-        <p:txBody>
-          <a:bodyPr wrap="square" rtlCol="0">
-            <a:spAutoFit/>
-          </a:bodyPr>
+        <p:style>
+          <a:lnRef idx="2">
+            <a:schemeClr val="accent2"/>
+          </a:lnRef>
+          <a:fillRef idx="1">
+            <a:schemeClr val="lt1"/>
+          </a:fillRef>
+          <a:effectRef idx="0">
+            <a:schemeClr val="accent2"/>
+          </a:effectRef>
+          <a:fontRef idx="minor">
+            <a:schemeClr val="dk1"/>
+          </a:fontRef>
+        </p:style>
+        <p:txBody>
+          <a:bodyPr rtlCol="0" anchor="ctr"/>
           <a:lstStyle/>
           <a:p>
             <a:pPr algn="ctr"/>
-            <a:r>
-              <a:rPr lang="en-US" altLang="ko-KR" dirty="0"/>
-              <a:t>7x7 grid</a:t>
-            </a:r>
-            <a:endParaRPr lang="ko-KR" altLang="en-US" dirty="0"/>
-          </a:p>
-        </p:txBody>
-      </p:sp>
-      <p:sp>
-        <p:nvSpPr>
-          <p:cNvPr id="13" name="내용 개체 틀 2">
-            <a:extLst>
-              <a:ext uri="{FF2B5EF4-FFF2-40B4-BE49-F238E27FC236}">
-                <a16:creationId xmlns:a16="http://schemas.microsoft.com/office/drawing/2014/main" id="{548A095F-87DE-4CEA-B7C3-002F1472B6DD}"/>
-              </a:ext>
-            </a:extLst>
-          </p:cNvPr>
-          <p:cNvSpPr txBox="1">
-            <a:spLocks/>
-          </p:cNvSpPr>
-          <p:nvPr/>
-        </p:nvSpPr>
-        <p:spPr>
-          <a:xfrm>
-            <a:off x="5884902" y="1845734"/>
-            <a:ext cx="5270778" cy="4023360"/>
-          </a:xfrm>
-          <a:prstGeom prst="rect">
-            <a:avLst/>
-          </a:prstGeom>
-        </p:spPr>
-        <p:txBody>
-          <a:bodyPr vert="horz" lIns="0" tIns="45720" rIns="0" bIns="45720" rtlCol="0">
-            <a:normAutofit/>
-          </a:bodyPr>
-          <a:lstStyle>
-            <a:lvl1pPr marL="91440" indent="-91440" algn="l" defTabSz="914400" rtl="0" eaLnBrk="1" latinLnBrk="1" hangingPunct="1">
-              <a:lnSpc>
-                <a:spcPct val="90000"/>
-              </a:lnSpc>
-              <a:spcBef>
-                <a:spcPts val="1200"/>
-              </a:spcBef>
-              <a:spcAft>
-                <a:spcPts val="200"/>
-              </a:spcAft>
-              <a:buClr>
-                <a:schemeClr val="accent1"/>
-              </a:buClr>
-              <a:buSzPct val="100000"/>
-              <a:buFont typeface="Wingdings" panose="05000000000000000000" pitchFamily="2" charset="2"/>
-              <a:buChar char="§"/>
-              <a:defRPr sz="2000" kern="1200">
-                <a:solidFill>
-                  <a:schemeClr val="tx1">
-                    <a:lumMod val="75000"/>
-                    <a:lumOff val="25000"/>
-                  </a:schemeClr>
-                </a:solidFill>
-                <a:latin typeface="+mn-lt"/>
-                <a:ea typeface="+mn-ea"/>
-                <a:cs typeface="+mn-cs"/>
-              </a:defRPr>
-            </a:lvl1pPr>
-            <a:lvl2pPr marL="544068" indent="-342900" algn="l" defTabSz="914400" rtl="0" eaLnBrk="1" latinLnBrk="1" hangingPunct="1">
-              <a:lnSpc>
-                <a:spcPct val="90000"/>
-              </a:lnSpc>
-              <a:spcBef>
-                <a:spcPts val="200"/>
-              </a:spcBef>
-              <a:spcAft>
-                <a:spcPts val="400"/>
-              </a:spcAft>
-              <a:buClr>
-                <a:schemeClr val="accent1"/>
-              </a:buClr>
-              <a:buFont typeface="+mj-lt"/>
-              <a:buAutoNum type="arabicPeriod"/>
-              <a:defRPr sz="1800" kern="1200">
-                <a:solidFill>
-                  <a:schemeClr val="tx1">
-                    <a:lumMod val="75000"/>
-                    <a:lumOff val="25000"/>
-                  </a:schemeClr>
-                </a:solidFill>
-                <a:latin typeface="+mn-lt"/>
-                <a:ea typeface="+mn-ea"/>
-                <a:cs typeface="+mn-cs"/>
-              </a:defRPr>
-            </a:lvl2pPr>
-            <a:lvl3pPr marL="726948" indent="-342900" algn="l" defTabSz="914400" rtl="0" eaLnBrk="1" latinLnBrk="1" hangingPunct="1">
-              <a:lnSpc>
-                <a:spcPct val="90000"/>
-              </a:lnSpc>
-              <a:spcBef>
-                <a:spcPts val="200"/>
-              </a:spcBef>
-              <a:spcAft>
-                <a:spcPts val="400"/>
-              </a:spcAft>
-              <a:buClr>
-                <a:schemeClr val="accent1"/>
-              </a:buClr>
-              <a:buFont typeface="+mj-lt"/>
-              <a:buAutoNum type="arabicParenR"/>
-              <a:defRPr sz="1400" kern="1200">
-                <a:solidFill>
-                  <a:schemeClr val="tx1">
-                    <a:lumMod val="75000"/>
-                    <a:lumOff val="25000"/>
-                  </a:schemeClr>
-                </a:solidFill>
-                <a:latin typeface="+mn-lt"/>
-                <a:ea typeface="+mn-ea"/>
-                <a:cs typeface="+mn-cs"/>
-              </a:defRPr>
-            </a:lvl3pPr>
-            <a:lvl4pPr marL="749808" indent="-182880" algn="l" defTabSz="914400" rtl="0" eaLnBrk="1" latinLnBrk="1" hangingPunct="1">
-              <a:lnSpc>
-                <a:spcPct val="90000"/>
-              </a:lnSpc>
-              <a:spcBef>
-                <a:spcPts val="200"/>
-              </a:spcBef>
-              <a:spcAft>
-                <a:spcPts val="400"/>
-              </a:spcAft>
-              <a:buClr>
-                <a:schemeClr val="accent1"/>
-              </a:buClr>
-              <a:buFont typeface="Arial" panose="020B0604020202020204" pitchFamily="34" charset="0"/>
-              <a:buChar char="•"/>
-              <a:defRPr sz="1400" kern="1200">
-                <a:solidFill>
-                  <a:schemeClr val="tx1">
-                    <a:lumMod val="75000"/>
-                    <a:lumOff val="25000"/>
-                  </a:schemeClr>
-                </a:solidFill>
-                <a:latin typeface="+mn-lt"/>
-                <a:ea typeface="+mn-ea"/>
-                <a:cs typeface="+mn-cs"/>
-              </a:defRPr>
-            </a:lvl4pPr>
-            <a:lvl5pPr marL="932688" indent="-182880" algn="l" defTabSz="914400" rtl="0" eaLnBrk="1" latinLnBrk="1" hangingPunct="1">
-              <a:lnSpc>
-                <a:spcPct val="90000"/>
-              </a:lnSpc>
-              <a:spcBef>
-                <a:spcPts val="200"/>
-              </a:spcBef>
-              <a:spcAft>
-                <a:spcPts val="400"/>
-              </a:spcAft>
-              <a:buClr>
-                <a:schemeClr val="accent1"/>
-              </a:buClr>
-              <a:buFont typeface="Wingdings" panose="05000000000000000000" pitchFamily="2" charset="2"/>
-              <a:buChar char="Ø"/>
-              <a:defRPr sz="1400" kern="1200">
-                <a:solidFill>
-                  <a:schemeClr val="tx1">
-                    <a:lumMod val="75000"/>
-                    <a:lumOff val="25000"/>
-                  </a:schemeClr>
-                </a:solidFill>
-                <a:latin typeface="+mn-lt"/>
-                <a:ea typeface="+mn-ea"/>
-                <a:cs typeface="+mn-cs"/>
-              </a:defRPr>
-            </a:lvl5pPr>
-            <a:lvl6pPr marL="1100000" indent="-228600" algn="l" defTabSz="914400" rtl="0" eaLnBrk="1" latinLnBrk="1" hangingPunct="1">
-              <a:lnSpc>
-                <a:spcPct val="90000"/>
-              </a:lnSpc>
-              <a:spcBef>
-                <a:spcPts val="200"/>
-              </a:spcBef>
-              <a:spcAft>
-                <a:spcPts val="400"/>
-              </a:spcAft>
-              <a:buClr>
-                <a:schemeClr val="accent1"/>
-              </a:buClr>
-              <a:buFont typeface="Calibri" pitchFamily="34" charset="0"/>
-              <a:buChar char="◦"/>
-              <a:defRPr sz="1400" kern="1200">
-                <a:solidFill>
-                  <a:schemeClr val="tx1">
-                    <a:lumMod val="75000"/>
-                    <a:lumOff val="25000"/>
-                  </a:schemeClr>
-                </a:solidFill>
-                <a:latin typeface="+mn-lt"/>
-                <a:ea typeface="+mn-ea"/>
-                <a:cs typeface="+mn-cs"/>
-              </a:defRPr>
-            </a:lvl6pPr>
-            <a:lvl7pPr marL="1300000" indent="-228600" algn="l" defTabSz="914400" rtl="0" eaLnBrk="1" latinLnBrk="1" hangingPunct="1">
-              <a:lnSpc>
-                <a:spcPct val="90000"/>
-              </a:lnSpc>
-              <a:spcBef>
-                <a:spcPts val="200"/>
-              </a:spcBef>
-              <a:spcAft>
-                <a:spcPts val="400"/>
-              </a:spcAft>
-              <a:buClr>
-                <a:schemeClr val="accent1"/>
-              </a:buClr>
-              <a:buFont typeface="Calibri" pitchFamily="34" charset="0"/>
-              <a:buChar char="◦"/>
-              <a:defRPr sz="1400" kern="1200">
-                <a:solidFill>
-                  <a:schemeClr val="tx1">
-                    <a:lumMod val="75000"/>
-                    <a:lumOff val="25000"/>
-                  </a:schemeClr>
-                </a:solidFill>
-                <a:latin typeface="+mn-lt"/>
-                <a:ea typeface="+mn-ea"/>
-                <a:cs typeface="+mn-cs"/>
-              </a:defRPr>
-            </a:lvl7pPr>
-            <a:lvl8pPr marL="1500000" indent="-228600" algn="l" defTabSz="914400" rtl="0" eaLnBrk="1" latinLnBrk="1" hangingPunct="1">
-              <a:lnSpc>
-                <a:spcPct val="90000"/>
-              </a:lnSpc>
-              <a:spcBef>
-                <a:spcPts val="200"/>
-              </a:spcBef>
-              <a:spcAft>
-                <a:spcPts val="400"/>
-              </a:spcAft>
-              <a:buClr>
-                <a:schemeClr val="accent1"/>
-              </a:buClr>
-              <a:buFont typeface="Calibri" pitchFamily="34" charset="0"/>
-              <a:buChar char="◦"/>
-              <a:defRPr sz="1400" kern="1200">
-                <a:solidFill>
-                  <a:schemeClr val="tx1">
-                    <a:lumMod val="75000"/>
-                    <a:lumOff val="25000"/>
-                  </a:schemeClr>
-                </a:solidFill>
-                <a:latin typeface="+mn-lt"/>
-                <a:ea typeface="+mn-ea"/>
-                <a:cs typeface="+mn-cs"/>
-              </a:defRPr>
-            </a:lvl8pPr>
-            <a:lvl9pPr marL="1700000" indent="-228600" algn="l" defTabSz="914400" rtl="0" eaLnBrk="1" latinLnBrk="1" hangingPunct="1">
-              <a:lnSpc>
-                <a:spcPct val="90000"/>
-              </a:lnSpc>
-              <a:spcBef>
-                <a:spcPts val="200"/>
-              </a:spcBef>
-              <a:spcAft>
-                <a:spcPts val="400"/>
-              </a:spcAft>
-              <a:buClr>
-                <a:schemeClr val="accent1"/>
-              </a:buClr>
-              <a:buFont typeface="Calibri" pitchFamily="34" charset="0"/>
-              <a:buChar char="◦"/>
-              <a:defRPr sz="1400" kern="1200">
-                <a:solidFill>
-                  <a:schemeClr val="tx1">
-                    <a:lumMod val="75000"/>
-                    <a:lumOff val="25000"/>
-                  </a:schemeClr>
-                </a:solidFill>
-                <a:latin typeface="+mn-lt"/>
-                <a:ea typeface="+mn-ea"/>
-                <a:cs typeface="+mn-cs"/>
-              </a:defRPr>
-            </a:lvl9pPr>
-          </a:lstStyle>
-          <a:p>
-            <a:r>
-              <a:rPr lang="en-US" altLang="ko-KR" dirty="0"/>
-              <a:t> 1x1</a:t>
-            </a:r>
-            <a:r>
-              <a:rPr lang="ko-KR" altLang="en-US" dirty="0"/>
-              <a:t>부터 </a:t>
-            </a:r>
-            <a:r>
-              <a:rPr lang="en-US" altLang="ko-KR" dirty="0"/>
-              <a:t>9x9</a:t>
-            </a:r>
-            <a:r>
-              <a:rPr lang="ko-KR" altLang="en-US" dirty="0"/>
-              <a:t>까지 자유롭게 네트워크 생성 가능</a:t>
-            </a:r>
-            <a:endParaRPr lang="en-US" altLang="ko-KR" dirty="0"/>
-          </a:p>
-          <a:p>
-            <a:r>
-              <a:rPr lang="en-US" altLang="ko-KR" dirty="0"/>
-              <a:t> flow</a:t>
-            </a:r>
-            <a:r>
-              <a:rPr lang="ko-KR" altLang="en-US" dirty="0"/>
-              <a:t> </a:t>
-            </a:r>
-            <a:r>
-              <a:rPr lang="en-US" altLang="ko-KR" dirty="0"/>
-              <a:t>vehicle</a:t>
-            </a:r>
-            <a:r>
-              <a:rPr lang="ko-KR" altLang="en-US" dirty="0"/>
-              <a:t> 지정도 자동으로 가능</a:t>
-            </a:r>
-            <a:endParaRPr lang="en-US" altLang="ko-KR" dirty="0"/>
-          </a:p>
-          <a:p>
-            <a:r>
-              <a:rPr lang="ko-KR" altLang="en-US" dirty="0"/>
-              <a:t> </a:t>
-            </a:r>
-            <a:r>
-              <a:rPr lang="en-US" altLang="ko-KR" dirty="0"/>
-              <a:t>flow vehicle </a:t>
-            </a:r>
-            <a:r>
-              <a:rPr lang="ko-KR" altLang="en-US" dirty="0"/>
-              <a:t>의 </a:t>
-            </a:r>
-            <a:r>
-              <a:rPr lang="en-US" altLang="ko-KR" dirty="0"/>
-              <a:t>via(</a:t>
-            </a:r>
-            <a:r>
-              <a:rPr lang="ko-KR" altLang="en-US" dirty="0"/>
-              <a:t>강제 경로 설정</a:t>
-            </a:r>
-            <a:r>
-              <a:rPr lang="en-US" altLang="ko-KR" dirty="0"/>
-              <a:t>)</a:t>
-            </a:r>
-            <a:r>
-              <a:rPr lang="ko-KR" altLang="en-US" dirty="0"/>
-              <a:t> 설정 </a:t>
-            </a:r>
-            <a:r>
-              <a:rPr lang="en-US" altLang="ko-KR" dirty="0"/>
-              <a:t>X</a:t>
-            </a:r>
-            <a:br>
-              <a:rPr lang="en-US" altLang="ko-KR" dirty="0"/>
-            </a:br>
-            <a:r>
-              <a:rPr lang="en-US" altLang="ko-KR" dirty="0">
-                <a:sym typeface="Wingdings" panose="05000000000000000000" pitchFamily="2" charset="2"/>
-              </a:rPr>
-              <a:t> </a:t>
-            </a:r>
-            <a:r>
-              <a:rPr lang="ko-KR" altLang="en-US" dirty="0">
-                <a:sym typeface="Wingdings" panose="05000000000000000000" pitchFamily="2" charset="2"/>
-              </a:rPr>
-              <a:t>이후 실험에서 좌회전 비율에  따라 설정</a:t>
-            </a:r>
-            <a:endParaRPr lang="en-US" altLang="ko-KR" dirty="0">
-              <a:sym typeface="Wingdings" panose="05000000000000000000" pitchFamily="2" charset="2"/>
-            </a:endParaRPr>
-          </a:p>
-          <a:p>
-            <a:endParaRPr lang="en-US" altLang="ko-KR" dirty="0">
-              <a:sym typeface="Wingdings" panose="05000000000000000000" pitchFamily="2" charset="2"/>
-            </a:endParaRPr>
-          </a:p>
-          <a:p>
-            <a:r>
-              <a:rPr lang="en-US" altLang="ko-KR" dirty="0">
-                <a:sym typeface="Wingdings" panose="05000000000000000000" pitchFamily="2" charset="2"/>
-              </a:rPr>
-              <a:t> </a:t>
-            </a:r>
-            <a:r>
-              <a:rPr lang="ko-KR" altLang="en-US" dirty="0">
-                <a:sym typeface="Wingdings" panose="05000000000000000000" pitchFamily="2" charset="2"/>
-              </a:rPr>
-              <a:t>해야할 부분</a:t>
-            </a:r>
-            <a:endParaRPr lang="en-US" altLang="ko-KR" dirty="0">
-              <a:sym typeface="Wingdings" panose="05000000000000000000" pitchFamily="2" charset="2"/>
-            </a:endParaRPr>
-          </a:p>
-          <a:p>
-            <a:pPr lvl="1"/>
-            <a:r>
-              <a:rPr lang="en-US" altLang="ko-KR" dirty="0">
-                <a:sym typeface="Wingdings" panose="05000000000000000000" pitchFamily="2" charset="2"/>
-              </a:rPr>
-              <a:t>U-turn </a:t>
-            </a:r>
-            <a:r>
-              <a:rPr lang="ko-KR" altLang="en-US" dirty="0">
-                <a:sym typeface="Wingdings" panose="05000000000000000000" pitchFamily="2" charset="2"/>
-              </a:rPr>
-              <a:t>신호 </a:t>
-            </a:r>
-            <a:r>
-              <a:rPr lang="en-US" altLang="ko-KR" dirty="0">
-                <a:sym typeface="Wingdings" panose="05000000000000000000" pitchFamily="2" charset="2"/>
-              </a:rPr>
-              <a:t>connection </a:t>
-            </a:r>
-            <a:r>
-              <a:rPr lang="ko-KR" altLang="en-US" dirty="0">
-                <a:sym typeface="Wingdings" panose="05000000000000000000" pitchFamily="2" charset="2"/>
-              </a:rPr>
-              <a:t>제거</a:t>
-            </a:r>
-            <a:endParaRPr lang="en-US" altLang="ko-KR" dirty="0">
-              <a:sym typeface="Wingdings" panose="05000000000000000000" pitchFamily="2" charset="2"/>
-            </a:endParaRPr>
-          </a:p>
-          <a:p>
-            <a:pPr lvl="1"/>
-            <a:r>
-              <a:rPr lang="en-US" altLang="ko-KR" dirty="0">
-                <a:sym typeface="Wingdings" panose="05000000000000000000" pitchFamily="2" charset="2"/>
-              </a:rPr>
-              <a:t>Traffic light </a:t>
-            </a:r>
-            <a:r>
-              <a:rPr lang="ko-KR" altLang="en-US" dirty="0">
-                <a:sym typeface="Wingdings" panose="05000000000000000000" pitchFamily="2" charset="2"/>
-              </a:rPr>
-              <a:t>설정 </a:t>
-            </a:r>
-            <a:r>
-              <a:rPr lang="en-US" altLang="ko-KR" dirty="0">
-                <a:sym typeface="Wingdings" panose="05000000000000000000" pitchFamily="2" charset="2"/>
-              </a:rPr>
-              <a:t>(</a:t>
-            </a:r>
-            <a:r>
-              <a:rPr lang="ko-KR" altLang="en-US" dirty="0">
-                <a:sym typeface="Wingdings" panose="05000000000000000000" pitchFamily="2" charset="2"/>
-              </a:rPr>
-              <a:t>논의 필요</a:t>
-            </a:r>
-            <a:r>
-              <a:rPr lang="en-US" altLang="ko-KR" dirty="0">
-                <a:sym typeface="Wingdings" panose="05000000000000000000" pitchFamily="2" charset="2"/>
-              </a:rPr>
-              <a:t>)</a:t>
-            </a:r>
+            <a:endParaRPr lang="ko-KR" altLang="en-US"/>
           </a:p>
         </p:txBody>
       </p:sp>
     </p:spTree>
     <p:extLst>
       <p:ext uri="{BB962C8B-B14F-4D97-AF65-F5344CB8AC3E}">
-        <p14:creationId xmlns:p14="http://schemas.microsoft.com/office/powerpoint/2010/main" val="3442138415"/>
+        <p14:creationId xmlns:p14="http://schemas.microsoft.com/office/powerpoint/2010/main" val="1192784744"/>
       </p:ext>
     </p:extLst>
   </p:cSld>
@@ -20316,13 +21079,7 @@
       </p:grpSpPr>
       <p:sp>
         <p:nvSpPr>
-          <p:cNvPr id="2" name="제목 1">
-            <a:extLst>
-              <a:ext uri="{FF2B5EF4-FFF2-40B4-BE49-F238E27FC236}">
-                <a16:creationId xmlns:a16="http://schemas.microsoft.com/office/drawing/2014/main" id="{C82356D5-FCB9-4C9F-9405-0C9C4566D5C8}"/>
-              </a:ext>
-            </a:extLst>
-          </p:cNvPr>
+          <p:cNvPr id="2" name="제목 1"/>
           <p:cNvSpPr>
             <a:spLocks noGrp="1"/>
           </p:cNvSpPr>
@@ -20337,24 +21094,15 @@
           <a:p>
             <a:r>
               <a:rPr lang="en-US" altLang="ko-KR" dirty="0"/>
-              <a:t>SUMO </a:t>
-            </a:r>
-            <a:r>
-              <a:rPr lang="ko-KR" altLang="en-US" dirty="0"/>
-              <a:t>결과물 비교 제작</a:t>
-            </a:r>
-          </a:p>
-        </p:txBody>
-      </p:sp>
-      <p:sp>
-        <p:nvSpPr>
-          <p:cNvPr id="3" name="내용 개체 틀 2">
-            <a:extLst>
-              <a:ext uri="{FF2B5EF4-FFF2-40B4-BE49-F238E27FC236}">
-                <a16:creationId xmlns:a16="http://schemas.microsoft.com/office/drawing/2014/main" id="{79F9D4C2-3073-4412-A754-DC2F03A7F902}"/>
-              </a:ext>
-            </a:extLst>
-          </p:cNvPr>
+              <a:t>Defining New TLS-Programs</a:t>
+            </a:r>
+            <a:endParaRPr lang="ko-KR" altLang="en-US" dirty="0"/>
+          </a:p>
+        </p:txBody>
+      </p:sp>
+      <p:sp>
+        <p:nvSpPr>
+          <p:cNvPr id="3" name="내용 개체 틀 2"/>
           <p:cNvSpPr>
             <a:spLocks noGrp="1"/>
           </p:cNvSpPr>
@@ -20362,207 +21110,318 @@
             <p:ph idx="1"/>
           </p:nvPr>
         </p:nvSpPr>
-        <p:spPr>
+        <p:spPr/>
+        <p:txBody>
+          <a:bodyPr/>
+          <a:lstStyle/>
+          <a:p>
+            <a:r>
+              <a:rPr lang="en-US" altLang="ko-KR" dirty="0"/>
+              <a:t>TLS state </a:t>
+            </a:r>
+            <a:r>
+              <a:rPr lang="ko-KR" altLang="en-US" dirty="0"/>
+              <a:t>부여 방식</a:t>
+            </a:r>
+            <a:r>
+              <a:rPr lang="en-US" altLang="ko-KR" dirty="0"/>
+              <a:t/>
+            </a:r>
+            <a:br>
+              <a:rPr lang="en-US" altLang="ko-KR" dirty="0"/>
+            </a:br>
+            <a:r>
+              <a:rPr lang="en-US" altLang="ko-KR" dirty="0"/>
+              <a:t>- </a:t>
+            </a:r>
+            <a:r>
+              <a:rPr lang="ko-KR" altLang="en-US" dirty="0"/>
+              <a:t>순서대로 부여하되</a:t>
+            </a:r>
+            <a:r>
+              <a:rPr lang="en-US" altLang="ko-KR" dirty="0"/>
+              <a:t>, lane</a:t>
+            </a:r>
+            <a:r>
+              <a:rPr lang="ko-KR" altLang="en-US" dirty="0"/>
+              <a:t>의 방향 별로 부여</a:t>
+            </a:r>
+            <a:r>
+              <a:rPr lang="en-US" altLang="ko-KR" dirty="0"/>
+              <a:t/>
+            </a:r>
+            <a:br>
+              <a:rPr lang="en-US" altLang="ko-KR" dirty="0"/>
+            </a:br>
+            <a:r>
+              <a:rPr lang="en-US" altLang="ko-KR" dirty="0"/>
+              <a:t>- 0</a:t>
+            </a:r>
+            <a:r>
+              <a:rPr lang="ko-KR" altLang="en-US" dirty="0"/>
+              <a:t>번에서 총 </a:t>
+            </a:r>
+            <a:r>
+              <a:rPr lang="en-US" altLang="ko-KR" dirty="0"/>
+              <a:t>7</a:t>
+            </a:r>
+            <a:r>
+              <a:rPr lang="ko-KR" altLang="en-US" dirty="0"/>
+              <a:t>가지 </a:t>
+            </a:r>
+            <a:r>
+              <a:rPr lang="en-US" altLang="ko-KR" dirty="0"/>
+              <a:t>state</a:t>
+            </a:r>
+            <a:r>
+              <a:rPr lang="ko-KR" altLang="en-US" dirty="0"/>
+              <a:t>가 존재</a:t>
+            </a:r>
+            <a:endParaRPr lang="en-US" altLang="ko-KR" dirty="0"/>
+          </a:p>
+          <a:p>
+            <a:endParaRPr lang="en-US" altLang="ko-KR" dirty="0"/>
+          </a:p>
+          <a:p>
+            <a:r>
+              <a:rPr lang="en-US" altLang="ko-KR" dirty="0"/>
+              <a:t>Junction </a:t>
+            </a:r>
+            <a:r>
+              <a:rPr lang="ko-KR" altLang="en-US" dirty="0"/>
+              <a:t>형태 </a:t>
+            </a:r>
+            <a:r>
+              <a:rPr lang="ko-KR" altLang="en-US" dirty="0" err="1"/>
+              <a:t>설정시</a:t>
+            </a:r>
+            <a:r>
+              <a:rPr lang="ko-KR" altLang="en-US" dirty="0"/>
+              <a:t> 개수 조절 가능</a:t>
+            </a:r>
+            <a:r>
+              <a:rPr lang="en-US" altLang="ko-KR" dirty="0"/>
+              <a:t/>
+            </a:r>
+            <a:br>
+              <a:rPr lang="en-US" altLang="ko-KR" dirty="0"/>
+            </a:br>
+            <a:endParaRPr lang="en-US" altLang="ko-KR" dirty="0"/>
+          </a:p>
+          <a:p>
+            <a:r>
+              <a:rPr lang="en-US" altLang="ko-KR" dirty="0"/>
+              <a:t>Connection </a:t>
+            </a:r>
+            <a:r>
+              <a:rPr lang="ko-KR" altLang="en-US" dirty="0"/>
+              <a:t>설정으로 </a:t>
+            </a:r>
+            <a:r>
+              <a:rPr lang="en-US" altLang="ko-KR" dirty="0"/>
+              <a:t>Merge </a:t>
+            </a:r>
+            <a:r>
+              <a:rPr lang="ko-KR" altLang="en-US" dirty="0"/>
+              <a:t>형태 조절 가능</a:t>
+            </a:r>
+          </a:p>
+        </p:txBody>
+      </p:sp>
+      <p:grpSp>
+        <p:nvGrpSpPr>
+          <p:cNvPr id="9" name="그룹 8"/>
+          <p:cNvGrpSpPr/>
+          <p:nvPr/>
+        </p:nvGrpSpPr>
+        <p:grpSpPr>
           <a:xfrm>
-            <a:off x="1097280" y="1845734"/>
-            <a:ext cx="5060239" cy="4023360"/>
+            <a:off x="6915680" y="1737360"/>
+            <a:ext cx="4359862" cy="4227535"/>
+            <a:chOff x="6304020" y="1964724"/>
+            <a:chExt cx="4359862" cy="4227535"/>
           </a:xfrm>
-        </p:spPr>
-        <p:txBody>
-          <a:bodyPr/>
-          <a:lstStyle/>
-          <a:p>
-            <a:r>
-              <a:rPr lang="en-US" altLang="ko-KR" dirty="0"/>
-              <a:t> graphcheck.py </a:t>
-            </a:r>
-            <a:r>
-              <a:rPr lang="ko-KR" altLang="en-US" dirty="0"/>
-              <a:t>를 통한 데이터 생성</a:t>
-            </a:r>
-            <a:endParaRPr lang="en-US" altLang="ko-KR" dirty="0"/>
-          </a:p>
-          <a:p>
-            <a:pPr lvl="1"/>
-            <a:r>
-              <a:rPr lang="ko-KR" altLang="en-US" dirty="0"/>
-              <a:t>두개 </a:t>
-            </a:r>
-            <a:r>
-              <a:rPr lang="en-US" altLang="ko-KR" dirty="0"/>
-              <a:t>xml </a:t>
-            </a:r>
-            <a:r>
-              <a:rPr lang="ko-KR" altLang="en-US" dirty="0"/>
-              <a:t>파일 기반 데이터 비교용 </a:t>
-            </a:r>
-            <a:r>
-              <a:rPr lang="en-US" altLang="ko-KR" dirty="0" err="1"/>
-              <a:t>tensorboard</a:t>
-            </a:r>
-            <a:r>
-              <a:rPr lang="en-US" altLang="ko-KR" dirty="0"/>
-              <a:t> </a:t>
-            </a:r>
-            <a:r>
-              <a:rPr lang="ko-KR" altLang="en-US" dirty="0"/>
-              <a:t>생성</a:t>
-            </a:r>
-            <a:endParaRPr lang="en-US" altLang="ko-KR" dirty="0"/>
-          </a:p>
-          <a:p>
-            <a:pPr lvl="1"/>
-            <a:r>
-              <a:rPr lang="en-US" altLang="ko-KR" dirty="0" err="1"/>
-              <a:t>Tensorboard</a:t>
-            </a:r>
-            <a:r>
-              <a:rPr lang="en-US" altLang="ko-KR" dirty="0"/>
-              <a:t> –</a:t>
-            </a:r>
-            <a:r>
-              <a:rPr lang="en-US" altLang="ko-KR" dirty="0" err="1"/>
-              <a:t>logdir</a:t>
-            </a:r>
-            <a:r>
-              <a:rPr lang="en-US" altLang="ko-KR" dirty="0"/>
-              <a:t>=</a:t>
-            </a:r>
-            <a:r>
-              <a:rPr lang="en-US" altLang="ko-KR" dirty="0" err="1"/>
-              <a:t>tensorboard</a:t>
-            </a:r>
-            <a:r>
-              <a:rPr lang="ko-KR" altLang="en-US" dirty="0"/>
-              <a:t>로 다양한 정보 비교</a:t>
-            </a:r>
-            <a:br>
-              <a:rPr lang="en-US" altLang="ko-KR" dirty="0"/>
-            </a:br>
-            <a:r>
-              <a:rPr lang="en-US" altLang="ko-KR" dirty="0"/>
-              <a:t>(lane</a:t>
-            </a:r>
-            <a:r>
-              <a:rPr lang="ko-KR" altLang="en-US" dirty="0"/>
-              <a:t>과 </a:t>
-            </a:r>
-            <a:r>
-              <a:rPr lang="en-US" altLang="ko-KR" dirty="0" err="1"/>
-              <a:t>edgeData</a:t>
-            </a:r>
-            <a:r>
-              <a:rPr lang="ko-KR" altLang="en-US" dirty="0"/>
-              <a:t>로 출력되는 평균 속도</a:t>
-            </a:r>
-            <a:r>
-              <a:rPr lang="en-US" altLang="ko-KR" dirty="0"/>
-              <a:t>, </a:t>
-            </a:r>
-            <a:r>
-              <a:rPr lang="ko-KR" altLang="en-US" dirty="0"/>
-              <a:t>차량의 도로 점유율</a:t>
-            </a:r>
-            <a:r>
-              <a:rPr lang="en-US" altLang="ko-KR" dirty="0"/>
-              <a:t>, </a:t>
-            </a:r>
-            <a:r>
-              <a:rPr lang="ko-KR" altLang="en-US" dirty="0"/>
-              <a:t>차선 점유율</a:t>
-            </a:r>
-            <a:r>
-              <a:rPr lang="en-US" altLang="ko-KR" dirty="0"/>
-              <a:t>,</a:t>
-            </a:r>
-            <a:r>
-              <a:rPr lang="ko-KR" altLang="en-US" dirty="0"/>
-              <a:t>등등 확인 가능</a:t>
-            </a:r>
-            <a:r>
-              <a:rPr lang="en-US" altLang="ko-KR" dirty="0"/>
-              <a:t>)</a:t>
-            </a:r>
-          </a:p>
-          <a:p>
-            <a:r>
-              <a:rPr lang="en-US" altLang="ko-KR" dirty="0"/>
-              <a:t> run.py</a:t>
-            </a:r>
-            <a:r>
-              <a:rPr lang="ko-KR" altLang="en-US" dirty="0"/>
-              <a:t>를 통한 학습 진행 데이터 생성</a:t>
-            </a:r>
-            <a:endParaRPr lang="en-US" altLang="ko-KR" dirty="0"/>
-          </a:p>
-          <a:p>
-            <a:pPr lvl="1"/>
-            <a:r>
-              <a:rPr lang="en-US" altLang="ko-KR" dirty="0"/>
-              <a:t>Loss </a:t>
-            </a:r>
-            <a:r>
-              <a:rPr lang="ko-KR" altLang="en-US" dirty="0"/>
-              <a:t>와 </a:t>
-            </a:r>
-            <a:r>
-              <a:rPr lang="en-US" altLang="ko-KR" dirty="0"/>
-              <a:t>reward</a:t>
-            </a:r>
-            <a:r>
-              <a:rPr lang="ko-KR" altLang="en-US" dirty="0"/>
-              <a:t>를 학습이 진행하면서 실시간으로 확인하기 위한 </a:t>
-            </a:r>
-            <a:r>
-              <a:rPr lang="en-US" altLang="ko-KR" dirty="0" err="1"/>
-              <a:t>tensorboard</a:t>
-            </a:r>
-            <a:r>
-              <a:rPr lang="en-US" altLang="ko-KR" dirty="0"/>
-              <a:t> </a:t>
-            </a:r>
-            <a:r>
-              <a:rPr lang="ko-KR" altLang="en-US" dirty="0"/>
-              <a:t>생성</a:t>
-            </a:r>
-            <a:endParaRPr lang="en-US" altLang="ko-KR" dirty="0"/>
-          </a:p>
-        </p:txBody>
-      </p:sp>
-      <p:pic>
-        <p:nvPicPr>
-          <p:cNvPr id="5" name="그림 4">
-            <a:extLst>
-              <a:ext uri="{FF2B5EF4-FFF2-40B4-BE49-F238E27FC236}">
-                <a16:creationId xmlns:a16="http://schemas.microsoft.com/office/drawing/2014/main" id="{2E229CCC-AEAA-42EE-9BD8-305662D6CE18}"/>
-              </a:ext>
-            </a:extLst>
-          </p:cNvPr>
-          <p:cNvPicPr>
-            <a:picLocks noChangeAspect="1"/>
-          </p:cNvPicPr>
-          <p:nvPr/>
-        </p:nvPicPr>
-        <p:blipFill>
-          <a:blip r:embed="rId2"/>
-          <a:stretch>
-            <a:fillRect/>
-          </a:stretch>
-        </p:blipFill>
-        <p:spPr>
-          <a:xfrm>
-            <a:off x="6732208" y="2278710"/>
-            <a:ext cx="5121436" cy="3157408"/>
-          </a:xfrm>
-          <a:prstGeom prst="rect">
-            <a:avLst/>
-          </a:prstGeom>
-        </p:spPr>
-      </p:pic>
+        </p:grpSpPr>
+        <p:pic>
+          <p:nvPicPr>
+            <p:cNvPr id="4" name="그림 3"/>
+            <p:cNvPicPr>
+              <a:picLocks noChangeAspect="1"/>
+            </p:cNvPicPr>
+            <p:nvPr/>
+          </p:nvPicPr>
+          <p:blipFill rotWithShape="1">
+            <a:blip r:embed="rId2"/>
+            <a:srcRect t="3080" r="8579"/>
+            <a:stretch/>
+          </p:blipFill>
+          <p:spPr>
+            <a:xfrm>
+              <a:off x="6304020" y="2094470"/>
+              <a:ext cx="4359862" cy="4083029"/>
+            </a:xfrm>
+            <a:prstGeom prst="rect">
+              <a:avLst/>
+            </a:prstGeom>
+          </p:spPr>
+        </p:pic>
+        <p:sp>
+          <p:nvSpPr>
+            <p:cNvPr id="5" name="TextBox 4"/>
+            <p:cNvSpPr txBox="1"/>
+            <p:nvPr/>
+          </p:nvSpPr>
+          <p:spPr>
+            <a:xfrm>
+              <a:off x="8439665" y="1964724"/>
+              <a:ext cx="586946" cy="646331"/>
+            </a:xfrm>
+            <a:prstGeom prst="rect">
+              <a:avLst/>
+            </a:prstGeom>
+            <a:noFill/>
+          </p:spPr>
+          <p:txBody>
+            <a:bodyPr wrap="square" rtlCol="0">
+              <a:spAutoFit/>
+            </a:bodyPr>
+            <a:lstStyle/>
+            <a:p>
+              <a:r>
+                <a:rPr lang="en-US" altLang="ko-KR" sz="3600" b="1" dirty="0">
+                  <a:solidFill>
+                    <a:srgbClr val="FFFF00"/>
+                  </a:solidFill>
+                </a:rPr>
+                <a:t>0</a:t>
+              </a:r>
+              <a:endParaRPr lang="ko-KR" altLang="en-US" sz="3600" b="1" dirty="0">
+                <a:solidFill>
+                  <a:srgbClr val="FFFF00"/>
+                </a:solidFill>
+              </a:endParaRPr>
+            </a:p>
+          </p:txBody>
+        </p:sp>
+        <p:sp>
+          <p:nvSpPr>
+            <p:cNvPr id="6" name="TextBox 5"/>
+            <p:cNvSpPr txBox="1"/>
+            <p:nvPr/>
+          </p:nvSpPr>
+          <p:spPr>
+            <a:xfrm>
+              <a:off x="9944719" y="4071111"/>
+              <a:ext cx="586946" cy="646331"/>
+            </a:xfrm>
+            <a:prstGeom prst="rect">
+              <a:avLst/>
+            </a:prstGeom>
+            <a:noFill/>
+          </p:spPr>
+          <p:txBody>
+            <a:bodyPr wrap="square" rtlCol="0">
+              <a:spAutoFit/>
+            </a:bodyPr>
+            <a:lstStyle/>
+            <a:p>
+              <a:r>
+                <a:rPr lang="en-US" altLang="ko-KR" sz="3600" b="1" dirty="0">
+                  <a:solidFill>
+                    <a:srgbClr val="FFFF00"/>
+                  </a:solidFill>
+                </a:rPr>
+                <a:t>1</a:t>
+              </a:r>
+              <a:endParaRPr lang="ko-KR" altLang="en-US" sz="3600" b="1" dirty="0">
+                <a:solidFill>
+                  <a:srgbClr val="FFFF00"/>
+                </a:solidFill>
+              </a:endParaRPr>
+            </a:p>
+          </p:txBody>
+        </p:sp>
+        <p:sp>
+          <p:nvSpPr>
+            <p:cNvPr id="7" name="TextBox 6"/>
+            <p:cNvSpPr txBox="1"/>
+            <p:nvPr/>
+          </p:nvSpPr>
+          <p:spPr>
+            <a:xfrm>
+              <a:off x="8080570" y="5545928"/>
+              <a:ext cx="586946" cy="646331"/>
+            </a:xfrm>
+            <a:prstGeom prst="rect">
+              <a:avLst/>
+            </a:prstGeom>
+            <a:noFill/>
+          </p:spPr>
+          <p:txBody>
+            <a:bodyPr wrap="square" rtlCol="0">
+              <a:spAutoFit/>
+            </a:bodyPr>
+            <a:lstStyle/>
+            <a:p>
+              <a:r>
+                <a:rPr lang="en-US" altLang="ko-KR" sz="3600" b="1" dirty="0">
+                  <a:solidFill>
+                    <a:srgbClr val="FFFF00"/>
+                  </a:solidFill>
+                </a:rPr>
+                <a:t>2</a:t>
+              </a:r>
+              <a:endParaRPr lang="ko-KR" altLang="en-US" sz="3600" b="1" dirty="0">
+                <a:solidFill>
+                  <a:srgbClr val="FFFF00"/>
+                </a:solidFill>
+              </a:endParaRPr>
+            </a:p>
+          </p:txBody>
+        </p:sp>
+        <p:sp>
+          <p:nvSpPr>
+            <p:cNvPr id="8" name="TextBox 7"/>
+            <p:cNvSpPr txBox="1"/>
+            <p:nvPr/>
+          </p:nvSpPr>
+          <p:spPr>
+            <a:xfrm>
+              <a:off x="6581620" y="3534248"/>
+              <a:ext cx="586946" cy="646331"/>
+            </a:xfrm>
+            <a:prstGeom prst="rect">
+              <a:avLst/>
+            </a:prstGeom>
+            <a:noFill/>
+          </p:spPr>
+          <p:txBody>
+            <a:bodyPr wrap="square" rtlCol="0">
+              <a:spAutoFit/>
+            </a:bodyPr>
+            <a:lstStyle/>
+            <a:p>
+              <a:r>
+                <a:rPr lang="en-US" altLang="ko-KR" sz="3600" b="1" dirty="0">
+                  <a:solidFill>
+                    <a:srgbClr val="FFFF00"/>
+                  </a:solidFill>
+                </a:rPr>
+                <a:t>3</a:t>
+              </a:r>
+              <a:endParaRPr lang="ko-KR" altLang="en-US" sz="3600" b="1" dirty="0">
+                <a:solidFill>
+                  <a:srgbClr val="FFFF00"/>
+                </a:solidFill>
+              </a:endParaRPr>
+            </a:p>
+          </p:txBody>
+        </p:sp>
+      </p:grpSp>
     </p:spTree>
     <p:extLst>
       <p:ext uri="{BB962C8B-B14F-4D97-AF65-F5344CB8AC3E}">
-        <p14:creationId xmlns:p14="http://schemas.microsoft.com/office/powerpoint/2010/main" val="4026742646"/>
+        <p14:creationId xmlns:p14="http://schemas.microsoft.com/office/powerpoint/2010/main" val="2494905478"/>
       </p:ext>
     </p:extLst>
   </p:cSld>
@@ -20591,13 +21450,7 @@
       </p:grpSpPr>
       <p:sp>
         <p:nvSpPr>
-          <p:cNvPr id="2" name="제목 1">
-            <a:extLst>
-              <a:ext uri="{FF2B5EF4-FFF2-40B4-BE49-F238E27FC236}">
-                <a16:creationId xmlns:a16="http://schemas.microsoft.com/office/drawing/2014/main" id="{D2FE6A72-772D-40C9-9DF2-A64995B531F9}"/>
-              </a:ext>
-            </a:extLst>
-          </p:cNvPr>
+          <p:cNvPr id="2" name="제목 1"/>
           <p:cNvSpPr>
             <a:spLocks noGrp="1"/>
           </p:cNvSpPr>
@@ -20612,32 +21465,15 @@
           <a:p>
             <a:r>
               <a:rPr lang="en-US" altLang="ko-KR" dirty="0"/>
-              <a:t>SUMO</a:t>
-            </a:r>
-            <a:r>
-              <a:rPr lang="ko-KR" altLang="en-US" dirty="0"/>
-              <a:t>를 활용한 </a:t>
-            </a:r>
-            <a:r>
-              <a:rPr lang="en-US" altLang="ko-KR" dirty="0"/>
-              <a:t>Data </a:t>
-            </a:r>
-            <a:r>
-              <a:rPr lang="ko-KR" altLang="en-US" dirty="0"/>
-              <a:t>생성</a:t>
-            </a:r>
-          </a:p>
-        </p:txBody>
-      </p:sp>
-      <p:sp>
-        <p:nvSpPr>
-          <p:cNvPr id="3" name="내용 개체 틀 2">
-            <a:extLst>
-              <a:ext uri="{FF2B5EF4-FFF2-40B4-BE49-F238E27FC236}">
-                <a16:creationId xmlns:a16="http://schemas.microsoft.com/office/drawing/2014/main" id="{50A696CB-C6C9-4515-9DD9-161E2ECB8174}"/>
-              </a:ext>
-            </a:extLst>
-          </p:cNvPr>
+              <a:t>Traffic State, Action</a:t>
+            </a:r>
+            <a:endParaRPr lang="ko-KR" altLang="en-US" dirty="0"/>
+          </a:p>
+        </p:txBody>
+      </p:sp>
+      <p:sp>
+        <p:nvSpPr>
+          <p:cNvPr id="3" name="내용 개체 틀 2"/>
           <p:cNvSpPr>
             <a:spLocks noGrp="1"/>
           </p:cNvSpPr>
@@ -20645,932 +21481,242 @@
             <p:ph idx="1"/>
           </p:nvPr>
         </p:nvSpPr>
-        <p:spPr/>
-        <p:txBody>
-          <a:bodyPr/>
-          <a:lstStyle/>
-          <a:p>
-            <a:r>
-              <a:rPr lang="en-US" altLang="ko-KR" dirty="0"/>
-              <a:t> </a:t>
-            </a:r>
-            <a:r>
-              <a:rPr lang="ko-KR" altLang="en-US" dirty="0"/>
-              <a:t>제작한 </a:t>
-            </a:r>
-            <a:r>
-              <a:rPr lang="en-US" altLang="ko-KR" dirty="0"/>
-              <a:t>Code</a:t>
-            </a:r>
-            <a:r>
-              <a:rPr lang="ko-KR" altLang="en-US" dirty="0"/>
-              <a:t>의 구성</a:t>
-            </a:r>
-            <a:r>
-              <a:rPr lang="en-US" altLang="ko-KR" dirty="0"/>
-              <a:t>(</a:t>
-            </a:r>
-            <a:r>
-              <a:rPr lang="en-US" altLang="ko-KR" dirty="0" err="1"/>
-              <a:t>Pytorch</a:t>
-            </a:r>
-            <a:r>
-              <a:rPr lang="en-US" altLang="ko-KR" dirty="0"/>
-              <a:t> based)</a:t>
-            </a:r>
-            <a:endParaRPr lang="ko-KR" altLang="en-US" dirty="0"/>
-          </a:p>
-        </p:txBody>
-      </p:sp>
-      <p:sp>
-        <p:nvSpPr>
-          <p:cNvPr id="4" name="사각형: 둥근 모서리 3">
-            <a:extLst>
-              <a:ext uri="{FF2B5EF4-FFF2-40B4-BE49-F238E27FC236}">
-                <a16:creationId xmlns:a16="http://schemas.microsoft.com/office/drawing/2014/main" id="{C6D1BF94-7D06-4819-8E8C-463D299A0B6D}"/>
-              </a:ext>
-            </a:extLst>
-          </p:cNvPr>
-          <p:cNvSpPr/>
-          <p:nvPr/>
-        </p:nvSpPr>
         <p:spPr>
           <a:xfrm>
-            <a:off x="1540042" y="2486526"/>
-            <a:ext cx="1235242" cy="689811"/>
+            <a:off x="1097279" y="1845734"/>
+            <a:ext cx="10487179" cy="4023360"/>
           </a:xfrm>
-          <a:prstGeom prst="roundRect">
-            <a:avLst/>
-          </a:prstGeom>
         </p:spPr>
-        <p:style>
-          <a:lnRef idx="2">
-            <a:schemeClr val="accent1">
-              <a:shade val="50000"/>
-            </a:schemeClr>
-          </a:lnRef>
-          <a:fillRef idx="1">
-            <a:schemeClr val="accent1"/>
-          </a:fillRef>
-          <a:effectRef idx="0">
-            <a:schemeClr val="accent1"/>
-          </a:effectRef>
-          <a:fontRef idx="minor">
-            <a:schemeClr val="lt1"/>
-          </a:fontRef>
-        </p:style>
-        <p:txBody>
-          <a:bodyPr rtlCol="0" anchor="ctr"/>
-          <a:lstStyle/>
-          <a:p>
-            <a:pPr algn="ctr"/>
-            <a:r>
-              <a:rPr lang="en-US" altLang="ko-KR" dirty="0"/>
-              <a:t>Run.py</a:t>
-            </a:r>
-            <a:endParaRPr lang="ko-KR" altLang="en-US" dirty="0"/>
-          </a:p>
-        </p:txBody>
-      </p:sp>
-      <p:sp>
-        <p:nvSpPr>
-          <p:cNvPr id="5" name="사각형: 둥근 모서리 4">
-            <a:extLst>
-              <a:ext uri="{FF2B5EF4-FFF2-40B4-BE49-F238E27FC236}">
-                <a16:creationId xmlns:a16="http://schemas.microsoft.com/office/drawing/2014/main" id="{9F118EF3-9083-4017-9F16-5D41EBDCB596}"/>
-              </a:ext>
-            </a:extLst>
-          </p:cNvPr>
-          <p:cNvSpPr/>
-          <p:nvPr/>
-        </p:nvSpPr>
-        <p:spPr>
-          <a:xfrm>
-            <a:off x="6152416" y="2476542"/>
-            <a:ext cx="1235242" cy="689811"/>
-          </a:xfrm>
-          <a:prstGeom prst="roundRect">
-            <a:avLst/>
-          </a:prstGeom>
-        </p:spPr>
-        <p:style>
-          <a:lnRef idx="2">
-            <a:schemeClr val="accent3">
-              <a:shade val="50000"/>
-            </a:schemeClr>
-          </a:lnRef>
-          <a:fillRef idx="1">
-            <a:schemeClr val="accent3"/>
-          </a:fillRef>
-          <a:effectRef idx="0">
-            <a:schemeClr val="accent3"/>
-          </a:effectRef>
-          <a:fontRef idx="minor">
-            <a:schemeClr val="lt1"/>
-          </a:fontRef>
-        </p:style>
-        <p:txBody>
-          <a:bodyPr rtlCol="0" anchor="ctr"/>
-          <a:lstStyle/>
-          <a:p>
-            <a:pPr algn="ctr"/>
-            <a:r>
-              <a:rPr lang="en-US" altLang="ko-KR" dirty="0"/>
-              <a:t>Env.py</a:t>
-            </a:r>
-          </a:p>
-          <a:p>
-            <a:pPr algn="ctr"/>
-            <a:r>
-              <a:rPr lang="en-US" altLang="ko-KR" sz="1400" dirty="0"/>
-              <a:t>(</a:t>
-            </a:r>
-            <a:r>
-              <a:rPr lang="ko-KR" altLang="en-US" sz="1400" dirty="0"/>
-              <a:t>세팅 필요</a:t>
-            </a:r>
-            <a:r>
-              <a:rPr lang="en-US" altLang="ko-KR" sz="1400" dirty="0"/>
+        <p:txBody>
+          <a:bodyPr/>
+          <a:lstStyle/>
+          <a:p>
+            <a:r>
+              <a:rPr lang="en-US" altLang="ko-KR" dirty="0"/>
+              <a:t>Traffic Lights Value Retrieval</a:t>
+            </a:r>
+            <a:br>
+              <a:rPr lang="en-US" altLang="ko-KR" dirty="0"/>
+            </a:br>
+            <a:r>
+              <a:rPr lang="en-US" altLang="ko-KR" dirty="0"/>
+              <a:t>- ID list: </a:t>
+            </a:r>
+            <a:r>
+              <a:rPr lang="en-US" altLang="ko-KR" dirty="0" err="1"/>
+              <a:t>getIDList</a:t>
+            </a:r>
+            <a:r>
+              <a:rPr lang="en-US" altLang="ko-KR" dirty="0"/>
+              <a:t/>
+            </a:r>
+            <a:br>
+              <a:rPr lang="en-US" altLang="ko-KR" dirty="0"/>
+            </a:br>
+            <a:r>
+              <a:rPr lang="en-US" altLang="ko-KR" dirty="0"/>
+              <a:t>- State: </a:t>
+            </a:r>
+            <a:r>
+              <a:rPr lang="en-US" altLang="ko-KR" dirty="0" err="1"/>
+              <a:t>getRedYellowGreenState</a:t>
+            </a:r>
+            <a:r>
+              <a:rPr lang="en-US" altLang="ko-KR" dirty="0"/>
+              <a:t> , phase state</a:t>
+            </a:r>
+            <a:r>
+              <a:rPr lang="ko-KR" altLang="en-US" dirty="0"/>
+              <a:t>를 </a:t>
+            </a:r>
+            <a:r>
+              <a:rPr lang="ko-KR" altLang="en-US" dirty="0" err="1"/>
+              <a:t>받아옴</a:t>
+            </a:r>
+            <a:r>
+              <a:rPr lang="en-US" altLang="ko-KR" dirty="0"/>
+              <a:t/>
+            </a:r>
+            <a:br>
+              <a:rPr lang="en-US" altLang="ko-KR" dirty="0"/>
+            </a:br>
+            <a:r>
+              <a:rPr lang="en-US" altLang="ko-KR" dirty="0"/>
+              <a:t>- Phase duration: </a:t>
+            </a:r>
+            <a:r>
+              <a:rPr lang="en-US" altLang="ko-KR" dirty="0" err="1"/>
+              <a:t>getPhaseDuration</a:t>
+            </a:r>
+            <a:r>
+              <a:rPr lang="en-US" altLang="ko-KR" dirty="0"/>
+              <a:t>,</a:t>
+            </a:r>
+            <a:br>
+              <a:rPr lang="en-US" altLang="ko-KR" dirty="0"/>
+            </a:br>
+            <a:r>
+              <a:rPr lang="en-US" altLang="ko-KR" dirty="0"/>
+              <a:t>- </a:t>
+            </a:r>
+            <a:r>
+              <a:rPr lang="en-US" altLang="ko-KR"/>
+              <a:t>Current phase number: </a:t>
+            </a:r>
+            <a:r>
+              <a:rPr lang="en-US" altLang="ko-KR" dirty="0" err="1"/>
+              <a:t>getPhase</a:t>
+            </a:r>
+            <a:r>
+              <a:rPr lang="en-US" altLang="ko-KR" dirty="0"/>
+              <a:t> </a:t>
+            </a:r>
+            <a:r>
+              <a:rPr lang="ko-KR" altLang="en-US" dirty="0"/>
+              <a:t>함수</a:t>
+            </a:r>
+            <a:r>
+              <a:rPr lang="en-US" altLang="ko-KR" dirty="0"/>
+              <a:t>, </a:t>
+            </a:r>
+            <a:r>
+              <a:rPr lang="ko-KR" altLang="en-US" dirty="0"/>
+              <a:t>현재 </a:t>
+            </a:r>
+            <a:r>
+              <a:rPr lang="en-US" altLang="ko-KR" dirty="0"/>
+              <a:t>phase</a:t>
+            </a:r>
+            <a:r>
+              <a:rPr lang="ko-KR" altLang="en-US" dirty="0"/>
+              <a:t>의 </a:t>
+            </a:r>
+            <a:r>
+              <a:rPr lang="en-US" altLang="ko-KR" dirty="0"/>
+              <a:t>index (id</a:t>
+            </a:r>
+            <a:r>
+              <a:rPr lang="ko-KR" altLang="en-US" dirty="0"/>
+              <a:t>에 등록된 것만</a:t>
+            </a:r>
+            <a:r>
+              <a:rPr lang="en-US" altLang="ko-KR" dirty="0"/>
               <a:t>)</a:t>
             </a:r>
-            <a:endParaRPr lang="en-US" altLang="ko-KR" sz="2000" dirty="0"/>
-          </a:p>
-        </p:txBody>
-      </p:sp>
-      <p:sp>
-        <p:nvSpPr>
-          <p:cNvPr id="6" name="사각형: 둥근 모서리 5">
-            <a:extLst>
-              <a:ext uri="{FF2B5EF4-FFF2-40B4-BE49-F238E27FC236}">
-                <a16:creationId xmlns:a16="http://schemas.microsoft.com/office/drawing/2014/main" id="{FC865608-674B-4AEE-A856-4D8A836E05B8}"/>
-              </a:ext>
-            </a:extLst>
-          </p:cNvPr>
-          <p:cNvSpPr/>
-          <p:nvPr/>
-        </p:nvSpPr>
-        <p:spPr>
-          <a:xfrm>
-            <a:off x="6152416" y="4421210"/>
-            <a:ext cx="1235242" cy="689811"/>
-          </a:xfrm>
-          <a:prstGeom prst="roundRect">
-            <a:avLst/>
-          </a:prstGeom>
-        </p:spPr>
-        <p:style>
-          <a:lnRef idx="2">
-            <a:schemeClr val="accent1">
-              <a:shade val="50000"/>
-            </a:schemeClr>
-          </a:lnRef>
-          <a:fillRef idx="1">
-            <a:schemeClr val="accent1"/>
-          </a:fillRef>
-          <a:effectRef idx="0">
-            <a:schemeClr val="accent1"/>
-          </a:effectRef>
-          <a:fontRef idx="minor">
-            <a:schemeClr val="lt1"/>
-          </a:fontRef>
-        </p:style>
-        <p:txBody>
-          <a:bodyPr rtlCol="0" anchor="ctr"/>
-          <a:lstStyle/>
-          <a:p>
-            <a:pPr algn="ctr"/>
-            <a:r>
-              <a:rPr lang="en-US" altLang="ko-KR" dirty="0"/>
-              <a:t>Dqn.py</a:t>
-            </a:r>
-          </a:p>
-          <a:p>
-            <a:pPr algn="ctr"/>
-            <a:r>
-              <a:rPr lang="en-US" altLang="ko-KR" sz="1400" dirty="0"/>
-              <a:t>(</a:t>
-            </a:r>
-            <a:r>
-              <a:rPr lang="ko-KR" altLang="en-US" sz="1400" dirty="0" err="1"/>
-              <a:t>검토필요</a:t>
-            </a:r>
-            <a:r>
-              <a:rPr lang="en-US" altLang="ko-KR" sz="1400" dirty="0"/>
-              <a:t>)</a:t>
+            <a:br>
+              <a:rPr lang="en-US" altLang="ko-KR" dirty="0"/>
+            </a:br>
+            <a:r>
+              <a:rPr lang="en-US" altLang="ko-KR" dirty="0"/>
+              <a:t>- Complete program definition: </a:t>
+            </a:r>
+            <a:r>
+              <a:rPr lang="en-US" altLang="ko-KR" dirty="0" err="1"/>
+              <a:t>getCompleteRedYellowGreenDefinition</a:t>
+            </a:r>
+            <a:r>
+              <a:rPr lang="en-US" altLang="ko-KR" dirty="0"/>
+              <a:t>, TL </a:t>
+            </a:r>
+            <a:r>
+              <a:rPr lang="ko-KR" altLang="en-US" dirty="0"/>
+              <a:t>프로그램 받아오기</a:t>
             </a:r>
             <a:endParaRPr lang="en-US" altLang="ko-KR" dirty="0"/>
           </a:p>
-        </p:txBody>
-      </p:sp>
-      <p:sp>
-        <p:nvSpPr>
-          <p:cNvPr id="7" name="사각형: 둥근 모서리 6">
-            <a:extLst>
-              <a:ext uri="{FF2B5EF4-FFF2-40B4-BE49-F238E27FC236}">
-                <a16:creationId xmlns:a16="http://schemas.microsoft.com/office/drawing/2014/main" id="{8D405740-A1EA-4578-8571-399BD17690F1}"/>
-              </a:ext>
-            </a:extLst>
-          </p:cNvPr>
-          <p:cNvSpPr/>
-          <p:nvPr/>
-        </p:nvSpPr>
-        <p:spPr>
-          <a:xfrm>
-            <a:off x="8766099" y="4421210"/>
-            <a:ext cx="1235242" cy="689811"/>
-          </a:xfrm>
-          <a:prstGeom prst="roundRect">
-            <a:avLst/>
-          </a:prstGeom>
-        </p:spPr>
-        <p:style>
-          <a:lnRef idx="2">
-            <a:schemeClr val="accent6">
-              <a:shade val="50000"/>
-            </a:schemeClr>
-          </a:lnRef>
-          <a:fillRef idx="1">
-            <a:schemeClr val="accent6"/>
-          </a:fillRef>
-          <a:effectRef idx="0">
-            <a:schemeClr val="accent6"/>
-          </a:effectRef>
-          <a:fontRef idx="minor">
-            <a:schemeClr val="lt1"/>
-          </a:fontRef>
-        </p:style>
-        <p:txBody>
-          <a:bodyPr rtlCol="0" anchor="ctr"/>
-          <a:lstStyle/>
-          <a:p>
-            <a:pPr algn="ctr"/>
-            <a:r>
-              <a:rPr lang="en-US" altLang="ko-KR" sz="1600" dirty="0"/>
-              <a:t>FRAP.py</a:t>
-            </a:r>
-          </a:p>
-          <a:p>
-            <a:pPr algn="ctr"/>
-            <a:r>
-              <a:rPr lang="en-US" altLang="ko-KR" sz="1400" dirty="0"/>
-              <a:t>(</a:t>
-            </a:r>
-            <a:r>
-              <a:rPr lang="ko-KR" altLang="en-US" sz="1400" dirty="0" err="1"/>
-              <a:t>제작중</a:t>
-            </a:r>
-            <a:r>
-              <a:rPr lang="en-US" altLang="ko-KR" sz="1400" dirty="0"/>
-              <a:t>)</a:t>
-            </a:r>
-          </a:p>
-        </p:txBody>
-      </p:sp>
-      <p:cxnSp>
-        <p:nvCxnSpPr>
-          <p:cNvPr id="12" name="직선 화살표 연결선 11"/>
-          <p:cNvCxnSpPr>
-            <a:stCxn id="4" idx="3"/>
-            <a:endCxn id="5" idx="1"/>
-          </p:cNvCxnSpPr>
-          <p:nvPr/>
-        </p:nvCxnSpPr>
-        <p:spPr>
-          <a:xfrm flipV="1">
-            <a:off x="2775284" y="2821448"/>
-            <a:ext cx="3377132" cy="9984"/>
-          </a:xfrm>
-          <a:prstGeom prst="straightConnector1">
-            <a:avLst/>
-          </a:prstGeom>
-          <a:ln>
-            <a:tailEnd type="triangle"/>
-          </a:ln>
-        </p:spPr>
-        <p:style>
-          <a:lnRef idx="1">
-            <a:schemeClr val="dk1"/>
-          </a:lnRef>
-          <a:fillRef idx="0">
-            <a:schemeClr val="dk1"/>
-          </a:fillRef>
-          <a:effectRef idx="0">
-            <a:schemeClr val="dk1"/>
-          </a:effectRef>
-          <a:fontRef idx="minor">
-            <a:schemeClr val="tx1"/>
-          </a:fontRef>
-        </p:style>
-      </p:cxnSp>
-      <p:sp>
-        <p:nvSpPr>
-          <p:cNvPr id="17" name="사각형: 둥근 모서리 3">
-            <a:extLst>
-              <a:ext uri="{FF2B5EF4-FFF2-40B4-BE49-F238E27FC236}">
-                <a16:creationId xmlns:a16="http://schemas.microsoft.com/office/drawing/2014/main" id="{C6D1BF94-7D06-4819-8E8C-463D299A0B6D}"/>
-              </a:ext>
-            </a:extLst>
-          </p:cNvPr>
-          <p:cNvSpPr/>
-          <p:nvPr/>
-        </p:nvSpPr>
-        <p:spPr>
-          <a:xfrm>
-            <a:off x="2786666" y="3731401"/>
-            <a:ext cx="1235242" cy="689811"/>
-          </a:xfrm>
-          <a:prstGeom prst="roundRect">
-            <a:avLst/>
-          </a:prstGeom>
-        </p:spPr>
-        <p:style>
-          <a:lnRef idx="2">
-            <a:schemeClr val="accent4">
-              <a:shade val="50000"/>
-            </a:schemeClr>
-          </a:lnRef>
-          <a:fillRef idx="1">
-            <a:schemeClr val="accent4"/>
-          </a:fillRef>
-          <a:effectRef idx="0">
-            <a:schemeClr val="accent4"/>
-          </a:effectRef>
-          <a:fontRef idx="minor">
-            <a:schemeClr val="lt1"/>
-          </a:fontRef>
-        </p:style>
-        <p:txBody>
-          <a:bodyPr rtlCol="0" anchor="ctr"/>
-          <a:lstStyle/>
-          <a:p>
-            <a:pPr algn="ctr"/>
-            <a:r>
-              <a:rPr lang="en-US" altLang="ko-KR" dirty="0"/>
-              <a:t>Grid.py</a:t>
-            </a:r>
-            <a:endParaRPr lang="ko-KR" altLang="en-US" dirty="0"/>
-          </a:p>
-        </p:txBody>
-      </p:sp>
-      <p:sp>
-        <p:nvSpPr>
-          <p:cNvPr id="18" name="사각형: 둥근 모서리 3">
-            <a:extLst>
-              <a:ext uri="{FF2B5EF4-FFF2-40B4-BE49-F238E27FC236}">
-                <a16:creationId xmlns:a16="http://schemas.microsoft.com/office/drawing/2014/main" id="{C6D1BF94-7D06-4819-8E8C-463D299A0B6D}"/>
-              </a:ext>
-            </a:extLst>
-          </p:cNvPr>
-          <p:cNvSpPr/>
-          <p:nvPr/>
-        </p:nvSpPr>
-        <p:spPr>
-          <a:xfrm>
-            <a:off x="4156353" y="4942579"/>
-            <a:ext cx="1235242" cy="689811"/>
-          </a:xfrm>
-          <a:prstGeom prst="roundRect">
-            <a:avLst/>
-          </a:prstGeom>
-        </p:spPr>
-        <p:style>
-          <a:lnRef idx="2">
-            <a:schemeClr val="accent5">
-              <a:shade val="50000"/>
-            </a:schemeClr>
-          </a:lnRef>
-          <a:fillRef idx="1">
-            <a:schemeClr val="accent5"/>
-          </a:fillRef>
-          <a:effectRef idx="0">
-            <a:schemeClr val="accent5"/>
-          </a:effectRef>
-          <a:fontRef idx="minor">
-            <a:schemeClr val="lt1"/>
-          </a:fontRef>
-        </p:style>
-        <p:txBody>
-          <a:bodyPr rtlCol="0" anchor="ctr"/>
-          <a:lstStyle/>
-          <a:p>
-            <a:pPr algn="ctr"/>
-            <a:r>
-              <a:rPr lang="en-US" altLang="ko-KR" sz="1600" dirty="0"/>
-              <a:t>Gen_net.py</a:t>
-            </a:r>
-            <a:endParaRPr lang="ko-KR" altLang="en-US" sz="1600" dirty="0"/>
-          </a:p>
-        </p:txBody>
-      </p:sp>
-      <p:cxnSp>
-        <p:nvCxnSpPr>
-          <p:cNvPr id="21" name="꺾인 연결선 20"/>
-          <p:cNvCxnSpPr>
-            <a:stCxn id="4" idx="2"/>
-            <a:endCxn id="17" idx="1"/>
-          </p:cNvCxnSpPr>
-          <p:nvPr/>
-        </p:nvCxnSpPr>
-        <p:spPr>
-          <a:xfrm rot="16200000" flipH="1">
-            <a:off x="2022179" y="3311820"/>
-            <a:ext cx="899970" cy="629003"/>
-          </a:xfrm>
-          <a:prstGeom prst="bentConnector2">
-            <a:avLst/>
-          </a:prstGeom>
-          <a:ln>
-            <a:tailEnd type="triangle"/>
-          </a:ln>
-        </p:spPr>
-        <p:style>
-          <a:lnRef idx="1">
-            <a:schemeClr val="dk1"/>
-          </a:lnRef>
-          <a:fillRef idx="0">
-            <a:schemeClr val="dk1"/>
-          </a:fillRef>
-          <a:effectRef idx="0">
-            <a:schemeClr val="dk1"/>
-          </a:effectRef>
-          <a:fontRef idx="minor">
-            <a:schemeClr val="tx1"/>
-          </a:fontRef>
-        </p:style>
-      </p:cxnSp>
-      <p:cxnSp>
-        <p:nvCxnSpPr>
-          <p:cNvPr id="25" name="꺾인 연결선 24"/>
-          <p:cNvCxnSpPr>
-            <a:stCxn id="17" idx="2"/>
-            <a:endCxn id="18" idx="1"/>
-          </p:cNvCxnSpPr>
-          <p:nvPr/>
-        </p:nvCxnSpPr>
-        <p:spPr>
-          <a:xfrm rot="16200000" flipH="1">
-            <a:off x="3347184" y="4478315"/>
-            <a:ext cx="866273" cy="752066"/>
-          </a:xfrm>
-          <a:prstGeom prst="bentConnector2">
-            <a:avLst/>
-          </a:prstGeom>
-          <a:ln>
-            <a:tailEnd type="triangle"/>
-          </a:ln>
-        </p:spPr>
-        <p:style>
-          <a:lnRef idx="1">
-            <a:schemeClr val="dk1"/>
-          </a:lnRef>
-          <a:fillRef idx="0">
-            <a:schemeClr val="dk1"/>
-          </a:fillRef>
-          <a:effectRef idx="0">
-            <a:schemeClr val="dk1"/>
-          </a:effectRef>
-          <a:fontRef idx="minor">
-            <a:schemeClr val="tx1"/>
-          </a:fontRef>
-        </p:style>
-      </p:cxnSp>
-      <p:sp>
-        <p:nvSpPr>
-          <p:cNvPr id="31" name="TextBox 30"/>
-          <p:cNvSpPr txBox="1"/>
-          <p:nvPr/>
-        </p:nvSpPr>
-        <p:spPr>
-          <a:xfrm>
-            <a:off x="1572295" y="4078601"/>
-            <a:ext cx="1214371" cy="307777"/>
-          </a:xfrm>
-          <a:prstGeom prst="rect">
-            <a:avLst/>
-          </a:prstGeom>
-          <a:noFill/>
-        </p:spPr>
-        <p:txBody>
-          <a:bodyPr wrap="none" rtlCol="0">
-            <a:spAutoFit/>
-          </a:bodyPr>
-          <a:lstStyle/>
-          <a:p>
-            <a:r>
-              <a:rPr lang="en-US" altLang="ko-KR" sz="1400" dirty="0"/>
-              <a:t>Network </a:t>
-            </a:r>
-            <a:r>
-              <a:rPr lang="ko-KR" altLang="en-US" sz="1400" dirty="0"/>
-              <a:t>생성</a:t>
-            </a:r>
-          </a:p>
-        </p:txBody>
-      </p:sp>
-      <p:sp>
-        <p:nvSpPr>
-          <p:cNvPr id="32" name="TextBox 31"/>
-          <p:cNvSpPr txBox="1"/>
-          <p:nvPr/>
-        </p:nvSpPr>
-        <p:spPr>
-          <a:xfrm>
-            <a:off x="3473910" y="2513670"/>
-            <a:ext cx="2060885" cy="307777"/>
-          </a:xfrm>
-          <a:prstGeom prst="rect">
-            <a:avLst/>
-          </a:prstGeom>
-          <a:noFill/>
-        </p:spPr>
-        <p:txBody>
-          <a:bodyPr wrap="none" rtlCol="0">
-            <a:spAutoFit/>
-          </a:bodyPr>
-          <a:lstStyle/>
-          <a:p>
-            <a:r>
-              <a:rPr lang="en-US" altLang="ko-KR" sz="1400" dirty="0"/>
-              <a:t>Environment Initialization</a:t>
-            </a:r>
-            <a:endParaRPr lang="ko-KR" altLang="en-US" sz="1400" dirty="0"/>
-          </a:p>
-        </p:txBody>
-      </p:sp>
-      <p:cxnSp>
-        <p:nvCxnSpPr>
-          <p:cNvPr id="34" name="꺾인 연결선 33"/>
-          <p:cNvCxnSpPr>
-            <a:stCxn id="4" idx="3"/>
-            <a:endCxn id="6" idx="1"/>
-          </p:cNvCxnSpPr>
-          <p:nvPr/>
-        </p:nvCxnSpPr>
-        <p:spPr>
-          <a:xfrm>
-            <a:off x="2775284" y="2831432"/>
-            <a:ext cx="3377132" cy="1934684"/>
-          </a:xfrm>
-          <a:prstGeom prst="bentConnector3">
-            <a:avLst/>
-          </a:prstGeom>
-          <a:ln>
-            <a:tailEnd type="triangle"/>
-          </a:ln>
-        </p:spPr>
-        <p:style>
-          <a:lnRef idx="1">
-            <a:schemeClr val="dk1"/>
-          </a:lnRef>
-          <a:fillRef idx="0">
-            <a:schemeClr val="dk1"/>
-          </a:fillRef>
-          <a:effectRef idx="0">
-            <a:schemeClr val="dk1"/>
-          </a:effectRef>
-          <a:fontRef idx="minor">
-            <a:schemeClr val="tx1"/>
-          </a:fontRef>
-        </p:style>
-      </p:cxnSp>
-      <p:sp>
-        <p:nvSpPr>
-          <p:cNvPr id="36" name="TextBox 35"/>
-          <p:cNvSpPr txBox="1"/>
-          <p:nvPr/>
-        </p:nvSpPr>
-        <p:spPr>
-          <a:xfrm>
-            <a:off x="4432753" y="4458338"/>
-            <a:ext cx="1553887" cy="307777"/>
-          </a:xfrm>
-          <a:prstGeom prst="rect">
-            <a:avLst/>
-          </a:prstGeom>
-          <a:noFill/>
-        </p:spPr>
-        <p:txBody>
-          <a:bodyPr wrap="none" rtlCol="0">
-            <a:spAutoFit/>
-          </a:bodyPr>
-          <a:lstStyle/>
-          <a:p>
-            <a:r>
-              <a:rPr lang="en-US" altLang="ko-KR" sz="1400" dirty="0"/>
-              <a:t>Agent Initialization</a:t>
-            </a:r>
-            <a:endParaRPr lang="ko-KR" altLang="en-US" sz="1400" dirty="0"/>
-          </a:p>
-        </p:txBody>
-      </p:sp>
-      <p:cxnSp>
-        <p:nvCxnSpPr>
-          <p:cNvPr id="41" name="직선 화살표 연결선 40"/>
-          <p:cNvCxnSpPr/>
-          <p:nvPr/>
-        </p:nvCxnSpPr>
-        <p:spPr>
-          <a:xfrm>
-            <a:off x="6571085" y="3166353"/>
-            <a:ext cx="0" cy="1254857"/>
-          </a:xfrm>
-          <a:prstGeom prst="straightConnector1">
-            <a:avLst/>
-          </a:prstGeom>
-          <a:ln>
-            <a:tailEnd type="triangle"/>
-          </a:ln>
-        </p:spPr>
-        <p:style>
-          <a:lnRef idx="1">
-            <a:schemeClr val="dk1"/>
-          </a:lnRef>
-          <a:fillRef idx="0">
-            <a:schemeClr val="dk1"/>
-          </a:fillRef>
-          <a:effectRef idx="0">
-            <a:schemeClr val="dk1"/>
-          </a:effectRef>
-          <a:fontRef idx="minor">
-            <a:schemeClr val="tx1"/>
-          </a:fontRef>
-        </p:style>
-      </p:cxnSp>
-      <p:sp>
-        <p:nvSpPr>
-          <p:cNvPr id="42" name="TextBox 41"/>
-          <p:cNvSpPr txBox="1"/>
-          <p:nvPr/>
-        </p:nvSpPr>
-        <p:spPr>
-          <a:xfrm>
-            <a:off x="5528481" y="3271180"/>
-            <a:ext cx="1042603" cy="461665"/>
-          </a:xfrm>
-          <a:prstGeom prst="rect">
-            <a:avLst/>
-          </a:prstGeom>
-          <a:noFill/>
-        </p:spPr>
-        <p:txBody>
-          <a:bodyPr wrap="square" rtlCol="0">
-            <a:spAutoFit/>
-          </a:bodyPr>
-          <a:lstStyle/>
-          <a:p>
-            <a:pPr algn="r"/>
-            <a:r>
-              <a:rPr lang="en-US" altLang="ko-KR" sz="1200" dirty="0"/>
-              <a:t>Reward, Observation</a:t>
-            </a:r>
-            <a:endParaRPr lang="ko-KR" altLang="en-US" sz="1200" dirty="0"/>
-          </a:p>
-        </p:txBody>
-      </p:sp>
-      <p:cxnSp>
-        <p:nvCxnSpPr>
-          <p:cNvPr id="43" name="직선 화살표 연결선 42"/>
-          <p:cNvCxnSpPr/>
-          <p:nvPr/>
-        </p:nvCxnSpPr>
-        <p:spPr>
-          <a:xfrm flipH="1" flipV="1">
-            <a:off x="6911599" y="3166353"/>
-            <a:ext cx="11381" cy="1259448"/>
-          </a:xfrm>
-          <a:prstGeom prst="straightConnector1">
-            <a:avLst/>
-          </a:prstGeom>
-          <a:ln>
-            <a:tailEnd type="triangle"/>
-          </a:ln>
-        </p:spPr>
-        <p:style>
-          <a:lnRef idx="1">
-            <a:schemeClr val="dk1"/>
-          </a:lnRef>
-          <a:fillRef idx="0">
-            <a:schemeClr val="dk1"/>
-          </a:fillRef>
-          <a:effectRef idx="0">
-            <a:schemeClr val="dk1"/>
-          </a:effectRef>
-          <a:fontRef idx="minor">
-            <a:schemeClr val="tx1"/>
-          </a:fontRef>
-        </p:style>
-      </p:cxnSp>
-      <p:sp>
-        <p:nvSpPr>
-          <p:cNvPr id="47" name="TextBox 46"/>
-          <p:cNvSpPr txBox="1"/>
-          <p:nvPr/>
-        </p:nvSpPr>
-        <p:spPr>
-          <a:xfrm>
-            <a:off x="6910435" y="3626321"/>
-            <a:ext cx="1042603" cy="276999"/>
-          </a:xfrm>
-          <a:prstGeom prst="rect">
-            <a:avLst/>
-          </a:prstGeom>
-          <a:noFill/>
-        </p:spPr>
-        <p:txBody>
-          <a:bodyPr wrap="square" rtlCol="0">
-            <a:spAutoFit/>
-          </a:bodyPr>
-          <a:lstStyle/>
-          <a:p>
-            <a:r>
-              <a:rPr lang="en-US" altLang="ko-KR" sz="1200" dirty="0"/>
-              <a:t>Action</a:t>
-            </a:r>
-            <a:endParaRPr lang="ko-KR" altLang="en-US" sz="1200" dirty="0"/>
-          </a:p>
-        </p:txBody>
-      </p:sp>
-      <p:cxnSp>
-        <p:nvCxnSpPr>
-          <p:cNvPr id="48" name="직선 화살표 연결선 47"/>
-          <p:cNvCxnSpPr>
-            <a:stCxn id="6" idx="3"/>
-            <a:endCxn id="7" idx="1"/>
-          </p:cNvCxnSpPr>
-          <p:nvPr/>
-        </p:nvCxnSpPr>
-        <p:spPr>
-          <a:xfrm>
-            <a:off x="7387658" y="4766116"/>
-            <a:ext cx="1378441" cy="0"/>
-          </a:xfrm>
-          <a:prstGeom prst="straightConnector1">
-            <a:avLst/>
-          </a:prstGeom>
-          <a:ln>
-            <a:tailEnd type="triangle"/>
-          </a:ln>
-        </p:spPr>
-        <p:style>
-          <a:lnRef idx="1">
-            <a:schemeClr val="dk1"/>
-          </a:lnRef>
-          <a:fillRef idx="0">
-            <a:schemeClr val="dk1"/>
-          </a:fillRef>
-          <a:effectRef idx="0">
-            <a:schemeClr val="dk1"/>
-          </a:effectRef>
-          <a:fontRef idx="minor">
-            <a:schemeClr val="tx1"/>
-          </a:fontRef>
-        </p:style>
-      </p:cxnSp>
-      <p:sp>
-        <p:nvSpPr>
-          <p:cNvPr id="51" name="TextBox 50"/>
-          <p:cNvSpPr txBox="1"/>
-          <p:nvPr/>
-        </p:nvSpPr>
-        <p:spPr>
-          <a:xfrm>
-            <a:off x="7555576" y="4473726"/>
-            <a:ext cx="1042603" cy="276999"/>
-          </a:xfrm>
-          <a:prstGeom prst="rect">
-            <a:avLst/>
-          </a:prstGeom>
-          <a:noFill/>
-        </p:spPr>
-        <p:txBody>
-          <a:bodyPr wrap="square" rtlCol="0">
-            <a:spAutoFit/>
-          </a:bodyPr>
-          <a:lstStyle/>
-          <a:p>
-            <a:pPr algn="ctr"/>
-            <a:r>
-              <a:rPr lang="en-US" altLang="ko-KR" sz="1200" dirty="0"/>
-              <a:t>Observation</a:t>
-            </a:r>
-            <a:endParaRPr lang="ko-KR" altLang="en-US" sz="1200" dirty="0"/>
-          </a:p>
-        </p:txBody>
-      </p:sp>
-      <p:cxnSp>
-        <p:nvCxnSpPr>
-          <p:cNvPr id="52" name="직선 화살표 연결선 51"/>
-          <p:cNvCxnSpPr/>
-          <p:nvPr/>
-        </p:nvCxnSpPr>
-        <p:spPr>
-          <a:xfrm flipH="1">
-            <a:off x="7387658" y="4892374"/>
-            <a:ext cx="1378441" cy="0"/>
-          </a:xfrm>
-          <a:prstGeom prst="straightConnector1">
-            <a:avLst/>
-          </a:prstGeom>
-          <a:ln>
-            <a:tailEnd type="triangle"/>
-          </a:ln>
-        </p:spPr>
-        <p:style>
-          <a:lnRef idx="1">
-            <a:schemeClr val="dk1"/>
-          </a:lnRef>
-          <a:fillRef idx="0">
-            <a:schemeClr val="dk1"/>
-          </a:fillRef>
-          <a:effectRef idx="0">
-            <a:schemeClr val="dk1"/>
-          </a:effectRef>
-          <a:fontRef idx="minor">
-            <a:schemeClr val="tx1"/>
-          </a:fontRef>
-        </p:style>
-      </p:cxnSp>
-      <p:sp>
-        <p:nvSpPr>
-          <p:cNvPr id="56" name="TextBox 55"/>
-          <p:cNvSpPr txBox="1"/>
-          <p:nvPr/>
-        </p:nvSpPr>
-        <p:spPr>
-          <a:xfrm>
-            <a:off x="7559668" y="4942579"/>
-            <a:ext cx="1042603" cy="276999"/>
-          </a:xfrm>
-          <a:prstGeom prst="rect">
-            <a:avLst/>
-          </a:prstGeom>
-          <a:noFill/>
-        </p:spPr>
-        <p:txBody>
-          <a:bodyPr wrap="square" rtlCol="0">
-            <a:spAutoFit/>
-          </a:bodyPr>
-          <a:lstStyle/>
-          <a:p>
-            <a:pPr algn="ctr"/>
-            <a:r>
-              <a:rPr lang="en-US" altLang="ko-KR" sz="1200" dirty="0"/>
-              <a:t>Flip, Rotate</a:t>
-            </a:r>
-            <a:endParaRPr lang="ko-KR" altLang="en-US" sz="1200" dirty="0"/>
-          </a:p>
-        </p:txBody>
-      </p:sp>
-      <p:sp>
-        <p:nvSpPr>
-          <p:cNvPr id="57" name="TextBox 56"/>
-          <p:cNvSpPr txBox="1"/>
-          <p:nvPr/>
-        </p:nvSpPr>
-        <p:spPr>
-          <a:xfrm>
-            <a:off x="2825988" y="5304805"/>
-            <a:ext cx="1330364" cy="307777"/>
-          </a:xfrm>
-          <a:prstGeom prst="rect">
-            <a:avLst/>
-          </a:prstGeom>
-          <a:noFill/>
-        </p:spPr>
-        <p:txBody>
-          <a:bodyPr wrap="none" rtlCol="0">
-            <a:spAutoFit/>
-          </a:bodyPr>
-          <a:lstStyle/>
-          <a:p>
-            <a:pPr algn="r"/>
-            <a:r>
-              <a:rPr lang="en-US" altLang="ko-KR" sz="1400" dirty="0"/>
-              <a:t>xml </a:t>
-            </a:r>
-            <a:r>
-              <a:rPr lang="ko-KR" altLang="en-US" sz="1400" dirty="0"/>
-              <a:t>및 </a:t>
-            </a:r>
-            <a:r>
-              <a:rPr lang="en-US" altLang="ko-KR" sz="1400" dirty="0" err="1"/>
-              <a:t>cfg</a:t>
-            </a:r>
-            <a:r>
-              <a:rPr lang="en-US" altLang="ko-KR" sz="1400" dirty="0"/>
-              <a:t> </a:t>
-            </a:r>
-            <a:r>
-              <a:rPr lang="ko-KR" altLang="en-US" sz="1400" dirty="0"/>
-              <a:t>생성</a:t>
-            </a:r>
+          <a:p>
+            <a:r>
+              <a:rPr lang="en-US" altLang="ko-KR" dirty="0"/>
+              <a:t>Change Traffic Lights State</a:t>
+            </a:r>
+            <a:br>
+              <a:rPr lang="en-US" altLang="ko-KR" dirty="0"/>
+            </a:br>
+            <a:r>
+              <a:rPr lang="en-US" altLang="ko-KR" dirty="0"/>
+              <a:t>- Change state: </a:t>
+            </a:r>
+            <a:r>
+              <a:rPr lang="en-US" altLang="ko-KR" dirty="0" err="1"/>
+              <a:t>setRedYellowGreenState</a:t>
+            </a:r>
+            <a:r>
+              <a:rPr lang="en-US" altLang="ko-KR" dirty="0"/>
+              <a:t/>
+            </a:r>
+            <a:br>
+              <a:rPr lang="en-US" altLang="ko-KR" dirty="0"/>
+            </a:br>
+            <a:r>
+              <a:rPr lang="en-US" altLang="ko-KR" dirty="0"/>
+              <a:t>- Change phase duration: </a:t>
+            </a:r>
+            <a:r>
+              <a:rPr lang="en-US" altLang="ko-KR" dirty="0" err="1"/>
+              <a:t>setPhaseDuration</a:t>
+            </a:r>
+            <a:r>
+              <a:rPr lang="en-US" altLang="ko-KR" dirty="0"/>
+              <a:t/>
+            </a:r>
+            <a:br>
+              <a:rPr lang="en-US" altLang="ko-KR" dirty="0"/>
+            </a:br>
+            <a:r>
+              <a:rPr lang="en-US" altLang="ko-KR" dirty="0"/>
+              <a:t>- Complete program definition: </a:t>
+            </a:r>
+            <a:r>
+              <a:rPr lang="en-US" altLang="ko-KR" dirty="0" err="1"/>
+              <a:t>setCompleteRedYellowGreenDefinition</a:t>
+            </a:r>
+            <a:r>
+              <a:rPr lang="en-US" altLang="ko-KR" dirty="0"/>
+              <a:t>, </a:t>
+            </a:r>
+            <a:r>
+              <a:rPr lang="ko-KR" altLang="en-US" dirty="0"/>
+              <a:t>새로운</a:t>
+            </a:r>
+            <a:r>
+              <a:rPr lang="en-US" altLang="ko-KR" dirty="0"/>
+              <a:t>TL</a:t>
+            </a:r>
+            <a:r>
+              <a:rPr lang="ko-KR" altLang="en-US" dirty="0"/>
+              <a:t> 프로그램 삽입</a:t>
+            </a:r>
+            <a:r>
+              <a:rPr lang="en-US" altLang="ko-KR" dirty="0"/>
+              <a:t/>
+            </a:r>
+            <a:br>
+              <a:rPr lang="en-US" altLang="ko-KR" dirty="0"/>
+            </a:br>
+            <a:r>
+              <a:rPr lang="en-US" altLang="ko-KR" dirty="0"/>
+              <a:t>- Change program logic: </a:t>
+            </a:r>
+            <a:r>
+              <a:rPr lang="en-US" altLang="ko-KR" dirty="0" err="1"/>
+              <a:t>setProgramLogic</a:t>
+            </a:r>
+            <a:r>
+              <a:rPr lang="en-US" altLang="ko-KR" dirty="0"/>
+              <a:t> : logic </a:t>
+            </a:r>
+            <a:r>
+              <a:rPr lang="ko-KR" altLang="en-US" dirty="0"/>
+              <a:t>삽입</a:t>
+            </a:r>
+            <a:endParaRPr lang="en-US" altLang="ko-KR" dirty="0"/>
           </a:p>
         </p:txBody>
       </p:sp>
     </p:spTree>
     <p:extLst>
       <p:ext uri="{BB962C8B-B14F-4D97-AF65-F5344CB8AC3E}">
-        <p14:creationId xmlns:p14="http://schemas.microsoft.com/office/powerpoint/2010/main" val="1470577201"/>
+        <p14:creationId xmlns:p14="http://schemas.microsoft.com/office/powerpoint/2010/main" val="2738297341"/>
       </p:ext>
     </p:extLst>
   </p:cSld>
@@ -21613,8 +21759,8 @@
           <a:lstStyle/>
           <a:p>
             <a:r>
-              <a:rPr lang="en-US" altLang="ko-KR" dirty="0" err="1"/>
-              <a:t>TraCI</a:t>
+              <a:rPr lang="en-US" altLang="ko-KR" dirty="0"/>
+              <a:t>Traffic Observation Data</a:t>
             </a:r>
             <a:endParaRPr lang="ko-KR" altLang="en-US" dirty="0"/>
           </a:p>
@@ -21637,80 +21783,68 @@
           <a:p>
             <a:r>
               <a:rPr lang="en-US" altLang="ko-KR" dirty="0"/>
-              <a:t>Additional file </a:t>
-            </a:r>
-            <a:r>
-              <a:rPr lang="ko-KR" altLang="en-US" dirty="0"/>
-              <a:t>을 이용하여 </a:t>
-            </a:r>
-            <a:r>
-              <a:rPr lang="en-US" altLang="ko-KR" dirty="0"/>
-              <a:t>Traffic Light</a:t>
-            </a:r>
-            <a:r>
-              <a:rPr lang="ko-KR" altLang="en-US" dirty="0"/>
-              <a:t>를 조절</a:t>
-            </a:r>
-            <a:br>
-              <a:rPr lang="en-US" altLang="ko-KR" dirty="0"/>
-            </a:br>
-            <a:r>
-              <a:rPr lang="en-US" altLang="ko-KR" dirty="0"/>
-              <a:t>-.add.xml format </a:t>
-            </a:r>
-            <a:r>
-              <a:rPr lang="ko-KR" altLang="en-US" dirty="0"/>
-              <a:t>사용</a:t>
+              <a:t> Induction Loops detector (</a:t>
+            </a:r>
+            <a:r>
+              <a:rPr lang="en-US" altLang="ko-KR" dirty="0" err="1"/>
+              <a:t>TraCI</a:t>
+            </a:r>
+            <a:r>
+              <a:rPr lang="en-US" altLang="ko-KR" dirty="0"/>
+              <a:t>)</a:t>
+            </a:r>
+          </a:p>
+          <a:p>
+            <a:pPr lvl="1"/>
+            <a:r>
+              <a:rPr lang="en-US" altLang="ko-KR" dirty="0"/>
+              <a:t>Induction Loop value retrieval</a:t>
+            </a:r>
+          </a:p>
+          <a:p>
+            <a:pPr lvl="2"/>
+            <a:r>
+              <a:rPr lang="en-US" altLang="ko-KR" dirty="0"/>
+              <a:t>ID List: </a:t>
+            </a:r>
+            <a:r>
+              <a:rPr lang="en-US" altLang="ko-KR" dirty="0" err="1"/>
+              <a:t>getIDList</a:t>
             </a:r>
             <a:endParaRPr lang="en-US" altLang="ko-KR" dirty="0"/>
           </a:p>
           <a:p>
-            <a:r>
-              <a:rPr lang="en-US" altLang="ko-KR" dirty="0"/>
-              <a:t>Phase Setting</a:t>
-            </a:r>
-            <a:br>
-              <a:rPr lang="en-US" altLang="ko-KR" dirty="0"/>
-            </a:br>
-            <a:r>
-              <a:rPr lang="en-US" altLang="ko-KR" dirty="0"/>
-              <a:t>- </a:t>
+            <a:pPr lvl="2"/>
+            <a:r>
+              <a:rPr lang="en-US" altLang="ko-KR" dirty="0"/>
+              <a:t># Visiting Vehicle: </a:t>
             </a:r>
             <a:r>
               <a:rPr lang="en-US" altLang="ko-KR" dirty="0" err="1"/>
-              <a:t>setPhase</a:t>
-            </a:r>
-            <a:r>
-              <a:rPr lang="en-US" altLang="ko-KR" dirty="0"/>
-              <a:t> function : </a:t>
-            </a:r>
-            <a:r>
-              <a:rPr lang="ko-KR" altLang="en-US" dirty="0"/>
-              <a:t>현재 </a:t>
-            </a:r>
-            <a:r>
-              <a:rPr lang="en-US" altLang="ko-KR" dirty="0"/>
-              <a:t>phase</a:t>
-            </a:r>
-            <a:r>
-              <a:rPr lang="ko-KR" altLang="en-US" dirty="0"/>
-              <a:t>를 다른 </a:t>
-            </a:r>
-            <a:r>
-              <a:rPr lang="en-US" altLang="ko-KR" dirty="0"/>
-              <a:t>phase</a:t>
-            </a:r>
-            <a:r>
-              <a:rPr lang="ko-KR" altLang="en-US" dirty="0"/>
-              <a:t>로 바꿈 </a:t>
-            </a:r>
-            <a:r>
-              <a:rPr lang="en-US" altLang="ko-KR" dirty="0"/>
-              <a:t>(program</a:t>
-            </a:r>
-            <a:r>
-              <a:rPr lang="ko-KR" altLang="en-US" dirty="0"/>
-              <a:t>에 있는 내용만 가능</a:t>
+              <a:t>getLastStepVehicleNumber</a:t>
+            </a:r>
+            <a:endParaRPr lang="en-US" altLang="ko-KR" dirty="0"/>
+          </a:p>
+          <a:p>
+            <a:pPr lvl="2"/>
+            <a:r>
+              <a:rPr lang="en-US" altLang="ko-KR" dirty="0"/>
+              <a:t>Percentage of time that was occupied: </a:t>
+            </a:r>
+            <a:r>
+              <a:rPr lang="en-US" altLang="ko-KR" dirty="0" err="1"/>
+              <a:t>getLastStepOccupancy</a:t>
+            </a:r>
+            <a:endParaRPr lang="en-US" altLang="ko-KR" dirty="0"/>
+          </a:p>
+          <a:p>
+            <a:r>
+              <a:rPr lang="en-US" altLang="ko-KR" dirty="0"/>
+              <a:t> Lane Area detector (</a:t>
+            </a:r>
+            <a:r>
+              <a:rPr lang="en-US" altLang="ko-KR" dirty="0" err="1"/>
+              <a:t>TraCI</a:t>
             </a:r>
             <a:r>
               <a:rPr lang="en-US" altLang="ko-KR" dirty="0"/>
@@ -21718,78 +21852,106 @@
             </a:r>
           </a:p>
           <a:p>
-            <a:r>
-              <a:rPr lang="en-US" altLang="ko-KR" dirty="0"/>
-              <a:t>Duration Setting</a:t>
-            </a:r>
-            <a:br>
-              <a:rPr lang="en-US" altLang="ko-KR" dirty="0"/>
-            </a:br>
-            <a:r>
-              <a:rPr lang="en-US" altLang="ko-KR" dirty="0"/>
-              <a:t>- </a:t>
+            <a:pPr lvl="1"/>
+            <a:r>
+              <a:rPr lang="en-US" altLang="ko-KR" dirty="0"/>
+              <a:t>Lane Area detector value retrieval</a:t>
+            </a:r>
+          </a:p>
+          <a:p>
+            <a:pPr lvl="2"/>
+            <a:r>
+              <a:rPr lang="en-US" altLang="ko-KR" dirty="0"/>
+              <a:t>ID List: </a:t>
             </a:r>
             <a:r>
               <a:rPr lang="en-US" altLang="ko-KR" dirty="0" err="1"/>
-              <a:t>setPhaseDuration</a:t>
-            </a:r>
-            <a:r>
-              <a:rPr lang="en-US" altLang="ko-KR" dirty="0"/>
-              <a:t> : </a:t>
-            </a:r>
-            <a:r>
-              <a:rPr lang="ko-KR" altLang="en-US" dirty="0"/>
-              <a:t>현재 </a:t>
-            </a:r>
-            <a:r>
-              <a:rPr lang="en-US" altLang="ko-KR" dirty="0"/>
-              <a:t>phase</a:t>
-            </a:r>
-            <a:r>
-              <a:rPr lang="ko-KR" altLang="en-US" dirty="0"/>
-              <a:t>의 지속시간을 바꿈</a:t>
+              <a:t>getIDList</a:t>
             </a:r>
             <a:endParaRPr lang="en-US" altLang="ko-KR" dirty="0"/>
           </a:p>
           <a:p>
-            <a:r>
-              <a:rPr lang="en-US" altLang="ko-KR" dirty="0"/>
-              <a:t>Complete Program Setting: Static signal Plan</a:t>
-            </a:r>
-            <a:br>
-              <a:rPr lang="en-US" altLang="ko-KR" dirty="0"/>
-            </a:br>
-            <a:r>
-              <a:rPr lang="en-US" altLang="ko-KR" dirty="0"/>
-              <a:t>- </a:t>
+            <a:pPr lvl="2"/>
+            <a:r>
+              <a:rPr lang="en-US" altLang="ko-KR" dirty="0"/>
+              <a:t># Visiting Vehicle: </a:t>
             </a:r>
             <a:r>
               <a:rPr lang="en-US" altLang="ko-KR" dirty="0" err="1"/>
-              <a:t>setProgramLogic</a:t>
-            </a:r>
-            <a:r>
-              <a:rPr lang="en-US" altLang="ko-KR" dirty="0"/>
-              <a:t> : </a:t>
-            </a:r>
-            <a:r>
-              <a:rPr lang="ko-KR" altLang="en-US" dirty="0"/>
-              <a:t>현재 가지고 있는 </a:t>
-            </a:r>
-            <a:r>
-              <a:rPr lang="en-US" altLang="ko-KR" dirty="0"/>
-              <a:t>phase set</a:t>
-            </a:r>
-            <a:r>
-              <a:rPr lang="ko-KR" altLang="en-US" dirty="0"/>
-              <a:t>을 지정한대로 바꿈</a:t>
-            </a:r>
-          </a:p>
-        </p:txBody>
-      </p:sp>
+              <a:t>getLastStepVehicleNumber</a:t>
+            </a:r>
+            <a:endParaRPr lang="en-US" altLang="ko-KR" dirty="0"/>
+          </a:p>
+          <a:p>
+            <a:pPr lvl="2"/>
+            <a:r>
+              <a:rPr lang="en-US" altLang="ko-KR" dirty="0"/>
+              <a:t>Percentage of time that was occupied: </a:t>
+            </a:r>
+            <a:r>
+              <a:rPr lang="en-US" altLang="ko-KR" dirty="0" err="1"/>
+              <a:t>getLastStepOccupancy</a:t>
+            </a:r>
+            <a:endParaRPr lang="en-US" altLang="ko-KR" dirty="0"/>
+          </a:p>
+          <a:p>
+            <a:pPr lvl="2"/>
+            <a:endParaRPr lang="ko-KR" altLang="en-US" dirty="0"/>
+          </a:p>
+        </p:txBody>
+      </p:sp>
+      <p:pic>
+        <p:nvPicPr>
+          <p:cNvPr id="4" name="그림 3"/>
+          <p:cNvPicPr>
+            <a:picLocks noChangeAspect="1"/>
+          </p:cNvPicPr>
+          <p:nvPr/>
+        </p:nvPicPr>
+        <p:blipFill>
+          <a:blip r:embed="rId2"/>
+          <a:stretch>
+            <a:fillRect/>
+          </a:stretch>
+        </p:blipFill>
+        <p:spPr>
+          <a:xfrm>
+            <a:off x="6841621" y="3729950"/>
+            <a:ext cx="4940554" cy="1149409"/>
+          </a:xfrm>
+          <a:prstGeom prst="rect">
+            <a:avLst/>
+          </a:prstGeom>
+        </p:spPr>
+      </p:pic>
+      <p:pic>
+        <p:nvPicPr>
+          <p:cNvPr id="5" name="그림 4"/>
+          <p:cNvPicPr>
+            <a:picLocks noChangeAspect="1"/>
+          </p:cNvPicPr>
+          <p:nvPr/>
+        </p:nvPicPr>
+        <p:blipFill>
+          <a:blip r:embed="rId3"/>
+          <a:stretch>
+            <a:fillRect/>
+          </a:stretch>
+        </p:blipFill>
+        <p:spPr>
+          <a:xfrm>
+            <a:off x="5749365" y="2082956"/>
+            <a:ext cx="6032810" cy="704886"/>
+          </a:xfrm>
+          <a:prstGeom prst="rect">
+            <a:avLst/>
+          </a:prstGeom>
+        </p:spPr>
+      </p:pic>
     </p:spTree>
     <p:extLst>
       <p:ext uri="{BB962C8B-B14F-4D97-AF65-F5344CB8AC3E}">
-        <p14:creationId xmlns:p14="http://schemas.microsoft.com/office/powerpoint/2010/main" val="2073866497"/>
+        <p14:creationId xmlns:p14="http://schemas.microsoft.com/office/powerpoint/2010/main" val="3196876027"/>
       </p:ext>
     </p:extLst>
   </p:cSld>

--- a/1st_Seminar(강민수).pptx
+++ b/1st_Seminar(강민수).pptx
@@ -19,28 +19,28 @@
     <p:sldId id="263" r:id="rId10"/>
     <p:sldId id="290" r:id="rId11"/>
     <p:sldId id="260" r:id="rId12"/>
-    <p:sldId id="259" r:id="rId13"/>
-    <p:sldId id="297" r:id="rId14"/>
-    <p:sldId id="296" r:id="rId15"/>
-    <p:sldId id="273" r:id="rId16"/>
-    <p:sldId id="287" r:id="rId17"/>
-    <p:sldId id="268" r:id="rId18"/>
-    <p:sldId id="274" r:id="rId19"/>
-    <p:sldId id="275" r:id="rId20"/>
-    <p:sldId id="276" r:id="rId21"/>
-    <p:sldId id="269" r:id="rId22"/>
-    <p:sldId id="277" r:id="rId23"/>
-    <p:sldId id="278" r:id="rId24"/>
-    <p:sldId id="280" r:id="rId25"/>
-    <p:sldId id="284" r:id="rId26"/>
-    <p:sldId id="291" r:id="rId27"/>
-    <p:sldId id="279" r:id="rId28"/>
-    <p:sldId id="281" r:id="rId29"/>
-    <p:sldId id="283" r:id="rId30"/>
-    <p:sldId id="285" r:id="rId31"/>
-    <p:sldId id="270" r:id="rId32"/>
-    <p:sldId id="286" r:id="rId33"/>
-    <p:sldId id="292" r:id="rId34"/>
+    <p:sldId id="273" r:id="rId13"/>
+    <p:sldId id="287" r:id="rId14"/>
+    <p:sldId id="268" r:id="rId15"/>
+    <p:sldId id="274" r:id="rId16"/>
+    <p:sldId id="275" r:id="rId17"/>
+    <p:sldId id="276" r:id="rId18"/>
+    <p:sldId id="269" r:id="rId19"/>
+    <p:sldId id="277" r:id="rId20"/>
+    <p:sldId id="278" r:id="rId21"/>
+    <p:sldId id="280" r:id="rId22"/>
+    <p:sldId id="284" r:id="rId23"/>
+    <p:sldId id="291" r:id="rId24"/>
+    <p:sldId id="279" r:id="rId25"/>
+    <p:sldId id="281" r:id="rId26"/>
+    <p:sldId id="283" r:id="rId27"/>
+    <p:sldId id="285" r:id="rId28"/>
+    <p:sldId id="270" r:id="rId29"/>
+    <p:sldId id="286" r:id="rId30"/>
+    <p:sldId id="292" r:id="rId31"/>
+    <p:sldId id="259" r:id="rId32"/>
+    <p:sldId id="297" r:id="rId33"/>
+    <p:sldId id="296" r:id="rId34"/>
     <p:sldId id="264" r:id="rId35"/>
     <p:sldId id="265" r:id="rId36"/>
     <p:sldId id="266" r:id="rId37"/>
@@ -7272,10 +7272,6 @@
               <a:rPr lang="ko-KR" altLang="en-US" dirty="0"/>
               <a:t>를 조절</a:t>
             </a:r>
-            <a:r>
-              <a:rPr lang="en-US" altLang="ko-KR" dirty="0"/>
-              <a:t/>
-            </a:r>
             <a:br>
               <a:rPr lang="en-US" altLang="ko-KR" dirty="0"/>
             </a:br>
@@ -7443,722 +7439,67 @@
       </p:grpSpPr>
       <p:sp>
         <p:nvSpPr>
-          <p:cNvPr id="2" name="제목 1"/>
+          <p:cNvPr id="6" name="제목 5"/>
           <p:cNvSpPr>
             <a:spLocks noGrp="1"/>
           </p:cNvSpPr>
           <p:nvPr>
-            <p:ph type="title"/>
+            <p:ph type="ctrTitle"/>
           </p:nvPr>
         </p:nvSpPr>
         <p:spPr/>
         <p:txBody>
-          <a:bodyPr/>
-          <a:lstStyle/>
-          <a:p>
-            <a:r>
-              <a:rPr lang="en-US" altLang="ko-KR" dirty="0"/>
-              <a:t>SUMO Network </a:t>
-            </a:r>
-            <a:r>
-              <a:rPr lang="ko-KR" altLang="en-US" dirty="0"/>
-              <a:t>제작</a:t>
-            </a:r>
-          </a:p>
-        </p:txBody>
-      </p:sp>
-      <p:pic>
-        <p:nvPicPr>
-          <p:cNvPr id="4" name="내용 개체 틀 3"/>
-          <p:cNvPicPr>
-            <a:picLocks noGrp="1" noChangeAspect="1"/>
-          </p:cNvPicPr>
-          <p:nvPr>
-            <p:ph idx="1"/>
-          </p:nvPr>
-        </p:nvPicPr>
-        <p:blipFill>
-          <a:blip r:embed="rId2"/>
-          <a:stretch>
-            <a:fillRect/>
-          </a:stretch>
-        </p:blipFill>
-        <p:spPr>
-          <a:xfrm>
-            <a:off x="3356734" y="1806343"/>
-            <a:ext cx="2574283" cy="1906265"/>
-          </a:xfrm>
-          <a:prstGeom prst="rect">
-            <a:avLst/>
-          </a:prstGeom>
-        </p:spPr>
-      </p:pic>
-      <p:pic>
-        <p:nvPicPr>
-          <p:cNvPr id="5" name="그림 4"/>
-          <p:cNvPicPr>
-            <a:picLocks noChangeAspect="1"/>
-          </p:cNvPicPr>
-          <p:nvPr/>
-        </p:nvPicPr>
-        <p:blipFill>
-          <a:blip r:embed="rId3"/>
-          <a:stretch>
-            <a:fillRect/>
-          </a:stretch>
-        </p:blipFill>
-        <p:spPr>
-          <a:xfrm>
-            <a:off x="1240293" y="1797907"/>
-            <a:ext cx="2162555" cy="1918416"/>
-          </a:xfrm>
-          <a:prstGeom prst="rect">
-            <a:avLst/>
-          </a:prstGeom>
-        </p:spPr>
-      </p:pic>
-      <p:sp>
-        <p:nvSpPr>
-          <p:cNvPr id="3" name="TextBox 2"/>
-          <p:cNvSpPr txBox="1"/>
-          <p:nvPr/>
-        </p:nvSpPr>
-        <p:spPr>
-          <a:xfrm>
-            <a:off x="1355463" y="3652922"/>
-            <a:ext cx="1932214" cy="370075"/>
-          </a:xfrm>
-          <a:prstGeom prst="rect">
-            <a:avLst/>
-          </a:prstGeom>
-          <a:noFill/>
-        </p:spPr>
-        <p:txBody>
-          <a:bodyPr wrap="square" rtlCol="0">
-            <a:spAutoFit/>
-          </a:bodyPr>
-          <a:lstStyle/>
-          <a:p>
-            <a:pPr algn="ctr"/>
-            <a:r>
-              <a:rPr lang="en-US" altLang="ko-KR" dirty="0"/>
-              <a:t>2x2 grid</a:t>
-            </a:r>
-            <a:endParaRPr lang="ko-KR" altLang="en-US" dirty="0"/>
-          </a:p>
-        </p:txBody>
-      </p:sp>
-      <p:sp>
-        <p:nvSpPr>
-          <p:cNvPr id="6" name="TextBox 5"/>
-          <p:cNvSpPr txBox="1"/>
-          <p:nvPr/>
-        </p:nvSpPr>
-        <p:spPr>
-          <a:xfrm>
-            <a:off x="3677768" y="3656633"/>
-            <a:ext cx="1932214" cy="370075"/>
-          </a:xfrm>
-          <a:prstGeom prst="rect">
-            <a:avLst/>
-          </a:prstGeom>
-          <a:noFill/>
-        </p:spPr>
-        <p:txBody>
-          <a:bodyPr wrap="square" rtlCol="0">
-            <a:spAutoFit/>
-          </a:bodyPr>
-          <a:lstStyle/>
-          <a:p>
-            <a:pPr algn="ctr"/>
-            <a:r>
-              <a:rPr lang="en-US" altLang="ko-KR" dirty="0"/>
-              <a:t>3x3 grid</a:t>
-            </a:r>
-            <a:endParaRPr lang="ko-KR" altLang="en-US" dirty="0"/>
-          </a:p>
-        </p:txBody>
-      </p:sp>
-      <p:pic>
-        <p:nvPicPr>
-          <p:cNvPr id="8" name="그림 7">
-            <a:extLst>
-              <a:ext uri="{FF2B5EF4-FFF2-40B4-BE49-F238E27FC236}">
-                <a16:creationId xmlns:a16="http://schemas.microsoft.com/office/drawing/2014/main" id="{A92F9A51-9B07-45DB-B88F-8FCDE741F757}"/>
-              </a:ext>
-            </a:extLst>
-          </p:cNvPr>
-          <p:cNvPicPr>
-            <a:picLocks noChangeAspect="1"/>
-          </p:cNvPicPr>
-          <p:nvPr/>
-        </p:nvPicPr>
-        <p:blipFill>
-          <a:blip r:embed="rId4"/>
-          <a:stretch>
-            <a:fillRect/>
-          </a:stretch>
-        </p:blipFill>
-        <p:spPr>
-          <a:xfrm flipV="1">
-            <a:off x="1355463" y="4022997"/>
-            <a:ext cx="1932214" cy="1956427"/>
-          </a:xfrm>
-          <a:prstGeom prst="rect">
-            <a:avLst/>
-          </a:prstGeom>
-        </p:spPr>
-      </p:pic>
-      <p:pic>
-        <p:nvPicPr>
-          <p:cNvPr id="10" name="그림 9">
-            <a:extLst>
-              <a:ext uri="{FF2B5EF4-FFF2-40B4-BE49-F238E27FC236}">
-                <a16:creationId xmlns:a16="http://schemas.microsoft.com/office/drawing/2014/main" id="{802B28B4-CB41-4871-BB14-F34FCAEB227C}"/>
-              </a:ext>
-            </a:extLst>
-          </p:cNvPr>
-          <p:cNvPicPr>
-            <a:picLocks noChangeAspect="1"/>
-          </p:cNvPicPr>
-          <p:nvPr/>
-        </p:nvPicPr>
-        <p:blipFill>
-          <a:blip r:embed="rId5"/>
-          <a:stretch>
-            <a:fillRect/>
-          </a:stretch>
-        </p:blipFill>
-        <p:spPr>
-          <a:xfrm flipV="1">
-            <a:off x="3677768" y="4022995"/>
-            <a:ext cx="1939267" cy="1956429"/>
-          </a:xfrm>
-          <a:prstGeom prst="rect">
-            <a:avLst/>
-          </a:prstGeom>
-        </p:spPr>
-      </p:pic>
-      <p:sp>
-        <p:nvSpPr>
-          <p:cNvPr id="11" name="TextBox 10">
-            <a:extLst>
-              <a:ext uri="{FF2B5EF4-FFF2-40B4-BE49-F238E27FC236}">
-                <a16:creationId xmlns:a16="http://schemas.microsoft.com/office/drawing/2014/main" id="{9DD3111B-EF61-4985-975B-93B4A14FC54E}"/>
-              </a:ext>
-            </a:extLst>
-          </p:cNvPr>
-          <p:cNvSpPr txBox="1"/>
-          <p:nvPr/>
-        </p:nvSpPr>
-        <p:spPr>
-          <a:xfrm>
-            <a:off x="1347024" y="5923061"/>
-            <a:ext cx="1932214" cy="370075"/>
-          </a:xfrm>
-          <a:prstGeom prst="rect">
-            <a:avLst/>
-          </a:prstGeom>
-          <a:noFill/>
-        </p:spPr>
-        <p:txBody>
-          <a:bodyPr wrap="square" rtlCol="0">
-            <a:spAutoFit/>
-          </a:bodyPr>
-          <a:lstStyle/>
-          <a:p>
-            <a:pPr algn="ctr"/>
-            <a:r>
-              <a:rPr lang="en-US" altLang="ko-KR" dirty="0"/>
-              <a:t>8x8 grid</a:t>
-            </a:r>
-            <a:endParaRPr lang="ko-KR" altLang="en-US" dirty="0"/>
-          </a:p>
-        </p:txBody>
-      </p:sp>
-      <p:sp>
-        <p:nvSpPr>
-          <p:cNvPr id="12" name="TextBox 11">
-            <a:extLst>
-              <a:ext uri="{FF2B5EF4-FFF2-40B4-BE49-F238E27FC236}">
-                <a16:creationId xmlns:a16="http://schemas.microsoft.com/office/drawing/2014/main" id="{DEFB7A8F-7080-4B11-9AFC-E7492CFF2986}"/>
-              </a:ext>
-            </a:extLst>
-          </p:cNvPr>
-          <p:cNvSpPr txBox="1"/>
-          <p:nvPr/>
-        </p:nvSpPr>
-        <p:spPr>
-          <a:xfrm>
-            <a:off x="3680564" y="5932848"/>
-            <a:ext cx="1932214" cy="370075"/>
-          </a:xfrm>
-          <a:prstGeom prst="rect">
-            <a:avLst/>
-          </a:prstGeom>
-          <a:noFill/>
-        </p:spPr>
-        <p:txBody>
-          <a:bodyPr wrap="square" rtlCol="0">
-            <a:spAutoFit/>
-          </a:bodyPr>
-          <a:lstStyle/>
-          <a:p>
-            <a:pPr algn="ctr"/>
-            <a:r>
-              <a:rPr lang="en-US" altLang="ko-KR" dirty="0"/>
-              <a:t>7x7 grid</a:t>
-            </a:r>
-            <a:endParaRPr lang="ko-KR" altLang="en-US" dirty="0"/>
-          </a:p>
-        </p:txBody>
-      </p:sp>
-      <p:sp>
-        <p:nvSpPr>
-          <p:cNvPr id="13" name="내용 개체 틀 2">
-            <a:extLst>
-              <a:ext uri="{FF2B5EF4-FFF2-40B4-BE49-F238E27FC236}">
-                <a16:creationId xmlns:a16="http://schemas.microsoft.com/office/drawing/2014/main" id="{548A095F-87DE-4CEA-B7C3-002F1472B6DD}"/>
-              </a:ext>
-            </a:extLst>
-          </p:cNvPr>
-          <p:cNvSpPr txBox="1">
-            <a:spLocks/>
-          </p:cNvSpPr>
-          <p:nvPr/>
-        </p:nvSpPr>
-        <p:spPr>
-          <a:xfrm>
-            <a:off x="5884902" y="1845734"/>
-            <a:ext cx="5270778" cy="4023360"/>
-          </a:xfrm>
-          <a:prstGeom prst="rect">
-            <a:avLst/>
-          </a:prstGeom>
-        </p:spPr>
-        <p:txBody>
-          <a:bodyPr vert="horz" lIns="0" tIns="45720" rIns="0" bIns="45720" rtlCol="0">
+          <a:bodyPr>
             <a:normAutofit/>
           </a:bodyPr>
-          <a:lstStyle>
-            <a:lvl1pPr marL="91440" indent="-91440" algn="l" defTabSz="914400" rtl="0" eaLnBrk="1" latinLnBrk="1" hangingPunct="1">
-              <a:lnSpc>
-                <a:spcPct val="90000"/>
-              </a:lnSpc>
-              <a:spcBef>
-                <a:spcPts val="1200"/>
-              </a:spcBef>
-              <a:spcAft>
-                <a:spcPts val="200"/>
-              </a:spcAft>
-              <a:buClr>
-                <a:schemeClr val="accent1"/>
-              </a:buClr>
-              <a:buSzPct val="100000"/>
-              <a:buFont typeface="Wingdings" panose="05000000000000000000" pitchFamily="2" charset="2"/>
-              <a:buChar char="§"/>
-              <a:defRPr sz="2000" kern="1200">
-                <a:solidFill>
-                  <a:schemeClr val="tx1">
-                    <a:lumMod val="75000"/>
-                    <a:lumOff val="25000"/>
-                  </a:schemeClr>
-                </a:solidFill>
-                <a:latin typeface="+mn-lt"/>
-                <a:ea typeface="+mn-ea"/>
-                <a:cs typeface="+mn-cs"/>
-              </a:defRPr>
-            </a:lvl1pPr>
-            <a:lvl2pPr marL="544068" indent="-342900" algn="l" defTabSz="914400" rtl="0" eaLnBrk="1" latinLnBrk="1" hangingPunct="1">
-              <a:lnSpc>
-                <a:spcPct val="90000"/>
-              </a:lnSpc>
-              <a:spcBef>
-                <a:spcPts val="200"/>
-              </a:spcBef>
-              <a:spcAft>
-                <a:spcPts val="400"/>
-              </a:spcAft>
-              <a:buClr>
-                <a:schemeClr val="accent1"/>
-              </a:buClr>
-              <a:buFont typeface="+mj-lt"/>
-              <a:buAutoNum type="arabicPeriod"/>
-              <a:defRPr sz="1800" kern="1200">
-                <a:solidFill>
-                  <a:schemeClr val="tx1">
-                    <a:lumMod val="75000"/>
-                    <a:lumOff val="25000"/>
-                  </a:schemeClr>
-                </a:solidFill>
-                <a:latin typeface="+mn-lt"/>
-                <a:ea typeface="+mn-ea"/>
-                <a:cs typeface="+mn-cs"/>
-              </a:defRPr>
-            </a:lvl2pPr>
-            <a:lvl3pPr marL="726948" indent="-342900" algn="l" defTabSz="914400" rtl="0" eaLnBrk="1" latinLnBrk="1" hangingPunct="1">
-              <a:lnSpc>
-                <a:spcPct val="90000"/>
-              </a:lnSpc>
-              <a:spcBef>
-                <a:spcPts val="200"/>
-              </a:spcBef>
-              <a:spcAft>
-                <a:spcPts val="400"/>
-              </a:spcAft>
-              <a:buClr>
-                <a:schemeClr val="accent1"/>
-              </a:buClr>
-              <a:buFont typeface="+mj-lt"/>
-              <a:buAutoNum type="arabicParenR"/>
-              <a:defRPr sz="1400" kern="1200">
-                <a:solidFill>
-                  <a:schemeClr val="tx1">
-                    <a:lumMod val="75000"/>
-                    <a:lumOff val="25000"/>
-                  </a:schemeClr>
-                </a:solidFill>
-                <a:latin typeface="+mn-lt"/>
-                <a:ea typeface="+mn-ea"/>
-                <a:cs typeface="+mn-cs"/>
-              </a:defRPr>
-            </a:lvl3pPr>
-            <a:lvl4pPr marL="749808" indent="-182880" algn="l" defTabSz="914400" rtl="0" eaLnBrk="1" latinLnBrk="1" hangingPunct="1">
-              <a:lnSpc>
-                <a:spcPct val="90000"/>
-              </a:lnSpc>
-              <a:spcBef>
-                <a:spcPts val="200"/>
-              </a:spcBef>
-              <a:spcAft>
-                <a:spcPts val="400"/>
-              </a:spcAft>
-              <a:buClr>
-                <a:schemeClr val="accent1"/>
-              </a:buClr>
-              <a:buFont typeface="Arial" panose="020B0604020202020204" pitchFamily="34" charset="0"/>
-              <a:buChar char="•"/>
-              <a:defRPr sz="1400" kern="1200">
-                <a:solidFill>
-                  <a:schemeClr val="tx1">
-                    <a:lumMod val="75000"/>
-                    <a:lumOff val="25000"/>
-                  </a:schemeClr>
-                </a:solidFill>
-                <a:latin typeface="+mn-lt"/>
-                <a:ea typeface="+mn-ea"/>
-                <a:cs typeface="+mn-cs"/>
-              </a:defRPr>
-            </a:lvl4pPr>
-            <a:lvl5pPr marL="932688" indent="-182880" algn="l" defTabSz="914400" rtl="0" eaLnBrk="1" latinLnBrk="1" hangingPunct="1">
-              <a:lnSpc>
-                <a:spcPct val="90000"/>
-              </a:lnSpc>
-              <a:spcBef>
-                <a:spcPts val="200"/>
-              </a:spcBef>
-              <a:spcAft>
-                <a:spcPts val="400"/>
-              </a:spcAft>
-              <a:buClr>
-                <a:schemeClr val="accent1"/>
-              </a:buClr>
-              <a:buFont typeface="Wingdings" panose="05000000000000000000" pitchFamily="2" charset="2"/>
-              <a:buChar char="Ø"/>
-              <a:defRPr sz="1400" kern="1200">
-                <a:solidFill>
-                  <a:schemeClr val="tx1">
-                    <a:lumMod val="75000"/>
-                    <a:lumOff val="25000"/>
-                  </a:schemeClr>
-                </a:solidFill>
-                <a:latin typeface="+mn-lt"/>
-                <a:ea typeface="+mn-ea"/>
-                <a:cs typeface="+mn-cs"/>
-              </a:defRPr>
-            </a:lvl5pPr>
-            <a:lvl6pPr marL="1100000" indent="-228600" algn="l" defTabSz="914400" rtl="0" eaLnBrk="1" latinLnBrk="1" hangingPunct="1">
-              <a:lnSpc>
-                <a:spcPct val="90000"/>
-              </a:lnSpc>
-              <a:spcBef>
-                <a:spcPts val="200"/>
-              </a:spcBef>
-              <a:spcAft>
-                <a:spcPts val="400"/>
-              </a:spcAft>
-              <a:buClr>
-                <a:schemeClr val="accent1"/>
-              </a:buClr>
-              <a:buFont typeface="Calibri" pitchFamily="34" charset="0"/>
-              <a:buChar char="◦"/>
-              <a:defRPr sz="1400" kern="1200">
-                <a:solidFill>
-                  <a:schemeClr val="tx1">
-                    <a:lumMod val="75000"/>
-                    <a:lumOff val="25000"/>
-                  </a:schemeClr>
-                </a:solidFill>
-                <a:latin typeface="+mn-lt"/>
-                <a:ea typeface="+mn-ea"/>
-                <a:cs typeface="+mn-cs"/>
-              </a:defRPr>
-            </a:lvl6pPr>
-            <a:lvl7pPr marL="1300000" indent="-228600" algn="l" defTabSz="914400" rtl="0" eaLnBrk="1" latinLnBrk="1" hangingPunct="1">
-              <a:lnSpc>
-                <a:spcPct val="90000"/>
-              </a:lnSpc>
-              <a:spcBef>
-                <a:spcPts val="200"/>
-              </a:spcBef>
-              <a:spcAft>
-                <a:spcPts val="400"/>
-              </a:spcAft>
-              <a:buClr>
-                <a:schemeClr val="accent1"/>
-              </a:buClr>
-              <a:buFont typeface="Calibri" pitchFamily="34" charset="0"/>
-              <a:buChar char="◦"/>
-              <a:defRPr sz="1400" kern="1200">
-                <a:solidFill>
-                  <a:schemeClr val="tx1">
-                    <a:lumMod val="75000"/>
-                    <a:lumOff val="25000"/>
-                  </a:schemeClr>
-                </a:solidFill>
-                <a:latin typeface="+mn-lt"/>
-                <a:ea typeface="+mn-ea"/>
-                <a:cs typeface="+mn-cs"/>
-              </a:defRPr>
-            </a:lvl7pPr>
-            <a:lvl8pPr marL="1500000" indent="-228600" algn="l" defTabSz="914400" rtl="0" eaLnBrk="1" latinLnBrk="1" hangingPunct="1">
-              <a:lnSpc>
-                <a:spcPct val="90000"/>
-              </a:lnSpc>
-              <a:spcBef>
-                <a:spcPts val="200"/>
-              </a:spcBef>
-              <a:spcAft>
-                <a:spcPts val="400"/>
-              </a:spcAft>
-              <a:buClr>
-                <a:schemeClr val="accent1"/>
-              </a:buClr>
-              <a:buFont typeface="Calibri" pitchFamily="34" charset="0"/>
-              <a:buChar char="◦"/>
-              <a:defRPr sz="1400" kern="1200">
-                <a:solidFill>
-                  <a:schemeClr val="tx1">
-                    <a:lumMod val="75000"/>
-                    <a:lumOff val="25000"/>
-                  </a:schemeClr>
-                </a:solidFill>
-                <a:latin typeface="+mn-lt"/>
-                <a:ea typeface="+mn-ea"/>
-                <a:cs typeface="+mn-cs"/>
-              </a:defRPr>
-            </a:lvl8pPr>
-            <a:lvl9pPr marL="1700000" indent="-228600" algn="l" defTabSz="914400" rtl="0" eaLnBrk="1" latinLnBrk="1" hangingPunct="1">
-              <a:lnSpc>
-                <a:spcPct val="90000"/>
-              </a:lnSpc>
-              <a:spcBef>
-                <a:spcPts val="200"/>
-              </a:spcBef>
-              <a:spcAft>
-                <a:spcPts val="400"/>
-              </a:spcAft>
-              <a:buClr>
-                <a:schemeClr val="accent1"/>
-              </a:buClr>
-              <a:buFont typeface="Calibri" pitchFamily="34" charset="0"/>
-              <a:buChar char="◦"/>
-              <a:defRPr sz="1400" kern="1200">
-                <a:solidFill>
-                  <a:schemeClr val="tx1">
-                    <a:lumMod val="75000"/>
-                    <a:lumOff val="25000"/>
-                  </a:schemeClr>
-                </a:solidFill>
-                <a:latin typeface="+mn-lt"/>
-                <a:ea typeface="+mn-ea"/>
-                <a:cs typeface="+mn-cs"/>
-              </a:defRPr>
-            </a:lvl9pPr>
-          </a:lstStyle>
-          <a:p>
-            <a:r>
-              <a:rPr lang="en-US" altLang="ko-KR" dirty="0"/>
-              <a:t> 1x1</a:t>
-            </a:r>
-            <a:r>
-              <a:rPr lang="ko-KR" altLang="en-US" dirty="0"/>
-              <a:t>부터 </a:t>
-            </a:r>
-            <a:r>
-              <a:rPr lang="en-US" altLang="ko-KR" dirty="0"/>
-              <a:t>9x9</a:t>
-            </a:r>
-            <a:r>
-              <a:rPr lang="ko-KR" altLang="en-US" dirty="0"/>
-              <a:t>까지 자유롭게 네트워크 생성 가능</a:t>
-            </a:r>
-            <a:endParaRPr lang="en-US" altLang="ko-KR" dirty="0"/>
-          </a:p>
-          <a:p>
-            <a:r>
-              <a:rPr lang="en-US" altLang="ko-KR" dirty="0"/>
-              <a:t> flow</a:t>
-            </a:r>
-            <a:r>
-              <a:rPr lang="ko-KR" altLang="en-US" dirty="0"/>
-              <a:t> </a:t>
-            </a:r>
-            <a:r>
-              <a:rPr lang="en-US" altLang="ko-KR" dirty="0"/>
-              <a:t>vehicle</a:t>
-            </a:r>
-            <a:r>
-              <a:rPr lang="ko-KR" altLang="en-US" dirty="0"/>
-              <a:t> 지정도 자동으로 가능</a:t>
-            </a:r>
-            <a:endParaRPr lang="en-US" altLang="ko-KR" dirty="0"/>
-          </a:p>
-          <a:p>
-            <a:r>
-              <a:rPr lang="ko-KR" altLang="en-US" dirty="0"/>
-              <a:t> </a:t>
-            </a:r>
-            <a:r>
-              <a:rPr lang="en-US" altLang="ko-KR" dirty="0"/>
-              <a:t>flow vehicle </a:t>
-            </a:r>
-            <a:r>
-              <a:rPr lang="ko-KR" altLang="en-US" dirty="0"/>
-              <a:t>의 </a:t>
-            </a:r>
-            <a:r>
-              <a:rPr lang="en-US" altLang="ko-KR" dirty="0"/>
-              <a:t>via(</a:t>
-            </a:r>
-            <a:r>
-              <a:rPr lang="ko-KR" altLang="en-US" dirty="0"/>
-              <a:t>강제 경로 설정</a:t>
-            </a:r>
-            <a:r>
-              <a:rPr lang="en-US" altLang="ko-KR" dirty="0"/>
-              <a:t>)</a:t>
-            </a:r>
-            <a:r>
-              <a:rPr lang="ko-KR" altLang="en-US" dirty="0"/>
-              <a:t> 설정 </a:t>
-            </a:r>
-            <a:r>
-              <a:rPr lang="en-US" altLang="ko-KR" dirty="0"/>
-              <a:t>X</a:t>
+          <a:lstStyle/>
+          <a:p>
+            <a:r>
+              <a:rPr lang="en-US" altLang="ko-KR" sz="2400" b="1" dirty="0"/>
+              <a:t>Toward A Thousand Lights:</a:t>
             </a:r>
             <a:br>
-              <a:rPr lang="en-US" altLang="ko-KR" dirty="0"/>
+              <a:rPr lang="en-US" altLang="ko-KR" sz="2400" dirty="0"/>
             </a:br>
             <a:r>
-              <a:rPr lang="en-US" altLang="ko-KR" dirty="0">
-                <a:sym typeface="Wingdings" panose="05000000000000000000" pitchFamily="2" charset="2"/>
-              </a:rPr>
-              <a:t> </a:t>
-            </a:r>
-            <a:r>
-              <a:rPr lang="ko-KR" altLang="en-US" dirty="0">
-                <a:sym typeface="Wingdings" panose="05000000000000000000" pitchFamily="2" charset="2"/>
-              </a:rPr>
-              <a:t>이후 실험에서 좌회전 비율에  따라 설정</a:t>
-            </a:r>
-            <a:endParaRPr lang="en-US" altLang="ko-KR" dirty="0">
-              <a:sym typeface="Wingdings" panose="05000000000000000000" pitchFamily="2" charset="2"/>
-            </a:endParaRPr>
-          </a:p>
-          <a:p>
-            <a:endParaRPr lang="en-US" altLang="ko-KR" dirty="0">
-              <a:sym typeface="Wingdings" panose="05000000000000000000" pitchFamily="2" charset="2"/>
-            </a:endParaRPr>
-          </a:p>
-          <a:p>
-            <a:r>
-              <a:rPr lang="en-US" altLang="ko-KR" dirty="0">
-                <a:sym typeface="Wingdings" panose="05000000000000000000" pitchFamily="2" charset="2"/>
-              </a:rPr>
-              <a:t> </a:t>
-            </a:r>
-            <a:r>
-              <a:rPr lang="ko-KR" altLang="en-US" dirty="0">
-                <a:sym typeface="Wingdings" panose="05000000000000000000" pitchFamily="2" charset="2"/>
-              </a:rPr>
-              <a:t>해야할 부분</a:t>
-            </a:r>
-            <a:endParaRPr lang="en-US" altLang="ko-KR" dirty="0">
-              <a:sym typeface="Wingdings" panose="05000000000000000000" pitchFamily="2" charset="2"/>
-            </a:endParaRPr>
-          </a:p>
-          <a:p>
-            <a:pPr lvl="1"/>
-            <a:r>
-              <a:rPr lang="en-US" altLang="ko-KR" dirty="0">
-                <a:sym typeface="Wingdings" panose="05000000000000000000" pitchFamily="2" charset="2"/>
-              </a:rPr>
-              <a:t>U-turn </a:t>
-            </a:r>
-            <a:r>
-              <a:rPr lang="ko-KR" altLang="en-US" dirty="0">
-                <a:sym typeface="Wingdings" panose="05000000000000000000" pitchFamily="2" charset="2"/>
-              </a:rPr>
-              <a:t>신호 </a:t>
-            </a:r>
-            <a:r>
-              <a:rPr lang="en-US" altLang="ko-KR" dirty="0">
-                <a:sym typeface="Wingdings" panose="05000000000000000000" pitchFamily="2" charset="2"/>
-              </a:rPr>
-              <a:t>connection </a:t>
-            </a:r>
-            <a:r>
-              <a:rPr lang="ko-KR" altLang="en-US" dirty="0">
-                <a:sym typeface="Wingdings" panose="05000000000000000000" pitchFamily="2" charset="2"/>
-              </a:rPr>
-              <a:t>제거</a:t>
-            </a:r>
-            <a:endParaRPr lang="en-US" altLang="ko-KR" dirty="0">
-              <a:sym typeface="Wingdings" panose="05000000000000000000" pitchFamily="2" charset="2"/>
-            </a:endParaRPr>
-          </a:p>
-          <a:p>
-            <a:pPr lvl="1"/>
-            <a:r>
-              <a:rPr lang="en-US" altLang="ko-KR" dirty="0">
-                <a:sym typeface="Wingdings" panose="05000000000000000000" pitchFamily="2" charset="2"/>
-              </a:rPr>
-              <a:t>Traffic light </a:t>
-            </a:r>
-            <a:r>
-              <a:rPr lang="ko-KR" altLang="en-US" dirty="0">
-                <a:sym typeface="Wingdings" panose="05000000000000000000" pitchFamily="2" charset="2"/>
-              </a:rPr>
-              <a:t>설정 </a:t>
-            </a:r>
-            <a:r>
-              <a:rPr lang="en-US" altLang="ko-KR" dirty="0">
-                <a:sym typeface="Wingdings" panose="05000000000000000000" pitchFamily="2" charset="2"/>
-              </a:rPr>
-              <a:t>(</a:t>
-            </a:r>
-            <a:r>
-              <a:rPr lang="ko-KR" altLang="en-US" dirty="0">
-                <a:sym typeface="Wingdings" panose="05000000000000000000" pitchFamily="2" charset="2"/>
-              </a:rPr>
-              <a:t>논의 필요</a:t>
-            </a:r>
-            <a:r>
-              <a:rPr lang="en-US" altLang="ko-KR" dirty="0">
-                <a:sym typeface="Wingdings" panose="05000000000000000000" pitchFamily="2" charset="2"/>
-              </a:rPr>
-              <a:t>)</a:t>
+              <a:rPr lang="en-US" altLang="ko-KR" sz="2400" dirty="0"/>
+              <a:t>Decentralized Deep Reinforcement Learning for Large-scale Traffic Signal Control</a:t>
+            </a:r>
+            <a:endParaRPr lang="ko-KR" altLang="en-US" sz="2400" dirty="0"/>
+          </a:p>
+        </p:txBody>
+      </p:sp>
+      <p:sp>
+        <p:nvSpPr>
+          <p:cNvPr id="7" name="부제목 6"/>
+          <p:cNvSpPr>
+            <a:spLocks noGrp="1"/>
+          </p:cNvSpPr>
+          <p:nvPr>
+            <p:ph type="subTitle" idx="1"/>
+          </p:nvPr>
+        </p:nvSpPr>
+        <p:spPr/>
+        <p:txBody>
+          <a:bodyPr>
+            <a:normAutofit/>
+          </a:bodyPr>
+          <a:lstStyle/>
+          <a:p>
+            <a:pPr algn="r"/>
+            <a:r>
+              <a:rPr lang="en-US" altLang="ko-KR" sz="1600" spc="0" dirty="0">
+                <a:latin typeface="+mj-ea"/>
+                <a:ea typeface="+mj-ea"/>
+              </a:rPr>
+              <a:t>ETRI </a:t>
+            </a:r>
+            <a:r>
+              <a:rPr lang="ko-KR" altLang="en-US" sz="1600" spc="0" dirty="0">
+                <a:latin typeface="+mj-ea"/>
+                <a:ea typeface="+mj-ea"/>
+              </a:rPr>
+              <a:t>연수생 강민수</a:t>
             </a:r>
           </a:p>
         </p:txBody>
@@ -8166,7 +7507,7 @@
     </p:spTree>
     <p:extLst>
       <p:ext uri="{BB962C8B-B14F-4D97-AF65-F5344CB8AC3E}">
-        <p14:creationId xmlns:p14="http://schemas.microsoft.com/office/powerpoint/2010/main" val="3442138415"/>
+        <p14:creationId xmlns:p14="http://schemas.microsoft.com/office/powerpoint/2010/main" val="2644164681"/>
       </p:ext>
     </p:extLst>
   </p:cSld>
@@ -8195,13 +7536,7 @@
       </p:grpSpPr>
       <p:sp>
         <p:nvSpPr>
-          <p:cNvPr id="2" name="제목 1">
-            <a:extLst>
-              <a:ext uri="{FF2B5EF4-FFF2-40B4-BE49-F238E27FC236}">
-                <a16:creationId xmlns:a16="http://schemas.microsoft.com/office/drawing/2014/main" id="{D2FE6A72-772D-40C9-9DF2-A64995B531F9}"/>
-              </a:ext>
-            </a:extLst>
-          </p:cNvPr>
+          <p:cNvPr id="2" name="제목 1"/>
           <p:cNvSpPr>
             <a:spLocks noGrp="1"/>
           </p:cNvSpPr>
@@ -8216,32 +7551,15 @@
           <a:p>
             <a:r>
               <a:rPr lang="en-US" altLang="ko-KR" dirty="0"/>
-              <a:t>SUMO</a:t>
-            </a:r>
-            <a:r>
-              <a:rPr lang="ko-KR" altLang="en-US" dirty="0"/>
-              <a:t>를 활용한 </a:t>
-            </a:r>
-            <a:r>
-              <a:rPr lang="en-US" altLang="ko-KR" dirty="0"/>
-              <a:t>Data </a:t>
-            </a:r>
-            <a:r>
-              <a:rPr lang="ko-KR" altLang="en-US" dirty="0"/>
-              <a:t>생성</a:t>
-            </a:r>
-          </a:p>
-        </p:txBody>
-      </p:sp>
-      <p:sp>
-        <p:nvSpPr>
-          <p:cNvPr id="3" name="내용 개체 틀 2">
-            <a:extLst>
-              <a:ext uri="{FF2B5EF4-FFF2-40B4-BE49-F238E27FC236}">
-                <a16:creationId xmlns:a16="http://schemas.microsoft.com/office/drawing/2014/main" id="{50A696CB-C6C9-4515-9DD9-161E2ECB8174}"/>
-              </a:ext>
-            </a:extLst>
-          </p:cNvPr>
+              <a:t>Contents</a:t>
+            </a:r>
+            <a:endParaRPr lang="ko-KR" altLang="en-US" dirty="0"/>
+          </a:p>
+        </p:txBody>
+      </p:sp>
+      <p:sp>
+        <p:nvSpPr>
+          <p:cNvPr id="3" name="내용 개체 틀 2"/>
           <p:cNvSpPr>
             <a:spLocks noGrp="1"/>
           </p:cNvSpPr>
@@ -8251,899 +7569,89 @@
         </p:nvSpPr>
         <p:spPr/>
         <p:txBody>
-          <a:bodyPr/>
-          <a:lstStyle/>
-          <a:p>
-            <a:r>
-              <a:rPr lang="en-US" altLang="ko-KR" dirty="0"/>
+          <a:bodyPr>
+            <a:normAutofit/>
+          </a:bodyPr>
+          <a:lstStyle/>
+          <a:p>
+            <a:r>
+              <a:rPr lang="en-US" altLang="ko-KR" dirty="0"/>
+              <a:t>Motivation</a:t>
+            </a:r>
+            <a:br>
+              <a:rPr lang="en-US" altLang="ko-KR" dirty="0"/>
+            </a:br>
+            <a:r>
+              <a:rPr lang="en-US" altLang="ko-KR" sz="1800" dirty="0"/>
+              <a:t>- Conditions to apply Reinforcement Learning to</a:t>
+            </a:r>
+            <a:r>
+              <a:rPr lang="ko-KR" altLang="en-US" sz="1800" dirty="0"/>
               <a:t> </a:t>
             </a:r>
             <a:r>
-              <a:rPr lang="ko-KR" altLang="en-US" dirty="0"/>
-              <a:t>제작한 </a:t>
-            </a:r>
-            <a:r>
-              <a:rPr lang="en-US" altLang="ko-KR" dirty="0"/>
-              <a:t>Code</a:t>
-            </a:r>
-            <a:r>
-              <a:rPr lang="ko-KR" altLang="en-US" dirty="0"/>
-              <a:t>의 구성</a:t>
-            </a:r>
-            <a:r>
-              <a:rPr lang="en-US" altLang="ko-KR" dirty="0"/>
-              <a:t>(</a:t>
-            </a:r>
-            <a:r>
-              <a:rPr lang="en-US" altLang="ko-KR" dirty="0" err="1"/>
-              <a:t>Pytorch</a:t>
-            </a:r>
-            <a:r>
-              <a:rPr lang="en-US" altLang="ko-KR" dirty="0"/>
-              <a:t> based)</a:t>
-            </a:r>
-            <a:endParaRPr lang="ko-KR" altLang="en-US" dirty="0"/>
-          </a:p>
-        </p:txBody>
-      </p:sp>
-      <p:sp>
-        <p:nvSpPr>
-          <p:cNvPr id="4" name="사각형: 둥근 모서리 3">
-            <a:extLst>
-              <a:ext uri="{FF2B5EF4-FFF2-40B4-BE49-F238E27FC236}">
-                <a16:creationId xmlns:a16="http://schemas.microsoft.com/office/drawing/2014/main" id="{C6D1BF94-7D06-4819-8E8C-463D299A0B6D}"/>
-              </a:ext>
-            </a:extLst>
-          </p:cNvPr>
-          <p:cNvSpPr/>
-          <p:nvPr/>
-        </p:nvSpPr>
-        <p:spPr>
-          <a:xfrm>
-            <a:off x="1540042" y="2486526"/>
-            <a:ext cx="1235242" cy="689811"/>
-          </a:xfrm>
-          <a:prstGeom prst="roundRect">
-            <a:avLst/>
-          </a:prstGeom>
-        </p:spPr>
-        <p:style>
-          <a:lnRef idx="2">
-            <a:schemeClr val="accent1">
-              <a:shade val="50000"/>
-            </a:schemeClr>
-          </a:lnRef>
-          <a:fillRef idx="1">
-            <a:schemeClr val="accent1"/>
-          </a:fillRef>
-          <a:effectRef idx="0">
-            <a:schemeClr val="accent1"/>
-          </a:effectRef>
-          <a:fontRef idx="minor">
-            <a:schemeClr val="lt1"/>
-          </a:fontRef>
-        </p:style>
-        <p:txBody>
-          <a:bodyPr rtlCol="0" anchor="ctr"/>
-          <a:lstStyle/>
-          <a:p>
-            <a:pPr algn="ctr"/>
-            <a:r>
-              <a:rPr lang="en-US" altLang="ko-KR" dirty="0"/>
-              <a:t>Run.py</a:t>
-            </a:r>
-            <a:endParaRPr lang="ko-KR" altLang="en-US" dirty="0"/>
-          </a:p>
-        </p:txBody>
-      </p:sp>
-      <p:sp>
-        <p:nvSpPr>
-          <p:cNvPr id="5" name="사각형: 둥근 모서리 4">
-            <a:extLst>
-              <a:ext uri="{FF2B5EF4-FFF2-40B4-BE49-F238E27FC236}">
-                <a16:creationId xmlns:a16="http://schemas.microsoft.com/office/drawing/2014/main" id="{9F118EF3-9083-4017-9F16-5D41EBDCB596}"/>
-              </a:ext>
-            </a:extLst>
-          </p:cNvPr>
-          <p:cNvSpPr/>
-          <p:nvPr/>
-        </p:nvSpPr>
-        <p:spPr>
-          <a:xfrm>
-            <a:off x="6152416" y="2476542"/>
-            <a:ext cx="1235242" cy="689811"/>
-          </a:xfrm>
-          <a:prstGeom prst="roundRect">
-            <a:avLst/>
-          </a:prstGeom>
-        </p:spPr>
-        <p:style>
-          <a:lnRef idx="2">
-            <a:schemeClr val="accent3">
-              <a:shade val="50000"/>
-            </a:schemeClr>
-          </a:lnRef>
-          <a:fillRef idx="1">
-            <a:schemeClr val="accent3"/>
-          </a:fillRef>
-          <a:effectRef idx="0">
-            <a:schemeClr val="accent3"/>
-          </a:effectRef>
-          <a:fontRef idx="minor">
-            <a:schemeClr val="lt1"/>
-          </a:fontRef>
-        </p:style>
-        <p:txBody>
-          <a:bodyPr rtlCol="0" anchor="ctr"/>
-          <a:lstStyle/>
-          <a:p>
-            <a:pPr algn="ctr"/>
-            <a:r>
-              <a:rPr lang="en-US" altLang="ko-KR" dirty="0" smtClean="0"/>
-              <a:t>Env.py</a:t>
+              <a:rPr lang="en-US" altLang="ko-KR" sz="1800" dirty="0"/>
+              <a:t>Traffic System</a:t>
             </a:r>
             <a:br>
-              <a:rPr lang="en-US" altLang="ko-KR" dirty="0" smtClean="0"/>
+              <a:rPr lang="en-US" altLang="ko-KR" sz="1800" dirty="0"/>
             </a:br>
             <a:r>
-              <a:rPr lang="en-US" altLang="ko-KR" sz="1200" dirty="0" smtClean="0"/>
-              <a:t>(Scaling)</a:t>
+              <a:rPr lang="en-US" altLang="ko-KR" sz="1800" dirty="0"/>
+              <a:t>- Challenge</a:t>
             </a:r>
             <a:endParaRPr lang="en-US" altLang="ko-KR" dirty="0"/>
           </a:p>
-        </p:txBody>
-      </p:sp>
-      <p:sp>
-        <p:nvSpPr>
-          <p:cNvPr id="6" name="사각형: 둥근 모서리 5">
-            <a:extLst>
-              <a:ext uri="{FF2B5EF4-FFF2-40B4-BE49-F238E27FC236}">
-                <a16:creationId xmlns:a16="http://schemas.microsoft.com/office/drawing/2014/main" id="{FC865608-674B-4AEE-A856-4D8A836E05B8}"/>
-              </a:ext>
-            </a:extLst>
-          </p:cNvPr>
-          <p:cNvSpPr/>
-          <p:nvPr/>
-        </p:nvSpPr>
-        <p:spPr>
-          <a:xfrm>
-            <a:off x="6152416" y="4421210"/>
-            <a:ext cx="1235242" cy="689811"/>
-          </a:xfrm>
-          <a:prstGeom prst="roundRect">
-            <a:avLst/>
-          </a:prstGeom>
-        </p:spPr>
-        <p:style>
-          <a:lnRef idx="2">
-            <a:schemeClr val="accent1">
-              <a:shade val="50000"/>
-            </a:schemeClr>
-          </a:lnRef>
-          <a:fillRef idx="1">
-            <a:schemeClr val="accent1"/>
-          </a:fillRef>
-          <a:effectRef idx="0">
-            <a:schemeClr val="accent1"/>
-          </a:effectRef>
-          <a:fontRef idx="minor">
-            <a:schemeClr val="lt1"/>
-          </a:fontRef>
-        </p:style>
-        <p:txBody>
-          <a:bodyPr rtlCol="0" anchor="ctr"/>
-          <a:lstStyle/>
-          <a:p>
-            <a:pPr algn="ctr"/>
-            <a:r>
-              <a:rPr lang="en-US" altLang="ko-KR" dirty="0" smtClean="0"/>
-              <a:t>Dqn.py</a:t>
-            </a:r>
-            <a:endParaRPr lang="en-US" altLang="ko-KR" dirty="0"/>
-          </a:p>
-        </p:txBody>
-      </p:sp>
-      <p:sp>
-        <p:nvSpPr>
-          <p:cNvPr id="7" name="사각형: 둥근 모서리 6">
-            <a:extLst>
-              <a:ext uri="{FF2B5EF4-FFF2-40B4-BE49-F238E27FC236}">
-                <a16:creationId xmlns:a16="http://schemas.microsoft.com/office/drawing/2014/main" id="{8D405740-A1EA-4578-8571-399BD17690F1}"/>
-              </a:ext>
-            </a:extLst>
-          </p:cNvPr>
-          <p:cNvSpPr/>
-          <p:nvPr/>
-        </p:nvSpPr>
-        <p:spPr>
-          <a:xfrm>
-            <a:off x="8766099" y="4421210"/>
-            <a:ext cx="1235242" cy="689811"/>
-          </a:xfrm>
-          <a:prstGeom prst="roundRect">
-            <a:avLst/>
-          </a:prstGeom>
-        </p:spPr>
-        <p:style>
-          <a:lnRef idx="2">
-            <a:schemeClr val="accent6">
-              <a:shade val="50000"/>
-            </a:schemeClr>
-          </a:lnRef>
-          <a:fillRef idx="1">
-            <a:schemeClr val="accent6"/>
-          </a:fillRef>
-          <a:effectRef idx="0">
-            <a:schemeClr val="accent6"/>
-          </a:effectRef>
-          <a:fontRef idx="minor">
-            <a:schemeClr val="lt1"/>
-          </a:fontRef>
-        </p:style>
-        <p:txBody>
-          <a:bodyPr rtlCol="0" anchor="ctr"/>
-          <a:lstStyle/>
-          <a:p>
-            <a:pPr algn="ctr"/>
-            <a:r>
-              <a:rPr lang="en-US" altLang="ko-KR" sz="1600" dirty="0"/>
-              <a:t>FRAP.py</a:t>
-            </a:r>
-          </a:p>
-          <a:p>
-            <a:pPr algn="ctr"/>
-            <a:r>
-              <a:rPr lang="en-US" altLang="ko-KR" sz="1400" dirty="0"/>
-              <a:t>(</a:t>
-            </a:r>
-            <a:r>
-              <a:rPr lang="ko-KR" altLang="en-US" sz="1400" dirty="0" err="1"/>
-              <a:t>제작중</a:t>
-            </a:r>
-            <a:r>
-              <a:rPr lang="en-US" altLang="ko-KR" sz="1400" dirty="0"/>
-              <a:t>)</a:t>
-            </a:r>
-          </a:p>
-        </p:txBody>
-      </p:sp>
-      <p:cxnSp>
-        <p:nvCxnSpPr>
-          <p:cNvPr id="12" name="직선 화살표 연결선 11"/>
-          <p:cNvCxnSpPr>
-            <a:stCxn id="4" idx="3"/>
-            <a:endCxn id="5" idx="1"/>
-          </p:cNvCxnSpPr>
-          <p:nvPr/>
-        </p:nvCxnSpPr>
-        <p:spPr>
-          <a:xfrm flipV="1">
-            <a:off x="2775284" y="2821448"/>
-            <a:ext cx="3377132" cy="9984"/>
-          </a:xfrm>
-          <a:prstGeom prst="straightConnector1">
-            <a:avLst/>
-          </a:prstGeom>
-          <a:ln>
-            <a:tailEnd type="triangle"/>
-          </a:ln>
-        </p:spPr>
-        <p:style>
-          <a:lnRef idx="1">
-            <a:schemeClr val="dk1"/>
-          </a:lnRef>
-          <a:fillRef idx="0">
-            <a:schemeClr val="dk1"/>
-          </a:fillRef>
-          <a:effectRef idx="0">
-            <a:schemeClr val="dk1"/>
-          </a:effectRef>
-          <a:fontRef idx="minor">
-            <a:schemeClr val="tx1"/>
-          </a:fontRef>
-        </p:style>
-      </p:cxnSp>
-      <p:sp>
-        <p:nvSpPr>
-          <p:cNvPr id="17" name="사각형: 둥근 모서리 3">
-            <a:extLst>
-              <a:ext uri="{FF2B5EF4-FFF2-40B4-BE49-F238E27FC236}">
-                <a16:creationId xmlns:a16="http://schemas.microsoft.com/office/drawing/2014/main" id="{C6D1BF94-7D06-4819-8E8C-463D299A0B6D}"/>
-              </a:ext>
-            </a:extLst>
-          </p:cNvPr>
-          <p:cNvSpPr/>
-          <p:nvPr/>
-        </p:nvSpPr>
-        <p:spPr>
-          <a:xfrm>
-            <a:off x="2786666" y="3731401"/>
-            <a:ext cx="1235242" cy="689811"/>
-          </a:xfrm>
-          <a:prstGeom prst="roundRect">
-            <a:avLst/>
-          </a:prstGeom>
-        </p:spPr>
-        <p:style>
-          <a:lnRef idx="2">
-            <a:schemeClr val="accent4">
-              <a:shade val="50000"/>
-            </a:schemeClr>
-          </a:lnRef>
-          <a:fillRef idx="1">
-            <a:schemeClr val="accent4"/>
-          </a:fillRef>
-          <a:effectRef idx="0">
-            <a:schemeClr val="accent4"/>
-          </a:effectRef>
-          <a:fontRef idx="minor">
-            <a:schemeClr val="lt1"/>
-          </a:fontRef>
-        </p:style>
-        <p:txBody>
-          <a:bodyPr rtlCol="0" anchor="ctr"/>
-          <a:lstStyle/>
-          <a:p>
-            <a:pPr algn="ctr"/>
-            <a:r>
-              <a:rPr lang="en-US" altLang="ko-KR" dirty="0"/>
-              <a:t>Grid.py</a:t>
-            </a:r>
-            <a:endParaRPr lang="ko-KR" altLang="en-US" dirty="0"/>
-          </a:p>
-        </p:txBody>
-      </p:sp>
-      <p:sp>
-        <p:nvSpPr>
-          <p:cNvPr id="18" name="사각형: 둥근 모서리 3">
-            <a:extLst>
-              <a:ext uri="{FF2B5EF4-FFF2-40B4-BE49-F238E27FC236}">
-                <a16:creationId xmlns:a16="http://schemas.microsoft.com/office/drawing/2014/main" id="{C6D1BF94-7D06-4819-8E8C-463D299A0B6D}"/>
-              </a:ext>
-            </a:extLst>
-          </p:cNvPr>
-          <p:cNvSpPr/>
-          <p:nvPr/>
-        </p:nvSpPr>
-        <p:spPr>
-          <a:xfrm>
-            <a:off x="4156353" y="4942579"/>
-            <a:ext cx="1235242" cy="689811"/>
-          </a:xfrm>
-          <a:prstGeom prst="roundRect">
-            <a:avLst/>
-          </a:prstGeom>
-        </p:spPr>
-        <p:style>
-          <a:lnRef idx="2">
-            <a:schemeClr val="accent5">
-              <a:shade val="50000"/>
-            </a:schemeClr>
-          </a:lnRef>
-          <a:fillRef idx="1">
-            <a:schemeClr val="accent5"/>
-          </a:fillRef>
-          <a:effectRef idx="0">
-            <a:schemeClr val="accent5"/>
-          </a:effectRef>
-          <a:fontRef idx="minor">
-            <a:schemeClr val="lt1"/>
-          </a:fontRef>
-        </p:style>
-        <p:txBody>
-          <a:bodyPr rtlCol="0" anchor="ctr"/>
-          <a:lstStyle/>
-          <a:p>
-            <a:pPr algn="ctr"/>
-            <a:r>
-              <a:rPr lang="en-US" altLang="ko-KR" sz="1600" dirty="0"/>
-              <a:t>Gen_net.py</a:t>
-            </a:r>
-            <a:endParaRPr lang="ko-KR" altLang="en-US" sz="1600" dirty="0"/>
-          </a:p>
-        </p:txBody>
-      </p:sp>
-      <p:cxnSp>
-        <p:nvCxnSpPr>
-          <p:cNvPr id="21" name="꺾인 연결선 20"/>
-          <p:cNvCxnSpPr>
-            <a:stCxn id="4" idx="2"/>
-            <a:endCxn id="17" idx="1"/>
-          </p:cNvCxnSpPr>
-          <p:nvPr/>
-        </p:nvCxnSpPr>
-        <p:spPr>
-          <a:xfrm rot="16200000" flipH="1">
-            <a:off x="2022179" y="3311820"/>
-            <a:ext cx="899970" cy="629003"/>
-          </a:xfrm>
-          <a:prstGeom prst="bentConnector2">
-            <a:avLst/>
-          </a:prstGeom>
-          <a:ln>
-            <a:tailEnd type="triangle"/>
-          </a:ln>
-        </p:spPr>
-        <p:style>
-          <a:lnRef idx="1">
-            <a:schemeClr val="dk1"/>
-          </a:lnRef>
-          <a:fillRef idx="0">
-            <a:schemeClr val="dk1"/>
-          </a:fillRef>
-          <a:effectRef idx="0">
-            <a:schemeClr val="dk1"/>
-          </a:effectRef>
-          <a:fontRef idx="minor">
-            <a:schemeClr val="tx1"/>
-          </a:fontRef>
-        </p:style>
-      </p:cxnSp>
-      <p:cxnSp>
-        <p:nvCxnSpPr>
-          <p:cNvPr id="25" name="꺾인 연결선 24"/>
-          <p:cNvCxnSpPr>
-            <a:stCxn id="17" idx="2"/>
-            <a:endCxn id="18" idx="1"/>
-          </p:cNvCxnSpPr>
-          <p:nvPr/>
-        </p:nvCxnSpPr>
-        <p:spPr>
-          <a:xfrm rot="16200000" flipH="1">
-            <a:off x="3347184" y="4478315"/>
-            <a:ext cx="866273" cy="752066"/>
-          </a:xfrm>
-          <a:prstGeom prst="bentConnector2">
-            <a:avLst/>
-          </a:prstGeom>
-          <a:ln>
-            <a:tailEnd type="triangle"/>
-          </a:ln>
-        </p:spPr>
-        <p:style>
-          <a:lnRef idx="1">
-            <a:schemeClr val="dk1"/>
-          </a:lnRef>
-          <a:fillRef idx="0">
-            <a:schemeClr val="dk1"/>
-          </a:fillRef>
-          <a:effectRef idx="0">
-            <a:schemeClr val="dk1"/>
-          </a:effectRef>
-          <a:fontRef idx="minor">
-            <a:schemeClr val="tx1"/>
-          </a:fontRef>
-        </p:style>
-      </p:cxnSp>
-      <p:sp>
-        <p:nvSpPr>
-          <p:cNvPr id="31" name="TextBox 30"/>
-          <p:cNvSpPr txBox="1"/>
-          <p:nvPr/>
-        </p:nvSpPr>
-        <p:spPr>
-          <a:xfrm>
-            <a:off x="1572295" y="4078601"/>
-            <a:ext cx="1214371" cy="307777"/>
-          </a:xfrm>
-          <a:prstGeom prst="rect">
-            <a:avLst/>
-          </a:prstGeom>
-          <a:noFill/>
-        </p:spPr>
-        <p:txBody>
-          <a:bodyPr wrap="none" rtlCol="0">
-            <a:spAutoFit/>
-          </a:bodyPr>
-          <a:lstStyle/>
-          <a:p>
-            <a:r>
-              <a:rPr lang="en-US" altLang="ko-KR" sz="1400" dirty="0"/>
-              <a:t>Network </a:t>
-            </a:r>
-            <a:r>
-              <a:rPr lang="ko-KR" altLang="en-US" sz="1400" dirty="0"/>
-              <a:t>생성</a:t>
-            </a:r>
-          </a:p>
-        </p:txBody>
-      </p:sp>
-      <p:sp>
-        <p:nvSpPr>
-          <p:cNvPr id="32" name="TextBox 31"/>
-          <p:cNvSpPr txBox="1"/>
-          <p:nvPr/>
-        </p:nvSpPr>
-        <p:spPr>
-          <a:xfrm>
-            <a:off x="3473910" y="2513670"/>
-            <a:ext cx="2060885" cy="307777"/>
-          </a:xfrm>
-          <a:prstGeom prst="rect">
-            <a:avLst/>
-          </a:prstGeom>
-          <a:noFill/>
-        </p:spPr>
-        <p:txBody>
-          <a:bodyPr wrap="none" rtlCol="0">
-            <a:spAutoFit/>
-          </a:bodyPr>
-          <a:lstStyle/>
-          <a:p>
-            <a:r>
-              <a:rPr lang="en-US" altLang="ko-KR" sz="1400" dirty="0"/>
-              <a:t>Environment Initialization</a:t>
-            </a:r>
-            <a:endParaRPr lang="ko-KR" altLang="en-US" sz="1400" dirty="0"/>
-          </a:p>
-        </p:txBody>
-      </p:sp>
-      <p:cxnSp>
-        <p:nvCxnSpPr>
-          <p:cNvPr id="34" name="꺾인 연결선 33"/>
-          <p:cNvCxnSpPr>
-            <a:stCxn id="4" idx="3"/>
-            <a:endCxn id="6" idx="1"/>
-          </p:cNvCxnSpPr>
-          <p:nvPr/>
-        </p:nvCxnSpPr>
-        <p:spPr>
-          <a:xfrm>
-            <a:off x="2775284" y="2831432"/>
-            <a:ext cx="3377132" cy="1934684"/>
-          </a:xfrm>
-          <a:prstGeom prst="bentConnector3">
-            <a:avLst/>
-          </a:prstGeom>
-          <a:ln>
-            <a:tailEnd type="triangle"/>
-          </a:ln>
-        </p:spPr>
-        <p:style>
-          <a:lnRef idx="1">
-            <a:schemeClr val="dk1"/>
-          </a:lnRef>
-          <a:fillRef idx="0">
-            <a:schemeClr val="dk1"/>
-          </a:fillRef>
-          <a:effectRef idx="0">
-            <a:schemeClr val="dk1"/>
-          </a:effectRef>
-          <a:fontRef idx="minor">
-            <a:schemeClr val="tx1"/>
-          </a:fontRef>
-        </p:style>
-      </p:cxnSp>
-      <p:sp>
-        <p:nvSpPr>
-          <p:cNvPr id="36" name="TextBox 35"/>
-          <p:cNvSpPr txBox="1"/>
-          <p:nvPr/>
-        </p:nvSpPr>
-        <p:spPr>
-          <a:xfrm>
-            <a:off x="4432753" y="4458338"/>
-            <a:ext cx="1553887" cy="307777"/>
-          </a:xfrm>
-          <a:prstGeom prst="rect">
-            <a:avLst/>
-          </a:prstGeom>
-          <a:noFill/>
-        </p:spPr>
-        <p:txBody>
-          <a:bodyPr wrap="none" rtlCol="0">
-            <a:spAutoFit/>
-          </a:bodyPr>
-          <a:lstStyle/>
-          <a:p>
-            <a:r>
-              <a:rPr lang="en-US" altLang="ko-KR" sz="1400" dirty="0"/>
-              <a:t>Agent Initialization</a:t>
-            </a:r>
-            <a:endParaRPr lang="ko-KR" altLang="en-US" sz="1400" dirty="0"/>
-          </a:p>
-        </p:txBody>
-      </p:sp>
-      <p:cxnSp>
-        <p:nvCxnSpPr>
-          <p:cNvPr id="41" name="직선 화살표 연결선 40"/>
-          <p:cNvCxnSpPr/>
-          <p:nvPr/>
-        </p:nvCxnSpPr>
-        <p:spPr>
-          <a:xfrm>
-            <a:off x="6571085" y="3166353"/>
-            <a:ext cx="0" cy="1254857"/>
-          </a:xfrm>
-          <a:prstGeom prst="straightConnector1">
-            <a:avLst/>
-          </a:prstGeom>
-          <a:ln>
-            <a:tailEnd type="triangle"/>
-          </a:ln>
-        </p:spPr>
-        <p:style>
-          <a:lnRef idx="1">
-            <a:schemeClr val="dk1"/>
-          </a:lnRef>
-          <a:fillRef idx="0">
-            <a:schemeClr val="dk1"/>
-          </a:fillRef>
-          <a:effectRef idx="0">
-            <a:schemeClr val="dk1"/>
-          </a:effectRef>
-          <a:fontRef idx="minor">
-            <a:schemeClr val="tx1"/>
-          </a:fontRef>
-        </p:style>
-      </p:cxnSp>
-      <p:sp>
-        <p:nvSpPr>
-          <p:cNvPr id="42" name="TextBox 41"/>
-          <p:cNvSpPr txBox="1"/>
-          <p:nvPr/>
-        </p:nvSpPr>
-        <p:spPr>
-          <a:xfrm>
-            <a:off x="5528481" y="3271180"/>
-            <a:ext cx="1042603" cy="461665"/>
-          </a:xfrm>
-          <a:prstGeom prst="rect">
-            <a:avLst/>
-          </a:prstGeom>
-          <a:noFill/>
-        </p:spPr>
-        <p:txBody>
-          <a:bodyPr wrap="square" rtlCol="0">
-            <a:spAutoFit/>
-          </a:bodyPr>
-          <a:lstStyle/>
-          <a:p>
-            <a:pPr algn="r"/>
-            <a:r>
-              <a:rPr lang="en-US" altLang="ko-KR" sz="1200" dirty="0"/>
-              <a:t>Reward, Observation</a:t>
-            </a:r>
-            <a:endParaRPr lang="ko-KR" altLang="en-US" sz="1200" dirty="0"/>
-          </a:p>
-        </p:txBody>
-      </p:sp>
-      <p:cxnSp>
-        <p:nvCxnSpPr>
-          <p:cNvPr id="43" name="직선 화살표 연결선 42"/>
-          <p:cNvCxnSpPr/>
-          <p:nvPr/>
-        </p:nvCxnSpPr>
-        <p:spPr>
-          <a:xfrm flipH="1" flipV="1">
-            <a:off x="6911599" y="3166353"/>
-            <a:ext cx="11381" cy="1259448"/>
-          </a:xfrm>
-          <a:prstGeom prst="straightConnector1">
-            <a:avLst/>
-          </a:prstGeom>
-          <a:ln>
-            <a:tailEnd type="triangle"/>
-          </a:ln>
-        </p:spPr>
-        <p:style>
-          <a:lnRef idx="1">
-            <a:schemeClr val="dk1"/>
-          </a:lnRef>
-          <a:fillRef idx="0">
-            <a:schemeClr val="dk1"/>
-          </a:fillRef>
-          <a:effectRef idx="0">
-            <a:schemeClr val="dk1"/>
-          </a:effectRef>
-          <a:fontRef idx="minor">
-            <a:schemeClr val="tx1"/>
-          </a:fontRef>
-        </p:style>
-      </p:cxnSp>
-      <p:sp>
-        <p:nvSpPr>
-          <p:cNvPr id="47" name="TextBox 46"/>
-          <p:cNvSpPr txBox="1"/>
-          <p:nvPr/>
-        </p:nvSpPr>
-        <p:spPr>
-          <a:xfrm>
-            <a:off x="6910435" y="3626321"/>
-            <a:ext cx="1042603" cy="276999"/>
-          </a:xfrm>
-          <a:prstGeom prst="rect">
-            <a:avLst/>
-          </a:prstGeom>
-          <a:noFill/>
-        </p:spPr>
-        <p:txBody>
-          <a:bodyPr wrap="square" rtlCol="0">
-            <a:spAutoFit/>
-          </a:bodyPr>
-          <a:lstStyle/>
-          <a:p>
-            <a:r>
-              <a:rPr lang="en-US" altLang="ko-KR" sz="1200" dirty="0"/>
-              <a:t>Action</a:t>
-            </a:r>
-            <a:endParaRPr lang="ko-KR" altLang="en-US" sz="1200" dirty="0"/>
-          </a:p>
-        </p:txBody>
-      </p:sp>
-      <p:cxnSp>
-        <p:nvCxnSpPr>
-          <p:cNvPr id="48" name="직선 화살표 연결선 47"/>
-          <p:cNvCxnSpPr>
-            <a:stCxn id="6" idx="3"/>
-            <a:endCxn id="7" idx="1"/>
-          </p:cNvCxnSpPr>
-          <p:nvPr/>
-        </p:nvCxnSpPr>
-        <p:spPr>
-          <a:xfrm>
-            <a:off x="7387658" y="4766116"/>
-            <a:ext cx="1378441" cy="0"/>
-          </a:xfrm>
-          <a:prstGeom prst="straightConnector1">
-            <a:avLst/>
-          </a:prstGeom>
-          <a:ln>
-            <a:tailEnd type="triangle"/>
-          </a:ln>
-        </p:spPr>
-        <p:style>
-          <a:lnRef idx="1">
-            <a:schemeClr val="dk1"/>
-          </a:lnRef>
-          <a:fillRef idx="0">
-            <a:schemeClr val="dk1"/>
-          </a:fillRef>
-          <a:effectRef idx="0">
-            <a:schemeClr val="dk1"/>
-          </a:effectRef>
-          <a:fontRef idx="minor">
-            <a:schemeClr val="tx1"/>
-          </a:fontRef>
-        </p:style>
-      </p:cxnSp>
-      <p:sp>
-        <p:nvSpPr>
-          <p:cNvPr id="51" name="TextBox 50"/>
-          <p:cNvSpPr txBox="1"/>
-          <p:nvPr/>
-        </p:nvSpPr>
-        <p:spPr>
-          <a:xfrm>
-            <a:off x="7555576" y="4473726"/>
-            <a:ext cx="1042603" cy="276999"/>
-          </a:xfrm>
-          <a:prstGeom prst="rect">
-            <a:avLst/>
-          </a:prstGeom>
-          <a:noFill/>
-        </p:spPr>
-        <p:txBody>
-          <a:bodyPr wrap="square" rtlCol="0">
-            <a:spAutoFit/>
-          </a:bodyPr>
-          <a:lstStyle/>
-          <a:p>
-            <a:pPr algn="ctr"/>
-            <a:r>
-              <a:rPr lang="en-US" altLang="ko-KR" sz="1200" dirty="0"/>
-              <a:t>Observation</a:t>
-            </a:r>
-            <a:endParaRPr lang="ko-KR" altLang="en-US" sz="1200" dirty="0"/>
-          </a:p>
-        </p:txBody>
-      </p:sp>
-      <p:cxnSp>
-        <p:nvCxnSpPr>
-          <p:cNvPr id="52" name="직선 화살표 연결선 51"/>
-          <p:cNvCxnSpPr/>
-          <p:nvPr/>
-        </p:nvCxnSpPr>
-        <p:spPr>
-          <a:xfrm flipH="1">
-            <a:off x="7387658" y="4892374"/>
-            <a:ext cx="1378441" cy="0"/>
-          </a:xfrm>
-          <a:prstGeom prst="straightConnector1">
-            <a:avLst/>
-          </a:prstGeom>
-          <a:ln>
-            <a:tailEnd type="triangle"/>
-          </a:ln>
-        </p:spPr>
-        <p:style>
-          <a:lnRef idx="1">
-            <a:schemeClr val="dk1"/>
-          </a:lnRef>
-          <a:fillRef idx="0">
-            <a:schemeClr val="dk1"/>
-          </a:fillRef>
-          <a:effectRef idx="0">
-            <a:schemeClr val="dk1"/>
-          </a:effectRef>
-          <a:fontRef idx="minor">
-            <a:schemeClr val="tx1"/>
-          </a:fontRef>
-        </p:style>
-      </p:cxnSp>
-      <p:sp>
-        <p:nvSpPr>
-          <p:cNvPr id="56" name="TextBox 55"/>
-          <p:cNvSpPr txBox="1"/>
-          <p:nvPr/>
-        </p:nvSpPr>
-        <p:spPr>
-          <a:xfrm>
-            <a:off x="7559668" y="4942579"/>
-            <a:ext cx="1042603" cy="276999"/>
-          </a:xfrm>
-          <a:prstGeom prst="rect">
-            <a:avLst/>
-          </a:prstGeom>
-          <a:noFill/>
-        </p:spPr>
-        <p:txBody>
-          <a:bodyPr wrap="square" rtlCol="0">
-            <a:spAutoFit/>
-          </a:bodyPr>
-          <a:lstStyle/>
-          <a:p>
-            <a:pPr algn="ctr"/>
-            <a:r>
-              <a:rPr lang="en-US" altLang="ko-KR" sz="1200" dirty="0"/>
-              <a:t>Flip, Rotate</a:t>
-            </a:r>
-            <a:endParaRPr lang="ko-KR" altLang="en-US" sz="1200" dirty="0"/>
-          </a:p>
-        </p:txBody>
-      </p:sp>
-      <p:sp>
-        <p:nvSpPr>
-          <p:cNvPr id="57" name="TextBox 56"/>
-          <p:cNvSpPr txBox="1"/>
-          <p:nvPr/>
-        </p:nvSpPr>
-        <p:spPr>
-          <a:xfrm>
-            <a:off x="2825988" y="5304805"/>
-            <a:ext cx="1330364" cy="307777"/>
-          </a:xfrm>
-          <a:prstGeom prst="rect">
-            <a:avLst/>
-          </a:prstGeom>
-          <a:noFill/>
-        </p:spPr>
-        <p:txBody>
-          <a:bodyPr wrap="none" rtlCol="0">
-            <a:spAutoFit/>
-          </a:bodyPr>
-          <a:lstStyle/>
-          <a:p>
-            <a:pPr algn="r"/>
-            <a:r>
-              <a:rPr lang="en-US" altLang="ko-KR" sz="1400" dirty="0"/>
-              <a:t>xml </a:t>
-            </a:r>
-            <a:r>
-              <a:rPr lang="ko-KR" altLang="en-US" sz="1400" dirty="0"/>
-              <a:t>및 </a:t>
-            </a:r>
-            <a:r>
-              <a:rPr lang="en-US" altLang="ko-KR" sz="1400" dirty="0" err="1"/>
-              <a:t>cfg</a:t>
-            </a:r>
-            <a:r>
-              <a:rPr lang="en-US" altLang="ko-KR" sz="1400" dirty="0"/>
-              <a:t> </a:t>
-            </a:r>
-            <a:r>
-              <a:rPr lang="ko-KR" altLang="en-US" sz="1400" dirty="0"/>
-              <a:t>생성</a:t>
+          <a:p>
+            <a:r>
+              <a:rPr lang="en-US" altLang="ko-KR" dirty="0"/>
+              <a:t> Related Work</a:t>
+            </a:r>
+            <a:br>
+              <a:rPr lang="en-US" altLang="ko-KR" dirty="0"/>
+            </a:br>
+            <a:r>
+              <a:rPr lang="en-US" altLang="ko-KR" sz="1800" dirty="0"/>
+              <a:t>- Conventional Transportation Method and Max pressure control</a:t>
+            </a:r>
+            <a:br>
+              <a:rPr lang="en-US" altLang="ko-KR" sz="1800" dirty="0"/>
+            </a:br>
+            <a:r>
+              <a:rPr lang="en-US" altLang="ko-KR" sz="1800" dirty="0"/>
+              <a:t>- RL- based approach and their challenge</a:t>
+            </a:r>
+          </a:p>
+          <a:p>
+            <a:r>
+              <a:rPr lang="en-US" altLang="ko-KR" dirty="0"/>
+              <a:t> Approach</a:t>
+            </a:r>
+            <a:br>
+              <a:rPr lang="en-US" altLang="ko-KR" dirty="0"/>
+            </a:br>
+            <a:r>
+              <a:rPr lang="en-US" altLang="ko-KR" sz="1800" dirty="0"/>
+              <a:t>- Decentralized agent based multi-intersection method with FRAP model</a:t>
+            </a:r>
+          </a:p>
+          <a:p>
+            <a:r>
+              <a:rPr lang="en-US" altLang="ko-KR" dirty="0"/>
+              <a:t> Result</a:t>
+            </a:r>
+          </a:p>
+          <a:p>
+            <a:r>
+              <a:rPr lang="en-US" altLang="ko-KR" dirty="0"/>
+              <a:t> Comment</a:t>
+            </a:r>
+            <a:br>
+              <a:rPr lang="en-US" altLang="ko-KR" dirty="0"/>
+            </a:br>
+            <a:r>
+              <a:rPr lang="en-US" altLang="ko-KR" dirty="0"/>
+              <a:t>- Improvement proposal</a:t>
             </a:r>
           </a:p>
         </p:txBody>
@@ -9151,7 +7659,7 @@
     </p:spTree>
     <p:extLst>
       <p:ext uri="{BB962C8B-B14F-4D97-AF65-F5344CB8AC3E}">
-        <p14:creationId xmlns:p14="http://schemas.microsoft.com/office/powerpoint/2010/main" val="1470577201"/>
+        <p14:creationId xmlns:p14="http://schemas.microsoft.com/office/powerpoint/2010/main" val="4284404741"/>
       </p:ext>
     </p:extLst>
   </p:cSld>
@@ -9180,13 +7688,7 @@
       </p:grpSpPr>
       <p:sp>
         <p:nvSpPr>
-          <p:cNvPr id="2" name="제목 1">
-            <a:extLst>
-              <a:ext uri="{FF2B5EF4-FFF2-40B4-BE49-F238E27FC236}">
-                <a16:creationId xmlns:a16="http://schemas.microsoft.com/office/drawing/2014/main" id="{C82356D5-FCB9-4C9F-9405-0C9C4566D5C8}"/>
-              </a:ext>
-            </a:extLst>
-          </p:cNvPr>
+          <p:cNvPr id="2" name="제목 1"/>
           <p:cNvSpPr>
             <a:spLocks noGrp="1"/>
           </p:cNvSpPr>
@@ -9201,24 +7703,15 @@
           <a:p>
             <a:r>
               <a:rPr lang="en-US" altLang="ko-KR" dirty="0"/>
-              <a:t>SUMO </a:t>
-            </a:r>
-            <a:r>
-              <a:rPr lang="ko-KR" altLang="en-US" dirty="0"/>
-              <a:t>결과물 비교 제작</a:t>
-            </a:r>
-          </a:p>
-        </p:txBody>
-      </p:sp>
-      <p:sp>
-        <p:nvSpPr>
-          <p:cNvPr id="3" name="내용 개체 틀 2">
-            <a:extLst>
-              <a:ext uri="{FF2B5EF4-FFF2-40B4-BE49-F238E27FC236}">
-                <a16:creationId xmlns:a16="http://schemas.microsoft.com/office/drawing/2014/main" id="{79F9D4C2-3073-4412-A754-DC2F03A7F902}"/>
-              </a:ext>
-            </a:extLst>
-          </p:cNvPr>
+              <a:t>Motivation</a:t>
+            </a:r>
+            <a:endParaRPr lang="ko-KR" altLang="en-US" dirty="0"/>
+          </a:p>
+        </p:txBody>
+      </p:sp>
+      <p:sp>
+        <p:nvSpPr>
+          <p:cNvPr id="3" name="내용 개체 틀 2"/>
           <p:cNvSpPr>
             <a:spLocks noGrp="1"/>
           </p:cNvSpPr>
@@ -9228,225 +7721,163 @@
         </p:nvSpPr>
         <p:spPr>
           <a:xfrm>
-            <a:off x="1097280" y="1845734"/>
-            <a:ext cx="5060239" cy="4023360"/>
+            <a:off x="1097280" y="1845733"/>
+            <a:ext cx="6956672" cy="4492923"/>
           </a:xfrm>
         </p:spPr>
         <p:txBody>
-          <a:bodyPr/>
-          <a:lstStyle/>
-          <a:p>
-            <a:r>
-              <a:rPr lang="en-US" altLang="ko-KR" dirty="0"/>
-              <a:t> graphcheck.py </a:t>
-            </a:r>
-            <a:r>
-              <a:rPr lang="ko-KR" altLang="en-US" dirty="0"/>
-              <a:t>를 통한 데이터 생성</a:t>
-            </a:r>
-            <a:endParaRPr lang="en-US" altLang="ko-KR" dirty="0"/>
+          <a:bodyPr>
+            <a:normAutofit fontScale="92500" lnSpcReduction="10000"/>
+          </a:bodyPr>
+          <a:lstStyle/>
+          <a:p>
+            <a:r>
+              <a:rPr lang="en-US" altLang="ko-KR" dirty="0"/>
+              <a:t> Traffic congestion</a:t>
+            </a:r>
           </a:p>
           <a:p>
             <a:pPr lvl="1"/>
             <a:r>
-              <a:rPr lang="ko-KR" altLang="en-US" dirty="0"/>
-              <a:t>두개 </a:t>
-            </a:r>
-            <a:r>
-              <a:rPr lang="en-US" altLang="ko-KR" dirty="0"/>
-              <a:t>xml </a:t>
-            </a:r>
-            <a:r>
-              <a:rPr lang="ko-KR" altLang="en-US" dirty="0"/>
-              <a:t>파일 기반 데이터 비교용 </a:t>
-            </a:r>
-            <a:r>
-              <a:rPr lang="en-US" altLang="ko-KR" dirty="0" err="1"/>
-              <a:t>tensorboard</a:t>
-            </a:r>
-            <a:r>
-              <a:rPr lang="en-US" altLang="ko-KR" dirty="0"/>
+              <a:rPr lang="en-US" altLang="ko-KR" dirty="0"/>
+              <a:t>Led by rapid urbanization</a:t>
+            </a:r>
+          </a:p>
+          <a:p>
+            <a:pPr lvl="1"/>
+            <a:r>
+              <a:rPr lang="en-US" altLang="ko-KR" dirty="0"/>
+              <a:t>Increase emission gas (contributes 23% of total CO2 emission) </a:t>
+            </a:r>
+            <a:br>
+              <a:rPr lang="en-US" altLang="ko-KR" dirty="0">
+                <a:sym typeface="Wingdings" panose="05000000000000000000" pitchFamily="2" charset="2"/>
+              </a:rPr>
+            </a:br>
+            <a:r>
+              <a:rPr lang="en-US" altLang="ko-KR" dirty="0">
+                <a:sym typeface="Wingdings" panose="05000000000000000000" pitchFamily="2" charset="2"/>
+              </a:rPr>
+              <a:t>40% of total vehicle emissions generated by traffic system</a:t>
+            </a:r>
+            <a:br>
+              <a:rPr lang="en-US" altLang="ko-KR" dirty="0">
+                <a:sym typeface="Wingdings" panose="05000000000000000000" pitchFamily="2" charset="2"/>
+              </a:rPr>
+            </a:br>
+            <a:r>
+              <a:rPr lang="en-US" altLang="ko-KR" dirty="0">
+                <a:sym typeface="Wingdings" panose="05000000000000000000" pitchFamily="2" charset="2"/>
+              </a:rPr>
+              <a:t> Trend: applying RL method for traffic signal control</a:t>
+            </a:r>
+            <a:br>
+              <a:rPr lang="en-US" altLang="ko-KR" dirty="0"/>
+            </a:br>
+            <a:endParaRPr lang="en-US" altLang="ko-KR" dirty="0">
+              <a:sym typeface="Wingdings" panose="05000000000000000000" pitchFamily="2" charset="2"/>
+            </a:endParaRPr>
+          </a:p>
+          <a:p>
+            <a:r>
+              <a:rPr lang="en-US" altLang="ko-KR" dirty="0"/>
+              <a:t> Traditional transportation approaches</a:t>
+            </a:r>
+          </a:p>
+          <a:p>
+            <a:pPr lvl="1"/>
+            <a:r>
+              <a:rPr lang="en-US" altLang="ko-KR" dirty="0"/>
+              <a:t>Pre-timed control: Deciding traffic signal plan that change </a:t>
+            </a:r>
+            <a:br>
+              <a:rPr lang="en-US" altLang="ko-KR" dirty="0"/>
+            </a:br>
+            <a:r>
+              <a:rPr lang="en-US" altLang="ko-KR" dirty="0"/>
+              <a:t>according to the real-time data</a:t>
+            </a:r>
+          </a:p>
+          <a:p>
+            <a:pPr lvl="1"/>
+            <a:r>
+              <a:rPr lang="en-US" altLang="ko-KR" dirty="0"/>
+              <a:t>Actuated control: Pre-defined rules and real-time data-based method that is affected by queue length</a:t>
+            </a:r>
+          </a:p>
+          <a:p>
+            <a:pPr lvl="1"/>
+            <a:r>
+              <a:rPr lang="en-US" altLang="ko-KR" dirty="0"/>
+              <a:t>Adaptive control: current traffic situation(deciding a best signal plan for current situation from sensors)</a:t>
+            </a:r>
+          </a:p>
+          <a:p>
+            <a:pPr lvl="1"/>
+            <a:r>
+              <a:rPr lang="en-US" altLang="ko-KR" dirty="0"/>
+              <a:t>Optimization-based control: Relying less human knowledge and deciding the plans by observed data, too specific and unrealistic assumption</a:t>
+            </a:r>
+            <a:br>
+              <a:rPr lang="en-US" altLang="ko-KR" dirty="0"/>
+            </a:br>
+            <a:r>
+              <a:rPr lang="en-US" altLang="ko-KR" dirty="0">
+                <a:sym typeface="Wingdings" panose="05000000000000000000" pitchFamily="2" charset="2"/>
+              </a:rPr>
+              <a:t> Given</a:t>
+            </a:r>
+            <a:r>
+              <a:rPr lang="ko-KR" altLang="en-US" dirty="0">
+                <a:sym typeface="Wingdings" panose="05000000000000000000" pitchFamily="2" charset="2"/>
+              </a:rPr>
               <a:t> </a:t>
             </a:r>
             <a:r>
-              <a:rPr lang="ko-KR" altLang="en-US" dirty="0"/>
-              <a:t>생성</a:t>
-            </a:r>
-            <a:endParaRPr lang="en-US" altLang="ko-KR" dirty="0"/>
-          </a:p>
-          <a:p>
-            <a:pPr lvl="1"/>
-            <a:r>
-              <a:rPr lang="en-US" altLang="ko-KR" dirty="0" err="1"/>
-              <a:t>Tensorboard</a:t>
-            </a:r>
-            <a:r>
-              <a:rPr lang="en-US" altLang="ko-KR" dirty="0"/>
-              <a:t> –</a:t>
-            </a:r>
-            <a:r>
-              <a:rPr lang="en-US" altLang="ko-KR" dirty="0" err="1"/>
-              <a:t>logdir</a:t>
-            </a:r>
-            <a:r>
-              <a:rPr lang="en-US" altLang="ko-KR" dirty="0"/>
-              <a:t>=</a:t>
-            </a:r>
-            <a:r>
-              <a:rPr lang="en-US" altLang="ko-KR" dirty="0" err="1"/>
-              <a:t>tensorboard</a:t>
-            </a:r>
-            <a:r>
-              <a:rPr lang="ko-KR" altLang="en-US" dirty="0"/>
-              <a:t>로 다양한 정보 비교</a:t>
-            </a:r>
-            <a:r>
-              <a:rPr lang="en-US" altLang="ko-KR" dirty="0"/>
-              <a:t/>
+              <a:rPr lang="en-US" altLang="ko-KR" dirty="0">
+                <a:sym typeface="Wingdings" panose="05000000000000000000" pitchFamily="2" charset="2"/>
+              </a:rPr>
+              <a:t>traffic model</a:t>
+            </a:r>
+            <a:r>
+              <a:rPr lang="ko-KR" altLang="en-US" dirty="0">
+                <a:sym typeface="Wingdings" panose="05000000000000000000" pitchFamily="2" charset="2"/>
+              </a:rPr>
+              <a:t> </a:t>
+            </a:r>
+            <a:r>
+              <a:rPr lang="en-US" altLang="ko-KR" dirty="0">
+                <a:sym typeface="Wingdings" panose="05000000000000000000" pitchFamily="2" charset="2"/>
+              </a:rPr>
+              <a:t>and</a:t>
+            </a:r>
+            <a:r>
+              <a:rPr lang="ko-KR" altLang="en-US" dirty="0">
+                <a:sym typeface="Wingdings" panose="05000000000000000000" pitchFamily="2" charset="2"/>
+              </a:rPr>
+              <a:t> </a:t>
+            </a:r>
+            <a:r>
+              <a:rPr lang="en-US" altLang="ko-KR" dirty="0">
+                <a:sym typeface="Wingdings" panose="05000000000000000000" pitchFamily="2" charset="2"/>
+              </a:rPr>
+              <a:t>pre-defined rule</a:t>
             </a:r>
             <a:br>
-              <a:rPr lang="en-US" altLang="ko-KR" dirty="0"/>
+              <a:rPr lang="en-US" altLang="ko-KR" dirty="0">
+                <a:sym typeface="Wingdings" panose="05000000000000000000" pitchFamily="2" charset="2"/>
+              </a:rPr>
             </a:br>
             <a:r>
-              <a:rPr lang="en-US" altLang="ko-KR" dirty="0"/>
-              <a:t>(lane</a:t>
-            </a:r>
-            <a:r>
-              <a:rPr lang="ko-KR" altLang="en-US" dirty="0"/>
-              <a:t>과 </a:t>
-            </a:r>
-            <a:r>
-              <a:rPr lang="en-US" altLang="ko-KR" dirty="0" err="1"/>
-              <a:t>edgeData</a:t>
-            </a:r>
-            <a:r>
-              <a:rPr lang="ko-KR" altLang="en-US" dirty="0"/>
-              <a:t>로 출력되는 평균 속도</a:t>
-            </a:r>
-            <a:r>
-              <a:rPr lang="en-US" altLang="ko-KR" dirty="0"/>
-              <a:t>, </a:t>
-            </a:r>
-            <a:r>
-              <a:rPr lang="ko-KR" altLang="en-US" dirty="0"/>
-              <a:t>차량의 도로 점유율</a:t>
-            </a:r>
-            <a:r>
-              <a:rPr lang="en-US" altLang="ko-KR" dirty="0"/>
-              <a:t>, </a:t>
-            </a:r>
-            <a:r>
-              <a:rPr lang="ko-KR" altLang="en-US" dirty="0"/>
-              <a:t>차선 점유율</a:t>
-            </a:r>
-            <a:r>
-              <a:rPr lang="en-US" altLang="ko-KR" dirty="0"/>
-              <a:t>,</a:t>
-            </a:r>
-            <a:r>
-              <a:rPr lang="ko-KR" altLang="en-US" dirty="0"/>
-              <a:t>등등 확인 가능</a:t>
-            </a:r>
-            <a:r>
-              <a:rPr lang="en-US" altLang="ko-KR" dirty="0"/>
-              <a:t>)</a:t>
-            </a:r>
-          </a:p>
-          <a:p>
-            <a:r>
-              <a:rPr lang="en-US" altLang="ko-KR" dirty="0"/>
-              <a:t> run.py</a:t>
-            </a:r>
-            <a:r>
-              <a:rPr lang="ko-KR" altLang="en-US" dirty="0"/>
-              <a:t>를 통한 학습 진행 데이터 생성</a:t>
-            </a:r>
-            <a:endParaRPr lang="en-US" altLang="ko-KR" dirty="0"/>
-          </a:p>
-          <a:p>
-            <a:pPr lvl="1"/>
-            <a:r>
-              <a:rPr lang="en-US" altLang="ko-KR" dirty="0"/>
-              <a:t>Loss </a:t>
-            </a:r>
-            <a:r>
-              <a:rPr lang="ko-KR" altLang="en-US" dirty="0"/>
-              <a:t>와 </a:t>
-            </a:r>
-            <a:r>
-              <a:rPr lang="en-US" altLang="ko-KR" dirty="0"/>
-              <a:t>reward</a:t>
-            </a:r>
-            <a:r>
-              <a:rPr lang="ko-KR" altLang="en-US" dirty="0"/>
-              <a:t>를 학습이 진행하면서 실시간으로 확인하기 위한 </a:t>
-            </a:r>
-            <a:r>
-              <a:rPr lang="en-US" altLang="ko-KR" dirty="0" err="1"/>
-              <a:t>tensorboard</a:t>
-            </a:r>
-            <a:r>
-              <a:rPr lang="en-US" altLang="ko-KR" dirty="0"/>
-              <a:t> </a:t>
-            </a:r>
-            <a:r>
-              <a:rPr lang="ko-KR" altLang="en-US" dirty="0" smtClean="0"/>
-              <a:t>생성</a:t>
-            </a:r>
-            <a:endParaRPr lang="en-US" altLang="ko-KR" dirty="0" smtClean="0"/>
-          </a:p>
-          <a:p>
-            <a:pPr lvl="1"/>
-            <a:r>
-              <a:rPr lang="ko-KR" altLang="en-US" dirty="0" smtClean="0"/>
-              <a:t>모델링 재조정 필요 및 교차로 </a:t>
-            </a:r>
-            <a:r>
-              <a:rPr lang="ko-KR" altLang="en-US" dirty="0" smtClean="0"/>
-              <a:t>수 변화에 따른 </a:t>
-            </a:r>
-            <a:r>
-              <a:rPr lang="en-US" altLang="ko-KR" dirty="0" smtClean="0"/>
-              <a:t>space </a:t>
-            </a:r>
-            <a:r>
-              <a:rPr lang="ko-KR" altLang="en-US" dirty="0" smtClean="0"/>
-              <a:t>크기 자동 조정 필요</a:t>
-            </a:r>
-            <a:endParaRPr lang="en-US" altLang="ko-KR" dirty="0"/>
-          </a:p>
-        </p:txBody>
-      </p:sp>
-      <p:pic>
-        <p:nvPicPr>
-          <p:cNvPr id="5" name="그림 4">
-            <a:extLst>
-              <a:ext uri="{FF2B5EF4-FFF2-40B4-BE49-F238E27FC236}">
-                <a16:creationId xmlns:a16="http://schemas.microsoft.com/office/drawing/2014/main" id="{2E229CCC-AEAA-42EE-9BD8-305662D6CE18}"/>
-              </a:ext>
-            </a:extLst>
-          </p:cNvPr>
-          <p:cNvPicPr>
-            <a:picLocks noChangeAspect="1"/>
-          </p:cNvPicPr>
-          <p:nvPr/>
-        </p:nvPicPr>
-        <p:blipFill>
-          <a:blip r:embed="rId2"/>
-          <a:stretch>
-            <a:fillRect/>
-          </a:stretch>
-        </p:blipFill>
-        <p:spPr>
-          <a:xfrm>
-            <a:off x="6693949" y="1808120"/>
-            <a:ext cx="5121436" cy="3157408"/>
-          </a:xfrm>
-          <a:prstGeom prst="rect">
-            <a:avLst/>
-          </a:prstGeom>
-        </p:spPr>
-      </p:pic>
+              <a:rPr lang="en-US" altLang="ko-KR" dirty="0">
+                <a:sym typeface="Wingdings" panose="05000000000000000000" pitchFamily="2" charset="2"/>
+              </a:rPr>
+              <a:t> Fail to adjust to dynamic traffic</a:t>
+            </a:r>
+            <a:endParaRPr lang="ko-KR" altLang="en-US" dirty="0"/>
+          </a:p>
+        </p:txBody>
+      </p:sp>
       <p:pic>
         <p:nvPicPr>
           <p:cNvPr id="4" name="그림 3"/>
@@ -9455,15 +7886,22 @@
           </p:cNvPicPr>
           <p:nvPr/>
         </p:nvPicPr>
-        <p:blipFill rotWithShape="1">
-          <a:blip r:embed="rId3"/>
-          <a:srcRect b="14483"/>
-          <a:stretch/>
+        <p:blipFill>
+          <a:blip r:embed="rId2">
+            <a:extLst>
+              <a:ext uri="{28A0092B-C50C-407E-A947-70E740481C1C}">
+                <a14:useLocalDpi xmlns:a14="http://schemas.microsoft.com/office/drawing/2010/main" val="0"/>
+              </a:ext>
+            </a:extLst>
+          </a:blip>
+          <a:stretch>
+            <a:fillRect/>
+          </a:stretch>
         </p:blipFill>
         <p:spPr>
           <a:xfrm>
-            <a:off x="6693949" y="4965528"/>
-            <a:ext cx="2921759" cy="1251627"/>
+            <a:off x="8169361" y="2547100"/>
+            <a:ext cx="3895241" cy="2915344"/>
           </a:xfrm>
           <a:prstGeom prst="rect">
             <a:avLst/>
@@ -9473,7 +7911,7 @@
     </p:spTree>
     <p:extLst>
       <p:ext uri="{BB962C8B-B14F-4D97-AF65-F5344CB8AC3E}">
-        <p14:creationId xmlns:p14="http://schemas.microsoft.com/office/powerpoint/2010/main" val="4026742646"/>
+        <p14:creationId xmlns:p14="http://schemas.microsoft.com/office/powerpoint/2010/main" val="3384391829"/>
       </p:ext>
     </p:extLst>
   </p:cSld>
@@ -9502,71 +7940,120 @@
       </p:grpSpPr>
       <p:sp>
         <p:nvSpPr>
-          <p:cNvPr id="6" name="제목 5"/>
+          <p:cNvPr id="2" name="제목 1"/>
           <p:cNvSpPr>
             <a:spLocks noGrp="1"/>
           </p:cNvSpPr>
           <p:nvPr>
-            <p:ph type="ctrTitle"/>
+            <p:ph type="title"/>
           </p:nvPr>
         </p:nvSpPr>
         <p:spPr/>
         <p:txBody>
-          <a:bodyPr>
-            <a:normAutofit/>
-          </a:bodyPr>
-          <a:lstStyle/>
-          <a:p>
-            <a:r>
-              <a:rPr lang="en-US" altLang="ko-KR" sz="2400" b="1" dirty="0"/>
-              <a:t>Toward A Thousand Lights:</a:t>
-            </a:r>
-            <a:r>
-              <a:rPr lang="en-US" altLang="ko-KR" sz="2400" dirty="0"/>
-              <a:t/>
-            </a:r>
-            <a:br>
-              <a:rPr lang="en-US" altLang="ko-KR" sz="2400" dirty="0"/>
-            </a:br>
-            <a:r>
-              <a:rPr lang="en-US" altLang="ko-KR" sz="2400" dirty="0"/>
-              <a:t>Decentralized Deep Reinforcement Learning for Large-scale Traffic Signal Control</a:t>
-            </a:r>
-            <a:endParaRPr lang="ko-KR" altLang="en-US" sz="2400" dirty="0"/>
-          </a:p>
-        </p:txBody>
-      </p:sp>
-      <p:sp>
-        <p:nvSpPr>
-          <p:cNvPr id="7" name="부제목 6"/>
+          <a:bodyPr/>
+          <a:lstStyle/>
+          <a:p>
+            <a:r>
+              <a:rPr lang="en-US" altLang="ko-KR" dirty="0"/>
+              <a:t>Motivation</a:t>
+            </a:r>
+            <a:endParaRPr lang="ko-KR" altLang="en-US" dirty="0"/>
+          </a:p>
+        </p:txBody>
+      </p:sp>
+      <p:sp>
+        <p:nvSpPr>
+          <p:cNvPr id="3" name="내용 개체 틀 2"/>
           <p:cNvSpPr>
             <a:spLocks noGrp="1"/>
           </p:cNvSpPr>
           <p:nvPr>
-            <p:ph type="subTitle" idx="1"/>
+            <p:ph idx="1"/>
           </p:nvPr>
         </p:nvSpPr>
         <p:spPr/>
         <p:txBody>
-          <a:bodyPr>
-            <a:normAutofit/>
-          </a:bodyPr>
-          <a:lstStyle/>
-          <a:p>
-            <a:pPr algn="r"/>
-            <a:r>
-              <a:rPr lang="en-US" altLang="ko-KR" sz="1600" spc="0" dirty="0">
-                <a:latin typeface="+mj-ea"/>
-                <a:ea typeface="+mj-ea"/>
-              </a:rPr>
-              <a:t>ETRI </a:t>
-            </a:r>
-            <a:r>
-              <a:rPr lang="ko-KR" altLang="en-US" sz="1600" spc="0" dirty="0">
-                <a:latin typeface="+mj-ea"/>
-                <a:ea typeface="+mj-ea"/>
-              </a:rPr>
-              <a:t>연수생 강민수</a:t>
+          <a:bodyPr/>
+          <a:lstStyle/>
+          <a:p>
+            <a:r>
+              <a:rPr lang="en-US" altLang="ko-KR" dirty="0">
+                <a:sym typeface="Wingdings" panose="05000000000000000000" pitchFamily="2" charset="2"/>
+              </a:rPr>
+              <a:t> Challenge</a:t>
+            </a:r>
+          </a:p>
+          <a:p>
+            <a:pPr lvl="1"/>
+            <a:r>
+              <a:rPr lang="en-US" altLang="ko-KR" dirty="0">
+                <a:sym typeface="Wingdings" panose="05000000000000000000" pitchFamily="2" charset="2"/>
+              </a:rPr>
+              <a:t>To control and coordinate traffic lights in large-scale urban network</a:t>
+            </a:r>
+            <a:br>
+              <a:rPr lang="en-US" altLang="ko-KR" dirty="0">
+                <a:sym typeface="Wingdings" panose="05000000000000000000" pitchFamily="2" charset="2"/>
+              </a:rPr>
+            </a:br>
+            <a:r>
+              <a:rPr lang="en-US" altLang="ko-KR" dirty="0">
+                <a:sym typeface="Wingdings" panose="05000000000000000000" pitchFamily="2" charset="2"/>
+              </a:rPr>
+              <a:t> Highly correlated due to densely connected</a:t>
+            </a:r>
+          </a:p>
+          <a:p>
+            <a:pPr lvl="1"/>
+            <a:r>
+              <a:rPr lang="en-US" altLang="ko-KR" dirty="0">
+                <a:sym typeface="Wingdings" panose="05000000000000000000" pitchFamily="2" charset="2"/>
+              </a:rPr>
+              <a:t>Traditional Method is not well adjusted when the traffic is dynamic</a:t>
+            </a:r>
+            <a:endParaRPr lang="en-US" altLang="ko-KR" b="1" dirty="0">
+              <a:sym typeface="Wingdings" panose="05000000000000000000" pitchFamily="2" charset="2"/>
+            </a:endParaRPr>
+          </a:p>
+          <a:p>
+            <a:pPr lvl="1"/>
+            <a:endParaRPr lang="en-US" altLang="ko-KR" dirty="0">
+              <a:sym typeface="Wingdings" panose="05000000000000000000" pitchFamily="2" charset="2"/>
+            </a:endParaRPr>
+          </a:p>
+          <a:p>
+            <a:r>
+              <a:rPr lang="en-US" altLang="ko-KR" dirty="0">
+                <a:sym typeface="Wingdings" panose="05000000000000000000" pitchFamily="2" charset="2"/>
+              </a:rPr>
+              <a:t> 3 Key Issues to handle the challenge by RL method</a:t>
+            </a:r>
+          </a:p>
+          <a:p>
+            <a:pPr lvl="1"/>
+            <a:r>
+              <a:rPr lang="en-US" altLang="ko-KR" dirty="0">
+                <a:sym typeface="Wingdings" panose="05000000000000000000" pitchFamily="2" charset="2"/>
+              </a:rPr>
+              <a:t>Scalability: learn effectively on a large scale, and the global optimization goal simultaneously</a:t>
+            </a:r>
+          </a:p>
+          <a:p>
+            <a:pPr lvl="1"/>
+            <a:r>
+              <a:rPr lang="en-US" altLang="ko-KR" dirty="0">
+                <a:sym typeface="Wingdings" panose="05000000000000000000" pitchFamily="2" charset="2"/>
+              </a:rPr>
+              <a:t>Coordination: Optimizing signal timing for TL jointly when in proximity</a:t>
+            </a:r>
+          </a:p>
+          <a:p>
+            <a:pPr lvl="1"/>
+            <a:r>
+              <a:rPr lang="en-US" altLang="ko-KR" dirty="0">
+                <a:sym typeface="Wingdings" panose="05000000000000000000" pitchFamily="2" charset="2"/>
+              </a:rPr>
+              <a:t>Data feasibility: Not use the data that are hard to occur when learning by the RL-based method </a:t>
             </a:r>
           </a:p>
         </p:txBody>
@@ -9574,7 +8061,7 @@
     </p:spTree>
     <p:extLst>
       <p:ext uri="{BB962C8B-B14F-4D97-AF65-F5344CB8AC3E}">
-        <p14:creationId xmlns:p14="http://schemas.microsoft.com/office/powerpoint/2010/main" val="2644164681"/>
+        <p14:creationId xmlns:p14="http://schemas.microsoft.com/office/powerpoint/2010/main" val="926466884"/>
       </p:ext>
     </p:extLst>
   </p:cSld>
@@ -9611,14 +8098,19 @@
             <p:ph type="title"/>
           </p:nvPr>
         </p:nvSpPr>
-        <p:spPr/>
+        <p:spPr>
+          <a:xfrm>
+            <a:off x="1097280" y="252170"/>
+            <a:ext cx="10058400" cy="1450757"/>
+          </a:xfrm>
+        </p:spPr>
         <p:txBody>
           <a:bodyPr/>
           <a:lstStyle/>
           <a:p>
             <a:r>
               <a:rPr lang="en-US" altLang="ko-KR" dirty="0"/>
-              <a:t>Contents</a:t>
+              <a:t>Related work</a:t>
             </a:r>
             <a:endParaRPr lang="ko-KR" altLang="en-US" dirty="0"/>
           </a:p>
@@ -9636,629 +8128,56 @@
         </p:nvSpPr>
         <p:spPr/>
         <p:txBody>
-          <a:bodyPr>
-            <a:normAutofit/>
-          </a:bodyPr>
-          <a:lstStyle/>
-          <a:p>
-            <a:r>
-              <a:rPr lang="en-US" altLang="ko-KR" dirty="0"/>
-              <a:t>Motivation</a:t>
+          <a:bodyPr/>
+          <a:lstStyle/>
+          <a:p>
+            <a:r>
+              <a:rPr lang="en-US" altLang="ko-KR" dirty="0"/>
+              <a:t> Conventional Transportation Methods for multi-intersection control</a:t>
+            </a:r>
+          </a:p>
+          <a:p>
+            <a:pPr lvl="1"/>
+            <a:r>
+              <a:rPr lang="en-US" altLang="ko-KR" dirty="0"/>
+              <a:t>Same cycle length</a:t>
+            </a:r>
+          </a:p>
+          <a:p>
+            <a:pPr lvl="1"/>
+            <a:r>
+              <a:rPr lang="en-US" altLang="ko-KR" dirty="0"/>
+              <a:t>Facilitated traffic of selected movement: modifying the offset between consecutive intersection</a:t>
             </a:r>
             <a:br>
               <a:rPr lang="en-US" altLang="ko-KR" dirty="0"/>
             </a:br>
-            <a:r>
-              <a:rPr lang="en-US" altLang="ko-KR" sz="1800" dirty="0"/>
-              <a:t>- Conditions to apply Reinforcement Learning to</a:t>
-            </a:r>
-            <a:r>
-              <a:rPr lang="ko-KR" altLang="en-US" sz="1800" dirty="0"/>
-              <a:t> </a:t>
-            </a:r>
-            <a:r>
-              <a:rPr lang="en-US" altLang="ko-KR" sz="1800" dirty="0"/>
-              <a:t>Traffic System</a:t>
-            </a:r>
             <a:br>
-              <a:rPr lang="en-US" altLang="ko-KR" sz="1800" dirty="0"/>
+              <a:rPr lang="en-US" altLang="ko-KR" dirty="0"/>
             </a:br>
-            <a:r>
-              <a:rPr lang="en-US" altLang="ko-KR" sz="1800" dirty="0"/>
-              <a:t>- Challenge</a:t>
-            </a:r>
-            <a:endParaRPr lang="en-US" altLang="ko-KR" dirty="0"/>
-          </a:p>
-          <a:p>
-            <a:r>
-              <a:rPr lang="en-US" altLang="ko-KR" dirty="0"/>
-              <a:t> Related Work</a:t>
-            </a:r>
-            <a:br>
-              <a:rPr lang="en-US" altLang="ko-KR" dirty="0"/>
-            </a:br>
-            <a:r>
-              <a:rPr lang="en-US" altLang="ko-KR" sz="1800" dirty="0"/>
-              <a:t>- Conventional Transportation Method and Max pressure control</a:t>
-            </a:r>
-            <a:br>
-              <a:rPr lang="en-US" altLang="ko-KR" sz="1800" dirty="0"/>
-            </a:br>
-            <a:r>
-              <a:rPr lang="en-US" altLang="ko-KR" sz="1800" dirty="0"/>
-              <a:t>- RL- based approach and their challenge</a:t>
-            </a:r>
-          </a:p>
-          <a:p>
-            <a:r>
-              <a:rPr lang="en-US" altLang="ko-KR" dirty="0"/>
-              <a:t> Approach</a:t>
-            </a:r>
-            <a:br>
-              <a:rPr lang="en-US" altLang="ko-KR" dirty="0"/>
-            </a:br>
-            <a:r>
-              <a:rPr lang="en-US" altLang="ko-KR" sz="1800" dirty="0"/>
-              <a:t>- Decentralized agent based multi-intersection method with FRAP model</a:t>
-            </a:r>
-          </a:p>
-          <a:p>
-            <a:r>
-              <a:rPr lang="en-US" altLang="ko-KR" dirty="0"/>
-              <a:t> Result</a:t>
-            </a:r>
-          </a:p>
-          <a:p>
-            <a:r>
-              <a:rPr lang="en-US" altLang="ko-KR" dirty="0"/>
-              <a:t> Comment</a:t>
-            </a:r>
-            <a:br>
-              <a:rPr lang="en-US" altLang="ko-KR" dirty="0"/>
-            </a:br>
-            <a:r>
-              <a:rPr lang="en-US" altLang="ko-KR" dirty="0"/>
-              <a:t>- Improvement proposal</a:t>
-            </a:r>
-          </a:p>
-        </p:txBody>
-      </p:sp>
-    </p:spTree>
-    <p:extLst>
-      <p:ext uri="{BB962C8B-B14F-4D97-AF65-F5344CB8AC3E}">
-        <p14:creationId xmlns:p14="http://schemas.microsoft.com/office/powerpoint/2010/main" val="4284404741"/>
-      </p:ext>
-    </p:extLst>
-  </p:cSld>
-  <p:clrMapOvr>
-    <a:masterClrMapping/>
-  </p:clrMapOvr>
-</p:sld>
-</file>
-
-<file path=ppt/slides/slide16.xml><?xml version="1.0" encoding="utf-8"?>
-<p:sld xmlns:a="http://schemas.openxmlformats.org/drawingml/2006/main" xmlns:r="http://schemas.openxmlformats.org/officeDocument/2006/relationships" xmlns:p="http://schemas.openxmlformats.org/presentationml/2006/main">
-  <p:cSld>
-    <p:spTree>
-      <p:nvGrpSpPr>
-        <p:cNvPr id="1" name=""/>
-        <p:cNvGrpSpPr/>
-        <p:nvPr/>
-      </p:nvGrpSpPr>
-      <p:grpSpPr>
-        <a:xfrm>
-          <a:off x="0" y="0"/>
-          <a:ext cx="0" cy="0"/>
-          <a:chOff x="0" y="0"/>
-          <a:chExt cx="0" cy="0"/>
-        </a:xfrm>
-      </p:grpSpPr>
-      <p:sp>
-        <p:nvSpPr>
-          <p:cNvPr id="2" name="제목 1"/>
-          <p:cNvSpPr>
-            <a:spLocks noGrp="1"/>
-          </p:cNvSpPr>
-          <p:nvPr>
-            <p:ph type="title"/>
-          </p:nvPr>
-        </p:nvSpPr>
-        <p:spPr/>
-        <p:txBody>
-          <a:bodyPr/>
-          <a:lstStyle/>
-          <a:p>
-            <a:r>
-              <a:rPr lang="en-US" altLang="ko-KR" dirty="0"/>
-              <a:t>Motivation</a:t>
-            </a:r>
-            <a:endParaRPr lang="ko-KR" altLang="en-US" dirty="0"/>
-          </a:p>
-        </p:txBody>
-      </p:sp>
-      <p:sp>
-        <p:nvSpPr>
-          <p:cNvPr id="3" name="내용 개체 틀 2"/>
-          <p:cNvSpPr>
-            <a:spLocks noGrp="1"/>
-          </p:cNvSpPr>
-          <p:nvPr>
-            <p:ph idx="1"/>
-          </p:nvPr>
-        </p:nvSpPr>
-        <p:spPr>
-          <a:xfrm>
-            <a:off x="1097280" y="1845734"/>
-            <a:ext cx="6512388" cy="4353588"/>
-          </a:xfrm>
-        </p:spPr>
-        <p:txBody>
-          <a:bodyPr>
-            <a:normAutofit fontScale="92500" lnSpcReduction="10000"/>
-          </a:bodyPr>
-          <a:lstStyle/>
-          <a:p>
-            <a:r>
-              <a:rPr lang="en-US" altLang="ko-KR" dirty="0"/>
-              <a:t> Traffic congestion</a:t>
-            </a:r>
-          </a:p>
-          <a:p>
-            <a:pPr lvl="1"/>
-            <a:r>
-              <a:rPr lang="en-US" altLang="ko-KR" dirty="0"/>
-              <a:t>Led by rapid urbanization</a:t>
-            </a:r>
-          </a:p>
-          <a:p>
-            <a:pPr lvl="1"/>
-            <a:r>
-              <a:rPr lang="en-US" altLang="ko-KR" dirty="0"/>
-              <a:t>Increase emission gas (contributes 23% of total CO2 emission) </a:t>
-            </a:r>
             <a:r>
               <a:rPr lang="en-US" altLang="ko-KR" dirty="0">
                 <a:sym typeface="Wingdings" panose="05000000000000000000" pitchFamily="2" charset="2"/>
               </a:rPr>
-              <a:t/>
-            </a:r>
-            <a:br>
+              <a:t> Problem of this approach</a:t>
+            </a:r>
+          </a:p>
+          <a:p>
+            <a:pPr lvl="4"/>
+            <a:r>
               <a:rPr lang="en-US" altLang="ko-KR" dirty="0">
                 <a:sym typeface="Wingdings" panose="05000000000000000000" pitchFamily="2" charset="2"/>
               </a:rPr>
-            </a:br>
+              <a:t> Few networks are only uniform that led simple approach (Small grid network -&gt; fixed offset achieves coordination)</a:t>
+            </a:r>
+          </a:p>
+          <a:p>
+            <a:pPr lvl="4"/>
             <a:r>
               <a:rPr lang="en-US" altLang="ko-KR" dirty="0">
                 <a:sym typeface="Wingdings" panose="05000000000000000000" pitchFamily="2" charset="2"/>
               </a:rPr>
-              <a:t>40% of total vehicle emissions generated by traffic system</a:t>
-            </a:r>
-            <a:br>
-              <a:rPr lang="en-US" altLang="ko-KR" dirty="0">
-                <a:sym typeface="Wingdings" panose="05000000000000000000" pitchFamily="2" charset="2"/>
-              </a:rPr>
-            </a:br>
-            <a:r>
-              <a:rPr lang="en-US" altLang="ko-KR" dirty="0">
-                <a:sym typeface="Wingdings" panose="05000000000000000000" pitchFamily="2" charset="2"/>
-              </a:rPr>
-              <a:t> Trend: applying RL method for traffic signal control</a:t>
-            </a:r>
-            <a:r>
-              <a:rPr lang="en-US" altLang="ko-KR" dirty="0"/>
-              <a:t/>
-            </a:r>
-            <a:br>
-              <a:rPr lang="en-US" altLang="ko-KR" dirty="0"/>
-            </a:br>
-            <a:endParaRPr lang="en-US" altLang="ko-KR" dirty="0">
-              <a:sym typeface="Wingdings" panose="05000000000000000000" pitchFamily="2" charset="2"/>
-            </a:endParaRPr>
-          </a:p>
-          <a:p>
-            <a:r>
-              <a:rPr lang="en-US" altLang="ko-KR" dirty="0"/>
-              <a:t> Traditional transportation approaches</a:t>
-            </a:r>
-          </a:p>
-          <a:p>
-            <a:pPr lvl="1"/>
-            <a:r>
-              <a:rPr lang="en-US" altLang="ko-KR" dirty="0"/>
-              <a:t>Pre-timed control: Deciding traffic signal plan that change </a:t>
-            </a:r>
-            <a:br>
-              <a:rPr lang="en-US" altLang="ko-KR" dirty="0"/>
-            </a:br>
-            <a:r>
-              <a:rPr lang="en-US" altLang="ko-KR" dirty="0"/>
-              <a:t>according to the real-time data</a:t>
-            </a:r>
-          </a:p>
-          <a:p>
-            <a:pPr lvl="1"/>
-            <a:r>
-              <a:rPr lang="en-US" altLang="ko-KR" dirty="0"/>
-              <a:t>Actuated control: Pre-defined rules and real-time data-based method that is affected by queue length</a:t>
-            </a:r>
-          </a:p>
-          <a:p>
-            <a:pPr lvl="1"/>
-            <a:r>
-              <a:rPr lang="en-US" altLang="ko-KR" dirty="0"/>
-              <a:t>Adaptive control: current traffic situation(deciding a best signal plan for current situation from sensors)</a:t>
-            </a:r>
-          </a:p>
-          <a:p>
-            <a:pPr lvl="1"/>
-            <a:r>
-              <a:rPr lang="en-US" altLang="ko-KR" dirty="0"/>
-              <a:t>Optimization-based control: Relying less human knowledge and deciding the plans by observed data</a:t>
-            </a:r>
-            <a:br>
-              <a:rPr lang="en-US" altLang="ko-KR" dirty="0"/>
-            </a:br>
-            <a:r>
-              <a:rPr lang="en-US" altLang="ko-KR" dirty="0">
-                <a:sym typeface="Wingdings" panose="05000000000000000000" pitchFamily="2" charset="2"/>
-              </a:rPr>
-              <a:t> Given</a:t>
-            </a:r>
-            <a:r>
-              <a:rPr lang="ko-KR" altLang="en-US" dirty="0">
-                <a:sym typeface="Wingdings" panose="05000000000000000000" pitchFamily="2" charset="2"/>
-              </a:rPr>
-              <a:t> </a:t>
-            </a:r>
-            <a:r>
-              <a:rPr lang="en-US" altLang="ko-KR" dirty="0">
-                <a:sym typeface="Wingdings" panose="05000000000000000000" pitchFamily="2" charset="2"/>
-              </a:rPr>
-              <a:t>traffic model</a:t>
-            </a:r>
-            <a:r>
-              <a:rPr lang="ko-KR" altLang="en-US" dirty="0">
-                <a:sym typeface="Wingdings" panose="05000000000000000000" pitchFamily="2" charset="2"/>
-              </a:rPr>
-              <a:t> </a:t>
-            </a:r>
-            <a:r>
-              <a:rPr lang="en-US" altLang="ko-KR" dirty="0">
-                <a:sym typeface="Wingdings" panose="05000000000000000000" pitchFamily="2" charset="2"/>
-              </a:rPr>
-              <a:t>and</a:t>
-            </a:r>
-            <a:r>
-              <a:rPr lang="ko-KR" altLang="en-US" dirty="0">
-                <a:sym typeface="Wingdings" panose="05000000000000000000" pitchFamily="2" charset="2"/>
-              </a:rPr>
-              <a:t> </a:t>
-            </a:r>
-            <a:r>
-              <a:rPr lang="en-US" altLang="ko-KR" dirty="0">
-                <a:sym typeface="Wingdings" panose="05000000000000000000" pitchFamily="2" charset="2"/>
-              </a:rPr>
-              <a:t>pre-defined rule</a:t>
-            </a:r>
-            <a:br>
-              <a:rPr lang="en-US" altLang="ko-KR" dirty="0">
-                <a:sym typeface="Wingdings" panose="05000000000000000000" pitchFamily="2" charset="2"/>
-              </a:rPr>
-            </a:br>
-            <a:r>
-              <a:rPr lang="en-US" altLang="ko-KR" dirty="0">
-                <a:sym typeface="Wingdings" panose="05000000000000000000" pitchFamily="2" charset="2"/>
-              </a:rPr>
-              <a:t> Fail to adjust to dynamic traffic</a:t>
-            </a:r>
-            <a:endParaRPr lang="ko-KR" altLang="en-US" dirty="0"/>
-          </a:p>
-        </p:txBody>
-      </p:sp>
-      <p:pic>
-        <p:nvPicPr>
-          <p:cNvPr id="4" name="그림 3"/>
-          <p:cNvPicPr>
-            <a:picLocks noChangeAspect="1"/>
-          </p:cNvPicPr>
-          <p:nvPr/>
-        </p:nvPicPr>
-        <p:blipFill>
-          <a:blip r:embed="rId2">
-            <a:extLst>
-              <a:ext uri="{28A0092B-C50C-407E-A947-70E740481C1C}">
-                <a14:useLocalDpi xmlns:a14="http://schemas.microsoft.com/office/drawing/2010/main" val="0"/>
-              </a:ext>
-            </a:extLst>
-          </a:blip>
-          <a:stretch>
-            <a:fillRect/>
-          </a:stretch>
-        </p:blipFill>
-        <p:spPr>
-          <a:xfrm>
-            <a:off x="8053952" y="2564856"/>
-            <a:ext cx="3895241" cy="2915344"/>
-          </a:xfrm>
-          <a:prstGeom prst="rect">
-            <a:avLst/>
-          </a:prstGeom>
-        </p:spPr>
-      </p:pic>
-    </p:spTree>
-    <p:extLst>
-      <p:ext uri="{BB962C8B-B14F-4D97-AF65-F5344CB8AC3E}">
-        <p14:creationId xmlns:p14="http://schemas.microsoft.com/office/powerpoint/2010/main" val="3384391829"/>
-      </p:ext>
-    </p:extLst>
-  </p:cSld>
-  <p:clrMapOvr>
-    <a:masterClrMapping/>
-  </p:clrMapOvr>
-</p:sld>
-</file>
-
-<file path=ppt/slides/slide17.xml><?xml version="1.0" encoding="utf-8"?>
-<p:sld xmlns:a="http://schemas.openxmlformats.org/drawingml/2006/main" xmlns:r="http://schemas.openxmlformats.org/officeDocument/2006/relationships" xmlns:p="http://schemas.openxmlformats.org/presentationml/2006/main">
-  <p:cSld>
-    <p:spTree>
-      <p:nvGrpSpPr>
-        <p:cNvPr id="1" name=""/>
-        <p:cNvGrpSpPr/>
-        <p:nvPr/>
-      </p:nvGrpSpPr>
-      <p:grpSpPr>
-        <a:xfrm>
-          <a:off x="0" y="0"/>
-          <a:ext cx="0" cy="0"/>
-          <a:chOff x="0" y="0"/>
-          <a:chExt cx="0" cy="0"/>
-        </a:xfrm>
-      </p:grpSpPr>
-      <p:sp>
-        <p:nvSpPr>
-          <p:cNvPr id="2" name="제목 1"/>
-          <p:cNvSpPr>
-            <a:spLocks noGrp="1"/>
-          </p:cNvSpPr>
-          <p:nvPr>
-            <p:ph type="title"/>
-          </p:nvPr>
-        </p:nvSpPr>
-        <p:spPr/>
-        <p:txBody>
-          <a:bodyPr/>
-          <a:lstStyle/>
-          <a:p>
-            <a:r>
-              <a:rPr lang="en-US" altLang="ko-KR" dirty="0"/>
-              <a:t>Motivation</a:t>
-            </a:r>
-            <a:endParaRPr lang="ko-KR" altLang="en-US" dirty="0"/>
-          </a:p>
-        </p:txBody>
-      </p:sp>
-      <p:sp>
-        <p:nvSpPr>
-          <p:cNvPr id="3" name="내용 개체 틀 2"/>
-          <p:cNvSpPr>
-            <a:spLocks noGrp="1"/>
-          </p:cNvSpPr>
-          <p:nvPr>
-            <p:ph idx="1"/>
-          </p:nvPr>
-        </p:nvSpPr>
-        <p:spPr/>
-        <p:txBody>
-          <a:bodyPr/>
-          <a:lstStyle/>
-          <a:p>
-            <a:r>
-              <a:rPr lang="en-US" altLang="ko-KR" dirty="0">
-                <a:sym typeface="Wingdings" panose="05000000000000000000" pitchFamily="2" charset="2"/>
-              </a:rPr>
-              <a:t> Challenge</a:t>
-            </a:r>
-          </a:p>
-          <a:p>
-            <a:pPr lvl="1"/>
-            <a:r>
-              <a:rPr lang="en-US" altLang="ko-KR" dirty="0">
-                <a:sym typeface="Wingdings" panose="05000000000000000000" pitchFamily="2" charset="2"/>
-              </a:rPr>
-              <a:t>To control and coordinate traffic lights in large-scale urban network</a:t>
-            </a:r>
-            <a:br>
-              <a:rPr lang="en-US" altLang="ko-KR" dirty="0">
-                <a:sym typeface="Wingdings" panose="05000000000000000000" pitchFamily="2" charset="2"/>
-              </a:rPr>
-            </a:br>
-            <a:r>
-              <a:rPr lang="en-US" altLang="ko-KR" dirty="0">
-                <a:sym typeface="Wingdings" panose="05000000000000000000" pitchFamily="2" charset="2"/>
-              </a:rPr>
-              <a:t> Highly correlated due to densely connected</a:t>
-            </a:r>
-          </a:p>
-          <a:p>
-            <a:pPr lvl="1"/>
-            <a:r>
-              <a:rPr lang="en-US" altLang="ko-KR" dirty="0">
-                <a:sym typeface="Wingdings" panose="05000000000000000000" pitchFamily="2" charset="2"/>
-              </a:rPr>
-              <a:t>Traditional Method is not well adjusted when the traffic is dynamic</a:t>
-            </a:r>
-            <a:endParaRPr lang="en-US" altLang="ko-KR" b="1" dirty="0">
-              <a:sym typeface="Wingdings" panose="05000000000000000000" pitchFamily="2" charset="2"/>
-            </a:endParaRPr>
-          </a:p>
-          <a:p>
-            <a:pPr lvl="1"/>
-            <a:endParaRPr lang="en-US" altLang="ko-KR" dirty="0">
-              <a:sym typeface="Wingdings" panose="05000000000000000000" pitchFamily="2" charset="2"/>
-            </a:endParaRPr>
-          </a:p>
-          <a:p>
-            <a:r>
-              <a:rPr lang="en-US" altLang="ko-KR" dirty="0">
-                <a:sym typeface="Wingdings" panose="05000000000000000000" pitchFamily="2" charset="2"/>
-              </a:rPr>
-              <a:t> 3 Key Issues to handle the challenge by RL method</a:t>
-            </a:r>
-          </a:p>
-          <a:p>
-            <a:pPr lvl="1"/>
-            <a:r>
-              <a:rPr lang="en-US" altLang="ko-KR" dirty="0">
-                <a:sym typeface="Wingdings" panose="05000000000000000000" pitchFamily="2" charset="2"/>
-              </a:rPr>
-              <a:t>Scalability: learn effectively on a large scale, and the global optimization goal simultaneously</a:t>
-            </a:r>
-          </a:p>
-          <a:p>
-            <a:pPr lvl="1"/>
-            <a:r>
-              <a:rPr lang="en-US" altLang="ko-KR" dirty="0">
-                <a:sym typeface="Wingdings" panose="05000000000000000000" pitchFamily="2" charset="2"/>
-              </a:rPr>
-              <a:t>Coordination: Optimizing signal timing for TL jointly when in proximity</a:t>
-            </a:r>
-          </a:p>
-          <a:p>
-            <a:pPr lvl="1"/>
-            <a:r>
-              <a:rPr lang="en-US" altLang="ko-KR" dirty="0">
-                <a:sym typeface="Wingdings" panose="05000000000000000000" pitchFamily="2" charset="2"/>
-              </a:rPr>
-              <a:t>Data feasibility: Not use the data that are hard to occur when learning by the RL-based method </a:t>
-            </a:r>
-          </a:p>
-        </p:txBody>
-      </p:sp>
-    </p:spTree>
-    <p:extLst>
-      <p:ext uri="{BB962C8B-B14F-4D97-AF65-F5344CB8AC3E}">
-        <p14:creationId xmlns:p14="http://schemas.microsoft.com/office/powerpoint/2010/main" val="926466884"/>
-      </p:ext>
-    </p:extLst>
-  </p:cSld>
-  <p:clrMapOvr>
-    <a:masterClrMapping/>
-  </p:clrMapOvr>
-</p:sld>
-</file>
-
-<file path=ppt/slides/slide18.xml><?xml version="1.0" encoding="utf-8"?>
-<p:sld xmlns:a="http://schemas.openxmlformats.org/drawingml/2006/main" xmlns:r="http://schemas.openxmlformats.org/officeDocument/2006/relationships" xmlns:p="http://schemas.openxmlformats.org/presentationml/2006/main">
-  <p:cSld>
-    <p:spTree>
-      <p:nvGrpSpPr>
-        <p:cNvPr id="1" name=""/>
-        <p:cNvGrpSpPr/>
-        <p:nvPr/>
-      </p:nvGrpSpPr>
-      <p:grpSpPr>
-        <a:xfrm>
-          <a:off x="0" y="0"/>
-          <a:ext cx="0" cy="0"/>
-          <a:chOff x="0" y="0"/>
-          <a:chExt cx="0" cy="0"/>
-        </a:xfrm>
-      </p:grpSpPr>
-      <p:sp>
-        <p:nvSpPr>
-          <p:cNvPr id="2" name="제목 1"/>
-          <p:cNvSpPr>
-            <a:spLocks noGrp="1"/>
-          </p:cNvSpPr>
-          <p:nvPr>
-            <p:ph type="title"/>
-          </p:nvPr>
-        </p:nvSpPr>
-        <p:spPr>
-          <a:xfrm>
-            <a:off x="1097280" y="252170"/>
-            <a:ext cx="10058400" cy="1450757"/>
-          </a:xfrm>
-        </p:spPr>
-        <p:txBody>
-          <a:bodyPr/>
-          <a:lstStyle/>
-          <a:p>
-            <a:r>
-              <a:rPr lang="en-US" altLang="ko-KR" dirty="0"/>
-              <a:t>Related work</a:t>
-            </a:r>
-            <a:endParaRPr lang="ko-KR" altLang="en-US" dirty="0"/>
-          </a:p>
-        </p:txBody>
-      </p:sp>
-      <p:sp>
-        <p:nvSpPr>
-          <p:cNvPr id="3" name="내용 개체 틀 2"/>
-          <p:cNvSpPr>
-            <a:spLocks noGrp="1"/>
-          </p:cNvSpPr>
-          <p:nvPr>
-            <p:ph idx="1"/>
-          </p:nvPr>
-        </p:nvSpPr>
-        <p:spPr/>
-        <p:txBody>
-          <a:bodyPr/>
-          <a:lstStyle/>
-          <a:p>
-            <a:r>
-              <a:rPr lang="en-US" altLang="ko-KR" dirty="0"/>
-              <a:t> Conventional Transportation Methods for multi-intersection control</a:t>
-            </a:r>
-          </a:p>
-          <a:p>
-            <a:pPr lvl="1"/>
-            <a:r>
-              <a:rPr lang="en-US" altLang="ko-KR" dirty="0"/>
-              <a:t>Same cycle length</a:t>
-            </a:r>
-          </a:p>
-          <a:p>
-            <a:pPr lvl="1"/>
-            <a:r>
-              <a:rPr lang="en-US" altLang="ko-KR" dirty="0"/>
-              <a:t>Facilitated traffic of selected movement: modifying the offset between consecutive intersection</a:t>
-            </a:r>
-            <a:br>
-              <a:rPr lang="en-US" altLang="ko-KR" dirty="0"/>
-            </a:br>
-            <a:r>
-              <a:rPr lang="en-US" altLang="ko-KR" dirty="0"/>
-              <a:t/>
-            </a:r>
-            <a:br>
-              <a:rPr lang="en-US" altLang="ko-KR" dirty="0"/>
-            </a:br>
-            <a:r>
-              <a:rPr lang="en-US" altLang="ko-KR" dirty="0">
-                <a:sym typeface="Wingdings" panose="05000000000000000000" pitchFamily="2" charset="2"/>
-              </a:rPr>
-              <a:t> Problem of this approach</a:t>
-            </a:r>
-          </a:p>
-          <a:p>
-            <a:pPr lvl="4"/>
-            <a:r>
-              <a:rPr lang="en-US" altLang="ko-KR" dirty="0">
-                <a:sym typeface="Wingdings" panose="05000000000000000000" pitchFamily="2" charset="2"/>
-              </a:rPr>
-              <a:t> Few network are only uniform for simple approach (Small grid network -&gt; fixed offset achieve coordination)</a:t>
-            </a:r>
-          </a:p>
-          <a:p>
-            <a:pPr lvl="4"/>
-            <a:r>
-              <a:rPr lang="en-US" altLang="ko-KR" dirty="0">
-                <a:sym typeface="Wingdings" panose="05000000000000000000" pitchFamily="2" charset="2"/>
-              </a:rPr>
-              <a:t> Difficult to provide a global optimization</a:t>
+              <a:t> Difficult to provide a global optimization(in large scale)</a:t>
             </a:r>
             <a:endParaRPr lang="en-US" altLang="ko-KR" dirty="0"/>
           </a:p>
@@ -10545,7 +8464,7 @@
 </p:sld>
 </file>
 
-<file path=ppt/slides/slide19.xml><?xml version="1.0" encoding="utf-8"?>
+<file path=ppt/slides/slide16.xml><?xml version="1.0" encoding="utf-8"?>
 <p:sld xmlns:a="http://schemas.openxmlformats.org/drawingml/2006/main" xmlns:r="http://schemas.openxmlformats.org/officeDocument/2006/relationships" xmlns:p="http://schemas.openxmlformats.org/presentationml/2006/main">
   <p:cSld>
     <p:spTree>
@@ -10626,10 +8545,6 @@
             <a:br>
               <a:rPr lang="en-US" altLang="ko-KR" dirty="0"/>
             </a:br>
-            <a:r>
-              <a:rPr lang="en-US" altLang="ko-KR" dirty="0"/>
-              <a:t/>
-            </a:r>
             <a:br>
               <a:rPr lang="en-US" altLang="ko-KR" dirty="0"/>
             </a:br>
@@ -10825,7 +8740,7 @@
         </p:nvSpPr>
         <p:spPr>
           <a:xfrm>
-            <a:off x="8415408" y="6012217"/>
+            <a:off x="8415408" y="5692618"/>
             <a:ext cx="3761094" cy="307777"/>
           </a:xfrm>
           <a:prstGeom prst="rect">
@@ -10954,173 +8869,7 @@
 </p:sld>
 </file>
 
-<file path=ppt/slides/slide2.xml><?xml version="1.0" encoding="utf-8"?>
-<p:sld xmlns:a="http://schemas.openxmlformats.org/drawingml/2006/main" xmlns:r="http://schemas.openxmlformats.org/officeDocument/2006/relationships" xmlns:p="http://schemas.openxmlformats.org/presentationml/2006/main">
-  <p:cSld>
-    <p:spTree>
-      <p:nvGrpSpPr>
-        <p:cNvPr id="1" name=""/>
-        <p:cNvGrpSpPr/>
-        <p:nvPr/>
-      </p:nvGrpSpPr>
-      <p:grpSpPr>
-        <a:xfrm>
-          <a:off x="0" y="0"/>
-          <a:ext cx="0" cy="0"/>
-          <a:chOff x="0" y="0"/>
-          <a:chExt cx="0" cy="0"/>
-        </a:xfrm>
-      </p:grpSpPr>
-      <p:sp>
-        <p:nvSpPr>
-          <p:cNvPr id="2" name="제목 1"/>
-          <p:cNvSpPr>
-            <a:spLocks noGrp="1"/>
-          </p:cNvSpPr>
-          <p:nvPr>
-            <p:ph type="title"/>
-          </p:nvPr>
-        </p:nvSpPr>
-        <p:spPr/>
-        <p:txBody>
-          <a:bodyPr/>
-          <a:lstStyle/>
-          <a:p>
-            <a:r>
-              <a:rPr lang="ko-KR" altLang="en-US" dirty="0"/>
-              <a:t>목표</a:t>
-            </a:r>
-          </a:p>
-        </p:txBody>
-      </p:sp>
-      <p:sp>
-        <p:nvSpPr>
-          <p:cNvPr id="3" name="내용 개체 틀 2"/>
-          <p:cNvSpPr>
-            <a:spLocks noGrp="1"/>
-          </p:cNvSpPr>
-          <p:nvPr>
-            <p:ph idx="1"/>
-          </p:nvPr>
-        </p:nvSpPr>
-        <p:spPr/>
-        <p:txBody>
-          <a:bodyPr/>
-          <a:lstStyle/>
-          <a:p>
-            <a:r>
-              <a:rPr lang="ko-KR" altLang="en-US" dirty="0">
-                <a:sym typeface="Wingdings" panose="05000000000000000000" pitchFamily="2" charset="2"/>
-              </a:rPr>
-              <a:t>교통 공학 용어 정리 및 학습 </a:t>
-            </a:r>
-            <a:endParaRPr lang="en-US" altLang="ko-KR" dirty="0"/>
-          </a:p>
-          <a:p>
-            <a:r>
-              <a:rPr lang="en-US" altLang="ko-KR" dirty="0"/>
-              <a:t> SUMO Network </a:t>
-            </a:r>
-            <a:r>
-              <a:rPr lang="ko-KR" altLang="en-US" dirty="0"/>
-              <a:t>제작</a:t>
-            </a:r>
-            <a:r>
-              <a:rPr lang="en-US" altLang="ko-KR" dirty="0"/>
-              <a:t/>
-            </a:r>
-            <a:br>
-              <a:rPr lang="en-US" altLang="ko-KR" dirty="0"/>
-            </a:br>
-            <a:r>
-              <a:rPr lang="en-US" altLang="ko-KR" dirty="0">
-                <a:sym typeface="Wingdings" panose="05000000000000000000" pitchFamily="2" charset="2"/>
-              </a:rPr>
-              <a:t></a:t>
-            </a:r>
-            <a:r>
-              <a:rPr lang="en-US" altLang="ko-KR" dirty="0" err="1">
-                <a:sym typeface="Wingdings" panose="05000000000000000000" pitchFamily="2" charset="2"/>
-              </a:rPr>
-              <a:t>TraCI</a:t>
-            </a:r>
-            <a:r>
-              <a:rPr lang="en-US" altLang="ko-KR" dirty="0">
-                <a:sym typeface="Wingdings" panose="05000000000000000000" pitchFamily="2" charset="2"/>
-              </a:rPr>
-              <a:t> </a:t>
-            </a:r>
-            <a:r>
-              <a:rPr lang="ko-KR" altLang="en-US" dirty="0">
-                <a:sym typeface="Wingdings" panose="05000000000000000000" pitchFamily="2" charset="2"/>
-              </a:rPr>
-              <a:t>함수</a:t>
-            </a:r>
-            <a:endParaRPr lang="en-US" altLang="ko-KR" dirty="0"/>
-          </a:p>
-          <a:p>
-            <a:r>
-              <a:rPr lang="ko-KR" altLang="en-US" dirty="0"/>
-              <a:t> </a:t>
-            </a:r>
-            <a:r>
-              <a:rPr lang="ko-KR" altLang="en-US" dirty="0" err="1"/>
-              <a:t>강화학습</a:t>
-            </a:r>
-            <a:r>
-              <a:rPr lang="ko-KR" altLang="en-US" dirty="0"/>
-              <a:t> 내용 파악</a:t>
-            </a:r>
-            <a:endParaRPr lang="en-US" altLang="ko-KR" dirty="0"/>
-          </a:p>
-          <a:p>
-            <a:r>
-              <a:rPr lang="ko-KR" altLang="en-US" dirty="0"/>
-              <a:t> 논문 </a:t>
-            </a:r>
-            <a:r>
-              <a:rPr lang="en-US" altLang="ko-KR" dirty="0"/>
-              <a:t>Review</a:t>
-            </a:r>
-          </a:p>
-          <a:p>
-            <a:r>
-              <a:rPr lang="en-US" altLang="ko-KR" dirty="0"/>
-              <a:t> State, Reward, Action </a:t>
-            </a:r>
-            <a:r>
-              <a:rPr lang="ko-KR" altLang="en-US" dirty="0"/>
-              <a:t>종류 판별</a:t>
-            </a:r>
-            <a:endParaRPr lang="en-US" altLang="ko-KR" dirty="0"/>
-          </a:p>
-          <a:p>
-            <a:r>
-              <a:rPr lang="en-US" altLang="ko-KR" dirty="0"/>
-              <a:t> </a:t>
-            </a:r>
-            <a:r>
-              <a:rPr lang="ko-KR" altLang="en-US" dirty="0"/>
-              <a:t>개선점</a:t>
-            </a:r>
-            <a:endParaRPr lang="en-US" altLang="ko-KR" dirty="0"/>
-          </a:p>
-        </p:txBody>
-      </p:sp>
-    </p:spTree>
-    <p:extLst>
-      <p:ext uri="{BB962C8B-B14F-4D97-AF65-F5344CB8AC3E}">
-        <p14:creationId xmlns:p14="http://schemas.microsoft.com/office/powerpoint/2010/main" val="3740832334"/>
-      </p:ext>
-    </p:extLst>
-  </p:cSld>
-  <p:clrMapOvr>
-    <a:masterClrMapping/>
-  </p:clrMapOvr>
-</p:sld>
-</file>
-
-<file path=ppt/slides/slide20.xml><?xml version="1.0" encoding="utf-8"?>
+<file path=ppt/slides/slide17.xml><?xml version="1.0" encoding="utf-8"?>
 <p:sld xmlns:a="http://schemas.openxmlformats.org/drawingml/2006/main" xmlns:r="http://schemas.openxmlformats.org/officeDocument/2006/relationships" xmlns:p="http://schemas.openxmlformats.org/presentationml/2006/main">
   <p:cSld>
     <p:spTree>
@@ -11769,7 +9518,7 @@
 </p:sld>
 </file>
 
-<file path=ppt/slides/slide21.xml><?xml version="1.0" encoding="utf-8"?>
+<file path=ppt/slides/slide18.xml><?xml version="1.0" encoding="utf-8"?>
 <p:sld xmlns:a="http://schemas.openxmlformats.org/drawingml/2006/main" xmlns:r="http://schemas.openxmlformats.org/officeDocument/2006/relationships" xmlns:p="http://schemas.openxmlformats.org/presentationml/2006/main">
   <p:cSld>
     <p:spTree>
@@ -11960,7 +9709,7 @@
 </p:sld>
 </file>
 
-<file path=ppt/slides/slide22.xml><?xml version="1.0" encoding="utf-8"?>
+<file path=ppt/slides/slide19.xml><?xml version="1.0" encoding="utf-8"?>
 <p:sld xmlns:a="http://schemas.openxmlformats.org/drawingml/2006/main" xmlns:r="http://schemas.openxmlformats.org/officeDocument/2006/relationships" xmlns:p="http://schemas.openxmlformats.org/presentationml/2006/main">
   <p:cSld>
     <p:spTree>
@@ -12104,16 +9853,19 @@
             <a:br>
               <a:rPr lang="en-US" altLang="ko-KR" dirty="0"/>
             </a:br>
-            <a:r>
-              <a:rPr lang="en-US" altLang="ko-KR" dirty="0"/>
-              <a:t/>
-            </a:r>
             <a:br>
               <a:rPr lang="en-US" altLang="ko-KR" dirty="0"/>
             </a:br>
             <a:r>
               <a:rPr lang="en-US" altLang="ko-KR" dirty="0"/>
               <a:t>- pressure: discrepancy of the number of vehicles inflow and outflow</a:t>
+            </a:r>
+            <a:br>
+              <a:rPr lang="en-US" altLang="ko-KR" dirty="0"/>
+            </a:br>
+            <a:r>
+              <a:rPr lang="en-US" altLang="ko-KR" dirty="0"/>
+              <a:t>pressure= inflow-outflow</a:t>
             </a:r>
             <a:br>
               <a:rPr lang="en-US" altLang="ko-KR" dirty="0"/>
@@ -12167,7 +9919,168 @@
 </p:sld>
 </file>
 
-<file path=ppt/slides/slide23.xml><?xml version="1.0" encoding="utf-8"?>
+<file path=ppt/slides/slide2.xml><?xml version="1.0" encoding="utf-8"?>
+<p:sld xmlns:a="http://schemas.openxmlformats.org/drawingml/2006/main" xmlns:r="http://schemas.openxmlformats.org/officeDocument/2006/relationships" xmlns:p="http://schemas.openxmlformats.org/presentationml/2006/main">
+  <p:cSld>
+    <p:spTree>
+      <p:nvGrpSpPr>
+        <p:cNvPr id="1" name=""/>
+        <p:cNvGrpSpPr/>
+        <p:nvPr/>
+      </p:nvGrpSpPr>
+      <p:grpSpPr>
+        <a:xfrm>
+          <a:off x="0" y="0"/>
+          <a:ext cx="0" cy="0"/>
+          <a:chOff x="0" y="0"/>
+          <a:chExt cx="0" cy="0"/>
+        </a:xfrm>
+      </p:grpSpPr>
+      <p:sp>
+        <p:nvSpPr>
+          <p:cNvPr id="2" name="제목 1"/>
+          <p:cNvSpPr>
+            <a:spLocks noGrp="1"/>
+          </p:cNvSpPr>
+          <p:nvPr>
+            <p:ph type="title"/>
+          </p:nvPr>
+        </p:nvSpPr>
+        <p:spPr/>
+        <p:txBody>
+          <a:bodyPr/>
+          <a:lstStyle/>
+          <a:p>
+            <a:r>
+              <a:rPr lang="en-US" altLang="ko-KR" dirty="0"/>
+              <a:t>Contents</a:t>
+            </a:r>
+            <a:endParaRPr lang="ko-KR" altLang="en-US" dirty="0"/>
+          </a:p>
+        </p:txBody>
+      </p:sp>
+      <p:sp>
+        <p:nvSpPr>
+          <p:cNvPr id="3" name="내용 개체 틀 2"/>
+          <p:cNvSpPr>
+            <a:spLocks noGrp="1"/>
+          </p:cNvSpPr>
+          <p:nvPr>
+            <p:ph idx="1"/>
+          </p:nvPr>
+        </p:nvSpPr>
+        <p:spPr/>
+        <p:txBody>
+          <a:bodyPr/>
+          <a:lstStyle/>
+          <a:p>
+            <a:r>
+              <a:rPr lang="ko-KR" altLang="en-US" dirty="0">
+                <a:sym typeface="Wingdings" panose="05000000000000000000" pitchFamily="2" charset="2"/>
+              </a:rPr>
+              <a:t> 교통 공학 용어 정리 및 학습 </a:t>
+            </a:r>
+            <a:endParaRPr lang="en-US" altLang="ko-KR" dirty="0"/>
+          </a:p>
+          <a:p>
+            <a:r>
+              <a:rPr lang="en-US" altLang="ko-KR" dirty="0"/>
+              <a:t> SUMO Network </a:t>
+            </a:r>
+            <a:r>
+              <a:rPr lang="ko-KR" altLang="en-US" dirty="0"/>
+              <a:t>제작</a:t>
+            </a:r>
+            <a:br>
+              <a:rPr lang="en-US" altLang="ko-KR" dirty="0"/>
+            </a:br>
+            <a:r>
+              <a:rPr lang="en-US" altLang="ko-KR" dirty="0">
+                <a:sym typeface="Wingdings" panose="05000000000000000000" pitchFamily="2" charset="2"/>
+              </a:rPr>
+              <a:t></a:t>
+            </a:r>
+            <a:r>
+              <a:rPr lang="en-US" altLang="ko-KR" dirty="0" err="1">
+                <a:sym typeface="Wingdings" panose="05000000000000000000" pitchFamily="2" charset="2"/>
+              </a:rPr>
+              <a:t>TraCI</a:t>
+            </a:r>
+            <a:r>
+              <a:rPr lang="en-US" altLang="ko-KR" dirty="0">
+                <a:sym typeface="Wingdings" panose="05000000000000000000" pitchFamily="2" charset="2"/>
+              </a:rPr>
+              <a:t> </a:t>
+            </a:r>
+            <a:r>
+              <a:rPr lang="ko-KR" altLang="en-US" dirty="0">
+                <a:sym typeface="Wingdings" panose="05000000000000000000" pitchFamily="2" charset="2"/>
+              </a:rPr>
+              <a:t>함수</a:t>
+            </a:r>
+            <a:endParaRPr lang="en-US" altLang="ko-KR" dirty="0">
+              <a:sym typeface="Wingdings" panose="05000000000000000000" pitchFamily="2" charset="2"/>
+            </a:endParaRPr>
+          </a:p>
+          <a:p>
+            <a:r>
+              <a:rPr lang="ko-KR" altLang="en-US" dirty="0"/>
+              <a:t> 논문 </a:t>
+            </a:r>
+            <a:r>
+              <a:rPr lang="en-US" altLang="ko-KR" dirty="0"/>
+              <a:t>Review</a:t>
+            </a:r>
+          </a:p>
+          <a:p>
+            <a:r>
+              <a:rPr lang="en-US" altLang="ko-KR" dirty="0"/>
+              <a:t> </a:t>
+            </a:r>
+            <a:r>
+              <a:rPr lang="ko-KR" altLang="en-US" dirty="0"/>
+              <a:t>지금까지 만든 구조 및 확인 설명</a:t>
+            </a:r>
+            <a:endParaRPr lang="en-US" altLang="ko-KR" dirty="0"/>
+          </a:p>
+          <a:p>
+            <a:r>
+              <a:rPr lang="en-US" altLang="ko-KR" dirty="0"/>
+              <a:t> State, Reward, Action </a:t>
+            </a:r>
+            <a:r>
+              <a:rPr lang="ko-KR" altLang="en-US" dirty="0"/>
+              <a:t>종류 판별</a:t>
+            </a:r>
+            <a:endParaRPr lang="en-US" altLang="ko-KR" dirty="0"/>
+          </a:p>
+          <a:p>
+            <a:r>
+              <a:rPr lang="en-US" altLang="ko-KR" dirty="0"/>
+              <a:t> </a:t>
+            </a:r>
+            <a:r>
+              <a:rPr lang="ko-KR" altLang="en-US" dirty="0"/>
+              <a:t>개선점</a:t>
+            </a:r>
+            <a:endParaRPr lang="en-US" altLang="ko-KR" dirty="0"/>
+          </a:p>
+        </p:txBody>
+      </p:sp>
+    </p:spTree>
+    <p:extLst>
+      <p:ext uri="{BB962C8B-B14F-4D97-AF65-F5344CB8AC3E}">
+        <p14:creationId xmlns:p14="http://schemas.microsoft.com/office/powerpoint/2010/main" val="3740832334"/>
+      </p:ext>
+    </p:extLst>
+  </p:cSld>
+  <p:clrMapOvr>
+    <a:masterClrMapping/>
+  </p:clrMapOvr>
+</p:sld>
+</file>
+
+<file path=ppt/slides/slide20.xml><?xml version="1.0" encoding="utf-8"?>
 <p:sld xmlns:a="http://schemas.openxmlformats.org/drawingml/2006/main" xmlns:r="http://schemas.openxmlformats.org/officeDocument/2006/relationships" xmlns:p="http://schemas.openxmlformats.org/presentationml/2006/main">
   <p:cSld>
     <p:spTree>
@@ -12535,8 +10448,8 @@
           </a:p>
         </p:txBody>
       </p:sp>
-      <mc:AlternateContent xmlns:mc="http://schemas.openxmlformats.org/markup-compatibility/2006" xmlns:a14="http://schemas.microsoft.com/office/drawing/2010/main">
-        <mc:Choice Requires="a14">
+      <mc:AlternateContent xmlns:mc="http://schemas.openxmlformats.org/markup-compatibility/2006">
+        <mc:Choice xmlns:a14="http://schemas.microsoft.com/office/drawing/2010/main" Requires="a14">
           <p:sp>
             <p:nvSpPr>
               <p:cNvPr id="3" name="내용 개체 틀 2"/>
@@ -12582,7 +10495,7 @@
                 <a:pPr lvl="2"/>
                 <a:r>
                   <a:rPr lang="en-US" altLang="ko-KR" dirty="0"/>
-                  <a:t>Current model need 8phases experience to learn in the same state</a:t>
+                  <a:t>Current model needs 8phases experience to learn in the same state</a:t>
                 </a:r>
                 <a:br>
                   <a:rPr lang="en-US" altLang="ko-KR" dirty="0"/>
@@ -12686,7 +10599,7 @@
             </p:txBody>
           </p:sp>
         </mc:Choice>
-        <mc:Fallback xmlns="">
+        <mc:Fallback>
           <p:sp>
             <p:nvSpPr>
               <p:cNvPr id="3" name="내용 개체 틀 2"/>
@@ -12763,7 +10676,7 @@
 </p:sld>
 </file>
 
-<file path=ppt/slides/slide24.xml><?xml version="1.0" encoding="utf-8"?>
+<file path=ppt/slides/slide21.xml><?xml version="1.0" encoding="utf-8"?>
 <p:sld xmlns:a="http://schemas.openxmlformats.org/drawingml/2006/main" xmlns:r="http://schemas.openxmlformats.org/officeDocument/2006/relationships" xmlns:p="http://schemas.openxmlformats.org/presentationml/2006/main">
   <p:cSld>
     <p:spTree>
@@ -13511,7 +11424,7 @@
 </p:sld>
 </file>
 
-<file path=ppt/slides/slide25.xml><?xml version="1.0" encoding="utf-8"?>
+<file path=ppt/slides/slide22.xml><?xml version="1.0" encoding="utf-8"?>
 <p:sld xmlns:a="http://schemas.openxmlformats.org/drawingml/2006/main" xmlns:r="http://schemas.openxmlformats.org/officeDocument/2006/relationships" xmlns:p="http://schemas.openxmlformats.org/presentationml/2006/main">
   <p:cSld>
     <p:spTree>
@@ -13551,8 +11464,8 @@
           </a:p>
         </p:txBody>
       </p:sp>
-      <mc:AlternateContent xmlns:mc="http://schemas.openxmlformats.org/markup-compatibility/2006" xmlns:a14="http://schemas.microsoft.com/office/drawing/2010/main">
-        <mc:Choice Requires="a14">
+      <mc:AlternateContent xmlns:mc="http://schemas.openxmlformats.org/markup-compatibility/2006">
+        <mc:Choice xmlns:a14="http://schemas.microsoft.com/office/drawing/2010/main" Requires="a14">
           <p:sp>
             <p:nvSpPr>
               <p:cNvPr id="3" name="내용 개체 틀 2"/>
@@ -13584,7 +11497,7 @@
                 <a:pPr lvl="1"/>
                 <a:r>
                   <a:rPr lang="en-US" altLang="ko-KR" dirty="0"/>
-                  <a:t>Loss function that compare fixed target Q and approximated local Q (by bellman equation)</a:t>
+                  <a:t>Loss function that compares fixed target Q and approximated local Q (by bellman equation)</a:t>
                 </a:r>
                 <a:br>
                   <a:rPr lang="en-US" altLang="ko-KR" dirty="0"/>
@@ -14034,7 +11947,7 @@
             </p:txBody>
           </p:sp>
         </mc:Choice>
-        <mc:Fallback xmlns="">
+        <mc:Fallback>
           <p:sp>
             <p:nvSpPr>
               <p:cNvPr id="3" name="내용 개체 틀 2"/>
@@ -14105,7 +12018,7 @@
 </p:sld>
 </file>
 
-<file path=ppt/slides/slide26.xml><?xml version="1.0" encoding="utf-8"?>
+<file path=ppt/slides/slide23.xml><?xml version="1.0" encoding="utf-8"?>
 <p:sld xmlns:a="http://schemas.openxmlformats.org/drawingml/2006/main" xmlns:r="http://schemas.openxmlformats.org/officeDocument/2006/relationships" xmlns:p="http://schemas.openxmlformats.org/presentationml/2006/main">
   <p:cSld>
     <p:spTree>
@@ -14434,7 +12347,7 @@
         <p:spPr>
           <a:xfrm>
             <a:off x="8414841" y="5220293"/>
-            <a:ext cx="1356613" cy="369332"/>
+            <a:ext cx="2451427" cy="369332"/>
           </a:xfrm>
           <a:prstGeom prst="rect">
             <a:avLst/>
@@ -14453,7 +12366,7 @@
                   <a:srgbClr val="FF0000"/>
                 </a:solidFill>
               </a:rPr>
-              <a:t>Super Agent</a:t>
+              <a:t>Decentralized Agent</a:t>
             </a:r>
             <a:endParaRPr lang="ko-KR" altLang="en-US" b="1" dirty="0">
               <a:solidFill>
@@ -14968,7 +12881,7 @@
 </p:sld>
 </file>
 
-<file path=ppt/slides/slide27.xml><?xml version="1.0" encoding="utf-8"?>
+<file path=ppt/slides/slide24.xml><?xml version="1.0" encoding="utf-8"?>
 <p:sld xmlns:a="http://schemas.openxmlformats.org/drawingml/2006/main" xmlns:r="http://schemas.openxmlformats.org/officeDocument/2006/relationships" xmlns:p="http://schemas.openxmlformats.org/presentationml/2006/main">
   <p:cSld>
     <p:spTree>
@@ -15203,7 +13116,7 @@
 </p:sld>
 </file>
 
-<file path=ppt/slides/slide28.xml><?xml version="1.0" encoding="utf-8"?>
+<file path=ppt/slides/slide25.xml><?xml version="1.0" encoding="utf-8"?>
 <p:sld xmlns:a="http://schemas.openxmlformats.org/drawingml/2006/main" xmlns:r="http://schemas.openxmlformats.org/officeDocument/2006/relationships" xmlns:p="http://schemas.openxmlformats.org/presentationml/2006/main">
   <p:cSld>
     <p:spTree>
@@ -15330,7 +13243,7 @@
 </p:sld>
 </file>
 
-<file path=ppt/slides/slide29.xml><?xml version="1.0" encoding="utf-8"?>
+<file path=ppt/slides/slide26.xml><?xml version="1.0" encoding="utf-8"?>
 <p:sld xmlns:a="http://schemas.openxmlformats.org/drawingml/2006/main" xmlns:r="http://schemas.openxmlformats.org/officeDocument/2006/relationships" xmlns:p="http://schemas.openxmlformats.org/presentationml/2006/main">
   <p:cSld>
     <p:spTree>
@@ -15670,6 +13583,622 @@
     <p:extLst>
       <p:ext uri="{BB962C8B-B14F-4D97-AF65-F5344CB8AC3E}">
         <p14:creationId xmlns:p14="http://schemas.microsoft.com/office/powerpoint/2010/main" val="730477723"/>
+      </p:ext>
+    </p:extLst>
+  </p:cSld>
+  <p:clrMapOvr>
+    <a:masterClrMapping/>
+  </p:clrMapOvr>
+</p:sld>
+</file>
+
+<file path=ppt/slides/slide27.xml><?xml version="1.0" encoding="utf-8"?>
+<p:sld xmlns:a="http://schemas.openxmlformats.org/drawingml/2006/main" xmlns:r="http://schemas.openxmlformats.org/officeDocument/2006/relationships" xmlns:p="http://schemas.openxmlformats.org/presentationml/2006/main">
+  <p:cSld>
+    <p:spTree>
+      <p:nvGrpSpPr>
+        <p:cNvPr id="1" name=""/>
+        <p:cNvGrpSpPr/>
+        <p:nvPr/>
+      </p:nvGrpSpPr>
+      <p:grpSpPr>
+        <a:xfrm>
+          <a:off x="0" y="0"/>
+          <a:ext cx="0" cy="0"/>
+          <a:chOff x="0" y="0"/>
+          <a:chExt cx="0" cy="0"/>
+        </a:xfrm>
+      </p:grpSpPr>
+      <p:sp>
+        <p:nvSpPr>
+          <p:cNvPr id="2" name="제목 1"/>
+          <p:cNvSpPr>
+            <a:spLocks noGrp="1"/>
+          </p:cNvSpPr>
+          <p:nvPr>
+            <p:ph type="title"/>
+          </p:nvPr>
+        </p:nvSpPr>
+        <p:spPr/>
+        <p:txBody>
+          <a:bodyPr/>
+          <a:lstStyle/>
+          <a:p>
+            <a:r>
+              <a:rPr lang="en-US" altLang="ko-KR" dirty="0"/>
+              <a:t>Result</a:t>
+            </a:r>
+            <a:endParaRPr lang="ko-KR" altLang="en-US" dirty="0"/>
+          </a:p>
+        </p:txBody>
+      </p:sp>
+      <p:sp>
+        <p:nvSpPr>
+          <p:cNvPr id="3" name="내용 개체 틀 2"/>
+          <p:cNvSpPr>
+            <a:spLocks noGrp="1"/>
+          </p:cNvSpPr>
+          <p:nvPr>
+            <p:ph idx="1"/>
+          </p:nvPr>
+        </p:nvSpPr>
+        <p:spPr/>
+        <p:txBody>
+          <a:bodyPr/>
+          <a:lstStyle/>
+          <a:p>
+            <a:r>
+              <a:rPr lang="en-US" altLang="ko-KR" dirty="0"/>
+              <a:t> Scalability Analysis</a:t>
+            </a:r>
+          </a:p>
+          <a:p>
+            <a:pPr lvl="1"/>
+            <a:r>
+              <a:rPr lang="en-US" altLang="ko-KR" dirty="0"/>
+              <a:t>Evaluate the method with other baselines under Manhattan, 2500 signalized intersection</a:t>
+            </a:r>
+          </a:p>
+          <a:p>
+            <a:pPr lvl="1"/>
+            <a:r>
+              <a:rPr lang="en-US" altLang="ko-KR" dirty="0"/>
+              <a:t>Compared to other methods, </a:t>
+            </a:r>
+            <a:r>
+              <a:rPr lang="en-US" altLang="ko-KR" dirty="0" err="1"/>
+              <a:t>MPLight</a:t>
+            </a:r>
+            <a:r>
+              <a:rPr lang="en-US" altLang="ko-KR" dirty="0"/>
+              <a:t> handle traffic signal more effectively and efficiently</a:t>
+            </a:r>
+          </a:p>
+          <a:p>
+            <a:r>
+              <a:rPr lang="en-US" altLang="ko-KR" dirty="0"/>
+              <a:t> Impact of Pressure-based Design(Manhattan)</a:t>
+            </a:r>
+          </a:p>
+          <a:p>
+            <a:pPr lvl="1"/>
+            <a:r>
+              <a:rPr lang="en-US" altLang="ko-KR" dirty="0"/>
+              <a:t>Evaluate the performance of RL-based method with and without ‘pressure’.</a:t>
+            </a:r>
+          </a:p>
+        </p:txBody>
+      </p:sp>
+      <p:pic>
+        <p:nvPicPr>
+          <p:cNvPr id="5" name="그림 4"/>
+          <p:cNvPicPr>
+            <a:picLocks noChangeAspect="1"/>
+          </p:cNvPicPr>
+          <p:nvPr/>
+        </p:nvPicPr>
+        <p:blipFill>
+          <a:blip r:embed="rId2"/>
+          <a:stretch>
+            <a:fillRect/>
+          </a:stretch>
+        </p:blipFill>
+        <p:spPr>
+          <a:xfrm>
+            <a:off x="1330919" y="3642296"/>
+            <a:ext cx="3570692" cy="2667264"/>
+          </a:xfrm>
+          <a:prstGeom prst="rect">
+            <a:avLst/>
+          </a:prstGeom>
+        </p:spPr>
+      </p:pic>
+      <p:pic>
+        <p:nvPicPr>
+          <p:cNvPr id="6" name="그림 5"/>
+          <p:cNvPicPr>
+            <a:picLocks noChangeAspect="1"/>
+          </p:cNvPicPr>
+          <p:nvPr/>
+        </p:nvPicPr>
+        <p:blipFill>
+          <a:blip r:embed="rId3"/>
+          <a:stretch>
+            <a:fillRect/>
+          </a:stretch>
+        </p:blipFill>
+        <p:spPr>
+          <a:xfrm>
+            <a:off x="5753885" y="3642296"/>
+            <a:ext cx="3344203" cy="1893126"/>
+          </a:xfrm>
+          <a:prstGeom prst="rect">
+            <a:avLst/>
+          </a:prstGeom>
+        </p:spPr>
+      </p:pic>
+    </p:spTree>
+    <p:extLst>
+      <p:ext uri="{BB962C8B-B14F-4D97-AF65-F5344CB8AC3E}">
+        <p14:creationId xmlns:p14="http://schemas.microsoft.com/office/powerpoint/2010/main" val="2293835521"/>
+      </p:ext>
+    </p:extLst>
+  </p:cSld>
+  <p:clrMapOvr>
+    <a:masterClrMapping/>
+  </p:clrMapOvr>
+</p:sld>
+</file>
+
+<file path=ppt/slides/slide28.xml><?xml version="1.0" encoding="utf-8"?>
+<p:sld xmlns:a="http://schemas.openxmlformats.org/drawingml/2006/main" xmlns:r="http://schemas.openxmlformats.org/officeDocument/2006/relationships" xmlns:p="http://schemas.openxmlformats.org/presentationml/2006/main">
+  <p:cSld>
+    <p:spTree>
+      <p:nvGrpSpPr>
+        <p:cNvPr id="1" name=""/>
+        <p:cNvGrpSpPr/>
+        <p:nvPr/>
+      </p:nvGrpSpPr>
+      <p:grpSpPr>
+        <a:xfrm>
+          <a:off x="0" y="0"/>
+          <a:ext cx="0" cy="0"/>
+          <a:chOff x="0" y="0"/>
+          <a:chExt cx="0" cy="0"/>
+        </a:xfrm>
+      </p:grpSpPr>
+      <p:sp>
+        <p:nvSpPr>
+          <p:cNvPr id="2" name="제목 1"/>
+          <p:cNvSpPr>
+            <a:spLocks noGrp="1"/>
+          </p:cNvSpPr>
+          <p:nvPr>
+            <p:ph type="title"/>
+          </p:nvPr>
+        </p:nvSpPr>
+        <p:spPr/>
+        <p:txBody>
+          <a:bodyPr/>
+          <a:lstStyle/>
+          <a:p>
+            <a:r>
+              <a:rPr lang="en-US" altLang="ko-KR" dirty="0"/>
+              <a:t>Result &amp; Conclusion</a:t>
+            </a:r>
+            <a:endParaRPr lang="ko-KR" altLang="en-US" dirty="0"/>
+          </a:p>
+        </p:txBody>
+      </p:sp>
+      <p:sp>
+        <p:nvSpPr>
+          <p:cNvPr id="3" name="내용 개체 틀 2"/>
+          <p:cNvSpPr>
+            <a:spLocks noGrp="1"/>
+          </p:cNvSpPr>
+          <p:nvPr>
+            <p:ph idx="1"/>
+          </p:nvPr>
+        </p:nvSpPr>
+        <p:spPr/>
+        <p:txBody>
+          <a:bodyPr/>
+          <a:lstStyle/>
+          <a:p>
+            <a:r>
+              <a:rPr lang="en-US" altLang="ko-KR" dirty="0"/>
+              <a:t> Impact of Parameter Sharing (Super Agent)</a:t>
+            </a:r>
+          </a:p>
+          <a:p>
+            <a:pPr lvl="1"/>
+            <a:r>
+              <a:rPr lang="en-US" altLang="ko-KR" dirty="0"/>
+              <a:t>Parameter sharing enables our model to converge faster</a:t>
+            </a:r>
+            <a:br>
+              <a:rPr lang="en-US" altLang="ko-KR" dirty="0"/>
+            </a:br>
+            <a:r>
+              <a:rPr lang="en-US" altLang="ko-KR" dirty="0">
+                <a:sym typeface="Wingdings" panose="05000000000000000000" pitchFamily="2" charset="2"/>
+              </a:rPr>
+              <a:t> Effectiveness of parameter sharing </a:t>
+            </a:r>
+          </a:p>
+          <a:p>
+            <a:pPr lvl="1"/>
+            <a:endParaRPr lang="en-US" altLang="ko-KR" dirty="0">
+              <a:sym typeface="Wingdings" panose="05000000000000000000" pitchFamily="2" charset="2"/>
+            </a:endParaRPr>
+          </a:p>
+          <a:p>
+            <a:pPr marL="201168" lvl="1" indent="0">
+              <a:buNone/>
+            </a:pPr>
+            <a:endParaRPr lang="en-US" altLang="ko-KR" dirty="0">
+              <a:sym typeface="Wingdings" panose="05000000000000000000" pitchFamily="2" charset="2"/>
+            </a:endParaRPr>
+          </a:p>
+          <a:p>
+            <a:r>
+              <a:rPr lang="en-US" altLang="ko-KR" dirty="0">
+                <a:sym typeface="Wingdings" panose="05000000000000000000" pitchFamily="2" charset="2"/>
+              </a:rPr>
+              <a:t> Conclusion</a:t>
+            </a:r>
+          </a:p>
+          <a:p>
+            <a:pPr lvl="1"/>
+            <a:r>
+              <a:rPr lang="en-US" altLang="ko-KR" dirty="0">
+                <a:sym typeface="Wingdings" panose="05000000000000000000" pitchFamily="2" charset="2"/>
+              </a:rPr>
+              <a:t>Need more elaborate design for coordination and cooperation among neighboring intersection</a:t>
+            </a:r>
+            <a:br>
+              <a:rPr lang="en-US" altLang="ko-KR" dirty="0">
+                <a:sym typeface="Wingdings" panose="05000000000000000000" pitchFamily="2" charset="2"/>
+              </a:rPr>
+            </a:br>
+            <a:r>
+              <a:rPr lang="en-US" altLang="ko-KR" dirty="0">
+                <a:sym typeface="Wingdings" panose="05000000000000000000" pitchFamily="2" charset="2"/>
+              </a:rPr>
+              <a:t> </a:t>
+            </a:r>
+            <a:r>
+              <a:rPr lang="en-US" altLang="ko-KR" dirty="0" err="1">
+                <a:sym typeface="Wingdings" panose="05000000000000000000" pitchFamily="2" charset="2"/>
+              </a:rPr>
+              <a:t>MetaLight</a:t>
+            </a:r>
+            <a:r>
+              <a:rPr lang="en-US" altLang="ko-KR" dirty="0">
+                <a:sym typeface="Wingdings" panose="05000000000000000000" pitchFamily="2" charset="2"/>
+              </a:rPr>
+              <a:t>(Faster Learning)</a:t>
+            </a:r>
+            <a:br>
+              <a:rPr lang="en-US" altLang="ko-KR" dirty="0">
+                <a:sym typeface="Wingdings" panose="05000000000000000000" pitchFamily="2" charset="2"/>
+              </a:rPr>
+            </a:br>
+            <a:r>
+              <a:rPr lang="en-US" altLang="ko-KR" dirty="0">
+                <a:sym typeface="Wingdings" panose="05000000000000000000" pitchFamily="2" charset="2"/>
+              </a:rPr>
+              <a:t> Multi-agent learning(scalable)</a:t>
+            </a:r>
+          </a:p>
+        </p:txBody>
+      </p:sp>
+      <p:pic>
+        <p:nvPicPr>
+          <p:cNvPr id="4" name="그림 3"/>
+          <p:cNvPicPr>
+            <a:picLocks noChangeAspect="1"/>
+          </p:cNvPicPr>
+          <p:nvPr/>
+        </p:nvPicPr>
+        <p:blipFill>
+          <a:blip r:embed="rId2"/>
+          <a:stretch>
+            <a:fillRect/>
+          </a:stretch>
+        </p:blipFill>
+        <p:spPr>
+          <a:xfrm>
+            <a:off x="7697898" y="1953921"/>
+            <a:ext cx="2861698" cy="1229362"/>
+          </a:xfrm>
+          <a:prstGeom prst="rect">
+            <a:avLst/>
+          </a:prstGeom>
+        </p:spPr>
+      </p:pic>
+    </p:spTree>
+    <p:extLst>
+      <p:ext uri="{BB962C8B-B14F-4D97-AF65-F5344CB8AC3E}">
+        <p14:creationId xmlns:p14="http://schemas.microsoft.com/office/powerpoint/2010/main" val="1950302648"/>
+      </p:ext>
+    </p:extLst>
+  </p:cSld>
+  <p:clrMapOvr>
+    <a:masterClrMapping/>
+  </p:clrMapOvr>
+</p:sld>
+</file>
+
+<file path=ppt/slides/slide29.xml><?xml version="1.0" encoding="utf-8"?>
+<p:sld xmlns:a="http://schemas.openxmlformats.org/drawingml/2006/main" xmlns:r="http://schemas.openxmlformats.org/officeDocument/2006/relationships" xmlns:p="http://schemas.openxmlformats.org/presentationml/2006/main">
+  <p:cSld>
+    <p:spTree>
+      <p:nvGrpSpPr>
+        <p:cNvPr id="1" name=""/>
+        <p:cNvGrpSpPr/>
+        <p:nvPr/>
+      </p:nvGrpSpPr>
+      <p:grpSpPr>
+        <a:xfrm>
+          <a:off x="0" y="0"/>
+          <a:ext cx="0" cy="0"/>
+          <a:chOff x="0" y="0"/>
+          <a:chExt cx="0" cy="0"/>
+        </a:xfrm>
+      </p:grpSpPr>
+      <p:sp>
+        <p:nvSpPr>
+          <p:cNvPr id="2" name="제목 1">
+            <a:extLst>
+              <a:ext uri="{FF2B5EF4-FFF2-40B4-BE49-F238E27FC236}">
+                <a16:creationId xmlns:a16="http://schemas.microsoft.com/office/drawing/2014/main" id="{6AD560DC-09DC-4AA5-BDEE-80C5DB922B59}"/>
+              </a:ext>
+            </a:extLst>
+          </p:cNvPr>
+          <p:cNvSpPr>
+            <a:spLocks noGrp="1"/>
+          </p:cNvSpPr>
+          <p:nvPr>
+            <p:ph type="title"/>
+          </p:nvPr>
+        </p:nvSpPr>
+        <p:spPr/>
+        <p:txBody>
+          <a:bodyPr/>
+          <a:lstStyle/>
+          <a:p>
+            <a:r>
+              <a:rPr lang="en-US" altLang="ko-KR" dirty="0"/>
+              <a:t>Comment</a:t>
+            </a:r>
+            <a:endParaRPr lang="ko-KR" altLang="en-US" dirty="0"/>
+          </a:p>
+        </p:txBody>
+      </p:sp>
+      <p:sp>
+        <p:nvSpPr>
+          <p:cNvPr id="3" name="내용 개체 틀 2">
+            <a:extLst>
+              <a:ext uri="{FF2B5EF4-FFF2-40B4-BE49-F238E27FC236}">
+                <a16:creationId xmlns:a16="http://schemas.microsoft.com/office/drawing/2014/main" id="{13E599D9-0AD1-4600-A03A-61887E617F21}"/>
+              </a:ext>
+            </a:extLst>
+          </p:cNvPr>
+          <p:cNvSpPr>
+            <a:spLocks noGrp="1"/>
+          </p:cNvSpPr>
+          <p:nvPr>
+            <p:ph idx="1"/>
+          </p:nvPr>
+        </p:nvSpPr>
+        <p:spPr>
+          <a:xfrm>
+            <a:off x="1097280" y="1845734"/>
+            <a:ext cx="10058400" cy="4407832"/>
+          </a:xfrm>
+        </p:spPr>
+        <p:txBody>
+          <a:bodyPr>
+            <a:normAutofit lnSpcReduction="10000"/>
+          </a:bodyPr>
+          <a:lstStyle/>
+          <a:p>
+            <a:r>
+              <a:rPr lang="en-US" altLang="ko-KR" dirty="0"/>
+              <a:t> Opinion</a:t>
+            </a:r>
+          </a:p>
+          <a:p>
+            <a:pPr lvl="1"/>
+            <a:r>
+              <a:rPr lang="ko-KR" altLang="en-US" dirty="0"/>
+              <a:t>다른 </a:t>
+            </a:r>
+            <a:r>
+              <a:rPr lang="en-US" altLang="ko-KR" dirty="0"/>
+              <a:t>traffic light</a:t>
+            </a:r>
+            <a:r>
+              <a:rPr lang="ko-KR" altLang="en-US" dirty="0"/>
+              <a:t>가 추가 되었을 때</a:t>
+            </a:r>
+            <a:r>
+              <a:rPr lang="en-US" altLang="ko-KR" dirty="0"/>
+              <a:t>, </a:t>
+            </a:r>
+            <a:r>
+              <a:rPr lang="ko-KR" altLang="en-US" dirty="0"/>
+              <a:t>학습 시키려면 </a:t>
+            </a:r>
+            <a:r>
+              <a:rPr lang="ko-KR" altLang="en-US" dirty="0" err="1"/>
+              <a:t>오래걸릴</a:t>
+            </a:r>
+            <a:r>
+              <a:rPr lang="ko-KR" altLang="en-US" dirty="0"/>
+              <a:t> 것 </a:t>
+            </a:r>
+            <a:r>
+              <a:rPr lang="en-US" altLang="ko-KR" dirty="0"/>
+              <a:t>(State</a:t>
+            </a:r>
+            <a:r>
+              <a:rPr lang="ko-KR" altLang="en-US" dirty="0"/>
+              <a:t>가 너무 많음</a:t>
+            </a:r>
+            <a:r>
+              <a:rPr lang="en-US" altLang="ko-KR" dirty="0"/>
+              <a:t>) </a:t>
+            </a:r>
+          </a:p>
+          <a:p>
+            <a:pPr lvl="1"/>
+            <a:r>
+              <a:rPr lang="ko-KR" altLang="en-US" dirty="0"/>
+              <a:t>결국 </a:t>
+            </a:r>
+            <a:r>
+              <a:rPr lang="en-US" altLang="ko-KR" dirty="0"/>
+              <a:t>Coordinate</a:t>
+            </a:r>
+            <a:r>
+              <a:rPr lang="ko-KR" altLang="en-US" dirty="0"/>
+              <a:t>라기 보단 모든 상황을 보고 자신에게 최적인 것만 학습할 뿐</a:t>
+            </a:r>
+            <a:endParaRPr lang="en-US" altLang="ko-KR" dirty="0"/>
+          </a:p>
+          <a:p>
+            <a:r>
+              <a:rPr lang="en-US" altLang="ko-KR" dirty="0"/>
+              <a:t>Improvement Proposal</a:t>
+            </a:r>
+          </a:p>
+          <a:p>
+            <a:pPr lvl="1"/>
+            <a:r>
+              <a:rPr lang="ko-KR" altLang="en-US" dirty="0"/>
+              <a:t>기존의 실험 구성</a:t>
+            </a:r>
+            <a:endParaRPr lang="en-US" altLang="ko-KR" dirty="0"/>
+          </a:p>
+          <a:p>
+            <a:pPr lvl="1"/>
+            <a:r>
+              <a:rPr lang="ko-KR" altLang="en-US" dirty="0"/>
+              <a:t>논문과의 비교와 개선</a:t>
+            </a:r>
+            <a:endParaRPr lang="en-US" altLang="ko-KR" dirty="0"/>
+          </a:p>
+          <a:p>
+            <a:pPr lvl="1"/>
+            <a:endParaRPr lang="en-US" altLang="ko-KR" dirty="0"/>
+          </a:p>
+          <a:p>
+            <a:r>
+              <a:rPr lang="en-US" altLang="ko-KR" dirty="0"/>
+              <a:t> </a:t>
+            </a:r>
+            <a:r>
+              <a:rPr lang="ko-KR" altLang="en-US" dirty="0"/>
+              <a:t>우선 해야할 것</a:t>
+            </a:r>
+            <a:endParaRPr lang="en-US" altLang="ko-KR" dirty="0"/>
+          </a:p>
+          <a:p>
+            <a:pPr lvl="1"/>
+            <a:r>
+              <a:rPr lang="en-US" altLang="ko-KR" dirty="0"/>
+              <a:t>Traci </a:t>
+            </a:r>
+            <a:r>
+              <a:rPr lang="ko-KR" altLang="en-US" dirty="0"/>
+              <a:t>기반 </a:t>
+            </a:r>
+            <a:r>
+              <a:rPr lang="en-US" altLang="ko-KR" dirty="0"/>
+              <a:t>state </a:t>
+            </a:r>
+            <a:r>
+              <a:rPr lang="ko-KR" altLang="en-US" dirty="0"/>
+              <a:t>받아오기</a:t>
+            </a:r>
+            <a:endParaRPr lang="en-US" altLang="ko-KR" dirty="0"/>
+          </a:p>
+          <a:p>
+            <a:pPr lvl="1"/>
+            <a:r>
+              <a:rPr lang="en-US" altLang="ko-KR" dirty="0" err="1"/>
+              <a:t>Tensorboard</a:t>
+            </a:r>
+            <a:r>
+              <a:rPr lang="ko-KR" altLang="en-US" dirty="0"/>
+              <a:t>로 넘어가는 </a:t>
+            </a:r>
+            <a:r>
+              <a:rPr lang="en-US" altLang="ko-KR" dirty="0"/>
+              <a:t>xml </a:t>
+            </a:r>
+            <a:r>
+              <a:rPr lang="ko-KR" altLang="en-US" dirty="0"/>
+              <a:t>파일 생성 위치 </a:t>
+            </a:r>
+            <a:r>
+              <a:rPr lang="en-US" altLang="ko-KR" dirty="0"/>
+              <a:t>data</a:t>
+            </a:r>
+            <a:r>
+              <a:rPr lang="ko-KR" altLang="en-US" dirty="0"/>
+              <a:t>로 획일화 및 구분 필요</a:t>
+            </a:r>
+            <a:endParaRPr lang="en-US" altLang="ko-KR" dirty="0"/>
+          </a:p>
+          <a:p>
+            <a:pPr lvl="1"/>
+            <a:r>
+              <a:rPr lang="en-US" altLang="ko-KR" dirty="0"/>
+              <a:t>FRAP </a:t>
+            </a:r>
+            <a:r>
+              <a:rPr lang="ko-KR" altLang="en-US" dirty="0"/>
+              <a:t>모델 생성</a:t>
+            </a:r>
+            <a:endParaRPr lang="en-US" altLang="ko-KR" dirty="0"/>
+          </a:p>
+          <a:p>
+            <a:pPr lvl="1"/>
+            <a:r>
+              <a:rPr lang="en-US" altLang="ko-KR" dirty="0"/>
+              <a:t>Traffic Light Phase </a:t>
+            </a:r>
+            <a:r>
+              <a:rPr lang="ko-KR" altLang="en-US" dirty="0"/>
+              <a:t>정립</a:t>
+            </a:r>
+            <a:endParaRPr lang="en-US" altLang="ko-KR" dirty="0"/>
+          </a:p>
+          <a:p>
+            <a:pPr lvl="1"/>
+            <a:r>
+              <a:rPr lang="en-US" altLang="ko-KR" dirty="0"/>
+              <a:t>U-turn connection </a:t>
+            </a:r>
+            <a:r>
+              <a:rPr lang="ko-KR" altLang="en-US" dirty="0"/>
+              <a:t>정리</a:t>
+            </a:r>
+            <a:endParaRPr lang="en-US" altLang="ko-KR" dirty="0"/>
+          </a:p>
+          <a:p>
+            <a:pPr lvl="1"/>
+            <a:endParaRPr lang="ko-KR" altLang="en-US" dirty="0"/>
+          </a:p>
+        </p:txBody>
+      </p:sp>
+    </p:spTree>
+    <p:extLst>
+      <p:ext uri="{BB962C8B-B14F-4D97-AF65-F5344CB8AC3E}">
+        <p14:creationId xmlns:p14="http://schemas.microsoft.com/office/powerpoint/2010/main" val="3180526755"/>
       </p:ext>
     </p:extLst>
   </p:cSld>
@@ -16110,76 +14639,24 @@
           <a:p>
             <a:r>
               <a:rPr lang="en-US" altLang="ko-KR" dirty="0"/>
-              <a:t>Result</a:t>
-            </a:r>
-            <a:endParaRPr lang="ko-KR" altLang="en-US" dirty="0"/>
-          </a:p>
-        </p:txBody>
-      </p:sp>
-      <p:sp>
-        <p:nvSpPr>
-          <p:cNvPr id="3" name="내용 개체 틀 2"/>
-          <p:cNvSpPr>
-            <a:spLocks noGrp="1"/>
-          </p:cNvSpPr>
+              <a:t>SUMO Network </a:t>
+            </a:r>
+            <a:r>
+              <a:rPr lang="ko-KR" altLang="en-US" dirty="0"/>
+              <a:t>제작</a:t>
+            </a:r>
+          </a:p>
+        </p:txBody>
+      </p:sp>
+      <p:pic>
+        <p:nvPicPr>
+          <p:cNvPr id="4" name="내용 개체 틀 3"/>
+          <p:cNvPicPr>
+            <a:picLocks noGrp="1" noChangeAspect="1"/>
+          </p:cNvPicPr>
           <p:nvPr>
             <p:ph idx="1"/>
           </p:nvPr>
-        </p:nvSpPr>
-        <p:spPr/>
-        <p:txBody>
-          <a:bodyPr/>
-          <a:lstStyle/>
-          <a:p>
-            <a:r>
-              <a:rPr lang="en-US" altLang="ko-KR" dirty="0"/>
-              <a:t> Scalability Analysis</a:t>
-            </a:r>
-          </a:p>
-          <a:p>
-            <a:pPr lvl="1"/>
-            <a:r>
-              <a:rPr lang="en-US" altLang="ko-KR" dirty="0"/>
-              <a:t>Evaluate the method with other baselines under Manhattan, 2500 signalized intersection</a:t>
-            </a:r>
-          </a:p>
-          <a:p>
-            <a:pPr lvl="1"/>
-            <a:r>
-              <a:rPr lang="en-US" altLang="ko-KR" dirty="0"/>
-              <a:t>Compared to other methods, </a:t>
-            </a:r>
-            <a:r>
-              <a:rPr lang="en-US" altLang="ko-KR" dirty="0" err="1"/>
-              <a:t>MPLight</a:t>
-            </a:r>
-            <a:r>
-              <a:rPr lang="en-US" altLang="ko-KR" dirty="0"/>
-              <a:t> handle traffic signal more effectively and efficiently</a:t>
-            </a:r>
-          </a:p>
-          <a:p>
-            <a:r>
-              <a:rPr lang="en-US" altLang="ko-KR" dirty="0"/>
-              <a:t> Impact of Pressure-based Design(Manhattan)</a:t>
-            </a:r>
-          </a:p>
-          <a:p>
-            <a:pPr lvl="1"/>
-            <a:r>
-              <a:rPr lang="en-US" altLang="ko-KR" dirty="0"/>
-              <a:t>Evaluate the performance of RL-based method with and without ‘pressure’.</a:t>
-            </a:r>
-          </a:p>
-        </p:txBody>
-      </p:sp>
-      <p:pic>
-        <p:nvPicPr>
-          <p:cNvPr id="5" name="그림 4"/>
-          <p:cNvPicPr>
-            <a:picLocks noChangeAspect="1"/>
-          </p:cNvPicPr>
-          <p:nvPr/>
         </p:nvPicPr>
         <p:blipFill>
           <a:blip r:embed="rId2"/>
@@ -16189,8 +14666,8 @@
         </p:blipFill>
         <p:spPr>
           <a:xfrm>
-            <a:off x="1330919" y="3642296"/>
-            <a:ext cx="3570692" cy="2667264"/>
+            <a:off x="3356734" y="1806343"/>
+            <a:ext cx="2574283" cy="1906265"/>
           </a:xfrm>
           <a:prstGeom prst="rect">
             <a:avLst/>
@@ -16199,7 +14676,7 @@
       </p:pic>
       <p:pic>
         <p:nvPicPr>
-          <p:cNvPr id="6" name="그림 5"/>
+          <p:cNvPr id="5" name="그림 4"/>
           <p:cNvPicPr>
             <a:picLocks noChangeAspect="1"/>
           </p:cNvPicPr>
@@ -16213,18 +14690,682 @@
         </p:blipFill>
         <p:spPr>
           <a:xfrm>
-            <a:off x="5753885" y="3642296"/>
-            <a:ext cx="3344203" cy="1893126"/>
+            <a:off x="1240293" y="1797907"/>
+            <a:ext cx="2162555" cy="1918416"/>
           </a:xfrm>
           <a:prstGeom prst="rect">
             <a:avLst/>
           </a:prstGeom>
         </p:spPr>
       </p:pic>
+      <p:sp>
+        <p:nvSpPr>
+          <p:cNvPr id="3" name="TextBox 2"/>
+          <p:cNvSpPr txBox="1"/>
+          <p:nvPr/>
+        </p:nvSpPr>
+        <p:spPr>
+          <a:xfrm>
+            <a:off x="1355463" y="3652922"/>
+            <a:ext cx="1932214" cy="370075"/>
+          </a:xfrm>
+          <a:prstGeom prst="rect">
+            <a:avLst/>
+          </a:prstGeom>
+          <a:noFill/>
+        </p:spPr>
+        <p:txBody>
+          <a:bodyPr wrap="square" rtlCol="0">
+            <a:spAutoFit/>
+          </a:bodyPr>
+          <a:lstStyle/>
+          <a:p>
+            <a:pPr algn="ctr"/>
+            <a:r>
+              <a:rPr lang="en-US" altLang="ko-KR" dirty="0"/>
+              <a:t>2x2 grid</a:t>
+            </a:r>
+            <a:endParaRPr lang="ko-KR" altLang="en-US" dirty="0"/>
+          </a:p>
+        </p:txBody>
+      </p:sp>
+      <p:sp>
+        <p:nvSpPr>
+          <p:cNvPr id="6" name="TextBox 5"/>
+          <p:cNvSpPr txBox="1"/>
+          <p:nvPr/>
+        </p:nvSpPr>
+        <p:spPr>
+          <a:xfrm>
+            <a:off x="3677768" y="3656633"/>
+            <a:ext cx="1932214" cy="370075"/>
+          </a:xfrm>
+          <a:prstGeom prst="rect">
+            <a:avLst/>
+          </a:prstGeom>
+          <a:noFill/>
+        </p:spPr>
+        <p:txBody>
+          <a:bodyPr wrap="square" rtlCol="0">
+            <a:spAutoFit/>
+          </a:bodyPr>
+          <a:lstStyle/>
+          <a:p>
+            <a:pPr algn="ctr"/>
+            <a:r>
+              <a:rPr lang="en-US" altLang="ko-KR" dirty="0"/>
+              <a:t>3x3 grid</a:t>
+            </a:r>
+            <a:endParaRPr lang="ko-KR" altLang="en-US" dirty="0"/>
+          </a:p>
+        </p:txBody>
+      </p:sp>
+      <p:pic>
+        <p:nvPicPr>
+          <p:cNvPr id="8" name="그림 7">
+            <a:extLst>
+              <a:ext uri="{FF2B5EF4-FFF2-40B4-BE49-F238E27FC236}">
+                <a16:creationId xmlns:a16="http://schemas.microsoft.com/office/drawing/2014/main" id="{A92F9A51-9B07-45DB-B88F-8FCDE741F757}"/>
+              </a:ext>
+            </a:extLst>
+          </p:cNvPr>
+          <p:cNvPicPr>
+            <a:picLocks noChangeAspect="1"/>
+          </p:cNvPicPr>
+          <p:nvPr/>
+        </p:nvPicPr>
+        <p:blipFill>
+          <a:blip r:embed="rId4"/>
+          <a:stretch>
+            <a:fillRect/>
+          </a:stretch>
+        </p:blipFill>
+        <p:spPr>
+          <a:xfrm flipV="1">
+            <a:off x="1355463" y="4022997"/>
+            <a:ext cx="1932214" cy="1956427"/>
+          </a:xfrm>
+          <a:prstGeom prst="rect">
+            <a:avLst/>
+          </a:prstGeom>
+        </p:spPr>
+      </p:pic>
+      <p:pic>
+        <p:nvPicPr>
+          <p:cNvPr id="10" name="그림 9">
+            <a:extLst>
+              <a:ext uri="{FF2B5EF4-FFF2-40B4-BE49-F238E27FC236}">
+                <a16:creationId xmlns:a16="http://schemas.microsoft.com/office/drawing/2014/main" id="{802B28B4-CB41-4871-BB14-F34FCAEB227C}"/>
+              </a:ext>
+            </a:extLst>
+          </p:cNvPr>
+          <p:cNvPicPr>
+            <a:picLocks noChangeAspect="1"/>
+          </p:cNvPicPr>
+          <p:nvPr/>
+        </p:nvPicPr>
+        <p:blipFill>
+          <a:blip r:embed="rId5"/>
+          <a:stretch>
+            <a:fillRect/>
+          </a:stretch>
+        </p:blipFill>
+        <p:spPr>
+          <a:xfrm flipV="1">
+            <a:off x="3677768" y="4022995"/>
+            <a:ext cx="1939267" cy="1956429"/>
+          </a:xfrm>
+          <a:prstGeom prst="rect">
+            <a:avLst/>
+          </a:prstGeom>
+        </p:spPr>
+      </p:pic>
+      <p:sp>
+        <p:nvSpPr>
+          <p:cNvPr id="11" name="TextBox 10">
+            <a:extLst>
+              <a:ext uri="{FF2B5EF4-FFF2-40B4-BE49-F238E27FC236}">
+                <a16:creationId xmlns:a16="http://schemas.microsoft.com/office/drawing/2014/main" id="{9DD3111B-EF61-4985-975B-93B4A14FC54E}"/>
+              </a:ext>
+            </a:extLst>
+          </p:cNvPr>
+          <p:cNvSpPr txBox="1"/>
+          <p:nvPr/>
+        </p:nvSpPr>
+        <p:spPr>
+          <a:xfrm>
+            <a:off x="1347024" y="5923061"/>
+            <a:ext cx="1932214" cy="370075"/>
+          </a:xfrm>
+          <a:prstGeom prst="rect">
+            <a:avLst/>
+          </a:prstGeom>
+          <a:noFill/>
+        </p:spPr>
+        <p:txBody>
+          <a:bodyPr wrap="square" rtlCol="0">
+            <a:spAutoFit/>
+          </a:bodyPr>
+          <a:lstStyle/>
+          <a:p>
+            <a:pPr algn="ctr"/>
+            <a:r>
+              <a:rPr lang="en-US" altLang="ko-KR" dirty="0"/>
+              <a:t>8x8 grid</a:t>
+            </a:r>
+            <a:endParaRPr lang="ko-KR" altLang="en-US" dirty="0"/>
+          </a:p>
+        </p:txBody>
+      </p:sp>
+      <p:sp>
+        <p:nvSpPr>
+          <p:cNvPr id="12" name="TextBox 11">
+            <a:extLst>
+              <a:ext uri="{FF2B5EF4-FFF2-40B4-BE49-F238E27FC236}">
+                <a16:creationId xmlns:a16="http://schemas.microsoft.com/office/drawing/2014/main" id="{DEFB7A8F-7080-4B11-9AFC-E7492CFF2986}"/>
+              </a:ext>
+            </a:extLst>
+          </p:cNvPr>
+          <p:cNvSpPr txBox="1"/>
+          <p:nvPr/>
+        </p:nvSpPr>
+        <p:spPr>
+          <a:xfrm>
+            <a:off x="3680564" y="5932848"/>
+            <a:ext cx="1932214" cy="370075"/>
+          </a:xfrm>
+          <a:prstGeom prst="rect">
+            <a:avLst/>
+          </a:prstGeom>
+          <a:noFill/>
+        </p:spPr>
+        <p:txBody>
+          <a:bodyPr wrap="square" rtlCol="0">
+            <a:spAutoFit/>
+          </a:bodyPr>
+          <a:lstStyle/>
+          <a:p>
+            <a:pPr algn="ctr"/>
+            <a:r>
+              <a:rPr lang="en-US" altLang="ko-KR" dirty="0"/>
+              <a:t>7x7 grid</a:t>
+            </a:r>
+            <a:endParaRPr lang="ko-KR" altLang="en-US" dirty="0"/>
+          </a:p>
+        </p:txBody>
+      </p:sp>
+      <p:sp>
+        <p:nvSpPr>
+          <p:cNvPr id="13" name="내용 개체 틀 2">
+            <a:extLst>
+              <a:ext uri="{FF2B5EF4-FFF2-40B4-BE49-F238E27FC236}">
+                <a16:creationId xmlns:a16="http://schemas.microsoft.com/office/drawing/2014/main" id="{548A095F-87DE-4CEA-B7C3-002F1472B6DD}"/>
+              </a:ext>
+            </a:extLst>
+          </p:cNvPr>
+          <p:cNvSpPr txBox="1">
+            <a:spLocks/>
+          </p:cNvSpPr>
+          <p:nvPr/>
+        </p:nvSpPr>
+        <p:spPr>
+          <a:xfrm>
+            <a:off x="5884902" y="1845734"/>
+            <a:ext cx="5270778" cy="4023360"/>
+          </a:xfrm>
+          <a:prstGeom prst="rect">
+            <a:avLst/>
+          </a:prstGeom>
+        </p:spPr>
+        <p:txBody>
+          <a:bodyPr vert="horz" lIns="0" tIns="45720" rIns="0" bIns="45720" rtlCol="0">
+            <a:normAutofit/>
+          </a:bodyPr>
+          <a:lstStyle>
+            <a:lvl1pPr marL="91440" indent="-91440" algn="l" defTabSz="914400" rtl="0" eaLnBrk="1" latinLnBrk="1" hangingPunct="1">
+              <a:lnSpc>
+                <a:spcPct val="90000"/>
+              </a:lnSpc>
+              <a:spcBef>
+                <a:spcPts val="1200"/>
+              </a:spcBef>
+              <a:spcAft>
+                <a:spcPts val="200"/>
+              </a:spcAft>
+              <a:buClr>
+                <a:schemeClr val="accent1"/>
+              </a:buClr>
+              <a:buSzPct val="100000"/>
+              <a:buFont typeface="Wingdings" panose="05000000000000000000" pitchFamily="2" charset="2"/>
+              <a:buChar char="§"/>
+              <a:defRPr sz="2000" kern="1200">
+                <a:solidFill>
+                  <a:schemeClr val="tx1">
+                    <a:lumMod val="75000"/>
+                    <a:lumOff val="25000"/>
+                  </a:schemeClr>
+                </a:solidFill>
+                <a:latin typeface="+mn-lt"/>
+                <a:ea typeface="+mn-ea"/>
+                <a:cs typeface="+mn-cs"/>
+              </a:defRPr>
+            </a:lvl1pPr>
+            <a:lvl2pPr marL="544068" indent="-342900" algn="l" defTabSz="914400" rtl="0" eaLnBrk="1" latinLnBrk="1" hangingPunct="1">
+              <a:lnSpc>
+                <a:spcPct val="90000"/>
+              </a:lnSpc>
+              <a:spcBef>
+                <a:spcPts val="200"/>
+              </a:spcBef>
+              <a:spcAft>
+                <a:spcPts val="400"/>
+              </a:spcAft>
+              <a:buClr>
+                <a:schemeClr val="accent1"/>
+              </a:buClr>
+              <a:buFont typeface="+mj-lt"/>
+              <a:buAutoNum type="arabicPeriod"/>
+              <a:defRPr sz="1800" kern="1200">
+                <a:solidFill>
+                  <a:schemeClr val="tx1">
+                    <a:lumMod val="75000"/>
+                    <a:lumOff val="25000"/>
+                  </a:schemeClr>
+                </a:solidFill>
+                <a:latin typeface="+mn-lt"/>
+                <a:ea typeface="+mn-ea"/>
+                <a:cs typeface="+mn-cs"/>
+              </a:defRPr>
+            </a:lvl2pPr>
+            <a:lvl3pPr marL="726948" indent="-342900" algn="l" defTabSz="914400" rtl="0" eaLnBrk="1" latinLnBrk="1" hangingPunct="1">
+              <a:lnSpc>
+                <a:spcPct val="90000"/>
+              </a:lnSpc>
+              <a:spcBef>
+                <a:spcPts val="200"/>
+              </a:spcBef>
+              <a:spcAft>
+                <a:spcPts val="400"/>
+              </a:spcAft>
+              <a:buClr>
+                <a:schemeClr val="accent1"/>
+              </a:buClr>
+              <a:buFont typeface="+mj-lt"/>
+              <a:buAutoNum type="arabicParenR"/>
+              <a:defRPr sz="1400" kern="1200">
+                <a:solidFill>
+                  <a:schemeClr val="tx1">
+                    <a:lumMod val="75000"/>
+                    <a:lumOff val="25000"/>
+                  </a:schemeClr>
+                </a:solidFill>
+                <a:latin typeface="+mn-lt"/>
+                <a:ea typeface="+mn-ea"/>
+                <a:cs typeface="+mn-cs"/>
+              </a:defRPr>
+            </a:lvl3pPr>
+            <a:lvl4pPr marL="749808" indent="-182880" algn="l" defTabSz="914400" rtl="0" eaLnBrk="1" latinLnBrk="1" hangingPunct="1">
+              <a:lnSpc>
+                <a:spcPct val="90000"/>
+              </a:lnSpc>
+              <a:spcBef>
+                <a:spcPts val="200"/>
+              </a:spcBef>
+              <a:spcAft>
+                <a:spcPts val="400"/>
+              </a:spcAft>
+              <a:buClr>
+                <a:schemeClr val="accent1"/>
+              </a:buClr>
+              <a:buFont typeface="Arial" panose="020B0604020202020204" pitchFamily="34" charset="0"/>
+              <a:buChar char="•"/>
+              <a:defRPr sz="1400" kern="1200">
+                <a:solidFill>
+                  <a:schemeClr val="tx1">
+                    <a:lumMod val="75000"/>
+                    <a:lumOff val="25000"/>
+                  </a:schemeClr>
+                </a:solidFill>
+                <a:latin typeface="+mn-lt"/>
+                <a:ea typeface="+mn-ea"/>
+                <a:cs typeface="+mn-cs"/>
+              </a:defRPr>
+            </a:lvl4pPr>
+            <a:lvl5pPr marL="932688" indent="-182880" algn="l" defTabSz="914400" rtl="0" eaLnBrk="1" latinLnBrk="1" hangingPunct="1">
+              <a:lnSpc>
+                <a:spcPct val="90000"/>
+              </a:lnSpc>
+              <a:spcBef>
+                <a:spcPts val="200"/>
+              </a:spcBef>
+              <a:spcAft>
+                <a:spcPts val="400"/>
+              </a:spcAft>
+              <a:buClr>
+                <a:schemeClr val="accent1"/>
+              </a:buClr>
+              <a:buFont typeface="Wingdings" panose="05000000000000000000" pitchFamily="2" charset="2"/>
+              <a:buChar char="Ø"/>
+              <a:defRPr sz="1400" kern="1200">
+                <a:solidFill>
+                  <a:schemeClr val="tx1">
+                    <a:lumMod val="75000"/>
+                    <a:lumOff val="25000"/>
+                  </a:schemeClr>
+                </a:solidFill>
+                <a:latin typeface="+mn-lt"/>
+                <a:ea typeface="+mn-ea"/>
+                <a:cs typeface="+mn-cs"/>
+              </a:defRPr>
+            </a:lvl5pPr>
+            <a:lvl6pPr marL="1100000" indent="-228600" algn="l" defTabSz="914400" rtl="0" eaLnBrk="1" latinLnBrk="1" hangingPunct="1">
+              <a:lnSpc>
+                <a:spcPct val="90000"/>
+              </a:lnSpc>
+              <a:spcBef>
+                <a:spcPts val="200"/>
+              </a:spcBef>
+              <a:spcAft>
+                <a:spcPts val="400"/>
+              </a:spcAft>
+              <a:buClr>
+                <a:schemeClr val="accent1"/>
+              </a:buClr>
+              <a:buFont typeface="Calibri" pitchFamily="34" charset="0"/>
+              <a:buChar char="◦"/>
+              <a:defRPr sz="1400" kern="1200">
+                <a:solidFill>
+                  <a:schemeClr val="tx1">
+                    <a:lumMod val="75000"/>
+                    <a:lumOff val="25000"/>
+                  </a:schemeClr>
+                </a:solidFill>
+                <a:latin typeface="+mn-lt"/>
+                <a:ea typeface="+mn-ea"/>
+                <a:cs typeface="+mn-cs"/>
+              </a:defRPr>
+            </a:lvl6pPr>
+            <a:lvl7pPr marL="1300000" indent="-228600" algn="l" defTabSz="914400" rtl="0" eaLnBrk="1" latinLnBrk="1" hangingPunct="1">
+              <a:lnSpc>
+                <a:spcPct val="90000"/>
+              </a:lnSpc>
+              <a:spcBef>
+                <a:spcPts val="200"/>
+              </a:spcBef>
+              <a:spcAft>
+                <a:spcPts val="400"/>
+              </a:spcAft>
+              <a:buClr>
+                <a:schemeClr val="accent1"/>
+              </a:buClr>
+              <a:buFont typeface="Calibri" pitchFamily="34" charset="0"/>
+              <a:buChar char="◦"/>
+              <a:defRPr sz="1400" kern="1200">
+                <a:solidFill>
+                  <a:schemeClr val="tx1">
+                    <a:lumMod val="75000"/>
+                    <a:lumOff val="25000"/>
+                  </a:schemeClr>
+                </a:solidFill>
+                <a:latin typeface="+mn-lt"/>
+                <a:ea typeface="+mn-ea"/>
+                <a:cs typeface="+mn-cs"/>
+              </a:defRPr>
+            </a:lvl7pPr>
+            <a:lvl8pPr marL="1500000" indent="-228600" algn="l" defTabSz="914400" rtl="0" eaLnBrk="1" latinLnBrk="1" hangingPunct="1">
+              <a:lnSpc>
+                <a:spcPct val="90000"/>
+              </a:lnSpc>
+              <a:spcBef>
+                <a:spcPts val="200"/>
+              </a:spcBef>
+              <a:spcAft>
+                <a:spcPts val="400"/>
+              </a:spcAft>
+              <a:buClr>
+                <a:schemeClr val="accent1"/>
+              </a:buClr>
+              <a:buFont typeface="Calibri" pitchFamily="34" charset="0"/>
+              <a:buChar char="◦"/>
+              <a:defRPr sz="1400" kern="1200">
+                <a:solidFill>
+                  <a:schemeClr val="tx1">
+                    <a:lumMod val="75000"/>
+                    <a:lumOff val="25000"/>
+                  </a:schemeClr>
+                </a:solidFill>
+                <a:latin typeface="+mn-lt"/>
+                <a:ea typeface="+mn-ea"/>
+                <a:cs typeface="+mn-cs"/>
+              </a:defRPr>
+            </a:lvl8pPr>
+            <a:lvl9pPr marL="1700000" indent="-228600" algn="l" defTabSz="914400" rtl="0" eaLnBrk="1" latinLnBrk="1" hangingPunct="1">
+              <a:lnSpc>
+                <a:spcPct val="90000"/>
+              </a:lnSpc>
+              <a:spcBef>
+                <a:spcPts val="200"/>
+              </a:spcBef>
+              <a:spcAft>
+                <a:spcPts val="400"/>
+              </a:spcAft>
+              <a:buClr>
+                <a:schemeClr val="accent1"/>
+              </a:buClr>
+              <a:buFont typeface="Calibri" pitchFamily="34" charset="0"/>
+              <a:buChar char="◦"/>
+              <a:defRPr sz="1400" kern="1200">
+                <a:solidFill>
+                  <a:schemeClr val="tx1">
+                    <a:lumMod val="75000"/>
+                    <a:lumOff val="25000"/>
+                  </a:schemeClr>
+                </a:solidFill>
+                <a:latin typeface="+mn-lt"/>
+                <a:ea typeface="+mn-ea"/>
+                <a:cs typeface="+mn-cs"/>
+              </a:defRPr>
+            </a:lvl9pPr>
+          </a:lstStyle>
+          <a:p>
+            <a:r>
+              <a:rPr lang="en-US" altLang="ko-KR" dirty="0"/>
+              <a:t> 1x1</a:t>
+            </a:r>
+            <a:r>
+              <a:rPr lang="ko-KR" altLang="en-US" dirty="0"/>
+              <a:t>부터 </a:t>
+            </a:r>
+            <a:r>
+              <a:rPr lang="en-US" altLang="ko-KR" dirty="0"/>
+              <a:t>9x9</a:t>
+            </a:r>
+            <a:r>
+              <a:rPr lang="ko-KR" altLang="en-US" dirty="0"/>
+              <a:t>까지 자유롭게 네트워크 생성 가능</a:t>
+            </a:r>
+            <a:endParaRPr lang="en-US" altLang="ko-KR" dirty="0"/>
+          </a:p>
+          <a:p>
+            <a:r>
+              <a:rPr lang="en-US" altLang="ko-KR" dirty="0"/>
+              <a:t> flow</a:t>
+            </a:r>
+            <a:r>
+              <a:rPr lang="ko-KR" altLang="en-US" dirty="0"/>
+              <a:t> </a:t>
+            </a:r>
+            <a:r>
+              <a:rPr lang="en-US" altLang="ko-KR" dirty="0"/>
+              <a:t>vehicle</a:t>
+            </a:r>
+            <a:r>
+              <a:rPr lang="ko-KR" altLang="en-US" dirty="0"/>
+              <a:t> 지정도 자동으로 가능</a:t>
+            </a:r>
+            <a:endParaRPr lang="en-US" altLang="ko-KR" dirty="0"/>
+          </a:p>
+          <a:p>
+            <a:r>
+              <a:rPr lang="ko-KR" altLang="en-US" dirty="0"/>
+              <a:t> </a:t>
+            </a:r>
+            <a:r>
+              <a:rPr lang="en-US" altLang="ko-KR" dirty="0"/>
+              <a:t>flow vehicle </a:t>
+            </a:r>
+            <a:r>
+              <a:rPr lang="ko-KR" altLang="en-US" dirty="0"/>
+              <a:t>의 </a:t>
+            </a:r>
+            <a:r>
+              <a:rPr lang="en-US" altLang="ko-KR" dirty="0"/>
+              <a:t>via(</a:t>
+            </a:r>
+            <a:r>
+              <a:rPr lang="ko-KR" altLang="en-US" dirty="0"/>
+              <a:t>강제 경로 설정</a:t>
+            </a:r>
+            <a:r>
+              <a:rPr lang="en-US" altLang="ko-KR" dirty="0"/>
+              <a:t>)</a:t>
+            </a:r>
+            <a:r>
+              <a:rPr lang="ko-KR" altLang="en-US" dirty="0"/>
+              <a:t> 설정 </a:t>
+            </a:r>
+            <a:r>
+              <a:rPr lang="en-US" altLang="ko-KR" dirty="0"/>
+              <a:t>X</a:t>
+            </a:r>
+            <a:br>
+              <a:rPr lang="en-US" altLang="ko-KR" dirty="0"/>
+            </a:br>
+            <a:r>
+              <a:rPr lang="en-US" altLang="ko-KR" dirty="0">
+                <a:sym typeface="Wingdings" panose="05000000000000000000" pitchFamily="2" charset="2"/>
+              </a:rPr>
+              <a:t> </a:t>
+            </a:r>
+            <a:r>
+              <a:rPr lang="ko-KR" altLang="en-US" dirty="0">
+                <a:sym typeface="Wingdings" panose="05000000000000000000" pitchFamily="2" charset="2"/>
+              </a:rPr>
+              <a:t>이후 실험에서 좌회전 비율에  따라 설정</a:t>
+            </a:r>
+            <a:endParaRPr lang="en-US" altLang="ko-KR" dirty="0">
+              <a:sym typeface="Wingdings" panose="05000000000000000000" pitchFamily="2" charset="2"/>
+            </a:endParaRPr>
+          </a:p>
+          <a:p>
+            <a:endParaRPr lang="en-US" altLang="ko-KR" dirty="0">
+              <a:sym typeface="Wingdings" panose="05000000000000000000" pitchFamily="2" charset="2"/>
+            </a:endParaRPr>
+          </a:p>
+          <a:p>
+            <a:r>
+              <a:rPr lang="en-US" altLang="ko-KR" dirty="0">
+                <a:sym typeface="Wingdings" panose="05000000000000000000" pitchFamily="2" charset="2"/>
+              </a:rPr>
+              <a:t> </a:t>
+            </a:r>
+            <a:r>
+              <a:rPr lang="ko-KR" altLang="en-US" dirty="0">
+                <a:sym typeface="Wingdings" panose="05000000000000000000" pitchFamily="2" charset="2"/>
+              </a:rPr>
+              <a:t>해야할 부분</a:t>
+            </a:r>
+            <a:endParaRPr lang="en-US" altLang="ko-KR" dirty="0">
+              <a:sym typeface="Wingdings" panose="05000000000000000000" pitchFamily="2" charset="2"/>
+            </a:endParaRPr>
+          </a:p>
+          <a:p>
+            <a:pPr lvl="1"/>
+            <a:r>
+              <a:rPr lang="en-US" altLang="ko-KR" dirty="0">
+                <a:sym typeface="Wingdings" panose="05000000000000000000" pitchFamily="2" charset="2"/>
+              </a:rPr>
+              <a:t>U-turn </a:t>
+            </a:r>
+            <a:r>
+              <a:rPr lang="ko-KR" altLang="en-US" dirty="0">
+                <a:sym typeface="Wingdings" panose="05000000000000000000" pitchFamily="2" charset="2"/>
+              </a:rPr>
+              <a:t>신호 </a:t>
+            </a:r>
+            <a:r>
+              <a:rPr lang="en-US" altLang="ko-KR" dirty="0">
+                <a:sym typeface="Wingdings" panose="05000000000000000000" pitchFamily="2" charset="2"/>
+              </a:rPr>
+              <a:t>connection </a:t>
+            </a:r>
+            <a:r>
+              <a:rPr lang="ko-KR" altLang="en-US" dirty="0">
+                <a:sym typeface="Wingdings" panose="05000000000000000000" pitchFamily="2" charset="2"/>
+              </a:rPr>
+              <a:t>제거</a:t>
+            </a:r>
+            <a:endParaRPr lang="en-US" altLang="ko-KR" dirty="0">
+              <a:sym typeface="Wingdings" panose="05000000000000000000" pitchFamily="2" charset="2"/>
+            </a:endParaRPr>
+          </a:p>
+          <a:p>
+            <a:pPr lvl="1"/>
+            <a:r>
+              <a:rPr lang="en-US" altLang="ko-KR" dirty="0">
+                <a:sym typeface="Wingdings" panose="05000000000000000000" pitchFamily="2" charset="2"/>
+              </a:rPr>
+              <a:t>Traffic light </a:t>
+            </a:r>
+            <a:r>
+              <a:rPr lang="ko-KR" altLang="en-US" dirty="0">
+                <a:sym typeface="Wingdings" panose="05000000000000000000" pitchFamily="2" charset="2"/>
+              </a:rPr>
+              <a:t>설정 </a:t>
+            </a:r>
+            <a:r>
+              <a:rPr lang="en-US" altLang="ko-KR" dirty="0">
+                <a:sym typeface="Wingdings" panose="05000000000000000000" pitchFamily="2" charset="2"/>
+              </a:rPr>
+              <a:t>(</a:t>
+            </a:r>
+            <a:r>
+              <a:rPr lang="ko-KR" altLang="en-US" dirty="0">
+                <a:sym typeface="Wingdings" panose="05000000000000000000" pitchFamily="2" charset="2"/>
+              </a:rPr>
+              <a:t>논의 필요</a:t>
+            </a:r>
+            <a:r>
+              <a:rPr lang="en-US" altLang="ko-KR" dirty="0">
+                <a:sym typeface="Wingdings" panose="05000000000000000000" pitchFamily="2" charset="2"/>
+              </a:rPr>
+              <a:t>)</a:t>
+            </a:r>
+          </a:p>
+          <a:p>
+            <a:pPr lvl="1"/>
+            <a:r>
+              <a:rPr lang="en-US" altLang="ko-KR" dirty="0">
+                <a:sym typeface="Wingdings" panose="05000000000000000000" pitchFamily="2" charset="2"/>
+              </a:rPr>
+              <a:t>Learning rate decay, hyperparameter </a:t>
+            </a:r>
+            <a:r>
+              <a:rPr lang="ko-KR" altLang="en-US" dirty="0">
+                <a:sym typeface="Wingdings" panose="05000000000000000000" pitchFamily="2" charset="2"/>
+              </a:rPr>
+              <a:t>추가 필요</a:t>
+            </a:r>
+            <a:endParaRPr lang="en-US" altLang="ko-KR" dirty="0">
+              <a:sym typeface="Wingdings" panose="05000000000000000000" pitchFamily="2" charset="2"/>
+            </a:endParaRPr>
+          </a:p>
+        </p:txBody>
+      </p:sp>
     </p:spTree>
     <p:extLst>
       <p:ext uri="{BB962C8B-B14F-4D97-AF65-F5344CB8AC3E}">
-        <p14:creationId xmlns:p14="http://schemas.microsoft.com/office/powerpoint/2010/main" val="2293835521"/>
+        <p14:creationId xmlns:p14="http://schemas.microsoft.com/office/powerpoint/2010/main" val="3442138415"/>
       </p:ext>
     </p:extLst>
   </p:cSld>
@@ -16253,7 +15394,13 @@
       </p:grpSpPr>
       <p:sp>
         <p:nvSpPr>
-          <p:cNvPr id="2" name="제목 1"/>
+          <p:cNvPr id="2" name="제목 1">
+            <a:extLst>
+              <a:ext uri="{FF2B5EF4-FFF2-40B4-BE49-F238E27FC236}">
+                <a16:creationId xmlns:a16="http://schemas.microsoft.com/office/drawing/2014/main" id="{D2FE6A72-772D-40C9-9DF2-A64995B531F9}"/>
+              </a:ext>
+            </a:extLst>
+          </p:cNvPr>
           <p:cNvSpPr>
             <a:spLocks noGrp="1"/>
           </p:cNvSpPr>
@@ -16268,15 +15415,32 @@
           <a:p>
             <a:r>
               <a:rPr lang="en-US" altLang="ko-KR" dirty="0"/>
-              <a:t>Result &amp; Conclusion</a:t>
-            </a:r>
-            <a:endParaRPr lang="ko-KR" altLang="en-US" dirty="0"/>
-          </a:p>
-        </p:txBody>
-      </p:sp>
-      <p:sp>
-        <p:nvSpPr>
-          <p:cNvPr id="3" name="내용 개체 틀 2"/>
+              <a:t>SUMO</a:t>
+            </a:r>
+            <a:r>
+              <a:rPr lang="ko-KR" altLang="en-US" dirty="0"/>
+              <a:t>를 활용한 </a:t>
+            </a:r>
+            <a:r>
+              <a:rPr lang="en-US" altLang="ko-KR" dirty="0"/>
+              <a:t>Data </a:t>
+            </a:r>
+            <a:r>
+              <a:rPr lang="ko-KR" altLang="en-US" dirty="0"/>
+              <a:t>생성</a:t>
+            </a:r>
+          </a:p>
+        </p:txBody>
+      </p:sp>
+      <p:sp>
+        <p:nvSpPr>
+          <p:cNvPr id="3" name="내용 개체 틀 2">
+            <a:extLst>
+              <a:ext uri="{FF2B5EF4-FFF2-40B4-BE49-F238E27FC236}">
+                <a16:creationId xmlns:a16="http://schemas.microsoft.com/office/drawing/2014/main" id="{50A696CB-C6C9-4515-9DD9-161E2ECB8174}"/>
+              </a:ext>
+            </a:extLst>
+          </p:cNvPr>
           <p:cNvSpPr>
             <a:spLocks noGrp="1"/>
           </p:cNvSpPr>
@@ -16291,120 +15455,901 @@
           <a:p>
             <a:r>
               <a:rPr lang="en-US" altLang="ko-KR" dirty="0"/>
-              <a:t> Impact of Parameter Sharing (Super Agent)</a:t>
-            </a:r>
-          </a:p>
-          <a:p>
-            <a:pPr lvl="1"/>
-            <a:r>
-              <a:rPr lang="en-US" altLang="ko-KR" dirty="0"/>
-              <a:t>Parameter sharing enables our model to converge faster</a:t>
-            </a:r>
-            <a:br>
-              <a:rPr lang="en-US" altLang="ko-KR" dirty="0"/>
-            </a:br>
-            <a:r>
-              <a:rPr lang="en-US" altLang="ko-KR" dirty="0">
-                <a:sym typeface="Wingdings" panose="05000000000000000000" pitchFamily="2" charset="2"/>
-              </a:rPr>
-              <a:t> Effectiveness of parameter sharing </a:t>
-            </a:r>
-          </a:p>
-          <a:p>
-            <a:pPr lvl="1"/>
-            <a:endParaRPr lang="en-US" altLang="ko-KR" dirty="0">
-              <a:sym typeface="Wingdings" panose="05000000000000000000" pitchFamily="2" charset="2"/>
-            </a:endParaRPr>
-          </a:p>
-          <a:p>
-            <a:pPr marL="201168" lvl="1" indent="0">
-              <a:buNone/>
-            </a:pPr>
-            <a:endParaRPr lang="en-US" altLang="ko-KR" dirty="0">
-              <a:sym typeface="Wingdings" panose="05000000000000000000" pitchFamily="2" charset="2"/>
-            </a:endParaRPr>
-          </a:p>
-          <a:p>
-            <a:r>
-              <a:rPr lang="en-US" altLang="ko-KR" dirty="0">
-                <a:sym typeface="Wingdings" panose="05000000000000000000" pitchFamily="2" charset="2"/>
-              </a:rPr>
-              <a:t> Conclusion</a:t>
-            </a:r>
-          </a:p>
-          <a:p>
-            <a:pPr lvl="1"/>
-            <a:r>
-              <a:rPr lang="en-US" altLang="ko-KR" dirty="0">
-                <a:sym typeface="Wingdings" panose="05000000000000000000" pitchFamily="2" charset="2"/>
-              </a:rPr>
-              <a:t>Need more elaborate design for coordination and cooperation among neighboring intersection</a:t>
-            </a:r>
-            <a:br>
-              <a:rPr lang="en-US" altLang="ko-KR" dirty="0">
-                <a:sym typeface="Wingdings" panose="05000000000000000000" pitchFamily="2" charset="2"/>
-              </a:rPr>
-            </a:br>
-            <a:r>
-              <a:rPr lang="en-US" altLang="ko-KR" dirty="0">
-                <a:sym typeface="Wingdings" panose="05000000000000000000" pitchFamily="2" charset="2"/>
-              </a:rPr>
-              <a:t> </a:t>
-            </a:r>
-            <a:r>
-              <a:rPr lang="en-US" altLang="ko-KR" dirty="0" err="1">
-                <a:sym typeface="Wingdings" panose="05000000000000000000" pitchFamily="2" charset="2"/>
-              </a:rPr>
-              <a:t>MetaLight</a:t>
-            </a:r>
-            <a:r>
-              <a:rPr lang="en-US" altLang="ko-KR" dirty="0">
-                <a:sym typeface="Wingdings" panose="05000000000000000000" pitchFamily="2" charset="2"/>
-              </a:rPr>
-              <a:t>(Faster Learning)</a:t>
-            </a:r>
-            <a:br>
-              <a:rPr lang="en-US" altLang="ko-KR" dirty="0">
-                <a:sym typeface="Wingdings" panose="05000000000000000000" pitchFamily="2" charset="2"/>
-              </a:rPr>
-            </a:br>
-            <a:r>
-              <a:rPr lang="en-US" altLang="ko-KR" dirty="0">
-                <a:sym typeface="Wingdings" panose="05000000000000000000" pitchFamily="2" charset="2"/>
-              </a:rPr>
-              <a:t> Multi-agent learning(scalable)</a:t>
-            </a:r>
-          </a:p>
-        </p:txBody>
-      </p:sp>
-      <p:pic>
-        <p:nvPicPr>
-          <p:cNvPr id="4" name="그림 3"/>
-          <p:cNvPicPr>
-            <a:picLocks noChangeAspect="1"/>
-          </p:cNvPicPr>
+              <a:t> </a:t>
+            </a:r>
+            <a:r>
+              <a:rPr lang="ko-KR" altLang="en-US" dirty="0"/>
+              <a:t>제작한 </a:t>
+            </a:r>
+            <a:r>
+              <a:rPr lang="en-US" altLang="ko-KR" dirty="0"/>
+              <a:t>Code</a:t>
+            </a:r>
+            <a:r>
+              <a:rPr lang="ko-KR" altLang="en-US" dirty="0"/>
+              <a:t>의 구성</a:t>
+            </a:r>
+            <a:r>
+              <a:rPr lang="en-US" altLang="ko-KR" dirty="0"/>
+              <a:t>(</a:t>
+            </a:r>
+            <a:r>
+              <a:rPr lang="en-US" altLang="ko-KR" dirty="0" err="1"/>
+              <a:t>Pytorch</a:t>
+            </a:r>
+            <a:r>
+              <a:rPr lang="en-US" altLang="ko-KR" dirty="0"/>
+              <a:t> based)</a:t>
+            </a:r>
+            <a:endParaRPr lang="ko-KR" altLang="en-US" dirty="0"/>
+          </a:p>
+        </p:txBody>
+      </p:sp>
+      <p:sp>
+        <p:nvSpPr>
+          <p:cNvPr id="4" name="사각형: 둥근 모서리 3">
+            <a:extLst>
+              <a:ext uri="{FF2B5EF4-FFF2-40B4-BE49-F238E27FC236}">
+                <a16:creationId xmlns:a16="http://schemas.microsoft.com/office/drawing/2014/main" id="{C6D1BF94-7D06-4819-8E8C-463D299A0B6D}"/>
+              </a:ext>
+            </a:extLst>
+          </p:cNvPr>
+          <p:cNvSpPr/>
           <p:nvPr/>
-        </p:nvPicPr>
-        <p:blipFill>
-          <a:blip r:embed="rId2"/>
-          <a:stretch>
-            <a:fillRect/>
-          </a:stretch>
-        </p:blipFill>
+        </p:nvSpPr>
         <p:spPr>
           <a:xfrm>
-            <a:off x="7697898" y="1953921"/>
-            <a:ext cx="2861698" cy="1229362"/>
+            <a:off x="1540042" y="2486526"/>
+            <a:ext cx="1235242" cy="689811"/>
+          </a:xfrm>
+          <a:prstGeom prst="roundRect">
+            <a:avLst/>
+          </a:prstGeom>
+        </p:spPr>
+        <p:style>
+          <a:lnRef idx="2">
+            <a:schemeClr val="accent1">
+              <a:shade val="50000"/>
+            </a:schemeClr>
+          </a:lnRef>
+          <a:fillRef idx="1">
+            <a:schemeClr val="accent1"/>
+          </a:fillRef>
+          <a:effectRef idx="0">
+            <a:schemeClr val="accent1"/>
+          </a:effectRef>
+          <a:fontRef idx="minor">
+            <a:schemeClr val="lt1"/>
+          </a:fontRef>
+        </p:style>
+        <p:txBody>
+          <a:bodyPr rtlCol="0" anchor="ctr"/>
+          <a:lstStyle/>
+          <a:p>
+            <a:pPr algn="ctr"/>
+            <a:r>
+              <a:rPr lang="en-US" altLang="ko-KR" dirty="0"/>
+              <a:t>Run.py</a:t>
+            </a:r>
+            <a:endParaRPr lang="ko-KR" altLang="en-US" dirty="0"/>
+          </a:p>
+        </p:txBody>
+      </p:sp>
+      <p:sp>
+        <p:nvSpPr>
+          <p:cNvPr id="5" name="사각형: 둥근 모서리 4">
+            <a:extLst>
+              <a:ext uri="{FF2B5EF4-FFF2-40B4-BE49-F238E27FC236}">
+                <a16:creationId xmlns:a16="http://schemas.microsoft.com/office/drawing/2014/main" id="{9F118EF3-9083-4017-9F16-5D41EBDCB596}"/>
+              </a:ext>
+            </a:extLst>
+          </p:cNvPr>
+          <p:cNvSpPr/>
+          <p:nvPr/>
+        </p:nvSpPr>
+        <p:spPr>
+          <a:xfrm>
+            <a:off x="6152416" y="2476542"/>
+            <a:ext cx="1235242" cy="689811"/>
+          </a:xfrm>
+          <a:prstGeom prst="roundRect">
+            <a:avLst/>
+          </a:prstGeom>
+        </p:spPr>
+        <p:style>
+          <a:lnRef idx="2">
+            <a:schemeClr val="accent3">
+              <a:shade val="50000"/>
+            </a:schemeClr>
+          </a:lnRef>
+          <a:fillRef idx="1">
+            <a:schemeClr val="accent3"/>
+          </a:fillRef>
+          <a:effectRef idx="0">
+            <a:schemeClr val="accent3"/>
+          </a:effectRef>
+          <a:fontRef idx="minor">
+            <a:schemeClr val="lt1"/>
+          </a:fontRef>
+        </p:style>
+        <p:txBody>
+          <a:bodyPr rtlCol="0" anchor="ctr"/>
+          <a:lstStyle/>
+          <a:p>
+            <a:pPr algn="ctr"/>
+            <a:r>
+              <a:rPr lang="en-US" altLang="ko-KR" dirty="0"/>
+              <a:t>Env.py</a:t>
+            </a:r>
+            <a:br>
+              <a:rPr lang="en-US" altLang="ko-KR" dirty="0"/>
+            </a:br>
+            <a:r>
+              <a:rPr lang="en-US" altLang="ko-KR" sz="1200" dirty="0"/>
+              <a:t>(Scaling)</a:t>
+            </a:r>
+            <a:endParaRPr lang="en-US" altLang="ko-KR" dirty="0"/>
+          </a:p>
+        </p:txBody>
+      </p:sp>
+      <p:sp>
+        <p:nvSpPr>
+          <p:cNvPr id="6" name="사각형: 둥근 모서리 5">
+            <a:extLst>
+              <a:ext uri="{FF2B5EF4-FFF2-40B4-BE49-F238E27FC236}">
+                <a16:creationId xmlns:a16="http://schemas.microsoft.com/office/drawing/2014/main" id="{FC865608-674B-4AEE-A856-4D8A836E05B8}"/>
+              </a:ext>
+            </a:extLst>
+          </p:cNvPr>
+          <p:cNvSpPr/>
+          <p:nvPr/>
+        </p:nvSpPr>
+        <p:spPr>
+          <a:xfrm>
+            <a:off x="6152416" y="4421210"/>
+            <a:ext cx="1235242" cy="689811"/>
+          </a:xfrm>
+          <a:prstGeom prst="roundRect">
+            <a:avLst/>
+          </a:prstGeom>
+        </p:spPr>
+        <p:style>
+          <a:lnRef idx="2">
+            <a:schemeClr val="accent1">
+              <a:shade val="50000"/>
+            </a:schemeClr>
+          </a:lnRef>
+          <a:fillRef idx="1">
+            <a:schemeClr val="accent1"/>
+          </a:fillRef>
+          <a:effectRef idx="0">
+            <a:schemeClr val="accent1"/>
+          </a:effectRef>
+          <a:fontRef idx="minor">
+            <a:schemeClr val="lt1"/>
+          </a:fontRef>
+        </p:style>
+        <p:txBody>
+          <a:bodyPr rtlCol="0" anchor="ctr"/>
+          <a:lstStyle/>
+          <a:p>
+            <a:pPr algn="ctr"/>
+            <a:r>
+              <a:rPr lang="en-US" altLang="ko-KR" dirty="0"/>
+              <a:t>Dqn.py</a:t>
+            </a:r>
+          </a:p>
+        </p:txBody>
+      </p:sp>
+      <p:sp>
+        <p:nvSpPr>
+          <p:cNvPr id="7" name="사각형: 둥근 모서리 6">
+            <a:extLst>
+              <a:ext uri="{FF2B5EF4-FFF2-40B4-BE49-F238E27FC236}">
+                <a16:creationId xmlns:a16="http://schemas.microsoft.com/office/drawing/2014/main" id="{8D405740-A1EA-4578-8571-399BD17690F1}"/>
+              </a:ext>
+            </a:extLst>
+          </p:cNvPr>
+          <p:cNvSpPr/>
+          <p:nvPr/>
+        </p:nvSpPr>
+        <p:spPr>
+          <a:xfrm>
+            <a:off x="8766099" y="4421210"/>
+            <a:ext cx="1235242" cy="689811"/>
+          </a:xfrm>
+          <a:prstGeom prst="roundRect">
+            <a:avLst/>
+          </a:prstGeom>
+        </p:spPr>
+        <p:style>
+          <a:lnRef idx="2">
+            <a:schemeClr val="accent6">
+              <a:shade val="50000"/>
+            </a:schemeClr>
+          </a:lnRef>
+          <a:fillRef idx="1">
+            <a:schemeClr val="accent6"/>
+          </a:fillRef>
+          <a:effectRef idx="0">
+            <a:schemeClr val="accent6"/>
+          </a:effectRef>
+          <a:fontRef idx="minor">
+            <a:schemeClr val="lt1"/>
+          </a:fontRef>
+        </p:style>
+        <p:txBody>
+          <a:bodyPr rtlCol="0" anchor="ctr"/>
+          <a:lstStyle/>
+          <a:p>
+            <a:pPr algn="ctr"/>
+            <a:r>
+              <a:rPr lang="en-US" altLang="ko-KR" sz="1600" dirty="0"/>
+              <a:t>FRAP.py</a:t>
+            </a:r>
+          </a:p>
+          <a:p>
+            <a:pPr algn="ctr"/>
+            <a:r>
+              <a:rPr lang="en-US" altLang="k